--- a/ smart-buy/Slides/Smart Buy.pptx
+++ b/ smart-buy/Slides/Smart Buy.pptx
@@ -9,14 +9,15 @@
     <p:sldId id="257" r:id="rId3"/>
     <p:sldId id="258" r:id="rId4"/>
     <p:sldId id="259" r:id="rId5"/>
-    <p:sldId id="260" r:id="rId6"/>
-    <p:sldId id="261" r:id="rId7"/>
-    <p:sldId id="262" r:id="rId8"/>
-    <p:sldId id="265" r:id="rId9"/>
-    <p:sldId id="266" r:id="rId10"/>
-    <p:sldId id="267" r:id="rId11"/>
+    <p:sldId id="269" r:id="rId6"/>
+    <p:sldId id="262" r:id="rId7"/>
+    <p:sldId id="265" r:id="rId8"/>
+    <p:sldId id="266" r:id="rId9"/>
+    <p:sldId id="267" r:id="rId10"/>
+    <p:sldId id="261" r:id="rId11"/>
     <p:sldId id="268" r:id="rId12"/>
-    <p:sldId id="264" r:id="rId13"/>
+    <p:sldId id="270" r:id="rId13"/>
+    <p:sldId id="264" r:id="rId14"/>
   </p:sldIdLst>
   <p:sldSz cx="12192000" cy="6858000"/>
   <p:notesSz cx="6858000" cy="9144000"/>
@@ -117,7 +118,7 @@
   </p:defaultTextStyle>
   <p:extLst>
     <p:ext uri="{EFAFB233-063F-42B5-8137-9DF3F51BA10A}">
-      <p15:sldGuideLst xmlns:p15="http://schemas.microsoft.com/office/powerpoint/2012/main"/>
+      <p15:sldGuideLst xmlns:p15="http://schemas.microsoft.com/office/powerpoint/2012/main" xmlns=""/>
     </p:ext>
   </p:extLst>
 </p:presentation>
@@ -126,11 +127,7 @@
 <file path=ppt/commentAuthors.xml><?xml version="1.0" encoding="utf-8"?>
 <p:cmAuthorLst xmlns:a="http://schemas.openxmlformats.org/drawingml/2006/main" xmlns:r="http://schemas.openxmlformats.org/officeDocument/2006/relationships" xmlns:p="http://schemas.openxmlformats.org/presentationml/2006/main">
   <p:cmAuthor id="1" name="Hung Phat" initials="HP" lastIdx="1" clrIdx="0">
-    <p:extLst>
-      <p:ext uri="{19B8F6BF-5375-455C-9EA6-DF929625EA0E}">
-        <p15:presenceInfo xmlns:p15="http://schemas.microsoft.com/office/powerpoint/2012/main" userId="Hung Phat" providerId="None"/>
-      </p:ext>
-    </p:extLst>
+    <p:extLst/>
   </p:cmAuthor>
 </p:cmAuthorLst>
 </file>
@@ -2515,6 +2512,753 @@
     <dgm:fillClrLst meth="repeat">
       <a:schemeClr val="accent2">
         <a:tint val="40000"/>
+      </a:schemeClr>
+    </dgm:fillClrLst>
+    <dgm:linClrLst meth="repeat">
+      <a:schemeClr val="lt1"/>
+    </dgm:linClrLst>
+    <dgm:effectClrLst/>
+    <dgm:txLinClrLst/>
+    <dgm:txFillClrLst meth="repeat">
+      <a:schemeClr val="dk1"/>
+    </dgm:txFillClrLst>
+    <dgm:txEffectClrLst/>
+  </dgm:styleLbl>
+  <dgm:styleLbl name="revTx">
+    <dgm:fillClrLst meth="repeat">
+      <a:schemeClr val="lt1">
+        <a:alpha val="0"/>
+      </a:schemeClr>
+    </dgm:fillClrLst>
+    <dgm:linClrLst meth="repeat">
+      <a:schemeClr val="dk1">
+        <a:alpha val="0"/>
+      </a:schemeClr>
+    </dgm:linClrLst>
+    <dgm:effectClrLst/>
+    <dgm:txLinClrLst/>
+    <dgm:txFillClrLst meth="repeat">
+      <a:schemeClr val="tx1"/>
+    </dgm:txFillClrLst>
+    <dgm:txEffectClrLst/>
+  </dgm:styleLbl>
+</dgm:colorsDef>
+</file>
+
+<file path=ppt/diagrams/colors4.xml><?xml version="1.0" encoding="utf-8"?>
+<dgm:colorsDef xmlns:dgm="http://schemas.openxmlformats.org/drawingml/2006/diagram" xmlns:a="http://schemas.openxmlformats.org/drawingml/2006/main" uniqueId="urn:microsoft.com/office/officeart/2005/8/colors/accent1_2">
+  <dgm:title val=""/>
+  <dgm:desc val=""/>
+  <dgm:catLst>
+    <dgm:cat type="accent1" pri="11200"/>
+  </dgm:catLst>
+  <dgm:styleLbl name="node0">
+    <dgm:fillClrLst meth="repeat">
+      <a:schemeClr val="accent1"/>
+    </dgm:fillClrLst>
+    <dgm:linClrLst meth="repeat">
+      <a:schemeClr val="lt1"/>
+    </dgm:linClrLst>
+    <dgm:effectClrLst/>
+    <dgm:txLinClrLst/>
+    <dgm:txFillClrLst/>
+    <dgm:txEffectClrLst/>
+  </dgm:styleLbl>
+  <dgm:styleLbl name="alignNode1">
+    <dgm:fillClrLst meth="repeat">
+      <a:schemeClr val="accent1"/>
+    </dgm:fillClrLst>
+    <dgm:linClrLst meth="repeat">
+      <a:schemeClr val="accent1"/>
+    </dgm:linClrLst>
+    <dgm:effectClrLst/>
+    <dgm:txLinClrLst/>
+    <dgm:txFillClrLst/>
+    <dgm:txEffectClrLst/>
+  </dgm:styleLbl>
+  <dgm:styleLbl name="node1">
+    <dgm:fillClrLst meth="repeat">
+      <a:schemeClr val="accent1"/>
+    </dgm:fillClrLst>
+    <dgm:linClrLst meth="repeat">
+      <a:schemeClr val="lt1"/>
+    </dgm:linClrLst>
+    <dgm:effectClrLst/>
+    <dgm:txLinClrLst/>
+    <dgm:txFillClrLst/>
+    <dgm:txEffectClrLst/>
+  </dgm:styleLbl>
+  <dgm:styleLbl name="lnNode1">
+    <dgm:fillClrLst meth="repeat">
+      <a:schemeClr val="accent1"/>
+    </dgm:fillClrLst>
+    <dgm:linClrLst meth="repeat">
+      <a:schemeClr val="lt1"/>
+    </dgm:linClrLst>
+    <dgm:effectClrLst/>
+    <dgm:txLinClrLst/>
+    <dgm:txFillClrLst/>
+    <dgm:txEffectClrLst/>
+  </dgm:styleLbl>
+  <dgm:styleLbl name="vennNode1">
+    <dgm:fillClrLst meth="repeat">
+      <a:schemeClr val="accent1">
+        <a:alpha val="50000"/>
+      </a:schemeClr>
+    </dgm:fillClrLst>
+    <dgm:linClrLst meth="repeat">
+      <a:schemeClr val="lt1"/>
+    </dgm:linClrLst>
+    <dgm:effectClrLst/>
+    <dgm:txLinClrLst/>
+    <dgm:txFillClrLst/>
+    <dgm:txEffectClrLst/>
+  </dgm:styleLbl>
+  <dgm:styleLbl name="node2">
+    <dgm:fillClrLst meth="repeat">
+      <a:schemeClr val="accent1"/>
+    </dgm:fillClrLst>
+    <dgm:linClrLst meth="repeat">
+      <a:schemeClr val="lt1"/>
+    </dgm:linClrLst>
+    <dgm:effectClrLst/>
+    <dgm:txLinClrLst/>
+    <dgm:txFillClrLst/>
+    <dgm:txEffectClrLst/>
+  </dgm:styleLbl>
+  <dgm:styleLbl name="node3">
+    <dgm:fillClrLst meth="repeat">
+      <a:schemeClr val="accent1"/>
+    </dgm:fillClrLst>
+    <dgm:linClrLst meth="repeat">
+      <a:schemeClr val="lt1"/>
+    </dgm:linClrLst>
+    <dgm:effectClrLst/>
+    <dgm:txLinClrLst/>
+    <dgm:txFillClrLst/>
+    <dgm:txEffectClrLst/>
+  </dgm:styleLbl>
+  <dgm:styleLbl name="node4">
+    <dgm:fillClrLst meth="repeat">
+      <a:schemeClr val="accent1"/>
+    </dgm:fillClrLst>
+    <dgm:linClrLst meth="repeat">
+      <a:schemeClr val="lt1"/>
+    </dgm:linClrLst>
+    <dgm:effectClrLst/>
+    <dgm:txLinClrLst/>
+    <dgm:txFillClrLst/>
+    <dgm:txEffectClrLst/>
+  </dgm:styleLbl>
+  <dgm:styleLbl name="fgImgPlace1">
+    <dgm:fillClrLst meth="repeat">
+      <a:schemeClr val="accent1">
+        <a:tint val="50000"/>
+      </a:schemeClr>
+    </dgm:fillClrLst>
+    <dgm:linClrLst meth="repeat">
+      <a:schemeClr val="lt1"/>
+    </dgm:linClrLst>
+    <dgm:effectClrLst/>
+    <dgm:txLinClrLst/>
+    <dgm:txFillClrLst meth="repeat">
+      <a:schemeClr val="lt1"/>
+    </dgm:txFillClrLst>
+    <dgm:txEffectClrLst/>
+  </dgm:styleLbl>
+  <dgm:styleLbl name="alignImgPlace1">
+    <dgm:fillClrLst meth="repeat">
+      <a:schemeClr val="accent1">
+        <a:tint val="50000"/>
+      </a:schemeClr>
+    </dgm:fillClrLst>
+    <dgm:linClrLst meth="repeat">
+      <a:schemeClr val="lt1"/>
+    </dgm:linClrLst>
+    <dgm:effectClrLst/>
+    <dgm:txLinClrLst/>
+    <dgm:txFillClrLst meth="repeat">
+      <a:schemeClr val="lt1"/>
+    </dgm:txFillClrLst>
+    <dgm:txEffectClrLst/>
+  </dgm:styleLbl>
+  <dgm:styleLbl name="bgImgPlace1">
+    <dgm:fillClrLst meth="repeat">
+      <a:schemeClr val="accent1">
+        <a:tint val="50000"/>
+      </a:schemeClr>
+    </dgm:fillClrLst>
+    <dgm:linClrLst meth="repeat">
+      <a:schemeClr val="lt1"/>
+    </dgm:linClrLst>
+    <dgm:effectClrLst/>
+    <dgm:txLinClrLst/>
+    <dgm:txFillClrLst meth="repeat">
+      <a:schemeClr val="lt1"/>
+    </dgm:txFillClrLst>
+    <dgm:txEffectClrLst/>
+  </dgm:styleLbl>
+  <dgm:styleLbl name="sibTrans2D1">
+    <dgm:fillClrLst meth="repeat">
+      <a:schemeClr val="accent1">
+        <a:tint val="60000"/>
+      </a:schemeClr>
+    </dgm:fillClrLst>
+    <dgm:linClrLst meth="repeat">
+      <a:schemeClr val="accent1">
+        <a:tint val="60000"/>
+      </a:schemeClr>
+    </dgm:linClrLst>
+    <dgm:effectClrLst/>
+    <dgm:txLinClrLst/>
+    <dgm:txFillClrLst/>
+    <dgm:txEffectClrLst/>
+  </dgm:styleLbl>
+  <dgm:styleLbl name="fgSibTrans2D1">
+    <dgm:fillClrLst meth="repeat">
+      <a:schemeClr val="accent1">
+        <a:tint val="60000"/>
+      </a:schemeClr>
+    </dgm:fillClrLst>
+    <dgm:linClrLst meth="repeat">
+      <a:schemeClr val="accent1">
+        <a:tint val="60000"/>
+      </a:schemeClr>
+    </dgm:linClrLst>
+    <dgm:effectClrLst/>
+    <dgm:txLinClrLst/>
+    <dgm:txFillClrLst/>
+    <dgm:txEffectClrLst/>
+  </dgm:styleLbl>
+  <dgm:styleLbl name="bgSibTrans2D1">
+    <dgm:fillClrLst meth="repeat">
+      <a:schemeClr val="accent1">
+        <a:tint val="60000"/>
+      </a:schemeClr>
+    </dgm:fillClrLst>
+    <dgm:linClrLst meth="repeat">
+      <a:schemeClr val="accent1">
+        <a:tint val="60000"/>
+      </a:schemeClr>
+    </dgm:linClrLst>
+    <dgm:effectClrLst/>
+    <dgm:txLinClrLst/>
+    <dgm:txFillClrLst/>
+    <dgm:txEffectClrLst/>
+  </dgm:styleLbl>
+  <dgm:styleLbl name="sibTrans1D1">
+    <dgm:fillClrLst meth="repeat">
+      <a:schemeClr val="accent1"/>
+    </dgm:fillClrLst>
+    <dgm:linClrLst meth="repeat">
+      <a:schemeClr val="accent1"/>
+    </dgm:linClrLst>
+    <dgm:effectClrLst/>
+    <dgm:txLinClrLst/>
+    <dgm:txFillClrLst meth="repeat">
+      <a:schemeClr val="tx1"/>
+    </dgm:txFillClrLst>
+    <dgm:txEffectClrLst/>
+  </dgm:styleLbl>
+  <dgm:styleLbl name="callout">
+    <dgm:fillClrLst meth="repeat">
+      <a:schemeClr val="accent1"/>
+    </dgm:fillClrLst>
+    <dgm:linClrLst meth="repeat">
+      <a:schemeClr val="accent1">
+        <a:tint val="50000"/>
+      </a:schemeClr>
+    </dgm:linClrLst>
+    <dgm:effectClrLst/>
+    <dgm:txLinClrLst/>
+    <dgm:txFillClrLst meth="repeat">
+      <a:schemeClr val="tx1"/>
+    </dgm:txFillClrLst>
+    <dgm:txEffectClrLst/>
+  </dgm:styleLbl>
+  <dgm:styleLbl name="asst0">
+    <dgm:fillClrLst meth="repeat">
+      <a:schemeClr val="accent1"/>
+    </dgm:fillClrLst>
+    <dgm:linClrLst meth="repeat">
+      <a:schemeClr val="lt1"/>
+    </dgm:linClrLst>
+    <dgm:effectClrLst/>
+    <dgm:txLinClrLst/>
+    <dgm:txFillClrLst/>
+    <dgm:txEffectClrLst/>
+  </dgm:styleLbl>
+  <dgm:styleLbl name="asst1">
+    <dgm:fillClrLst meth="repeat">
+      <a:schemeClr val="accent1"/>
+    </dgm:fillClrLst>
+    <dgm:linClrLst meth="repeat">
+      <a:schemeClr val="lt1"/>
+    </dgm:linClrLst>
+    <dgm:effectClrLst/>
+    <dgm:txLinClrLst/>
+    <dgm:txFillClrLst/>
+    <dgm:txEffectClrLst/>
+  </dgm:styleLbl>
+  <dgm:styleLbl name="asst2">
+    <dgm:fillClrLst meth="repeat">
+      <a:schemeClr val="accent1"/>
+    </dgm:fillClrLst>
+    <dgm:linClrLst meth="repeat">
+      <a:schemeClr val="lt1"/>
+    </dgm:linClrLst>
+    <dgm:effectClrLst/>
+    <dgm:txLinClrLst/>
+    <dgm:txFillClrLst/>
+    <dgm:txEffectClrLst/>
+  </dgm:styleLbl>
+  <dgm:styleLbl name="asst3">
+    <dgm:fillClrLst meth="repeat">
+      <a:schemeClr val="accent1"/>
+    </dgm:fillClrLst>
+    <dgm:linClrLst meth="repeat">
+      <a:schemeClr val="lt1"/>
+    </dgm:linClrLst>
+    <dgm:effectClrLst/>
+    <dgm:txLinClrLst/>
+    <dgm:txFillClrLst/>
+    <dgm:txEffectClrLst/>
+  </dgm:styleLbl>
+  <dgm:styleLbl name="asst4">
+    <dgm:fillClrLst meth="repeat">
+      <a:schemeClr val="accent1"/>
+    </dgm:fillClrLst>
+    <dgm:linClrLst meth="repeat">
+      <a:schemeClr val="lt1"/>
+    </dgm:linClrLst>
+    <dgm:effectClrLst/>
+    <dgm:txLinClrLst/>
+    <dgm:txFillClrLst/>
+    <dgm:txEffectClrLst/>
+  </dgm:styleLbl>
+  <dgm:styleLbl name="parChTrans2D1">
+    <dgm:fillClrLst meth="repeat">
+      <a:schemeClr val="accent1">
+        <a:tint val="60000"/>
+      </a:schemeClr>
+    </dgm:fillClrLst>
+    <dgm:linClrLst meth="repeat">
+      <a:schemeClr val="accent1">
+        <a:tint val="60000"/>
+      </a:schemeClr>
+    </dgm:linClrLst>
+    <dgm:effectClrLst/>
+    <dgm:txLinClrLst/>
+    <dgm:txFillClrLst meth="repeat">
+      <a:schemeClr val="lt1"/>
+    </dgm:txFillClrLst>
+    <dgm:txEffectClrLst/>
+  </dgm:styleLbl>
+  <dgm:styleLbl name="parChTrans2D2">
+    <dgm:fillClrLst meth="repeat">
+      <a:schemeClr val="accent1"/>
+    </dgm:fillClrLst>
+    <dgm:linClrLst meth="repeat">
+      <a:schemeClr val="accent1"/>
+    </dgm:linClrLst>
+    <dgm:effectClrLst/>
+    <dgm:txLinClrLst/>
+    <dgm:txFillClrLst meth="repeat">
+      <a:schemeClr val="lt1"/>
+    </dgm:txFillClrLst>
+    <dgm:txEffectClrLst/>
+  </dgm:styleLbl>
+  <dgm:styleLbl name="parChTrans2D3">
+    <dgm:fillClrLst meth="repeat">
+      <a:schemeClr val="accent1"/>
+    </dgm:fillClrLst>
+    <dgm:linClrLst meth="repeat">
+      <a:schemeClr val="accent1"/>
+    </dgm:linClrLst>
+    <dgm:effectClrLst/>
+    <dgm:txLinClrLst/>
+    <dgm:txFillClrLst meth="repeat">
+      <a:schemeClr val="lt1"/>
+    </dgm:txFillClrLst>
+    <dgm:txEffectClrLst/>
+  </dgm:styleLbl>
+  <dgm:styleLbl name="parChTrans2D4">
+    <dgm:fillClrLst meth="repeat">
+      <a:schemeClr val="accent1"/>
+    </dgm:fillClrLst>
+    <dgm:linClrLst meth="repeat">
+      <a:schemeClr val="accent1"/>
+    </dgm:linClrLst>
+    <dgm:effectClrLst/>
+    <dgm:txLinClrLst/>
+    <dgm:txFillClrLst meth="repeat">
+      <a:schemeClr val="lt1"/>
+    </dgm:txFillClrLst>
+    <dgm:txEffectClrLst/>
+  </dgm:styleLbl>
+  <dgm:styleLbl name="parChTrans1D1">
+    <dgm:fillClrLst meth="repeat">
+      <a:schemeClr val="accent1"/>
+    </dgm:fillClrLst>
+    <dgm:linClrLst meth="repeat">
+      <a:schemeClr val="accent1">
+        <a:shade val="60000"/>
+      </a:schemeClr>
+    </dgm:linClrLst>
+    <dgm:effectClrLst/>
+    <dgm:txLinClrLst/>
+    <dgm:txFillClrLst meth="repeat">
+      <a:schemeClr val="tx1"/>
+    </dgm:txFillClrLst>
+    <dgm:txEffectClrLst/>
+  </dgm:styleLbl>
+  <dgm:styleLbl name="parChTrans1D2">
+    <dgm:fillClrLst meth="repeat">
+      <a:schemeClr val="accent1"/>
+    </dgm:fillClrLst>
+    <dgm:linClrLst meth="repeat">
+      <a:schemeClr val="accent1">
+        <a:shade val="60000"/>
+      </a:schemeClr>
+    </dgm:linClrLst>
+    <dgm:effectClrLst/>
+    <dgm:txLinClrLst/>
+    <dgm:txFillClrLst meth="repeat">
+      <a:schemeClr val="tx1"/>
+    </dgm:txFillClrLst>
+    <dgm:txEffectClrLst/>
+  </dgm:styleLbl>
+  <dgm:styleLbl name="parChTrans1D3">
+    <dgm:fillClrLst meth="repeat">
+      <a:schemeClr val="accent1"/>
+    </dgm:fillClrLst>
+    <dgm:linClrLst meth="repeat">
+      <a:schemeClr val="accent1">
+        <a:shade val="80000"/>
+      </a:schemeClr>
+    </dgm:linClrLst>
+    <dgm:effectClrLst/>
+    <dgm:txLinClrLst/>
+    <dgm:txFillClrLst meth="repeat">
+      <a:schemeClr val="tx1"/>
+    </dgm:txFillClrLst>
+    <dgm:txEffectClrLst/>
+  </dgm:styleLbl>
+  <dgm:styleLbl name="parChTrans1D4">
+    <dgm:fillClrLst meth="repeat">
+      <a:schemeClr val="accent1"/>
+    </dgm:fillClrLst>
+    <dgm:linClrLst meth="repeat">
+      <a:schemeClr val="accent1">
+        <a:shade val="80000"/>
+      </a:schemeClr>
+    </dgm:linClrLst>
+    <dgm:effectClrLst/>
+    <dgm:txLinClrLst/>
+    <dgm:txFillClrLst meth="repeat">
+      <a:schemeClr val="tx1"/>
+    </dgm:txFillClrLst>
+    <dgm:txEffectClrLst/>
+  </dgm:styleLbl>
+  <dgm:styleLbl name="fgAcc1">
+    <dgm:fillClrLst meth="repeat">
+      <a:schemeClr val="lt1">
+        <a:alpha val="90000"/>
+      </a:schemeClr>
+    </dgm:fillClrLst>
+    <dgm:linClrLst meth="repeat">
+      <a:schemeClr val="accent1"/>
+    </dgm:linClrLst>
+    <dgm:effectClrLst/>
+    <dgm:txLinClrLst/>
+    <dgm:txFillClrLst meth="repeat">
+      <a:schemeClr val="dk1"/>
+    </dgm:txFillClrLst>
+    <dgm:txEffectClrLst/>
+  </dgm:styleLbl>
+  <dgm:styleLbl name="conFgAcc1">
+    <dgm:fillClrLst meth="repeat">
+      <a:schemeClr val="lt1">
+        <a:alpha val="90000"/>
+      </a:schemeClr>
+    </dgm:fillClrLst>
+    <dgm:linClrLst meth="repeat">
+      <a:schemeClr val="accent1"/>
+    </dgm:linClrLst>
+    <dgm:effectClrLst/>
+    <dgm:txLinClrLst/>
+    <dgm:txFillClrLst meth="repeat">
+      <a:schemeClr val="dk1"/>
+    </dgm:txFillClrLst>
+    <dgm:txEffectClrLst/>
+  </dgm:styleLbl>
+  <dgm:styleLbl name="alignAcc1">
+    <dgm:fillClrLst meth="repeat">
+      <a:schemeClr val="lt1">
+        <a:alpha val="90000"/>
+      </a:schemeClr>
+    </dgm:fillClrLst>
+    <dgm:linClrLst meth="repeat">
+      <a:schemeClr val="accent1"/>
+    </dgm:linClrLst>
+    <dgm:effectClrLst/>
+    <dgm:txLinClrLst/>
+    <dgm:txFillClrLst meth="repeat">
+      <a:schemeClr val="dk1"/>
+    </dgm:txFillClrLst>
+    <dgm:txEffectClrLst/>
+  </dgm:styleLbl>
+  <dgm:styleLbl name="trAlignAcc1">
+    <dgm:fillClrLst meth="repeat">
+      <a:schemeClr val="lt1">
+        <a:alpha val="40000"/>
+      </a:schemeClr>
+    </dgm:fillClrLst>
+    <dgm:linClrLst meth="repeat">
+      <a:schemeClr val="accent1"/>
+    </dgm:linClrLst>
+    <dgm:effectClrLst/>
+    <dgm:txLinClrLst/>
+    <dgm:txFillClrLst meth="repeat">
+      <a:schemeClr val="dk1"/>
+    </dgm:txFillClrLst>
+    <dgm:txEffectClrLst/>
+  </dgm:styleLbl>
+  <dgm:styleLbl name="bgAcc1">
+    <dgm:fillClrLst meth="repeat">
+      <a:schemeClr val="lt1">
+        <a:alpha val="90000"/>
+      </a:schemeClr>
+    </dgm:fillClrLst>
+    <dgm:linClrLst meth="repeat">
+      <a:schemeClr val="accent1"/>
+    </dgm:linClrLst>
+    <dgm:effectClrLst/>
+    <dgm:txLinClrLst/>
+    <dgm:txFillClrLst meth="repeat">
+      <a:schemeClr val="dk1"/>
+    </dgm:txFillClrLst>
+    <dgm:txEffectClrLst/>
+  </dgm:styleLbl>
+  <dgm:styleLbl name="solidFgAcc1">
+    <dgm:fillClrLst meth="repeat">
+      <a:schemeClr val="lt1"/>
+    </dgm:fillClrLst>
+    <dgm:linClrLst meth="repeat">
+      <a:schemeClr val="accent1"/>
+    </dgm:linClrLst>
+    <dgm:effectClrLst/>
+    <dgm:txLinClrLst/>
+    <dgm:txFillClrLst meth="repeat">
+      <a:schemeClr val="dk1"/>
+    </dgm:txFillClrLst>
+    <dgm:txEffectClrLst/>
+  </dgm:styleLbl>
+  <dgm:styleLbl name="solidAlignAcc1">
+    <dgm:fillClrLst meth="repeat">
+      <a:schemeClr val="lt1"/>
+    </dgm:fillClrLst>
+    <dgm:linClrLst meth="repeat">
+      <a:schemeClr val="accent1"/>
+    </dgm:linClrLst>
+    <dgm:effectClrLst/>
+    <dgm:txLinClrLst/>
+    <dgm:txFillClrLst meth="repeat">
+      <a:schemeClr val="dk1"/>
+    </dgm:txFillClrLst>
+    <dgm:txEffectClrLst/>
+  </dgm:styleLbl>
+  <dgm:styleLbl name="solidBgAcc1">
+    <dgm:fillClrLst meth="repeat">
+      <a:schemeClr val="lt1"/>
+    </dgm:fillClrLst>
+    <dgm:linClrLst meth="repeat">
+      <a:schemeClr val="accent1"/>
+    </dgm:linClrLst>
+    <dgm:effectClrLst/>
+    <dgm:txLinClrLst/>
+    <dgm:txFillClrLst meth="repeat">
+      <a:schemeClr val="dk1"/>
+    </dgm:txFillClrLst>
+    <dgm:txEffectClrLst/>
+  </dgm:styleLbl>
+  <dgm:styleLbl name="fgAccFollowNode1">
+    <dgm:fillClrLst meth="repeat">
+      <a:schemeClr val="accent1">
+        <a:alpha val="90000"/>
+        <a:tint val="40000"/>
+      </a:schemeClr>
+    </dgm:fillClrLst>
+    <dgm:linClrLst meth="repeat">
+      <a:schemeClr val="accent1">
+        <a:alpha val="90000"/>
+        <a:tint val="40000"/>
+      </a:schemeClr>
+    </dgm:linClrLst>
+    <dgm:effectClrLst/>
+    <dgm:txLinClrLst/>
+    <dgm:txFillClrLst meth="repeat">
+      <a:schemeClr val="dk1"/>
+    </dgm:txFillClrLst>
+    <dgm:txEffectClrLst/>
+  </dgm:styleLbl>
+  <dgm:styleLbl name="alignAccFollowNode1">
+    <dgm:fillClrLst meth="repeat">
+      <a:schemeClr val="accent1">
+        <a:alpha val="90000"/>
+        <a:tint val="40000"/>
+      </a:schemeClr>
+    </dgm:fillClrLst>
+    <dgm:linClrLst meth="repeat">
+      <a:schemeClr val="accent1">
+        <a:alpha val="90000"/>
+        <a:tint val="40000"/>
+      </a:schemeClr>
+    </dgm:linClrLst>
+    <dgm:effectClrLst/>
+    <dgm:txLinClrLst/>
+    <dgm:txFillClrLst meth="repeat">
+      <a:schemeClr val="dk1"/>
+    </dgm:txFillClrLst>
+    <dgm:txEffectClrLst/>
+  </dgm:styleLbl>
+  <dgm:styleLbl name="bgAccFollowNode1">
+    <dgm:fillClrLst meth="repeat">
+      <a:schemeClr val="accent1">
+        <a:alpha val="90000"/>
+        <a:tint val="40000"/>
+      </a:schemeClr>
+    </dgm:fillClrLst>
+    <dgm:linClrLst meth="repeat">
+      <a:schemeClr val="accent1">
+        <a:alpha val="90000"/>
+        <a:tint val="40000"/>
+      </a:schemeClr>
+    </dgm:linClrLst>
+    <dgm:effectClrLst/>
+    <dgm:txLinClrLst/>
+    <dgm:txFillClrLst meth="repeat">
+      <a:schemeClr val="dk1"/>
+    </dgm:txFillClrLst>
+    <dgm:txEffectClrLst/>
+  </dgm:styleLbl>
+  <dgm:styleLbl name="fgAcc0">
+    <dgm:fillClrLst meth="repeat">
+      <a:schemeClr val="lt1">
+        <a:alpha val="90000"/>
+      </a:schemeClr>
+    </dgm:fillClrLst>
+    <dgm:linClrLst meth="repeat">
+      <a:schemeClr val="accent1"/>
+    </dgm:linClrLst>
+    <dgm:effectClrLst/>
+    <dgm:txLinClrLst/>
+    <dgm:txFillClrLst meth="repeat">
+      <a:schemeClr val="dk1"/>
+    </dgm:txFillClrLst>
+    <dgm:txEffectClrLst/>
+  </dgm:styleLbl>
+  <dgm:styleLbl name="fgAcc2">
+    <dgm:fillClrLst meth="repeat">
+      <a:schemeClr val="lt1">
+        <a:alpha val="90000"/>
+      </a:schemeClr>
+    </dgm:fillClrLst>
+    <dgm:linClrLst meth="repeat">
+      <a:schemeClr val="accent1"/>
+    </dgm:linClrLst>
+    <dgm:effectClrLst/>
+    <dgm:txLinClrLst/>
+    <dgm:txFillClrLst meth="repeat">
+      <a:schemeClr val="dk1"/>
+    </dgm:txFillClrLst>
+    <dgm:txEffectClrLst/>
+  </dgm:styleLbl>
+  <dgm:styleLbl name="fgAcc3">
+    <dgm:fillClrLst meth="repeat">
+      <a:schemeClr val="lt1">
+        <a:alpha val="90000"/>
+      </a:schemeClr>
+    </dgm:fillClrLst>
+    <dgm:linClrLst meth="repeat">
+      <a:schemeClr val="accent1"/>
+    </dgm:linClrLst>
+    <dgm:effectClrLst/>
+    <dgm:txLinClrLst/>
+    <dgm:txFillClrLst meth="repeat">
+      <a:schemeClr val="dk1"/>
+    </dgm:txFillClrLst>
+    <dgm:txEffectClrLst/>
+  </dgm:styleLbl>
+  <dgm:styleLbl name="fgAcc4">
+    <dgm:fillClrLst meth="repeat">
+      <a:schemeClr val="lt1">
+        <a:alpha val="90000"/>
+      </a:schemeClr>
+    </dgm:fillClrLst>
+    <dgm:linClrLst meth="repeat">
+      <a:schemeClr val="accent1"/>
+    </dgm:linClrLst>
+    <dgm:effectClrLst/>
+    <dgm:txLinClrLst/>
+    <dgm:txFillClrLst meth="repeat">
+      <a:schemeClr val="dk1"/>
+    </dgm:txFillClrLst>
+    <dgm:txEffectClrLst/>
+  </dgm:styleLbl>
+  <dgm:styleLbl name="bgShp">
+    <dgm:fillClrLst meth="repeat">
+      <a:schemeClr val="accent1">
+        <a:tint val="40000"/>
+      </a:schemeClr>
+    </dgm:fillClrLst>
+    <dgm:linClrLst meth="repeat">
+      <a:schemeClr val="accent1"/>
+    </dgm:linClrLst>
+    <dgm:effectClrLst/>
+    <dgm:txLinClrLst/>
+    <dgm:txFillClrLst meth="repeat">
+      <a:schemeClr val="dk1"/>
+    </dgm:txFillClrLst>
+    <dgm:txEffectClrLst/>
+  </dgm:styleLbl>
+  <dgm:styleLbl name="dkBgShp">
+    <dgm:fillClrLst meth="repeat">
+      <a:schemeClr val="accent1">
+        <a:shade val="80000"/>
+      </a:schemeClr>
+    </dgm:fillClrLst>
+    <dgm:linClrLst meth="repeat">
+      <a:schemeClr val="accent1"/>
+    </dgm:linClrLst>
+    <dgm:effectClrLst/>
+    <dgm:txLinClrLst/>
+    <dgm:txFillClrLst meth="repeat">
+      <a:schemeClr val="lt1"/>
+    </dgm:txFillClrLst>
+    <dgm:txEffectClrLst/>
+  </dgm:styleLbl>
+  <dgm:styleLbl name="trBgShp">
+    <dgm:fillClrLst meth="repeat">
+      <a:schemeClr val="accent1">
+        <a:tint val="50000"/>
+        <a:alpha val="40000"/>
+      </a:schemeClr>
+    </dgm:fillClrLst>
+    <dgm:linClrLst meth="repeat">
+      <a:schemeClr val="accent1"/>
+    </dgm:linClrLst>
+    <dgm:effectClrLst/>
+    <dgm:txLinClrLst/>
+    <dgm:txFillClrLst meth="repeat">
+      <a:schemeClr val="lt1"/>
+    </dgm:txFillClrLst>
+    <dgm:txEffectClrLst/>
+  </dgm:styleLbl>
+  <dgm:styleLbl name="fgShp">
+    <dgm:fillClrLst meth="repeat">
+      <a:schemeClr val="accent1">
+        <a:tint val="60000"/>
       </a:schemeClr>
     </dgm:fillClrLst>
     <dgm:linClrLst meth="repeat">
@@ -3302,43 +4046,6 @@
         </a:p>
       </dgm:t>
     </dgm:pt>
-    <dgm:pt modelId="{B179E320-A719-4647-BAF7-DF56F8332C41}">
-      <dgm:prSet phldrT="[Text]"/>
-      <dgm:spPr/>
-      <dgm:t>
-        <a:bodyPr/>
-        <a:lstStyle/>
-        <a:p>
-          <a:r>
-            <a:rPr lang="en-US" dirty="0" smtClean="0"/>
-            <a:t>Advantages and disadvantages of current scenario</a:t>
-          </a:r>
-          <a:endParaRPr lang="en-US" dirty="0"/>
-        </a:p>
-      </dgm:t>
-    </dgm:pt>
-    <dgm:pt modelId="{6AA6A0C0-B73E-4152-8E39-64EBB03AD0BD}" type="parTrans" cxnId="{37831B1B-DB66-4E9C-B7A8-F4B135F1E4E0}">
-      <dgm:prSet/>
-      <dgm:spPr/>
-      <dgm:t>
-        <a:bodyPr/>
-        <a:lstStyle/>
-        <a:p>
-          <a:endParaRPr lang="en-US"/>
-        </a:p>
-      </dgm:t>
-    </dgm:pt>
-    <dgm:pt modelId="{8401B774-812E-47B9-80B7-0D68ECE77849}" type="sibTrans" cxnId="{37831B1B-DB66-4E9C-B7A8-F4B135F1E4E0}">
-      <dgm:prSet/>
-      <dgm:spPr/>
-      <dgm:t>
-        <a:bodyPr/>
-        <a:lstStyle/>
-        <a:p>
-          <a:endParaRPr lang="en-US"/>
-        </a:p>
-      </dgm:t>
-    </dgm:pt>
     <dgm:pt modelId="{04FC1A18-3AEE-44E8-BCC4-2B4BC160C080}">
       <dgm:prSet phldrT="[Text]"/>
       <dgm:spPr/>
@@ -3348,7 +4055,11 @@
         <a:p>
           <a:r>
             <a:rPr lang="en-US" dirty="0" smtClean="0"/>
-            <a:t>Proposed solution</a:t>
+            <a:t>Our </a:t>
+          </a:r>
+          <a:r>
+            <a:rPr lang="en-US" dirty="0" smtClean="0"/>
+            <a:t>solution</a:t>
           </a:r>
           <a:endParaRPr lang="en-US" dirty="0"/>
         </a:p>
@@ -3513,7 +4224,7 @@
       <dgm:spPr/>
     </dgm:pt>
     <dgm:pt modelId="{025D23C1-F512-4782-8FF3-FC878BBA6912}" type="pres">
-      <dgm:prSet presAssocID="{0726B740-0C05-4144-A1F9-A024323F8AD9}" presName="srcNode" presStyleLbl="node1" presStyleIdx="0" presStyleCnt="6"/>
+      <dgm:prSet presAssocID="{0726B740-0C05-4144-A1F9-A024323F8AD9}" presName="srcNode" presStyleLbl="node1" presStyleIdx="0" presStyleCnt="5"/>
       <dgm:spPr/>
     </dgm:pt>
     <dgm:pt modelId="{C910D5EA-8AFD-434E-8158-334518A10346}" type="pres">
@@ -3528,15 +4239,15 @@
       </dgm:t>
     </dgm:pt>
     <dgm:pt modelId="{A3923CCC-6B13-4791-B4DA-AA919213E84E}" type="pres">
-      <dgm:prSet presAssocID="{0726B740-0C05-4144-A1F9-A024323F8AD9}" presName="extraNode" presStyleLbl="node1" presStyleIdx="0" presStyleCnt="6"/>
+      <dgm:prSet presAssocID="{0726B740-0C05-4144-A1F9-A024323F8AD9}" presName="extraNode" presStyleLbl="node1" presStyleIdx="0" presStyleCnt="5"/>
       <dgm:spPr/>
     </dgm:pt>
     <dgm:pt modelId="{5078ED92-3BE6-4B69-9081-C538FE19CCCD}" type="pres">
-      <dgm:prSet presAssocID="{0726B740-0C05-4144-A1F9-A024323F8AD9}" presName="dstNode" presStyleLbl="node1" presStyleIdx="0" presStyleCnt="6"/>
+      <dgm:prSet presAssocID="{0726B740-0C05-4144-A1F9-A024323F8AD9}" presName="dstNode" presStyleLbl="node1" presStyleIdx="0" presStyleCnt="5"/>
       <dgm:spPr/>
     </dgm:pt>
     <dgm:pt modelId="{B7992BCE-B142-45A5-B992-B9BFD54A33DC}" type="pres">
-      <dgm:prSet presAssocID="{C9322D86-849A-43F8-A924-659EE4EEEE76}" presName="text_1" presStyleLbl="node1" presStyleIdx="0" presStyleCnt="6">
+      <dgm:prSet presAssocID="{C9322D86-849A-43F8-A924-659EE4EEEE76}" presName="text_1" presStyleLbl="node1" presStyleIdx="0" presStyleCnt="5">
         <dgm:presLayoutVars>
           <dgm:bulletEnabled val="1"/>
         </dgm:presLayoutVars>
@@ -3555,11 +4266,11 @@
       <dgm:spPr/>
     </dgm:pt>
     <dgm:pt modelId="{C9E57088-7F31-4051-BBDF-42D864EC9EBE}" type="pres">
-      <dgm:prSet presAssocID="{C9322D86-849A-43F8-A924-659EE4EEEE76}" presName="accentRepeatNode" presStyleLbl="solidFgAcc1" presStyleIdx="0" presStyleCnt="6"/>
+      <dgm:prSet presAssocID="{C9322D86-849A-43F8-A924-659EE4EEEE76}" presName="accentRepeatNode" presStyleLbl="solidFgAcc1" presStyleIdx="0" presStyleCnt="5"/>
       <dgm:spPr/>
     </dgm:pt>
-    <dgm:pt modelId="{8AF23435-DC6E-466A-A73E-3BB5E3E85475}" type="pres">
-      <dgm:prSet presAssocID="{B179E320-A719-4647-BAF7-DF56F8332C41}" presName="text_2" presStyleLbl="node1" presStyleIdx="1" presStyleCnt="6">
+    <dgm:pt modelId="{DBEA5A4D-DC1C-462E-A97D-F8D8F0DBA4EA}" type="pres">
+      <dgm:prSet presAssocID="{04FC1A18-3AEE-44E8-BCC4-2B4BC160C080}" presName="text_2" presStyleLbl="node1" presStyleIdx="1" presStyleCnt="5">
         <dgm:presLayoutVars>
           <dgm:bulletEnabled val="1"/>
         </dgm:presLayoutVars>
@@ -3569,20 +4280,20 @@
         <a:bodyPr/>
         <a:lstStyle/>
         <a:p>
-          <a:endParaRPr lang="en-US"/>
+          <a:endParaRPr lang="en-GB"/>
         </a:p>
       </dgm:t>
     </dgm:pt>
-    <dgm:pt modelId="{DD714EFD-B8EB-48D1-B2A8-EED4010ACE7A}" type="pres">
-      <dgm:prSet presAssocID="{B179E320-A719-4647-BAF7-DF56F8332C41}" presName="accent_2" presStyleCnt="0"/>
+    <dgm:pt modelId="{E98C8303-3696-4D57-8805-3A30FA28B59C}" type="pres">
+      <dgm:prSet presAssocID="{04FC1A18-3AEE-44E8-BCC4-2B4BC160C080}" presName="accent_2" presStyleCnt="0"/>
       <dgm:spPr/>
     </dgm:pt>
-    <dgm:pt modelId="{89318197-0635-4B5F-9713-C8FBB3BD59DC}" type="pres">
-      <dgm:prSet presAssocID="{B179E320-A719-4647-BAF7-DF56F8332C41}" presName="accentRepeatNode" presStyleLbl="solidFgAcc1" presStyleIdx="1" presStyleCnt="6"/>
+    <dgm:pt modelId="{3F9611C8-2EA6-4382-A181-A07FAC782B2A}" type="pres">
+      <dgm:prSet presAssocID="{04FC1A18-3AEE-44E8-BCC4-2B4BC160C080}" presName="accentRepeatNode" presStyleLbl="solidFgAcc1" presStyleIdx="1" presStyleCnt="5"/>
       <dgm:spPr/>
     </dgm:pt>
-    <dgm:pt modelId="{D84367C2-55A8-41E9-B751-8A1B488E7B98}" type="pres">
-      <dgm:prSet presAssocID="{04FC1A18-3AEE-44E8-BCC4-2B4BC160C080}" presName="text_3" presStyleLbl="node1" presStyleIdx="2" presStyleCnt="6">
+    <dgm:pt modelId="{DEAD63F9-F31B-4458-82AD-896585277AE5}" type="pres">
+      <dgm:prSet presAssocID="{9709027D-CEAD-4074-8E4C-DAA78C29F27B}" presName="text_3" presStyleLbl="node1" presStyleIdx="2" presStyleCnt="5">
         <dgm:presLayoutVars>
           <dgm:bulletEnabled val="1"/>
         </dgm:presLayoutVars>
@@ -3592,20 +4303,20 @@
         <a:bodyPr/>
         <a:lstStyle/>
         <a:p>
-          <a:endParaRPr lang="en-US"/>
+          <a:endParaRPr lang="en-GB"/>
         </a:p>
       </dgm:t>
     </dgm:pt>
-    <dgm:pt modelId="{7A80F5C5-C716-46F4-8A86-6C811A77222D}" type="pres">
-      <dgm:prSet presAssocID="{04FC1A18-3AEE-44E8-BCC4-2B4BC160C080}" presName="accent_3" presStyleCnt="0"/>
+    <dgm:pt modelId="{ADCA30F6-A33A-4389-8E24-65AC774C1874}" type="pres">
+      <dgm:prSet presAssocID="{9709027D-CEAD-4074-8E4C-DAA78C29F27B}" presName="accent_3" presStyleCnt="0"/>
       <dgm:spPr/>
     </dgm:pt>
-    <dgm:pt modelId="{3F9611C8-2EA6-4382-A181-A07FAC782B2A}" type="pres">
-      <dgm:prSet presAssocID="{04FC1A18-3AEE-44E8-BCC4-2B4BC160C080}" presName="accentRepeatNode" presStyleLbl="solidFgAcc1" presStyleIdx="2" presStyleCnt="6"/>
+    <dgm:pt modelId="{010430AD-B9EC-40B7-8F4B-70207320A234}" type="pres">
+      <dgm:prSet presAssocID="{9709027D-CEAD-4074-8E4C-DAA78C29F27B}" presName="accentRepeatNode" presStyleLbl="solidFgAcc1" presStyleIdx="2" presStyleCnt="5"/>
       <dgm:spPr/>
     </dgm:pt>
-    <dgm:pt modelId="{6673FF7A-3EE0-454F-95F2-87D8D93B7803}" type="pres">
-      <dgm:prSet presAssocID="{9709027D-CEAD-4074-8E4C-DAA78C29F27B}" presName="text_4" presStyleLbl="node1" presStyleIdx="3" presStyleCnt="6">
+    <dgm:pt modelId="{0535E955-B7AE-48FC-969B-539B2C245666}" type="pres">
+      <dgm:prSet presAssocID="{C688FB5B-A7AF-4BCC-8D4C-A9E4D96C3895}" presName="text_4" presStyleLbl="node1" presStyleIdx="3" presStyleCnt="5">
         <dgm:presLayoutVars>
           <dgm:bulletEnabled val="1"/>
         </dgm:presLayoutVars>
@@ -3615,20 +4326,20 @@
         <a:bodyPr/>
         <a:lstStyle/>
         <a:p>
-          <a:endParaRPr lang="en-US"/>
+          <a:endParaRPr lang="en-GB"/>
         </a:p>
       </dgm:t>
     </dgm:pt>
-    <dgm:pt modelId="{5A5FD5DB-38B3-4896-B451-E45F922B1A5C}" type="pres">
-      <dgm:prSet presAssocID="{9709027D-CEAD-4074-8E4C-DAA78C29F27B}" presName="accent_4" presStyleCnt="0"/>
+    <dgm:pt modelId="{376B905E-4578-4778-B00A-E196608BB85E}" type="pres">
+      <dgm:prSet presAssocID="{C688FB5B-A7AF-4BCC-8D4C-A9E4D96C3895}" presName="accent_4" presStyleCnt="0"/>
       <dgm:spPr/>
     </dgm:pt>
-    <dgm:pt modelId="{010430AD-B9EC-40B7-8F4B-70207320A234}" type="pres">
-      <dgm:prSet presAssocID="{9709027D-CEAD-4074-8E4C-DAA78C29F27B}" presName="accentRepeatNode" presStyleLbl="solidFgAcc1" presStyleIdx="3" presStyleCnt="6"/>
+    <dgm:pt modelId="{6FD9C734-BB88-4BF5-89B2-11AEF22AF11D}" type="pres">
+      <dgm:prSet presAssocID="{C688FB5B-A7AF-4BCC-8D4C-A9E4D96C3895}" presName="accentRepeatNode" presStyleLbl="solidFgAcc1" presStyleIdx="3" presStyleCnt="5"/>
       <dgm:spPr/>
     </dgm:pt>
-    <dgm:pt modelId="{7BAA1BBE-35F8-4E69-84DF-F9A0C43E3DD0}" type="pres">
-      <dgm:prSet presAssocID="{C688FB5B-A7AF-4BCC-8D4C-A9E4D96C3895}" presName="text_5" presStyleLbl="node1" presStyleIdx="4" presStyleCnt="6">
+    <dgm:pt modelId="{E9709BFB-88A2-4485-9D95-0765E9A3CD62}" type="pres">
+      <dgm:prSet presAssocID="{08BB5156-7DFC-406D-BE87-DAA466E9EA90}" presName="text_5" presStyleLbl="node1" presStyleIdx="4" presStyleCnt="5">
         <dgm:presLayoutVars>
           <dgm:bulletEnabled val="1"/>
         </dgm:presLayoutVars>
@@ -3638,57 +4349,32 @@
         <a:bodyPr/>
         <a:lstStyle/>
         <a:p>
-          <a:endParaRPr lang="en-US"/>
+          <a:endParaRPr lang="en-GB"/>
         </a:p>
       </dgm:t>
     </dgm:pt>
-    <dgm:pt modelId="{75C5C949-266C-49AF-B203-B46DA31257F7}" type="pres">
-      <dgm:prSet presAssocID="{C688FB5B-A7AF-4BCC-8D4C-A9E4D96C3895}" presName="accent_5" presStyleCnt="0"/>
-      <dgm:spPr/>
-    </dgm:pt>
-    <dgm:pt modelId="{6FD9C734-BB88-4BF5-89B2-11AEF22AF11D}" type="pres">
-      <dgm:prSet presAssocID="{C688FB5B-A7AF-4BCC-8D4C-A9E4D96C3895}" presName="accentRepeatNode" presStyleLbl="solidFgAcc1" presStyleIdx="4" presStyleCnt="6"/>
-      <dgm:spPr/>
-    </dgm:pt>
-    <dgm:pt modelId="{E463283E-C823-474A-979D-7FD3EB3A5C9D}" type="pres">
-      <dgm:prSet presAssocID="{08BB5156-7DFC-406D-BE87-DAA466E9EA90}" presName="text_6" presStyleLbl="node1" presStyleIdx="5" presStyleCnt="6">
-        <dgm:presLayoutVars>
-          <dgm:bulletEnabled val="1"/>
-        </dgm:presLayoutVars>
-      </dgm:prSet>
-      <dgm:spPr/>
-      <dgm:t>
-        <a:bodyPr/>
-        <a:lstStyle/>
-        <a:p>
-          <a:endParaRPr lang="en-US"/>
-        </a:p>
-      </dgm:t>
-    </dgm:pt>
-    <dgm:pt modelId="{B87BD8A5-14D4-44ED-9411-E33928EA61E0}" type="pres">
-      <dgm:prSet presAssocID="{08BB5156-7DFC-406D-BE87-DAA466E9EA90}" presName="accent_6" presStyleCnt="0"/>
+    <dgm:pt modelId="{C5C8F4FF-90AE-47E3-B194-8E683DDA60FD}" type="pres">
+      <dgm:prSet presAssocID="{08BB5156-7DFC-406D-BE87-DAA466E9EA90}" presName="accent_5" presStyleCnt="0"/>
       <dgm:spPr/>
     </dgm:pt>
     <dgm:pt modelId="{8123A840-A704-4828-A5B4-AE7CA5C16305}" type="pres">
-      <dgm:prSet presAssocID="{08BB5156-7DFC-406D-BE87-DAA466E9EA90}" presName="accentRepeatNode" presStyleLbl="solidFgAcc1" presStyleIdx="5" presStyleCnt="6"/>
+      <dgm:prSet presAssocID="{08BB5156-7DFC-406D-BE87-DAA466E9EA90}" presName="accentRepeatNode" presStyleLbl="solidFgAcc1" presStyleIdx="4" presStyleCnt="5"/>
       <dgm:spPr/>
     </dgm:pt>
   </dgm:ptLst>
   <dgm:cxnLst>
-    <dgm:cxn modelId="{8B6B14A6-EF09-4D49-A654-E93B16E84174}" srcId="{0726B740-0C05-4144-A1F9-A024323F8AD9}" destId="{9709027D-CEAD-4074-8E4C-DAA78C29F27B}" srcOrd="3" destOrd="0" parTransId="{DA6FC23B-1C2A-4855-9B4A-D77F67AFF34E}" sibTransId="{56D0518A-2BBA-42FA-A137-5903288DD71E}"/>
+    <dgm:cxn modelId="{4D60BCAE-1233-49BD-A936-AE2902B38563}" srcId="{0726B740-0C05-4144-A1F9-A024323F8AD9}" destId="{C688FB5B-A7AF-4BCC-8D4C-A9E4D96C3895}" srcOrd="3" destOrd="0" parTransId="{6A09FF1C-6EEB-406F-8172-6AAF4ED49B6A}" sibTransId="{2AA03A34-6623-4893-9177-7764C2F14300}"/>
+    <dgm:cxn modelId="{02B4397B-DAF4-4CBA-BFD1-9266DDF91675}" srcId="{0726B740-0C05-4144-A1F9-A024323F8AD9}" destId="{04FC1A18-3AEE-44E8-BCC4-2B4BC160C080}" srcOrd="1" destOrd="0" parTransId="{42E0AA0A-B335-43E3-A760-771CEC460B0F}" sibTransId="{25DFE742-6352-4155-B5C6-EB3022833B15}"/>
+    <dgm:cxn modelId="{AFD73B34-F15B-4BC5-A48D-96B48531D43A}" type="presOf" srcId="{04FC1A18-3AEE-44E8-BCC4-2B4BC160C080}" destId="{DBEA5A4D-DC1C-462E-A97D-F8D8F0DBA4EA}" srcOrd="0" destOrd="0" presId="urn:microsoft.com/office/officeart/2008/layout/VerticalCurvedList"/>
+    <dgm:cxn modelId="{8B6B14A6-EF09-4D49-A654-E93B16E84174}" srcId="{0726B740-0C05-4144-A1F9-A024323F8AD9}" destId="{9709027D-CEAD-4074-8E4C-DAA78C29F27B}" srcOrd="2" destOrd="0" parTransId="{DA6FC23B-1C2A-4855-9B4A-D77F67AFF34E}" sibTransId="{56D0518A-2BBA-42FA-A137-5903288DD71E}"/>
+    <dgm:cxn modelId="{218DE165-3FF0-433B-AE40-0EE7452A8508}" srcId="{0726B740-0C05-4144-A1F9-A024323F8AD9}" destId="{C9322D86-849A-43F8-A924-659EE4EEEE76}" srcOrd="0" destOrd="0" parTransId="{3BDA33E3-1DE7-457D-8FC2-93CD2A2DFB63}" sibTransId="{DDC5A756-A533-4C94-8F13-6F2792E2EB3B}"/>
+    <dgm:cxn modelId="{FF05ECE2-0747-4750-A151-01227CB417D4}" type="presOf" srcId="{0726B740-0C05-4144-A1F9-A024323F8AD9}" destId="{27D16682-F23F-437E-9A78-D9DC7CC56EE2}" srcOrd="0" destOrd="0" presId="urn:microsoft.com/office/officeart/2008/layout/VerticalCurvedList"/>
+    <dgm:cxn modelId="{36302DAA-2C61-4279-85EA-409BA0D8CC3B}" type="presOf" srcId="{08BB5156-7DFC-406D-BE87-DAA466E9EA90}" destId="{E9709BFB-88A2-4485-9D95-0765E9A3CD62}" srcOrd="0" destOrd="0" presId="urn:microsoft.com/office/officeart/2008/layout/VerticalCurvedList"/>
+    <dgm:cxn modelId="{F3E18DF1-B4A9-4E6C-BE23-83BC46951CF4}" srcId="{0726B740-0C05-4144-A1F9-A024323F8AD9}" destId="{08BB5156-7DFC-406D-BE87-DAA466E9EA90}" srcOrd="4" destOrd="0" parTransId="{C97567AF-5550-40AE-8109-AA400E8992F4}" sibTransId="{55D8473F-8B86-4010-9BCD-2FC8ED8484E1}"/>
+    <dgm:cxn modelId="{7F632904-77C9-4AAD-A76F-5A9ADF82F737}" type="presOf" srcId="{C9322D86-849A-43F8-A924-659EE4EEEE76}" destId="{B7992BCE-B142-45A5-B992-B9BFD54A33DC}" srcOrd="0" destOrd="0" presId="urn:microsoft.com/office/officeart/2008/layout/VerticalCurvedList"/>
     <dgm:cxn modelId="{64EFF959-5827-439D-9E23-7904CAB78ED5}" type="presOf" srcId="{DDC5A756-A533-4C94-8F13-6F2792E2EB3B}" destId="{C910D5EA-8AFD-434E-8158-334518A10346}" srcOrd="0" destOrd="0" presId="urn:microsoft.com/office/officeart/2008/layout/VerticalCurvedList"/>
-    <dgm:cxn modelId="{FF05ECE2-0747-4750-A151-01227CB417D4}" type="presOf" srcId="{0726B740-0C05-4144-A1F9-A024323F8AD9}" destId="{27D16682-F23F-437E-9A78-D9DC7CC56EE2}" srcOrd="0" destOrd="0" presId="urn:microsoft.com/office/officeart/2008/layout/VerticalCurvedList"/>
-    <dgm:cxn modelId="{37831B1B-DB66-4E9C-B7A8-F4B135F1E4E0}" srcId="{0726B740-0C05-4144-A1F9-A024323F8AD9}" destId="{B179E320-A719-4647-BAF7-DF56F8332C41}" srcOrd="1" destOrd="0" parTransId="{6AA6A0C0-B73E-4152-8E39-64EBB03AD0BD}" sibTransId="{8401B774-812E-47B9-80B7-0D68ECE77849}"/>
-    <dgm:cxn modelId="{E8EFEEE6-4D92-4FC5-BD8C-E07AFA4FE578}" type="presOf" srcId="{B179E320-A719-4647-BAF7-DF56F8332C41}" destId="{8AF23435-DC6E-466A-A73E-3BB5E3E85475}" srcOrd="0" destOrd="0" presId="urn:microsoft.com/office/officeart/2008/layout/VerticalCurvedList"/>
-    <dgm:cxn modelId="{72AFBADC-9DF5-4E5A-87C5-E7A5EC77F898}" type="presOf" srcId="{08BB5156-7DFC-406D-BE87-DAA466E9EA90}" destId="{E463283E-C823-474A-979D-7FD3EB3A5C9D}" srcOrd="0" destOrd="0" presId="urn:microsoft.com/office/officeart/2008/layout/VerticalCurvedList"/>
-    <dgm:cxn modelId="{CF296DBB-C0A3-4EA6-96E7-CDE2B760A6B0}" type="presOf" srcId="{9709027D-CEAD-4074-8E4C-DAA78C29F27B}" destId="{6673FF7A-3EE0-454F-95F2-87D8D93B7803}" srcOrd="0" destOrd="0" presId="urn:microsoft.com/office/officeart/2008/layout/VerticalCurvedList"/>
-    <dgm:cxn modelId="{02B4397B-DAF4-4CBA-BFD1-9266DDF91675}" srcId="{0726B740-0C05-4144-A1F9-A024323F8AD9}" destId="{04FC1A18-3AEE-44E8-BCC4-2B4BC160C080}" srcOrd="2" destOrd="0" parTransId="{42E0AA0A-B335-43E3-A760-771CEC460B0F}" sibTransId="{25DFE742-6352-4155-B5C6-EB3022833B15}"/>
-    <dgm:cxn modelId="{C52F33B7-6610-4B2B-B6A4-C4B33FDE5A8B}" type="presOf" srcId="{C688FB5B-A7AF-4BCC-8D4C-A9E4D96C3895}" destId="{7BAA1BBE-35F8-4E69-84DF-F9A0C43E3DD0}" srcOrd="0" destOrd="0" presId="urn:microsoft.com/office/officeart/2008/layout/VerticalCurvedList"/>
-    <dgm:cxn modelId="{081D9CC9-3D1F-4225-9BED-57B9313ABECB}" type="presOf" srcId="{04FC1A18-3AEE-44E8-BCC4-2B4BC160C080}" destId="{D84367C2-55A8-41E9-B751-8A1B488E7B98}" srcOrd="0" destOrd="0" presId="urn:microsoft.com/office/officeart/2008/layout/VerticalCurvedList"/>
-    <dgm:cxn modelId="{7F632904-77C9-4AAD-A76F-5A9ADF82F737}" type="presOf" srcId="{C9322D86-849A-43F8-A924-659EE4EEEE76}" destId="{B7992BCE-B142-45A5-B992-B9BFD54A33DC}" srcOrd="0" destOrd="0" presId="urn:microsoft.com/office/officeart/2008/layout/VerticalCurvedList"/>
-    <dgm:cxn modelId="{F3E18DF1-B4A9-4E6C-BE23-83BC46951CF4}" srcId="{0726B740-0C05-4144-A1F9-A024323F8AD9}" destId="{08BB5156-7DFC-406D-BE87-DAA466E9EA90}" srcOrd="5" destOrd="0" parTransId="{C97567AF-5550-40AE-8109-AA400E8992F4}" sibTransId="{55D8473F-8B86-4010-9BCD-2FC8ED8484E1}"/>
-    <dgm:cxn modelId="{218DE165-3FF0-433B-AE40-0EE7452A8508}" srcId="{0726B740-0C05-4144-A1F9-A024323F8AD9}" destId="{C9322D86-849A-43F8-A924-659EE4EEEE76}" srcOrd="0" destOrd="0" parTransId="{3BDA33E3-1DE7-457D-8FC2-93CD2A2DFB63}" sibTransId="{DDC5A756-A533-4C94-8F13-6F2792E2EB3B}"/>
-    <dgm:cxn modelId="{4D60BCAE-1233-49BD-A936-AE2902B38563}" srcId="{0726B740-0C05-4144-A1F9-A024323F8AD9}" destId="{C688FB5B-A7AF-4BCC-8D4C-A9E4D96C3895}" srcOrd="4" destOrd="0" parTransId="{6A09FF1C-6EEB-406F-8172-6AAF4ED49B6A}" sibTransId="{2AA03A34-6623-4893-9177-7764C2F14300}"/>
+    <dgm:cxn modelId="{9E1F21FE-5BB0-440F-BF86-C847D08DC8DE}" type="presOf" srcId="{C688FB5B-A7AF-4BCC-8D4C-A9E4D96C3895}" destId="{0535E955-B7AE-48FC-969B-539B2C245666}" srcOrd="0" destOrd="0" presId="urn:microsoft.com/office/officeart/2008/layout/VerticalCurvedList"/>
+    <dgm:cxn modelId="{E899BC97-C505-4911-8660-318EB326F4CC}" type="presOf" srcId="{9709027D-CEAD-4074-8E4C-DAA78C29F27B}" destId="{DEAD63F9-F31B-4458-82AD-896585277AE5}" srcOrd="0" destOrd="0" presId="urn:microsoft.com/office/officeart/2008/layout/VerticalCurvedList"/>
     <dgm:cxn modelId="{604DE9D9-5B16-49CB-9AB7-3BF560D6836C}" type="presParOf" srcId="{27D16682-F23F-437E-9A78-D9DC7CC56EE2}" destId="{061EB04F-DF25-4365-86FB-8BA1E55379A0}" srcOrd="0" destOrd="0" presId="urn:microsoft.com/office/officeart/2008/layout/VerticalCurvedList"/>
     <dgm:cxn modelId="{D40BC64C-65C0-490E-B4AA-54629478E120}" type="presParOf" srcId="{061EB04F-DF25-4365-86FB-8BA1E55379A0}" destId="{092D2A00-8050-4D7E-BF89-B67BB1E34744}" srcOrd="0" destOrd="0" presId="urn:microsoft.com/office/officeart/2008/layout/VerticalCurvedList"/>
     <dgm:cxn modelId="{A09B2D55-1818-47E2-85E3-0235A426B5DF}" type="presParOf" srcId="{092D2A00-8050-4D7E-BF89-B67BB1E34744}" destId="{025D23C1-F512-4782-8FF3-FC878BBA6912}" srcOrd="0" destOrd="0" presId="urn:microsoft.com/office/officeart/2008/layout/VerticalCurvedList"/>
@@ -3698,21 +4384,18 @@
     <dgm:cxn modelId="{AECC4590-8357-4141-83CD-432C0E313D47}" type="presParOf" srcId="{061EB04F-DF25-4365-86FB-8BA1E55379A0}" destId="{B7992BCE-B142-45A5-B992-B9BFD54A33DC}" srcOrd="1" destOrd="0" presId="urn:microsoft.com/office/officeart/2008/layout/VerticalCurvedList"/>
     <dgm:cxn modelId="{B4FD3ED7-D609-4DB7-ABD7-A8DBB3D81D4F}" type="presParOf" srcId="{061EB04F-DF25-4365-86FB-8BA1E55379A0}" destId="{26068C8E-F0F3-4AA7-9B25-F216D16955CE}" srcOrd="2" destOrd="0" presId="urn:microsoft.com/office/officeart/2008/layout/VerticalCurvedList"/>
     <dgm:cxn modelId="{A6901E6B-E1EC-4ECD-B6E7-F96826392E68}" type="presParOf" srcId="{26068C8E-F0F3-4AA7-9B25-F216D16955CE}" destId="{C9E57088-7F31-4051-BBDF-42D864EC9EBE}" srcOrd="0" destOrd="0" presId="urn:microsoft.com/office/officeart/2008/layout/VerticalCurvedList"/>
-    <dgm:cxn modelId="{429FFCFB-3732-4053-9109-C2EF39E0B027}" type="presParOf" srcId="{061EB04F-DF25-4365-86FB-8BA1E55379A0}" destId="{8AF23435-DC6E-466A-A73E-3BB5E3E85475}" srcOrd="3" destOrd="0" presId="urn:microsoft.com/office/officeart/2008/layout/VerticalCurvedList"/>
-    <dgm:cxn modelId="{D05511E3-2A2B-4E8F-999A-8099EF6EA3AF}" type="presParOf" srcId="{061EB04F-DF25-4365-86FB-8BA1E55379A0}" destId="{DD714EFD-B8EB-48D1-B2A8-EED4010ACE7A}" srcOrd="4" destOrd="0" presId="urn:microsoft.com/office/officeart/2008/layout/VerticalCurvedList"/>
-    <dgm:cxn modelId="{2FE0AE94-D0FE-4DBC-8BA7-A955C8305FC4}" type="presParOf" srcId="{DD714EFD-B8EB-48D1-B2A8-EED4010ACE7A}" destId="{89318197-0635-4B5F-9713-C8FBB3BD59DC}" srcOrd="0" destOrd="0" presId="urn:microsoft.com/office/officeart/2008/layout/VerticalCurvedList"/>
-    <dgm:cxn modelId="{61BF907C-5FFE-4869-8745-65D2330C774D}" type="presParOf" srcId="{061EB04F-DF25-4365-86FB-8BA1E55379A0}" destId="{D84367C2-55A8-41E9-B751-8A1B488E7B98}" srcOrd="5" destOrd="0" presId="urn:microsoft.com/office/officeart/2008/layout/VerticalCurvedList"/>
-    <dgm:cxn modelId="{F7F55F6C-4EBC-43D3-9E47-F7F378D0CE11}" type="presParOf" srcId="{061EB04F-DF25-4365-86FB-8BA1E55379A0}" destId="{7A80F5C5-C716-46F4-8A86-6C811A77222D}" srcOrd="6" destOrd="0" presId="urn:microsoft.com/office/officeart/2008/layout/VerticalCurvedList"/>
-    <dgm:cxn modelId="{7893758C-BAB7-4557-A773-FDEC582C70F9}" type="presParOf" srcId="{7A80F5C5-C716-46F4-8A86-6C811A77222D}" destId="{3F9611C8-2EA6-4382-A181-A07FAC782B2A}" srcOrd="0" destOrd="0" presId="urn:microsoft.com/office/officeart/2008/layout/VerticalCurvedList"/>
-    <dgm:cxn modelId="{70A40070-0F21-4830-8F41-0B89230551D4}" type="presParOf" srcId="{061EB04F-DF25-4365-86FB-8BA1E55379A0}" destId="{6673FF7A-3EE0-454F-95F2-87D8D93B7803}" srcOrd="7" destOrd="0" presId="urn:microsoft.com/office/officeart/2008/layout/VerticalCurvedList"/>
-    <dgm:cxn modelId="{323DE8A2-E26D-4D30-BA6C-99D1CA105DC9}" type="presParOf" srcId="{061EB04F-DF25-4365-86FB-8BA1E55379A0}" destId="{5A5FD5DB-38B3-4896-B451-E45F922B1A5C}" srcOrd="8" destOrd="0" presId="urn:microsoft.com/office/officeart/2008/layout/VerticalCurvedList"/>
-    <dgm:cxn modelId="{4EAE0701-E7B7-4CEF-8F86-F42A85F30E0A}" type="presParOf" srcId="{5A5FD5DB-38B3-4896-B451-E45F922B1A5C}" destId="{010430AD-B9EC-40B7-8F4B-70207320A234}" srcOrd="0" destOrd="0" presId="urn:microsoft.com/office/officeart/2008/layout/VerticalCurvedList"/>
-    <dgm:cxn modelId="{CBB79A47-F175-46BF-A518-201A405A6D03}" type="presParOf" srcId="{061EB04F-DF25-4365-86FB-8BA1E55379A0}" destId="{7BAA1BBE-35F8-4E69-84DF-F9A0C43E3DD0}" srcOrd="9" destOrd="0" presId="urn:microsoft.com/office/officeart/2008/layout/VerticalCurvedList"/>
-    <dgm:cxn modelId="{38F68B63-37EB-464E-943A-BE506ADCD94D}" type="presParOf" srcId="{061EB04F-DF25-4365-86FB-8BA1E55379A0}" destId="{75C5C949-266C-49AF-B203-B46DA31257F7}" srcOrd="10" destOrd="0" presId="urn:microsoft.com/office/officeart/2008/layout/VerticalCurvedList"/>
-    <dgm:cxn modelId="{7F805645-F7BC-487F-9598-CF2EF277E734}" type="presParOf" srcId="{75C5C949-266C-49AF-B203-B46DA31257F7}" destId="{6FD9C734-BB88-4BF5-89B2-11AEF22AF11D}" srcOrd="0" destOrd="0" presId="urn:microsoft.com/office/officeart/2008/layout/VerticalCurvedList"/>
-    <dgm:cxn modelId="{1E58EBEC-C2F7-40A4-A957-6B0AC68AE93A}" type="presParOf" srcId="{061EB04F-DF25-4365-86FB-8BA1E55379A0}" destId="{E463283E-C823-474A-979D-7FD3EB3A5C9D}" srcOrd="11" destOrd="0" presId="urn:microsoft.com/office/officeart/2008/layout/VerticalCurvedList"/>
-    <dgm:cxn modelId="{0429CD9F-1D5D-487A-85BA-CFD285F0340B}" type="presParOf" srcId="{061EB04F-DF25-4365-86FB-8BA1E55379A0}" destId="{B87BD8A5-14D4-44ED-9411-E33928EA61E0}" srcOrd="12" destOrd="0" presId="urn:microsoft.com/office/officeart/2008/layout/VerticalCurvedList"/>
-    <dgm:cxn modelId="{983775C1-6DA1-4066-8A96-284D270D8540}" type="presParOf" srcId="{B87BD8A5-14D4-44ED-9411-E33928EA61E0}" destId="{8123A840-A704-4828-A5B4-AE7CA5C16305}" srcOrd="0" destOrd="0" presId="urn:microsoft.com/office/officeart/2008/layout/VerticalCurvedList"/>
+    <dgm:cxn modelId="{698551A1-38C5-4103-AB29-2DAFB642E431}" type="presParOf" srcId="{061EB04F-DF25-4365-86FB-8BA1E55379A0}" destId="{DBEA5A4D-DC1C-462E-A97D-F8D8F0DBA4EA}" srcOrd="3" destOrd="0" presId="urn:microsoft.com/office/officeart/2008/layout/VerticalCurvedList"/>
+    <dgm:cxn modelId="{7BF477D6-60DF-436D-B5B7-4A283CE16AAE}" type="presParOf" srcId="{061EB04F-DF25-4365-86FB-8BA1E55379A0}" destId="{E98C8303-3696-4D57-8805-3A30FA28B59C}" srcOrd="4" destOrd="0" presId="urn:microsoft.com/office/officeart/2008/layout/VerticalCurvedList"/>
+    <dgm:cxn modelId="{F7F82AD9-041A-45FE-8A47-D271B069F1DA}" type="presParOf" srcId="{E98C8303-3696-4D57-8805-3A30FA28B59C}" destId="{3F9611C8-2EA6-4382-A181-A07FAC782B2A}" srcOrd="0" destOrd="0" presId="urn:microsoft.com/office/officeart/2008/layout/VerticalCurvedList"/>
+    <dgm:cxn modelId="{EF02DE71-F75C-404C-8EC9-1B33E603162A}" type="presParOf" srcId="{061EB04F-DF25-4365-86FB-8BA1E55379A0}" destId="{DEAD63F9-F31B-4458-82AD-896585277AE5}" srcOrd="5" destOrd="0" presId="urn:microsoft.com/office/officeart/2008/layout/VerticalCurvedList"/>
+    <dgm:cxn modelId="{77711D6E-82DB-41D2-BC22-B41A34F37FAA}" type="presParOf" srcId="{061EB04F-DF25-4365-86FB-8BA1E55379A0}" destId="{ADCA30F6-A33A-4389-8E24-65AC774C1874}" srcOrd="6" destOrd="0" presId="urn:microsoft.com/office/officeart/2008/layout/VerticalCurvedList"/>
+    <dgm:cxn modelId="{878F1B4E-15F3-4123-9012-CE94E969D90E}" type="presParOf" srcId="{ADCA30F6-A33A-4389-8E24-65AC774C1874}" destId="{010430AD-B9EC-40B7-8F4B-70207320A234}" srcOrd="0" destOrd="0" presId="urn:microsoft.com/office/officeart/2008/layout/VerticalCurvedList"/>
+    <dgm:cxn modelId="{E305E936-8A4A-45CB-8751-0398EAC715D6}" type="presParOf" srcId="{061EB04F-DF25-4365-86FB-8BA1E55379A0}" destId="{0535E955-B7AE-48FC-969B-539B2C245666}" srcOrd="7" destOrd="0" presId="urn:microsoft.com/office/officeart/2008/layout/VerticalCurvedList"/>
+    <dgm:cxn modelId="{3756F966-3AE9-470E-AC8F-632086708524}" type="presParOf" srcId="{061EB04F-DF25-4365-86FB-8BA1E55379A0}" destId="{376B905E-4578-4778-B00A-E196608BB85E}" srcOrd="8" destOrd="0" presId="urn:microsoft.com/office/officeart/2008/layout/VerticalCurvedList"/>
+    <dgm:cxn modelId="{E37AB2D1-88D7-45C8-ADDF-C2240B8F0C08}" type="presParOf" srcId="{376B905E-4578-4778-B00A-E196608BB85E}" destId="{6FD9C734-BB88-4BF5-89B2-11AEF22AF11D}" srcOrd="0" destOrd="0" presId="urn:microsoft.com/office/officeart/2008/layout/VerticalCurvedList"/>
+    <dgm:cxn modelId="{183871D4-31A9-4AA5-B2B1-6B28EA97983B}" type="presParOf" srcId="{061EB04F-DF25-4365-86FB-8BA1E55379A0}" destId="{E9709BFB-88A2-4485-9D95-0765E9A3CD62}" srcOrd="9" destOrd="0" presId="urn:microsoft.com/office/officeart/2008/layout/VerticalCurvedList"/>
+    <dgm:cxn modelId="{B96CC348-93A9-45F2-A6E8-09D2C2C743E1}" type="presParOf" srcId="{061EB04F-DF25-4365-86FB-8BA1E55379A0}" destId="{C5C8F4FF-90AE-47E3-B194-8E683DDA60FD}" srcOrd="10" destOrd="0" presId="urn:microsoft.com/office/officeart/2008/layout/VerticalCurvedList"/>
+    <dgm:cxn modelId="{165B18E6-6BB5-4472-8EFF-9151768D4F9B}" type="presParOf" srcId="{C5C8F4FF-90AE-47E3-B194-8E683DDA60FD}" destId="{8123A840-A704-4828-A5B4-AE7CA5C16305}" srcOrd="0" destOrd="0" presId="urn:microsoft.com/office/officeart/2008/layout/VerticalCurvedList"/>
   </dgm:cxnLst>
   <dgm:bg/>
   <dgm:whole/>
@@ -3860,6 +4543,199 @@
     </a:ext>
     <a:ext uri="{C62137D5-CB1D-491B-B009-E17868A290BF}">
       <dgm14:recolorImg xmlns:dgm14="http://schemas.microsoft.com/office/drawing/2010/diagram" val="1"/>
+    </a:ext>
+  </dgm:extLst>
+</dgm:dataModel>
+</file>
+
+<file path=ppt/diagrams/data4.xml><?xml version="1.0" encoding="utf-8"?>
+<dgm:dataModel xmlns:dgm="http://schemas.openxmlformats.org/drawingml/2006/diagram" xmlns:a="http://schemas.openxmlformats.org/drawingml/2006/main">
+  <dgm:ptLst>
+    <dgm:pt modelId="{C17E4926-EB14-4698-8E7C-9926FDAFB796}" type="doc">
+      <dgm:prSet loTypeId="urn:microsoft.com/office/officeart/2005/8/layout/pList1" loCatId="list" qsTypeId="urn:microsoft.com/office/officeart/2005/8/quickstyle/simple1" qsCatId="simple" csTypeId="urn:microsoft.com/office/officeart/2005/8/colors/accent1_2" csCatId="accent1" phldr="1"/>
+      <dgm:spPr/>
+      <dgm:t>
+        <a:bodyPr/>
+        <a:lstStyle/>
+        <a:p>
+          <a:endParaRPr lang="en-GB"/>
+        </a:p>
+      </dgm:t>
+    </dgm:pt>
+    <dgm:pt modelId="{B1CB2D87-EA0C-46F2-9244-AE6A967A6F84}">
+      <dgm:prSet phldrT="[Text]"/>
+      <dgm:spPr/>
+      <dgm:t>
+        <a:bodyPr/>
+        <a:lstStyle/>
+        <a:p>
+          <a:endParaRPr lang="en-GB" dirty="0"/>
+        </a:p>
+      </dgm:t>
+    </dgm:pt>
+    <dgm:pt modelId="{A8E092BB-1A31-4F2E-93AB-0A030B4744D6}" type="parTrans" cxnId="{4A80A6DB-399D-4A47-B5C4-D9411B2FF40A}">
+      <dgm:prSet/>
+      <dgm:spPr/>
+      <dgm:t>
+        <a:bodyPr/>
+        <a:lstStyle/>
+        <a:p>
+          <a:endParaRPr lang="en-GB"/>
+        </a:p>
+      </dgm:t>
+    </dgm:pt>
+    <dgm:pt modelId="{8C1D96A1-9A57-460B-AE67-0E9CE7576A14}" type="sibTrans" cxnId="{4A80A6DB-399D-4A47-B5C4-D9411B2FF40A}">
+      <dgm:prSet/>
+      <dgm:spPr/>
+      <dgm:t>
+        <a:bodyPr/>
+        <a:lstStyle/>
+        <a:p>
+          <a:endParaRPr lang="en-GB"/>
+        </a:p>
+      </dgm:t>
+    </dgm:pt>
+    <dgm:pt modelId="{A15BA59D-14C6-4BA8-81C9-8CF4D9AABFDF}">
+      <dgm:prSet phldrT="[Text]"/>
+      <dgm:spPr/>
+      <dgm:t>
+        <a:bodyPr/>
+        <a:lstStyle/>
+        <a:p>
+          <a:endParaRPr lang="en-GB" dirty="0"/>
+        </a:p>
+      </dgm:t>
+    </dgm:pt>
+    <dgm:pt modelId="{73ECAAEF-077F-4CA3-B23D-74E9AD9D3F2D}" type="sibTrans" cxnId="{C31EB48B-E7C4-4646-B09E-DA0B9E25AE43}">
+      <dgm:prSet/>
+      <dgm:spPr/>
+      <dgm:t>
+        <a:bodyPr/>
+        <a:lstStyle/>
+        <a:p>
+          <a:endParaRPr lang="en-GB"/>
+        </a:p>
+      </dgm:t>
+    </dgm:pt>
+    <dgm:pt modelId="{88FF610E-A179-4074-950D-DA47D0977889}" type="parTrans" cxnId="{C31EB48B-E7C4-4646-B09E-DA0B9E25AE43}">
+      <dgm:prSet/>
+      <dgm:spPr/>
+      <dgm:t>
+        <a:bodyPr/>
+        <a:lstStyle/>
+        <a:p>
+          <a:endParaRPr lang="en-GB"/>
+        </a:p>
+      </dgm:t>
+    </dgm:pt>
+    <dgm:pt modelId="{EF7FAF37-9020-467E-9B95-6313387CF690}" type="pres">
+      <dgm:prSet presAssocID="{C17E4926-EB14-4698-8E7C-9926FDAFB796}" presName="Name0" presStyleCnt="0">
+        <dgm:presLayoutVars>
+          <dgm:dir/>
+          <dgm:resizeHandles val="exact"/>
+        </dgm:presLayoutVars>
+      </dgm:prSet>
+      <dgm:spPr/>
+    </dgm:pt>
+    <dgm:pt modelId="{9164CD7A-1A4D-4596-8EB0-4C2ED79B82BE}" type="pres">
+      <dgm:prSet presAssocID="{A15BA59D-14C6-4BA8-81C9-8CF4D9AABFDF}" presName="compNode" presStyleCnt="0"/>
+      <dgm:spPr/>
+    </dgm:pt>
+    <dgm:pt modelId="{3F152DA9-3FDF-4873-A49F-8049C0B4BEF7}" type="pres">
+      <dgm:prSet presAssocID="{A15BA59D-14C6-4BA8-81C9-8CF4D9AABFDF}" presName="pictRect" presStyleLbl="node1" presStyleIdx="0" presStyleCnt="2"/>
+      <dgm:spPr>
+        <a:blipFill>
+          <a:blip xmlns:r="http://schemas.openxmlformats.org/officeDocument/2006/relationships" r:embed="rId1">
+            <a:extLst>
+              <a:ext uri="{28A0092B-C50C-407E-A947-70E740481C1C}">
+                <a14:useLocalDpi xmlns:a14="http://schemas.microsoft.com/office/drawing/2010/main" val="0"/>
+              </a:ext>
+            </a:extLst>
+          </a:blip>
+          <a:srcRect/>
+          <a:stretch>
+            <a:fillRect t="-23000" b="-23000"/>
+          </a:stretch>
+        </a:blipFill>
+      </dgm:spPr>
+    </dgm:pt>
+    <dgm:pt modelId="{3243D8B0-218F-4FC3-9EBC-CE3A4657CDCE}" type="pres">
+      <dgm:prSet presAssocID="{A15BA59D-14C6-4BA8-81C9-8CF4D9AABFDF}" presName="textRect" presStyleLbl="revTx" presStyleIdx="0" presStyleCnt="2">
+        <dgm:presLayoutVars>
+          <dgm:bulletEnabled val="1"/>
+        </dgm:presLayoutVars>
+      </dgm:prSet>
+      <dgm:spPr/>
+      <dgm:t>
+        <a:bodyPr/>
+        <a:lstStyle/>
+        <a:p>
+          <a:endParaRPr lang="en-GB"/>
+        </a:p>
+      </dgm:t>
+    </dgm:pt>
+    <dgm:pt modelId="{B241D74B-0828-4D3C-95CA-5AAC5046B673}" type="pres">
+      <dgm:prSet presAssocID="{73ECAAEF-077F-4CA3-B23D-74E9AD9D3F2D}" presName="sibTrans" presStyleLbl="sibTrans2D1" presStyleIdx="0" presStyleCnt="0"/>
+      <dgm:spPr/>
+    </dgm:pt>
+    <dgm:pt modelId="{46447ECA-F829-4A2A-B2DD-F51F795F03A2}" type="pres">
+      <dgm:prSet presAssocID="{B1CB2D87-EA0C-46F2-9244-AE6A967A6F84}" presName="compNode" presStyleCnt="0"/>
+      <dgm:spPr/>
+    </dgm:pt>
+    <dgm:pt modelId="{85A45D3A-EBA4-4FC5-8EF5-EBCCFCE559F3}" type="pres">
+      <dgm:prSet presAssocID="{B1CB2D87-EA0C-46F2-9244-AE6A967A6F84}" presName="pictRect" presStyleLbl="node1" presStyleIdx="1" presStyleCnt="2"/>
+      <dgm:spPr>
+        <a:blipFill>
+          <a:blip xmlns:r="http://schemas.openxmlformats.org/officeDocument/2006/relationships" r:embed="rId2">
+            <a:extLst>
+              <a:ext uri="{28A0092B-C50C-407E-A947-70E740481C1C}">
+                <a14:useLocalDpi xmlns:a14="http://schemas.microsoft.com/office/drawing/2010/main" val="0"/>
+              </a:ext>
+            </a:extLst>
+          </a:blip>
+          <a:srcRect/>
+          <a:stretch>
+            <a:fillRect t="-24000" b="-24000"/>
+          </a:stretch>
+        </a:blipFill>
+      </dgm:spPr>
+    </dgm:pt>
+    <dgm:pt modelId="{F76790B2-0C34-4DDC-AC4C-558B90BE42D0}" type="pres">
+      <dgm:prSet presAssocID="{B1CB2D87-EA0C-46F2-9244-AE6A967A6F84}" presName="textRect" presStyleLbl="revTx" presStyleIdx="1" presStyleCnt="2">
+        <dgm:presLayoutVars>
+          <dgm:bulletEnabled val="1"/>
+        </dgm:presLayoutVars>
+      </dgm:prSet>
+      <dgm:spPr/>
+      <dgm:t>
+        <a:bodyPr/>
+        <a:lstStyle/>
+        <a:p>
+          <a:endParaRPr lang="en-GB"/>
+        </a:p>
+      </dgm:t>
+    </dgm:pt>
+  </dgm:ptLst>
+  <dgm:cxnLst>
+    <dgm:cxn modelId="{F33CCE40-1BEE-4916-B81B-BA364BECBB41}" type="presOf" srcId="{A15BA59D-14C6-4BA8-81C9-8CF4D9AABFDF}" destId="{3243D8B0-218F-4FC3-9EBC-CE3A4657CDCE}" srcOrd="0" destOrd="0" presId="urn:microsoft.com/office/officeart/2005/8/layout/pList1"/>
+    <dgm:cxn modelId="{C31EB48B-E7C4-4646-B09E-DA0B9E25AE43}" srcId="{C17E4926-EB14-4698-8E7C-9926FDAFB796}" destId="{A15BA59D-14C6-4BA8-81C9-8CF4D9AABFDF}" srcOrd="0" destOrd="0" parTransId="{88FF610E-A179-4074-950D-DA47D0977889}" sibTransId="{73ECAAEF-077F-4CA3-B23D-74E9AD9D3F2D}"/>
+    <dgm:cxn modelId="{4A80A6DB-399D-4A47-B5C4-D9411B2FF40A}" srcId="{C17E4926-EB14-4698-8E7C-9926FDAFB796}" destId="{B1CB2D87-EA0C-46F2-9244-AE6A967A6F84}" srcOrd="1" destOrd="0" parTransId="{A8E092BB-1A31-4F2E-93AB-0A030B4744D6}" sibTransId="{8C1D96A1-9A57-460B-AE67-0E9CE7576A14}"/>
+    <dgm:cxn modelId="{5BF7F930-82BD-40C0-92BD-ECFAC4B4B1B5}" type="presOf" srcId="{C17E4926-EB14-4698-8E7C-9926FDAFB796}" destId="{EF7FAF37-9020-467E-9B95-6313387CF690}" srcOrd="0" destOrd="0" presId="urn:microsoft.com/office/officeart/2005/8/layout/pList1"/>
+    <dgm:cxn modelId="{BB295B92-4D9D-48F3-AC37-7107A96A211D}" type="presOf" srcId="{B1CB2D87-EA0C-46F2-9244-AE6A967A6F84}" destId="{F76790B2-0C34-4DDC-AC4C-558B90BE42D0}" srcOrd="0" destOrd="0" presId="urn:microsoft.com/office/officeart/2005/8/layout/pList1"/>
+    <dgm:cxn modelId="{002FBF24-C2F4-4E54-905A-65EE68E84673}" type="presOf" srcId="{73ECAAEF-077F-4CA3-B23D-74E9AD9D3F2D}" destId="{B241D74B-0828-4D3C-95CA-5AAC5046B673}" srcOrd="0" destOrd="0" presId="urn:microsoft.com/office/officeart/2005/8/layout/pList1"/>
+    <dgm:cxn modelId="{07BCE5C7-6D4E-41B5-BEE3-E9C168A562B1}" type="presParOf" srcId="{EF7FAF37-9020-467E-9B95-6313387CF690}" destId="{9164CD7A-1A4D-4596-8EB0-4C2ED79B82BE}" srcOrd="0" destOrd="0" presId="urn:microsoft.com/office/officeart/2005/8/layout/pList1"/>
+    <dgm:cxn modelId="{80BA8277-F4BF-41A4-9E0F-9501FB390A73}" type="presParOf" srcId="{9164CD7A-1A4D-4596-8EB0-4C2ED79B82BE}" destId="{3F152DA9-3FDF-4873-A49F-8049C0B4BEF7}" srcOrd="0" destOrd="0" presId="urn:microsoft.com/office/officeart/2005/8/layout/pList1"/>
+    <dgm:cxn modelId="{621CEEB1-0AAF-4B3D-96D0-2975B916E113}" type="presParOf" srcId="{9164CD7A-1A4D-4596-8EB0-4C2ED79B82BE}" destId="{3243D8B0-218F-4FC3-9EBC-CE3A4657CDCE}" srcOrd="1" destOrd="0" presId="urn:microsoft.com/office/officeart/2005/8/layout/pList1"/>
+    <dgm:cxn modelId="{7C6A4CC7-8AF5-40D3-A3B9-1B76925CBA6B}" type="presParOf" srcId="{EF7FAF37-9020-467E-9B95-6313387CF690}" destId="{B241D74B-0828-4D3C-95CA-5AAC5046B673}" srcOrd="1" destOrd="0" presId="urn:microsoft.com/office/officeart/2005/8/layout/pList1"/>
+    <dgm:cxn modelId="{45CD9026-9D1A-4C81-8516-E2BBE772191F}" type="presParOf" srcId="{EF7FAF37-9020-467E-9B95-6313387CF690}" destId="{46447ECA-F829-4A2A-B2DD-F51F795F03A2}" srcOrd="2" destOrd="0" presId="urn:microsoft.com/office/officeart/2005/8/layout/pList1"/>
+    <dgm:cxn modelId="{EC5D5CFD-E682-4F41-9F92-095C71F24024}" type="presParOf" srcId="{46447ECA-F829-4A2A-B2DD-F51F795F03A2}" destId="{85A45D3A-EBA4-4FC5-8EF5-EBCCFCE559F3}" srcOrd="0" destOrd="0" presId="urn:microsoft.com/office/officeart/2005/8/layout/pList1"/>
+    <dgm:cxn modelId="{EB38493E-25AB-4AD2-A2D0-1B67BA6A37EF}" type="presParOf" srcId="{46447ECA-F829-4A2A-B2DD-F51F795F03A2}" destId="{F76790B2-0C34-4DDC-AC4C-558B90BE42D0}" srcOrd="1" destOrd="0" presId="urn:microsoft.com/office/officeart/2005/8/layout/pList1"/>
+  </dgm:cxnLst>
+  <dgm:bg/>
+  <dgm:whole/>
+  <dgm:extLst>
+    <a:ext uri="http://schemas.microsoft.com/office/drawing/2008/diagram">
+      <dsp:dataModelExt xmlns:dsp="http://schemas.microsoft.com/office/drawing/2008/diagram" relId="rId6" minVer="http://schemas.openxmlformats.org/drawingml/2006/diagram"/>
     </a:ext>
   </dgm:extLst>
 </dgm:dataModel>
@@ -4760,8 +5636,8 @@
       </dsp:nvSpPr>
       <dsp:spPr>
         <a:xfrm>
-          <a:off x="313716" y="204396"/>
-          <a:ext cx="8230292" cy="408637"/>
+          <a:off x="367668" y="242512"/>
+          <a:ext cx="8176340" cy="485334"/>
         </a:xfrm>
         <a:prstGeom prst="rect">
           <a:avLst/>
@@ -4802,12 +5678,12 @@
         </a:fontRef>
       </dsp:style>
       <dsp:txBody>
-        <a:bodyPr spcFirstLastPara="0" vert="horz" wrap="square" lIns="324356" tIns="55880" rIns="55880" bIns="55880" numCol="1" spcCol="1270" anchor="ctr" anchorCtr="0">
+        <a:bodyPr spcFirstLastPara="0" vert="horz" wrap="square" lIns="385235" tIns="66040" rIns="66040" bIns="66040" numCol="1" spcCol="1270" anchor="ctr" anchorCtr="0">
           <a:noAutofit/>
         </a:bodyPr>
         <a:lstStyle/>
         <a:p>
-          <a:pPr lvl="0" algn="l" defTabSz="977900">
+          <a:pPr lvl="0" algn="l" defTabSz="1155700">
             <a:lnSpc>
               <a:spcPct val="90000"/>
             </a:lnSpc>
@@ -4819,15 +5695,15 @@
             </a:spcAft>
           </a:pPr>
           <a:r>
-            <a:rPr lang="en-US" sz="2200" kern="1200" dirty="0" smtClean="0"/>
+            <a:rPr lang="en-US" sz="2600" kern="1200" dirty="0" smtClean="0"/>
             <a:t>Scenario problem</a:t>
           </a:r>
-          <a:endParaRPr lang="en-US" sz="2200" kern="1200" dirty="0"/>
+          <a:endParaRPr lang="en-US" sz="2600" kern="1200" dirty="0"/>
         </a:p>
       </dsp:txBody>
       <dsp:txXfrm>
-        <a:off x="313716" y="204396"/>
-        <a:ext cx="8230292" cy="408637"/>
+        <a:off x="367668" y="242512"/>
+        <a:ext cx="8176340" cy="485334"/>
       </dsp:txXfrm>
     </dsp:sp>
     <dsp:sp modelId="{C9E57088-7F31-4051-BBDF-42D864EC9EBE}">
@@ -4837,8 +5713,8 @@
       </dsp:nvSpPr>
       <dsp:spPr>
         <a:xfrm>
-          <a:off x="58317" y="153316"/>
-          <a:ext cx="510797" cy="510797"/>
+          <a:off x="64334" y="181845"/>
+          <a:ext cx="606668" cy="606668"/>
         </a:xfrm>
         <a:prstGeom prst="ellipse">
           <a:avLst/>
@@ -4877,15 +5753,15 @@
         <a:fontRef idx="minor"/>
       </dsp:style>
     </dsp:sp>
-    <dsp:sp modelId="{8AF23435-DC6E-466A-A73E-3BB5E3E85475}">
+    <dsp:sp modelId="{DBEA5A4D-DC1C-462E-A97D-F8D8F0DBA4EA}">
       <dsp:nvSpPr>
         <dsp:cNvPr id="0" name=""/>
         <dsp:cNvSpPr/>
       </dsp:nvSpPr>
       <dsp:spPr>
         <a:xfrm>
-          <a:off x="649848" y="817275"/>
-          <a:ext cx="7894160" cy="408637"/>
+          <a:off x="715445" y="970281"/>
+          <a:ext cx="7828563" cy="485334"/>
         </a:xfrm>
         <a:prstGeom prst="rect">
           <a:avLst/>
@@ -4926,12 +5802,12 @@
         </a:fontRef>
       </dsp:style>
       <dsp:txBody>
-        <a:bodyPr spcFirstLastPara="0" vert="horz" wrap="square" lIns="324356" tIns="55880" rIns="55880" bIns="55880" numCol="1" spcCol="1270" anchor="ctr" anchorCtr="0">
+        <a:bodyPr spcFirstLastPara="0" vert="horz" wrap="square" lIns="385235" tIns="66040" rIns="66040" bIns="66040" numCol="1" spcCol="1270" anchor="ctr" anchorCtr="0">
           <a:noAutofit/>
         </a:bodyPr>
         <a:lstStyle/>
         <a:p>
-          <a:pPr lvl="0" algn="l" defTabSz="977900">
+          <a:pPr lvl="0" algn="l" defTabSz="1155700">
             <a:lnSpc>
               <a:spcPct val="90000"/>
             </a:lnSpc>
@@ -4943,26 +5819,30 @@
             </a:spcAft>
           </a:pPr>
           <a:r>
-            <a:rPr lang="en-US" sz="2200" kern="1200" dirty="0" smtClean="0"/>
-            <a:t>Advantages and disadvantages of current scenario</a:t>
+            <a:rPr lang="en-US" sz="2600" kern="1200" dirty="0" smtClean="0"/>
+            <a:t>Our </a:t>
           </a:r>
-          <a:endParaRPr lang="en-US" sz="2200" kern="1200" dirty="0"/>
+          <a:r>
+            <a:rPr lang="en-US" sz="2600" kern="1200" dirty="0" smtClean="0"/>
+            <a:t>solution</a:t>
+          </a:r>
+          <a:endParaRPr lang="en-US" sz="2600" kern="1200" dirty="0"/>
         </a:p>
       </dsp:txBody>
       <dsp:txXfrm>
-        <a:off x="649848" y="817275"/>
-        <a:ext cx="7894160" cy="408637"/>
+        <a:off x="715445" y="970281"/>
+        <a:ext cx="7828563" cy="485334"/>
       </dsp:txXfrm>
     </dsp:sp>
-    <dsp:sp modelId="{89318197-0635-4B5F-9713-C8FBB3BD59DC}">
+    <dsp:sp modelId="{3F9611C8-2EA6-4382-A181-A07FAC782B2A}">
       <dsp:nvSpPr>
         <dsp:cNvPr id="0" name=""/>
         <dsp:cNvSpPr/>
       </dsp:nvSpPr>
       <dsp:spPr>
         <a:xfrm>
-          <a:off x="394450" y="766195"/>
-          <a:ext cx="510797" cy="510797"/>
+          <a:off x="412110" y="909614"/>
+          <a:ext cx="606668" cy="606668"/>
         </a:xfrm>
         <a:prstGeom prst="ellipse">
           <a:avLst/>
@@ -5001,15 +5881,15 @@
         <a:fontRef idx="minor"/>
       </dsp:style>
     </dsp:sp>
-    <dsp:sp modelId="{D84367C2-55A8-41E9-B751-8A1B488E7B98}">
+    <dsp:sp modelId="{DEAD63F9-F31B-4458-82AD-896585277AE5}">
       <dsp:nvSpPr>
         <dsp:cNvPr id="0" name=""/>
         <dsp:cNvSpPr/>
       </dsp:nvSpPr>
       <dsp:spPr>
         <a:xfrm>
-          <a:off x="803553" y="1430154"/>
-          <a:ext cx="7740455" cy="408637"/>
+          <a:off x="822184" y="1698051"/>
+          <a:ext cx="7721824" cy="485334"/>
         </a:xfrm>
         <a:prstGeom prst="rect">
           <a:avLst/>
@@ -5050,12 +5930,12 @@
         </a:fontRef>
       </dsp:style>
       <dsp:txBody>
-        <a:bodyPr spcFirstLastPara="0" vert="horz" wrap="square" lIns="324356" tIns="55880" rIns="55880" bIns="55880" numCol="1" spcCol="1270" anchor="ctr" anchorCtr="0">
+        <a:bodyPr spcFirstLastPara="0" vert="horz" wrap="square" lIns="385235" tIns="66040" rIns="66040" bIns="66040" numCol="1" spcCol="1270" anchor="ctr" anchorCtr="0">
           <a:noAutofit/>
         </a:bodyPr>
         <a:lstStyle/>
         <a:p>
-          <a:pPr lvl="0" algn="l" defTabSz="977900">
+          <a:pPr lvl="0" algn="l" defTabSz="1155700">
             <a:lnSpc>
               <a:spcPct val="90000"/>
             </a:lnSpc>
@@ -5067,26 +5947,26 @@
             </a:spcAft>
           </a:pPr>
           <a:r>
-            <a:rPr lang="en-US" sz="2200" kern="1200" dirty="0" smtClean="0"/>
-            <a:t>Proposed solution</a:t>
+            <a:rPr lang="en-US" sz="2600" kern="1200" dirty="0" smtClean="0"/>
+            <a:t>Demonstration</a:t>
           </a:r>
-          <a:endParaRPr lang="en-US" sz="2200" kern="1200" dirty="0"/>
+          <a:endParaRPr lang="en-US" sz="2600" kern="1200" dirty="0"/>
         </a:p>
       </dsp:txBody>
       <dsp:txXfrm>
-        <a:off x="803553" y="1430154"/>
-        <a:ext cx="7740455" cy="408637"/>
+        <a:off x="822184" y="1698051"/>
+        <a:ext cx="7721824" cy="485334"/>
       </dsp:txXfrm>
     </dsp:sp>
-    <dsp:sp modelId="{3F9611C8-2EA6-4382-A181-A07FAC782B2A}">
+    <dsp:sp modelId="{010430AD-B9EC-40B7-8F4B-70207320A234}">
       <dsp:nvSpPr>
         <dsp:cNvPr id="0" name=""/>
         <dsp:cNvSpPr/>
       </dsp:nvSpPr>
       <dsp:spPr>
         <a:xfrm>
-          <a:off x="548155" y="1379074"/>
-          <a:ext cx="510797" cy="510797"/>
+          <a:off x="518850" y="1637384"/>
+          <a:ext cx="606668" cy="606668"/>
         </a:xfrm>
         <a:prstGeom prst="ellipse">
           <a:avLst/>
@@ -5125,15 +6005,15 @@
         <a:fontRef idx="minor"/>
       </dsp:style>
     </dsp:sp>
-    <dsp:sp modelId="{6673FF7A-3EE0-454F-95F2-87D8D93B7803}">
+    <dsp:sp modelId="{0535E955-B7AE-48FC-969B-539B2C245666}">
       <dsp:nvSpPr>
         <dsp:cNvPr id="0" name=""/>
         <dsp:cNvSpPr/>
       </dsp:nvSpPr>
       <dsp:spPr>
         <a:xfrm>
-          <a:off x="803553" y="2042645"/>
-          <a:ext cx="7740455" cy="408637"/>
+          <a:off x="715445" y="2425820"/>
+          <a:ext cx="7828563" cy="485334"/>
         </a:xfrm>
         <a:prstGeom prst="rect">
           <a:avLst/>
@@ -5174,12 +6054,12 @@
         </a:fontRef>
       </dsp:style>
       <dsp:txBody>
-        <a:bodyPr spcFirstLastPara="0" vert="horz" wrap="square" lIns="324356" tIns="55880" rIns="55880" bIns="55880" numCol="1" spcCol="1270" anchor="ctr" anchorCtr="0">
+        <a:bodyPr spcFirstLastPara="0" vert="horz" wrap="square" lIns="385235" tIns="66040" rIns="66040" bIns="66040" numCol="1" spcCol="1270" anchor="ctr" anchorCtr="0">
           <a:noAutofit/>
         </a:bodyPr>
         <a:lstStyle/>
         <a:p>
-          <a:pPr lvl="0" algn="l" defTabSz="977900">
+          <a:pPr lvl="0" algn="l" defTabSz="1155700">
             <a:lnSpc>
               <a:spcPct val="90000"/>
             </a:lnSpc>
@@ -5191,26 +6071,26 @@
             </a:spcAft>
           </a:pPr>
           <a:r>
-            <a:rPr lang="en-US" sz="2200" kern="1200" dirty="0" smtClean="0"/>
-            <a:t>Demonstration</a:t>
+            <a:rPr lang="en-US" sz="2600" kern="1200" dirty="0" smtClean="0"/>
+            <a:t>Advantages and disadvantages of current solution</a:t>
           </a:r>
-          <a:endParaRPr lang="en-US" sz="2200" kern="1200" dirty="0"/>
+          <a:endParaRPr lang="en-US" sz="2600" kern="1200" dirty="0"/>
         </a:p>
       </dsp:txBody>
       <dsp:txXfrm>
-        <a:off x="803553" y="2042645"/>
-        <a:ext cx="7740455" cy="408637"/>
+        <a:off x="715445" y="2425820"/>
+        <a:ext cx="7828563" cy="485334"/>
       </dsp:txXfrm>
     </dsp:sp>
-    <dsp:sp modelId="{010430AD-B9EC-40B7-8F4B-70207320A234}">
+    <dsp:sp modelId="{6FD9C734-BB88-4BF5-89B2-11AEF22AF11D}">
       <dsp:nvSpPr>
         <dsp:cNvPr id="0" name=""/>
         <dsp:cNvSpPr/>
       </dsp:nvSpPr>
       <dsp:spPr>
         <a:xfrm>
-          <a:off x="548155" y="1991565"/>
-          <a:ext cx="510797" cy="510797"/>
+          <a:off x="412110" y="2365153"/>
+          <a:ext cx="606668" cy="606668"/>
         </a:xfrm>
         <a:prstGeom prst="ellipse">
           <a:avLst/>
@@ -5249,15 +6129,15 @@
         <a:fontRef idx="minor"/>
       </dsp:style>
     </dsp:sp>
-    <dsp:sp modelId="{7BAA1BBE-35F8-4E69-84DF-F9A0C43E3DD0}">
+    <dsp:sp modelId="{E9709BFB-88A2-4485-9D95-0765E9A3CD62}">
       <dsp:nvSpPr>
         <dsp:cNvPr id="0" name=""/>
         <dsp:cNvSpPr/>
       </dsp:nvSpPr>
       <dsp:spPr>
         <a:xfrm>
-          <a:off x="649848" y="2655523"/>
-          <a:ext cx="7894160" cy="408637"/>
+          <a:off x="367668" y="3153589"/>
+          <a:ext cx="8176340" cy="485334"/>
         </a:xfrm>
         <a:prstGeom prst="rect">
           <a:avLst/>
@@ -5298,12 +6178,12 @@
         </a:fontRef>
       </dsp:style>
       <dsp:txBody>
-        <a:bodyPr spcFirstLastPara="0" vert="horz" wrap="square" lIns="324356" tIns="55880" rIns="55880" bIns="55880" numCol="1" spcCol="1270" anchor="ctr" anchorCtr="0">
+        <a:bodyPr spcFirstLastPara="0" vert="horz" wrap="square" lIns="385235" tIns="66040" rIns="66040" bIns="66040" numCol="1" spcCol="1270" anchor="ctr" anchorCtr="0">
           <a:noAutofit/>
         </a:bodyPr>
         <a:lstStyle/>
         <a:p>
-          <a:pPr lvl="0" algn="l" defTabSz="977900">
+          <a:pPr lvl="0" algn="l" defTabSz="1155700">
             <a:lnSpc>
               <a:spcPct val="90000"/>
             </a:lnSpc>
@@ -5315,139 +6195,15 @@
             </a:spcAft>
           </a:pPr>
           <a:r>
-            <a:rPr lang="en-US" sz="2200" kern="1200" dirty="0" smtClean="0"/>
-            <a:t>Advantages and disadvantages of current solution</a:t>
+            <a:rPr lang="en-US" sz="2600" kern="1200" dirty="0" smtClean="0"/>
+            <a:t>Questions and answers</a:t>
           </a:r>
-          <a:endParaRPr lang="en-US" sz="2200" kern="1200" dirty="0"/>
+          <a:endParaRPr lang="en-US" sz="2600" kern="1200" dirty="0"/>
         </a:p>
       </dsp:txBody>
       <dsp:txXfrm>
-        <a:off x="649848" y="2655523"/>
-        <a:ext cx="7894160" cy="408637"/>
-      </dsp:txXfrm>
-    </dsp:sp>
-    <dsp:sp modelId="{6FD9C734-BB88-4BF5-89B2-11AEF22AF11D}">
-      <dsp:nvSpPr>
-        <dsp:cNvPr id="0" name=""/>
-        <dsp:cNvSpPr/>
-      </dsp:nvSpPr>
-      <dsp:spPr>
-        <a:xfrm>
-          <a:off x="394450" y="2604444"/>
-          <a:ext cx="510797" cy="510797"/>
-        </a:xfrm>
-        <a:prstGeom prst="ellipse">
-          <a:avLst/>
-        </a:prstGeom>
-        <a:solidFill>
-          <a:schemeClr val="lt1">
-            <a:hueOff val="0"/>
-            <a:satOff val="0"/>
-            <a:lumOff val="0"/>
-            <a:alphaOff val="0"/>
-          </a:schemeClr>
-        </a:solidFill>
-        <a:ln w="19050" cap="rnd" cmpd="sng" algn="ctr">
-          <a:solidFill>
-            <a:schemeClr val="accent1">
-              <a:hueOff val="0"/>
-              <a:satOff val="0"/>
-              <a:lumOff val="0"/>
-              <a:alphaOff val="0"/>
-            </a:schemeClr>
-          </a:solidFill>
-          <a:prstDash val="solid"/>
-        </a:ln>
-        <a:effectLst/>
-      </dsp:spPr>
-      <dsp:style>
-        <a:lnRef idx="2">
-          <a:scrgbClr r="0" g="0" b="0"/>
-        </a:lnRef>
-        <a:fillRef idx="1">
-          <a:scrgbClr r="0" g="0" b="0"/>
-        </a:fillRef>
-        <a:effectRef idx="0">
-          <a:scrgbClr r="0" g="0" b="0"/>
-        </a:effectRef>
-        <a:fontRef idx="minor"/>
-      </dsp:style>
-    </dsp:sp>
-    <dsp:sp modelId="{E463283E-C823-474A-979D-7FD3EB3A5C9D}">
-      <dsp:nvSpPr>
-        <dsp:cNvPr id="0" name=""/>
-        <dsp:cNvSpPr/>
-      </dsp:nvSpPr>
-      <dsp:spPr>
-        <a:xfrm>
-          <a:off x="313716" y="3268402"/>
-          <a:ext cx="8230292" cy="408637"/>
-        </a:xfrm>
-        <a:prstGeom prst="rect">
-          <a:avLst/>
-        </a:prstGeom>
-        <a:solidFill>
-          <a:schemeClr val="accent1">
-            <a:hueOff val="0"/>
-            <a:satOff val="0"/>
-            <a:lumOff val="0"/>
-            <a:alphaOff val="0"/>
-          </a:schemeClr>
-        </a:solidFill>
-        <a:ln w="19050" cap="rnd" cmpd="sng" algn="ctr">
-          <a:solidFill>
-            <a:schemeClr val="lt1">
-              <a:hueOff val="0"/>
-              <a:satOff val="0"/>
-              <a:lumOff val="0"/>
-              <a:alphaOff val="0"/>
-            </a:schemeClr>
-          </a:solidFill>
-          <a:prstDash val="solid"/>
-        </a:ln>
-        <a:effectLst/>
-      </dsp:spPr>
-      <dsp:style>
-        <a:lnRef idx="2">
-          <a:scrgbClr r="0" g="0" b="0"/>
-        </a:lnRef>
-        <a:fillRef idx="1">
-          <a:scrgbClr r="0" g="0" b="0"/>
-        </a:fillRef>
-        <a:effectRef idx="0">
-          <a:scrgbClr r="0" g="0" b="0"/>
-        </a:effectRef>
-        <a:fontRef idx="minor">
-          <a:schemeClr val="lt1"/>
-        </a:fontRef>
-      </dsp:style>
-      <dsp:txBody>
-        <a:bodyPr spcFirstLastPara="0" vert="horz" wrap="square" lIns="324356" tIns="55880" rIns="55880" bIns="55880" numCol="1" spcCol="1270" anchor="ctr" anchorCtr="0">
-          <a:noAutofit/>
-        </a:bodyPr>
-        <a:lstStyle/>
-        <a:p>
-          <a:pPr lvl="0" algn="l" defTabSz="977900">
-            <a:lnSpc>
-              <a:spcPct val="90000"/>
-            </a:lnSpc>
-            <a:spcBef>
-              <a:spcPct val="0"/>
-            </a:spcBef>
-            <a:spcAft>
-              <a:spcPct val="35000"/>
-            </a:spcAft>
-          </a:pPr>
-          <a:r>
-            <a:rPr lang="en-US" sz="2200" kern="1200" dirty="0" smtClean="0"/>
-            <a:t>Questions and answers</a:t>
-          </a:r>
-          <a:endParaRPr lang="en-US" sz="2200" kern="1200" dirty="0"/>
-        </a:p>
-      </dsp:txBody>
-      <dsp:txXfrm>
-        <a:off x="313716" y="3268402"/>
-        <a:ext cx="8230292" cy="408637"/>
+        <a:off x="367668" y="3153589"/>
+        <a:ext cx="8176340" cy="485334"/>
       </dsp:txXfrm>
     </dsp:sp>
     <dsp:sp modelId="{8123A840-A704-4828-A5B4-AE7CA5C16305}">
@@ -5457,8 +6213,8 @@
       </dsp:nvSpPr>
       <dsp:spPr>
         <a:xfrm>
-          <a:off x="58317" y="3217323"/>
-          <a:ext cx="510797" cy="510797"/>
+          <a:off x="64334" y="3092923"/>
+          <a:ext cx="606668" cy="606668"/>
         </a:xfrm>
         <a:prstGeom prst="ellipse">
           <a:avLst/>
@@ -5875,6 +6631,238 @@
         </a:effectRef>
         <a:fontRef idx="minor"/>
       </dsp:style>
+    </dsp:sp>
+  </dsp:spTree>
+</dsp:drawing>
+</file>
+
+<file path=ppt/diagrams/drawing4.xml><?xml version="1.0" encoding="utf-8"?>
+<dsp:drawing xmlns:dgm="http://schemas.openxmlformats.org/drawingml/2006/diagram" xmlns:dsp="http://schemas.microsoft.com/office/drawing/2008/diagram" xmlns:a="http://schemas.openxmlformats.org/drawingml/2006/main">
+  <dsp:spTree>
+    <dsp:nvGrpSpPr>
+      <dsp:cNvPr id="0" name=""/>
+      <dsp:cNvGrpSpPr/>
+    </dsp:nvGrpSpPr>
+    <dsp:grpSpPr/>
+    <dsp:sp modelId="{3F152DA9-3FDF-4873-A49F-8049C0B4BEF7}">
+      <dsp:nvSpPr>
+        <dsp:cNvPr id="0" name=""/>
+        <dsp:cNvSpPr/>
+      </dsp:nvSpPr>
+      <dsp:spPr>
+        <a:xfrm>
+          <a:off x="456537" y="1654"/>
+          <a:ext cx="3658611" cy="2520783"/>
+        </a:xfrm>
+        <a:prstGeom prst="roundRect">
+          <a:avLst/>
+        </a:prstGeom>
+        <a:blipFill>
+          <a:blip xmlns:r="http://schemas.openxmlformats.org/officeDocument/2006/relationships" r:embed="rId1">
+            <a:extLst>
+              <a:ext uri="{28A0092B-C50C-407E-A947-70E740481C1C}">
+                <a14:useLocalDpi xmlns:a14="http://schemas.microsoft.com/office/drawing/2010/main" val="0"/>
+              </a:ext>
+            </a:extLst>
+          </a:blip>
+          <a:srcRect/>
+          <a:stretch>
+            <a:fillRect t="-23000" b="-23000"/>
+          </a:stretch>
+        </a:blipFill>
+        <a:ln w="19050" cap="rnd" cmpd="sng" algn="ctr">
+          <a:solidFill>
+            <a:schemeClr val="lt1">
+              <a:hueOff val="0"/>
+              <a:satOff val="0"/>
+              <a:lumOff val="0"/>
+              <a:alphaOff val="0"/>
+            </a:schemeClr>
+          </a:solidFill>
+          <a:prstDash val="solid"/>
+        </a:ln>
+        <a:effectLst/>
+      </dsp:spPr>
+      <dsp:style>
+        <a:lnRef idx="2">
+          <a:scrgbClr r="0" g="0" b="0"/>
+        </a:lnRef>
+        <a:fillRef idx="1">
+          <a:scrgbClr r="0" g="0" b="0"/>
+        </a:fillRef>
+        <a:effectRef idx="0">
+          <a:scrgbClr r="0" g="0" b="0"/>
+        </a:effectRef>
+        <a:fontRef idx="minor">
+          <a:schemeClr val="lt1"/>
+        </a:fontRef>
+      </dsp:style>
+    </dsp:sp>
+    <dsp:sp modelId="{3243D8B0-218F-4FC3-9EBC-CE3A4657CDCE}">
+      <dsp:nvSpPr>
+        <dsp:cNvPr id="0" name=""/>
+        <dsp:cNvSpPr/>
+      </dsp:nvSpPr>
+      <dsp:spPr>
+        <a:xfrm>
+          <a:off x="456537" y="2522437"/>
+          <a:ext cx="3658611" cy="1357344"/>
+        </a:xfrm>
+        <a:prstGeom prst="rect">
+          <a:avLst/>
+        </a:prstGeom>
+        <a:noFill/>
+        <a:ln>
+          <a:noFill/>
+        </a:ln>
+        <a:effectLst/>
+      </dsp:spPr>
+      <dsp:style>
+        <a:lnRef idx="0">
+          <a:scrgbClr r="0" g="0" b="0"/>
+        </a:lnRef>
+        <a:fillRef idx="0">
+          <a:scrgbClr r="0" g="0" b="0"/>
+        </a:fillRef>
+        <a:effectRef idx="0">
+          <a:scrgbClr r="0" g="0" b="0"/>
+        </a:effectRef>
+        <a:fontRef idx="minor"/>
+      </dsp:style>
+      <dsp:txBody>
+        <a:bodyPr spcFirstLastPara="0" vert="horz" wrap="square" lIns="462280" tIns="462280" rIns="462280" bIns="0" numCol="1" spcCol="1270" anchor="t" anchorCtr="0">
+          <a:noAutofit/>
+        </a:bodyPr>
+        <a:lstStyle/>
+        <a:p>
+          <a:pPr lvl="0" algn="ctr" defTabSz="2889250">
+            <a:lnSpc>
+              <a:spcPct val="90000"/>
+            </a:lnSpc>
+            <a:spcBef>
+              <a:spcPct val="0"/>
+            </a:spcBef>
+            <a:spcAft>
+              <a:spcPct val="35000"/>
+            </a:spcAft>
+          </a:pPr>
+          <a:endParaRPr lang="en-GB" sz="6500" kern="1200" dirty="0"/>
+        </a:p>
+      </dsp:txBody>
+      <dsp:txXfrm>
+        <a:off x="456537" y="2522437"/>
+        <a:ext cx="3658611" cy="1357344"/>
+      </dsp:txXfrm>
+    </dsp:sp>
+    <dsp:sp modelId="{85A45D3A-EBA4-4FC5-8EF5-EBCCFCE559F3}">
+      <dsp:nvSpPr>
+        <dsp:cNvPr id="0" name=""/>
+        <dsp:cNvSpPr/>
+      </dsp:nvSpPr>
+      <dsp:spPr>
+        <a:xfrm>
+          <a:off x="4481163" y="1654"/>
+          <a:ext cx="3658611" cy="2520783"/>
+        </a:xfrm>
+        <a:prstGeom prst="roundRect">
+          <a:avLst/>
+        </a:prstGeom>
+        <a:blipFill>
+          <a:blip xmlns:r="http://schemas.openxmlformats.org/officeDocument/2006/relationships" r:embed="rId2">
+            <a:extLst>
+              <a:ext uri="{28A0092B-C50C-407E-A947-70E740481C1C}">
+                <a14:useLocalDpi xmlns:a14="http://schemas.microsoft.com/office/drawing/2010/main" val="0"/>
+              </a:ext>
+            </a:extLst>
+          </a:blip>
+          <a:srcRect/>
+          <a:stretch>
+            <a:fillRect t="-24000" b="-24000"/>
+          </a:stretch>
+        </a:blipFill>
+        <a:ln w="19050" cap="rnd" cmpd="sng" algn="ctr">
+          <a:solidFill>
+            <a:schemeClr val="lt1">
+              <a:hueOff val="0"/>
+              <a:satOff val="0"/>
+              <a:lumOff val="0"/>
+              <a:alphaOff val="0"/>
+            </a:schemeClr>
+          </a:solidFill>
+          <a:prstDash val="solid"/>
+        </a:ln>
+        <a:effectLst/>
+      </dsp:spPr>
+      <dsp:style>
+        <a:lnRef idx="2">
+          <a:scrgbClr r="0" g="0" b="0"/>
+        </a:lnRef>
+        <a:fillRef idx="1">
+          <a:scrgbClr r="0" g="0" b="0"/>
+        </a:fillRef>
+        <a:effectRef idx="0">
+          <a:scrgbClr r="0" g="0" b="0"/>
+        </a:effectRef>
+        <a:fontRef idx="minor">
+          <a:schemeClr val="lt1"/>
+        </a:fontRef>
+      </dsp:style>
+    </dsp:sp>
+    <dsp:sp modelId="{F76790B2-0C34-4DDC-AC4C-558B90BE42D0}">
+      <dsp:nvSpPr>
+        <dsp:cNvPr id="0" name=""/>
+        <dsp:cNvSpPr/>
+      </dsp:nvSpPr>
+      <dsp:spPr>
+        <a:xfrm>
+          <a:off x="4481163" y="2522437"/>
+          <a:ext cx="3658611" cy="1357344"/>
+        </a:xfrm>
+        <a:prstGeom prst="rect">
+          <a:avLst/>
+        </a:prstGeom>
+        <a:noFill/>
+        <a:ln>
+          <a:noFill/>
+        </a:ln>
+        <a:effectLst/>
+      </dsp:spPr>
+      <dsp:style>
+        <a:lnRef idx="0">
+          <a:scrgbClr r="0" g="0" b="0"/>
+        </a:lnRef>
+        <a:fillRef idx="0">
+          <a:scrgbClr r="0" g="0" b="0"/>
+        </a:fillRef>
+        <a:effectRef idx="0">
+          <a:scrgbClr r="0" g="0" b="0"/>
+        </a:effectRef>
+        <a:fontRef idx="minor"/>
+      </dsp:style>
+      <dsp:txBody>
+        <a:bodyPr spcFirstLastPara="0" vert="horz" wrap="square" lIns="462280" tIns="462280" rIns="462280" bIns="0" numCol="1" spcCol="1270" anchor="t" anchorCtr="0">
+          <a:noAutofit/>
+        </a:bodyPr>
+        <a:lstStyle/>
+        <a:p>
+          <a:pPr lvl="0" algn="ctr" defTabSz="2889250">
+            <a:lnSpc>
+              <a:spcPct val="90000"/>
+            </a:lnSpc>
+            <a:spcBef>
+              <a:spcPct val="0"/>
+            </a:spcBef>
+            <a:spcAft>
+              <a:spcPct val="35000"/>
+            </a:spcAft>
+          </a:pPr>
+          <a:endParaRPr lang="en-GB" sz="6500" kern="1200" dirty="0"/>
+        </a:p>
+      </dsp:txBody>
+      <dsp:txXfrm>
+        <a:off x="4481163" y="2522437"/>
+        <a:ext cx="3658611" cy="1357344"/>
+      </dsp:txXfrm>
     </dsp:sp>
   </dsp:spTree>
 </dsp:drawing>
@@ -7603,6 +8591,167 @@
 </dgm:layoutDef>
 </file>
 
+<file path=ppt/diagrams/layout4.xml><?xml version="1.0" encoding="utf-8"?>
+<dgm:layoutDef xmlns:dgm="http://schemas.openxmlformats.org/drawingml/2006/diagram" xmlns:a="http://schemas.openxmlformats.org/drawingml/2006/main" uniqueId="urn:microsoft.com/office/officeart/2005/8/layout/pList1">
+  <dgm:title val=""/>
+  <dgm:desc val=""/>
+  <dgm:catLst>
+    <dgm:cat type="list" pri="2000"/>
+    <dgm:cat type="picture" pri="2500"/>
+    <dgm:cat type="pictureconvert" pri="2500"/>
+  </dgm:catLst>
+  <dgm:sampData>
+    <dgm:dataModel>
+      <dgm:ptLst>
+        <dgm:pt modelId="0" type="doc"/>
+        <dgm:pt modelId="1">
+          <dgm:prSet phldr="1"/>
+        </dgm:pt>
+        <dgm:pt modelId="2">
+          <dgm:prSet phldr="1"/>
+        </dgm:pt>
+        <dgm:pt modelId="3">
+          <dgm:prSet phldr="1"/>
+        </dgm:pt>
+        <dgm:pt modelId="4">
+          <dgm:prSet phldr="1"/>
+        </dgm:pt>
+      </dgm:ptLst>
+      <dgm:cxnLst>
+        <dgm:cxn modelId="7" srcId="0" destId="1" srcOrd="0" destOrd="0"/>
+        <dgm:cxn modelId="8" srcId="0" destId="2" srcOrd="1" destOrd="0"/>
+        <dgm:cxn modelId="9" srcId="0" destId="3" srcOrd="2" destOrd="0"/>
+        <dgm:cxn modelId="10" srcId="0" destId="4" srcOrd="3" destOrd="0"/>
+      </dgm:cxnLst>
+      <dgm:bg/>
+      <dgm:whole/>
+    </dgm:dataModel>
+  </dgm:sampData>
+  <dgm:styleData>
+    <dgm:dataModel>
+      <dgm:ptLst>
+        <dgm:pt modelId="0" type="doc"/>
+        <dgm:pt modelId="1"/>
+        <dgm:pt modelId="2"/>
+      </dgm:ptLst>
+      <dgm:cxnLst>
+        <dgm:cxn modelId="3" srcId="0" destId="1" srcOrd="0" destOrd="0"/>
+        <dgm:cxn modelId="4" srcId="0" destId="2" srcOrd="1" destOrd="0"/>
+      </dgm:cxnLst>
+      <dgm:bg/>
+      <dgm:whole/>
+    </dgm:dataModel>
+  </dgm:styleData>
+  <dgm:clrData useDef="1">
+    <dgm:dataModel>
+      <dgm:ptLst/>
+      <dgm:bg/>
+      <dgm:whole/>
+    </dgm:dataModel>
+  </dgm:clrData>
+  <dgm:layoutNode name="Name0">
+    <dgm:varLst>
+      <dgm:dir/>
+      <dgm:resizeHandles val="exact"/>
+    </dgm:varLst>
+    <dgm:choose name="Name1">
+      <dgm:if name="Name2" axis="self" func="var" arg="dir" op="equ" val="norm">
+        <dgm:alg type="snake">
+          <dgm:param type="grDir" val="tL"/>
+          <dgm:param type="flowDir" val="row"/>
+          <dgm:param type="contDir" val="sameDir"/>
+          <dgm:param type="off" val="ctr"/>
+          <dgm:param type="vertAlign" val="mid"/>
+          <dgm:param type="horzAlign" val="ctr"/>
+        </dgm:alg>
+      </dgm:if>
+      <dgm:else name="Name3">
+        <dgm:alg type="snake">
+          <dgm:param type="grDir" val="tR"/>
+          <dgm:param type="flowDir" val="row"/>
+          <dgm:param type="contDir" val="sameDir"/>
+          <dgm:param type="off" val="ctr"/>
+          <dgm:param type="vertAlign" val="mid"/>
+          <dgm:param type="horzAlign" val="ctr"/>
+        </dgm:alg>
+      </dgm:else>
+    </dgm:choose>
+    <dgm:shape xmlns:r="http://schemas.openxmlformats.org/officeDocument/2006/relationships" r:blip="">
+      <dgm:adjLst/>
+    </dgm:shape>
+    <dgm:presOf/>
+    <dgm:constrLst>
+      <dgm:constr type="w" for="ch" forName="compNode" refType="w"/>
+      <dgm:constr type="w" for="ch" ptType="sibTrans" refType="w" refFor="ch" refForName="compNode" op="equ" fact="0.1"/>
+      <dgm:constr type="sp" refType="w" refFor="ch" refForName="compNode" op="equ" fact="0.1"/>
+      <dgm:constr type="primFontSz" for="des" ptType="node" op="equ" val="65"/>
+    </dgm:constrLst>
+    <dgm:ruleLst/>
+    <dgm:forEach name="Name4" axis="ch" ptType="node">
+      <dgm:layoutNode name="compNode">
+        <dgm:alg type="composite">
+          <dgm:param type="ar" val="0.943"/>
+        </dgm:alg>
+        <dgm:shape xmlns:r="http://schemas.openxmlformats.org/officeDocument/2006/relationships" r:blip="">
+          <dgm:adjLst/>
+        </dgm:shape>
+        <dgm:presOf axis="self"/>
+        <dgm:constrLst>
+          <dgm:constr type="h" refType="w" fact="1.06"/>
+          <dgm:constr type="h" for="ch" forName="pictRect" refType="h" fact="0.65"/>
+          <dgm:constr type="w" for="ch" forName="pictRect" refType="w"/>
+          <dgm:constr type="l" for="ch" forName="pictRect"/>
+          <dgm:constr type="t" for="ch" forName="pictRect"/>
+          <dgm:constr type="w" for="ch" forName="textRect" refType="w"/>
+          <dgm:constr type="h" for="ch" forName="textRect" refType="h" fact="0.35"/>
+          <dgm:constr type="l" for="ch" forName="textRect"/>
+          <dgm:constr type="t" for="ch" forName="textRect" refType="b" refFor="ch" refForName="pictRect"/>
+        </dgm:constrLst>
+        <dgm:ruleLst/>
+        <dgm:layoutNode name="pictRect">
+          <dgm:alg type="sp"/>
+          <dgm:shape xmlns:r="http://schemas.openxmlformats.org/officeDocument/2006/relationships" type="roundRect" r:blip="" blipPhldr="1">
+            <dgm:adjLst/>
+          </dgm:shape>
+          <dgm:presOf/>
+          <dgm:constrLst/>
+          <dgm:ruleLst/>
+        </dgm:layoutNode>
+        <dgm:layoutNode name="textRect" styleLbl="revTx">
+          <dgm:varLst>
+            <dgm:bulletEnabled val="1"/>
+          </dgm:varLst>
+          <dgm:alg type="tx">
+            <dgm:param type="txAnchorVert" val="t"/>
+          </dgm:alg>
+          <dgm:shape xmlns:r="http://schemas.openxmlformats.org/officeDocument/2006/relationships" type="rect" r:blip="">
+            <dgm:adjLst/>
+          </dgm:shape>
+          <dgm:presOf axis="desOrSelf" ptType="node"/>
+          <dgm:constrLst>
+            <dgm:constr type="bMarg"/>
+          </dgm:constrLst>
+          <dgm:ruleLst>
+            <dgm:rule type="primFontSz" val="5" fact="NaN" max="NaN"/>
+          </dgm:ruleLst>
+        </dgm:layoutNode>
+      </dgm:layoutNode>
+      <dgm:forEach name="Name5" axis="followSib" ptType="sibTrans" cnt="1">
+        <dgm:layoutNode name="sibTrans">
+          <dgm:alg type="sp"/>
+          <dgm:shape xmlns:r="http://schemas.openxmlformats.org/officeDocument/2006/relationships" type="rect" r:blip="" hideGeom="1">
+            <dgm:adjLst/>
+          </dgm:shape>
+          <dgm:presOf axis="self"/>
+          <dgm:constrLst/>
+          <dgm:ruleLst/>
+        </dgm:layoutNode>
+      </dgm:forEach>
+    </dgm:forEach>
+  </dgm:layoutNode>
+</dgm:layoutDef>
+</file>
+
 <file path=ppt/diagrams/quickStyle1.xml><?xml version="1.0" encoding="utf-8"?>
 <dgm:styleDef xmlns:dgm="http://schemas.openxmlformats.org/drawingml/2006/diagram" xmlns:a="http://schemas.openxmlformats.org/drawingml/2006/main" uniqueId="urn:microsoft.com/office/officeart/2005/8/quickstyle/simple1">
   <dgm:title val=""/>
@@ -10763,6 +11912,1040 @@
       <a:fontRef idx="minor">
         <a:schemeClr val="lt1"/>
       </a:fontRef>
+    </dgm:style>
+  </dgm:styleLbl>
+  <dgm:styleLbl name="revTx">
+    <dgm:scene3d>
+      <a:camera prst="orthographicFront"/>
+      <a:lightRig rig="threePt" dir="t"/>
+    </dgm:scene3d>
+    <dgm:sp3d/>
+    <dgm:txPr/>
+    <dgm:style>
+      <a:lnRef idx="0">
+        <a:scrgbClr r="0" g="0" b="0"/>
+      </a:lnRef>
+      <a:fillRef idx="0">
+        <a:scrgbClr r="0" g="0" b="0"/>
+      </a:fillRef>
+      <a:effectRef idx="0">
+        <a:scrgbClr r="0" g="0" b="0"/>
+      </a:effectRef>
+      <a:fontRef idx="minor"/>
+    </dgm:style>
+  </dgm:styleLbl>
+</dgm:styleDef>
+</file>
+
+<file path=ppt/diagrams/quickStyle4.xml><?xml version="1.0" encoding="utf-8"?>
+<dgm:styleDef xmlns:dgm="http://schemas.openxmlformats.org/drawingml/2006/diagram" xmlns:a="http://schemas.openxmlformats.org/drawingml/2006/main" uniqueId="urn:microsoft.com/office/officeart/2005/8/quickstyle/simple1">
+  <dgm:title val=""/>
+  <dgm:desc val=""/>
+  <dgm:catLst>
+    <dgm:cat type="simple" pri="10100"/>
+  </dgm:catLst>
+  <dgm:scene3d>
+    <a:camera prst="orthographicFront"/>
+    <a:lightRig rig="threePt" dir="t"/>
+  </dgm:scene3d>
+  <dgm:styleLbl name="node0">
+    <dgm:scene3d>
+      <a:camera prst="orthographicFront"/>
+      <a:lightRig rig="threePt" dir="t"/>
+    </dgm:scene3d>
+    <dgm:sp3d/>
+    <dgm:txPr/>
+    <dgm:style>
+      <a:lnRef idx="2">
+        <a:scrgbClr r="0" g="0" b="0"/>
+      </a:lnRef>
+      <a:fillRef idx="1">
+        <a:scrgbClr r="0" g="0" b="0"/>
+      </a:fillRef>
+      <a:effectRef idx="0">
+        <a:scrgbClr r="0" g="0" b="0"/>
+      </a:effectRef>
+      <a:fontRef idx="minor">
+        <a:schemeClr val="lt1"/>
+      </a:fontRef>
+    </dgm:style>
+  </dgm:styleLbl>
+  <dgm:styleLbl name="lnNode1">
+    <dgm:scene3d>
+      <a:camera prst="orthographicFront"/>
+      <a:lightRig rig="threePt" dir="t"/>
+    </dgm:scene3d>
+    <dgm:sp3d/>
+    <dgm:txPr/>
+    <dgm:style>
+      <a:lnRef idx="2">
+        <a:scrgbClr r="0" g="0" b="0"/>
+      </a:lnRef>
+      <a:fillRef idx="1">
+        <a:scrgbClr r="0" g="0" b="0"/>
+      </a:fillRef>
+      <a:effectRef idx="0">
+        <a:scrgbClr r="0" g="0" b="0"/>
+      </a:effectRef>
+      <a:fontRef idx="minor">
+        <a:schemeClr val="lt1"/>
+      </a:fontRef>
+    </dgm:style>
+  </dgm:styleLbl>
+  <dgm:styleLbl name="vennNode1">
+    <dgm:scene3d>
+      <a:camera prst="orthographicFront"/>
+      <a:lightRig rig="threePt" dir="t"/>
+    </dgm:scene3d>
+    <dgm:sp3d/>
+    <dgm:txPr/>
+    <dgm:style>
+      <a:lnRef idx="2">
+        <a:scrgbClr r="0" g="0" b="0"/>
+      </a:lnRef>
+      <a:fillRef idx="1">
+        <a:scrgbClr r="0" g="0" b="0"/>
+      </a:fillRef>
+      <a:effectRef idx="0">
+        <a:scrgbClr r="0" g="0" b="0"/>
+      </a:effectRef>
+      <a:fontRef idx="minor">
+        <a:schemeClr val="tx1"/>
+      </a:fontRef>
+    </dgm:style>
+  </dgm:styleLbl>
+  <dgm:styleLbl name="alignNode1">
+    <dgm:scene3d>
+      <a:camera prst="orthographicFront"/>
+      <a:lightRig rig="threePt" dir="t"/>
+    </dgm:scene3d>
+    <dgm:sp3d/>
+    <dgm:txPr/>
+    <dgm:style>
+      <a:lnRef idx="2">
+        <a:scrgbClr r="0" g="0" b="0"/>
+      </a:lnRef>
+      <a:fillRef idx="1">
+        <a:scrgbClr r="0" g="0" b="0"/>
+      </a:fillRef>
+      <a:effectRef idx="0">
+        <a:scrgbClr r="0" g="0" b="0"/>
+      </a:effectRef>
+      <a:fontRef idx="minor">
+        <a:schemeClr val="lt1"/>
+      </a:fontRef>
+    </dgm:style>
+  </dgm:styleLbl>
+  <dgm:styleLbl name="node1">
+    <dgm:scene3d>
+      <a:camera prst="orthographicFront"/>
+      <a:lightRig rig="threePt" dir="t"/>
+    </dgm:scene3d>
+    <dgm:sp3d/>
+    <dgm:txPr/>
+    <dgm:style>
+      <a:lnRef idx="2">
+        <a:scrgbClr r="0" g="0" b="0"/>
+      </a:lnRef>
+      <a:fillRef idx="1">
+        <a:scrgbClr r="0" g="0" b="0"/>
+      </a:fillRef>
+      <a:effectRef idx="0">
+        <a:scrgbClr r="0" g="0" b="0"/>
+      </a:effectRef>
+      <a:fontRef idx="minor">
+        <a:schemeClr val="lt1"/>
+      </a:fontRef>
+    </dgm:style>
+  </dgm:styleLbl>
+  <dgm:styleLbl name="node2">
+    <dgm:scene3d>
+      <a:camera prst="orthographicFront"/>
+      <a:lightRig rig="threePt" dir="t"/>
+    </dgm:scene3d>
+    <dgm:sp3d/>
+    <dgm:txPr/>
+    <dgm:style>
+      <a:lnRef idx="2">
+        <a:scrgbClr r="0" g="0" b="0"/>
+      </a:lnRef>
+      <a:fillRef idx="1">
+        <a:scrgbClr r="0" g="0" b="0"/>
+      </a:fillRef>
+      <a:effectRef idx="0">
+        <a:scrgbClr r="0" g="0" b="0"/>
+      </a:effectRef>
+      <a:fontRef idx="minor">
+        <a:schemeClr val="lt1"/>
+      </a:fontRef>
+    </dgm:style>
+  </dgm:styleLbl>
+  <dgm:styleLbl name="node3">
+    <dgm:scene3d>
+      <a:camera prst="orthographicFront"/>
+      <a:lightRig rig="threePt" dir="t"/>
+    </dgm:scene3d>
+    <dgm:sp3d/>
+    <dgm:txPr/>
+    <dgm:style>
+      <a:lnRef idx="2">
+        <a:scrgbClr r="0" g="0" b="0"/>
+      </a:lnRef>
+      <a:fillRef idx="1">
+        <a:scrgbClr r="0" g="0" b="0"/>
+      </a:fillRef>
+      <a:effectRef idx="0">
+        <a:scrgbClr r="0" g="0" b="0"/>
+      </a:effectRef>
+      <a:fontRef idx="minor">
+        <a:schemeClr val="lt1"/>
+      </a:fontRef>
+    </dgm:style>
+  </dgm:styleLbl>
+  <dgm:styleLbl name="node4">
+    <dgm:scene3d>
+      <a:camera prst="orthographicFront"/>
+      <a:lightRig rig="threePt" dir="t"/>
+    </dgm:scene3d>
+    <dgm:sp3d/>
+    <dgm:txPr/>
+    <dgm:style>
+      <a:lnRef idx="2">
+        <a:scrgbClr r="0" g="0" b="0"/>
+      </a:lnRef>
+      <a:fillRef idx="1">
+        <a:scrgbClr r="0" g="0" b="0"/>
+      </a:fillRef>
+      <a:effectRef idx="0">
+        <a:scrgbClr r="0" g="0" b="0"/>
+      </a:effectRef>
+      <a:fontRef idx="minor">
+        <a:schemeClr val="lt1"/>
+      </a:fontRef>
+    </dgm:style>
+  </dgm:styleLbl>
+  <dgm:styleLbl name="fgImgPlace1">
+    <dgm:scene3d>
+      <a:camera prst="orthographicFront"/>
+      <a:lightRig rig="threePt" dir="t"/>
+    </dgm:scene3d>
+    <dgm:sp3d/>
+    <dgm:txPr/>
+    <dgm:style>
+      <a:lnRef idx="2">
+        <a:scrgbClr r="0" g="0" b="0"/>
+      </a:lnRef>
+      <a:fillRef idx="1">
+        <a:scrgbClr r="0" g="0" b="0"/>
+      </a:fillRef>
+      <a:effectRef idx="0">
+        <a:scrgbClr r="0" g="0" b="0"/>
+      </a:effectRef>
+      <a:fontRef idx="minor"/>
+    </dgm:style>
+  </dgm:styleLbl>
+  <dgm:styleLbl name="alignImgPlace1">
+    <dgm:scene3d>
+      <a:camera prst="orthographicFront"/>
+      <a:lightRig rig="threePt" dir="t"/>
+    </dgm:scene3d>
+    <dgm:sp3d/>
+    <dgm:txPr/>
+    <dgm:style>
+      <a:lnRef idx="2">
+        <a:scrgbClr r="0" g="0" b="0"/>
+      </a:lnRef>
+      <a:fillRef idx="1">
+        <a:scrgbClr r="0" g="0" b="0"/>
+      </a:fillRef>
+      <a:effectRef idx="0">
+        <a:scrgbClr r="0" g="0" b="0"/>
+      </a:effectRef>
+      <a:fontRef idx="minor"/>
+    </dgm:style>
+  </dgm:styleLbl>
+  <dgm:styleLbl name="bgImgPlace1">
+    <dgm:scene3d>
+      <a:camera prst="orthographicFront"/>
+      <a:lightRig rig="threePt" dir="t"/>
+    </dgm:scene3d>
+    <dgm:sp3d/>
+    <dgm:txPr/>
+    <dgm:style>
+      <a:lnRef idx="2">
+        <a:scrgbClr r="0" g="0" b="0"/>
+      </a:lnRef>
+      <a:fillRef idx="1">
+        <a:scrgbClr r="0" g="0" b="0"/>
+      </a:fillRef>
+      <a:effectRef idx="0">
+        <a:scrgbClr r="0" g="0" b="0"/>
+      </a:effectRef>
+      <a:fontRef idx="minor"/>
+    </dgm:style>
+  </dgm:styleLbl>
+  <dgm:styleLbl name="sibTrans2D1">
+    <dgm:scene3d>
+      <a:camera prst="orthographicFront"/>
+      <a:lightRig rig="threePt" dir="t"/>
+    </dgm:scene3d>
+    <dgm:sp3d/>
+    <dgm:txPr/>
+    <dgm:style>
+      <a:lnRef idx="0">
+        <a:scrgbClr r="0" g="0" b="0"/>
+      </a:lnRef>
+      <a:fillRef idx="1">
+        <a:scrgbClr r="0" g="0" b="0"/>
+      </a:fillRef>
+      <a:effectRef idx="0">
+        <a:scrgbClr r="0" g="0" b="0"/>
+      </a:effectRef>
+      <a:fontRef idx="minor">
+        <a:schemeClr val="lt1"/>
+      </a:fontRef>
+    </dgm:style>
+  </dgm:styleLbl>
+  <dgm:styleLbl name="fgSibTrans2D1">
+    <dgm:scene3d>
+      <a:camera prst="orthographicFront"/>
+      <a:lightRig rig="threePt" dir="t"/>
+    </dgm:scene3d>
+    <dgm:sp3d/>
+    <dgm:txPr/>
+    <dgm:style>
+      <a:lnRef idx="0">
+        <a:scrgbClr r="0" g="0" b="0"/>
+      </a:lnRef>
+      <a:fillRef idx="1">
+        <a:scrgbClr r="0" g="0" b="0"/>
+      </a:fillRef>
+      <a:effectRef idx="0">
+        <a:scrgbClr r="0" g="0" b="0"/>
+      </a:effectRef>
+      <a:fontRef idx="minor">
+        <a:schemeClr val="lt1"/>
+      </a:fontRef>
+    </dgm:style>
+  </dgm:styleLbl>
+  <dgm:styleLbl name="bgSibTrans2D1">
+    <dgm:scene3d>
+      <a:camera prst="orthographicFront"/>
+      <a:lightRig rig="threePt" dir="t"/>
+    </dgm:scene3d>
+    <dgm:sp3d/>
+    <dgm:txPr/>
+    <dgm:style>
+      <a:lnRef idx="0">
+        <a:scrgbClr r="0" g="0" b="0"/>
+      </a:lnRef>
+      <a:fillRef idx="1">
+        <a:scrgbClr r="0" g="0" b="0"/>
+      </a:fillRef>
+      <a:effectRef idx="0">
+        <a:scrgbClr r="0" g="0" b="0"/>
+      </a:effectRef>
+      <a:fontRef idx="minor">
+        <a:schemeClr val="lt1"/>
+      </a:fontRef>
+    </dgm:style>
+  </dgm:styleLbl>
+  <dgm:styleLbl name="sibTrans1D1">
+    <dgm:scene3d>
+      <a:camera prst="orthographicFront"/>
+      <a:lightRig rig="threePt" dir="t"/>
+    </dgm:scene3d>
+    <dgm:sp3d/>
+    <dgm:txPr/>
+    <dgm:style>
+      <a:lnRef idx="1">
+        <a:scrgbClr r="0" g="0" b="0"/>
+      </a:lnRef>
+      <a:fillRef idx="0">
+        <a:scrgbClr r="0" g="0" b="0"/>
+      </a:fillRef>
+      <a:effectRef idx="0">
+        <a:scrgbClr r="0" g="0" b="0"/>
+      </a:effectRef>
+      <a:fontRef idx="minor"/>
+    </dgm:style>
+  </dgm:styleLbl>
+  <dgm:styleLbl name="callout">
+    <dgm:scene3d>
+      <a:camera prst="orthographicFront"/>
+      <a:lightRig rig="threePt" dir="t"/>
+    </dgm:scene3d>
+    <dgm:sp3d/>
+    <dgm:txPr/>
+    <dgm:style>
+      <a:lnRef idx="2">
+        <a:scrgbClr r="0" g="0" b="0"/>
+      </a:lnRef>
+      <a:fillRef idx="1">
+        <a:scrgbClr r="0" g="0" b="0"/>
+      </a:fillRef>
+      <a:effectRef idx="0">
+        <a:scrgbClr r="0" g="0" b="0"/>
+      </a:effectRef>
+      <a:fontRef idx="minor"/>
+    </dgm:style>
+  </dgm:styleLbl>
+  <dgm:styleLbl name="asst0">
+    <dgm:scene3d>
+      <a:camera prst="orthographicFront"/>
+      <a:lightRig rig="threePt" dir="t"/>
+    </dgm:scene3d>
+    <dgm:sp3d/>
+    <dgm:txPr/>
+    <dgm:style>
+      <a:lnRef idx="2">
+        <a:scrgbClr r="0" g="0" b="0"/>
+      </a:lnRef>
+      <a:fillRef idx="1">
+        <a:scrgbClr r="0" g="0" b="0"/>
+      </a:fillRef>
+      <a:effectRef idx="0">
+        <a:scrgbClr r="0" g="0" b="0"/>
+      </a:effectRef>
+      <a:fontRef idx="minor">
+        <a:schemeClr val="lt1"/>
+      </a:fontRef>
+    </dgm:style>
+  </dgm:styleLbl>
+  <dgm:styleLbl name="asst1">
+    <dgm:scene3d>
+      <a:camera prst="orthographicFront"/>
+      <a:lightRig rig="threePt" dir="t"/>
+    </dgm:scene3d>
+    <dgm:sp3d/>
+    <dgm:txPr/>
+    <dgm:style>
+      <a:lnRef idx="2">
+        <a:scrgbClr r="0" g="0" b="0"/>
+      </a:lnRef>
+      <a:fillRef idx="1">
+        <a:scrgbClr r="0" g="0" b="0"/>
+      </a:fillRef>
+      <a:effectRef idx="0">
+        <a:scrgbClr r="0" g="0" b="0"/>
+      </a:effectRef>
+      <a:fontRef idx="minor">
+        <a:schemeClr val="lt1"/>
+      </a:fontRef>
+    </dgm:style>
+  </dgm:styleLbl>
+  <dgm:styleLbl name="asst2">
+    <dgm:scene3d>
+      <a:camera prst="orthographicFront"/>
+      <a:lightRig rig="threePt" dir="t"/>
+    </dgm:scene3d>
+    <dgm:sp3d/>
+    <dgm:txPr/>
+    <dgm:style>
+      <a:lnRef idx="2">
+        <a:scrgbClr r="0" g="0" b="0"/>
+      </a:lnRef>
+      <a:fillRef idx="1">
+        <a:scrgbClr r="0" g="0" b="0"/>
+      </a:fillRef>
+      <a:effectRef idx="0">
+        <a:scrgbClr r="0" g="0" b="0"/>
+      </a:effectRef>
+      <a:fontRef idx="minor">
+        <a:schemeClr val="lt1"/>
+      </a:fontRef>
+    </dgm:style>
+  </dgm:styleLbl>
+  <dgm:styleLbl name="asst3">
+    <dgm:scene3d>
+      <a:camera prst="orthographicFront"/>
+      <a:lightRig rig="threePt" dir="t"/>
+    </dgm:scene3d>
+    <dgm:sp3d/>
+    <dgm:txPr/>
+    <dgm:style>
+      <a:lnRef idx="2">
+        <a:scrgbClr r="0" g="0" b="0"/>
+      </a:lnRef>
+      <a:fillRef idx="1">
+        <a:scrgbClr r="0" g="0" b="0"/>
+      </a:fillRef>
+      <a:effectRef idx="0">
+        <a:scrgbClr r="0" g="0" b="0"/>
+      </a:effectRef>
+      <a:fontRef idx="minor">
+        <a:schemeClr val="lt1"/>
+      </a:fontRef>
+    </dgm:style>
+  </dgm:styleLbl>
+  <dgm:styleLbl name="asst4">
+    <dgm:scene3d>
+      <a:camera prst="orthographicFront"/>
+      <a:lightRig rig="threePt" dir="t"/>
+    </dgm:scene3d>
+    <dgm:sp3d/>
+    <dgm:txPr/>
+    <dgm:style>
+      <a:lnRef idx="2">
+        <a:scrgbClr r="0" g="0" b="0"/>
+      </a:lnRef>
+      <a:fillRef idx="1">
+        <a:scrgbClr r="0" g="0" b="0"/>
+      </a:fillRef>
+      <a:effectRef idx="0">
+        <a:scrgbClr r="0" g="0" b="0"/>
+      </a:effectRef>
+      <a:fontRef idx="minor">
+        <a:schemeClr val="lt1"/>
+      </a:fontRef>
+    </dgm:style>
+  </dgm:styleLbl>
+  <dgm:styleLbl name="parChTrans2D1">
+    <dgm:scene3d>
+      <a:camera prst="orthographicFront"/>
+      <a:lightRig rig="threePt" dir="t"/>
+    </dgm:scene3d>
+    <dgm:sp3d/>
+    <dgm:txPr/>
+    <dgm:style>
+      <a:lnRef idx="2">
+        <a:scrgbClr r="0" g="0" b="0"/>
+      </a:lnRef>
+      <a:fillRef idx="1">
+        <a:scrgbClr r="0" g="0" b="0"/>
+      </a:fillRef>
+      <a:effectRef idx="0">
+        <a:scrgbClr r="0" g="0" b="0"/>
+      </a:effectRef>
+      <a:fontRef idx="minor">
+        <a:schemeClr val="lt1"/>
+      </a:fontRef>
+    </dgm:style>
+  </dgm:styleLbl>
+  <dgm:styleLbl name="parChTrans2D2">
+    <dgm:scene3d>
+      <a:camera prst="orthographicFront"/>
+      <a:lightRig rig="threePt" dir="t"/>
+    </dgm:scene3d>
+    <dgm:sp3d/>
+    <dgm:txPr/>
+    <dgm:style>
+      <a:lnRef idx="2">
+        <a:scrgbClr r="0" g="0" b="0"/>
+      </a:lnRef>
+      <a:fillRef idx="1">
+        <a:scrgbClr r="0" g="0" b="0"/>
+      </a:fillRef>
+      <a:effectRef idx="0">
+        <a:scrgbClr r="0" g="0" b="0"/>
+      </a:effectRef>
+      <a:fontRef idx="minor">
+        <a:schemeClr val="lt1"/>
+      </a:fontRef>
+    </dgm:style>
+  </dgm:styleLbl>
+  <dgm:styleLbl name="parChTrans2D3">
+    <dgm:scene3d>
+      <a:camera prst="orthographicFront"/>
+      <a:lightRig rig="threePt" dir="t"/>
+    </dgm:scene3d>
+    <dgm:sp3d/>
+    <dgm:txPr/>
+    <dgm:style>
+      <a:lnRef idx="2">
+        <a:scrgbClr r="0" g="0" b="0"/>
+      </a:lnRef>
+      <a:fillRef idx="1">
+        <a:scrgbClr r="0" g="0" b="0"/>
+      </a:fillRef>
+      <a:effectRef idx="0">
+        <a:scrgbClr r="0" g="0" b="0"/>
+      </a:effectRef>
+      <a:fontRef idx="minor">
+        <a:schemeClr val="lt1"/>
+      </a:fontRef>
+    </dgm:style>
+  </dgm:styleLbl>
+  <dgm:styleLbl name="parChTrans2D4">
+    <dgm:scene3d>
+      <a:camera prst="orthographicFront"/>
+      <a:lightRig rig="threePt" dir="t"/>
+    </dgm:scene3d>
+    <dgm:sp3d/>
+    <dgm:txPr/>
+    <dgm:style>
+      <a:lnRef idx="2">
+        <a:scrgbClr r="0" g="0" b="0"/>
+      </a:lnRef>
+      <a:fillRef idx="1">
+        <a:scrgbClr r="0" g="0" b="0"/>
+      </a:fillRef>
+      <a:effectRef idx="0">
+        <a:scrgbClr r="0" g="0" b="0"/>
+      </a:effectRef>
+      <a:fontRef idx="minor">
+        <a:schemeClr val="lt1"/>
+      </a:fontRef>
+    </dgm:style>
+  </dgm:styleLbl>
+  <dgm:styleLbl name="parChTrans1D1">
+    <dgm:scene3d>
+      <a:camera prst="orthographicFront"/>
+      <a:lightRig rig="threePt" dir="t"/>
+    </dgm:scene3d>
+    <dgm:sp3d/>
+    <dgm:txPr/>
+    <dgm:style>
+      <a:lnRef idx="2">
+        <a:scrgbClr r="0" g="0" b="0"/>
+      </a:lnRef>
+      <a:fillRef idx="0">
+        <a:scrgbClr r="0" g="0" b="0"/>
+      </a:fillRef>
+      <a:effectRef idx="0">
+        <a:scrgbClr r="0" g="0" b="0"/>
+      </a:effectRef>
+      <a:fontRef idx="minor"/>
+    </dgm:style>
+  </dgm:styleLbl>
+  <dgm:styleLbl name="parChTrans1D2">
+    <dgm:scene3d>
+      <a:camera prst="orthographicFront"/>
+      <a:lightRig rig="threePt" dir="t"/>
+    </dgm:scene3d>
+    <dgm:sp3d/>
+    <dgm:txPr/>
+    <dgm:style>
+      <a:lnRef idx="2">
+        <a:scrgbClr r="0" g="0" b="0"/>
+      </a:lnRef>
+      <a:fillRef idx="0">
+        <a:scrgbClr r="0" g="0" b="0"/>
+      </a:fillRef>
+      <a:effectRef idx="0">
+        <a:scrgbClr r="0" g="0" b="0"/>
+      </a:effectRef>
+      <a:fontRef idx="minor"/>
+    </dgm:style>
+  </dgm:styleLbl>
+  <dgm:styleLbl name="parChTrans1D3">
+    <dgm:scene3d>
+      <a:camera prst="orthographicFront"/>
+      <a:lightRig rig="threePt" dir="t"/>
+    </dgm:scene3d>
+    <dgm:sp3d/>
+    <dgm:txPr/>
+    <dgm:style>
+      <a:lnRef idx="2">
+        <a:scrgbClr r="0" g="0" b="0"/>
+      </a:lnRef>
+      <a:fillRef idx="0">
+        <a:scrgbClr r="0" g="0" b="0"/>
+      </a:fillRef>
+      <a:effectRef idx="0">
+        <a:scrgbClr r="0" g="0" b="0"/>
+      </a:effectRef>
+      <a:fontRef idx="minor"/>
+    </dgm:style>
+  </dgm:styleLbl>
+  <dgm:styleLbl name="parChTrans1D4">
+    <dgm:scene3d>
+      <a:camera prst="orthographicFront"/>
+      <a:lightRig rig="threePt" dir="t"/>
+    </dgm:scene3d>
+    <dgm:sp3d/>
+    <dgm:txPr/>
+    <dgm:style>
+      <a:lnRef idx="2">
+        <a:scrgbClr r="0" g="0" b="0"/>
+      </a:lnRef>
+      <a:fillRef idx="0">
+        <a:scrgbClr r="0" g="0" b="0"/>
+      </a:fillRef>
+      <a:effectRef idx="0">
+        <a:scrgbClr r="0" g="0" b="0"/>
+      </a:effectRef>
+      <a:fontRef idx="minor"/>
+    </dgm:style>
+  </dgm:styleLbl>
+  <dgm:styleLbl name="fgAcc1">
+    <dgm:scene3d>
+      <a:camera prst="orthographicFront"/>
+      <a:lightRig rig="threePt" dir="t"/>
+    </dgm:scene3d>
+    <dgm:sp3d/>
+    <dgm:txPr/>
+    <dgm:style>
+      <a:lnRef idx="2">
+        <a:scrgbClr r="0" g="0" b="0"/>
+      </a:lnRef>
+      <a:fillRef idx="1">
+        <a:scrgbClr r="0" g="0" b="0"/>
+      </a:fillRef>
+      <a:effectRef idx="0">
+        <a:scrgbClr r="0" g="0" b="0"/>
+      </a:effectRef>
+      <a:fontRef idx="minor"/>
+    </dgm:style>
+  </dgm:styleLbl>
+  <dgm:styleLbl name="conFgAcc1">
+    <dgm:scene3d>
+      <a:camera prst="orthographicFront"/>
+      <a:lightRig rig="threePt" dir="t"/>
+    </dgm:scene3d>
+    <dgm:sp3d/>
+    <dgm:txPr/>
+    <dgm:style>
+      <a:lnRef idx="2">
+        <a:scrgbClr r="0" g="0" b="0"/>
+      </a:lnRef>
+      <a:fillRef idx="1">
+        <a:scrgbClr r="0" g="0" b="0"/>
+      </a:fillRef>
+      <a:effectRef idx="0">
+        <a:scrgbClr r="0" g="0" b="0"/>
+      </a:effectRef>
+      <a:fontRef idx="minor"/>
+    </dgm:style>
+  </dgm:styleLbl>
+  <dgm:styleLbl name="alignAcc1">
+    <dgm:scene3d>
+      <a:camera prst="orthographicFront"/>
+      <a:lightRig rig="threePt" dir="t"/>
+    </dgm:scene3d>
+    <dgm:sp3d/>
+    <dgm:txPr/>
+    <dgm:style>
+      <a:lnRef idx="2">
+        <a:scrgbClr r="0" g="0" b="0"/>
+      </a:lnRef>
+      <a:fillRef idx="1">
+        <a:scrgbClr r="0" g="0" b="0"/>
+      </a:fillRef>
+      <a:effectRef idx="0">
+        <a:scrgbClr r="0" g="0" b="0"/>
+      </a:effectRef>
+      <a:fontRef idx="minor"/>
+    </dgm:style>
+  </dgm:styleLbl>
+  <dgm:styleLbl name="trAlignAcc1">
+    <dgm:scene3d>
+      <a:camera prst="orthographicFront"/>
+      <a:lightRig rig="threePt" dir="t"/>
+    </dgm:scene3d>
+    <dgm:sp3d/>
+    <dgm:txPr/>
+    <dgm:style>
+      <a:lnRef idx="1">
+        <a:scrgbClr r="0" g="0" b="0"/>
+      </a:lnRef>
+      <a:fillRef idx="1">
+        <a:scrgbClr r="0" g="0" b="0"/>
+      </a:fillRef>
+      <a:effectRef idx="0">
+        <a:scrgbClr r="0" g="0" b="0"/>
+      </a:effectRef>
+      <a:fontRef idx="minor"/>
+    </dgm:style>
+  </dgm:styleLbl>
+  <dgm:styleLbl name="bgAcc1">
+    <dgm:scene3d>
+      <a:camera prst="orthographicFront"/>
+      <a:lightRig rig="threePt" dir="t"/>
+    </dgm:scene3d>
+    <dgm:sp3d/>
+    <dgm:txPr/>
+    <dgm:style>
+      <a:lnRef idx="2">
+        <a:scrgbClr r="0" g="0" b="0"/>
+      </a:lnRef>
+      <a:fillRef idx="1">
+        <a:scrgbClr r="0" g="0" b="0"/>
+      </a:fillRef>
+      <a:effectRef idx="0">
+        <a:scrgbClr r="0" g="0" b="0"/>
+      </a:effectRef>
+      <a:fontRef idx="minor"/>
+    </dgm:style>
+  </dgm:styleLbl>
+  <dgm:styleLbl name="solidFgAcc1">
+    <dgm:scene3d>
+      <a:camera prst="orthographicFront"/>
+      <a:lightRig rig="threePt" dir="t"/>
+    </dgm:scene3d>
+    <dgm:sp3d/>
+    <dgm:txPr/>
+    <dgm:style>
+      <a:lnRef idx="2">
+        <a:scrgbClr r="0" g="0" b="0"/>
+      </a:lnRef>
+      <a:fillRef idx="1">
+        <a:scrgbClr r="0" g="0" b="0"/>
+      </a:fillRef>
+      <a:effectRef idx="0">
+        <a:scrgbClr r="0" g="0" b="0"/>
+      </a:effectRef>
+      <a:fontRef idx="minor"/>
+    </dgm:style>
+  </dgm:styleLbl>
+  <dgm:styleLbl name="solidAlignAcc1">
+    <dgm:scene3d>
+      <a:camera prst="orthographicFront"/>
+      <a:lightRig rig="threePt" dir="t"/>
+    </dgm:scene3d>
+    <dgm:sp3d/>
+    <dgm:txPr/>
+    <dgm:style>
+      <a:lnRef idx="2">
+        <a:scrgbClr r="0" g="0" b="0"/>
+      </a:lnRef>
+      <a:fillRef idx="1">
+        <a:scrgbClr r="0" g="0" b="0"/>
+      </a:fillRef>
+      <a:effectRef idx="0">
+        <a:scrgbClr r="0" g="0" b="0"/>
+      </a:effectRef>
+      <a:fontRef idx="minor"/>
+    </dgm:style>
+  </dgm:styleLbl>
+  <dgm:styleLbl name="solidBgAcc1">
+    <dgm:scene3d>
+      <a:camera prst="orthographicFront"/>
+      <a:lightRig rig="threePt" dir="t"/>
+    </dgm:scene3d>
+    <dgm:sp3d/>
+    <dgm:txPr/>
+    <dgm:style>
+      <a:lnRef idx="2">
+        <a:scrgbClr r="0" g="0" b="0"/>
+      </a:lnRef>
+      <a:fillRef idx="1">
+        <a:scrgbClr r="0" g="0" b="0"/>
+      </a:fillRef>
+      <a:effectRef idx="0">
+        <a:scrgbClr r="0" g="0" b="0"/>
+      </a:effectRef>
+      <a:fontRef idx="minor"/>
+    </dgm:style>
+  </dgm:styleLbl>
+  <dgm:styleLbl name="fgAccFollowNode1">
+    <dgm:scene3d>
+      <a:camera prst="orthographicFront"/>
+      <a:lightRig rig="threePt" dir="t"/>
+    </dgm:scene3d>
+    <dgm:sp3d/>
+    <dgm:txPr/>
+    <dgm:style>
+      <a:lnRef idx="2">
+        <a:scrgbClr r="0" g="0" b="0"/>
+      </a:lnRef>
+      <a:fillRef idx="1">
+        <a:scrgbClr r="0" g="0" b="0"/>
+      </a:fillRef>
+      <a:effectRef idx="0">
+        <a:scrgbClr r="0" g="0" b="0"/>
+      </a:effectRef>
+      <a:fontRef idx="minor"/>
+    </dgm:style>
+  </dgm:styleLbl>
+  <dgm:styleLbl name="alignAccFollowNode1">
+    <dgm:scene3d>
+      <a:camera prst="orthographicFront"/>
+      <a:lightRig rig="threePt" dir="t"/>
+    </dgm:scene3d>
+    <dgm:sp3d/>
+    <dgm:txPr/>
+    <dgm:style>
+      <a:lnRef idx="2">
+        <a:scrgbClr r="0" g="0" b="0"/>
+      </a:lnRef>
+      <a:fillRef idx="1">
+        <a:scrgbClr r="0" g="0" b="0"/>
+      </a:fillRef>
+      <a:effectRef idx="0">
+        <a:scrgbClr r="0" g="0" b="0"/>
+      </a:effectRef>
+      <a:fontRef idx="minor"/>
+    </dgm:style>
+  </dgm:styleLbl>
+  <dgm:styleLbl name="bgAccFollowNode1">
+    <dgm:scene3d>
+      <a:camera prst="orthographicFront"/>
+      <a:lightRig rig="threePt" dir="t"/>
+    </dgm:scene3d>
+    <dgm:sp3d/>
+    <dgm:txPr/>
+    <dgm:style>
+      <a:lnRef idx="2">
+        <a:scrgbClr r="0" g="0" b="0"/>
+      </a:lnRef>
+      <a:fillRef idx="1">
+        <a:scrgbClr r="0" g="0" b="0"/>
+      </a:fillRef>
+      <a:effectRef idx="0">
+        <a:scrgbClr r="0" g="0" b="0"/>
+      </a:effectRef>
+      <a:fontRef idx="minor"/>
+    </dgm:style>
+  </dgm:styleLbl>
+  <dgm:styleLbl name="fgAcc0">
+    <dgm:scene3d>
+      <a:camera prst="orthographicFront"/>
+      <a:lightRig rig="threePt" dir="t"/>
+    </dgm:scene3d>
+    <dgm:sp3d/>
+    <dgm:txPr/>
+    <dgm:style>
+      <a:lnRef idx="2">
+        <a:scrgbClr r="0" g="0" b="0"/>
+      </a:lnRef>
+      <a:fillRef idx="1">
+        <a:scrgbClr r="0" g="0" b="0"/>
+      </a:fillRef>
+      <a:effectRef idx="0">
+        <a:scrgbClr r="0" g="0" b="0"/>
+      </a:effectRef>
+      <a:fontRef idx="minor"/>
+    </dgm:style>
+  </dgm:styleLbl>
+  <dgm:styleLbl name="fgAcc2">
+    <dgm:scene3d>
+      <a:camera prst="orthographicFront"/>
+      <a:lightRig rig="threePt" dir="t"/>
+    </dgm:scene3d>
+    <dgm:sp3d/>
+    <dgm:txPr/>
+    <dgm:style>
+      <a:lnRef idx="2">
+        <a:scrgbClr r="0" g="0" b="0"/>
+      </a:lnRef>
+      <a:fillRef idx="1">
+        <a:scrgbClr r="0" g="0" b="0"/>
+      </a:fillRef>
+      <a:effectRef idx="0">
+        <a:scrgbClr r="0" g="0" b="0"/>
+      </a:effectRef>
+      <a:fontRef idx="minor"/>
+    </dgm:style>
+  </dgm:styleLbl>
+  <dgm:styleLbl name="fgAcc3">
+    <dgm:scene3d>
+      <a:camera prst="orthographicFront"/>
+      <a:lightRig rig="threePt" dir="t"/>
+    </dgm:scene3d>
+    <dgm:sp3d/>
+    <dgm:txPr/>
+    <dgm:style>
+      <a:lnRef idx="2">
+        <a:scrgbClr r="0" g="0" b="0"/>
+      </a:lnRef>
+      <a:fillRef idx="1">
+        <a:scrgbClr r="0" g="0" b="0"/>
+      </a:fillRef>
+      <a:effectRef idx="0">
+        <a:scrgbClr r="0" g="0" b="0"/>
+      </a:effectRef>
+      <a:fontRef idx="minor"/>
+    </dgm:style>
+  </dgm:styleLbl>
+  <dgm:styleLbl name="fgAcc4">
+    <dgm:scene3d>
+      <a:camera prst="orthographicFront"/>
+      <a:lightRig rig="threePt" dir="t"/>
+    </dgm:scene3d>
+    <dgm:sp3d/>
+    <dgm:txPr/>
+    <dgm:style>
+      <a:lnRef idx="2">
+        <a:scrgbClr r="0" g="0" b="0"/>
+      </a:lnRef>
+      <a:fillRef idx="1">
+        <a:scrgbClr r="0" g="0" b="0"/>
+      </a:fillRef>
+      <a:effectRef idx="0">
+        <a:scrgbClr r="0" g="0" b="0"/>
+      </a:effectRef>
+      <a:fontRef idx="minor"/>
+    </dgm:style>
+  </dgm:styleLbl>
+  <dgm:styleLbl name="bgShp">
+    <dgm:scene3d>
+      <a:camera prst="orthographicFront"/>
+      <a:lightRig rig="threePt" dir="t"/>
+    </dgm:scene3d>
+    <dgm:sp3d/>
+    <dgm:txPr/>
+    <dgm:style>
+      <a:lnRef idx="0">
+        <a:scrgbClr r="0" g="0" b="0"/>
+      </a:lnRef>
+      <a:fillRef idx="1">
+        <a:scrgbClr r="0" g="0" b="0"/>
+      </a:fillRef>
+      <a:effectRef idx="0">
+        <a:scrgbClr r="0" g="0" b="0"/>
+      </a:effectRef>
+      <a:fontRef idx="minor"/>
+    </dgm:style>
+  </dgm:styleLbl>
+  <dgm:styleLbl name="dkBgShp">
+    <dgm:scene3d>
+      <a:camera prst="orthographicFront"/>
+      <a:lightRig rig="threePt" dir="t"/>
+    </dgm:scene3d>
+    <dgm:sp3d/>
+    <dgm:txPr/>
+    <dgm:style>
+      <a:lnRef idx="0">
+        <a:scrgbClr r="0" g="0" b="0"/>
+      </a:lnRef>
+      <a:fillRef idx="1">
+        <a:scrgbClr r="0" g="0" b="0"/>
+      </a:fillRef>
+      <a:effectRef idx="0">
+        <a:scrgbClr r="0" g="0" b="0"/>
+      </a:effectRef>
+      <a:fontRef idx="minor"/>
+    </dgm:style>
+  </dgm:styleLbl>
+  <dgm:styleLbl name="trBgShp">
+    <dgm:scene3d>
+      <a:camera prst="orthographicFront"/>
+      <a:lightRig rig="threePt" dir="t"/>
+    </dgm:scene3d>
+    <dgm:sp3d/>
+    <dgm:txPr/>
+    <dgm:style>
+      <a:lnRef idx="0">
+        <a:scrgbClr r="0" g="0" b="0"/>
+      </a:lnRef>
+      <a:fillRef idx="1">
+        <a:scrgbClr r="0" g="0" b="0"/>
+      </a:fillRef>
+      <a:effectRef idx="0">
+        <a:scrgbClr r="0" g="0" b="0"/>
+      </a:effectRef>
+      <a:fontRef idx="minor"/>
+    </dgm:style>
+  </dgm:styleLbl>
+  <dgm:styleLbl name="fgShp">
+    <dgm:scene3d>
+      <a:camera prst="orthographicFront"/>
+      <a:lightRig rig="threePt" dir="t"/>
+    </dgm:scene3d>
+    <dgm:sp3d/>
+    <dgm:txPr/>
+    <dgm:style>
+      <a:lnRef idx="2">
+        <a:scrgbClr r="0" g="0" b="0"/>
+      </a:lnRef>
+      <a:fillRef idx="1">
+        <a:scrgbClr r="0" g="0" b="0"/>
+      </a:fillRef>
+      <a:effectRef idx="0">
+        <a:scrgbClr r="0" g="0" b="0"/>
+      </a:effectRef>
+      <a:fontRef idx="minor"/>
     </dgm:style>
   </dgm:styleLbl>
   <dgm:styleLbl name="revTx">
@@ -11510,7 +13693,7 @@
           <a:p>
             <a:fld id="{03828354-E0C5-4131-9B49-1997E3EE3A7D}" type="datetimeFigureOut">
               <a:rPr lang="en-US" smtClean="0"/>
-              <a:t>4/13/2014</a:t>
+              <a:t>4/17/2014</a:t>
             </a:fld>
             <a:endParaRPr lang="en-US"/>
           </a:p>
@@ -11761,7 +13944,7 @@
           <a:p>
             <a:fld id="{03828354-E0C5-4131-9B49-1997E3EE3A7D}" type="datetimeFigureOut">
               <a:rPr lang="en-US" smtClean="0"/>
-              <a:t>4/13/2014</a:t>
+              <a:t>4/17/2014</a:t>
             </a:fld>
             <a:endParaRPr lang="en-US"/>
           </a:p>
@@ -12075,7 +14258,7 @@
           <a:p>
             <a:fld id="{03828354-E0C5-4131-9B49-1997E3EE3A7D}" type="datetimeFigureOut">
               <a:rPr lang="en-US" smtClean="0"/>
-              <a:t>4/13/2014</a:t>
+              <a:t>4/17/2014</a:t>
             </a:fld>
             <a:endParaRPr lang="en-US"/>
           </a:p>
@@ -12416,7 +14599,7 @@
           <a:p>
             <a:fld id="{03828354-E0C5-4131-9B49-1997E3EE3A7D}" type="datetimeFigureOut">
               <a:rPr lang="en-US" smtClean="0"/>
-              <a:t>4/13/2014</a:t>
+              <a:t>4/17/2014</a:t>
             </a:fld>
             <a:endParaRPr lang="en-US"/>
           </a:p>
@@ -12730,7 +14913,7 @@
           <a:p>
             <a:fld id="{03828354-E0C5-4131-9B49-1997E3EE3A7D}" type="datetimeFigureOut">
               <a:rPr lang="en-US" smtClean="0"/>
-              <a:t>4/13/2014</a:t>
+              <a:t>4/17/2014</a:t>
             </a:fld>
             <a:endParaRPr lang="en-US"/>
           </a:p>
@@ -13123,7 +15306,7 @@
           <a:p>
             <a:fld id="{03828354-E0C5-4131-9B49-1997E3EE3A7D}" type="datetimeFigureOut">
               <a:rPr lang="en-US" smtClean="0"/>
-              <a:t>4/13/2014</a:t>
+              <a:t>4/17/2014</a:t>
             </a:fld>
             <a:endParaRPr lang="en-US"/>
           </a:p>
@@ -13293,7 +15476,7 @@
           <a:p>
             <a:fld id="{03828354-E0C5-4131-9B49-1997E3EE3A7D}" type="datetimeFigureOut">
               <a:rPr lang="en-US" smtClean="0"/>
-              <a:t>4/13/2014</a:t>
+              <a:t>4/17/2014</a:t>
             </a:fld>
             <a:endParaRPr lang="en-US"/>
           </a:p>
@@ -13473,7 +15656,7 @@
           <a:p>
             <a:fld id="{03828354-E0C5-4131-9B49-1997E3EE3A7D}" type="datetimeFigureOut">
               <a:rPr lang="en-US" smtClean="0"/>
-              <a:t>4/13/2014</a:t>
+              <a:t>4/17/2014</a:t>
             </a:fld>
             <a:endParaRPr lang="en-US"/>
           </a:p>
@@ -13683,7 +15866,7 @@
           <a:p>
             <a:fld id="{03828354-E0C5-4131-9B49-1997E3EE3A7D}" type="datetimeFigureOut">
               <a:rPr lang="en-US" smtClean="0"/>
-              <a:t>4/13/2014</a:t>
+              <a:t>4/17/2014</a:t>
             </a:fld>
             <a:endParaRPr lang="en-US"/>
           </a:p>
@@ -13930,7 +16113,7 @@
           <a:p>
             <a:fld id="{03828354-E0C5-4131-9B49-1997E3EE3A7D}" type="datetimeFigureOut">
               <a:rPr lang="en-US" smtClean="0"/>
-              <a:t>4/13/2014</a:t>
+              <a:t>4/17/2014</a:t>
             </a:fld>
             <a:endParaRPr lang="en-US"/>
           </a:p>
@@ -14162,7 +16345,7 @@
           <a:p>
             <a:fld id="{03828354-E0C5-4131-9B49-1997E3EE3A7D}" type="datetimeFigureOut">
               <a:rPr lang="en-US" smtClean="0"/>
-              <a:t>4/13/2014</a:t>
+              <a:t>4/17/2014</a:t>
             </a:fld>
             <a:endParaRPr lang="en-US"/>
           </a:p>
@@ -14536,7 +16719,7 @@
           <a:p>
             <a:fld id="{03828354-E0C5-4131-9B49-1997E3EE3A7D}" type="datetimeFigureOut">
               <a:rPr lang="en-US" smtClean="0"/>
-              <a:t>4/13/2014</a:t>
+              <a:t>4/17/2014</a:t>
             </a:fld>
             <a:endParaRPr lang="en-US"/>
           </a:p>
@@ -14659,7 +16842,7 @@
           <a:p>
             <a:fld id="{03828354-E0C5-4131-9B49-1997E3EE3A7D}" type="datetimeFigureOut">
               <a:rPr lang="en-US" smtClean="0"/>
-              <a:t>4/13/2014</a:t>
+              <a:t>4/17/2014</a:t>
             </a:fld>
             <a:endParaRPr lang="en-US"/>
           </a:p>
@@ -14754,7 +16937,7 @@
           <a:p>
             <a:fld id="{03828354-E0C5-4131-9B49-1997E3EE3A7D}" type="datetimeFigureOut">
               <a:rPr lang="en-US" smtClean="0"/>
-              <a:t>4/13/2014</a:t>
+              <a:t>4/17/2014</a:t>
             </a:fld>
             <a:endParaRPr lang="en-US"/>
           </a:p>
@@ -15009,7 +17192,7 @@
           <a:p>
             <a:fld id="{03828354-E0C5-4131-9B49-1997E3EE3A7D}" type="datetimeFigureOut">
               <a:rPr lang="en-US" smtClean="0"/>
-              <a:t>4/13/2014</a:t>
+              <a:t>4/17/2014</a:t>
             </a:fld>
             <a:endParaRPr lang="en-US"/>
           </a:p>
@@ -15272,7 +17455,7 @@
           <a:p>
             <a:fld id="{03828354-E0C5-4131-9B49-1997E3EE3A7D}" type="datetimeFigureOut">
               <a:rPr lang="en-US" smtClean="0"/>
-              <a:t>4/13/2014</a:t>
+              <a:t>4/17/2014</a:t>
             </a:fld>
             <a:endParaRPr lang="en-US"/>
           </a:p>
@@ -16015,7 +18198,7 @@
           <a:p>
             <a:fld id="{03828354-E0C5-4131-9B49-1997E3EE3A7D}" type="datetimeFigureOut">
               <a:rPr lang="en-US" smtClean="0"/>
-              <a:t>4/13/2014</a:t>
+              <a:t>4/17/2014</a:t>
             </a:fld>
             <a:endParaRPr lang="en-US"/>
           </a:p>
@@ -16647,2006 +18830,6 @@
         <p:spPr>
           <a:xfrm>
             <a:off x="677334" y="609600"/>
-            <a:ext cx="8596668" cy="652530"/>
-          </a:xfrm>
-        </p:spPr>
-        <p:txBody>
-          <a:bodyPr/>
-          <a:lstStyle/>
-          <a:p>
-            <a:r>
-              <a:rPr lang="en-US" dirty="0" smtClean="0"/>
-              <a:t>Demo Scenario - Staff</a:t>
-            </a:r>
-            <a:endParaRPr lang="en-US" dirty="0"/>
-          </a:p>
-        </p:txBody>
-      </p:sp>
-      <p:pic>
-        <p:nvPicPr>
-          <p:cNvPr id="4" name="Picture 3"/>
-          <p:cNvPicPr>
-            <a:picLocks noChangeAspect="1"/>
-          </p:cNvPicPr>
-          <p:nvPr/>
-        </p:nvPicPr>
-        <p:blipFill>
-          <a:blip r:embed="rId2">
-            <a:extLst>
-              <a:ext uri="{28A0092B-C50C-407E-A947-70E740481C1C}">
-                <a14:useLocalDpi xmlns:a14="http://schemas.microsoft.com/office/drawing/2010/main" val="0"/>
-              </a:ext>
-            </a:extLst>
-          </a:blip>
-          <a:stretch>
-            <a:fillRect/>
-          </a:stretch>
-        </p:blipFill>
-        <p:spPr>
-          <a:xfrm>
-            <a:off x="1379518" y="1332062"/>
-            <a:ext cx="1627632" cy="1627632"/>
-          </a:xfrm>
-          <a:prstGeom prst="rect">
-            <a:avLst/>
-          </a:prstGeom>
-        </p:spPr>
-      </p:pic>
-      <p:pic>
-        <p:nvPicPr>
-          <p:cNvPr id="5" name="Picture 4"/>
-          <p:cNvPicPr>
-            <a:picLocks noChangeAspect="1"/>
-          </p:cNvPicPr>
-          <p:nvPr/>
-        </p:nvPicPr>
-        <p:blipFill>
-          <a:blip r:embed="rId3">
-            <a:extLst>
-              <a:ext uri="{28A0092B-C50C-407E-A947-70E740481C1C}">
-                <a14:useLocalDpi xmlns:a14="http://schemas.microsoft.com/office/drawing/2010/main" val="0"/>
-              </a:ext>
-            </a:extLst>
-          </a:blip>
-          <a:stretch>
-            <a:fillRect/>
-          </a:stretch>
-        </p:blipFill>
-        <p:spPr>
-          <a:xfrm>
-            <a:off x="4898400" y="1332062"/>
-            <a:ext cx="1627632" cy="1627632"/>
-          </a:xfrm>
-          <a:prstGeom prst="rect">
-            <a:avLst/>
-          </a:prstGeom>
-        </p:spPr>
-      </p:pic>
-      <p:pic>
-        <p:nvPicPr>
-          <p:cNvPr id="6" name="Picture 5"/>
-          <p:cNvPicPr>
-            <a:picLocks/>
-          </p:cNvPicPr>
-          <p:nvPr/>
-        </p:nvPicPr>
-        <p:blipFill>
-          <a:blip r:embed="rId4" cstate="print">
-            <a:extLst>
-              <a:ext uri="{28A0092B-C50C-407E-A947-70E740481C1C}">
-                <a14:useLocalDpi xmlns:a14="http://schemas.microsoft.com/office/drawing/2010/main" val="0"/>
-              </a:ext>
-            </a:extLst>
-          </a:blip>
-          <a:stretch>
-            <a:fillRect/>
-          </a:stretch>
-        </p:blipFill>
-        <p:spPr>
-          <a:xfrm>
-            <a:off x="8557473" y="1332062"/>
-            <a:ext cx="1627632" cy="1627632"/>
-          </a:xfrm>
-          <a:prstGeom prst="rect">
-            <a:avLst/>
-          </a:prstGeom>
-        </p:spPr>
-      </p:pic>
-      <p:pic>
-        <p:nvPicPr>
-          <p:cNvPr id="7" name="Picture 6"/>
-          <p:cNvPicPr>
-            <a:picLocks/>
-          </p:cNvPicPr>
-          <p:nvPr/>
-        </p:nvPicPr>
-        <p:blipFill>
-          <a:blip r:embed="rId5">
-            <a:extLst>
-              <a:ext uri="{28A0092B-C50C-407E-A947-70E740481C1C}">
-                <a14:useLocalDpi xmlns:a14="http://schemas.microsoft.com/office/drawing/2010/main" val="0"/>
-              </a:ext>
-            </a:extLst>
-          </a:blip>
-          <a:stretch>
-            <a:fillRect/>
-          </a:stretch>
-        </p:blipFill>
-        <p:spPr>
-          <a:xfrm>
-            <a:off x="4898400" y="3402727"/>
-            <a:ext cx="1627632" cy="1627632"/>
-          </a:xfrm>
-          <a:prstGeom prst="rect">
-            <a:avLst/>
-          </a:prstGeom>
-        </p:spPr>
-      </p:pic>
-      <p:sp>
-        <p:nvSpPr>
-          <p:cNvPr id="8" name="Right Arrow 7"/>
-          <p:cNvSpPr/>
-          <p:nvPr/>
-        </p:nvSpPr>
-        <p:spPr>
-          <a:xfrm>
-            <a:off x="3041561" y="1705163"/>
-            <a:ext cx="1782317" cy="907188"/>
-          </a:xfrm>
-          <a:prstGeom prst="rightArrow">
-            <a:avLst/>
-          </a:prstGeom>
-        </p:spPr>
-        <p:style>
-          <a:lnRef idx="2">
-            <a:schemeClr val="accent1">
-              <a:shade val="50000"/>
-            </a:schemeClr>
-          </a:lnRef>
-          <a:fillRef idx="1">
-            <a:schemeClr val="accent1"/>
-          </a:fillRef>
-          <a:effectRef idx="0">
-            <a:schemeClr val="accent1"/>
-          </a:effectRef>
-          <a:fontRef idx="minor">
-            <a:schemeClr val="lt1"/>
-          </a:fontRef>
-        </p:style>
-        <p:txBody>
-          <a:bodyPr rtlCol="0" anchor="ctr"/>
-          <a:lstStyle/>
-          <a:p>
-            <a:pPr algn="ctr"/>
-            <a:r>
-              <a:rPr lang="en-US" dirty="0" smtClean="0">
-                <a:latin typeface="Arial" panose="020B0604020202020204" pitchFamily="34" charset="0"/>
-                <a:cs typeface="Arial" panose="020B0604020202020204" pitchFamily="34" charset="0"/>
-              </a:rPr>
-              <a:t>Import data</a:t>
-            </a:r>
-            <a:endParaRPr lang="en-US" dirty="0">
-              <a:latin typeface="Arial" panose="020B0604020202020204" pitchFamily="34" charset="0"/>
-              <a:cs typeface="Arial" panose="020B0604020202020204" pitchFamily="34" charset="0"/>
-            </a:endParaRPr>
-          </a:p>
-        </p:txBody>
-      </p:sp>
-      <p:sp>
-        <p:nvSpPr>
-          <p:cNvPr id="9" name="Right Arrow 8"/>
-          <p:cNvSpPr/>
-          <p:nvPr/>
-        </p:nvSpPr>
-        <p:spPr>
-          <a:xfrm>
-            <a:off x="6600554" y="1692284"/>
-            <a:ext cx="1882397" cy="920067"/>
-          </a:xfrm>
-          <a:prstGeom prst="rightArrow">
-            <a:avLst/>
-          </a:prstGeom>
-        </p:spPr>
-        <p:style>
-          <a:lnRef idx="2">
-            <a:schemeClr val="accent1">
-              <a:shade val="50000"/>
-            </a:schemeClr>
-          </a:lnRef>
-          <a:fillRef idx="1">
-            <a:schemeClr val="accent1"/>
-          </a:fillRef>
-          <a:effectRef idx="0">
-            <a:schemeClr val="accent1"/>
-          </a:effectRef>
-          <a:fontRef idx="minor">
-            <a:schemeClr val="lt1"/>
-          </a:fontRef>
-        </p:style>
-        <p:txBody>
-          <a:bodyPr rtlCol="0" anchor="ctr"/>
-          <a:lstStyle/>
-          <a:p>
-            <a:pPr algn="ctr"/>
-            <a:r>
-              <a:rPr lang="en-US" dirty="0" smtClean="0">
-                <a:latin typeface="Arial" panose="020B0604020202020204" pitchFamily="34" charset="0"/>
-                <a:cs typeface="Arial" panose="020B0604020202020204" pitchFamily="34" charset="0"/>
-              </a:rPr>
-              <a:t>Train machine</a:t>
-            </a:r>
-            <a:endParaRPr lang="en-US" dirty="0">
-              <a:latin typeface="Arial" panose="020B0604020202020204" pitchFamily="34" charset="0"/>
-              <a:cs typeface="Arial" panose="020B0604020202020204" pitchFamily="34" charset="0"/>
-            </a:endParaRPr>
-          </a:p>
-        </p:txBody>
-      </p:sp>
-      <p:sp>
-        <p:nvSpPr>
-          <p:cNvPr id="16" name="Bent-Up Arrow 15"/>
-          <p:cNvSpPr/>
-          <p:nvPr/>
-        </p:nvSpPr>
-        <p:spPr>
-          <a:xfrm rot="5400000">
-            <a:off x="2458876" y="2706414"/>
-            <a:ext cx="1598109" cy="2503529"/>
-          </a:xfrm>
-          <a:prstGeom prst="bentUpArrow">
-            <a:avLst/>
-          </a:prstGeom>
-        </p:spPr>
-        <p:style>
-          <a:lnRef idx="2">
-            <a:schemeClr val="accent1">
-              <a:shade val="50000"/>
-            </a:schemeClr>
-          </a:lnRef>
-          <a:fillRef idx="1">
-            <a:schemeClr val="accent1"/>
-          </a:fillRef>
-          <a:effectRef idx="0">
-            <a:schemeClr val="accent1"/>
-          </a:effectRef>
-          <a:fontRef idx="minor">
-            <a:schemeClr val="lt1"/>
-          </a:fontRef>
-        </p:style>
-        <p:txBody>
-          <a:bodyPr rtlCol="0" anchor="ctr"/>
-          <a:lstStyle/>
-          <a:p>
-            <a:pPr algn="ctr"/>
-            <a:endParaRPr lang="en-US" dirty="0"/>
-          </a:p>
-        </p:txBody>
-      </p:sp>
-      <p:sp>
-        <p:nvSpPr>
-          <p:cNvPr id="17" name="TextBox 16"/>
-          <p:cNvSpPr txBox="1"/>
-          <p:nvPr/>
-        </p:nvSpPr>
-        <p:spPr>
-          <a:xfrm>
-            <a:off x="2346044" y="4164242"/>
-            <a:ext cx="1878226" cy="369332"/>
-          </a:xfrm>
-          <a:prstGeom prst="rect">
-            <a:avLst/>
-          </a:prstGeom>
-          <a:noFill/>
-        </p:spPr>
-        <p:txBody>
-          <a:bodyPr wrap="square" rtlCol="0">
-            <a:spAutoFit/>
-          </a:bodyPr>
-          <a:lstStyle/>
-          <a:p>
-            <a:r>
-              <a:rPr lang="en-US" dirty="0" smtClean="0">
-                <a:solidFill>
-                  <a:schemeClr val="bg1"/>
-                </a:solidFill>
-                <a:latin typeface="Arial" panose="020B0604020202020204" pitchFamily="34" charset="0"/>
-                <a:cs typeface="Arial" panose="020B0604020202020204" pitchFamily="34" charset="0"/>
-              </a:rPr>
-              <a:t>Manage parsers</a:t>
-            </a:r>
-            <a:endParaRPr lang="en-US" dirty="0">
-              <a:solidFill>
-                <a:schemeClr val="bg1"/>
-              </a:solidFill>
-              <a:latin typeface="Arial" panose="020B0604020202020204" pitchFamily="34" charset="0"/>
-              <a:cs typeface="Arial" panose="020B0604020202020204" pitchFamily="34" charset="0"/>
-            </a:endParaRPr>
-          </a:p>
-        </p:txBody>
-      </p:sp>
-    </p:spTree>
-    <p:extLst>
-      <p:ext uri="{BB962C8B-B14F-4D97-AF65-F5344CB8AC3E}">
-        <p14:creationId xmlns:p14="http://schemas.microsoft.com/office/powerpoint/2010/main" val="873063229"/>
-      </p:ext>
-    </p:extLst>
-  </p:cSld>
-  <p:clrMapOvr>
-    <a:masterClrMapping/>
-  </p:clrMapOvr>
-  <p:transition spd="slow">
-    <p:push dir="u"/>
-  </p:transition>
-  <p:timing>
-    <p:tnLst>
-      <p:par>
-        <p:cTn id="1" dur="indefinite" restart="never" nodeType="tmRoot">
-          <p:childTnLst>
-            <p:seq concurrent="1" nextAc="seek">
-              <p:cTn id="2" dur="indefinite" nodeType="mainSeq">
-                <p:childTnLst>
-                  <p:par>
-                    <p:cTn id="3" fill="hold">
-                      <p:stCondLst>
-                        <p:cond delay="indefinite"/>
-                      </p:stCondLst>
-                      <p:childTnLst>
-                        <p:par>
-                          <p:cTn id="4" fill="hold">
-                            <p:stCondLst>
-                              <p:cond delay="0"/>
-                            </p:stCondLst>
-                            <p:childTnLst>
-                              <p:par>
-                                <p:cTn id="5" presetID="14" presetClass="entr" presetSubtype="10" fill="hold" nodeType="clickEffect">
-                                  <p:stCondLst>
-                                    <p:cond delay="0"/>
-                                  </p:stCondLst>
-                                  <p:childTnLst>
-                                    <p:set>
-                                      <p:cBhvr>
-                                        <p:cTn id="6" dur="1" fill="hold">
-                                          <p:stCondLst>
-                                            <p:cond delay="0"/>
-                                          </p:stCondLst>
-                                        </p:cTn>
-                                        <p:tgtEl>
-                                          <p:spTgt spid="4"/>
-                                        </p:tgtEl>
-                                        <p:attrNameLst>
-                                          <p:attrName>style.visibility</p:attrName>
-                                        </p:attrNameLst>
-                                      </p:cBhvr>
-                                      <p:to>
-                                        <p:strVal val="visible"/>
-                                      </p:to>
-                                    </p:set>
-                                    <p:animEffect transition="in" filter="randombar(horizontal)">
-                                      <p:cBhvr>
-                                        <p:cTn id="7" dur="500"/>
-                                        <p:tgtEl>
-                                          <p:spTgt spid="4"/>
-                                        </p:tgtEl>
-                                      </p:cBhvr>
-                                    </p:animEffect>
-                                  </p:childTnLst>
-                                </p:cTn>
-                              </p:par>
-                            </p:childTnLst>
-                          </p:cTn>
-                        </p:par>
-                      </p:childTnLst>
-                    </p:cTn>
-                  </p:par>
-                  <p:par>
-                    <p:cTn id="8" fill="hold">
-                      <p:stCondLst>
-                        <p:cond delay="indefinite"/>
-                      </p:stCondLst>
-                      <p:childTnLst>
-                        <p:par>
-                          <p:cTn id="9" fill="hold">
-                            <p:stCondLst>
-                              <p:cond delay="0"/>
-                            </p:stCondLst>
-                            <p:childTnLst>
-                              <p:par>
-                                <p:cTn id="10" presetID="14" presetClass="entr" presetSubtype="10" fill="hold" grpId="0" nodeType="clickEffect">
-                                  <p:stCondLst>
-                                    <p:cond delay="0"/>
-                                  </p:stCondLst>
-                                  <p:childTnLst>
-                                    <p:set>
-                                      <p:cBhvr>
-                                        <p:cTn id="11" dur="1" fill="hold">
-                                          <p:stCondLst>
-                                            <p:cond delay="0"/>
-                                          </p:stCondLst>
-                                        </p:cTn>
-                                        <p:tgtEl>
-                                          <p:spTgt spid="8"/>
-                                        </p:tgtEl>
-                                        <p:attrNameLst>
-                                          <p:attrName>style.visibility</p:attrName>
-                                        </p:attrNameLst>
-                                      </p:cBhvr>
-                                      <p:to>
-                                        <p:strVal val="visible"/>
-                                      </p:to>
-                                    </p:set>
-                                    <p:animEffect transition="in" filter="randombar(horizontal)">
-                                      <p:cBhvr>
-                                        <p:cTn id="12" dur="500"/>
-                                        <p:tgtEl>
-                                          <p:spTgt spid="8"/>
-                                        </p:tgtEl>
-                                      </p:cBhvr>
-                                    </p:animEffect>
-                                  </p:childTnLst>
-                                </p:cTn>
-                              </p:par>
-                              <p:par>
-                                <p:cTn id="13" presetID="14" presetClass="entr" presetSubtype="10" fill="hold" nodeType="withEffect">
-                                  <p:stCondLst>
-                                    <p:cond delay="0"/>
-                                  </p:stCondLst>
-                                  <p:childTnLst>
-                                    <p:set>
-                                      <p:cBhvr>
-                                        <p:cTn id="14" dur="1" fill="hold">
-                                          <p:stCondLst>
-                                            <p:cond delay="0"/>
-                                          </p:stCondLst>
-                                        </p:cTn>
-                                        <p:tgtEl>
-                                          <p:spTgt spid="5"/>
-                                        </p:tgtEl>
-                                        <p:attrNameLst>
-                                          <p:attrName>style.visibility</p:attrName>
-                                        </p:attrNameLst>
-                                      </p:cBhvr>
-                                      <p:to>
-                                        <p:strVal val="visible"/>
-                                      </p:to>
-                                    </p:set>
-                                    <p:animEffect transition="in" filter="randombar(horizontal)">
-                                      <p:cBhvr>
-                                        <p:cTn id="15" dur="500"/>
-                                        <p:tgtEl>
-                                          <p:spTgt spid="5"/>
-                                        </p:tgtEl>
-                                      </p:cBhvr>
-                                    </p:animEffect>
-                                  </p:childTnLst>
-                                </p:cTn>
-                              </p:par>
-                            </p:childTnLst>
-                          </p:cTn>
-                        </p:par>
-                      </p:childTnLst>
-                    </p:cTn>
-                  </p:par>
-                  <p:par>
-                    <p:cTn id="16" fill="hold">
-                      <p:stCondLst>
-                        <p:cond delay="indefinite"/>
-                      </p:stCondLst>
-                      <p:childTnLst>
-                        <p:par>
-                          <p:cTn id="17" fill="hold">
-                            <p:stCondLst>
-                              <p:cond delay="0"/>
-                            </p:stCondLst>
-                            <p:childTnLst>
-                              <p:par>
-                                <p:cTn id="18" presetID="14" presetClass="entr" presetSubtype="10" fill="hold" grpId="0" nodeType="clickEffect">
-                                  <p:stCondLst>
-                                    <p:cond delay="0"/>
-                                  </p:stCondLst>
-                                  <p:childTnLst>
-                                    <p:set>
-                                      <p:cBhvr>
-                                        <p:cTn id="19" dur="1" fill="hold">
-                                          <p:stCondLst>
-                                            <p:cond delay="0"/>
-                                          </p:stCondLst>
-                                        </p:cTn>
-                                        <p:tgtEl>
-                                          <p:spTgt spid="9"/>
-                                        </p:tgtEl>
-                                        <p:attrNameLst>
-                                          <p:attrName>style.visibility</p:attrName>
-                                        </p:attrNameLst>
-                                      </p:cBhvr>
-                                      <p:to>
-                                        <p:strVal val="visible"/>
-                                      </p:to>
-                                    </p:set>
-                                    <p:animEffect transition="in" filter="randombar(horizontal)">
-                                      <p:cBhvr>
-                                        <p:cTn id="20" dur="500"/>
-                                        <p:tgtEl>
-                                          <p:spTgt spid="9"/>
-                                        </p:tgtEl>
-                                      </p:cBhvr>
-                                    </p:animEffect>
-                                  </p:childTnLst>
-                                </p:cTn>
-                              </p:par>
-                              <p:par>
-                                <p:cTn id="21" presetID="14" presetClass="entr" presetSubtype="10" fill="hold" nodeType="withEffect">
-                                  <p:stCondLst>
-                                    <p:cond delay="0"/>
-                                  </p:stCondLst>
-                                  <p:childTnLst>
-                                    <p:set>
-                                      <p:cBhvr>
-                                        <p:cTn id="22" dur="1" fill="hold">
-                                          <p:stCondLst>
-                                            <p:cond delay="0"/>
-                                          </p:stCondLst>
-                                        </p:cTn>
-                                        <p:tgtEl>
-                                          <p:spTgt spid="6"/>
-                                        </p:tgtEl>
-                                        <p:attrNameLst>
-                                          <p:attrName>style.visibility</p:attrName>
-                                        </p:attrNameLst>
-                                      </p:cBhvr>
-                                      <p:to>
-                                        <p:strVal val="visible"/>
-                                      </p:to>
-                                    </p:set>
-                                    <p:animEffect transition="in" filter="randombar(horizontal)">
-                                      <p:cBhvr>
-                                        <p:cTn id="23" dur="500"/>
-                                        <p:tgtEl>
-                                          <p:spTgt spid="6"/>
-                                        </p:tgtEl>
-                                      </p:cBhvr>
-                                    </p:animEffect>
-                                  </p:childTnLst>
-                                </p:cTn>
-                              </p:par>
-                            </p:childTnLst>
-                          </p:cTn>
-                        </p:par>
-                      </p:childTnLst>
-                    </p:cTn>
-                  </p:par>
-                  <p:par>
-                    <p:cTn id="24" fill="hold">
-                      <p:stCondLst>
-                        <p:cond delay="indefinite"/>
-                      </p:stCondLst>
-                      <p:childTnLst>
-                        <p:par>
-                          <p:cTn id="25" fill="hold">
-                            <p:stCondLst>
-                              <p:cond delay="0"/>
-                            </p:stCondLst>
-                            <p:childTnLst>
-                              <p:par>
-                                <p:cTn id="26" presetID="14" presetClass="entr" presetSubtype="10" fill="hold" grpId="0" nodeType="clickEffect">
-                                  <p:stCondLst>
-                                    <p:cond delay="0"/>
-                                  </p:stCondLst>
-                                  <p:childTnLst>
-                                    <p:set>
-                                      <p:cBhvr>
-                                        <p:cTn id="27" dur="1" fill="hold">
-                                          <p:stCondLst>
-                                            <p:cond delay="0"/>
-                                          </p:stCondLst>
-                                        </p:cTn>
-                                        <p:tgtEl>
-                                          <p:spTgt spid="16"/>
-                                        </p:tgtEl>
-                                        <p:attrNameLst>
-                                          <p:attrName>style.visibility</p:attrName>
-                                        </p:attrNameLst>
-                                      </p:cBhvr>
-                                      <p:to>
-                                        <p:strVal val="visible"/>
-                                      </p:to>
-                                    </p:set>
-                                    <p:animEffect transition="in" filter="randombar(horizontal)">
-                                      <p:cBhvr>
-                                        <p:cTn id="28" dur="500"/>
-                                        <p:tgtEl>
-                                          <p:spTgt spid="16"/>
-                                        </p:tgtEl>
-                                      </p:cBhvr>
-                                    </p:animEffect>
-                                  </p:childTnLst>
-                                </p:cTn>
-                              </p:par>
-                              <p:par>
-                                <p:cTn id="29" presetID="14" presetClass="entr" presetSubtype="10" fill="hold" nodeType="withEffect">
-                                  <p:stCondLst>
-                                    <p:cond delay="0"/>
-                                  </p:stCondLst>
-                                  <p:childTnLst>
-                                    <p:set>
-                                      <p:cBhvr>
-                                        <p:cTn id="30" dur="1" fill="hold">
-                                          <p:stCondLst>
-                                            <p:cond delay="0"/>
-                                          </p:stCondLst>
-                                        </p:cTn>
-                                        <p:tgtEl>
-                                          <p:spTgt spid="7"/>
-                                        </p:tgtEl>
-                                        <p:attrNameLst>
-                                          <p:attrName>style.visibility</p:attrName>
-                                        </p:attrNameLst>
-                                      </p:cBhvr>
-                                      <p:to>
-                                        <p:strVal val="visible"/>
-                                      </p:to>
-                                    </p:set>
-                                    <p:animEffect transition="in" filter="randombar(horizontal)">
-                                      <p:cBhvr>
-                                        <p:cTn id="31" dur="500"/>
-                                        <p:tgtEl>
-                                          <p:spTgt spid="7"/>
-                                        </p:tgtEl>
-                                      </p:cBhvr>
-                                    </p:animEffect>
-                                  </p:childTnLst>
-                                </p:cTn>
-                              </p:par>
-                            </p:childTnLst>
-                          </p:cTn>
-                        </p:par>
-                      </p:childTnLst>
-                    </p:cTn>
-                  </p:par>
-                </p:childTnLst>
-              </p:cTn>
-              <p:prevCondLst>
-                <p:cond evt="onPrev" delay="0">
-                  <p:tgtEl>
-                    <p:sldTgt/>
-                  </p:tgtEl>
-                </p:cond>
-              </p:prevCondLst>
-              <p:nextCondLst>
-                <p:cond evt="onNext" delay="0">
-                  <p:tgtEl>
-                    <p:sldTgt/>
-                  </p:tgtEl>
-                </p:cond>
-              </p:nextCondLst>
-            </p:seq>
-          </p:childTnLst>
-        </p:cTn>
-      </p:par>
-    </p:tnLst>
-    <p:bldLst>
-      <p:bldP spid="8" grpId="0" animBg="1"/>
-      <p:bldP spid="9" grpId="0" animBg="1"/>
-      <p:bldP spid="16" grpId="0" animBg="1"/>
-    </p:bldLst>
-  </p:timing>
-</p:sld>
-</file>
-
-<file path=ppt/slides/slide11.xml><?xml version="1.0" encoding="utf-8"?>
-<p:sld xmlns:a="http://schemas.openxmlformats.org/drawingml/2006/main" xmlns:r="http://schemas.openxmlformats.org/officeDocument/2006/relationships" xmlns:p="http://schemas.openxmlformats.org/presentationml/2006/main">
-  <p:cSld>
-    <p:spTree>
-      <p:nvGrpSpPr>
-        <p:cNvPr id="1" name=""/>
-        <p:cNvGrpSpPr/>
-        <p:nvPr/>
-      </p:nvGrpSpPr>
-      <p:grpSpPr>
-        <a:xfrm>
-          <a:off x="0" y="0"/>
-          <a:ext cx="0" cy="0"/>
-          <a:chOff x="0" y="0"/>
-          <a:chExt cx="0" cy="0"/>
-        </a:xfrm>
-      </p:grpSpPr>
-      <p:graphicFrame>
-        <p:nvGraphicFramePr>
-          <p:cNvPr id="13" name="Diagram 12"/>
-          <p:cNvGraphicFramePr/>
-          <p:nvPr>
-            <p:extLst>
-              <p:ext uri="{D42A27DB-BD31-4B8C-83A1-F6EECF244321}">
-                <p14:modId xmlns:p14="http://schemas.microsoft.com/office/powerpoint/2010/main" val="2949384189"/>
-              </p:ext>
-            </p:extLst>
-          </p:nvPr>
-        </p:nvGraphicFramePr>
-        <p:xfrm>
-          <a:off x="0" y="0"/>
-          <a:ext cx="12192000" cy="6858000"/>
-        </p:xfrm>
-        <a:graphic>
-          <a:graphicData uri="http://schemas.openxmlformats.org/drawingml/2006/diagram">
-            <dgm:relIds xmlns:dgm="http://schemas.openxmlformats.org/drawingml/2006/diagram" xmlns:r="http://schemas.openxmlformats.org/officeDocument/2006/relationships" r:dm="rId2" r:lo="rId3" r:qs="rId4" r:cs="rId5"/>
-          </a:graphicData>
-        </a:graphic>
-      </p:graphicFrame>
-      <p:pic>
-        <p:nvPicPr>
-          <p:cNvPr id="16" name="Picture 15"/>
-          <p:cNvPicPr>
-            <a:picLocks noChangeAspect="1"/>
-          </p:cNvPicPr>
-          <p:nvPr/>
-        </p:nvPicPr>
-        <p:blipFill>
-          <a:blip r:embed="rId7">
-            <a:extLst>
-              <a:ext uri="{28A0092B-C50C-407E-A947-70E740481C1C}">
-                <a14:useLocalDpi xmlns:a14="http://schemas.microsoft.com/office/drawing/2010/main" val="0"/>
-              </a:ext>
-            </a:extLst>
-          </a:blip>
-          <a:stretch>
-            <a:fillRect/>
-          </a:stretch>
-        </p:blipFill>
-        <p:spPr>
-          <a:xfrm>
-            <a:off x="4503312" y="2615184"/>
-            <a:ext cx="1627632" cy="1627632"/>
-          </a:xfrm>
-          <a:prstGeom prst="rect">
-            <a:avLst/>
-          </a:prstGeom>
-        </p:spPr>
-      </p:pic>
-      <p:pic>
-        <p:nvPicPr>
-          <p:cNvPr id="19" name="Picture 18"/>
-          <p:cNvPicPr>
-            <a:picLocks noChangeAspect="1"/>
-          </p:cNvPicPr>
-          <p:nvPr/>
-        </p:nvPicPr>
-        <p:blipFill>
-          <a:blip r:embed="rId8">
-            <a:extLst>
-              <a:ext uri="{28A0092B-C50C-407E-A947-70E740481C1C}">
-                <a14:useLocalDpi xmlns:a14="http://schemas.microsoft.com/office/drawing/2010/main" val="0"/>
-              </a:ext>
-            </a:extLst>
-          </a:blip>
-          <a:stretch>
-            <a:fillRect/>
-          </a:stretch>
-        </p:blipFill>
-        <p:spPr>
-          <a:xfrm>
-            <a:off x="1708597" y="2615184"/>
-            <a:ext cx="1627632" cy="1627632"/>
-          </a:xfrm>
-          <a:prstGeom prst="rect">
-            <a:avLst/>
-          </a:prstGeom>
-        </p:spPr>
-      </p:pic>
-      <p:pic>
-        <p:nvPicPr>
-          <p:cNvPr id="21" name="Picture 20"/>
-          <p:cNvPicPr>
-            <a:picLocks noChangeAspect="1"/>
-          </p:cNvPicPr>
-          <p:nvPr/>
-        </p:nvPicPr>
-        <p:blipFill>
-          <a:blip r:embed="rId9" cstate="print">
-            <a:extLst>
-              <a:ext uri="{28A0092B-C50C-407E-A947-70E740481C1C}">
-                <a14:useLocalDpi xmlns:a14="http://schemas.microsoft.com/office/drawing/2010/main" val="0"/>
-              </a:ext>
-            </a:extLst>
-          </a:blip>
-          <a:stretch>
-            <a:fillRect/>
-          </a:stretch>
-        </p:blipFill>
-        <p:spPr>
-          <a:xfrm>
-            <a:off x="6295790" y="2615184"/>
-            <a:ext cx="1627632" cy="1627632"/>
-          </a:xfrm>
-          <a:prstGeom prst="rect">
-            <a:avLst/>
-          </a:prstGeom>
-        </p:spPr>
-      </p:pic>
-      <p:pic>
-        <p:nvPicPr>
-          <p:cNvPr id="22" name="Picture 21"/>
-          <p:cNvPicPr>
-            <a:picLocks noChangeAspect="1"/>
-          </p:cNvPicPr>
-          <p:nvPr/>
-        </p:nvPicPr>
-        <p:blipFill>
-          <a:blip r:embed="rId10">
-            <a:extLst>
-              <a:ext uri="{28A0092B-C50C-407E-A947-70E740481C1C}">
-                <a14:useLocalDpi xmlns:a14="http://schemas.microsoft.com/office/drawing/2010/main" val="0"/>
-              </a:ext>
-            </a:extLst>
-          </a:blip>
-          <a:stretch>
-            <a:fillRect/>
-          </a:stretch>
-        </p:blipFill>
-        <p:spPr>
-          <a:xfrm>
-            <a:off x="9340159" y="2615184"/>
-            <a:ext cx="1627632" cy="1627632"/>
-          </a:xfrm>
-          <a:prstGeom prst="rect">
-            <a:avLst/>
-          </a:prstGeom>
-        </p:spPr>
-      </p:pic>
-      <p:sp>
-        <p:nvSpPr>
-          <p:cNvPr id="23" name="TextBox 22"/>
-          <p:cNvSpPr txBox="1"/>
-          <p:nvPr/>
-        </p:nvSpPr>
-        <p:spPr>
-          <a:xfrm>
-            <a:off x="1814075" y="4507606"/>
-            <a:ext cx="1416676" cy="369332"/>
-          </a:xfrm>
-          <a:prstGeom prst="rect">
-            <a:avLst/>
-          </a:prstGeom>
-          <a:noFill/>
-        </p:spPr>
-        <p:txBody>
-          <a:bodyPr wrap="square" rtlCol="0">
-            <a:spAutoFit/>
-          </a:bodyPr>
-          <a:lstStyle/>
-          <a:p>
-            <a:r>
-              <a:rPr lang="en-US" dirty="0" smtClean="0">
-                <a:solidFill>
-                  <a:schemeClr val="accent2">
-                    <a:lumMod val="75000"/>
-                  </a:schemeClr>
-                </a:solidFill>
-              </a:rPr>
-              <a:t>Latest Price</a:t>
-            </a:r>
-            <a:endParaRPr lang="en-US" dirty="0">
-              <a:solidFill>
-                <a:schemeClr val="accent2">
-                  <a:lumMod val="75000"/>
-                </a:schemeClr>
-              </a:solidFill>
-            </a:endParaRPr>
-          </a:p>
-        </p:txBody>
-      </p:sp>
-      <p:sp>
-        <p:nvSpPr>
-          <p:cNvPr id="24" name="TextBox 23"/>
-          <p:cNvSpPr txBox="1"/>
-          <p:nvPr/>
-        </p:nvSpPr>
-        <p:spPr>
-          <a:xfrm>
-            <a:off x="4503312" y="4507606"/>
-            <a:ext cx="1792478" cy="369332"/>
-          </a:xfrm>
-          <a:prstGeom prst="rect">
-            <a:avLst/>
-          </a:prstGeom>
-          <a:noFill/>
-        </p:spPr>
-        <p:txBody>
-          <a:bodyPr wrap="none" rtlCol="0">
-            <a:spAutoFit/>
-          </a:bodyPr>
-          <a:lstStyle/>
-          <a:p>
-            <a:r>
-              <a:rPr lang="en-US" dirty="0" smtClean="0">
-                <a:solidFill>
-                  <a:schemeClr val="accent2">
-                    <a:lumMod val="75000"/>
-                  </a:schemeClr>
-                </a:solidFill>
-              </a:rPr>
-              <a:t>Give suggestion</a:t>
-            </a:r>
-            <a:endParaRPr lang="en-US" dirty="0">
-              <a:solidFill>
-                <a:schemeClr val="accent2">
-                  <a:lumMod val="75000"/>
-                </a:schemeClr>
-              </a:solidFill>
-            </a:endParaRPr>
-          </a:p>
-        </p:txBody>
-      </p:sp>
-      <p:sp>
-        <p:nvSpPr>
-          <p:cNvPr id="25" name="TextBox 24"/>
-          <p:cNvSpPr txBox="1"/>
-          <p:nvPr/>
-        </p:nvSpPr>
-        <p:spPr>
-          <a:xfrm>
-            <a:off x="6388857" y="4507606"/>
-            <a:ext cx="1717393" cy="369332"/>
-          </a:xfrm>
-          <a:prstGeom prst="rect">
-            <a:avLst/>
-          </a:prstGeom>
-          <a:noFill/>
-        </p:spPr>
-        <p:txBody>
-          <a:bodyPr wrap="none" rtlCol="0">
-            <a:spAutoFit/>
-          </a:bodyPr>
-          <a:lstStyle/>
-          <a:p>
-            <a:r>
-              <a:rPr lang="en-US" dirty="0" smtClean="0">
-                <a:solidFill>
-                  <a:schemeClr val="accent2">
-                    <a:lumMod val="75000"/>
-                  </a:schemeClr>
-                </a:solidFill>
-              </a:rPr>
-              <a:t>Require device</a:t>
-            </a:r>
-            <a:endParaRPr lang="en-US" dirty="0">
-              <a:solidFill>
-                <a:schemeClr val="accent2">
-                  <a:lumMod val="75000"/>
-                </a:schemeClr>
-              </a:solidFill>
-            </a:endParaRPr>
-          </a:p>
-        </p:txBody>
-      </p:sp>
-      <p:sp>
-        <p:nvSpPr>
-          <p:cNvPr id="26" name="TextBox 25"/>
-          <p:cNvSpPr txBox="1"/>
-          <p:nvPr/>
-        </p:nvSpPr>
-        <p:spPr>
-          <a:xfrm>
-            <a:off x="8607590" y="4507606"/>
-            <a:ext cx="3092770" cy="369332"/>
-          </a:xfrm>
-          <a:prstGeom prst="rect">
-            <a:avLst/>
-          </a:prstGeom>
-          <a:noFill/>
-        </p:spPr>
-        <p:txBody>
-          <a:bodyPr wrap="none" rtlCol="0">
-            <a:spAutoFit/>
-          </a:bodyPr>
-          <a:lstStyle/>
-          <a:p>
-            <a:r>
-              <a:rPr lang="en-US" dirty="0" smtClean="0">
-                <a:solidFill>
-                  <a:schemeClr val="accent2">
-                    <a:lumMod val="75000"/>
-                  </a:schemeClr>
-                </a:solidFill>
-              </a:rPr>
-              <a:t>Require internet connection</a:t>
-            </a:r>
-            <a:endParaRPr lang="en-US" dirty="0">
-              <a:solidFill>
-                <a:schemeClr val="accent2">
-                  <a:lumMod val="75000"/>
-                </a:schemeClr>
-              </a:solidFill>
-            </a:endParaRPr>
-          </a:p>
-        </p:txBody>
-      </p:sp>
-    </p:spTree>
-    <p:extLst>
-      <p:ext uri="{BB962C8B-B14F-4D97-AF65-F5344CB8AC3E}">
-        <p14:creationId xmlns:p14="http://schemas.microsoft.com/office/powerpoint/2010/main" val="4212790391"/>
-      </p:ext>
-    </p:extLst>
-  </p:cSld>
-  <p:clrMapOvr>
-    <a:masterClrMapping/>
-  </p:clrMapOvr>
-  <mc:AlternateContent xmlns:mc="http://schemas.openxmlformats.org/markup-compatibility/2006">
-    <mc:Choice xmlns:p14="http://schemas.microsoft.com/office/powerpoint/2010/main" Requires="p14">
-      <p:transition spd="slow" p14:dur="800">
-        <p:circle/>
-      </p:transition>
-    </mc:Choice>
-    <mc:Fallback>
-      <p:transition spd="slow">
-        <p:circle/>
-      </p:transition>
-    </mc:Fallback>
-  </mc:AlternateContent>
-  <p:timing>
-    <p:tnLst>
-      <p:par>
-        <p:cTn id="1" dur="indefinite" restart="never" nodeType="tmRoot">
-          <p:childTnLst>
-            <p:seq concurrent="1" nextAc="seek">
-              <p:cTn id="2" dur="indefinite" nodeType="mainSeq">
-                <p:childTnLst>
-                  <p:par>
-                    <p:cTn id="3" fill="hold">
-                      <p:stCondLst>
-                        <p:cond delay="indefinite"/>
-                      </p:stCondLst>
-                      <p:childTnLst>
-                        <p:par>
-                          <p:cTn id="4" fill="hold">
-                            <p:stCondLst>
-                              <p:cond delay="0"/>
-                            </p:stCondLst>
-                            <p:childTnLst>
-                              <p:par>
-                                <p:cTn id="5" presetID="14" presetClass="entr" presetSubtype="10" fill="hold" nodeType="clickEffect">
-                                  <p:stCondLst>
-                                    <p:cond delay="0"/>
-                                  </p:stCondLst>
-                                  <p:childTnLst>
-                                    <p:set>
-                                      <p:cBhvr>
-                                        <p:cTn id="6" dur="1" fill="hold">
-                                          <p:stCondLst>
-                                            <p:cond delay="0"/>
-                                          </p:stCondLst>
-                                        </p:cTn>
-                                        <p:tgtEl>
-                                          <p:spTgt spid="19"/>
-                                        </p:tgtEl>
-                                        <p:attrNameLst>
-                                          <p:attrName>style.visibility</p:attrName>
-                                        </p:attrNameLst>
-                                      </p:cBhvr>
-                                      <p:to>
-                                        <p:strVal val="visible"/>
-                                      </p:to>
-                                    </p:set>
-                                    <p:animEffect transition="in" filter="randombar(horizontal)">
-                                      <p:cBhvr>
-                                        <p:cTn id="7" dur="500"/>
-                                        <p:tgtEl>
-                                          <p:spTgt spid="19"/>
-                                        </p:tgtEl>
-                                      </p:cBhvr>
-                                    </p:animEffect>
-                                  </p:childTnLst>
-                                </p:cTn>
-                              </p:par>
-                              <p:par>
-                                <p:cTn id="8" presetID="14" presetClass="entr" presetSubtype="10" fill="hold" grpId="0" nodeType="withEffect">
-                                  <p:stCondLst>
-                                    <p:cond delay="0"/>
-                                  </p:stCondLst>
-                                  <p:childTnLst>
-                                    <p:set>
-                                      <p:cBhvr>
-                                        <p:cTn id="9" dur="1" fill="hold">
-                                          <p:stCondLst>
-                                            <p:cond delay="0"/>
-                                          </p:stCondLst>
-                                        </p:cTn>
-                                        <p:tgtEl>
-                                          <p:spTgt spid="23"/>
-                                        </p:tgtEl>
-                                        <p:attrNameLst>
-                                          <p:attrName>style.visibility</p:attrName>
-                                        </p:attrNameLst>
-                                      </p:cBhvr>
-                                      <p:to>
-                                        <p:strVal val="visible"/>
-                                      </p:to>
-                                    </p:set>
-                                    <p:animEffect transition="in" filter="randombar(horizontal)">
-                                      <p:cBhvr>
-                                        <p:cTn id="10" dur="500"/>
-                                        <p:tgtEl>
-                                          <p:spTgt spid="23"/>
-                                        </p:tgtEl>
-                                      </p:cBhvr>
-                                    </p:animEffect>
-                                  </p:childTnLst>
-                                </p:cTn>
-                              </p:par>
-                            </p:childTnLst>
-                          </p:cTn>
-                        </p:par>
-                      </p:childTnLst>
-                    </p:cTn>
-                  </p:par>
-                  <p:par>
-                    <p:cTn id="11" fill="hold">
-                      <p:stCondLst>
-                        <p:cond delay="indefinite"/>
-                      </p:stCondLst>
-                      <p:childTnLst>
-                        <p:par>
-                          <p:cTn id="12" fill="hold">
-                            <p:stCondLst>
-                              <p:cond delay="0"/>
-                            </p:stCondLst>
-                            <p:childTnLst>
-                              <p:par>
-                                <p:cTn id="13" presetID="14" presetClass="entr" presetSubtype="10" fill="hold" nodeType="clickEffect">
-                                  <p:stCondLst>
-                                    <p:cond delay="0"/>
-                                  </p:stCondLst>
-                                  <p:childTnLst>
-                                    <p:set>
-                                      <p:cBhvr>
-                                        <p:cTn id="14" dur="1" fill="hold">
-                                          <p:stCondLst>
-                                            <p:cond delay="0"/>
-                                          </p:stCondLst>
-                                        </p:cTn>
-                                        <p:tgtEl>
-                                          <p:spTgt spid="16"/>
-                                        </p:tgtEl>
-                                        <p:attrNameLst>
-                                          <p:attrName>style.visibility</p:attrName>
-                                        </p:attrNameLst>
-                                      </p:cBhvr>
-                                      <p:to>
-                                        <p:strVal val="visible"/>
-                                      </p:to>
-                                    </p:set>
-                                    <p:animEffect transition="in" filter="randombar(horizontal)">
-                                      <p:cBhvr>
-                                        <p:cTn id="15" dur="500"/>
-                                        <p:tgtEl>
-                                          <p:spTgt spid="16"/>
-                                        </p:tgtEl>
-                                      </p:cBhvr>
-                                    </p:animEffect>
-                                  </p:childTnLst>
-                                </p:cTn>
-                              </p:par>
-                              <p:par>
-                                <p:cTn id="16" presetID="14" presetClass="entr" presetSubtype="10" fill="hold" grpId="0" nodeType="withEffect">
-                                  <p:stCondLst>
-                                    <p:cond delay="0"/>
-                                  </p:stCondLst>
-                                  <p:childTnLst>
-                                    <p:set>
-                                      <p:cBhvr>
-                                        <p:cTn id="17" dur="1" fill="hold">
-                                          <p:stCondLst>
-                                            <p:cond delay="0"/>
-                                          </p:stCondLst>
-                                        </p:cTn>
-                                        <p:tgtEl>
-                                          <p:spTgt spid="24"/>
-                                        </p:tgtEl>
-                                        <p:attrNameLst>
-                                          <p:attrName>style.visibility</p:attrName>
-                                        </p:attrNameLst>
-                                      </p:cBhvr>
-                                      <p:to>
-                                        <p:strVal val="visible"/>
-                                      </p:to>
-                                    </p:set>
-                                    <p:animEffect transition="in" filter="randombar(horizontal)">
-                                      <p:cBhvr>
-                                        <p:cTn id="18" dur="500"/>
-                                        <p:tgtEl>
-                                          <p:spTgt spid="24"/>
-                                        </p:tgtEl>
-                                      </p:cBhvr>
-                                    </p:animEffect>
-                                  </p:childTnLst>
-                                </p:cTn>
-                              </p:par>
-                            </p:childTnLst>
-                          </p:cTn>
-                        </p:par>
-                      </p:childTnLst>
-                    </p:cTn>
-                  </p:par>
-                  <p:par>
-                    <p:cTn id="19" fill="hold">
-                      <p:stCondLst>
-                        <p:cond delay="indefinite"/>
-                      </p:stCondLst>
-                      <p:childTnLst>
-                        <p:par>
-                          <p:cTn id="20" fill="hold">
-                            <p:stCondLst>
-                              <p:cond delay="0"/>
-                            </p:stCondLst>
-                            <p:childTnLst>
-                              <p:par>
-                                <p:cTn id="21" presetID="14" presetClass="entr" presetSubtype="10" fill="hold" nodeType="clickEffect">
-                                  <p:stCondLst>
-                                    <p:cond delay="0"/>
-                                  </p:stCondLst>
-                                  <p:childTnLst>
-                                    <p:set>
-                                      <p:cBhvr>
-                                        <p:cTn id="22" dur="1" fill="hold">
-                                          <p:stCondLst>
-                                            <p:cond delay="0"/>
-                                          </p:stCondLst>
-                                        </p:cTn>
-                                        <p:tgtEl>
-                                          <p:spTgt spid="21"/>
-                                        </p:tgtEl>
-                                        <p:attrNameLst>
-                                          <p:attrName>style.visibility</p:attrName>
-                                        </p:attrNameLst>
-                                      </p:cBhvr>
-                                      <p:to>
-                                        <p:strVal val="visible"/>
-                                      </p:to>
-                                    </p:set>
-                                    <p:animEffect transition="in" filter="randombar(horizontal)">
-                                      <p:cBhvr>
-                                        <p:cTn id="23" dur="500"/>
-                                        <p:tgtEl>
-                                          <p:spTgt spid="21"/>
-                                        </p:tgtEl>
-                                      </p:cBhvr>
-                                    </p:animEffect>
-                                  </p:childTnLst>
-                                </p:cTn>
-                              </p:par>
-                              <p:par>
-                                <p:cTn id="24" presetID="14" presetClass="entr" presetSubtype="10" fill="hold" grpId="0" nodeType="withEffect">
-                                  <p:stCondLst>
-                                    <p:cond delay="0"/>
-                                  </p:stCondLst>
-                                  <p:childTnLst>
-                                    <p:set>
-                                      <p:cBhvr>
-                                        <p:cTn id="25" dur="1" fill="hold">
-                                          <p:stCondLst>
-                                            <p:cond delay="0"/>
-                                          </p:stCondLst>
-                                        </p:cTn>
-                                        <p:tgtEl>
-                                          <p:spTgt spid="25"/>
-                                        </p:tgtEl>
-                                        <p:attrNameLst>
-                                          <p:attrName>style.visibility</p:attrName>
-                                        </p:attrNameLst>
-                                      </p:cBhvr>
-                                      <p:to>
-                                        <p:strVal val="visible"/>
-                                      </p:to>
-                                    </p:set>
-                                    <p:animEffect transition="in" filter="randombar(horizontal)">
-                                      <p:cBhvr>
-                                        <p:cTn id="26" dur="500"/>
-                                        <p:tgtEl>
-                                          <p:spTgt spid="25"/>
-                                        </p:tgtEl>
-                                      </p:cBhvr>
-                                    </p:animEffect>
-                                  </p:childTnLst>
-                                </p:cTn>
-                              </p:par>
-                            </p:childTnLst>
-                          </p:cTn>
-                        </p:par>
-                      </p:childTnLst>
-                    </p:cTn>
-                  </p:par>
-                  <p:par>
-                    <p:cTn id="27" fill="hold">
-                      <p:stCondLst>
-                        <p:cond delay="indefinite"/>
-                      </p:stCondLst>
-                      <p:childTnLst>
-                        <p:par>
-                          <p:cTn id="28" fill="hold">
-                            <p:stCondLst>
-                              <p:cond delay="0"/>
-                            </p:stCondLst>
-                            <p:childTnLst>
-                              <p:par>
-                                <p:cTn id="29" presetID="14" presetClass="entr" presetSubtype="10" fill="hold" nodeType="clickEffect">
-                                  <p:stCondLst>
-                                    <p:cond delay="0"/>
-                                  </p:stCondLst>
-                                  <p:childTnLst>
-                                    <p:set>
-                                      <p:cBhvr>
-                                        <p:cTn id="30" dur="1" fill="hold">
-                                          <p:stCondLst>
-                                            <p:cond delay="0"/>
-                                          </p:stCondLst>
-                                        </p:cTn>
-                                        <p:tgtEl>
-                                          <p:spTgt spid="22"/>
-                                        </p:tgtEl>
-                                        <p:attrNameLst>
-                                          <p:attrName>style.visibility</p:attrName>
-                                        </p:attrNameLst>
-                                      </p:cBhvr>
-                                      <p:to>
-                                        <p:strVal val="visible"/>
-                                      </p:to>
-                                    </p:set>
-                                    <p:animEffect transition="in" filter="randombar(horizontal)">
-                                      <p:cBhvr>
-                                        <p:cTn id="31" dur="500"/>
-                                        <p:tgtEl>
-                                          <p:spTgt spid="22"/>
-                                        </p:tgtEl>
-                                      </p:cBhvr>
-                                    </p:animEffect>
-                                  </p:childTnLst>
-                                </p:cTn>
-                              </p:par>
-                              <p:par>
-                                <p:cTn id="32" presetID="14" presetClass="entr" presetSubtype="10" fill="hold" grpId="0" nodeType="withEffect">
-                                  <p:stCondLst>
-                                    <p:cond delay="0"/>
-                                  </p:stCondLst>
-                                  <p:childTnLst>
-                                    <p:set>
-                                      <p:cBhvr>
-                                        <p:cTn id="33" dur="1" fill="hold">
-                                          <p:stCondLst>
-                                            <p:cond delay="0"/>
-                                          </p:stCondLst>
-                                        </p:cTn>
-                                        <p:tgtEl>
-                                          <p:spTgt spid="26"/>
-                                        </p:tgtEl>
-                                        <p:attrNameLst>
-                                          <p:attrName>style.visibility</p:attrName>
-                                        </p:attrNameLst>
-                                      </p:cBhvr>
-                                      <p:to>
-                                        <p:strVal val="visible"/>
-                                      </p:to>
-                                    </p:set>
-                                    <p:animEffect transition="in" filter="randombar(horizontal)">
-                                      <p:cBhvr>
-                                        <p:cTn id="34" dur="500"/>
-                                        <p:tgtEl>
-                                          <p:spTgt spid="26"/>
-                                        </p:tgtEl>
-                                      </p:cBhvr>
-                                    </p:animEffect>
-                                  </p:childTnLst>
-                                </p:cTn>
-                              </p:par>
-                            </p:childTnLst>
-                          </p:cTn>
-                        </p:par>
-                      </p:childTnLst>
-                    </p:cTn>
-                  </p:par>
-                </p:childTnLst>
-              </p:cTn>
-              <p:prevCondLst>
-                <p:cond evt="onPrev" delay="0">
-                  <p:tgtEl>
-                    <p:sldTgt/>
-                  </p:tgtEl>
-                </p:cond>
-              </p:prevCondLst>
-              <p:nextCondLst>
-                <p:cond evt="onNext" delay="0">
-                  <p:tgtEl>
-                    <p:sldTgt/>
-                  </p:tgtEl>
-                </p:cond>
-              </p:nextCondLst>
-            </p:seq>
-          </p:childTnLst>
-        </p:cTn>
-      </p:par>
-    </p:tnLst>
-    <p:bldLst>
-      <p:bldP spid="23" grpId="0"/>
-      <p:bldP spid="24" grpId="0"/>
-      <p:bldP spid="25" grpId="0"/>
-      <p:bldP spid="26" grpId="0"/>
-    </p:bldLst>
-  </p:timing>
-</p:sld>
-</file>
-
-<file path=ppt/slides/slide12.xml><?xml version="1.0" encoding="utf-8"?>
-<p:sld xmlns:a="http://schemas.openxmlformats.org/drawingml/2006/main" xmlns:r="http://schemas.openxmlformats.org/officeDocument/2006/relationships" xmlns:p="http://schemas.openxmlformats.org/presentationml/2006/main">
-  <p:cSld>
-    <p:spTree>
-      <p:nvGrpSpPr>
-        <p:cNvPr id="1" name=""/>
-        <p:cNvGrpSpPr/>
-        <p:nvPr/>
-      </p:nvGrpSpPr>
-      <p:grpSpPr>
-        <a:xfrm>
-          <a:off x="0" y="0"/>
-          <a:ext cx="0" cy="0"/>
-          <a:chOff x="0" y="0"/>
-          <a:chExt cx="0" cy="0"/>
-        </a:xfrm>
-      </p:grpSpPr>
-      <p:sp>
-        <p:nvSpPr>
-          <p:cNvPr id="2" name="Title 1"/>
-          <p:cNvSpPr>
-            <a:spLocks noGrp="1"/>
-          </p:cNvSpPr>
-          <p:nvPr>
-            <p:ph type="title"/>
-          </p:nvPr>
-        </p:nvSpPr>
-        <p:spPr>
-          <a:xfrm>
-            <a:off x="1797666" y="2515710"/>
-            <a:ext cx="8596668" cy="1826581"/>
-          </a:xfrm>
-        </p:spPr>
-        <p:txBody>
-          <a:bodyPr>
-            <a:normAutofit fontScale="90000"/>
-          </a:bodyPr>
-          <a:lstStyle/>
-          <a:p>
-            <a:pPr algn="ctr"/>
-            <a:r>
-              <a:rPr lang="en-US" dirty="0" smtClean="0">
-                <a:latin typeface="Arial" panose="020B0604020202020204" pitchFamily="34" charset="0"/>
-                <a:cs typeface="Arial" panose="020B0604020202020204" pitchFamily="34" charset="0"/>
-              </a:rPr>
-              <a:t>THANK YOU FOR YOUR ATTENTION!</a:t>
-            </a:r>
-            <a:br>
-              <a:rPr lang="en-US" dirty="0" smtClean="0">
-                <a:latin typeface="Arial" panose="020B0604020202020204" pitchFamily="34" charset="0"/>
-                <a:cs typeface="Arial" panose="020B0604020202020204" pitchFamily="34" charset="0"/>
-              </a:rPr>
-            </a:br>
-            <a:r>
-              <a:rPr lang="en-US" dirty="0">
-                <a:latin typeface="Arial" panose="020B0604020202020204" pitchFamily="34" charset="0"/>
-                <a:cs typeface="Arial" panose="020B0604020202020204" pitchFamily="34" charset="0"/>
-              </a:rPr>
-              <a:t/>
-            </a:r>
-            <a:br>
-              <a:rPr lang="en-US" dirty="0">
-                <a:latin typeface="Arial" panose="020B0604020202020204" pitchFamily="34" charset="0"/>
-                <a:cs typeface="Arial" panose="020B0604020202020204" pitchFamily="34" charset="0"/>
-              </a:rPr>
-            </a:br>
-            <a:r>
-              <a:rPr lang="en-US" dirty="0" smtClean="0">
-                <a:latin typeface="Arial" panose="020B0604020202020204" pitchFamily="34" charset="0"/>
-                <a:cs typeface="Arial" panose="020B0604020202020204" pitchFamily="34" charset="0"/>
-              </a:rPr>
-              <a:t>Q &amp; A</a:t>
-            </a:r>
-            <a:endParaRPr lang="en-US" dirty="0">
-              <a:latin typeface="Arial" panose="020B0604020202020204" pitchFamily="34" charset="0"/>
-              <a:cs typeface="Arial" panose="020B0604020202020204" pitchFamily="34" charset="0"/>
-            </a:endParaRPr>
-          </a:p>
-        </p:txBody>
-      </p:sp>
-    </p:spTree>
-    <p:extLst>
-      <p:ext uri="{BB962C8B-B14F-4D97-AF65-F5344CB8AC3E}">
-        <p14:creationId xmlns:p14="http://schemas.microsoft.com/office/powerpoint/2010/main" val="922763171"/>
-      </p:ext>
-    </p:extLst>
-  </p:cSld>
-  <p:clrMapOvr>
-    <a:masterClrMapping/>
-  </p:clrMapOvr>
-  <p:transition spd="slow">
-    <p:randomBar dir="vert"/>
-  </p:transition>
-  <p:timing>
-    <p:tnLst>
-      <p:par>
-        <p:cTn id="1" dur="indefinite" restart="never" nodeType="tmRoot"/>
-      </p:par>
-    </p:tnLst>
-  </p:timing>
-</p:sld>
-</file>
-
-<file path=ppt/slides/slide2.xml><?xml version="1.0" encoding="utf-8"?>
-<p:sld xmlns:a="http://schemas.openxmlformats.org/drawingml/2006/main" xmlns:r="http://schemas.openxmlformats.org/officeDocument/2006/relationships" xmlns:p="http://schemas.openxmlformats.org/presentationml/2006/main">
-  <p:cSld>
-    <p:spTree>
-      <p:nvGrpSpPr>
-        <p:cNvPr id="1" name=""/>
-        <p:cNvGrpSpPr/>
-        <p:nvPr/>
-      </p:nvGrpSpPr>
-      <p:grpSpPr>
-        <a:xfrm>
-          <a:off x="0" y="0"/>
-          <a:ext cx="0" cy="0"/>
-          <a:chOff x="0" y="0"/>
-          <a:chExt cx="0" cy="0"/>
-        </a:xfrm>
-      </p:grpSpPr>
-      <p:sp>
-        <p:nvSpPr>
-          <p:cNvPr id="2" name="Title 1"/>
-          <p:cNvSpPr>
-            <a:spLocks noGrp="1"/>
-          </p:cNvSpPr>
-          <p:nvPr>
-            <p:ph type="title"/>
-          </p:nvPr>
-        </p:nvSpPr>
-        <p:spPr/>
-        <p:txBody>
-          <a:bodyPr/>
-          <a:lstStyle/>
-          <a:p>
-            <a:r>
-              <a:rPr lang="en-US" dirty="0" smtClean="0"/>
-              <a:t>Team member</a:t>
-            </a:r>
-            <a:endParaRPr lang="en-US" dirty="0"/>
-          </a:p>
-        </p:txBody>
-      </p:sp>
-      <p:graphicFrame>
-        <p:nvGraphicFramePr>
-          <p:cNvPr id="4" name="Content Placeholder 3"/>
-          <p:cNvGraphicFramePr>
-            <a:graphicFrameLocks noGrp="1"/>
-          </p:cNvGraphicFramePr>
-          <p:nvPr>
-            <p:ph idx="1"/>
-            <p:extLst>
-              <p:ext uri="{D42A27DB-BD31-4B8C-83A1-F6EECF244321}">
-                <p14:modId xmlns:p14="http://schemas.microsoft.com/office/powerpoint/2010/main" val="2509856044"/>
-              </p:ext>
-            </p:extLst>
-          </p:nvPr>
-        </p:nvGraphicFramePr>
-        <p:xfrm>
-          <a:off x="677863" y="2160588"/>
-          <a:ext cx="8596312" cy="3881437"/>
-        </p:xfrm>
-        <a:graphic>
-          <a:graphicData uri="http://schemas.openxmlformats.org/drawingml/2006/diagram">
-            <dgm:relIds xmlns:dgm="http://schemas.openxmlformats.org/drawingml/2006/diagram" xmlns:r="http://schemas.openxmlformats.org/officeDocument/2006/relationships" r:dm="rId2" r:lo="rId3" r:qs="rId4" r:cs="rId5"/>
-          </a:graphicData>
-        </a:graphic>
-      </p:graphicFrame>
-    </p:spTree>
-    <p:extLst>
-      <p:ext uri="{BB962C8B-B14F-4D97-AF65-F5344CB8AC3E}">
-        <p14:creationId xmlns:p14="http://schemas.microsoft.com/office/powerpoint/2010/main" val="2871386238"/>
-      </p:ext>
-    </p:extLst>
-  </p:cSld>
-  <p:clrMapOvr>
-    <a:masterClrMapping/>
-  </p:clrMapOvr>
-  <mc:AlternateContent xmlns:mc="http://schemas.openxmlformats.org/markup-compatibility/2006">
-    <mc:Choice xmlns:p14="http://schemas.microsoft.com/office/powerpoint/2010/main" Requires="p14">
-      <p:transition spd="med" p14:dur="700">
-        <p:fade/>
-      </p:transition>
-    </mc:Choice>
-    <mc:Fallback>
-      <p:transition spd="med">
-        <p:fade/>
-      </p:transition>
-    </mc:Fallback>
-  </mc:AlternateContent>
-  <p:timing>
-    <p:tnLst>
-      <p:par>
-        <p:cTn id="1" dur="indefinite" restart="never" nodeType="tmRoot"/>
-      </p:par>
-    </p:tnLst>
-  </p:timing>
-</p:sld>
-</file>
-
-<file path=ppt/slides/slide3.xml><?xml version="1.0" encoding="utf-8"?>
-<p:sld xmlns:a="http://schemas.openxmlformats.org/drawingml/2006/main" xmlns:r="http://schemas.openxmlformats.org/officeDocument/2006/relationships" xmlns:p="http://schemas.openxmlformats.org/presentationml/2006/main">
-  <p:cSld>
-    <p:spTree>
-      <p:nvGrpSpPr>
-        <p:cNvPr id="1" name=""/>
-        <p:cNvGrpSpPr/>
-        <p:nvPr/>
-      </p:nvGrpSpPr>
-      <p:grpSpPr>
-        <a:xfrm>
-          <a:off x="0" y="0"/>
-          <a:ext cx="0" cy="0"/>
-          <a:chOff x="0" y="0"/>
-          <a:chExt cx="0" cy="0"/>
-        </a:xfrm>
-      </p:grpSpPr>
-      <p:sp>
-        <p:nvSpPr>
-          <p:cNvPr id="2" name="Title 1"/>
-          <p:cNvSpPr>
-            <a:spLocks noGrp="1"/>
-          </p:cNvSpPr>
-          <p:nvPr>
-            <p:ph type="title"/>
-          </p:nvPr>
-        </p:nvSpPr>
-        <p:spPr/>
-        <p:txBody>
-          <a:bodyPr/>
-          <a:lstStyle/>
-          <a:p>
-            <a:r>
-              <a:rPr lang="en-US" dirty="0" smtClean="0"/>
-              <a:t>Outline</a:t>
-            </a:r>
-            <a:endParaRPr lang="en-US" dirty="0"/>
-          </a:p>
-        </p:txBody>
-      </p:sp>
-      <p:graphicFrame>
-        <p:nvGraphicFramePr>
-          <p:cNvPr id="4" name="Content Placeholder 3"/>
-          <p:cNvGraphicFramePr>
-            <a:graphicFrameLocks noGrp="1"/>
-          </p:cNvGraphicFramePr>
-          <p:nvPr>
-            <p:ph idx="1"/>
-            <p:extLst>
-              <p:ext uri="{D42A27DB-BD31-4B8C-83A1-F6EECF244321}">
-                <p14:modId xmlns:p14="http://schemas.microsoft.com/office/powerpoint/2010/main" val="1045237627"/>
-              </p:ext>
-            </p:extLst>
-          </p:nvPr>
-        </p:nvGraphicFramePr>
-        <p:xfrm>
-          <a:off x="677863" y="2160588"/>
-          <a:ext cx="8596312" cy="3881437"/>
-        </p:xfrm>
-        <a:graphic>
-          <a:graphicData uri="http://schemas.openxmlformats.org/drawingml/2006/diagram">
-            <dgm:relIds xmlns:dgm="http://schemas.openxmlformats.org/drawingml/2006/diagram" xmlns:r="http://schemas.openxmlformats.org/officeDocument/2006/relationships" r:dm="rId2" r:lo="rId3" r:qs="rId4" r:cs="rId5"/>
-          </a:graphicData>
-        </a:graphic>
-      </p:graphicFrame>
-    </p:spTree>
-    <p:extLst>
-      <p:ext uri="{BB962C8B-B14F-4D97-AF65-F5344CB8AC3E}">
-        <p14:creationId xmlns:p14="http://schemas.microsoft.com/office/powerpoint/2010/main" val="2625314424"/>
-      </p:ext>
-    </p:extLst>
-  </p:cSld>
-  <p:clrMapOvr>
-    <a:masterClrMapping/>
-  </p:clrMapOvr>
-  <p:transition spd="slow">
-    <p:push dir="u"/>
-  </p:transition>
-  <p:timing>
-    <p:tnLst>
-      <p:par>
-        <p:cTn id="1" dur="indefinite" restart="never" nodeType="tmRoot"/>
-      </p:par>
-    </p:tnLst>
-  </p:timing>
-</p:sld>
-</file>
-
-<file path=ppt/slides/slide4.xml><?xml version="1.0" encoding="utf-8"?>
-<p:sld xmlns:a="http://schemas.openxmlformats.org/drawingml/2006/main" xmlns:r="http://schemas.openxmlformats.org/officeDocument/2006/relationships" xmlns:p="http://schemas.openxmlformats.org/presentationml/2006/main">
-  <p:cSld>
-    <p:spTree>
-      <p:nvGrpSpPr>
-        <p:cNvPr id="1" name=""/>
-        <p:cNvGrpSpPr/>
-        <p:nvPr/>
-      </p:nvGrpSpPr>
-      <p:grpSpPr>
-        <a:xfrm>
-          <a:off x="0" y="0"/>
-          <a:ext cx="0" cy="0"/>
-          <a:chOff x="0" y="0"/>
-          <a:chExt cx="0" cy="0"/>
-        </a:xfrm>
-      </p:grpSpPr>
-      <p:sp>
-        <p:nvSpPr>
-          <p:cNvPr id="2" name="Title 1"/>
-          <p:cNvSpPr>
-            <a:spLocks noGrp="1"/>
-          </p:cNvSpPr>
-          <p:nvPr>
-            <p:ph type="title"/>
-          </p:nvPr>
-        </p:nvSpPr>
-        <p:spPr/>
-        <p:txBody>
-          <a:bodyPr/>
-          <a:lstStyle/>
-          <a:p>
-            <a:r>
-              <a:rPr lang="en-US" dirty="0" smtClean="0"/>
-              <a:t>Scenario Problem</a:t>
-            </a:r>
-            <a:endParaRPr lang="en-US" dirty="0"/>
-          </a:p>
-        </p:txBody>
-      </p:sp>
-      <p:sp>
-        <p:nvSpPr>
-          <p:cNvPr id="3" name="Content Placeholder 2"/>
-          <p:cNvSpPr>
-            <a:spLocks noGrp="1"/>
-          </p:cNvSpPr>
-          <p:nvPr>
-            <p:ph idx="1"/>
-          </p:nvPr>
-        </p:nvSpPr>
-        <p:spPr/>
-        <p:txBody>
-          <a:bodyPr/>
-          <a:lstStyle/>
-          <a:p>
-            <a:r>
-              <a:rPr lang="en-US" dirty="0" smtClean="0"/>
-              <a:t>Everyday, People go to the market to buy food for their daily meals.</a:t>
-            </a:r>
-          </a:p>
-          <a:p>
-            <a:r>
-              <a:rPr lang="en-US" dirty="0"/>
-              <a:t>Together with the growing use of smart phone today, we should find a </a:t>
-            </a:r>
-            <a:r>
-              <a:rPr lang="en-US" dirty="0" smtClean="0"/>
-              <a:t>smarter way to do our daily jobs, such as shopping.</a:t>
-            </a:r>
-          </a:p>
-          <a:p>
-            <a:r>
-              <a:rPr lang="en-US" dirty="0" smtClean="0"/>
-              <a:t>Their buying habits:</a:t>
-            </a:r>
-          </a:p>
-          <a:p>
-            <a:pPr lvl="1"/>
-            <a:r>
-              <a:rPr lang="en-US" dirty="0" smtClean="0"/>
-              <a:t>At familiar market.</a:t>
-            </a:r>
-          </a:p>
-          <a:p>
-            <a:pPr lvl="1"/>
-            <a:r>
-              <a:rPr lang="en-US" dirty="0" smtClean="0"/>
-              <a:t>At the nearest market.</a:t>
-            </a:r>
-          </a:p>
-          <a:p>
-            <a:pPr lvl="1"/>
-            <a:r>
-              <a:rPr lang="en-US" dirty="0" smtClean="0"/>
-              <a:t>At random market.</a:t>
-            </a:r>
-            <a:endParaRPr lang="en-US" dirty="0"/>
-          </a:p>
-        </p:txBody>
-      </p:sp>
-    </p:spTree>
-    <p:extLst>
-      <p:ext uri="{BB962C8B-B14F-4D97-AF65-F5344CB8AC3E}">
-        <p14:creationId xmlns:p14="http://schemas.microsoft.com/office/powerpoint/2010/main" val="472214397"/>
-      </p:ext>
-    </p:extLst>
-  </p:cSld>
-  <p:clrMapOvr>
-    <a:masterClrMapping/>
-  </p:clrMapOvr>
-  <p:timing>
-    <p:tnLst>
-      <p:par>
-        <p:cTn id="1" dur="indefinite" restart="never" nodeType="tmRoot"/>
-      </p:par>
-    </p:tnLst>
-  </p:timing>
-</p:sld>
-</file>
-
-<file path=ppt/slides/slide5.xml><?xml version="1.0" encoding="utf-8"?>
-<p:sld xmlns:a="http://schemas.openxmlformats.org/drawingml/2006/main" xmlns:r="http://schemas.openxmlformats.org/officeDocument/2006/relationships" xmlns:p="http://schemas.openxmlformats.org/presentationml/2006/main">
-  <p:cSld>
-    <p:spTree>
-      <p:nvGrpSpPr>
-        <p:cNvPr id="1" name=""/>
-        <p:cNvGrpSpPr/>
-        <p:nvPr/>
-      </p:nvGrpSpPr>
-      <p:grpSpPr>
-        <a:xfrm>
-          <a:off x="0" y="0"/>
-          <a:ext cx="0" cy="0"/>
-          <a:chOff x="0" y="0"/>
-          <a:chExt cx="0" cy="0"/>
-        </a:xfrm>
-      </p:grpSpPr>
-      <p:sp>
-        <p:nvSpPr>
-          <p:cNvPr id="2" name="Title 1"/>
-          <p:cNvSpPr>
-            <a:spLocks noGrp="1"/>
-          </p:cNvSpPr>
-          <p:nvPr>
-            <p:ph type="title"/>
-          </p:nvPr>
-        </p:nvSpPr>
-        <p:spPr/>
-        <p:txBody>
-          <a:bodyPr/>
-          <a:lstStyle/>
-          <a:p>
-            <a:r>
-              <a:rPr lang="en-US" dirty="0" smtClean="0"/>
-              <a:t>Advantages and Disadvantages of current habits</a:t>
-            </a:r>
-            <a:endParaRPr lang="en-US" dirty="0"/>
-          </a:p>
-        </p:txBody>
-      </p:sp>
-      <p:sp>
-        <p:nvSpPr>
-          <p:cNvPr id="3" name="Content Placeholder 2"/>
-          <p:cNvSpPr>
-            <a:spLocks noGrp="1"/>
-          </p:cNvSpPr>
-          <p:nvPr>
-            <p:ph idx="1"/>
-          </p:nvPr>
-        </p:nvSpPr>
-        <p:spPr/>
-        <p:txBody>
-          <a:bodyPr/>
-          <a:lstStyle/>
-          <a:p>
-            <a:r>
-              <a:rPr lang="en-US" dirty="0" smtClean="0"/>
-              <a:t>At familiar market:</a:t>
-            </a:r>
-          </a:p>
-          <a:p>
-            <a:pPr lvl="1"/>
-            <a:r>
-              <a:rPr lang="en-US" dirty="0" smtClean="0"/>
-              <a:t>Advantages: familiar with many things, trusted quality.</a:t>
-            </a:r>
-          </a:p>
-          <a:p>
-            <a:pPr lvl="1"/>
-            <a:r>
-              <a:rPr lang="en-US" dirty="0" smtClean="0"/>
-              <a:t>Disadvantages: can’t explore new things at new markets, not sure if the price is appropriate.</a:t>
-            </a:r>
-          </a:p>
-          <a:p>
-            <a:r>
-              <a:rPr lang="en-US" dirty="0" smtClean="0"/>
-              <a:t>At the nearest market:</a:t>
-            </a:r>
-          </a:p>
-          <a:p>
-            <a:pPr lvl="1"/>
-            <a:r>
-              <a:rPr lang="en-US" dirty="0" smtClean="0"/>
-              <a:t>Advantages: save travelling time and effort.</a:t>
-            </a:r>
-          </a:p>
-          <a:p>
-            <a:pPr lvl="1"/>
-            <a:r>
-              <a:rPr lang="en-US" dirty="0" smtClean="0"/>
-              <a:t>Disadvantages: price can be high, quality cannot be trusted.</a:t>
-            </a:r>
-          </a:p>
-          <a:p>
-            <a:r>
-              <a:rPr lang="en-US" dirty="0" smtClean="0"/>
-              <a:t>At random market:</a:t>
-            </a:r>
-          </a:p>
-          <a:p>
-            <a:pPr lvl="1"/>
-            <a:r>
-              <a:rPr lang="en-US" dirty="0" smtClean="0"/>
-              <a:t>Advantages: have the latest information of many markets.</a:t>
-            </a:r>
-          </a:p>
-          <a:p>
-            <a:pPr lvl="1"/>
-            <a:r>
-              <a:rPr lang="en-US" dirty="0" smtClean="0"/>
-              <a:t>Disadvantages: price can be high, quality cannot be trusted.</a:t>
-            </a:r>
-            <a:endParaRPr lang="en-US" dirty="0"/>
-          </a:p>
-        </p:txBody>
-      </p:sp>
-    </p:spTree>
-    <p:extLst>
-      <p:ext uri="{BB962C8B-B14F-4D97-AF65-F5344CB8AC3E}">
-        <p14:creationId xmlns:p14="http://schemas.microsoft.com/office/powerpoint/2010/main" val="3155372484"/>
-      </p:ext>
-    </p:extLst>
-  </p:cSld>
-  <p:clrMapOvr>
-    <a:masterClrMapping/>
-  </p:clrMapOvr>
-  <p:timing>
-    <p:tnLst>
-      <p:par>
-        <p:cTn id="1" dur="indefinite" restart="never" nodeType="tmRoot"/>
-      </p:par>
-    </p:tnLst>
-  </p:timing>
-</p:sld>
-</file>
-
-<file path=ppt/slides/slide6.xml><?xml version="1.0" encoding="utf-8"?>
-<p:sld xmlns:a="http://schemas.openxmlformats.org/drawingml/2006/main" xmlns:r="http://schemas.openxmlformats.org/officeDocument/2006/relationships" xmlns:p="http://schemas.openxmlformats.org/presentationml/2006/main">
-  <p:cSld>
-    <p:spTree>
-      <p:nvGrpSpPr>
-        <p:cNvPr id="1" name=""/>
-        <p:cNvGrpSpPr/>
-        <p:nvPr/>
-      </p:nvGrpSpPr>
-      <p:grpSpPr>
-        <a:xfrm>
-          <a:off x="0" y="0"/>
-          <a:ext cx="0" cy="0"/>
-          <a:chOff x="0" y="0"/>
-          <a:chExt cx="0" cy="0"/>
-        </a:xfrm>
-      </p:grpSpPr>
-      <p:sp>
-        <p:nvSpPr>
-          <p:cNvPr id="2" name="Title 1"/>
-          <p:cNvSpPr>
-            <a:spLocks noGrp="1"/>
-          </p:cNvSpPr>
-          <p:nvPr>
-            <p:ph type="title"/>
-          </p:nvPr>
-        </p:nvSpPr>
-        <p:spPr>
-          <a:xfrm>
-            <a:off x="677334" y="609600"/>
             <a:ext cx="8596668" cy="588135"/>
           </a:xfrm>
         </p:spPr>
@@ -18666,7 +18849,7 @@
       </p:sp>
       <p:pic>
         <p:nvPicPr>
-          <p:cNvPr id="5" name="Picture 4"/>
+          <p:cNvPr id="6" name="Picture 5"/>
           <p:cNvPicPr>
             <a:picLocks noChangeAspect="1"/>
           </p:cNvPicPr>
@@ -18674,36 +18857,6 @@
         </p:nvPicPr>
         <p:blipFill>
           <a:blip r:embed="rId2">
-            <a:extLst>
-              <a:ext uri="{28A0092B-C50C-407E-A947-70E740481C1C}">
-                <a14:useLocalDpi xmlns:a14="http://schemas.microsoft.com/office/drawing/2010/main" val="0"/>
-              </a:ext>
-            </a:extLst>
-          </a:blip>
-          <a:stretch>
-            <a:fillRect/>
-          </a:stretch>
-        </p:blipFill>
-        <p:spPr>
-          <a:xfrm>
-            <a:off x="677334" y="1573011"/>
-            <a:ext cx="914400" cy="914400"/>
-          </a:xfrm>
-          <a:prstGeom prst="rect">
-            <a:avLst/>
-          </a:prstGeom>
-        </p:spPr>
-      </p:pic>
-      <p:pic>
-        <p:nvPicPr>
-          <p:cNvPr id="6" name="Picture 5"/>
-          <p:cNvPicPr>
-            <a:picLocks noChangeAspect="1"/>
-          </p:cNvPicPr>
-          <p:nvPr/>
-        </p:nvPicPr>
-        <p:blipFill>
-          <a:blip r:embed="rId3">
             <a:extLst>
               <a:ext uri="{28A0092B-C50C-407E-A947-70E740481C1C}">
                 <a14:useLocalDpi xmlns:a14="http://schemas.microsoft.com/office/drawing/2010/main" val="0"/>
@@ -18733,7 +18886,7 @@
           <p:nvPr/>
         </p:nvPicPr>
         <p:blipFill>
-          <a:blip r:embed="rId4" cstate="print">
+          <a:blip r:embed="rId3" cstate="print">
             <a:extLst>
               <a:ext uri="{28A0092B-C50C-407E-A947-70E740481C1C}">
                 <a14:useLocalDpi xmlns:a14="http://schemas.microsoft.com/office/drawing/2010/main" val="0"/>
@@ -18763,7 +18916,7 @@
           <p:nvPr/>
         </p:nvPicPr>
         <p:blipFill>
-          <a:blip r:embed="rId5" cstate="print">
+          <a:blip r:embed="rId4" cstate="print">
             <a:extLst>
               <a:ext uri="{28A0092B-C50C-407E-A947-70E740481C1C}">
                 <a14:useLocalDpi xmlns:a14="http://schemas.microsoft.com/office/drawing/2010/main" val="0"/>
@@ -18793,7 +18946,7 @@
           <p:nvPr/>
         </p:nvPicPr>
         <p:blipFill>
-          <a:blip r:embed="rId6" cstate="print">
+          <a:blip r:embed="rId5" cstate="print">
             <a:extLst>
               <a:ext uri="{28A0092B-C50C-407E-A947-70E740481C1C}">
                 <a14:useLocalDpi xmlns:a14="http://schemas.microsoft.com/office/drawing/2010/main" val="0"/>
@@ -18823,7 +18976,7 @@
           <p:nvPr/>
         </p:nvPicPr>
         <p:blipFill>
-          <a:blip r:embed="rId7" cstate="print">
+          <a:blip r:embed="rId6" cstate="print">
             <a:extLst>
               <a:ext uri="{28A0092B-C50C-407E-A947-70E740481C1C}">
                 <a14:useLocalDpi xmlns:a14="http://schemas.microsoft.com/office/drawing/2010/main" val="0"/>
@@ -18846,7 +18999,37 @@
       </p:pic>
       <p:pic>
         <p:nvPicPr>
-          <p:cNvPr id="12" name="Picture 11"/>
+          <p:cNvPr id="13" name="Picture 12"/>
+          <p:cNvPicPr>
+            <a:picLocks noChangeAspect="1"/>
+          </p:cNvPicPr>
+          <p:nvPr/>
+        </p:nvPicPr>
+        <p:blipFill>
+          <a:blip r:embed="rId7" cstate="print">
+            <a:extLst>
+              <a:ext uri="{28A0092B-C50C-407E-A947-70E740481C1C}">
+                <a14:useLocalDpi xmlns:a14="http://schemas.microsoft.com/office/drawing/2010/main" val="0"/>
+              </a:ext>
+            </a:extLst>
+          </a:blip>
+          <a:stretch>
+            <a:fillRect/>
+          </a:stretch>
+        </p:blipFill>
+        <p:spPr>
+          <a:xfrm>
+            <a:off x="3361386" y="5365995"/>
+            <a:ext cx="914400" cy="914400"/>
+          </a:xfrm>
+          <a:prstGeom prst="rect">
+            <a:avLst/>
+          </a:prstGeom>
+        </p:spPr>
+      </p:pic>
+      <p:pic>
+        <p:nvPicPr>
+          <p:cNvPr id="14" name="Picture 13"/>
           <p:cNvPicPr>
             <a:picLocks noChangeAspect="1"/>
           </p:cNvPicPr>
@@ -18866,67 +19049,7 @@
         </p:blipFill>
         <p:spPr>
           <a:xfrm>
-            <a:off x="677334" y="5735327"/>
-            <a:ext cx="914400" cy="914400"/>
-          </a:xfrm>
-          <a:prstGeom prst="rect">
-            <a:avLst/>
-          </a:prstGeom>
-        </p:spPr>
-      </p:pic>
-      <p:pic>
-        <p:nvPicPr>
-          <p:cNvPr id="13" name="Picture 12"/>
-          <p:cNvPicPr>
-            <a:picLocks noChangeAspect="1"/>
-          </p:cNvPicPr>
-          <p:nvPr/>
-        </p:nvPicPr>
-        <p:blipFill>
-          <a:blip r:embed="rId9" cstate="print">
-            <a:extLst>
-              <a:ext uri="{28A0092B-C50C-407E-A947-70E740481C1C}">
-                <a14:useLocalDpi xmlns:a14="http://schemas.microsoft.com/office/drawing/2010/main" val="0"/>
-              </a:ext>
-            </a:extLst>
-          </a:blip>
-          <a:stretch>
-            <a:fillRect/>
-          </a:stretch>
-        </p:blipFill>
-        <p:spPr>
-          <a:xfrm>
-            <a:off x="3361386" y="5735327"/>
-            <a:ext cx="914400" cy="914400"/>
-          </a:xfrm>
-          <a:prstGeom prst="rect">
-            <a:avLst/>
-          </a:prstGeom>
-        </p:spPr>
-      </p:pic>
-      <p:pic>
-        <p:nvPicPr>
-          <p:cNvPr id="14" name="Picture 13"/>
-          <p:cNvPicPr>
-            <a:picLocks noChangeAspect="1"/>
-          </p:cNvPicPr>
-          <p:nvPr/>
-        </p:nvPicPr>
-        <p:blipFill>
-          <a:blip r:embed="rId10" cstate="print">
-            <a:extLst>
-              <a:ext uri="{28A0092B-C50C-407E-A947-70E740481C1C}">
-                <a14:useLocalDpi xmlns:a14="http://schemas.microsoft.com/office/drawing/2010/main" val="0"/>
-              </a:ext>
-            </a:extLst>
-          </a:blip>
-          <a:stretch>
-            <a:fillRect/>
-          </a:stretch>
-        </p:blipFill>
-        <p:spPr>
-          <a:xfrm>
-            <a:off x="6569656" y="5735327"/>
+            <a:off x="6569656" y="5387461"/>
             <a:ext cx="914400" cy="914400"/>
           </a:xfrm>
           <a:prstGeom prst="rect">
@@ -19193,8 +19316,8 @@
         </p:nvCxnSpPr>
         <p:spPr>
           <a:xfrm>
-            <a:off x="1591734" y="6192527"/>
-            <a:ext cx="1769652" cy="0"/>
+            <a:off x="1605805" y="5823195"/>
+            <a:ext cx="1755581" cy="0"/>
           </a:xfrm>
           <a:prstGeom prst="straightConnector1">
             <a:avLst/>
@@ -19223,13 +19346,14 @@
           <p:cNvPr id="32" name="Straight Arrow Connector 31"/>
           <p:cNvCxnSpPr>
             <a:stCxn id="13" idx="0"/>
+            <a:endCxn id="46" idx="2"/>
           </p:cNvCxnSpPr>
           <p:nvPr/>
         </p:nvCxnSpPr>
         <p:spPr>
           <a:xfrm flipV="1">
-            <a:off x="3818586" y="4223197"/>
-            <a:ext cx="0" cy="1512130"/>
+            <a:off x="3818586" y="4190718"/>
+            <a:ext cx="0" cy="1175277"/>
           </a:xfrm>
           <a:prstGeom prst="straightConnector1">
             <a:avLst/>
@@ -19265,7 +19389,7 @@
         <p:spPr>
           <a:xfrm>
             <a:off x="7026856" y="4223197"/>
-            <a:ext cx="0" cy="1512130"/>
+            <a:ext cx="0" cy="1164264"/>
           </a:xfrm>
           <a:prstGeom prst="straightConnector1">
             <a:avLst/>
@@ -19598,7 +19722,7 @@
           <p:nvPr/>
         </p:nvPicPr>
         <p:blipFill>
-          <a:blip r:embed="rId11" cstate="print">
+          <a:blip r:embed="rId9" cstate="print">
             <a:extLst>
               <a:ext uri="{28A0092B-C50C-407E-A947-70E740481C1C}">
                 <a14:useLocalDpi xmlns:a14="http://schemas.microsoft.com/office/drawing/2010/main" val="0"/>
@@ -19628,7 +19752,7 @@
           <p:nvPr/>
         </p:nvPicPr>
         <p:blipFill>
-          <a:blip r:embed="rId12" cstate="print">
+          <a:blip r:embed="rId10" cstate="print">
             <a:extLst>
               <a:ext uri="{28A0092B-C50C-407E-A947-70E740481C1C}">
                 <a14:useLocalDpi xmlns:a14="http://schemas.microsoft.com/office/drawing/2010/main" val="0"/>
@@ -19658,7 +19782,7 @@
           <p:nvPr/>
         </p:nvPicPr>
         <p:blipFill>
-          <a:blip r:embed="rId13" cstate="print">
+          <a:blip r:embed="rId11" cstate="print">
             <a:extLst>
               <a:ext uri="{28A0092B-C50C-407E-A947-70E740481C1C}">
                 <a14:useLocalDpi xmlns:a14="http://schemas.microsoft.com/office/drawing/2010/main" val="0"/>
@@ -19688,7 +19812,7 @@
           <p:nvPr/>
         </p:nvPicPr>
         <p:blipFill>
-          <a:blip r:embed="rId14" cstate="print">
+          <a:blip r:embed="rId12" cstate="print">
             <a:extLst>
               <a:ext uri="{28A0092B-C50C-407E-A947-70E740481C1C}">
                 <a14:useLocalDpi xmlns:a14="http://schemas.microsoft.com/office/drawing/2010/main" val="0"/>
@@ -19718,7 +19842,7 @@
           <p:nvPr/>
         </p:nvPicPr>
         <p:blipFill>
-          <a:blip r:embed="rId15" cstate="print">
+          <a:blip r:embed="rId13" cstate="print">
             <a:extLst>
               <a:ext uri="{28A0092B-C50C-407E-A947-70E740481C1C}">
                 <a14:useLocalDpi xmlns:a14="http://schemas.microsoft.com/office/drawing/2010/main" val="0"/>
@@ -19748,7 +19872,7 @@
           <p:nvPr/>
         </p:nvPicPr>
         <p:blipFill>
-          <a:blip r:embed="rId15" cstate="print">
+          <a:blip r:embed="rId13" cstate="print">
             <a:extLst>
               <a:ext uri="{28A0092B-C50C-407E-A947-70E740481C1C}">
                 <a14:useLocalDpi xmlns:a14="http://schemas.microsoft.com/office/drawing/2010/main" val="0"/>
@@ -19778,7 +19902,7 @@
           <p:nvPr/>
         </p:nvPicPr>
         <p:blipFill>
-          <a:blip r:embed="rId13" cstate="print">
+          <a:blip r:embed="rId11" cstate="print">
             <a:extLst>
               <a:ext uri="{28A0092B-C50C-407E-A947-70E740481C1C}">
                 <a14:useLocalDpi xmlns:a14="http://schemas.microsoft.com/office/drawing/2010/main" val="0"/>
@@ -19808,7 +19932,7 @@
           <p:nvPr/>
         </p:nvPicPr>
         <p:blipFill>
-          <a:blip r:embed="rId16" cstate="print">
+          <a:blip r:embed="rId14" cstate="print">
             <a:extLst>
               <a:ext uri="{28A0092B-C50C-407E-A947-70E740481C1C}">
                 <a14:useLocalDpi xmlns:a14="http://schemas.microsoft.com/office/drawing/2010/main" val="0"/>
@@ -19838,7 +19962,7 @@
           <p:nvPr/>
         </p:nvPicPr>
         <p:blipFill>
-          <a:blip r:embed="rId17" cstate="print">
+          <a:blip r:embed="rId15" cstate="print">
             <a:extLst>
               <a:ext uri="{28A0092B-C50C-407E-A947-70E740481C1C}">
                 <a14:useLocalDpi xmlns:a14="http://schemas.microsoft.com/office/drawing/2010/main" val="0"/>
@@ -19868,7 +19992,7 @@
           <p:nvPr/>
         </p:nvPicPr>
         <p:blipFill>
-          <a:blip r:embed="rId18" cstate="print">
+          <a:blip r:embed="rId16" cstate="print">
             <a:extLst>
               <a:ext uri="{28A0092B-C50C-407E-A947-70E740481C1C}">
                 <a14:useLocalDpi xmlns:a14="http://schemas.microsoft.com/office/drawing/2010/main" val="0"/>
@@ -19898,7 +20022,7 @@
           <p:nvPr/>
         </p:nvPicPr>
         <p:blipFill>
-          <a:blip r:embed="rId19" cstate="print">
+          <a:blip r:embed="rId17" cstate="print">
             <a:extLst>
               <a:ext uri="{28A0092B-C50C-407E-A947-70E740481C1C}">
                 <a14:useLocalDpi xmlns:a14="http://schemas.microsoft.com/office/drawing/2010/main" val="0"/>
@@ -19919,6 +20043,156 @@
           </a:prstGeom>
         </p:spPr>
       </p:pic>
+      <p:grpSp>
+        <p:nvGrpSpPr>
+          <p:cNvPr id="29" name="Group 28"/>
+          <p:cNvGrpSpPr/>
+          <p:nvPr/>
+        </p:nvGrpSpPr>
+        <p:grpSpPr>
+          <a:xfrm>
+            <a:off x="677334" y="1573011"/>
+            <a:ext cx="914400" cy="1283732"/>
+            <a:chOff x="677334" y="1573011"/>
+            <a:chExt cx="914400" cy="1283732"/>
+          </a:xfrm>
+        </p:grpSpPr>
+        <p:pic>
+          <p:nvPicPr>
+            <p:cNvPr id="5" name="Picture 4"/>
+            <p:cNvPicPr>
+              <a:picLocks noChangeAspect="1"/>
+            </p:cNvPicPr>
+            <p:nvPr/>
+          </p:nvPicPr>
+          <p:blipFill>
+            <a:blip r:embed="rId18">
+              <a:extLst>
+                <a:ext uri="{28A0092B-C50C-407E-A947-70E740481C1C}">
+                  <a14:useLocalDpi xmlns:a14="http://schemas.microsoft.com/office/drawing/2010/main" val="0"/>
+                </a:ext>
+              </a:extLst>
+            </a:blip>
+            <a:stretch>
+              <a:fillRect/>
+            </a:stretch>
+          </p:blipFill>
+          <p:spPr>
+            <a:xfrm>
+              <a:off x="677334" y="1573011"/>
+              <a:ext cx="914400" cy="914400"/>
+            </a:xfrm>
+            <a:prstGeom prst="rect">
+              <a:avLst/>
+            </a:prstGeom>
+          </p:spPr>
+        </p:pic>
+        <p:sp>
+          <p:nvSpPr>
+            <p:cNvPr id="3" name="TextBox 2"/>
+            <p:cNvSpPr txBox="1"/>
+            <p:nvPr/>
+          </p:nvSpPr>
+          <p:spPr>
+            <a:xfrm>
+              <a:off x="745645" y="2487411"/>
+              <a:ext cx="777777" cy="369332"/>
+            </a:xfrm>
+            <a:prstGeom prst="rect">
+              <a:avLst/>
+            </a:prstGeom>
+            <a:noFill/>
+          </p:spPr>
+          <p:txBody>
+            <a:bodyPr wrap="none" rtlCol="0">
+              <a:spAutoFit/>
+            </a:bodyPr>
+            <a:lstStyle/>
+            <a:p>
+              <a:r>
+                <a:rPr lang="en-US" dirty="0" smtClean="0"/>
+                <a:t>Guest</a:t>
+              </a:r>
+              <a:endParaRPr lang="en-GB" dirty="0"/>
+            </a:p>
+          </p:txBody>
+        </p:sp>
+      </p:grpSp>
+      <p:grpSp>
+        <p:nvGrpSpPr>
+          <p:cNvPr id="31" name="Group 30"/>
+          <p:cNvGrpSpPr/>
+          <p:nvPr/>
+        </p:nvGrpSpPr>
+        <p:grpSpPr>
+          <a:xfrm>
+            <a:off x="642697" y="5365995"/>
+            <a:ext cx="1011815" cy="1309623"/>
+            <a:chOff x="642697" y="5365995"/>
+            <a:chExt cx="1011815" cy="1309623"/>
+          </a:xfrm>
+        </p:grpSpPr>
+        <p:pic>
+          <p:nvPicPr>
+            <p:cNvPr id="12" name="Picture 11"/>
+            <p:cNvPicPr>
+              <a:picLocks noChangeAspect="1"/>
+            </p:cNvPicPr>
+            <p:nvPr/>
+          </p:nvPicPr>
+          <p:blipFill>
+            <a:blip r:embed="rId19" cstate="print">
+              <a:extLst>
+                <a:ext uri="{28A0092B-C50C-407E-A947-70E740481C1C}">
+                  <a14:useLocalDpi xmlns:a14="http://schemas.microsoft.com/office/drawing/2010/main" val="0"/>
+                </a:ext>
+              </a:extLst>
+            </a:blip>
+            <a:stretch>
+              <a:fillRect/>
+            </a:stretch>
+          </p:blipFill>
+          <p:spPr>
+            <a:xfrm>
+              <a:off x="691405" y="5365995"/>
+              <a:ext cx="914400" cy="914400"/>
+            </a:xfrm>
+            <a:prstGeom prst="rect">
+              <a:avLst/>
+            </a:prstGeom>
+          </p:spPr>
+        </p:pic>
+        <p:sp>
+          <p:nvSpPr>
+            <p:cNvPr id="23" name="TextBox 22"/>
+            <p:cNvSpPr txBox="1"/>
+            <p:nvPr/>
+          </p:nvSpPr>
+          <p:spPr>
+            <a:xfrm>
+              <a:off x="642697" y="6306286"/>
+              <a:ext cx="1011815" cy="369332"/>
+            </a:xfrm>
+            <a:prstGeom prst="rect">
+              <a:avLst/>
+            </a:prstGeom>
+            <a:noFill/>
+          </p:spPr>
+          <p:txBody>
+            <a:bodyPr wrap="none" rtlCol="0">
+              <a:spAutoFit/>
+            </a:bodyPr>
+            <a:lstStyle/>
+            <a:p>
+              <a:r>
+                <a:rPr lang="en-US" dirty="0" smtClean="0"/>
+                <a:t>Member</a:t>
+              </a:r>
+              <a:endParaRPr lang="en-GB" dirty="0"/>
+            </a:p>
+          </p:txBody>
+        </p:sp>
+      </p:grpSp>
     </p:spTree>
     <p:extLst>
       <p:ext uri="{BB962C8B-B14F-4D97-AF65-F5344CB8AC3E}">
@@ -19929,13 +20203,13 @@
   <p:clrMapOvr>
     <a:masterClrMapping/>
   </p:clrMapOvr>
-  <mc:AlternateContent xmlns:mc="http://schemas.openxmlformats.org/markup-compatibility/2006">
-    <mc:Choice xmlns:p14="http://schemas.microsoft.com/office/powerpoint/2010/main" Requires="p14">
+  <mc:AlternateContent xmlns:mc="http://schemas.openxmlformats.org/markup-compatibility/2006" xmlns:p14="http://schemas.microsoft.com/office/powerpoint/2010/main">
+    <mc:Choice Requires="p14">
       <p:transition spd="slow" p14:dur="1600">
         <p:blinds dir="vert"/>
       </p:transition>
     </mc:Choice>
-    <mc:Fallback>
+    <mc:Fallback xmlns="">
       <p:transition spd="slow">
         <p:blinds dir="vert"/>
       </p:transition>
@@ -19975,7 +20249,7 @@
                                           </p:stCondLst>
                                         </p:cTn>
                                         <p:tgtEl>
-                                          <p:spTgt spid="5"/>
+                                          <p:spTgt spid="29"/>
                                         </p:tgtEl>
                                         <p:attrNameLst>
                                           <p:attrName>style.visibility</p:attrName>
@@ -19989,7 +20263,7 @@
                                       <p:cBhvr>
                                         <p:cTn id="7" dur="500"/>
                                         <p:tgtEl>
-                                          <p:spTgt spid="5"/>
+                                          <p:spTgt spid="29"/>
                                         </p:tgtEl>
                                       </p:cBhvr>
                                     </p:animEffect>
@@ -20660,7 +20934,7 @@
                                           </p:stCondLst>
                                         </p:cTn>
                                         <p:tgtEl>
-                                          <p:spTgt spid="12"/>
+                                          <p:spTgt spid="31"/>
                                         </p:tgtEl>
                                         <p:attrNameLst>
                                           <p:attrName>style.visibility</p:attrName>
@@ -20674,7 +20948,7 @@
                                       <p:cBhvr>
                                         <p:cTn id="68" dur="500"/>
                                         <p:tgtEl>
-                                          <p:spTgt spid="12"/>
+                                          <p:spTgt spid="31"/>
                                         </p:tgtEl>
                                       </p:cBhvr>
                                     </p:animEffect>
@@ -21602,7 +21876,1395 @@
 </p:sld>
 </file>
 
-<file path=ppt/slides/slide7.xml><?xml version="1.0" encoding="utf-8"?>
+<file path=ppt/slides/slide11.xml><?xml version="1.0" encoding="utf-8"?>
+<p:sld xmlns:a="http://schemas.openxmlformats.org/drawingml/2006/main" xmlns:r="http://schemas.openxmlformats.org/officeDocument/2006/relationships" xmlns:p="http://schemas.openxmlformats.org/presentationml/2006/main">
+  <p:cSld>
+    <p:spTree>
+      <p:nvGrpSpPr>
+        <p:cNvPr id="1" name=""/>
+        <p:cNvGrpSpPr/>
+        <p:nvPr/>
+      </p:nvGrpSpPr>
+      <p:grpSpPr>
+        <a:xfrm>
+          <a:off x="0" y="0"/>
+          <a:ext cx="0" cy="0"/>
+          <a:chOff x="0" y="0"/>
+          <a:chExt cx="0" cy="0"/>
+        </a:xfrm>
+      </p:grpSpPr>
+      <p:graphicFrame>
+        <p:nvGraphicFramePr>
+          <p:cNvPr id="13" name="Diagram 12"/>
+          <p:cNvGraphicFramePr/>
+          <p:nvPr>
+            <p:extLst>
+              <p:ext uri="{D42A27DB-BD31-4B8C-83A1-F6EECF244321}">
+                <p14:modId xmlns:p14="http://schemas.microsoft.com/office/powerpoint/2010/main" val="2935636936"/>
+              </p:ext>
+            </p:extLst>
+          </p:nvPr>
+        </p:nvGraphicFramePr>
+        <p:xfrm>
+          <a:off x="0" y="0"/>
+          <a:ext cx="12192000" cy="6858000"/>
+        </p:xfrm>
+        <a:graphic>
+          <a:graphicData uri="http://schemas.openxmlformats.org/drawingml/2006/diagram">
+            <dgm:relIds xmlns:dgm="http://schemas.openxmlformats.org/drawingml/2006/diagram" xmlns:r="http://schemas.openxmlformats.org/officeDocument/2006/relationships" r:dm="rId2" r:lo="rId3" r:qs="rId4" r:cs="rId5"/>
+          </a:graphicData>
+        </a:graphic>
+      </p:graphicFrame>
+      <p:pic>
+        <p:nvPicPr>
+          <p:cNvPr id="16" name="Picture 15"/>
+          <p:cNvPicPr>
+            <a:picLocks noChangeAspect="1"/>
+          </p:cNvPicPr>
+          <p:nvPr/>
+        </p:nvPicPr>
+        <p:blipFill>
+          <a:blip r:embed="rId7">
+            <a:extLst>
+              <a:ext uri="{28A0092B-C50C-407E-A947-70E740481C1C}">
+                <a14:useLocalDpi xmlns:a14="http://schemas.microsoft.com/office/drawing/2010/main" val="0"/>
+              </a:ext>
+            </a:extLst>
+          </a:blip>
+          <a:stretch>
+            <a:fillRect/>
+          </a:stretch>
+        </p:blipFill>
+        <p:spPr>
+          <a:xfrm>
+            <a:off x="2710834" y="2845620"/>
+            <a:ext cx="1627632" cy="1627632"/>
+          </a:xfrm>
+          <a:prstGeom prst="rect">
+            <a:avLst/>
+          </a:prstGeom>
+        </p:spPr>
+      </p:pic>
+      <p:pic>
+        <p:nvPicPr>
+          <p:cNvPr id="2" name="Picture 1"/>
+          <p:cNvPicPr>
+            <a:picLocks noChangeAspect="1"/>
+          </p:cNvPicPr>
+          <p:nvPr/>
+        </p:nvPicPr>
+        <p:blipFill>
+          <a:blip r:embed="rId8" cstate="print">
+            <a:extLst>
+              <a:ext uri="{28A0092B-C50C-407E-A947-70E740481C1C}">
+                <a14:useLocalDpi xmlns:a14="http://schemas.microsoft.com/office/drawing/2010/main" val="0"/>
+              </a:ext>
+            </a:extLst>
+          </a:blip>
+          <a:stretch>
+            <a:fillRect/>
+          </a:stretch>
+        </p:blipFill>
+        <p:spPr>
+          <a:xfrm>
+            <a:off x="6400799" y="2845836"/>
+            <a:ext cx="2169599" cy="1627200"/>
+          </a:xfrm>
+          <a:prstGeom prst="rect">
+            <a:avLst/>
+          </a:prstGeom>
+        </p:spPr>
+      </p:pic>
+      <p:pic>
+        <p:nvPicPr>
+          <p:cNvPr id="3" name="Picture 2"/>
+          <p:cNvPicPr>
+            <a:picLocks noChangeAspect="1"/>
+          </p:cNvPicPr>
+          <p:nvPr/>
+        </p:nvPicPr>
+        <p:blipFill>
+          <a:blip r:embed="rId9" cstate="print">
+            <a:extLst>
+              <a:ext uri="{28A0092B-C50C-407E-A947-70E740481C1C}">
+                <a14:useLocalDpi xmlns:a14="http://schemas.microsoft.com/office/drawing/2010/main" val="0"/>
+              </a:ext>
+            </a:extLst>
+          </a:blip>
+          <a:stretch>
+            <a:fillRect/>
+          </a:stretch>
+        </p:blipFill>
+        <p:spPr>
+          <a:xfrm>
+            <a:off x="9712902" y="2781441"/>
+            <a:ext cx="1627200" cy="1627200"/>
+          </a:xfrm>
+          <a:prstGeom prst="rect">
+            <a:avLst/>
+          </a:prstGeom>
+        </p:spPr>
+      </p:pic>
+    </p:spTree>
+    <p:extLst>
+      <p:ext uri="{BB962C8B-B14F-4D97-AF65-F5344CB8AC3E}">
+        <p14:creationId xmlns:p14="http://schemas.microsoft.com/office/powerpoint/2010/main" val="4212790391"/>
+      </p:ext>
+    </p:extLst>
+  </p:cSld>
+  <p:clrMapOvr>
+    <a:masterClrMapping/>
+  </p:clrMapOvr>
+  <mc:AlternateContent xmlns:mc="http://schemas.openxmlformats.org/markup-compatibility/2006" xmlns:p14="http://schemas.microsoft.com/office/powerpoint/2010/main">
+    <mc:Choice Requires="p14">
+      <p:transition spd="slow" p14:dur="800">
+        <p:circle/>
+      </p:transition>
+    </mc:Choice>
+    <mc:Fallback xmlns="">
+      <p:transition spd="slow">
+        <p:circle/>
+      </p:transition>
+    </mc:Fallback>
+  </mc:AlternateContent>
+  <p:timing>
+    <p:tnLst>
+      <p:par>
+        <p:cTn id="1" dur="indefinite" restart="never" nodeType="tmRoot">
+          <p:childTnLst>
+            <p:seq concurrent="1" nextAc="seek">
+              <p:cTn id="2" dur="indefinite" nodeType="mainSeq">
+                <p:childTnLst>
+                  <p:par>
+                    <p:cTn id="3" fill="hold">
+                      <p:stCondLst>
+                        <p:cond delay="indefinite"/>
+                      </p:stCondLst>
+                      <p:childTnLst>
+                        <p:par>
+                          <p:cTn id="4" fill="hold">
+                            <p:stCondLst>
+                              <p:cond delay="0"/>
+                            </p:stCondLst>
+                            <p:childTnLst>
+                              <p:par>
+                                <p:cTn id="5" presetID="14" presetClass="entr" presetSubtype="10" fill="hold" nodeType="clickEffect">
+                                  <p:stCondLst>
+                                    <p:cond delay="0"/>
+                                  </p:stCondLst>
+                                  <p:childTnLst>
+                                    <p:set>
+                                      <p:cBhvr>
+                                        <p:cTn id="6" dur="1" fill="hold">
+                                          <p:stCondLst>
+                                            <p:cond delay="0"/>
+                                          </p:stCondLst>
+                                        </p:cTn>
+                                        <p:tgtEl>
+                                          <p:spTgt spid="16"/>
+                                        </p:tgtEl>
+                                        <p:attrNameLst>
+                                          <p:attrName>style.visibility</p:attrName>
+                                        </p:attrNameLst>
+                                      </p:cBhvr>
+                                      <p:to>
+                                        <p:strVal val="visible"/>
+                                      </p:to>
+                                    </p:set>
+                                    <p:animEffect transition="in" filter="randombar(horizontal)">
+                                      <p:cBhvr>
+                                        <p:cTn id="7" dur="500"/>
+                                        <p:tgtEl>
+                                          <p:spTgt spid="16"/>
+                                        </p:tgtEl>
+                                      </p:cBhvr>
+                                    </p:animEffect>
+                                  </p:childTnLst>
+                                </p:cTn>
+                              </p:par>
+                            </p:childTnLst>
+                          </p:cTn>
+                        </p:par>
+                      </p:childTnLst>
+                    </p:cTn>
+                  </p:par>
+                  <p:par>
+                    <p:cTn id="8" fill="hold">
+                      <p:stCondLst>
+                        <p:cond delay="indefinite"/>
+                      </p:stCondLst>
+                      <p:childTnLst>
+                        <p:par>
+                          <p:cTn id="9" fill="hold">
+                            <p:stCondLst>
+                              <p:cond delay="0"/>
+                            </p:stCondLst>
+                            <p:childTnLst>
+                              <p:par>
+                                <p:cTn id="10" presetID="14" presetClass="entr" presetSubtype="10" fill="hold" nodeType="clickEffect">
+                                  <p:stCondLst>
+                                    <p:cond delay="0"/>
+                                  </p:stCondLst>
+                                  <p:childTnLst>
+                                    <p:set>
+                                      <p:cBhvr>
+                                        <p:cTn id="11" dur="1" fill="hold">
+                                          <p:stCondLst>
+                                            <p:cond delay="0"/>
+                                          </p:stCondLst>
+                                        </p:cTn>
+                                        <p:tgtEl>
+                                          <p:spTgt spid="2"/>
+                                        </p:tgtEl>
+                                        <p:attrNameLst>
+                                          <p:attrName>style.visibility</p:attrName>
+                                        </p:attrNameLst>
+                                      </p:cBhvr>
+                                      <p:to>
+                                        <p:strVal val="visible"/>
+                                      </p:to>
+                                    </p:set>
+                                    <p:animEffect transition="in" filter="randombar(horizontal)">
+                                      <p:cBhvr>
+                                        <p:cTn id="12" dur="500"/>
+                                        <p:tgtEl>
+                                          <p:spTgt spid="2"/>
+                                        </p:tgtEl>
+                                      </p:cBhvr>
+                                    </p:animEffect>
+                                  </p:childTnLst>
+                                </p:cTn>
+                              </p:par>
+                            </p:childTnLst>
+                          </p:cTn>
+                        </p:par>
+                      </p:childTnLst>
+                    </p:cTn>
+                  </p:par>
+                  <p:par>
+                    <p:cTn id="13" fill="hold">
+                      <p:stCondLst>
+                        <p:cond delay="indefinite"/>
+                      </p:stCondLst>
+                      <p:childTnLst>
+                        <p:par>
+                          <p:cTn id="14" fill="hold">
+                            <p:stCondLst>
+                              <p:cond delay="0"/>
+                            </p:stCondLst>
+                            <p:childTnLst>
+                              <p:par>
+                                <p:cTn id="15" presetID="14" presetClass="entr" presetSubtype="10" fill="hold" nodeType="clickEffect">
+                                  <p:stCondLst>
+                                    <p:cond delay="0"/>
+                                  </p:stCondLst>
+                                  <p:childTnLst>
+                                    <p:set>
+                                      <p:cBhvr>
+                                        <p:cTn id="16" dur="1" fill="hold">
+                                          <p:stCondLst>
+                                            <p:cond delay="0"/>
+                                          </p:stCondLst>
+                                        </p:cTn>
+                                        <p:tgtEl>
+                                          <p:spTgt spid="3"/>
+                                        </p:tgtEl>
+                                        <p:attrNameLst>
+                                          <p:attrName>style.visibility</p:attrName>
+                                        </p:attrNameLst>
+                                      </p:cBhvr>
+                                      <p:to>
+                                        <p:strVal val="visible"/>
+                                      </p:to>
+                                    </p:set>
+                                    <p:animEffect transition="in" filter="randombar(horizontal)">
+                                      <p:cBhvr>
+                                        <p:cTn id="17" dur="500"/>
+                                        <p:tgtEl>
+                                          <p:spTgt spid="3"/>
+                                        </p:tgtEl>
+                                      </p:cBhvr>
+                                    </p:animEffect>
+                                  </p:childTnLst>
+                                </p:cTn>
+                              </p:par>
+                            </p:childTnLst>
+                          </p:cTn>
+                        </p:par>
+                      </p:childTnLst>
+                    </p:cTn>
+                  </p:par>
+                </p:childTnLst>
+              </p:cTn>
+              <p:prevCondLst>
+                <p:cond evt="onPrev" delay="0">
+                  <p:tgtEl>
+                    <p:sldTgt/>
+                  </p:tgtEl>
+                </p:cond>
+              </p:prevCondLst>
+              <p:nextCondLst>
+                <p:cond evt="onNext" delay="0">
+                  <p:tgtEl>
+                    <p:sldTgt/>
+                  </p:tgtEl>
+                </p:cond>
+              </p:nextCondLst>
+            </p:seq>
+          </p:childTnLst>
+        </p:cTn>
+      </p:par>
+    </p:tnLst>
+  </p:timing>
+</p:sld>
+</file>
+
+<file path=ppt/slides/slide12.xml><?xml version="1.0" encoding="utf-8"?>
+<p:sld xmlns:a="http://schemas.openxmlformats.org/drawingml/2006/main" xmlns:r="http://schemas.openxmlformats.org/officeDocument/2006/relationships" xmlns:p="http://schemas.openxmlformats.org/presentationml/2006/main">
+  <p:cSld>
+    <p:spTree>
+      <p:nvGrpSpPr>
+        <p:cNvPr id="1" name=""/>
+        <p:cNvGrpSpPr/>
+        <p:nvPr/>
+      </p:nvGrpSpPr>
+      <p:grpSpPr>
+        <a:xfrm>
+          <a:off x="0" y="0"/>
+          <a:ext cx="0" cy="0"/>
+          <a:chOff x="0" y="0"/>
+          <a:chExt cx="0" cy="0"/>
+        </a:xfrm>
+      </p:grpSpPr>
+      <p:sp>
+        <p:nvSpPr>
+          <p:cNvPr id="2" name="Title 1"/>
+          <p:cNvSpPr>
+            <a:spLocks noGrp="1"/>
+          </p:cNvSpPr>
+          <p:nvPr>
+            <p:ph type="title"/>
+          </p:nvPr>
+        </p:nvSpPr>
+        <p:spPr/>
+        <p:txBody>
+          <a:bodyPr/>
+          <a:lstStyle/>
+          <a:p>
+            <a:r>
+              <a:rPr lang="en-US" dirty="0" smtClean="0"/>
+              <a:t>Future Plan</a:t>
+            </a:r>
+            <a:endParaRPr lang="en-GB" dirty="0"/>
+          </a:p>
+        </p:txBody>
+      </p:sp>
+      <p:graphicFrame>
+        <p:nvGraphicFramePr>
+          <p:cNvPr id="4" name="Content Placeholder 3"/>
+          <p:cNvGraphicFramePr>
+            <a:graphicFrameLocks noGrp="1"/>
+          </p:cNvGraphicFramePr>
+          <p:nvPr>
+            <p:ph idx="1"/>
+            <p:extLst>
+              <p:ext uri="{D42A27DB-BD31-4B8C-83A1-F6EECF244321}">
+                <p14:modId xmlns:p14="http://schemas.microsoft.com/office/powerpoint/2010/main" val="153801580"/>
+              </p:ext>
+            </p:extLst>
+          </p:nvPr>
+        </p:nvGraphicFramePr>
+        <p:xfrm>
+          <a:off x="677863" y="2160588"/>
+          <a:ext cx="8596312" cy="3881437"/>
+        </p:xfrm>
+        <a:graphic>
+          <a:graphicData uri="http://schemas.openxmlformats.org/drawingml/2006/diagram">
+            <dgm:relIds xmlns:dgm="http://schemas.openxmlformats.org/drawingml/2006/diagram" xmlns:r="http://schemas.openxmlformats.org/officeDocument/2006/relationships" r:dm="rId2" r:lo="rId3" r:qs="rId4" r:cs="rId5"/>
+          </a:graphicData>
+        </a:graphic>
+      </p:graphicFrame>
+    </p:spTree>
+    <p:extLst>
+      <p:ext uri="{BB962C8B-B14F-4D97-AF65-F5344CB8AC3E}">
+        <p14:creationId xmlns:p14="http://schemas.microsoft.com/office/powerpoint/2010/main" val="789608595"/>
+      </p:ext>
+    </p:extLst>
+  </p:cSld>
+  <p:clrMapOvr>
+    <a:masterClrMapping/>
+  </p:clrMapOvr>
+  <p:timing>
+    <p:tnLst>
+      <p:par>
+        <p:cTn id="1" dur="indefinite" restart="never" nodeType="tmRoot">
+          <p:childTnLst>
+            <p:seq concurrent="1" nextAc="seek">
+              <p:cTn id="2" dur="indefinite" nodeType="mainSeq">
+                <p:childTnLst>
+                  <p:par>
+                    <p:cTn id="3" fill="hold">
+                      <p:stCondLst>
+                        <p:cond delay="indefinite"/>
+                      </p:stCondLst>
+                      <p:childTnLst>
+                        <p:par>
+                          <p:cTn id="4" fill="hold">
+                            <p:stCondLst>
+                              <p:cond delay="0"/>
+                            </p:stCondLst>
+                            <p:childTnLst>
+                              <p:par>
+                                <p:cTn id="5" presetID="14" presetClass="entr" presetSubtype="10" fill="hold" grpId="0" nodeType="clickEffect">
+                                  <p:stCondLst>
+                                    <p:cond delay="0"/>
+                                  </p:stCondLst>
+                                  <p:childTnLst>
+                                    <p:set>
+                                      <p:cBhvr>
+                                        <p:cTn id="6" dur="1" fill="hold">
+                                          <p:stCondLst>
+                                            <p:cond delay="0"/>
+                                          </p:stCondLst>
+                                        </p:cTn>
+                                        <p:tgtEl>
+                                          <p:spTgt spid="4">
+                                            <p:graphicEl>
+                                              <a:dgm id="{3F152DA9-3FDF-4873-A49F-8049C0B4BEF7}"/>
+                                            </p:graphicEl>
+                                          </p:spTgt>
+                                        </p:tgtEl>
+                                        <p:attrNameLst>
+                                          <p:attrName>style.visibility</p:attrName>
+                                        </p:attrNameLst>
+                                      </p:cBhvr>
+                                      <p:to>
+                                        <p:strVal val="visible"/>
+                                      </p:to>
+                                    </p:set>
+                                    <p:animEffect transition="in" filter="randombar(horizontal)">
+                                      <p:cBhvr>
+                                        <p:cTn id="7" dur="500"/>
+                                        <p:tgtEl>
+                                          <p:spTgt spid="4">
+                                            <p:graphicEl>
+                                              <a:dgm id="{3F152DA9-3FDF-4873-A49F-8049C0B4BEF7}"/>
+                                            </p:graphicEl>
+                                          </p:spTgt>
+                                        </p:tgtEl>
+                                      </p:cBhvr>
+                                    </p:animEffect>
+                                  </p:childTnLst>
+                                </p:cTn>
+                              </p:par>
+                              <p:par>
+                                <p:cTn id="8" presetID="14" presetClass="entr" presetSubtype="10" fill="hold" grpId="0" nodeType="withEffect">
+                                  <p:stCondLst>
+                                    <p:cond delay="0"/>
+                                  </p:stCondLst>
+                                  <p:childTnLst>
+                                    <p:set>
+                                      <p:cBhvr>
+                                        <p:cTn id="9" dur="1" fill="hold">
+                                          <p:stCondLst>
+                                            <p:cond delay="0"/>
+                                          </p:stCondLst>
+                                        </p:cTn>
+                                        <p:tgtEl>
+                                          <p:spTgt spid="4">
+                                            <p:graphicEl>
+                                              <a:dgm id="{3243D8B0-218F-4FC3-9EBC-CE3A4657CDCE}"/>
+                                            </p:graphicEl>
+                                          </p:spTgt>
+                                        </p:tgtEl>
+                                        <p:attrNameLst>
+                                          <p:attrName>style.visibility</p:attrName>
+                                        </p:attrNameLst>
+                                      </p:cBhvr>
+                                      <p:to>
+                                        <p:strVal val="visible"/>
+                                      </p:to>
+                                    </p:set>
+                                    <p:animEffect transition="in" filter="randombar(horizontal)">
+                                      <p:cBhvr>
+                                        <p:cTn id="10" dur="500"/>
+                                        <p:tgtEl>
+                                          <p:spTgt spid="4">
+                                            <p:graphicEl>
+                                              <a:dgm id="{3243D8B0-218F-4FC3-9EBC-CE3A4657CDCE}"/>
+                                            </p:graphicEl>
+                                          </p:spTgt>
+                                        </p:tgtEl>
+                                      </p:cBhvr>
+                                    </p:animEffect>
+                                  </p:childTnLst>
+                                </p:cTn>
+                              </p:par>
+                            </p:childTnLst>
+                          </p:cTn>
+                        </p:par>
+                      </p:childTnLst>
+                    </p:cTn>
+                  </p:par>
+                  <p:par>
+                    <p:cTn id="11" fill="hold">
+                      <p:stCondLst>
+                        <p:cond delay="indefinite"/>
+                      </p:stCondLst>
+                      <p:childTnLst>
+                        <p:par>
+                          <p:cTn id="12" fill="hold">
+                            <p:stCondLst>
+                              <p:cond delay="0"/>
+                            </p:stCondLst>
+                            <p:childTnLst>
+                              <p:par>
+                                <p:cTn id="13" presetID="14" presetClass="entr" presetSubtype="10" fill="hold" grpId="0" nodeType="clickEffect">
+                                  <p:stCondLst>
+                                    <p:cond delay="0"/>
+                                  </p:stCondLst>
+                                  <p:childTnLst>
+                                    <p:set>
+                                      <p:cBhvr>
+                                        <p:cTn id="14" dur="1" fill="hold">
+                                          <p:stCondLst>
+                                            <p:cond delay="0"/>
+                                          </p:stCondLst>
+                                        </p:cTn>
+                                        <p:tgtEl>
+                                          <p:spTgt spid="4">
+                                            <p:graphicEl>
+                                              <a:dgm id="{85A45D3A-EBA4-4FC5-8EF5-EBCCFCE559F3}"/>
+                                            </p:graphicEl>
+                                          </p:spTgt>
+                                        </p:tgtEl>
+                                        <p:attrNameLst>
+                                          <p:attrName>style.visibility</p:attrName>
+                                        </p:attrNameLst>
+                                      </p:cBhvr>
+                                      <p:to>
+                                        <p:strVal val="visible"/>
+                                      </p:to>
+                                    </p:set>
+                                    <p:animEffect transition="in" filter="randombar(horizontal)">
+                                      <p:cBhvr>
+                                        <p:cTn id="15" dur="500"/>
+                                        <p:tgtEl>
+                                          <p:spTgt spid="4">
+                                            <p:graphicEl>
+                                              <a:dgm id="{85A45D3A-EBA4-4FC5-8EF5-EBCCFCE559F3}"/>
+                                            </p:graphicEl>
+                                          </p:spTgt>
+                                        </p:tgtEl>
+                                      </p:cBhvr>
+                                    </p:animEffect>
+                                  </p:childTnLst>
+                                </p:cTn>
+                              </p:par>
+                              <p:par>
+                                <p:cTn id="16" presetID="14" presetClass="entr" presetSubtype="10" fill="hold" grpId="0" nodeType="withEffect">
+                                  <p:stCondLst>
+                                    <p:cond delay="0"/>
+                                  </p:stCondLst>
+                                  <p:childTnLst>
+                                    <p:set>
+                                      <p:cBhvr>
+                                        <p:cTn id="17" dur="1" fill="hold">
+                                          <p:stCondLst>
+                                            <p:cond delay="0"/>
+                                          </p:stCondLst>
+                                        </p:cTn>
+                                        <p:tgtEl>
+                                          <p:spTgt spid="4">
+                                            <p:graphicEl>
+                                              <a:dgm id="{F76790B2-0C34-4DDC-AC4C-558B90BE42D0}"/>
+                                            </p:graphicEl>
+                                          </p:spTgt>
+                                        </p:tgtEl>
+                                        <p:attrNameLst>
+                                          <p:attrName>style.visibility</p:attrName>
+                                        </p:attrNameLst>
+                                      </p:cBhvr>
+                                      <p:to>
+                                        <p:strVal val="visible"/>
+                                      </p:to>
+                                    </p:set>
+                                    <p:animEffect transition="in" filter="randombar(horizontal)">
+                                      <p:cBhvr>
+                                        <p:cTn id="18" dur="500"/>
+                                        <p:tgtEl>
+                                          <p:spTgt spid="4">
+                                            <p:graphicEl>
+                                              <a:dgm id="{F76790B2-0C34-4DDC-AC4C-558B90BE42D0}"/>
+                                            </p:graphicEl>
+                                          </p:spTgt>
+                                        </p:tgtEl>
+                                      </p:cBhvr>
+                                    </p:animEffect>
+                                  </p:childTnLst>
+                                </p:cTn>
+                              </p:par>
+                            </p:childTnLst>
+                          </p:cTn>
+                        </p:par>
+                      </p:childTnLst>
+                    </p:cTn>
+                  </p:par>
+                </p:childTnLst>
+              </p:cTn>
+              <p:prevCondLst>
+                <p:cond evt="onPrev" delay="0">
+                  <p:tgtEl>
+                    <p:sldTgt/>
+                  </p:tgtEl>
+                </p:cond>
+              </p:prevCondLst>
+              <p:nextCondLst>
+                <p:cond evt="onNext" delay="0">
+                  <p:tgtEl>
+                    <p:sldTgt/>
+                  </p:tgtEl>
+                </p:cond>
+              </p:nextCondLst>
+            </p:seq>
+          </p:childTnLst>
+        </p:cTn>
+      </p:par>
+    </p:tnLst>
+    <p:bldLst>
+      <p:bldGraphic spid="4" grpId="0" uiExpand="1">
+        <p:bldSub>
+          <a:bldDgm bld="one"/>
+        </p:bldSub>
+      </p:bldGraphic>
+    </p:bldLst>
+  </p:timing>
+</p:sld>
+</file>
+
+<file path=ppt/slides/slide13.xml><?xml version="1.0" encoding="utf-8"?>
+<p:sld xmlns:a="http://schemas.openxmlformats.org/drawingml/2006/main" xmlns:r="http://schemas.openxmlformats.org/officeDocument/2006/relationships" xmlns:p="http://schemas.openxmlformats.org/presentationml/2006/main">
+  <p:cSld>
+    <p:spTree>
+      <p:nvGrpSpPr>
+        <p:cNvPr id="1" name=""/>
+        <p:cNvGrpSpPr/>
+        <p:nvPr/>
+      </p:nvGrpSpPr>
+      <p:grpSpPr>
+        <a:xfrm>
+          <a:off x="0" y="0"/>
+          <a:ext cx="0" cy="0"/>
+          <a:chOff x="0" y="0"/>
+          <a:chExt cx="0" cy="0"/>
+        </a:xfrm>
+      </p:grpSpPr>
+      <p:sp>
+        <p:nvSpPr>
+          <p:cNvPr id="2" name="Title 1"/>
+          <p:cNvSpPr>
+            <a:spLocks noGrp="1"/>
+          </p:cNvSpPr>
+          <p:nvPr>
+            <p:ph type="title"/>
+          </p:nvPr>
+        </p:nvSpPr>
+        <p:spPr>
+          <a:xfrm>
+            <a:off x="1797666" y="2515710"/>
+            <a:ext cx="8596668" cy="1826581"/>
+          </a:xfrm>
+        </p:spPr>
+        <p:txBody>
+          <a:bodyPr>
+            <a:normAutofit fontScale="90000"/>
+          </a:bodyPr>
+          <a:lstStyle/>
+          <a:p>
+            <a:pPr algn="ctr"/>
+            <a:r>
+              <a:rPr lang="en-US" dirty="0" smtClean="0">
+                <a:latin typeface="Arial" panose="020B0604020202020204" pitchFamily="34" charset="0"/>
+                <a:cs typeface="Arial" panose="020B0604020202020204" pitchFamily="34" charset="0"/>
+              </a:rPr>
+              <a:t>THANK YOU FOR YOUR ATTENTION!</a:t>
+            </a:r>
+            <a:br>
+              <a:rPr lang="en-US" dirty="0" smtClean="0">
+                <a:latin typeface="Arial" panose="020B0604020202020204" pitchFamily="34" charset="0"/>
+                <a:cs typeface="Arial" panose="020B0604020202020204" pitchFamily="34" charset="0"/>
+              </a:rPr>
+            </a:br>
+            <a:r>
+              <a:rPr lang="en-US" dirty="0">
+                <a:latin typeface="Arial" panose="020B0604020202020204" pitchFamily="34" charset="0"/>
+                <a:cs typeface="Arial" panose="020B0604020202020204" pitchFamily="34" charset="0"/>
+              </a:rPr>
+              <a:t/>
+            </a:r>
+            <a:br>
+              <a:rPr lang="en-US" dirty="0">
+                <a:latin typeface="Arial" panose="020B0604020202020204" pitchFamily="34" charset="0"/>
+                <a:cs typeface="Arial" panose="020B0604020202020204" pitchFamily="34" charset="0"/>
+              </a:rPr>
+            </a:br>
+            <a:r>
+              <a:rPr lang="en-US" dirty="0" smtClean="0">
+                <a:latin typeface="Arial" panose="020B0604020202020204" pitchFamily="34" charset="0"/>
+                <a:cs typeface="Arial" panose="020B0604020202020204" pitchFamily="34" charset="0"/>
+              </a:rPr>
+              <a:t>Q &amp; A</a:t>
+            </a:r>
+            <a:endParaRPr lang="en-US" dirty="0">
+              <a:latin typeface="Arial" panose="020B0604020202020204" pitchFamily="34" charset="0"/>
+              <a:cs typeface="Arial" panose="020B0604020202020204" pitchFamily="34" charset="0"/>
+            </a:endParaRPr>
+          </a:p>
+        </p:txBody>
+      </p:sp>
+    </p:spTree>
+    <p:extLst>
+      <p:ext uri="{BB962C8B-B14F-4D97-AF65-F5344CB8AC3E}">
+        <p14:creationId xmlns:p14="http://schemas.microsoft.com/office/powerpoint/2010/main" val="922763171"/>
+      </p:ext>
+    </p:extLst>
+  </p:cSld>
+  <p:clrMapOvr>
+    <a:masterClrMapping/>
+  </p:clrMapOvr>
+  <p:transition spd="slow">
+    <p:randomBar dir="vert"/>
+  </p:transition>
+  <p:timing>
+    <p:tnLst>
+      <p:par>
+        <p:cTn id="1" dur="indefinite" restart="never" nodeType="tmRoot"/>
+      </p:par>
+    </p:tnLst>
+  </p:timing>
+</p:sld>
+</file>
+
+<file path=ppt/slides/slide2.xml><?xml version="1.0" encoding="utf-8"?>
+<p:sld xmlns:a="http://schemas.openxmlformats.org/drawingml/2006/main" xmlns:r="http://schemas.openxmlformats.org/officeDocument/2006/relationships" xmlns:p="http://schemas.openxmlformats.org/presentationml/2006/main">
+  <p:cSld>
+    <p:spTree>
+      <p:nvGrpSpPr>
+        <p:cNvPr id="1" name=""/>
+        <p:cNvGrpSpPr/>
+        <p:nvPr/>
+      </p:nvGrpSpPr>
+      <p:grpSpPr>
+        <a:xfrm>
+          <a:off x="0" y="0"/>
+          <a:ext cx="0" cy="0"/>
+          <a:chOff x="0" y="0"/>
+          <a:chExt cx="0" cy="0"/>
+        </a:xfrm>
+      </p:grpSpPr>
+      <p:sp>
+        <p:nvSpPr>
+          <p:cNvPr id="2" name="Title 1"/>
+          <p:cNvSpPr>
+            <a:spLocks noGrp="1"/>
+          </p:cNvSpPr>
+          <p:nvPr>
+            <p:ph type="title"/>
+          </p:nvPr>
+        </p:nvSpPr>
+        <p:spPr/>
+        <p:txBody>
+          <a:bodyPr/>
+          <a:lstStyle/>
+          <a:p>
+            <a:r>
+              <a:rPr lang="en-US" dirty="0" smtClean="0"/>
+              <a:t>Team member</a:t>
+            </a:r>
+            <a:endParaRPr lang="en-US" dirty="0"/>
+          </a:p>
+        </p:txBody>
+      </p:sp>
+      <p:graphicFrame>
+        <p:nvGraphicFramePr>
+          <p:cNvPr id="4" name="Content Placeholder 3"/>
+          <p:cNvGraphicFramePr>
+            <a:graphicFrameLocks noGrp="1"/>
+          </p:cNvGraphicFramePr>
+          <p:nvPr>
+            <p:ph idx="1"/>
+            <p:extLst>
+              <p:ext uri="{D42A27DB-BD31-4B8C-83A1-F6EECF244321}">
+                <p14:modId xmlns:p14="http://schemas.microsoft.com/office/powerpoint/2010/main" val="2509856044"/>
+              </p:ext>
+            </p:extLst>
+          </p:nvPr>
+        </p:nvGraphicFramePr>
+        <p:xfrm>
+          <a:off x="677863" y="2160588"/>
+          <a:ext cx="8596312" cy="3881437"/>
+        </p:xfrm>
+        <a:graphic>
+          <a:graphicData uri="http://schemas.openxmlformats.org/drawingml/2006/diagram">
+            <dgm:relIds xmlns:dgm="http://schemas.openxmlformats.org/drawingml/2006/diagram" xmlns:r="http://schemas.openxmlformats.org/officeDocument/2006/relationships" r:dm="rId2" r:lo="rId3" r:qs="rId4" r:cs="rId5"/>
+          </a:graphicData>
+        </a:graphic>
+      </p:graphicFrame>
+    </p:spTree>
+    <p:extLst>
+      <p:ext uri="{BB962C8B-B14F-4D97-AF65-F5344CB8AC3E}">
+        <p14:creationId xmlns:p14="http://schemas.microsoft.com/office/powerpoint/2010/main" val="2871386238"/>
+      </p:ext>
+    </p:extLst>
+  </p:cSld>
+  <p:clrMapOvr>
+    <a:masterClrMapping/>
+  </p:clrMapOvr>
+  <mc:AlternateContent xmlns:mc="http://schemas.openxmlformats.org/markup-compatibility/2006" xmlns:p14="http://schemas.microsoft.com/office/powerpoint/2010/main">
+    <mc:Choice Requires="p14">
+      <p:transition spd="med" p14:dur="700">
+        <p:fade/>
+      </p:transition>
+    </mc:Choice>
+    <mc:Fallback xmlns="">
+      <p:transition spd="med">
+        <p:fade/>
+      </p:transition>
+    </mc:Fallback>
+  </mc:AlternateContent>
+  <p:timing>
+    <p:tnLst>
+      <p:par>
+        <p:cTn id="1" dur="indefinite" restart="never" nodeType="tmRoot"/>
+      </p:par>
+    </p:tnLst>
+  </p:timing>
+</p:sld>
+</file>
+
+<file path=ppt/slides/slide3.xml><?xml version="1.0" encoding="utf-8"?>
+<p:sld xmlns:a="http://schemas.openxmlformats.org/drawingml/2006/main" xmlns:r="http://schemas.openxmlformats.org/officeDocument/2006/relationships" xmlns:p="http://schemas.openxmlformats.org/presentationml/2006/main">
+  <p:cSld>
+    <p:spTree>
+      <p:nvGrpSpPr>
+        <p:cNvPr id="1" name=""/>
+        <p:cNvGrpSpPr/>
+        <p:nvPr/>
+      </p:nvGrpSpPr>
+      <p:grpSpPr>
+        <a:xfrm>
+          <a:off x="0" y="0"/>
+          <a:ext cx="0" cy="0"/>
+          <a:chOff x="0" y="0"/>
+          <a:chExt cx="0" cy="0"/>
+        </a:xfrm>
+      </p:grpSpPr>
+      <p:sp>
+        <p:nvSpPr>
+          <p:cNvPr id="2" name="Title 1"/>
+          <p:cNvSpPr>
+            <a:spLocks noGrp="1"/>
+          </p:cNvSpPr>
+          <p:nvPr>
+            <p:ph type="title"/>
+          </p:nvPr>
+        </p:nvSpPr>
+        <p:spPr/>
+        <p:txBody>
+          <a:bodyPr/>
+          <a:lstStyle/>
+          <a:p>
+            <a:r>
+              <a:rPr lang="en-US" dirty="0" smtClean="0"/>
+              <a:t>Outline</a:t>
+            </a:r>
+            <a:endParaRPr lang="en-US" dirty="0"/>
+          </a:p>
+        </p:txBody>
+      </p:sp>
+      <p:graphicFrame>
+        <p:nvGraphicFramePr>
+          <p:cNvPr id="4" name="Content Placeholder 3"/>
+          <p:cNvGraphicFramePr>
+            <a:graphicFrameLocks noGrp="1"/>
+          </p:cNvGraphicFramePr>
+          <p:nvPr>
+            <p:ph idx="1"/>
+            <p:extLst>
+              <p:ext uri="{D42A27DB-BD31-4B8C-83A1-F6EECF244321}">
+                <p14:modId xmlns:p14="http://schemas.microsoft.com/office/powerpoint/2010/main" val="2306067675"/>
+              </p:ext>
+            </p:extLst>
+          </p:nvPr>
+        </p:nvGraphicFramePr>
+        <p:xfrm>
+          <a:off x="677863" y="2160588"/>
+          <a:ext cx="8596312" cy="3881437"/>
+        </p:xfrm>
+        <a:graphic>
+          <a:graphicData uri="http://schemas.openxmlformats.org/drawingml/2006/diagram">
+            <dgm:relIds xmlns:dgm="http://schemas.openxmlformats.org/drawingml/2006/diagram" xmlns:r="http://schemas.openxmlformats.org/officeDocument/2006/relationships" r:dm="rId2" r:lo="rId3" r:qs="rId4" r:cs="rId5"/>
+          </a:graphicData>
+        </a:graphic>
+      </p:graphicFrame>
+    </p:spTree>
+    <p:extLst>
+      <p:ext uri="{BB962C8B-B14F-4D97-AF65-F5344CB8AC3E}">
+        <p14:creationId xmlns:p14="http://schemas.microsoft.com/office/powerpoint/2010/main" val="2625314424"/>
+      </p:ext>
+    </p:extLst>
+  </p:cSld>
+  <p:clrMapOvr>
+    <a:masterClrMapping/>
+  </p:clrMapOvr>
+  <p:transition spd="slow">
+    <p:push dir="u"/>
+  </p:transition>
+  <p:timing>
+    <p:tnLst>
+      <p:par>
+        <p:cTn id="1" dur="indefinite" restart="never" nodeType="tmRoot"/>
+      </p:par>
+    </p:tnLst>
+  </p:timing>
+</p:sld>
+</file>
+
+<file path=ppt/slides/slide4.xml><?xml version="1.0" encoding="utf-8"?>
+<p:sld xmlns:a="http://schemas.openxmlformats.org/drawingml/2006/main" xmlns:r="http://schemas.openxmlformats.org/officeDocument/2006/relationships" xmlns:p="http://schemas.openxmlformats.org/presentationml/2006/main">
+  <p:cSld>
+    <p:spTree>
+      <p:nvGrpSpPr>
+        <p:cNvPr id="1" name=""/>
+        <p:cNvGrpSpPr/>
+        <p:nvPr/>
+      </p:nvGrpSpPr>
+      <p:grpSpPr>
+        <a:xfrm>
+          <a:off x="0" y="0"/>
+          <a:ext cx="0" cy="0"/>
+          <a:chOff x="0" y="0"/>
+          <a:chExt cx="0" cy="0"/>
+        </a:xfrm>
+      </p:grpSpPr>
+      <p:sp>
+        <p:nvSpPr>
+          <p:cNvPr id="2" name="Title 1"/>
+          <p:cNvSpPr>
+            <a:spLocks noGrp="1"/>
+          </p:cNvSpPr>
+          <p:nvPr>
+            <p:ph type="title"/>
+          </p:nvPr>
+        </p:nvSpPr>
+        <p:spPr/>
+        <p:txBody>
+          <a:bodyPr/>
+          <a:lstStyle/>
+          <a:p>
+            <a:r>
+              <a:rPr lang="en-US" dirty="0" smtClean="0"/>
+              <a:t>Scenario Problem</a:t>
+            </a:r>
+            <a:endParaRPr lang="en-US" dirty="0"/>
+          </a:p>
+        </p:txBody>
+      </p:sp>
+      <p:pic>
+        <p:nvPicPr>
+          <p:cNvPr id="5" name="Content Placeholder 4"/>
+          <p:cNvPicPr>
+            <a:picLocks noGrp="1" noChangeAspect="1"/>
+          </p:cNvPicPr>
+          <p:nvPr>
+            <p:ph idx="1"/>
+          </p:nvPr>
+        </p:nvPicPr>
+        <p:blipFill>
+          <a:blip r:embed="rId2">
+            <a:extLst>
+              <a:ext uri="{28A0092B-C50C-407E-A947-70E740481C1C}">
+                <a14:useLocalDpi xmlns:a14="http://schemas.microsoft.com/office/drawing/2010/main" val="0"/>
+              </a:ext>
+            </a:extLst>
+          </a:blip>
+          <a:stretch>
+            <a:fillRect/>
+          </a:stretch>
+        </p:blipFill>
+        <p:spPr>
+          <a:xfrm>
+            <a:off x="3275298" y="1374632"/>
+            <a:ext cx="5641404" cy="4701170"/>
+          </a:xfrm>
+          <a:prstGeom prst="rect">
+            <a:avLst/>
+          </a:prstGeom>
+          <a:ln w="88900" cap="sq" cmpd="thickThin">
+            <a:solidFill>
+              <a:srgbClr val="000000"/>
+            </a:solidFill>
+            <a:prstDash val="solid"/>
+            <a:miter lim="800000"/>
+          </a:ln>
+          <a:effectLst>
+            <a:innerShdw blurRad="76200">
+              <a:srgbClr val="000000"/>
+            </a:innerShdw>
+          </a:effectLst>
+        </p:spPr>
+      </p:pic>
+    </p:spTree>
+    <p:extLst>
+      <p:ext uri="{BB962C8B-B14F-4D97-AF65-F5344CB8AC3E}">
+        <p14:creationId xmlns:p14="http://schemas.microsoft.com/office/powerpoint/2010/main" val="472214397"/>
+      </p:ext>
+    </p:extLst>
+  </p:cSld>
+  <p:clrMapOvr>
+    <a:masterClrMapping/>
+  </p:clrMapOvr>
+  <p:timing>
+    <p:tnLst>
+      <p:par>
+        <p:cTn id="1" dur="indefinite" restart="never" nodeType="tmRoot"/>
+      </p:par>
+    </p:tnLst>
+  </p:timing>
+</p:sld>
+</file>
+
+<file path=ppt/slides/slide5.xml><?xml version="1.0" encoding="utf-8"?>
+<p:sld xmlns:a="http://schemas.openxmlformats.org/drawingml/2006/main" xmlns:r="http://schemas.openxmlformats.org/officeDocument/2006/relationships" xmlns:p="http://schemas.openxmlformats.org/presentationml/2006/main">
+  <p:cSld>
+    <p:spTree>
+      <p:nvGrpSpPr>
+        <p:cNvPr id="1" name=""/>
+        <p:cNvGrpSpPr/>
+        <p:nvPr/>
+      </p:nvGrpSpPr>
+      <p:grpSpPr>
+        <a:xfrm>
+          <a:off x="0" y="0"/>
+          <a:ext cx="0" cy="0"/>
+          <a:chOff x="0" y="0"/>
+          <a:chExt cx="0" cy="0"/>
+        </a:xfrm>
+      </p:grpSpPr>
+      <p:sp>
+        <p:nvSpPr>
+          <p:cNvPr id="2" name="Title 1"/>
+          <p:cNvSpPr>
+            <a:spLocks noGrp="1"/>
+          </p:cNvSpPr>
+          <p:nvPr>
+            <p:ph type="title"/>
+          </p:nvPr>
+        </p:nvSpPr>
+        <p:spPr/>
+        <p:txBody>
+          <a:bodyPr/>
+          <a:lstStyle/>
+          <a:p>
+            <a:r>
+              <a:rPr lang="en-US" dirty="0" smtClean="0"/>
+              <a:t>Our Solution</a:t>
+            </a:r>
+            <a:endParaRPr lang="en-GB" dirty="0"/>
+          </a:p>
+        </p:txBody>
+      </p:sp>
+      <p:pic>
+        <p:nvPicPr>
+          <p:cNvPr id="8" name="Content Placeholder 7"/>
+          <p:cNvPicPr>
+            <a:picLocks noGrp="1" noChangeAspect="1"/>
+          </p:cNvPicPr>
+          <p:nvPr>
+            <p:ph idx="1"/>
+          </p:nvPr>
+        </p:nvPicPr>
+        <p:blipFill>
+          <a:blip r:embed="rId2">
+            <a:extLst>
+              <a:ext uri="{28A0092B-C50C-407E-A947-70E740481C1C}">
+                <a14:useLocalDpi xmlns:a14="http://schemas.microsoft.com/office/drawing/2010/main" val="0"/>
+              </a:ext>
+            </a:extLst>
+          </a:blip>
+          <a:stretch>
+            <a:fillRect/>
+          </a:stretch>
+        </p:blipFill>
+        <p:spPr>
+          <a:xfrm>
+            <a:off x="829487" y="2354594"/>
+            <a:ext cx="1627200" cy="1627200"/>
+          </a:xfrm>
+        </p:spPr>
+      </p:pic>
+      <p:pic>
+        <p:nvPicPr>
+          <p:cNvPr id="9" name="Picture 8"/>
+          <p:cNvPicPr>
+            <a:picLocks noChangeAspect="1"/>
+          </p:cNvPicPr>
+          <p:nvPr/>
+        </p:nvPicPr>
+        <p:blipFill>
+          <a:blip r:embed="rId3" cstate="print">
+            <a:extLst>
+              <a:ext uri="{28A0092B-C50C-407E-A947-70E740481C1C}">
+                <a14:useLocalDpi xmlns:a14="http://schemas.microsoft.com/office/drawing/2010/main" val="0"/>
+              </a:ext>
+            </a:extLst>
+          </a:blip>
+          <a:stretch>
+            <a:fillRect/>
+          </a:stretch>
+        </p:blipFill>
+        <p:spPr>
+          <a:xfrm>
+            <a:off x="5104326" y="2354594"/>
+            <a:ext cx="1446895" cy="1627200"/>
+          </a:xfrm>
+          <a:prstGeom prst="rect">
+            <a:avLst/>
+          </a:prstGeom>
+        </p:spPr>
+      </p:pic>
+      <p:pic>
+        <p:nvPicPr>
+          <p:cNvPr id="10" name="Picture 9"/>
+          <p:cNvPicPr>
+            <a:picLocks noChangeAspect="1"/>
+          </p:cNvPicPr>
+          <p:nvPr/>
+        </p:nvPicPr>
+        <p:blipFill>
+          <a:blip r:embed="rId4">
+            <a:extLst>
+              <a:ext uri="{28A0092B-C50C-407E-A947-70E740481C1C}">
+                <a14:useLocalDpi xmlns:a14="http://schemas.microsoft.com/office/drawing/2010/main" val="0"/>
+              </a:ext>
+            </a:extLst>
+          </a:blip>
+          <a:stretch>
+            <a:fillRect/>
+          </a:stretch>
+        </p:blipFill>
+        <p:spPr>
+          <a:xfrm>
+            <a:off x="9062905" y="2406101"/>
+            <a:ext cx="1627200" cy="1627200"/>
+          </a:xfrm>
+          <a:prstGeom prst="rect">
+            <a:avLst/>
+          </a:prstGeom>
+        </p:spPr>
+      </p:pic>
+      <p:sp>
+        <p:nvSpPr>
+          <p:cNvPr id="11" name="Right Arrow 10"/>
+          <p:cNvSpPr/>
+          <p:nvPr/>
+        </p:nvSpPr>
+        <p:spPr>
+          <a:xfrm>
+            <a:off x="2588654" y="2665927"/>
+            <a:ext cx="2511380" cy="1171977"/>
+          </a:xfrm>
+          <a:prstGeom prst="rightArrow">
+            <a:avLst/>
+          </a:prstGeom>
+        </p:spPr>
+        <p:style>
+          <a:lnRef idx="2">
+            <a:schemeClr val="accent1">
+              <a:shade val="50000"/>
+            </a:schemeClr>
+          </a:lnRef>
+          <a:fillRef idx="1">
+            <a:schemeClr val="accent1"/>
+          </a:fillRef>
+          <a:effectRef idx="0">
+            <a:schemeClr val="accent1"/>
+          </a:effectRef>
+          <a:fontRef idx="minor">
+            <a:schemeClr val="lt1"/>
+          </a:fontRef>
+        </p:style>
+        <p:txBody>
+          <a:bodyPr rtlCol="0" anchor="ctr"/>
+          <a:lstStyle/>
+          <a:p>
+            <a:pPr algn="ctr"/>
+            <a:r>
+              <a:rPr lang="en-US" dirty="0" smtClean="0"/>
+              <a:t>Track</a:t>
+            </a:r>
+            <a:endParaRPr lang="en-GB" dirty="0"/>
+          </a:p>
+        </p:txBody>
+      </p:sp>
+      <p:sp>
+        <p:nvSpPr>
+          <p:cNvPr id="12" name="Right Arrow 11"/>
+          <p:cNvSpPr/>
+          <p:nvPr/>
+        </p:nvSpPr>
+        <p:spPr>
+          <a:xfrm>
+            <a:off x="6550105" y="2664304"/>
+            <a:ext cx="2512800" cy="1173600"/>
+          </a:xfrm>
+          <a:prstGeom prst="rightArrow">
+            <a:avLst/>
+          </a:prstGeom>
+        </p:spPr>
+        <p:style>
+          <a:lnRef idx="2">
+            <a:schemeClr val="accent1">
+              <a:shade val="50000"/>
+            </a:schemeClr>
+          </a:lnRef>
+          <a:fillRef idx="1">
+            <a:schemeClr val="accent1"/>
+          </a:fillRef>
+          <a:effectRef idx="0">
+            <a:schemeClr val="accent1"/>
+          </a:effectRef>
+          <a:fontRef idx="minor">
+            <a:schemeClr val="lt1"/>
+          </a:fontRef>
+        </p:style>
+        <p:txBody>
+          <a:bodyPr rtlCol="0" anchor="ctr"/>
+          <a:lstStyle/>
+          <a:p>
+            <a:pPr algn="ctr"/>
+            <a:r>
+              <a:rPr lang="en-US" dirty="0" smtClean="0"/>
+              <a:t>Give</a:t>
+            </a:r>
+            <a:endParaRPr lang="en-GB" dirty="0"/>
+          </a:p>
+        </p:txBody>
+      </p:sp>
+      <p:sp>
+        <p:nvSpPr>
+          <p:cNvPr id="13" name="TextBox 12"/>
+          <p:cNvSpPr txBox="1"/>
+          <p:nvPr/>
+        </p:nvSpPr>
+        <p:spPr>
+          <a:xfrm>
+            <a:off x="1068945" y="4108359"/>
+            <a:ext cx="912429" cy="369332"/>
+          </a:xfrm>
+          <a:prstGeom prst="rect">
+            <a:avLst/>
+          </a:prstGeom>
+          <a:noFill/>
+        </p:spPr>
+        <p:txBody>
+          <a:bodyPr wrap="none" rtlCol="0">
+            <a:spAutoFit/>
+          </a:bodyPr>
+          <a:lstStyle/>
+          <a:p>
+            <a:r>
+              <a:rPr lang="en-US" dirty="0" smtClean="0"/>
+              <a:t>System</a:t>
+            </a:r>
+            <a:endParaRPr lang="en-GB" dirty="0"/>
+          </a:p>
+        </p:txBody>
+      </p:sp>
+      <p:sp>
+        <p:nvSpPr>
+          <p:cNvPr id="14" name="TextBox 13"/>
+          <p:cNvSpPr txBox="1"/>
+          <p:nvPr/>
+        </p:nvSpPr>
+        <p:spPr>
+          <a:xfrm>
+            <a:off x="5478767" y="4108359"/>
+            <a:ext cx="698012" cy="369332"/>
+          </a:xfrm>
+          <a:prstGeom prst="rect">
+            <a:avLst/>
+          </a:prstGeom>
+          <a:noFill/>
+        </p:spPr>
+        <p:txBody>
+          <a:bodyPr wrap="none" rtlCol="0">
+            <a:spAutoFit/>
+          </a:bodyPr>
+          <a:lstStyle/>
+          <a:p>
+            <a:r>
+              <a:rPr lang="en-US" dirty="0" smtClean="0"/>
+              <a:t>Price</a:t>
+            </a:r>
+            <a:endParaRPr lang="en-GB" dirty="0"/>
+          </a:p>
+        </p:txBody>
+      </p:sp>
+      <p:sp>
+        <p:nvSpPr>
+          <p:cNvPr id="15" name="TextBox 14"/>
+          <p:cNvSpPr txBox="1"/>
+          <p:nvPr/>
+        </p:nvSpPr>
+        <p:spPr>
+          <a:xfrm>
+            <a:off x="9236746" y="4108359"/>
+            <a:ext cx="1279517" cy="369332"/>
+          </a:xfrm>
+          <a:prstGeom prst="rect">
+            <a:avLst/>
+          </a:prstGeom>
+          <a:noFill/>
+        </p:spPr>
+        <p:txBody>
+          <a:bodyPr wrap="none" rtlCol="0">
+            <a:spAutoFit/>
+          </a:bodyPr>
+          <a:lstStyle/>
+          <a:p>
+            <a:r>
+              <a:rPr lang="en-US" dirty="0" smtClean="0"/>
+              <a:t>Suggestion</a:t>
+            </a:r>
+            <a:endParaRPr lang="en-GB" dirty="0"/>
+          </a:p>
+        </p:txBody>
+      </p:sp>
+    </p:spTree>
+    <p:extLst>
+      <p:ext uri="{BB962C8B-B14F-4D97-AF65-F5344CB8AC3E}">
+        <p14:creationId xmlns:p14="http://schemas.microsoft.com/office/powerpoint/2010/main" val="3140107869"/>
+      </p:ext>
+    </p:extLst>
+  </p:cSld>
+  <p:clrMapOvr>
+    <a:masterClrMapping/>
+  </p:clrMapOvr>
+  <p:transition spd="slow">
+    <p:wipe dir="r"/>
+  </p:transition>
+  <p:timing>
+    <p:tnLst>
+      <p:par>
+        <p:cTn id="1" dur="indefinite" restart="never" nodeType="tmRoot"/>
+      </p:par>
+    </p:tnLst>
+  </p:timing>
+</p:sld>
+</file>
+
+<file path=ppt/slides/slide6.xml><?xml version="1.0" encoding="utf-8"?>
 <p:sld xmlns:a="http://schemas.openxmlformats.org/drawingml/2006/main" xmlns:r="http://schemas.openxmlformats.org/officeDocument/2006/relationships" xmlns:p="http://schemas.openxmlformats.org/presentationml/2006/main">
   <p:cSld>
     <p:spTree>
@@ -21658,13 +23320,13 @@
   <p:clrMapOvr>
     <a:masterClrMapping/>
   </p:clrMapOvr>
-  <mc:AlternateContent xmlns:mc="http://schemas.openxmlformats.org/markup-compatibility/2006">
-    <mc:Choice xmlns:p14="http://schemas.microsoft.com/office/powerpoint/2010/main" Requires="p14">
+  <mc:AlternateContent xmlns:mc="http://schemas.openxmlformats.org/markup-compatibility/2006" xmlns:p14="http://schemas.microsoft.com/office/powerpoint/2010/main">
+    <mc:Choice Requires="p14">
       <p:transition spd="slow" p14:dur="2500">
         <p:checker/>
       </p:transition>
     </mc:Choice>
-    <mc:Fallback>
+    <mc:Fallback xmlns="">
       <p:transition spd="slow">
         <p:checker/>
       </p:transition>
@@ -21680,7 +23342,7 @@
 </p:sld>
 </file>
 
-<file path=ppt/slides/slide8.xml><?xml version="1.0" encoding="utf-8"?>
+<file path=ppt/slides/slide7.xml><?xml version="1.0" encoding="utf-8"?>
 <p:sld xmlns:a="http://schemas.openxmlformats.org/drawingml/2006/main" xmlns:r="http://schemas.openxmlformats.org/officeDocument/2006/relationships" xmlns:p="http://schemas.openxmlformats.org/presentationml/2006/main">
   <p:cSld>
     <p:spTree>
@@ -21742,7 +23404,7 @@
         </p:blipFill>
         <p:spPr>
           <a:xfrm>
-            <a:off x="677334" y="2616200"/>
+            <a:off x="677333" y="2616200"/>
             <a:ext cx="1625600" cy="1625600"/>
           </a:xfrm>
           <a:prstGeom prst="rect">
@@ -21772,7 +23434,7 @@
         </p:blipFill>
         <p:spPr>
           <a:xfrm>
-            <a:off x="4405229" y="2615184"/>
+            <a:off x="4405228" y="2615184"/>
             <a:ext cx="1627632" cy="1627632"/>
           </a:xfrm>
           <a:prstGeom prst="rect">
@@ -21802,7 +23464,7 @@
         </p:blipFill>
         <p:spPr>
           <a:xfrm>
-            <a:off x="8135155" y="2615184"/>
+            <a:off x="8135154" y="2615184"/>
             <a:ext cx="1627632" cy="1627632"/>
           </a:xfrm>
           <a:prstGeom prst="rect">
@@ -21818,7 +23480,7 @@
         </p:nvSpPr>
         <p:spPr>
           <a:xfrm>
-            <a:off x="2104831" y="2895629"/>
+            <a:off x="2104830" y="2895629"/>
             <a:ext cx="2300397" cy="1066742"/>
           </a:xfrm>
           <a:prstGeom prst="rightArrow">
@@ -21868,7 +23530,7 @@
         </p:nvSpPr>
         <p:spPr>
           <a:xfrm>
-            <a:off x="5834758" y="2895629"/>
+            <a:off x="5834757" y="2895629"/>
             <a:ext cx="2300397" cy="1066742"/>
           </a:xfrm>
           <a:prstGeom prst="rightArrow">
@@ -22199,7 +23861,7 @@
 </p:sld>
 </file>
 
-<file path=ppt/slides/slide9.xml><?xml version="1.0" encoding="utf-8"?>
+<file path=ppt/slides/slide8.xml><?xml version="1.0" encoding="utf-8"?>
 <p:sld xmlns:a="http://schemas.openxmlformats.org/drawingml/2006/main" xmlns:r="http://schemas.openxmlformats.org/officeDocument/2006/relationships" xmlns:p="http://schemas.openxmlformats.org/presentationml/2006/main">
   <p:cSld>
     <p:spTree>
@@ -22708,6 +24370,721 @@
 </p:sld>
 </file>
 
+<file path=ppt/slides/slide9.xml><?xml version="1.0" encoding="utf-8"?>
+<p:sld xmlns:a="http://schemas.openxmlformats.org/drawingml/2006/main" xmlns:r="http://schemas.openxmlformats.org/officeDocument/2006/relationships" xmlns:p="http://schemas.openxmlformats.org/presentationml/2006/main">
+  <p:cSld>
+    <p:spTree>
+      <p:nvGrpSpPr>
+        <p:cNvPr id="1" name=""/>
+        <p:cNvGrpSpPr/>
+        <p:nvPr/>
+      </p:nvGrpSpPr>
+      <p:grpSpPr>
+        <a:xfrm>
+          <a:off x="0" y="0"/>
+          <a:ext cx="0" cy="0"/>
+          <a:chOff x="0" y="0"/>
+          <a:chExt cx="0" cy="0"/>
+        </a:xfrm>
+      </p:grpSpPr>
+      <p:sp>
+        <p:nvSpPr>
+          <p:cNvPr id="2" name="Title 1"/>
+          <p:cNvSpPr>
+            <a:spLocks noGrp="1"/>
+          </p:cNvSpPr>
+          <p:nvPr>
+            <p:ph type="title"/>
+          </p:nvPr>
+        </p:nvSpPr>
+        <p:spPr>
+          <a:xfrm>
+            <a:off x="677334" y="609600"/>
+            <a:ext cx="8596668" cy="652530"/>
+          </a:xfrm>
+        </p:spPr>
+        <p:txBody>
+          <a:bodyPr/>
+          <a:lstStyle/>
+          <a:p>
+            <a:r>
+              <a:rPr lang="en-US" dirty="0" smtClean="0"/>
+              <a:t>Demo Scenario - Staff</a:t>
+            </a:r>
+            <a:endParaRPr lang="en-US" dirty="0"/>
+          </a:p>
+        </p:txBody>
+      </p:sp>
+      <p:pic>
+        <p:nvPicPr>
+          <p:cNvPr id="4" name="Picture 3"/>
+          <p:cNvPicPr>
+            <a:picLocks noChangeAspect="1"/>
+          </p:cNvPicPr>
+          <p:nvPr/>
+        </p:nvPicPr>
+        <p:blipFill>
+          <a:blip r:embed="rId2">
+            <a:extLst>
+              <a:ext uri="{28A0092B-C50C-407E-A947-70E740481C1C}">
+                <a14:useLocalDpi xmlns:a14="http://schemas.microsoft.com/office/drawing/2010/main" val="0"/>
+              </a:ext>
+            </a:extLst>
+          </a:blip>
+          <a:stretch>
+            <a:fillRect/>
+          </a:stretch>
+        </p:blipFill>
+        <p:spPr>
+          <a:xfrm>
+            <a:off x="1379518" y="1332062"/>
+            <a:ext cx="1627632" cy="1627632"/>
+          </a:xfrm>
+          <a:prstGeom prst="rect">
+            <a:avLst/>
+          </a:prstGeom>
+        </p:spPr>
+      </p:pic>
+      <p:pic>
+        <p:nvPicPr>
+          <p:cNvPr id="5" name="Picture 4"/>
+          <p:cNvPicPr>
+            <a:picLocks noChangeAspect="1"/>
+          </p:cNvPicPr>
+          <p:nvPr/>
+        </p:nvPicPr>
+        <p:blipFill>
+          <a:blip r:embed="rId3">
+            <a:extLst>
+              <a:ext uri="{28A0092B-C50C-407E-A947-70E740481C1C}">
+                <a14:useLocalDpi xmlns:a14="http://schemas.microsoft.com/office/drawing/2010/main" val="0"/>
+              </a:ext>
+            </a:extLst>
+          </a:blip>
+          <a:stretch>
+            <a:fillRect/>
+          </a:stretch>
+        </p:blipFill>
+        <p:spPr>
+          <a:xfrm>
+            <a:off x="4898400" y="1332062"/>
+            <a:ext cx="1627632" cy="1627632"/>
+          </a:xfrm>
+          <a:prstGeom prst="rect">
+            <a:avLst/>
+          </a:prstGeom>
+        </p:spPr>
+      </p:pic>
+      <p:pic>
+        <p:nvPicPr>
+          <p:cNvPr id="6" name="Picture 5"/>
+          <p:cNvPicPr>
+            <a:picLocks/>
+          </p:cNvPicPr>
+          <p:nvPr/>
+        </p:nvPicPr>
+        <p:blipFill>
+          <a:blip r:embed="rId4" cstate="print">
+            <a:extLst>
+              <a:ext uri="{28A0092B-C50C-407E-A947-70E740481C1C}">
+                <a14:useLocalDpi xmlns:a14="http://schemas.microsoft.com/office/drawing/2010/main" val="0"/>
+              </a:ext>
+            </a:extLst>
+          </a:blip>
+          <a:stretch>
+            <a:fillRect/>
+          </a:stretch>
+        </p:blipFill>
+        <p:spPr>
+          <a:xfrm>
+            <a:off x="8557473" y="1332062"/>
+            <a:ext cx="1627632" cy="1627632"/>
+          </a:xfrm>
+          <a:prstGeom prst="rect">
+            <a:avLst/>
+          </a:prstGeom>
+        </p:spPr>
+      </p:pic>
+      <p:pic>
+        <p:nvPicPr>
+          <p:cNvPr id="7" name="Picture 6"/>
+          <p:cNvPicPr>
+            <a:picLocks/>
+          </p:cNvPicPr>
+          <p:nvPr/>
+        </p:nvPicPr>
+        <p:blipFill>
+          <a:blip r:embed="rId5">
+            <a:extLst>
+              <a:ext uri="{28A0092B-C50C-407E-A947-70E740481C1C}">
+                <a14:useLocalDpi xmlns:a14="http://schemas.microsoft.com/office/drawing/2010/main" val="0"/>
+              </a:ext>
+            </a:extLst>
+          </a:blip>
+          <a:stretch>
+            <a:fillRect/>
+          </a:stretch>
+        </p:blipFill>
+        <p:spPr>
+          <a:xfrm>
+            <a:off x="4898400" y="3402727"/>
+            <a:ext cx="1627632" cy="1627632"/>
+          </a:xfrm>
+          <a:prstGeom prst="rect">
+            <a:avLst/>
+          </a:prstGeom>
+        </p:spPr>
+      </p:pic>
+      <p:sp>
+        <p:nvSpPr>
+          <p:cNvPr id="8" name="Right Arrow 7"/>
+          <p:cNvSpPr/>
+          <p:nvPr/>
+        </p:nvSpPr>
+        <p:spPr>
+          <a:xfrm>
+            <a:off x="3041561" y="1705163"/>
+            <a:ext cx="1782317" cy="907188"/>
+          </a:xfrm>
+          <a:prstGeom prst="rightArrow">
+            <a:avLst/>
+          </a:prstGeom>
+        </p:spPr>
+        <p:style>
+          <a:lnRef idx="2">
+            <a:schemeClr val="accent1">
+              <a:shade val="50000"/>
+            </a:schemeClr>
+          </a:lnRef>
+          <a:fillRef idx="1">
+            <a:schemeClr val="accent1"/>
+          </a:fillRef>
+          <a:effectRef idx="0">
+            <a:schemeClr val="accent1"/>
+          </a:effectRef>
+          <a:fontRef idx="minor">
+            <a:schemeClr val="lt1"/>
+          </a:fontRef>
+        </p:style>
+        <p:txBody>
+          <a:bodyPr rtlCol="0" anchor="ctr"/>
+          <a:lstStyle/>
+          <a:p>
+            <a:pPr algn="ctr"/>
+            <a:r>
+              <a:rPr lang="en-US" dirty="0" smtClean="0">
+                <a:latin typeface="Arial" panose="020B0604020202020204" pitchFamily="34" charset="0"/>
+                <a:cs typeface="Arial" panose="020B0604020202020204" pitchFamily="34" charset="0"/>
+              </a:rPr>
+              <a:t>Import data</a:t>
+            </a:r>
+            <a:endParaRPr lang="en-US" dirty="0">
+              <a:latin typeface="Arial" panose="020B0604020202020204" pitchFamily="34" charset="0"/>
+              <a:cs typeface="Arial" panose="020B0604020202020204" pitchFamily="34" charset="0"/>
+            </a:endParaRPr>
+          </a:p>
+        </p:txBody>
+      </p:sp>
+      <p:sp>
+        <p:nvSpPr>
+          <p:cNvPr id="9" name="Right Arrow 8"/>
+          <p:cNvSpPr/>
+          <p:nvPr/>
+        </p:nvSpPr>
+        <p:spPr>
+          <a:xfrm>
+            <a:off x="6600554" y="1692284"/>
+            <a:ext cx="1882397" cy="920067"/>
+          </a:xfrm>
+          <a:prstGeom prst="rightArrow">
+            <a:avLst/>
+          </a:prstGeom>
+        </p:spPr>
+        <p:style>
+          <a:lnRef idx="2">
+            <a:schemeClr val="accent1">
+              <a:shade val="50000"/>
+            </a:schemeClr>
+          </a:lnRef>
+          <a:fillRef idx="1">
+            <a:schemeClr val="accent1"/>
+          </a:fillRef>
+          <a:effectRef idx="0">
+            <a:schemeClr val="accent1"/>
+          </a:effectRef>
+          <a:fontRef idx="minor">
+            <a:schemeClr val="lt1"/>
+          </a:fontRef>
+        </p:style>
+        <p:txBody>
+          <a:bodyPr rtlCol="0" anchor="ctr"/>
+          <a:lstStyle/>
+          <a:p>
+            <a:pPr algn="ctr"/>
+            <a:r>
+              <a:rPr lang="en-US" dirty="0" smtClean="0">
+                <a:latin typeface="Arial" panose="020B0604020202020204" pitchFamily="34" charset="0"/>
+                <a:cs typeface="Arial" panose="020B0604020202020204" pitchFamily="34" charset="0"/>
+              </a:rPr>
+              <a:t>Train machine</a:t>
+            </a:r>
+            <a:endParaRPr lang="en-US" dirty="0">
+              <a:latin typeface="Arial" panose="020B0604020202020204" pitchFamily="34" charset="0"/>
+              <a:cs typeface="Arial" panose="020B0604020202020204" pitchFamily="34" charset="0"/>
+            </a:endParaRPr>
+          </a:p>
+        </p:txBody>
+      </p:sp>
+      <p:sp>
+        <p:nvSpPr>
+          <p:cNvPr id="16" name="Bent-Up Arrow 15"/>
+          <p:cNvSpPr/>
+          <p:nvPr/>
+        </p:nvSpPr>
+        <p:spPr>
+          <a:xfrm rot="5400000">
+            <a:off x="2458876" y="2706414"/>
+            <a:ext cx="1598109" cy="2503529"/>
+          </a:xfrm>
+          <a:prstGeom prst="bentUpArrow">
+            <a:avLst/>
+          </a:prstGeom>
+        </p:spPr>
+        <p:style>
+          <a:lnRef idx="2">
+            <a:schemeClr val="accent1">
+              <a:shade val="50000"/>
+            </a:schemeClr>
+          </a:lnRef>
+          <a:fillRef idx="1">
+            <a:schemeClr val="accent1"/>
+          </a:fillRef>
+          <a:effectRef idx="0">
+            <a:schemeClr val="accent1"/>
+          </a:effectRef>
+          <a:fontRef idx="minor">
+            <a:schemeClr val="lt1"/>
+          </a:fontRef>
+        </p:style>
+        <p:txBody>
+          <a:bodyPr rtlCol="0" anchor="ctr"/>
+          <a:lstStyle/>
+          <a:p>
+            <a:pPr algn="ctr"/>
+            <a:endParaRPr lang="en-US" dirty="0"/>
+          </a:p>
+        </p:txBody>
+      </p:sp>
+      <p:sp>
+        <p:nvSpPr>
+          <p:cNvPr id="17" name="TextBox 16"/>
+          <p:cNvSpPr txBox="1"/>
+          <p:nvPr/>
+        </p:nvSpPr>
+        <p:spPr>
+          <a:xfrm>
+            <a:off x="2346044" y="4164242"/>
+            <a:ext cx="1878226" cy="369332"/>
+          </a:xfrm>
+          <a:prstGeom prst="rect">
+            <a:avLst/>
+          </a:prstGeom>
+          <a:noFill/>
+        </p:spPr>
+        <p:txBody>
+          <a:bodyPr wrap="square" rtlCol="0">
+            <a:spAutoFit/>
+          </a:bodyPr>
+          <a:lstStyle/>
+          <a:p>
+            <a:r>
+              <a:rPr lang="en-US" dirty="0" smtClean="0">
+                <a:solidFill>
+                  <a:schemeClr val="bg1"/>
+                </a:solidFill>
+                <a:latin typeface="Arial" panose="020B0604020202020204" pitchFamily="34" charset="0"/>
+                <a:cs typeface="Arial" panose="020B0604020202020204" pitchFamily="34" charset="0"/>
+              </a:rPr>
+              <a:t>Manage parsers</a:t>
+            </a:r>
+            <a:endParaRPr lang="en-US" dirty="0">
+              <a:solidFill>
+                <a:schemeClr val="bg1"/>
+              </a:solidFill>
+              <a:latin typeface="Arial" panose="020B0604020202020204" pitchFamily="34" charset="0"/>
+              <a:cs typeface="Arial" panose="020B0604020202020204" pitchFamily="34" charset="0"/>
+            </a:endParaRPr>
+          </a:p>
+        </p:txBody>
+      </p:sp>
+    </p:spTree>
+    <p:extLst>
+      <p:ext uri="{BB962C8B-B14F-4D97-AF65-F5344CB8AC3E}">
+        <p14:creationId xmlns:p14="http://schemas.microsoft.com/office/powerpoint/2010/main" val="873063229"/>
+      </p:ext>
+    </p:extLst>
+  </p:cSld>
+  <p:clrMapOvr>
+    <a:masterClrMapping/>
+  </p:clrMapOvr>
+  <p:transition spd="slow">
+    <p:push dir="u"/>
+  </p:transition>
+  <p:timing>
+    <p:tnLst>
+      <p:par>
+        <p:cTn id="1" dur="indefinite" restart="never" nodeType="tmRoot">
+          <p:childTnLst>
+            <p:seq concurrent="1" nextAc="seek">
+              <p:cTn id="2" dur="indefinite" nodeType="mainSeq">
+                <p:childTnLst>
+                  <p:par>
+                    <p:cTn id="3" fill="hold">
+                      <p:stCondLst>
+                        <p:cond delay="indefinite"/>
+                      </p:stCondLst>
+                      <p:childTnLst>
+                        <p:par>
+                          <p:cTn id="4" fill="hold">
+                            <p:stCondLst>
+                              <p:cond delay="0"/>
+                            </p:stCondLst>
+                            <p:childTnLst>
+                              <p:par>
+                                <p:cTn id="5" presetID="14" presetClass="entr" presetSubtype="10" fill="hold" nodeType="clickEffect">
+                                  <p:stCondLst>
+                                    <p:cond delay="0"/>
+                                  </p:stCondLst>
+                                  <p:childTnLst>
+                                    <p:set>
+                                      <p:cBhvr>
+                                        <p:cTn id="6" dur="1" fill="hold">
+                                          <p:stCondLst>
+                                            <p:cond delay="0"/>
+                                          </p:stCondLst>
+                                        </p:cTn>
+                                        <p:tgtEl>
+                                          <p:spTgt spid="4"/>
+                                        </p:tgtEl>
+                                        <p:attrNameLst>
+                                          <p:attrName>style.visibility</p:attrName>
+                                        </p:attrNameLst>
+                                      </p:cBhvr>
+                                      <p:to>
+                                        <p:strVal val="visible"/>
+                                      </p:to>
+                                    </p:set>
+                                    <p:animEffect transition="in" filter="randombar(horizontal)">
+                                      <p:cBhvr>
+                                        <p:cTn id="7" dur="500"/>
+                                        <p:tgtEl>
+                                          <p:spTgt spid="4"/>
+                                        </p:tgtEl>
+                                      </p:cBhvr>
+                                    </p:animEffect>
+                                  </p:childTnLst>
+                                </p:cTn>
+                              </p:par>
+                            </p:childTnLst>
+                          </p:cTn>
+                        </p:par>
+                      </p:childTnLst>
+                    </p:cTn>
+                  </p:par>
+                  <p:par>
+                    <p:cTn id="8" fill="hold">
+                      <p:stCondLst>
+                        <p:cond delay="indefinite"/>
+                      </p:stCondLst>
+                      <p:childTnLst>
+                        <p:par>
+                          <p:cTn id="9" fill="hold">
+                            <p:stCondLst>
+                              <p:cond delay="0"/>
+                            </p:stCondLst>
+                            <p:childTnLst>
+                              <p:par>
+                                <p:cTn id="10" presetID="14" presetClass="entr" presetSubtype="10" fill="hold" grpId="0" nodeType="clickEffect">
+                                  <p:stCondLst>
+                                    <p:cond delay="0"/>
+                                  </p:stCondLst>
+                                  <p:childTnLst>
+                                    <p:set>
+                                      <p:cBhvr>
+                                        <p:cTn id="11" dur="1" fill="hold">
+                                          <p:stCondLst>
+                                            <p:cond delay="0"/>
+                                          </p:stCondLst>
+                                        </p:cTn>
+                                        <p:tgtEl>
+                                          <p:spTgt spid="8"/>
+                                        </p:tgtEl>
+                                        <p:attrNameLst>
+                                          <p:attrName>style.visibility</p:attrName>
+                                        </p:attrNameLst>
+                                      </p:cBhvr>
+                                      <p:to>
+                                        <p:strVal val="visible"/>
+                                      </p:to>
+                                    </p:set>
+                                    <p:animEffect transition="in" filter="randombar(horizontal)">
+                                      <p:cBhvr>
+                                        <p:cTn id="12" dur="500"/>
+                                        <p:tgtEl>
+                                          <p:spTgt spid="8"/>
+                                        </p:tgtEl>
+                                      </p:cBhvr>
+                                    </p:animEffect>
+                                  </p:childTnLst>
+                                </p:cTn>
+                              </p:par>
+                              <p:par>
+                                <p:cTn id="13" presetID="14" presetClass="entr" presetSubtype="10" fill="hold" nodeType="withEffect">
+                                  <p:stCondLst>
+                                    <p:cond delay="0"/>
+                                  </p:stCondLst>
+                                  <p:childTnLst>
+                                    <p:set>
+                                      <p:cBhvr>
+                                        <p:cTn id="14" dur="1" fill="hold">
+                                          <p:stCondLst>
+                                            <p:cond delay="0"/>
+                                          </p:stCondLst>
+                                        </p:cTn>
+                                        <p:tgtEl>
+                                          <p:spTgt spid="5"/>
+                                        </p:tgtEl>
+                                        <p:attrNameLst>
+                                          <p:attrName>style.visibility</p:attrName>
+                                        </p:attrNameLst>
+                                      </p:cBhvr>
+                                      <p:to>
+                                        <p:strVal val="visible"/>
+                                      </p:to>
+                                    </p:set>
+                                    <p:animEffect transition="in" filter="randombar(horizontal)">
+                                      <p:cBhvr>
+                                        <p:cTn id="15" dur="500"/>
+                                        <p:tgtEl>
+                                          <p:spTgt spid="5"/>
+                                        </p:tgtEl>
+                                      </p:cBhvr>
+                                    </p:animEffect>
+                                  </p:childTnLst>
+                                </p:cTn>
+                              </p:par>
+                            </p:childTnLst>
+                          </p:cTn>
+                        </p:par>
+                      </p:childTnLst>
+                    </p:cTn>
+                  </p:par>
+                  <p:par>
+                    <p:cTn id="16" fill="hold">
+                      <p:stCondLst>
+                        <p:cond delay="indefinite"/>
+                      </p:stCondLst>
+                      <p:childTnLst>
+                        <p:par>
+                          <p:cTn id="17" fill="hold">
+                            <p:stCondLst>
+                              <p:cond delay="0"/>
+                            </p:stCondLst>
+                            <p:childTnLst>
+                              <p:par>
+                                <p:cTn id="18" presetID="14" presetClass="entr" presetSubtype="10" fill="hold" grpId="0" nodeType="clickEffect">
+                                  <p:stCondLst>
+                                    <p:cond delay="0"/>
+                                  </p:stCondLst>
+                                  <p:childTnLst>
+                                    <p:set>
+                                      <p:cBhvr>
+                                        <p:cTn id="19" dur="1" fill="hold">
+                                          <p:stCondLst>
+                                            <p:cond delay="0"/>
+                                          </p:stCondLst>
+                                        </p:cTn>
+                                        <p:tgtEl>
+                                          <p:spTgt spid="9"/>
+                                        </p:tgtEl>
+                                        <p:attrNameLst>
+                                          <p:attrName>style.visibility</p:attrName>
+                                        </p:attrNameLst>
+                                      </p:cBhvr>
+                                      <p:to>
+                                        <p:strVal val="visible"/>
+                                      </p:to>
+                                    </p:set>
+                                    <p:animEffect transition="in" filter="randombar(horizontal)">
+                                      <p:cBhvr>
+                                        <p:cTn id="20" dur="500"/>
+                                        <p:tgtEl>
+                                          <p:spTgt spid="9"/>
+                                        </p:tgtEl>
+                                      </p:cBhvr>
+                                    </p:animEffect>
+                                  </p:childTnLst>
+                                </p:cTn>
+                              </p:par>
+                              <p:par>
+                                <p:cTn id="21" presetID="14" presetClass="entr" presetSubtype="10" fill="hold" nodeType="withEffect">
+                                  <p:stCondLst>
+                                    <p:cond delay="0"/>
+                                  </p:stCondLst>
+                                  <p:childTnLst>
+                                    <p:set>
+                                      <p:cBhvr>
+                                        <p:cTn id="22" dur="1" fill="hold">
+                                          <p:stCondLst>
+                                            <p:cond delay="0"/>
+                                          </p:stCondLst>
+                                        </p:cTn>
+                                        <p:tgtEl>
+                                          <p:spTgt spid="6"/>
+                                        </p:tgtEl>
+                                        <p:attrNameLst>
+                                          <p:attrName>style.visibility</p:attrName>
+                                        </p:attrNameLst>
+                                      </p:cBhvr>
+                                      <p:to>
+                                        <p:strVal val="visible"/>
+                                      </p:to>
+                                    </p:set>
+                                    <p:animEffect transition="in" filter="randombar(horizontal)">
+                                      <p:cBhvr>
+                                        <p:cTn id="23" dur="500"/>
+                                        <p:tgtEl>
+                                          <p:spTgt spid="6"/>
+                                        </p:tgtEl>
+                                      </p:cBhvr>
+                                    </p:animEffect>
+                                  </p:childTnLst>
+                                </p:cTn>
+                              </p:par>
+                            </p:childTnLst>
+                          </p:cTn>
+                        </p:par>
+                      </p:childTnLst>
+                    </p:cTn>
+                  </p:par>
+                  <p:par>
+                    <p:cTn id="24" fill="hold">
+                      <p:stCondLst>
+                        <p:cond delay="indefinite"/>
+                      </p:stCondLst>
+                      <p:childTnLst>
+                        <p:par>
+                          <p:cTn id="25" fill="hold">
+                            <p:stCondLst>
+                              <p:cond delay="0"/>
+                            </p:stCondLst>
+                            <p:childTnLst>
+                              <p:par>
+                                <p:cTn id="26" presetID="14" presetClass="entr" presetSubtype="10" fill="hold" grpId="0" nodeType="clickEffect">
+                                  <p:stCondLst>
+                                    <p:cond delay="0"/>
+                                  </p:stCondLst>
+                                  <p:childTnLst>
+                                    <p:set>
+                                      <p:cBhvr>
+                                        <p:cTn id="27" dur="1" fill="hold">
+                                          <p:stCondLst>
+                                            <p:cond delay="0"/>
+                                          </p:stCondLst>
+                                        </p:cTn>
+                                        <p:tgtEl>
+                                          <p:spTgt spid="16"/>
+                                        </p:tgtEl>
+                                        <p:attrNameLst>
+                                          <p:attrName>style.visibility</p:attrName>
+                                        </p:attrNameLst>
+                                      </p:cBhvr>
+                                      <p:to>
+                                        <p:strVal val="visible"/>
+                                      </p:to>
+                                    </p:set>
+                                    <p:animEffect transition="in" filter="randombar(horizontal)">
+                                      <p:cBhvr>
+                                        <p:cTn id="28" dur="500"/>
+                                        <p:tgtEl>
+                                          <p:spTgt spid="16"/>
+                                        </p:tgtEl>
+                                      </p:cBhvr>
+                                    </p:animEffect>
+                                  </p:childTnLst>
+                                </p:cTn>
+                              </p:par>
+                              <p:par>
+                                <p:cTn id="29" presetID="14" presetClass="entr" presetSubtype="10" fill="hold" nodeType="withEffect">
+                                  <p:stCondLst>
+                                    <p:cond delay="0"/>
+                                  </p:stCondLst>
+                                  <p:childTnLst>
+                                    <p:set>
+                                      <p:cBhvr>
+                                        <p:cTn id="30" dur="1" fill="hold">
+                                          <p:stCondLst>
+                                            <p:cond delay="0"/>
+                                          </p:stCondLst>
+                                        </p:cTn>
+                                        <p:tgtEl>
+                                          <p:spTgt spid="7"/>
+                                        </p:tgtEl>
+                                        <p:attrNameLst>
+                                          <p:attrName>style.visibility</p:attrName>
+                                        </p:attrNameLst>
+                                      </p:cBhvr>
+                                      <p:to>
+                                        <p:strVal val="visible"/>
+                                      </p:to>
+                                    </p:set>
+                                    <p:animEffect transition="in" filter="randombar(horizontal)">
+                                      <p:cBhvr>
+                                        <p:cTn id="31" dur="500"/>
+                                        <p:tgtEl>
+                                          <p:spTgt spid="7"/>
+                                        </p:tgtEl>
+                                      </p:cBhvr>
+                                    </p:animEffect>
+                                  </p:childTnLst>
+                                </p:cTn>
+                              </p:par>
+                            </p:childTnLst>
+                          </p:cTn>
+                        </p:par>
+                      </p:childTnLst>
+                    </p:cTn>
+                  </p:par>
+                </p:childTnLst>
+              </p:cTn>
+              <p:prevCondLst>
+                <p:cond evt="onPrev" delay="0">
+                  <p:tgtEl>
+                    <p:sldTgt/>
+                  </p:tgtEl>
+                </p:cond>
+              </p:prevCondLst>
+              <p:nextCondLst>
+                <p:cond evt="onNext" delay="0">
+                  <p:tgtEl>
+                    <p:sldTgt/>
+                  </p:tgtEl>
+                </p:cond>
+              </p:nextCondLst>
+            </p:seq>
+          </p:childTnLst>
+        </p:cTn>
+      </p:par>
+    </p:tnLst>
+    <p:bldLst>
+      <p:bldP spid="8" grpId="0" animBg="1"/>
+      <p:bldP spid="9" grpId="0" animBg="1"/>
+      <p:bldP spid="16" grpId="0" animBg="1"/>
+    </p:bldLst>
+  </p:timing>
+</p:sld>
+</file>
+
 <file path=ppt/theme/theme1.xml><?xml version="1.0" encoding="utf-8"?>
 <a:theme xmlns:a="http://schemas.openxmlformats.org/drawingml/2006/main" name="Facet">
   <a:themeElements>
@@ -22959,7 +25336,7 @@
   <a:extraClrSchemeLst/>
   <a:extLst>
     <a:ext uri="{05A4C25C-085E-4340-85A3-A5531E510DB2}">
-      <thm15:themeFamily xmlns:thm15="http://schemas.microsoft.com/office/thememl/2012/main" name="Facet" id="{C0C680CD-088A-49FC-A102-D699147F32B2}" vid="{CFBC31BA-B70F-4F30-BCAA-4F3011E16C4D}"/>
+      <thm15:themeFamily xmlns:thm15="http://schemas.microsoft.com/office/thememl/2012/main" xmlns="" name="Facet" id="{C0C680CD-088A-49FC-A102-D699147F32B2}" vid="{CFBC31BA-B70F-4F30-BCAA-4F3011E16C4D}"/>
     </a:ext>
   </a:extLst>
 </a:theme>

--- a/ smart-buy/Slides/Smart Buy.pptx
+++ b/ smart-buy/Slides/Smart Buy.pptx
@@ -9,15 +9,26 @@
     <p:sldId id="257" r:id="rId3"/>
     <p:sldId id="258" r:id="rId4"/>
     <p:sldId id="259" r:id="rId5"/>
-    <p:sldId id="269" r:id="rId6"/>
-    <p:sldId id="262" r:id="rId7"/>
-    <p:sldId id="265" r:id="rId8"/>
-    <p:sldId id="266" r:id="rId9"/>
-    <p:sldId id="267" r:id="rId10"/>
-    <p:sldId id="261" r:id="rId11"/>
-    <p:sldId id="268" r:id="rId12"/>
-    <p:sldId id="270" r:id="rId13"/>
-    <p:sldId id="264" r:id="rId14"/>
+    <p:sldId id="271" r:id="rId6"/>
+    <p:sldId id="272" r:id="rId7"/>
+    <p:sldId id="269" r:id="rId8"/>
+    <p:sldId id="273" r:id="rId9"/>
+    <p:sldId id="274" r:id="rId10"/>
+    <p:sldId id="262" r:id="rId11"/>
+    <p:sldId id="265" r:id="rId12"/>
+    <p:sldId id="266" r:id="rId13"/>
+    <p:sldId id="275" r:id="rId14"/>
+    <p:sldId id="276" r:id="rId15"/>
+    <p:sldId id="277" r:id="rId16"/>
+    <p:sldId id="281" r:id="rId17"/>
+    <p:sldId id="278" r:id="rId18"/>
+    <p:sldId id="267" r:id="rId19"/>
+    <p:sldId id="280" r:id="rId20"/>
+    <p:sldId id="279" r:id="rId21"/>
+    <p:sldId id="261" r:id="rId22"/>
+    <p:sldId id="268" r:id="rId23"/>
+    <p:sldId id="270" r:id="rId24"/>
+    <p:sldId id="264" r:id="rId25"/>
   </p:sldIdLst>
   <p:sldSz cx="12192000" cy="6858000"/>
   <p:notesSz cx="6858000" cy="9144000"/>
@@ -118,7 +129,7 @@
   </p:defaultTextStyle>
   <p:extLst>
     <p:ext uri="{EFAFB233-063F-42B5-8137-9DF3F51BA10A}">
-      <p15:sldGuideLst xmlns:p15="http://schemas.microsoft.com/office/powerpoint/2012/main" xmlns=""/>
+      <p15:sldGuideLst xmlns="" xmlns:p15="http://schemas.microsoft.com/office/powerpoint/2012/main"/>
     </p:ext>
   </p:extLst>
 </p:presentation>
@@ -4055,11 +4066,7 @@
         <a:p>
           <a:r>
             <a:rPr lang="en-US" dirty="0" smtClean="0"/>
-            <a:t>Our </a:t>
-          </a:r>
-          <a:r>
-            <a:rPr lang="en-US" dirty="0" smtClean="0"/>
-            <a:t>solution</a:t>
+            <a:t>Our solution</a:t>
           </a:r>
           <a:endParaRPr lang="en-US" dirty="0"/>
         </a:p>
@@ -4363,18 +4370,18 @@
     </dgm:pt>
   </dgm:ptLst>
   <dgm:cxnLst>
+    <dgm:cxn modelId="{8B6B14A6-EF09-4D49-A654-E93B16E84174}" srcId="{0726B740-0C05-4144-A1F9-A024323F8AD9}" destId="{9709027D-CEAD-4074-8E4C-DAA78C29F27B}" srcOrd="2" destOrd="0" parTransId="{DA6FC23B-1C2A-4855-9B4A-D77F67AFF34E}" sibTransId="{56D0518A-2BBA-42FA-A137-5903288DD71E}"/>
+    <dgm:cxn modelId="{64EFF959-5827-439D-9E23-7904CAB78ED5}" type="presOf" srcId="{DDC5A756-A533-4C94-8F13-6F2792E2EB3B}" destId="{C910D5EA-8AFD-434E-8158-334518A10346}" srcOrd="0" destOrd="0" presId="urn:microsoft.com/office/officeart/2008/layout/VerticalCurvedList"/>
+    <dgm:cxn modelId="{36302DAA-2C61-4279-85EA-409BA0D8CC3B}" type="presOf" srcId="{08BB5156-7DFC-406D-BE87-DAA466E9EA90}" destId="{E9709BFB-88A2-4485-9D95-0765E9A3CD62}" srcOrd="0" destOrd="0" presId="urn:microsoft.com/office/officeart/2008/layout/VerticalCurvedList"/>
+    <dgm:cxn modelId="{FF05ECE2-0747-4750-A151-01227CB417D4}" type="presOf" srcId="{0726B740-0C05-4144-A1F9-A024323F8AD9}" destId="{27D16682-F23F-437E-9A78-D9DC7CC56EE2}" srcOrd="0" destOrd="0" presId="urn:microsoft.com/office/officeart/2008/layout/VerticalCurvedList"/>
+    <dgm:cxn modelId="{02B4397B-DAF4-4CBA-BFD1-9266DDF91675}" srcId="{0726B740-0C05-4144-A1F9-A024323F8AD9}" destId="{04FC1A18-3AEE-44E8-BCC4-2B4BC160C080}" srcOrd="1" destOrd="0" parTransId="{42E0AA0A-B335-43E3-A760-771CEC460B0F}" sibTransId="{25DFE742-6352-4155-B5C6-EB3022833B15}"/>
+    <dgm:cxn modelId="{7F632904-77C9-4AAD-A76F-5A9ADF82F737}" type="presOf" srcId="{C9322D86-849A-43F8-A924-659EE4EEEE76}" destId="{B7992BCE-B142-45A5-B992-B9BFD54A33DC}" srcOrd="0" destOrd="0" presId="urn:microsoft.com/office/officeart/2008/layout/VerticalCurvedList"/>
+    <dgm:cxn modelId="{F3E18DF1-B4A9-4E6C-BE23-83BC46951CF4}" srcId="{0726B740-0C05-4144-A1F9-A024323F8AD9}" destId="{08BB5156-7DFC-406D-BE87-DAA466E9EA90}" srcOrd="4" destOrd="0" parTransId="{C97567AF-5550-40AE-8109-AA400E8992F4}" sibTransId="{55D8473F-8B86-4010-9BCD-2FC8ED8484E1}"/>
+    <dgm:cxn modelId="{E899BC97-C505-4911-8660-318EB326F4CC}" type="presOf" srcId="{9709027D-CEAD-4074-8E4C-DAA78C29F27B}" destId="{DEAD63F9-F31B-4458-82AD-896585277AE5}" srcOrd="0" destOrd="0" presId="urn:microsoft.com/office/officeart/2008/layout/VerticalCurvedList"/>
+    <dgm:cxn modelId="{218DE165-3FF0-433B-AE40-0EE7452A8508}" srcId="{0726B740-0C05-4144-A1F9-A024323F8AD9}" destId="{C9322D86-849A-43F8-A924-659EE4EEEE76}" srcOrd="0" destOrd="0" parTransId="{3BDA33E3-1DE7-457D-8FC2-93CD2A2DFB63}" sibTransId="{DDC5A756-A533-4C94-8F13-6F2792E2EB3B}"/>
+    <dgm:cxn modelId="{9E1F21FE-5BB0-440F-BF86-C847D08DC8DE}" type="presOf" srcId="{C688FB5B-A7AF-4BCC-8D4C-A9E4D96C3895}" destId="{0535E955-B7AE-48FC-969B-539B2C245666}" srcOrd="0" destOrd="0" presId="urn:microsoft.com/office/officeart/2008/layout/VerticalCurvedList"/>
     <dgm:cxn modelId="{4D60BCAE-1233-49BD-A936-AE2902B38563}" srcId="{0726B740-0C05-4144-A1F9-A024323F8AD9}" destId="{C688FB5B-A7AF-4BCC-8D4C-A9E4D96C3895}" srcOrd="3" destOrd="0" parTransId="{6A09FF1C-6EEB-406F-8172-6AAF4ED49B6A}" sibTransId="{2AA03A34-6623-4893-9177-7764C2F14300}"/>
-    <dgm:cxn modelId="{02B4397B-DAF4-4CBA-BFD1-9266DDF91675}" srcId="{0726B740-0C05-4144-A1F9-A024323F8AD9}" destId="{04FC1A18-3AEE-44E8-BCC4-2B4BC160C080}" srcOrd="1" destOrd="0" parTransId="{42E0AA0A-B335-43E3-A760-771CEC460B0F}" sibTransId="{25DFE742-6352-4155-B5C6-EB3022833B15}"/>
     <dgm:cxn modelId="{AFD73B34-F15B-4BC5-A48D-96B48531D43A}" type="presOf" srcId="{04FC1A18-3AEE-44E8-BCC4-2B4BC160C080}" destId="{DBEA5A4D-DC1C-462E-A97D-F8D8F0DBA4EA}" srcOrd="0" destOrd="0" presId="urn:microsoft.com/office/officeart/2008/layout/VerticalCurvedList"/>
-    <dgm:cxn modelId="{8B6B14A6-EF09-4D49-A654-E93B16E84174}" srcId="{0726B740-0C05-4144-A1F9-A024323F8AD9}" destId="{9709027D-CEAD-4074-8E4C-DAA78C29F27B}" srcOrd="2" destOrd="0" parTransId="{DA6FC23B-1C2A-4855-9B4A-D77F67AFF34E}" sibTransId="{56D0518A-2BBA-42FA-A137-5903288DD71E}"/>
-    <dgm:cxn modelId="{218DE165-3FF0-433B-AE40-0EE7452A8508}" srcId="{0726B740-0C05-4144-A1F9-A024323F8AD9}" destId="{C9322D86-849A-43F8-A924-659EE4EEEE76}" srcOrd="0" destOrd="0" parTransId="{3BDA33E3-1DE7-457D-8FC2-93CD2A2DFB63}" sibTransId="{DDC5A756-A533-4C94-8F13-6F2792E2EB3B}"/>
-    <dgm:cxn modelId="{FF05ECE2-0747-4750-A151-01227CB417D4}" type="presOf" srcId="{0726B740-0C05-4144-A1F9-A024323F8AD9}" destId="{27D16682-F23F-437E-9A78-D9DC7CC56EE2}" srcOrd="0" destOrd="0" presId="urn:microsoft.com/office/officeart/2008/layout/VerticalCurvedList"/>
-    <dgm:cxn modelId="{36302DAA-2C61-4279-85EA-409BA0D8CC3B}" type="presOf" srcId="{08BB5156-7DFC-406D-BE87-DAA466E9EA90}" destId="{E9709BFB-88A2-4485-9D95-0765E9A3CD62}" srcOrd="0" destOrd="0" presId="urn:microsoft.com/office/officeart/2008/layout/VerticalCurvedList"/>
-    <dgm:cxn modelId="{F3E18DF1-B4A9-4E6C-BE23-83BC46951CF4}" srcId="{0726B740-0C05-4144-A1F9-A024323F8AD9}" destId="{08BB5156-7DFC-406D-BE87-DAA466E9EA90}" srcOrd="4" destOrd="0" parTransId="{C97567AF-5550-40AE-8109-AA400E8992F4}" sibTransId="{55D8473F-8B86-4010-9BCD-2FC8ED8484E1}"/>
-    <dgm:cxn modelId="{7F632904-77C9-4AAD-A76F-5A9ADF82F737}" type="presOf" srcId="{C9322D86-849A-43F8-A924-659EE4EEEE76}" destId="{B7992BCE-B142-45A5-B992-B9BFD54A33DC}" srcOrd="0" destOrd="0" presId="urn:microsoft.com/office/officeart/2008/layout/VerticalCurvedList"/>
-    <dgm:cxn modelId="{64EFF959-5827-439D-9E23-7904CAB78ED5}" type="presOf" srcId="{DDC5A756-A533-4C94-8F13-6F2792E2EB3B}" destId="{C910D5EA-8AFD-434E-8158-334518A10346}" srcOrd="0" destOrd="0" presId="urn:microsoft.com/office/officeart/2008/layout/VerticalCurvedList"/>
-    <dgm:cxn modelId="{9E1F21FE-5BB0-440F-BF86-C847D08DC8DE}" type="presOf" srcId="{C688FB5B-A7AF-4BCC-8D4C-A9E4D96C3895}" destId="{0535E955-B7AE-48FC-969B-539B2C245666}" srcOrd="0" destOrd="0" presId="urn:microsoft.com/office/officeart/2008/layout/VerticalCurvedList"/>
-    <dgm:cxn modelId="{E899BC97-C505-4911-8660-318EB326F4CC}" type="presOf" srcId="{9709027D-CEAD-4074-8E4C-DAA78C29F27B}" destId="{DEAD63F9-F31B-4458-82AD-896585277AE5}" srcOrd="0" destOrd="0" presId="urn:microsoft.com/office/officeart/2008/layout/VerticalCurvedList"/>
     <dgm:cxn modelId="{604DE9D9-5B16-49CB-9AB7-3BF560D6836C}" type="presParOf" srcId="{27D16682-F23F-437E-9A78-D9DC7CC56EE2}" destId="{061EB04F-DF25-4365-86FB-8BA1E55379A0}" srcOrd="0" destOrd="0" presId="urn:microsoft.com/office/officeart/2008/layout/VerticalCurvedList"/>
     <dgm:cxn modelId="{D40BC64C-65C0-490E-B4AA-54629478E120}" type="presParOf" srcId="{061EB04F-DF25-4365-86FB-8BA1E55379A0}" destId="{092D2A00-8050-4D7E-BF89-B67BB1E34744}" srcOrd="0" destOrd="0" presId="urn:microsoft.com/office/officeart/2008/layout/VerticalCurvedList"/>
     <dgm:cxn modelId="{A09B2D55-1818-47E2-85E3-0235A426B5DF}" type="presParOf" srcId="{092D2A00-8050-4D7E-BF89-B67BB1E34744}" destId="{025D23C1-F512-4782-8FF3-FC878BBA6912}" srcOrd="0" destOrd="0" presId="urn:microsoft.com/office/officeart/2008/layout/VerticalCurvedList"/>
@@ -4636,6 +4643,13 @@
         </dgm:presLayoutVars>
       </dgm:prSet>
       <dgm:spPr/>
+      <dgm:t>
+        <a:bodyPr/>
+        <a:lstStyle/>
+        <a:p>
+          <a:endParaRPr lang="en-US"/>
+        </a:p>
+      </dgm:t>
     </dgm:pt>
     <dgm:pt modelId="{9164CD7A-1A4D-4596-8EB0-4C2ED79B82BE}" type="pres">
       <dgm:prSet presAssocID="{A15BA59D-14C6-4BA8-81C9-8CF4D9AABFDF}" presName="compNode" presStyleCnt="0"/>
@@ -4677,6 +4691,13 @@
     <dgm:pt modelId="{B241D74B-0828-4D3C-95CA-5AAC5046B673}" type="pres">
       <dgm:prSet presAssocID="{73ECAAEF-077F-4CA3-B23D-74E9AD9D3F2D}" presName="sibTrans" presStyleLbl="sibTrans2D1" presStyleIdx="0" presStyleCnt="0"/>
       <dgm:spPr/>
+      <dgm:t>
+        <a:bodyPr/>
+        <a:lstStyle/>
+        <a:p>
+          <a:endParaRPr lang="en-US"/>
+        </a:p>
+      </dgm:t>
     </dgm:pt>
     <dgm:pt modelId="{46447ECA-F829-4A2A-B2DD-F51F795F03A2}" type="pres">
       <dgm:prSet presAssocID="{B1CB2D87-EA0C-46F2-9244-AE6A967A6F84}" presName="compNode" presStyleCnt="0"/>
@@ -4717,12 +4738,12 @@
     </dgm:pt>
   </dgm:ptLst>
   <dgm:cxnLst>
+    <dgm:cxn modelId="{BB295B92-4D9D-48F3-AC37-7107A96A211D}" type="presOf" srcId="{B1CB2D87-EA0C-46F2-9244-AE6A967A6F84}" destId="{F76790B2-0C34-4DDC-AC4C-558B90BE42D0}" srcOrd="0" destOrd="0" presId="urn:microsoft.com/office/officeart/2005/8/layout/pList1"/>
     <dgm:cxn modelId="{F33CCE40-1BEE-4916-B81B-BA364BECBB41}" type="presOf" srcId="{A15BA59D-14C6-4BA8-81C9-8CF4D9AABFDF}" destId="{3243D8B0-218F-4FC3-9EBC-CE3A4657CDCE}" srcOrd="0" destOrd="0" presId="urn:microsoft.com/office/officeart/2005/8/layout/pList1"/>
+    <dgm:cxn modelId="{002FBF24-C2F4-4E54-905A-65EE68E84673}" type="presOf" srcId="{73ECAAEF-077F-4CA3-B23D-74E9AD9D3F2D}" destId="{B241D74B-0828-4D3C-95CA-5AAC5046B673}" srcOrd="0" destOrd="0" presId="urn:microsoft.com/office/officeart/2005/8/layout/pList1"/>
     <dgm:cxn modelId="{C31EB48B-E7C4-4646-B09E-DA0B9E25AE43}" srcId="{C17E4926-EB14-4698-8E7C-9926FDAFB796}" destId="{A15BA59D-14C6-4BA8-81C9-8CF4D9AABFDF}" srcOrd="0" destOrd="0" parTransId="{88FF610E-A179-4074-950D-DA47D0977889}" sibTransId="{73ECAAEF-077F-4CA3-B23D-74E9AD9D3F2D}"/>
     <dgm:cxn modelId="{4A80A6DB-399D-4A47-B5C4-D9411B2FF40A}" srcId="{C17E4926-EB14-4698-8E7C-9926FDAFB796}" destId="{B1CB2D87-EA0C-46F2-9244-AE6A967A6F84}" srcOrd="1" destOrd="0" parTransId="{A8E092BB-1A31-4F2E-93AB-0A030B4744D6}" sibTransId="{8C1D96A1-9A57-460B-AE67-0E9CE7576A14}"/>
     <dgm:cxn modelId="{5BF7F930-82BD-40C0-92BD-ECFAC4B4B1B5}" type="presOf" srcId="{C17E4926-EB14-4698-8E7C-9926FDAFB796}" destId="{EF7FAF37-9020-467E-9B95-6313387CF690}" srcOrd="0" destOrd="0" presId="urn:microsoft.com/office/officeart/2005/8/layout/pList1"/>
-    <dgm:cxn modelId="{BB295B92-4D9D-48F3-AC37-7107A96A211D}" type="presOf" srcId="{B1CB2D87-EA0C-46F2-9244-AE6A967A6F84}" destId="{F76790B2-0C34-4DDC-AC4C-558B90BE42D0}" srcOrd="0" destOrd="0" presId="urn:microsoft.com/office/officeart/2005/8/layout/pList1"/>
-    <dgm:cxn modelId="{002FBF24-C2F4-4E54-905A-65EE68E84673}" type="presOf" srcId="{73ECAAEF-077F-4CA3-B23D-74E9AD9D3F2D}" destId="{B241D74B-0828-4D3C-95CA-5AAC5046B673}" srcOrd="0" destOrd="0" presId="urn:microsoft.com/office/officeart/2005/8/layout/pList1"/>
     <dgm:cxn modelId="{07BCE5C7-6D4E-41B5-BEE3-E9C168A562B1}" type="presParOf" srcId="{EF7FAF37-9020-467E-9B95-6313387CF690}" destId="{9164CD7A-1A4D-4596-8EB0-4C2ED79B82BE}" srcOrd="0" destOrd="0" presId="urn:microsoft.com/office/officeart/2005/8/layout/pList1"/>
     <dgm:cxn modelId="{80BA8277-F4BF-41A4-9E0F-9501FB390A73}" type="presParOf" srcId="{9164CD7A-1A4D-4596-8EB0-4C2ED79B82BE}" destId="{3F152DA9-3FDF-4873-A49F-8049C0B4BEF7}" srcOrd="0" destOrd="0" presId="urn:microsoft.com/office/officeart/2005/8/layout/pList1"/>
     <dgm:cxn modelId="{621CEEB1-0AAF-4B3D-96D0-2975B916E113}" type="presParOf" srcId="{9164CD7A-1A4D-4596-8EB0-4C2ED79B82BE}" destId="{3243D8B0-218F-4FC3-9EBC-CE3A4657CDCE}" srcOrd="1" destOrd="0" presId="urn:microsoft.com/office/officeart/2005/8/layout/pList1"/>
@@ -5820,11 +5841,7 @@
           </a:pPr>
           <a:r>
             <a:rPr lang="en-US" sz="2600" kern="1200" dirty="0" smtClean="0"/>
-            <a:t>Our </a:t>
-          </a:r>
-          <a:r>
-            <a:rPr lang="en-US" sz="2600" kern="1200" dirty="0" smtClean="0"/>
-            <a:t>solution</a:t>
+            <a:t>Our solution</a:t>
           </a:r>
           <a:endParaRPr lang="en-US" sz="2600" kern="1200" dirty="0"/>
         </a:p>
@@ -13693,7 +13710,7 @@
           <a:p>
             <a:fld id="{03828354-E0C5-4131-9B49-1997E3EE3A7D}" type="datetimeFigureOut">
               <a:rPr lang="en-US" smtClean="0"/>
-              <a:t>4/17/2014</a:t>
+              <a:t>04/17/2014</a:t>
             </a:fld>
             <a:endParaRPr lang="en-US"/>
           </a:p>
@@ -13944,7 +13961,7 @@
           <a:p>
             <a:fld id="{03828354-E0C5-4131-9B49-1997E3EE3A7D}" type="datetimeFigureOut">
               <a:rPr lang="en-US" smtClean="0"/>
-              <a:t>4/17/2014</a:t>
+              <a:t>04/17/2014</a:t>
             </a:fld>
             <a:endParaRPr lang="en-US"/>
           </a:p>
@@ -14258,7 +14275,7 @@
           <a:p>
             <a:fld id="{03828354-E0C5-4131-9B49-1997E3EE3A7D}" type="datetimeFigureOut">
               <a:rPr lang="en-US" smtClean="0"/>
-              <a:t>4/17/2014</a:t>
+              <a:t>04/17/2014</a:t>
             </a:fld>
             <a:endParaRPr lang="en-US"/>
           </a:p>
@@ -14599,7 +14616,7 @@
           <a:p>
             <a:fld id="{03828354-E0C5-4131-9B49-1997E3EE3A7D}" type="datetimeFigureOut">
               <a:rPr lang="en-US" smtClean="0"/>
-              <a:t>4/17/2014</a:t>
+              <a:t>04/17/2014</a:t>
             </a:fld>
             <a:endParaRPr lang="en-US"/>
           </a:p>
@@ -14913,7 +14930,7 @@
           <a:p>
             <a:fld id="{03828354-E0C5-4131-9B49-1997E3EE3A7D}" type="datetimeFigureOut">
               <a:rPr lang="en-US" smtClean="0"/>
-              <a:t>4/17/2014</a:t>
+              <a:t>04/17/2014</a:t>
             </a:fld>
             <a:endParaRPr lang="en-US"/>
           </a:p>
@@ -15306,7 +15323,7 @@
           <a:p>
             <a:fld id="{03828354-E0C5-4131-9B49-1997E3EE3A7D}" type="datetimeFigureOut">
               <a:rPr lang="en-US" smtClean="0"/>
-              <a:t>4/17/2014</a:t>
+              <a:t>04/17/2014</a:t>
             </a:fld>
             <a:endParaRPr lang="en-US"/>
           </a:p>
@@ -15476,7 +15493,7 @@
           <a:p>
             <a:fld id="{03828354-E0C5-4131-9B49-1997E3EE3A7D}" type="datetimeFigureOut">
               <a:rPr lang="en-US" smtClean="0"/>
-              <a:t>4/17/2014</a:t>
+              <a:t>04/17/2014</a:t>
             </a:fld>
             <a:endParaRPr lang="en-US"/>
           </a:p>
@@ -15656,7 +15673,7 @@
           <a:p>
             <a:fld id="{03828354-E0C5-4131-9B49-1997E3EE3A7D}" type="datetimeFigureOut">
               <a:rPr lang="en-US" smtClean="0"/>
-              <a:t>4/17/2014</a:t>
+              <a:t>04/17/2014</a:t>
             </a:fld>
             <a:endParaRPr lang="en-US"/>
           </a:p>
@@ -15866,7 +15883,7 @@
           <a:p>
             <a:fld id="{03828354-E0C5-4131-9B49-1997E3EE3A7D}" type="datetimeFigureOut">
               <a:rPr lang="en-US" smtClean="0"/>
-              <a:t>4/17/2014</a:t>
+              <a:t>04/17/2014</a:t>
             </a:fld>
             <a:endParaRPr lang="en-US"/>
           </a:p>
@@ -16113,7 +16130,7 @@
           <a:p>
             <a:fld id="{03828354-E0C5-4131-9B49-1997E3EE3A7D}" type="datetimeFigureOut">
               <a:rPr lang="en-US" smtClean="0"/>
-              <a:t>4/17/2014</a:t>
+              <a:t>04/17/2014</a:t>
             </a:fld>
             <a:endParaRPr lang="en-US"/>
           </a:p>
@@ -16345,7 +16362,7 @@
           <a:p>
             <a:fld id="{03828354-E0C5-4131-9B49-1997E3EE3A7D}" type="datetimeFigureOut">
               <a:rPr lang="en-US" smtClean="0"/>
-              <a:t>4/17/2014</a:t>
+              <a:t>04/17/2014</a:t>
             </a:fld>
             <a:endParaRPr lang="en-US"/>
           </a:p>
@@ -16719,7 +16736,7 @@
           <a:p>
             <a:fld id="{03828354-E0C5-4131-9B49-1997E3EE3A7D}" type="datetimeFigureOut">
               <a:rPr lang="en-US" smtClean="0"/>
-              <a:t>4/17/2014</a:t>
+              <a:t>04/17/2014</a:t>
             </a:fld>
             <a:endParaRPr lang="en-US"/>
           </a:p>
@@ -16842,7 +16859,7 @@
           <a:p>
             <a:fld id="{03828354-E0C5-4131-9B49-1997E3EE3A7D}" type="datetimeFigureOut">
               <a:rPr lang="en-US" smtClean="0"/>
-              <a:t>4/17/2014</a:t>
+              <a:t>04/17/2014</a:t>
             </a:fld>
             <a:endParaRPr lang="en-US"/>
           </a:p>
@@ -16937,7 +16954,7 @@
           <a:p>
             <a:fld id="{03828354-E0C5-4131-9B49-1997E3EE3A7D}" type="datetimeFigureOut">
               <a:rPr lang="en-US" smtClean="0"/>
-              <a:t>4/17/2014</a:t>
+              <a:t>04/17/2014</a:t>
             </a:fld>
             <a:endParaRPr lang="en-US"/>
           </a:p>
@@ -17192,7 +17209,7 @@
           <a:p>
             <a:fld id="{03828354-E0C5-4131-9B49-1997E3EE3A7D}" type="datetimeFigureOut">
               <a:rPr lang="en-US" smtClean="0"/>
-              <a:t>4/17/2014</a:t>
+              <a:t>04/17/2014</a:t>
             </a:fld>
             <a:endParaRPr lang="en-US"/>
           </a:p>
@@ -17455,7 +17472,7 @@
           <a:p>
             <a:fld id="{03828354-E0C5-4131-9B49-1997E3EE3A7D}" type="datetimeFigureOut">
               <a:rPr lang="en-US" smtClean="0"/>
-              <a:t>4/17/2014</a:t>
+              <a:t>04/17/2014</a:t>
             </a:fld>
             <a:endParaRPr lang="en-US"/>
           </a:p>
@@ -18198,7 +18215,7 @@
           <a:p>
             <a:fld id="{03828354-E0C5-4131-9B49-1997E3EE3A7D}" type="datetimeFigureOut">
               <a:rPr lang="en-US" smtClean="0"/>
-              <a:t>4/17/2014</a:t>
+              <a:t>04/17/2014</a:t>
             </a:fld>
             <a:endParaRPr lang="en-US"/>
           </a:p>
@@ -18801,6 +18818,2519 @@
 </file>
 
 <file path=ppt/slides/slide10.xml><?xml version="1.0" encoding="utf-8"?>
+<p:sld xmlns:a="http://schemas.openxmlformats.org/drawingml/2006/main" xmlns:r="http://schemas.openxmlformats.org/officeDocument/2006/relationships" xmlns:p="http://schemas.openxmlformats.org/presentationml/2006/main">
+  <p:cSld>
+    <p:spTree>
+      <p:nvGrpSpPr>
+        <p:cNvPr id="1" name=""/>
+        <p:cNvGrpSpPr/>
+        <p:nvPr/>
+      </p:nvGrpSpPr>
+      <p:grpSpPr>
+        <a:xfrm>
+          <a:off x="0" y="0"/>
+          <a:ext cx="0" cy="0"/>
+          <a:chOff x="0" y="0"/>
+          <a:chExt cx="0" cy="0"/>
+        </a:xfrm>
+      </p:grpSpPr>
+      <p:pic>
+        <p:nvPicPr>
+          <p:cNvPr id="6" name="Content Placeholder 5"/>
+          <p:cNvPicPr>
+            <a:picLocks noGrp="1" noChangeAspect="1"/>
+          </p:cNvPicPr>
+          <p:nvPr>
+            <p:ph idx="1"/>
+          </p:nvPr>
+        </p:nvPicPr>
+        <p:blipFill>
+          <a:blip r:embed="rId2">
+            <a:extLst>
+              <a:ext uri="{28A0092B-C50C-407E-A947-70E740481C1C}">
+                <a14:useLocalDpi xmlns:a14="http://schemas.microsoft.com/office/drawing/2010/main" val="0"/>
+              </a:ext>
+            </a:extLst>
+          </a:blip>
+          <a:stretch>
+            <a:fillRect/>
+          </a:stretch>
+        </p:blipFill>
+        <p:spPr>
+          <a:xfrm>
+            <a:off x="4155282" y="1488282"/>
+            <a:ext cx="3881437" cy="3881437"/>
+          </a:xfrm>
+        </p:spPr>
+      </p:pic>
+    </p:spTree>
+    <p:extLst>
+      <p:ext uri="{BB962C8B-B14F-4D97-AF65-F5344CB8AC3E}">
+        <p14:creationId xmlns:p14="http://schemas.microsoft.com/office/powerpoint/2010/main" val="3446547924"/>
+      </p:ext>
+    </p:extLst>
+  </p:cSld>
+  <p:clrMapOvr>
+    <a:masterClrMapping/>
+  </p:clrMapOvr>
+  <mc:AlternateContent xmlns:mc="http://schemas.openxmlformats.org/markup-compatibility/2006" xmlns:p14="http://schemas.microsoft.com/office/powerpoint/2010/main">
+    <mc:Choice Requires="p14">
+      <p:transition spd="slow" p14:dur="2500">
+        <p:checker/>
+      </p:transition>
+    </mc:Choice>
+    <mc:Fallback xmlns="">
+      <p:transition spd="slow">
+        <p:checker/>
+      </p:transition>
+    </mc:Fallback>
+  </mc:AlternateContent>
+  <p:timing>
+    <p:tnLst>
+      <p:par>
+        <p:cTn id="1" dur="indefinite" restart="never" nodeType="tmRoot"/>
+      </p:par>
+    </p:tnLst>
+  </p:timing>
+</p:sld>
+</file>
+
+<file path=ppt/slides/slide11.xml><?xml version="1.0" encoding="utf-8"?>
+<p:sld xmlns:a="http://schemas.openxmlformats.org/drawingml/2006/main" xmlns:r="http://schemas.openxmlformats.org/officeDocument/2006/relationships" xmlns:p="http://schemas.openxmlformats.org/presentationml/2006/main">
+  <p:cSld>
+    <p:spTree>
+      <p:nvGrpSpPr>
+        <p:cNvPr id="1" name=""/>
+        <p:cNvGrpSpPr/>
+        <p:nvPr/>
+      </p:nvGrpSpPr>
+      <p:grpSpPr>
+        <a:xfrm>
+          <a:off x="0" y="0"/>
+          <a:ext cx="0" cy="0"/>
+          <a:chOff x="0" y="0"/>
+          <a:chExt cx="0" cy="0"/>
+        </a:xfrm>
+      </p:grpSpPr>
+      <p:sp>
+        <p:nvSpPr>
+          <p:cNvPr id="2" name="Title 1"/>
+          <p:cNvSpPr>
+            <a:spLocks noGrp="1"/>
+          </p:cNvSpPr>
+          <p:nvPr>
+            <p:ph type="title"/>
+          </p:nvPr>
+        </p:nvSpPr>
+        <p:spPr/>
+        <p:txBody>
+          <a:bodyPr/>
+          <a:lstStyle/>
+          <a:p>
+            <a:r>
+              <a:rPr lang="en-US" dirty="0" smtClean="0"/>
+              <a:t>Demo Scenario - Guest</a:t>
+            </a:r>
+            <a:endParaRPr lang="en-US" dirty="0"/>
+          </a:p>
+        </p:txBody>
+      </p:sp>
+      <p:pic>
+        <p:nvPicPr>
+          <p:cNvPr id="4" name="Picture 3"/>
+          <p:cNvPicPr>
+            <a:picLocks noChangeAspect="1"/>
+          </p:cNvPicPr>
+          <p:nvPr/>
+        </p:nvPicPr>
+        <p:blipFill>
+          <a:blip r:embed="rId2">
+            <a:extLst>
+              <a:ext uri="{28A0092B-C50C-407E-A947-70E740481C1C}">
+                <a14:useLocalDpi xmlns:a14="http://schemas.microsoft.com/office/drawing/2010/main" val="0"/>
+              </a:ext>
+            </a:extLst>
+          </a:blip>
+          <a:stretch>
+            <a:fillRect/>
+          </a:stretch>
+        </p:blipFill>
+        <p:spPr>
+          <a:xfrm>
+            <a:off x="677333" y="2616200"/>
+            <a:ext cx="1625600" cy="1625600"/>
+          </a:xfrm>
+          <a:prstGeom prst="rect">
+            <a:avLst/>
+          </a:prstGeom>
+        </p:spPr>
+      </p:pic>
+      <p:pic>
+        <p:nvPicPr>
+          <p:cNvPr id="6" name="Picture 5"/>
+          <p:cNvPicPr>
+            <a:picLocks noChangeAspect="1"/>
+          </p:cNvPicPr>
+          <p:nvPr/>
+        </p:nvPicPr>
+        <p:blipFill>
+          <a:blip r:embed="rId3" cstate="print">
+            <a:extLst>
+              <a:ext uri="{28A0092B-C50C-407E-A947-70E740481C1C}">
+                <a14:useLocalDpi xmlns:a14="http://schemas.microsoft.com/office/drawing/2010/main" val="0"/>
+              </a:ext>
+            </a:extLst>
+          </a:blip>
+          <a:stretch>
+            <a:fillRect/>
+          </a:stretch>
+        </p:blipFill>
+        <p:spPr>
+          <a:xfrm>
+            <a:off x="4405228" y="2615184"/>
+            <a:ext cx="1627632" cy="1627632"/>
+          </a:xfrm>
+          <a:prstGeom prst="rect">
+            <a:avLst/>
+          </a:prstGeom>
+        </p:spPr>
+      </p:pic>
+      <p:pic>
+        <p:nvPicPr>
+          <p:cNvPr id="7" name="Picture 6"/>
+          <p:cNvPicPr>
+            <a:picLocks noChangeAspect="1"/>
+          </p:cNvPicPr>
+          <p:nvPr/>
+        </p:nvPicPr>
+        <p:blipFill>
+          <a:blip r:embed="rId4">
+            <a:extLst>
+              <a:ext uri="{28A0092B-C50C-407E-A947-70E740481C1C}">
+                <a14:useLocalDpi xmlns:a14="http://schemas.microsoft.com/office/drawing/2010/main" val="0"/>
+              </a:ext>
+            </a:extLst>
+          </a:blip>
+          <a:stretch>
+            <a:fillRect/>
+          </a:stretch>
+        </p:blipFill>
+        <p:spPr>
+          <a:xfrm>
+            <a:off x="8135154" y="2615184"/>
+            <a:ext cx="1627632" cy="1627632"/>
+          </a:xfrm>
+          <a:prstGeom prst="rect">
+            <a:avLst/>
+          </a:prstGeom>
+        </p:spPr>
+      </p:pic>
+      <p:sp>
+        <p:nvSpPr>
+          <p:cNvPr id="8" name="Right Arrow 7"/>
+          <p:cNvSpPr/>
+          <p:nvPr/>
+        </p:nvSpPr>
+        <p:spPr>
+          <a:xfrm>
+            <a:off x="2104830" y="2895629"/>
+            <a:ext cx="2300397" cy="1066742"/>
+          </a:xfrm>
+          <a:prstGeom prst="rightArrow">
+            <a:avLst/>
+          </a:prstGeom>
+        </p:spPr>
+        <p:style>
+          <a:lnRef idx="2">
+            <a:schemeClr val="accent1">
+              <a:shade val="50000"/>
+            </a:schemeClr>
+          </a:lnRef>
+          <a:fillRef idx="1">
+            <a:schemeClr val="accent1"/>
+          </a:fillRef>
+          <a:effectRef idx="0">
+            <a:schemeClr val="accent1"/>
+          </a:effectRef>
+          <a:fontRef idx="minor">
+            <a:schemeClr val="lt1"/>
+          </a:fontRef>
+        </p:style>
+        <p:txBody>
+          <a:bodyPr rtlCol="0" anchor="ctr"/>
+          <a:lstStyle/>
+          <a:p>
+            <a:pPr algn="ctr"/>
+            <a:r>
+              <a:rPr lang="en-US" dirty="0" smtClean="0">
+                <a:latin typeface="Arial" panose="020B0604020202020204" pitchFamily="34" charset="0"/>
+                <a:cs typeface="Arial" panose="020B0604020202020204" pitchFamily="34" charset="0"/>
+              </a:rPr>
+              <a:t>Search Product</a:t>
+            </a:r>
+            <a:endParaRPr lang="en-US" dirty="0">
+              <a:latin typeface="Arial" panose="020B0604020202020204" pitchFamily="34" charset="0"/>
+              <a:cs typeface="Arial" panose="020B0604020202020204" pitchFamily="34" charset="0"/>
+            </a:endParaRPr>
+          </a:p>
+        </p:txBody>
+      </p:sp>
+      <p:sp>
+        <p:nvSpPr>
+          <p:cNvPr id="9" name="Right Arrow 8"/>
+          <p:cNvSpPr/>
+          <p:nvPr/>
+        </p:nvSpPr>
+        <p:spPr>
+          <a:xfrm>
+            <a:off x="5834757" y="2895629"/>
+            <a:ext cx="2300397" cy="1066742"/>
+          </a:xfrm>
+          <a:prstGeom prst="rightArrow">
+            <a:avLst/>
+          </a:prstGeom>
+        </p:spPr>
+        <p:style>
+          <a:lnRef idx="2">
+            <a:schemeClr val="accent1">
+              <a:shade val="50000"/>
+            </a:schemeClr>
+          </a:lnRef>
+          <a:fillRef idx="1">
+            <a:schemeClr val="accent1"/>
+          </a:fillRef>
+          <a:effectRef idx="0">
+            <a:schemeClr val="accent1"/>
+          </a:effectRef>
+          <a:fontRef idx="minor">
+            <a:schemeClr val="lt1"/>
+          </a:fontRef>
+        </p:style>
+        <p:txBody>
+          <a:bodyPr rtlCol="0" anchor="ctr"/>
+          <a:lstStyle/>
+          <a:p>
+            <a:pPr algn="ctr"/>
+            <a:r>
+              <a:rPr lang="en-US" dirty="0" smtClean="0">
+                <a:latin typeface="Arial" panose="020B0604020202020204" pitchFamily="34" charset="0"/>
+                <a:cs typeface="Arial" panose="020B0604020202020204" pitchFamily="34" charset="0"/>
+              </a:rPr>
+              <a:t>Add to cart.</a:t>
+            </a:r>
+          </a:p>
+          <a:p>
+            <a:pPr algn="ctr"/>
+            <a:r>
+              <a:rPr lang="en-US" dirty="0" smtClean="0">
+                <a:latin typeface="Arial" panose="020B0604020202020204" pitchFamily="34" charset="0"/>
+                <a:cs typeface="Arial" panose="020B0604020202020204" pitchFamily="34" charset="0"/>
+              </a:rPr>
+              <a:t>View cart</a:t>
+            </a:r>
+            <a:endParaRPr lang="en-US" dirty="0">
+              <a:latin typeface="Arial" panose="020B0604020202020204" pitchFamily="34" charset="0"/>
+              <a:cs typeface="Arial" panose="020B0604020202020204" pitchFamily="34" charset="0"/>
+            </a:endParaRPr>
+          </a:p>
+        </p:txBody>
+      </p:sp>
+    </p:spTree>
+    <p:extLst>
+      <p:ext uri="{BB962C8B-B14F-4D97-AF65-F5344CB8AC3E}">
+        <p14:creationId xmlns:p14="http://schemas.microsoft.com/office/powerpoint/2010/main" val="3603170727"/>
+      </p:ext>
+    </p:extLst>
+  </p:cSld>
+  <p:clrMapOvr>
+    <a:masterClrMapping/>
+  </p:clrMapOvr>
+  <p:transition spd="med">
+    <p:pull/>
+  </p:transition>
+  <p:timing>
+    <p:tnLst>
+      <p:par>
+        <p:cTn id="1" dur="indefinite" restart="never" nodeType="tmRoot">
+          <p:childTnLst>
+            <p:seq concurrent="1" nextAc="seek">
+              <p:cTn id="2" dur="indefinite" nodeType="mainSeq">
+                <p:childTnLst>
+                  <p:par>
+                    <p:cTn id="3" fill="hold">
+                      <p:stCondLst>
+                        <p:cond delay="indefinite"/>
+                      </p:stCondLst>
+                      <p:childTnLst>
+                        <p:par>
+                          <p:cTn id="4" fill="hold">
+                            <p:stCondLst>
+                              <p:cond delay="0"/>
+                            </p:stCondLst>
+                            <p:childTnLst>
+                              <p:par>
+                                <p:cTn id="5" presetID="14" presetClass="entr" presetSubtype="10" fill="hold" nodeType="clickEffect">
+                                  <p:stCondLst>
+                                    <p:cond delay="0"/>
+                                  </p:stCondLst>
+                                  <p:childTnLst>
+                                    <p:set>
+                                      <p:cBhvr>
+                                        <p:cTn id="6" dur="1" fill="hold">
+                                          <p:stCondLst>
+                                            <p:cond delay="0"/>
+                                          </p:stCondLst>
+                                        </p:cTn>
+                                        <p:tgtEl>
+                                          <p:spTgt spid="4"/>
+                                        </p:tgtEl>
+                                        <p:attrNameLst>
+                                          <p:attrName>style.visibility</p:attrName>
+                                        </p:attrNameLst>
+                                      </p:cBhvr>
+                                      <p:to>
+                                        <p:strVal val="visible"/>
+                                      </p:to>
+                                    </p:set>
+                                    <p:animEffect transition="in" filter="randombar(horizontal)">
+                                      <p:cBhvr>
+                                        <p:cTn id="7" dur="500"/>
+                                        <p:tgtEl>
+                                          <p:spTgt spid="4"/>
+                                        </p:tgtEl>
+                                      </p:cBhvr>
+                                    </p:animEffect>
+                                  </p:childTnLst>
+                                </p:cTn>
+                              </p:par>
+                            </p:childTnLst>
+                          </p:cTn>
+                        </p:par>
+                      </p:childTnLst>
+                    </p:cTn>
+                  </p:par>
+                  <p:par>
+                    <p:cTn id="8" fill="hold">
+                      <p:stCondLst>
+                        <p:cond delay="indefinite"/>
+                      </p:stCondLst>
+                      <p:childTnLst>
+                        <p:par>
+                          <p:cTn id="9" fill="hold">
+                            <p:stCondLst>
+                              <p:cond delay="0"/>
+                            </p:stCondLst>
+                            <p:childTnLst>
+                              <p:par>
+                                <p:cTn id="10" presetID="14" presetClass="entr" presetSubtype="10" fill="hold" grpId="0" nodeType="clickEffect">
+                                  <p:stCondLst>
+                                    <p:cond delay="0"/>
+                                  </p:stCondLst>
+                                  <p:childTnLst>
+                                    <p:set>
+                                      <p:cBhvr>
+                                        <p:cTn id="11" dur="1" fill="hold">
+                                          <p:stCondLst>
+                                            <p:cond delay="0"/>
+                                          </p:stCondLst>
+                                        </p:cTn>
+                                        <p:tgtEl>
+                                          <p:spTgt spid="8"/>
+                                        </p:tgtEl>
+                                        <p:attrNameLst>
+                                          <p:attrName>style.visibility</p:attrName>
+                                        </p:attrNameLst>
+                                      </p:cBhvr>
+                                      <p:to>
+                                        <p:strVal val="visible"/>
+                                      </p:to>
+                                    </p:set>
+                                    <p:animEffect transition="in" filter="randombar(horizontal)">
+                                      <p:cBhvr>
+                                        <p:cTn id="12" dur="500"/>
+                                        <p:tgtEl>
+                                          <p:spTgt spid="8"/>
+                                        </p:tgtEl>
+                                      </p:cBhvr>
+                                    </p:animEffect>
+                                  </p:childTnLst>
+                                </p:cTn>
+                              </p:par>
+                              <p:par>
+                                <p:cTn id="13" presetID="14" presetClass="entr" presetSubtype="10" fill="hold" nodeType="withEffect">
+                                  <p:stCondLst>
+                                    <p:cond delay="0"/>
+                                  </p:stCondLst>
+                                  <p:childTnLst>
+                                    <p:set>
+                                      <p:cBhvr>
+                                        <p:cTn id="14" dur="1" fill="hold">
+                                          <p:stCondLst>
+                                            <p:cond delay="0"/>
+                                          </p:stCondLst>
+                                        </p:cTn>
+                                        <p:tgtEl>
+                                          <p:spTgt spid="6"/>
+                                        </p:tgtEl>
+                                        <p:attrNameLst>
+                                          <p:attrName>style.visibility</p:attrName>
+                                        </p:attrNameLst>
+                                      </p:cBhvr>
+                                      <p:to>
+                                        <p:strVal val="visible"/>
+                                      </p:to>
+                                    </p:set>
+                                    <p:animEffect transition="in" filter="randombar(horizontal)">
+                                      <p:cBhvr>
+                                        <p:cTn id="15" dur="500"/>
+                                        <p:tgtEl>
+                                          <p:spTgt spid="6"/>
+                                        </p:tgtEl>
+                                      </p:cBhvr>
+                                    </p:animEffect>
+                                  </p:childTnLst>
+                                </p:cTn>
+                              </p:par>
+                            </p:childTnLst>
+                          </p:cTn>
+                        </p:par>
+                      </p:childTnLst>
+                    </p:cTn>
+                  </p:par>
+                  <p:par>
+                    <p:cTn id="16" fill="hold">
+                      <p:stCondLst>
+                        <p:cond delay="indefinite"/>
+                      </p:stCondLst>
+                      <p:childTnLst>
+                        <p:par>
+                          <p:cTn id="17" fill="hold">
+                            <p:stCondLst>
+                              <p:cond delay="0"/>
+                            </p:stCondLst>
+                            <p:childTnLst>
+                              <p:par>
+                                <p:cTn id="18" presetID="14" presetClass="entr" presetSubtype="10" fill="hold" grpId="0" nodeType="clickEffect">
+                                  <p:stCondLst>
+                                    <p:cond delay="0"/>
+                                  </p:stCondLst>
+                                  <p:childTnLst>
+                                    <p:set>
+                                      <p:cBhvr>
+                                        <p:cTn id="19" dur="1" fill="hold">
+                                          <p:stCondLst>
+                                            <p:cond delay="0"/>
+                                          </p:stCondLst>
+                                        </p:cTn>
+                                        <p:tgtEl>
+                                          <p:spTgt spid="9"/>
+                                        </p:tgtEl>
+                                        <p:attrNameLst>
+                                          <p:attrName>style.visibility</p:attrName>
+                                        </p:attrNameLst>
+                                      </p:cBhvr>
+                                      <p:to>
+                                        <p:strVal val="visible"/>
+                                      </p:to>
+                                    </p:set>
+                                    <p:animEffect transition="in" filter="randombar(horizontal)">
+                                      <p:cBhvr>
+                                        <p:cTn id="20" dur="500"/>
+                                        <p:tgtEl>
+                                          <p:spTgt spid="9"/>
+                                        </p:tgtEl>
+                                      </p:cBhvr>
+                                    </p:animEffect>
+                                  </p:childTnLst>
+                                </p:cTn>
+                              </p:par>
+                              <p:par>
+                                <p:cTn id="21" presetID="14" presetClass="entr" presetSubtype="10" fill="hold" nodeType="withEffect">
+                                  <p:stCondLst>
+                                    <p:cond delay="0"/>
+                                  </p:stCondLst>
+                                  <p:childTnLst>
+                                    <p:set>
+                                      <p:cBhvr>
+                                        <p:cTn id="22" dur="1" fill="hold">
+                                          <p:stCondLst>
+                                            <p:cond delay="0"/>
+                                          </p:stCondLst>
+                                        </p:cTn>
+                                        <p:tgtEl>
+                                          <p:spTgt spid="7"/>
+                                        </p:tgtEl>
+                                        <p:attrNameLst>
+                                          <p:attrName>style.visibility</p:attrName>
+                                        </p:attrNameLst>
+                                      </p:cBhvr>
+                                      <p:to>
+                                        <p:strVal val="visible"/>
+                                      </p:to>
+                                    </p:set>
+                                    <p:animEffect transition="in" filter="randombar(horizontal)">
+                                      <p:cBhvr>
+                                        <p:cTn id="23" dur="500"/>
+                                        <p:tgtEl>
+                                          <p:spTgt spid="7"/>
+                                        </p:tgtEl>
+                                      </p:cBhvr>
+                                    </p:animEffect>
+                                  </p:childTnLst>
+                                </p:cTn>
+                              </p:par>
+                            </p:childTnLst>
+                          </p:cTn>
+                        </p:par>
+                      </p:childTnLst>
+                    </p:cTn>
+                  </p:par>
+                </p:childTnLst>
+              </p:cTn>
+              <p:prevCondLst>
+                <p:cond evt="onPrev" delay="0">
+                  <p:tgtEl>
+                    <p:sldTgt/>
+                  </p:tgtEl>
+                </p:cond>
+              </p:prevCondLst>
+              <p:nextCondLst>
+                <p:cond evt="onNext" delay="0">
+                  <p:tgtEl>
+                    <p:sldTgt/>
+                  </p:tgtEl>
+                </p:cond>
+              </p:nextCondLst>
+            </p:seq>
+          </p:childTnLst>
+        </p:cTn>
+      </p:par>
+    </p:tnLst>
+    <p:bldLst>
+      <p:bldP spid="8" grpId="0" animBg="1"/>
+      <p:bldP spid="9" grpId="0" animBg="1"/>
+    </p:bldLst>
+  </p:timing>
+</p:sld>
+</file>
+
+<file path=ppt/slides/slide12.xml><?xml version="1.0" encoding="utf-8"?>
+<p:sld xmlns:a="http://schemas.openxmlformats.org/drawingml/2006/main" xmlns:r="http://schemas.openxmlformats.org/officeDocument/2006/relationships" xmlns:p="http://schemas.openxmlformats.org/presentationml/2006/main">
+  <p:cSld>
+    <p:spTree>
+      <p:nvGrpSpPr>
+        <p:cNvPr id="1" name=""/>
+        <p:cNvGrpSpPr/>
+        <p:nvPr/>
+      </p:nvGrpSpPr>
+      <p:grpSpPr>
+        <a:xfrm>
+          <a:off x="0" y="0"/>
+          <a:ext cx="0" cy="0"/>
+          <a:chOff x="0" y="0"/>
+          <a:chExt cx="0" cy="0"/>
+        </a:xfrm>
+      </p:grpSpPr>
+      <p:sp>
+        <p:nvSpPr>
+          <p:cNvPr id="2" name="Title 1"/>
+          <p:cNvSpPr>
+            <a:spLocks noGrp="1"/>
+          </p:cNvSpPr>
+          <p:nvPr>
+            <p:ph type="title"/>
+          </p:nvPr>
+        </p:nvSpPr>
+        <p:spPr/>
+        <p:txBody>
+          <a:bodyPr/>
+          <a:lstStyle/>
+          <a:p>
+            <a:r>
+              <a:rPr lang="en-US" dirty="0" smtClean="0"/>
+              <a:t>Demo Scenario - Member</a:t>
+            </a:r>
+            <a:endParaRPr lang="en-US" dirty="0"/>
+          </a:p>
+        </p:txBody>
+      </p:sp>
+      <p:pic>
+        <p:nvPicPr>
+          <p:cNvPr id="4" name="Picture 3"/>
+          <p:cNvPicPr>
+            <a:picLocks noChangeAspect="1"/>
+          </p:cNvPicPr>
+          <p:nvPr/>
+        </p:nvPicPr>
+        <p:blipFill>
+          <a:blip r:embed="rId2" cstate="print">
+            <a:extLst>
+              <a:ext uri="{28A0092B-C50C-407E-A947-70E740481C1C}">
+                <a14:useLocalDpi xmlns:a14="http://schemas.microsoft.com/office/drawing/2010/main" val="0"/>
+              </a:ext>
+            </a:extLst>
+          </a:blip>
+          <a:stretch>
+            <a:fillRect/>
+          </a:stretch>
+        </p:blipFill>
+        <p:spPr>
+          <a:xfrm>
+            <a:off x="677334" y="2615184"/>
+            <a:ext cx="1627632" cy="1627632"/>
+          </a:xfrm>
+          <a:prstGeom prst="rect">
+            <a:avLst/>
+          </a:prstGeom>
+        </p:spPr>
+      </p:pic>
+      <p:pic>
+        <p:nvPicPr>
+          <p:cNvPr id="5" name="Picture 4"/>
+          <p:cNvPicPr>
+            <a:picLocks noChangeAspect="1"/>
+          </p:cNvPicPr>
+          <p:nvPr/>
+        </p:nvPicPr>
+        <p:blipFill>
+          <a:blip r:embed="rId3">
+            <a:extLst>
+              <a:ext uri="{28A0092B-C50C-407E-A947-70E740481C1C}">
+                <a14:useLocalDpi xmlns:a14="http://schemas.microsoft.com/office/drawing/2010/main" val="0"/>
+              </a:ext>
+            </a:extLst>
+          </a:blip>
+          <a:stretch>
+            <a:fillRect/>
+          </a:stretch>
+        </p:blipFill>
+        <p:spPr>
+          <a:xfrm>
+            <a:off x="4568760" y="2615184"/>
+            <a:ext cx="1627632" cy="1627632"/>
+          </a:xfrm>
+          <a:prstGeom prst="rect">
+            <a:avLst/>
+          </a:prstGeom>
+        </p:spPr>
+      </p:pic>
+      <p:pic>
+        <p:nvPicPr>
+          <p:cNvPr id="6" name="Picture 5"/>
+          <p:cNvPicPr>
+            <a:picLocks noChangeAspect="1"/>
+          </p:cNvPicPr>
+          <p:nvPr/>
+        </p:nvPicPr>
+        <p:blipFill>
+          <a:blip r:embed="rId4">
+            <a:extLst>
+              <a:ext uri="{28A0092B-C50C-407E-A947-70E740481C1C}">
+                <a14:useLocalDpi xmlns:a14="http://schemas.microsoft.com/office/drawing/2010/main" val="0"/>
+              </a:ext>
+            </a:extLst>
+          </a:blip>
+          <a:stretch>
+            <a:fillRect/>
+          </a:stretch>
+        </p:blipFill>
+        <p:spPr>
+          <a:xfrm>
+            <a:off x="8603087" y="2615184"/>
+            <a:ext cx="1627632" cy="1627632"/>
+          </a:xfrm>
+          <a:prstGeom prst="rect">
+            <a:avLst/>
+          </a:prstGeom>
+        </p:spPr>
+      </p:pic>
+      <p:sp>
+        <p:nvSpPr>
+          <p:cNvPr id="7" name="Right Arrow 6"/>
+          <p:cNvSpPr/>
+          <p:nvPr/>
+        </p:nvSpPr>
+        <p:spPr>
+          <a:xfrm>
+            <a:off x="2304965" y="2968966"/>
+            <a:ext cx="2263795" cy="920067"/>
+          </a:xfrm>
+          <a:prstGeom prst="rightArrow">
+            <a:avLst/>
+          </a:prstGeom>
+        </p:spPr>
+        <p:style>
+          <a:lnRef idx="2">
+            <a:schemeClr val="accent1">
+              <a:shade val="50000"/>
+            </a:schemeClr>
+          </a:lnRef>
+          <a:fillRef idx="1">
+            <a:schemeClr val="accent1"/>
+          </a:fillRef>
+          <a:effectRef idx="0">
+            <a:schemeClr val="accent1"/>
+          </a:effectRef>
+          <a:fontRef idx="minor">
+            <a:schemeClr val="lt1"/>
+          </a:fontRef>
+        </p:style>
+        <p:txBody>
+          <a:bodyPr rtlCol="0" anchor="ctr"/>
+          <a:lstStyle/>
+          <a:p>
+            <a:pPr algn="ctr"/>
+            <a:r>
+              <a:rPr lang="en-US" dirty="0" smtClean="0">
+                <a:latin typeface="Arial" panose="020B0604020202020204" pitchFamily="34" charset="0"/>
+                <a:cs typeface="Arial" panose="020B0604020202020204" pitchFamily="34" charset="0"/>
+              </a:rPr>
+              <a:t>Define Routes</a:t>
+            </a:r>
+            <a:endParaRPr lang="en-US" dirty="0">
+              <a:latin typeface="Arial" panose="020B0604020202020204" pitchFamily="34" charset="0"/>
+              <a:cs typeface="Arial" panose="020B0604020202020204" pitchFamily="34" charset="0"/>
+            </a:endParaRPr>
+          </a:p>
+        </p:txBody>
+      </p:sp>
+      <p:sp>
+        <p:nvSpPr>
+          <p:cNvPr id="9" name="Right Arrow 8"/>
+          <p:cNvSpPr/>
+          <p:nvPr/>
+        </p:nvSpPr>
+        <p:spPr>
+          <a:xfrm>
+            <a:off x="6196392" y="2968966"/>
+            <a:ext cx="2406695" cy="920067"/>
+          </a:xfrm>
+          <a:prstGeom prst="rightArrow">
+            <a:avLst/>
+          </a:prstGeom>
+        </p:spPr>
+        <p:style>
+          <a:lnRef idx="2">
+            <a:schemeClr val="accent1">
+              <a:shade val="50000"/>
+            </a:schemeClr>
+          </a:lnRef>
+          <a:fillRef idx="1">
+            <a:schemeClr val="accent1"/>
+          </a:fillRef>
+          <a:effectRef idx="0">
+            <a:schemeClr val="accent1"/>
+          </a:effectRef>
+          <a:fontRef idx="minor">
+            <a:schemeClr val="lt1"/>
+          </a:fontRef>
+        </p:style>
+        <p:txBody>
+          <a:bodyPr rtlCol="0" anchor="ctr"/>
+          <a:lstStyle/>
+          <a:p>
+            <a:pPr algn="ctr"/>
+            <a:r>
+              <a:rPr lang="en-US" dirty="0" smtClean="0">
+                <a:latin typeface="Arial" panose="020B0604020202020204" pitchFamily="34" charset="0"/>
+                <a:cs typeface="Arial" panose="020B0604020202020204" pitchFamily="34" charset="0"/>
+              </a:rPr>
+              <a:t>Ask for suggestion</a:t>
+            </a:r>
+            <a:endParaRPr lang="en-US" dirty="0">
+              <a:latin typeface="Arial" panose="020B0604020202020204" pitchFamily="34" charset="0"/>
+              <a:cs typeface="Arial" panose="020B0604020202020204" pitchFamily="34" charset="0"/>
+            </a:endParaRPr>
+          </a:p>
+        </p:txBody>
+      </p:sp>
+    </p:spTree>
+    <p:extLst>
+      <p:ext uri="{BB962C8B-B14F-4D97-AF65-F5344CB8AC3E}">
+        <p14:creationId xmlns:p14="http://schemas.microsoft.com/office/powerpoint/2010/main" val="2465162906"/>
+      </p:ext>
+    </p:extLst>
+  </p:cSld>
+  <p:clrMapOvr>
+    <a:masterClrMapping/>
+  </p:clrMapOvr>
+  <p:transition spd="slow">
+    <p:cover/>
+  </p:transition>
+  <p:timing>
+    <p:tnLst>
+      <p:par>
+        <p:cTn id="1" dur="indefinite" restart="never" nodeType="tmRoot">
+          <p:childTnLst>
+            <p:seq concurrent="1" nextAc="seek">
+              <p:cTn id="2" dur="indefinite" nodeType="mainSeq">
+                <p:childTnLst>
+                  <p:par>
+                    <p:cTn id="3" fill="hold">
+                      <p:stCondLst>
+                        <p:cond delay="indefinite"/>
+                      </p:stCondLst>
+                      <p:childTnLst>
+                        <p:par>
+                          <p:cTn id="4" fill="hold">
+                            <p:stCondLst>
+                              <p:cond delay="0"/>
+                            </p:stCondLst>
+                            <p:childTnLst>
+                              <p:par>
+                                <p:cTn id="5" presetID="14" presetClass="entr" presetSubtype="10" fill="hold" nodeType="clickEffect">
+                                  <p:stCondLst>
+                                    <p:cond delay="0"/>
+                                  </p:stCondLst>
+                                  <p:childTnLst>
+                                    <p:set>
+                                      <p:cBhvr>
+                                        <p:cTn id="6" dur="1" fill="hold">
+                                          <p:stCondLst>
+                                            <p:cond delay="0"/>
+                                          </p:stCondLst>
+                                        </p:cTn>
+                                        <p:tgtEl>
+                                          <p:spTgt spid="4"/>
+                                        </p:tgtEl>
+                                        <p:attrNameLst>
+                                          <p:attrName>style.visibility</p:attrName>
+                                        </p:attrNameLst>
+                                      </p:cBhvr>
+                                      <p:to>
+                                        <p:strVal val="visible"/>
+                                      </p:to>
+                                    </p:set>
+                                    <p:animEffect transition="in" filter="randombar(horizontal)">
+                                      <p:cBhvr>
+                                        <p:cTn id="7" dur="500"/>
+                                        <p:tgtEl>
+                                          <p:spTgt spid="4"/>
+                                        </p:tgtEl>
+                                      </p:cBhvr>
+                                    </p:animEffect>
+                                  </p:childTnLst>
+                                </p:cTn>
+                              </p:par>
+                            </p:childTnLst>
+                          </p:cTn>
+                        </p:par>
+                      </p:childTnLst>
+                    </p:cTn>
+                  </p:par>
+                  <p:par>
+                    <p:cTn id="8" fill="hold">
+                      <p:stCondLst>
+                        <p:cond delay="indefinite"/>
+                      </p:stCondLst>
+                      <p:childTnLst>
+                        <p:par>
+                          <p:cTn id="9" fill="hold">
+                            <p:stCondLst>
+                              <p:cond delay="0"/>
+                            </p:stCondLst>
+                            <p:childTnLst>
+                              <p:par>
+                                <p:cTn id="10" presetID="14" presetClass="entr" presetSubtype="10" fill="hold" grpId="0" nodeType="clickEffect">
+                                  <p:stCondLst>
+                                    <p:cond delay="0"/>
+                                  </p:stCondLst>
+                                  <p:childTnLst>
+                                    <p:set>
+                                      <p:cBhvr>
+                                        <p:cTn id="11" dur="1" fill="hold">
+                                          <p:stCondLst>
+                                            <p:cond delay="0"/>
+                                          </p:stCondLst>
+                                        </p:cTn>
+                                        <p:tgtEl>
+                                          <p:spTgt spid="7"/>
+                                        </p:tgtEl>
+                                        <p:attrNameLst>
+                                          <p:attrName>style.visibility</p:attrName>
+                                        </p:attrNameLst>
+                                      </p:cBhvr>
+                                      <p:to>
+                                        <p:strVal val="visible"/>
+                                      </p:to>
+                                    </p:set>
+                                    <p:animEffect transition="in" filter="randombar(horizontal)">
+                                      <p:cBhvr>
+                                        <p:cTn id="12" dur="500"/>
+                                        <p:tgtEl>
+                                          <p:spTgt spid="7"/>
+                                        </p:tgtEl>
+                                      </p:cBhvr>
+                                    </p:animEffect>
+                                  </p:childTnLst>
+                                </p:cTn>
+                              </p:par>
+                              <p:par>
+                                <p:cTn id="13" presetID="14" presetClass="entr" presetSubtype="10" fill="hold" nodeType="withEffect">
+                                  <p:stCondLst>
+                                    <p:cond delay="0"/>
+                                  </p:stCondLst>
+                                  <p:childTnLst>
+                                    <p:set>
+                                      <p:cBhvr>
+                                        <p:cTn id="14" dur="1" fill="hold">
+                                          <p:stCondLst>
+                                            <p:cond delay="0"/>
+                                          </p:stCondLst>
+                                        </p:cTn>
+                                        <p:tgtEl>
+                                          <p:spTgt spid="5"/>
+                                        </p:tgtEl>
+                                        <p:attrNameLst>
+                                          <p:attrName>style.visibility</p:attrName>
+                                        </p:attrNameLst>
+                                      </p:cBhvr>
+                                      <p:to>
+                                        <p:strVal val="visible"/>
+                                      </p:to>
+                                    </p:set>
+                                    <p:animEffect transition="in" filter="randombar(horizontal)">
+                                      <p:cBhvr>
+                                        <p:cTn id="15" dur="500"/>
+                                        <p:tgtEl>
+                                          <p:spTgt spid="5"/>
+                                        </p:tgtEl>
+                                      </p:cBhvr>
+                                    </p:animEffect>
+                                  </p:childTnLst>
+                                </p:cTn>
+                              </p:par>
+                            </p:childTnLst>
+                          </p:cTn>
+                        </p:par>
+                      </p:childTnLst>
+                    </p:cTn>
+                  </p:par>
+                  <p:par>
+                    <p:cTn id="16" fill="hold">
+                      <p:stCondLst>
+                        <p:cond delay="indefinite"/>
+                      </p:stCondLst>
+                      <p:childTnLst>
+                        <p:par>
+                          <p:cTn id="17" fill="hold">
+                            <p:stCondLst>
+                              <p:cond delay="0"/>
+                            </p:stCondLst>
+                            <p:childTnLst>
+                              <p:par>
+                                <p:cTn id="18" presetID="14" presetClass="entr" presetSubtype="10" fill="hold" grpId="0" nodeType="clickEffect">
+                                  <p:stCondLst>
+                                    <p:cond delay="0"/>
+                                  </p:stCondLst>
+                                  <p:childTnLst>
+                                    <p:set>
+                                      <p:cBhvr>
+                                        <p:cTn id="19" dur="1" fill="hold">
+                                          <p:stCondLst>
+                                            <p:cond delay="0"/>
+                                          </p:stCondLst>
+                                        </p:cTn>
+                                        <p:tgtEl>
+                                          <p:spTgt spid="9"/>
+                                        </p:tgtEl>
+                                        <p:attrNameLst>
+                                          <p:attrName>style.visibility</p:attrName>
+                                        </p:attrNameLst>
+                                      </p:cBhvr>
+                                      <p:to>
+                                        <p:strVal val="visible"/>
+                                      </p:to>
+                                    </p:set>
+                                    <p:animEffect transition="in" filter="randombar(horizontal)">
+                                      <p:cBhvr>
+                                        <p:cTn id="20" dur="500"/>
+                                        <p:tgtEl>
+                                          <p:spTgt spid="9"/>
+                                        </p:tgtEl>
+                                      </p:cBhvr>
+                                    </p:animEffect>
+                                  </p:childTnLst>
+                                </p:cTn>
+                              </p:par>
+                              <p:par>
+                                <p:cTn id="21" presetID="14" presetClass="entr" presetSubtype="10" fill="hold" nodeType="withEffect">
+                                  <p:stCondLst>
+                                    <p:cond delay="0"/>
+                                  </p:stCondLst>
+                                  <p:childTnLst>
+                                    <p:set>
+                                      <p:cBhvr>
+                                        <p:cTn id="22" dur="1" fill="hold">
+                                          <p:stCondLst>
+                                            <p:cond delay="0"/>
+                                          </p:stCondLst>
+                                        </p:cTn>
+                                        <p:tgtEl>
+                                          <p:spTgt spid="6"/>
+                                        </p:tgtEl>
+                                        <p:attrNameLst>
+                                          <p:attrName>style.visibility</p:attrName>
+                                        </p:attrNameLst>
+                                      </p:cBhvr>
+                                      <p:to>
+                                        <p:strVal val="visible"/>
+                                      </p:to>
+                                    </p:set>
+                                    <p:animEffect transition="in" filter="randombar(horizontal)">
+                                      <p:cBhvr>
+                                        <p:cTn id="23" dur="500"/>
+                                        <p:tgtEl>
+                                          <p:spTgt spid="6"/>
+                                        </p:tgtEl>
+                                      </p:cBhvr>
+                                    </p:animEffect>
+                                  </p:childTnLst>
+                                </p:cTn>
+                              </p:par>
+                            </p:childTnLst>
+                          </p:cTn>
+                        </p:par>
+                      </p:childTnLst>
+                    </p:cTn>
+                  </p:par>
+                </p:childTnLst>
+              </p:cTn>
+              <p:prevCondLst>
+                <p:cond evt="onPrev" delay="0">
+                  <p:tgtEl>
+                    <p:sldTgt/>
+                  </p:tgtEl>
+                </p:cond>
+              </p:prevCondLst>
+              <p:nextCondLst>
+                <p:cond evt="onNext" delay="0">
+                  <p:tgtEl>
+                    <p:sldTgt/>
+                  </p:tgtEl>
+                </p:cond>
+              </p:nextCondLst>
+            </p:seq>
+          </p:childTnLst>
+        </p:cTn>
+      </p:par>
+    </p:tnLst>
+    <p:bldLst>
+      <p:bldP spid="7" grpId="0" animBg="1"/>
+      <p:bldP spid="9" grpId="0" animBg="1"/>
+    </p:bldLst>
+  </p:timing>
+</p:sld>
+</file>
+
+<file path=ppt/slides/slide13.xml><?xml version="1.0" encoding="utf-8"?>
+<p:sld xmlns:a="http://schemas.openxmlformats.org/drawingml/2006/main" xmlns:r="http://schemas.openxmlformats.org/officeDocument/2006/relationships" xmlns:p="http://schemas.openxmlformats.org/presentationml/2006/main">
+  <p:cSld>
+    <p:spTree>
+      <p:nvGrpSpPr>
+        <p:cNvPr id="1" name=""/>
+        <p:cNvGrpSpPr/>
+        <p:nvPr/>
+      </p:nvGrpSpPr>
+      <p:grpSpPr>
+        <a:xfrm>
+          <a:off x="0" y="0"/>
+          <a:ext cx="0" cy="0"/>
+          <a:chOff x="0" y="0"/>
+          <a:chExt cx="0" cy="0"/>
+        </a:xfrm>
+      </p:grpSpPr>
+      <p:sp>
+        <p:nvSpPr>
+          <p:cNvPr id="2" name="Title 1"/>
+          <p:cNvSpPr>
+            <a:spLocks noGrp="1"/>
+          </p:cNvSpPr>
+          <p:nvPr>
+            <p:ph type="title"/>
+          </p:nvPr>
+        </p:nvSpPr>
+        <p:spPr/>
+        <p:txBody>
+          <a:bodyPr/>
+          <a:lstStyle/>
+          <a:p>
+            <a:r>
+              <a:rPr lang="en-US" dirty="0" smtClean="0"/>
+              <a:t>Mobile Member</a:t>
+            </a:r>
+            <a:endParaRPr lang="en-US" dirty="0"/>
+          </a:p>
+        </p:txBody>
+      </p:sp>
+      <p:sp>
+        <p:nvSpPr>
+          <p:cNvPr id="3" name="Content Placeholder 2"/>
+          <p:cNvSpPr>
+            <a:spLocks noGrp="1"/>
+          </p:cNvSpPr>
+          <p:nvPr>
+            <p:ph idx="1"/>
+          </p:nvPr>
+        </p:nvSpPr>
+        <p:spPr/>
+        <p:txBody>
+          <a:bodyPr/>
+          <a:lstStyle/>
+          <a:p>
+            <a:endParaRPr lang="en-US" dirty="0"/>
+          </a:p>
+        </p:txBody>
+      </p:sp>
+    </p:spTree>
+    <p:extLst>
+      <p:ext uri="{BB962C8B-B14F-4D97-AF65-F5344CB8AC3E}">
+        <p14:creationId xmlns:p14="http://schemas.microsoft.com/office/powerpoint/2010/main" val="3171752166"/>
+      </p:ext>
+    </p:extLst>
+  </p:cSld>
+  <p:clrMapOvr>
+    <a:masterClrMapping/>
+  </p:clrMapOvr>
+  <p:timing>
+    <p:tnLst>
+      <p:par>
+        <p:cTn id="1" dur="indefinite" restart="never" nodeType="tmRoot"/>
+      </p:par>
+    </p:tnLst>
+  </p:timing>
+</p:sld>
+</file>
+
+<file path=ppt/slides/slide14.xml><?xml version="1.0" encoding="utf-8"?>
+<p:sld xmlns:a="http://schemas.openxmlformats.org/drawingml/2006/main" xmlns:r="http://schemas.openxmlformats.org/officeDocument/2006/relationships" xmlns:p="http://schemas.openxmlformats.org/presentationml/2006/main">
+  <p:cSld>
+    <p:spTree>
+      <p:nvGrpSpPr>
+        <p:cNvPr id="1" name=""/>
+        <p:cNvGrpSpPr/>
+        <p:nvPr/>
+      </p:nvGrpSpPr>
+      <p:grpSpPr>
+        <a:xfrm>
+          <a:off x="0" y="0"/>
+          <a:ext cx="0" cy="0"/>
+          <a:chOff x="0" y="0"/>
+          <a:chExt cx="0" cy="0"/>
+        </a:xfrm>
+      </p:grpSpPr>
+      <p:sp>
+        <p:nvSpPr>
+          <p:cNvPr id="2" name="Title 1"/>
+          <p:cNvSpPr>
+            <a:spLocks noGrp="1"/>
+          </p:cNvSpPr>
+          <p:nvPr>
+            <p:ph type="title"/>
+          </p:nvPr>
+        </p:nvSpPr>
+        <p:spPr/>
+        <p:txBody>
+          <a:bodyPr/>
+          <a:lstStyle/>
+          <a:p>
+            <a:r>
+              <a:rPr lang="en-US" dirty="0" smtClean="0"/>
+              <a:t>Data Source</a:t>
+            </a:r>
+            <a:endParaRPr lang="en-US" dirty="0"/>
+          </a:p>
+        </p:txBody>
+      </p:sp>
+      <p:sp>
+        <p:nvSpPr>
+          <p:cNvPr id="3" name="Content Placeholder 2"/>
+          <p:cNvSpPr>
+            <a:spLocks noGrp="1"/>
+          </p:cNvSpPr>
+          <p:nvPr>
+            <p:ph idx="1"/>
+          </p:nvPr>
+        </p:nvSpPr>
+        <p:spPr/>
+        <p:txBody>
+          <a:bodyPr/>
+          <a:lstStyle/>
+          <a:p>
+            <a:r>
+              <a:rPr lang="en-US" dirty="0" smtClean="0"/>
+              <a:t>Excel files.</a:t>
+            </a:r>
+          </a:p>
+          <a:p>
+            <a:r>
+              <a:rPr lang="en-US" dirty="0" smtClean="0"/>
+              <a:t>Data mining from websites.</a:t>
+            </a:r>
+            <a:endParaRPr lang="en-US" dirty="0"/>
+          </a:p>
+        </p:txBody>
+      </p:sp>
+    </p:spTree>
+    <p:extLst>
+      <p:ext uri="{BB962C8B-B14F-4D97-AF65-F5344CB8AC3E}">
+        <p14:creationId xmlns:p14="http://schemas.microsoft.com/office/powerpoint/2010/main" val="520258324"/>
+      </p:ext>
+    </p:extLst>
+  </p:cSld>
+  <p:clrMapOvr>
+    <a:masterClrMapping/>
+  </p:clrMapOvr>
+  <p:timing>
+    <p:tnLst>
+      <p:par>
+        <p:cTn id="1" dur="indefinite" restart="never" nodeType="tmRoot"/>
+      </p:par>
+    </p:tnLst>
+  </p:timing>
+</p:sld>
+</file>
+
+<file path=ppt/slides/slide15.xml><?xml version="1.0" encoding="utf-8"?>
+<p:sld xmlns:a="http://schemas.openxmlformats.org/drawingml/2006/main" xmlns:r="http://schemas.openxmlformats.org/officeDocument/2006/relationships" xmlns:p="http://schemas.openxmlformats.org/presentationml/2006/main">
+  <p:cSld>
+    <p:spTree>
+      <p:nvGrpSpPr>
+        <p:cNvPr id="1" name=""/>
+        <p:cNvGrpSpPr/>
+        <p:nvPr/>
+      </p:nvGrpSpPr>
+      <p:grpSpPr>
+        <a:xfrm>
+          <a:off x="0" y="0"/>
+          <a:ext cx="0" cy="0"/>
+          <a:chOff x="0" y="0"/>
+          <a:chExt cx="0" cy="0"/>
+        </a:xfrm>
+      </p:grpSpPr>
+      <p:sp>
+        <p:nvSpPr>
+          <p:cNvPr id="2" name="Title 1"/>
+          <p:cNvSpPr>
+            <a:spLocks noGrp="1"/>
+          </p:cNvSpPr>
+          <p:nvPr>
+            <p:ph type="title"/>
+          </p:nvPr>
+        </p:nvSpPr>
+        <p:spPr/>
+        <p:txBody>
+          <a:bodyPr/>
+          <a:lstStyle/>
+          <a:p>
+            <a:r>
+              <a:rPr lang="en-US" dirty="0" smtClean="0"/>
+              <a:t>Excel Flow</a:t>
+            </a:r>
+            <a:endParaRPr lang="en-US" dirty="0"/>
+          </a:p>
+        </p:txBody>
+      </p:sp>
+      <p:sp>
+        <p:nvSpPr>
+          <p:cNvPr id="3" name="Content Placeholder 2"/>
+          <p:cNvSpPr>
+            <a:spLocks noGrp="1"/>
+          </p:cNvSpPr>
+          <p:nvPr>
+            <p:ph idx="1"/>
+          </p:nvPr>
+        </p:nvSpPr>
+        <p:spPr/>
+        <p:txBody>
+          <a:bodyPr/>
+          <a:lstStyle/>
+          <a:p>
+            <a:endParaRPr lang="en-US" dirty="0"/>
+          </a:p>
+        </p:txBody>
+      </p:sp>
+    </p:spTree>
+    <p:extLst>
+      <p:ext uri="{BB962C8B-B14F-4D97-AF65-F5344CB8AC3E}">
+        <p14:creationId xmlns:p14="http://schemas.microsoft.com/office/powerpoint/2010/main" val="3526761976"/>
+      </p:ext>
+    </p:extLst>
+  </p:cSld>
+  <p:clrMapOvr>
+    <a:masterClrMapping/>
+  </p:clrMapOvr>
+  <p:timing>
+    <p:tnLst>
+      <p:par>
+        <p:cTn id="1" dur="indefinite" restart="never" nodeType="tmRoot"/>
+      </p:par>
+    </p:tnLst>
+  </p:timing>
+</p:sld>
+</file>
+
+<file path=ppt/slides/slide16.xml><?xml version="1.0" encoding="utf-8"?>
+<p:sld xmlns:a="http://schemas.openxmlformats.org/drawingml/2006/main" xmlns:r="http://schemas.openxmlformats.org/officeDocument/2006/relationships" xmlns:p="http://schemas.openxmlformats.org/presentationml/2006/main">
+  <p:cSld>
+    <p:spTree>
+      <p:nvGrpSpPr>
+        <p:cNvPr id="1" name=""/>
+        <p:cNvGrpSpPr/>
+        <p:nvPr/>
+      </p:nvGrpSpPr>
+      <p:grpSpPr>
+        <a:xfrm>
+          <a:off x="0" y="0"/>
+          <a:ext cx="0" cy="0"/>
+          <a:chOff x="0" y="0"/>
+          <a:chExt cx="0" cy="0"/>
+        </a:xfrm>
+      </p:grpSpPr>
+      <p:sp>
+        <p:nvSpPr>
+          <p:cNvPr id="2" name="Title 1"/>
+          <p:cNvSpPr>
+            <a:spLocks noGrp="1"/>
+          </p:cNvSpPr>
+          <p:nvPr>
+            <p:ph type="title"/>
+          </p:nvPr>
+        </p:nvSpPr>
+        <p:spPr/>
+        <p:txBody>
+          <a:bodyPr/>
+          <a:lstStyle/>
+          <a:p>
+            <a:r>
+              <a:rPr lang="en-US" dirty="0" smtClean="0"/>
+              <a:t>Excel Flow</a:t>
+            </a:r>
+            <a:endParaRPr lang="en-US" dirty="0"/>
+          </a:p>
+        </p:txBody>
+      </p:sp>
+      <p:sp>
+        <p:nvSpPr>
+          <p:cNvPr id="3" name="Content Placeholder 2"/>
+          <p:cNvSpPr>
+            <a:spLocks noGrp="1"/>
+          </p:cNvSpPr>
+          <p:nvPr>
+            <p:ph idx="1"/>
+          </p:nvPr>
+        </p:nvSpPr>
+        <p:spPr/>
+        <p:txBody>
+          <a:bodyPr/>
+          <a:lstStyle/>
+          <a:p>
+            <a:r>
+              <a:rPr lang="en-US" dirty="0" smtClean="0"/>
+              <a:t>Step 1:</a:t>
+            </a:r>
+          </a:p>
+          <a:p>
+            <a:r>
+              <a:rPr lang="en-US" dirty="0" smtClean="0"/>
+              <a:t>Step 2:</a:t>
+            </a:r>
+          </a:p>
+          <a:p>
+            <a:r>
+              <a:rPr lang="en-US" smtClean="0"/>
+              <a:t>Step 3:</a:t>
+            </a:r>
+            <a:endParaRPr lang="en-US"/>
+          </a:p>
+        </p:txBody>
+      </p:sp>
+    </p:spTree>
+    <p:extLst>
+      <p:ext uri="{BB962C8B-B14F-4D97-AF65-F5344CB8AC3E}">
+        <p14:creationId xmlns:p14="http://schemas.microsoft.com/office/powerpoint/2010/main" val="2909632907"/>
+      </p:ext>
+    </p:extLst>
+  </p:cSld>
+  <p:clrMapOvr>
+    <a:masterClrMapping/>
+  </p:clrMapOvr>
+  <p:timing>
+    <p:tnLst>
+      <p:par>
+        <p:cTn id="1" dur="indefinite" restart="never" nodeType="tmRoot"/>
+      </p:par>
+    </p:tnLst>
+  </p:timing>
+</p:sld>
+</file>
+
+<file path=ppt/slides/slide17.xml><?xml version="1.0" encoding="utf-8"?>
+<p:sld xmlns:a="http://schemas.openxmlformats.org/drawingml/2006/main" xmlns:r="http://schemas.openxmlformats.org/officeDocument/2006/relationships" xmlns:p="http://schemas.openxmlformats.org/presentationml/2006/main">
+  <p:cSld>
+    <p:spTree>
+      <p:nvGrpSpPr>
+        <p:cNvPr id="1" name=""/>
+        <p:cNvGrpSpPr/>
+        <p:nvPr/>
+      </p:nvGrpSpPr>
+      <p:grpSpPr>
+        <a:xfrm>
+          <a:off x="0" y="0"/>
+          <a:ext cx="0" cy="0"/>
+          <a:chOff x="0" y="0"/>
+          <a:chExt cx="0" cy="0"/>
+        </a:xfrm>
+      </p:grpSpPr>
+      <p:sp>
+        <p:nvSpPr>
+          <p:cNvPr id="2" name="Title 1"/>
+          <p:cNvSpPr>
+            <a:spLocks noGrp="1"/>
+          </p:cNvSpPr>
+          <p:nvPr>
+            <p:ph type="title"/>
+          </p:nvPr>
+        </p:nvSpPr>
+        <p:spPr/>
+        <p:txBody>
+          <a:bodyPr/>
+          <a:lstStyle/>
+          <a:p>
+            <a:r>
+              <a:rPr lang="en-US" dirty="0" smtClean="0"/>
+              <a:t>Terminology</a:t>
+            </a:r>
+            <a:endParaRPr lang="en-US" dirty="0"/>
+          </a:p>
+        </p:txBody>
+      </p:sp>
+      <p:sp>
+        <p:nvSpPr>
+          <p:cNvPr id="3" name="Content Placeholder 2"/>
+          <p:cNvSpPr>
+            <a:spLocks noGrp="1"/>
+          </p:cNvSpPr>
+          <p:nvPr>
+            <p:ph idx="1"/>
+          </p:nvPr>
+        </p:nvSpPr>
+        <p:spPr/>
+        <p:txBody>
+          <a:bodyPr/>
+          <a:lstStyle/>
+          <a:p>
+            <a:r>
+              <a:rPr lang="en-US" dirty="0" smtClean="0"/>
+              <a:t>Correct</a:t>
+            </a:r>
+          </a:p>
+          <a:p>
+            <a:r>
+              <a:rPr lang="en-US" dirty="0" smtClean="0"/>
+              <a:t>Error.</a:t>
+            </a:r>
+          </a:p>
+          <a:p>
+            <a:r>
+              <a:rPr lang="en-US" dirty="0" smtClean="0"/>
+              <a:t>Duplicate.</a:t>
+            </a:r>
+            <a:endParaRPr lang="en-US" dirty="0"/>
+          </a:p>
+        </p:txBody>
+      </p:sp>
+    </p:spTree>
+    <p:extLst>
+      <p:ext uri="{BB962C8B-B14F-4D97-AF65-F5344CB8AC3E}">
+        <p14:creationId xmlns:p14="http://schemas.microsoft.com/office/powerpoint/2010/main" val="3371757643"/>
+      </p:ext>
+    </p:extLst>
+  </p:cSld>
+  <p:clrMapOvr>
+    <a:masterClrMapping/>
+  </p:clrMapOvr>
+  <p:timing>
+    <p:tnLst>
+      <p:par>
+        <p:cTn id="1" dur="indefinite" restart="never" nodeType="tmRoot"/>
+      </p:par>
+    </p:tnLst>
+  </p:timing>
+</p:sld>
+</file>
+
+<file path=ppt/slides/slide18.xml><?xml version="1.0" encoding="utf-8"?>
+<p:sld xmlns:a="http://schemas.openxmlformats.org/drawingml/2006/main" xmlns:r="http://schemas.openxmlformats.org/officeDocument/2006/relationships" xmlns:p="http://schemas.openxmlformats.org/presentationml/2006/main">
+  <p:cSld>
+    <p:spTree>
+      <p:nvGrpSpPr>
+        <p:cNvPr id="1" name=""/>
+        <p:cNvGrpSpPr/>
+        <p:nvPr/>
+      </p:nvGrpSpPr>
+      <p:grpSpPr>
+        <a:xfrm>
+          <a:off x="0" y="0"/>
+          <a:ext cx="0" cy="0"/>
+          <a:chOff x="0" y="0"/>
+          <a:chExt cx="0" cy="0"/>
+        </a:xfrm>
+      </p:grpSpPr>
+      <p:sp>
+        <p:nvSpPr>
+          <p:cNvPr id="2" name="Title 1"/>
+          <p:cNvSpPr>
+            <a:spLocks noGrp="1"/>
+          </p:cNvSpPr>
+          <p:nvPr>
+            <p:ph type="title"/>
+          </p:nvPr>
+        </p:nvSpPr>
+        <p:spPr>
+          <a:xfrm>
+            <a:off x="677334" y="609600"/>
+            <a:ext cx="8596668" cy="652530"/>
+          </a:xfrm>
+        </p:spPr>
+        <p:txBody>
+          <a:bodyPr/>
+          <a:lstStyle/>
+          <a:p>
+            <a:r>
+              <a:rPr lang="en-US" dirty="0" smtClean="0"/>
+              <a:t>Demo Scenario - Staff</a:t>
+            </a:r>
+            <a:endParaRPr lang="en-US" dirty="0"/>
+          </a:p>
+        </p:txBody>
+      </p:sp>
+      <p:pic>
+        <p:nvPicPr>
+          <p:cNvPr id="4" name="Picture 3"/>
+          <p:cNvPicPr>
+            <a:picLocks noChangeAspect="1"/>
+          </p:cNvPicPr>
+          <p:nvPr/>
+        </p:nvPicPr>
+        <p:blipFill>
+          <a:blip r:embed="rId2">
+            <a:extLst>
+              <a:ext uri="{28A0092B-C50C-407E-A947-70E740481C1C}">
+                <a14:useLocalDpi xmlns:a14="http://schemas.microsoft.com/office/drawing/2010/main" val="0"/>
+              </a:ext>
+            </a:extLst>
+          </a:blip>
+          <a:stretch>
+            <a:fillRect/>
+          </a:stretch>
+        </p:blipFill>
+        <p:spPr>
+          <a:xfrm>
+            <a:off x="1379518" y="1332062"/>
+            <a:ext cx="1627632" cy="1627632"/>
+          </a:xfrm>
+          <a:prstGeom prst="rect">
+            <a:avLst/>
+          </a:prstGeom>
+        </p:spPr>
+      </p:pic>
+      <p:pic>
+        <p:nvPicPr>
+          <p:cNvPr id="5" name="Picture 4"/>
+          <p:cNvPicPr>
+            <a:picLocks noChangeAspect="1"/>
+          </p:cNvPicPr>
+          <p:nvPr/>
+        </p:nvPicPr>
+        <p:blipFill>
+          <a:blip r:embed="rId3">
+            <a:extLst>
+              <a:ext uri="{28A0092B-C50C-407E-A947-70E740481C1C}">
+                <a14:useLocalDpi xmlns:a14="http://schemas.microsoft.com/office/drawing/2010/main" val="0"/>
+              </a:ext>
+            </a:extLst>
+          </a:blip>
+          <a:stretch>
+            <a:fillRect/>
+          </a:stretch>
+        </p:blipFill>
+        <p:spPr>
+          <a:xfrm>
+            <a:off x="4898400" y="1332062"/>
+            <a:ext cx="1627632" cy="1627632"/>
+          </a:xfrm>
+          <a:prstGeom prst="rect">
+            <a:avLst/>
+          </a:prstGeom>
+        </p:spPr>
+      </p:pic>
+      <p:pic>
+        <p:nvPicPr>
+          <p:cNvPr id="6" name="Picture 5"/>
+          <p:cNvPicPr>
+            <a:picLocks/>
+          </p:cNvPicPr>
+          <p:nvPr/>
+        </p:nvPicPr>
+        <p:blipFill>
+          <a:blip r:embed="rId4" cstate="print">
+            <a:extLst>
+              <a:ext uri="{28A0092B-C50C-407E-A947-70E740481C1C}">
+                <a14:useLocalDpi xmlns:a14="http://schemas.microsoft.com/office/drawing/2010/main" val="0"/>
+              </a:ext>
+            </a:extLst>
+          </a:blip>
+          <a:stretch>
+            <a:fillRect/>
+          </a:stretch>
+        </p:blipFill>
+        <p:spPr>
+          <a:xfrm>
+            <a:off x="8557473" y="1332062"/>
+            <a:ext cx="1627632" cy="1627632"/>
+          </a:xfrm>
+          <a:prstGeom prst="rect">
+            <a:avLst/>
+          </a:prstGeom>
+        </p:spPr>
+      </p:pic>
+      <p:pic>
+        <p:nvPicPr>
+          <p:cNvPr id="7" name="Picture 6"/>
+          <p:cNvPicPr>
+            <a:picLocks/>
+          </p:cNvPicPr>
+          <p:nvPr/>
+        </p:nvPicPr>
+        <p:blipFill>
+          <a:blip r:embed="rId5">
+            <a:extLst>
+              <a:ext uri="{28A0092B-C50C-407E-A947-70E740481C1C}">
+                <a14:useLocalDpi xmlns:a14="http://schemas.microsoft.com/office/drawing/2010/main" val="0"/>
+              </a:ext>
+            </a:extLst>
+          </a:blip>
+          <a:stretch>
+            <a:fillRect/>
+          </a:stretch>
+        </p:blipFill>
+        <p:spPr>
+          <a:xfrm>
+            <a:off x="4898400" y="3402727"/>
+            <a:ext cx="1627632" cy="1627632"/>
+          </a:xfrm>
+          <a:prstGeom prst="rect">
+            <a:avLst/>
+          </a:prstGeom>
+        </p:spPr>
+      </p:pic>
+      <p:sp>
+        <p:nvSpPr>
+          <p:cNvPr id="8" name="Right Arrow 7"/>
+          <p:cNvSpPr/>
+          <p:nvPr/>
+        </p:nvSpPr>
+        <p:spPr>
+          <a:xfrm>
+            <a:off x="3041561" y="1705163"/>
+            <a:ext cx="1782317" cy="907188"/>
+          </a:xfrm>
+          <a:prstGeom prst="rightArrow">
+            <a:avLst/>
+          </a:prstGeom>
+        </p:spPr>
+        <p:style>
+          <a:lnRef idx="2">
+            <a:schemeClr val="accent1">
+              <a:shade val="50000"/>
+            </a:schemeClr>
+          </a:lnRef>
+          <a:fillRef idx="1">
+            <a:schemeClr val="accent1"/>
+          </a:fillRef>
+          <a:effectRef idx="0">
+            <a:schemeClr val="accent1"/>
+          </a:effectRef>
+          <a:fontRef idx="minor">
+            <a:schemeClr val="lt1"/>
+          </a:fontRef>
+        </p:style>
+        <p:txBody>
+          <a:bodyPr rtlCol="0" anchor="ctr"/>
+          <a:lstStyle/>
+          <a:p>
+            <a:pPr algn="ctr"/>
+            <a:r>
+              <a:rPr lang="en-US" dirty="0" smtClean="0">
+                <a:latin typeface="Arial" panose="020B0604020202020204" pitchFamily="34" charset="0"/>
+                <a:cs typeface="Arial" panose="020B0604020202020204" pitchFamily="34" charset="0"/>
+              </a:rPr>
+              <a:t>Import data</a:t>
+            </a:r>
+            <a:endParaRPr lang="en-US" dirty="0">
+              <a:latin typeface="Arial" panose="020B0604020202020204" pitchFamily="34" charset="0"/>
+              <a:cs typeface="Arial" panose="020B0604020202020204" pitchFamily="34" charset="0"/>
+            </a:endParaRPr>
+          </a:p>
+        </p:txBody>
+      </p:sp>
+      <p:sp>
+        <p:nvSpPr>
+          <p:cNvPr id="9" name="Right Arrow 8"/>
+          <p:cNvSpPr/>
+          <p:nvPr/>
+        </p:nvSpPr>
+        <p:spPr>
+          <a:xfrm>
+            <a:off x="6600554" y="1692284"/>
+            <a:ext cx="1882397" cy="920067"/>
+          </a:xfrm>
+          <a:prstGeom prst="rightArrow">
+            <a:avLst/>
+          </a:prstGeom>
+        </p:spPr>
+        <p:style>
+          <a:lnRef idx="2">
+            <a:schemeClr val="accent1">
+              <a:shade val="50000"/>
+            </a:schemeClr>
+          </a:lnRef>
+          <a:fillRef idx="1">
+            <a:schemeClr val="accent1"/>
+          </a:fillRef>
+          <a:effectRef idx="0">
+            <a:schemeClr val="accent1"/>
+          </a:effectRef>
+          <a:fontRef idx="minor">
+            <a:schemeClr val="lt1"/>
+          </a:fontRef>
+        </p:style>
+        <p:txBody>
+          <a:bodyPr rtlCol="0" anchor="ctr"/>
+          <a:lstStyle/>
+          <a:p>
+            <a:pPr algn="ctr"/>
+            <a:r>
+              <a:rPr lang="en-US" dirty="0" smtClean="0">
+                <a:latin typeface="Arial" panose="020B0604020202020204" pitchFamily="34" charset="0"/>
+                <a:cs typeface="Arial" panose="020B0604020202020204" pitchFamily="34" charset="0"/>
+              </a:rPr>
+              <a:t>Train machine</a:t>
+            </a:r>
+            <a:endParaRPr lang="en-US" dirty="0">
+              <a:latin typeface="Arial" panose="020B0604020202020204" pitchFamily="34" charset="0"/>
+              <a:cs typeface="Arial" panose="020B0604020202020204" pitchFamily="34" charset="0"/>
+            </a:endParaRPr>
+          </a:p>
+        </p:txBody>
+      </p:sp>
+      <p:sp>
+        <p:nvSpPr>
+          <p:cNvPr id="16" name="Bent-Up Arrow 15"/>
+          <p:cNvSpPr/>
+          <p:nvPr/>
+        </p:nvSpPr>
+        <p:spPr>
+          <a:xfrm rot="5400000">
+            <a:off x="2458876" y="2706414"/>
+            <a:ext cx="1598109" cy="2503529"/>
+          </a:xfrm>
+          <a:prstGeom prst="bentUpArrow">
+            <a:avLst/>
+          </a:prstGeom>
+        </p:spPr>
+        <p:style>
+          <a:lnRef idx="2">
+            <a:schemeClr val="accent1">
+              <a:shade val="50000"/>
+            </a:schemeClr>
+          </a:lnRef>
+          <a:fillRef idx="1">
+            <a:schemeClr val="accent1"/>
+          </a:fillRef>
+          <a:effectRef idx="0">
+            <a:schemeClr val="accent1"/>
+          </a:effectRef>
+          <a:fontRef idx="minor">
+            <a:schemeClr val="lt1"/>
+          </a:fontRef>
+        </p:style>
+        <p:txBody>
+          <a:bodyPr rtlCol="0" anchor="ctr"/>
+          <a:lstStyle/>
+          <a:p>
+            <a:pPr algn="ctr"/>
+            <a:endParaRPr lang="en-US" dirty="0"/>
+          </a:p>
+        </p:txBody>
+      </p:sp>
+      <p:sp>
+        <p:nvSpPr>
+          <p:cNvPr id="17" name="TextBox 16"/>
+          <p:cNvSpPr txBox="1"/>
+          <p:nvPr/>
+        </p:nvSpPr>
+        <p:spPr>
+          <a:xfrm>
+            <a:off x="2346044" y="4164242"/>
+            <a:ext cx="1878226" cy="369332"/>
+          </a:xfrm>
+          <a:prstGeom prst="rect">
+            <a:avLst/>
+          </a:prstGeom>
+          <a:noFill/>
+        </p:spPr>
+        <p:txBody>
+          <a:bodyPr wrap="square" rtlCol="0">
+            <a:spAutoFit/>
+          </a:bodyPr>
+          <a:lstStyle/>
+          <a:p>
+            <a:r>
+              <a:rPr lang="en-US" dirty="0" smtClean="0">
+                <a:solidFill>
+                  <a:schemeClr val="bg1"/>
+                </a:solidFill>
+                <a:latin typeface="Arial" panose="020B0604020202020204" pitchFamily="34" charset="0"/>
+                <a:cs typeface="Arial" panose="020B0604020202020204" pitchFamily="34" charset="0"/>
+              </a:rPr>
+              <a:t>Manage parsers</a:t>
+            </a:r>
+            <a:endParaRPr lang="en-US" dirty="0">
+              <a:solidFill>
+                <a:schemeClr val="bg1"/>
+              </a:solidFill>
+              <a:latin typeface="Arial" panose="020B0604020202020204" pitchFamily="34" charset="0"/>
+              <a:cs typeface="Arial" panose="020B0604020202020204" pitchFamily="34" charset="0"/>
+            </a:endParaRPr>
+          </a:p>
+        </p:txBody>
+      </p:sp>
+    </p:spTree>
+    <p:extLst>
+      <p:ext uri="{BB962C8B-B14F-4D97-AF65-F5344CB8AC3E}">
+        <p14:creationId xmlns:p14="http://schemas.microsoft.com/office/powerpoint/2010/main" val="873063229"/>
+      </p:ext>
+    </p:extLst>
+  </p:cSld>
+  <p:clrMapOvr>
+    <a:masterClrMapping/>
+  </p:clrMapOvr>
+  <p:transition spd="slow">
+    <p:push dir="u"/>
+  </p:transition>
+  <p:timing>
+    <p:tnLst>
+      <p:par>
+        <p:cTn id="1" dur="indefinite" restart="never" nodeType="tmRoot">
+          <p:childTnLst>
+            <p:seq concurrent="1" nextAc="seek">
+              <p:cTn id="2" dur="indefinite" nodeType="mainSeq">
+                <p:childTnLst>
+                  <p:par>
+                    <p:cTn id="3" fill="hold">
+                      <p:stCondLst>
+                        <p:cond delay="indefinite"/>
+                      </p:stCondLst>
+                      <p:childTnLst>
+                        <p:par>
+                          <p:cTn id="4" fill="hold">
+                            <p:stCondLst>
+                              <p:cond delay="0"/>
+                            </p:stCondLst>
+                            <p:childTnLst>
+                              <p:par>
+                                <p:cTn id="5" presetID="14" presetClass="entr" presetSubtype="10" fill="hold" nodeType="clickEffect">
+                                  <p:stCondLst>
+                                    <p:cond delay="0"/>
+                                  </p:stCondLst>
+                                  <p:childTnLst>
+                                    <p:set>
+                                      <p:cBhvr>
+                                        <p:cTn id="6" dur="1" fill="hold">
+                                          <p:stCondLst>
+                                            <p:cond delay="0"/>
+                                          </p:stCondLst>
+                                        </p:cTn>
+                                        <p:tgtEl>
+                                          <p:spTgt spid="4"/>
+                                        </p:tgtEl>
+                                        <p:attrNameLst>
+                                          <p:attrName>style.visibility</p:attrName>
+                                        </p:attrNameLst>
+                                      </p:cBhvr>
+                                      <p:to>
+                                        <p:strVal val="visible"/>
+                                      </p:to>
+                                    </p:set>
+                                    <p:animEffect transition="in" filter="randombar(horizontal)">
+                                      <p:cBhvr>
+                                        <p:cTn id="7" dur="500"/>
+                                        <p:tgtEl>
+                                          <p:spTgt spid="4"/>
+                                        </p:tgtEl>
+                                      </p:cBhvr>
+                                    </p:animEffect>
+                                  </p:childTnLst>
+                                </p:cTn>
+                              </p:par>
+                            </p:childTnLst>
+                          </p:cTn>
+                        </p:par>
+                      </p:childTnLst>
+                    </p:cTn>
+                  </p:par>
+                  <p:par>
+                    <p:cTn id="8" fill="hold">
+                      <p:stCondLst>
+                        <p:cond delay="indefinite"/>
+                      </p:stCondLst>
+                      <p:childTnLst>
+                        <p:par>
+                          <p:cTn id="9" fill="hold">
+                            <p:stCondLst>
+                              <p:cond delay="0"/>
+                            </p:stCondLst>
+                            <p:childTnLst>
+                              <p:par>
+                                <p:cTn id="10" presetID="14" presetClass="entr" presetSubtype="10" fill="hold" grpId="0" nodeType="clickEffect">
+                                  <p:stCondLst>
+                                    <p:cond delay="0"/>
+                                  </p:stCondLst>
+                                  <p:childTnLst>
+                                    <p:set>
+                                      <p:cBhvr>
+                                        <p:cTn id="11" dur="1" fill="hold">
+                                          <p:stCondLst>
+                                            <p:cond delay="0"/>
+                                          </p:stCondLst>
+                                        </p:cTn>
+                                        <p:tgtEl>
+                                          <p:spTgt spid="8"/>
+                                        </p:tgtEl>
+                                        <p:attrNameLst>
+                                          <p:attrName>style.visibility</p:attrName>
+                                        </p:attrNameLst>
+                                      </p:cBhvr>
+                                      <p:to>
+                                        <p:strVal val="visible"/>
+                                      </p:to>
+                                    </p:set>
+                                    <p:animEffect transition="in" filter="randombar(horizontal)">
+                                      <p:cBhvr>
+                                        <p:cTn id="12" dur="500"/>
+                                        <p:tgtEl>
+                                          <p:spTgt spid="8"/>
+                                        </p:tgtEl>
+                                      </p:cBhvr>
+                                    </p:animEffect>
+                                  </p:childTnLst>
+                                </p:cTn>
+                              </p:par>
+                              <p:par>
+                                <p:cTn id="13" presetID="14" presetClass="entr" presetSubtype="10" fill="hold" nodeType="withEffect">
+                                  <p:stCondLst>
+                                    <p:cond delay="0"/>
+                                  </p:stCondLst>
+                                  <p:childTnLst>
+                                    <p:set>
+                                      <p:cBhvr>
+                                        <p:cTn id="14" dur="1" fill="hold">
+                                          <p:stCondLst>
+                                            <p:cond delay="0"/>
+                                          </p:stCondLst>
+                                        </p:cTn>
+                                        <p:tgtEl>
+                                          <p:spTgt spid="5"/>
+                                        </p:tgtEl>
+                                        <p:attrNameLst>
+                                          <p:attrName>style.visibility</p:attrName>
+                                        </p:attrNameLst>
+                                      </p:cBhvr>
+                                      <p:to>
+                                        <p:strVal val="visible"/>
+                                      </p:to>
+                                    </p:set>
+                                    <p:animEffect transition="in" filter="randombar(horizontal)">
+                                      <p:cBhvr>
+                                        <p:cTn id="15" dur="500"/>
+                                        <p:tgtEl>
+                                          <p:spTgt spid="5"/>
+                                        </p:tgtEl>
+                                      </p:cBhvr>
+                                    </p:animEffect>
+                                  </p:childTnLst>
+                                </p:cTn>
+                              </p:par>
+                            </p:childTnLst>
+                          </p:cTn>
+                        </p:par>
+                      </p:childTnLst>
+                    </p:cTn>
+                  </p:par>
+                  <p:par>
+                    <p:cTn id="16" fill="hold">
+                      <p:stCondLst>
+                        <p:cond delay="indefinite"/>
+                      </p:stCondLst>
+                      <p:childTnLst>
+                        <p:par>
+                          <p:cTn id="17" fill="hold">
+                            <p:stCondLst>
+                              <p:cond delay="0"/>
+                            </p:stCondLst>
+                            <p:childTnLst>
+                              <p:par>
+                                <p:cTn id="18" presetID="14" presetClass="entr" presetSubtype="10" fill="hold" grpId="0" nodeType="clickEffect">
+                                  <p:stCondLst>
+                                    <p:cond delay="0"/>
+                                  </p:stCondLst>
+                                  <p:childTnLst>
+                                    <p:set>
+                                      <p:cBhvr>
+                                        <p:cTn id="19" dur="1" fill="hold">
+                                          <p:stCondLst>
+                                            <p:cond delay="0"/>
+                                          </p:stCondLst>
+                                        </p:cTn>
+                                        <p:tgtEl>
+                                          <p:spTgt spid="9"/>
+                                        </p:tgtEl>
+                                        <p:attrNameLst>
+                                          <p:attrName>style.visibility</p:attrName>
+                                        </p:attrNameLst>
+                                      </p:cBhvr>
+                                      <p:to>
+                                        <p:strVal val="visible"/>
+                                      </p:to>
+                                    </p:set>
+                                    <p:animEffect transition="in" filter="randombar(horizontal)">
+                                      <p:cBhvr>
+                                        <p:cTn id="20" dur="500"/>
+                                        <p:tgtEl>
+                                          <p:spTgt spid="9"/>
+                                        </p:tgtEl>
+                                      </p:cBhvr>
+                                    </p:animEffect>
+                                  </p:childTnLst>
+                                </p:cTn>
+                              </p:par>
+                              <p:par>
+                                <p:cTn id="21" presetID="14" presetClass="entr" presetSubtype="10" fill="hold" nodeType="withEffect">
+                                  <p:stCondLst>
+                                    <p:cond delay="0"/>
+                                  </p:stCondLst>
+                                  <p:childTnLst>
+                                    <p:set>
+                                      <p:cBhvr>
+                                        <p:cTn id="22" dur="1" fill="hold">
+                                          <p:stCondLst>
+                                            <p:cond delay="0"/>
+                                          </p:stCondLst>
+                                        </p:cTn>
+                                        <p:tgtEl>
+                                          <p:spTgt spid="6"/>
+                                        </p:tgtEl>
+                                        <p:attrNameLst>
+                                          <p:attrName>style.visibility</p:attrName>
+                                        </p:attrNameLst>
+                                      </p:cBhvr>
+                                      <p:to>
+                                        <p:strVal val="visible"/>
+                                      </p:to>
+                                    </p:set>
+                                    <p:animEffect transition="in" filter="randombar(horizontal)">
+                                      <p:cBhvr>
+                                        <p:cTn id="23" dur="500"/>
+                                        <p:tgtEl>
+                                          <p:spTgt spid="6"/>
+                                        </p:tgtEl>
+                                      </p:cBhvr>
+                                    </p:animEffect>
+                                  </p:childTnLst>
+                                </p:cTn>
+                              </p:par>
+                            </p:childTnLst>
+                          </p:cTn>
+                        </p:par>
+                      </p:childTnLst>
+                    </p:cTn>
+                  </p:par>
+                  <p:par>
+                    <p:cTn id="24" fill="hold">
+                      <p:stCondLst>
+                        <p:cond delay="indefinite"/>
+                      </p:stCondLst>
+                      <p:childTnLst>
+                        <p:par>
+                          <p:cTn id="25" fill="hold">
+                            <p:stCondLst>
+                              <p:cond delay="0"/>
+                            </p:stCondLst>
+                            <p:childTnLst>
+                              <p:par>
+                                <p:cTn id="26" presetID="14" presetClass="entr" presetSubtype="10" fill="hold" grpId="0" nodeType="clickEffect">
+                                  <p:stCondLst>
+                                    <p:cond delay="0"/>
+                                  </p:stCondLst>
+                                  <p:childTnLst>
+                                    <p:set>
+                                      <p:cBhvr>
+                                        <p:cTn id="27" dur="1" fill="hold">
+                                          <p:stCondLst>
+                                            <p:cond delay="0"/>
+                                          </p:stCondLst>
+                                        </p:cTn>
+                                        <p:tgtEl>
+                                          <p:spTgt spid="16"/>
+                                        </p:tgtEl>
+                                        <p:attrNameLst>
+                                          <p:attrName>style.visibility</p:attrName>
+                                        </p:attrNameLst>
+                                      </p:cBhvr>
+                                      <p:to>
+                                        <p:strVal val="visible"/>
+                                      </p:to>
+                                    </p:set>
+                                    <p:animEffect transition="in" filter="randombar(horizontal)">
+                                      <p:cBhvr>
+                                        <p:cTn id="28" dur="500"/>
+                                        <p:tgtEl>
+                                          <p:spTgt spid="16"/>
+                                        </p:tgtEl>
+                                      </p:cBhvr>
+                                    </p:animEffect>
+                                  </p:childTnLst>
+                                </p:cTn>
+                              </p:par>
+                              <p:par>
+                                <p:cTn id="29" presetID="14" presetClass="entr" presetSubtype="10" fill="hold" nodeType="withEffect">
+                                  <p:stCondLst>
+                                    <p:cond delay="0"/>
+                                  </p:stCondLst>
+                                  <p:childTnLst>
+                                    <p:set>
+                                      <p:cBhvr>
+                                        <p:cTn id="30" dur="1" fill="hold">
+                                          <p:stCondLst>
+                                            <p:cond delay="0"/>
+                                          </p:stCondLst>
+                                        </p:cTn>
+                                        <p:tgtEl>
+                                          <p:spTgt spid="7"/>
+                                        </p:tgtEl>
+                                        <p:attrNameLst>
+                                          <p:attrName>style.visibility</p:attrName>
+                                        </p:attrNameLst>
+                                      </p:cBhvr>
+                                      <p:to>
+                                        <p:strVal val="visible"/>
+                                      </p:to>
+                                    </p:set>
+                                    <p:animEffect transition="in" filter="randombar(horizontal)">
+                                      <p:cBhvr>
+                                        <p:cTn id="31" dur="500"/>
+                                        <p:tgtEl>
+                                          <p:spTgt spid="7"/>
+                                        </p:tgtEl>
+                                      </p:cBhvr>
+                                    </p:animEffect>
+                                  </p:childTnLst>
+                                </p:cTn>
+                              </p:par>
+                            </p:childTnLst>
+                          </p:cTn>
+                        </p:par>
+                      </p:childTnLst>
+                    </p:cTn>
+                  </p:par>
+                </p:childTnLst>
+              </p:cTn>
+              <p:prevCondLst>
+                <p:cond evt="onPrev" delay="0">
+                  <p:tgtEl>
+                    <p:sldTgt/>
+                  </p:tgtEl>
+                </p:cond>
+              </p:prevCondLst>
+              <p:nextCondLst>
+                <p:cond evt="onNext" delay="0">
+                  <p:tgtEl>
+                    <p:sldTgt/>
+                  </p:tgtEl>
+                </p:cond>
+              </p:nextCondLst>
+            </p:seq>
+          </p:childTnLst>
+        </p:cTn>
+      </p:par>
+    </p:tnLst>
+    <p:bldLst>
+      <p:bldP spid="8" grpId="0" animBg="1"/>
+      <p:bldP spid="9" grpId="0" animBg="1"/>
+      <p:bldP spid="16" grpId="0" animBg="1"/>
+    </p:bldLst>
+  </p:timing>
+</p:sld>
+</file>
+
+<file path=ppt/slides/slide19.xml><?xml version="1.0" encoding="utf-8"?>
+<p:sld xmlns:a="http://schemas.openxmlformats.org/drawingml/2006/main" xmlns:r="http://schemas.openxmlformats.org/officeDocument/2006/relationships" xmlns:p="http://schemas.openxmlformats.org/presentationml/2006/main">
+  <p:cSld>
+    <p:spTree>
+      <p:nvGrpSpPr>
+        <p:cNvPr id="1" name=""/>
+        <p:cNvGrpSpPr/>
+        <p:nvPr/>
+      </p:nvGrpSpPr>
+      <p:grpSpPr>
+        <a:xfrm>
+          <a:off x="0" y="0"/>
+          <a:ext cx="0" cy="0"/>
+          <a:chOff x="0" y="0"/>
+          <a:chExt cx="0" cy="0"/>
+        </a:xfrm>
+      </p:grpSpPr>
+      <p:sp>
+        <p:nvSpPr>
+          <p:cNvPr id="2" name="Title 1"/>
+          <p:cNvSpPr>
+            <a:spLocks noGrp="1"/>
+          </p:cNvSpPr>
+          <p:nvPr>
+            <p:ph type="title"/>
+          </p:nvPr>
+        </p:nvSpPr>
+        <p:spPr/>
+        <p:txBody>
+          <a:bodyPr/>
+          <a:lstStyle/>
+          <a:p>
+            <a:r>
+              <a:rPr lang="en-US" dirty="0" smtClean="0"/>
+              <a:t>Save data to Database</a:t>
+            </a:r>
+            <a:endParaRPr lang="en-US" dirty="0"/>
+          </a:p>
+        </p:txBody>
+      </p:sp>
+      <p:sp>
+        <p:nvSpPr>
+          <p:cNvPr id="3" name="Content Placeholder 2"/>
+          <p:cNvSpPr>
+            <a:spLocks noGrp="1"/>
+          </p:cNvSpPr>
+          <p:nvPr>
+            <p:ph idx="1"/>
+          </p:nvPr>
+        </p:nvSpPr>
+        <p:spPr/>
+        <p:txBody>
+          <a:bodyPr/>
+          <a:lstStyle/>
+          <a:p>
+            <a:endParaRPr lang="en-US" dirty="0"/>
+          </a:p>
+        </p:txBody>
+      </p:sp>
+    </p:spTree>
+    <p:extLst>
+      <p:ext uri="{BB962C8B-B14F-4D97-AF65-F5344CB8AC3E}">
+        <p14:creationId xmlns:p14="http://schemas.microsoft.com/office/powerpoint/2010/main" val="1256687027"/>
+      </p:ext>
+    </p:extLst>
+  </p:cSld>
+  <p:clrMapOvr>
+    <a:masterClrMapping/>
+  </p:clrMapOvr>
+  <p:timing>
+    <p:tnLst>
+      <p:par>
+        <p:cTn id="1" dur="indefinite" restart="never" nodeType="tmRoot"/>
+      </p:par>
+    </p:tnLst>
+  </p:timing>
+</p:sld>
+</file>
+
+<file path=ppt/slides/slide2.xml><?xml version="1.0" encoding="utf-8"?>
+<p:sld xmlns:a="http://schemas.openxmlformats.org/drawingml/2006/main" xmlns:r="http://schemas.openxmlformats.org/officeDocument/2006/relationships" xmlns:p="http://schemas.openxmlformats.org/presentationml/2006/main">
+  <p:cSld>
+    <p:spTree>
+      <p:nvGrpSpPr>
+        <p:cNvPr id="1" name=""/>
+        <p:cNvGrpSpPr/>
+        <p:nvPr/>
+      </p:nvGrpSpPr>
+      <p:grpSpPr>
+        <a:xfrm>
+          <a:off x="0" y="0"/>
+          <a:ext cx="0" cy="0"/>
+          <a:chOff x="0" y="0"/>
+          <a:chExt cx="0" cy="0"/>
+        </a:xfrm>
+      </p:grpSpPr>
+      <p:sp>
+        <p:nvSpPr>
+          <p:cNvPr id="2" name="Title 1"/>
+          <p:cNvSpPr>
+            <a:spLocks noGrp="1"/>
+          </p:cNvSpPr>
+          <p:nvPr>
+            <p:ph type="title"/>
+          </p:nvPr>
+        </p:nvSpPr>
+        <p:spPr/>
+        <p:txBody>
+          <a:bodyPr/>
+          <a:lstStyle/>
+          <a:p>
+            <a:r>
+              <a:rPr lang="en-US" dirty="0" smtClean="0"/>
+              <a:t>Team member</a:t>
+            </a:r>
+            <a:endParaRPr lang="en-US" dirty="0"/>
+          </a:p>
+        </p:txBody>
+      </p:sp>
+      <p:graphicFrame>
+        <p:nvGraphicFramePr>
+          <p:cNvPr id="4" name="Content Placeholder 3"/>
+          <p:cNvGraphicFramePr>
+            <a:graphicFrameLocks noGrp="1"/>
+          </p:cNvGraphicFramePr>
+          <p:nvPr>
+            <p:ph idx="1"/>
+            <p:extLst>
+              <p:ext uri="{D42A27DB-BD31-4B8C-83A1-F6EECF244321}">
+                <p14:modId xmlns:p14="http://schemas.microsoft.com/office/powerpoint/2010/main" val="2509856044"/>
+              </p:ext>
+            </p:extLst>
+          </p:nvPr>
+        </p:nvGraphicFramePr>
+        <p:xfrm>
+          <a:off x="677863" y="2160588"/>
+          <a:ext cx="8596312" cy="3881437"/>
+        </p:xfrm>
+        <a:graphic>
+          <a:graphicData uri="http://schemas.openxmlformats.org/drawingml/2006/diagram">
+            <dgm:relIds xmlns:dgm="http://schemas.openxmlformats.org/drawingml/2006/diagram" xmlns:r="http://schemas.openxmlformats.org/officeDocument/2006/relationships" r:dm="rId2" r:lo="rId3" r:qs="rId4" r:cs="rId5"/>
+          </a:graphicData>
+        </a:graphic>
+      </p:graphicFrame>
+    </p:spTree>
+    <p:extLst>
+      <p:ext uri="{BB962C8B-B14F-4D97-AF65-F5344CB8AC3E}">
+        <p14:creationId xmlns:p14="http://schemas.microsoft.com/office/powerpoint/2010/main" val="2871386238"/>
+      </p:ext>
+    </p:extLst>
+  </p:cSld>
+  <p:clrMapOvr>
+    <a:masterClrMapping/>
+  </p:clrMapOvr>
+  <mc:AlternateContent xmlns:mc="http://schemas.openxmlformats.org/markup-compatibility/2006" xmlns:p14="http://schemas.microsoft.com/office/powerpoint/2010/main">
+    <mc:Choice Requires="p14">
+      <p:transition spd="med" p14:dur="700">
+        <p:fade/>
+      </p:transition>
+    </mc:Choice>
+    <mc:Fallback xmlns="">
+      <p:transition spd="med">
+        <p:fade/>
+      </p:transition>
+    </mc:Fallback>
+  </mc:AlternateContent>
+  <p:timing>
+    <p:tnLst>
+      <p:par>
+        <p:cTn id="1" dur="indefinite" restart="never" nodeType="tmRoot"/>
+      </p:par>
+    </p:tnLst>
+  </p:timing>
+</p:sld>
+</file>
+
+<file path=ppt/slides/slide20.xml><?xml version="1.0" encoding="utf-8"?>
+<p:sld xmlns:a="http://schemas.openxmlformats.org/drawingml/2006/main" xmlns:r="http://schemas.openxmlformats.org/officeDocument/2006/relationships" xmlns:p="http://schemas.openxmlformats.org/presentationml/2006/main">
+  <p:cSld>
+    <p:spTree>
+      <p:nvGrpSpPr>
+        <p:cNvPr id="1" name=""/>
+        <p:cNvGrpSpPr/>
+        <p:nvPr/>
+      </p:nvGrpSpPr>
+      <p:grpSpPr>
+        <a:xfrm>
+          <a:off x="0" y="0"/>
+          <a:ext cx="0" cy="0"/>
+          <a:chOff x="0" y="0"/>
+          <a:chExt cx="0" cy="0"/>
+        </a:xfrm>
+      </p:grpSpPr>
+      <p:sp>
+        <p:nvSpPr>
+          <p:cNvPr id="2" name="Title 1"/>
+          <p:cNvSpPr>
+            <a:spLocks noGrp="1"/>
+          </p:cNvSpPr>
+          <p:nvPr>
+            <p:ph type="title"/>
+          </p:nvPr>
+        </p:nvSpPr>
+        <p:spPr/>
+        <p:txBody>
+          <a:bodyPr/>
+          <a:lstStyle/>
+          <a:p>
+            <a:r>
+              <a:rPr lang="en-US" dirty="0" smtClean="0"/>
+              <a:t>Data mining from websites</a:t>
+            </a:r>
+            <a:endParaRPr lang="en-US" dirty="0"/>
+          </a:p>
+        </p:txBody>
+      </p:sp>
+      <p:sp>
+        <p:nvSpPr>
+          <p:cNvPr id="3" name="Content Placeholder 2"/>
+          <p:cNvSpPr>
+            <a:spLocks noGrp="1"/>
+          </p:cNvSpPr>
+          <p:nvPr>
+            <p:ph idx="1"/>
+          </p:nvPr>
+        </p:nvSpPr>
+        <p:spPr/>
+        <p:txBody>
+          <a:bodyPr/>
+          <a:lstStyle/>
+          <a:p>
+            <a:endParaRPr lang="en-US" dirty="0"/>
+          </a:p>
+        </p:txBody>
+      </p:sp>
+    </p:spTree>
+    <p:extLst>
+      <p:ext uri="{BB962C8B-B14F-4D97-AF65-F5344CB8AC3E}">
+        <p14:creationId xmlns:p14="http://schemas.microsoft.com/office/powerpoint/2010/main" val="3889082366"/>
+      </p:ext>
+    </p:extLst>
+  </p:cSld>
+  <p:clrMapOvr>
+    <a:masterClrMapping/>
+  </p:clrMapOvr>
+  <p:timing>
+    <p:tnLst>
+      <p:par>
+        <p:cTn id="1" dur="indefinite" restart="never" nodeType="tmRoot"/>
+      </p:par>
+    </p:tnLst>
+  </p:timing>
+</p:sld>
+</file>
+
+<file path=ppt/slides/slide21.xml><?xml version="1.0" encoding="utf-8"?>
 <p:sld xmlns:a="http://schemas.openxmlformats.org/drawingml/2006/main" xmlns:r="http://schemas.openxmlformats.org/officeDocument/2006/relationships" xmlns:p="http://schemas.openxmlformats.org/presentationml/2006/main">
   <p:cSld>
     <p:spTree>
@@ -21876,7 +24406,7 @@
 </p:sld>
 </file>
 
-<file path=ppt/slides/slide11.xml><?xml version="1.0" encoding="utf-8"?>
+<file path=ppt/slides/slide22.xml><?xml version="1.0" encoding="utf-8"?>
 <p:sld xmlns:a="http://schemas.openxmlformats.org/drawingml/2006/main" xmlns:r="http://schemas.openxmlformats.org/officeDocument/2006/relationships" xmlns:p="http://schemas.openxmlformats.org/presentationml/2006/main">
   <p:cSld>
     <p:spTree>
@@ -22219,7 +24749,7 @@
 </p:sld>
 </file>
 
-<file path=ppt/slides/slide12.xml><?xml version="1.0" encoding="utf-8"?>
+<file path=ppt/slides/slide23.xml><?xml version="1.0" encoding="utf-8"?>
 <p:sld xmlns:a="http://schemas.openxmlformats.org/drawingml/2006/main" xmlns:r="http://schemas.openxmlformats.org/officeDocument/2006/relationships" xmlns:p="http://schemas.openxmlformats.org/presentationml/2006/main">
   <p:cSld>
     <p:spTree>
@@ -22542,7 +25072,7 @@
 </p:sld>
 </file>
 
-<file path=ppt/slides/slide13.xml><?xml version="1.0" encoding="utf-8"?>
+<file path=ppt/slides/slide24.xml><?xml version="1.0" encoding="utf-8"?>
 <p:sld xmlns:a="http://schemas.openxmlformats.org/drawingml/2006/main" xmlns:r="http://schemas.openxmlformats.org/officeDocument/2006/relationships" xmlns:p="http://schemas.openxmlformats.org/presentationml/2006/main">
   <p:cSld>
     <p:spTree>
@@ -22635,103 +25165,6 @@
   <p:transition spd="slow">
     <p:randomBar dir="vert"/>
   </p:transition>
-  <p:timing>
-    <p:tnLst>
-      <p:par>
-        <p:cTn id="1" dur="indefinite" restart="never" nodeType="tmRoot"/>
-      </p:par>
-    </p:tnLst>
-  </p:timing>
-</p:sld>
-</file>
-
-<file path=ppt/slides/slide2.xml><?xml version="1.0" encoding="utf-8"?>
-<p:sld xmlns:a="http://schemas.openxmlformats.org/drawingml/2006/main" xmlns:r="http://schemas.openxmlformats.org/officeDocument/2006/relationships" xmlns:p="http://schemas.openxmlformats.org/presentationml/2006/main">
-  <p:cSld>
-    <p:spTree>
-      <p:nvGrpSpPr>
-        <p:cNvPr id="1" name=""/>
-        <p:cNvGrpSpPr/>
-        <p:nvPr/>
-      </p:nvGrpSpPr>
-      <p:grpSpPr>
-        <a:xfrm>
-          <a:off x="0" y="0"/>
-          <a:ext cx="0" cy="0"/>
-          <a:chOff x="0" y="0"/>
-          <a:chExt cx="0" cy="0"/>
-        </a:xfrm>
-      </p:grpSpPr>
-      <p:sp>
-        <p:nvSpPr>
-          <p:cNvPr id="2" name="Title 1"/>
-          <p:cNvSpPr>
-            <a:spLocks noGrp="1"/>
-          </p:cNvSpPr>
-          <p:nvPr>
-            <p:ph type="title"/>
-          </p:nvPr>
-        </p:nvSpPr>
-        <p:spPr/>
-        <p:txBody>
-          <a:bodyPr/>
-          <a:lstStyle/>
-          <a:p>
-            <a:r>
-              <a:rPr lang="en-US" dirty="0" smtClean="0"/>
-              <a:t>Team member</a:t>
-            </a:r>
-            <a:endParaRPr lang="en-US" dirty="0"/>
-          </a:p>
-        </p:txBody>
-      </p:sp>
-      <p:graphicFrame>
-        <p:nvGraphicFramePr>
-          <p:cNvPr id="4" name="Content Placeholder 3"/>
-          <p:cNvGraphicFramePr>
-            <a:graphicFrameLocks noGrp="1"/>
-          </p:cNvGraphicFramePr>
-          <p:nvPr>
-            <p:ph idx="1"/>
-            <p:extLst>
-              <p:ext uri="{D42A27DB-BD31-4B8C-83A1-F6EECF244321}">
-                <p14:modId xmlns:p14="http://schemas.microsoft.com/office/powerpoint/2010/main" val="2509856044"/>
-              </p:ext>
-            </p:extLst>
-          </p:nvPr>
-        </p:nvGraphicFramePr>
-        <p:xfrm>
-          <a:off x="677863" y="2160588"/>
-          <a:ext cx="8596312" cy="3881437"/>
-        </p:xfrm>
-        <a:graphic>
-          <a:graphicData uri="http://schemas.openxmlformats.org/drawingml/2006/diagram">
-            <dgm:relIds xmlns:dgm="http://schemas.openxmlformats.org/drawingml/2006/diagram" xmlns:r="http://schemas.openxmlformats.org/officeDocument/2006/relationships" r:dm="rId2" r:lo="rId3" r:qs="rId4" r:cs="rId5"/>
-          </a:graphicData>
-        </a:graphic>
-      </p:graphicFrame>
-    </p:spTree>
-    <p:extLst>
-      <p:ext uri="{BB962C8B-B14F-4D97-AF65-F5344CB8AC3E}">
-        <p14:creationId xmlns:p14="http://schemas.microsoft.com/office/powerpoint/2010/main" val="2871386238"/>
-      </p:ext>
-    </p:extLst>
-  </p:cSld>
-  <p:clrMapOvr>
-    <a:masterClrMapping/>
-  </p:clrMapOvr>
-  <mc:AlternateContent xmlns:mc="http://schemas.openxmlformats.org/markup-compatibility/2006" xmlns:p14="http://schemas.microsoft.com/office/powerpoint/2010/main">
-    <mc:Choice Requires="p14">
-      <p:transition spd="med" p14:dur="700">
-        <p:fade/>
-      </p:transition>
-    </mc:Choice>
-    <mc:Fallback xmlns="">
-      <p:transition spd="med">
-        <p:fade/>
-      </p:transition>
-    </mc:Fallback>
-  </mc:AlternateContent>
   <p:timing>
     <p:tnLst>
       <p:par>
@@ -22935,6 +25368,167 @@
 </file>
 
 <file path=ppt/slides/slide5.xml><?xml version="1.0" encoding="utf-8"?>
+<p:sld xmlns:a="http://schemas.openxmlformats.org/drawingml/2006/main" xmlns:r="http://schemas.openxmlformats.org/officeDocument/2006/relationships" xmlns:p="http://schemas.openxmlformats.org/presentationml/2006/main">
+  <p:cSld>
+    <p:spTree>
+      <p:nvGrpSpPr>
+        <p:cNvPr id="1" name=""/>
+        <p:cNvGrpSpPr/>
+        <p:nvPr/>
+      </p:nvGrpSpPr>
+      <p:grpSpPr>
+        <a:xfrm>
+          <a:off x="0" y="0"/>
+          <a:ext cx="0" cy="0"/>
+          <a:chOff x="0" y="0"/>
+          <a:chExt cx="0" cy="0"/>
+        </a:xfrm>
+      </p:grpSpPr>
+      <p:sp>
+        <p:nvSpPr>
+          <p:cNvPr id="2" name="Title 1"/>
+          <p:cNvSpPr>
+            <a:spLocks noGrp="1"/>
+          </p:cNvSpPr>
+          <p:nvPr>
+            <p:ph type="title"/>
+          </p:nvPr>
+        </p:nvSpPr>
+        <p:spPr/>
+        <p:txBody>
+          <a:bodyPr/>
+          <a:lstStyle/>
+          <a:p>
+            <a:r>
+              <a:rPr lang="en-US" dirty="0"/>
+              <a:t>Scenario Problem</a:t>
+            </a:r>
+          </a:p>
+        </p:txBody>
+      </p:sp>
+      <p:sp>
+        <p:nvSpPr>
+          <p:cNvPr id="3" name="Content Placeholder 2"/>
+          <p:cNvSpPr>
+            <a:spLocks noGrp="1"/>
+          </p:cNvSpPr>
+          <p:nvPr>
+            <p:ph idx="1"/>
+          </p:nvPr>
+        </p:nvSpPr>
+        <p:spPr/>
+        <p:txBody>
+          <a:bodyPr/>
+          <a:lstStyle/>
+          <a:p>
+            <a:endParaRPr lang="en-US" dirty="0"/>
+          </a:p>
+        </p:txBody>
+      </p:sp>
+    </p:spTree>
+    <p:extLst>
+      <p:ext uri="{BB962C8B-B14F-4D97-AF65-F5344CB8AC3E}">
+        <p14:creationId xmlns:p14="http://schemas.microsoft.com/office/powerpoint/2010/main" val="1752163039"/>
+      </p:ext>
+    </p:extLst>
+  </p:cSld>
+  <p:clrMapOvr>
+    <a:masterClrMapping/>
+  </p:clrMapOvr>
+  <p:timing>
+    <p:tnLst>
+      <p:par>
+        <p:cTn id="1" dur="indefinite" restart="never" nodeType="tmRoot"/>
+      </p:par>
+    </p:tnLst>
+  </p:timing>
+</p:sld>
+</file>
+
+<file path=ppt/slides/slide6.xml><?xml version="1.0" encoding="utf-8"?>
+<p:sld xmlns:a="http://schemas.openxmlformats.org/drawingml/2006/main" xmlns:r="http://schemas.openxmlformats.org/officeDocument/2006/relationships" xmlns:p="http://schemas.openxmlformats.org/presentationml/2006/main">
+  <p:cSld>
+    <p:spTree>
+      <p:nvGrpSpPr>
+        <p:cNvPr id="1" name=""/>
+        <p:cNvGrpSpPr/>
+        <p:nvPr/>
+      </p:nvGrpSpPr>
+      <p:grpSpPr>
+        <a:xfrm>
+          <a:off x="0" y="0"/>
+          <a:ext cx="0" cy="0"/>
+          <a:chOff x="0" y="0"/>
+          <a:chExt cx="0" cy="0"/>
+        </a:xfrm>
+      </p:grpSpPr>
+      <p:sp>
+        <p:nvSpPr>
+          <p:cNvPr id="2" name="Title 1"/>
+          <p:cNvSpPr>
+            <a:spLocks noGrp="1"/>
+          </p:cNvSpPr>
+          <p:nvPr>
+            <p:ph type="title"/>
+          </p:nvPr>
+        </p:nvSpPr>
+        <p:spPr/>
+        <p:txBody>
+          <a:bodyPr/>
+          <a:lstStyle/>
+          <a:p>
+            <a:r>
+              <a:rPr lang="en-US" dirty="0" smtClean="0"/>
+              <a:t>Our Ideas</a:t>
+            </a:r>
+            <a:endParaRPr lang="en-US" dirty="0"/>
+          </a:p>
+        </p:txBody>
+      </p:sp>
+      <p:sp>
+        <p:nvSpPr>
+          <p:cNvPr id="3" name="Content Placeholder 2"/>
+          <p:cNvSpPr>
+            <a:spLocks noGrp="1"/>
+          </p:cNvSpPr>
+          <p:nvPr>
+            <p:ph idx="1"/>
+          </p:nvPr>
+        </p:nvSpPr>
+        <p:spPr/>
+        <p:txBody>
+          <a:bodyPr/>
+          <a:lstStyle/>
+          <a:p>
+            <a:r>
+              <a:rPr lang="en-US" dirty="0" smtClean="0"/>
+              <a:t>Collect all data -&gt; Structure -&gt; User</a:t>
+            </a:r>
+            <a:endParaRPr lang="en-US" dirty="0"/>
+          </a:p>
+        </p:txBody>
+      </p:sp>
+    </p:spTree>
+    <p:extLst>
+      <p:ext uri="{BB962C8B-B14F-4D97-AF65-F5344CB8AC3E}">
+        <p14:creationId xmlns:p14="http://schemas.microsoft.com/office/powerpoint/2010/main" val="3746098645"/>
+      </p:ext>
+    </p:extLst>
+  </p:cSld>
+  <p:clrMapOvr>
+    <a:masterClrMapping/>
+  </p:clrMapOvr>
+  <p:timing>
+    <p:tnLst>
+      <p:par>
+        <p:cTn id="1" dur="indefinite" restart="never" nodeType="tmRoot"/>
+      </p:par>
+    </p:tnLst>
+  </p:timing>
+</p:sld>
+</file>
+
+<file path=ppt/slides/slide7.xml><?xml version="1.0" encoding="utf-8"?>
 <p:sld xmlns:a="http://schemas.openxmlformats.org/drawingml/2006/main" xmlns:r="http://schemas.openxmlformats.org/officeDocument/2006/relationships" xmlns:p="http://schemas.openxmlformats.org/presentationml/2006/main">
   <p:cSld>
     <p:spTree>
@@ -23264,603 +25858,6 @@
 </p:sld>
 </file>
 
-<file path=ppt/slides/slide6.xml><?xml version="1.0" encoding="utf-8"?>
-<p:sld xmlns:a="http://schemas.openxmlformats.org/drawingml/2006/main" xmlns:r="http://schemas.openxmlformats.org/officeDocument/2006/relationships" xmlns:p="http://schemas.openxmlformats.org/presentationml/2006/main">
-  <p:cSld>
-    <p:spTree>
-      <p:nvGrpSpPr>
-        <p:cNvPr id="1" name=""/>
-        <p:cNvGrpSpPr/>
-        <p:nvPr/>
-      </p:nvGrpSpPr>
-      <p:grpSpPr>
-        <a:xfrm>
-          <a:off x="0" y="0"/>
-          <a:ext cx="0" cy="0"/>
-          <a:chOff x="0" y="0"/>
-          <a:chExt cx="0" cy="0"/>
-        </a:xfrm>
-      </p:grpSpPr>
-      <p:pic>
-        <p:nvPicPr>
-          <p:cNvPr id="6" name="Content Placeholder 5"/>
-          <p:cNvPicPr>
-            <a:picLocks noGrp="1" noChangeAspect="1"/>
-          </p:cNvPicPr>
-          <p:nvPr>
-            <p:ph idx="1"/>
-          </p:nvPr>
-        </p:nvPicPr>
-        <p:blipFill>
-          <a:blip r:embed="rId2">
-            <a:extLst>
-              <a:ext uri="{28A0092B-C50C-407E-A947-70E740481C1C}">
-                <a14:useLocalDpi xmlns:a14="http://schemas.microsoft.com/office/drawing/2010/main" val="0"/>
-              </a:ext>
-            </a:extLst>
-          </a:blip>
-          <a:stretch>
-            <a:fillRect/>
-          </a:stretch>
-        </p:blipFill>
-        <p:spPr>
-          <a:xfrm>
-            <a:off x="4155282" y="1488282"/>
-            <a:ext cx="3881437" cy="3881437"/>
-          </a:xfrm>
-        </p:spPr>
-      </p:pic>
-    </p:spTree>
-    <p:extLst>
-      <p:ext uri="{BB962C8B-B14F-4D97-AF65-F5344CB8AC3E}">
-        <p14:creationId xmlns:p14="http://schemas.microsoft.com/office/powerpoint/2010/main" val="3446547924"/>
-      </p:ext>
-    </p:extLst>
-  </p:cSld>
-  <p:clrMapOvr>
-    <a:masterClrMapping/>
-  </p:clrMapOvr>
-  <mc:AlternateContent xmlns:mc="http://schemas.openxmlformats.org/markup-compatibility/2006" xmlns:p14="http://schemas.microsoft.com/office/powerpoint/2010/main">
-    <mc:Choice Requires="p14">
-      <p:transition spd="slow" p14:dur="2500">
-        <p:checker/>
-      </p:transition>
-    </mc:Choice>
-    <mc:Fallback xmlns="">
-      <p:transition spd="slow">
-        <p:checker/>
-      </p:transition>
-    </mc:Fallback>
-  </mc:AlternateContent>
-  <p:timing>
-    <p:tnLst>
-      <p:par>
-        <p:cTn id="1" dur="indefinite" restart="never" nodeType="tmRoot"/>
-      </p:par>
-    </p:tnLst>
-  </p:timing>
-</p:sld>
-</file>
-
-<file path=ppt/slides/slide7.xml><?xml version="1.0" encoding="utf-8"?>
-<p:sld xmlns:a="http://schemas.openxmlformats.org/drawingml/2006/main" xmlns:r="http://schemas.openxmlformats.org/officeDocument/2006/relationships" xmlns:p="http://schemas.openxmlformats.org/presentationml/2006/main">
-  <p:cSld>
-    <p:spTree>
-      <p:nvGrpSpPr>
-        <p:cNvPr id="1" name=""/>
-        <p:cNvGrpSpPr/>
-        <p:nvPr/>
-      </p:nvGrpSpPr>
-      <p:grpSpPr>
-        <a:xfrm>
-          <a:off x="0" y="0"/>
-          <a:ext cx="0" cy="0"/>
-          <a:chOff x="0" y="0"/>
-          <a:chExt cx="0" cy="0"/>
-        </a:xfrm>
-      </p:grpSpPr>
-      <p:sp>
-        <p:nvSpPr>
-          <p:cNvPr id="2" name="Title 1"/>
-          <p:cNvSpPr>
-            <a:spLocks noGrp="1"/>
-          </p:cNvSpPr>
-          <p:nvPr>
-            <p:ph type="title"/>
-          </p:nvPr>
-        </p:nvSpPr>
-        <p:spPr/>
-        <p:txBody>
-          <a:bodyPr/>
-          <a:lstStyle/>
-          <a:p>
-            <a:r>
-              <a:rPr lang="en-US" dirty="0" smtClean="0"/>
-              <a:t>Demo Scenario - Guest</a:t>
-            </a:r>
-            <a:endParaRPr lang="en-US" dirty="0"/>
-          </a:p>
-        </p:txBody>
-      </p:sp>
-      <p:pic>
-        <p:nvPicPr>
-          <p:cNvPr id="4" name="Picture 3"/>
-          <p:cNvPicPr>
-            <a:picLocks noChangeAspect="1"/>
-          </p:cNvPicPr>
-          <p:nvPr/>
-        </p:nvPicPr>
-        <p:blipFill>
-          <a:blip r:embed="rId2">
-            <a:extLst>
-              <a:ext uri="{28A0092B-C50C-407E-A947-70E740481C1C}">
-                <a14:useLocalDpi xmlns:a14="http://schemas.microsoft.com/office/drawing/2010/main" val="0"/>
-              </a:ext>
-            </a:extLst>
-          </a:blip>
-          <a:stretch>
-            <a:fillRect/>
-          </a:stretch>
-        </p:blipFill>
-        <p:spPr>
-          <a:xfrm>
-            <a:off x="677333" y="2616200"/>
-            <a:ext cx="1625600" cy="1625600"/>
-          </a:xfrm>
-          <a:prstGeom prst="rect">
-            <a:avLst/>
-          </a:prstGeom>
-        </p:spPr>
-      </p:pic>
-      <p:pic>
-        <p:nvPicPr>
-          <p:cNvPr id="6" name="Picture 5"/>
-          <p:cNvPicPr>
-            <a:picLocks noChangeAspect="1"/>
-          </p:cNvPicPr>
-          <p:nvPr/>
-        </p:nvPicPr>
-        <p:blipFill>
-          <a:blip r:embed="rId3" cstate="print">
-            <a:extLst>
-              <a:ext uri="{28A0092B-C50C-407E-A947-70E740481C1C}">
-                <a14:useLocalDpi xmlns:a14="http://schemas.microsoft.com/office/drawing/2010/main" val="0"/>
-              </a:ext>
-            </a:extLst>
-          </a:blip>
-          <a:stretch>
-            <a:fillRect/>
-          </a:stretch>
-        </p:blipFill>
-        <p:spPr>
-          <a:xfrm>
-            <a:off x="4405228" y="2615184"/>
-            <a:ext cx="1627632" cy="1627632"/>
-          </a:xfrm>
-          <a:prstGeom prst="rect">
-            <a:avLst/>
-          </a:prstGeom>
-        </p:spPr>
-      </p:pic>
-      <p:pic>
-        <p:nvPicPr>
-          <p:cNvPr id="7" name="Picture 6"/>
-          <p:cNvPicPr>
-            <a:picLocks noChangeAspect="1"/>
-          </p:cNvPicPr>
-          <p:nvPr/>
-        </p:nvPicPr>
-        <p:blipFill>
-          <a:blip r:embed="rId4">
-            <a:extLst>
-              <a:ext uri="{28A0092B-C50C-407E-A947-70E740481C1C}">
-                <a14:useLocalDpi xmlns:a14="http://schemas.microsoft.com/office/drawing/2010/main" val="0"/>
-              </a:ext>
-            </a:extLst>
-          </a:blip>
-          <a:stretch>
-            <a:fillRect/>
-          </a:stretch>
-        </p:blipFill>
-        <p:spPr>
-          <a:xfrm>
-            <a:off x="8135154" y="2615184"/>
-            <a:ext cx="1627632" cy="1627632"/>
-          </a:xfrm>
-          <a:prstGeom prst="rect">
-            <a:avLst/>
-          </a:prstGeom>
-        </p:spPr>
-      </p:pic>
-      <p:sp>
-        <p:nvSpPr>
-          <p:cNvPr id="8" name="Right Arrow 7"/>
-          <p:cNvSpPr/>
-          <p:nvPr/>
-        </p:nvSpPr>
-        <p:spPr>
-          <a:xfrm>
-            <a:off x="2104830" y="2895629"/>
-            <a:ext cx="2300397" cy="1066742"/>
-          </a:xfrm>
-          <a:prstGeom prst="rightArrow">
-            <a:avLst/>
-          </a:prstGeom>
-        </p:spPr>
-        <p:style>
-          <a:lnRef idx="2">
-            <a:schemeClr val="accent1">
-              <a:shade val="50000"/>
-            </a:schemeClr>
-          </a:lnRef>
-          <a:fillRef idx="1">
-            <a:schemeClr val="accent1"/>
-          </a:fillRef>
-          <a:effectRef idx="0">
-            <a:schemeClr val="accent1"/>
-          </a:effectRef>
-          <a:fontRef idx="minor">
-            <a:schemeClr val="lt1"/>
-          </a:fontRef>
-        </p:style>
-        <p:txBody>
-          <a:bodyPr rtlCol="0" anchor="ctr"/>
-          <a:lstStyle/>
-          <a:p>
-            <a:pPr algn="ctr"/>
-            <a:r>
-              <a:rPr lang="en-US" dirty="0" smtClean="0">
-                <a:latin typeface="Arial" panose="020B0604020202020204" pitchFamily="34" charset="0"/>
-                <a:cs typeface="Arial" panose="020B0604020202020204" pitchFamily="34" charset="0"/>
-              </a:rPr>
-              <a:t>Search Product</a:t>
-            </a:r>
-            <a:endParaRPr lang="en-US" dirty="0">
-              <a:latin typeface="Arial" panose="020B0604020202020204" pitchFamily="34" charset="0"/>
-              <a:cs typeface="Arial" panose="020B0604020202020204" pitchFamily="34" charset="0"/>
-            </a:endParaRPr>
-          </a:p>
-        </p:txBody>
-      </p:sp>
-      <p:sp>
-        <p:nvSpPr>
-          <p:cNvPr id="9" name="Right Arrow 8"/>
-          <p:cNvSpPr/>
-          <p:nvPr/>
-        </p:nvSpPr>
-        <p:spPr>
-          <a:xfrm>
-            <a:off x="5834757" y="2895629"/>
-            <a:ext cx="2300397" cy="1066742"/>
-          </a:xfrm>
-          <a:prstGeom prst="rightArrow">
-            <a:avLst/>
-          </a:prstGeom>
-        </p:spPr>
-        <p:style>
-          <a:lnRef idx="2">
-            <a:schemeClr val="accent1">
-              <a:shade val="50000"/>
-            </a:schemeClr>
-          </a:lnRef>
-          <a:fillRef idx="1">
-            <a:schemeClr val="accent1"/>
-          </a:fillRef>
-          <a:effectRef idx="0">
-            <a:schemeClr val="accent1"/>
-          </a:effectRef>
-          <a:fontRef idx="minor">
-            <a:schemeClr val="lt1"/>
-          </a:fontRef>
-        </p:style>
-        <p:txBody>
-          <a:bodyPr rtlCol="0" anchor="ctr"/>
-          <a:lstStyle/>
-          <a:p>
-            <a:pPr algn="ctr"/>
-            <a:r>
-              <a:rPr lang="en-US" dirty="0" smtClean="0">
-                <a:latin typeface="Arial" panose="020B0604020202020204" pitchFamily="34" charset="0"/>
-                <a:cs typeface="Arial" panose="020B0604020202020204" pitchFamily="34" charset="0"/>
-              </a:rPr>
-              <a:t>Add to cart.</a:t>
-            </a:r>
-          </a:p>
-          <a:p>
-            <a:pPr algn="ctr"/>
-            <a:r>
-              <a:rPr lang="en-US" dirty="0" smtClean="0">
-                <a:latin typeface="Arial" panose="020B0604020202020204" pitchFamily="34" charset="0"/>
-                <a:cs typeface="Arial" panose="020B0604020202020204" pitchFamily="34" charset="0"/>
-              </a:rPr>
-              <a:t>View cart</a:t>
-            </a:r>
-            <a:endParaRPr lang="en-US" dirty="0">
-              <a:latin typeface="Arial" panose="020B0604020202020204" pitchFamily="34" charset="0"/>
-              <a:cs typeface="Arial" panose="020B0604020202020204" pitchFamily="34" charset="0"/>
-            </a:endParaRPr>
-          </a:p>
-        </p:txBody>
-      </p:sp>
-    </p:spTree>
-    <p:extLst>
-      <p:ext uri="{BB962C8B-B14F-4D97-AF65-F5344CB8AC3E}">
-        <p14:creationId xmlns:p14="http://schemas.microsoft.com/office/powerpoint/2010/main" val="3603170727"/>
-      </p:ext>
-    </p:extLst>
-  </p:cSld>
-  <p:clrMapOvr>
-    <a:masterClrMapping/>
-  </p:clrMapOvr>
-  <p:transition spd="med">
-    <p:pull/>
-  </p:transition>
-  <p:timing>
-    <p:tnLst>
-      <p:par>
-        <p:cTn id="1" dur="indefinite" restart="never" nodeType="tmRoot">
-          <p:childTnLst>
-            <p:seq concurrent="1" nextAc="seek">
-              <p:cTn id="2" dur="indefinite" nodeType="mainSeq">
-                <p:childTnLst>
-                  <p:par>
-                    <p:cTn id="3" fill="hold">
-                      <p:stCondLst>
-                        <p:cond delay="indefinite"/>
-                      </p:stCondLst>
-                      <p:childTnLst>
-                        <p:par>
-                          <p:cTn id="4" fill="hold">
-                            <p:stCondLst>
-                              <p:cond delay="0"/>
-                            </p:stCondLst>
-                            <p:childTnLst>
-                              <p:par>
-                                <p:cTn id="5" presetID="14" presetClass="entr" presetSubtype="10" fill="hold" nodeType="clickEffect">
-                                  <p:stCondLst>
-                                    <p:cond delay="0"/>
-                                  </p:stCondLst>
-                                  <p:childTnLst>
-                                    <p:set>
-                                      <p:cBhvr>
-                                        <p:cTn id="6" dur="1" fill="hold">
-                                          <p:stCondLst>
-                                            <p:cond delay="0"/>
-                                          </p:stCondLst>
-                                        </p:cTn>
-                                        <p:tgtEl>
-                                          <p:spTgt spid="4"/>
-                                        </p:tgtEl>
-                                        <p:attrNameLst>
-                                          <p:attrName>style.visibility</p:attrName>
-                                        </p:attrNameLst>
-                                      </p:cBhvr>
-                                      <p:to>
-                                        <p:strVal val="visible"/>
-                                      </p:to>
-                                    </p:set>
-                                    <p:animEffect transition="in" filter="randombar(horizontal)">
-                                      <p:cBhvr>
-                                        <p:cTn id="7" dur="500"/>
-                                        <p:tgtEl>
-                                          <p:spTgt spid="4"/>
-                                        </p:tgtEl>
-                                      </p:cBhvr>
-                                    </p:animEffect>
-                                  </p:childTnLst>
-                                </p:cTn>
-                              </p:par>
-                            </p:childTnLst>
-                          </p:cTn>
-                        </p:par>
-                      </p:childTnLst>
-                    </p:cTn>
-                  </p:par>
-                  <p:par>
-                    <p:cTn id="8" fill="hold">
-                      <p:stCondLst>
-                        <p:cond delay="indefinite"/>
-                      </p:stCondLst>
-                      <p:childTnLst>
-                        <p:par>
-                          <p:cTn id="9" fill="hold">
-                            <p:stCondLst>
-                              <p:cond delay="0"/>
-                            </p:stCondLst>
-                            <p:childTnLst>
-                              <p:par>
-                                <p:cTn id="10" presetID="14" presetClass="entr" presetSubtype="10" fill="hold" grpId="0" nodeType="clickEffect">
-                                  <p:stCondLst>
-                                    <p:cond delay="0"/>
-                                  </p:stCondLst>
-                                  <p:childTnLst>
-                                    <p:set>
-                                      <p:cBhvr>
-                                        <p:cTn id="11" dur="1" fill="hold">
-                                          <p:stCondLst>
-                                            <p:cond delay="0"/>
-                                          </p:stCondLst>
-                                        </p:cTn>
-                                        <p:tgtEl>
-                                          <p:spTgt spid="8"/>
-                                        </p:tgtEl>
-                                        <p:attrNameLst>
-                                          <p:attrName>style.visibility</p:attrName>
-                                        </p:attrNameLst>
-                                      </p:cBhvr>
-                                      <p:to>
-                                        <p:strVal val="visible"/>
-                                      </p:to>
-                                    </p:set>
-                                    <p:animEffect transition="in" filter="randombar(horizontal)">
-                                      <p:cBhvr>
-                                        <p:cTn id="12" dur="500"/>
-                                        <p:tgtEl>
-                                          <p:spTgt spid="8"/>
-                                        </p:tgtEl>
-                                      </p:cBhvr>
-                                    </p:animEffect>
-                                  </p:childTnLst>
-                                </p:cTn>
-                              </p:par>
-                              <p:par>
-                                <p:cTn id="13" presetID="14" presetClass="entr" presetSubtype="10" fill="hold" nodeType="withEffect">
-                                  <p:stCondLst>
-                                    <p:cond delay="0"/>
-                                  </p:stCondLst>
-                                  <p:childTnLst>
-                                    <p:set>
-                                      <p:cBhvr>
-                                        <p:cTn id="14" dur="1" fill="hold">
-                                          <p:stCondLst>
-                                            <p:cond delay="0"/>
-                                          </p:stCondLst>
-                                        </p:cTn>
-                                        <p:tgtEl>
-                                          <p:spTgt spid="6"/>
-                                        </p:tgtEl>
-                                        <p:attrNameLst>
-                                          <p:attrName>style.visibility</p:attrName>
-                                        </p:attrNameLst>
-                                      </p:cBhvr>
-                                      <p:to>
-                                        <p:strVal val="visible"/>
-                                      </p:to>
-                                    </p:set>
-                                    <p:animEffect transition="in" filter="randombar(horizontal)">
-                                      <p:cBhvr>
-                                        <p:cTn id="15" dur="500"/>
-                                        <p:tgtEl>
-                                          <p:spTgt spid="6"/>
-                                        </p:tgtEl>
-                                      </p:cBhvr>
-                                    </p:animEffect>
-                                  </p:childTnLst>
-                                </p:cTn>
-                              </p:par>
-                            </p:childTnLst>
-                          </p:cTn>
-                        </p:par>
-                      </p:childTnLst>
-                    </p:cTn>
-                  </p:par>
-                  <p:par>
-                    <p:cTn id="16" fill="hold">
-                      <p:stCondLst>
-                        <p:cond delay="indefinite"/>
-                      </p:stCondLst>
-                      <p:childTnLst>
-                        <p:par>
-                          <p:cTn id="17" fill="hold">
-                            <p:stCondLst>
-                              <p:cond delay="0"/>
-                            </p:stCondLst>
-                            <p:childTnLst>
-                              <p:par>
-                                <p:cTn id="18" presetID="14" presetClass="entr" presetSubtype="10" fill="hold" grpId="0" nodeType="clickEffect">
-                                  <p:stCondLst>
-                                    <p:cond delay="0"/>
-                                  </p:stCondLst>
-                                  <p:childTnLst>
-                                    <p:set>
-                                      <p:cBhvr>
-                                        <p:cTn id="19" dur="1" fill="hold">
-                                          <p:stCondLst>
-                                            <p:cond delay="0"/>
-                                          </p:stCondLst>
-                                        </p:cTn>
-                                        <p:tgtEl>
-                                          <p:spTgt spid="9"/>
-                                        </p:tgtEl>
-                                        <p:attrNameLst>
-                                          <p:attrName>style.visibility</p:attrName>
-                                        </p:attrNameLst>
-                                      </p:cBhvr>
-                                      <p:to>
-                                        <p:strVal val="visible"/>
-                                      </p:to>
-                                    </p:set>
-                                    <p:animEffect transition="in" filter="randombar(horizontal)">
-                                      <p:cBhvr>
-                                        <p:cTn id="20" dur="500"/>
-                                        <p:tgtEl>
-                                          <p:spTgt spid="9"/>
-                                        </p:tgtEl>
-                                      </p:cBhvr>
-                                    </p:animEffect>
-                                  </p:childTnLst>
-                                </p:cTn>
-                              </p:par>
-                              <p:par>
-                                <p:cTn id="21" presetID="14" presetClass="entr" presetSubtype="10" fill="hold" nodeType="withEffect">
-                                  <p:stCondLst>
-                                    <p:cond delay="0"/>
-                                  </p:stCondLst>
-                                  <p:childTnLst>
-                                    <p:set>
-                                      <p:cBhvr>
-                                        <p:cTn id="22" dur="1" fill="hold">
-                                          <p:stCondLst>
-                                            <p:cond delay="0"/>
-                                          </p:stCondLst>
-                                        </p:cTn>
-                                        <p:tgtEl>
-                                          <p:spTgt spid="7"/>
-                                        </p:tgtEl>
-                                        <p:attrNameLst>
-                                          <p:attrName>style.visibility</p:attrName>
-                                        </p:attrNameLst>
-                                      </p:cBhvr>
-                                      <p:to>
-                                        <p:strVal val="visible"/>
-                                      </p:to>
-                                    </p:set>
-                                    <p:animEffect transition="in" filter="randombar(horizontal)">
-                                      <p:cBhvr>
-                                        <p:cTn id="23" dur="500"/>
-                                        <p:tgtEl>
-                                          <p:spTgt spid="7"/>
-                                        </p:tgtEl>
-                                      </p:cBhvr>
-                                    </p:animEffect>
-                                  </p:childTnLst>
-                                </p:cTn>
-                              </p:par>
-                            </p:childTnLst>
-                          </p:cTn>
-                        </p:par>
-                      </p:childTnLst>
-                    </p:cTn>
-                  </p:par>
-                </p:childTnLst>
-              </p:cTn>
-              <p:prevCondLst>
-                <p:cond evt="onPrev" delay="0">
-                  <p:tgtEl>
-                    <p:sldTgt/>
-                  </p:tgtEl>
-                </p:cond>
-              </p:prevCondLst>
-              <p:nextCondLst>
-                <p:cond evt="onNext" delay="0">
-                  <p:tgtEl>
-                    <p:sldTgt/>
-                  </p:tgtEl>
-                </p:cond>
-              </p:nextCondLst>
-            </p:seq>
-          </p:childTnLst>
-        </p:cTn>
-      </p:par>
-    </p:tnLst>
-    <p:bldLst>
-      <p:bldP spid="8" grpId="0" animBg="1"/>
-      <p:bldP spid="9" grpId="0" animBg="1"/>
-    </p:bldLst>
-  </p:timing>
-</p:sld>
-</file>
-
 <file path=ppt/slides/slide8.xml><?xml version="1.0" encoding="utf-8"?>
 <p:sld xmlns:a="http://schemas.openxmlformats.org/drawingml/2006/main" xmlns:r="http://schemas.openxmlformats.org/officeDocument/2006/relationships" xmlns:p="http://schemas.openxmlformats.org/presentationml/2006/main">
   <p:cSld>
@@ -23895,477 +25892,47 @@
           <a:p>
             <a:r>
               <a:rPr lang="en-US" dirty="0" smtClean="0"/>
-              <a:t>Demo Scenario - Member</a:t>
+              <a:t>Story</a:t>
             </a:r>
             <a:endParaRPr lang="en-US" dirty="0"/>
           </a:p>
         </p:txBody>
       </p:sp>
-      <p:pic>
-        <p:nvPicPr>
-          <p:cNvPr id="4" name="Picture 3"/>
-          <p:cNvPicPr>
-            <a:picLocks noChangeAspect="1"/>
-          </p:cNvPicPr>
-          <p:nvPr/>
-        </p:nvPicPr>
-        <p:blipFill>
-          <a:blip r:embed="rId2" cstate="print">
-            <a:extLst>
-              <a:ext uri="{28A0092B-C50C-407E-A947-70E740481C1C}">
-                <a14:useLocalDpi xmlns:a14="http://schemas.microsoft.com/office/drawing/2010/main" val="0"/>
-              </a:ext>
-            </a:extLst>
-          </a:blip>
-          <a:stretch>
-            <a:fillRect/>
-          </a:stretch>
-        </p:blipFill>
-        <p:spPr>
-          <a:xfrm>
-            <a:off x="677334" y="2615184"/>
-            <a:ext cx="1627632" cy="1627632"/>
-          </a:xfrm>
-          <a:prstGeom prst="rect">
-            <a:avLst/>
-          </a:prstGeom>
-        </p:spPr>
-      </p:pic>
-      <p:pic>
-        <p:nvPicPr>
-          <p:cNvPr id="5" name="Picture 4"/>
-          <p:cNvPicPr>
-            <a:picLocks noChangeAspect="1"/>
-          </p:cNvPicPr>
-          <p:nvPr/>
-        </p:nvPicPr>
-        <p:blipFill>
-          <a:blip r:embed="rId3">
-            <a:extLst>
-              <a:ext uri="{28A0092B-C50C-407E-A947-70E740481C1C}">
-                <a14:useLocalDpi xmlns:a14="http://schemas.microsoft.com/office/drawing/2010/main" val="0"/>
-              </a:ext>
-            </a:extLst>
-          </a:blip>
-          <a:stretch>
-            <a:fillRect/>
-          </a:stretch>
-        </p:blipFill>
-        <p:spPr>
-          <a:xfrm>
-            <a:off x="4568760" y="2615184"/>
-            <a:ext cx="1627632" cy="1627632"/>
-          </a:xfrm>
-          <a:prstGeom prst="rect">
-            <a:avLst/>
-          </a:prstGeom>
-        </p:spPr>
-      </p:pic>
-      <p:pic>
-        <p:nvPicPr>
-          <p:cNvPr id="6" name="Picture 5"/>
-          <p:cNvPicPr>
-            <a:picLocks noChangeAspect="1"/>
-          </p:cNvPicPr>
-          <p:nvPr/>
-        </p:nvPicPr>
-        <p:blipFill>
-          <a:blip r:embed="rId4">
-            <a:extLst>
-              <a:ext uri="{28A0092B-C50C-407E-A947-70E740481C1C}">
-                <a14:useLocalDpi xmlns:a14="http://schemas.microsoft.com/office/drawing/2010/main" val="0"/>
-              </a:ext>
-            </a:extLst>
-          </a:blip>
-          <a:stretch>
-            <a:fillRect/>
-          </a:stretch>
-        </p:blipFill>
-        <p:spPr>
-          <a:xfrm>
-            <a:off x="8603087" y="2615184"/>
-            <a:ext cx="1627632" cy="1627632"/>
-          </a:xfrm>
-          <a:prstGeom prst="rect">
-            <a:avLst/>
-          </a:prstGeom>
-        </p:spPr>
-      </p:pic>
       <p:sp>
         <p:nvSpPr>
-          <p:cNvPr id="7" name="Right Arrow 6"/>
-          <p:cNvSpPr/>
-          <p:nvPr/>
+          <p:cNvPr id="3" name="Content Placeholder 2"/>
+          <p:cNvSpPr>
+            <a:spLocks noGrp="1"/>
+          </p:cNvSpPr>
+          <p:nvPr>
+            <p:ph idx="1"/>
+          </p:nvPr>
         </p:nvSpPr>
-        <p:spPr>
-          <a:xfrm>
-            <a:off x="2304965" y="2968966"/>
-            <a:ext cx="2263795" cy="920067"/>
-          </a:xfrm>
-          <a:prstGeom prst="rightArrow">
-            <a:avLst/>
-          </a:prstGeom>
-        </p:spPr>
-        <p:style>
-          <a:lnRef idx="2">
-            <a:schemeClr val="accent1">
-              <a:shade val="50000"/>
-            </a:schemeClr>
-          </a:lnRef>
-          <a:fillRef idx="1">
-            <a:schemeClr val="accent1"/>
-          </a:fillRef>
-          <a:effectRef idx="0">
-            <a:schemeClr val="accent1"/>
-          </a:effectRef>
-          <a:fontRef idx="minor">
-            <a:schemeClr val="lt1"/>
-          </a:fontRef>
-        </p:style>
+        <p:spPr/>
         <p:txBody>
-          <a:bodyPr rtlCol="0" anchor="ctr"/>
+          <a:bodyPr/>
           <a:lstStyle/>
           <a:p>
-            <a:pPr algn="ctr"/>
-            <a:r>
-              <a:rPr lang="en-US" dirty="0" smtClean="0">
-                <a:latin typeface="Arial" panose="020B0604020202020204" pitchFamily="34" charset="0"/>
-                <a:cs typeface="Arial" panose="020B0604020202020204" pitchFamily="34" charset="0"/>
-              </a:rPr>
-              <a:t>Define Routes</a:t>
-            </a:r>
-            <a:endParaRPr lang="en-US" dirty="0">
-              <a:latin typeface="Arial" panose="020B0604020202020204" pitchFamily="34" charset="0"/>
-              <a:cs typeface="Arial" panose="020B0604020202020204" pitchFamily="34" charset="0"/>
-            </a:endParaRPr>
-          </a:p>
-        </p:txBody>
-      </p:sp>
-      <p:sp>
-        <p:nvSpPr>
-          <p:cNvPr id="9" name="Right Arrow 8"/>
-          <p:cNvSpPr/>
-          <p:nvPr/>
-        </p:nvSpPr>
-        <p:spPr>
-          <a:xfrm>
-            <a:off x="6196392" y="2968966"/>
-            <a:ext cx="2406695" cy="920067"/>
-          </a:xfrm>
-          <a:prstGeom prst="rightArrow">
-            <a:avLst/>
-          </a:prstGeom>
-        </p:spPr>
-        <p:style>
-          <a:lnRef idx="2">
-            <a:schemeClr val="accent1">
-              <a:shade val="50000"/>
-            </a:schemeClr>
-          </a:lnRef>
-          <a:fillRef idx="1">
-            <a:schemeClr val="accent1"/>
-          </a:fillRef>
-          <a:effectRef idx="0">
-            <a:schemeClr val="accent1"/>
-          </a:effectRef>
-          <a:fontRef idx="minor">
-            <a:schemeClr val="lt1"/>
-          </a:fontRef>
-        </p:style>
-        <p:txBody>
-          <a:bodyPr rtlCol="0" anchor="ctr"/>
-          <a:lstStyle/>
-          <a:p>
-            <a:pPr algn="ctr"/>
-            <a:r>
-              <a:rPr lang="en-US" dirty="0" smtClean="0">
-                <a:latin typeface="Arial" panose="020B0604020202020204" pitchFamily="34" charset="0"/>
-                <a:cs typeface="Arial" panose="020B0604020202020204" pitchFamily="34" charset="0"/>
-              </a:rPr>
-              <a:t>Ask for suggestion</a:t>
-            </a:r>
-            <a:endParaRPr lang="en-US" dirty="0">
-              <a:latin typeface="Arial" panose="020B0604020202020204" pitchFamily="34" charset="0"/>
-              <a:cs typeface="Arial" panose="020B0604020202020204" pitchFamily="34" charset="0"/>
-            </a:endParaRPr>
+            <a:endParaRPr lang="en-US" dirty="0"/>
           </a:p>
         </p:txBody>
       </p:sp>
     </p:spTree>
     <p:extLst>
       <p:ext uri="{BB962C8B-B14F-4D97-AF65-F5344CB8AC3E}">
-        <p14:creationId xmlns:p14="http://schemas.microsoft.com/office/powerpoint/2010/main" val="2465162906"/>
+        <p14:creationId xmlns:p14="http://schemas.microsoft.com/office/powerpoint/2010/main" val="1722407363"/>
       </p:ext>
     </p:extLst>
   </p:cSld>
   <p:clrMapOvr>
     <a:masterClrMapping/>
   </p:clrMapOvr>
-  <p:transition spd="slow">
-    <p:cover/>
-  </p:transition>
   <p:timing>
     <p:tnLst>
       <p:par>
-        <p:cTn id="1" dur="indefinite" restart="never" nodeType="tmRoot">
-          <p:childTnLst>
-            <p:seq concurrent="1" nextAc="seek">
-              <p:cTn id="2" dur="indefinite" nodeType="mainSeq">
-                <p:childTnLst>
-                  <p:par>
-                    <p:cTn id="3" fill="hold">
-                      <p:stCondLst>
-                        <p:cond delay="indefinite"/>
-                      </p:stCondLst>
-                      <p:childTnLst>
-                        <p:par>
-                          <p:cTn id="4" fill="hold">
-                            <p:stCondLst>
-                              <p:cond delay="0"/>
-                            </p:stCondLst>
-                            <p:childTnLst>
-                              <p:par>
-                                <p:cTn id="5" presetID="14" presetClass="entr" presetSubtype="10" fill="hold" nodeType="clickEffect">
-                                  <p:stCondLst>
-                                    <p:cond delay="0"/>
-                                  </p:stCondLst>
-                                  <p:childTnLst>
-                                    <p:set>
-                                      <p:cBhvr>
-                                        <p:cTn id="6" dur="1" fill="hold">
-                                          <p:stCondLst>
-                                            <p:cond delay="0"/>
-                                          </p:stCondLst>
-                                        </p:cTn>
-                                        <p:tgtEl>
-                                          <p:spTgt spid="4"/>
-                                        </p:tgtEl>
-                                        <p:attrNameLst>
-                                          <p:attrName>style.visibility</p:attrName>
-                                        </p:attrNameLst>
-                                      </p:cBhvr>
-                                      <p:to>
-                                        <p:strVal val="visible"/>
-                                      </p:to>
-                                    </p:set>
-                                    <p:animEffect transition="in" filter="randombar(horizontal)">
-                                      <p:cBhvr>
-                                        <p:cTn id="7" dur="500"/>
-                                        <p:tgtEl>
-                                          <p:spTgt spid="4"/>
-                                        </p:tgtEl>
-                                      </p:cBhvr>
-                                    </p:animEffect>
-                                  </p:childTnLst>
-                                </p:cTn>
-                              </p:par>
-                            </p:childTnLst>
-                          </p:cTn>
-                        </p:par>
-                      </p:childTnLst>
-                    </p:cTn>
-                  </p:par>
-                  <p:par>
-                    <p:cTn id="8" fill="hold">
-                      <p:stCondLst>
-                        <p:cond delay="indefinite"/>
-                      </p:stCondLst>
-                      <p:childTnLst>
-                        <p:par>
-                          <p:cTn id="9" fill="hold">
-                            <p:stCondLst>
-                              <p:cond delay="0"/>
-                            </p:stCondLst>
-                            <p:childTnLst>
-                              <p:par>
-                                <p:cTn id="10" presetID="14" presetClass="entr" presetSubtype="10" fill="hold" grpId="0" nodeType="clickEffect">
-                                  <p:stCondLst>
-                                    <p:cond delay="0"/>
-                                  </p:stCondLst>
-                                  <p:childTnLst>
-                                    <p:set>
-                                      <p:cBhvr>
-                                        <p:cTn id="11" dur="1" fill="hold">
-                                          <p:stCondLst>
-                                            <p:cond delay="0"/>
-                                          </p:stCondLst>
-                                        </p:cTn>
-                                        <p:tgtEl>
-                                          <p:spTgt spid="7"/>
-                                        </p:tgtEl>
-                                        <p:attrNameLst>
-                                          <p:attrName>style.visibility</p:attrName>
-                                        </p:attrNameLst>
-                                      </p:cBhvr>
-                                      <p:to>
-                                        <p:strVal val="visible"/>
-                                      </p:to>
-                                    </p:set>
-                                    <p:animEffect transition="in" filter="randombar(horizontal)">
-                                      <p:cBhvr>
-                                        <p:cTn id="12" dur="500"/>
-                                        <p:tgtEl>
-                                          <p:spTgt spid="7"/>
-                                        </p:tgtEl>
-                                      </p:cBhvr>
-                                    </p:animEffect>
-                                  </p:childTnLst>
-                                </p:cTn>
-                              </p:par>
-                              <p:par>
-                                <p:cTn id="13" presetID="14" presetClass="entr" presetSubtype="10" fill="hold" nodeType="withEffect">
-                                  <p:stCondLst>
-                                    <p:cond delay="0"/>
-                                  </p:stCondLst>
-                                  <p:childTnLst>
-                                    <p:set>
-                                      <p:cBhvr>
-                                        <p:cTn id="14" dur="1" fill="hold">
-                                          <p:stCondLst>
-                                            <p:cond delay="0"/>
-                                          </p:stCondLst>
-                                        </p:cTn>
-                                        <p:tgtEl>
-                                          <p:spTgt spid="5"/>
-                                        </p:tgtEl>
-                                        <p:attrNameLst>
-                                          <p:attrName>style.visibility</p:attrName>
-                                        </p:attrNameLst>
-                                      </p:cBhvr>
-                                      <p:to>
-                                        <p:strVal val="visible"/>
-                                      </p:to>
-                                    </p:set>
-                                    <p:animEffect transition="in" filter="randombar(horizontal)">
-                                      <p:cBhvr>
-                                        <p:cTn id="15" dur="500"/>
-                                        <p:tgtEl>
-                                          <p:spTgt spid="5"/>
-                                        </p:tgtEl>
-                                      </p:cBhvr>
-                                    </p:animEffect>
-                                  </p:childTnLst>
-                                </p:cTn>
-                              </p:par>
-                            </p:childTnLst>
-                          </p:cTn>
-                        </p:par>
-                      </p:childTnLst>
-                    </p:cTn>
-                  </p:par>
-                  <p:par>
-                    <p:cTn id="16" fill="hold">
-                      <p:stCondLst>
-                        <p:cond delay="indefinite"/>
-                      </p:stCondLst>
-                      <p:childTnLst>
-                        <p:par>
-                          <p:cTn id="17" fill="hold">
-                            <p:stCondLst>
-                              <p:cond delay="0"/>
-                            </p:stCondLst>
-                            <p:childTnLst>
-                              <p:par>
-                                <p:cTn id="18" presetID="14" presetClass="entr" presetSubtype="10" fill="hold" grpId="0" nodeType="clickEffect">
-                                  <p:stCondLst>
-                                    <p:cond delay="0"/>
-                                  </p:stCondLst>
-                                  <p:childTnLst>
-                                    <p:set>
-                                      <p:cBhvr>
-                                        <p:cTn id="19" dur="1" fill="hold">
-                                          <p:stCondLst>
-                                            <p:cond delay="0"/>
-                                          </p:stCondLst>
-                                        </p:cTn>
-                                        <p:tgtEl>
-                                          <p:spTgt spid="9"/>
-                                        </p:tgtEl>
-                                        <p:attrNameLst>
-                                          <p:attrName>style.visibility</p:attrName>
-                                        </p:attrNameLst>
-                                      </p:cBhvr>
-                                      <p:to>
-                                        <p:strVal val="visible"/>
-                                      </p:to>
-                                    </p:set>
-                                    <p:animEffect transition="in" filter="randombar(horizontal)">
-                                      <p:cBhvr>
-                                        <p:cTn id="20" dur="500"/>
-                                        <p:tgtEl>
-                                          <p:spTgt spid="9"/>
-                                        </p:tgtEl>
-                                      </p:cBhvr>
-                                    </p:animEffect>
-                                  </p:childTnLst>
-                                </p:cTn>
-                              </p:par>
-                              <p:par>
-                                <p:cTn id="21" presetID="14" presetClass="entr" presetSubtype="10" fill="hold" nodeType="withEffect">
-                                  <p:stCondLst>
-                                    <p:cond delay="0"/>
-                                  </p:stCondLst>
-                                  <p:childTnLst>
-                                    <p:set>
-                                      <p:cBhvr>
-                                        <p:cTn id="22" dur="1" fill="hold">
-                                          <p:stCondLst>
-                                            <p:cond delay="0"/>
-                                          </p:stCondLst>
-                                        </p:cTn>
-                                        <p:tgtEl>
-                                          <p:spTgt spid="6"/>
-                                        </p:tgtEl>
-                                        <p:attrNameLst>
-                                          <p:attrName>style.visibility</p:attrName>
-                                        </p:attrNameLst>
-                                      </p:cBhvr>
-                                      <p:to>
-                                        <p:strVal val="visible"/>
-                                      </p:to>
-                                    </p:set>
-                                    <p:animEffect transition="in" filter="randombar(horizontal)">
-                                      <p:cBhvr>
-                                        <p:cTn id="23" dur="500"/>
-                                        <p:tgtEl>
-                                          <p:spTgt spid="6"/>
-                                        </p:tgtEl>
-                                      </p:cBhvr>
-                                    </p:animEffect>
-                                  </p:childTnLst>
-                                </p:cTn>
-                              </p:par>
-                            </p:childTnLst>
-                          </p:cTn>
-                        </p:par>
-                      </p:childTnLst>
-                    </p:cTn>
-                  </p:par>
-                </p:childTnLst>
-              </p:cTn>
-              <p:prevCondLst>
-                <p:cond evt="onPrev" delay="0">
-                  <p:tgtEl>
-                    <p:sldTgt/>
-                  </p:tgtEl>
-                </p:cond>
-              </p:prevCondLst>
-              <p:nextCondLst>
-                <p:cond evt="onNext" delay="0">
-                  <p:tgtEl>
-                    <p:sldTgt/>
-                  </p:tgtEl>
-                </p:cond>
-              </p:nextCondLst>
-            </p:seq>
-          </p:childTnLst>
-        </p:cTn>
+        <p:cTn id="1" dur="indefinite" restart="never" nodeType="tmRoot"/>
       </p:par>
     </p:tnLst>
-    <p:bldLst>
-      <p:bldP spid="7" grpId="0" animBg="1"/>
-      <p:bldP spid="9" grpId="0" animBg="1"/>
-    </p:bldLst>
   </p:timing>
 </p:sld>
 </file>
@@ -24397,690 +25964,64 @@
             <p:ph type="title"/>
           </p:nvPr>
         </p:nvSpPr>
-        <p:spPr>
-          <a:xfrm>
-            <a:off x="677334" y="609600"/>
-            <a:ext cx="8596668" cy="652530"/>
-          </a:xfrm>
-        </p:spPr>
+        <p:spPr/>
         <p:txBody>
           <a:bodyPr/>
           <a:lstStyle/>
           <a:p>
             <a:r>
               <a:rPr lang="en-US" dirty="0" smtClean="0"/>
-              <a:t>Demo Scenario - Staff</a:t>
+              <a:t>Story Board</a:t>
             </a:r>
-            <a:endParaRPr lang="en-US" dirty="0"/>
-          </a:p>
-        </p:txBody>
-      </p:sp>
-      <p:pic>
-        <p:nvPicPr>
-          <p:cNvPr id="4" name="Picture 3"/>
-          <p:cNvPicPr>
-            <a:picLocks noChangeAspect="1"/>
-          </p:cNvPicPr>
-          <p:nvPr/>
-        </p:nvPicPr>
-        <p:blipFill>
-          <a:blip r:embed="rId2">
-            <a:extLst>
-              <a:ext uri="{28A0092B-C50C-407E-A947-70E740481C1C}">
-                <a14:useLocalDpi xmlns:a14="http://schemas.microsoft.com/office/drawing/2010/main" val="0"/>
-              </a:ext>
-            </a:extLst>
-          </a:blip>
-          <a:stretch>
-            <a:fillRect/>
-          </a:stretch>
-        </p:blipFill>
-        <p:spPr>
-          <a:xfrm>
-            <a:off x="1379518" y="1332062"/>
-            <a:ext cx="1627632" cy="1627632"/>
-          </a:xfrm>
-          <a:prstGeom prst="rect">
-            <a:avLst/>
-          </a:prstGeom>
-        </p:spPr>
-      </p:pic>
-      <p:pic>
-        <p:nvPicPr>
-          <p:cNvPr id="5" name="Picture 4"/>
-          <p:cNvPicPr>
-            <a:picLocks noChangeAspect="1"/>
-          </p:cNvPicPr>
-          <p:nvPr/>
-        </p:nvPicPr>
-        <p:blipFill>
-          <a:blip r:embed="rId3">
-            <a:extLst>
-              <a:ext uri="{28A0092B-C50C-407E-A947-70E740481C1C}">
-                <a14:useLocalDpi xmlns:a14="http://schemas.microsoft.com/office/drawing/2010/main" val="0"/>
-              </a:ext>
-            </a:extLst>
-          </a:blip>
-          <a:stretch>
-            <a:fillRect/>
-          </a:stretch>
-        </p:blipFill>
-        <p:spPr>
-          <a:xfrm>
-            <a:off x="4898400" y="1332062"/>
-            <a:ext cx="1627632" cy="1627632"/>
-          </a:xfrm>
-          <a:prstGeom prst="rect">
-            <a:avLst/>
-          </a:prstGeom>
-        </p:spPr>
-      </p:pic>
-      <p:pic>
-        <p:nvPicPr>
-          <p:cNvPr id="6" name="Picture 5"/>
-          <p:cNvPicPr>
-            <a:picLocks/>
-          </p:cNvPicPr>
-          <p:nvPr/>
-        </p:nvPicPr>
-        <p:blipFill>
-          <a:blip r:embed="rId4" cstate="print">
-            <a:extLst>
-              <a:ext uri="{28A0092B-C50C-407E-A947-70E740481C1C}">
-                <a14:useLocalDpi xmlns:a14="http://schemas.microsoft.com/office/drawing/2010/main" val="0"/>
-              </a:ext>
-            </a:extLst>
-          </a:blip>
-          <a:stretch>
-            <a:fillRect/>
-          </a:stretch>
-        </p:blipFill>
-        <p:spPr>
-          <a:xfrm>
-            <a:off x="8557473" y="1332062"/>
-            <a:ext cx="1627632" cy="1627632"/>
-          </a:xfrm>
-          <a:prstGeom prst="rect">
-            <a:avLst/>
-          </a:prstGeom>
-        </p:spPr>
-      </p:pic>
-      <p:pic>
-        <p:nvPicPr>
-          <p:cNvPr id="7" name="Picture 6"/>
-          <p:cNvPicPr>
-            <a:picLocks/>
-          </p:cNvPicPr>
-          <p:nvPr/>
-        </p:nvPicPr>
-        <p:blipFill>
-          <a:blip r:embed="rId5">
-            <a:extLst>
-              <a:ext uri="{28A0092B-C50C-407E-A947-70E740481C1C}">
-                <a14:useLocalDpi xmlns:a14="http://schemas.microsoft.com/office/drawing/2010/main" val="0"/>
-              </a:ext>
-            </a:extLst>
-          </a:blip>
-          <a:stretch>
-            <a:fillRect/>
-          </a:stretch>
-        </p:blipFill>
-        <p:spPr>
-          <a:xfrm>
-            <a:off x="4898400" y="3402727"/>
-            <a:ext cx="1627632" cy="1627632"/>
-          </a:xfrm>
-          <a:prstGeom prst="rect">
-            <a:avLst/>
-          </a:prstGeom>
-        </p:spPr>
-      </p:pic>
-      <p:sp>
-        <p:nvSpPr>
-          <p:cNvPr id="8" name="Right Arrow 7"/>
-          <p:cNvSpPr/>
-          <p:nvPr/>
-        </p:nvSpPr>
-        <p:spPr>
-          <a:xfrm>
-            <a:off x="3041561" y="1705163"/>
-            <a:ext cx="1782317" cy="907188"/>
-          </a:xfrm>
-          <a:prstGeom prst="rightArrow">
-            <a:avLst/>
-          </a:prstGeom>
-        </p:spPr>
-        <p:style>
-          <a:lnRef idx="2">
-            <a:schemeClr val="accent1">
-              <a:shade val="50000"/>
-            </a:schemeClr>
-          </a:lnRef>
-          <a:fillRef idx="1">
-            <a:schemeClr val="accent1"/>
-          </a:fillRef>
-          <a:effectRef idx="0">
-            <a:schemeClr val="accent1"/>
-          </a:effectRef>
-          <a:fontRef idx="minor">
-            <a:schemeClr val="lt1"/>
-          </a:fontRef>
-        </p:style>
-        <p:txBody>
-          <a:bodyPr rtlCol="0" anchor="ctr"/>
-          <a:lstStyle/>
-          <a:p>
-            <a:pPr algn="ctr"/>
-            <a:r>
-              <a:rPr lang="en-US" dirty="0" smtClean="0">
-                <a:latin typeface="Arial" panose="020B0604020202020204" pitchFamily="34" charset="0"/>
-                <a:cs typeface="Arial" panose="020B0604020202020204" pitchFamily="34" charset="0"/>
-              </a:rPr>
-              <a:t>Import data</a:t>
-            </a:r>
-            <a:endParaRPr lang="en-US" dirty="0">
-              <a:latin typeface="Arial" panose="020B0604020202020204" pitchFamily="34" charset="0"/>
-              <a:cs typeface="Arial" panose="020B0604020202020204" pitchFamily="34" charset="0"/>
-            </a:endParaRPr>
-          </a:p>
-        </p:txBody>
-      </p:sp>
-      <p:sp>
-        <p:nvSpPr>
-          <p:cNvPr id="9" name="Right Arrow 8"/>
-          <p:cNvSpPr/>
-          <p:nvPr/>
-        </p:nvSpPr>
-        <p:spPr>
-          <a:xfrm>
-            <a:off x="6600554" y="1692284"/>
-            <a:ext cx="1882397" cy="920067"/>
-          </a:xfrm>
-          <a:prstGeom prst="rightArrow">
-            <a:avLst/>
-          </a:prstGeom>
-        </p:spPr>
-        <p:style>
-          <a:lnRef idx="2">
-            <a:schemeClr val="accent1">
-              <a:shade val="50000"/>
-            </a:schemeClr>
-          </a:lnRef>
-          <a:fillRef idx="1">
-            <a:schemeClr val="accent1"/>
-          </a:fillRef>
-          <a:effectRef idx="0">
-            <a:schemeClr val="accent1"/>
-          </a:effectRef>
-          <a:fontRef idx="minor">
-            <a:schemeClr val="lt1"/>
-          </a:fontRef>
-        </p:style>
-        <p:txBody>
-          <a:bodyPr rtlCol="0" anchor="ctr"/>
-          <a:lstStyle/>
-          <a:p>
-            <a:pPr algn="ctr"/>
-            <a:r>
-              <a:rPr lang="en-US" dirty="0" smtClean="0">
-                <a:latin typeface="Arial" panose="020B0604020202020204" pitchFamily="34" charset="0"/>
-                <a:cs typeface="Arial" panose="020B0604020202020204" pitchFamily="34" charset="0"/>
-              </a:rPr>
-              <a:t>Train machine</a:t>
-            </a:r>
-            <a:endParaRPr lang="en-US" dirty="0">
-              <a:latin typeface="Arial" panose="020B0604020202020204" pitchFamily="34" charset="0"/>
-              <a:cs typeface="Arial" panose="020B0604020202020204" pitchFamily="34" charset="0"/>
-            </a:endParaRPr>
-          </a:p>
-        </p:txBody>
-      </p:sp>
-      <p:sp>
-        <p:nvSpPr>
-          <p:cNvPr id="16" name="Bent-Up Arrow 15"/>
-          <p:cNvSpPr/>
-          <p:nvPr/>
-        </p:nvSpPr>
-        <p:spPr>
-          <a:xfrm rot="5400000">
-            <a:off x="2458876" y="2706414"/>
-            <a:ext cx="1598109" cy="2503529"/>
-          </a:xfrm>
-          <a:prstGeom prst="bentUpArrow">
-            <a:avLst/>
-          </a:prstGeom>
-        </p:spPr>
-        <p:style>
-          <a:lnRef idx="2">
-            <a:schemeClr val="accent1">
-              <a:shade val="50000"/>
-            </a:schemeClr>
-          </a:lnRef>
-          <a:fillRef idx="1">
-            <a:schemeClr val="accent1"/>
-          </a:fillRef>
-          <a:effectRef idx="0">
-            <a:schemeClr val="accent1"/>
-          </a:effectRef>
-          <a:fontRef idx="minor">
-            <a:schemeClr val="lt1"/>
-          </a:fontRef>
-        </p:style>
-        <p:txBody>
-          <a:bodyPr rtlCol="0" anchor="ctr"/>
-          <a:lstStyle/>
-          <a:p>
-            <a:pPr algn="ctr"/>
             <a:endParaRPr lang="en-US" dirty="0"/>
           </a:p>
         </p:txBody>
       </p:sp>
       <p:sp>
         <p:nvSpPr>
-          <p:cNvPr id="17" name="TextBox 16"/>
-          <p:cNvSpPr txBox="1"/>
-          <p:nvPr/>
+          <p:cNvPr id="3" name="Content Placeholder 2"/>
+          <p:cNvSpPr>
+            <a:spLocks noGrp="1"/>
+          </p:cNvSpPr>
+          <p:nvPr>
+            <p:ph idx="1"/>
+          </p:nvPr>
         </p:nvSpPr>
-        <p:spPr>
-          <a:xfrm>
-            <a:off x="2346044" y="4164242"/>
-            <a:ext cx="1878226" cy="369332"/>
-          </a:xfrm>
-          <a:prstGeom prst="rect">
-            <a:avLst/>
-          </a:prstGeom>
-          <a:noFill/>
-        </p:spPr>
+        <p:spPr/>
         <p:txBody>
-          <a:bodyPr wrap="square" rtlCol="0">
-            <a:spAutoFit/>
-          </a:bodyPr>
+          <a:bodyPr/>
           <a:lstStyle/>
           <a:p>
             <a:r>
-              <a:rPr lang="en-US" dirty="0" smtClean="0">
-                <a:solidFill>
-                  <a:schemeClr val="bg1"/>
-                </a:solidFill>
-                <a:latin typeface="Arial" panose="020B0604020202020204" pitchFamily="34" charset="0"/>
-                <a:cs typeface="Arial" panose="020B0604020202020204" pitchFamily="34" charset="0"/>
-              </a:rPr>
-              <a:t>Manage parsers</a:t>
+              <a:rPr lang="en-US" dirty="0" smtClean="0"/>
+              <a:t>User/Member</a:t>
             </a:r>
-            <a:endParaRPr lang="en-US" dirty="0">
-              <a:solidFill>
-                <a:schemeClr val="bg1"/>
-              </a:solidFill>
-              <a:latin typeface="Arial" panose="020B0604020202020204" pitchFamily="34" charset="0"/>
-              <a:cs typeface="Arial" panose="020B0604020202020204" pitchFamily="34" charset="0"/>
-            </a:endParaRPr>
+          </a:p>
+          <a:p>
+            <a:r>
+              <a:rPr lang="en-US" dirty="0" smtClean="0"/>
+              <a:t>Staff</a:t>
+            </a:r>
+            <a:endParaRPr lang="en-US" dirty="0"/>
           </a:p>
         </p:txBody>
       </p:sp>
     </p:spTree>
     <p:extLst>
       <p:ext uri="{BB962C8B-B14F-4D97-AF65-F5344CB8AC3E}">
-        <p14:creationId xmlns:p14="http://schemas.microsoft.com/office/powerpoint/2010/main" val="873063229"/>
+        <p14:creationId xmlns:p14="http://schemas.microsoft.com/office/powerpoint/2010/main" val="476762444"/>
       </p:ext>
     </p:extLst>
   </p:cSld>
   <p:clrMapOvr>
     <a:masterClrMapping/>
   </p:clrMapOvr>
-  <p:transition spd="slow">
-    <p:push dir="u"/>
-  </p:transition>
   <p:timing>
     <p:tnLst>
       <p:par>
-        <p:cTn id="1" dur="indefinite" restart="never" nodeType="tmRoot">
-          <p:childTnLst>
-            <p:seq concurrent="1" nextAc="seek">
-              <p:cTn id="2" dur="indefinite" nodeType="mainSeq">
-                <p:childTnLst>
-                  <p:par>
-                    <p:cTn id="3" fill="hold">
-                      <p:stCondLst>
-                        <p:cond delay="indefinite"/>
-                      </p:stCondLst>
-                      <p:childTnLst>
-                        <p:par>
-                          <p:cTn id="4" fill="hold">
-                            <p:stCondLst>
-                              <p:cond delay="0"/>
-                            </p:stCondLst>
-                            <p:childTnLst>
-                              <p:par>
-                                <p:cTn id="5" presetID="14" presetClass="entr" presetSubtype="10" fill="hold" nodeType="clickEffect">
-                                  <p:stCondLst>
-                                    <p:cond delay="0"/>
-                                  </p:stCondLst>
-                                  <p:childTnLst>
-                                    <p:set>
-                                      <p:cBhvr>
-                                        <p:cTn id="6" dur="1" fill="hold">
-                                          <p:stCondLst>
-                                            <p:cond delay="0"/>
-                                          </p:stCondLst>
-                                        </p:cTn>
-                                        <p:tgtEl>
-                                          <p:spTgt spid="4"/>
-                                        </p:tgtEl>
-                                        <p:attrNameLst>
-                                          <p:attrName>style.visibility</p:attrName>
-                                        </p:attrNameLst>
-                                      </p:cBhvr>
-                                      <p:to>
-                                        <p:strVal val="visible"/>
-                                      </p:to>
-                                    </p:set>
-                                    <p:animEffect transition="in" filter="randombar(horizontal)">
-                                      <p:cBhvr>
-                                        <p:cTn id="7" dur="500"/>
-                                        <p:tgtEl>
-                                          <p:spTgt spid="4"/>
-                                        </p:tgtEl>
-                                      </p:cBhvr>
-                                    </p:animEffect>
-                                  </p:childTnLst>
-                                </p:cTn>
-                              </p:par>
-                            </p:childTnLst>
-                          </p:cTn>
-                        </p:par>
-                      </p:childTnLst>
-                    </p:cTn>
-                  </p:par>
-                  <p:par>
-                    <p:cTn id="8" fill="hold">
-                      <p:stCondLst>
-                        <p:cond delay="indefinite"/>
-                      </p:stCondLst>
-                      <p:childTnLst>
-                        <p:par>
-                          <p:cTn id="9" fill="hold">
-                            <p:stCondLst>
-                              <p:cond delay="0"/>
-                            </p:stCondLst>
-                            <p:childTnLst>
-                              <p:par>
-                                <p:cTn id="10" presetID="14" presetClass="entr" presetSubtype="10" fill="hold" grpId="0" nodeType="clickEffect">
-                                  <p:stCondLst>
-                                    <p:cond delay="0"/>
-                                  </p:stCondLst>
-                                  <p:childTnLst>
-                                    <p:set>
-                                      <p:cBhvr>
-                                        <p:cTn id="11" dur="1" fill="hold">
-                                          <p:stCondLst>
-                                            <p:cond delay="0"/>
-                                          </p:stCondLst>
-                                        </p:cTn>
-                                        <p:tgtEl>
-                                          <p:spTgt spid="8"/>
-                                        </p:tgtEl>
-                                        <p:attrNameLst>
-                                          <p:attrName>style.visibility</p:attrName>
-                                        </p:attrNameLst>
-                                      </p:cBhvr>
-                                      <p:to>
-                                        <p:strVal val="visible"/>
-                                      </p:to>
-                                    </p:set>
-                                    <p:animEffect transition="in" filter="randombar(horizontal)">
-                                      <p:cBhvr>
-                                        <p:cTn id="12" dur="500"/>
-                                        <p:tgtEl>
-                                          <p:spTgt spid="8"/>
-                                        </p:tgtEl>
-                                      </p:cBhvr>
-                                    </p:animEffect>
-                                  </p:childTnLst>
-                                </p:cTn>
-                              </p:par>
-                              <p:par>
-                                <p:cTn id="13" presetID="14" presetClass="entr" presetSubtype="10" fill="hold" nodeType="withEffect">
-                                  <p:stCondLst>
-                                    <p:cond delay="0"/>
-                                  </p:stCondLst>
-                                  <p:childTnLst>
-                                    <p:set>
-                                      <p:cBhvr>
-                                        <p:cTn id="14" dur="1" fill="hold">
-                                          <p:stCondLst>
-                                            <p:cond delay="0"/>
-                                          </p:stCondLst>
-                                        </p:cTn>
-                                        <p:tgtEl>
-                                          <p:spTgt spid="5"/>
-                                        </p:tgtEl>
-                                        <p:attrNameLst>
-                                          <p:attrName>style.visibility</p:attrName>
-                                        </p:attrNameLst>
-                                      </p:cBhvr>
-                                      <p:to>
-                                        <p:strVal val="visible"/>
-                                      </p:to>
-                                    </p:set>
-                                    <p:animEffect transition="in" filter="randombar(horizontal)">
-                                      <p:cBhvr>
-                                        <p:cTn id="15" dur="500"/>
-                                        <p:tgtEl>
-                                          <p:spTgt spid="5"/>
-                                        </p:tgtEl>
-                                      </p:cBhvr>
-                                    </p:animEffect>
-                                  </p:childTnLst>
-                                </p:cTn>
-                              </p:par>
-                            </p:childTnLst>
-                          </p:cTn>
-                        </p:par>
-                      </p:childTnLst>
-                    </p:cTn>
-                  </p:par>
-                  <p:par>
-                    <p:cTn id="16" fill="hold">
-                      <p:stCondLst>
-                        <p:cond delay="indefinite"/>
-                      </p:stCondLst>
-                      <p:childTnLst>
-                        <p:par>
-                          <p:cTn id="17" fill="hold">
-                            <p:stCondLst>
-                              <p:cond delay="0"/>
-                            </p:stCondLst>
-                            <p:childTnLst>
-                              <p:par>
-                                <p:cTn id="18" presetID="14" presetClass="entr" presetSubtype="10" fill="hold" grpId="0" nodeType="clickEffect">
-                                  <p:stCondLst>
-                                    <p:cond delay="0"/>
-                                  </p:stCondLst>
-                                  <p:childTnLst>
-                                    <p:set>
-                                      <p:cBhvr>
-                                        <p:cTn id="19" dur="1" fill="hold">
-                                          <p:stCondLst>
-                                            <p:cond delay="0"/>
-                                          </p:stCondLst>
-                                        </p:cTn>
-                                        <p:tgtEl>
-                                          <p:spTgt spid="9"/>
-                                        </p:tgtEl>
-                                        <p:attrNameLst>
-                                          <p:attrName>style.visibility</p:attrName>
-                                        </p:attrNameLst>
-                                      </p:cBhvr>
-                                      <p:to>
-                                        <p:strVal val="visible"/>
-                                      </p:to>
-                                    </p:set>
-                                    <p:animEffect transition="in" filter="randombar(horizontal)">
-                                      <p:cBhvr>
-                                        <p:cTn id="20" dur="500"/>
-                                        <p:tgtEl>
-                                          <p:spTgt spid="9"/>
-                                        </p:tgtEl>
-                                      </p:cBhvr>
-                                    </p:animEffect>
-                                  </p:childTnLst>
-                                </p:cTn>
-                              </p:par>
-                              <p:par>
-                                <p:cTn id="21" presetID="14" presetClass="entr" presetSubtype="10" fill="hold" nodeType="withEffect">
-                                  <p:stCondLst>
-                                    <p:cond delay="0"/>
-                                  </p:stCondLst>
-                                  <p:childTnLst>
-                                    <p:set>
-                                      <p:cBhvr>
-                                        <p:cTn id="22" dur="1" fill="hold">
-                                          <p:stCondLst>
-                                            <p:cond delay="0"/>
-                                          </p:stCondLst>
-                                        </p:cTn>
-                                        <p:tgtEl>
-                                          <p:spTgt spid="6"/>
-                                        </p:tgtEl>
-                                        <p:attrNameLst>
-                                          <p:attrName>style.visibility</p:attrName>
-                                        </p:attrNameLst>
-                                      </p:cBhvr>
-                                      <p:to>
-                                        <p:strVal val="visible"/>
-                                      </p:to>
-                                    </p:set>
-                                    <p:animEffect transition="in" filter="randombar(horizontal)">
-                                      <p:cBhvr>
-                                        <p:cTn id="23" dur="500"/>
-                                        <p:tgtEl>
-                                          <p:spTgt spid="6"/>
-                                        </p:tgtEl>
-                                      </p:cBhvr>
-                                    </p:animEffect>
-                                  </p:childTnLst>
-                                </p:cTn>
-                              </p:par>
-                            </p:childTnLst>
-                          </p:cTn>
-                        </p:par>
-                      </p:childTnLst>
-                    </p:cTn>
-                  </p:par>
-                  <p:par>
-                    <p:cTn id="24" fill="hold">
-                      <p:stCondLst>
-                        <p:cond delay="indefinite"/>
-                      </p:stCondLst>
-                      <p:childTnLst>
-                        <p:par>
-                          <p:cTn id="25" fill="hold">
-                            <p:stCondLst>
-                              <p:cond delay="0"/>
-                            </p:stCondLst>
-                            <p:childTnLst>
-                              <p:par>
-                                <p:cTn id="26" presetID="14" presetClass="entr" presetSubtype="10" fill="hold" grpId="0" nodeType="clickEffect">
-                                  <p:stCondLst>
-                                    <p:cond delay="0"/>
-                                  </p:stCondLst>
-                                  <p:childTnLst>
-                                    <p:set>
-                                      <p:cBhvr>
-                                        <p:cTn id="27" dur="1" fill="hold">
-                                          <p:stCondLst>
-                                            <p:cond delay="0"/>
-                                          </p:stCondLst>
-                                        </p:cTn>
-                                        <p:tgtEl>
-                                          <p:spTgt spid="16"/>
-                                        </p:tgtEl>
-                                        <p:attrNameLst>
-                                          <p:attrName>style.visibility</p:attrName>
-                                        </p:attrNameLst>
-                                      </p:cBhvr>
-                                      <p:to>
-                                        <p:strVal val="visible"/>
-                                      </p:to>
-                                    </p:set>
-                                    <p:animEffect transition="in" filter="randombar(horizontal)">
-                                      <p:cBhvr>
-                                        <p:cTn id="28" dur="500"/>
-                                        <p:tgtEl>
-                                          <p:spTgt spid="16"/>
-                                        </p:tgtEl>
-                                      </p:cBhvr>
-                                    </p:animEffect>
-                                  </p:childTnLst>
-                                </p:cTn>
-                              </p:par>
-                              <p:par>
-                                <p:cTn id="29" presetID="14" presetClass="entr" presetSubtype="10" fill="hold" nodeType="withEffect">
-                                  <p:stCondLst>
-                                    <p:cond delay="0"/>
-                                  </p:stCondLst>
-                                  <p:childTnLst>
-                                    <p:set>
-                                      <p:cBhvr>
-                                        <p:cTn id="30" dur="1" fill="hold">
-                                          <p:stCondLst>
-                                            <p:cond delay="0"/>
-                                          </p:stCondLst>
-                                        </p:cTn>
-                                        <p:tgtEl>
-                                          <p:spTgt spid="7"/>
-                                        </p:tgtEl>
-                                        <p:attrNameLst>
-                                          <p:attrName>style.visibility</p:attrName>
-                                        </p:attrNameLst>
-                                      </p:cBhvr>
-                                      <p:to>
-                                        <p:strVal val="visible"/>
-                                      </p:to>
-                                    </p:set>
-                                    <p:animEffect transition="in" filter="randombar(horizontal)">
-                                      <p:cBhvr>
-                                        <p:cTn id="31" dur="500"/>
-                                        <p:tgtEl>
-                                          <p:spTgt spid="7"/>
-                                        </p:tgtEl>
-                                      </p:cBhvr>
-                                    </p:animEffect>
-                                  </p:childTnLst>
-                                </p:cTn>
-                              </p:par>
-                            </p:childTnLst>
-                          </p:cTn>
-                        </p:par>
-                      </p:childTnLst>
-                    </p:cTn>
-                  </p:par>
-                </p:childTnLst>
-              </p:cTn>
-              <p:prevCondLst>
-                <p:cond evt="onPrev" delay="0">
-                  <p:tgtEl>
-                    <p:sldTgt/>
-                  </p:tgtEl>
-                </p:cond>
-              </p:prevCondLst>
-              <p:nextCondLst>
-                <p:cond evt="onNext" delay="0">
-                  <p:tgtEl>
-                    <p:sldTgt/>
-                  </p:tgtEl>
-                </p:cond>
-              </p:nextCondLst>
-            </p:seq>
-          </p:childTnLst>
-        </p:cTn>
+        <p:cTn id="1" dur="indefinite" restart="never" nodeType="tmRoot"/>
       </p:par>
     </p:tnLst>
-    <p:bldLst>
-      <p:bldP spid="8" grpId="0" animBg="1"/>
-      <p:bldP spid="9" grpId="0" animBg="1"/>
-      <p:bldP spid="16" grpId="0" animBg="1"/>
-    </p:bldLst>
   </p:timing>
 </p:sld>
 </file>
@@ -25128,7 +26069,7 @@
     </a:clrScheme>
     <a:fontScheme name="Facet">
       <a:majorFont>
-        <a:latin typeface="Trebuchet MS" panose="020B0603020202020204"/>
+        <a:latin typeface="Trebuchet MS"/>
         <a:ea typeface=""/>
         <a:cs typeface=""/>
         <a:font script="Jpan" typeface="メイリオ"/>
@@ -25163,7 +26104,7 @@
         <a:font script="Geor" typeface="Sylfaen"/>
       </a:majorFont>
       <a:minorFont>
-        <a:latin typeface="Trebuchet MS" panose="020B0603020202020204"/>
+        <a:latin typeface="Trebuchet MS"/>
         <a:ea typeface=""/>
         <a:cs typeface=""/>
         <a:font script="Jpan" typeface="メイリオ"/>
@@ -25336,7 +26277,7 @@
   <a:extraClrSchemeLst/>
   <a:extLst>
     <a:ext uri="{05A4C25C-085E-4340-85A3-A5531E510DB2}">
-      <thm15:themeFamily xmlns:thm15="http://schemas.microsoft.com/office/thememl/2012/main" xmlns="" name="Facet" id="{C0C680CD-088A-49FC-A102-D699147F32B2}" vid="{CFBC31BA-B70F-4F30-BCAA-4F3011E16C4D}"/>
+      <thm15:themeFamily xmlns="" xmlns:thm15="http://schemas.microsoft.com/office/thememl/2012/main" name="Facet" id="{C0C680CD-088A-49FC-A102-D699147F32B2}" vid="{CFBC31BA-B70F-4F30-BCAA-4F3011E16C4D}"/>
     </a:ext>
   </a:extLst>
 </a:theme>

--- a/ smart-buy/Slides/Smart Buy.pptx
+++ b/ smart-buy/Slides/Smart Buy.pptx
@@ -19,16 +19,17 @@
     <p:sldId id="266" r:id="rId13"/>
     <p:sldId id="275" r:id="rId14"/>
     <p:sldId id="276" r:id="rId15"/>
-    <p:sldId id="277" r:id="rId16"/>
-    <p:sldId id="281" r:id="rId17"/>
-    <p:sldId id="278" r:id="rId18"/>
-    <p:sldId id="267" r:id="rId19"/>
-    <p:sldId id="280" r:id="rId20"/>
-    <p:sldId id="279" r:id="rId21"/>
-    <p:sldId id="261" r:id="rId22"/>
-    <p:sldId id="268" r:id="rId23"/>
-    <p:sldId id="270" r:id="rId24"/>
-    <p:sldId id="264" r:id="rId25"/>
+    <p:sldId id="267" r:id="rId16"/>
+    <p:sldId id="278" r:id="rId17"/>
+    <p:sldId id="277" r:id="rId18"/>
+    <p:sldId id="282" r:id="rId19"/>
+    <p:sldId id="283" r:id="rId20"/>
+    <p:sldId id="281" r:id="rId21"/>
+    <p:sldId id="279" r:id="rId22"/>
+    <p:sldId id="261" r:id="rId23"/>
+    <p:sldId id="268" r:id="rId24"/>
+    <p:sldId id="270" r:id="rId25"/>
+    <p:sldId id="264" r:id="rId26"/>
   </p:sldIdLst>
   <p:sldSz cx="12192000" cy="6858000"/>
   <p:notesSz cx="6858000" cy="9144000"/>
@@ -129,7 +130,7 @@
   </p:defaultTextStyle>
   <p:extLst>
     <p:ext uri="{EFAFB233-063F-42B5-8137-9DF3F51BA10A}">
-      <p15:sldGuideLst xmlns="" xmlns:p15="http://schemas.microsoft.com/office/powerpoint/2012/main"/>
+      <p15:sldGuideLst xmlns:p15="http://schemas.microsoft.com/office/powerpoint/2012/main" xmlns=""/>
     </p:ext>
   </p:extLst>
 </p:presentation>
@@ -1638,6 +1639,753 @@
 </file>
 
 <file path=ppt/diagrams/colors3.xml><?xml version="1.0" encoding="utf-8"?>
+<dgm:colorsDef xmlns:dgm="http://schemas.openxmlformats.org/drawingml/2006/diagram" xmlns:a="http://schemas.openxmlformats.org/drawingml/2006/main" uniqueId="urn:microsoft.com/office/officeart/2005/8/colors/accent1_2">
+  <dgm:title val=""/>
+  <dgm:desc val=""/>
+  <dgm:catLst>
+    <dgm:cat type="accent1" pri="11200"/>
+  </dgm:catLst>
+  <dgm:styleLbl name="node0">
+    <dgm:fillClrLst meth="repeat">
+      <a:schemeClr val="accent1"/>
+    </dgm:fillClrLst>
+    <dgm:linClrLst meth="repeat">
+      <a:schemeClr val="lt1"/>
+    </dgm:linClrLst>
+    <dgm:effectClrLst/>
+    <dgm:txLinClrLst/>
+    <dgm:txFillClrLst/>
+    <dgm:txEffectClrLst/>
+  </dgm:styleLbl>
+  <dgm:styleLbl name="alignNode1">
+    <dgm:fillClrLst meth="repeat">
+      <a:schemeClr val="accent1"/>
+    </dgm:fillClrLst>
+    <dgm:linClrLst meth="repeat">
+      <a:schemeClr val="accent1"/>
+    </dgm:linClrLst>
+    <dgm:effectClrLst/>
+    <dgm:txLinClrLst/>
+    <dgm:txFillClrLst/>
+    <dgm:txEffectClrLst/>
+  </dgm:styleLbl>
+  <dgm:styleLbl name="node1">
+    <dgm:fillClrLst meth="repeat">
+      <a:schemeClr val="accent1"/>
+    </dgm:fillClrLst>
+    <dgm:linClrLst meth="repeat">
+      <a:schemeClr val="lt1"/>
+    </dgm:linClrLst>
+    <dgm:effectClrLst/>
+    <dgm:txLinClrLst/>
+    <dgm:txFillClrLst/>
+    <dgm:txEffectClrLst/>
+  </dgm:styleLbl>
+  <dgm:styleLbl name="lnNode1">
+    <dgm:fillClrLst meth="repeat">
+      <a:schemeClr val="accent1"/>
+    </dgm:fillClrLst>
+    <dgm:linClrLst meth="repeat">
+      <a:schemeClr val="lt1"/>
+    </dgm:linClrLst>
+    <dgm:effectClrLst/>
+    <dgm:txLinClrLst/>
+    <dgm:txFillClrLst/>
+    <dgm:txEffectClrLst/>
+  </dgm:styleLbl>
+  <dgm:styleLbl name="vennNode1">
+    <dgm:fillClrLst meth="repeat">
+      <a:schemeClr val="accent1">
+        <a:alpha val="50000"/>
+      </a:schemeClr>
+    </dgm:fillClrLst>
+    <dgm:linClrLst meth="repeat">
+      <a:schemeClr val="lt1"/>
+    </dgm:linClrLst>
+    <dgm:effectClrLst/>
+    <dgm:txLinClrLst/>
+    <dgm:txFillClrLst/>
+    <dgm:txEffectClrLst/>
+  </dgm:styleLbl>
+  <dgm:styleLbl name="node2">
+    <dgm:fillClrLst meth="repeat">
+      <a:schemeClr val="accent1"/>
+    </dgm:fillClrLst>
+    <dgm:linClrLst meth="repeat">
+      <a:schemeClr val="lt1"/>
+    </dgm:linClrLst>
+    <dgm:effectClrLst/>
+    <dgm:txLinClrLst/>
+    <dgm:txFillClrLst/>
+    <dgm:txEffectClrLst/>
+  </dgm:styleLbl>
+  <dgm:styleLbl name="node3">
+    <dgm:fillClrLst meth="repeat">
+      <a:schemeClr val="accent1"/>
+    </dgm:fillClrLst>
+    <dgm:linClrLst meth="repeat">
+      <a:schemeClr val="lt1"/>
+    </dgm:linClrLst>
+    <dgm:effectClrLst/>
+    <dgm:txLinClrLst/>
+    <dgm:txFillClrLst/>
+    <dgm:txEffectClrLst/>
+  </dgm:styleLbl>
+  <dgm:styleLbl name="node4">
+    <dgm:fillClrLst meth="repeat">
+      <a:schemeClr val="accent1"/>
+    </dgm:fillClrLst>
+    <dgm:linClrLst meth="repeat">
+      <a:schemeClr val="lt1"/>
+    </dgm:linClrLst>
+    <dgm:effectClrLst/>
+    <dgm:txLinClrLst/>
+    <dgm:txFillClrLst/>
+    <dgm:txEffectClrLst/>
+  </dgm:styleLbl>
+  <dgm:styleLbl name="fgImgPlace1">
+    <dgm:fillClrLst meth="repeat">
+      <a:schemeClr val="accent1">
+        <a:tint val="50000"/>
+      </a:schemeClr>
+    </dgm:fillClrLst>
+    <dgm:linClrLst meth="repeat">
+      <a:schemeClr val="lt1"/>
+    </dgm:linClrLst>
+    <dgm:effectClrLst/>
+    <dgm:txLinClrLst/>
+    <dgm:txFillClrLst meth="repeat">
+      <a:schemeClr val="lt1"/>
+    </dgm:txFillClrLst>
+    <dgm:txEffectClrLst/>
+  </dgm:styleLbl>
+  <dgm:styleLbl name="alignImgPlace1">
+    <dgm:fillClrLst meth="repeat">
+      <a:schemeClr val="accent1">
+        <a:tint val="50000"/>
+      </a:schemeClr>
+    </dgm:fillClrLst>
+    <dgm:linClrLst meth="repeat">
+      <a:schemeClr val="lt1"/>
+    </dgm:linClrLst>
+    <dgm:effectClrLst/>
+    <dgm:txLinClrLst/>
+    <dgm:txFillClrLst meth="repeat">
+      <a:schemeClr val="lt1"/>
+    </dgm:txFillClrLst>
+    <dgm:txEffectClrLst/>
+  </dgm:styleLbl>
+  <dgm:styleLbl name="bgImgPlace1">
+    <dgm:fillClrLst meth="repeat">
+      <a:schemeClr val="accent1">
+        <a:tint val="50000"/>
+      </a:schemeClr>
+    </dgm:fillClrLst>
+    <dgm:linClrLst meth="repeat">
+      <a:schemeClr val="lt1"/>
+    </dgm:linClrLst>
+    <dgm:effectClrLst/>
+    <dgm:txLinClrLst/>
+    <dgm:txFillClrLst meth="repeat">
+      <a:schemeClr val="lt1"/>
+    </dgm:txFillClrLst>
+    <dgm:txEffectClrLst/>
+  </dgm:styleLbl>
+  <dgm:styleLbl name="sibTrans2D1">
+    <dgm:fillClrLst meth="repeat">
+      <a:schemeClr val="accent1">
+        <a:tint val="60000"/>
+      </a:schemeClr>
+    </dgm:fillClrLst>
+    <dgm:linClrLst meth="repeat">
+      <a:schemeClr val="accent1">
+        <a:tint val="60000"/>
+      </a:schemeClr>
+    </dgm:linClrLst>
+    <dgm:effectClrLst/>
+    <dgm:txLinClrLst/>
+    <dgm:txFillClrLst/>
+    <dgm:txEffectClrLst/>
+  </dgm:styleLbl>
+  <dgm:styleLbl name="fgSibTrans2D1">
+    <dgm:fillClrLst meth="repeat">
+      <a:schemeClr val="accent1">
+        <a:tint val="60000"/>
+      </a:schemeClr>
+    </dgm:fillClrLst>
+    <dgm:linClrLst meth="repeat">
+      <a:schemeClr val="accent1">
+        <a:tint val="60000"/>
+      </a:schemeClr>
+    </dgm:linClrLst>
+    <dgm:effectClrLst/>
+    <dgm:txLinClrLst/>
+    <dgm:txFillClrLst/>
+    <dgm:txEffectClrLst/>
+  </dgm:styleLbl>
+  <dgm:styleLbl name="bgSibTrans2D1">
+    <dgm:fillClrLst meth="repeat">
+      <a:schemeClr val="accent1">
+        <a:tint val="60000"/>
+      </a:schemeClr>
+    </dgm:fillClrLst>
+    <dgm:linClrLst meth="repeat">
+      <a:schemeClr val="accent1">
+        <a:tint val="60000"/>
+      </a:schemeClr>
+    </dgm:linClrLst>
+    <dgm:effectClrLst/>
+    <dgm:txLinClrLst/>
+    <dgm:txFillClrLst/>
+    <dgm:txEffectClrLst/>
+  </dgm:styleLbl>
+  <dgm:styleLbl name="sibTrans1D1">
+    <dgm:fillClrLst meth="repeat">
+      <a:schemeClr val="accent1"/>
+    </dgm:fillClrLst>
+    <dgm:linClrLst meth="repeat">
+      <a:schemeClr val="accent1"/>
+    </dgm:linClrLst>
+    <dgm:effectClrLst/>
+    <dgm:txLinClrLst/>
+    <dgm:txFillClrLst meth="repeat">
+      <a:schemeClr val="tx1"/>
+    </dgm:txFillClrLst>
+    <dgm:txEffectClrLst/>
+  </dgm:styleLbl>
+  <dgm:styleLbl name="callout">
+    <dgm:fillClrLst meth="repeat">
+      <a:schemeClr val="accent1"/>
+    </dgm:fillClrLst>
+    <dgm:linClrLst meth="repeat">
+      <a:schemeClr val="accent1">
+        <a:tint val="50000"/>
+      </a:schemeClr>
+    </dgm:linClrLst>
+    <dgm:effectClrLst/>
+    <dgm:txLinClrLst/>
+    <dgm:txFillClrLst meth="repeat">
+      <a:schemeClr val="tx1"/>
+    </dgm:txFillClrLst>
+    <dgm:txEffectClrLst/>
+  </dgm:styleLbl>
+  <dgm:styleLbl name="asst0">
+    <dgm:fillClrLst meth="repeat">
+      <a:schemeClr val="accent1"/>
+    </dgm:fillClrLst>
+    <dgm:linClrLst meth="repeat">
+      <a:schemeClr val="lt1"/>
+    </dgm:linClrLst>
+    <dgm:effectClrLst/>
+    <dgm:txLinClrLst/>
+    <dgm:txFillClrLst/>
+    <dgm:txEffectClrLst/>
+  </dgm:styleLbl>
+  <dgm:styleLbl name="asst1">
+    <dgm:fillClrLst meth="repeat">
+      <a:schemeClr val="accent1"/>
+    </dgm:fillClrLst>
+    <dgm:linClrLst meth="repeat">
+      <a:schemeClr val="lt1"/>
+    </dgm:linClrLst>
+    <dgm:effectClrLst/>
+    <dgm:txLinClrLst/>
+    <dgm:txFillClrLst/>
+    <dgm:txEffectClrLst/>
+  </dgm:styleLbl>
+  <dgm:styleLbl name="asst2">
+    <dgm:fillClrLst meth="repeat">
+      <a:schemeClr val="accent1"/>
+    </dgm:fillClrLst>
+    <dgm:linClrLst meth="repeat">
+      <a:schemeClr val="lt1"/>
+    </dgm:linClrLst>
+    <dgm:effectClrLst/>
+    <dgm:txLinClrLst/>
+    <dgm:txFillClrLst/>
+    <dgm:txEffectClrLst/>
+  </dgm:styleLbl>
+  <dgm:styleLbl name="asst3">
+    <dgm:fillClrLst meth="repeat">
+      <a:schemeClr val="accent1"/>
+    </dgm:fillClrLst>
+    <dgm:linClrLst meth="repeat">
+      <a:schemeClr val="lt1"/>
+    </dgm:linClrLst>
+    <dgm:effectClrLst/>
+    <dgm:txLinClrLst/>
+    <dgm:txFillClrLst/>
+    <dgm:txEffectClrLst/>
+  </dgm:styleLbl>
+  <dgm:styleLbl name="asst4">
+    <dgm:fillClrLst meth="repeat">
+      <a:schemeClr val="accent1"/>
+    </dgm:fillClrLst>
+    <dgm:linClrLst meth="repeat">
+      <a:schemeClr val="lt1"/>
+    </dgm:linClrLst>
+    <dgm:effectClrLst/>
+    <dgm:txLinClrLst/>
+    <dgm:txFillClrLst/>
+    <dgm:txEffectClrLst/>
+  </dgm:styleLbl>
+  <dgm:styleLbl name="parChTrans2D1">
+    <dgm:fillClrLst meth="repeat">
+      <a:schemeClr val="accent1">
+        <a:tint val="60000"/>
+      </a:schemeClr>
+    </dgm:fillClrLst>
+    <dgm:linClrLst meth="repeat">
+      <a:schemeClr val="accent1">
+        <a:tint val="60000"/>
+      </a:schemeClr>
+    </dgm:linClrLst>
+    <dgm:effectClrLst/>
+    <dgm:txLinClrLst/>
+    <dgm:txFillClrLst meth="repeat">
+      <a:schemeClr val="lt1"/>
+    </dgm:txFillClrLst>
+    <dgm:txEffectClrLst/>
+  </dgm:styleLbl>
+  <dgm:styleLbl name="parChTrans2D2">
+    <dgm:fillClrLst meth="repeat">
+      <a:schemeClr val="accent1"/>
+    </dgm:fillClrLst>
+    <dgm:linClrLst meth="repeat">
+      <a:schemeClr val="accent1"/>
+    </dgm:linClrLst>
+    <dgm:effectClrLst/>
+    <dgm:txLinClrLst/>
+    <dgm:txFillClrLst meth="repeat">
+      <a:schemeClr val="lt1"/>
+    </dgm:txFillClrLst>
+    <dgm:txEffectClrLst/>
+  </dgm:styleLbl>
+  <dgm:styleLbl name="parChTrans2D3">
+    <dgm:fillClrLst meth="repeat">
+      <a:schemeClr val="accent1"/>
+    </dgm:fillClrLst>
+    <dgm:linClrLst meth="repeat">
+      <a:schemeClr val="accent1"/>
+    </dgm:linClrLst>
+    <dgm:effectClrLst/>
+    <dgm:txLinClrLst/>
+    <dgm:txFillClrLst meth="repeat">
+      <a:schemeClr val="lt1"/>
+    </dgm:txFillClrLst>
+    <dgm:txEffectClrLst/>
+  </dgm:styleLbl>
+  <dgm:styleLbl name="parChTrans2D4">
+    <dgm:fillClrLst meth="repeat">
+      <a:schemeClr val="accent1"/>
+    </dgm:fillClrLst>
+    <dgm:linClrLst meth="repeat">
+      <a:schemeClr val="accent1"/>
+    </dgm:linClrLst>
+    <dgm:effectClrLst/>
+    <dgm:txLinClrLst/>
+    <dgm:txFillClrLst meth="repeat">
+      <a:schemeClr val="lt1"/>
+    </dgm:txFillClrLst>
+    <dgm:txEffectClrLst/>
+  </dgm:styleLbl>
+  <dgm:styleLbl name="parChTrans1D1">
+    <dgm:fillClrLst meth="repeat">
+      <a:schemeClr val="accent1"/>
+    </dgm:fillClrLst>
+    <dgm:linClrLst meth="repeat">
+      <a:schemeClr val="accent1">
+        <a:shade val="60000"/>
+      </a:schemeClr>
+    </dgm:linClrLst>
+    <dgm:effectClrLst/>
+    <dgm:txLinClrLst/>
+    <dgm:txFillClrLst meth="repeat">
+      <a:schemeClr val="tx1"/>
+    </dgm:txFillClrLst>
+    <dgm:txEffectClrLst/>
+  </dgm:styleLbl>
+  <dgm:styleLbl name="parChTrans1D2">
+    <dgm:fillClrLst meth="repeat">
+      <a:schemeClr val="accent1"/>
+    </dgm:fillClrLst>
+    <dgm:linClrLst meth="repeat">
+      <a:schemeClr val="accent1">
+        <a:shade val="60000"/>
+      </a:schemeClr>
+    </dgm:linClrLst>
+    <dgm:effectClrLst/>
+    <dgm:txLinClrLst/>
+    <dgm:txFillClrLst meth="repeat">
+      <a:schemeClr val="tx1"/>
+    </dgm:txFillClrLst>
+    <dgm:txEffectClrLst/>
+  </dgm:styleLbl>
+  <dgm:styleLbl name="parChTrans1D3">
+    <dgm:fillClrLst meth="repeat">
+      <a:schemeClr val="accent1"/>
+    </dgm:fillClrLst>
+    <dgm:linClrLst meth="repeat">
+      <a:schemeClr val="accent1">
+        <a:shade val="80000"/>
+      </a:schemeClr>
+    </dgm:linClrLst>
+    <dgm:effectClrLst/>
+    <dgm:txLinClrLst/>
+    <dgm:txFillClrLst meth="repeat">
+      <a:schemeClr val="tx1"/>
+    </dgm:txFillClrLst>
+    <dgm:txEffectClrLst/>
+  </dgm:styleLbl>
+  <dgm:styleLbl name="parChTrans1D4">
+    <dgm:fillClrLst meth="repeat">
+      <a:schemeClr val="accent1"/>
+    </dgm:fillClrLst>
+    <dgm:linClrLst meth="repeat">
+      <a:schemeClr val="accent1">
+        <a:shade val="80000"/>
+      </a:schemeClr>
+    </dgm:linClrLst>
+    <dgm:effectClrLst/>
+    <dgm:txLinClrLst/>
+    <dgm:txFillClrLst meth="repeat">
+      <a:schemeClr val="tx1"/>
+    </dgm:txFillClrLst>
+    <dgm:txEffectClrLst/>
+  </dgm:styleLbl>
+  <dgm:styleLbl name="fgAcc1">
+    <dgm:fillClrLst meth="repeat">
+      <a:schemeClr val="lt1">
+        <a:alpha val="90000"/>
+      </a:schemeClr>
+    </dgm:fillClrLst>
+    <dgm:linClrLst meth="repeat">
+      <a:schemeClr val="accent1"/>
+    </dgm:linClrLst>
+    <dgm:effectClrLst/>
+    <dgm:txLinClrLst/>
+    <dgm:txFillClrLst meth="repeat">
+      <a:schemeClr val="dk1"/>
+    </dgm:txFillClrLst>
+    <dgm:txEffectClrLst/>
+  </dgm:styleLbl>
+  <dgm:styleLbl name="conFgAcc1">
+    <dgm:fillClrLst meth="repeat">
+      <a:schemeClr val="lt1">
+        <a:alpha val="90000"/>
+      </a:schemeClr>
+    </dgm:fillClrLst>
+    <dgm:linClrLst meth="repeat">
+      <a:schemeClr val="accent1"/>
+    </dgm:linClrLst>
+    <dgm:effectClrLst/>
+    <dgm:txLinClrLst/>
+    <dgm:txFillClrLst meth="repeat">
+      <a:schemeClr val="dk1"/>
+    </dgm:txFillClrLst>
+    <dgm:txEffectClrLst/>
+  </dgm:styleLbl>
+  <dgm:styleLbl name="alignAcc1">
+    <dgm:fillClrLst meth="repeat">
+      <a:schemeClr val="lt1">
+        <a:alpha val="90000"/>
+      </a:schemeClr>
+    </dgm:fillClrLst>
+    <dgm:linClrLst meth="repeat">
+      <a:schemeClr val="accent1"/>
+    </dgm:linClrLst>
+    <dgm:effectClrLst/>
+    <dgm:txLinClrLst/>
+    <dgm:txFillClrLst meth="repeat">
+      <a:schemeClr val="dk1"/>
+    </dgm:txFillClrLst>
+    <dgm:txEffectClrLst/>
+  </dgm:styleLbl>
+  <dgm:styleLbl name="trAlignAcc1">
+    <dgm:fillClrLst meth="repeat">
+      <a:schemeClr val="lt1">
+        <a:alpha val="40000"/>
+      </a:schemeClr>
+    </dgm:fillClrLst>
+    <dgm:linClrLst meth="repeat">
+      <a:schemeClr val="accent1"/>
+    </dgm:linClrLst>
+    <dgm:effectClrLst/>
+    <dgm:txLinClrLst/>
+    <dgm:txFillClrLst meth="repeat">
+      <a:schemeClr val="dk1"/>
+    </dgm:txFillClrLst>
+    <dgm:txEffectClrLst/>
+  </dgm:styleLbl>
+  <dgm:styleLbl name="bgAcc1">
+    <dgm:fillClrLst meth="repeat">
+      <a:schemeClr val="lt1">
+        <a:alpha val="90000"/>
+      </a:schemeClr>
+    </dgm:fillClrLst>
+    <dgm:linClrLst meth="repeat">
+      <a:schemeClr val="accent1"/>
+    </dgm:linClrLst>
+    <dgm:effectClrLst/>
+    <dgm:txLinClrLst/>
+    <dgm:txFillClrLst meth="repeat">
+      <a:schemeClr val="dk1"/>
+    </dgm:txFillClrLst>
+    <dgm:txEffectClrLst/>
+  </dgm:styleLbl>
+  <dgm:styleLbl name="solidFgAcc1">
+    <dgm:fillClrLst meth="repeat">
+      <a:schemeClr val="lt1"/>
+    </dgm:fillClrLst>
+    <dgm:linClrLst meth="repeat">
+      <a:schemeClr val="accent1"/>
+    </dgm:linClrLst>
+    <dgm:effectClrLst/>
+    <dgm:txLinClrLst/>
+    <dgm:txFillClrLst meth="repeat">
+      <a:schemeClr val="dk1"/>
+    </dgm:txFillClrLst>
+    <dgm:txEffectClrLst/>
+  </dgm:styleLbl>
+  <dgm:styleLbl name="solidAlignAcc1">
+    <dgm:fillClrLst meth="repeat">
+      <a:schemeClr val="lt1"/>
+    </dgm:fillClrLst>
+    <dgm:linClrLst meth="repeat">
+      <a:schemeClr val="accent1"/>
+    </dgm:linClrLst>
+    <dgm:effectClrLst/>
+    <dgm:txLinClrLst/>
+    <dgm:txFillClrLst meth="repeat">
+      <a:schemeClr val="dk1"/>
+    </dgm:txFillClrLst>
+    <dgm:txEffectClrLst/>
+  </dgm:styleLbl>
+  <dgm:styleLbl name="solidBgAcc1">
+    <dgm:fillClrLst meth="repeat">
+      <a:schemeClr val="lt1"/>
+    </dgm:fillClrLst>
+    <dgm:linClrLst meth="repeat">
+      <a:schemeClr val="accent1"/>
+    </dgm:linClrLst>
+    <dgm:effectClrLst/>
+    <dgm:txLinClrLst/>
+    <dgm:txFillClrLst meth="repeat">
+      <a:schemeClr val="dk1"/>
+    </dgm:txFillClrLst>
+    <dgm:txEffectClrLst/>
+  </dgm:styleLbl>
+  <dgm:styleLbl name="fgAccFollowNode1">
+    <dgm:fillClrLst meth="repeat">
+      <a:schemeClr val="accent1">
+        <a:alpha val="90000"/>
+        <a:tint val="40000"/>
+      </a:schemeClr>
+    </dgm:fillClrLst>
+    <dgm:linClrLst meth="repeat">
+      <a:schemeClr val="accent1">
+        <a:alpha val="90000"/>
+        <a:tint val="40000"/>
+      </a:schemeClr>
+    </dgm:linClrLst>
+    <dgm:effectClrLst/>
+    <dgm:txLinClrLst/>
+    <dgm:txFillClrLst meth="repeat">
+      <a:schemeClr val="dk1"/>
+    </dgm:txFillClrLst>
+    <dgm:txEffectClrLst/>
+  </dgm:styleLbl>
+  <dgm:styleLbl name="alignAccFollowNode1">
+    <dgm:fillClrLst meth="repeat">
+      <a:schemeClr val="accent1">
+        <a:alpha val="90000"/>
+        <a:tint val="40000"/>
+      </a:schemeClr>
+    </dgm:fillClrLst>
+    <dgm:linClrLst meth="repeat">
+      <a:schemeClr val="accent1">
+        <a:alpha val="90000"/>
+        <a:tint val="40000"/>
+      </a:schemeClr>
+    </dgm:linClrLst>
+    <dgm:effectClrLst/>
+    <dgm:txLinClrLst/>
+    <dgm:txFillClrLst meth="repeat">
+      <a:schemeClr val="dk1"/>
+    </dgm:txFillClrLst>
+    <dgm:txEffectClrLst/>
+  </dgm:styleLbl>
+  <dgm:styleLbl name="bgAccFollowNode1">
+    <dgm:fillClrLst meth="repeat">
+      <a:schemeClr val="accent1">
+        <a:alpha val="90000"/>
+        <a:tint val="40000"/>
+      </a:schemeClr>
+    </dgm:fillClrLst>
+    <dgm:linClrLst meth="repeat">
+      <a:schemeClr val="accent1">
+        <a:alpha val="90000"/>
+        <a:tint val="40000"/>
+      </a:schemeClr>
+    </dgm:linClrLst>
+    <dgm:effectClrLst/>
+    <dgm:txLinClrLst/>
+    <dgm:txFillClrLst meth="repeat">
+      <a:schemeClr val="dk1"/>
+    </dgm:txFillClrLst>
+    <dgm:txEffectClrLst/>
+  </dgm:styleLbl>
+  <dgm:styleLbl name="fgAcc0">
+    <dgm:fillClrLst meth="repeat">
+      <a:schemeClr val="lt1">
+        <a:alpha val="90000"/>
+      </a:schemeClr>
+    </dgm:fillClrLst>
+    <dgm:linClrLst meth="repeat">
+      <a:schemeClr val="accent1"/>
+    </dgm:linClrLst>
+    <dgm:effectClrLst/>
+    <dgm:txLinClrLst/>
+    <dgm:txFillClrLst meth="repeat">
+      <a:schemeClr val="dk1"/>
+    </dgm:txFillClrLst>
+    <dgm:txEffectClrLst/>
+  </dgm:styleLbl>
+  <dgm:styleLbl name="fgAcc2">
+    <dgm:fillClrLst meth="repeat">
+      <a:schemeClr val="lt1">
+        <a:alpha val="90000"/>
+      </a:schemeClr>
+    </dgm:fillClrLst>
+    <dgm:linClrLst meth="repeat">
+      <a:schemeClr val="accent1"/>
+    </dgm:linClrLst>
+    <dgm:effectClrLst/>
+    <dgm:txLinClrLst/>
+    <dgm:txFillClrLst meth="repeat">
+      <a:schemeClr val="dk1"/>
+    </dgm:txFillClrLst>
+    <dgm:txEffectClrLst/>
+  </dgm:styleLbl>
+  <dgm:styleLbl name="fgAcc3">
+    <dgm:fillClrLst meth="repeat">
+      <a:schemeClr val="lt1">
+        <a:alpha val="90000"/>
+      </a:schemeClr>
+    </dgm:fillClrLst>
+    <dgm:linClrLst meth="repeat">
+      <a:schemeClr val="accent1"/>
+    </dgm:linClrLst>
+    <dgm:effectClrLst/>
+    <dgm:txLinClrLst/>
+    <dgm:txFillClrLst meth="repeat">
+      <a:schemeClr val="dk1"/>
+    </dgm:txFillClrLst>
+    <dgm:txEffectClrLst/>
+  </dgm:styleLbl>
+  <dgm:styleLbl name="fgAcc4">
+    <dgm:fillClrLst meth="repeat">
+      <a:schemeClr val="lt1">
+        <a:alpha val="90000"/>
+      </a:schemeClr>
+    </dgm:fillClrLst>
+    <dgm:linClrLst meth="repeat">
+      <a:schemeClr val="accent1"/>
+    </dgm:linClrLst>
+    <dgm:effectClrLst/>
+    <dgm:txLinClrLst/>
+    <dgm:txFillClrLst meth="repeat">
+      <a:schemeClr val="dk1"/>
+    </dgm:txFillClrLst>
+    <dgm:txEffectClrLst/>
+  </dgm:styleLbl>
+  <dgm:styleLbl name="bgShp">
+    <dgm:fillClrLst meth="repeat">
+      <a:schemeClr val="accent1">
+        <a:tint val="40000"/>
+      </a:schemeClr>
+    </dgm:fillClrLst>
+    <dgm:linClrLst meth="repeat">
+      <a:schemeClr val="accent1"/>
+    </dgm:linClrLst>
+    <dgm:effectClrLst/>
+    <dgm:txLinClrLst/>
+    <dgm:txFillClrLst meth="repeat">
+      <a:schemeClr val="dk1"/>
+    </dgm:txFillClrLst>
+    <dgm:txEffectClrLst/>
+  </dgm:styleLbl>
+  <dgm:styleLbl name="dkBgShp">
+    <dgm:fillClrLst meth="repeat">
+      <a:schemeClr val="accent1">
+        <a:shade val="80000"/>
+      </a:schemeClr>
+    </dgm:fillClrLst>
+    <dgm:linClrLst meth="repeat">
+      <a:schemeClr val="accent1"/>
+    </dgm:linClrLst>
+    <dgm:effectClrLst/>
+    <dgm:txLinClrLst/>
+    <dgm:txFillClrLst meth="repeat">
+      <a:schemeClr val="lt1"/>
+    </dgm:txFillClrLst>
+    <dgm:txEffectClrLst/>
+  </dgm:styleLbl>
+  <dgm:styleLbl name="trBgShp">
+    <dgm:fillClrLst meth="repeat">
+      <a:schemeClr val="accent1">
+        <a:tint val="50000"/>
+        <a:alpha val="40000"/>
+      </a:schemeClr>
+    </dgm:fillClrLst>
+    <dgm:linClrLst meth="repeat">
+      <a:schemeClr val="accent1"/>
+    </dgm:linClrLst>
+    <dgm:effectClrLst/>
+    <dgm:txLinClrLst/>
+    <dgm:txFillClrLst meth="repeat">
+      <a:schemeClr val="lt1"/>
+    </dgm:txFillClrLst>
+    <dgm:txEffectClrLst/>
+  </dgm:styleLbl>
+  <dgm:styleLbl name="fgShp">
+    <dgm:fillClrLst meth="repeat">
+      <a:schemeClr val="accent1">
+        <a:tint val="60000"/>
+      </a:schemeClr>
+    </dgm:fillClrLst>
+    <dgm:linClrLst meth="repeat">
+      <a:schemeClr val="lt1"/>
+    </dgm:linClrLst>
+    <dgm:effectClrLst/>
+    <dgm:txLinClrLst/>
+    <dgm:txFillClrLst meth="repeat">
+      <a:schemeClr val="dk1"/>
+    </dgm:txFillClrLst>
+    <dgm:txEffectClrLst/>
+  </dgm:styleLbl>
+  <dgm:styleLbl name="revTx">
+    <dgm:fillClrLst meth="repeat">
+      <a:schemeClr val="lt1">
+        <a:alpha val="0"/>
+      </a:schemeClr>
+    </dgm:fillClrLst>
+    <dgm:linClrLst meth="repeat">
+      <a:schemeClr val="dk1">
+        <a:alpha val="0"/>
+      </a:schemeClr>
+    </dgm:linClrLst>
+    <dgm:effectClrLst/>
+    <dgm:txLinClrLst/>
+    <dgm:txFillClrLst meth="repeat">
+      <a:schemeClr val="tx1"/>
+    </dgm:txFillClrLst>
+    <dgm:txEffectClrLst/>
+  </dgm:styleLbl>
+</dgm:colorsDef>
+</file>
+
+<file path=ppt/diagrams/colors4.xml><?xml version="1.0" encoding="utf-8"?>
 <dgm:colorsDef xmlns:dgm="http://schemas.openxmlformats.org/drawingml/2006/diagram" xmlns:a="http://schemas.openxmlformats.org/drawingml/2006/main" uniqueId="urn:microsoft.com/office/officeart/2005/8/colors/colorful1">
   <dgm:title val=""/>
   <dgm:desc val=""/>
@@ -2556,7 +3304,7 @@
 </dgm:colorsDef>
 </file>
 
-<file path=ppt/diagrams/colors4.xml><?xml version="1.0" encoding="utf-8"?>
+<file path=ppt/diagrams/colors5.xml><?xml version="1.0" encoding="utf-8"?>
 <dgm:colorsDef xmlns:dgm="http://schemas.openxmlformats.org/drawingml/2006/diagram" xmlns:a="http://schemas.openxmlformats.org/drawingml/2006/main" uniqueId="urn:microsoft.com/office/officeart/2005/8/colors/accent1_2">
   <dgm:title val=""/>
   <dgm:desc val=""/>
@@ -4417,6 +5165,304 @@
 <file path=ppt/diagrams/data3.xml><?xml version="1.0" encoding="utf-8"?>
 <dgm:dataModel xmlns:dgm="http://schemas.openxmlformats.org/drawingml/2006/diagram" xmlns:a="http://schemas.openxmlformats.org/drawingml/2006/main">
   <dgm:ptLst>
+    <dgm:pt modelId="{E954D45C-BFAC-45E5-AD2A-1CF0507E21E8}" type="doc">
+      <dgm:prSet loTypeId="urn:microsoft.com/office/officeart/2005/8/layout/hProcess10" loCatId="process" qsTypeId="urn:microsoft.com/office/officeart/2005/8/quickstyle/simple1" qsCatId="simple" csTypeId="urn:microsoft.com/office/officeart/2005/8/colors/accent1_2" csCatId="accent1" phldr="1"/>
+      <dgm:spPr/>
+      <dgm:t>
+        <a:bodyPr/>
+        <a:lstStyle/>
+        <a:p>
+          <a:endParaRPr lang="en-GB"/>
+        </a:p>
+      </dgm:t>
+    </dgm:pt>
+    <dgm:pt modelId="{7D8D5BFA-1CB1-45D7-98B0-D383872E7D2B}">
+      <dgm:prSet phldrT="[Text]"/>
+      <dgm:spPr/>
+      <dgm:t>
+        <a:bodyPr/>
+        <a:lstStyle/>
+        <a:p>
+          <a:r>
+            <a:rPr lang="en-US" dirty="0" smtClean="0"/>
+            <a:t>Collect data</a:t>
+          </a:r>
+          <a:endParaRPr lang="en-GB" dirty="0"/>
+        </a:p>
+      </dgm:t>
+    </dgm:pt>
+    <dgm:pt modelId="{B9114965-3B0B-4BB7-9FD9-DB438DC4CB03}" type="parTrans" cxnId="{DC411FED-DBBB-49BF-A913-710372885067}">
+      <dgm:prSet/>
+      <dgm:spPr/>
+      <dgm:t>
+        <a:bodyPr/>
+        <a:lstStyle/>
+        <a:p>
+          <a:endParaRPr lang="en-GB"/>
+        </a:p>
+      </dgm:t>
+    </dgm:pt>
+    <dgm:pt modelId="{12FBE855-85D8-40A0-8B00-0CC7B06D6929}" type="sibTrans" cxnId="{DC411FED-DBBB-49BF-A913-710372885067}">
+      <dgm:prSet/>
+      <dgm:spPr/>
+      <dgm:t>
+        <a:bodyPr/>
+        <a:lstStyle/>
+        <a:p>
+          <a:endParaRPr lang="en-GB"/>
+        </a:p>
+      </dgm:t>
+    </dgm:pt>
+    <dgm:pt modelId="{F0420458-9C91-45A5-855D-858C35132CE3}">
+      <dgm:prSet phldrT="[Text]"/>
+      <dgm:spPr/>
+      <dgm:t>
+        <a:bodyPr/>
+        <a:lstStyle/>
+        <a:p>
+          <a:r>
+            <a:rPr lang="en-US" dirty="0" smtClean="0"/>
+            <a:t>Build structure</a:t>
+          </a:r>
+          <a:endParaRPr lang="en-GB" dirty="0"/>
+        </a:p>
+      </dgm:t>
+    </dgm:pt>
+    <dgm:pt modelId="{A83F1D0E-9FA2-433E-A271-B6CBA2FB9AF8}" type="parTrans" cxnId="{82E9F778-89E6-4410-A26E-1B51FAB2FC65}">
+      <dgm:prSet/>
+      <dgm:spPr/>
+      <dgm:t>
+        <a:bodyPr/>
+        <a:lstStyle/>
+        <a:p>
+          <a:endParaRPr lang="en-GB"/>
+        </a:p>
+      </dgm:t>
+    </dgm:pt>
+    <dgm:pt modelId="{5DA2A5C7-CF8E-4E64-8B00-CB66161199F2}" type="sibTrans" cxnId="{82E9F778-89E6-4410-A26E-1B51FAB2FC65}">
+      <dgm:prSet/>
+      <dgm:spPr/>
+      <dgm:t>
+        <a:bodyPr/>
+        <a:lstStyle/>
+        <a:p>
+          <a:endParaRPr lang="en-GB"/>
+        </a:p>
+      </dgm:t>
+    </dgm:pt>
+    <dgm:pt modelId="{2BEB8688-5594-4A03-BE50-D1FF7D21CD62}">
+      <dgm:prSet phldrT="[Text]"/>
+      <dgm:spPr/>
+      <dgm:t>
+        <a:bodyPr/>
+        <a:lstStyle/>
+        <a:p>
+          <a:r>
+            <a:rPr lang="en-US" dirty="0" smtClean="0"/>
+            <a:t>Public to end user</a:t>
+          </a:r>
+          <a:endParaRPr lang="en-GB" dirty="0"/>
+        </a:p>
+      </dgm:t>
+    </dgm:pt>
+    <dgm:pt modelId="{7EC34235-5E28-4D03-B53F-052966CF8CCE}" type="parTrans" cxnId="{DEEE4162-1078-4345-BD37-66B73D77B252}">
+      <dgm:prSet/>
+      <dgm:spPr/>
+      <dgm:t>
+        <a:bodyPr/>
+        <a:lstStyle/>
+        <a:p>
+          <a:endParaRPr lang="en-GB"/>
+        </a:p>
+      </dgm:t>
+    </dgm:pt>
+    <dgm:pt modelId="{4BD9ACC0-71FD-4EFE-A971-1DBE90752A04}" type="sibTrans" cxnId="{DEEE4162-1078-4345-BD37-66B73D77B252}">
+      <dgm:prSet/>
+      <dgm:spPr/>
+      <dgm:t>
+        <a:bodyPr/>
+        <a:lstStyle/>
+        <a:p>
+          <a:endParaRPr lang="en-GB"/>
+        </a:p>
+      </dgm:t>
+    </dgm:pt>
+    <dgm:pt modelId="{D5CC9D54-DCD1-4132-90EF-7BCC563A5F7D}" type="pres">
+      <dgm:prSet presAssocID="{E954D45C-BFAC-45E5-AD2A-1CF0507E21E8}" presName="Name0" presStyleCnt="0">
+        <dgm:presLayoutVars>
+          <dgm:dir/>
+          <dgm:resizeHandles val="exact"/>
+        </dgm:presLayoutVars>
+      </dgm:prSet>
+      <dgm:spPr/>
+    </dgm:pt>
+    <dgm:pt modelId="{54299FCB-FCA7-4B04-83F7-F009EE7F6E48}" type="pres">
+      <dgm:prSet presAssocID="{7D8D5BFA-1CB1-45D7-98B0-D383872E7D2B}" presName="composite" presStyleCnt="0"/>
+      <dgm:spPr/>
+    </dgm:pt>
+    <dgm:pt modelId="{13A32406-3E38-4FE5-AC82-5B375F270D7B}" type="pres">
+      <dgm:prSet presAssocID="{7D8D5BFA-1CB1-45D7-98B0-D383872E7D2B}" presName="imagSh" presStyleLbl="bgImgPlace1" presStyleIdx="0" presStyleCnt="3"/>
+      <dgm:spPr>
+        <a:blipFill>
+          <a:blip xmlns:r="http://schemas.openxmlformats.org/officeDocument/2006/relationships" r:embed="rId1">
+            <a:extLst>
+              <a:ext uri="{28A0092B-C50C-407E-A947-70E740481C1C}">
+                <a14:useLocalDpi xmlns:a14="http://schemas.microsoft.com/office/drawing/2010/main" val="0"/>
+              </a:ext>
+            </a:extLst>
+          </a:blip>
+          <a:srcRect/>
+          <a:stretch>
+            <a:fillRect l="-13000" r="-13000"/>
+          </a:stretch>
+        </a:blipFill>
+      </dgm:spPr>
+    </dgm:pt>
+    <dgm:pt modelId="{2D6711A0-775D-4EF7-ADE9-52C1DBCAC128}" type="pres">
+      <dgm:prSet presAssocID="{7D8D5BFA-1CB1-45D7-98B0-D383872E7D2B}" presName="txNode" presStyleLbl="node1" presStyleIdx="0" presStyleCnt="3" custLinFactNeighborX="-17582" custLinFactNeighborY="35840">
+        <dgm:presLayoutVars>
+          <dgm:bulletEnabled val="1"/>
+        </dgm:presLayoutVars>
+      </dgm:prSet>
+      <dgm:spPr/>
+      <dgm:t>
+        <a:bodyPr/>
+        <a:lstStyle/>
+        <a:p>
+          <a:endParaRPr lang="en-GB"/>
+        </a:p>
+      </dgm:t>
+    </dgm:pt>
+    <dgm:pt modelId="{D0BF7A67-8420-4D4D-8BE3-5D6439E20DDB}" type="pres">
+      <dgm:prSet presAssocID="{12FBE855-85D8-40A0-8B00-0CC7B06D6929}" presName="sibTrans" presStyleLbl="sibTrans2D1" presStyleIdx="0" presStyleCnt="2"/>
+      <dgm:spPr/>
+    </dgm:pt>
+    <dgm:pt modelId="{CF5F9BE5-234E-44DB-8A8D-FAE4BD4CF1F9}" type="pres">
+      <dgm:prSet presAssocID="{12FBE855-85D8-40A0-8B00-0CC7B06D6929}" presName="connTx" presStyleLbl="sibTrans2D1" presStyleIdx="0" presStyleCnt="2"/>
+      <dgm:spPr/>
+    </dgm:pt>
+    <dgm:pt modelId="{56B006A5-CC1F-4428-8E48-5CD8A21473A9}" type="pres">
+      <dgm:prSet presAssocID="{F0420458-9C91-45A5-855D-858C35132CE3}" presName="composite" presStyleCnt="0"/>
+      <dgm:spPr/>
+    </dgm:pt>
+    <dgm:pt modelId="{BB91645B-F2AF-490E-83D8-AA69E8F22538}" type="pres">
+      <dgm:prSet presAssocID="{F0420458-9C91-45A5-855D-858C35132CE3}" presName="imagSh" presStyleLbl="bgImgPlace1" presStyleIdx="1" presStyleCnt="3"/>
+      <dgm:spPr>
+        <a:blipFill>
+          <a:blip xmlns:r="http://schemas.openxmlformats.org/officeDocument/2006/relationships" r:embed="rId2">
+            <a:extLst>
+              <a:ext uri="{28A0092B-C50C-407E-A947-70E740481C1C}">
+                <a14:useLocalDpi xmlns:a14="http://schemas.microsoft.com/office/drawing/2010/main" val="0"/>
+              </a:ext>
+            </a:extLst>
+          </a:blip>
+          <a:srcRect/>
+          <a:stretch>
+            <a:fillRect l="-17000" r="-17000"/>
+          </a:stretch>
+        </a:blipFill>
+      </dgm:spPr>
+    </dgm:pt>
+    <dgm:pt modelId="{E65AE26C-C7C3-47F3-B3E8-7DF6636223EB}" type="pres">
+      <dgm:prSet presAssocID="{F0420458-9C91-45A5-855D-858C35132CE3}" presName="txNode" presStyleLbl="node1" presStyleIdx="1" presStyleCnt="3" custLinFactNeighborX="-14877" custLinFactNeighborY="35162">
+        <dgm:presLayoutVars>
+          <dgm:bulletEnabled val="1"/>
+        </dgm:presLayoutVars>
+      </dgm:prSet>
+      <dgm:spPr/>
+      <dgm:t>
+        <a:bodyPr/>
+        <a:lstStyle/>
+        <a:p>
+          <a:endParaRPr lang="en-GB"/>
+        </a:p>
+      </dgm:t>
+    </dgm:pt>
+    <dgm:pt modelId="{D502E3EC-61B5-4BD1-8CD0-CD98ACA241A7}" type="pres">
+      <dgm:prSet presAssocID="{5DA2A5C7-CF8E-4E64-8B00-CB66161199F2}" presName="sibTrans" presStyleLbl="sibTrans2D1" presStyleIdx="1" presStyleCnt="2"/>
+      <dgm:spPr/>
+    </dgm:pt>
+    <dgm:pt modelId="{FBAC9E5F-3566-4C89-A98C-DC716EF5F2ED}" type="pres">
+      <dgm:prSet presAssocID="{5DA2A5C7-CF8E-4E64-8B00-CB66161199F2}" presName="connTx" presStyleLbl="sibTrans2D1" presStyleIdx="1" presStyleCnt="2"/>
+      <dgm:spPr/>
+    </dgm:pt>
+    <dgm:pt modelId="{A532881D-B094-4E7A-BF6E-2772B5CEDBCF}" type="pres">
+      <dgm:prSet presAssocID="{2BEB8688-5594-4A03-BE50-D1FF7D21CD62}" presName="composite" presStyleCnt="0"/>
+      <dgm:spPr/>
+    </dgm:pt>
+    <dgm:pt modelId="{F617E2D9-F114-4D20-84E2-44F3833F28F3}" type="pres">
+      <dgm:prSet presAssocID="{2BEB8688-5594-4A03-BE50-D1FF7D21CD62}" presName="imagSh" presStyleLbl="bgImgPlace1" presStyleIdx="2" presStyleCnt="3"/>
+      <dgm:spPr>
+        <a:blipFill>
+          <a:blip xmlns:r="http://schemas.openxmlformats.org/officeDocument/2006/relationships" r:embed="rId3">
+            <a:extLst>
+              <a:ext uri="{28A0092B-C50C-407E-A947-70E740481C1C}">
+                <a14:useLocalDpi xmlns:a14="http://schemas.microsoft.com/office/drawing/2010/main" val="0"/>
+              </a:ext>
+            </a:extLst>
+          </a:blip>
+          <a:srcRect/>
+          <a:stretch>
+            <a:fillRect/>
+          </a:stretch>
+        </a:blipFill>
+      </dgm:spPr>
+    </dgm:pt>
+    <dgm:pt modelId="{710611F9-6C1A-4787-A7CF-DB4A30C258E0}" type="pres">
+      <dgm:prSet presAssocID="{2BEB8688-5594-4A03-BE50-D1FF7D21CD62}" presName="txNode" presStyleLbl="node1" presStyleIdx="2" presStyleCnt="3" custLinFactNeighborX="-11496" custLinFactNeighborY="35163">
+        <dgm:presLayoutVars>
+          <dgm:bulletEnabled val="1"/>
+        </dgm:presLayoutVars>
+      </dgm:prSet>
+      <dgm:spPr/>
+      <dgm:t>
+        <a:bodyPr/>
+        <a:lstStyle/>
+        <a:p>
+          <a:endParaRPr lang="en-GB"/>
+        </a:p>
+      </dgm:t>
+    </dgm:pt>
+  </dgm:ptLst>
+  <dgm:cxnLst>
+    <dgm:cxn modelId="{82E9F778-89E6-4410-A26E-1B51FAB2FC65}" srcId="{E954D45C-BFAC-45E5-AD2A-1CF0507E21E8}" destId="{F0420458-9C91-45A5-855D-858C35132CE3}" srcOrd="1" destOrd="0" parTransId="{A83F1D0E-9FA2-433E-A271-B6CBA2FB9AF8}" sibTransId="{5DA2A5C7-CF8E-4E64-8B00-CB66161199F2}"/>
+    <dgm:cxn modelId="{DC411FED-DBBB-49BF-A913-710372885067}" srcId="{E954D45C-BFAC-45E5-AD2A-1CF0507E21E8}" destId="{7D8D5BFA-1CB1-45D7-98B0-D383872E7D2B}" srcOrd="0" destOrd="0" parTransId="{B9114965-3B0B-4BB7-9FD9-DB438DC4CB03}" sibTransId="{12FBE855-85D8-40A0-8B00-0CC7B06D6929}"/>
+    <dgm:cxn modelId="{90668E00-F8CE-4763-AFEC-A19FDAB2725B}" type="presOf" srcId="{F0420458-9C91-45A5-855D-858C35132CE3}" destId="{E65AE26C-C7C3-47F3-B3E8-7DF6636223EB}" srcOrd="0" destOrd="0" presId="urn:microsoft.com/office/officeart/2005/8/layout/hProcess10"/>
+    <dgm:cxn modelId="{DEEE4162-1078-4345-BD37-66B73D77B252}" srcId="{E954D45C-BFAC-45E5-AD2A-1CF0507E21E8}" destId="{2BEB8688-5594-4A03-BE50-D1FF7D21CD62}" srcOrd="2" destOrd="0" parTransId="{7EC34235-5E28-4D03-B53F-052966CF8CCE}" sibTransId="{4BD9ACC0-71FD-4EFE-A971-1DBE90752A04}"/>
+    <dgm:cxn modelId="{7C80DEF5-FACF-4239-86F9-2D5B4CA0E06F}" type="presOf" srcId="{5DA2A5C7-CF8E-4E64-8B00-CB66161199F2}" destId="{FBAC9E5F-3566-4C89-A98C-DC716EF5F2ED}" srcOrd="1" destOrd="0" presId="urn:microsoft.com/office/officeart/2005/8/layout/hProcess10"/>
+    <dgm:cxn modelId="{12867D23-941E-4F4C-9026-3CCEFD1BEF3C}" type="presOf" srcId="{5DA2A5C7-CF8E-4E64-8B00-CB66161199F2}" destId="{D502E3EC-61B5-4BD1-8CD0-CD98ACA241A7}" srcOrd="0" destOrd="0" presId="urn:microsoft.com/office/officeart/2005/8/layout/hProcess10"/>
+    <dgm:cxn modelId="{F6C111C5-D808-4A00-B7E1-E568B74D62A3}" type="presOf" srcId="{12FBE855-85D8-40A0-8B00-0CC7B06D6929}" destId="{D0BF7A67-8420-4D4D-8BE3-5D6439E20DDB}" srcOrd="0" destOrd="0" presId="urn:microsoft.com/office/officeart/2005/8/layout/hProcess10"/>
+    <dgm:cxn modelId="{4EFE9A9D-3AFA-46E6-8DCC-EFDEE76EB6D2}" type="presOf" srcId="{7D8D5BFA-1CB1-45D7-98B0-D383872E7D2B}" destId="{2D6711A0-775D-4EF7-ADE9-52C1DBCAC128}" srcOrd="0" destOrd="0" presId="urn:microsoft.com/office/officeart/2005/8/layout/hProcess10"/>
+    <dgm:cxn modelId="{1E9EF46D-DA0C-42E8-9ADF-EB209A88DDFD}" type="presOf" srcId="{12FBE855-85D8-40A0-8B00-0CC7B06D6929}" destId="{CF5F9BE5-234E-44DB-8A8D-FAE4BD4CF1F9}" srcOrd="1" destOrd="0" presId="urn:microsoft.com/office/officeart/2005/8/layout/hProcess10"/>
+    <dgm:cxn modelId="{89EFC945-C001-4D9B-8B52-BEDA5D04F8FF}" type="presOf" srcId="{2BEB8688-5594-4A03-BE50-D1FF7D21CD62}" destId="{710611F9-6C1A-4787-A7CF-DB4A30C258E0}" srcOrd="0" destOrd="0" presId="urn:microsoft.com/office/officeart/2005/8/layout/hProcess10"/>
+    <dgm:cxn modelId="{573088B0-A55B-4916-BBD2-8E918AE97D12}" type="presOf" srcId="{E954D45C-BFAC-45E5-AD2A-1CF0507E21E8}" destId="{D5CC9D54-DCD1-4132-90EF-7BCC563A5F7D}" srcOrd="0" destOrd="0" presId="urn:microsoft.com/office/officeart/2005/8/layout/hProcess10"/>
+    <dgm:cxn modelId="{7CB71D5A-310C-4787-9E99-2482B677F60F}" type="presParOf" srcId="{D5CC9D54-DCD1-4132-90EF-7BCC563A5F7D}" destId="{54299FCB-FCA7-4B04-83F7-F009EE7F6E48}" srcOrd="0" destOrd="0" presId="urn:microsoft.com/office/officeart/2005/8/layout/hProcess10"/>
+    <dgm:cxn modelId="{54BE8CF6-9FB9-4FF3-9E05-1746BC4D8B6D}" type="presParOf" srcId="{54299FCB-FCA7-4B04-83F7-F009EE7F6E48}" destId="{13A32406-3E38-4FE5-AC82-5B375F270D7B}" srcOrd="0" destOrd="0" presId="urn:microsoft.com/office/officeart/2005/8/layout/hProcess10"/>
+    <dgm:cxn modelId="{B213F08D-00D9-4D66-88A9-21FFB1B5A462}" type="presParOf" srcId="{54299FCB-FCA7-4B04-83F7-F009EE7F6E48}" destId="{2D6711A0-775D-4EF7-ADE9-52C1DBCAC128}" srcOrd="1" destOrd="0" presId="urn:microsoft.com/office/officeart/2005/8/layout/hProcess10"/>
+    <dgm:cxn modelId="{DE635FD2-B32F-49A1-BABE-0A4298D51C42}" type="presParOf" srcId="{D5CC9D54-DCD1-4132-90EF-7BCC563A5F7D}" destId="{D0BF7A67-8420-4D4D-8BE3-5D6439E20DDB}" srcOrd="1" destOrd="0" presId="urn:microsoft.com/office/officeart/2005/8/layout/hProcess10"/>
+    <dgm:cxn modelId="{7B1768F7-EE75-4313-9CD5-E7770385BD11}" type="presParOf" srcId="{D0BF7A67-8420-4D4D-8BE3-5D6439E20DDB}" destId="{CF5F9BE5-234E-44DB-8A8D-FAE4BD4CF1F9}" srcOrd="0" destOrd="0" presId="urn:microsoft.com/office/officeart/2005/8/layout/hProcess10"/>
+    <dgm:cxn modelId="{3E71802A-48B6-43D0-A1F3-5110485565A1}" type="presParOf" srcId="{D5CC9D54-DCD1-4132-90EF-7BCC563A5F7D}" destId="{56B006A5-CC1F-4428-8E48-5CD8A21473A9}" srcOrd="2" destOrd="0" presId="urn:microsoft.com/office/officeart/2005/8/layout/hProcess10"/>
+    <dgm:cxn modelId="{0DA69BCB-91BB-49EE-8893-621D471C14B3}" type="presParOf" srcId="{56B006A5-CC1F-4428-8E48-5CD8A21473A9}" destId="{BB91645B-F2AF-490E-83D8-AA69E8F22538}" srcOrd="0" destOrd="0" presId="urn:microsoft.com/office/officeart/2005/8/layout/hProcess10"/>
+    <dgm:cxn modelId="{B8AD9662-1155-4244-AAC9-95A324E1701C}" type="presParOf" srcId="{56B006A5-CC1F-4428-8E48-5CD8A21473A9}" destId="{E65AE26C-C7C3-47F3-B3E8-7DF6636223EB}" srcOrd="1" destOrd="0" presId="urn:microsoft.com/office/officeart/2005/8/layout/hProcess10"/>
+    <dgm:cxn modelId="{C91CB7FA-5F1E-4046-B854-4AEA488D8602}" type="presParOf" srcId="{D5CC9D54-DCD1-4132-90EF-7BCC563A5F7D}" destId="{D502E3EC-61B5-4BD1-8CD0-CD98ACA241A7}" srcOrd="3" destOrd="0" presId="urn:microsoft.com/office/officeart/2005/8/layout/hProcess10"/>
+    <dgm:cxn modelId="{36BD3640-6D96-49B5-B889-B39670841D9F}" type="presParOf" srcId="{D502E3EC-61B5-4BD1-8CD0-CD98ACA241A7}" destId="{FBAC9E5F-3566-4C89-A98C-DC716EF5F2ED}" srcOrd="0" destOrd="0" presId="urn:microsoft.com/office/officeart/2005/8/layout/hProcess10"/>
+    <dgm:cxn modelId="{E8EB0BDD-EC86-42CD-A8AD-123306ACACD8}" type="presParOf" srcId="{D5CC9D54-DCD1-4132-90EF-7BCC563A5F7D}" destId="{A532881D-B094-4E7A-BF6E-2772B5CEDBCF}" srcOrd="4" destOrd="0" presId="urn:microsoft.com/office/officeart/2005/8/layout/hProcess10"/>
+    <dgm:cxn modelId="{090A01FB-C4DF-4AF7-B027-CDFCC61B2264}" type="presParOf" srcId="{A532881D-B094-4E7A-BF6E-2772B5CEDBCF}" destId="{F617E2D9-F114-4D20-84E2-44F3833F28F3}" srcOrd="0" destOrd="0" presId="urn:microsoft.com/office/officeart/2005/8/layout/hProcess10"/>
+    <dgm:cxn modelId="{8758D728-CA6E-416B-9F85-7BCAEA6BAF46}" type="presParOf" srcId="{A532881D-B094-4E7A-BF6E-2772B5CEDBCF}" destId="{710611F9-6C1A-4787-A7CF-DB4A30C258E0}" srcOrd="1" destOrd="0" presId="urn:microsoft.com/office/officeart/2005/8/layout/hProcess10"/>
+  </dgm:cxnLst>
+  <dgm:bg/>
+  <dgm:whole/>
+  <dgm:extLst>
+    <a:ext uri="http://schemas.microsoft.com/office/drawing/2008/diagram">
+      <dsp:dataModelExt xmlns:dsp="http://schemas.microsoft.com/office/drawing/2008/diagram" relId="rId6" minVer="http://schemas.openxmlformats.org/drawingml/2006/diagram"/>
+    </a:ext>
+  </dgm:extLst>
+</dgm:dataModel>
+</file>
+
+<file path=ppt/diagrams/data4.xml><?xml version="1.0" encoding="utf-8"?>
+<dgm:dataModel xmlns:dgm="http://schemas.openxmlformats.org/drawingml/2006/diagram" xmlns:a="http://schemas.openxmlformats.org/drawingml/2006/main">
+  <dgm:ptLst>
     <dgm:pt modelId="{A5559982-EF86-4446-9C9B-F105F0D65D18}" type="doc">
       <dgm:prSet loTypeId="urn:microsoft.com/office/officeart/2009/3/layout/PlusandMinus" loCatId="relationship" qsTypeId="urn:microsoft.com/office/officeart/2005/8/quickstyle/3d1" qsCatId="3D" csTypeId="urn:microsoft.com/office/officeart/2005/8/colors/colorful1" csCatId="colorful" phldr="0"/>
       <dgm:spPr/>
@@ -4555,7 +5601,7 @@
 </dgm:dataModel>
 </file>
 
-<file path=ppt/diagrams/data4.xml><?xml version="1.0" encoding="utf-8"?>
+<file path=ppt/diagrams/data5.xml><?xml version="1.0" encoding="utf-8"?>
 <dgm:dataModel xmlns:dgm="http://schemas.openxmlformats.org/drawingml/2006/diagram" xmlns:a="http://schemas.openxmlformats.org/drawingml/2006/main">
   <dgm:ptLst>
     <dgm:pt modelId="{C17E4926-EB14-4698-8E7C-9926FDAFB796}" type="doc">
@@ -6282,6 +7328,555 @@
       <dsp:cNvGrpSpPr/>
     </dsp:nvGrpSpPr>
     <dsp:grpSpPr/>
+    <dsp:sp modelId="{13A32406-3E38-4FE5-AC82-5B375F270D7B}">
+      <dsp:nvSpPr>
+        <dsp:cNvPr id="0" name=""/>
+        <dsp:cNvSpPr/>
+      </dsp:nvSpPr>
+      <dsp:spPr>
+        <a:xfrm>
+          <a:off x="4042" y="1185714"/>
+          <a:ext cx="1904523" cy="1904523"/>
+        </a:xfrm>
+        <a:prstGeom prst="roundRect">
+          <a:avLst>
+            <a:gd name="adj" fmla="val 10000"/>
+          </a:avLst>
+        </a:prstGeom>
+        <a:blipFill>
+          <a:blip xmlns:r="http://schemas.openxmlformats.org/officeDocument/2006/relationships" r:embed="rId1">
+            <a:extLst>
+              <a:ext uri="{28A0092B-C50C-407E-A947-70E740481C1C}">
+                <a14:useLocalDpi xmlns:a14="http://schemas.microsoft.com/office/drawing/2010/main" val="0"/>
+              </a:ext>
+            </a:extLst>
+          </a:blip>
+          <a:srcRect/>
+          <a:stretch>
+            <a:fillRect l="-13000" r="-13000"/>
+          </a:stretch>
+        </a:blipFill>
+        <a:ln w="19050" cap="rnd" cmpd="sng" algn="ctr">
+          <a:solidFill>
+            <a:schemeClr val="lt1">
+              <a:hueOff val="0"/>
+              <a:satOff val="0"/>
+              <a:lumOff val="0"/>
+              <a:alphaOff val="0"/>
+            </a:schemeClr>
+          </a:solidFill>
+          <a:prstDash val="solid"/>
+        </a:ln>
+        <a:effectLst/>
+      </dsp:spPr>
+      <dsp:style>
+        <a:lnRef idx="2">
+          <a:scrgbClr r="0" g="0" b="0"/>
+        </a:lnRef>
+        <a:fillRef idx="1">
+          <a:scrgbClr r="0" g="0" b="0"/>
+        </a:fillRef>
+        <a:effectRef idx="0">
+          <a:scrgbClr r="0" g="0" b="0"/>
+        </a:effectRef>
+        <a:fontRef idx="minor"/>
+      </dsp:style>
+    </dsp:sp>
+    <dsp:sp modelId="{2D6711A0-775D-4EF7-ADE9-52C1DBCAC128}">
+      <dsp:nvSpPr>
+        <dsp:cNvPr id="0" name=""/>
+        <dsp:cNvSpPr/>
+      </dsp:nvSpPr>
+      <dsp:spPr>
+        <a:xfrm>
+          <a:off x="0" y="3011010"/>
+          <a:ext cx="1904523" cy="1904523"/>
+        </a:xfrm>
+        <a:prstGeom prst="roundRect">
+          <a:avLst>
+            <a:gd name="adj" fmla="val 10000"/>
+          </a:avLst>
+        </a:prstGeom>
+        <a:solidFill>
+          <a:schemeClr val="accent1">
+            <a:hueOff val="0"/>
+            <a:satOff val="0"/>
+            <a:lumOff val="0"/>
+            <a:alphaOff val="0"/>
+          </a:schemeClr>
+        </a:solidFill>
+        <a:ln w="19050" cap="rnd" cmpd="sng" algn="ctr">
+          <a:solidFill>
+            <a:schemeClr val="lt1">
+              <a:hueOff val="0"/>
+              <a:satOff val="0"/>
+              <a:lumOff val="0"/>
+              <a:alphaOff val="0"/>
+            </a:schemeClr>
+          </a:solidFill>
+          <a:prstDash val="solid"/>
+        </a:ln>
+        <a:effectLst/>
+      </dsp:spPr>
+      <dsp:style>
+        <a:lnRef idx="2">
+          <a:scrgbClr r="0" g="0" b="0"/>
+        </a:lnRef>
+        <a:fillRef idx="1">
+          <a:scrgbClr r="0" g="0" b="0"/>
+        </a:fillRef>
+        <a:effectRef idx="0">
+          <a:scrgbClr r="0" g="0" b="0"/>
+        </a:effectRef>
+        <a:fontRef idx="minor">
+          <a:schemeClr val="lt1"/>
+        </a:fontRef>
+      </dsp:style>
+      <dsp:txBody>
+        <a:bodyPr spcFirstLastPara="0" vert="horz" wrap="square" lIns="110490" tIns="110490" rIns="110490" bIns="110490" numCol="1" spcCol="1270" anchor="ctr" anchorCtr="0">
+          <a:noAutofit/>
+        </a:bodyPr>
+        <a:lstStyle/>
+        <a:p>
+          <a:pPr lvl="0" algn="ctr" defTabSz="1289050">
+            <a:lnSpc>
+              <a:spcPct val="90000"/>
+            </a:lnSpc>
+            <a:spcBef>
+              <a:spcPct val="0"/>
+            </a:spcBef>
+            <a:spcAft>
+              <a:spcPct val="35000"/>
+            </a:spcAft>
+          </a:pPr>
+          <a:r>
+            <a:rPr lang="en-US" sz="2900" kern="1200" dirty="0" smtClean="0"/>
+            <a:t>Collect data</a:t>
+          </a:r>
+          <a:endParaRPr lang="en-GB" sz="2900" kern="1200" dirty="0"/>
+        </a:p>
+      </dsp:txBody>
+      <dsp:txXfrm>
+        <a:off x="55782" y="3066792"/>
+        <a:ext cx="1792959" cy="1792959"/>
+      </dsp:txXfrm>
+    </dsp:sp>
+    <dsp:sp modelId="{D0BF7A67-8420-4D4D-8BE3-5D6439E20DDB}">
+      <dsp:nvSpPr>
+        <dsp:cNvPr id="0" name=""/>
+        <dsp:cNvSpPr/>
+      </dsp:nvSpPr>
+      <dsp:spPr>
+        <a:xfrm>
+          <a:off x="2275419" y="1909161"/>
+          <a:ext cx="366853" cy="457630"/>
+        </a:xfrm>
+        <a:prstGeom prst="rightArrow">
+          <a:avLst>
+            <a:gd name="adj1" fmla="val 60000"/>
+            <a:gd name="adj2" fmla="val 50000"/>
+          </a:avLst>
+        </a:prstGeom>
+        <a:solidFill>
+          <a:schemeClr val="accent1">
+            <a:tint val="60000"/>
+            <a:hueOff val="0"/>
+            <a:satOff val="0"/>
+            <a:lumOff val="0"/>
+            <a:alphaOff val="0"/>
+          </a:schemeClr>
+        </a:solidFill>
+        <a:ln>
+          <a:noFill/>
+        </a:ln>
+        <a:effectLst/>
+      </dsp:spPr>
+      <dsp:style>
+        <a:lnRef idx="0">
+          <a:scrgbClr r="0" g="0" b="0"/>
+        </a:lnRef>
+        <a:fillRef idx="1">
+          <a:scrgbClr r="0" g="0" b="0"/>
+        </a:fillRef>
+        <a:effectRef idx="0">
+          <a:scrgbClr r="0" g="0" b="0"/>
+        </a:effectRef>
+        <a:fontRef idx="minor">
+          <a:schemeClr val="lt1"/>
+        </a:fontRef>
+      </dsp:style>
+      <dsp:txBody>
+        <a:bodyPr spcFirstLastPara="0" vert="horz" wrap="square" lIns="0" tIns="0" rIns="0" bIns="0" numCol="1" spcCol="1270" anchor="ctr" anchorCtr="0">
+          <a:noAutofit/>
+        </a:bodyPr>
+        <a:lstStyle/>
+        <a:p>
+          <a:pPr lvl="0" algn="ctr" defTabSz="889000">
+            <a:lnSpc>
+              <a:spcPct val="90000"/>
+            </a:lnSpc>
+            <a:spcBef>
+              <a:spcPct val="0"/>
+            </a:spcBef>
+            <a:spcAft>
+              <a:spcPct val="35000"/>
+            </a:spcAft>
+          </a:pPr>
+          <a:endParaRPr lang="en-GB" sz="2000" kern="1200"/>
+        </a:p>
+      </dsp:txBody>
+      <dsp:txXfrm>
+        <a:off x="2275419" y="2000687"/>
+        <a:ext cx="256797" cy="274578"/>
+      </dsp:txXfrm>
+    </dsp:sp>
+    <dsp:sp modelId="{BB91645B-F2AF-490E-83D8-AA69E8F22538}">
+      <dsp:nvSpPr>
+        <dsp:cNvPr id="0" name=""/>
+        <dsp:cNvSpPr/>
+      </dsp:nvSpPr>
+      <dsp:spPr>
+        <a:xfrm>
+          <a:off x="2956718" y="1185714"/>
+          <a:ext cx="1904523" cy="1904523"/>
+        </a:xfrm>
+        <a:prstGeom prst="roundRect">
+          <a:avLst>
+            <a:gd name="adj" fmla="val 10000"/>
+          </a:avLst>
+        </a:prstGeom>
+        <a:blipFill>
+          <a:blip xmlns:r="http://schemas.openxmlformats.org/officeDocument/2006/relationships" r:embed="rId2">
+            <a:extLst>
+              <a:ext uri="{28A0092B-C50C-407E-A947-70E740481C1C}">
+                <a14:useLocalDpi xmlns:a14="http://schemas.microsoft.com/office/drawing/2010/main" val="0"/>
+              </a:ext>
+            </a:extLst>
+          </a:blip>
+          <a:srcRect/>
+          <a:stretch>
+            <a:fillRect l="-17000" r="-17000"/>
+          </a:stretch>
+        </a:blipFill>
+        <a:ln w="19050" cap="rnd" cmpd="sng" algn="ctr">
+          <a:solidFill>
+            <a:schemeClr val="lt1">
+              <a:hueOff val="0"/>
+              <a:satOff val="0"/>
+              <a:lumOff val="0"/>
+              <a:alphaOff val="0"/>
+            </a:schemeClr>
+          </a:solidFill>
+          <a:prstDash val="solid"/>
+        </a:ln>
+        <a:effectLst/>
+      </dsp:spPr>
+      <dsp:style>
+        <a:lnRef idx="2">
+          <a:scrgbClr r="0" g="0" b="0"/>
+        </a:lnRef>
+        <a:fillRef idx="1">
+          <a:scrgbClr r="0" g="0" b="0"/>
+        </a:fillRef>
+        <a:effectRef idx="0">
+          <a:scrgbClr r="0" g="0" b="0"/>
+        </a:effectRef>
+        <a:fontRef idx="minor"/>
+      </dsp:style>
+    </dsp:sp>
+    <dsp:sp modelId="{E65AE26C-C7C3-47F3-B3E8-7DF6636223EB}">
+      <dsp:nvSpPr>
+        <dsp:cNvPr id="0" name=""/>
+        <dsp:cNvSpPr/>
+      </dsp:nvSpPr>
+      <dsp:spPr>
+        <a:xfrm>
+          <a:off x="2983421" y="2998097"/>
+          <a:ext cx="1904523" cy="1904523"/>
+        </a:xfrm>
+        <a:prstGeom prst="roundRect">
+          <a:avLst>
+            <a:gd name="adj" fmla="val 10000"/>
+          </a:avLst>
+        </a:prstGeom>
+        <a:solidFill>
+          <a:schemeClr val="accent1">
+            <a:hueOff val="0"/>
+            <a:satOff val="0"/>
+            <a:lumOff val="0"/>
+            <a:alphaOff val="0"/>
+          </a:schemeClr>
+        </a:solidFill>
+        <a:ln w="19050" cap="rnd" cmpd="sng" algn="ctr">
+          <a:solidFill>
+            <a:schemeClr val="lt1">
+              <a:hueOff val="0"/>
+              <a:satOff val="0"/>
+              <a:lumOff val="0"/>
+              <a:alphaOff val="0"/>
+            </a:schemeClr>
+          </a:solidFill>
+          <a:prstDash val="solid"/>
+        </a:ln>
+        <a:effectLst/>
+      </dsp:spPr>
+      <dsp:style>
+        <a:lnRef idx="2">
+          <a:scrgbClr r="0" g="0" b="0"/>
+        </a:lnRef>
+        <a:fillRef idx="1">
+          <a:scrgbClr r="0" g="0" b="0"/>
+        </a:fillRef>
+        <a:effectRef idx="0">
+          <a:scrgbClr r="0" g="0" b="0"/>
+        </a:effectRef>
+        <a:fontRef idx="minor">
+          <a:schemeClr val="lt1"/>
+        </a:fontRef>
+      </dsp:style>
+      <dsp:txBody>
+        <a:bodyPr spcFirstLastPara="0" vert="horz" wrap="square" lIns="110490" tIns="110490" rIns="110490" bIns="110490" numCol="1" spcCol="1270" anchor="ctr" anchorCtr="0">
+          <a:noAutofit/>
+        </a:bodyPr>
+        <a:lstStyle/>
+        <a:p>
+          <a:pPr lvl="0" algn="ctr" defTabSz="1289050">
+            <a:lnSpc>
+              <a:spcPct val="90000"/>
+            </a:lnSpc>
+            <a:spcBef>
+              <a:spcPct val="0"/>
+            </a:spcBef>
+            <a:spcAft>
+              <a:spcPct val="35000"/>
+            </a:spcAft>
+          </a:pPr>
+          <a:r>
+            <a:rPr lang="en-US" sz="2900" kern="1200" dirty="0" smtClean="0"/>
+            <a:t>Build structure</a:t>
+          </a:r>
+          <a:endParaRPr lang="en-GB" sz="2900" kern="1200" dirty="0"/>
+        </a:p>
+      </dsp:txBody>
+      <dsp:txXfrm>
+        <a:off x="3039203" y="3053879"/>
+        <a:ext cx="1792959" cy="1792959"/>
+      </dsp:txXfrm>
+    </dsp:sp>
+    <dsp:sp modelId="{D502E3EC-61B5-4BD1-8CD0-CD98ACA241A7}">
+      <dsp:nvSpPr>
+        <dsp:cNvPr id="0" name=""/>
+        <dsp:cNvSpPr/>
+      </dsp:nvSpPr>
+      <dsp:spPr>
+        <a:xfrm>
+          <a:off x="5228095" y="1909161"/>
+          <a:ext cx="366853" cy="457630"/>
+        </a:xfrm>
+        <a:prstGeom prst="rightArrow">
+          <a:avLst>
+            <a:gd name="adj1" fmla="val 60000"/>
+            <a:gd name="adj2" fmla="val 50000"/>
+          </a:avLst>
+        </a:prstGeom>
+        <a:solidFill>
+          <a:schemeClr val="accent1">
+            <a:tint val="60000"/>
+            <a:hueOff val="0"/>
+            <a:satOff val="0"/>
+            <a:lumOff val="0"/>
+            <a:alphaOff val="0"/>
+          </a:schemeClr>
+        </a:solidFill>
+        <a:ln>
+          <a:noFill/>
+        </a:ln>
+        <a:effectLst/>
+      </dsp:spPr>
+      <dsp:style>
+        <a:lnRef idx="0">
+          <a:scrgbClr r="0" g="0" b="0"/>
+        </a:lnRef>
+        <a:fillRef idx="1">
+          <a:scrgbClr r="0" g="0" b="0"/>
+        </a:fillRef>
+        <a:effectRef idx="0">
+          <a:scrgbClr r="0" g="0" b="0"/>
+        </a:effectRef>
+        <a:fontRef idx="minor">
+          <a:schemeClr val="lt1"/>
+        </a:fontRef>
+      </dsp:style>
+      <dsp:txBody>
+        <a:bodyPr spcFirstLastPara="0" vert="horz" wrap="square" lIns="0" tIns="0" rIns="0" bIns="0" numCol="1" spcCol="1270" anchor="ctr" anchorCtr="0">
+          <a:noAutofit/>
+        </a:bodyPr>
+        <a:lstStyle/>
+        <a:p>
+          <a:pPr lvl="0" algn="ctr" defTabSz="889000">
+            <a:lnSpc>
+              <a:spcPct val="90000"/>
+            </a:lnSpc>
+            <a:spcBef>
+              <a:spcPct val="0"/>
+            </a:spcBef>
+            <a:spcAft>
+              <a:spcPct val="35000"/>
+            </a:spcAft>
+          </a:pPr>
+          <a:endParaRPr lang="en-GB" sz="2000" kern="1200"/>
+        </a:p>
+      </dsp:txBody>
+      <dsp:txXfrm>
+        <a:off x="5228095" y="2000687"/>
+        <a:ext cx="256797" cy="274578"/>
+      </dsp:txXfrm>
+    </dsp:sp>
+    <dsp:sp modelId="{F617E2D9-F114-4D20-84E2-44F3833F28F3}">
+      <dsp:nvSpPr>
+        <dsp:cNvPr id="0" name=""/>
+        <dsp:cNvSpPr/>
+      </dsp:nvSpPr>
+      <dsp:spPr>
+        <a:xfrm>
+          <a:off x="5909394" y="1185714"/>
+          <a:ext cx="1904523" cy="1904523"/>
+        </a:xfrm>
+        <a:prstGeom prst="roundRect">
+          <a:avLst>
+            <a:gd name="adj" fmla="val 10000"/>
+          </a:avLst>
+        </a:prstGeom>
+        <a:blipFill>
+          <a:blip xmlns:r="http://schemas.openxmlformats.org/officeDocument/2006/relationships" r:embed="rId3">
+            <a:extLst>
+              <a:ext uri="{28A0092B-C50C-407E-A947-70E740481C1C}">
+                <a14:useLocalDpi xmlns:a14="http://schemas.microsoft.com/office/drawing/2010/main" val="0"/>
+              </a:ext>
+            </a:extLst>
+          </a:blip>
+          <a:srcRect/>
+          <a:stretch>
+            <a:fillRect/>
+          </a:stretch>
+        </a:blipFill>
+        <a:ln w="19050" cap="rnd" cmpd="sng" algn="ctr">
+          <a:solidFill>
+            <a:schemeClr val="lt1">
+              <a:hueOff val="0"/>
+              <a:satOff val="0"/>
+              <a:lumOff val="0"/>
+              <a:alphaOff val="0"/>
+            </a:schemeClr>
+          </a:solidFill>
+          <a:prstDash val="solid"/>
+        </a:ln>
+        <a:effectLst/>
+      </dsp:spPr>
+      <dsp:style>
+        <a:lnRef idx="2">
+          <a:scrgbClr r="0" g="0" b="0"/>
+        </a:lnRef>
+        <a:fillRef idx="1">
+          <a:scrgbClr r="0" g="0" b="0"/>
+        </a:fillRef>
+        <a:effectRef idx="0">
+          <a:scrgbClr r="0" g="0" b="0"/>
+        </a:effectRef>
+        <a:fontRef idx="minor"/>
+      </dsp:style>
+    </dsp:sp>
+    <dsp:sp modelId="{710611F9-6C1A-4787-A7CF-DB4A30C258E0}">
+      <dsp:nvSpPr>
+        <dsp:cNvPr id="0" name=""/>
+        <dsp:cNvSpPr/>
+      </dsp:nvSpPr>
+      <dsp:spPr>
+        <a:xfrm>
+          <a:off x="6000489" y="2998116"/>
+          <a:ext cx="1904523" cy="1904523"/>
+        </a:xfrm>
+        <a:prstGeom prst="roundRect">
+          <a:avLst>
+            <a:gd name="adj" fmla="val 10000"/>
+          </a:avLst>
+        </a:prstGeom>
+        <a:solidFill>
+          <a:schemeClr val="accent1">
+            <a:hueOff val="0"/>
+            <a:satOff val="0"/>
+            <a:lumOff val="0"/>
+            <a:alphaOff val="0"/>
+          </a:schemeClr>
+        </a:solidFill>
+        <a:ln w="19050" cap="rnd" cmpd="sng" algn="ctr">
+          <a:solidFill>
+            <a:schemeClr val="lt1">
+              <a:hueOff val="0"/>
+              <a:satOff val="0"/>
+              <a:lumOff val="0"/>
+              <a:alphaOff val="0"/>
+            </a:schemeClr>
+          </a:solidFill>
+          <a:prstDash val="solid"/>
+        </a:ln>
+        <a:effectLst/>
+      </dsp:spPr>
+      <dsp:style>
+        <a:lnRef idx="2">
+          <a:scrgbClr r="0" g="0" b="0"/>
+        </a:lnRef>
+        <a:fillRef idx="1">
+          <a:scrgbClr r="0" g="0" b="0"/>
+        </a:fillRef>
+        <a:effectRef idx="0">
+          <a:scrgbClr r="0" g="0" b="0"/>
+        </a:effectRef>
+        <a:fontRef idx="minor">
+          <a:schemeClr val="lt1"/>
+        </a:fontRef>
+      </dsp:style>
+      <dsp:txBody>
+        <a:bodyPr spcFirstLastPara="0" vert="horz" wrap="square" lIns="110490" tIns="110490" rIns="110490" bIns="110490" numCol="1" spcCol="1270" anchor="ctr" anchorCtr="0">
+          <a:noAutofit/>
+        </a:bodyPr>
+        <a:lstStyle/>
+        <a:p>
+          <a:pPr lvl="0" algn="ctr" defTabSz="1289050">
+            <a:lnSpc>
+              <a:spcPct val="90000"/>
+            </a:lnSpc>
+            <a:spcBef>
+              <a:spcPct val="0"/>
+            </a:spcBef>
+            <a:spcAft>
+              <a:spcPct val="35000"/>
+            </a:spcAft>
+          </a:pPr>
+          <a:r>
+            <a:rPr lang="en-US" sz="2900" kern="1200" dirty="0" smtClean="0"/>
+            <a:t>Public to end user</a:t>
+          </a:r>
+          <a:endParaRPr lang="en-GB" sz="2900" kern="1200" dirty="0"/>
+        </a:p>
+      </dsp:txBody>
+      <dsp:txXfrm>
+        <a:off x="6056271" y="3053898"/>
+        <a:ext cx="1792959" cy="1792959"/>
+      </dsp:txXfrm>
+    </dsp:sp>
+  </dsp:spTree>
+</dsp:drawing>
+</file>
+
+<file path=ppt/diagrams/drawing4.xml><?xml version="1.0" encoding="utf-8"?>
+<dsp:drawing xmlns:dgm="http://schemas.openxmlformats.org/drawingml/2006/diagram" xmlns:dsp="http://schemas.microsoft.com/office/drawing/2008/diagram" xmlns:a="http://schemas.openxmlformats.org/drawingml/2006/main">
+  <dsp:spTree>
+    <dsp:nvGrpSpPr>
+      <dsp:cNvPr id="0" name=""/>
+      <dsp:cNvGrpSpPr/>
+    </dsp:nvGrpSpPr>
+    <dsp:grpSpPr/>
     <dsp:sp modelId="{4CA5A5D1-C9BD-4849-9955-724AA57140BA}">
       <dsp:nvSpPr>
         <dsp:cNvPr id="0" name=""/>
@@ -6653,7 +8248,7 @@
 </dsp:drawing>
 </file>
 
-<file path=ppt/diagrams/drawing4.xml><?xml version="1.0" encoding="utf-8"?>
+<file path=ppt/diagrams/drawing5.xml><?xml version="1.0" encoding="utf-8"?>
 <dsp:drawing xmlns:dgm="http://schemas.openxmlformats.org/drawingml/2006/diagram" xmlns:dsp="http://schemas.microsoft.com/office/drawing/2008/diagram" xmlns:a="http://schemas.openxmlformats.org/drawingml/2006/main">
   <dsp:spTree>
     <dsp:nvGrpSpPr>
@@ -8389,6 +9984,246 @@
 </file>
 
 <file path=ppt/diagrams/layout3.xml><?xml version="1.0" encoding="utf-8"?>
+<dgm:layoutDef xmlns:dgm="http://schemas.openxmlformats.org/drawingml/2006/diagram" xmlns:a="http://schemas.openxmlformats.org/drawingml/2006/main" uniqueId="urn:microsoft.com/office/officeart/2005/8/layout/hProcess10">
+  <dgm:title val=""/>
+  <dgm:desc val=""/>
+  <dgm:catLst>
+    <dgm:cat type="process" pri="3000"/>
+    <dgm:cat type="picture" pri="30000"/>
+    <dgm:cat type="pictureconvert" pri="30000"/>
+  </dgm:catLst>
+  <dgm:sampData>
+    <dgm:dataModel>
+      <dgm:ptLst>
+        <dgm:pt modelId="0" type="doc"/>
+        <dgm:pt modelId="1">
+          <dgm:prSet phldr="1"/>
+        </dgm:pt>
+        <dgm:pt modelId="11">
+          <dgm:prSet phldr="1"/>
+        </dgm:pt>
+        <dgm:pt modelId="12">
+          <dgm:prSet phldr="1"/>
+        </dgm:pt>
+        <dgm:pt modelId="2">
+          <dgm:prSet phldr="1"/>
+        </dgm:pt>
+        <dgm:pt modelId="21">
+          <dgm:prSet phldr="1"/>
+        </dgm:pt>
+        <dgm:pt modelId="22">
+          <dgm:prSet phldr="1"/>
+        </dgm:pt>
+        <dgm:pt modelId="3">
+          <dgm:prSet phldr="1"/>
+        </dgm:pt>
+        <dgm:pt modelId="31">
+          <dgm:prSet phldr="1"/>
+        </dgm:pt>
+        <dgm:pt modelId="32">
+          <dgm:prSet phldr="1"/>
+        </dgm:pt>
+      </dgm:ptLst>
+      <dgm:cxnLst>
+        <dgm:cxn modelId="4" srcId="0" destId="1" srcOrd="0" destOrd="0"/>
+        <dgm:cxn modelId="5" srcId="0" destId="2" srcOrd="1" destOrd="0"/>
+        <dgm:cxn modelId="6" srcId="0" destId="3" srcOrd="2" destOrd="0"/>
+        <dgm:cxn modelId="13" srcId="1" destId="11" srcOrd="0" destOrd="0"/>
+        <dgm:cxn modelId="14" srcId="1" destId="12" srcOrd="1" destOrd="0"/>
+        <dgm:cxn modelId="23" srcId="2" destId="21" srcOrd="0" destOrd="0"/>
+        <dgm:cxn modelId="24" srcId="2" destId="22" srcOrd="1" destOrd="0"/>
+        <dgm:cxn modelId="33" srcId="3" destId="31" srcOrd="0" destOrd="0"/>
+        <dgm:cxn modelId="34" srcId="3" destId="32" srcOrd="1" destOrd="0"/>
+      </dgm:cxnLst>
+      <dgm:bg/>
+      <dgm:whole/>
+    </dgm:dataModel>
+  </dgm:sampData>
+  <dgm:styleData>
+    <dgm:dataModel>
+      <dgm:ptLst>
+        <dgm:pt modelId="0" type="doc"/>
+        <dgm:pt modelId="1"/>
+        <dgm:pt modelId="11"/>
+        <dgm:pt modelId="2"/>
+        <dgm:pt modelId="21"/>
+      </dgm:ptLst>
+      <dgm:cxnLst>
+        <dgm:cxn modelId="4" srcId="0" destId="1" srcOrd="0" destOrd="0"/>
+        <dgm:cxn modelId="5" srcId="0" destId="2" srcOrd="1" destOrd="0"/>
+        <dgm:cxn modelId="13" srcId="1" destId="11" srcOrd="0" destOrd="0"/>
+        <dgm:cxn modelId="23" srcId="2" destId="21" srcOrd="0" destOrd="0"/>
+      </dgm:cxnLst>
+      <dgm:bg/>
+      <dgm:whole/>
+    </dgm:dataModel>
+  </dgm:styleData>
+  <dgm:clrData>
+    <dgm:dataModel>
+      <dgm:ptLst>
+        <dgm:pt modelId="0" type="doc"/>
+        <dgm:pt modelId="1"/>
+        <dgm:pt modelId="11"/>
+        <dgm:pt modelId="2"/>
+        <dgm:pt modelId="21"/>
+        <dgm:pt modelId="3"/>
+        <dgm:pt modelId="31"/>
+        <dgm:pt modelId="4"/>
+        <dgm:pt modelId="41"/>
+      </dgm:ptLst>
+      <dgm:cxnLst>
+        <dgm:cxn modelId="5" srcId="0" destId="1" srcOrd="0" destOrd="0"/>
+        <dgm:cxn modelId="6" srcId="0" destId="2" srcOrd="1" destOrd="0"/>
+        <dgm:cxn modelId="7" srcId="0" destId="3" srcOrd="2" destOrd="0"/>
+        <dgm:cxn modelId="8" srcId="0" destId="4" srcOrd="3" destOrd="0"/>
+        <dgm:cxn modelId="13" srcId="1" destId="11" srcOrd="0" destOrd="0"/>
+        <dgm:cxn modelId="23" srcId="2" destId="21" srcOrd="0" destOrd="0"/>
+        <dgm:cxn modelId="33" srcId="3" destId="31" srcOrd="0" destOrd="0"/>
+        <dgm:cxn modelId="43" srcId="4" destId="41" srcOrd="0" destOrd="0"/>
+      </dgm:cxnLst>
+      <dgm:bg/>
+      <dgm:whole/>
+    </dgm:dataModel>
+  </dgm:clrData>
+  <dgm:layoutNode name="Name0">
+    <dgm:varLst>
+      <dgm:dir/>
+      <dgm:resizeHandles val="exact"/>
+    </dgm:varLst>
+    <dgm:choose name="Name1">
+      <dgm:if name="Name2" func="var" arg="dir" op="equ" val="norm">
+        <dgm:alg type="lin"/>
+      </dgm:if>
+      <dgm:else name="Name3">
+        <dgm:alg type="lin">
+          <dgm:param type="linDir" val="fromR"/>
+        </dgm:alg>
+      </dgm:else>
+    </dgm:choose>
+    <dgm:shape xmlns:r="http://schemas.openxmlformats.org/officeDocument/2006/relationships" r:blip="">
+      <dgm:adjLst/>
+    </dgm:shape>
+    <dgm:presOf/>
+    <dgm:constrLst>
+      <dgm:constr type="w" for="ch" forName="composite" refType="w"/>
+      <dgm:constr type="w" for="ch" ptType="sibTrans" refType="w" refFor="ch" refForName="composite" op="equ" fact="0.3333"/>
+      <dgm:constr type="primFontSz" for="des" forName="txNode" op="equ" val="65"/>
+      <dgm:constr type="primFontSz" for="des" forName="connTx" op="equ" val="55"/>
+      <dgm:constr type="primFontSz" for="des" forName="connTx" refType="primFontSz" refFor="des" refForName="txNode" op="lte" fact="0.8"/>
+    </dgm:constrLst>
+    <dgm:ruleLst/>
+    <dgm:forEach name="Name4" axis="ch" ptType="node">
+      <dgm:layoutNode name="composite">
+        <dgm:alg type="composite"/>
+        <dgm:shape xmlns:r="http://schemas.openxmlformats.org/officeDocument/2006/relationships" r:blip="">
+          <dgm:adjLst/>
+        </dgm:shape>
+        <dgm:presOf/>
+        <dgm:choose name="Name5">
+          <dgm:if name="Name6" func="var" arg="dir" op="equ" val="norm">
+            <dgm:constrLst>
+              <dgm:constr type="l" for="ch" forName="imagSh"/>
+              <dgm:constr type="w" for="ch" forName="imagSh" refType="w" fact="0.86"/>
+              <dgm:constr type="t" for="ch" forName="imagSh"/>
+              <dgm:constr type="h" for="ch" forName="imagSh" refType="w" refFor="ch" refForName="imagSh"/>
+              <dgm:constr type="l" for="ch" forName="txNode" refType="w" fact="0.14"/>
+              <dgm:constr type="w" for="ch" forName="txNode" refType="w" refFor="ch" refForName="imagSh"/>
+              <dgm:constr type="t" for="ch" forName="txNode" refType="h" refFor="ch" refForName="imagSh" fact="0.6"/>
+              <dgm:constr type="h" for="ch" forName="txNode" refType="h" refFor="ch" refForName="imagSh"/>
+            </dgm:constrLst>
+          </dgm:if>
+          <dgm:else name="Name7">
+            <dgm:constrLst>
+              <dgm:constr type="l" for="ch" forName="imagSh" refType="w" fact="0.14"/>
+              <dgm:constr type="w" for="ch" forName="imagSh" refType="w" fact="0.86"/>
+              <dgm:constr type="t" for="ch" forName="imagSh"/>
+              <dgm:constr type="h" for="ch" forName="imagSh" refType="w" refFor="ch" refForName="imagSh"/>
+              <dgm:constr type="l" for="ch" forName="txNode"/>
+              <dgm:constr type="w" for="ch" forName="txNode" refType="w" refFor="ch" refForName="imagSh"/>
+              <dgm:constr type="t" for="ch" forName="txNode" refType="h" refFor="ch" refForName="imagSh" fact="0.6"/>
+              <dgm:constr type="h" for="ch" forName="txNode" refType="h" refFor="ch" refForName="imagSh"/>
+            </dgm:constrLst>
+          </dgm:else>
+        </dgm:choose>
+        <dgm:ruleLst/>
+        <dgm:layoutNode name="imagSh" styleLbl="bgImgPlace1">
+          <dgm:alg type="sp"/>
+          <dgm:shape xmlns:r="http://schemas.openxmlformats.org/officeDocument/2006/relationships" type="roundRect" r:blip="" blipPhldr="1">
+            <dgm:adjLst>
+              <dgm:adj idx="1" val="0.1"/>
+            </dgm:adjLst>
+          </dgm:shape>
+          <dgm:presOf/>
+          <dgm:constrLst/>
+          <dgm:ruleLst/>
+        </dgm:layoutNode>
+        <dgm:layoutNode name="txNode" styleLbl="node1">
+          <dgm:varLst>
+            <dgm:bulletEnabled val="1"/>
+          </dgm:varLst>
+          <dgm:alg type="tx"/>
+          <dgm:shape xmlns:r="http://schemas.openxmlformats.org/officeDocument/2006/relationships" type="roundRect" r:blip="">
+            <dgm:adjLst>
+              <dgm:adj idx="1" val="0.1"/>
+            </dgm:adjLst>
+          </dgm:shape>
+          <dgm:presOf axis="desOrSelf" ptType="node"/>
+          <dgm:constrLst>
+            <dgm:constr type="tMarg" refType="primFontSz" fact="0.3"/>
+            <dgm:constr type="bMarg" refType="primFontSz" fact="0.3"/>
+            <dgm:constr type="lMarg" refType="primFontSz" fact="0.3"/>
+            <dgm:constr type="rMarg" refType="primFontSz" fact="0.3"/>
+          </dgm:constrLst>
+          <dgm:ruleLst>
+            <dgm:rule type="primFontSz" val="5" fact="NaN" max="NaN"/>
+          </dgm:ruleLst>
+        </dgm:layoutNode>
+      </dgm:layoutNode>
+      <dgm:forEach name="sibTransForEach" axis="followSib" ptType="sibTrans" cnt="1">
+        <dgm:layoutNode name="sibTrans">
+          <dgm:alg type="conn">
+            <dgm:param type="begPts" val="auto"/>
+            <dgm:param type="endPts" val="auto"/>
+            <dgm:param type="srcNode" val="imagSh"/>
+            <dgm:param type="dstNode" val="imagSh"/>
+          </dgm:alg>
+          <dgm:shape xmlns:r="http://schemas.openxmlformats.org/officeDocument/2006/relationships" type="conn" r:blip="">
+            <dgm:adjLst/>
+          </dgm:shape>
+          <dgm:presOf axis="self"/>
+          <dgm:constrLst>
+            <dgm:constr type="h" refType="w" fact="0.62"/>
+            <dgm:constr type="connDist"/>
+            <dgm:constr type="begPad" refType="connDist" fact="0.35"/>
+            <dgm:constr type="endPad" refType="connDist" fact="0.3"/>
+          </dgm:constrLst>
+          <dgm:ruleLst/>
+          <dgm:layoutNode name="connTx">
+            <dgm:alg type="tx">
+              <dgm:param type="autoTxRot" val="grav"/>
+            </dgm:alg>
+            <dgm:shape xmlns:r="http://schemas.openxmlformats.org/officeDocument/2006/relationships" type="conn" r:blip="" hideGeom="1">
+              <dgm:adjLst/>
+            </dgm:shape>
+            <dgm:presOf axis="self"/>
+            <dgm:constrLst>
+              <dgm:constr type="lMarg"/>
+              <dgm:constr type="rMarg"/>
+              <dgm:constr type="tMarg"/>
+              <dgm:constr type="bMarg"/>
+            </dgm:constrLst>
+            <dgm:ruleLst>
+              <dgm:rule type="primFontSz" val="5" fact="NaN" max="NaN"/>
+            </dgm:ruleLst>
+          </dgm:layoutNode>
+        </dgm:layoutNode>
+      </dgm:forEach>
+    </dgm:forEach>
+  </dgm:layoutNode>
+</dgm:layoutDef>
+</file>
+
+<file path=ppt/diagrams/layout4.xml><?xml version="1.0" encoding="utf-8"?>
 <dgm:layoutDef xmlns:dgm="http://schemas.openxmlformats.org/drawingml/2006/diagram" xmlns:a="http://schemas.openxmlformats.org/drawingml/2006/main" uniqueId="urn:microsoft.com/office/officeart/2009/3/layout/PlusandMinus">
   <dgm:title val=""/>
   <dgm:desc val=""/>
@@ -8608,7 +10443,7 @@
 </dgm:layoutDef>
 </file>
 
-<file path=ppt/diagrams/layout4.xml><?xml version="1.0" encoding="utf-8"?>
+<file path=ppt/diagrams/layout5.xml><?xml version="1.0" encoding="utf-8"?>
 <dgm:layoutDef xmlns:dgm="http://schemas.openxmlformats.org/drawingml/2006/diagram" xmlns:a="http://schemas.openxmlformats.org/drawingml/2006/main" uniqueId="urn:microsoft.com/office/officeart/2005/8/layout/pList1">
   <dgm:title val=""/>
   <dgm:desc val=""/>
@@ -10838,6 +12673,1040 @@
 </file>
 
 <file path=ppt/diagrams/quickStyle3.xml><?xml version="1.0" encoding="utf-8"?>
+<dgm:styleDef xmlns:dgm="http://schemas.openxmlformats.org/drawingml/2006/diagram" xmlns:a="http://schemas.openxmlformats.org/drawingml/2006/main" uniqueId="urn:microsoft.com/office/officeart/2005/8/quickstyle/simple1">
+  <dgm:title val=""/>
+  <dgm:desc val=""/>
+  <dgm:catLst>
+    <dgm:cat type="simple" pri="10100"/>
+  </dgm:catLst>
+  <dgm:scene3d>
+    <a:camera prst="orthographicFront"/>
+    <a:lightRig rig="threePt" dir="t"/>
+  </dgm:scene3d>
+  <dgm:styleLbl name="node0">
+    <dgm:scene3d>
+      <a:camera prst="orthographicFront"/>
+      <a:lightRig rig="threePt" dir="t"/>
+    </dgm:scene3d>
+    <dgm:sp3d/>
+    <dgm:txPr/>
+    <dgm:style>
+      <a:lnRef idx="2">
+        <a:scrgbClr r="0" g="0" b="0"/>
+      </a:lnRef>
+      <a:fillRef idx="1">
+        <a:scrgbClr r="0" g="0" b="0"/>
+      </a:fillRef>
+      <a:effectRef idx="0">
+        <a:scrgbClr r="0" g="0" b="0"/>
+      </a:effectRef>
+      <a:fontRef idx="minor">
+        <a:schemeClr val="lt1"/>
+      </a:fontRef>
+    </dgm:style>
+  </dgm:styleLbl>
+  <dgm:styleLbl name="lnNode1">
+    <dgm:scene3d>
+      <a:camera prst="orthographicFront"/>
+      <a:lightRig rig="threePt" dir="t"/>
+    </dgm:scene3d>
+    <dgm:sp3d/>
+    <dgm:txPr/>
+    <dgm:style>
+      <a:lnRef idx="2">
+        <a:scrgbClr r="0" g="0" b="0"/>
+      </a:lnRef>
+      <a:fillRef idx="1">
+        <a:scrgbClr r="0" g="0" b="0"/>
+      </a:fillRef>
+      <a:effectRef idx="0">
+        <a:scrgbClr r="0" g="0" b="0"/>
+      </a:effectRef>
+      <a:fontRef idx="minor">
+        <a:schemeClr val="lt1"/>
+      </a:fontRef>
+    </dgm:style>
+  </dgm:styleLbl>
+  <dgm:styleLbl name="vennNode1">
+    <dgm:scene3d>
+      <a:camera prst="orthographicFront"/>
+      <a:lightRig rig="threePt" dir="t"/>
+    </dgm:scene3d>
+    <dgm:sp3d/>
+    <dgm:txPr/>
+    <dgm:style>
+      <a:lnRef idx="2">
+        <a:scrgbClr r="0" g="0" b="0"/>
+      </a:lnRef>
+      <a:fillRef idx="1">
+        <a:scrgbClr r="0" g="0" b="0"/>
+      </a:fillRef>
+      <a:effectRef idx="0">
+        <a:scrgbClr r="0" g="0" b="0"/>
+      </a:effectRef>
+      <a:fontRef idx="minor">
+        <a:schemeClr val="tx1"/>
+      </a:fontRef>
+    </dgm:style>
+  </dgm:styleLbl>
+  <dgm:styleLbl name="alignNode1">
+    <dgm:scene3d>
+      <a:camera prst="orthographicFront"/>
+      <a:lightRig rig="threePt" dir="t"/>
+    </dgm:scene3d>
+    <dgm:sp3d/>
+    <dgm:txPr/>
+    <dgm:style>
+      <a:lnRef idx="2">
+        <a:scrgbClr r="0" g="0" b="0"/>
+      </a:lnRef>
+      <a:fillRef idx="1">
+        <a:scrgbClr r="0" g="0" b="0"/>
+      </a:fillRef>
+      <a:effectRef idx="0">
+        <a:scrgbClr r="0" g="0" b="0"/>
+      </a:effectRef>
+      <a:fontRef idx="minor">
+        <a:schemeClr val="lt1"/>
+      </a:fontRef>
+    </dgm:style>
+  </dgm:styleLbl>
+  <dgm:styleLbl name="node1">
+    <dgm:scene3d>
+      <a:camera prst="orthographicFront"/>
+      <a:lightRig rig="threePt" dir="t"/>
+    </dgm:scene3d>
+    <dgm:sp3d/>
+    <dgm:txPr/>
+    <dgm:style>
+      <a:lnRef idx="2">
+        <a:scrgbClr r="0" g="0" b="0"/>
+      </a:lnRef>
+      <a:fillRef idx="1">
+        <a:scrgbClr r="0" g="0" b="0"/>
+      </a:fillRef>
+      <a:effectRef idx="0">
+        <a:scrgbClr r="0" g="0" b="0"/>
+      </a:effectRef>
+      <a:fontRef idx="minor">
+        <a:schemeClr val="lt1"/>
+      </a:fontRef>
+    </dgm:style>
+  </dgm:styleLbl>
+  <dgm:styleLbl name="node2">
+    <dgm:scene3d>
+      <a:camera prst="orthographicFront"/>
+      <a:lightRig rig="threePt" dir="t"/>
+    </dgm:scene3d>
+    <dgm:sp3d/>
+    <dgm:txPr/>
+    <dgm:style>
+      <a:lnRef idx="2">
+        <a:scrgbClr r="0" g="0" b="0"/>
+      </a:lnRef>
+      <a:fillRef idx="1">
+        <a:scrgbClr r="0" g="0" b="0"/>
+      </a:fillRef>
+      <a:effectRef idx="0">
+        <a:scrgbClr r="0" g="0" b="0"/>
+      </a:effectRef>
+      <a:fontRef idx="minor">
+        <a:schemeClr val="lt1"/>
+      </a:fontRef>
+    </dgm:style>
+  </dgm:styleLbl>
+  <dgm:styleLbl name="node3">
+    <dgm:scene3d>
+      <a:camera prst="orthographicFront"/>
+      <a:lightRig rig="threePt" dir="t"/>
+    </dgm:scene3d>
+    <dgm:sp3d/>
+    <dgm:txPr/>
+    <dgm:style>
+      <a:lnRef idx="2">
+        <a:scrgbClr r="0" g="0" b="0"/>
+      </a:lnRef>
+      <a:fillRef idx="1">
+        <a:scrgbClr r="0" g="0" b="0"/>
+      </a:fillRef>
+      <a:effectRef idx="0">
+        <a:scrgbClr r="0" g="0" b="0"/>
+      </a:effectRef>
+      <a:fontRef idx="minor">
+        <a:schemeClr val="lt1"/>
+      </a:fontRef>
+    </dgm:style>
+  </dgm:styleLbl>
+  <dgm:styleLbl name="node4">
+    <dgm:scene3d>
+      <a:camera prst="orthographicFront"/>
+      <a:lightRig rig="threePt" dir="t"/>
+    </dgm:scene3d>
+    <dgm:sp3d/>
+    <dgm:txPr/>
+    <dgm:style>
+      <a:lnRef idx="2">
+        <a:scrgbClr r="0" g="0" b="0"/>
+      </a:lnRef>
+      <a:fillRef idx="1">
+        <a:scrgbClr r="0" g="0" b="0"/>
+      </a:fillRef>
+      <a:effectRef idx="0">
+        <a:scrgbClr r="0" g="0" b="0"/>
+      </a:effectRef>
+      <a:fontRef idx="minor">
+        <a:schemeClr val="lt1"/>
+      </a:fontRef>
+    </dgm:style>
+  </dgm:styleLbl>
+  <dgm:styleLbl name="fgImgPlace1">
+    <dgm:scene3d>
+      <a:camera prst="orthographicFront"/>
+      <a:lightRig rig="threePt" dir="t"/>
+    </dgm:scene3d>
+    <dgm:sp3d/>
+    <dgm:txPr/>
+    <dgm:style>
+      <a:lnRef idx="2">
+        <a:scrgbClr r="0" g="0" b="0"/>
+      </a:lnRef>
+      <a:fillRef idx="1">
+        <a:scrgbClr r="0" g="0" b="0"/>
+      </a:fillRef>
+      <a:effectRef idx="0">
+        <a:scrgbClr r="0" g="0" b="0"/>
+      </a:effectRef>
+      <a:fontRef idx="minor"/>
+    </dgm:style>
+  </dgm:styleLbl>
+  <dgm:styleLbl name="alignImgPlace1">
+    <dgm:scene3d>
+      <a:camera prst="orthographicFront"/>
+      <a:lightRig rig="threePt" dir="t"/>
+    </dgm:scene3d>
+    <dgm:sp3d/>
+    <dgm:txPr/>
+    <dgm:style>
+      <a:lnRef idx="2">
+        <a:scrgbClr r="0" g="0" b="0"/>
+      </a:lnRef>
+      <a:fillRef idx="1">
+        <a:scrgbClr r="0" g="0" b="0"/>
+      </a:fillRef>
+      <a:effectRef idx="0">
+        <a:scrgbClr r="0" g="0" b="0"/>
+      </a:effectRef>
+      <a:fontRef idx="minor"/>
+    </dgm:style>
+  </dgm:styleLbl>
+  <dgm:styleLbl name="bgImgPlace1">
+    <dgm:scene3d>
+      <a:camera prst="orthographicFront"/>
+      <a:lightRig rig="threePt" dir="t"/>
+    </dgm:scene3d>
+    <dgm:sp3d/>
+    <dgm:txPr/>
+    <dgm:style>
+      <a:lnRef idx="2">
+        <a:scrgbClr r="0" g="0" b="0"/>
+      </a:lnRef>
+      <a:fillRef idx="1">
+        <a:scrgbClr r="0" g="0" b="0"/>
+      </a:fillRef>
+      <a:effectRef idx="0">
+        <a:scrgbClr r="0" g="0" b="0"/>
+      </a:effectRef>
+      <a:fontRef idx="minor"/>
+    </dgm:style>
+  </dgm:styleLbl>
+  <dgm:styleLbl name="sibTrans2D1">
+    <dgm:scene3d>
+      <a:camera prst="orthographicFront"/>
+      <a:lightRig rig="threePt" dir="t"/>
+    </dgm:scene3d>
+    <dgm:sp3d/>
+    <dgm:txPr/>
+    <dgm:style>
+      <a:lnRef idx="0">
+        <a:scrgbClr r="0" g="0" b="0"/>
+      </a:lnRef>
+      <a:fillRef idx="1">
+        <a:scrgbClr r="0" g="0" b="0"/>
+      </a:fillRef>
+      <a:effectRef idx="0">
+        <a:scrgbClr r="0" g="0" b="0"/>
+      </a:effectRef>
+      <a:fontRef idx="minor">
+        <a:schemeClr val="lt1"/>
+      </a:fontRef>
+    </dgm:style>
+  </dgm:styleLbl>
+  <dgm:styleLbl name="fgSibTrans2D1">
+    <dgm:scene3d>
+      <a:camera prst="orthographicFront"/>
+      <a:lightRig rig="threePt" dir="t"/>
+    </dgm:scene3d>
+    <dgm:sp3d/>
+    <dgm:txPr/>
+    <dgm:style>
+      <a:lnRef idx="0">
+        <a:scrgbClr r="0" g="0" b="0"/>
+      </a:lnRef>
+      <a:fillRef idx="1">
+        <a:scrgbClr r="0" g="0" b="0"/>
+      </a:fillRef>
+      <a:effectRef idx="0">
+        <a:scrgbClr r="0" g="0" b="0"/>
+      </a:effectRef>
+      <a:fontRef idx="minor">
+        <a:schemeClr val="lt1"/>
+      </a:fontRef>
+    </dgm:style>
+  </dgm:styleLbl>
+  <dgm:styleLbl name="bgSibTrans2D1">
+    <dgm:scene3d>
+      <a:camera prst="orthographicFront"/>
+      <a:lightRig rig="threePt" dir="t"/>
+    </dgm:scene3d>
+    <dgm:sp3d/>
+    <dgm:txPr/>
+    <dgm:style>
+      <a:lnRef idx="0">
+        <a:scrgbClr r="0" g="0" b="0"/>
+      </a:lnRef>
+      <a:fillRef idx="1">
+        <a:scrgbClr r="0" g="0" b="0"/>
+      </a:fillRef>
+      <a:effectRef idx="0">
+        <a:scrgbClr r="0" g="0" b="0"/>
+      </a:effectRef>
+      <a:fontRef idx="minor">
+        <a:schemeClr val="lt1"/>
+      </a:fontRef>
+    </dgm:style>
+  </dgm:styleLbl>
+  <dgm:styleLbl name="sibTrans1D1">
+    <dgm:scene3d>
+      <a:camera prst="orthographicFront"/>
+      <a:lightRig rig="threePt" dir="t"/>
+    </dgm:scene3d>
+    <dgm:sp3d/>
+    <dgm:txPr/>
+    <dgm:style>
+      <a:lnRef idx="1">
+        <a:scrgbClr r="0" g="0" b="0"/>
+      </a:lnRef>
+      <a:fillRef idx="0">
+        <a:scrgbClr r="0" g="0" b="0"/>
+      </a:fillRef>
+      <a:effectRef idx="0">
+        <a:scrgbClr r="0" g="0" b="0"/>
+      </a:effectRef>
+      <a:fontRef idx="minor"/>
+    </dgm:style>
+  </dgm:styleLbl>
+  <dgm:styleLbl name="callout">
+    <dgm:scene3d>
+      <a:camera prst="orthographicFront"/>
+      <a:lightRig rig="threePt" dir="t"/>
+    </dgm:scene3d>
+    <dgm:sp3d/>
+    <dgm:txPr/>
+    <dgm:style>
+      <a:lnRef idx="2">
+        <a:scrgbClr r="0" g="0" b="0"/>
+      </a:lnRef>
+      <a:fillRef idx="1">
+        <a:scrgbClr r="0" g="0" b="0"/>
+      </a:fillRef>
+      <a:effectRef idx="0">
+        <a:scrgbClr r="0" g="0" b="0"/>
+      </a:effectRef>
+      <a:fontRef idx="minor"/>
+    </dgm:style>
+  </dgm:styleLbl>
+  <dgm:styleLbl name="asst0">
+    <dgm:scene3d>
+      <a:camera prst="orthographicFront"/>
+      <a:lightRig rig="threePt" dir="t"/>
+    </dgm:scene3d>
+    <dgm:sp3d/>
+    <dgm:txPr/>
+    <dgm:style>
+      <a:lnRef idx="2">
+        <a:scrgbClr r="0" g="0" b="0"/>
+      </a:lnRef>
+      <a:fillRef idx="1">
+        <a:scrgbClr r="0" g="0" b="0"/>
+      </a:fillRef>
+      <a:effectRef idx="0">
+        <a:scrgbClr r="0" g="0" b="0"/>
+      </a:effectRef>
+      <a:fontRef idx="minor">
+        <a:schemeClr val="lt1"/>
+      </a:fontRef>
+    </dgm:style>
+  </dgm:styleLbl>
+  <dgm:styleLbl name="asst1">
+    <dgm:scene3d>
+      <a:camera prst="orthographicFront"/>
+      <a:lightRig rig="threePt" dir="t"/>
+    </dgm:scene3d>
+    <dgm:sp3d/>
+    <dgm:txPr/>
+    <dgm:style>
+      <a:lnRef idx="2">
+        <a:scrgbClr r="0" g="0" b="0"/>
+      </a:lnRef>
+      <a:fillRef idx="1">
+        <a:scrgbClr r="0" g="0" b="0"/>
+      </a:fillRef>
+      <a:effectRef idx="0">
+        <a:scrgbClr r="0" g="0" b="0"/>
+      </a:effectRef>
+      <a:fontRef idx="minor">
+        <a:schemeClr val="lt1"/>
+      </a:fontRef>
+    </dgm:style>
+  </dgm:styleLbl>
+  <dgm:styleLbl name="asst2">
+    <dgm:scene3d>
+      <a:camera prst="orthographicFront"/>
+      <a:lightRig rig="threePt" dir="t"/>
+    </dgm:scene3d>
+    <dgm:sp3d/>
+    <dgm:txPr/>
+    <dgm:style>
+      <a:lnRef idx="2">
+        <a:scrgbClr r="0" g="0" b="0"/>
+      </a:lnRef>
+      <a:fillRef idx="1">
+        <a:scrgbClr r="0" g="0" b="0"/>
+      </a:fillRef>
+      <a:effectRef idx="0">
+        <a:scrgbClr r="0" g="0" b="0"/>
+      </a:effectRef>
+      <a:fontRef idx="minor">
+        <a:schemeClr val="lt1"/>
+      </a:fontRef>
+    </dgm:style>
+  </dgm:styleLbl>
+  <dgm:styleLbl name="asst3">
+    <dgm:scene3d>
+      <a:camera prst="orthographicFront"/>
+      <a:lightRig rig="threePt" dir="t"/>
+    </dgm:scene3d>
+    <dgm:sp3d/>
+    <dgm:txPr/>
+    <dgm:style>
+      <a:lnRef idx="2">
+        <a:scrgbClr r="0" g="0" b="0"/>
+      </a:lnRef>
+      <a:fillRef idx="1">
+        <a:scrgbClr r="0" g="0" b="0"/>
+      </a:fillRef>
+      <a:effectRef idx="0">
+        <a:scrgbClr r="0" g="0" b="0"/>
+      </a:effectRef>
+      <a:fontRef idx="minor">
+        <a:schemeClr val="lt1"/>
+      </a:fontRef>
+    </dgm:style>
+  </dgm:styleLbl>
+  <dgm:styleLbl name="asst4">
+    <dgm:scene3d>
+      <a:camera prst="orthographicFront"/>
+      <a:lightRig rig="threePt" dir="t"/>
+    </dgm:scene3d>
+    <dgm:sp3d/>
+    <dgm:txPr/>
+    <dgm:style>
+      <a:lnRef idx="2">
+        <a:scrgbClr r="0" g="0" b="0"/>
+      </a:lnRef>
+      <a:fillRef idx="1">
+        <a:scrgbClr r="0" g="0" b="0"/>
+      </a:fillRef>
+      <a:effectRef idx="0">
+        <a:scrgbClr r="0" g="0" b="0"/>
+      </a:effectRef>
+      <a:fontRef idx="minor">
+        <a:schemeClr val="lt1"/>
+      </a:fontRef>
+    </dgm:style>
+  </dgm:styleLbl>
+  <dgm:styleLbl name="parChTrans2D1">
+    <dgm:scene3d>
+      <a:camera prst="orthographicFront"/>
+      <a:lightRig rig="threePt" dir="t"/>
+    </dgm:scene3d>
+    <dgm:sp3d/>
+    <dgm:txPr/>
+    <dgm:style>
+      <a:lnRef idx="2">
+        <a:scrgbClr r="0" g="0" b="0"/>
+      </a:lnRef>
+      <a:fillRef idx="1">
+        <a:scrgbClr r="0" g="0" b="0"/>
+      </a:fillRef>
+      <a:effectRef idx="0">
+        <a:scrgbClr r="0" g="0" b="0"/>
+      </a:effectRef>
+      <a:fontRef idx="minor">
+        <a:schemeClr val="lt1"/>
+      </a:fontRef>
+    </dgm:style>
+  </dgm:styleLbl>
+  <dgm:styleLbl name="parChTrans2D2">
+    <dgm:scene3d>
+      <a:camera prst="orthographicFront"/>
+      <a:lightRig rig="threePt" dir="t"/>
+    </dgm:scene3d>
+    <dgm:sp3d/>
+    <dgm:txPr/>
+    <dgm:style>
+      <a:lnRef idx="2">
+        <a:scrgbClr r="0" g="0" b="0"/>
+      </a:lnRef>
+      <a:fillRef idx="1">
+        <a:scrgbClr r="0" g="0" b="0"/>
+      </a:fillRef>
+      <a:effectRef idx="0">
+        <a:scrgbClr r="0" g="0" b="0"/>
+      </a:effectRef>
+      <a:fontRef idx="minor">
+        <a:schemeClr val="lt1"/>
+      </a:fontRef>
+    </dgm:style>
+  </dgm:styleLbl>
+  <dgm:styleLbl name="parChTrans2D3">
+    <dgm:scene3d>
+      <a:camera prst="orthographicFront"/>
+      <a:lightRig rig="threePt" dir="t"/>
+    </dgm:scene3d>
+    <dgm:sp3d/>
+    <dgm:txPr/>
+    <dgm:style>
+      <a:lnRef idx="2">
+        <a:scrgbClr r="0" g="0" b="0"/>
+      </a:lnRef>
+      <a:fillRef idx="1">
+        <a:scrgbClr r="0" g="0" b="0"/>
+      </a:fillRef>
+      <a:effectRef idx="0">
+        <a:scrgbClr r="0" g="0" b="0"/>
+      </a:effectRef>
+      <a:fontRef idx="minor">
+        <a:schemeClr val="lt1"/>
+      </a:fontRef>
+    </dgm:style>
+  </dgm:styleLbl>
+  <dgm:styleLbl name="parChTrans2D4">
+    <dgm:scene3d>
+      <a:camera prst="orthographicFront"/>
+      <a:lightRig rig="threePt" dir="t"/>
+    </dgm:scene3d>
+    <dgm:sp3d/>
+    <dgm:txPr/>
+    <dgm:style>
+      <a:lnRef idx="2">
+        <a:scrgbClr r="0" g="0" b="0"/>
+      </a:lnRef>
+      <a:fillRef idx="1">
+        <a:scrgbClr r="0" g="0" b="0"/>
+      </a:fillRef>
+      <a:effectRef idx="0">
+        <a:scrgbClr r="0" g="0" b="0"/>
+      </a:effectRef>
+      <a:fontRef idx="minor">
+        <a:schemeClr val="lt1"/>
+      </a:fontRef>
+    </dgm:style>
+  </dgm:styleLbl>
+  <dgm:styleLbl name="parChTrans1D1">
+    <dgm:scene3d>
+      <a:camera prst="orthographicFront"/>
+      <a:lightRig rig="threePt" dir="t"/>
+    </dgm:scene3d>
+    <dgm:sp3d/>
+    <dgm:txPr/>
+    <dgm:style>
+      <a:lnRef idx="2">
+        <a:scrgbClr r="0" g="0" b="0"/>
+      </a:lnRef>
+      <a:fillRef idx="0">
+        <a:scrgbClr r="0" g="0" b="0"/>
+      </a:fillRef>
+      <a:effectRef idx="0">
+        <a:scrgbClr r="0" g="0" b="0"/>
+      </a:effectRef>
+      <a:fontRef idx="minor"/>
+    </dgm:style>
+  </dgm:styleLbl>
+  <dgm:styleLbl name="parChTrans1D2">
+    <dgm:scene3d>
+      <a:camera prst="orthographicFront"/>
+      <a:lightRig rig="threePt" dir="t"/>
+    </dgm:scene3d>
+    <dgm:sp3d/>
+    <dgm:txPr/>
+    <dgm:style>
+      <a:lnRef idx="2">
+        <a:scrgbClr r="0" g="0" b="0"/>
+      </a:lnRef>
+      <a:fillRef idx="0">
+        <a:scrgbClr r="0" g="0" b="0"/>
+      </a:fillRef>
+      <a:effectRef idx="0">
+        <a:scrgbClr r="0" g="0" b="0"/>
+      </a:effectRef>
+      <a:fontRef idx="minor"/>
+    </dgm:style>
+  </dgm:styleLbl>
+  <dgm:styleLbl name="parChTrans1D3">
+    <dgm:scene3d>
+      <a:camera prst="orthographicFront"/>
+      <a:lightRig rig="threePt" dir="t"/>
+    </dgm:scene3d>
+    <dgm:sp3d/>
+    <dgm:txPr/>
+    <dgm:style>
+      <a:lnRef idx="2">
+        <a:scrgbClr r="0" g="0" b="0"/>
+      </a:lnRef>
+      <a:fillRef idx="0">
+        <a:scrgbClr r="0" g="0" b="0"/>
+      </a:fillRef>
+      <a:effectRef idx="0">
+        <a:scrgbClr r="0" g="0" b="0"/>
+      </a:effectRef>
+      <a:fontRef idx="minor"/>
+    </dgm:style>
+  </dgm:styleLbl>
+  <dgm:styleLbl name="parChTrans1D4">
+    <dgm:scene3d>
+      <a:camera prst="orthographicFront"/>
+      <a:lightRig rig="threePt" dir="t"/>
+    </dgm:scene3d>
+    <dgm:sp3d/>
+    <dgm:txPr/>
+    <dgm:style>
+      <a:lnRef idx="2">
+        <a:scrgbClr r="0" g="0" b="0"/>
+      </a:lnRef>
+      <a:fillRef idx="0">
+        <a:scrgbClr r="0" g="0" b="0"/>
+      </a:fillRef>
+      <a:effectRef idx="0">
+        <a:scrgbClr r="0" g="0" b="0"/>
+      </a:effectRef>
+      <a:fontRef idx="minor"/>
+    </dgm:style>
+  </dgm:styleLbl>
+  <dgm:styleLbl name="fgAcc1">
+    <dgm:scene3d>
+      <a:camera prst="orthographicFront"/>
+      <a:lightRig rig="threePt" dir="t"/>
+    </dgm:scene3d>
+    <dgm:sp3d/>
+    <dgm:txPr/>
+    <dgm:style>
+      <a:lnRef idx="2">
+        <a:scrgbClr r="0" g="0" b="0"/>
+      </a:lnRef>
+      <a:fillRef idx="1">
+        <a:scrgbClr r="0" g="0" b="0"/>
+      </a:fillRef>
+      <a:effectRef idx="0">
+        <a:scrgbClr r="0" g="0" b="0"/>
+      </a:effectRef>
+      <a:fontRef idx="minor"/>
+    </dgm:style>
+  </dgm:styleLbl>
+  <dgm:styleLbl name="conFgAcc1">
+    <dgm:scene3d>
+      <a:camera prst="orthographicFront"/>
+      <a:lightRig rig="threePt" dir="t"/>
+    </dgm:scene3d>
+    <dgm:sp3d/>
+    <dgm:txPr/>
+    <dgm:style>
+      <a:lnRef idx="2">
+        <a:scrgbClr r="0" g="0" b="0"/>
+      </a:lnRef>
+      <a:fillRef idx="1">
+        <a:scrgbClr r="0" g="0" b="0"/>
+      </a:fillRef>
+      <a:effectRef idx="0">
+        <a:scrgbClr r="0" g="0" b="0"/>
+      </a:effectRef>
+      <a:fontRef idx="minor"/>
+    </dgm:style>
+  </dgm:styleLbl>
+  <dgm:styleLbl name="alignAcc1">
+    <dgm:scene3d>
+      <a:camera prst="orthographicFront"/>
+      <a:lightRig rig="threePt" dir="t"/>
+    </dgm:scene3d>
+    <dgm:sp3d/>
+    <dgm:txPr/>
+    <dgm:style>
+      <a:lnRef idx="2">
+        <a:scrgbClr r="0" g="0" b="0"/>
+      </a:lnRef>
+      <a:fillRef idx="1">
+        <a:scrgbClr r="0" g="0" b="0"/>
+      </a:fillRef>
+      <a:effectRef idx="0">
+        <a:scrgbClr r="0" g="0" b="0"/>
+      </a:effectRef>
+      <a:fontRef idx="minor"/>
+    </dgm:style>
+  </dgm:styleLbl>
+  <dgm:styleLbl name="trAlignAcc1">
+    <dgm:scene3d>
+      <a:camera prst="orthographicFront"/>
+      <a:lightRig rig="threePt" dir="t"/>
+    </dgm:scene3d>
+    <dgm:sp3d/>
+    <dgm:txPr/>
+    <dgm:style>
+      <a:lnRef idx="1">
+        <a:scrgbClr r="0" g="0" b="0"/>
+      </a:lnRef>
+      <a:fillRef idx="1">
+        <a:scrgbClr r="0" g="0" b="0"/>
+      </a:fillRef>
+      <a:effectRef idx="0">
+        <a:scrgbClr r="0" g="0" b="0"/>
+      </a:effectRef>
+      <a:fontRef idx="minor"/>
+    </dgm:style>
+  </dgm:styleLbl>
+  <dgm:styleLbl name="bgAcc1">
+    <dgm:scene3d>
+      <a:camera prst="orthographicFront"/>
+      <a:lightRig rig="threePt" dir="t"/>
+    </dgm:scene3d>
+    <dgm:sp3d/>
+    <dgm:txPr/>
+    <dgm:style>
+      <a:lnRef idx="2">
+        <a:scrgbClr r="0" g="0" b="0"/>
+      </a:lnRef>
+      <a:fillRef idx="1">
+        <a:scrgbClr r="0" g="0" b="0"/>
+      </a:fillRef>
+      <a:effectRef idx="0">
+        <a:scrgbClr r="0" g="0" b="0"/>
+      </a:effectRef>
+      <a:fontRef idx="minor"/>
+    </dgm:style>
+  </dgm:styleLbl>
+  <dgm:styleLbl name="solidFgAcc1">
+    <dgm:scene3d>
+      <a:camera prst="orthographicFront"/>
+      <a:lightRig rig="threePt" dir="t"/>
+    </dgm:scene3d>
+    <dgm:sp3d/>
+    <dgm:txPr/>
+    <dgm:style>
+      <a:lnRef idx="2">
+        <a:scrgbClr r="0" g="0" b="0"/>
+      </a:lnRef>
+      <a:fillRef idx="1">
+        <a:scrgbClr r="0" g="0" b="0"/>
+      </a:fillRef>
+      <a:effectRef idx="0">
+        <a:scrgbClr r="0" g="0" b="0"/>
+      </a:effectRef>
+      <a:fontRef idx="minor"/>
+    </dgm:style>
+  </dgm:styleLbl>
+  <dgm:styleLbl name="solidAlignAcc1">
+    <dgm:scene3d>
+      <a:camera prst="orthographicFront"/>
+      <a:lightRig rig="threePt" dir="t"/>
+    </dgm:scene3d>
+    <dgm:sp3d/>
+    <dgm:txPr/>
+    <dgm:style>
+      <a:lnRef idx="2">
+        <a:scrgbClr r="0" g="0" b="0"/>
+      </a:lnRef>
+      <a:fillRef idx="1">
+        <a:scrgbClr r="0" g="0" b="0"/>
+      </a:fillRef>
+      <a:effectRef idx="0">
+        <a:scrgbClr r="0" g="0" b="0"/>
+      </a:effectRef>
+      <a:fontRef idx="minor"/>
+    </dgm:style>
+  </dgm:styleLbl>
+  <dgm:styleLbl name="solidBgAcc1">
+    <dgm:scene3d>
+      <a:camera prst="orthographicFront"/>
+      <a:lightRig rig="threePt" dir="t"/>
+    </dgm:scene3d>
+    <dgm:sp3d/>
+    <dgm:txPr/>
+    <dgm:style>
+      <a:lnRef idx="2">
+        <a:scrgbClr r="0" g="0" b="0"/>
+      </a:lnRef>
+      <a:fillRef idx="1">
+        <a:scrgbClr r="0" g="0" b="0"/>
+      </a:fillRef>
+      <a:effectRef idx="0">
+        <a:scrgbClr r="0" g="0" b="0"/>
+      </a:effectRef>
+      <a:fontRef idx="minor"/>
+    </dgm:style>
+  </dgm:styleLbl>
+  <dgm:styleLbl name="fgAccFollowNode1">
+    <dgm:scene3d>
+      <a:camera prst="orthographicFront"/>
+      <a:lightRig rig="threePt" dir="t"/>
+    </dgm:scene3d>
+    <dgm:sp3d/>
+    <dgm:txPr/>
+    <dgm:style>
+      <a:lnRef idx="2">
+        <a:scrgbClr r="0" g="0" b="0"/>
+      </a:lnRef>
+      <a:fillRef idx="1">
+        <a:scrgbClr r="0" g="0" b="0"/>
+      </a:fillRef>
+      <a:effectRef idx="0">
+        <a:scrgbClr r="0" g="0" b="0"/>
+      </a:effectRef>
+      <a:fontRef idx="minor"/>
+    </dgm:style>
+  </dgm:styleLbl>
+  <dgm:styleLbl name="alignAccFollowNode1">
+    <dgm:scene3d>
+      <a:camera prst="orthographicFront"/>
+      <a:lightRig rig="threePt" dir="t"/>
+    </dgm:scene3d>
+    <dgm:sp3d/>
+    <dgm:txPr/>
+    <dgm:style>
+      <a:lnRef idx="2">
+        <a:scrgbClr r="0" g="0" b="0"/>
+      </a:lnRef>
+      <a:fillRef idx="1">
+        <a:scrgbClr r="0" g="0" b="0"/>
+      </a:fillRef>
+      <a:effectRef idx="0">
+        <a:scrgbClr r="0" g="0" b="0"/>
+      </a:effectRef>
+      <a:fontRef idx="minor"/>
+    </dgm:style>
+  </dgm:styleLbl>
+  <dgm:styleLbl name="bgAccFollowNode1">
+    <dgm:scene3d>
+      <a:camera prst="orthographicFront"/>
+      <a:lightRig rig="threePt" dir="t"/>
+    </dgm:scene3d>
+    <dgm:sp3d/>
+    <dgm:txPr/>
+    <dgm:style>
+      <a:lnRef idx="2">
+        <a:scrgbClr r="0" g="0" b="0"/>
+      </a:lnRef>
+      <a:fillRef idx="1">
+        <a:scrgbClr r="0" g="0" b="0"/>
+      </a:fillRef>
+      <a:effectRef idx="0">
+        <a:scrgbClr r="0" g="0" b="0"/>
+      </a:effectRef>
+      <a:fontRef idx="minor"/>
+    </dgm:style>
+  </dgm:styleLbl>
+  <dgm:styleLbl name="fgAcc0">
+    <dgm:scene3d>
+      <a:camera prst="orthographicFront"/>
+      <a:lightRig rig="threePt" dir="t"/>
+    </dgm:scene3d>
+    <dgm:sp3d/>
+    <dgm:txPr/>
+    <dgm:style>
+      <a:lnRef idx="2">
+        <a:scrgbClr r="0" g="0" b="0"/>
+      </a:lnRef>
+      <a:fillRef idx="1">
+        <a:scrgbClr r="0" g="0" b="0"/>
+      </a:fillRef>
+      <a:effectRef idx="0">
+        <a:scrgbClr r="0" g="0" b="0"/>
+      </a:effectRef>
+      <a:fontRef idx="minor"/>
+    </dgm:style>
+  </dgm:styleLbl>
+  <dgm:styleLbl name="fgAcc2">
+    <dgm:scene3d>
+      <a:camera prst="orthographicFront"/>
+      <a:lightRig rig="threePt" dir="t"/>
+    </dgm:scene3d>
+    <dgm:sp3d/>
+    <dgm:txPr/>
+    <dgm:style>
+      <a:lnRef idx="2">
+        <a:scrgbClr r="0" g="0" b="0"/>
+      </a:lnRef>
+      <a:fillRef idx="1">
+        <a:scrgbClr r="0" g="0" b="0"/>
+      </a:fillRef>
+      <a:effectRef idx="0">
+        <a:scrgbClr r="0" g="0" b="0"/>
+      </a:effectRef>
+      <a:fontRef idx="minor"/>
+    </dgm:style>
+  </dgm:styleLbl>
+  <dgm:styleLbl name="fgAcc3">
+    <dgm:scene3d>
+      <a:camera prst="orthographicFront"/>
+      <a:lightRig rig="threePt" dir="t"/>
+    </dgm:scene3d>
+    <dgm:sp3d/>
+    <dgm:txPr/>
+    <dgm:style>
+      <a:lnRef idx="2">
+        <a:scrgbClr r="0" g="0" b="0"/>
+      </a:lnRef>
+      <a:fillRef idx="1">
+        <a:scrgbClr r="0" g="0" b="0"/>
+      </a:fillRef>
+      <a:effectRef idx="0">
+        <a:scrgbClr r="0" g="0" b="0"/>
+      </a:effectRef>
+      <a:fontRef idx="minor"/>
+    </dgm:style>
+  </dgm:styleLbl>
+  <dgm:styleLbl name="fgAcc4">
+    <dgm:scene3d>
+      <a:camera prst="orthographicFront"/>
+      <a:lightRig rig="threePt" dir="t"/>
+    </dgm:scene3d>
+    <dgm:sp3d/>
+    <dgm:txPr/>
+    <dgm:style>
+      <a:lnRef idx="2">
+        <a:scrgbClr r="0" g="0" b="0"/>
+      </a:lnRef>
+      <a:fillRef idx="1">
+        <a:scrgbClr r="0" g="0" b="0"/>
+      </a:fillRef>
+      <a:effectRef idx="0">
+        <a:scrgbClr r="0" g="0" b="0"/>
+      </a:effectRef>
+      <a:fontRef idx="minor"/>
+    </dgm:style>
+  </dgm:styleLbl>
+  <dgm:styleLbl name="bgShp">
+    <dgm:scene3d>
+      <a:camera prst="orthographicFront"/>
+      <a:lightRig rig="threePt" dir="t"/>
+    </dgm:scene3d>
+    <dgm:sp3d/>
+    <dgm:txPr/>
+    <dgm:style>
+      <a:lnRef idx="0">
+        <a:scrgbClr r="0" g="0" b="0"/>
+      </a:lnRef>
+      <a:fillRef idx="1">
+        <a:scrgbClr r="0" g="0" b="0"/>
+      </a:fillRef>
+      <a:effectRef idx="0">
+        <a:scrgbClr r="0" g="0" b="0"/>
+      </a:effectRef>
+      <a:fontRef idx="minor"/>
+    </dgm:style>
+  </dgm:styleLbl>
+  <dgm:styleLbl name="dkBgShp">
+    <dgm:scene3d>
+      <a:camera prst="orthographicFront"/>
+      <a:lightRig rig="threePt" dir="t"/>
+    </dgm:scene3d>
+    <dgm:sp3d/>
+    <dgm:txPr/>
+    <dgm:style>
+      <a:lnRef idx="0">
+        <a:scrgbClr r="0" g="0" b="0"/>
+      </a:lnRef>
+      <a:fillRef idx="1">
+        <a:scrgbClr r="0" g="0" b="0"/>
+      </a:fillRef>
+      <a:effectRef idx="0">
+        <a:scrgbClr r="0" g="0" b="0"/>
+      </a:effectRef>
+      <a:fontRef idx="minor"/>
+    </dgm:style>
+  </dgm:styleLbl>
+  <dgm:styleLbl name="trBgShp">
+    <dgm:scene3d>
+      <a:camera prst="orthographicFront"/>
+      <a:lightRig rig="threePt" dir="t"/>
+    </dgm:scene3d>
+    <dgm:sp3d/>
+    <dgm:txPr/>
+    <dgm:style>
+      <a:lnRef idx="0">
+        <a:scrgbClr r="0" g="0" b="0"/>
+      </a:lnRef>
+      <a:fillRef idx="1">
+        <a:scrgbClr r="0" g="0" b="0"/>
+      </a:fillRef>
+      <a:effectRef idx="0">
+        <a:scrgbClr r="0" g="0" b="0"/>
+      </a:effectRef>
+      <a:fontRef idx="minor"/>
+    </dgm:style>
+  </dgm:styleLbl>
+  <dgm:styleLbl name="fgShp">
+    <dgm:scene3d>
+      <a:camera prst="orthographicFront"/>
+      <a:lightRig rig="threePt" dir="t"/>
+    </dgm:scene3d>
+    <dgm:sp3d/>
+    <dgm:txPr/>
+    <dgm:style>
+      <a:lnRef idx="2">
+        <a:scrgbClr r="0" g="0" b="0"/>
+      </a:lnRef>
+      <a:fillRef idx="1">
+        <a:scrgbClr r="0" g="0" b="0"/>
+      </a:fillRef>
+      <a:effectRef idx="0">
+        <a:scrgbClr r="0" g="0" b="0"/>
+      </a:effectRef>
+      <a:fontRef idx="minor"/>
+    </dgm:style>
+  </dgm:styleLbl>
+  <dgm:styleLbl name="revTx">
+    <dgm:scene3d>
+      <a:camera prst="orthographicFront"/>
+      <a:lightRig rig="threePt" dir="t"/>
+    </dgm:scene3d>
+    <dgm:sp3d/>
+    <dgm:txPr/>
+    <dgm:style>
+      <a:lnRef idx="0">
+        <a:scrgbClr r="0" g="0" b="0"/>
+      </a:lnRef>
+      <a:fillRef idx="0">
+        <a:scrgbClr r="0" g="0" b="0"/>
+      </a:fillRef>
+      <a:effectRef idx="0">
+        <a:scrgbClr r="0" g="0" b="0"/>
+      </a:effectRef>
+      <a:fontRef idx="minor"/>
+    </dgm:style>
+  </dgm:styleLbl>
+</dgm:styleDef>
+</file>
+
+<file path=ppt/diagrams/quickStyle4.xml><?xml version="1.0" encoding="utf-8"?>
 <dgm:styleDef xmlns:dgm="http://schemas.openxmlformats.org/drawingml/2006/diagram" xmlns:a="http://schemas.openxmlformats.org/drawingml/2006/main" uniqueId="urn:microsoft.com/office/officeart/2005/8/quickstyle/3d1">
   <dgm:title val=""/>
   <dgm:desc val=""/>
@@ -11954,7 +14823,7 @@
 </dgm:styleDef>
 </file>
 
-<file path=ppt/diagrams/quickStyle4.xml><?xml version="1.0" encoding="utf-8"?>
+<file path=ppt/diagrams/quickStyle5.xml><?xml version="1.0" encoding="utf-8"?>
 <dgm:styleDef xmlns:dgm="http://schemas.openxmlformats.org/drawingml/2006/diagram" xmlns:a="http://schemas.openxmlformats.org/drawingml/2006/main" uniqueId="urn:microsoft.com/office/officeart/2005/8/quickstyle/simple1">
   <dgm:title val=""/>
   <dgm:desc val=""/>
@@ -13710,7 +16579,7 @@
           <a:p>
             <a:fld id="{03828354-E0C5-4131-9B49-1997E3EE3A7D}" type="datetimeFigureOut">
               <a:rPr lang="en-US" smtClean="0"/>
-              <a:t>04/17/2014</a:t>
+              <a:t>4/17/2014</a:t>
             </a:fld>
             <a:endParaRPr lang="en-US"/>
           </a:p>
@@ -13961,7 +16830,7 @@
           <a:p>
             <a:fld id="{03828354-E0C5-4131-9B49-1997E3EE3A7D}" type="datetimeFigureOut">
               <a:rPr lang="en-US" smtClean="0"/>
-              <a:t>04/17/2014</a:t>
+              <a:t>4/17/2014</a:t>
             </a:fld>
             <a:endParaRPr lang="en-US"/>
           </a:p>
@@ -14275,7 +17144,7 @@
           <a:p>
             <a:fld id="{03828354-E0C5-4131-9B49-1997E3EE3A7D}" type="datetimeFigureOut">
               <a:rPr lang="en-US" smtClean="0"/>
-              <a:t>04/17/2014</a:t>
+              <a:t>4/17/2014</a:t>
             </a:fld>
             <a:endParaRPr lang="en-US"/>
           </a:p>
@@ -14616,7 +17485,7 @@
           <a:p>
             <a:fld id="{03828354-E0C5-4131-9B49-1997E3EE3A7D}" type="datetimeFigureOut">
               <a:rPr lang="en-US" smtClean="0"/>
-              <a:t>04/17/2014</a:t>
+              <a:t>4/17/2014</a:t>
             </a:fld>
             <a:endParaRPr lang="en-US"/>
           </a:p>
@@ -14930,7 +17799,7 @@
           <a:p>
             <a:fld id="{03828354-E0C5-4131-9B49-1997E3EE3A7D}" type="datetimeFigureOut">
               <a:rPr lang="en-US" smtClean="0"/>
-              <a:t>04/17/2014</a:t>
+              <a:t>4/17/2014</a:t>
             </a:fld>
             <a:endParaRPr lang="en-US"/>
           </a:p>
@@ -15323,7 +18192,7 @@
           <a:p>
             <a:fld id="{03828354-E0C5-4131-9B49-1997E3EE3A7D}" type="datetimeFigureOut">
               <a:rPr lang="en-US" smtClean="0"/>
-              <a:t>04/17/2014</a:t>
+              <a:t>4/17/2014</a:t>
             </a:fld>
             <a:endParaRPr lang="en-US"/>
           </a:p>
@@ -15493,7 +18362,7 @@
           <a:p>
             <a:fld id="{03828354-E0C5-4131-9B49-1997E3EE3A7D}" type="datetimeFigureOut">
               <a:rPr lang="en-US" smtClean="0"/>
-              <a:t>04/17/2014</a:t>
+              <a:t>4/17/2014</a:t>
             </a:fld>
             <a:endParaRPr lang="en-US"/>
           </a:p>
@@ -15673,7 +18542,7 @@
           <a:p>
             <a:fld id="{03828354-E0C5-4131-9B49-1997E3EE3A7D}" type="datetimeFigureOut">
               <a:rPr lang="en-US" smtClean="0"/>
-              <a:t>04/17/2014</a:t>
+              <a:t>4/17/2014</a:t>
             </a:fld>
             <a:endParaRPr lang="en-US"/>
           </a:p>
@@ -15883,7 +18752,7 @@
           <a:p>
             <a:fld id="{03828354-E0C5-4131-9B49-1997E3EE3A7D}" type="datetimeFigureOut">
               <a:rPr lang="en-US" smtClean="0"/>
-              <a:t>04/17/2014</a:t>
+              <a:t>4/17/2014</a:t>
             </a:fld>
             <a:endParaRPr lang="en-US"/>
           </a:p>
@@ -16130,7 +18999,7 @@
           <a:p>
             <a:fld id="{03828354-E0C5-4131-9B49-1997E3EE3A7D}" type="datetimeFigureOut">
               <a:rPr lang="en-US" smtClean="0"/>
-              <a:t>04/17/2014</a:t>
+              <a:t>4/17/2014</a:t>
             </a:fld>
             <a:endParaRPr lang="en-US"/>
           </a:p>
@@ -16362,7 +19231,7 @@
           <a:p>
             <a:fld id="{03828354-E0C5-4131-9B49-1997E3EE3A7D}" type="datetimeFigureOut">
               <a:rPr lang="en-US" smtClean="0"/>
-              <a:t>04/17/2014</a:t>
+              <a:t>4/17/2014</a:t>
             </a:fld>
             <a:endParaRPr lang="en-US"/>
           </a:p>
@@ -16736,7 +19605,7 @@
           <a:p>
             <a:fld id="{03828354-E0C5-4131-9B49-1997E3EE3A7D}" type="datetimeFigureOut">
               <a:rPr lang="en-US" smtClean="0"/>
-              <a:t>04/17/2014</a:t>
+              <a:t>4/17/2014</a:t>
             </a:fld>
             <a:endParaRPr lang="en-US"/>
           </a:p>
@@ -16859,7 +19728,7 @@
           <a:p>
             <a:fld id="{03828354-E0C5-4131-9B49-1997E3EE3A7D}" type="datetimeFigureOut">
               <a:rPr lang="en-US" smtClean="0"/>
-              <a:t>04/17/2014</a:t>
+              <a:t>4/17/2014</a:t>
             </a:fld>
             <a:endParaRPr lang="en-US"/>
           </a:p>
@@ -16954,7 +19823,7 @@
           <a:p>
             <a:fld id="{03828354-E0C5-4131-9B49-1997E3EE3A7D}" type="datetimeFigureOut">
               <a:rPr lang="en-US" smtClean="0"/>
-              <a:t>04/17/2014</a:t>
+              <a:t>4/17/2014</a:t>
             </a:fld>
             <a:endParaRPr lang="en-US"/>
           </a:p>
@@ -17209,7 +20078,7 @@
           <a:p>
             <a:fld id="{03828354-E0C5-4131-9B49-1997E3EE3A7D}" type="datetimeFigureOut">
               <a:rPr lang="en-US" smtClean="0"/>
-              <a:t>04/17/2014</a:t>
+              <a:t>4/17/2014</a:t>
             </a:fld>
             <a:endParaRPr lang="en-US"/>
           </a:p>
@@ -17472,7 +20341,7 @@
           <a:p>
             <a:fld id="{03828354-E0C5-4131-9B49-1997E3EE3A7D}" type="datetimeFigureOut">
               <a:rPr lang="en-US" smtClean="0"/>
-              <a:t>04/17/2014</a:t>
+              <a:t>4/17/2014</a:t>
             </a:fld>
             <a:endParaRPr lang="en-US"/>
           </a:p>
@@ -18215,7 +21084,7 @@
           <a:p>
             <a:fld id="{03828354-E0C5-4131-9B49-1997E3EE3A7D}" type="datetimeFigureOut">
               <a:rPr lang="en-US" smtClean="0"/>
-              <a:t>04/17/2014</a:t>
+              <a:t>4/17/2014</a:t>
             </a:fld>
             <a:endParaRPr lang="en-US"/>
           </a:p>
@@ -18957,7 +21826,7 @@
         </p:blipFill>
         <p:spPr>
           <a:xfrm>
-            <a:off x="677333" y="2616200"/>
+            <a:off x="677333" y="1392695"/>
             <a:ext cx="1625600" cy="1625600"/>
           </a:xfrm>
           <a:prstGeom prst="rect">
@@ -18987,7 +21856,7 @@
         </p:blipFill>
         <p:spPr>
           <a:xfrm>
-            <a:off x="4405228" y="2615184"/>
+            <a:off x="4405228" y="1391679"/>
             <a:ext cx="1627632" cy="1627632"/>
           </a:xfrm>
           <a:prstGeom prst="rect">
@@ -19017,7 +21886,7 @@
         </p:blipFill>
         <p:spPr>
           <a:xfrm>
-            <a:off x="8135154" y="2615184"/>
+            <a:off x="8135154" y="1391679"/>
             <a:ext cx="1627632" cy="1627632"/>
           </a:xfrm>
           <a:prstGeom prst="rect">
@@ -19033,7 +21902,7 @@
         </p:nvSpPr>
         <p:spPr>
           <a:xfrm>
-            <a:off x="2104830" y="2895629"/>
+            <a:off x="2104830" y="1672124"/>
             <a:ext cx="2300397" cy="1066742"/>
           </a:xfrm>
           <a:prstGeom prst="rightArrow">
@@ -19066,7 +21935,14 @@
                 <a:latin typeface="Arial" panose="020B0604020202020204" pitchFamily="34" charset="0"/>
                 <a:cs typeface="Arial" panose="020B0604020202020204" pitchFamily="34" charset="0"/>
               </a:rPr>
-              <a:t>Search Product</a:t>
+              <a:t>Search </a:t>
+            </a:r>
+            <a:r>
+              <a:rPr lang="en-US" dirty="0" smtClean="0">
+                <a:latin typeface="Arial" panose="020B0604020202020204" pitchFamily="34" charset="0"/>
+                <a:cs typeface="Arial" panose="020B0604020202020204" pitchFamily="34" charset="0"/>
+              </a:rPr>
+              <a:t>product</a:t>
             </a:r>
             <a:endParaRPr lang="en-US" dirty="0">
               <a:latin typeface="Arial" panose="020B0604020202020204" pitchFamily="34" charset="0"/>
@@ -19083,7 +21959,7 @@
         </p:nvSpPr>
         <p:spPr>
           <a:xfrm>
-            <a:off x="5834757" y="2895629"/>
+            <a:off x="5834757" y="1672124"/>
             <a:ext cx="2300397" cy="1066742"/>
           </a:xfrm>
           <a:prstGeom prst="rightArrow">
@@ -19129,6 +22005,118 @@
               <a:t>View cart</a:t>
             </a:r>
             <a:endParaRPr lang="en-US" dirty="0">
+              <a:latin typeface="Arial" panose="020B0604020202020204" pitchFamily="34" charset="0"/>
+              <a:cs typeface="Arial" panose="020B0604020202020204" pitchFamily="34" charset="0"/>
+            </a:endParaRPr>
+          </a:p>
+        </p:txBody>
+      </p:sp>
+      <p:pic>
+        <p:nvPicPr>
+          <p:cNvPr id="3" name="Picture 2"/>
+          <p:cNvPicPr>
+            <a:picLocks noChangeAspect="1"/>
+          </p:cNvPicPr>
+          <p:nvPr/>
+        </p:nvPicPr>
+        <p:blipFill>
+          <a:blip r:embed="rId5" cstate="print">
+            <a:extLst>
+              <a:ext uri="{28A0092B-C50C-407E-A947-70E740481C1C}">
+                <a14:useLocalDpi xmlns:a14="http://schemas.microsoft.com/office/drawing/2010/main" val="0"/>
+              </a:ext>
+            </a:extLst>
+          </a:blip>
+          <a:stretch>
+            <a:fillRect/>
+          </a:stretch>
+        </p:blipFill>
+        <p:spPr>
+          <a:xfrm>
+            <a:off x="8135586" y="5156774"/>
+            <a:ext cx="1627200" cy="1627200"/>
+          </a:xfrm>
+          <a:prstGeom prst="rect">
+            <a:avLst/>
+          </a:prstGeom>
+        </p:spPr>
+      </p:pic>
+      <p:sp>
+        <p:nvSpPr>
+          <p:cNvPr id="5" name="Down Arrow 4"/>
+          <p:cNvSpPr/>
+          <p:nvPr/>
+        </p:nvSpPr>
+        <p:spPr>
+          <a:xfrm>
+            <a:off x="8285624" y="3019311"/>
+            <a:ext cx="1327124" cy="2137463"/>
+          </a:xfrm>
+          <a:prstGeom prst="downArrow">
+            <a:avLst/>
+          </a:prstGeom>
+        </p:spPr>
+        <p:style>
+          <a:lnRef idx="2">
+            <a:schemeClr val="accent1">
+              <a:shade val="50000"/>
+            </a:schemeClr>
+          </a:lnRef>
+          <a:fillRef idx="1">
+            <a:schemeClr val="accent1"/>
+          </a:fillRef>
+          <a:effectRef idx="0">
+            <a:schemeClr val="accent1"/>
+          </a:effectRef>
+          <a:fontRef idx="minor">
+            <a:schemeClr val="lt1"/>
+          </a:fontRef>
+        </p:style>
+        <p:txBody>
+          <a:bodyPr rtlCol="0" anchor="ctr"/>
+          <a:lstStyle/>
+          <a:p>
+            <a:pPr algn="ctr"/>
+            <a:endParaRPr lang="en-GB" dirty="0"/>
+          </a:p>
+        </p:txBody>
+      </p:sp>
+      <p:sp>
+        <p:nvSpPr>
+          <p:cNvPr id="10" name="TextBox 9"/>
+          <p:cNvSpPr txBox="1"/>
+          <p:nvPr/>
+        </p:nvSpPr>
+        <p:spPr>
+          <a:xfrm>
+            <a:off x="8718353" y="3366825"/>
+            <a:ext cx="461665" cy="934551"/>
+          </a:xfrm>
+          <a:prstGeom prst="rect">
+            <a:avLst/>
+          </a:prstGeom>
+          <a:noFill/>
+        </p:spPr>
+        <p:txBody>
+          <a:bodyPr vert="eaVert" wrap="none" rtlCol="0">
+            <a:spAutoFit/>
+          </a:bodyPr>
+          <a:lstStyle/>
+          <a:p>
+            <a:r>
+              <a:rPr lang="en-US" dirty="0" smtClean="0">
+                <a:solidFill>
+                  <a:schemeClr val="bg1"/>
+                </a:solidFill>
+                <a:latin typeface="Arial" panose="020B0604020202020204" pitchFamily="34" charset="0"/>
+                <a:cs typeface="Arial" panose="020B0604020202020204" pitchFamily="34" charset="0"/>
+              </a:rPr>
+              <a:t>View list</a:t>
+            </a:r>
+            <a:endParaRPr lang="en-GB" dirty="0">
+              <a:solidFill>
+                <a:schemeClr val="bg1"/>
+              </a:solidFill>
               <a:latin typeface="Arial" panose="020B0604020202020204" pitchFamily="34" charset="0"/>
               <a:cs typeface="Arial" panose="020B0604020202020204" pitchFamily="34" charset="0"/>
             </a:endParaRPr>
@@ -19385,6 +22373,94 @@
                       </p:childTnLst>
                     </p:cTn>
                   </p:par>
+                  <p:par>
+                    <p:cTn id="24" fill="hold">
+                      <p:stCondLst>
+                        <p:cond delay="indefinite"/>
+                      </p:stCondLst>
+                      <p:childTnLst>
+                        <p:par>
+                          <p:cTn id="25" fill="hold">
+                            <p:stCondLst>
+                              <p:cond delay="0"/>
+                            </p:stCondLst>
+                            <p:childTnLst>
+                              <p:par>
+                                <p:cTn id="26" presetID="14" presetClass="entr" presetSubtype="10" fill="hold" grpId="0" nodeType="clickEffect">
+                                  <p:stCondLst>
+                                    <p:cond delay="0"/>
+                                  </p:stCondLst>
+                                  <p:childTnLst>
+                                    <p:set>
+                                      <p:cBhvr>
+                                        <p:cTn id="27" dur="1" fill="hold">
+                                          <p:stCondLst>
+                                            <p:cond delay="0"/>
+                                          </p:stCondLst>
+                                        </p:cTn>
+                                        <p:tgtEl>
+                                          <p:spTgt spid="5"/>
+                                        </p:tgtEl>
+                                        <p:attrNameLst>
+                                          <p:attrName>style.visibility</p:attrName>
+                                        </p:attrNameLst>
+                                      </p:cBhvr>
+                                      <p:to>
+                                        <p:strVal val="visible"/>
+                                      </p:to>
+                                    </p:set>
+                                    <p:animEffect transition="in" filter="randombar(horizontal)">
+                                      <p:cBhvr>
+                                        <p:cTn id="28" dur="500"/>
+                                        <p:tgtEl>
+                                          <p:spTgt spid="5"/>
+                                        </p:tgtEl>
+                                      </p:cBhvr>
+                                    </p:animEffect>
+                                  </p:childTnLst>
+                                </p:cTn>
+                              </p:par>
+                              <p:par>
+                                <p:cTn id="29" presetID="14" presetClass="entr" presetSubtype="10" fill="hold" nodeType="withEffect">
+                                  <p:stCondLst>
+                                    <p:cond delay="0"/>
+                                  </p:stCondLst>
+                                  <p:childTnLst>
+                                    <p:set>
+                                      <p:cBhvr>
+                                        <p:cTn id="30" dur="1" fill="hold">
+                                          <p:stCondLst>
+                                            <p:cond delay="0"/>
+                                          </p:stCondLst>
+                                        </p:cTn>
+                                        <p:tgtEl>
+                                          <p:spTgt spid="3"/>
+                                        </p:tgtEl>
+                                        <p:attrNameLst>
+                                          <p:attrName>style.visibility</p:attrName>
+                                        </p:attrNameLst>
+                                      </p:cBhvr>
+                                      <p:to>
+                                        <p:strVal val="visible"/>
+                                      </p:to>
+                                    </p:set>
+                                    <p:animEffect transition="in" filter="randombar(horizontal)">
+                                      <p:cBhvr>
+                                        <p:cTn id="31" dur="500"/>
+                                        <p:tgtEl>
+                                          <p:spTgt spid="3"/>
+                                        </p:tgtEl>
+                                      </p:cBhvr>
+                                    </p:animEffect>
+                                  </p:childTnLst>
+                                </p:cTn>
+                              </p:par>
+                            </p:childTnLst>
+                          </p:cTn>
+                        </p:par>
+                      </p:childTnLst>
+                    </p:cTn>
+                  </p:par>
                 </p:childTnLst>
               </p:cTn>
               <p:prevCondLst>
@@ -19409,6 +22485,7 @@
     <p:bldLst>
       <p:bldP spid="8" grpId="0" animBg="1"/>
       <p:bldP spid="9" grpId="0" animBg="1"/>
+      <p:bldP spid="5" grpId="0" animBg="1"/>
     </p:bldLst>
   </p:timing>
 </p:sld>
@@ -20042,35 +23119,66 @@
           </a:p>
         </p:txBody>
       </p:sp>
-      <p:sp>
-        <p:nvSpPr>
-          <p:cNvPr id="3" name="Content Placeholder 2"/>
-          <p:cNvSpPr>
-            <a:spLocks noGrp="1"/>
-          </p:cNvSpPr>
-          <p:nvPr>
-            <p:ph idx="1"/>
-          </p:nvPr>
-        </p:nvSpPr>
-        <p:spPr/>
-        <p:txBody>
-          <a:bodyPr/>
-          <a:lstStyle/>
-          <a:p>
-            <a:r>
-              <a:rPr lang="en-US" dirty="0" smtClean="0"/>
-              <a:t>Excel files.</a:t>
-            </a:r>
-          </a:p>
-          <a:p>
-            <a:r>
-              <a:rPr lang="en-US" dirty="0" smtClean="0"/>
-              <a:t>Data mining from websites.</a:t>
-            </a:r>
-            <a:endParaRPr lang="en-US" dirty="0"/>
-          </a:p>
-        </p:txBody>
-      </p:sp>
+      <p:pic>
+        <p:nvPicPr>
+          <p:cNvPr id="5" name="Picture 4"/>
+          <p:cNvPicPr>
+            <a:picLocks noChangeAspect="1"/>
+          </p:cNvPicPr>
+          <p:nvPr/>
+        </p:nvPicPr>
+        <p:blipFill>
+          <a:blip r:embed="rId2">
+            <a:extLst>
+              <a:ext uri="{28A0092B-C50C-407E-A947-70E740481C1C}">
+                <a14:useLocalDpi xmlns:a14="http://schemas.microsoft.com/office/drawing/2010/main" val="0"/>
+              </a:ext>
+            </a:extLst>
+          </a:blip>
+          <a:stretch>
+            <a:fillRect/>
+          </a:stretch>
+        </p:blipFill>
+        <p:spPr>
+          <a:xfrm>
+            <a:off x="1850264" y="2209800"/>
+            <a:ext cx="2438400" cy="2438400"/>
+          </a:xfrm>
+          <a:prstGeom prst="rect">
+            <a:avLst/>
+          </a:prstGeom>
+        </p:spPr>
+      </p:pic>
+      <p:pic>
+        <p:nvPicPr>
+          <p:cNvPr id="6" name="Picture 5"/>
+          <p:cNvPicPr>
+            <a:picLocks noChangeAspect="1"/>
+          </p:cNvPicPr>
+          <p:nvPr/>
+        </p:nvPicPr>
+        <p:blipFill>
+          <a:blip r:embed="rId3">
+            <a:extLst>
+              <a:ext uri="{28A0092B-C50C-407E-A947-70E740481C1C}">
+                <a14:useLocalDpi xmlns:a14="http://schemas.microsoft.com/office/drawing/2010/main" val="0"/>
+              </a:ext>
+            </a:extLst>
+          </a:blip>
+          <a:stretch>
+            <a:fillRect/>
+          </a:stretch>
+        </p:blipFill>
+        <p:spPr>
+          <a:xfrm>
+            <a:off x="6433177" y="2211000"/>
+            <a:ext cx="2909813" cy="2437200"/>
+          </a:xfrm>
+          <a:prstGeom prst="rect">
+            <a:avLst/>
+          </a:prstGeom>
+        </p:spPr>
+      </p:pic>
     </p:spTree>
     <p:extLst>
       <p:ext uri="{BB962C8B-B14F-4D97-AF65-F5344CB8AC3E}">
@@ -20081,10 +23189,142 @@
   <p:clrMapOvr>
     <a:masterClrMapping/>
   </p:clrMapOvr>
+  <p:transition spd="slow">
+    <p:cover/>
+  </p:transition>
   <p:timing>
     <p:tnLst>
       <p:par>
-        <p:cTn id="1" dur="indefinite" restart="never" nodeType="tmRoot"/>
+        <p:cTn id="1" dur="indefinite" restart="never" nodeType="tmRoot">
+          <p:childTnLst>
+            <p:seq concurrent="1" nextAc="seek">
+              <p:cTn id="2" dur="indefinite" nodeType="mainSeq">
+                <p:childTnLst>
+                  <p:par>
+                    <p:cTn id="3" fill="hold">
+                      <p:stCondLst>
+                        <p:cond delay="indefinite"/>
+                      </p:stCondLst>
+                      <p:childTnLst>
+                        <p:par>
+                          <p:cTn id="4" fill="hold">
+                            <p:stCondLst>
+                              <p:cond delay="0"/>
+                            </p:stCondLst>
+                            <p:childTnLst>
+                              <p:par>
+                                <p:cTn id="5" presetID="14" presetClass="entr" presetSubtype="10" fill="hold" nodeType="clickEffect">
+                                  <p:stCondLst>
+                                    <p:cond delay="0"/>
+                                  </p:stCondLst>
+                                  <p:childTnLst>
+                                    <p:set>
+                                      <p:cBhvr>
+                                        <p:cTn id="6" dur="1" fill="hold">
+                                          <p:stCondLst>
+                                            <p:cond delay="0"/>
+                                          </p:stCondLst>
+                                        </p:cTn>
+                                        <p:tgtEl>
+                                          <p:spTgt spid="5"/>
+                                        </p:tgtEl>
+                                        <p:attrNameLst>
+                                          <p:attrName>style.visibility</p:attrName>
+                                        </p:attrNameLst>
+                                      </p:cBhvr>
+                                      <p:to>
+                                        <p:strVal val="visible"/>
+                                      </p:to>
+                                    </p:set>
+                                    <p:animEffect transition="in" filter="randombar(horizontal)">
+                                      <p:cBhvr>
+                                        <p:cTn id="7" dur="500"/>
+                                        <p:tgtEl>
+                                          <p:spTgt spid="5"/>
+                                        </p:tgtEl>
+                                      </p:cBhvr>
+                                    </p:animEffect>
+                                  </p:childTnLst>
+                                </p:cTn>
+                              </p:par>
+                            </p:childTnLst>
+                          </p:cTn>
+                        </p:par>
+                      </p:childTnLst>
+                    </p:cTn>
+                  </p:par>
+                  <p:par>
+                    <p:cTn id="8" fill="hold">
+                      <p:stCondLst>
+                        <p:cond delay="indefinite"/>
+                      </p:stCondLst>
+                      <p:childTnLst>
+                        <p:par>
+                          <p:cTn id="9" fill="hold">
+                            <p:stCondLst>
+                              <p:cond delay="0"/>
+                            </p:stCondLst>
+                            <p:childTnLst>
+                              <p:par>
+                                <p:cTn id="10" presetID="14" presetClass="entr" presetSubtype="10" fill="hold" nodeType="clickEffect">
+                                  <p:stCondLst>
+                                    <p:cond delay="0"/>
+                                  </p:stCondLst>
+                                  <p:childTnLst>
+                                    <p:set>
+                                      <p:cBhvr>
+                                        <p:cTn id="11" dur="1" fill="hold">
+                                          <p:stCondLst>
+                                            <p:cond delay="0"/>
+                                          </p:stCondLst>
+                                        </p:cTn>
+                                        <p:tgtEl>
+                                          <p:spTgt spid="6"/>
+                                        </p:tgtEl>
+                                        <p:attrNameLst>
+                                          <p:attrName>style.visibility</p:attrName>
+                                        </p:attrNameLst>
+                                      </p:cBhvr>
+                                      <p:to>
+                                        <p:strVal val="visible"/>
+                                      </p:to>
+                                    </p:set>
+                                    <p:animEffect transition="in" filter="randombar(horizontal)">
+                                      <p:cBhvr>
+                                        <p:cTn id="12" dur="500"/>
+                                        <p:tgtEl>
+                                          <p:spTgt spid="6"/>
+                                        </p:tgtEl>
+                                      </p:cBhvr>
+                                    </p:animEffect>
+                                  </p:childTnLst>
+                                </p:cTn>
+                              </p:par>
+                            </p:childTnLst>
+                          </p:cTn>
+                        </p:par>
+                      </p:childTnLst>
+                    </p:cTn>
+                  </p:par>
+                </p:childTnLst>
+              </p:cTn>
+              <p:prevCondLst>
+                <p:cond evt="onPrev" delay="0">
+                  <p:tgtEl>
+                    <p:sldTgt/>
+                  </p:tgtEl>
+                </p:cond>
+              </p:prevCondLst>
+              <p:nextCondLst>
+                <p:cond evt="onNext" delay="0">
+                  <p:tgtEl>
+                    <p:sldTgt/>
+                  </p:tgtEl>
+                </p:cond>
+              </p:nextCondLst>
+            </p:seq>
+          </p:childTnLst>
+        </p:cTn>
       </p:par>
     </p:tnLst>
   </p:timing>
@@ -20092,275 +23332,6 @@
 </file>
 
 <file path=ppt/slides/slide15.xml><?xml version="1.0" encoding="utf-8"?>
-<p:sld xmlns:a="http://schemas.openxmlformats.org/drawingml/2006/main" xmlns:r="http://schemas.openxmlformats.org/officeDocument/2006/relationships" xmlns:p="http://schemas.openxmlformats.org/presentationml/2006/main">
-  <p:cSld>
-    <p:spTree>
-      <p:nvGrpSpPr>
-        <p:cNvPr id="1" name=""/>
-        <p:cNvGrpSpPr/>
-        <p:nvPr/>
-      </p:nvGrpSpPr>
-      <p:grpSpPr>
-        <a:xfrm>
-          <a:off x="0" y="0"/>
-          <a:ext cx="0" cy="0"/>
-          <a:chOff x="0" y="0"/>
-          <a:chExt cx="0" cy="0"/>
-        </a:xfrm>
-      </p:grpSpPr>
-      <p:sp>
-        <p:nvSpPr>
-          <p:cNvPr id="2" name="Title 1"/>
-          <p:cNvSpPr>
-            <a:spLocks noGrp="1"/>
-          </p:cNvSpPr>
-          <p:nvPr>
-            <p:ph type="title"/>
-          </p:nvPr>
-        </p:nvSpPr>
-        <p:spPr/>
-        <p:txBody>
-          <a:bodyPr/>
-          <a:lstStyle/>
-          <a:p>
-            <a:r>
-              <a:rPr lang="en-US" dirty="0" smtClean="0"/>
-              <a:t>Excel Flow</a:t>
-            </a:r>
-            <a:endParaRPr lang="en-US" dirty="0"/>
-          </a:p>
-        </p:txBody>
-      </p:sp>
-      <p:sp>
-        <p:nvSpPr>
-          <p:cNvPr id="3" name="Content Placeholder 2"/>
-          <p:cNvSpPr>
-            <a:spLocks noGrp="1"/>
-          </p:cNvSpPr>
-          <p:nvPr>
-            <p:ph idx="1"/>
-          </p:nvPr>
-        </p:nvSpPr>
-        <p:spPr/>
-        <p:txBody>
-          <a:bodyPr/>
-          <a:lstStyle/>
-          <a:p>
-            <a:endParaRPr lang="en-US" dirty="0"/>
-          </a:p>
-        </p:txBody>
-      </p:sp>
-    </p:spTree>
-    <p:extLst>
-      <p:ext uri="{BB962C8B-B14F-4D97-AF65-F5344CB8AC3E}">
-        <p14:creationId xmlns:p14="http://schemas.microsoft.com/office/powerpoint/2010/main" val="3526761976"/>
-      </p:ext>
-    </p:extLst>
-  </p:cSld>
-  <p:clrMapOvr>
-    <a:masterClrMapping/>
-  </p:clrMapOvr>
-  <p:timing>
-    <p:tnLst>
-      <p:par>
-        <p:cTn id="1" dur="indefinite" restart="never" nodeType="tmRoot"/>
-      </p:par>
-    </p:tnLst>
-  </p:timing>
-</p:sld>
-</file>
-
-<file path=ppt/slides/slide16.xml><?xml version="1.0" encoding="utf-8"?>
-<p:sld xmlns:a="http://schemas.openxmlformats.org/drawingml/2006/main" xmlns:r="http://schemas.openxmlformats.org/officeDocument/2006/relationships" xmlns:p="http://schemas.openxmlformats.org/presentationml/2006/main">
-  <p:cSld>
-    <p:spTree>
-      <p:nvGrpSpPr>
-        <p:cNvPr id="1" name=""/>
-        <p:cNvGrpSpPr/>
-        <p:nvPr/>
-      </p:nvGrpSpPr>
-      <p:grpSpPr>
-        <a:xfrm>
-          <a:off x="0" y="0"/>
-          <a:ext cx="0" cy="0"/>
-          <a:chOff x="0" y="0"/>
-          <a:chExt cx="0" cy="0"/>
-        </a:xfrm>
-      </p:grpSpPr>
-      <p:sp>
-        <p:nvSpPr>
-          <p:cNvPr id="2" name="Title 1"/>
-          <p:cNvSpPr>
-            <a:spLocks noGrp="1"/>
-          </p:cNvSpPr>
-          <p:nvPr>
-            <p:ph type="title"/>
-          </p:nvPr>
-        </p:nvSpPr>
-        <p:spPr/>
-        <p:txBody>
-          <a:bodyPr/>
-          <a:lstStyle/>
-          <a:p>
-            <a:r>
-              <a:rPr lang="en-US" dirty="0" smtClean="0"/>
-              <a:t>Excel Flow</a:t>
-            </a:r>
-            <a:endParaRPr lang="en-US" dirty="0"/>
-          </a:p>
-        </p:txBody>
-      </p:sp>
-      <p:sp>
-        <p:nvSpPr>
-          <p:cNvPr id="3" name="Content Placeholder 2"/>
-          <p:cNvSpPr>
-            <a:spLocks noGrp="1"/>
-          </p:cNvSpPr>
-          <p:nvPr>
-            <p:ph idx="1"/>
-          </p:nvPr>
-        </p:nvSpPr>
-        <p:spPr/>
-        <p:txBody>
-          <a:bodyPr/>
-          <a:lstStyle/>
-          <a:p>
-            <a:r>
-              <a:rPr lang="en-US" dirty="0" smtClean="0"/>
-              <a:t>Step 1:</a:t>
-            </a:r>
-          </a:p>
-          <a:p>
-            <a:r>
-              <a:rPr lang="en-US" dirty="0" smtClean="0"/>
-              <a:t>Step 2:</a:t>
-            </a:r>
-          </a:p>
-          <a:p>
-            <a:r>
-              <a:rPr lang="en-US" smtClean="0"/>
-              <a:t>Step 3:</a:t>
-            </a:r>
-            <a:endParaRPr lang="en-US"/>
-          </a:p>
-        </p:txBody>
-      </p:sp>
-    </p:spTree>
-    <p:extLst>
-      <p:ext uri="{BB962C8B-B14F-4D97-AF65-F5344CB8AC3E}">
-        <p14:creationId xmlns:p14="http://schemas.microsoft.com/office/powerpoint/2010/main" val="2909632907"/>
-      </p:ext>
-    </p:extLst>
-  </p:cSld>
-  <p:clrMapOvr>
-    <a:masterClrMapping/>
-  </p:clrMapOvr>
-  <p:timing>
-    <p:tnLst>
-      <p:par>
-        <p:cTn id="1" dur="indefinite" restart="never" nodeType="tmRoot"/>
-      </p:par>
-    </p:tnLst>
-  </p:timing>
-</p:sld>
-</file>
-
-<file path=ppt/slides/slide17.xml><?xml version="1.0" encoding="utf-8"?>
-<p:sld xmlns:a="http://schemas.openxmlformats.org/drawingml/2006/main" xmlns:r="http://schemas.openxmlformats.org/officeDocument/2006/relationships" xmlns:p="http://schemas.openxmlformats.org/presentationml/2006/main">
-  <p:cSld>
-    <p:spTree>
-      <p:nvGrpSpPr>
-        <p:cNvPr id="1" name=""/>
-        <p:cNvGrpSpPr/>
-        <p:nvPr/>
-      </p:nvGrpSpPr>
-      <p:grpSpPr>
-        <a:xfrm>
-          <a:off x="0" y="0"/>
-          <a:ext cx="0" cy="0"/>
-          <a:chOff x="0" y="0"/>
-          <a:chExt cx="0" cy="0"/>
-        </a:xfrm>
-      </p:grpSpPr>
-      <p:sp>
-        <p:nvSpPr>
-          <p:cNvPr id="2" name="Title 1"/>
-          <p:cNvSpPr>
-            <a:spLocks noGrp="1"/>
-          </p:cNvSpPr>
-          <p:nvPr>
-            <p:ph type="title"/>
-          </p:nvPr>
-        </p:nvSpPr>
-        <p:spPr/>
-        <p:txBody>
-          <a:bodyPr/>
-          <a:lstStyle/>
-          <a:p>
-            <a:r>
-              <a:rPr lang="en-US" dirty="0" smtClean="0"/>
-              <a:t>Terminology</a:t>
-            </a:r>
-            <a:endParaRPr lang="en-US" dirty="0"/>
-          </a:p>
-        </p:txBody>
-      </p:sp>
-      <p:sp>
-        <p:nvSpPr>
-          <p:cNvPr id="3" name="Content Placeholder 2"/>
-          <p:cNvSpPr>
-            <a:spLocks noGrp="1"/>
-          </p:cNvSpPr>
-          <p:nvPr>
-            <p:ph idx="1"/>
-          </p:nvPr>
-        </p:nvSpPr>
-        <p:spPr/>
-        <p:txBody>
-          <a:bodyPr/>
-          <a:lstStyle/>
-          <a:p>
-            <a:r>
-              <a:rPr lang="en-US" dirty="0" smtClean="0"/>
-              <a:t>Correct</a:t>
-            </a:r>
-          </a:p>
-          <a:p>
-            <a:r>
-              <a:rPr lang="en-US" dirty="0" smtClean="0"/>
-              <a:t>Error.</a:t>
-            </a:r>
-          </a:p>
-          <a:p>
-            <a:r>
-              <a:rPr lang="en-US" dirty="0" smtClean="0"/>
-              <a:t>Duplicate.</a:t>
-            </a:r>
-            <a:endParaRPr lang="en-US" dirty="0"/>
-          </a:p>
-        </p:txBody>
-      </p:sp>
-    </p:spTree>
-    <p:extLst>
-      <p:ext uri="{BB962C8B-B14F-4D97-AF65-F5344CB8AC3E}">
-        <p14:creationId xmlns:p14="http://schemas.microsoft.com/office/powerpoint/2010/main" val="3371757643"/>
-      </p:ext>
-    </p:extLst>
-  </p:cSld>
-  <p:clrMapOvr>
-    <a:masterClrMapping/>
-  </p:clrMapOvr>
-  <p:timing>
-    <p:tnLst>
-      <p:par>
-        <p:cTn id="1" dur="indefinite" restart="never" nodeType="tmRoot"/>
-      </p:par>
-    </p:tnLst>
-  </p:timing>
-</p:sld>
-</file>
-
-<file path=ppt/slides/slide18.xml><?xml version="1.0" encoding="utf-8"?>
 <p:sld xmlns:a="http://schemas.openxmlformats.org/drawingml/2006/main" xmlns:r="http://schemas.openxmlformats.org/officeDocument/2006/relationships" xmlns:p="http://schemas.openxmlformats.org/presentationml/2006/main">
   <p:cSld>
     <p:spTree>
@@ -21075,6 +24046,3840 @@
 </p:sld>
 </file>
 
+<file path=ppt/slides/slide16.xml><?xml version="1.0" encoding="utf-8"?>
+<p:sld xmlns:a="http://schemas.openxmlformats.org/drawingml/2006/main" xmlns:r="http://schemas.openxmlformats.org/officeDocument/2006/relationships" xmlns:p="http://schemas.openxmlformats.org/presentationml/2006/main">
+  <p:cSld>
+    <p:spTree>
+      <p:nvGrpSpPr>
+        <p:cNvPr id="1" name=""/>
+        <p:cNvGrpSpPr/>
+        <p:nvPr/>
+      </p:nvGrpSpPr>
+      <p:grpSpPr>
+        <a:xfrm>
+          <a:off x="0" y="0"/>
+          <a:ext cx="0" cy="0"/>
+          <a:chOff x="0" y="0"/>
+          <a:chExt cx="0" cy="0"/>
+        </a:xfrm>
+      </p:grpSpPr>
+      <p:sp>
+        <p:nvSpPr>
+          <p:cNvPr id="2" name="Title 1"/>
+          <p:cNvSpPr>
+            <a:spLocks noGrp="1"/>
+          </p:cNvSpPr>
+          <p:nvPr>
+            <p:ph type="title"/>
+          </p:nvPr>
+        </p:nvSpPr>
+        <p:spPr/>
+        <p:txBody>
+          <a:bodyPr/>
+          <a:lstStyle/>
+          <a:p>
+            <a:r>
+              <a:rPr lang="en-US" dirty="0" smtClean="0"/>
+              <a:t>Terminology</a:t>
+            </a:r>
+            <a:endParaRPr lang="en-US" dirty="0"/>
+          </a:p>
+        </p:txBody>
+      </p:sp>
+      <p:sp>
+        <p:nvSpPr>
+          <p:cNvPr id="3" name="Content Placeholder 2"/>
+          <p:cNvSpPr>
+            <a:spLocks noGrp="1"/>
+          </p:cNvSpPr>
+          <p:nvPr>
+            <p:ph idx="1"/>
+          </p:nvPr>
+        </p:nvSpPr>
+        <p:spPr/>
+        <p:txBody>
+          <a:bodyPr/>
+          <a:lstStyle/>
+          <a:p>
+            <a:r>
+              <a:rPr lang="en-US" dirty="0" smtClean="0"/>
+              <a:t>Correct</a:t>
+            </a:r>
+          </a:p>
+          <a:p>
+            <a:r>
+              <a:rPr lang="en-US" dirty="0" smtClean="0"/>
+              <a:t>Error.</a:t>
+            </a:r>
+          </a:p>
+          <a:p>
+            <a:r>
+              <a:rPr lang="en-US" dirty="0" smtClean="0"/>
+              <a:t>Duplicate.</a:t>
+            </a:r>
+            <a:endParaRPr lang="en-US" dirty="0"/>
+          </a:p>
+        </p:txBody>
+      </p:sp>
+    </p:spTree>
+    <p:extLst>
+      <p:ext uri="{BB962C8B-B14F-4D97-AF65-F5344CB8AC3E}">
+        <p14:creationId xmlns:p14="http://schemas.microsoft.com/office/powerpoint/2010/main" val="3371757643"/>
+      </p:ext>
+    </p:extLst>
+  </p:cSld>
+  <p:clrMapOvr>
+    <a:masterClrMapping/>
+  </p:clrMapOvr>
+  <p:timing>
+    <p:tnLst>
+      <p:par>
+        <p:cTn id="1" dur="indefinite" restart="never" nodeType="tmRoot"/>
+      </p:par>
+    </p:tnLst>
+  </p:timing>
+</p:sld>
+</file>
+
+<file path=ppt/slides/slide17.xml><?xml version="1.0" encoding="utf-8"?>
+<p:sld xmlns:a="http://schemas.openxmlformats.org/drawingml/2006/main" xmlns:r="http://schemas.openxmlformats.org/officeDocument/2006/relationships" xmlns:p="http://schemas.openxmlformats.org/presentationml/2006/main">
+  <p:cSld>
+    <p:spTree>
+      <p:nvGrpSpPr>
+        <p:cNvPr id="1" name=""/>
+        <p:cNvGrpSpPr/>
+        <p:nvPr/>
+      </p:nvGrpSpPr>
+      <p:grpSpPr>
+        <a:xfrm>
+          <a:off x="0" y="0"/>
+          <a:ext cx="0" cy="0"/>
+          <a:chOff x="0" y="0"/>
+          <a:chExt cx="0" cy="0"/>
+        </a:xfrm>
+      </p:grpSpPr>
+      <p:sp>
+        <p:nvSpPr>
+          <p:cNvPr id="2" name="Title 1"/>
+          <p:cNvSpPr>
+            <a:spLocks noGrp="1"/>
+          </p:cNvSpPr>
+          <p:nvPr>
+            <p:ph type="title"/>
+          </p:nvPr>
+        </p:nvSpPr>
+        <p:spPr/>
+        <p:txBody>
+          <a:bodyPr/>
+          <a:lstStyle/>
+          <a:p>
+            <a:r>
+              <a:rPr lang="en-US" dirty="0" smtClean="0"/>
+              <a:t>Import Excel </a:t>
+            </a:r>
+            <a:r>
+              <a:rPr lang="en-US" dirty="0" smtClean="0"/>
+              <a:t>Flow</a:t>
+            </a:r>
+            <a:endParaRPr lang="en-US" dirty="0"/>
+          </a:p>
+        </p:txBody>
+      </p:sp>
+      <p:grpSp>
+        <p:nvGrpSpPr>
+          <p:cNvPr id="5" name="Group 95"/>
+          <p:cNvGrpSpPr>
+            <a:grpSpLocks/>
+          </p:cNvGrpSpPr>
+          <p:nvPr/>
+        </p:nvGrpSpPr>
+        <p:grpSpPr bwMode="auto">
+          <a:xfrm>
+            <a:off x="1433094" y="3490073"/>
+            <a:ext cx="1546354" cy="2875515"/>
+            <a:chOff x="720" y="1296"/>
+            <a:chExt cx="1367" cy="2542"/>
+          </a:xfrm>
+        </p:grpSpPr>
+        <p:sp>
+          <p:nvSpPr>
+            <p:cNvPr id="6" name="AutoShape 52"/>
+            <p:cNvSpPr>
+              <a:spLocks noChangeArrowheads="1"/>
+            </p:cNvSpPr>
+            <p:nvPr/>
+          </p:nvSpPr>
+          <p:spPr bwMode="gray">
+            <a:xfrm>
+              <a:off x="720" y="1490"/>
+              <a:ext cx="1363" cy="1800"/>
+            </a:xfrm>
+            <a:prstGeom prst="roundRect">
+              <a:avLst>
+                <a:gd name="adj" fmla="val 17509"/>
+              </a:avLst>
+            </a:prstGeom>
+            <a:gradFill rotWithShape="1">
+              <a:gsLst>
+                <a:gs pos="0">
+                  <a:srgbClr val="4E91D4"/>
+                </a:gs>
+                <a:gs pos="100000">
+                  <a:srgbClr val="3477A4"/>
+                </a:gs>
+              </a:gsLst>
+              <a:lin ang="2700000" scaled="1"/>
+            </a:gradFill>
+            <a:ln>
+              <a:noFill/>
+            </a:ln>
+            <a:effectLst/>
+            <a:extLst>
+              <a:ext uri="{91240B29-F687-4F45-9708-019B960494DF}">
+                <a14:hiddenLine xmlns:a14="http://schemas.microsoft.com/office/drawing/2010/main" w="9525">
+                  <a:solidFill>
+                    <a:schemeClr val="tx1"/>
+                  </a:solidFill>
+                  <a:round/>
+                  <a:headEnd/>
+                  <a:tailEnd/>
+                </a14:hiddenLine>
+              </a:ext>
+              <a:ext uri="{AF507438-7753-43E0-B8FC-AC1667EBCBE1}">
+                <a14:hiddenEffects xmlns:a14="http://schemas.microsoft.com/office/drawing/2010/main">
+                  <a:effectLst>
+                    <a:outerShdw dist="35921" dir="2700000" algn="ctr" rotWithShape="0">
+                      <a:schemeClr val="bg2"/>
+                    </a:outerShdw>
+                  </a:effectLst>
+                </a14:hiddenEffects>
+              </a:ext>
+            </a:extLst>
+          </p:spPr>
+          <p:txBody>
+            <a:bodyPr wrap="none" anchor="ctr"/>
+            <a:lstStyle/>
+            <a:p>
+              <a:endParaRPr lang="en-US"/>
+            </a:p>
+          </p:txBody>
+        </p:sp>
+        <p:sp>
+          <p:nvSpPr>
+            <p:cNvPr id="7" name="AutoShape 53"/>
+            <p:cNvSpPr>
+              <a:spLocks noChangeArrowheads="1"/>
+            </p:cNvSpPr>
+            <p:nvPr/>
+          </p:nvSpPr>
+          <p:spPr bwMode="gray">
+            <a:xfrm>
+              <a:off x="741" y="1495"/>
+              <a:ext cx="1322" cy="1766"/>
+            </a:xfrm>
+            <a:prstGeom prst="roundRect">
+              <a:avLst>
+                <a:gd name="adj" fmla="val 16667"/>
+              </a:avLst>
+            </a:prstGeom>
+            <a:solidFill>
+              <a:srgbClr val="3CA1E6"/>
+            </a:solidFill>
+            <a:ln>
+              <a:noFill/>
+            </a:ln>
+            <a:effectLst/>
+            <a:extLst>
+              <a:ext uri="{91240B29-F687-4F45-9708-019B960494DF}">
+                <a14:hiddenLine xmlns:a14="http://schemas.microsoft.com/office/drawing/2010/main" w="9525">
+                  <a:solidFill>
+                    <a:schemeClr val="tx1"/>
+                  </a:solidFill>
+                  <a:round/>
+                  <a:headEnd/>
+                  <a:tailEnd/>
+                </a14:hiddenLine>
+              </a:ext>
+              <a:ext uri="{AF507438-7753-43E0-B8FC-AC1667EBCBE1}">
+                <a14:hiddenEffects xmlns:a14="http://schemas.microsoft.com/office/drawing/2010/main">
+                  <a:effectLst>
+                    <a:outerShdw dist="35921" dir="2700000" algn="ctr" rotWithShape="0">
+                      <a:schemeClr val="bg2"/>
+                    </a:outerShdw>
+                  </a:effectLst>
+                </a14:hiddenEffects>
+              </a:ext>
+            </a:extLst>
+          </p:spPr>
+          <p:txBody>
+            <a:bodyPr wrap="none" anchor="ctr"/>
+            <a:lstStyle/>
+            <a:p>
+              <a:endParaRPr lang="en-US"/>
+            </a:p>
+          </p:txBody>
+        </p:sp>
+        <p:sp>
+          <p:nvSpPr>
+            <p:cNvPr id="8" name="AutoShape 54"/>
+            <p:cNvSpPr>
+              <a:spLocks noChangeArrowheads="1"/>
+            </p:cNvSpPr>
+            <p:nvPr/>
+          </p:nvSpPr>
+          <p:spPr bwMode="gray">
+            <a:xfrm>
+              <a:off x="752" y="2795"/>
+              <a:ext cx="1304" cy="447"/>
+            </a:xfrm>
+            <a:prstGeom prst="roundRect">
+              <a:avLst>
+                <a:gd name="adj" fmla="val 50000"/>
+              </a:avLst>
+            </a:prstGeom>
+            <a:gradFill rotWithShape="1">
+              <a:gsLst>
+                <a:gs pos="0">
+                  <a:srgbClr val="3CA1E6">
+                    <a:alpha val="0"/>
+                  </a:srgbClr>
+                </a:gs>
+                <a:gs pos="100000">
+                  <a:srgbClr val="3CA1E6">
+                    <a:gamma/>
+                    <a:tint val="51373"/>
+                    <a:invGamma/>
+                  </a:srgbClr>
+                </a:gs>
+              </a:gsLst>
+              <a:lin ang="5400000" scaled="1"/>
+            </a:gradFill>
+            <a:ln>
+              <a:noFill/>
+            </a:ln>
+            <a:effectLst/>
+            <a:extLst>
+              <a:ext uri="{91240B29-F687-4F45-9708-019B960494DF}">
+                <a14:hiddenLine xmlns:a14="http://schemas.microsoft.com/office/drawing/2010/main" w="9525">
+                  <a:solidFill>
+                    <a:schemeClr val="tx1"/>
+                  </a:solidFill>
+                  <a:round/>
+                  <a:headEnd/>
+                  <a:tailEnd/>
+                </a14:hiddenLine>
+              </a:ext>
+              <a:ext uri="{AF507438-7753-43E0-B8FC-AC1667EBCBE1}">
+                <a14:hiddenEffects xmlns:a14="http://schemas.microsoft.com/office/drawing/2010/main">
+                  <a:effectLst>
+                    <a:outerShdw dist="35921" dir="2700000" algn="ctr" rotWithShape="0">
+                      <a:schemeClr val="bg2"/>
+                    </a:outerShdw>
+                  </a:effectLst>
+                </a14:hiddenEffects>
+              </a:ext>
+            </a:extLst>
+          </p:spPr>
+          <p:txBody>
+            <a:bodyPr wrap="none" anchor="ctr"/>
+            <a:lstStyle/>
+            <a:p>
+              <a:endParaRPr lang="en-US"/>
+            </a:p>
+          </p:txBody>
+        </p:sp>
+        <p:sp>
+          <p:nvSpPr>
+            <p:cNvPr id="9" name="AutoShape 55"/>
+            <p:cNvSpPr>
+              <a:spLocks noChangeArrowheads="1"/>
+            </p:cNvSpPr>
+            <p:nvPr/>
+          </p:nvSpPr>
+          <p:spPr bwMode="gray">
+            <a:xfrm>
+              <a:off x="752" y="1509"/>
+              <a:ext cx="1304" cy="446"/>
+            </a:xfrm>
+            <a:prstGeom prst="roundRect">
+              <a:avLst>
+                <a:gd name="adj" fmla="val 50000"/>
+              </a:avLst>
+            </a:prstGeom>
+            <a:gradFill rotWithShape="1">
+              <a:gsLst>
+                <a:gs pos="0">
+                  <a:srgbClr val="3CA1E6">
+                    <a:gamma/>
+                    <a:tint val="33333"/>
+                    <a:invGamma/>
+                  </a:srgbClr>
+                </a:gs>
+                <a:gs pos="100000">
+                  <a:srgbClr val="3CA1E6">
+                    <a:alpha val="0"/>
+                  </a:srgbClr>
+                </a:gs>
+              </a:gsLst>
+              <a:lin ang="5400000" scaled="1"/>
+            </a:gradFill>
+            <a:ln>
+              <a:noFill/>
+            </a:ln>
+            <a:effectLst/>
+            <a:extLst>
+              <a:ext uri="{91240B29-F687-4F45-9708-019B960494DF}">
+                <a14:hiddenLine xmlns:a14="http://schemas.microsoft.com/office/drawing/2010/main" w="9525">
+                  <a:solidFill>
+                    <a:schemeClr val="tx1"/>
+                  </a:solidFill>
+                  <a:round/>
+                  <a:headEnd/>
+                  <a:tailEnd/>
+                </a14:hiddenLine>
+              </a:ext>
+              <a:ext uri="{AF507438-7753-43E0-B8FC-AC1667EBCBE1}">
+                <a14:hiddenEffects xmlns:a14="http://schemas.microsoft.com/office/drawing/2010/main">
+                  <a:effectLst>
+                    <a:outerShdw dist="35921" dir="2700000" algn="ctr" rotWithShape="0">
+                      <a:schemeClr val="bg2"/>
+                    </a:outerShdw>
+                  </a:effectLst>
+                </a14:hiddenEffects>
+              </a:ext>
+            </a:extLst>
+          </p:spPr>
+          <p:txBody>
+            <a:bodyPr wrap="none" anchor="ctr"/>
+            <a:lstStyle/>
+            <a:p>
+              <a:endParaRPr lang="en-US"/>
+            </a:p>
+          </p:txBody>
+        </p:sp>
+        <p:sp>
+          <p:nvSpPr>
+            <p:cNvPr id="10" name="AutoShape 56"/>
+            <p:cNvSpPr>
+              <a:spLocks noChangeArrowheads="1"/>
+            </p:cNvSpPr>
+            <p:nvPr/>
+          </p:nvSpPr>
+          <p:spPr bwMode="gray">
+            <a:xfrm>
+              <a:off x="724" y="3290"/>
+              <a:ext cx="1363" cy="548"/>
+            </a:xfrm>
+            <a:prstGeom prst="roundRect">
+              <a:avLst>
+                <a:gd name="adj" fmla="val 40389"/>
+              </a:avLst>
+            </a:prstGeom>
+            <a:gradFill rotWithShape="1">
+              <a:gsLst>
+                <a:gs pos="0">
+                  <a:srgbClr val="B2B2B2"/>
+                </a:gs>
+                <a:gs pos="100000">
+                  <a:srgbClr val="B2B2B2">
+                    <a:gamma/>
+                    <a:tint val="0"/>
+                    <a:invGamma/>
+                  </a:srgbClr>
+                </a:gs>
+              </a:gsLst>
+              <a:lin ang="5400000" scaled="1"/>
+            </a:gradFill>
+            <a:ln>
+              <a:noFill/>
+            </a:ln>
+            <a:effectLst/>
+            <a:extLst>
+              <a:ext uri="{91240B29-F687-4F45-9708-019B960494DF}">
+                <a14:hiddenLine xmlns:a14="http://schemas.microsoft.com/office/drawing/2010/main" w="9525">
+                  <a:solidFill>
+                    <a:schemeClr val="tx1"/>
+                  </a:solidFill>
+                  <a:round/>
+                  <a:headEnd/>
+                  <a:tailEnd/>
+                </a14:hiddenLine>
+              </a:ext>
+              <a:ext uri="{AF507438-7753-43E0-B8FC-AC1667EBCBE1}">
+                <a14:hiddenEffects xmlns:a14="http://schemas.microsoft.com/office/drawing/2010/main">
+                  <a:effectLst>
+                    <a:outerShdw dist="35921" dir="2700000" algn="ctr" rotWithShape="0">
+                      <a:schemeClr val="bg2"/>
+                    </a:outerShdw>
+                  </a:effectLst>
+                </a14:hiddenEffects>
+              </a:ext>
+            </a:extLst>
+          </p:spPr>
+          <p:txBody>
+            <a:bodyPr wrap="none" anchor="ctr"/>
+            <a:lstStyle/>
+            <a:p>
+              <a:endParaRPr lang="en-US"/>
+            </a:p>
+          </p:txBody>
+        </p:sp>
+        <p:sp>
+          <p:nvSpPr>
+            <p:cNvPr id="11" name="AutoShape 57"/>
+            <p:cNvSpPr>
+              <a:spLocks noChangeArrowheads="1"/>
+            </p:cNvSpPr>
+            <p:nvPr/>
+          </p:nvSpPr>
+          <p:spPr bwMode="gray">
+            <a:xfrm>
+              <a:off x="752" y="3305"/>
+              <a:ext cx="1304" cy="446"/>
+            </a:xfrm>
+            <a:prstGeom prst="roundRect">
+              <a:avLst>
+                <a:gd name="adj" fmla="val 50000"/>
+              </a:avLst>
+            </a:prstGeom>
+            <a:gradFill rotWithShape="1">
+              <a:gsLst>
+                <a:gs pos="0">
+                  <a:srgbClr val="DDDDDD"/>
+                </a:gs>
+                <a:gs pos="100000">
+                  <a:srgbClr val="DDDDDD">
+                    <a:gamma/>
+                    <a:tint val="0"/>
+                    <a:invGamma/>
+                  </a:srgbClr>
+                </a:gs>
+              </a:gsLst>
+              <a:lin ang="5400000" scaled="1"/>
+            </a:gradFill>
+            <a:ln>
+              <a:noFill/>
+            </a:ln>
+            <a:effectLst/>
+            <a:extLst>
+              <a:ext uri="{91240B29-F687-4F45-9708-019B960494DF}">
+                <a14:hiddenLine xmlns:a14="http://schemas.microsoft.com/office/drawing/2010/main" w="9525">
+                  <a:solidFill>
+                    <a:schemeClr val="tx1"/>
+                  </a:solidFill>
+                  <a:round/>
+                  <a:headEnd/>
+                  <a:tailEnd/>
+                </a14:hiddenLine>
+              </a:ext>
+              <a:ext uri="{AF507438-7753-43E0-B8FC-AC1667EBCBE1}">
+                <a14:hiddenEffects xmlns:a14="http://schemas.microsoft.com/office/drawing/2010/main">
+                  <a:effectLst>
+                    <a:outerShdw dist="35921" dir="2700000" algn="ctr" rotWithShape="0">
+                      <a:schemeClr val="bg2"/>
+                    </a:outerShdw>
+                  </a:effectLst>
+                </a14:hiddenEffects>
+              </a:ext>
+            </a:extLst>
+          </p:spPr>
+          <p:txBody>
+            <a:bodyPr wrap="none" anchor="ctr"/>
+            <a:lstStyle/>
+            <a:p>
+              <a:endParaRPr lang="en-US"/>
+            </a:p>
+          </p:txBody>
+        </p:sp>
+        <p:grpSp>
+          <p:nvGrpSpPr>
+            <p:cNvPr id="12" name="Group 58"/>
+            <p:cNvGrpSpPr>
+              <a:grpSpLocks/>
+            </p:cNvGrpSpPr>
+            <p:nvPr/>
+          </p:nvGrpSpPr>
+          <p:grpSpPr bwMode="auto">
+            <a:xfrm>
+              <a:off x="1189" y="1296"/>
+              <a:ext cx="405" cy="405"/>
+              <a:chOff x="1289" y="582"/>
+              <a:chExt cx="668" cy="668"/>
+            </a:xfrm>
+          </p:grpSpPr>
+          <p:sp>
+            <p:nvSpPr>
+              <p:cNvPr id="15" name="Oval 59"/>
+              <p:cNvSpPr>
+                <a:spLocks noChangeArrowheads="1"/>
+              </p:cNvSpPr>
+              <p:nvPr/>
+            </p:nvSpPr>
+            <p:spPr bwMode="gray">
+              <a:xfrm>
+                <a:off x="1289" y="582"/>
+                <a:ext cx="668" cy="668"/>
+              </a:xfrm>
+              <a:prstGeom prst="ellipse">
+                <a:avLst/>
+              </a:prstGeom>
+              <a:solidFill>
+                <a:srgbClr val="333333"/>
+              </a:solidFill>
+              <a:ln>
+                <a:noFill/>
+              </a:ln>
+              <a:effectLst/>
+              <a:extLst>
+                <a:ext uri="{91240B29-F687-4F45-9708-019B960494DF}">
+                  <a14:hiddenLine xmlns:a14="http://schemas.microsoft.com/office/drawing/2010/main" w="38100" algn="ctr">
+                    <a:solidFill>
+                      <a:schemeClr val="bg1"/>
+                    </a:solidFill>
+                    <a:round/>
+                    <a:headEnd/>
+                    <a:tailEnd/>
+                  </a14:hiddenLine>
+                </a:ext>
+                <a:ext uri="{AF507438-7753-43E0-B8FC-AC1667EBCBE1}">
+                  <a14:hiddenEffects xmlns:a14="http://schemas.microsoft.com/office/drawing/2010/main">
+                    <a:effectLst>
+                      <a:outerShdw dist="109250" dir="3267739" algn="ctr" rotWithShape="0">
+                        <a:srgbClr val="808080">
+                          <a:alpha val="50000"/>
+                        </a:srgbClr>
+                      </a:outerShdw>
+                    </a:effectLst>
+                  </a14:hiddenEffects>
+                </a:ext>
+              </a:extLst>
+            </p:spPr>
+            <p:txBody>
+              <a:bodyPr anchor="ctr">
+                <a:spAutoFit/>
+              </a:bodyPr>
+              <a:lstStyle/>
+              <a:p>
+                <a:endParaRPr lang="en-US"/>
+              </a:p>
+            </p:txBody>
+          </p:sp>
+          <p:sp>
+            <p:nvSpPr>
+              <p:cNvPr id="16" name="Oval 60"/>
+              <p:cNvSpPr>
+                <a:spLocks noChangeArrowheads="1"/>
+              </p:cNvSpPr>
+              <p:nvPr/>
+            </p:nvSpPr>
+            <p:spPr bwMode="gray">
+              <a:xfrm>
+                <a:off x="1296" y="587"/>
+                <a:ext cx="646" cy="647"/>
+              </a:xfrm>
+              <a:prstGeom prst="ellipse">
+                <a:avLst/>
+              </a:prstGeom>
+              <a:gradFill rotWithShape="1">
+                <a:gsLst>
+                  <a:gs pos="0">
+                    <a:srgbClr val="D6E1E2">
+                      <a:gamma/>
+                      <a:shade val="46275"/>
+                      <a:invGamma/>
+                    </a:srgbClr>
+                  </a:gs>
+                  <a:gs pos="100000">
+                    <a:srgbClr val="D6E1E2"/>
+                  </a:gs>
+                </a:gsLst>
+                <a:lin ang="5400000" scaled="1"/>
+              </a:gradFill>
+              <a:ln>
+                <a:noFill/>
+              </a:ln>
+              <a:effectLst/>
+              <a:extLst>
+                <a:ext uri="{91240B29-F687-4F45-9708-019B960494DF}">
+                  <a14:hiddenLine xmlns:a14="http://schemas.microsoft.com/office/drawing/2010/main" w="9525" algn="ctr">
+                    <a:solidFill>
+                      <a:schemeClr val="tx1"/>
+                    </a:solidFill>
+                    <a:round/>
+                    <a:headEnd/>
+                    <a:tailEnd/>
+                  </a14:hiddenLine>
+                </a:ext>
+                <a:ext uri="{AF507438-7753-43E0-B8FC-AC1667EBCBE1}">
+                  <a14:hiddenEffects xmlns:a14="http://schemas.microsoft.com/office/drawing/2010/main">
+                    <a:effectLst>
+                      <a:outerShdw dist="35921" dir="2700000" algn="ctr" rotWithShape="0">
+                        <a:schemeClr val="bg2"/>
+                      </a:outerShdw>
+                    </a:effectLst>
+                  </a14:hiddenEffects>
+                </a:ext>
+              </a:extLst>
+            </p:spPr>
+            <p:txBody>
+              <a:bodyPr vert="eaVert" wrap="none" anchor="ctr"/>
+              <a:lstStyle/>
+              <a:p>
+                <a:endParaRPr lang="en-US"/>
+              </a:p>
+            </p:txBody>
+          </p:sp>
+          <p:sp>
+            <p:nvSpPr>
+              <p:cNvPr id="17" name="Oval 61"/>
+              <p:cNvSpPr>
+                <a:spLocks noChangeArrowheads="1"/>
+              </p:cNvSpPr>
+              <p:nvPr/>
+            </p:nvSpPr>
+            <p:spPr bwMode="gray">
+              <a:xfrm>
+                <a:off x="1304" y="591"/>
+                <a:ext cx="631" cy="631"/>
+              </a:xfrm>
+              <a:prstGeom prst="ellipse">
+                <a:avLst/>
+              </a:prstGeom>
+              <a:gradFill rotWithShape="1">
+                <a:gsLst>
+                  <a:gs pos="0">
+                    <a:srgbClr val="D6E1E2">
+                      <a:alpha val="0"/>
+                    </a:srgbClr>
+                  </a:gs>
+                  <a:gs pos="100000">
+                    <a:srgbClr val="D6E1E2">
+                      <a:gamma/>
+                      <a:tint val="34902"/>
+                      <a:invGamma/>
+                    </a:srgbClr>
+                  </a:gs>
+                </a:gsLst>
+                <a:lin ang="5400000" scaled="1"/>
+              </a:gradFill>
+              <a:ln>
+                <a:noFill/>
+              </a:ln>
+              <a:effectLst/>
+              <a:extLst>
+                <a:ext uri="{91240B29-F687-4F45-9708-019B960494DF}">
+                  <a14:hiddenLine xmlns:a14="http://schemas.microsoft.com/office/drawing/2010/main" w="9525" algn="ctr">
+                    <a:solidFill>
+                      <a:schemeClr val="tx1"/>
+                    </a:solidFill>
+                    <a:round/>
+                    <a:headEnd/>
+                    <a:tailEnd/>
+                  </a14:hiddenLine>
+                </a:ext>
+                <a:ext uri="{AF507438-7753-43E0-B8FC-AC1667EBCBE1}">
+                  <a14:hiddenEffects xmlns:a14="http://schemas.microsoft.com/office/drawing/2010/main">
+                    <a:effectLst>
+                      <a:outerShdw dist="35921" dir="2700000" algn="ctr" rotWithShape="0">
+                        <a:schemeClr val="bg2"/>
+                      </a:outerShdw>
+                    </a:effectLst>
+                  </a14:hiddenEffects>
+                </a:ext>
+              </a:extLst>
+            </p:spPr>
+            <p:txBody>
+              <a:bodyPr vert="eaVert" wrap="none" anchor="ctr"/>
+              <a:lstStyle/>
+              <a:p>
+                <a:endParaRPr lang="en-US"/>
+              </a:p>
+            </p:txBody>
+          </p:sp>
+          <p:sp>
+            <p:nvSpPr>
+              <p:cNvPr id="18" name="Oval 62"/>
+              <p:cNvSpPr>
+                <a:spLocks noChangeArrowheads="1"/>
+              </p:cNvSpPr>
+              <p:nvPr/>
+            </p:nvSpPr>
+            <p:spPr bwMode="gray">
+              <a:xfrm>
+                <a:off x="1311" y="597"/>
+                <a:ext cx="600" cy="589"/>
+              </a:xfrm>
+              <a:prstGeom prst="ellipse">
+                <a:avLst/>
+              </a:prstGeom>
+              <a:gradFill rotWithShape="1">
+                <a:gsLst>
+                  <a:gs pos="0">
+                    <a:srgbClr val="D6E1E2">
+                      <a:gamma/>
+                      <a:shade val="79216"/>
+                      <a:invGamma/>
+                    </a:srgbClr>
+                  </a:gs>
+                  <a:gs pos="100000">
+                    <a:srgbClr val="D6E1E2">
+                      <a:alpha val="48000"/>
+                    </a:srgbClr>
+                  </a:gs>
+                </a:gsLst>
+                <a:lin ang="5400000" scaled="1"/>
+              </a:gradFill>
+              <a:ln>
+                <a:noFill/>
+              </a:ln>
+              <a:effectLst/>
+              <a:extLst>
+                <a:ext uri="{91240B29-F687-4F45-9708-019B960494DF}">
+                  <a14:hiddenLine xmlns:a14="http://schemas.microsoft.com/office/drawing/2010/main" w="9525" algn="ctr">
+                    <a:solidFill>
+                      <a:schemeClr val="tx1"/>
+                    </a:solidFill>
+                    <a:round/>
+                    <a:headEnd/>
+                    <a:tailEnd/>
+                  </a14:hiddenLine>
+                </a:ext>
+                <a:ext uri="{AF507438-7753-43E0-B8FC-AC1667EBCBE1}">
+                  <a14:hiddenEffects xmlns:a14="http://schemas.microsoft.com/office/drawing/2010/main">
+                    <a:effectLst>
+                      <a:outerShdw dist="35921" dir="2700000" algn="ctr" rotWithShape="0">
+                        <a:schemeClr val="bg2"/>
+                      </a:outerShdw>
+                    </a:effectLst>
+                  </a14:hiddenEffects>
+                </a:ext>
+              </a:extLst>
+            </p:spPr>
+            <p:txBody>
+              <a:bodyPr vert="eaVert" wrap="none" anchor="ctr"/>
+              <a:lstStyle/>
+              <a:p>
+                <a:endParaRPr lang="en-US"/>
+              </a:p>
+            </p:txBody>
+          </p:sp>
+          <p:sp>
+            <p:nvSpPr>
+              <p:cNvPr id="19" name="Oval 63"/>
+              <p:cNvSpPr>
+                <a:spLocks noChangeArrowheads="1"/>
+              </p:cNvSpPr>
+              <p:nvPr/>
+            </p:nvSpPr>
+            <p:spPr bwMode="gray">
+              <a:xfrm>
+                <a:off x="1346" y="613"/>
+                <a:ext cx="533" cy="479"/>
+              </a:xfrm>
+              <a:prstGeom prst="ellipse">
+                <a:avLst/>
+              </a:prstGeom>
+              <a:gradFill rotWithShape="1">
+                <a:gsLst>
+                  <a:gs pos="0">
+                    <a:srgbClr val="D6E1E2">
+                      <a:gamma/>
+                      <a:tint val="0"/>
+                      <a:invGamma/>
+                    </a:srgbClr>
+                  </a:gs>
+                  <a:gs pos="100000">
+                    <a:srgbClr val="D6E1E2">
+                      <a:alpha val="38000"/>
+                    </a:srgbClr>
+                  </a:gs>
+                </a:gsLst>
+                <a:lin ang="5400000" scaled="1"/>
+              </a:gradFill>
+              <a:ln>
+                <a:noFill/>
+              </a:ln>
+              <a:effectLst/>
+              <a:extLst>
+                <a:ext uri="{91240B29-F687-4F45-9708-019B960494DF}">
+                  <a14:hiddenLine xmlns:a14="http://schemas.microsoft.com/office/drawing/2010/main" w="9525" algn="ctr">
+                    <a:solidFill>
+                      <a:schemeClr val="tx1"/>
+                    </a:solidFill>
+                    <a:round/>
+                    <a:headEnd/>
+                    <a:tailEnd/>
+                  </a14:hiddenLine>
+                </a:ext>
+                <a:ext uri="{AF507438-7753-43E0-B8FC-AC1667EBCBE1}">
+                  <a14:hiddenEffects xmlns:a14="http://schemas.microsoft.com/office/drawing/2010/main">
+                    <a:effectLst>
+                      <a:outerShdw dist="35921" dir="2700000" algn="ctr" rotWithShape="0">
+                        <a:schemeClr val="bg2"/>
+                      </a:outerShdw>
+                    </a:effectLst>
+                  </a14:hiddenEffects>
+                </a:ext>
+              </a:extLst>
+            </p:spPr>
+            <p:txBody>
+              <a:bodyPr vert="eaVert" wrap="none" anchor="ctr"/>
+              <a:lstStyle/>
+              <a:p>
+                <a:endParaRPr lang="en-US"/>
+              </a:p>
+            </p:txBody>
+          </p:sp>
+        </p:grpSp>
+        <p:sp>
+          <p:nvSpPr>
+            <p:cNvPr id="13" name="Text Box 64"/>
+            <p:cNvSpPr txBox="1">
+              <a:spLocks noChangeArrowheads="1"/>
+            </p:cNvSpPr>
+            <p:nvPr/>
+          </p:nvSpPr>
+          <p:spPr bwMode="gray">
+            <a:xfrm>
+              <a:off x="1224" y="1317"/>
+              <a:ext cx="223" cy="288"/>
+            </a:xfrm>
+            <a:prstGeom prst="rect">
+              <a:avLst/>
+            </a:prstGeom>
+            <a:noFill/>
+            <a:ln>
+              <a:noFill/>
+            </a:ln>
+            <a:effectLst/>
+            <a:extLst>
+              <a:ext uri="{909E8E84-426E-40DD-AFC4-6F175D3DCCD1}">
+                <a14:hiddenFill xmlns:a14="http://schemas.microsoft.com/office/drawing/2010/main">
+                  <a:solidFill>
+                    <a:schemeClr val="accent1"/>
+                  </a:solidFill>
+                </a14:hiddenFill>
+              </a:ext>
+              <a:ext uri="{91240B29-F687-4F45-9708-019B960494DF}">
+                <a14:hiddenLine xmlns:a14="http://schemas.microsoft.com/office/drawing/2010/main" w="9525" algn="ctr">
+                  <a:solidFill>
+                    <a:schemeClr val="tx1"/>
+                  </a:solidFill>
+                  <a:miter lim="800000"/>
+                  <a:headEnd/>
+                  <a:tailEnd/>
+                </a14:hiddenLine>
+              </a:ext>
+              <a:ext uri="{AF507438-7753-43E0-B8FC-AC1667EBCBE1}">
+                <a14:hiddenEffects xmlns:a14="http://schemas.microsoft.com/office/drawing/2010/main">
+                  <a:effectLst>
+                    <a:outerShdw dist="35921" dir="2700000" algn="ctr" rotWithShape="0">
+                      <a:schemeClr val="bg2"/>
+                    </a:outerShdw>
+                  </a:effectLst>
+                </a14:hiddenEffects>
+              </a:ext>
+            </a:extLst>
+          </p:spPr>
+          <p:txBody>
+            <a:bodyPr wrap="none">
+              <a:spAutoFit/>
+            </a:bodyPr>
+            <a:lstStyle/>
+            <a:p>
+              <a:r>
+                <a:rPr lang="en-US" sz="2400" dirty="0">
+                  <a:solidFill>
+                    <a:srgbClr val="000000"/>
+                  </a:solidFill>
+                </a:rPr>
+                <a:t>1</a:t>
+              </a:r>
+            </a:p>
+          </p:txBody>
+        </p:sp>
+        <p:sp>
+          <p:nvSpPr>
+            <p:cNvPr id="14" name="Text Box 65"/>
+            <p:cNvSpPr txBox="1">
+              <a:spLocks noChangeArrowheads="1"/>
+            </p:cNvSpPr>
+            <p:nvPr/>
+          </p:nvSpPr>
+          <p:spPr bwMode="gray">
+            <a:xfrm>
+              <a:off x="768" y="1776"/>
+              <a:ext cx="1296" cy="735"/>
+            </a:xfrm>
+            <a:prstGeom prst="rect">
+              <a:avLst/>
+            </a:prstGeom>
+            <a:noFill/>
+            <a:ln>
+              <a:noFill/>
+            </a:ln>
+            <a:effectLst/>
+            <a:extLst>
+              <a:ext uri="{909E8E84-426E-40DD-AFC4-6F175D3DCCD1}">
+                <a14:hiddenFill xmlns:a14="http://schemas.microsoft.com/office/drawing/2010/main">
+                  <a:solidFill>
+                    <a:schemeClr val="accent1"/>
+                  </a:solidFill>
+                </a14:hiddenFill>
+              </a:ext>
+              <a:ext uri="{91240B29-F687-4F45-9708-019B960494DF}">
+                <a14:hiddenLine xmlns:a14="http://schemas.microsoft.com/office/drawing/2010/main" w="9525" algn="ctr">
+                  <a:solidFill>
+                    <a:schemeClr val="tx1"/>
+                  </a:solidFill>
+                  <a:miter lim="800000"/>
+                  <a:headEnd/>
+                  <a:tailEnd/>
+                </a14:hiddenLine>
+              </a:ext>
+              <a:ext uri="{AF507438-7753-43E0-B8FC-AC1667EBCBE1}">
+                <a14:hiddenEffects xmlns:a14="http://schemas.microsoft.com/office/drawing/2010/main">
+                  <a:effectLst>
+                    <a:outerShdw dist="35921" dir="2700000" algn="ctr" rotWithShape="0">
+                      <a:schemeClr val="bg2"/>
+                    </a:outerShdw>
+                  </a:effectLst>
+                </a14:hiddenEffects>
+              </a:ext>
+            </a:extLst>
+          </p:spPr>
+          <p:txBody>
+            <a:bodyPr>
+              <a:spAutoFit/>
+            </a:bodyPr>
+            <a:lstStyle/>
+            <a:p>
+              <a:r>
+                <a:rPr lang="en-US" sz="1600" b="1" dirty="0" smtClean="0">
+                  <a:solidFill>
+                    <a:srgbClr val="000000"/>
+                  </a:solidFill>
+                  <a:latin typeface="Verdana" pitchFamily="34" charset="0"/>
+                </a:rPr>
+                <a:t>Correct Products List</a:t>
+              </a:r>
+              <a:endParaRPr lang="en-US" sz="1600" b="1" dirty="0">
+                <a:solidFill>
+                  <a:srgbClr val="000000"/>
+                </a:solidFill>
+                <a:latin typeface="Verdana" pitchFamily="34" charset="0"/>
+              </a:endParaRPr>
+            </a:p>
+          </p:txBody>
+        </p:sp>
+      </p:grpSp>
+      <p:grpSp>
+        <p:nvGrpSpPr>
+          <p:cNvPr id="20" name="Group 96"/>
+          <p:cNvGrpSpPr>
+            <a:grpSpLocks/>
+          </p:cNvGrpSpPr>
+          <p:nvPr/>
+        </p:nvGrpSpPr>
+        <p:grpSpPr bwMode="auto">
+          <a:xfrm>
+            <a:off x="3795293" y="3490073"/>
+            <a:ext cx="1544091" cy="2875515"/>
+            <a:chOff x="2208" y="1296"/>
+            <a:chExt cx="1365" cy="2542"/>
+          </a:xfrm>
+        </p:grpSpPr>
+        <p:sp>
+          <p:nvSpPr>
+            <p:cNvPr id="21" name="AutoShape 67"/>
+            <p:cNvSpPr>
+              <a:spLocks noChangeArrowheads="1"/>
+            </p:cNvSpPr>
+            <p:nvPr/>
+          </p:nvSpPr>
+          <p:spPr bwMode="gray">
+            <a:xfrm>
+              <a:off x="2208" y="1490"/>
+              <a:ext cx="1363" cy="1800"/>
+            </a:xfrm>
+            <a:prstGeom prst="roundRect">
+              <a:avLst>
+                <a:gd name="adj" fmla="val 17509"/>
+              </a:avLst>
+            </a:prstGeom>
+            <a:gradFill rotWithShape="1">
+              <a:gsLst>
+                <a:gs pos="0">
+                  <a:srgbClr val="66AF35"/>
+                </a:gs>
+                <a:gs pos="100000">
+                  <a:srgbClr val="588D3D"/>
+                </a:gs>
+              </a:gsLst>
+              <a:lin ang="2700000" scaled="1"/>
+            </a:gradFill>
+            <a:ln>
+              <a:noFill/>
+            </a:ln>
+            <a:effectLst/>
+            <a:extLst>
+              <a:ext uri="{91240B29-F687-4F45-9708-019B960494DF}">
+                <a14:hiddenLine xmlns:a14="http://schemas.microsoft.com/office/drawing/2010/main" w="9525">
+                  <a:solidFill>
+                    <a:schemeClr val="tx1"/>
+                  </a:solidFill>
+                  <a:round/>
+                  <a:headEnd/>
+                  <a:tailEnd/>
+                </a14:hiddenLine>
+              </a:ext>
+              <a:ext uri="{AF507438-7753-43E0-B8FC-AC1667EBCBE1}">
+                <a14:hiddenEffects xmlns:a14="http://schemas.microsoft.com/office/drawing/2010/main">
+                  <a:effectLst>
+                    <a:outerShdw dist="35921" dir="2700000" algn="ctr" rotWithShape="0">
+                      <a:schemeClr val="bg2"/>
+                    </a:outerShdw>
+                  </a:effectLst>
+                </a14:hiddenEffects>
+              </a:ext>
+            </a:extLst>
+          </p:spPr>
+          <p:txBody>
+            <a:bodyPr wrap="none" anchor="ctr"/>
+            <a:lstStyle/>
+            <a:p>
+              <a:endParaRPr lang="en-US"/>
+            </a:p>
+          </p:txBody>
+        </p:sp>
+        <p:sp>
+          <p:nvSpPr>
+            <p:cNvPr id="22" name="AutoShape 68"/>
+            <p:cNvSpPr>
+              <a:spLocks noChangeArrowheads="1"/>
+            </p:cNvSpPr>
+            <p:nvPr/>
+          </p:nvSpPr>
+          <p:spPr bwMode="gray">
+            <a:xfrm>
+              <a:off x="2229" y="1495"/>
+              <a:ext cx="1322" cy="1766"/>
+            </a:xfrm>
+            <a:prstGeom prst="roundRect">
+              <a:avLst>
+                <a:gd name="adj" fmla="val 16667"/>
+              </a:avLst>
+            </a:prstGeom>
+            <a:solidFill>
+              <a:srgbClr val="99D844"/>
+            </a:solidFill>
+            <a:ln>
+              <a:noFill/>
+            </a:ln>
+            <a:effectLst/>
+            <a:extLst>
+              <a:ext uri="{91240B29-F687-4F45-9708-019B960494DF}">
+                <a14:hiddenLine xmlns:a14="http://schemas.microsoft.com/office/drawing/2010/main" w="9525">
+                  <a:solidFill>
+                    <a:schemeClr val="tx1"/>
+                  </a:solidFill>
+                  <a:round/>
+                  <a:headEnd/>
+                  <a:tailEnd/>
+                </a14:hiddenLine>
+              </a:ext>
+              <a:ext uri="{AF507438-7753-43E0-B8FC-AC1667EBCBE1}">
+                <a14:hiddenEffects xmlns:a14="http://schemas.microsoft.com/office/drawing/2010/main">
+                  <a:effectLst>
+                    <a:outerShdw dist="35921" dir="2700000" algn="ctr" rotWithShape="0">
+                      <a:schemeClr val="bg2"/>
+                    </a:outerShdw>
+                  </a:effectLst>
+                </a14:hiddenEffects>
+              </a:ext>
+            </a:extLst>
+          </p:spPr>
+          <p:txBody>
+            <a:bodyPr wrap="none" anchor="ctr"/>
+            <a:lstStyle/>
+            <a:p>
+              <a:endParaRPr lang="en-US"/>
+            </a:p>
+          </p:txBody>
+        </p:sp>
+        <p:sp>
+          <p:nvSpPr>
+            <p:cNvPr id="23" name="AutoShape 69"/>
+            <p:cNvSpPr>
+              <a:spLocks noChangeArrowheads="1"/>
+            </p:cNvSpPr>
+            <p:nvPr/>
+          </p:nvSpPr>
+          <p:spPr bwMode="gray">
+            <a:xfrm>
+              <a:off x="2240" y="2795"/>
+              <a:ext cx="1304" cy="447"/>
+            </a:xfrm>
+            <a:prstGeom prst="roundRect">
+              <a:avLst>
+                <a:gd name="adj" fmla="val 50000"/>
+              </a:avLst>
+            </a:prstGeom>
+            <a:gradFill rotWithShape="1">
+              <a:gsLst>
+                <a:gs pos="0">
+                  <a:srgbClr val="99D844"/>
+                </a:gs>
+                <a:gs pos="100000">
+                  <a:srgbClr val="99D844">
+                    <a:gamma/>
+                    <a:tint val="54510"/>
+                    <a:invGamma/>
+                  </a:srgbClr>
+                </a:gs>
+              </a:gsLst>
+              <a:lin ang="5400000" scaled="1"/>
+            </a:gradFill>
+            <a:ln>
+              <a:noFill/>
+            </a:ln>
+            <a:effectLst/>
+            <a:extLst>
+              <a:ext uri="{91240B29-F687-4F45-9708-019B960494DF}">
+                <a14:hiddenLine xmlns:a14="http://schemas.microsoft.com/office/drawing/2010/main" w="9525">
+                  <a:solidFill>
+                    <a:schemeClr val="tx1"/>
+                  </a:solidFill>
+                  <a:round/>
+                  <a:headEnd/>
+                  <a:tailEnd/>
+                </a14:hiddenLine>
+              </a:ext>
+              <a:ext uri="{AF507438-7753-43E0-B8FC-AC1667EBCBE1}">
+                <a14:hiddenEffects xmlns:a14="http://schemas.microsoft.com/office/drawing/2010/main">
+                  <a:effectLst>
+                    <a:outerShdw dist="35921" dir="2700000" algn="ctr" rotWithShape="0">
+                      <a:schemeClr val="bg2"/>
+                    </a:outerShdw>
+                  </a:effectLst>
+                </a14:hiddenEffects>
+              </a:ext>
+            </a:extLst>
+          </p:spPr>
+          <p:txBody>
+            <a:bodyPr wrap="none" anchor="ctr"/>
+            <a:lstStyle/>
+            <a:p>
+              <a:endParaRPr lang="en-US"/>
+            </a:p>
+          </p:txBody>
+        </p:sp>
+        <p:sp>
+          <p:nvSpPr>
+            <p:cNvPr id="24" name="AutoShape 70"/>
+            <p:cNvSpPr>
+              <a:spLocks noChangeArrowheads="1"/>
+            </p:cNvSpPr>
+            <p:nvPr/>
+          </p:nvSpPr>
+          <p:spPr bwMode="gray">
+            <a:xfrm>
+              <a:off x="2240" y="1509"/>
+              <a:ext cx="1304" cy="446"/>
+            </a:xfrm>
+            <a:prstGeom prst="roundRect">
+              <a:avLst>
+                <a:gd name="adj" fmla="val 50000"/>
+              </a:avLst>
+            </a:prstGeom>
+            <a:gradFill rotWithShape="1">
+              <a:gsLst>
+                <a:gs pos="0">
+                  <a:srgbClr val="99D844">
+                    <a:gamma/>
+                    <a:tint val="33333"/>
+                    <a:invGamma/>
+                  </a:srgbClr>
+                </a:gs>
+                <a:gs pos="100000">
+                  <a:srgbClr val="99D844"/>
+                </a:gs>
+              </a:gsLst>
+              <a:lin ang="5400000" scaled="1"/>
+            </a:gradFill>
+            <a:ln>
+              <a:noFill/>
+            </a:ln>
+            <a:effectLst/>
+            <a:extLst>
+              <a:ext uri="{91240B29-F687-4F45-9708-019B960494DF}">
+                <a14:hiddenLine xmlns:a14="http://schemas.microsoft.com/office/drawing/2010/main" w="9525">
+                  <a:solidFill>
+                    <a:schemeClr val="tx1"/>
+                  </a:solidFill>
+                  <a:round/>
+                  <a:headEnd/>
+                  <a:tailEnd/>
+                </a14:hiddenLine>
+              </a:ext>
+              <a:ext uri="{AF507438-7753-43E0-B8FC-AC1667EBCBE1}">
+                <a14:hiddenEffects xmlns:a14="http://schemas.microsoft.com/office/drawing/2010/main">
+                  <a:effectLst>
+                    <a:outerShdw dist="35921" dir="2700000" algn="ctr" rotWithShape="0">
+                      <a:schemeClr val="bg2"/>
+                    </a:outerShdw>
+                  </a:effectLst>
+                </a14:hiddenEffects>
+              </a:ext>
+            </a:extLst>
+          </p:spPr>
+          <p:txBody>
+            <a:bodyPr wrap="none" anchor="ctr"/>
+            <a:lstStyle/>
+            <a:p>
+              <a:endParaRPr lang="en-US"/>
+            </a:p>
+          </p:txBody>
+        </p:sp>
+        <p:sp>
+          <p:nvSpPr>
+            <p:cNvPr id="25" name="Oval 71"/>
+            <p:cNvSpPr>
+              <a:spLocks noChangeArrowheads="1"/>
+            </p:cNvSpPr>
+            <p:nvPr/>
+          </p:nvSpPr>
+          <p:spPr bwMode="gray">
+            <a:xfrm>
+              <a:off x="2677" y="1296"/>
+              <a:ext cx="405" cy="405"/>
+            </a:xfrm>
+            <a:prstGeom prst="ellipse">
+              <a:avLst/>
+            </a:prstGeom>
+            <a:solidFill>
+              <a:srgbClr val="333333"/>
+            </a:solidFill>
+            <a:ln>
+              <a:noFill/>
+            </a:ln>
+            <a:effectLst/>
+            <a:extLst>
+              <a:ext uri="{91240B29-F687-4F45-9708-019B960494DF}">
+                <a14:hiddenLine xmlns:a14="http://schemas.microsoft.com/office/drawing/2010/main" w="38100" algn="ctr">
+                  <a:solidFill>
+                    <a:schemeClr val="bg1"/>
+                  </a:solidFill>
+                  <a:round/>
+                  <a:headEnd/>
+                  <a:tailEnd/>
+                </a14:hiddenLine>
+              </a:ext>
+              <a:ext uri="{AF507438-7753-43E0-B8FC-AC1667EBCBE1}">
+                <a14:hiddenEffects xmlns:a14="http://schemas.microsoft.com/office/drawing/2010/main">
+                  <a:effectLst>
+                    <a:outerShdw dist="109250" dir="3267739" algn="ctr" rotWithShape="0">
+                      <a:srgbClr val="808080">
+                        <a:alpha val="50000"/>
+                      </a:srgbClr>
+                    </a:outerShdw>
+                  </a:effectLst>
+                </a14:hiddenEffects>
+              </a:ext>
+            </a:extLst>
+          </p:spPr>
+          <p:txBody>
+            <a:bodyPr anchor="ctr">
+              <a:spAutoFit/>
+            </a:bodyPr>
+            <a:lstStyle/>
+            <a:p>
+              <a:endParaRPr lang="en-US"/>
+            </a:p>
+          </p:txBody>
+        </p:sp>
+        <p:sp>
+          <p:nvSpPr>
+            <p:cNvPr id="26" name="Oval 72"/>
+            <p:cNvSpPr>
+              <a:spLocks noChangeArrowheads="1"/>
+            </p:cNvSpPr>
+            <p:nvPr/>
+          </p:nvSpPr>
+          <p:spPr bwMode="gray">
+            <a:xfrm>
+              <a:off x="2681" y="1299"/>
+              <a:ext cx="392" cy="392"/>
+            </a:xfrm>
+            <a:prstGeom prst="ellipse">
+              <a:avLst/>
+            </a:prstGeom>
+            <a:gradFill rotWithShape="1">
+              <a:gsLst>
+                <a:gs pos="0">
+                  <a:srgbClr val="D6E1E2">
+                    <a:gamma/>
+                    <a:shade val="46275"/>
+                    <a:invGamma/>
+                  </a:srgbClr>
+                </a:gs>
+                <a:gs pos="100000">
+                  <a:srgbClr val="D6E1E2"/>
+                </a:gs>
+              </a:gsLst>
+              <a:lin ang="5400000" scaled="1"/>
+            </a:gradFill>
+            <a:ln>
+              <a:noFill/>
+            </a:ln>
+            <a:effectLst/>
+            <a:extLst>
+              <a:ext uri="{91240B29-F687-4F45-9708-019B960494DF}">
+                <a14:hiddenLine xmlns:a14="http://schemas.microsoft.com/office/drawing/2010/main" w="9525" algn="ctr">
+                  <a:solidFill>
+                    <a:schemeClr val="tx1"/>
+                  </a:solidFill>
+                  <a:round/>
+                  <a:headEnd/>
+                  <a:tailEnd/>
+                </a14:hiddenLine>
+              </a:ext>
+              <a:ext uri="{AF507438-7753-43E0-B8FC-AC1667EBCBE1}">
+                <a14:hiddenEffects xmlns:a14="http://schemas.microsoft.com/office/drawing/2010/main">
+                  <a:effectLst>
+                    <a:outerShdw dist="35921" dir="2700000" algn="ctr" rotWithShape="0">
+                      <a:schemeClr val="bg2"/>
+                    </a:outerShdw>
+                  </a:effectLst>
+                </a14:hiddenEffects>
+              </a:ext>
+            </a:extLst>
+          </p:spPr>
+          <p:txBody>
+            <a:bodyPr vert="eaVert" wrap="none" anchor="ctr"/>
+            <a:lstStyle/>
+            <a:p>
+              <a:endParaRPr lang="en-US"/>
+            </a:p>
+          </p:txBody>
+        </p:sp>
+        <p:sp>
+          <p:nvSpPr>
+            <p:cNvPr id="27" name="Oval 73"/>
+            <p:cNvSpPr>
+              <a:spLocks noChangeArrowheads="1"/>
+            </p:cNvSpPr>
+            <p:nvPr/>
+          </p:nvSpPr>
+          <p:spPr bwMode="gray">
+            <a:xfrm>
+              <a:off x="2686" y="1301"/>
+              <a:ext cx="383" cy="383"/>
+            </a:xfrm>
+            <a:prstGeom prst="ellipse">
+              <a:avLst/>
+            </a:prstGeom>
+            <a:gradFill rotWithShape="1">
+              <a:gsLst>
+                <a:gs pos="0">
+                  <a:srgbClr val="D6E1E2">
+                    <a:alpha val="0"/>
+                  </a:srgbClr>
+                </a:gs>
+                <a:gs pos="100000">
+                  <a:srgbClr val="D6E1E2">
+                    <a:gamma/>
+                    <a:tint val="34902"/>
+                    <a:invGamma/>
+                  </a:srgbClr>
+                </a:gs>
+              </a:gsLst>
+              <a:lin ang="5400000" scaled="1"/>
+            </a:gradFill>
+            <a:ln>
+              <a:noFill/>
+            </a:ln>
+            <a:effectLst/>
+            <a:extLst>
+              <a:ext uri="{91240B29-F687-4F45-9708-019B960494DF}">
+                <a14:hiddenLine xmlns:a14="http://schemas.microsoft.com/office/drawing/2010/main" w="9525" algn="ctr">
+                  <a:solidFill>
+                    <a:schemeClr val="tx1"/>
+                  </a:solidFill>
+                  <a:round/>
+                  <a:headEnd/>
+                  <a:tailEnd/>
+                </a14:hiddenLine>
+              </a:ext>
+              <a:ext uri="{AF507438-7753-43E0-B8FC-AC1667EBCBE1}">
+                <a14:hiddenEffects xmlns:a14="http://schemas.microsoft.com/office/drawing/2010/main">
+                  <a:effectLst>
+                    <a:outerShdw dist="35921" dir="2700000" algn="ctr" rotWithShape="0">
+                      <a:schemeClr val="bg2"/>
+                    </a:outerShdw>
+                  </a:effectLst>
+                </a14:hiddenEffects>
+              </a:ext>
+            </a:extLst>
+          </p:spPr>
+          <p:txBody>
+            <a:bodyPr vert="eaVert" wrap="none" anchor="ctr"/>
+            <a:lstStyle/>
+            <a:p>
+              <a:endParaRPr lang="en-US"/>
+            </a:p>
+          </p:txBody>
+        </p:sp>
+        <p:sp>
+          <p:nvSpPr>
+            <p:cNvPr id="28" name="Oval 74"/>
+            <p:cNvSpPr>
+              <a:spLocks noChangeArrowheads="1"/>
+            </p:cNvSpPr>
+            <p:nvPr/>
+          </p:nvSpPr>
+          <p:spPr bwMode="gray">
+            <a:xfrm>
+              <a:off x="2690" y="1305"/>
+              <a:ext cx="364" cy="357"/>
+            </a:xfrm>
+            <a:prstGeom prst="ellipse">
+              <a:avLst/>
+            </a:prstGeom>
+            <a:gradFill rotWithShape="1">
+              <a:gsLst>
+                <a:gs pos="0">
+                  <a:srgbClr val="D6E1E2">
+                    <a:gamma/>
+                    <a:shade val="79216"/>
+                    <a:invGamma/>
+                  </a:srgbClr>
+                </a:gs>
+                <a:gs pos="100000">
+                  <a:srgbClr val="D6E1E2">
+                    <a:alpha val="48000"/>
+                  </a:srgbClr>
+                </a:gs>
+              </a:gsLst>
+              <a:lin ang="5400000" scaled="1"/>
+            </a:gradFill>
+            <a:ln>
+              <a:noFill/>
+            </a:ln>
+            <a:effectLst/>
+            <a:extLst>
+              <a:ext uri="{91240B29-F687-4F45-9708-019B960494DF}">
+                <a14:hiddenLine xmlns:a14="http://schemas.microsoft.com/office/drawing/2010/main" w="9525" algn="ctr">
+                  <a:solidFill>
+                    <a:schemeClr val="tx1"/>
+                  </a:solidFill>
+                  <a:round/>
+                  <a:headEnd/>
+                  <a:tailEnd/>
+                </a14:hiddenLine>
+              </a:ext>
+              <a:ext uri="{AF507438-7753-43E0-B8FC-AC1667EBCBE1}">
+                <a14:hiddenEffects xmlns:a14="http://schemas.microsoft.com/office/drawing/2010/main">
+                  <a:effectLst>
+                    <a:outerShdw dist="35921" dir="2700000" algn="ctr" rotWithShape="0">
+                      <a:schemeClr val="bg2"/>
+                    </a:outerShdw>
+                  </a:effectLst>
+                </a14:hiddenEffects>
+              </a:ext>
+            </a:extLst>
+          </p:spPr>
+          <p:txBody>
+            <a:bodyPr vert="eaVert" wrap="none" anchor="ctr"/>
+            <a:lstStyle/>
+            <a:p>
+              <a:endParaRPr lang="en-US"/>
+            </a:p>
+          </p:txBody>
+        </p:sp>
+        <p:sp>
+          <p:nvSpPr>
+            <p:cNvPr id="29" name="Oval 75"/>
+            <p:cNvSpPr>
+              <a:spLocks noChangeArrowheads="1"/>
+            </p:cNvSpPr>
+            <p:nvPr/>
+          </p:nvSpPr>
+          <p:spPr bwMode="gray">
+            <a:xfrm>
+              <a:off x="2712" y="1315"/>
+              <a:ext cx="323" cy="290"/>
+            </a:xfrm>
+            <a:prstGeom prst="ellipse">
+              <a:avLst/>
+            </a:prstGeom>
+            <a:gradFill rotWithShape="1">
+              <a:gsLst>
+                <a:gs pos="0">
+                  <a:srgbClr val="D6E1E2">
+                    <a:gamma/>
+                    <a:tint val="0"/>
+                    <a:invGamma/>
+                  </a:srgbClr>
+                </a:gs>
+                <a:gs pos="100000">
+                  <a:srgbClr val="D6E1E2">
+                    <a:alpha val="38000"/>
+                  </a:srgbClr>
+                </a:gs>
+              </a:gsLst>
+              <a:lin ang="5400000" scaled="1"/>
+            </a:gradFill>
+            <a:ln>
+              <a:noFill/>
+            </a:ln>
+            <a:effectLst/>
+            <a:extLst>
+              <a:ext uri="{91240B29-F687-4F45-9708-019B960494DF}">
+                <a14:hiddenLine xmlns:a14="http://schemas.microsoft.com/office/drawing/2010/main" w="9525" algn="ctr">
+                  <a:solidFill>
+                    <a:schemeClr val="tx1"/>
+                  </a:solidFill>
+                  <a:round/>
+                  <a:headEnd/>
+                  <a:tailEnd/>
+                </a14:hiddenLine>
+              </a:ext>
+              <a:ext uri="{AF507438-7753-43E0-B8FC-AC1667EBCBE1}">
+                <a14:hiddenEffects xmlns:a14="http://schemas.microsoft.com/office/drawing/2010/main">
+                  <a:effectLst>
+                    <a:outerShdw dist="35921" dir="2700000" algn="ctr" rotWithShape="0">
+                      <a:schemeClr val="bg2"/>
+                    </a:outerShdw>
+                  </a:effectLst>
+                </a14:hiddenEffects>
+              </a:ext>
+            </a:extLst>
+          </p:spPr>
+          <p:txBody>
+            <a:bodyPr vert="eaVert" wrap="none" anchor="ctr"/>
+            <a:lstStyle/>
+            <a:p>
+              <a:endParaRPr lang="en-US"/>
+            </a:p>
+          </p:txBody>
+        </p:sp>
+        <p:sp>
+          <p:nvSpPr>
+            <p:cNvPr id="30" name="Text Box 76"/>
+            <p:cNvSpPr txBox="1">
+              <a:spLocks noChangeArrowheads="1"/>
+            </p:cNvSpPr>
+            <p:nvPr/>
+          </p:nvSpPr>
+          <p:spPr bwMode="gray">
+            <a:xfrm>
+              <a:off x="2726" y="1317"/>
+              <a:ext cx="223" cy="288"/>
+            </a:xfrm>
+            <a:prstGeom prst="rect">
+              <a:avLst/>
+            </a:prstGeom>
+            <a:noFill/>
+            <a:ln>
+              <a:noFill/>
+            </a:ln>
+            <a:effectLst/>
+            <a:extLst>
+              <a:ext uri="{909E8E84-426E-40DD-AFC4-6F175D3DCCD1}">
+                <a14:hiddenFill xmlns:a14="http://schemas.microsoft.com/office/drawing/2010/main">
+                  <a:solidFill>
+                    <a:schemeClr val="accent1"/>
+                  </a:solidFill>
+                </a14:hiddenFill>
+              </a:ext>
+              <a:ext uri="{91240B29-F687-4F45-9708-019B960494DF}">
+                <a14:hiddenLine xmlns:a14="http://schemas.microsoft.com/office/drawing/2010/main" w="9525" algn="ctr">
+                  <a:solidFill>
+                    <a:schemeClr val="tx1"/>
+                  </a:solidFill>
+                  <a:miter lim="800000"/>
+                  <a:headEnd/>
+                  <a:tailEnd/>
+                </a14:hiddenLine>
+              </a:ext>
+              <a:ext uri="{AF507438-7753-43E0-B8FC-AC1667EBCBE1}">
+                <a14:hiddenEffects xmlns:a14="http://schemas.microsoft.com/office/drawing/2010/main">
+                  <a:effectLst>
+                    <a:outerShdw dist="35921" dir="2700000" algn="ctr" rotWithShape="0">
+                      <a:schemeClr val="bg2"/>
+                    </a:outerShdw>
+                  </a:effectLst>
+                </a14:hiddenEffects>
+              </a:ext>
+            </a:extLst>
+          </p:spPr>
+          <p:txBody>
+            <a:bodyPr wrap="none">
+              <a:spAutoFit/>
+            </a:bodyPr>
+            <a:lstStyle/>
+            <a:p>
+              <a:r>
+                <a:rPr lang="en-US" sz="2400" dirty="0">
+                  <a:solidFill>
+                    <a:srgbClr val="000000"/>
+                  </a:solidFill>
+                </a:rPr>
+                <a:t>2</a:t>
+              </a:r>
+            </a:p>
+          </p:txBody>
+        </p:sp>
+        <p:sp>
+          <p:nvSpPr>
+            <p:cNvPr id="31" name="Text Box 77"/>
+            <p:cNvSpPr txBox="1">
+              <a:spLocks noChangeArrowheads="1"/>
+            </p:cNvSpPr>
+            <p:nvPr/>
+          </p:nvSpPr>
+          <p:spPr bwMode="gray">
+            <a:xfrm>
+              <a:off x="2256" y="1776"/>
+              <a:ext cx="1296" cy="735"/>
+            </a:xfrm>
+            <a:prstGeom prst="rect">
+              <a:avLst/>
+            </a:prstGeom>
+            <a:noFill/>
+            <a:ln>
+              <a:noFill/>
+            </a:ln>
+            <a:effectLst/>
+            <a:extLst>
+              <a:ext uri="{909E8E84-426E-40DD-AFC4-6F175D3DCCD1}">
+                <a14:hiddenFill xmlns:a14="http://schemas.microsoft.com/office/drawing/2010/main">
+                  <a:solidFill>
+                    <a:schemeClr val="accent1"/>
+                  </a:solidFill>
+                </a14:hiddenFill>
+              </a:ext>
+              <a:ext uri="{91240B29-F687-4F45-9708-019B960494DF}">
+                <a14:hiddenLine xmlns:a14="http://schemas.microsoft.com/office/drawing/2010/main" w="9525" algn="ctr">
+                  <a:solidFill>
+                    <a:schemeClr val="tx1"/>
+                  </a:solidFill>
+                  <a:miter lim="800000"/>
+                  <a:headEnd/>
+                  <a:tailEnd/>
+                </a14:hiddenLine>
+              </a:ext>
+              <a:ext uri="{AF507438-7753-43E0-B8FC-AC1667EBCBE1}">
+                <a14:hiddenEffects xmlns:a14="http://schemas.microsoft.com/office/drawing/2010/main">
+                  <a:effectLst>
+                    <a:outerShdw dist="35921" dir="2700000" algn="ctr" rotWithShape="0">
+                      <a:schemeClr val="bg2"/>
+                    </a:outerShdw>
+                  </a:effectLst>
+                </a14:hiddenEffects>
+              </a:ext>
+            </a:extLst>
+          </p:spPr>
+          <p:txBody>
+            <a:bodyPr>
+              <a:spAutoFit/>
+            </a:bodyPr>
+            <a:lstStyle/>
+            <a:p>
+              <a:r>
+                <a:rPr lang="en-US" sz="1600" b="1" dirty="0" smtClean="0">
+                  <a:solidFill>
+                    <a:srgbClr val="000000"/>
+                  </a:solidFill>
+                  <a:latin typeface="Verdana" pitchFamily="34" charset="0"/>
+                </a:rPr>
+                <a:t>Error Products List</a:t>
+              </a:r>
+              <a:endParaRPr lang="en-US" sz="1600" b="1" dirty="0">
+                <a:solidFill>
+                  <a:srgbClr val="000000"/>
+                </a:solidFill>
+                <a:latin typeface="Verdana" pitchFamily="34" charset="0"/>
+              </a:endParaRPr>
+            </a:p>
+          </p:txBody>
+        </p:sp>
+        <p:sp>
+          <p:nvSpPr>
+            <p:cNvPr id="32" name="AutoShape 78"/>
+            <p:cNvSpPr>
+              <a:spLocks noChangeArrowheads="1"/>
+            </p:cNvSpPr>
+            <p:nvPr/>
+          </p:nvSpPr>
+          <p:spPr bwMode="gray">
+            <a:xfrm>
+              <a:off x="2210" y="3290"/>
+              <a:ext cx="1363" cy="548"/>
+            </a:xfrm>
+            <a:prstGeom prst="roundRect">
+              <a:avLst>
+                <a:gd name="adj" fmla="val 40389"/>
+              </a:avLst>
+            </a:prstGeom>
+            <a:gradFill rotWithShape="1">
+              <a:gsLst>
+                <a:gs pos="0">
+                  <a:srgbClr val="B2B2B2"/>
+                </a:gs>
+                <a:gs pos="100000">
+                  <a:srgbClr val="B2B2B2">
+                    <a:gamma/>
+                    <a:tint val="0"/>
+                    <a:invGamma/>
+                  </a:srgbClr>
+                </a:gs>
+              </a:gsLst>
+              <a:lin ang="5400000" scaled="1"/>
+            </a:gradFill>
+            <a:ln>
+              <a:noFill/>
+            </a:ln>
+            <a:effectLst/>
+            <a:extLst>
+              <a:ext uri="{91240B29-F687-4F45-9708-019B960494DF}">
+                <a14:hiddenLine xmlns:a14="http://schemas.microsoft.com/office/drawing/2010/main" w="9525">
+                  <a:solidFill>
+                    <a:schemeClr val="tx1"/>
+                  </a:solidFill>
+                  <a:round/>
+                  <a:headEnd/>
+                  <a:tailEnd/>
+                </a14:hiddenLine>
+              </a:ext>
+              <a:ext uri="{AF507438-7753-43E0-B8FC-AC1667EBCBE1}">
+                <a14:hiddenEffects xmlns:a14="http://schemas.microsoft.com/office/drawing/2010/main">
+                  <a:effectLst>
+                    <a:outerShdw dist="35921" dir="2700000" algn="ctr" rotWithShape="0">
+                      <a:schemeClr val="bg2"/>
+                    </a:outerShdw>
+                  </a:effectLst>
+                </a14:hiddenEffects>
+              </a:ext>
+            </a:extLst>
+          </p:spPr>
+          <p:txBody>
+            <a:bodyPr wrap="none" anchor="ctr"/>
+            <a:lstStyle/>
+            <a:p>
+              <a:endParaRPr lang="en-US"/>
+            </a:p>
+          </p:txBody>
+        </p:sp>
+        <p:sp>
+          <p:nvSpPr>
+            <p:cNvPr id="33" name="AutoShape 79"/>
+            <p:cNvSpPr>
+              <a:spLocks noChangeArrowheads="1"/>
+            </p:cNvSpPr>
+            <p:nvPr/>
+          </p:nvSpPr>
+          <p:spPr bwMode="gray">
+            <a:xfrm>
+              <a:off x="2238" y="3305"/>
+              <a:ext cx="1304" cy="446"/>
+            </a:xfrm>
+            <a:prstGeom prst="roundRect">
+              <a:avLst>
+                <a:gd name="adj" fmla="val 50000"/>
+              </a:avLst>
+            </a:prstGeom>
+            <a:gradFill rotWithShape="1">
+              <a:gsLst>
+                <a:gs pos="0">
+                  <a:srgbClr val="DDDDDD"/>
+                </a:gs>
+                <a:gs pos="100000">
+                  <a:srgbClr val="DDDDDD">
+                    <a:gamma/>
+                    <a:tint val="0"/>
+                    <a:invGamma/>
+                  </a:srgbClr>
+                </a:gs>
+              </a:gsLst>
+              <a:lin ang="5400000" scaled="1"/>
+            </a:gradFill>
+            <a:ln>
+              <a:noFill/>
+            </a:ln>
+            <a:effectLst/>
+            <a:extLst>
+              <a:ext uri="{91240B29-F687-4F45-9708-019B960494DF}">
+                <a14:hiddenLine xmlns:a14="http://schemas.microsoft.com/office/drawing/2010/main" w="9525">
+                  <a:solidFill>
+                    <a:schemeClr val="tx1"/>
+                  </a:solidFill>
+                  <a:round/>
+                  <a:headEnd/>
+                  <a:tailEnd/>
+                </a14:hiddenLine>
+              </a:ext>
+              <a:ext uri="{AF507438-7753-43E0-B8FC-AC1667EBCBE1}">
+                <a14:hiddenEffects xmlns:a14="http://schemas.microsoft.com/office/drawing/2010/main">
+                  <a:effectLst>
+                    <a:outerShdw dist="35921" dir="2700000" algn="ctr" rotWithShape="0">
+                      <a:schemeClr val="bg2"/>
+                    </a:outerShdw>
+                  </a:effectLst>
+                </a14:hiddenEffects>
+              </a:ext>
+            </a:extLst>
+          </p:spPr>
+          <p:txBody>
+            <a:bodyPr wrap="none" anchor="ctr"/>
+            <a:lstStyle/>
+            <a:p>
+              <a:endParaRPr lang="en-US"/>
+            </a:p>
+          </p:txBody>
+        </p:sp>
+      </p:grpSp>
+      <p:grpSp>
+        <p:nvGrpSpPr>
+          <p:cNvPr id="34" name="Group 97"/>
+          <p:cNvGrpSpPr>
+            <a:grpSpLocks/>
+          </p:cNvGrpSpPr>
+          <p:nvPr/>
+        </p:nvGrpSpPr>
+        <p:grpSpPr bwMode="auto">
+          <a:xfrm>
+            <a:off x="6151144" y="3490073"/>
+            <a:ext cx="1546354" cy="2875515"/>
+            <a:chOff x="3692" y="1296"/>
+            <a:chExt cx="1367" cy="2542"/>
+          </a:xfrm>
+        </p:grpSpPr>
+        <p:sp>
+          <p:nvSpPr>
+            <p:cNvPr id="35" name="AutoShape 81"/>
+            <p:cNvSpPr>
+              <a:spLocks noChangeArrowheads="1"/>
+            </p:cNvSpPr>
+            <p:nvPr/>
+          </p:nvSpPr>
+          <p:spPr bwMode="gray">
+            <a:xfrm>
+              <a:off x="3696" y="1490"/>
+              <a:ext cx="1363" cy="1800"/>
+            </a:xfrm>
+            <a:prstGeom prst="roundRect">
+              <a:avLst>
+                <a:gd name="adj" fmla="val 17509"/>
+              </a:avLst>
+            </a:prstGeom>
+            <a:gradFill rotWithShape="1">
+              <a:gsLst>
+                <a:gs pos="0">
+                  <a:srgbClr val="C16237"/>
+                </a:gs>
+                <a:gs pos="100000">
+                  <a:srgbClr val="AB4E47"/>
+                </a:gs>
+              </a:gsLst>
+              <a:lin ang="2700000" scaled="1"/>
+            </a:gradFill>
+            <a:ln>
+              <a:noFill/>
+            </a:ln>
+            <a:effectLst/>
+            <a:extLst>
+              <a:ext uri="{91240B29-F687-4F45-9708-019B960494DF}">
+                <a14:hiddenLine xmlns:a14="http://schemas.microsoft.com/office/drawing/2010/main" w="9525">
+                  <a:solidFill>
+                    <a:schemeClr val="tx1"/>
+                  </a:solidFill>
+                  <a:round/>
+                  <a:headEnd/>
+                  <a:tailEnd/>
+                </a14:hiddenLine>
+              </a:ext>
+              <a:ext uri="{AF507438-7753-43E0-B8FC-AC1667EBCBE1}">
+                <a14:hiddenEffects xmlns:a14="http://schemas.microsoft.com/office/drawing/2010/main">
+                  <a:effectLst>
+                    <a:outerShdw dist="35921" dir="2700000" algn="ctr" rotWithShape="0">
+                      <a:schemeClr val="bg2"/>
+                    </a:outerShdw>
+                  </a:effectLst>
+                </a14:hiddenEffects>
+              </a:ext>
+            </a:extLst>
+          </p:spPr>
+          <p:txBody>
+            <a:bodyPr wrap="none" anchor="ctr"/>
+            <a:lstStyle/>
+            <a:p>
+              <a:endParaRPr lang="en-US"/>
+            </a:p>
+          </p:txBody>
+        </p:sp>
+        <p:sp>
+          <p:nvSpPr>
+            <p:cNvPr id="36" name="AutoShape 82"/>
+            <p:cNvSpPr>
+              <a:spLocks noChangeArrowheads="1"/>
+            </p:cNvSpPr>
+            <p:nvPr/>
+          </p:nvSpPr>
+          <p:spPr bwMode="gray">
+            <a:xfrm>
+              <a:off x="3717" y="1495"/>
+              <a:ext cx="1322" cy="1766"/>
+            </a:xfrm>
+            <a:prstGeom prst="roundRect">
+              <a:avLst>
+                <a:gd name="adj" fmla="val 16667"/>
+              </a:avLst>
+            </a:prstGeom>
+            <a:solidFill>
+              <a:srgbClr val="E98B65"/>
+            </a:solidFill>
+            <a:ln>
+              <a:noFill/>
+            </a:ln>
+            <a:effectLst/>
+            <a:extLst>
+              <a:ext uri="{91240B29-F687-4F45-9708-019B960494DF}">
+                <a14:hiddenLine xmlns:a14="http://schemas.microsoft.com/office/drawing/2010/main" w="9525">
+                  <a:solidFill>
+                    <a:schemeClr val="tx1"/>
+                  </a:solidFill>
+                  <a:round/>
+                  <a:headEnd/>
+                  <a:tailEnd/>
+                </a14:hiddenLine>
+              </a:ext>
+              <a:ext uri="{AF507438-7753-43E0-B8FC-AC1667EBCBE1}">
+                <a14:hiddenEffects xmlns:a14="http://schemas.microsoft.com/office/drawing/2010/main">
+                  <a:effectLst>
+                    <a:outerShdw dist="35921" dir="2700000" algn="ctr" rotWithShape="0">
+                      <a:schemeClr val="bg2"/>
+                    </a:outerShdw>
+                  </a:effectLst>
+                </a14:hiddenEffects>
+              </a:ext>
+            </a:extLst>
+          </p:spPr>
+          <p:txBody>
+            <a:bodyPr wrap="none" anchor="ctr"/>
+            <a:lstStyle/>
+            <a:p>
+              <a:endParaRPr lang="en-US"/>
+            </a:p>
+          </p:txBody>
+        </p:sp>
+        <p:sp>
+          <p:nvSpPr>
+            <p:cNvPr id="37" name="AutoShape 83"/>
+            <p:cNvSpPr>
+              <a:spLocks noChangeArrowheads="1"/>
+            </p:cNvSpPr>
+            <p:nvPr/>
+          </p:nvSpPr>
+          <p:spPr bwMode="gray">
+            <a:xfrm>
+              <a:off x="3728" y="2795"/>
+              <a:ext cx="1304" cy="447"/>
+            </a:xfrm>
+            <a:prstGeom prst="roundRect">
+              <a:avLst>
+                <a:gd name="adj" fmla="val 50000"/>
+              </a:avLst>
+            </a:prstGeom>
+            <a:gradFill rotWithShape="1">
+              <a:gsLst>
+                <a:gs pos="0">
+                  <a:srgbClr val="E98B65"/>
+                </a:gs>
+                <a:gs pos="100000">
+                  <a:srgbClr val="E98B65">
+                    <a:gamma/>
+                    <a:tint val="57647"/>
+                    <a:invGamma/>
+                  </a:srgbClr>
+                </a:gs>
+              </a:gsLst>
+              <a:lin ang="5400000" scaled="1"/>
+            </a:gradFill>
+            <a:ln>
+              <a:noFill/>
+            </a:ln>
+            <a:effectLst/>
+            <a:extLst>
+              <a:ext uri="{91240B29-F687-4F45-9708-019B960494DF}">
+                <a14:hiddenLine xmlns:a14="http://schemas.microsoft.com/office/drawing/2010/main" w="9525">
+                  <a:solidFill>
+                    <a:schemeClr val="tx1"/>
+                  </a:solidFill>
+                  <a:round/>
+                  <a:headEnd/>
+                  <a:tailEnd/>
+                </a14:hiddenLine>
+              </a:ext>
+              <a:ext uri="{AF507438-7753-43E0-B8FC-AC1667EBCBE1}">
+                <a14:hiddenEffects xmlns:a14="http://schemas.microsoft.com/office/drawing/2010/main">
+                  <a:effectLst>
+                    <a:outerShdw dist="35921" dir="2700000" algn="ctr" rotWithShape="0">
+                      <a:schemeClr val="bg2"/>
+                    </a:outerShdw>
+                  </a:effectLst>
+                </a14:hiddenEffects>
+              </a:ext>
+            </a:extLst>
+          </p:spPr>
+          <p:txBody>
+            <a:bodyPr wrap="none" anchor="ctr"/>
+            <a:lstStyle/>
+            <a:p>
+              <a:endParaRPr lang="en-US"/>
+            </a:p>
+          </p:txBody>
+        </p:sp>
+        <p:sp>
+          <p:nvSpPr>
+            <p:cNvPr id="38" name="AutoShape 84"/>
+            <p:cNvSpPr>
+              <a:spLocks noChangeArrowheads="1"/>
+            </p:cNvSpPr>
+            <p:nvPr/>
+          </p:nvSpPr>
+          <p:spPr bwMode="gray">
+            <a:xfrm>
+              <a:off x="3728" y="1509"/>
+              <a:ext cx="1304" cy="446"/>
+            </a:xfrm>
+            <a:prstGeom prst="roundRect">
+              <a:avLst>
+                <a:gd name="adj" fmla="val 50000"/>
+              </a:avLst>
+            </a:prstGeom>
+            <a:gradFill rotWithShape="1">
+              <a:gsLst>
+                <a:gs pos="0">
+                  <a:srgbClr val="E98B65">
+                    <a:gamma/>
+                    <a:tint val="33333"/>
+                    <a:invGamma/>
+                  </a:srgbClr>
+                </a:gs>
+                <a:gs pos="100000">
+                  <a:srgbClr val="E98B65"/>
+                </a:gs>
+              </a:gsLst>
+              <a:lin ang="5400000" scaled="1"/>
+            </a:gradFill>
+            <a:ln>
+              <a:noFill/>
+            </a:ln>
+            <a:effectLst/>
+            <a:extLst>
+              <a:ext uri="{91240B29-F687-4F45-9708-019B960494DF}">
+                <a14:hiddenLine xmlns:a14="http://schemas.microsoft.com/office/drawing/2010/main" w="9525">
+                  <a:solidFill>
+                    <a:schemeClr val="tx1"/>
+                  </a:solidFill>
+                  <a:round/>
+                  <a:headEnd/>
+                  <a:tailEnd/>
+                </a14:hiddenLine>
+              </a:ext>
+              <a:ext uri="{AF507438-7753-43E0-B8FC-AC1667EBCBE1}">
+                <a14:hiddenEffects xmlns:a14="http://schemas.microsoft.com/office/drawing/2010/main">
+                  <a:effectLst>
+                    <a:outerShdw dist="35921" dir="2700000" algn="ctr" rotWithShape="0">
+                      <a:schemeClr val="bg2"/>
+                    </a:outerShdw>
+                  </a:effectLst>
+                </a14:hiddenEffects>
+              </a:ext>
+            </a:extLst>
+          </p:spPr>
+          <p:txBody>
+            <a:bodyPr wrap="none" anchor="ctr"/>
+            <a:lstStyle/>
+            <a:p>
+              <a:endParaRPr lang="en-US"/>
+            </a:p>
+          </p:txBody>
+        </p:sp>
+        <p:grpSp>
+          <p:nvGrpSpPr>
+            <p:cNvPr id="39" name="Group 85"/>
+            <p:cNvGrpSpPr>
+              <a:grpSpLocks/>
+            </p:cNvGrpSpPr>
+            <p:nvPr/>
+          </p:nvGrpSpPr>
+          <p:grpSpPr bwMode="auto">
+            <a:xfrm>
+              <a:off x="4165" y="1296"/>
+              <a:ext cx="405" cy="405"/>
+              <a:chOff x="1289" y="582"/>
+              <a:chExt cx="668" cy="668"/>
+            </a:xfrm>
+          </p:grpSpPr>
+          <p:sp>
+            <p:nvSpPr>
+              <p:cNvPr id="44" name="Oval 86"/>
+              <p:cNvSpPr>
+                <a:spLocks noChangeArrowheads="1"/>
+              </p:cNvSpPr>
+              <p:nvPr/>
+            </p:nvSpPr>
+            <p:spPr bwMode="gray">
+              <a:xfrm>
+                <a:off x="1289" y="582"/>
+                <a:ext cx="668" cy="668"/>
+              </a:xfrm>
+              <a:prstGeom prst="ellipse">
+                <a:avLst/>
+              </a:prstGeom>
+              <a:solidFill>
+                <a:srgbClr val="333333"/>
+              </a:solidFill>
+              <a:ln>
+                <a:noFill/>
+              </a:ln>
+              <a:effectLst/>
+              <a:extLst>
+                <a:ext uri="{91240B29-F687-4F45-9708-019B960494DF}">
+                  <a14:hiddenLine xmlns:a14="http://schemas.microsoft.com/office/drawing/2010/main" w="38100" algn="ctr">
+                    <a:solidFill>
+                      <a:schemeClr val="bg1"/>
+                    </a:solidFill>
+                    <a:round/>
+                    <a:headEnd/>
+                    <a:tailEnd/>
+                  </a14:hiddenLine>
+                </a:ext>
+                <a:ext uri="{AF507438-7753-43E0-B8FC-AC1667EBCBE1}">
+                  <a14:hiddenEffects xmlns:a14="http://schemas.microsoft.com/office/drawing/2010/main">
+                    <a:effectLst>
+                      <a:outerShdw dist="109250" dir="3267739" algn="ctr" rotWithShape="0">
+                        <a:srgbClr val="808080">
+                          <a:alpha val="50000"/>
+                        </a:srgbClr>
+                      </a:outerShdw>
+                    </a:effectLst>
+                  </a14:hiddenEffects>
+                </a:ext>
+              </a:extLst>
+            </p:spPr>
+            <p:txBody>
+              <a:bodyPr anchor="ctr">
+                <a:spAutoFit/>
+              </a:bodyPr>
+              <a:lstStyle/>
+              <a:p>
+                <a:endParaRPr lang="en-US"/>
+              </a:p>
+            </p:txBody>
+          </p:sp>
+          <p:sp>
+            <p:nvSpPr>
+              <p:cNvPr id="45" name="Oval 87"/>
+              <p:cNvSpPr>
+                <a:spLocks noChangeArrowheads="1"/>
+              </p:cNvSpPr>
+              <p:nvPr/>
+            </p:nvSpPr>
+            <p:spPr bwMode="gray">
+              <a:xfrm>
+                <a:off x="1296" y="587"/>
+                <a:ext cx="646" cy="647"/>
+              </a:xfrm>
+              <a:prstGeom prst="ellipse">
+                <a:avLst/>
+              </a:prstGeom>
+              <a:gradFill rotWithShape="1">
+                <a:gsLst>
+                  <a:gs pos="0">
+                    <a:srgbClr val="D6E1E2">
+                      <a:gamma/>
+                      <a:shade val="46275"/>
+                      <a:invGamma/>
+                    </a:srgbClr>
+                  </a:gs>
+                  <a:gs pos="100000">
+                    <a:srgbClr val="D6E1E2"/>
+                  </a:gs>
+                </a:gsLst>
+                <a:lin ang="5400000" scaled="1"/>
+              </a:gradFill>
+              <a:ln>
+                <a:noFill/>
+              </a:ln>
+              <a:effectLst/>
+              <a:extLst>
+                <a:ext uri="{91240B29-F687-4F45-9708-019B960494DF}">
+                  <a14:hiddenLine xmlns:a14="http://schemas.microsoft.com/office/drawing/2010/main" w="9525" algn="ctr">
+                    <a:solidFill>
+                      <a:schemeClr val="tx1"/>
+                    </a:solidFill>
+                    <a:round/>
+                    <a:headEnd/>
+                    <a:tailEnd/>
+                  </a14:hiddenLine>
+                </a:ext>
+                <a:ext uri="{AF507438-7753-43E0-B8FC-AC1667EBCBE1}">
+                  <a14:hiddenEffects xmlns:a14="http://schemas.microsoft.com/office/drawing/2010/main">
+                    <a:effectLst>
+                      <a:outerShdw dist="35921" dir="2700000" algn="ctr" rotWithShape="0">
+                        <a:schemeClr val="bg2"/>
+                      </a:outerShdw>
+                    </a:effectLst>
+                  </a14:hiddenEffects>
+                </a:ext>
+              </a:extLst>
+            </p:spPr>
+            <p:txBody>
+              <a:bodyPr vert="eaVert" wrap="none" anchor="ctr"/>
+              <a:lstStyle/>
+              <a:p>
+                <a:endParaRPr lang="en-US"/>
+              </a:p>
+            </p:txBody>
+          </p:sp>
+          <p:sp>
+            <p:nvSpPr>
+              <p:cNvPr id="46" name="Oval 88"/>
+              <p:cNvSpPr>
+                <a:spLocks noChangeArrowheads="1"/>
+              </p:cNvSpPr>
+              <p:nvPr/>
+            </p:nvSpPr>
+            <p:spPr bwMode="gray">
+              <a:xfrm>
+                <a:off x="1304" y="591"/>
+                <a:ext cx="631" cy="631"/>
+              </a:xfrm>
+              <a:prstGeom prst="ellipse">
+                <a:avLst/>
+              </a:prstGeom>
+              <a:gradFill rotWithShape="1">
+                <a:gsLst>
+                  <a:gs pos="0">
+                    <a:srgbClr val="D6E1E2">
+                      <a:alpha val="0"/>
+                    </a:srgbClr>
+                  </a:gs>
+                  <a:gs pos="100000">
+                    <a:srgbClr val="D6E1E2">
+                      <a:gamma/>
+                      <a:tint val="34902"/>
+                      <a:invGamma/>
+                    </a:srgbClr>
+                  </a:gs>
+                </a:gsLst>
+                <a:lin ang="5400000" scaled="1"/>
+              </a:gradFill>
+              <a:ln>
+                <a:noFill/>
+              </a:ln>
+              <a:effectLst/>
+              <a:extLst>
+                <a:ext uri="{91240B29-F687-4F45-9708-019B960494DF}">
+                  <a14:hiddenLine xmlns:a14="http://schemas.microsoft.com/office/drawing/2010/main" w="9525" algn="ctr">
+                    <a:solidFill>
+                      <a:schemeClr val="tx1"/>
+                    </a:solidFill>
+                    <a:round/>
+                    <a:headEnd/>
+                    <a:tailEnd/>
+                  </a14:hiddenLine>
+                </a:ext>
+                <a:ext uri="{AF507438-7753-43E0-B8FC-AC1667EBCBE1}">
+                  <a14:hiddenEffects xmlns:a14="http://schemas.microsoft.com/office/drawing/2010/main">
+                    <a:effectLst>
+                      <a:outerShdw dist="35921" dir="2700000" algn="ctr" rotWithShape="0">
+                        <a:schemeClr val="bg2"/>
+                      </a:outerShdw>
+                    </a:effectLst>
+                  </a14:hiddenEffects>
+                </a:ext>
+              </a:extLst>
+            </p:spPr>
+            <p:txBody>
+              <a:bodyPr vert="eaVert" wrap="none" anchor="ctr"/>
+              <a:lstStyle/>
+              <a:p>
+                <a:endParaRPr lang="en-US"/>
+              </a:p>
+            </p:txBody>
+          </p:sp>
+          <p:sp>
+            <p:nvSpPr>
+              <p:cNvPr id="47" name="Oval 89"/>
+              <p:cNvSpPr>
+                <a:spLocks noChangeArrowheads="1"/>
+              </p:cNvSpPr>
+              <p:nvPr/>
+            </p:nvSpPr>
+            <p:spPr bwMode="gray">
+              <a:xfrm>
+                <a:off x="1311" y="597"/>
+                <a:ext cx="600" cy="589"/>
+              </a:xfrm>
+              <a:prstGeom prst="ellipse">
+                <a:avLst/>
+              </a:prstGeom>
+              <a:gradFill rotWithShape="1">
+                <a:gsLst>
+                  <a:gs pos="0">
+                    <a:srgbClr val="D6E1E2">
+                      <a:gamma/>
+                      <a:shade val="79216"/>
+                      <a:invGamma/>
+                    </a:srgbClr>
+                  </a:gs>
+                  <a:gs pos="100000">
+                    <a:srgbClr val="D6E1E2">
+                      <a:alpha val="48000"/>
+                    </a:srgbClr>
+                  </a:gs>
+                </a:gsLst>
+                <a:lin ang="5400000" scaled="1"/>
+              </a:gradFill>
+              <a:ln>
+                <a:noFill/>
+              </a:ln>
+              <a:effectLst/>
+              <a:extLst>
+                <a:ext uri="{91240B29-F687-4F45-9708-019B960494DF}">
+                  <a14:hiddenLine xmlns:a14="http://schemas.microsoft.com/office/drawing/2010/main" w="9525" algn="ctr">
+                    <a:solidFill>
+                      <a:schemeClr val="tx1"/>
+                    </a:solidFill>
+                    <a:round/>
+                    <a:headEnd/>
+                    <a:tailEnd/>
+                  </a14:hiddenLine>
+                </a:ext>
+                <a:ext uri="{AF507438-7753-43E0-B8FC-AC1667EBCBE1}">
+                  <a14:hiddenEffects xmlns:a14="http://schemas.microsoft.com/office/drawing/2010/main">
+                    <a:effectLst>
+                      <a:outerShdw dist="35921" dir="2700000" algn="ctr" rotWithShape="0">
+                        <a:schemeClr val="bg2"/>
+                      </a:outerShdw>
+                    </a:effectLst>
+                  </a14:hiddenEffects>
+                </a:ext>
+              </a:extLst>
+            </p:spPr>
+            <p:txBody>
+              <a:bodyPr vert="eaVert" wrap="none" anchor="ctr"/>
+              <a:lstStyle/>
+              <a:p>
+                <a:endParaRPr lang="en-US"/>
+              </a:p>
+            </p:txBody>
+          </p:sp>
+          <p:sp>
+            <p:nvSpPr>
+              <p:cNvPr id="48" name="Oval 90"/>
+              <p:cNvSpPr>
+                <a:spLocks noChangeArrowheads="1"/>
+              </p:cNvSpPr>
+              <p:nvPr/>
+            </p:nvSpPr>
+            <p:spPr bwMode="gray">
+              <a:xfrm>
+                <a:off x="1346" y="613"/>
+                <a:ext cx="533" cy="479"/>
+              </a:xfrm>
+              <a:prstGeom prst="ellipse">
+                <a:avLst/>
+              </a:prstGeom>
+              <a:gradFill rotWithShape="1">
+                <a:gsLst>
+                  <a:gs pos="0">
+                    <a:srgbClr val="D6E1E2">
+                      <a:gamma/>
+                      <a:tint val="0"/>
+                      <a:invGamma/>
+                    </a:srgbClr>
+                  </a:gs>
+                  <a:gs pos="100000">
+                    <a:srgbClr val="D6E1E2">
+                      <a:alpha val="38000"/>
+                    </a:srgbClr>
+                  </a:gs>
+                </a:gsLst>
+                <a:lin ang="5400000" scaled="1"/>
+              </a:gradFill>
+              <a:ln>
+                <a:noFill/>
+              </a:ln>
+              <a:effectLst/>
+              <a:extLst>
+                <a:ext uri="{91240B29-F687-4F45-9708-019B960494DF}">
+                  <a14:hiddenLine xmlns:a14="http://schemas.microsoft.com/office/drawing/2010/main" w="9525" algn="ctr">
+                    <a:solidFill>
+                      <a:schemeClr val="tx1"/>
+                    </a:solidFill>
+                    <a:round/>
+                    <a:headEnd/>
+                    <a:tailEnd/>
+                  </a14:hiddenLine>
+                </a:ext>
+                <a:ext uri="{AF507438-7753-43E0-B8FC-AC1667EBCBE1}">
+                  <a14:hiddenEffects xmlns:a14="http://schemas.microsoft.com/office/drawing/2010/main">
+                    <a:effectLst>
+                      <a:outerShdw dist="35921" dir="2700000" algn="ctr" rotWithShape="0">
+                        <a:schemeClr val="bg2"/>
+                      </a:outerShdw>
+                    </a:effectLst>
+                  </a14:hiddenEffects>
+                </a:ext>
+              </a:extLst>
+            </p:spPr>
+            <p:txBody>
+              <a:bodyPr vert="eaVert" wrap="none" anchor="ctr"/>
+              <a:lstStyle/>
+              <a:p>
+                <a:endParaRPr lang="en-US"/>
+              </a:p>
+            </p:txBody>
+          </p:sp>
+        </p:grpSp>
+        <p:sp>
+          <p:nvSpPr>
+            <p:cNvPr id="40" name="Text Box 91"/>
+            <p:cNvSpPr txBox="1">
+              <a:spLocks noChangeArrowheads="1"/>
+            </p:cNvSpPr>
+            <p:nvPr/>
+          </p:nvSpPr>
+          <p:spPr bwMode="gray">
+            <a:xfrm>
+              <a:off x="4226" y="1297"/>
+              <a:ext cx="223" cy="288"/>
+            </a:xfrm>
+            <a:prstGeom prst="rect">
+              <a:avLst/>
+            </a:prstGeom>
+            <a:noFill/>
+            <a:ln>
+              <a:noFill/>
+            </a:ln>
+            <a:effectLst/>
+            <a:extLst>
+              <a:ext uri="{909E8E84-426E-40DD-AFC4-6F175D3DCCD1}">
+                <a14:hiddenFill xmlns:a14="http://schemas.microsoft.com/office/drawing/2010/main">
+                  <a:solidFill>
+                    <a:schemeClr val="accent1"/>
+                  </a:solidFill>
+                </a14:hiddenFill>
+              </a:ext>
+              <a:ext uri="{91240B29-F687-4F45-9708-019B960494DF}">
+                <a14:hiddenLine xmlns:a14="http://schemas.microsoft.com/office/drawing/2010/main" w="9525" algn="ctr">
+                  <a:solidFill>
+                    <a:schemeClr val="tx1"/>
+                  </a:solidFill>
+                  <a:miter lim="800000"/>
+                  <a:headEnd/>
+                  <a:tailEnd/>
+                </a14:hiddenLine>
+              </a:ext>
+              <a:ext uri="{AF507438-7753-43E0-B8FC-AC1667EBCBE1}">
+                <a14:hiddenEffects xmlns:a14="http://schemas.microsoft.com/office/drawing/2010/main">
+                  <a:effectLst>
+                    <a:outerShdw dist="35921" dir="2700000" algn="ctr" rotWithShape="0">
+                      <a:schemeClr val="bg2"/>
+                    </a:outerShdw>
+                  </a:effectLst>
+                </a14:hiddenEffects>
+              </a:ext>
+            </a:extLst>
+          </p:spPr>
+          <p:txBody>
+            <a:bodyPr wrap="none">
+              <a:spAutoFit/>
+            </a:bodyPr>
+            <a:lstStyle/>
+            <a:p>
+              <a:r>
+                <a:rPr lang="en-US" sz="2400" dirty="0">
+                  <a:solidFill>
+                    <a:srgbClr val="000000"/>
+                  </a:solidFill>
+                </a:rPr>
+                <a:t>3</a:t>
+              </a:r>
+            </a:p>
+          </p:txBody>
+        </p:sp>
+        <p:sp>
+          <p:nvSpPr>
+            <p:cNvPr id="41" name="Text Box 92"/>
+            <p:cNvSpPr txBox="1">
+              <a:spLocks noChangeArrowheads="1"/>
+            </p:cNvSpPr>
+            <p:nvPr/>
+          </p:nvSpPr>
+          <p:spPr bwMode="gray">
+            <a:xfrm>
+              <a:off x="3744" y="1776"/>
+              <a:ext cx="1296" cy="735"/>
+            </a:xfrm>
+            <a:prstGeom prst="rect">
+              <a:avLst/>
+            </a:prstGeom>
+            <a:noFill/>
+            <a:ln>
+              <a:noFill/>
+            </a:ln>
+            <a:effectLst/>
+            <a:extLst>
+              <a:ext uri="{909E8E84-426E-40DD-AFC4-6F175D3DCCD1}">
+                <a14:hiddenFill xmlns:a14="http://schemas.microsoft.com/office/drawing/2010/main">
+                  <a:solidFill>
+                    <a:schemeClr val="accent1"/>
+                  </a:solidFill>
+                </a14:hiddenFill>
+              </a:ext>
+              <a:ext uri="{91240B29-F687-4F45-9708-019B960494DF}">
+                <a14:hiddenLine xmlns:a14="http://schemas.microsoft.com/office/drawing/2010/main" w="9525" algn="ctr">
+                  <a:solidFill>
+                    <a:schemeClr val="tx1"/>
+                  </a:solidFill>
+                  <a:miter lim="800000"/>
+                  <a:headEnd/>
+                  <a:tailEnd/>
+                </a14:hiddenLine>
+              </a:ext>
+              <a:ext uri="{AF507438-7753-43E0-B8FC-AC1667EBCBE1}">
+                <a14:hiddenEffects xmlns:a14="http://schemas.microsoft.com/office/drawing/2010/main">
+                  <a:effectLst>
+                    <a:outerShdw dist="35921" dir="2700000" algn="ctr" rotWithShape="0">
+                      <a:schemeClr val="bg2"/>
+                    </a:outerShdw>
+                  </a:effectLst>
+                </a14:hiddenEffects>
+              </a:ext>
+            </a:extLst>
+          </p:spPr>
+          <p:txBody>
+            <a:bodyPr>
+              <a:spAutoFit/>
+            </a:bodyPr>
+            <a:lstStyle/>
+            <a:p>
+              <a:r>
+                <a:rPr lang="en-US" sz="1600" b="1" dirty="0" smtClean="0">
+                  <a:solidFill>
+                    <a:srgbClr val="000000"/>
+                  </a:solidFill>
+                  <a:latin typeface="Verdana" pitchFamily="34" charset="0"/>
+                </a:rPr>
+                <a:t>Duplicate Products List</a:t>
+              </a:r>
+              <a:endParaRPr lang="en-US" sz="1600" b="1" dirty="0">
+                <a:solidFill>
+                  <a:srgbClr val="000000"/>
+                </a:solidFill>
+                <a:latin typeface="Verdana" pitchFamily="34" charset="0"/>
+              </a:endParaRPr>
+            </a:p>
+          </p:txBody>
+        </p:sp>
+        <p:sp>
+          <p:nvSpPr>
+            <p:cNvPr id="42" name="AutoShape 93"/>
+            <p:cNvSpPr>
+              <a:spLocks noChangeArrowheads="1"/>
+            </p:cNvSpPr>
+            <p:nvPr/>
+          </p:nvSpPr>
+          <p:spPr bwMode="gray">
+            <a:xfrm>
+              <a:off x="3692" y="3290"/>
+              <a:ext cx="1363" cy="548"/>
+            </a:xfrm>
+            <a:prstGeom prst="roundRect">
+              <a:avLst>
+                <a:gd name="adj" fmla="val 40389"/>
+              </a:avLst>
+            </a:prstGeom>
+            <a:gradFill rotWithShape="1">
+              <a:gsLst>
+                <a:gs pos="0">
+                  <a:srgbClr val="B2B2B2"/>
+                </a:gs>
+                <a:gs pos="100000">
+                  <a:srgbClr val="B2B2B2">
+                    <a:gamma/>
+                    <a:tint val="0"/>
+                    <a:invGamma/>
+                  </a:srgbClr>
+                </a:gs>
+              </a:gsLst>
+              <a:lin ang="5400000" scaled="1"/>
+            </a:gradFill>
+            <a:ln>
+              <a:noFill/>
+            </a:ln>
+            <a:effectLst/>
+            <a:extLst>
+              <a:ext uri="{91240B29-F687-4F45-9708-019B960494DF}">
+                <a14:hiddenLine xmlns:a14="http://schemas.microsoft.com/office/drawing/2010/main" w="9525">
+                  <a:solidFill>
+                    <a:schemeClr val="tx1"/>
+                  </a:solidFill>
+                  <a:round/>
+                  <a:headEnd/>
+                  <a:tailEnd/>
+                </a14:hiddenLine>
+              </a:ext>
+              <a:ext uri="{AF507438-7753-43E0-B8FC-AC1667EBCBE1}">
+                <a14:hiddenEffects xmlns:a14="http://schemas.microsoft.com/office/drawing/2010/main">
+                  <a:effectLst>
+                    <a:outerShdw dist="35921" dir="2700000" algn="ctr" rotWithShape="0">
+                      <a:schemeClr val="bg2"/>
+                    </a:outerShdw>
+                  </a:effectLst>
+                </a14:hiddenEffects>
+              </a:ext>
+            </a:extLst>
+          </p:spPr>
+          <p:txBody>
+            <a:bodyPr wrap="none" anchor="ctr"/>
+            <a:lstStyle/>
+            <a:p>
+              <a:endParaRPr lang="en-US"/>
+            </a:p>
+          </p:txBody>
+        </p:sp>
+        <p:sp>
+          <p:nvSpPr>
+            <p:cNvPr id="43" name="AutoShape 94"/>
+            <p:cNvSpPr>
+              <a:spLocks noChangeArrowheads="1"/>
+            </p:cNvSpPr>
+            <p:nvPr/>
+          </p:nvSpPr>
+          <p:spPr bwMode="gray">
+            <a:xfrm>
+              <a:off x="3720" y="3305"/>
+              <a:ext cx="1304" cy="446"/>
+            </a:xfrm>
+            <a:prstGeom prst="roundRect">
+              <a:avLst>
+                <a:gd name="adj" fmla="val 50000"/>
+              </a:avLst>
+            </a:prstGeom>
+            <a:gradFill rotWithShape="1">
+              <a:gsLst>
+                <a:gs pos="0">
+                  <a:srgbClr val="DDDDDD"/>
+                </a:gs>
+                <a:gs pos="100000">
+                  <a:srgbClr val="DDDDDD">
+                    <a:gamma/>
+                    <a:tint val="0"/>
+                    <a:invGamma/>
+                  </a:srgbClr>
+                </a:gs>
+              </a:gsLst>
+              <a:lin ang="5400000" scaled="1"/>
+            </a:gradFill>
+            <a:ln>
+              <a:noFill/>
+            </a:ln>
+            <a:effectLst/>
+            <a:extLst>
+              <a:ext uri="{91240B29-F687-4F45-9708-019B960494DF}">
+                <a14:hiddenLine xmlns:a14="http://schemas.microsoft.com/office/drawing/2010/main" w="9525">
+                  <a:solidFill>
+                    <a:schemeClr val="tx1"/>
+                  </a:solidFill>
+                  <a:round/>
+                  <a:headEnd/>
+                  <a:tailEnd/>
+                </a14:hiddenLine>
+              </a:ext>
+              <a:ext uri="{AF507438-7753-43E0-B8FC-AC1667EBCBE1}">
+                <a14:hiddenEffects xmlns:a14="http://schemas.microsoft.com/office/drawing/2010/main">
+                  <a:effectLst>
+                    <a:outerShdw dist="35921" dir="2700000" algn="ctr" rotWithShape="0">
+                      <a:schemeClr val="bg2"/>
+                    </a:outerShdw>
+                  </a:effectLst>
+                </a14:hiddenEffects>
+              </a:ext>
+            </a:extLst>
+          </p:spPr>
+          <p:txBody>
+            <a:bodyPr wrap="none" anchor="ctr"/>
+            <a:lstStyle/>
+            <a:p>
+              <a:endParaRPr lang="en-US"/>
+            </a:p>
+          </p:txBody>
+        </p:sp>
+      </p:grpSp>
+      <p:sp>
+        <p:nvSpPr>
+          <p:cNvPr id="49" name="AutoShape 123"/>
+          <p:cNvSpPr>
+            <a:spLocks noChangeArrowheads="1"/>
+          </p:cNvSpPr>
+          <p:nvPr/>
+        </p:nvSpPr>
+        <p:spPr bwMode="gray">
+          <a:xfrm rot="19286699">
+            <a:off x="2246295" y="2859289"/>
+            <a:ext cx="1396169" cy="150440"/>
+          </a:xfrm>
+          <a:prstGeom prst="leftArrow">
+            <a:avLst>
+              <a:gd name="adj1" fmla="val 31250"/>
+              <a:gd name="adj2" fmla="val 71531"/>
+            </a:avLst>
+          </a:prstGeom>
+          <a:gradFill rotWithShape="1">
+            <a:gsLst>
+              <a:gs pos="0">
+                <a:srgbClr val="66CCFF">
+                  <a:gamma/>
+                  <a:invGamma/>
+                </a:srgbClr>
+              </a:gs>
+              <a:gs pos="100000">
+                <a:srgbClr val="66CCFF">
+                  <a:alpha val="0"/>
+                </a:srgbClr>
+              </a:gs>
+            </a:gsLst>
+            <a:lin ang="0" scaled="1"/>
+          </a:gradFill>
+          <a:ln>
+            <a:noFill/>
+          </a:ln>
+          <a:effectLst/>
+          <a:extLst>
+            <a:ext uri="{91240B29-F687-4F45-9708-019B960494DF}">
+              <a14:hiddenLine xmlns:a14="http://schemas.microsoft.com/office/drawing/2010/main" w="9525" algn="ctr">
+                <a:solidFill>
+                  <a:schemeClr val="tx1"/>
+                </a:solidFill>
+                <a:miter lim="800000"/>
+                <a:headEnd/>
+                <a:tailEnd/>
+              </a14:hiddenLine>
+            </a:ext>
+            <a:ext uri="{AF507438-7753-43E0-B8FC-AC1667EBCBE1}">
+              <a14:hiddenEffects xmlns:a14="http://schemas.microsoft.com/office/drawing/2010/main">
+                <a:effectLst>
+                  <a:outerShdw dist="35921" dir="2700000" algn="ctr" rotWithShape="0">
+                    <a:schemeClr val="bg2"/>
+                  </a:outerShdw>
+                </a:effectLst>
+              </a14:hiddenEffects>
+            </a:ext>
+          </a:extLst>
+        </p:spPr>
+        <p:txBody>
+          <a:bodyPr wrap="none" anchor="ctr"/>
+          <a:lstStyle/>
+          <a:p>
+            <a:endParaRPr lang="en-US"/>
+          </a:p>
+        </p:txBody>
+      </p:sp>
+      <p:grpSp>
+        <p:nvGrpSpPr>
+          <p:cNvPr id="50" name="Group 64"/>
+          <p:cNvGrpSpPr>
+            <a:grpSpLocks/>
+          </p:cNvGrpSpPr>
+          <p:nvPr/>
+        </p:nvGrpSpPr>
+        <p:grpSpPr bwMode="auto">
+          <a:xfrm>
+            <a:off x="3677674" y="1194071"/>
+            <a:ext cx="1888434" cy="1885913"/>
+            <a:chOff x="2065" y="1496"/>
+            <a:chExt cx="1498" cy="1496"/>
+          </a:xfrm>
+        </p:grpSpPr>
+        <p:sp>
+          <p:nvSpPr>
+            <p:cNvPr id="51" name="Oval 65"/>
+            <p:cNvSpPr>
+              <a:spLocks noChangeArrowheads="1"/>
+            </p:cNvSpPr>
+            <p:nvPr/>
+          </p:nvSpPr>
+          <p:spPr bwMode="gray">
+            <a:xfrm>
+              <a:off x="2065" y="1496"/>
+              <a:ext cx="1496" cy="1496"/>
+            </a:xfrm>
+            <a:prstGeom prst="ellipse">
+              <a:avLst/>
+            </a:prstGeom>
+            <a:gradFill rotWithShape="1">
+              <a:gsLst>
+                <a:gs pos="0">
+                  <a:srgbClr val="FCDF06">
+                    <a:gamma/>
+                    <a:tint val="0"/>
+                    <a:invGamma/>
+                  </a:srgbClr>
+                </a:gs>
+                <a:gs pos="50000">
+                  <a:srgbClr val="FCDF06"/>
+                </a:gs>
+                <a:gs pos="100000">
+                  <a:srgbClr val="FCDF06">
+                    <a:gamma/>
+                    <a:tint val="0"/>
+                    <a:invGamma/>
+                  </a:srgbClr>
+                </a:gs>
+              </a:gsLst>
+              <a:lin ang="2700000" scaled="1"/>
+            </a:gradFill>
+            <a:ln>
+              <a:noFill/>
+            </a:ln>
+            <a:effectLst/>
+            <a:extLst>
+              <a:ext uri="{91240B29-F687-4F45-9708-019B960494DF}">
+                <a14:hiddenLine xmlns:a14="http://schemas.microsoft.com/office/drawing/2010/main" w="38100" algn="ctr">
+                  <a:solidFill>
+                    <a:schemeClr val="bg1"/>
+                  </a:solidFill>
+                  <a:round/>
+                  <a:headEnd/>
+                  <a:tailEnd/>
+                </a14:hiddenLine>
+              </a:ext>
+              <a:ext uri="{AF507438-7753-43E0-B8FC-AC1667EBCBE1}">
+                <a14:hiddenEffects xmlns:a14="http://schemas.microsoft.com/office/drawing/2010/main">
+                  <a:effectLst>
+                    <a:outerShdw dist="109250" dir="3267739" algn="ctr" rotWithShape="0">
+                      <a:srgbClr val="808080">
+                        <a:alpha val="50000"/>
+                      </a:srgbClr>
+                    </a:outerShdw>
+                  </a:effectLst>
+                </a14:hiddenEffects>
+              </a:ext>
+            </a:extLst>
+          </p:spPr>
+          <p:txBody>
+            <a:bodyPr wrap="none" anchor="ctr">
+              <a:spAutoFit/>
+            </a:bodyPr>
+            <a:lstStyle/>
+            <a:p>
+              <a:endParaRPr lang="en-US"/>
+            </a:p>
+          </p:txBody>
+        </p:sp>
+        <p:sp>
+          <p:nvSpPr>
+            <p:cNvPr id="52" name="Oval 66"/>
+            <p:cNvSpPr>
+              <a:spLocks noChangeArrowheads="1"/>
+            </p:cNvSpPr>
+            <p:nvPr/>
+          </p:nvSpPr>
+          <p:spPr bwMode="gray">
+            <a:xfrm>
+              <a:off x="2067" y="1496"/>
+              <a:ext cx="1496" cy="1496"/>
+            </a:xfrm>
+            <a:prstGeom prst="ellipse">
+              <a:avLst/>
+            </a:prstGeom>
+            <a:gradFill rotWithShape="1">
+              <a:gsLst>
+                <a:gs pos="0">
+                  <a:srgbClr val="FCDF06">
+                    <a:alpha val="32001"/>
+                  </a:srgbClr>
+                </a:gs>
+                <a:gs pos="100000">
+                  <a:srgbClr val="FCDF06">
+                    <a:gamma/>
+                    <a:shade val="0"/>
+                    <a:invGamma/>
+                    <a:alpha val="89999"/>
+                  </a:srgbClr>
+                </a:gs>
+              </a:gsLst>
+              <a:lin ang="2700000" scaled="1"/>
+            </a:gradFill>
+            <a:ln>
+              <a:noFill/>
+            </a:ln>
+            <a:effectLst/>
+            <a:extLst>
+              <a:ext uri="{91240B29-F687-4F45-9708-019B960494DF}">
+                <a14:hiddenLine xmlns:a14="http://schemas.microsoft.com/office/drawing/2010/main" w="38100" algn="ctr">
+                  <a:solidFill>
+                    <a:schemeClr val="bg1"/>
+                  </a:solidFill>
+                  <a:round/>
+                  <a:headEnd/>
+                  <a:tailEnd/>
+                </a14:hiddenLine>
+              </a:ext>
+              <a:ext uri="{AF507438-7753-43E0-B8FC-AC1667EBCBE1}">
+                <a14:hiddenEffects xmlns:a14="http://schemas.microsoft.com/office/drawing/2010/main">
+                  <a:effectLst>
+                    <a:outerShdw dist="109250" dir="3267739" algn="ctr" rotWithShape="0">
+                      <a:srgbClr val="808080">
+                        <a:alpha val="50000"/>
+                      </a:srgbClr>
+                    </a:outerShdw>
+                  </a:effectLst>
+                </a14:hiddenEffects>
+              </a:ext>
+            </a:extLst>
+          </p:spPr>
+          <p:txBody>
+            <a:bodyPr wrap="none" anchor="ctr">
+              <a:spAutoFit/>
+            </a:bodyPr>
+            <a:lstStyle/>
+            <a:p>
+              <a:endParaRPr lang="en-US"/>
+            </a:p>
+          </p:txBody>
+        </p:sp>
+        <p:sp>
+          <p:nvSpPr>
+            <p:cNvPr id="53" name="Oval 67"/>
+            <p:cNvSpPr>
+              <a:spLocks noChangeArrowheads="1"/>
+            </p:cNvSpPr>
+            <p:nvPr/>
+          </p:nvSpPr>
+          <p:spPr bwMode="gray">
+            <a:xfrm>
+              <a:off x="2163" y="1594"/>
+              <a:ext cx="1300" cy="1300"/>
+            </a:xfrm>
+            <a:prstGeom prst="ellipse">
+              <a:avLst/>
+            </a:prstGeom>
+            <a:gradFill rotWithShape="1">
+              <a:gsLst>
+                <a:gs pos="0">
+                  <a:srgbClr val="FCDF06">
+                    <a:gamma/>
+                    <a:shade val="54118"/>
+                    <a:invGamma/>
+                  </a:srgbClr>
+                </a:gs>
+                <a:gs pos="50000">
+                  <a:srgbClr val="FCDF06"/>
+                </a:gs>
+                <a:gs pos="100000">
+                  <a:srgbClr val="FCDF06">
+                    <a:gamma/>
+                    <a:shade val="54118"/>
+                    <a:invGamma/>
+                  </a:srgbClr>
+                </a:gs>
+              </a:gsLst>
+              <a:lin ang="18900000" scaled="1"/>
+            </a:gradFill>
+            <a:ln>
+              <a:noFill/>
+            </a:ln>
+            <a:effectLst/>
+            <a:extLst>
+              <a:ext uri="{91240B29-F687-4F45-9708-019B960494DF}">
+                <a14:hiddenLine xmlns:a14="http://schemas.microsoft.com/office/drawing/2010/main" w="38100" algn="ctr">
+                  <a:solidFill>
+                    <a:schemeClr val="bg1"/>
+                  </a:solidFill>
+                  <a:round/>
+                  <a:headEnd/>
+                  <a:tailEnd/>
+                </a14:hiddenLine>
+              </a:ext>
+              <a:ext uri="{AF507438-7753-43E0-B8FC-AC1667EBCBE1}">
+                <a14:hiddenEffects xmlns:a14="http://schemas.microsoft.com/office/drawing/2010/main">
+                  <a:effectLst>
+                    <a:outerShdw dist="109250" dir="3267739" algn="ctr" rotWithShape="0">
+                      <a:srgbClr val="808080">
+                        <a:alpha val="50000"/>
+                      </a:srgbClr>
+                    </a:outerShdw>
+                  </a:effectLst>
+                </a14:hiddenEffects>
+              </a:ext>
+            </a:extLst>
+          </p:spPr>
+          <p:txBody>
+            <a:bodyPr anchor="ctr">
+              <a:spAutoFit/>
+            </a:bodyPr>
+            <a:lstStyle/>
+            <a:p>
+              <a:endParaRPr lang="en-US"/>
+            </a:p>
+          </p:txBody>
+        </p:sp>
+        <p:sp>
+          <p:nvSpPr>
+            <p:cNvPr id="54" name="Oval 68"/>
+            <p:cNvSpPr>
+              <a:spLocks noChangeArrowheads="1"/>
+            </p:cNvSpPr>
+            <p:nvPr/>
+          </p:nvSpPr>
+          <p:spPr bwMode="gray">
+            <a:xfrm>
+              <a:off x="2160" y="1582"/>
+              <a:ext cx="1300" cy="1300"/>
+            </a:xfrm>
+            <a:prstGeom prst="ellipse">
+              <a:avLst/>
+            </a:prstGeom>
+            <a:gradFill rotWithShape="1">
+              <a:gsLst>
+                <a:gs pos="0">
+                  <a:srgbClr val="FCDF06">
+                    <a:gamma/>
+                    <a:shade val="63529"/>
+                    <a:invGamma/>
+                  </a:srgbClr>
+                </a:gs>
+                <a:gs pos="100000">
+                  <a:srgbClr val="FCDF06">
+                    <a:alpha val="0"/>
+                  </a:srgbClr>
+                </a:gs>
+              </a:gsLst>
+              <a:lin ang="2700000" scaled="1"/>
+            </a:gradFill>
+            <a:ln>
+              <a:noFill/>
+            </a:ln>
+            <a:effectLst/>
+            <a:extLst>
+              <a:ext uri="{91240B29-F687-4F45-9708-019B960494DF}">
+                <a14:hiddenLine xmlns:a14="http://schemas.microsoft.com/office/drawing/2010/main" w="38100" algn="ctr">
+                  <a:solidFill>
+                    <a:schemeClr val="bg1"/>
+                  </a:solidFill>
+                  <a:round/>
+                  <a:headEnd/>
+                  <a:tailEnd/>
+                </a14:hiddenLine>
+              </a:ext>
+              <a:ext uri="{AF507438-7753-43E0-B8FC-AC1667EBCBE1}">
+                <a14:hiddenEffects xmlns:a14="http://schemas.microsoft.com/office/drawing/2010/main">
+                  <a:effectLst>
+                    <a:outerShdw dist="109250" dir="3267739" algn="ctr" rotWithShape="0">
+                      <a:srgbClr val="808080">
+                        <a:alpha val="50000"/>
+                      </a:srgbClr>
+                    </a:outerShdw>
+                  </a:effectLst>
+                </a14:hiddenEffects>
+              </a:ext>
+            </a:extLst>
+          </p:spPr>
+          <p:txBody>
+            <a:bodyPr anchor="ctr">
+              <a:spAutoFit/>
+            </a:bodyPr>
+            <a:lstStyle/>
+            <a:p>
+              <a:endParaRPr lang="en-US"/>
+            </a:p>
+          </p:txBody>
+        </p:sp>
+        <p:sp>
+          <p:nvSpPr>
+            <p:cNvPr id="55" name="Oval 69"/>
+            <p:cNvSpPr>
+              <a:spLocks noChangeArrowheads="1"/>
+            </p:cNvSpPr>
+            <p:nvPr/>
+          </p:nvSpPr>
+          <p:spPr bwMode="gray">
+            <a:xfrm>
+              <a:off x="2228" y="1659"/>
+              <a:ext cx="1170" cy="1170"/>
+            </a:xfrm>
+            <a:prstGeom prst="ellipse">
+              <a:avLst/>
+            </a:prstGeom>
+            <a:solidFill>
+              <a:srgbClr val="333333"/>
+            </a:solidFill>
+            <a:ln>
+              <a:noFill/>
+            </a:ln>
+            <a:effectLst/>
+            <a:extLst>
+              <a:ext uri="{91240B29-F687-4F45-9708-019B960494DF}">
+                <a14:hiddenLine xmlns:a14="http://schemas.microsoft.com/office/drawing/2010/main" w="38100" algn="ctr">
+                  <a:solidFill>
+                    <a:schemeClr val="bg1"/>
+                  </a:solidFill>
+                  <a:round/>
+                  <a:headEnd/>
+                  <a:tailEnd/>
+                </a14:hiddenLine>
+              </a:ext>
+              <a:ext uri="{AF507438-7753-43E0-B8FC-AC1667EBCBE1}">
+                <a14:hiddenEffects xmlns:a14="http://schemas.microsoft.com/office/drawing/2010/main">
+                  <a:effectLst>
+                    <a:outerShdw dist="109250" dir="3267739" algn="ctr" rotWithShape="0">
+                      <a:srgbClr val="808080">
+                        <a:alpha val="50000"/>
+                      </a:srgbClr>
+                    </a:outerShdw>
+                  </a:effectLst>
+                </a14:hiddenEffects>
+              </a:ext>
+            </a:extLst>
+          </p:spPr>
+          <p:txBody>
+            <a:bodyPr anchor="ctr">
+              <a:spAutoFit/>
+            </a:bodyPr>
+            <a:lstStyle/>
+            <a:p>
+              <a:endParaRPr lang="en-US"/>
+            </a:p>
+          </p:txBody>
+        </p:sp>
+        <p:sp>
+          <p:nvSpPr>
+            <p:cNvPr id="56" name="Oval 70"/>
+            <p:cNvSpPr>
+              <a:spLocks noChangeArrowheads="1"/>
+            </p:cNvSpPr>
+            <p:nvPr/>
+          </p:nvSpPr>
+          <p:spPr bwMode="gray">
+            <a:xfrm>
+              <a:off x="2246" y="1678"/>
+              <a:ext cx="1134" cy="1134"/>
+            </a:xfrm>
+            <a:prstGeom prst="ellipse">
+              <a:avLst/>
+            </a:prstGeom>
+            <a:gradFill rotWithShape="1">
+              <a:gsLst>
+                <a:gs pos="0">
+                  <a:srgbClr val="C0C0C0">
+                    <a:gamma/>
+                    <a:shade val="46275"/>
+                    <a:invGamma/>
+                  </a:srgbClr>
+                </a:gs>
+                <a:gs pos="100000">
+                  <a:srgbClr val="C0C0C0"/>
+                </a:gs>
+              </a:gsLst>
+              <a:lin ang="5400000" scaled="1"/>
+            </a:gradFill>
+            <a:ln>
+              <a:noFill/>
+            </a:ln>
+            <a:effectLst/>
+            <a:extLst>
+              <a:ext uri="{91240B29-F687-4F45-9708-019B960494DF}">
+                <a14:hiddenLine xmlns:a14="http://schemas.microsoft.com/office/drawing/2010/main" w="9525" algn="ctr">
+                  <a:solidFill>
+                    <a:schemeClr val="tx1"/>
+                  </a:solidFill>
+                  <a:round/>
+                  <a:headEnd/>
+                  <a:tailEnd/>
+                </a14:hiddenLine>
+              </a:ext>
+              <a:ext uri="{AF507438-7753-43E0-B8FC-AC1667EBCBE1}">
+                <a14:hiddenEffects xmlns:a14="http://schemas.microsoft.com/office/drawing/2010/main">
+                  <a:effectLst>
+                    <a:outerShdw dist="35921" dir="2700000" algn="ctr" rotWithShape="0">
+                      <a:schemeClr val="bg2"/>
+                    </a:outerShdw>
+                  </a:effectLst>
+                </a14:hiddenEffects>
+              </a:ext>
+            </a:extLst>
+          </p:spPr>
+          <p:txBody>
+            <a:bodyPr vert="eaVert" wrap="none" anchor="ctr"/>
+            <a:lstStyle/>
+            <a:p>
+              <a:endParaRPr lang="en-US"/>
+            </a:p>
+          </p:txBody>
+        </p:sp>
+        <p:sp>
+          <p:nvSpPr>
+            <p:cNvPr id="57" name="Oval 71"/>
+            <p:cNvSpPr>
+              <a:spLocks noChangeArrowheads="1"/>
+            </p:cNvSpPr>
+            <p:nvPr/>
+          </p:nvSpPr>
+          <p:spPr bwMode="gray">
+            <a:xfrm>
+              <a:off x="2261" y="1685"/>
+              <a:ext cx="1105" cy="1105"/>
+            </a:xfrm>
+            <a:prstGeom prst="ellipse">
+              <a:avLst/>
+            </a:prstGeom>
+            <a:gradFill rotWithShape="1">
+              <a:gsLst>
+                <a:gs pos="0">
+                  <a:srgbClr val="C0C0C0">
+                    <a:alpha val="0"/>
+                  </a:srgbClr>
+                </a:gs>
+                <a:gs pos="100000">
+                  <a:srgbClr val="C0C0C0">
+                    <a:gamma/>
+                    <a:tint val="34902"/>
+                    <a:invGamma/>
+                  </a:srgbClr>
+                </a:gs>
+              </a:gsLst>
+              <a:lin ang="5400000" scaled="1"/>
+            </a:gradFill>
+            <a:ln>
+              <a:noFill/>
+            </a:ln>
+            <a:effectLst/>
+            <a:extLst>
+              <a:ext uri="{91240B29-F687-4F45-9708-019B960494DF}">
+                <a14:hiddenLine xmlns:a14="http://schemas.microsoft.com/office/drawing/2010/main" w="9525" algn="ctr">
+                  <a:solidFill>
+                    <a:schemeClr val="tx1"/>
+                  </a:solidFill>
+                  <a:round/>
+                  <a:headEnd/>
+                  <a:tailEnd/>
+                </a14:hiddenLine>
+              </a:ext>
+              <a:ext uri="{AF507438-7753-43E0-B8FC-AC1667EBCBE1}">
+                <a14:hiddenEffects xmlns:a14="http://schemas.microsoft.com/office/drawing/2010/main">
+                  <a:effectLst>
+                    <a:outerShdw dist="35921" dir="2700000" algn="ctr" rotWithShape="0">
+                      <a:schemeClr val="bg2"/>
+                    </a:outerShdw>
+                  </a:effectLst>
+                </a14:hiddenEffects>
+              </a:ext>
+            </a:extLst>
+          </p:spPr>
+          <p:txBody>
+            <a:bodyPr vert="eaVert" wrap="none" anchor="ctr"/>
+            <a:lstStyle/>
+            <a:p>
+              <a:endParaRPr lang="en-US"/>
+            </a:p>
+          </p:txBody>
+        </p:sp>
+        <p:sp>
+          <p:nvSpPr>
+            <p:cNvPr id="58" name="Oval 72"/>
+            <p:cNvSpPr>
+              <a:spLocks noChangeArrowheads="1"/>
+            </p:cNvSpPr>
+            <p:nvPr/>
+          </p:nvSpPr>
+          <p:spPr bwMode="gray">
+            <a:xfrm>
+              <a:off x="2273" y="1696"/>
+              <a:ext cx="1052" cy="1032"/>
+            </a:xfrm>
+            <a:prstGeom prst="ellipse">
+              <a:avLst/>
+            </a:prstGeom>
+            <a:gradFill rotWithShape="1">
+              <a:gsLst>
+                <a:gs pos="0">
+                  <a:srgbClr val="C0C0C0">
+                    <a:gamma/>
+                    <a:shade val="79216"/>
+                    <a:invGamma/>
+                  </a:srgbClr>
+                </a:gs>
+                <a:gs pos="100000">
+                  <a:srgbClr val="C0C0C0">
+                    <a:alpha val="48000"/>
+                  </a:srgbClr>
+                </a:gs>
+              </a:gsLst>
+              <a:lin ang="5400000" scaled="1"/>
+            </a:gradFill>
+            <a:ln>
+              <a:noFill/>
+            </a:ln>
+            <a:effectLst/>
+            <a:extLst>
+              <a:ext uri="{91240B29-F687-4F45-9708-019B960494DF}">
+                <a14:hiddenLine xmlns:a14="http://schemas.microsoft.com/office/drawing/2010/main" w="9525" algn="ctr">
+                  <a:solidFill>
+                    <a:schemeClr val="tx1"/>
+                  </a:solidFill>
+                  <a:round/>
+                  <a:headEnd/>
+                  <a:tailEnd/>
+                </a14:hiddenLine>
+              </a:ext>
+              <a:ext uri="{AF507438-7753-43E0-B8FC-AC1667EBCBE1}">
+                <a14:hiddenEffects xmlns:a14="http://schemas.microsoft.com/office/drawing/2010/main">
+                  <a:effectLst>
+                    <a:outerShdw dist="35921" dir="2700000" algn="ctr" rotWithShape="0">
+                      <a:schemeClr val="bg2"/>
+                    </a:outerShdw>
+                  </a:effectLst>
+                </a14:hiddenEffects>
+              </a:ext>
+            </a:extLst>
+          </p:spPr>
+          <p:txBody>
+            <a:bodyPr vert="eaVert" wrap="none" anchor="ctr"/>
+            <a:lstStyle/>
+            <a:p>
+              <a:endParaRPr lang="en-US"/>
+            </a:p>
+          </p:txBody>
+        </p:sp>
+        <p:sp>
+          <p:nvSpPr>
+            <p:cNvPr id="59" name="Oval 73"/>
+            <p:cNvSpPr>
+              <a:spLocks noChangeArrowheads="1"/>
+            </p:cNvSpPr>
+            <p:nvPr/>
+          </p:nvSpPr>
+          <p:spPr bwMode="gray">
+            <a:xfrm>
+              <a:off x="2334" y="1725"/>
+              <a:ext cx="936" cy="838"/>
+            </a:xfrm>
+            <a:prstGeom prst="ellipse">
+              <a:avLst/>
+            </a:prstGeom>
+            <a:gradFill rotWithShape="1">
+              <a:gsLst>
+                <a:gs pos="0">
+                  <a:srgbClr val="C0C0C0">
+                    <a:gamma/>
+                    <a:tint val="0"/>
+                    <a:invGamma/>
+                  </a:srgbClr>
+                </a:gs>
+                <a:gs pos="100000">
+                  <a:srgbClr val="C0C0C0">
+                    <a:alpha val="38000"/>
+                  </a:srgbClr>
+                </a:gs>
+              </a:gsLst>
+              <a:lin ang="5400000" scaled="1"/>
+            </a:gradFill>
+            <a:ln>
+              <a:noFill/>
+            </a:ln>
+            <a:effectLst/>
+            <a:extLst>
+              <a:ext uri="{91240B29-F687-4F45-9708-019B960494DF}">
+                <a14:hiddenLine xmlns:a14="http://schemas.microsoft.com/office/drawing/2010/main" w="9525" algn="ctr">
+                  <a:solidFill>
+                    <a:schemeClr val="tx1"/>
+                  </a:solidFill>
+                  <a:round/>
+                  <a:headEnd/>
+                  <a:tailEnd/>
+                </a14:hiddenLine>
+              </a:ext>
+              <a:ext uri="{AF507438-7753-43E0-B8FC-AC1667EBCBE1}">
+                <a14:hiddenEffects xmlns:a14="http://schemas.microsoft.com/office/drawing/2010/main">
+                  <a:effectLst>
+                    <a:outerShdw dist="35921" dir="2700000" algn="ctr" rotWithShape="0">
+                      <a:schemeClr val="bg2"/>
+                    </a:outerShdw>
+                  </a:effectLst>
+                </a14:hiddenEffects>
+              </a:ext>
+            </a:extLst>
+          </p:spPr>
+          <p:txBody>
+            <a:bodyPr vert="eaVert" wrap="none" anchor="ctr"/>
+            <a:lstStyle/>
+            <a:p>
+              <a:endParaRPr lang="en-US"/>
+            </a:p>
+          </p:txBody>
+        </p:sp>
+      </p:grpSp>
+      <p:sp>
+        <p:nvSpPr>
+          <p:cNvPr id="60" name="Text Box 65"/>
+          <p:cNvSpPr txBox="1">
+            <a:spLocks noChangeArrowheads="1"/>
+          </p:cNvSpPr>
+          <p:nvPr/>
+        </p:nvSpPr>
+        <p:spPr bwMode="gray">
+          <a:xfrm>
+            <a:off x="4064510" y="1776456"/>
+            <a:ext cx="1332574" cy="830997"/>
+          </a:xfrm>
+          <a:prstGeom prst="rect">
+            <a:avLst/>
+          </a:prstGeom>
+          <a:noFill/>
+          <a:ln>
+            <a:noFill/>
+          </a:ln>
+          <a:effectLst/>
+          <a:extLst>
+            <a:ext uri="{909E8E84-426E-40DD-AFC4-6F175D3DCCD1}">
+              <a14:hiddenFill xmlns:a14="http://schemas.microsoft.com/office/drawing/2010/main">
+                <a:solidFill>
+                  <a:schemeClr val="accent1"/>
+                </a:solidFill>
+              </a14:hiddenFill>
+            </a:ext>
+            <a:ext uri="{91240B29-F687-4F45-9708-019B960494DF}">
+              <a14:hiddenLine xmlns:a14="http://schemas.microsoft.com/office/drawing/2010/main" w="9525" algn="ctr">
+                <a:solidFill>
+                  <a:schemeClr val="tx1"/>
+                </a:solidFill>
+                <a:miter lim="800000"/>
+                <a:headEnd/>
+                <a:tailEnd/>
+              </a14:hiddenLine>
+            </a:ext>
+            <a:ext uri="{AF507438-7753-43E0-B8FC-AC1667EBCBE1}">
+              <a14:hiddenEffects xmlns:a14="http://schemas.microsoft.com/office/drawing/2010/main">
+                <a:effectLst>
+                  <a:outerShdw dist="35921" dir="2700000" algn="ctr" rotWithShape="0">
+                    <a:schemeClr val="bg2"/>
+                  </a:outerShdw>
+                </a:effectLst>
+              </a14:hiddenEffects>
+            </a:ext>
+          </a:extLst>
+        </p:spPr>
+        <p:txBody>
+          <a:bodyPr wrap="square">
+            <a:spAutoFit/>
+          </a:bodyPr>
+          <a:lstStyle/>
+          <a:p>
+            <a:r>
+              <a:rPr lang="en-US" sz="2400" b="1" dirty="0" smtClean="0">
+                <a:solidFill>
+                  <a:srgbClr val="000000"/>
+                </a:solidFill>
+                <a:latin typeface="Verdana" pitchFamily="34" charset="0"/>
+              </a:rPr>
+              <a:t>EXCEL FILE</a:t>
+            </a:r>
+            <a:endParaRPr lang="en-US" sz="2400" b="1" dirty="0">
+              <a:solidFill>
+                <a:srgbClr val="000000"/>
+              </a:solidFill>
+              <a:latin typeface="Verdana" pitchFamily="34" charset="0"/>
+            </a:endParaRPr>
+          </a:p>
+        </p:txBody>
+      </p:sp>
+      <p:sp>
+        <p:nvSpPr>
+          <p:cNvPr id="61" name="AutoShape 123"/>
+          <p:cNvSpPr>
+            <a:spLocks noChangeArrowheads="1"/>
+          </p:cNvSpPr>
+          <p:nvPr/>
+        </p:nvSpPr>
+        <p:spPr bwMode="gray">
+          <a:xfrm rot="13164255">
+            <a:off x="5453059" y="2870167"/>
+            <a:ext cx="1396169" cy="150440"/>
+          </a:xfrm>
+          <a:prstGeom prst="leftArrow">
+            <a:avLst>
+              <a:gd name="adj1" fmla="val 31250"/>
+              <a:gd name="adj2" fmla="val 71531"/>
+            </a:avLst>
+          </a:prstGeom>
+          <a:gradFill rotWithShape="1">
+            <a:gsLst>
+              <a:gs pos="0">
+                <a:srgbClr val="66CCFF">
+                  <a:gamma/>
+                  <a:invGamma/>
+                </a:srgbClr>
+              </a:gs>
+              <a:gs pos="100000">
+                <a:srgbClr val="66CCFF">
+                  <a:alpha val="0"/>
+                </a:srgbClr>
+              </a:gs>
+            </a:gsLst>
+            <a:lin ang="0" scaled="1"/>
+          </a:gradFill>
+          <a:ln>
+            <a:noFill/>
+          </a:ln>
+          <a:effectLst/>
+          <a:extLst>
+            <a:ext uri="{91240B29-F687-4F45-9708-019B960494DF}">
+              <a14:hiddenLine xmlns:a14="http://schemas.microsoft.com/office/drawing/2010/main" w="9525" algn="ctr">
+                <a:solidFill>
+                  <a:schemeClr val="tx1"/>
+                </a:solidFill>
+                <a:miter lim="800000"/>
+                <a:headEnd/>
+                <a:tailEnd/>
+              </a14:hiddenLine>
+            </a:ext>
+            <a:ext uri="{AF507438-7753-43E0-B8FC-AC1667EBCBE1}">
+              <a14:hiddenEffects xmlns:a14="http://schemas.microsoft.com/office/drawing/2010/main">
+                <a:effectLst>
+                  <a:outerShdw dist="35921" dir="2700000" algn="ctr" rotWithShape="0">
+                    <a:schemeClr val="bg2"/>
+                  </a:outerShdw>
+                </a:effectLst>
+              </a14:hiddenEffects>
+            </a:ext>
+          </a:extLst>
+        </p:spPr>
+        <p:txBody>
+          <a:bodyPr wrap="none" anchor="ctr"/>
+          <a:lstStyle/>
+          <a:p>
+            <a:endParaRPr lang="en-US"/>
+          </a:p>
+        </p:txBody>
+      </p:sp>
+      <p:sp>
+        <p:nvSpPr>
+          <p:cNvPr id="62" name="AutoShape 123"/>
+          <p:cNvSpPr>
+            <a:spLocks noChangeArrowheads="1"/>
+          </p:cNvSpPr>
+          <p:nvPr/>
+        </p:nvSpPr>
+        <p:spPr bwMode="gray">
+          <a:xfrm rot="16200000">
+            <a:off x="4366600" y="3152574"/>
+            <a:ext cx="450692" cy="169110"/>
+          </a:xfrm>
+          <a:prstGeom prst="leftArrow">
+            <a:avLst>
+              <a:gd name="adj1" fmla="val 31250"/>
+              <a:gd name="adj2" fmla="val 71531"/>
+            </a:avLst>
+          </a:prstGeom>
+          <a:gradFill rotWithShape="1">
+            <a:gsLst>
+              <a:gs pos="0">
+                <a:srgbClr val="66CCFF">
+                  <a:gamma/>
+                  <a:invGamma/>
+                </a:srgbClr>
+              </a:gs>
+              <a:gs pos="100000">
+                <a:srgbClr val="66CCFF">
+                  <a:alpha val="0"/>
+                </a:srgbClr>
+              </a:gs>
+            </a:gsLst>
+            <a:lin ang="0" scaled="1"/>
+          </a:gradFill>
+          <a:ln>
+            <a:noFill/>
+          </a:ln>
+          <a:effectLst/>
+          <a:extLst>
+            <a:ext uri="{91240B29-F687-4F45-9708-019B960494DF}">
+              <a14:hiddenLine xmlns:a14="http://schemas.microsoft.com/office/drawing/2010/main" w="9525" algn="ctr">
+                <a:solidFill>
+                  <a:schemeClr val="tx1"/>
+                </a:solidFill>
+                <a:miter lim="800000"/>
+                <a:headEnd/>
+                <a:tailEnd/>
+              </a14:hiddenLine>
+            </a:ext>
+            <a:ext uri="{AF507438-7753-43E0-B8FC-AC1667EBCBE1}">
+              <a14:hiddenEffects xmlns:a14="http://schemas.microsoft.com/office/drawing/2010/main">
+                <a:effectLst>
+                  <a:outerShdw dist="35921" dir="2700000" algn="ctr" rotWithShape="0">
+                    <a:schemeClr val="bg2"/>
+                  </a:outerShdw>
+                </a:effectLst>
+              </a14:hiddenEffects>
+            </a:ext>
+          </a:extLst>
+        </p:spPr>
+        <p:txBody>
+          <a:bodyPr wrap="none" anchor="ctr"/>
+          <a:lstStyle/>
+          <a:p>
+            <a:endParaRPr lang="en-US"/>
+          </a:p>
+        </p:txBody>
+      </p:sp>
+    </p:spTree>
+    <p:extLst>
+      <p:ext uri="{BB962C8B-B14F-4D97-AF65-F5344CB8AC3E}">
+        <p14:creationId xmlns:p14="http://schemas.microsoft.com/office/powerpoint/2010/main" val="3526761976"/>
+      </p:ext>
+    </p:extLst>
+  </p:cSld>
+  <p:clrMapOvr>
+    <a:masterClrMapping/>
+  </p:clrMapOvr>
+  <mc:AlternateContent xmlns:mc="http://schemas.openxmlformats.org/markup-compatibility/2006">
+    <mc:Choice xmlns:p14="http://schemas.microsoft.com/office/powerpoint/2010/main" Requires="p14">
+      <p:transition spd="slow" p14:dur="1400">
+        <p14:doors dir="vert"/>
+      </p:transition>
+    </mc:Choice>
+    <mc:Fallback>
+      <p:transition spd="slow">
+        <p:fade/>
+      </p:transition>
+    </mc:Fallback>
+  </mc:AlternateContent>
+  <p:timing>
+    <p:tnLst>
+      <p:par>
+        <p:cTn id="1" dur="indefinite" restart="never" nodeType="tmRoot"/>
+      </p:par>
+    </p:tnLst>
+  </p:timing>
+</p:sld>
+</file>
+
+<file path=ppt/slides/slide18.xml><?xml version="1.0" encoding="utf-8"?>
+<p:sld xmlns:a="http://schemas.openxmlformats.org/drawingml/2006/main" xmlns:r="http://schemas.openxmlformats.org/officeDocument/2006/relationships" xmlns:p="http://schemas.openxmlformats.org/presentationml/2006/main">
+  <p:cSld>
+    <p:spTree>
+      <p:nvGrpSpPr>
+        <p:cNvPr id="1" name=""/>
+        <p:cNvGrpSpPr/>
+        <p:nvPr/>
+      </p:nvGrpSpPr>
+      <p:grpSpPr>
+        <a:xfrm>
+          <a:off x="0" y="0"/>
+          <a:ext cx="0" cy="0"/>
+          <a:chOff x="0" y="0"/>
+          <a:chExt cx="0" cy="0"/>
+        </a:xfrm>
+      </p:grpSpPr>
+      <p:sp>
+        <p:nvSpPr>
+          <p:cNvPr id="2" name="Title 1"/>
+          <p:cNvSpPr>
+            <a:spLocks noGrp="1"/>
+          </p:cNvSpPr>
+          <p:nvPr>
+            <p:ph type="title"/>
+          </p:nvPr>
+        </p:nvSpPr>
+        <p:spPr>
+          <a:xfrm>
+            <a:off x="690213" y="377780"/>
+            <a:ext cx="8596668" cy="639651"/>
+          </a:xfrm>
+        </p:spPr>
+        <p:txBody>
+          <a:bodyPr>
+            <a:normAutofit fontScale="90000"/>
+          </a:bodyPr>
+          <a:lstStyle/>
+          <a:p>
+            <a:r>
+              <a:rPr lang="en-US" dirty="0" smtClean="0"/>
+              <a:t>Import Excel Flow</a:t>
+            </a:r>
+            <a:endParaRPr lang="en-GB" dirty="0"/>
+          </a:p>
+        </p:txBody>
+      </p:sp>
+      <p:pic>
+        <p:nvPicPr>
+          <p:cNvPr id="4" name="Content Placeholder 3"/>
+          <p:cNvPicPr>
+            <a:picLocks noGrp="1" noChangeAspect="1"/>
+          </p:cNvPicPr>
+          <p:nvPr>
+            <p:ph idx="1"/>
+          </p:nvPr>
+        </p:nvPicPr>
+        <p:blipFill>
+          <a:blip r:embed="rId2" cstate="print">
+            <a:extLst>
+              <a:ext uri="{28A0092B-C50C-407E-A947-70E740481C1C}">
+                <a14:useLocalDpi xmlns:a14="http://schemas.microsoft.com/office/drawing/2010/main" val="0"/>
+              </a:ext>
+            </a:extLst>
+          </a:blip>
+          <a:stretch>
+            <a:fillRect/>
+          </a:stretch>
+        </p:blipFill>
+        <p:spPr>
+          <a:xfrm>
+            <a:off x="524746" y="885580"/>
+            <a:ext cx="8233758" cy="5862949"/>
+          </a:xfrm>
+        </p:spPr>
+      </p:pic>
+    </p:spTree>
+    <p:extLst>
+      <p:ext uri="{BB962C8B-B14F-4D97-AF65-F5344CB8AC3E}">
+        <p14:creationId xmlns:p14="http://schemas.microsoft.com/office/powerpoint/2010/main" val="2472192887"/>
+      </p:ext>
+    </p:extLst>
+  </p:cSld>
+  <p:clrMapOvr>
+    <a:masterClrMapping/>
+  </p:clrMapOvr>
+  <mc:AlternateContent xmlns:mc="http://schemas.openxmlformats.org/markup-compatibility/2006">
+    <mc:Choice xmlns:p14="http://schemas.microsoft.com/office/powerpoint/2010/main" Requires="p14">
+      <p:transition spd="slow" p14:dur="1600">
+        <p14:gallery dir="l"/>
+      </p:transition>
+    </mc:Choice>
+    <mc:Fallback>
+      <p:transition spd="slow">
+        <p:fade/>
+      </p:transition>
+    </mc:Fallback>
+  </mc:AlternateContent>
+  <p:timing>
+    <p:tnLst>
+      <p:par>
+        <p:cTn id="1" dur="indefinite" restart="never" nodeType="tmRoot"/>
+      </p:par>
+    </p:tnLst>
+  </p:timing>
+</p:sld>
+</file>
+
 <file path=ppt/slides/slide19.xml><?xml version="1.0" encoding="utf-8"?>
 <p:sld xmlns:a="http://schemas.openxmlformats.org/drawingml/2006/main" xmlns:r="http://schemas.openxmlformats.org/officeDocument/2006/relationships" xmlns:p="http://schemas.openxmlformats.org/presentationml/2006/main">
   <p:cSld>
@@ -21109,41 +27914,63 @@
           <a:p>
             <a:r>
               <a:rPr lang="en-US" dirty="0" smtClean="0"/>
-              <a:t>Save data to Database</a:t>
+              <a:t>Import Excel Flow</a:t>
             </a:r>
-            <a:endParaRPr lang="en-US" dirty="0"/>
+            <a:endParaRPr lang="en-GB" dirty="0"/>
           </a:p>
         </p:txBody>
       </p:sp>
-      <p:sp>
-        <p:nvSpPr>
-          <p:cNvPr id="3" name="Content Placeholder 2"/>
-          <p:cNvSpPr>
-            <a:spLocks noGrp="1"/>
-          </p:cNvSpPr>
+      <p:pic>
+        <p:nvPicPr>
+          <p:cNvPr id="4" name="Content Placeholder 3"/>
+          <p:cNvPicPr>
+            <a:picLocks noGrp="1" noChangeAspect="1"/>
+          </p:cNvPicPr>
           <p:nvPr>
             <p:ph idx="1"/>
           </p:nvPr>
-        </p:nvSpPr>
-        <p:spPr/>
-        <p:txBody>
-          <a:bodyPr/>
-          <a:lstStyle/>
-          <a:p>
-            <a:endParaRPr lang="en-US" dirty="0"/>
-          </a:p>
-        </p:txBody>
-      </p:sp>
+        </p:nvPicPr>
+        <p:blipFill>
+          <a:blip r:embed="rId2" cstate="print">
+            <a:extLst>
+              <a:ext uri="{28A0092B-C50C-407E-A947-70E740481C1C}">
+                <a14:useLocalDpi xmlns:a14="http://schemas.microsoft.com/office/drawing/2010/main" val="0"/>
+              </a:ext>
+            </a:extLst>
+          </a:blip>
+          <a:stretch>
+            <a:fillRect/>
+          </a:stretch>
+        </p:blipFill>
+        <p:spPr>
+          <a:xfrm>
+            <a:off x="1179132" y="1426492"/>
+            <a:ext cx="6895921" cy="5174648"/>
+          </a:xfrm>
+        </p:spPr>
+      </p:pic>
     </p:spTree>
     <p:extLst>
       <p:ext uri="{BB962C8B-B14F-4D97-AF65-F5344CB8AC3E}">
-        <p14:creationId xmlns:p14="http://schemas.microsoft.com/office/powerpoint/2010/main" val="1256687027"/>
+        <p14:creationId xmlns:p14="http://schemas.microsoft.com/office/powerpoint/2010/main" val="1640423242"/>
       </p:ext>
     </p:extLst>
   </p:cSld>
   <p:clrMapOvr>
     <a:masterClrMapping/>
   </p:clrMapOvr>
+  <mc:AlternateContent xmlns:mc="http://schemas.openxmlformats.org/markup-compatibility/2006">
+    <mc:Choice xmlns:p14="http://schemas.microsoft.com/office/powerpoint/2010/main" Requires="p14">
+      <p:transition spd="slow" p14:dur="1600">
+        <p14:gallery dir="l"/>
+      </p:transition>
+    </mc:Choice>
+    <mc:Fallback>
+      <p:transition spd="slow">
+        <p:fade/>
+      </p:transition>
+    </mc:Fallback>
+  </mc:AlternateContent>
   <p:timing>
     <p:tnLst>
       <p:par>
@@ -21285,7 +28112,7 @@
           <a:p>
             <a:r>
               <a:rPr lang="en-US" dirty="0" smtClean="0"/>
-              <a:t>Data mining from websites</a:t>
+              <a:t>Excel Flow</a:t>
             </a:r>
             <a:endParaRPr lang="en-US" dirty="0"/>
           </a:p>
@@ -21306,14 +28133,30 @@
           <a:bodyPr/>
           <a:lstStyle/>
           <a:p>
-            <a:endParaRPr lang="en-US" dirty="0"/>
+            <a:r>
+              <a:rPr lang="en-US" dirty="0" smtClean="0"/>
+              <a:t>Step 1:</a:t>
+            </a:r>
+          </a:p>
+          <a:p>
+            <a:r>
+              <a:rPr lang="en-US" dirty="0" smtClean="0"/>
+              <a:t>Step 2:</a:t>
+            </a:r>
+          </a:p>
+          <a:p>
+            <a:r>
+              <a:rPr lang="en-US" smtClean="0"/>
+              <a:t>Step 3:</a:t>
+            </a:r>
+            <a:endParaRPr lang="en-US"/>
           </a:p>
         </p:txBody>
       </p:sp>
     </p:spTree>
     <p:extLst>
       <p:ext uri="{BB962C8B-B14F-4D97-AF65-F5344CB8AC3E}">
-        <p14:creationId xmlns:p14="http://schemas.microsoft.com/office/powerpoint/2010/main" val="3889082366"/>
+        <p14:creationId xmlns:p14="http://schemas.microsoft.com/office/powerpoint/2010/main" val="2909632907"/>
       </p:ext>
     </p:extLst>
   </p:cSld>
@@ -21331,6 +28174,247 @@
 </file>
 
 <file path=ppt/slides/slide21.xml><?xml version="1.0" encoding="utf-8"?>
+<p:sld xmlns:a="http://schemas.openxmlformats.org/drawingml/2006/main" xmlns:r="http://schemas.openxmlformats.org/officeDocument/2006/relationships" xmlns:p="http://schemas.openxmlformats.org/presentationml/2006/main">
+  <p:cSld>
+    <p:spTree>
+      <p:nvGrpSpPr>
+        <p:cNvPr id="1" name=""/>
+        <p:cNvGrpSpPr/>
+        <p:nvPr/>
+      </p:nvGrpSpPr>
+      <p:grpSpPr>
+        <a:xfrm>
+          <a:off x="0" y="0"/>
+          <a:ext cx="0" cy="0"/>
+          <a:chOff x="0" y="0"/>
+          <a:chExt cx="0" cy="0"/>
+        </a:xfrm>
+      </p:grpSpPr>
+      <p:sp>
+        <p:nvSpPr>
+          <p:cNvPr id="2" name="Title 1"/>
+          <p:cNvSpPr>
+            <a:spLocks noGrp="1"/>
+          </p:cNvSpPr>
+          <p:nvPr>
+            <p:ph type="title"/>
+          </p:nvPr>
+        </p:nvSpPr>
+        <p:spPr/>
+        <p:txBody>
+          <a:bodyPr/>
+          <a:lstStyle/>
+          <a:p>
+            <a:r>
+              <a:rPr lang="en-US" dirty="0" smtClean="0"/>
+              <a:t>Data mining from websites</a:t>
+            </a:r>
+            <a:endParaRPr lang="en-US" dirty="0"/>
+          </a:p>
+        </p:txBody>
+      </p:sp>
+      <p:pic>
+        <p:nvPicPr>
+          <p:cNvPr id="4" name="Picture 3"/>
+          <p:cNvPicPr>
+            <a:picLocks noChangeAspect="1"/>
+          </p:cNvPicPr>
+          <p:nvPr/>
+        </p:nvPicPr>
+        <p:blipFill>
+          <a:blip r:embed="rId2">
+            <a:extLst>
+              <a:ext uri="{28A0092B-C50C-407E-A947-70E740481C1C}">
+                <a14:useLocalDpi xmlns:a14="http://schemas.microsoft.com/office/drawing/2010/main" val="0"/>
+              </a:ext>
+            </a:extLst>
+          </a:blip>
+          <a:stretch>
+            <a:fillRect/>
+          </a:stretch>
+        </p:blipFill>
+        <p:spPr>
+          <a:xfrm>
+            <a:off x="330558" y="2119647"/>
+            <a:ext cx="1627200" cy="1627200"/>
+          </a:xfrm>
+          <a:prstGeom prst="rect">
+            <a:avLst/>
+          </a:prstGeom>
+        </p:spPr>
+      </p:pic>
+      <p:pic>
+        <p:nvPicPr>
+          <p:cNvPr id="5" name="Picture 4"/>
+          <p:cNvPicPr>
+            <a:picLocks noChangeAspect="1"/>
+          </p:cNvPicPr>
+          <p:nvPr/>
+        </p:nvPicPr>
+        <p:blipFill>
+          <a:blip r:embed="rId3">
+            <a:extLst>
+              <a:ext uri="{28A0092B-C50C-407E-A947-70E740481C1C}">
+                <a14:useLocalDpi xmlns:a14="http://schemas.microsoft.com/office/drawing/2010/main" val="0"/>
+              </a:ext>
+            </a:extLst>
+          </a:blip>
+          <a:stretch>
+            <a:fillRect/>
+          </a:stretch>
+        </p:blipFill>
+        <p:spPr>
+          <a:xfrm>
+            <a:off x="3859200" y="2119647"/>
+            <a:ext cx="1627200" cy="1627200"/>
+          </a:xfrm>
+          <a:prstGeom prst="rect">
+            <a:avLst/>
+          </a:prstGeom>
+        </p:spPr>
+      </p:pic>
+      <p:pic>
+        <p:nvPicPr>
+          <p:cNvPr id="6" name="Picture 5"/>
+          <p:cNvPicPr>
+            <a:picLocks noChangeAspect="1"/>
+          </p:cNvPicPr>
+          <p:nvPr/>
+        </p:nvPicPr>
+        <p:blipFill>
+          <a:blip r:embed="rId4">
+            <a:extLst>
+              <a:ext uri="{28A0092B-C50C-407E-A947-70E740481C1C}">
+                <a14:useLocalDpi xmlns:a14="http://schemas.microsoft.com/office/drawing/2010/main" val="0"/>
+              </a:ext>
+            </a:extLst>
+          </a:blip>
+          <a:stretch>
+            <a:fillRect/>
+          </a:stretch>
+        </p:blipFill>
+        <p:spPr>
+          <a:xfrm>
+            <a:off x="7811216" y="2119647"/>
+            <a:ext cx="1942741" cy="1627200"/>
+          </a:xfrm>
+          <a:prstGeom prst="rect">
+            <a:avLst/>
+          </a:prstGeom>
+        </p:spPr>
+      </p:pic>
+      <p:sp>
+        <p:nvSpPr>
+          <p:cNvPr id="7" name="Right Arrow 6"/>
+          <p:cNvSpPr/>
+          <p:nvPr/>
+        </p:nvSpPr>
+        <p:spPr>
+          <a:xfrm>
+            <a:off x="1957758" y="2498502"/>
+            <a:ext cx="1901442" cy="1146220"/>
+          </a:xfrm>
+          <a:prstGeom prst="rightArrow">
+            <a:avLst/>
+          </a:prstGeom>
+        </p:spPr>
+        <p:style>
+          <a:lnRef idx="2">
+            <a:schemeClr val="accent1">
+              <a:shade val="50000"/>
+            </a:schemeClr>
+          </a:lnRef>
+          <a:fillRef idx="1">
+            <a:schemeClr val="accent1"/>
+          </a:fillRef>
+          <a:effectRef idx="0">
+            <a:schemeClr val="accent1"/>
+          </a:effectRef>
+          <a:fontRef idx="minor">
+            <a:schemeClr val="lt1"/>
+          </a:fontRef>
+        </p:style>
+        <p:txBody>
+          <a:bodyPr rtlCol="0" anchor="ctr"/>
+          <a:lstStyle/>
+          <a:p>
+            <a:pPr algn="ctr"/>
+            <a:r>
+              <a:rPr lang="en-US" dirty="0" smtClean="0"/>
+              <a:t>Get link</a:t>
+            </a:r>
+            <a:endParaRPr lang="en-GB" dirty="0"/>
+          </a:p>
+        </p:txBody>
+      </p:sp>
+      <p:sp>
+        <p:nvSpPr>
+          <p:cNvPr id="8" name="Right Arrow 7"/>
+          <p:cNvSpPr/>
+          <p:nvPr/>
+        </p:nvSpPr>
+        <p:spPr>
+          <a:xfrm>
+            <a:off x="5522806" y="2511381"/>
+            <a:ext cx="2288410" cy="1133341"/>
+          </a:xfrm>
+          <a:prstGeom prst="rightArrow">
+            <a:avLst/>
+          </a:prstGeom>
+        </p:spPr>
+        <p:style>
+          <a:lnRef idx="2">
+            <a:schemeClr val="accent1">
+              <a:shade val="50000"/>
+            </a:schemeClr>
+          </a:lnRef>
+          <a:fillRef idx="1">
+            <a:schemeClr val="accent1"/>
+          </a:fillRef>
+          <a:effectRef idx="0">
+            <a:schemeClr val="accent1"/>
+          </a:effectRef>
+          <a:fontRef idx="minor">
+            <a:schemeClr val="lt1"/>
+          </a:fontRef>
+        </p:style>
+        <p:txBody>
+          <a:bodyPr rtlCol="0" anchor="ctr"/>
+          <a:lstStyle/>
+          <a:p>
+            <a:pPr algn="ctr"/>
+            <a:r>
+              <a:rPr lang="en-US" dirty="0" smtClean="0"/>
+              <a:t>Inspect</a:t>
+            </a:r>
+            <a:endParaRPr lang="en-GB" dirty="0"/>
+          </a:p>
+        </p:txBody>
+      </p:sp>
+    </p:spTree>
+    <p:extLst>
+      <p:ext uri="{BB962C8B-B14F-4D97-AF65-F5344CB8AC3E}">
+        <p14:creationId xmlns:p14="http://schemas.microsoft.com/office/powerpoint/2010/main" val="3889082366"/>
+      </p:ext>
+    </p:extLst>
+  </p:cSld>
+  <p:clrMapOvr>
+    <a:masterClrMapping/>
+  </p:clrMapOvr>
+  <p:transition spd="slow">
+    <p:pull/>
+  </p:transition>
+  <p:timing>
+    <p:tnLst>
+      <p:par>
+        <p:cTn id="1" dur="indefinite" restart="never" nodeType="tmRoot"/>
+      </p:par>
+    </p:tnLst>
+  </p:timing>
+</p:sld>
+</file>
+
+<file path=ppt/slides/slide22.xml><?xml version="1.0" encoding="utf-8"?>
 <p:sld xmlns:a="http://schemas.openxmlformats.org/drawingml/2006/main" xmlns:r="http://schemas.openxmlformats.org/officeDocument/2006/relationships" xmlns:p="http://schemas.openxmlformats.org/presentationml/2006/main">
   <p:cSld>
     <p:spTree>
@@ -24406,7 +31490,7 @@
 </p:sld>
 </file>
 
-<file path=ppt/slides/slide22.xml><?xml version="1.0" encoding="utf-8"?>
+<file path=ppt/slides/slide23.xml><?xml version="1.0" encoding="utf-8"?>
 <p:sld xmlns:a="http://schemas.openxmlformats.org/drawingml/2006/main" xmlns:r="http://schemas.openxmlformats.org/officeDocument/2006/relationships" xmlns:p="http://schemas.openxmlformats.org/presentationml/2006/main">
   <p:cSld>
     <p:spTree>
@@ -24749,7 +31833,7 @@
 </p:sld>
 </file>
 
-<file path=ppt/slides/slide23.xml><?xml version="1.0" encoding="utf-8"?>
+<file path=ppt/slides/slide24.xml><?xml version="1.0" encoding="utf-8"?>
 <p:sld xmlns:a="http://schemas.openxmlformats.org/drawingml/2006/main" xmlns:r="http://schemas.openxmlformats.org/officeDocument/2006/relationships" xmlns:p="http://schemas.openxmlformats.org/presentationml/2006/main">
   <p:cSld>
     <p:spTree>
@@ -24824,6 +31908,9 @@
   <p:clrMapOvr>
     <a:masterClrMapping/>
   </p:clrMapOvr>
+  <p:transition spd="slow">
+    <p:push dir="u"/>
+  </p:transition>
   <p:timing>
     <p:tnLst>
       <p:par>
@@ -25072,7 +32159,7 @@
 </p:sld>
 </file>
 
-<file path=ppt/slides/slide24.xml><?xml version="1.0" encoding="utf-8"?>
+<file path=ppt/slides/slide25.xml><?xml version="1.0" encoding="utf-8"?>
 <p:sld xmlns:a="http://schemas.openxmlformats.org/drawingml/2006/main" xmlns:r="http://schemas.openxmlformats.org/officeDocument/2006/relationships" xmlns:p="http://schemas.openxmlformats.org/presentationml/2006/main">
   <p:cSld>
     <p:spTree>
@@ -25357,6 +32444,9 @@
   <p:clrMapOvr>
     <a:masterClrMapping/>
   </p:clrMapOvr>
+  <p:transition spd="slow">
+    <p:wheel spokes="1"/>
+  </p:transition>
   <p:timing>
     <p:tnLst>
       <p:par>
@@ -25406,25 +32496,126 @@
           </a:p>
         </p:txBody>
       </p:sp>
-      <p:sp>
-        <p:nvSpPr>
-          <p:cNvPr id="3" name="Content Placeholder 2"/>
-          <p:cNvSpPr>
-            <a:spLocks noGrp="1"/>
-          </p:cNvSpPr>
-          <p:nvPr>
-            <p:ph idx="1"/>
-          </p:nvPr>
-        </p:nvSpPr>
-        <p:spPr/>
-        <p:txBody>
-          <a:bodyPr/>
-          <a:lstStyle/>
-          <a:p>
-            <a:endParaRPr lang="en-US" dirty="0"/>
-          </a:p>
-        </p:txBody>
-      </p:sp>
+      <p:pic>
+        <p:nvPicPr>
+          <p:cNvPr id="10" name="Picture 9"/>
+          <p:cNvPicPr>
+            <a:picLocks noChangeAspect="1"/>
+          </p:cNvPicPr>
+          <p:nvPr/>
+        </p:nvPicPr>
+        <p:blipFill>
+          <a:blip r:embed="rId2">
+            <a:extLst>
+              <a:ext uri="{28A0092B-C50C-407E-A947-70E740481C1C}">
+                <a14:useLocalDpi xmlns:a14="http://schemas.microsoft.com/office/drawing/2010/main" val="0"/>
+              </a:ext>
+            </a:extLst>
+          </a:blip>
+          <a:stretch>
+            <a:fillRect/>
+          </a:stretch>
+        </p:blipFill>
+        <p:spPr>
+          <a:xfrm>
+            <a:off x="1846174" y="1395064"/>
+            <a:ext cx="7812982" cy="5105748"/>
+          </a:xfrm>
+          <a:prstGeom prst="rect">
+            <a:avLst/>
+          </a:prstGeom>
+        </p:spPr>
+      </p:pic>
+      <p:pic>
+        <p:nvPicPr>
+          <p:cNvPr id="11" name="Picture 10"/>
+          <p:cNvPicPr>
+            <a:picLocks noChangeAspect="1"/>
+          </p:cNvPicPr>
+          <p:nvPr/>
+        </p:nvPicPr>
+        <p:blipFill>
+          <a:blip r:embed="rId3">
+            <a:extLst>
+              <a:ext uri="{28A0092B-C50C-407E-A947-70E740481C1C}">
+                <a14:useLocalDpi xmlns:a14="http://schemas.microsoft.com/office/drawing/2010/main" val="0"/>
+              </a:ext>
+            </a:extLst>
+          </a:blip>
+          <a:stretch>
+            <a:fillRect/>
+          </a:stretch>
+        </p:blipFill>
+        <p:spPr>
+          <a:xfrm>
+            <a:off x="3627149" y="1395064"/>
+            <a:ext cx="4308922" cy="5105748"/>
+          </a:xfrm>
+          <a:prstGeom prst="rect">
+            <a:avLst/>
+          </a:prstGeom>
+        </p:spPr>
+      </p:pic>
+      <p:pic>
+        <p:nvPicPr>
+          <p:cNvPr id="12" name="Picture 11"/>
+          <p:cNvPicPr>
+            <a:picLocks noChangeAspect="1"/>
+          </p:cNvPicPr>
+          <p:nvPr/>
+        </p:nvPicPr>
+        <p:blipFill>
+          <a:blip r:embed="rId4">
+            <a:extLst>
+              <a:ext uri="{28A0092B-C50C-407E-A947-70E740481C1C}">
+                <a14:useLocalDpi xmlns:a14="http://schemas.microsoft.com/office/drawing/2010/main" val="0"/>
+              </a:ext>
+            </a:extLst>
+          </a:blip>
+          <a:stretch>
+            <a:fillRect/>
+          </a:stretch>
+        </p:blipFill>
+        <p:spPr>
+          <a:xfrm>
+            <a:off x="1846175" y="2130954"/>
+            <a:ext cx="7812982" cy="4369858"/>
+          </a:xfrm>
+          <a:prstGeom prst="rect">
+            <a:avLst/>
+          </a:prstGeom>
+        </p:spPr>
+      </p:pic>
+      <p:pic>
+        <p:nvPicPr>
+          <p:cNvPr id="13" name="Picture 12"/>
+          <p:cNvPicPr>
+            <a:picLocks noChangeAspect="1"/>
+          </p:cNvPicPr>
+          <p:nvPr/>
+        </p:nvPicPr>
+        <p:blipFill>
+          <a:blip r:embed="rId5">
+            <a:extLst>
+              <a:ext uri="{28A0092B-C50C-407E-A947-70E740481C1C}">
+                <a14:useLocalDpi xmlns:a14="http://schemas.microsoft.com/office/drawing/2010/main" val="0"/>
+              </a:ext>
+            </a:extLst>
+          </a:blip>
+          <a:stretch>
+            <a:fillRect/>
+          </a:stretch>
+        </p:blipFill>
+        <p:spPr>
+          <a:xfrm>
+            <a:off x="1846175" y="1395064"/>
+            <a:ext cx="7656398" cy="5072062"/>
+          </a:xfrm>
+          <a:prstGeom prst="rect">
+            <a:avLst/>
+          </a:prstGeom>
+        </p:spPr>
+      </p:pic>
     </p:spTree>
     <p:extLst>
       <p:ext uri="{BB962C8B-B14F-4D97-AF65-F5344CB8AC3E}">
@@ -25438,7 +32629,347 @@
   <p:timing>
     <p:tnLst>
       <p:par>
-        <p:cTn id="1" dur="indefinite" restart="never" nodeType="tmRoot"/>
+        <p:cTn id="1" dur="indefinite" restart="never" nodeType="tmRoot">
+          <p:childTnLst>
+            <p:seq concurrent="1" nextAc="seek">
+              <p:cTn id="2" dur="indefinite" nodeType="mainSeq">
+                <p:childTnLst>
+                  <p:par>
+                    <p:cTn id="3" fill="hold">
+                      <p:stCondLst>
+                        <p:cond delay="indefinite"/>
+                      </p:stCondLst>
+                      <p:childTnLst>
+                        <p:par>
+                          <p:cTn id="4" fill="hold">
+                            <p:stCondLst>
+                              <p:cond delay="0"/>
+                            </p:stCondLst>
+                            <p:childTnLst>
+                              <p:par>
+                                <p:cTn id="5" presetID="14" presetClass="entr" presetSubtype="10" fill="hold" nodeType="clickEffect">
+                                  <p:stCondLst>
+                                    <p:cond delay="0"/>
+                                  </p:stCondLst>
+                                  <p:childTnLst>
+                                    <p:set>
+                                      <p:cBhvr>
+                                        <p:cTn id="6" dur="1" fill="hold">
+                                          <p:stCondLst>
+                                            <p:cond delay="0"/>
+                                          </p:stCondLst>
+                                        </p:cTn>
+                                        <p:tgtEl>
+                                          <p:spTgt spid="10"/>
+                                        </p:tgtEl>
+                                        <p:attrNameLst>
+                                          <p:attrName>style.visibility</p:attrName>
+                                        </p:attrNameLst>
+                                      </p:cBhvr>
+                                      <p:to>
+                                        <p:strVal val="visible"/>
+                                      </p:to>
+                                    </p:set>
+                                    <p:animEffect transition="in" filter="randombar(horizontal)">
+                                      <p:cBhvr>
+                                        <p:cTn id="7" dur="500"/>
+                                        <p:tgtEl>
+                                          <p:spTgt spid="10"/>
+                                        </p:tgtEl>
+                                      </p:cBhvr>
+                                    </p:animEffect>
+                                  </p:childTnLst>
+                                </p:cTn>
+                              </p:par>
+                            </p:childTnLst>
+                          </p:cTn>
+                        </p:par>
+                      </p:childTnLst>
+                    </p:cTn>
+                  </p:par>
+                  <p:par>
+                    <p:cTn id="8" fill="hold">
+                      <p:stCondLst>
+                        <p:cond delay="indefinite"/>
+                      </p:stCondLst>
+                      <p:childTnLst>
+                        <p:par>
+                          <p:cTn id="9" fill="hold">
+                            <p:stCondLst>
+                              <p:cond delay="0"/>
+                            </p:stCondLst>
+                            <p:childTnLst>
+                              <p:par>
+                                <p:cTn id="10" presetID="14" presetClass="entr" presetSubtype="10" fill="hold" nodeType="clickEffect">
+                                  <p:stCondLst>
+                                    <p:cond delay="0"/>
+                                  </p:stCondLst>
+                                  <p:childTnLst>
+                                    <p:set>
+                                      <p:cBhvr>
+                                        <p:cTn id="11" dur="1" fill="hold">
+                                          <p:stCondLst>
+                                            <p:cond delay="0"/>
+                                          </p:stCondLst>
+                                        </p:cTn>
+                                        <p:tgtEl>
+                                          <p:spTgt spid="11"/>
+                                        </p:tgtEl>
+                                        <p:attrNameLst>
+                                          <p:attrName>style.visibility</p:attrName>
+                                        </p:attrNameLst>
+                                      </p:cBhvr>
+                                      <p:to>
+                                        <p:strVal val="visible"/>
+                                      </p:to>
+                                    </p:set>
+                                    <p:animEffect transition="in" filter="randombar(horizontal)">
+                                      <p:cBhvr>
+                                        <p:cTn id="12" dur="500"/>
+                                        <p:tgtEl>
+                                          <p:spTgt spid="11"/>
+                                        </p:tgtEl>
+                                      </p:cBhvr>
+                                    </p:animEffect>
+                                  </p:childTnLst>
+                                </p:cTn>
+                              </p:par>
+                              <p:par>
+                                <p:cTn id="13" presetID="14" presetClass="exit" presetSubtype="10" fill="hold" nodeType="withEffect">
+                                  <p:stCondLst>
+                                    <p:cond delay="0"/>
+                                  </p:stCondLst>
+                                  <p:childTnLst>
+                                    <p:animEffect transition="out" filter="randombar(horizontal)">
+                                      <p:cBhvr>
+                                        <p:cTn id="14" dur="500"/>
+                                        <p:tgtEl>
+                                          <p:spTgt spid="10"/>
+                                        </p:tgtEl>
+                                      </p:cBhvr>
+                                    </p:animEffect>
+                                    <p:set>
+                                      <p:cBhvr>
+                                        <p:cTn id="15" dur="1" fill="hold">
+                                          <p:stCondLst>
+                                            <p:cond delay="499"/>
+                                          </p:stCondLst>
+                                        </p:cTn>
+                                        <p:tgtEl>
+                                          <p:spTgt spid="10"/>
+                                        </p:tgtEl>
+                                        <p:attrNameLst>
+                                          <p:attrName>style.visibility</p:attrName>
+                                        </p:attrNameLst>
+                                      </p:cBhvr>
+                                      <p:to>
+                                        <p:strVal val="hidden"/>
+                                      </p:to>
+                                    </p:set>
+                                  </p:childTnLst>
+                                </p:cTn>
+                              </p:par>
+                            </p:childTnLst>
+                          </p:cTn>
+                        </p:par>
+                      </p:childTnLst>
+                    </p:cTn>
+                  </p:par>
+                  <p:par>
+                    <p:cTn id="16" fill="hold">
+                      <p:stCondLst>
+                        <p:cond delay="indefinite"/>
+                      </p:stCondLst>
+                      <p:childTnLst>
+                        <p:par>
+                          <p:cTn id="17" fill="hold">
+                            <p:stCondLst>
+                              <p:cond delay="0"/>
+                            </p:stCondLst>
+                            <p:childTnLst>
+                              <p:par>
+                                <p:cTn id="18" presetID="14" presetClass="entr" presetSubtype="10" fill="hold" nodeType="clickEffect">
+                                  <p:stCondLst>
+                                    <p:cond delay="0"/>
+                                  </p:stCondLst>
+                                  <p:childTnLst>
+                                    <p:set>
+                                      <p:cBhvr>
+                                        <p:cTn id="19" dur="1" fill="hold">
+                                          <p:stCondLst>
+                                            <p:cond delay="0"/>
+                                          </p:stCondLst>
+                                        </p:cTn>
+                                        <p:tgtEl>
+                                          <p:spTgt spid="12"/>
+                                        </p:tgtEl>
+                                        <p:attrNameLst>
+                                          <p:attrName>style.visibility</p:attrName>
+                                        </p:attrNameLst>
+                                      </p:cBhvr>
+                                      <p:to>
+                                        <p:strVal val="visible"/>
+                                      </p:to>
+                                    </p:set>
+                                    <p:animEffect transition="in" filter="randombar(horizontal)">
+                                      <p:cBhvr>
+                                        <p:cTn id="20" dur="500"/>
+                                        <p:tgtEl>
+                                          <p:spTgt spid="12"/>
+                                        </p:tgtEl>
+                                      </p:cBhvr>
+                                    </p:animEffect>
+                                  </p:childTnLst>
+                                </p:cTn>
+                              </p:par>
+                              <p:par>
+                                <p:cTn id="21" presetID="14" presetClass="exit" presetSubtype="10" fill="hold" nodeType="withEffect">
+                                  <p:stCondLst>
+                                    <p:cond delay="0"/>
+                                  </p:stCondLst>
+                                  <p:childTnLst>
+                                    <p:animEffect transition="out" filter="randombar(horizontal)">
+                                      <p:cBhvr>
+                                        <p:cTn id="22" dur="500"/>
+                                        <p:tgtEl>
+                                          <p:spTgt spid="11"/>
+                                        </p:tgtEl>
+                                      </p:cBhvr>
+                                    </p:animEffect>
+                                    <p:set>
+                                      <p:cBhvr>
+                                        <p:cTn id="23" dur="1" fill="hold">
+                                          <p:stCondLst>
+                                            <p:cond delay="499"/>
+                                          </p:stCondLst>
+                                        </p:cTn>
+                                        <p:tgtEl>
+                                          <p:spTgt spid="11"/>
+                                        </p:tgtEl>
+                                        <p:attrNameLst>
+                                          <p:attrName>style.visibility</p:attrName>
+                                        </p:attrNameLst>
+                                      </p:cBhvr>
+                                      <p:to>
+                                        <p:strVal val="hidden"/>
+                                      </p:to>
+                                    </p:set>
+                                  </p:childTnLst>
+                                </p:cTn>
+                              </p:par>
+                            </p:childTnLst>
+                          </p:cTn>
+                        </p:par>
+                      </p:childTnLst>
+                    </p:cTn>
+                  </p:par>
+                  <p:par>
+                    <p:cTn id="24" fill="hold">
+                      <p:stCondLst>
+                        <p:cond delay="indefinite"/>
+                      </p:stCondLst>
+                      <p:childTnLst>
+                        <p:par>
+                          <p:cTn id="25" fill="hold">
+                            <p:stCondLst>
+                              <p:cond delay="0"/>
+                            </p:stCondLst>
+                            <p:childTnLst>
+                              <p:par>
+                                <p:cTn id="26" presetID="14" presetClass="entr" presetSubtype="10" fill="hold" nodeType="clickEffect">
+                                  <p:stCondLst>
+                                    <p:cond delay="0"/>
+                                  </p:stCondLst>
+                                  <p:childTnLst>
+                                    <p:set>
+                                      <p:cBhvr>
+                                        <p:cTn id="27" dur="1" fill="hold">
+                                          <p:stCondLst>
+                                            <p:cond delay="0"/>
+                                          </p:stCondLst>
+                                        </p:cTn>
+                                        <p:tgtEl>
+                                          <p:spTgt spid="13"/>
+                                        </p:tgtEl>
+                                        <p:attrNameLst>
+                                          <p:attrName>style.visibility</p:attrName>
+                                        </p:attrNameLst>
+                                      </p:cBhvr>
+                                      <p:to>
+                                        <p:strVal val="visible"/>
+                                      </p:to>
+                                    </p:set>
+                                    <p:animEffect transition="in" filter="randombar(horizontal)">
+                                      <p:cBhvr>
+                                        <p:cTn id="28" dur="500"/>
+                                        <p:tgtEl>
+                                          <p:spTgt spid="13"/>
+                                        </p:tgtEl>
+                                      </p:cBhvr>
+                                    </p:animEffect>
+                                  </p:childTnLst>
+                                </p:cTn>
+                              </p:par>
+                              <p:par>
+                                <p:cTn id="29" presetID="14" presetClass="exit" presetSubtype="10" fill="hold" nodeType="withEffect">
+                                  <p:stCondLst>
+                                    <p:cond delay="0"/>
+                                  </p:stCondLst>
+                                  <p:childTnLst>
+                                    <p:animEffect transition="out" filter="randombar(horizontal)">
+                                      <p:cBhvr>
+                                        <p:cTn id="30" dur="500"/>
+                                        <p:tgtEl>
+                                          <p:spTgt spid="12"/>
+                                        </p:tgtEl>
+                                      </p:cBhvr>
+                                    </p:animEffect>
+                                    <p:set>
+                                      <p:cBhvr>
+                                        <p:cTn id="31" dur="1" fill="hold">
+                                          <p:stCondLst>
+                                            <p:cond delay="499"/>
+                                          </p:stCondLst>
+                                        </p:cTn>
+                                        <p:tgtEl>
+                                          <p:spTgt spid="12"/>
+                                        </p:tgtEl>
+                                        <p:attrNameLst>
+                                          <p:attrName>style.visibility</p:attrName>
+                                        </p:attrNameLst>
+                                      </p:cBhvr>
+                                      <p:to>
+                                        <p:strVal val="hidden"/>
+                                      </p:to>
+                                    </p:set>
+                                  </p:childTnLst>
+                                </p:cTn>
+                              </p:par>
+                            </p:childTnLst>
+                          </p:cTn>
+                        </p:par>
+                      </p:childTnLst>
+                    </p:cTn>
+                  </p:par>
+                </p:childTnLst>
+              </p:cTn>
+              <p:prevCondLst>
+                <p:cond evt="onPrev" delay="0">
+                  <p:tgtEl>
+                    <p:sldTgt/>
+                  </p:tgtEl>
+                </p:cond>
+              </p:prevCondLst>
+              <p:nextCondLst>
+                <p:cond evt="onNext" delay="0">
+                  <p:tgtEl>
+                    <p:sldTgt/>
+                  </p:tgtEl>
+                </p:cond>
+              </p:nextCondLst>
+            </p:seq>
+          </p:childTnLst>
+        </p:cTn>
       </p:par>
     </p:tnLst>
   </p:timing>
@@ -25485,29 +33016,28 @@
           </a:p>
         </p:txBody>
       </p:sp>
-      <p:sp>
-        <p:nvSpPr>
-          <p:cNvPr id="3" name="Content Placeholder 2"/>
-          <p:cNvSpPr>
-            <a:spLocks noGrp="1"/>
-          </p:cNvSpPr>
+      <p:graphicFrame>
+        <p:nvGraphicFramePr>
+          <p:cNvPr id="7" name="Diagram 6"/>
+          <p:cNvGraphicFramePr/>
           <p:nvPr>
-            <p:ph idx="1"/>
+            <p:extLst>
+              <p:ext uri="{D42A27DB-BD31-4B8C-83A1-F6EECF244321}">
+                <p14:modId xmlns:p14="http://schemas.microsoft.com/office/powerpoint/2010/main" val="1811161045"/>
+              </p:ext>
+            </p:extLst>
           </p:nvPr>
-        </p:nvSpPr>
-        <p:spPr/>
-        <p:txBody>
-          <a:bodyPr/>
-          <a:lstStyle/>
-          <a:p>
-            <a:r>
-              <a:rPr lang="en-US" dirty="0" smtClean="0"/>
-              <a:t>Collect all data -&gt; Structure -&gt; User</a:t>
-            </a:r>
-            <a:endParaRPr lang="en-US" dirty="0"/>
-          </a:p>
-        </p:txBody>
-      </p:sp>
+        </p:nvGraphicFramePr>
+        <p:xfrm>
+          <a:off x="2032000" y="719666"/>
+          <a:ext cx="8128000" cy="5418667"/>
+        </p:xfrm>
+        <a:graphic>
+          <a:graphicData uri="http://schemas.openxmlformats.org/drawingml/2006/diagram">
+            <dgm:relIds xmlns:dgm="http://schemas.openxmlformats.org/drawingml/2006/diagram" xmlns:r="http://schemas.openxmlformats.org/officeDocument/2006/relationships" r:dm="rId2" r:lo="rId3" r:qs="rId4" r:cs="rId5"/>
+          </a:graphicData>
+        </a:graphic>
+      </p:graphicFrame>
     </p:spTree>
     <p:extLst>
       <p:ext uri="{BB962C8B-B14F-4D97-AF65-F5344CB8AC3E}">
@@ -25518,6 +33048,18 @@
   <p:clrMapOvr>
     <a:masterClrMapping/>
   </p:clrMapOvr>
+  <mc:AlternateContent xmlns:mc="http://schemas.openxmlformats.org/markup-compatibility/2006">
+    <mc:Choice xmlns:p14="http://schemas.microsoft.com/office/powerpoint/2010/main" Requires="p14">
+      <p:transition spd="slow" p14:dur="3900">
+        <p14:glitter pattern="hexagon"/>
+      </p:transition>
+    </mc:Choice>
+    <mc:Fallback>
+      <p:transition spd="slow">
+        <p:fade/>
+      </p:transition>
+    </mc:Fallback>
+  </mc:AlternateContent>
   <p:timing>
     <p:tnLst>
       <p:par>
@@ -25913,6 +33455,40 @@
           <a:bodyPr/>
           <a:lstStyle/>
           <a:p>
+            <a:r>
+              <a:rPr lang="en-US" dirty="0" smtClean="0"/>
+              <a:t>A woman wants to buy some food for her dinner.</a:t>
+            </a:r>
+          </a:p>
+          <a:p>
+            <a:r>
+              <a:rPr lang="en-US" dirty="0" smtClean="0"/>
+              <a:t>She doesn’t know the price, so she goes to Smart Buy website to check it.</a:t>
+            </a:r>
+          </a:p>
+          <a:p>
+            <a:r>
+              <a:rPr lang="en-US" dirty="0" smtClean="0"/>
+              <a:t>She adds some products to her cart, and view the total estimated price.</a:t>
+            </a:r>
+          </a:p>
+          <a:p>
+            <a:r>
+              <a:rPr lang="en-US" dirty="0" smtClean="0"/>
+              <a:t>She draws a route from her company to her house.</a:t>
+            </a:r>
+          </a:p>
+          <a:p>
+            <a:r>
+              <a:rPr lang="en-US" dirty="0" smtClean="0"/>
+              <a:t>Then, she asks the system how she should buy her products.</a:t>
+            </a:r>
+          </a:p>
+          <a:p>
+            <a:r>
+              <a:rPr lang="en-US" dirty="0" smtClean="0"/>
+              <a:t>The system shows the suggestion to her.</a:t>
+            </a:r>
             <a:endParaRPr lang="en-US" dirty="0"/>
           </a:p>
         </p:txBody>
@@ -26277,7 +33853,7 @@
   <a:extraClrSchemeLst/>
   <a:extLst>
     <a:ext uri="{05A4C25C-085E-4340-85A3-A5531E510DB2}">
-      <thm15:themeFamily xmlns="" xmlns:thm15="http://schemas.microsoft.com/office/thememl/2012/main" name="Facet" id="{C0C680CD-088A-49FC-A102-D699147F32B2}" vid="{CFBC31BA-B70F-4F30-BCAA-4F3011E16C4D}"/>
+      <thm15:themeFamily xmlns:thm15="http://schemas.microsoft.com/office/thememl/2012/main" xmlns="" name="Facet" id="{C0C680CD-088A-49FC-A102-D699147F32B2}" vid="{CFBC31BA-B70F-4F30-BCAA-4F3011E16C4D}"/>
     </a:ext>
   </a:extLst>
 </a:theme>

--- a/ smart-buy/Slides/Smart Buy.pptx
+++ b/ smart-buy/Slides/Smart Buy.pptx
@@ -130,7 +130,7 @@
   </p:defaultTextStyle>
   <p:extLst>
     <p:ext uri="{EFAFB233-063F-42B5-8137-9DF3F51BA10A}">
-      <p15:sldGuideLst xmlns:p15="http://schemas.microsoft.com/office/powerpoint/2012/main" xmlns=""/>
+      <p15:sldGuideLst xmlns="" xmlns:p15="http://schemas.microsoft.com/office/powerpoint/2012/main"/>
     </p:ext>
   </p:extLst>
 </p:presentation>
@@ -5295,6 +5295,13 @@
         </dgm:presLayoutVars>
       </dgm:prSet>
       <dgm:spPr/>
+      <dgm:t>
+        <a:bodyPr/>
+        <a:lstStyle/>
+        <a:p>
+          <a:endParaRPr lang="en-GB"/>
+        </a:p>
+      </dgm:t>
     </dgm:pt>
     <dgm:pt modelId="{54299FCB-FCA7-4B04-83F7-F009EE7F6E48}" type="pres">
       <dgm:prSet presAssocID="{7D8D5BFA-1CB1-45D7-98B0-D383872E7D2B}" presName="composite" presStyleCnt="0"/>
@@ -5336,10 +5343,24 @@
     <dgm:pt modelId="{D0BF7A67-8420-4D4D-8BE3-5D6439E20DDB}" type="pres">
       <dgm:prSet presAssocID="{12FBE855-85D8-40A0-8B00-0CC7B06D6929}" presName="sibTrans" presStyleLbl="sibTrans2D1" presStyleIdx="0" presStyleCnt="2"/>
       <dgm:spPr/>
+      <dgm:t>
+        <a:bodyPr/>
+        <a:lstStyle/>
+        <a:p>
+          <a:endParaRPr lang="en-GB"/>
+        </a:p>
+      </dgm:t>
     </dgm:pt>
     <dgm:pt modelId="{CF5F9BE5-234E-44DB-8A8D-FAE4BD4CF1F9}" type="pres">
       <dgm:prSet presAssocID="{12FBE855-85D8-40A0-8B00-0CC7B06D6929}" presName="connTx" presStyleLbl="sibTrans2D1" presStyleIdx="0" presStyleCnt="2"/>
       <dgm:spPr/>
+      <dgm:t>
+        <a:bodyPr/>
+        <a:lstStyle/>
+        <a:p>
+          <a:endParaRPr lang="en-GB"/>
+        </a:p>
+      </dgm:t>
     </dgm:pt>
     <dgm:pt modelId="{56B006A5-CC1F-4428-8E48-5CD8A21473A9}" type="pres">
       <dgm:prSet presAssocID="{F0420458-9C91-45A5-855D-858C35132CE3}" presName="composite" presStyleCnt="0"/>
@@ -5381,10 +5402,24 @@
     <dgm:pt modelId="{D502E3EC-61B5-4BD1-8CD0-CD98ACA241A7}" type="pres">
       <dgm:prSet presAssocID="{5DA2A5C7-CF8E-4E64-8B00-CB66161199F2}" presName="sibTrans" presStyleLbl="sibTrans2D1" presStyleIdx="1" presStyleCnt="2"/>
       <dgm:spPr/>
+      <dgm:t>
+        <a:bodyPr/>
+        <a:lstStyle/>
+        <a:p>
+          <a:endParaRPr lang="en-GB"/>
+        </a:p>
+      </dgm:t>
     </dgm:pt>
     <dgm:pt modelId="{FBAC9E5F-3566-4C89-A98C-DC716EF5F2ED}" type="pres">
       <dgm:prSet presAssocID="{5DA2A5C7-CF8E-4E64-8B00-CB66161199F2}" presName="connTx" presStyleLbl="sibTrans2D1" presStyleIdx="1" presStyleCnt="2"/>
       <dgm:spPr/>
+      <dgm:t>
+        <a:bodyPr/>
+        <a:lstStyle/>
+        <a:p>
+          <a:endParaRPr lang="en-GB"/>
+        </a:p>
+      </dgm:t>
     </dgm:pt>
     <dgm:pt modelId="{A532881D-B094-4E7A-BF6E-2772B5CEDBCF}" type="pres">
       <dgm:prSet presAssocID="{2BEB8688-5594-4A03-BE50-D1FF7D21CD62}" presName="composite" presStyleCnt="0"/>
@@ -5425,17 +5460,17 @@
     </dgm:pt>
   </dgm:ptLst>
   <dgm:cxnLst>
-    <dgm:cxn modelId="{82E9F778-89E6-4410-A26E-1B51FAB2FC65}" srcId="{E954D45C-BFAC-45E5-AD2A-1CF0507E21E8}" destId="{F0420458-9C91-45A5-855D-858C35132CE3}" srcOrd="1" destOrd="0" parTransId="{A83F1D0E-9FA2-433E-A271-B6CBA2FB9AF8}" sibTransId="{5DA2A5C7-CF8E-4E64-8B00-CB66161199F2}"/>
-    <dgm:cxn modelId="{DC411FED-DBBB-49BF-A913-710372885067}" srcId="{E954D45C-BFAC-45E5-AD2A-1CF0507E21E8}" destId="{7D8D5BFA-1CB1-45D7-98B0-D383872E7D2B}" srcOrd="0" destOrd="0" parTransId="{B9114965-3B0B-4BB7-9FD9-DB438DC4CB03}" sibTransId="{12FBE855-85D8-40A0-8B00-0CC7B06D6929}"/>
-    <dgm:cxn modelId="{90668E00-F8CE-4763-AFEC-A19FDAB2725B}" type="presOf" srcId="{F0420458-9C91-45A5-855D-858C35132CE3}" destId="{E65AE26C-C7C3-47F3-B3E8-7DF6636223EB}" srcOrd="0" destOrd="0" presId="urn:microsoft.com/office/officeart/2005/8/layout/hProcess10"/>
-    <dgm:cxn modelId="{DEEE4162-1078-4345-BD37-66B73D77B252}" srcId="{E954D45C-BFAC-45E5-AD2A-1CF0507E21E8}" destId="{2BEB8688-5594-4A03-BE50-D1FF7D21CD62}" srcOrd="2" destOrd="0" parTransId="{7EC34235-5E28-4D03-B53F-052966CF8CCE}" sibTransId="{4BD9ACC0-71FD-4EFE-A971-1DBE90752A04}"/>
-    <dgm:cxn modelId="{7C80DEF5-FACF-4239-86F9-2D5B4CA0E06F}" type="presOf" srcId="{5DA2A5C7-CF8E-4E64-8B00-CB66161199F2}" destId="{FBAC9E5F-3566-4C89-A98C-DC716EF5F2ED}" srcOrd="1" destOrd="0" presId="urn:microsoft.com/office/officeart/2005/8/layout/hProcess10"/>
-    <dgm:cxn modelId="{12867D23-941E-4F4C-9026-3CCEFD1BEF3C}" type="presOf" srcId="{5DA2A5C7-CF8E-4E64-8B00-CB66161199F2}" destId="{D502E3EC-61B5-4BD1-8CD0-CD98ACA241A7}" srcOrd="0" destOrd="0" presId="urn:microsoft.com/office/officeart/2005/8/layout/hProcess10"/>
-    <dgm:cxn modelId="{F6C111C5-D808-4A00-B7E1-E568B74D62A3}" type="presOf" srcId="{12FBE855-85D8-40A0-8B00-0CC7B06D6929}" destId="{D0BF7A67-8420-4D4D-8BE3-5D6439E20DDB}" srcOrd="0" destOrd="0" presId="urn:microsoft.com/office/officeart/2005/8/layout/hProcess10"/>
-    <dgm:cxn modelId="{4EFE9A9D-3AFA-46E6-8DCC-EFDEE76EB6D2}" type="presOf" srcId="{7D8D5BFA-1CB1-45D7-98B0-D383872E7D2B}" destId="{2D6711A0-775D-4EF7-ADE9-52C1DBCAC128}" srcOrd="0" destOrd="0" presId="urn:microsoft.com/office/officeart/2005/8/layout/hProcess10"/>
-    <dgm:cxn modelId="{1E9EF46D-DA0C-42E8-9ADF-EB209A88DDFD}" type="presOf" srcId="{12FBE855-85D8-40A0-8B00-0CC7B06D6929}" destId="{CF5F9BE5-234E-44DB-8A8D-FAE4BD4CF1F9}" srcOrd="1" destOrd="0" presId="urn:microsoft.com/office/officeart/2005/8/layout/hProcess10"/>
     <dgm:cxn modelId="{89EFC945-C001-4D9B-8B52-BEDA5D04F8FF}" type="presOf" srcId="{2BEB8688-5594-4A03-BE50-D1FF7D21CD62}" destId="{710611F9-6C1A-4787-A7CF-DB4A30C258E0}" srcOrd="0" destOrd="0" presId="urn:microsoft.com/office/officeart/2005/8/layout/hProcess10"/>
     <dgm:cxn modelId="{573088B0-A55B-4916-BBD2-8E918AE97D12}" type="presOf" srcId="{E954D45C-BFAC-45E5-AD2A-1CF0507E21E8}" destId="{D5CC9D54-DCD1-4132-90EF-7BCC563A5F7D}" srcOrd="0" destOrd="0" presId="urn:microsoft.com/office/officeart/2005/8/layout/hProcess10"/>
+    <dgm:cxn modelId="{DEEE4162-1078-4345-BD37-66B73D77B252}" srcId="{E954D45C-BFAC-45E5-AD2A-1CF0507E21E8}" destId="{2BEB8688-5594-4A03-BE50-D1FF7D21CD62}" srcOrd="2" destOrd="0" parTransId="{7EC34235-5E28-4D03-B53F-052966CF8CCE}" sibTransId="{4BD9ACC0-71FD-4EFE-A971-1DBE90752A04}"/>
+    <dgm:cxn modelId="{90668E00-F8CE-4763-AFEC-A19FDAB2725B}" type="presOf" srcId="{F0420458-9C91-45A5-855D-858C35132CE3}" destId="{E65AE26C-C7C3-47F3-B3E8-7DF6636223EB}" srcOrd="0" destOrd="0" presId="urn:microsoft.com/office/officeart/2005/8/layout/hProcess10"/>
+    <dgm:cxn modelId="{12867D23-941E-4F4C-9026-3CCEFD1BEF3C}" type="presOf" srcId="{5DA2A5C7-CF8E-4E64-8B00-CB66161199F2}" destId="{D502E3EC-61B5-4BD1-8CD0-CD98ACA241A7}" srcOrd="0" destOrd="0" presId="urn:microsoft.com/office/officeart/2005/8/layout/hProcess10"/>
+    <dgm:cxn modelId="{DC411FED-DBBB-49BF-A913-710372885067}" srcId="{E954D45C-BFAC-45E5-AD2A-1CF0507E21E8}" destId="{7D8D5BFA-1CB1-45D7-98B0-D383872E7D2B}" srcOrd="0" destOrd="0" parTransId="{B9114965-3B0B-4BB7-9FD9-DB438DC4CB03}" sibTransId="{12FBE855-85D8-40A0-8B00-0CC7B06D6929}"/>
+    <dgm:cxn modelId="{7C80DEF5-FACF-4239-86F9-2D5B4CA0E06F}" type="presOf" srcId="{5DA2A5C7-CF8E-4E64-8B00-CB66161199F2}" destId="{FBAC9E5F-3566-4C89-A98C-DC716EF5F2ED}" srcOrd="1" destOrd="0" presId="urn:microsoft.com/office/officeart/2005/8/layout/hProcess10"/>
+    <dgm:cxn modelId="{1E9EF46D-DA0C-42E8-9ADF-EB209A88DDFD}" type="presOf" srcId="{12FBE855-85D8-40A0-8B00-0CC7B06D6929}" destId="{CF5F9BE5-234E-44DB-8A8D-FAE4BD4CF1F9}" srcOrd="1" destOrd="0" presId="urn:microsoft.com/office/officeart/2005/8/layout/hProcess10"/>
+    <dgm:cxn modelId="{4EFE9A9D-3AFA-46E6-8DCC-EFDEE76EB6D2}" type="presOf" srcId="{7D8D5BFA-1CB1-45D7-98B0-D383872E7D2B}" destId="{2D6711A0-775D-4EF7-ADE9-52C1DBCAC128}" srcOrd="0" destOrd="0" presId="urn:microsoft.com/office/officeart/2005/8/layout/hProcess10"/>
+    <dgm:cxn modelId="{82E9F778-89E6-4410-A26E-1B51FAB2FC65}" srcId="{E954D45C-BFAC-45E5-AD2A-1CF0507E21E8}" destId="{F0420458-9C91-45A5-855D-858C35132CE3}" srcOrd="1" destOrd="0" parTransId="{A83F1D0E-9FA2-433E-A271-B6CBA2FB9AF8}" sibTransId="{5DA2A5C7-CF8E-4E64-8B00-CB66161199F2}"/>
+    <dgm:cxn modelId="{F6C111C5-D808-4A00-B7E1-E568B74D62A3}" type="presOf" srcId="{12FBE855-85D8-40A0-8B00-0CC7B06D6929}" destId="{D0BF7A67-8420-4D4D-8BE3-5D6439E20DDB}" srcOrd="0" destOrd="0" presId="urn:microsoft.com/office/officeart/2005/8/layout/hProcess10"/>
     <dgm:cxn modelId="{7CB71D5A-310C-4787-9E99-2482B677F60F}" type="presParOf" srcId="{D5CC9D54-DCD1-4132-90EF-7BCC563A5F7D}" destId="{54299FCB-FCA7-4B04-83F7-F009EE7F6E48}" srcOrd="0" destOrd="0" presId="urn:microsoft.com/office/officeart/2005/8/layout/hProcess10"/>
     <dgm:cxn modelId="{54BE8CF6-9FB9-4FF3-9E05-1746BC4D8B6D}" type="presParOf" srcId="{54299FCB-FCA7-4B04-83F7-F009EE7F6E48}" destId="{13A32406-3E38-4FE5-AC82-5B375F270D7B}" srcOrd="0" destOrd="0" presId="urn:microsoft.com/office/officeart/2005/8/layout/hProcess10"/>
     <dgm:cxn modelId="{B213F08D-00D9-4D66-88A9-21FFB1B5A462}" type="presParOf" srcId="{54299FCB-FCA7-4B04-83F7-F009EE7F6E48}" destId="{2D6711A0-775D-4EF7-ADE9-52C1DBCAC128}" srcOrd="1" destOrd="0" presId="urn:microsoft.com/office/officeart/2005/8/layout/hProcess10"/>
@@ -16579,7 +16614,7 @@
           <a:p>
             <a:fld id="{03828354-E0C5-4131-9B49-1997E3EE3A7D}" type="datetimeFigureOut">
               <a:rPr lang="en-US" smtClean="0"/>
-              <a:t>4/17/2014</a:t>
+              <a:t>4/18/2014</a:t>
             </a:fld>
             <a:endParaRPr lang="en-US"/>
           </a:p>
@@ -16830,7 +16865,7 @@
           <a:p>
             <a:fld id="{03828354-E0C5-4131-9B49-1997E3EE3A7D}" type="datetimeFigureOut">
               <a:rPr lang="en-US" smtClean="0"/>
-              <a:t>4/17/2014</a:t>
+              <a:t>4/18/2014</a:t>
             </a:fld>
             <a:endParaRPr lang="en-US"/>
           </a:p>
@@ -17144,7 +17179,7 @@
           <a:p>
             <a:fld id="{03828354-E0C5-4131-9B49-1997E3EE3A7D}" type="datetimeFigureOut">
               <a:rPr lang="en-US" smtClean="0"/>
-              <a:t>4/17/2014</a:t>
+              <a:t>4/18/2014</a:t>
             </a:fld>
             <a:endParaRPr lang="en-US"/>
           </a:p>
@@ -17485,7 +17520,7 @@
           <a:p>
             <a:fld id="{03828354-E0C5-4131-9B49-1997E3EE3A7D}" type="datetimeFigureOut">
               <a:rPr lang="en-US" smtClean="0"/>
-              <a:t>4/17/2014</a:t>
+              <a:t>4/18/2014</a:t>
             </a:fld>
             <a:endParaRPr lang="en-US"/>
           </a:p>
@@ -17799,7 +17834,7 @@
           <a:p>
             <a:fld id="{03828354-E0C5-4131-9B49-1997E3EE3A7D}" type="datetimeFigureOut">
               <a:rPr lang="en-US" smtClean="0"/>
-              <a:t>4/17/2014</a:t>
+              <a:t>4/18/2014</a:t>
             </a:fld>
             <a:endParaRPr lang="en-US"/>
           </a:p>
@@ -18192,7 +18227,7 @@
           <a:p>
             <a:fld id="{03828354-E0C5-4131-9B49-1997E3EE3A7D}" type="datetimeFigureOut">
               <a:rPr lang="en-US" smtClean="0"/>
-              <a:t>4/17/2014</a:t>
+              <a:t>4/18/2014</a:t>
             </a:fld>
             <a:endParaRPr lang="en-US"/>
           </a:p>
@@ -18362,7 +18397,7 @@
           <a:p>
             <a:fld id="{03828354-E0C5-4131-9B49-1997E3EE3A7D}" type="datetimeFigureOut">
               <a:rPr lang="en-US" smtClean="0"/>
-              <a:t>4/17/2014</a:t>
+              <a:t>4/18/2014</a:t>
             </a:fld>
             <a:endParaRPr lang="en-US"/>
           </a:p>
@@ -18542,7 +18577,7 @@
           <a:p>
             <a:fld id="{03828354-E0C5-4131-9B49-1997E3EE3A7D}" type="datetimeFigureOut">
               <a:rPr lang="en-US" smtClean="0"/>
-              <a:t>4/17/2014</a:t>
+              <a:t>4/18/2014</a:t>
             </a:fld>
             <a:endParaRPr lang="en-US"/>
           </a:p>
@@ -18752,7 +18787,7 @@
           <a:p>
             <a:fld id="{03828354-E0C5-4131-9B49-1997E3EE3A7D}" type="datetimeFigureOut">
               <a:rPr lang="en-US" smtClean="0"/>
-              <a:t>4/17/2014</a:t>
+              <a:t>4/18/2014</a:t>
             </a:fld>
             <a:endParaRPr lang="en-US"/>
           </a:p>
@@ -18999,7 +19034,7 @@
           <a:p>
             <a:fld id="{03828354-E0C5-4131-9B49-1997E3EE3A7D}" type="datetimeFigureOut">
               <a:rPr lang="en-US" smtClean="0"/>
-              <a:t>4/17/2014</a:t>
+              <a:t>4/18/2014</a:t>
             </a:fld>
             <a:endParaRPr lang="en-US"/>
           </a:p>
@@ -19231,7 +19266,7 @@
           <a:p>
             <a:fld id="{03828354-E0C5-4131-9B49-1997E3EE3A7D}" type="datetimeFigureOut">
               <a:rPr lang="en-US" smtClean="0"/>
-              <a:t>4/17/2014</a:t>
+              <a:t>4/18/2014</a:t>
             </a:fld>
             <a:endParaRPr lang="en-US"/>
           </a:p>
@@ -19605,7 +19640,7 @@
           <a:p>
             <a:fld id="{03828354-E0C5-4131-9B49-1997E3EE3A7D}" type="datetimeFigureOut">
               <a:rPr lang="en-US" smtClean="0"/>
-              <a:t>4/17/2014</a:t>
+              <a:t>4/18/2014</a:t>
             </a:fld>
             <a:endParaRPr lang="en-US"/>
           </a:p>
@@ -19728,7 +19763,7 @@
           <a:p>
             <a:fld id="{03828354-E0C5-4131-9B49-1997E3EE3A7D}" type="datetimeFigureOut">
               <a:rPr lang="en-US" smtClean="0"/>
-              <a:t>4/17/2014</a:t>
+              <a:t>4/18/2014</a:t>
             </a:fld>
             <a:endParaRPr lang="en-US"/>
           </a:p>
@@ -19823,7 +19858,7 @@
           <a:p>
             <a:fld id="{03828354-E0C5-4131-9B49-1997E3EE3A7D}" type="datetimeFigureOut">
               <a:rPr lang="en-US" smtClean="0"/>
-              <a:t>4/17/2014</a:t>
+              <a:t>4/18/2014</a:t>
             </a:fld>
             <a:endParaRPr lang="en-US"/>
           </a:p>
@@ -20078,7 +20113,7 @@
           <a:p>
             <a:fld id="{03828354-E0C5-4131-9B49-1997E3EE3A7D}" type="datetimeFigureOut">
               <a:rPr lang="en-US" smtClean="0"/>
-              <a:t>4/17/2014</a:t>
+              <a:t>4/18/2014</a:t>
             </a:fld>
             <a:endParaRPr lang="en-US"/>
           </a:p>
@@ -20341,7 +20376,7 @@
           <a:p>
             <a:fld id="{03828354-E0C5-4131-9B49-1997E3EE3A7D}" type="datetimeFigureOut">
               <a:rPr lang="en-US" smtClean="0"/>
-              <a:t>4/17/2014</a:t>
+              <a:t>4/18/2014</a:t>
             </a:fld>
             <a:endParaRPr lang="en-US"/>
           </a:p>
@@ -21084,7 +21119,7 @@
           <a:p>
             <a:fld id="{03828354-E0C5-4131-9B49-1997E3EE3A7D}" type="datetimeFigureOut">
               <a:rPr lang="en-US" smtClean="0"/>
-              <a:t>4/17/2014</a:t>
+              <a:t>4/18/2014</a:t>
             </a:fld>
             <a:endParaRPr lang="en-US"/>
           </a:p>
@@ -21935,14 +21970,7 @@
                 <a:latin typeface="Arial" panose="020B0604020202020204" pitchFamily="34" charset="0"/>
                 <a:cs typeface="Arial" panose="020B0604020202020204" pitchFamily="34" charset="0"/>
               </a:rPr>
-              <a:t>Search </a:t>
-            </a:r>
-            <a:r>
-              <a:rPr lang="en-US" dirty="0" smtClean="0">
-                <a:latin typeface="Arial" panose="020B0604020202020204" pitchFamily="34" charset="0"/>
-                <a:cs typeface="Arial" panose="020B0604020202020204" pitchFamily="34" charset="0"/>
-              </a:rPr>
-              <a:t>product</a:t>
+              <a:t>Search product</a:t>
             </a:r>
             <a:endParaRPr lang="en-US" dirty="0">
               <a:latin typeface="Arial" panose="020B0604020202020204" pitchFamily="34" charset="0"/>
@@ -24103,24 +24131,72 @@
           <a:p>
             <a:r>
               <a:rPr lang="en-US" dirty="0" smtClean="0"/>
+              <a:t>Duplicate</a:t>
+            </a:r>
+            <a:endParaRPr lang="en-US" dirty="0" smtClean="0"/>
+          </a:p>
+          <a:p>
+            <a:r>
+              <a:rPr lang="en-US" dirty="0" smtClean="0"/>
+              <a:t>Error</a:t>
+            </a:r>
+            <a:endParaRPr lang="en-US" dirty="0" smtClean="0"/>
+          </a:p>
+          <a:p>
+            <a:r>
+              <a:rPr lang="en-US" dirty="0" smtClean="0"/>
               <a:t>Correct</a:t>
             </a:r>
           </a:p>
           <a:p>
-            <a:r>
-              <a:rPr lang="en-US" dirty="0" smtClean="0"/>
-              <a:t>Error.</a:t>
-            </a:r>
+            <a:endParaRPr lang="en-US" dirty="0"/>
           </a:p>
           <a:p>
             <a:r>
               <a:rPr lang="en-US" dirty="0" smtClean="0"/>
-              <a:t>Duplicate.</a:t>
+              <a:t>Merge: make two or more names refer to one product.</a:t>
+            </a:r>
+            <a:endParaRPr lang="en-US" dirty="0"/>
+          </a:p>
+          <a:p>
+            <a:r>
+              <a:rPr lang="en-US" dirty="0" smtClean="0"/>
+              <a:t>Split: different names mean different products.</a:t>
             </a:r>
             <a:endParaRPr lang="en-US" dirty="0"/>
           </a:p>
         </p:txBody>
       </p:sp>
+      <p:pic>
+        <p:nvPicPr>
+          <p:cNvPr id="4" name="Picture 3"/>
+          <p:cNvPicPr>
+            <a:picLocks noChangeAspect="1"/>
+          </p:cNvPicPr>
+          <p:nvPr/>
+        </p:nvPicPr>
+        <p:blipFill>
+          <a:blip r:embed="rId2">
+            <a:extLst>
+              <a:ext uri="{28A0092B-C50C-407E-A947-70E740481C1C}">
+                <a14:useLocalDpi xmlns:a14="http://schemas.microsoft.com/office/drawing/2010/main" val="0"/>
+              </a:ext>
+            </a:extLst>
+          </a:blip>
+          <a:stretch>
+            <a:fillRect/>
+          </a:stretch>
+        </p:blipFill>
+        <p:spPr>
+          <a:xfrm>
+            <a:off x="2209934" y="1832485"/>
+            <a:ext cx="7334250" cy="1666875"/>
+          </a:xfrm>
+          <a:prstGeom prst="rect">
+            <a:avLst/>
+          </a:prstGeom>
+        </p:spPr>
+      </p:pic>
     </p:spTree>
     <p:extLst>
       <p:ext uri="{BB962C8B-B14F-4D97-AF65-F5344CB8AC3E}">
@@ -24175,11 +24251,7 @@
           <a:p>
             <a:r>
               <a:rPr lang="en-US" dirty="0" smtClean="0"/>
-              <a:t>Import Excel </a:t>
-            </a:r>
-            <a:r>
-              <a:rPr lang="en-US" dirty="0" smtClean="0"/>
-              <a:t>Flow</a:t>
+              <a:t>Import Excel Flow</a:t>
             </a:r>
             <a:endParaRPr lang="en-US" dirty="0"/>
           </a:p>
@@ -27750,13 +27822,13 @@
   <p:clrMapOvr>
     <a:masterClrMapping/>
   </p:clrMapOvr>
-  <mc:AlternateContent xmlns:mc="http://schemas.openxmlformats.org/markup-compatibility/2006">
-    <mc:Choice xmlns:p14="http://schemas.microsoft.com/office/powerpoint/2010/main" Requires="p14">
+  <mc:AlternateContent xmlns:mc="http://schemas.openxmlformats.org/markup-compatibility/2006" xmlns:p14="http://schemas.microsoft.com/office/powerpoint/2010/main">
+    <mc:Choice Requires="p14">
       <p:transition spd="slow" p14:dur="1400">
         <p14:doors dir="vert"/>
       </p:transition>
     </mc:Choice>
-    <mc:Fallback>
+    <mc:Fallback xmlns="">
       <p:transition spd="slow">
         <p:fade/>
       </p:transition>
@@ -27858,13 +27930,13 @@
   <p:clrMapOvr>
     <a:masterClrMapping/>
   </p:clrMapOvr>
-  <mc:AlternateContent xmlns:mc="http://schemas.openxmlformats.org/markup-compatibility/2006">
-    <mc:Choice xmlns:p14="http://schemas.microsoft.com/office/powerpoint/2010/main" Requires="p14">
+  <mc:AlternateContent xmlns:mc="http://schemas.openxmlformats.org/markup-compatibility/2006" xmlns:p14="http://schemas.microsoft.com/office/powerpoint/2010/main">
+    <mc:Choice Requires="p14">
       <p:transition spd="slow" p14:dur="1600">
         <p14:gallery dir="l"/>
       </p:transition>
     </mc:Choice>
-    <mc:Fallback>
+    <mc:Fallback xmlns="">
       <p:transition spd="slow">
         <p:fade/>
       </p:transition>
@@ -27959,13 +28031,13 @@
   <p:clrMapOvr>
     <a:masterClrMapping/>
   </p:clrMapOvr>
-  <mc:AlternateContent xmlns:mc="http://schemas.openxmlformats.org/markup-compatibility/2006">
-    <mc:Choice xmlns:p14="http://schemas.microsoft.com/office/powerpoint/2010/main" Requires="p14">
+  <mc:AlternateContent xmlns:mc="http://schemas.openxmlformats.org/markup-compatibility/2006" xmlns:p14="http://schemas.microsoft.com/office/powerpoint/2010/main">
+    <mc:Choice Requires="p14">
       <p:transition spd="slow" p14:dur="1600">
         <p14:gallery dir="l"/>
       </p:transition>
     </mc:Choice>
-    <mc:Fallback>
+    <mc:Fallback xmlns="">
       <p:transition spd="slow">
         <p:fade/>
       </p:transition>
@@ -28134,22 +28206,28 @@
           <a:lstStyle/>
           <a:p>
             <a:r>
-              <a:rPr lang="en-US" dirty="0" smtClean="0"/>
-              <a:t>Step 1:</a:t>
+              <a:rPr lang="en-US" dirty="0"/>
+              <a:t>Step 1: Import Excel.</a:t>
             </a:r>
           </a:p>
           <a:p>
             <a:r>
-              <a:rPr lang="en-US" dirty="0" smtClean="0"/>
-              <a:t>Step 2:</a:t>
+              <a:rPr lang="en-US" dirty="0"/>
+              <a:t>Step 2: Process error products &amp; duplicate products.</a:t>
             </a:r>
           </a:p>
           <a:p>
             <a:r>
-              <a:rPr lang="en-US" smtClean="0"/>
-              <a:t>Step 3:</a:t>
+              <a:rPr lang="en-US" dirty="0"/>
+              <a:t>Step 3: Save correct products to database.</a:t>
             </a:r>
-            <a:endParaRPr lang="en-US"/>
+          </a:p>
+          <a:p>
+            <a:r>
+              <a:rPr lang="en-US" dirty="0"/>
+              <a:t>Step 4: Process duplicate products with database.</a:t>
+            </a:r>
+            <a:endParaRPr lang="en-US" dirty="0"/>
           </a:p>
         </p:txBody>
       </p:sp>
@@ -32608,8 +32686,8 @@
         </p:blipFill>
         <p:spPr>
           <a:xfrm>
-            <a:off x="1846175" y="1395064"/>
-            <a:ext cx="7656398" cy="5072062"/>
+            <a:off x="1846175" y="1395063"/>
+            <a:ext cx="7812982" cy="5175793"/>
           </a:xfrm>
           <a:prstGeom prst="rect">
             <a:avLst/>
@@ -33048,13 +33126,13 @@
   <p:clrMapOvr>
     <a:masterClrMapping/>
   </p:clrMapOvr>
-  <mc:AlternateContent xmlns:mc="http://schemas.openxmlformats.org/markup-compatibility/2006">
-    <mc:Choice xmlns:p14="http://schemas.microsoft.com/office/powerpoint/2010/main" Requires="p14">
+  <mc:AlternateContent xmlns:mc="http://schemas.openxmlformats.org/markup-compatibility/2006" xmlns:p14="http://schemas.microsoft.com/office/powerpoint/2010/main">
+    <mc:Choice Requires="p14">
       <p:transition spd="slow" p14:dur="3900">
         <p14:glitter pattern="hexagon"/>
       </p:transition>
     </mc:Choice>
-    <mc:Fallback>
+    <mc:Fallback xmlns="">
       <p:transition spd="slow">
         <p:fade/>
       </p:transition>
@@ -33853,7 +33931,7 @@
   <a:extraClrSchemeLst/>
   <a:extLst>
     <a:ext uri="{05A4C25C-085E-4340-85A3-A5531E510DB2}">
-      <thm15:themeFamily xmlns:thm15="http://schemas.microsoft.com/office/thememl/2012/main" xmlns="" name="Facet" id="{C0C680CD-088A-49FC-A102-D699147F32B2}" vid="{CFBC31BA-B70F-4F30-BCAA-4F3011E16C4D}"/>
+      <thm15:themeFamily xmlns="" xmlns:thm15="http://schemas.microsoft.com/office/thememl/2012/main" name="Facet" id="{C0C680CD-088A-49FC-A102-D699147F32B2}" vid="{CFBC31BA-B70F-4F30-BCAA-4F3011E16C4D}"/>
     </a:ext>
   </a:extLst>
 </a:theme>

--- a/ smart-buy/Slides/Smart Buy.pptx
+++ b/ smart-buy/Slides/Smart Buy.pptx
@@ -12,24 +12,23 @@
     <p:sldId id="271" r:id="rId6"/>
     <p:sldId id="272" r:id="rId7"/>
     <p:sldId id="269" r:id="rId8"/>
-    <p:sldId id="273" r:id="rId9"/>
+    <p:sldId id="284" r:id="rId9"/>
     <p:sldId id="274" r:id="rId10"/>
-    <p:sldId id="262" r:id="rId11"/>
-    <p:sldId id="265" r:id="rId12"/>
-    <p:sldId id="266" r:id="rId13"/>
-    <p:sldId id="275" r:id="rId14"/>
-    <p:sldId id="276" r:id="rId15"/>
-    <p:sldId id="267" r:id="rId16"/>
-    <p:sldId id="278" r:id="rId17"/>
-    <p:sldId id="277" r:id="rId18"/>
-    <p:sldId id="282" r:id="rId19"/>
-    <p:sldId id="283" r:id="rId20"/>
-    <p:sldId id="281" r:id="rId21"/>
-    <p:sldId id="279" r:id="rId22"/>
-    <p:sldId id="261" r:id="rId23"/>
-    <p:sldId id="268" r:id="rId24"/>
-    <p:sldId id="270" r:id="rId25"/>
-    <p:sldId id="264" r:id="rId26"/>
+    <p:sldId id="265" r:id="rId11"/>
+    <p:sldId id="266" r:id="rId12"/>
+    <p:sldId id="275" r:id="rId13"/>
+    <p:sldId id="276" r:id="rId14"/>
+    <p:sldId id="267" r:id="rId15"/>
+    <p:sldId id="278" r:id="rId16"/>
+    <p:sldId id="277" r:id="rId17"/>
+    <p:sldId id="282" r:id="rId18"/>
+    <p:sldId id="283" r:id="rId19"/>
+    <p:sldId id="281" r:id="rId20"/>
+    <p:sldId id="279" r:id="rId21"/>
+    <p:sldId id="261" r:id="rId22"/>
+    <p:sldId id="268" r:id="rId23"/>
+    <p:sldId id="270" r:id="rId24"/>
+    <p:sldId id="264" r:id="rId25"/>
   </p:sldIdLst>
   <p:sldSz cx="12192000" cy="6858000"/>
   <p:notesSz cx="6858000" cy="9144000"/>
@@ -7912,373 +7911,6 @@
       <dsp:cNvGrpSpPr/>
     </dsp:nvGrpSpPr>
     <dsp:grpSpPr/>
-    <dsp:sp modelId="{4CA5A5D1-C9BD-4849-9955-724AA57140BA}">
-      <dsp:nvSpPr>
-        <dsp:cNvPr id="0" name=""/>
-        <dsp:cNvSpPr/>
-      </dsp:nvSpPr>
-      <dsp:spPr>
-        <a:xfrm>
-          <a:off x="1238990" y="1315937"/>
-          <a:ext cx="10607040" cy="5481653"/>
-        </a:xfrm>
-        <a:prstGeom prst="rect">
-          <a:avLst/>
-        </a:prstGeom>
-        <a:gradFill rotWithShape="0">
-          <a:gsLst>
-            <a:gs pos="0">
-              <a:schemeClr val="accent1">
-                <a:tint val="50000"/>
-                <a:hueOff val="0"/>
-                <a:satOff val="0"/>
-                <a:lumOff val="0"/>
-                <a:alphaOff val="0"/>
-                <a:tint val="96000"/>
-                <a:lumMod val="100000"/>
-              </a:schemeClr>
-            </a:gs>
-            <a:gs pos="78000">
-              <a:schemeClr val="accent1">
-                <a:tint val="50000"/>
-                <a:hueOff val="0"/>
-                <a:satOff val="0"/>
-                <a:lumOff val="0"/>
-                <a:alphaOff val="0"/>
-                <a:shade val="94000"/>
-                <a:lumMod val="94000"/>
-              </a:schemeClr>
-            </a:gs>
-          </a:gsLst>
-          <a:lin ang="5400000" scaled="0"/>
-        </a:gradFill>
-        <a:ln>
-          <a:noFill/>
-        </a:ln>
-        <a:effectLst>
-          <a:outerShdw blurRad="38100" dist="25400" dir="5400000" rotWithShape="0">
-            <a:srgbClr val="000000">
-              <a:alpha val="35000"/>
-            </a:srgbClr>
-          </a:outerShdw>
-        </a:effectLst>
-        <a:scene3d>
-          <a:camera prst="orthographicFront"/>
-          <a:lightRig rig="flat" dir="t"/>
-        </a:scene3d>
-        <a:sp3d z="-190500" prstMaterial="plastic">
-          <a:bevelT w="88900" h="88900"/>
-          <a:bevelB w="88900" h="31750" prst="angle"/>
-        </a:sp3d>
-      </dsp:spPr>
-      <dsp:style>
-        <a:lnRef idx="0">
-          <a:scrgbClr r="0" g="0" b="0"/>
-        </a:lnRef>
-        <a:fillRef idx="3">
-          <a:scrgbClr r="0" g="0" b="0"/>
-        </a:fillRef>
-        <a:effectRef idx="2">
-          <a:scrgbClr r="0" g="0" b="0"/>
-        </a:effectRef>
-        <a:fontRef idx="minor"/>
-      </dsp:style>
-    </dsp:sp>
-    <dsp:sp modelId="{8B05FC8A-D04E-413B-A043-2F428997AC55}">
-      <dsp:nvSpPr>
-        <dsp:cNvPr id="0" name=""/>
-        <dsp:cNvSpPr/>
-      </dsp:nvSpPr>
-      <dsp:spPr>
-        <a:xfrm>
-          <a:off x="1414272" y="1877758"/>
-          <a:ext cx="4925568" cy="4689487"/>
-        </a:xfrm>
-        <a:prstGeom prst="rect">
-          <a:avLst/>
-        </a:prstGeom>
-        <a:noFill/>
-        <a:ln>
-          <a:noFill/>
-        </a:ln>
-        <a:effectLst/>
-      </dsp:spPr>
-      <dsp:style>
-        <a:lnRef idx="0">
-          <a:scrgbClr r="0" g="0" b="0"/>
-        </a:lnRef>
-        <a:fillRef idx="0">
-          <a:scrgbClr r="0" g="0" b="0"/>
-        </a:fillRef>
-        <a:effectRef idx="0">
-          <a:scrgbClr r="0" g="0" b="0"/>
-        </a:effectRef>
-        <a:fontRef idx="minor"/>
-      </dsp:style>
-      <dsp:txBody>
-        <a:bodyPr spcFirstLastPara="0" vert="horz" wrap="square" lIns="123825" tIns="123825" rIns="123825" bIns="123825" numCol="1" spcCol="1270" anchor="t" anchorCtr="0">
-          <a:noAutofit/>
-        </a:bodyPr>
-        <a:lstStyle/>
-        <a:p>
-          <a:pPr lvl="0" algn="l" defTabSz="2889250">
-            <a:lnSpc>
-              <a:spcPct val="90000"/>
-            </a:lnSpc>
-            <a:spcBef>
-              <a:spcPct val="0"/>
-            </a:spcBef>
-            <a:spcAft>
-              <a:spcPct val="35000"/>
-            </a:spcAft>
-          </a:pPr>
-          <a:endParaRPr lang="en-US" sz="6500" kern="1200" dirty="0"/>
-        </a:p>
-      </dsp:txBody>
-      <dsp:txXfrm>
-        <a:off x="1414272" y="1877758"/>
-        <a:ext cx="4925568" cy="4689487"/>
-      </dsp:txXfrm>
-    </dsp:sp>
-    <dsp:sp modelId="{A6855993-FE5C-4C98-9F4C-4567B096CD98}">
-      <dsp:nvSpPr>
-        <dsp:cNvPr id="0" name=""/>
-        <dsp:cNvSpPr/>
-      </dsp:nvSpPr>
-      <dsp:spPr>
-        <a:xfrm>
-          <a:off x="6449568" y="1877758"/>
-          <a:ext cx="4925568" cy="4689487"/>
-        </a:xfrm>
-        <a:prstGeom prst="rect">
-          <a:avLst/>
-        </a:prstGeom>
-        <a:noFill/>
-        <a:ln>
-          <a:noFill/>
-        </a:ln>
-        <a:effectLst/>
-      </dsp:spPr>
-      <dsp:style>
-        <a:lnRef idx="0">
-          <a:scrgbClr r="0" g="0" b="0"/>
-        </a:lnRef>
-        <a:fillRef idx="0">
-          <a:scrgbClr r="0" g="0" b="0"/>
-        </a:fillRef>
-        <a:effectRef idx="0">
-          <a:scrgbClr r="0" g="0" b="0"/>
-        </a:effectRef>
-        <a:fontRef idx="minor"/>
-      </dsp:style>
-    </dsp:sp>
-    <dsp:sp modelId="{156BB2D8-860E-4A76-8557-1869C21A1740}">
-      <dsp:nvSpPr>
-        <dsp:cNvPr id="0" name=""/>
-        <dsp:cNvSpPr/>
-      </dsp:nvSpPr>
-      <dsp:spPr>
-        <a:xfrm>
-          <a:off x="0" y="139673"/>
-          <a:ext cx="2072640" cy="2072640"/>
-        </a:xfrm>
-        <a:prstGeom prst="plus">
-          <a:avLst>
-            <a:gd name="adj" fmla="val 32810"/>
-          </a:avLst>
-        </a:prstGeom>
-        <a:gradFill rotWithShape="0">
-          <a:gsLst>
-            <a:gs pos="0">
-              <a:schemeClr val="accent2">
-                <a:hueOff val="0"/>
-                <a:satOff val="0"/>
-                <a:lumOff val="0"/>
-                <a:alphaOff val="0"/>
-                <a:tint val="96000"/>
-                <a:lumMod val="100000"/>
-              </a:schemeClr>
-            </a:gs>
-            <a:gs pos="78000">
-              <a:schemeClr val="accent2">
-                <a:hueOff val="0"/>
-                <a:satOff val="0"/>
-                <a:lumOff val="0"/>
-                <a:alphaOff val="0"/>
-                <a:shade val="94000"/>
-                <a:lumMod val="94000"/>
-              </a:schemeClr>
-            </a:gs>
-          </a:gsLst>
-          <a:lin ang="5400000" scaled="0"/>
-        </a:gradFill>
-        <a:ln w="12700" cap="rnd" cmpd="sng" algn="ctr">
-          <a:solidFill>
-            <a:schemeClr val="accent2">
-              <a:hueOff val="0"/>
-              <a:satOff val="0"/>
-              <a:lumOff val="0"/>
-              <a:alphaOff val="0"/>
-            </a:schemeClr>
-          </a:solidFill>
-          <a:prstDash val="solid"/>
-        </a:ln>
-        <a:effectLst>
-          <a:outerShdw blurRad="38100" dist="25400" dir="5400000" rotWithShape="0">
-            <a:srgbClr val="000000">
-              <a:alpha val="35000"/>
-            </a:srgbClr>
-          </a:outerShdw>
-        </a:effectLst>
-        <a:scene3d>
-          <a:camera prst="orthographicFront"/>
-          <a:lightRig rig="flat" dir="t"/>
-        </a:scene3d>
-        <a:sp3d prstMaterial="plastic">
-          <a:bevelT w="120900" h="88900"/>
-          <a:bevelB w="88900" h="31750" prst="angle"/>
-        </a:sp3d>
-      </dsp:spPr>
-      <dsp:style>
-        <a:lnRef idx="1">
-          <a:scrgbClr r="0" g="0" b="0"/>
-        </a:lnRef>
-        <a:fillRef idx="3">
-          <a:scrgbClr r="0" g="0" b="0"/>
-        </a:fillRef>
-        <a:effectRef idx="2">
-          <a:scrgbClr r="0" g="0" b="0"/>
-        </a:effectRef>
-        <a:fontRef idx="minor">
-          <a:schemeClr val="lt1"/>
-        </a:fontRef>
-      </dsp:style>
-    </dsp:sp>
-    <dsp:sp modelId="{1D9745D4-6AB3-43C8-B419-2C51AFB59607}">
-      <dsp:nvSpPr>
-        <dsp:cNvPr id="0" name=""/>
-        <dsp:cNvSpPr/>
-      </dsp:nvSpPr>
-      <dsp:spPr>
-        <a:xfrm>
-          <a:off x="10241280" y="885044"/>
-          <a:ext cx="1950720" cy="668494"/>
-        </a:xfrm>
-        <a:prstGeom prst="rect">
-          <a:avLst/>
-        </a:prstGeom>
-        <a:gradFill rotWithShape="0">
-          <a:gsLst>
-            <a:gs pos="0">
-              <a:schemeClr val="accent3">
-                <a:hueOff val="0"/>
-                <a:satOff val="0"/>
-                <a:lumOff val="0"/>
-                <a:alphaOff val="0"/>
-                <a:tint val="96000"/>
-                <a:lumMod val="100000"/>
-              </a:schemeClr>
-            </a:gs>
-            <a:gs pos="78000">
-              <a:schemeClr val="accent3">
-                <a:hueOff val="0"/>
-                <a:satOff val="0"/>
-                <a:lumOff val="0"/>
-                <a:alphaOff val="0"/>
-                <a:shade val="94000"/>
-                <a:lumMod val="94000"/>
-              </a:schemeClr>
-            </a:gs>
-          </a:gsLst>
-          <a:lin ang="5400000" scaled="0"/>
-        </a:gradFill>
-        <a:ln w="12700" cap="rnd" cmpd="sng" algn="ctr">
-          <a:solidFill>
-            <a:schemeClr val="accent3">
-              <a:hueOff val="0"/>
-              <a:satOff val="0"/>
-              <a:lumOff val="0"/>
-              <a:alphaOff val="0"/>
-            </a:schemeClr>
-          </a:solidFill>
-          <a:prstDash val="solid"/>
-        </a:ln>
-        <a:effectLst>
-          <a:outerShdw blurRad="38100" dist="25400" dir="5400000" rotWithShape="0">
-            <a:srgbClr val="000000">
-              <a:alpha val="35000"/>
-            </a:srgbClr>
-          </a:outerShdw>
-        </a:effectLst>
-        <a:scene3d>
-          <a:camera prst="orthographicFront"/>
-          <a:lightRig rig="flat" dir="t"/>
-        </a:scene3d>
-        <a:sp3d prstMaterial="plastic">
-          <a:bevelT w="120900" h="88900"/>
-          <a:bevelB w="88900" h="31750" prst="angle"/>
-        </a:sp3d>
-      </dsp:spPr>
-      <dsp:style>
-        <a:lnRef idx="1">
-          <a:scrgbClr r="0" g="0" b="0"/>
-        </a:lnRef>
-        <a:fillRef idx="3">
-          <a:scrgbClr r="0" g="0" b="0"/>
-        </a:fillRef>
-        <a:effectRef idx="2">
-          <a:scrgbClr r="0" g="0" b="0"/>
-        </a:effectRef>
-        <a:fontRef idx="minor">
-          <a:schemeClr val="lt1"/>
-        </a:fontRef>
-      </dsp:style>
-    </dsp:sp>
-    <dsp:sp modelId="{CAC7DF6A-D519-4E69-B7A3-7DA48CA238B9}">
-      <dsp:nvSpPr>
-        <dsp:cNvPr id="0" name=""/>
-        <dsp:cNvSpPr/>
-      </dsp:nvSpPr>
-      <dsp:spPr>
-        <a:xfrm>
-          <a:off x="6400800" y="1887786"/>
-          <a:ext cx="1219" cy="4478912"/>
-        </a:xfrm>
-        <a:prstGeom prst="line">
-          <a:avLst/>
-        </a:prstGeom>
-        <a:noFill/>
-        <a:ln w="19050" cap="rnd" cmpd="sng" algn="ctr">
-          <a:solidFill>
-            <a:schemeClr val="accent1">
-              <a:hueOff val="0"/>
-              <a:satOff val="0"/>
-              <a:lumOff val="0"/>
-              <a:alphaOff val="0"/>
-            </a:schemeClr>
-          </a:solidFill>
-          <a:prstDash val="solid"/>
-        </a:ln>
-        <a:effectLst/>
-        <a:scene3d>
-          <a:camera prst="orthographicFront"/>
-          <a:lightRig rig="flat" dir="t"/>
-        </a:scene3d>
-        <a:sp3d prstMaterial="matte"/>
-      </dsp:spPr>
-      <dsp:style>
-        <a:lnRef idx="2">
-          <a:scrgbClr r="0" g="0" b="0"/>
-        </a:lnRef>
-        <a:fillRef idx="0">
-          <a:scrgbClr r="0" g="0" b="0"/>
-        </a:fillRef>
-        <a:effectRef idx="0">
-          <a:scrgbClr r="0" g="0" b="0"/>
-        </a:effectRef>
-        <a:fontRef idx="minor"/>
-      </dsp:style>
-    </dsp:sp>
   </dsp:spTree>
 </dsp:drawing>
 </file>
@@ -8291,226 +7923,6 @@
       <dsp:cNvGrpSpPr/>
     </dsp:nvGrpSpPr>
     <dsp:grpSpPr/>
-    <dsp:sp modelId="{3F152DA9-3FDF-4873-A49F-8049C0B4BEF7}">
-      <dsp:nvSpPr>
-        <dsp:cNvPr id="0" name=""/>
-        <dsp:cNvSpPr/>
-      </dsp:nvSpPr>
-      <dsp:spPr>
-        <a:xfrm>
-          <a:off x="456537" y="1654"/>
-          <a:ext cx="3658611" cy="2520783"/>
-        </a:xfrm>
-        <a:prstGeom prst="roundRect">
-          <a:avLst/>
-        </a:prstGeom>
-        <a:blipFill>
-          <a:blip xmlns:r="http://schemas.openxmlformats.org/officeDocument/2006/relationships" r:embed="rId1">
-            <a:extLst>
-              <a:ext uri="{28A0092B-C50C-407E-A947-70E740481C1C}">
-                <a14:useLocalDpi xmlns:a14="http://schemas.microsoft.com/office/drawing/2010/main" val="0"/>
-              </a:ext>
-            </a:extLst>
-          </a:blip>
-          <a:srcRect/>
-          <a:stretch>
-            <a:fillRect t="-23000" b="-23000"/>
-          </a:stretch>
-        </a:blipFill>
-        <a:ln w="19050" cap="rnd" cmpd="sng" algn="ctr">
-          <a:solidFill>
-            <a:schemeClr val="lt1">
-              <a:hueOff val="0"/>
-              <a:satOff val="0"/>
-              <a:lumOff val="0"/>
-              <a:alphaOff val="0"/>
-            </a:schemeClr>
-          </a:solidFill>
-          <a:prstDash val="solid"/>
-        </a:ln>
-        <a:effectLst/>
-      </dsp:spPr>
-      <dsp:style>
-        <a:lnRef idx="2">
-          <a:scrgbClr r="0" g="0" b="0"/>
-        </a:lnRef>
-        <a:fillRef idx="1">
-          <a:scrgbClr r="0" g="0" b="0"/>
-        </a:fillRef>
-        <a:effectRef idx="0">
-          <a:scrgbClr r="0" g="0" b="0"/>
-        </a:effectRef>
-        <a:fontRef idx="minor">
-          <a:schemeClr val="lt1"/>
-        </a:fontRef>
-      </dsp:style>
-    </dsp:sp>
-    <dsp:sp modelId="{3243D8B0-218F-4FC3-9EBC-CE3A4657CDCE}">
-      <dsp:nvSpPr>
-        <dsp:cNvPr id="0" name=""/>
-        <dsp:cNvSpPr/>
-      </dsp:nvSpPr>
-      <dsp:spPr>
-        <a:xfrm>
-          <a:off x="456537" y="2522437"/>
-          <a:ext cx="3658611" cy="1357344"/>
-        </a:xfrm>
-        <a:prstGeom prst="rect">
-          <a:avLst/>
-        </a:prstGeom>
-        <a:noFill/>
-        <a:ln>
-          <a:noFill/>
-        </a:ln>
-        <a:effectLst/>
-      </dsp:spPr>
-      <dsp:style>
-        <a:lnRef idx="0">
-          <a:scrgbClr r="0" g="0" b="0"/>
-        </a:lnRef>
-        <a:fillRef idx="0">
-          <a:scrgbClr r="0" g="0" b="0"/>
-        </a:fillRef>
-        <a:effectRef idx="0">
-          <a:scrgbClr r="0" g="0" b="0"/>
-        </a:effectRef>
-        <a:fontRef idx="minor"/>
-      </dsp:style>
-      <dsp:txBody>
-        <a:bodyPr spcFirstLastPara="0" vert="horz" wrap="square" lIns="462280" tIns="462280" rIns="462280" bIns="0" numCol="1" spcCol="1270" anchor="t" anchorCtr="0">
-          <a:noAutofit/>
-        </a:bodyPr>
-        <a:lstStyle/>
-        <a:p>
-          <a:pPr lvl="0" algn="ctr" defTabSz="2889250">
-            <a:lnSpc>
-              <a:spcPct val="90000"/>
-            </a:lnSpc>
-            <a:spcBef>
-              <a:spcPct val="0"/>
-            </a:spcBef>
-            <a:spcAft>
-              <a:spcPct val="35000"/>
-            </a:spcAft>
-          </a:pPr>
-          <a:endParaRPr lang="en-GB" sz="6500" kern="1200" dirty="0"/>
-        </a:p>
-      </dsp:txBody>
-      <dsp:txXfrm>
-        <a:off x="456537" y="2522437"/>
-        <a:ext cx="3658611" cy="1357344"/>
-      </dsp:txXfrm>
-    </dsp:sp>
-    <dsp:sp modelId="{85A45D3A-EBA4-4FC5-8EF5-EBCCFCE559F3}">
-      <dsp:nvSpPr>
-        <dsp:cNvPr id="0" name=""/>
-        <dsp:cNvSpPr/>
-      </dsp:nvSpPr>
-      <dsp:spPr>
-        <a:xfrm>
-          <a:off x="4481163" y="1654"/>
-          <a:ext cx="3658611" cy="2520783"/>
-        </a:xfrm>
-        <a:prstGeom prst="roundRect">
-          <a:avLst/>
-        </a:prstGeom>
-        <a:blipFill>
-          <a:blip xmlns:r="http://schemas.openxmlformats.org/officeDocument/2006/relationships" r:embed="rId2">
-            <a:extLst>
-              <a:ext uri="{28A0092B-C50C-407E-A947-70E740481C1C}">
-                <a14:useLocalDpi xmlns:a14="http://schemas.microsoft.com/office/drawing/2010/main" val="0"/>
-              </a:ext>
-            </a:extLst>
-          </a:blip>
-          <a:srcRect/>
-          <a:stretch>
-            <a:fillRect t="-24000" b="-24000"/>
-          </a:stretch>
-        </a:blipFill>
-        <a:ln w="19050" cap="rnd" cmpd="sng" algn="ctr">
-          <a:solidFill>
-            <a:schemeClr val="lt1">
-              <a:hueOff val="0"/>
-              <a:satOff val="0"/>
-              <a:lumOff val="0"/>
-              <a:alphaOff val="0"/>
-            </a:schemeClr>
-          </a:solidFill>
-          <a:prstDash val="solid"/>
-        </a:ln>
-        <a:effectLst/>
-      </dsp:spPr>
-      <dsp:style>
-        <a:lnRef idx="2">
-          <a:scrgbClr r="0" g="0" b="0"/>
-        </a:lnRef>
-        <a:fillRef idx="1">
-          <a:scrgbClr r="0" g="0" b="0"/>
-        </a:fillRef>
-        <a:effectRef idx="0">
-          <a:scrgbClr r="0" g="0" b="0"/>
-        </a:effectRef>
-        <a:fontRef idx="minor">
-          <a:schemeClr val="lt1"/>
-        </a:fontRef>
-      </dsp:style>
-    </dsp:sp>
-    <dsp:sp modelId="{F76790B2-0C34-4DDC-AC4C-558B90BE42D0}">
-      <dsp:nvSpPr>
-        <dsp:cNvPr id="0" name=""/>
-        <dsp:cNvSpPr/>
-      </dsp:nvSpPr>
-      <dsp:spPr>
-        <a:xfrm>
-          <a:off x="4481163" y="2522437"/>
-          <a:ext cx="3658611" cy="1357344"/>
-        </a:xfrm>
-        <a:prstGeom prst="rect">
-          <a:avLst/>
-        </a:prstGeom>
-        <a:noFill/>
-        <a:ln>
-          <a:noFill/>
-        </a:ln>
-        <a:effectLst/>
-      </dsp:spPr>
-      <dsp:style>
-        <a:lnRef idx="0">
-          <a:scrgbClr r="0" g="0" b="0"/>
-        </a:lnRef>
-        <a:fillRef idx="0">
-          <a:scrgbClr r="0" g="0" b="0"/>
-        </a:fillRef>
-        <a:effectRef idx="0">
-          <a:scrgbClr r="0" g="0" b="0"/>
-        </a:effectRef>
-        <a:fontRef idx="minor"/>
-      </dsp:style>
-      <dsp:txBody>
-        <a:bodyPr spcFirstLastPara="0" vert="horz" wrap="square" lIns="462280" tIns="462280" rIns="462280" bIns="0" numCol="1" spcCol="1270" anchor="t" anchorCtr="0">
-          <a:noAutofit/>
-        </a:bodyPr>
-        <a:lstStyle/>
-        <a:p>
-          <a:pPr lvl="0" algn="ctr" defTabSz="2889250">
-            <a:lnSpc>
-              <a:spcPct val="90000"/>
-            </a:lnSpc>
-            <a:spcBef>
-              <a:spcPct val="0"/>
-            </a:spcBef>
-            <a:spcAft>
-              <a:spcPct val="35000"/>
-            </a:spcAft>
-          </a:pPr>
-          <a:endParaRPr lang="en-GB" sz="6500" kern="1200" dirty="0"/>
-        </a:p>
-      </dsp:txBody>
-      <dsp:txXfrm>
-        <a:off x="4481163" y="2522437"/>
-        <a:ext cx="3658611" cy="1357344"/>
-      </dsp:txXfrm>
-    </dsp:sp>
   </dsp:spTree>
 </dsp:drawing>
 </file>
@@ -21738,84 +21150,6 @@
           <a:chExt cx="0" cy="0"/>
         </a:xfrm>
       </p:grpSpPr>
-      <p:pic>
-        <p:nvPicPr>
-          <p:cNvPr id="6" name="Content Placeholder 5"/>
-          <p:cNvPicPr>
-            <a:picLocks noGrp="1" noChangeAspect="1"/>
-          </p:cNvPicPr>
-          <p:nvPr>
-            <p:ph idx="1"/>
-          </p:nvPr>
-        </p:nvPicPr>
-        <p:blipFill>
-          <a:blip r:embed="rId2">
-            <a:extLst>
-              <a:ext uri="{28A0092B-C50C-407E-A947-70E740481C1C}">
-                <a14:useLocalDpi xmlns:a14="http://schemas.microsoft.com/office/drawing/2010/main" val="0"/>
-              </a:ext>
-            </a:extLst>
-          </a:blip>
-          <a:stretch>
-            <a:fillRect/>
-          </a:stretch>
-        </p:blipFill>
-        <p:spPr>
-          <a:xfrm>
-            <a:off x="4155282" y="1488282"/>
-            <a:ext cx="3881437" cy="3881437"/>
-          </a:xfrm>
-        </p:spPr>
-      </p:pic>
-    </p:spTree>
-    <p:extLst>
-      <p:ext uri="{BB962C8B-B14F-4D97-AF65-F5344CB8AC3E}">
-        <p14:creationId xmlns:p14="http://schemas.microsoft.com/office/powerpoint/2010/main" val="3446547924"/>
-      </p:ext>
-    </p:extLst>
-  </p:cSld>
-  <p:clrMapOvr>
-    <a:masterClrMapping/>
-  </p:clrMapOvr>
-  <mc:AlternateContent xmlns:mc="http://schemas.openxmlformats.org/markup-compatibility/2006" xmlns:p14="http://schemas.microsoft.com/office/powerpoint/2010/main">
-    <mc:Choice Requires="p14">
-      <p:transition spd="slow" p14:dur="2500">
-        <p:checker/>
-      </p:transition>
-    </mc:Choice>
-    <mc:Fallback xmlns="">
-      <p:transition spd="slow">
-        <p:checker/>
-      </p:transition>
-    </mc:Fallback>
-  </mc:AlternateContent>
-  <p:timing>
-    <p:tnLst>
-      <p:par>
-        <p:cTn id="1" dur="indefinite" restart="never" nodeType="tmRoot"/>
-      </p:par>
-    </p:tnLst>
-  </p:timing>
-</p:sld>
-</file>
-
-<file path=ppt/slides/slide11.xml><?xml version="1.0" encoding="utf-8"?>
-<p:sld xmlns:a="http://schemas.openxmlformats.org/drawingml/2006/main" xmlns:r="http://schemas.openxmlformats.org/officeDocument/2006/relationships" xmlns:p="http://schemas.openxmlformats.org/presentationml/2006/main">
-  <p:cSld>
-    <p:spTree>
-      <p:nvGrpSpPr>
-        <p:cNvPr id="1" name=""/>
-        <p:cNvGrpSpPr/>
-        <p:nvPr/>
-      </p:nvGrpSpPr>
-      <p:grpSpPr>
-        <a:xfrm>
-          <a:off x="0" y="0"/>
-          <a:ext cx="0" cy="0"/>
-          <a:chOff x="0" y="0"/>
-          <a:chExt cx="0" cy="0"/>
-        </a:xfrm>
-      </p:grpSpPr>
       <p:sp>
         <p:nvSpPr>
           <p:cNvPr id="2" name="Title 1"/>
@@ -22519,7 +21853,7 @@
 </p:sld>
 </file>
 
-<file path=ppt/slides/slide12.xml><?xml version="1.0" encoding="utf-8"?>
+<file path=ppt/slides/slide11.xml><?xml version="1.0" encoding="utf-8"?>
 <p:sld xmlns:a="http://schemas.openxmlformats.org/drawingml/2006/main" xmlns:r="http://schemas.openxmlformats.org/officeDocument/2006/relationships" xmlns:p="http://schemas.openxmlformats.org/presentationml/2006/main">
   <p:cSld>
     <p:spTree>
@@ -23028,7 +22362,7 @@
 </p:sld>
 </file>
 
-<file path=ppt/slides/slide13.xml><?xml version="1.0" encoding="utf-8"?>
+<file path=ppt/slides/slide12.xml><?xml version="1.0" encoding="utf-8"?>
 <p:sld xmlns:a="http://schemas.openxmlformats.org/drawingml/2006/main" xmlns:r="http://schemas.openxmlformats.org/officeDocument/2006/relationships" xmlns:p="http://schemas.openxmlformats.org/presentationml/2006/main">
   <p:cSld>
     <p:spTree>
@@ -23068,25 +22402,1222 @@
           </a:p>
         </p:txBody>
       </p:sp>
+      <p:pic>
+        <p:nvPicPr>
+          <p:cNvPr id="6" name="Picture 5"/>
+          <p:cNvPicPr>
+            <a:picLocks noChangeAspect="1"/>
+          </p:cNvPicPr>
+          <p:nvPr/>
+        </p:nvPicPr>
+        <p:blipFill>
+          <a:blip r:embed="rId2" cstate="print">
+            <a:extLst>
+              <a:ext uri="{28A0092B-C50C-407E-A947-70E740481C1C}">
+                <a14:useLocalDpi xmlns:a14="http://schemas.microsoft.com/office/drawing/2010/main" val="0"/>
+              </a:ext>
+            </a:extLst>
+          </a:blip>
+          <a:stretch>
+            <a:fillRect/>
+          </a:stretch>
+        </p:blipFill>
+        <p:spPr>
+          <a:xfrm>
+            <a:off x="678398" y="3308797"/>
+            <a:ext cx="914400" cy="914400"/>
+          </a:xfrm>
+          <a:prstGeom prst="rect">
+            <a:avLst/>
+          </a:prstGeom>
+        </p:spPr>
+      </p:pic>
+      <p:pic>
+        <p:nvPicPr>
+          <p:cNvPr id="7" name="Picture 6"/>
+          <p:cNvPicPr>
+            <a:picLocks noChangeAspect="1"/>
+          </p:cNvPicPr>
+          <p:nvPr/>
+        </p:nvPicPr>
+        <p:blipFill>
+          <a:blip r:embed="rId3" cstate="print">
+            <a:extLst>
+              <a:ext uri="{28A0092B-C50C-407E-A947-70E740481C1C}">
+                <a14:useLocalDpi xmlns:a14="http://schemas.microsoft.com/office/drawing/2010/main" val="0"/>
+              </a:ext>
+            </a:extLst>
+          </a:blip>
+          <a:stretch>
+            <a:fillRect/>
+          </a:stretch>
+        </p:blipFill>
+        <p:spPr>
+          <a:xfrm>
+            <a:off x="6569656" y="3308797"/>
+            <a:ext cx="914400" cy="914400"/>
+          </a:xfrm>
+          <a:prstGeom prst="rect">
+            <a:avLst/>
+          </a:prstGeom>
+        </p:spPr>
+      </p:pic>
+      <p:pic>
+        <p:nvPicPr>
+          <p:cNvPr id="8" name="Picture 7"/>
+          <p:cNvPicPr>
+            <a:picLocks noChangeAspect="1"/>
+          </p:cNvPicPr>
+          <p:nvPr/>
+        </p:nvPicPr>
+        <p:blipFill>
+          <a:blip r:embed="rId4" cstate="print">
+            <a:extLst>
+              <a:ext uri="{28A0092B-C50C-407E-A947-70E740481C1C}">
+                <a14:useLocalDpi xmlns:a14="http://schemas.microsoft.com/office/drawing/2010/main" val="0"/>
+              </a:ext>
+            </a:extLst>
+          </a:blip>
+          <a:stretch>
+            <a:fillRect/>
+          </a:stretch>
+        </p:blipFill>
+        <p:spPr>
+          <a:xfrm>
+            <a:off x="9491729" y="3308797"/>
+            <a:ext cx="914400" cy="914400"/>
+          </a:xfrm>
+          <a:prstGeom prst="rect">
+            <a:avLst/>
+          </a:prstGeom>
+        </p:spPr>
+      </p:pic>
+      <p:pic>
+        <p:nvPicPr>
+          <p:cNvPr id="10" name="Picture 9"/>
+          <p:cNvPicPr>
+            <a:picLocks noChangeAspect="1"/>
+          </p:cNvPicPr>
+          <p:nvPr/>
+        </p:nvPicPr>
+        <p:blipFill>
+          <a:blip r:embed="rId5" cstate="print">
+            <a:extLst>
+              <a:ext uri="{28A0092B-C50C-407E-A947-70E740481C1C}">
+                <a14:useLocalDpi xmlns:a14="http://schemas.microsoft.com/office/drawing/2010/main" val="0"/>
+              </a:ext>
+            </a:extLst>
+          </a:blip>
+          <a:stretch>
+            <a:fillRect/>
+          </a:stretch>
+        </p:blipFill>
+        <p:spPr>
+          <a:xfrm>
+            <a:off x="6569656" y="5387461"/>
+            <a:ext cx="914400" cy="914400"/>
+          </a:xfrm>
+          <a:prstGeom prst="rect">
+            <a:avLst/>
+          </a:prstGeom>
+        </p:spPr>
+      </p:pic>
+      <p:cxnSp>
+        <p:nvCxnSpPr>
+          <p:cNvPr id="11" name="Straight Arrow Connector 10"/>
+          <p:cNvCxnSpPr>
+            <a:stCxn id="43" idx="3"/>
+          </p:cNvCxnSpPr>
+          <p:nvPr/>
+        </p:nvCxnSpPr>
+        <p:spPr>
+          <a:xfrm>
+            <a:off x="1591734" y="2030211"/>
+            <a:ext cx="1769652" cy="0"/>
+          </a:xfrm>
+          <a:prstGeom prst="straightConnector1">
+            <a:avLst/>
+          </a:prstGeom>
+          <a:ln w="38100">
+            <a:solidFill>
+              <a:schemeClr val="accent1"/>
+            </a:solidFill>
+            <a:tailEnd type="triangle"/>
+          </a:ln>
+        </p:spPr>
+        <p:style>
+          <a:lnRef idx="1">
+            <a:schemeClr val="accent1"/>
+          </a:lnRef>
+          <a:fillRef idx="0">
+            <a:schemeClr val="accent1"/>
+          </a:fillRef>
+          <a:effectRef idx="0">
+            <a:schemeClr val="accent1"/>
+          </a:effectRef>
+          <a:fontRef idx="minor">
+            <a:schemeClr val="tx1"/>
+          </a:fontRef>
+        </p:style>
+      </p:cxnSp>
+      <p:cxnSp>
+        <p:nvCxnSpPr>
+          <p:cNvPr id="12" name="Straight Arrow Connector 11"/>
+          <p:cNvCxnSpPr>
+            <a:endCxn id="32" idx="0"/>
+          </p:cNvCxnSpPr>
+          <p:nvPr/>
+        </p:nvCxnSpPr>
+        <p:spPr>
+          <a:xfrm>
+            <a:off x="3818586" y="2487411"/>
+            <a:ext cx="0" cy="788907"/>
+          </a:xfrm>
+          <a:prstGeom prst="straightConnector1">
+            <a:avLst/>
+          </a:prstGeom>
+          <a:ln w="38100">
+            <a:tailEnd type="triangle"/>
+          </a:ln>
+        </p:spPr>
+        <p:style>
+          <a:lnRef idx="1">
+            <a:schemeClr val="accent1"/>
+          </a:lnRef>
+          <a:fillRef idx="0">
+            <a:schemeClr val="accent1"/>
+          </a:fillRef>
+          <a:effectRef idx="0">
+            <a:schemeClr val="accent1"/>
+          </a:effectRef>
+          <a:fontRef idx="minor">
+            <a:schemeClr val="tx1"/>
+          </a:fontRef>
+        </p:style>
+      </p:cxnSp>
+      <p:cxnSp>
+        <p:nvCxnSpPr>
+          <p:cNvPr id="14" name="Straight Arrow Connector 13"/>
+          <p:cNvCxnSpPr>
+            <a:endCxn id="6" idx="3"/>
+          </p:cNvCxnSpPr>
+          <p:nvPr/>
+        </p:nvCxnSpPr>
+        <p:spPr>
+          <a:xfrm flipH="1">
+            <a:off x="1592798" y="3765997"/>
+            <a:ext cx="1768588" cy="0"/>
+          </a:xfrm>
+          <a:prstGeom prst="straightConnector1">
+            <a:avLst/>
+          </a:prstGeom>
+          <a:ln w="38100">
+            <a:tailEnd type="triangle"/>
+          </a:ln>
+        </p:spPr>
+        <p:style>
+          <a:lnRef idx="1">
+            <a:schemeClr val="accent1"/>
+          </a:lnRef>
+          <a:fillRef idx="0">
+            <a:schemeClr val="accent1"/>
+          </a:fillRef>
+          <a:effectRef idx="0">
+            <a:schemeClr val="accent1"/>
+          </a:effectRef>
+          <a:fontRef idx="minor">
+            <a:schemeClr val="tx1"/>
+          </a:fontRef>
+        </p:style>
+      </p:cxnSp>
+      <p:cxnSp>
+        <p:nvCxnSpPr>
+          <p:cNvPr id="15" name="Straight Arrow Connector 14"/>
+          <p:cNvCxnSpPr/>
+          <p:nvPr/>
+        </p:nvCxnSpPr>
+        <p:spPr>
+          <a:xfrm>
+            <a:off x="4275786" y="3495541"/>
+            <a:ext cx="2293870" cy="0"/>
+          </a:xfrm>
+          <a:prstGeom prst="straightConnector1">
+            <a:avLst/>
+          </a:prstGeom>
+          <a:ln w="38100">
+            <a:tailEnd type="triangle"/>
+          </a:ln>
+        </p:spPr>
+        <p:style>
+          <a:lnRef idx="1">
+            <a:schemeClr val="accent1"/>
+          </a:lnRef>
+          <a:fillRef idx="0">
+            <a:schemeClr val="accent1"/>
+          </a:fillRef>
+          <a:effectRef idx="0">
+            <a:schemeClr val="accent1"/>
+          </a:effectRef>
+          <a:fontRef idx="minor">
+            <a:schemeClr val="tx1"/>
+          </a:fontRef>
+        </p:style>
+      </p:cxnSp>
+      <p:cxnSp>
+        <p:nvCxnSpPr>
+          <p:cNvPr id="16" name="Straight Arrow Connector 15"/>
+          <p:cNvCxnSpPr/>
+          <p:nvPr/>
+        </p:nvCxnSpPr>
+        <p:spPr>
+          <a:xfrm>
+            <a:off x="4275786" y="3997816"/>
+            <a:ext cx="2293870" cy="0"/>
+          </a:xfrm>
+          <a:prstGeom prst="straightConnector1">
+            <a:avLst/>
+          </a:prstGeom>
+          <a:ln w="38100">
+            <a:tailEnd type="triangle"/>
+          </a:ln>
+        </p:spPr>
+        <p:style>
+          <a:lnRef idx="1">
+            <a:schemeClr val="accent1"/>
+          </a:lnRef>
+          <a:fillRef idx="0">
+            <a:schemeClr val="accent1"/>
+          </a:fillRef>
+          <a:effectRef idx="0">
+            <a:schemeClr val="accent1"/>
+          </a:effectRef>
+          <a:fontRef idx="minor">
+            <a:schemeClr val="tx1"/>
+          </a:fontRef>
+        </p:style>
+      </p:cxnSp>
+      <p:cxnSp>
+        <p:nvCxnSpPr>
+          <p:cNvPr id="17" name="Straight Arrow Connector 16"/>
+          <p:cNvCxnSpPr>
+            <a:stCxn id="7" idx="3"/>
+            <a:endCxn id="8" idx="1"/>
+          </p:cNvCxnSpPr>
+          <p:nvPr/>
+        </p:nvCxnSpPr>
+        <p:spPr>
+          <a:xfrm>
+            <a:off x="7484056" y="3765997"/>
+            <a:ext cx="2007673" cy="0"/>
+          </a:xfrm>
+          <a:prstGeom prst="straightConnector1">
+            <a:avLst/>
+          </a:prstGeom>
+          <a:ln w="38100">
+            <a:tailEnd type="triangle"/>
+          </a:ln>
+        </p:spPr>
+        <p:style>
+          <a:lnRef idx="1">
+            <a:schemeClr val="accent1"/>
+          </a:lnRef>
+          <a:fillRef idx="0">
+            <a:schemeClr val="accent1"/>
+          </a:fillRef>
+          <a:effectRef idx="0">
+            <a:schemeClr val="accent1"/>
+          </a:effectRef>
+          <a:fontRef idx="minor">
+            <a:schemeClr val="tx1"/>
+          </a:fontRef>
+        </p:style>
+      </p:cxnSp>
+      <p:cxnSp>
+        <p:nvCxnSpPr>
+          <p:cNvPr id="18" name="Straight Arrow Connector 17"/>
+          <p:cNvCxnSpPr>
+            <a:stCxn id="46" idx="3"/>
+          </p:cNvCxnSpPr>
+          <p:nvPr/>
+        </p:nvCxnSpPr>
+        <p:spPr>
+          <a:xfrm>
+            <a:off x="1605805" y="5823195"/>
+            <a:ext cx="1755581" cy="0"/>
+          </a:xfrm>
+          <a:prstGeom prst="straightConnector1">
+            <a:avLst/>
+          </a:prstGeom>
+          <a:ln w="38100">
+            <a:tailEnd type="triangle"/>
+          </a:ln>
+        </p:spPr>
+        <p:style>
+          <a:lnRef idx="1">
+            <a:schemeClr val="accent1"/>
+          </a:lnRef>
+          <a:fillRef idx="0">
+            <a:schemeClr val="accent1"/>
+          </a:fillRef>
+          <a:effectRef idx="0">
+            <a:schemeClr val="accent1"/>
+          </a:effectRef>
+          <a:fontRef idx="minor">
+            <a:schemeClr val="tx1"/>
+          </a:fontRef>
+        </p:style>
+      </p:cxnSp>
+      <p:cxnSp>
+        <p:nvCxnSpPr>
+          <p:cNvPr id="19" name="Straight Arrow Connector 18"/>
+          <p:cNvCxnSpPr>
+            <a:endCxn id="32" idx="2"/>
+          </p:cNvCxnSpPr>
+          <p:nvPr/>
+        </p:nvCxnSpPr>
+        <p:spPr>
+          <a:xfrm flipV="1">
+            <a:off x="3818586" y="4190718"/>
+            <a:ext cx="0" cy="1175277"/>
+          </a:xfrm>
+          <a:prstGeom prst="straightConnector1">
+            <a:avLst/>
+          </a:prstGeom>
+          <a:ln w="38100">
+            <a:tailEnd type="triangle"/>
+          </a:ln>
+        </p:spPr>
+        <p:style>
+          <a:lnRef idx="1">
+            <a:schemeClr val="accent1"/>
+          </a:lnRef>
+          <a:fillRef idx="0">
+            <a:schemeClr val="accent1"/>
+          </a:fillRef>
+          <a:effectRef idx="0">
+            <a:schemeClr val="accent1"/>
+          </a:effectRef>
+          <a:fontRef idx="minor">
+            <a:schemeClr val="tx1"/>
+          </a:fontRef>
+        </p:style>
+      </p:cxnSp>
+      <p:cxnSp>
+        <p:nvCxnSpPr>
+          <p:cNvPr id="20" name="Straight Arrow Connector 19"/>
+          <p:cNvCxnSpPr>
+            <a:stCxn id="7" idx="2"/>
+            <a:endCxn id="10" idx="0"/>
+          </p:cNvCxnSpPr>
+          <p:nvPr/>
+        </p:nvCxnSpPr>
+        <p:spPr>
+          <a:xfrm>
+            <a:off x="7026856" y="4223197"/>
+            <a:ext cx="0" cy="1164264"/>
+          </a:xfrm>
+          <a:prstGeom prst="straightConnector1">
+            <a:avLst/>
+          </a:prstGeom>
+          <a:ln w="38100">
+            <a:tailEnd type="triangle"/>
+          </a:ln>
+        </p:spPr>
+        <p:style>
+          <a:lnRef idx="1">
+            <a:schemeClr val="accent1"/>
+          </a:lnRef>
+          <a:fillRef idx="0">
+            <a:schemeClr val="accent1"/>
+          </a:fillRef>
+          <a:effectRef idx="0">
+            <a:schemeClr val="accent1"/>
+          </a:effectRef>
+          <a:fontRef idx="minor">
+            <a:schemeClr val="tx1"/>
+          </a:fontRef>
+        </p:style>
+      </p:cxnSp>
       <p:sp>
         <p:nvSpPr>
-          <p:cNvPr id="3" name="Content Placeholder 2"/>
-          <p:cNvSpPr>
-            <a:spLocks noGrp="1"/>
-          </p:cNvSpPr>
-          <p:nvPr>
-            <p:ph idx="1"/>
-          </p:nvPr>
+          <p:cNvPr id="21" name="TextBox 20"/>
+          <p:cNvSpPr txBox="1"/>
+          <p:nvPr/>
         </p:nvSpPr>
-        <p:spPr/>
+        <p:spPr>
+          <a:xfrm>
+            <a:off x="1859943" y="1699268"/>
+            <a:ext cx="513282" cy="369332"/>
+          </a:xfrm>
+          <a:prstGeom prst="rect">
+            <a:avLst/>
+          </a:prstGeom>
+          <a:noFill/>
+        </p:spPr>
         <p:txBody>
-          <a:bodyPr/>
+          <a:bodyPr wrap="none" rtlCol="0">
+            <a:spAutoFit/>
+          </a:bodyPr>
           <a:lstStyle/>
           <a:p>
+            <a:r>
+              <a:rPr lang="en-US" dirty="0" smtClean="0"/>
+              <a:t>1.1</a:t>
+            </a:r>
             <a:endParaRPr lang="en-US" dirty="0"/>
           </a:p>
         </p:txBody>
       </p:sp>
+      <p:sp>
+        <p:nvSpPr>
+          <p:cNvPr id="22" name="TextBox 21"/>
+          <p:cNvSpPr txBox="1"/>
+          <p:nvPr/>
+        </p:nvSpPr>
+        <p:spPr>
+          <a:xfrm>
+            <a:off x="3818586" y="2469653"/>
+            <a:ext cx="513282" cy="369332"/>
+          </a:xfrm>
+          <a:prstGeom prst="rect">
+            <a:avLst/>
+          </a:prstGeom>
+          <a:noFill/>
+        </p:spPr>
+        <p:txBody>
+          <a:bodyPr wrap="none" rtlCol="0">
+            <a:spAutoFit/>
+          </a:bodyPr>
+          <a:lstStyle/>
+          <a:p>
+            <a:r>
+              <a:rPr lang="en-US" dirty="0" smtClean="0"/>
+              <a:t>1.2</a:t>
+            </a:r>
+            <a:endParaRPr lang="en-US" dirty="0"/>
+          </a:p>
+        </p:txBody>
+      </p:sp>
+      <p:sp>
+        <p:nvSpPr>
+          <p:cNvPr id="23" name="TextBox 22"/>
+          <p:cNvSpPr txBox="1"/>
+          <p:nvPr/>
+        </p:nvSpPr>
+        <p:spPr>
+          <a:xfrm>
+            <a:off x="4874397" y="3134290"/>
+            <a:ext cx="513282" cy="369332"/>
+          </a:xfrm>
+          <a:prstGeom prst="rect">
+            <a:avLst/>
+          </a:prstGeom>
+          <a:noFill/>
+        </p:spPr>
+        <p:txBody>
+          <a:bodyPr wrap="none" rtlCol="0">
+            <a:spAutoFit/>
+          </a:bodyPr>
+          <a:lstStyle/>
+          <a:p>
+            <a:r>
+              <a:rPr lang="en-US" dirty="0" smtClean="0"/>
+              <a:t>1.3</a:t>
+            </a:r>
+            <a:endParaRPr lang="en-US" dirty="0"/>
+          </a:p>
+        </p:txBody>
+      </p:sp>
+      <p:sp>
+        <p:nvSpPr>
+          <p:cNvPr id="25" name="TextBox 24"/>
+          <p:cNvSpPr txBox="1"/>
+          <p:nvPr/>
+        </p:nvSpPr>
+        <p:spPr>
+          <a:xfrm>
+            <a:off x="1935939" y="5823195"/>
+            <a:ext cx="513282" cy="369332"/>
+          </a:xfrm>
+          <a:prstGeom prst="rect">
+            <a:avLst/>
+          </a:prstGeom>
+          <a:noFill/>
+        </p:spPr>
+        <p:txBody>
+          <a:bodyPr wrap="none" rtlCol="0">
+            <a:spAutoFit/>
+          </a:bodyPr>
+          <a:lstStyle/>
+          <a:p>
+            <a:r>
+              <a:rPr lang="en-US" dirty="0" smtClean="0"/>
+              <a:t>2.1</a:t>
+            </a:r>
+            <a:endParaRPr lang="en-US" dirty="0"/>
+          </a:p>
+        </p:txBody>
+      </p:sp>
+      <p:sp>
+        <p:nvSpPr>
+          <p:cNvPr id="26" name="TextBox 25"/>
+          <p:cNvSpPr txBox="1"/>
+          <p:nvPr/>
+        </p:nvSpPr>
+        <p:spPr>
+          <a:xfrm>
+            <a:off x="3818586" y="4662608"/>
+            <a:ext cx="513282" cy="369332"/>
+          </a:xfrm>
+          <a:prstGeom prst="rect">
+            <a:avLst/>
+          </a:prstGeom>
+          <a:noFill/>
+        </p:spPr>
+        <p:txBody>
+          <a:bodyPr wrap="none" rtlCol="0">
+            <a:spAutoFit/>
+          </a:bodyPr>
+          <a:lstStyle/>
+          <a:p>
+            <a:r>
+              <a:rPr lang="en-US" dirty="0" smtClean="0"/>
+              <a:t>2.2</a:t>
+            </a:r>
+            <a:endParaRPr lang="en-US" dirty="0"/>
+          </a:p>
+        </p:txBody>
+      </p:sp>
+      <p:sp>
+        <p:nvSpPr>
+          <p:cNvPr id="27" name="TextBox 26"/>
+          <p:cNvSpPr txBox="1"/>
+          <p:nvPr/>
+        </p:nvSpPr>
+        <p:spPr>
+          <a:xfrm>
+            <a:off x="1940447" y="3439598"/>
+            <a:ext cx="513282" cy="369332"/>
+          </a:xfrm>
+          <a:prstGeom prst="rect">
+            <a:avLst/>
+          </a:prstGeom>
+          <a:noFill/>
+        </p:spPr>
+        <p:txBody>
+          <a:bodyPr wrap="none" rtlCol="0">
+            <a:spAutoFit/>
+          </a:bodyPr>
+          <a:lstStyle/>
+          <a:p>
+            <a:r>
+              <a:rPr lang="en-US" dirty="0" smtClean="0"/>
+              <a:t>2.3</a:t>
+            </a:r>
+            <a:endParaRPr lang="en-US" dirty="0"/>
+          </a:p>
+        </p:txBody>
+      </p:sp>
+      <p:sp>
+        <p:nvSpPr>
+          <p:cNvPr id="28" name="TextBox 27"/>
+          <p:cNvSpPr txBox="1"/>
+          <p:nvPr/>
+        </p:nvSpPr>
+        <p:spPr>
+          <a:xfrm>
+            <a:off x="4874397" y="3641765"/>
+            <a:ext cx="513282" cy="369332"/>
+          </a:xfrm>
+          <a:prstGeom prst="rect">
+            <a:avLst/>
+          </a:prstGeom>
+          <a:noFill/>
+        </p:spPr>
+        <p:txBody>
+          <a:bodyPr wrap="none" rtlCol="0">
+            <a:spAutoFit/>
+          </a:bodyPr>
+          <a:lstStyle/>
+          <a:p>
+            <a:r>
+              <a:rPr lang="en-US" dirty="0" smtClean="0"/>
+              <a:t>2.4</a:t>
+            </a:r>
+            <a:endParaRPr lang="en-US" dirty="0"/>
+          </a:p>
+        </p:txBody>
+      </p:sp>
+      <p:sp>
+        <p:nvSpPr>
+          <p:cNvPr id="29" name="TextBox 28"/>
+          <p:cNvSpPr txBox="1"/>
+          <p:nvPr/>
+        </p:nvSpPr>
+        <p:spPr>
+          <a:xfrm>
+            <a:off x="7026856" y="4667426"/>
+            <a:ext cx="513282" cy="369332"/>
+          </a:xfrm>
+          <a:prstGeom prst="rect">
+            <a:avLst/>
+          </a:prstGeom>
+          <a:noFill/>
+        </p:spPr>
+        <p:txBody>
+          <a:bodyPr wrap="none" rtlCol="0">
+            <a:spAutoFit/>
+          </a:bodyPr>
+          <a:lstStyle/>
+          <a:p>
+            <a:r>
+              <a:rPr lang="en-US" dirty="0" smtClean="0"/>
+              <a:t>2.5</a:t>
+            </a:r>
+            <a:endParaRPr lang="en-US" dirty="0"/>
+          </a:p>
+        </p:txBody>
+      </p:sp>
+      <p:sp>
+        <p:nvSpPr>
+          <p:cNvPr id="30" name="TextBox 29"/>
+          <p:cNvSpPr txBox="1"/>
+          <p:nvPr/>
+        </p:nvSpPr>
+        <p:spPr>
+          <a:xfrm>
+            <a:off x="7987488" y="3409228"/>
+            <a:ext cx="513282" cy="369332"/>
+          </a:xfrm>
+          <a:prstGeom prst="rect">
+            <a:avLst/>
+          </a:prstGeom>
+          <a:noFill/>
+        </p:spPr>
+        <p:txBody>
+          <a:bodyPr wrap="none" rtlCol="0">
+            <a:spAutoFit/>
+          </a:bodyPr>
+          <a:lstStyle/>
+          <a:p>
+            <a:r>
+              <a:rPr lang="en-US" dirty="0" smtClean="0"/>
+              <a:t>2.6</a:t>
+            </a:r>
+            <a:endParaRPr lang="en-US" dirty="0"/>
+          </a:p>
+        </p:txBody>
+      </p:sp>
+      <p:pic>
+        <p:nvPicPr>
+          <p:cNvPr id="31" name="Picture 30"/>
+          <p:cNvPicPr>
+            <a:picLocks noChangeAspect="1"/>
+          </p:cNvPicPr>
+          <p:nvPr/>
+        </p:nvPicPr>
+        <p:blipFill>
+          <a:blip r:embed="rId6" cstate="print">
+            <a:extLst>
+              <a:ext uri="{28A0092B-C50C-407E-A947-70E740481C1C}">
+                <a14:useLocalDpi xmlns:a14="http://schemas.microsoft.com/office/drawing/2010/main" val="0"/>
+              </a:ext>
+            </a:extLst>
+          </a:blip>
+          <a:stretch>
+            <a:fillRect/>
+          </a:stretch>
+        </p:blipFill>
+        <p:spPr>
+          <a:xfrm>
+            <a:off x="2373225" y="1743129"/>
+            <a:ext cx="274320" cy="274320"/>
+          </a:xfrm>
+          <a:prstGeom prst="rect">
+            <a:avLst/>
+          </a:prstGeom>
+        </p:spPr>
+      </p:pic>
+      <p:pic>
+        <p:nvPicPr>
+          <p:cNvPr id="32" name="Picture 31"/>
+          <p:cNvPicPr>
+            <a:picLocks/>
+          </p:cNvPicPr>
+          <p:nvPr/>
+        </p:nvPicPr>
+        <p:blipFill>
+          <a:blip r:embed="rId7" cstate="print">
+            <a:extLst>
+              <a:ext uri="{28A0092B-C50C-407E-A947-70E740481C1C}">
+                <a14:useLocalDpi xmlns:a14="http://schemas.microsoft.com/office/drawing/2010/main" val="0"/>
+              </a:ext>
+            </a:extLst>
+          </a:blip>
+          <a:stretch>
+            <a:fillRect/>
+          </a:stretch>
+        </p:blipFill>
+        <p:spPr>
+          <a:xfrm>
+            <a:off x="3361386" y="3276318"/>
+            <a:ext cx="914400" cy="914400"/>
+          </a:xfrm>
+          <a:prstGeom prst="rect">
+            <a:avLst/>
+          </a:prstGeom>
+        </p:spPr>
+      </p:pic>
+      <p:pic>
+        <p:nvPicPr>
+          <p:cNvPr id="33" name="Picture 32"/>
+          <p:cNvPicPr>
+            <a:picLocks noChangeAspect="1"/>
+          </p:cNvPicPr>
+          <p:nvPr/>
+        </p:nvPicPr>
+        <p:blipFill>
+          <a:blip r:embed="rId8" cstate="print">
+            <a:extLst>
+              <a:ext uri="{28A0092B-C50C-407E-A947-70E740481C1C}">
+                <a14:useLocalDpi xmlns:a14="http://schemas.microsoft.com/office/drawing/2010/main" val="0"/>
+              </a:ext>
+            </a:extLst>
+          </a:blip>
+          <a:stretch>
+            <a:fillRect/>
+          </a:stretch>
+        </p:blipFill>
+        <p:spPr>
+          <a:xfrm>
+            <a:off x="3951153" y="2859970"/>
+            <a:ext cx="274320" cy="274320"/>
+          </a:xfrm>
+          <a:prstGeom prst="rect">
+            <a:avLst/>
+          </a:prstGeom>
+        </p:spPr>
+      </p:pic>
+      <p:pic>
+        <p:nvPicPr>
+          <p:cNvPr id="35" name="Picture 34"/>
+          <p:cNvPicPr>
+            <a:picLocks noChangeAspect="1"/>
+          </p:cNvPicPr>
+          <p:nvPr/>
+        </p:nvPicPr>
+        <p:blipFill>
+          <a:blip r:embed="rId9" cstate="print">
+            <a:extLst>
+              <a:ext uri="{28A0092B-C50C-407E-A947-70E740481C1C}">
+                <a14:useLocalDpi xmlns:a14="http://schemas.microsoft.com/office/drawing/2010/main" val="0"/>
+              </a:ext>
+            </a:extLst>
+          </a:blip>
+          <a:stretch>
+            <a:fillRect/>
+          </a:stretch>
+        </p:blipFill>
+        <p:spPr>
+          <a:xfrm>
+            <a:off x="5387679" y="3164459"/>
+            <a:ext cx="274320" cy="274320"/>
+          </a:xfrm>
+          <a:prstGeom prst="rect">
+            <a:avLst/>
+          </a:prstGeom>
+        </p:spPr>
+      </p:pic>
+      <p:pic>
+        <p:nvPicPr>
+          <p:cNvPr id="36" name="Picture 35"/>
+          <p:cNvPicPr>
+            <a:picLocks noChangeAspect="1"/>
+          </p:cNvPicPr>
+          <p:nvPr/>
+        </p:nvPicPr>
+        <p:blipFill>
+          <a:blip r:embed="rId9" cstate="print">
+            <a:extLst>
+              <a:ext uri="{28A0092B-C50C-407E-A947-70E740481C1C}">
+                <a14:useLocalDpi xmlns:a14="http://schemas.microsoft.com/office/drawing/2010/main" val="0"/>
+              </a:ext>
+            </a:extLst>
+          </a:blip>
+          <a:stretch>
+            <a:fillRect/>
+          </a:stretch>
+        </p:blipFill>
+        <p:spPr>
+          <a:xfrm>
+            <a:off x="5381740" y="3682286"/>
+            <a:ext cx="274320" cy="274320"/>
+          </a:xfrm>
+          <a:prstGeom prst="rect">
+            <a:avLst/>
+          </a:prstGeom>
+        </p:spPr>
+      </p:pic>
+      <p:pic>
+        <p:nvPicPr>
+          <p:cNvPr id="37" name="Picture 36"/>
+          <p:cNvPicPr>
+            <a:picLocks noChangeAspect="1"/>
+          </p:cNvPicPr>
+          <p:nvPr/>
+        </p:nvPicPr>
+        <p:blipFill>
+          <a:blip r:embed="rId8" cstate="print">
+            <a:extLst>
+              <a:ext uri="{28A0092B-C50C-407E-A947-70E740481C1C}">
+                <a14:useLocalDpi xmlns:a14="http://schemas.microsoft.com/office/drawing/2010/main" val="0"/>
+              </a:ext>
+            </a:extLst>
+          </a:blip>
+          <a:stretch>
+            <a:fillRect/>
+          </a:stretch>
+        </p:blipFill>
+        <p:spPr>
+          <a:xfrm>
+            <a:off x="3938067" y="5109313"/>
+            <a:ext cx="274320" cy="274320"/>
+          </a:xfrm>
+          <a:prstGeom prst="rect">
+            <a:avLst/>
+          </a:prstGeom>
+        </p:spPr>
+      </p:pic>
+      <p:pic>
+        <p:nvPicPr>
+          <p:cNvPr id="38" name="Picture 37"/>
+          <p:cNvPicPr>
+            <a:picLocks noChangeAspect="1"/>
+          </p:cNvPicPr>
+          <p:nvPr/>
+        </p:nvPicPr>
+        <p:blipFill>
+          <a:blip r:embed="rId10" cstate="print">
+            <a:extLst>
+              <a:ext uri="{28A0092B-C50C-407E-A947-70E740481C1C}">
+                <a14:useLocalDpi xmlns:a14="http://schemas.microsoft.com/office/drawing/2010/main" val="0"/>
+              </a:ext>
+            </a:extLst>
+          </a:blip>
+          <a:stretch>
+            <a:fillRect/>
+          </a:stretch>
+        </p:blipFill>
+        <p:spPr>
+          <a:xfrm>
+            <a:off x="8487892" y="3456734"/>
+            <a:ext cx="274320" cy="274320"/>
+          </a:xfrm>
+          <a:prstGeom prst="rect">
+            <a:avLst/>
+          </a:prstGeom>
+        </p:spPr>
+      </p:pic>
+      <p:pic>
+        <p:nvPicPr>
+          <p:cNvPr id="39" name="Picture 38"/>
+          <p:cNvPicPr>
+            <a:picLocks noChangeAspect="1"/>
+          </p:cNvPicPr>
+          <p:nvPr/>
+        </p:nvPicPr>
+        <p:blipFill>
+          <a:blip r:embed="rId11" cstate="print">
+            <a:extLst>
+              <a:ext uri="{28A0092B-C50C-407E-A947-70E740481C1C}">
+                <a14:useLocalDpi xmlns:a14="http://schemas.microsoft.com/office/drawing/2010/main" val="0"/>
+              </a:ext>
+            </a:extLst>
+          </a:blip>
+          <a:stretch>
+            <a:fillRect/>
+          </a:stretch>
+        </p:blipFill>
+        <p:spPr>
+          <a:xfrm>
+            <a:off x="7105267" y="5017873"/>
+            <a:ext cx="365760" cy="365760"/>
+          </a:xfrm>
+          <a:prstGeom prst="rect">
+            <a:avLst/>
+          </a:prstGeom>
+        </p:spPr>
+      </p:pic>
+      <p:pic>
+        <p:nvPicPr>
+          <p:cNvPr id="40" name="Picture 39"/>
+          <p:cNvPicPr>
+            <a:picLocks noChangeAspect="1"/>
+          </p:cNvPicPr>
+          <p:nvPr/>
+        </p:nvPicPr>
+        <p:blipFill>
+          <a:blip r:embed="rId12" cstate="print">
+            <a:extLst>
+              <a:ext uri="{28A0092B-C50C-407E-A947-70E740481C1C}">
+                <a14:useLocalDpi xmlns:a14="http://schemas.microsoft.com/office/drawing/2010/main" val="0"/>
+              </a:ext>
+            </a:extLst>
+          </a:blip>
+          <a:stretch>
+            <a:fillRect/>
+          </a:stretch>
+        </p:blipFill>
+        <p:spPr>
+          <a:xfrm>
+            <a:off x="2446986" y="3440526"/>
+            <a:ext cx="274320" cy="274320"/>
+          </a:xfrm>
+          <a:prstGeom prst="rect">
+            <a:avLst/>
+          </a:prstGeom>
+        </p:spPr>
+      </p:pic>
+      <p:grpSp>
+        <p:nvGrpSpPr>
+          <p:cNvPr id="42" name="Group 41"/>
+          <p:cNvGrpSpPr/>
+          <p:nvPr/>
+        </p:nvGrpSpPr>
+        <p:grpSpPr>
+          <a:xfrm>
+            <a:off x="677334" y="1573011"/>
+            <a:ext cx="914400" cy="1283732"/>
+            <a:chOff x="677334" y="1573011"/>
+            <a:chExt cx="914400" cy="1283732"/>
+          </a:xfrm>
+        </p:grpSpPr>
+        <p:pic>
+          <p:nvPicPr>
+            <p:cNvPr id="43" name="Picture 42"/>
+            <p:cNvPicPr>
+              <a:picLocks noChangeAspect="1"/>
+            </p:cNvPicPr>
+            <p:nvPr/>
+          </p:nvPicPr>
+          <p:blipFill>
+            <a:blip r:embed="rId13">
+              <a:extLst>
+                <a:ext uri="{28A0092B-C50C-407E-A947-70E740481C1C}">
+                  <a14:useLocalDpi xmlns:a14="http://schemas.microsoft.com/office/drawing/2010/main" val="0"/>
+                </a:ext>
+              </a:extLst>
+            </a:blip>
+            <a:stretch>
+              <a:fillRect/>
+            </a:stretch>
+          </p:blipFill>
+          <p:spPr>
+            <a:xfrm>
+              <a:off x="677334" y="1573011"/>
+              <a:ext cx="914400" cy="914400"/>
+            </a:xfrm>
+            <a:prstGeom prst="rect">
+              <a:avLst/>
+            </a:prstGeom>
+          </p:spPr>
+        </p:pic>
+        <p:sp>
+          <p:nvSpPr>
+            <p:cNvPr id="44" name="TextBox 43"/>
+            <p:cNvSpPr txBox="1"/>
+            <p:nvPr/>
+          </p:nvSpPr>
+          <p:spPr>
+            <a:xfrm>
+              <a:off x="745645" y="2487411"/>
+              <a:ext cx="777777" cy="369332"/>
+            </a:xfrm>
+            <a:prstGeom prst="rect">
+              <a:avLst/>
+            </a:prstGeom>
+            <a:noFill/>
+          </p:spPr>
+          <p:txBody>
+            <a:bodyPr wrap="none" rtlCol="0">
+              <a:spAutoFit/>
+            </a:bodyPr>
+            <a:lstStyle/>
+            <a:p>
+              <a:r>
+                <a:rPr lang="en-US" dirty="0" smtClean="0"/>
+                <a:t>Guest</a:t>
+              </a:r>
+              <a:endParaRPr lang="en-GB" dirty="0"/>
+            </a:p>
+          </p:txBody>
+        </p:sp>
+      </p:grpSp>
+      <p:grpSp>
+        <p:nvGrpSpPr>
+          <p:cNvPr id="45" name="Group 44"/>
+          <p:cNvGrpSpPr/>
+          <p:nvPr/>
+        </p:nvGrpSpPr>
+        <p:grpSpPr>
+          <a:xfrm>
+            <a:off x="642697" y="5365995"/>
+            <a:ext cx="1011815" cy="1309623"/>
+            <a:chOff x="642697" y="5365995"/>
+            <a:chExt cx="1011815" cy="1309623"/>
+          </a:xfrm>
+        </p:grpSpPr>
+        <p:pic>
+          <p:nvPicPr>
+            <p:cNvPr id="46" name="Picture 45"/>
+            <p:cNvPicPr>
+              <a:picLocks noChangeAspect="1"/>
+            </p:cNvPicPr>
+            <p:nvPr/>
+          </p:nvPicPr>
+          <p:blipFill>
+            <a:blip r:embed="rId14" cstate="print">
+              <a:extLst>
+                <a:ext uri="{28A0092B-C50C-407E-A947-70E740481C1C}">
+                  <a14:useLocalDpi xmlns:a14="http://schemas.microsoft.com/office/drawing/2010/main" val="0"/>
+                </a:ext>
+              </a:extLst>
+            </a:blip>
+            <a:stretch>
+              <a:fillRect/>
+            </a:stretch>
+          </p:blipFill>
+          <p:spPr>
+            <a:xfrm>
+              <a:off x="691405" y="5365995"/>
+              <a:ext cx="914400" cy="914400"/>
+            </a:xfrm>
+            <a:prstGeom prst="rect">
+              <a:avLst/>
+            </a:prstGeom>
+          </p:spPr>
+        </p:pic>
+        <p:sp>
+          <p:nvSpPr>
+            <p:cNvPr id="47" name="TextBox 46"/>
+            <p:cNvSpPr txBox="1"/>
+            <p:nvPr/>
+          </p:nvSpPr>
+          <p:spPr>
+            <a:xfrm>
+              <a:off x="642697" y="6306286"/>
+              <a:ext cx="1011815" cy="369332"/>
+            </a:xfrm>
+            <a:prstGeom prst="rect">
+              <a:avLst/>
+            </a:prstGeom>
+            <a:noFill/>
+          </p:spPr>
+          <p:txBody>
+            <a:bodyPr wrap="none" rtlCol="0">
+              <a:spAutoFit/>
+            </a:bodyPr>
+            <a:lstStyle/>
+            <a:p>
+              <a:r>
+                <a:rPr lang="en-US" dirty="0" smtClean="0"/>
+                <a:t>Member</a:t>
+              </a:r>
+              <a:endParaRPr lang="en-GB" dirty="0"/>
+            </a:p>
+          </p:txBody>
+        </p:sp>
+      </p:grpSp>
+      <p:pic>
+        <p:nvPicPr>
+          <p:cNvPr id="49" name="Picture 48"/>
+          <p:cNvPicPr>
+            <a:picLocks noChangeAspect="1"/>
+          </p:cNvPicPr>
+          <p:nvPr/>
+        </p:nvPicPr>
+        <p:blipFill>
+          <a:blip r:embed="rId15" cstate="print">
+            <a:extLst>
+              <a:ext uri="{28A0092B-C50C-407E-A947-70E740481C1C}">
+                <a14:useLocalDpi xmlns:a14="http://schemas.microsoft.com/office/drawing/2010/main" val="0"/>
+              </a:ext>
+            </a:extLst>
+          </a:blip>
+          <a:stretch>
+            <a:fillRect/>
+          </a:stretch>
+        </p:blipFill>
+        <p:spPr>
+          <a:xfrm>
+            <a:off x="3622414" y="1426734"/>
+            <a:ext cx="465899" cy="914400"/>
+          </a:xfrm>
+          <a:prstGeom prst="rect">
+            <a:avLst/>
+          </a:prstGeom>
+        </p:spPr>
+      </p:pic>
+      <p:pic>
+        <p:nvPicPr>
+          <p:cNvPr id="50" name="Picture 49"/>
+          <p:cNvPicPr>
+            <a:picLocks noChangeAspect="1"/>
+          </p:cNvPicPr>
+          <p:nvPr/>
+        </p:nvPicPr>
+        <p:blipFill>
+          <a:blip r:embed="rId15" cstate="print">
+            <a:extLst>
+              <a:ext uri="{28A0092B-C50C-407E-A947-70E740481C1C}">
+                <a14:useLocalDpi xmlns:a14="http://schemas.microsoft.com/office/drawing/2010/main" val="0"/>
+              </a:ext>
+            </a:extLst>
+          </a:blip>
+          <a:stretch>
+            <a:fillRect/>
+          </a:stretch>
+        </p:blipFill>
+        <p:spPr>
+          <a:xfrm>
+            <a:off x="3585636" y="5546087"/>
+            <a:ext cx="465899" cy="914400"/>
+          </a:xfrm>
+          <a:prstGeom prst="rect">
+            <a:avLst/>
+          </a:prstGeom>
+        </p:spPr>
+      </p:pic>
+      <p:pic>
+        <p:nvPicPr>
+          <p:cNvPr id="51" name="Picture 50"/>
+          <p:cNvPicPr>
+            <a:picLocks noChangeAspect="1"/>
+          </p:cNvPicPr>
+          <p:nvPr/>
+        </p:nvPicPr>
+        <p:blipFill>
+          <a:blip r:embed="rId6" cstate="print">
+            <a:extLst>
+              <a:ext uri="{28A0092B-C50C-407E-A947-70E740481C1C}">
+                <a14:useLocalDpi xmlns:a14="http://schemas.microsoft.com/office/drawing/2010/main" val="0"/>
+              </a:ext>
+            </a:extLst>
+          </a:blip>
+          <a:stretch>
+            <a:fillRect/>
+          </a:stretch>
+        </p:blipFill>
+        <p:spPr>
+          <a:xfrm>
+            <a:off x="2372230" y="5870701"/>
+            <a:ext cx="274320" cy="274320"/>
+          </a:xfrm>
+          <a:prstGeom prst="rect">
+            <a:avLst/>
+          </a:prstGeom>
+        </p:spPr>
+      </p:pic>
     </p:spTree>
     <p:extLst>
       <p:ext uri="{BB962C8B-B14F-4D97-AF65-F5344CB8AC3E}">
@@ -23100,14 +23631,1506 @@
   <p:timing>
     <p:tnLst>
       <p:par>
-        <p:cTn id="1" dur="indefinite" restart="never" nodeType="tmRoot"/>
+        <p:cTn id="1" dur="indefinite" restart="never" nodeType="tmRoot">
+          <p:childTnLst>
+            <p:seq concurrent="1" nextAc="seek">
+              <p:cTn id="2" dur="indefinite" nodeType="mainSeq">
+                <p:childTnLst>
+                  <p:par>
+                    <p:cTn id="3" fill="hold">
+                      <p:stCondLst>
+                        <p:cond delay="indefinite"/>
+                      </p:stCondLst>
+                      <p:childTnLst>
+                        <p:par>
+                          <p:cTn id="4" fill="hold">
+                            <p:stCondLst>
+                              <p:cond delay="0"/>
+                            </p:stCondLst>
+                            <p:childTnLst>
+                              <p:par>
+                                <p:cTn id="5" presetID="14" presetClass="entr" presetSubtype="10" fill="hold" nodeType="clickEffect">
+                                  <p:stCondLst>
+                                    <p:cond delay="0"/>
+                                  </p:stCondLst>
+                                  <p:childTnLst>
+                                    <p:set>
+                                      <p:cBhvr>
+                                        <p:cTn id="6" dur="1" fill="hold">
+                                          <p:stCondLst>
+                                            <p:cond delay="0"/>
+                                          </p:stCondLst>
+                                        </p:cTn>
+                                        <p:tgtEl>
+                                          <p:spTgt spid="42"/>
+                                        </p:tgtEl>
+                                        <p:attrNameLst>
+                                          <p:attrName>style.visibility</p:attrName>
+                                        </p:attrNameLst>
+                                      </p:cBhvr>
+                                      <p:to>
+                                        <p:strVal val="visible"/>
+                                      </p:to>
+                                    </p:set>
+                                    <p:animEffect transition="in" filter="randombar(horizontal)">
+                                      <p:cBhvr>
+                                        <p:cTn id="7" dur="500"/>
+                                        <p:tgtEl>
+                                          <p:spTgt spid="42"/>
+                                        </p:tgtEl>
+                                      </p:cBhvr>
+                                    </p:animEffect>
+                                  </p:childTnLst>
+                                </p:cTn>
+                              </p:par>
+                            </p:childTnLst>
+                          </p:cTn>
+                        </p:par>
+                      </p:childTnLst>
+                    </p:cTn>
+                  </p:par>
+                  <p:par>
+                    <p:cTn id="8" fill="hold">
+                      <p:stCondLst>
+                        <p:cond delay="indefinite"/>
+                      </p:stCondLst>
+                      <p:childTnLst>
+                        <p:par>
+                          <p:cTn id="9" fill="hold">
+                            <p:stCondLst>
+                              <p:cond delay="0"/>
+                            </p:stCondLst>
+                            <p:childTnLst>
+                              <p:par>
+                                <p:cTn id="10" presetID="14" presetClass="entr" presetSubtype="10" fill="hold" nodeType="clickEffect">
+                                  <p:stCondLst>
+                                    <p:cond delay="0"/>
+                                  </p:stCondLst>
+                                  <p:childTnLst>
+                                    <p:set>
+                                      <p:cBhvr>
+                                        <p:cTn id="11" dur="1" fill="hold">
+                                          <p:stCondLst>
+                                            <p:cond delay="0"/>
+                                          </p:stCondLst>
+                                        </p:cTn>
+                                        <p:tgtEl>
+                                          <p:spTgt spid="11"/>
+                                        </p:tgtEl>
+                                        <p:attrNameLst>
+                                          <p:attrName>style.visibility</p:attrName>
+                                        </p:attrNameLst>
+                                      </p:cBhvr>
+                                      <p:to>
+                                        <p:strVal val="visible"/>
+                                      </p:to>
+                                    </p:set>
+                                    <p:animEffect transition="in" filter="randombar(horizontal)">
+                                      <p:cBhvr>
+                                        <p:cTn id="12" dur="500"/>
+                                        <p:tgtEl>
+                                          <p:spTgt spid="11"/>
+                                        </p:tgtEl>
+                                      </p:cBhvr>
+                                    </p:animEffect>
+                                  </p:childTnLst>
+                                </p:cTn>
+                              </p:par>
+                              <p:par>
+                                <p:cTn id="13" presetID="14" presetClass="entr" presetSubtype="10" fill="hold" grpId="0" nodeType="withEffect">
+                                  <p:stCondLst>
+                                    <p:cond delay="0"/>
+                                  </p:stCondLst>
+                                  <p:childTnLst>
+                                    <p:set>
+                                      <p:cBhvr>
+                                        <p:cTn id="14" dur="1" fill="hold">
+                                          <p:stCondLst>
+                                            <p:cond delay="0"/>
+                                          </p:stCondLst>
+                                        </p:cTn>
+                                        <p:tgtEl>
+                                          <p:spTgt spid="21"/>
+                                        </p:tgtEl>
+                                        <p:attrNameLst>
+                                          <p:attrName>style.visibility</p:attrName>
+                                        </p:attrNameLst>
+                                      </p:cBhvr>
+                                      <p:to>
+                                        <p:strVal val="visible"/>
+                                      </p:to>
+                                    </p:set>
+                                    <p:animEffect transition="in" filter="randombar(horizontal)">
+                                      <p:cBhvr>
+                                        <p:cTn id="15" dur="500"/>
+                                        <p:tgtEl>
+                                          <p:spTgt spid="21"/>
+                                        </p:tgtEl>
+                                      </p:cBhvr>
+                                    </p:animEffect>
+                                  </p:childTnLst>
+                                </p:cTn>
+                              </p:par>
+                              <p:par>
+                                <p:cTn id="16" presetID="14" presetClass="entr" presetSubtype="10" fill="hold" nodeType="withEffect">
+                                  <p:stCondLst>
+                                    <p:cond delay="0"/>
+                                  </p:stCondLst>
+                                  <p:childTnLst>
+                                    <p:set>
+                                      <p:cBhvr>
+                                        <p:cTn id="17" dur="1" fill="hold">
+                                          <p:stCondLst>
+                                            <p:cond delay="0"/>
+                                          </p:stCondLst>
+                                        </p:cTn>
+                                        <p:tgtEl>
+                                          <p:spTgt spid="31"/>
+                                        </p:tgtEl>
+                                        <p:attrNameLst>
+                                          <p:attrName>style.visibility</p:attrName>
+                                        </p:attrNameLst>
+                                      </p:cBhvr>
+                                      <p:to>
+                                        <p:strVal val="visible"/>
+                                      </p:to>
+                                    </p:set>
+                                    <p:animEffect transition="in" filter="randombar(horizontal)">
+                                      <p:cBhvr>
+                                        <p:cTn id="18" dur="500"/>
+                                        <p:tgtEl>
+                                          <p:spTgt spid="31"/>
+                                        </p:tgtEl>
+                                      </p:cBhvr>
+                                    </p:animEffect>
+                                  </p:childTnLst>
+                                </p:cTn>
+                              </p:par>
+                              <p:par>
+                                <p:cTn id="19" presetID="14" presetClass="entr" presetSubtype="10" fill="hold" nodeType="withEffect">
+                                  <p:stCondLst>
+                                    <p:cond delay="0"/>
+                                  </p:stCondLst>
+                                  <p:childTnLst>
+                                    <p:set>
+                                      <p:cBhvr>
+                                        <p:cTn id="20" dur="1" fill="hold">
+                                          <p:stCondLst>
+                                            <p:cond delay="0"/>
+                                          </p:stCondLst>
+                                        </p:cTn>
+                                        <p:tgtEl>
+                                          <p:spTgt spid="49"/>
+                                        </p:tgtEl>
+                                        <p:attrNameLst>
+                                          <p:attrName>style.visibility</p:attrName>
+                                        </p:attrNameLst>
+                                      </p:cBhvr>
+                                      <p:to>
+                                        <p:strVal val="visible"/>
+                                      </p:to>
+                                    </p:set>
+                                    <p:animEffect transition="in" filter="randombar(horizontal)">
+                                      <p:cBhvr>
+                                        <p:cTn id="21" dur="500"/>
+                                        <p:tgtEl>
+                                          <p:spTgt spid="49"/>
+                                        </p:tgtEl>
+                                      </p:cBhvr>
+                                    </p:animEffect>
+                                  </p:childTnLst>
+                                </p:cTn>
+                              </p:par>
+                            </p:childTnLst>
+                          </p:cTn>
+                        </p:par>
+                      </p:childTnLst>
+                    </p:cTn>
+                  </p:par>
+                  <p:par>
+                    <p:cTn id="22" fill="hold">
+                      <p:stCondLst>
+                        <p:cond delay="indefinite"/>
+                      </p:stCondLst>
+                      <p:childTnLst>
+                        <p:par>
+                          <p:cTn id="23" fill="hold">
+                            <p:stCondLst>
+                              <p:cond delay="0"/>
+                            </p:stCondLst>
+                            <p:childTnLst>
+                              <p:par>
+                                <p:cTn id="24" presetID="14" presetClass="entr" presetSubtype="10" fill="hold" nodeType="clickEffect">
+                                  <p:stCondLst>
+                                    <p:cond delay="0"/>
+                                  </p:stCondLst>
+                                  <p:childTnLst>
+                                    <p:set>
+                                      <p:cBhvr>
+                                        <p:cTn id="25" dur="1" fill="hold">
+                                          <p:stCondLst>
+                                            <p:cond delay="0"/>
+                                          </p:stCondLst>
+                                        </p:cTn>
+                                        <p:tgtEl>
+                                          <p:spTgt spid="12"/>
+                                        </p:tgtEl>
+                                        <p:attrNameLst>
+                                          <p:attrName>style.visibility</p:attrName>
+                                        </p:attrNameLst>
+                                      </p:cBhvr>
+                                      <p:to>
+                                        <p:strVal val="visible"/>
+                                      </p:to>
+                                    </p:set>
+                                    <p:animEffect transition="in" filter="randombar(horizontal)">
+                                      <p:cBhvr>
+                                        <p:cTn id="26" dur="500"/>
+                                        <p:tgtEl>
+                                          <p:spTgt spid="12"/>
+                                        </p:tgtEl>
+                                      </p:cBhvr>
+                                    </p:animEffect>
+                                  </p:childTnLst>
+                                </p:cTn>
+                              </p:par>
+                              <p:par>
+                                <p:cTn id="27" presetID="14" presetClass="entr" presetSubtype="10" fill="hold" grpId="0" nodeType="withEffect">
+                                  <p:stCondLst>
+                                    <p:cond delay="0"/>
+                                  </p:stCondLst>
+                                  <p:childTnLst>
+                                    <p:set>
+                                      <p:cBhvr>
+                                        <p:cTn id="28" dur="1" fill="hold">
+                                          <p:stCondLst>
+                                            <p:cond delay="0"/>
+                                          </p:stCondLst>
+                                        </p:cTn>
+                                        <p:tgtEl>
+                                          <p:spTgt spid="22"/>
+                                        </p:tgtEl>
+                                        <p:attrNameLst>
+                                          <p:attrName>style.visibility</p:attrName>
+                                        </p:attrNameLst>
+                                      </p:cBhvr>
+                                      <p:to>
+                                        <p:strVal val="visible"/>
+                                      </p:to>
+                                    </p:set>
+                                    <p:animEffect transition="in" filter="randombar(horizontal)">
+                                      <p:cBhvr>
+                                        <p:cTn id="29" dur="500"/>
+                                        <p:tgtEl>
+                                          <p:spTgt spid="22"/>
+                                        </p:tgtEl>
+                                      </p:cBhvr>
+                                    </p:animEffect>
+                                  </p:childTnLst>
+                                </p:cTn>
+                              </p:par>
+                              <p:par>
+                                <p:cTn id="30" presetID="14" presetClass="entr" presetSubtype="10" fill="hold" nodeType="withEffect">
+                                  <p:stCondLst>
+                                    <p:cond delay="0"/>
+                                  </p:stCondLst>
+                                  <p:childTnLst>
+                                    <p:set>
+                                      <p:cBhvr>
+                                        <p:cTn id="31" dur="1" fill="hold">
+                                          <p:stCondLst>
+                                            <p:cond delay="0"/>
+                                          </p:stCondLst>
+                                        </p:cTn>
+                                        <p:tgtEl>
+                                          <p:spTgt spid="33"/>
+                                        </p:tgtEl>
+                                        <p:attrNameLst>
+                                          <p:attrName>style.visibility</p:attrName>
+                                        </p:attrNameLst>
+                                      </p:cBhvr>
+                                      <p:to>
+                                        <p:strVal val="visible"/>
+                                      </p:to>
+                                    </p:set>
+                                    <p:animEffect transition="in" filter="randombar(horizontal)">
+                                      <p:cBhvr>
+                                        <p:cTn id="32" dur="500"/>
+                                        <p:tgtEl>
+                                          <p:spTgt spid="33"/>
+                                        </p:tgtEl>
+                                      </p:cBhvr>
+                                    </p:animEffect>
+                                  </p:childTnLst>
+                                </p:cTn>
+                              </p:par>
+                              <p:par>
+                                <p:cTn id="33" presetID="14" presetClass="entr" presetSubtype="10" fill="hold" nodeType="withEffect">
+                                  <p:stCondLst>
+                                    <p:cond delay="0"/>
+                                  </p:stCondLst>
+                                  <p:childTnLst>
+                                    <p:set>
+                                      <p:cBhvr>
+                                        <p:cTn id="34" dur="1" fill="hold">
+                                          <p:stCondLst>
+                                            <p:cond delay="0"/>
+                                          </p:stCondLst>
+                                        </p:cTn>
+                                        <p:tgtEl>
+                                          <p:spTgt spid="32"/>
+                                        </p:tgtEl>
+                                        <p:attrNameLst>
+                                          <p:attrName>style.visibility</p:attrName>
+                                        </p:attrNameLst>
+                                      </p:cBhvr>
+                                      <p:to>
+                                        <p:strVal val="visible"/>
+                                      </p:to>
+                                    </p:set>
+                                    <p:animEffect transition="in" filter="randombar(horizontal)">
+                                      <p:cBhvr>
+                                        <p:cTn id="35" dur="500"/>
+                                        <p:tgtEl>
+                                          <p:spTgt spid="32"/>
+                                        </p:tgtEl>
+                                      </p:cBhvr>
+                                    </p:animEffect>
+                                  </p:childTnLst>
+                                </p:cTn>
+                              </p:par>
+                            </p:childTnLst>
+                          </p:cTn>
+                        </p:par>
+                      </p:childTnLst>
+                    </p:cTn>
+                  </p:par>
+                  <p:par>
+                    <p:cTn id="36" fill="hold">
+                      <p:stCondLst>
+                        <p:cond delay="indefinite"/>
+                      </p:stCondLst>
+                      <p:childTnLst>
+                        <p:par>
+                          <p:cTn id="37" fill="hold">
+                            <p:stCondLst>
+                              <p:cond delay="0"/>
+                            </p:stCondLst>
+                            <p:childTnLst>
+                              <p:par>
+                                <p:cTn id="38" presetID="14" presetClass="entr" presetSubtype="10" fill="hold" nodeType="clickEffect">
+                                  <p:stCondLst>
+                                    <p:cond delay="0"/>
+                                  </p:stCondLst>
+                                  <p:childTnLst>
+                                    <p:set>
+                                      <p:cBhvr>
+                                        <p:cTn id="39" dur="1" fill="hold">
+                                          <p:stCondLst>
+                                            <p:cond delay="0"/>
+                                          </p:stCondLst>
+                                        </p:cTn>
+                                        <p:tgtEl>
+                                          <p:spTgt spid="15"/>
+                                        </p:tgtEl>
+                                        <p:attrNameLst>
+                                          <p:attrName>style.visibility</p:attrName>
+                                        </p:attrNameLst>
+                                      </p:cBhvr>
+                                      <p:to>
+                                        <p:strVal val="visible"/>
+                                      </p:to>
+                                    </p:set>
+                                    <p:animEffect transition="in" filter="randombar(horizontal)">
+                                      <p:cBhvr>
+                                        <p:cTn id="40" dur="500"/>
+                                        <p:tgtEl>
+                                          <p:spTgt spid="15"/>
+                                        </p:tgtEl>
+                                      </p:cBhvr>
+                                    </p:animEffect>
+                                  </p:childTnLst>
+                                </p:cTn>
+                              </p:par>
+                              <p:par>
+                                <p:cTn id="41" presetID="14" presetClass="entr" presetSubtype="10" fill="hold" grpId="0" nodeType="withEffect">
+                                  <p:stCondLst>
+                                    <p:cond delay="0"/>
+                                  </p:stCondLst>
+                                  <p:childTnLst>
+                                    <p:set>
+                                      <p:cBhvr>
+                                        <p:cTn id="42" dur="1" fill="hold">
+                                          <p:stCondLst>
+                                            <p:cond delay="0"/>
+                                          </p:stCondLst>
+                                        </p:cTn>
+                                        <p:tgtEl>
+                                          <p:spTgt spid="23"/>
+                                        </p:tgtEl>
+                                        <p:attrNameLst>
+                                          <p:attrName>style.visibility</p:attrName>
+                                        </p:attrNameLst>
+                                      </p:cBhvr>
+                                      <p:to>
+                                        <p:strVal val="visible"/>
+                                      </p:to>
+                                    </p:set>
+                                    <p:animEffect transition="in" filter="randombar(horizontal)">
+                                      <p:cBhvr>
+                                        <p:cTn id="43" dur="500"/>
+                                        <p:tgtEl>
+                                          <p:spTgt spid="23"/>
+                                        </p:tgtEl>
+                                      </p:cBhvr>
+                                    </p:animEffect>
+                                  </p:childTnLst>
+                                </p:cTn>
+                              </p:par>
+                              <p:par>
+                                <p:cTn id="44" presetID="14" presetClass="entr" presetSubtype="10" fill="hold" nodeType="withEffect">
+                                  <p:stCondLst>
+                                    <p:cond delay="0"/>
+                                  </p:stCondLst>
+                                  <p:childTnLst>
+                                    <p:set>
+                                      <p:cBhvr>
+                                        <p:cTn id="45" dur="1" fill="hold">
+                                          <p:stCondLst>
+                                            <p:cond delay="0"/>
+                                          </p:stCondLst>
+                                        </p:cTn>
+                                        <p:tgtEl>
+                                          <p:spTgt spid="35"/>
+                                        </p:tgtEl>
+                                        <p:attrNameLst>
+                                          <p:attrName>style.visibility</p:attrName>
+                                        </p:attrNameLst>
+                                      </p:cBhvr>
+                                      <p:to>
+                                        <p:strVal val="visible"/>
+                                      </p:to>
+                                    </p:set>
+                                    <p:animEffect transition="in" filter="randombar(horizontal)">
+                                      <p:cBhvr>
+                                        <p:cTn id="46" dur="500"/>
+                                        <p:tgtEl>
+                                          <p:spTgt spid="35"/>
+                                        </p:tgtEl>
+                                      </p:cBhvr>
+                                    </p:animEffect>
+                                  </p:childTnLst>
+                                </p:cTn>
+                              </p:par>
+                              <p:par>
+                                <p:cTn id="47" presetID="14" presetClass="entr" presetSubtype="10" fill="hold" nodeType="withEffect">
+                                  <p:stCondLst>
+                                    <p:cond delay="0"/>
+                                  </p:stCondLst>
+                                  <p:childTnLst>
+                                    <p:set>
+                                      <p:cBhvr>
+                                        <p:cTn id="48" dur="1" fill="hold">
+                                          <p:stCondLst>
+                                            <p:cond delay="0"/>
+                                          </p:stCondLst>
+                                        </p:cTn>
+                                        <p:tgtEl>
+                                          <p:spTgt spid="7"/>
+                                        </p:tgtEl>
+                                        <p:attrNameLst>
+                                          <p:attrName>style.visibility</p:attrName>
+                                        </p:attrNameLst>
+                                      </p:cBhvr>
+                                      <p:to>
+                                        <p:strVal val="visible"/>
+                                      </p:to>
+                                    </p:set>
+                                    <p:animEffect transition="in" filter="randombar(horizontal)">
+                                      <p:cBhvr>
+                                        <p:cTn id="49" dur="500"/>
+                                        <p:tgtEl>
+                                          <p:spTgt spid="7"/>
+                                        </p:tgtEl>
+                                      </p:cBhvr>
+                                    </p:animEffect>
+                                  </p:childTnLst>
+                                </p:cTn>
+                              </p:par>
+                            </p:childTnLst>
+                          </p:cTn>
+                        </p:par>
+                      </p:childTnLst>
+                    </p:cTn>
+                  </p:par>
+                  <p:par>
+                    <p:cTn id="50" fill="hold">
+                      <p:stCondLst>
+                        <p:cond delay="indefinite"/>
+                      </p:stCondLst>
+                      <p:childTnLst>
+                        <p:par>
+                          <p:cTn id="51" fill="hold">
+                            <p:stCondLst>
+                              <p:cond delay="0"/>
+                            </p:stCondLst>
+                            <p:childTnLst>
+                              <p:par>
+                                <p:cTn id="52" presetID="14" presetClass="entr" presetSubtype="10" fill="hold" nodeType="clickEffect">
+                                  <p:stCondLst>
+                                    <p:cond delay="0"/>
+                                  </p:stCondLst>
+                                  <p:childTnLst>
+                                    <p:set>
+                                      <p:cBhvr>
+                                        <p:cTn id="53" dur="1" fill="hold">
+                                          <p:stCondLst>
+                                            <p:cond delay="0"/>
+                                          </p:stCondLst>
+                                        </p:cTn>
+                                        <p:tgtEl>
+                                          <p:spTgt spid="45"/>
+                                        </p:tgtEl>
+                                        <p:attrNameLst>
+                                          <p:attrName>style.visibility</p:attrName>
+                                        </p:attrNameLst>
+                                      </p:cBhvr>
+                                      <p:to>
+                                        <p:strVal val="visible"/>
+                                      </p:to>
+                                    </p:set>
+                                    <p:animEffect transition="in" filter="randombar(horizontal)">
+                                      <p:cBhvr>
+                                        <p:cTn id="54" dur="500"/>
+                                        <p:tgtEl>
+                                          <p:spTgt spid="45"/>
+                                        </p:tgtEl>
+                                      </p:cBhvr>
+                                    </p:animEffect>
+                                  </p:childTnLst>
+                                </p:cTn>
+                              </p:par>
+                            </p:childTnLst>
+                          </p:cTn>
+                        </p:par>
+                      </p:childTnLst>
+                    </p:cTn>
+                  </p:par>
+                  <p:par>
+                    <p:cTn id="55" fill="hold">
+                      <p:stCondLst>
+                        <p:cond delay="indefinite"/>
+                      </p:stCondLst>
+                      <p:childTnLst>
+                        <p:par>
+                          <p:cTn id="56" fill="hold">
+                            <p:stCondLst>
+                              <p:cond delay="0"/>
+                            </p:stCondLst>
+                            <p:childTnLst>
+                              <p:par>
+                                <p:cTn id="57" presetID="14" presetClass="entr" presetSubtype="10" fill="hold" nodeType="clickEffect">
+                                  <p:stCondLst>
+                                    <p:cond delay="0"/>
+                                  </p:stCondLst>
+                                  <p:childTnLst>
+                                    <p:set>
+                                      <p:cBhvr>
+                                        <p:cTn id="58" dur="1" fill="hold">
+                                          <p:stCondLst>
+                                            <p:cond delay="0"/>
+                                          </p:stCondLst>
+                                        </p:cTn>
+                                        <p:tgtEl>
+                                          <p:spTgt spid="18"/>
+                                        </p:tgtEl>
+                                        <p:attrNameLst>
+                                          <p:attrName>style.visibility</p:attrName>
+                                        </p:attrNameLst>
+                                      </p:cBhvr>
+                                      <p:to>
+                                        <p:strVal val="visible"/>
+                                      </p:to>
+                                    </p:set>
+                                    <p:animEffect transition="in" filter="randombar(horizontal)">
+                                      <p:cBhvr>
+                                        <p:cTn id="59" dur="500"/>
+                                        <p:tgtEl>
+                                          <p:spTgt spid="18"/>
+                                        </p:tgtEl>
+                                      </p:cBhvr>
+                                    </p:animEffect>
+                                  </p:childTnLst>
+                                </p:cTn>
+                              </p:par>
+                              <p:par>
+                                <p:cTn id="60" presetID="14" presetClass="entr" presetSubtype="10" fill="hold" grpId="0" nodeType="withEffect">
+                                  <p:stCondLst>
+                                    <p:cond delay="0"/>
+                                  </p:stCondLst>
+                                  <p:childTnLst>
+                                    <p:set>
+                                      <p:cBhvr>
+                                        <p:cTn id="61" dur="1" fill="hold">
+                                          <p:stCondLst>
+                                            <p:cond delay="0"/>
+                                          </p:stCondLst>
+                                        </p:cTn>
+                                        <p:tgtEl>
+                                          <p:spTgt spid="25"/>
+                                        </p:tgtEl>
+                                        <p:attrNameLst>
+                                          <p:attrName>style.visibility</p:attrName>
+                                        </p:attrNameLst>
+                                      </p:cBhvr>
+                                      <p:to>
+                                        <p:strVal val="visible"/>
+                                      </p:to>
+                                    </p:set>
+                                    <p:animEffect transition="in" filter="randombar(horizontal)">
+                                      <p:cBhvr>
+                                        <p:cTn id="62" dur="500"/>
+                                        <p:tgtEl>
+                                          <p:spTgt spid="25"/>
+                                        </p:tgtEl>
+                                      </p:cBhvr>
+                                    </p:animEffect>
+                                  </p:childTnLst>
+                                </p:cTn>
+                              </p:par>
+                              <p:par>
+                                <p:cTn id="63" presetID="14" presetClass="entr" presetSubtype="10" fill="hold" nodeType="withEffect">
+                                  <p:stCondLst>
+                                    <p:cond delay="0"/>
+                                  </p:stCondLst>
+                                  <p:childTnLst>
+                                    <p:set>
+                                      <p:cBhvr>
+                                        <p:cTn id="64" dur="1" fill="hold">
+                                          <p:stCondLst>
+                                            <p:cond delay="0"/>
+                                          </p:stCondLst>
+                                        </p:cTn>
+                                        <p:tgtEl>
+                                          <p:spTgt spid="51"/>
+                                        </p:tgtEl>
+                                        <p:attrNameLst>
+                                          <p:attrName>style.visibility</p:attrName>
+                                        </p:attrNameLst>
+                                      </p:cBhvr>
+                                      <p:to>
+                                        <p:strVal val="visible"/>
+                                      </p:to>
+                                    </p:set>
+                                    <p:animEffect transition="in" filter="randombar(horizontal)">
+                                      <p:cBhvr>
+                                        <p:cTn id="65" dur="500"/>
+                                        <p:tgtEl>
+                                          <p:spTgt spid="51"/>
+                                        </p:tgtEl>
+                                      </p:cBhvr>
+                                    </p:animEffect>
+                                  </p:childTnLst>
+                                </p:cTn>
+                              </p:par>
+                              <p:par>
+                                <p:cTn id="66" presetID="14" presetClass="entr" presetSubtype="10" fill="hold" nodeType="withEffect">
+                                  <p:stCondLst>
+                                    <p:cond delay="0"/>
+                                  </p:stCondLst>
+                                  <p:childTnLst>
+                                    <p:set>
+                                      <p:cBhvr>
+                                        <p:cTn id="67" dur="1" fill="hold">
+                                          <p:stCondLst>
+                                            <p:cond delay="0"/>
+                                          </p:stCondLst>
+                                        </p:cTn>
+                                        <p:tgtEl>
+                                          <p:spTgt spid="50"/>
+                                        </p:tgtEl>
+                                        <p:attrNameLst>
+                                          <p:attrName>style.visibility</p:attrName>
+                                        </p:attrNameLst>
+                                      </p:cBhvr>
+                                      <p:to>
+                                        <p:strVal val="visible"/>
+                                      </p:to>
+                                    </p:set>
+                                    <p:animEffect transition="in" filter="randombar(horizontal)">
+                                      <p:cBhvr>
+                                        <p:cTn id="68" dur="500"/>
+                                        <p:tgtEl>
+                                          <p:spTgt spid="50"/>
+                                        </p:tgtEl>
+                                      </p:cBhvr>
+                                    </p:animEffect>
+                                  </p:childTnLst>
+                                </p:cTn>
+                              </p:par>
+                            </p:childTnLst>
+                          </p:cTn>
+                        </p:par>
+                      </p:childTnLst>
+                    </p:cTn>
+                  </p:par>
+                  <p:par>
+                    <p:cTn id="69" fill="hold">
+                      <p:stCondLst>
+                        <p:cond delay="indefinite"/>
+                      </p:stCondLst>
+                      <p:childTnLst>
+                        <p:par>
+                          <p:cTn id="70" fill="hold">
+                            <p:stCondLst>
+                              <p:cond delay="0"/>
+                            </p:stCondLst>
+                            <p:childTnLst>
+                              <p:par>
+                                <p:cTn id="71" presetID="14" presetClass="entr" presetSubtype="10" fill="hold" nodeType="clickEffect">
+                                  <p:stCondLst>
+                                    <p:cond delay="0"/>
+                                  </p:stCondLst>
+                                  <p:childTnLst>
+                                    <p:set>
+                                      <p:cBhvr>
+                                        <p:cTn id="72" dur="1" fill="hold">
+                                          <p:stCondLst>
+                                            <p:cond delay="0"/>
+                                          </p:stCondLst>
+                                        </p:cTn>
+                                        <p:tgtEl>
+                                          <p:spTgt spid="19"/>
+                                        </p:tgtEl>
+                                        <p:attrNameLst>
+                                          <p:attrName>style.visibility</p:attrName>
+                                        </p:attrNameLst>
+                                      </p:cBhvr>
+                                      <p:to>
+                                        <p:strVal val="visible"/>
+                                      </p:to>
+                                    </p:set>
+                                    <p:animEffect transition="in" filter="randombar(horizontal)">
+                                      <p:cBhvr>
+                                        <p:cTn id="73" dur="500"/>
+                                        <p:tgtEl>
+                                          <p:spTgt spid="19"/>
+                                        </p:tgtEl>
+                                      </p:cBhvr>
+                                    </p:animEffect>
+                                  </p:childTnLst>
+                                </p:cTn>
+                              </p:par>
+                              <p:par>
+                                <p:cTn id="74" presetID="14" presetClass="entr" presetSubtype="10" fill="hold" nodeType="withEffect">
+                                  <p:stCondLst>
+                                    <p:cond delay="0"/>
+                                  </p:stCondLst>
+                                  <p:childTnLst>
+                                    <p:set>
+                                      <p:cBhvr>
+                                        <p:cTn id="75" dur="1" fill="hold">
+                                          <p:stCondLst>
+                                            <p:cond delay="0"/>
+                                          </p:stCondLst>
+                                        </p:cTn>
+                                        <p:tgtEl>
+                                          <p:spTgt spid="37"/>
+                                        </p:tgtEl>
+                                        <p:attrNameLst>
+                                          <p:attrName>style.visibility</p:attrName>
+                                        </p:attrNameLst>
+                                      </p:cBhvr>
+                                      <p:to>
+                                        <p:strVal val="visible"/>
+                                      </p:to>
+                                    </p:set>
+                                    <p:animEffect transition="in" filter="randombar(horizontal)">
+                                      <p:cBhvr>
+                                        <p:cTn id="76" dur="500"/>
+                                        <p:tgtEl>
+                                          <p:spTgt spid="37"/>
+                                        </p:tgtEl>
+                                      </p:cBhvr>
+                                    </p:animEffect>
+                                  </p:childTnLst>
+                                </p:cTn>
+                              </p:par>
+                              <p:par>
+                                <p:cTn id="77" presetID="14" presetClass="entr" presetSubtype="10" fill="hold" grpId="0" nodeType="withEffect">
+                                  <p:stCondLst>
+                                    <p:cond delay="0"/>
+                                  </p:stCondLst>
+                                  <p:childTnLst>
+                                    <p:set>
+                                      <p:cBhvr>
+                                        <p:cTn id="78" dur="1" fill="hold">
+                                          <p:stCondLst>
+                                            <p:cond delay="0"/>
+                                          </p:stCondLst>
+                                        </p:cTn>
+                                        <p:tgtEl>
+                                          <p:spTgt spid="26"/>
+                                        </p:tgtEl>
+                                        <p:attrNameLst>
+                                          <p:attrName>style.visibility</p:attrName>
+                                        </p:attrNameLst>
+                                      </p:cBhvr>
+                                      <p:to>
+                                        <p:strVal val="visible"/>
+                                      </p:to>
+                                    </p:set>
+                                    <p:animEffect transition="in" filter="randombar(horizontal)">
+                                      <p:cBhvr>
+                                        <p:cTn id="79" dur="500"/>
+                                        <p:tgtEl>
+                                          <p:spTgt spid="26"/>
+                                        </p:tgtEl>
+                                      </p:cBhvr>
+                                    </p:animEffect>
+                                  </p:childTnLst>
+                                </p:cTn>
+                              </p:par>
+                            </p:childTnLst>
+                          </p:cTn>
+                        </p:par>
+                      </p:childTnLst>
+                    </p:cTn>
+                  </p:par>
+                  <p:par>
+                    <p:cTn id="80" fill="hold">
+                      <p:stCondLst>
+                        <p:cond delay="indefinite"/>
+                      </p:stCondLst>
+                      <p:childTnLst>
+                        <p:par>
+                          <p:cTn id="81" fill="hold">
+                            <p:stCondLst>
+                              <p:cond delay="0"/>
+                            </p:stCondLst>
+                            <p:childTnLst>
+                              <p:par>
+                                <p:cTn id="82" presetID="14" presetClass="entr" presetSubtype="10" fill="hold" nodeType="clickEffect">
+                                  <p:stCondLst>
+                                    <p:cond delay="0"/>
+                                  </p:stCondLst>
+                                  <p:childTnLst>
+                                    <p:set>
+                                      <p:cBhvr>
+                                        <p:cTn id="83" dur="1" fill="hold">
+                                          <p:stCondLst>
+                                            <p:cond delay="0"/>
+                                          </p:stCondLst>
+                                        </p:cTn>
+                                        <p:tgtEl>
+                                          <p:spTgt spid="14"/>
+                                        </p:tgtEl>
+                                        <p:attrNameLst>
+                                          <p:attrName>style.visibility</p:attrName>
+                                        </p:attrNameLst>
+                                      </p:cBhvr>
+                                      <p:to>
+                                        <p:strVal val="visible"/>
+                                      </p:to>
+                                    </p:set>
+                                    <p:animEffect transition="in" filter="randombar(horizontal)">
+                                      <p:cBhvr>
+                                        <p:cTn id="84" dur="500"/>
+                                        <p:tgtEl>
+                                          <p:spTgt spid="14"/>
+                                        </p:tgtEl>
+                                      </p:cBhvr>
+                                    </p:animEffect>
+                                  </p:childTnLst>
+                                </p:cTn>
+                              </p:par>
+                              <p:par>
+                                <p:cTn id="85" presetID="14" presetClass="entr" presetSubtype="10" fill="hold" grpId="0" nodeType="withEffect">
+                                  <p:stCondLst>
+                                    <p:cond delay="0"/>
+                                  </p:stCondLst>
+                                  <p:childTnLst>
+                                    <p:set>
+                                      <p:cBhvr>
+                                        <p:cTn id="86" dur="1" fill="hold">
+                                          <p:stCondLst>
+                                            <p:cond delay="0"/>
+                                          </p:stCondLst>
+                                        </p:cTn>
+                                        <p:tgtEl>
+                                          <p:spTgt spid="27"/>
+                                        </p:tgtEl>
+                                        <p:attrNameLst>
+                                          <p:attrName>style.visibility</p:attrName>
+                                        </p:attrNameLst>
+                                      </p:cBhvr>
+                                      <p:to>
+                                        <p:strVal val="visible"/>
+                                      </p:to>
+                                    </p:set>
+                                    <p:animEffect transition="in" filter="randombar(horizontal)">
+                                      <p:cBhvr>
+                                        <p:cTn id="87" dur="500"/>
+                                        <p:tgtEl>
+                                          <p:spTgt spid="27"/>
+                                        </p:tgtEl>
+                                      </p:cBhvr>
+                                    </p:animEffect>
+                                  </p:childTnLst>
+                                </p:cTn>
+                              </p:par>
+                              <p:par>
+                                <p:cTn id="88" presetID="14" presetClass="entr" presetSubtype="10" fill="hold" nodeType="withEffect">
+                                  <p:stCondLst>
+                                    <p:cond delay="0"/>
+                                  </p:stCondLst>
+                                  <p:childTnLst>
+                                    <p:set>
+                                      <p:cBhvr>
+                                        <p:cTn id="89" dur="1" fill="hold">
+                                          <p:stCondLst>
+                                            <p:cond delay="0"/>
+                                          </p:stCondLst>
+                                        </p:cTn>
+                                        <p:tgtEl>
+                                          <p:spTgt spid="40"/>
+                                        </p:tgtEl>
+                                        <p:attrNameLst>
+                                          <p:attrName>style.visibility</p:attrName>
+                                        </p:attrNameLst>
+                                      </p:cBhvr>
+                                      <p:to>
+                                        <p:strVal val="visible"/>
+                                      </p:to>
+                                    </p:set>
+                                    <p:animEffect transition="in" filter="randombar(horizontal)">
+                                      <p:cBhvr>
+                                        <p:cTn id="90" dur="500"/>
+                                        <p:tgtEl>
+                                          <p:spTgt spid="40"/>
+                                        </p:tgtEl>
+                                      </p:cBhvr>
+                                    </p:animEffect>
+                                  </p:childTnLst>
+                                </p:cTn>
+                              </p:par>
+                              <p:par>
+                                <p:cTn id="91" presetID="14" presetClass="entr" presetSubtype="10" fill="hold" nodeType="withEffect">
+                                  <p:stCondLst>
+                                    <p:cond delay="0"/>
+                                  </p:stCondLst>
+                                  <p:childTnLst>
+                                    <p:set>
+                                      <p:cBhvr>
+                                        <p:cTn id="92" dur="1" fill="hold">
+                                          <p:stCondLst>
+                                            <p:cond delay="0"/>
+                                          </p:stCondLst>
+                                        </p:cTn>
+                                        <p:tgtEl>
+                                          <p:spTgt spid="6"/>
+                                        </p:tgtEl>
+                                        <p:attrNameLst>
+                                          <p:attrName>style.visibility</p:attrName>
+                                        </p:attrNameLst>
+                                      </p:cBhvr>
+                                      <p:to>
+                                        <p:strVal val="visible"/>
+                                      </p:to>
+                                    </p:set>
+                                    <p:animEffect transition="in" filter="randombar(horizontal)">
+                                      <p:cBhvr>
+                                        <p:cTn id="93" dur="500"/>
+                                        <p:tgtEl>
+                                          <p:spTgt spid="6"/>
+                                        </p:tgtEl>
+                                      </p:cBhvr>
+                                    </p:animEffect>
+                                  </p:childTnLst>
+                                </p:cTn>
+                              </p:par>
+                            </p:childTnLst>
+                          </p:cTn>
+                        </p:par>
+                      </p:childTnLst>
+                    </p:cTn>
+                  </p:par>
+                  <p:par>
+                    <p:cTn id="94" fill="hold">
+                      <p:stCondLst>
+                        <p:cond delay="indefinite"/>
+                      </p:stCondLst>
+                      <p:childTnLst>
+                        <p:par>
+                          <p:cTn id="95" fill="hold">
+                            <p:stCondLst>
+                              <p:cond delay="0"/>
+                            </p:stCondLst>
+                            <p:childTnLst>
+                              <p:par>
+                                <p:cTn id="96" presetID="14" presetClass="entr" presetSubtype="10" fill="hold" nodeType="clickEffect">
+                                  <p:stCondLst>
+                                    <p:cond delay="0"/>
+                                  </p:stCondLst>
+                                  <p:childTnLst>
+                                    <p:set>
+                                      <p:cBhvr>
+                                        <p:cTn id="97" dur="1" fill="hold">
+                                          <p:stCondLst>
+                                            <p:cond delay="0"/>
+                                          </p:stCondLst>
+                                        </p:cTn>
+                                        <p:tgtEl>
+                                          <p:spTgt spid="16"/>
+                                        </p:tgtEl>
+                                        <p:attrNameLst>
+                                          <p:attrName>style.visibility</p:attrName>
+                                        </p:attrNameLst>
+                                      </p:cBhvr>
+                                      <p:to>
+                                        <p:strVal val="visible"/>
+                                      </p:to>
+                                    </p:set>
+                                    <p:animEffect transition="in" filter="randombar(horizontal)">
+                                      <p:cBhvr>
+                                        <p:cTn id="98" dur="500"/>
+                                        <p:tgtEl>
+                                          <p:spTgt spid="16"/>
+                                        </p:tgtEl>
+                                      </p:cBhvr>
+                                    </p:animEffect>
+                                  </p:childTnLst>
+                                </p:cTn>
+                              </p:par>
+                              <p:par>
+                                <p:cTn id="99" presetID="14" presetClass="entr" presetSubtype="10" fill="hold" grpId="0" nodeType="withEffect">
+                                  <p:stCondLst>
+                                    <p:cond delay="0"/>
+                                  </p:stCondLst>
+                                  <p:childTnLst>
+                                    <p:set>
+                                      <p:cBhvr>
+                                        <p:cTn id="100" dur="1" fill="hold">
+                                          <p:stCondLst>
+                                            <p:cond delay="0"/>
+                                          </p:stCondLst>
+                                        </p:cTn>
+                                        <p:tgtEl>
+                                          <p:spTgt spid="28"/>
+                                        </p:tgtEl>
+                                        <p:attrNameLst>
+                                          <p:attrName>style.visibility</p:attrName>
+                                        </p:attrNameLst>
+                                      </p:cBhvr>
+                                      <p:to>
+                                        <p:strVal val="visible"/>
+                                      </p:to>
+                                    </p:set>
+                                    <p:animEffect transition="in" filter="randombar(horizontal)">
+                                      <p:cBhvr>
+                                        <p:cTn id="101" dur="500"/>
+                                        <p:tgtEl>
+                                          <p:spTgt spid="28"/>
+                                        </p:tgtEl>
+                                      </p:cBhvr>
+                                    </p:animEffect>
+                                  </p:childTnLst>
+                                </p:cTn>
+                              </p:par>
+                              <p:par>
+                                <p:cTn id="102" presetID="14" presetClass="entr" presetSubtype="10" fill="hold" nodeType="withEffect">
+                                  <p:stCondLst>
+                                    <p:cond delay="0"/>
+                                  </p:stCondLst>
+                                  <p:childTnLst>
+                                    <p:set>
+                                      <p:cBhvr>
+                                        <p:cTn id="103" dur="1" fill="hold">
+                                          <p:stCondLst>
+                                            <p:cond delay="0"/>
+                                          </p:stCondLst>
+                                        </p:cTn>
+                                        <p:tgtEl>
+                                          <p:spTgt spid="36"/>
+                                        </p:tgtEl>
+                                        <p:attrNameLst>
+                                          <p:attrName>style.visibility</p:attrName>
+                                        </p:attrNameLst>
+                                      </p:cBhvr>
+                                      <p:to>
+                                        <p:strVal val="visible"/>
+                                      </p:to>
+                                    </p:set>
+                                    <p:animEffect transition="in" filter="randombar(horizontal)">
+                                      <p:cBhvr>
+                                        <p:cTn id="104" dur="500"/>
+                                        <p:tgtEl>
+                                          <p:spTgt spid="36"/>
+                                        </p:tgtEl>
+                                      </p:cBhvr>
+                                    </p:animEffect>
+                                  </p:childTnLst>
+                                </p:cTn>
+                              </p:par>
+                            </p:childTnLst>
+                          </p:cTn>
+                        </p:par>
+                      </p:childTnLst>
+                    </p:cTn>
+                  </p:par>
+                  <p:par>
+                    <p:cTn id="105" fill="hold">
+                      <p:stCondLst>
+                        <p:cond delay="indefinite"/>
+                      </p:stCondLst>
+                      <p:childTnLst>
+                        <p:par>
+                          <p:cTn id="106" fill="hold">
+                            <p:stCondLst>
+                              <p:cond delay="0"/>
+                            </p:stCondLst>
+                            <p:childTnLst>
+                              <p:par>
+                                <p:cTn id="107" presetID="14" presetClass="entr" presetSubtype="10" fill="hold" nodeType="clickEffect">
+                                  <p:stCondLst>
+                                    <p:cond delay="0"/>
+                                  </p:stCondLst>
+                                  <p:childTnLst>
+                                    <p:set>
+                                      <p:cBhvr>
+                                        <p:cTn id="108" dur="1" fill="hold">
+                                          <p:stCondLst>
+                                            <p:cond delay="0"/>
+                                          </p:stCondLst>
+                                        </p:cTn>
+                                        <p:tgtEl>
+                                          <p:spTgt spid="20"/>
+                                        </p:tgtEl>
+                                        <p:attrNameLst>
+                                          <p:attrName>style.visibility</p:attrName>
+                                        </p:attrNameLst>
+                                      </p:cBhvr>
+                                      <p:to>
+                                        <p:strVal val="visible"/>
+                                      </p:to>
+                                    </p:set>
+                                    <p:animEffect transition="in" filter="randombar(horizontal)">
+                                      <p:cBhvr>
+                                        <p:cTn id="109" dur="500"/>
+                                        <p:tgtEl>
+                                          <p:spTgt spid="20"/>
+                                        </p:tgtEl>
+                                      </p:cBhvr>
+                                    </p:animEffect>
+                                  </p:childTnLst>
+                                </p:cTn>
+                              </p:par>
+                              <p:par>
+                                <p:cTn id="110" presetID="14" presetClass="entr" presetSubtype="10" fill="hold" grpId="0" nodeType="withEffect">
+                                  <p:stCondLst>
+                                    <p:cond delay="0"/>
+                                  </p:stCondLst>
+                                  <p:childTnLst>
+                                    <p:set>
+                                      <p:cBhvr>
+                                        <p:cTn id="111" dur="1" fill="hold">
+                                          <p:stCondLst>
+                                            <p:cond delay="0"/>
+                                          </p:stCondLst>
+                                        </p:cTn>
+                                        <p:tgtEl>
+                                          <p:spTgt spid="29"/>
+                                        </p:tgtEl>
+                                        <p:attrNameLst>
+                                          <p:attrName>style.visibility</p:attrName>
+                                        </p:attrNameLst>
+                                      </p:cBhvr>
+                                      <p:to>
+                                        <p:strVal val="visible"/>
+                                      </p:to>
+                                    </p:set>
+                                    <p:animEffect transition="in" filter="randombar(horizontal)">
+                                      <p:cBhvr>
+                                        <p:cTn id="112" dur="500"/>
+                                        <p:tgtEl>
+                                          <p:spTgt spid="29"/>
+                                        </p:tgtEl>
+                                      </p:cBhvr>
+                                    </p:animEffect>
+                                  </p:childTnLst>
+                                </p:cTn>
+                              </p:par>
+                              <p:par>
+                                <p:cTn id="113" presetID="14" presetClass="entr" presetSubtype="10" fill="hold" nodeType="withEffect">
+                                  <p:stCondLst>
+                                    <p:cond delay="0"/>
+                                  </p:stCondLst>
+                                  <p:childTnLst>
+                                    <p:set>
+                                      <p:cBhvr>
+                                        <p:cTn id="114" dur="1" fill="hold">
+                                          <p:stCondLst>
+                                            <p:cond delay="0"/>
+                                          </p:stCondLst>
+                                        </p:cTn>
+                                        <p:tgtEl>
+                                          <p:spTgt spid="39"/>
+                                        </p:tgtEl>
+                                        <p:attrNameLst>
+                                          <p:attrName>style.visibility</p:attrName>
+                                        </p:attrNameLst>
+                                      </p:cBhvr>
+                                      <p:to>
+                                        <p:strVal val="visible"/>
+                                      </p:to>
+                                    </p:set>
+                                    <p:animEffect transition="in" filter="randombar(horizontal)">
+                                      <p:cBhvr>
+                                        <p:cTn id="115" dur="500"/>
+                                        <p:tgtEl>
+                                          <p:spTgt spid="39"/>
+                                        </p:tgtEl>
+                                      </p:cBhvr>
+                                    </p:animEffect>
+                                  </p:childTnLst>
+                                </p:cTn>
+                              </p:par>
+                              <p:par>
+                                <p:cTn id="116" presetID="14" presetClass="entr" presetSubtype="10" fill="hold" nodeType="withEffect">
+                                  <p:stCondLst>
+                                    <p:cond delay="0"/>
+                                  </p:stCondLst>
+                                  <p:childTnLst>
+                                    <p:set>
+                                      <p:cBhvr>
+                                        <p:cTn id="117" dur="1" fill="hold">
+                                          <p:stCondLst>
+                                            <p:cond delay="0"/>
+                                          </p:stCondLst>
+                                        </p:cTn>
+                                        <p:tgtEl>
+                                          <p:spTgt spid="10"/>
+                                        </p:tgtEl>
+                                        <p:attrNameLst>
+                                          <p:attrName>style.visibility</p:attrName>
+                                        </p:attrNameLst>
+                                      </p:cBhvr>
+                                      <p:to>
+                                        <p:strVal val="visible"/>
+                                      </p:to>
+                                    </p:set>
+                                    <p:animEffect transition="in" filter="randombar(horizontal)">
+                                      <p:cBhvr>
+                                        <p:cTn id="118" dur="500"/>
+                                        <p:tgtEl>
+                                          <p:spTgt spid="10"/>
+                                        </p:tgtEl>
+                                      </p:cBhvr>
+                                    </p:animEffect>
+                                  </p:childTnLst>
+                                </p:cTn>
+                              </p:par>
+                            </p:childTnLst>
+                          </p:cTn>
+                        </p:par>
+                      </p:childTnLst>
+                    </p:cTn>
+                  </p:par>
+                  <p:par>
+                    <p:cTn id="119" fill="hold">
+                      <p:stCondLst>
+                        <p:cond delay="indefinite"/>
+                      </p:stCondLst>
+                      <p:childTnLst>
+                        <p:par>
+                          <p:cTn id="120" fill="hold">
+                            <p:stCondLst>
+                              <p:cond delay="0"/>
+                            </p:stCondLst>
+                            <p:childTnLst>
+                              <p:par>
+                                <p:cTn id="121" presetID="14" presetClass="entr" presetSubtype="10" fill="hold" nodeType="clickEffect">
+                                  <p:stCondLst>
+                                    <p:cond delay="0"/>
+                                  </p:stCondLst>
+                                  <p:childTnLst>
+                                    <p:set>
+                                      <p:cBhvr>
+                                        <p:cTn id="122" dur="1" fill="hold">
+                                          <p:stCondLst>
+                                            <p:cond delay="0"/>
+                                          </p:stCondLst>
+                                        </p:cTn>
+                                        <p:tgtEl>
+                                          <p:spTgt spid="17"/>
+                                        </p:tgtEl>
+                                        <p:attrNameLst>
+                                          <p:attrName>style.visibility</p:attrName>
+                                        </p:attrNameLst>
+                                      </p:cBhvr>
+                                      <p:to>
+                                        <p:strVal val="visible"/>
+                                      </p:to>
+                                    </p:set>
+                                    <p:animEffect transition="in" filter="randombar(horizontal)">
+                                      <p:cBhvr>
+                                        <p:cTn id="123" dur="500"/>
+                                        <p:tgtEl>
+                                          <p:spTgt spid="17"/>
+                                        </p:tgtEl>
+                                      </p:cBhvr>
+                                    </p:animEffect>
+                                  </p:childTnLst>
+                                </p:cTn>
+                              </p:par>
+                              <p:par>
+                                <p:cTn id="124" presetID="14" presetClass="entr" presetSubtype="10" fill="hold" grpId="0" nodeType="withEffect">
+                                  <p:stCondLst>
+                                    <p:cond delay="0"/>
+                                  </p:stCondLst>
+                                  <p:childTnLst>
+                                    <p:set>
+                                      <p:cBhvr>
+                                        <p:cTn id="125" dur="1" fill="hold">
+                                          <p:stCondLst>
+                                            <p:cond delay="0"/>
+                                          </p:stCondLst>
+                                        </p:cTn>
+                                        <p:tgtEl>
+                                          <p:spTgt spid="30"/>
+                                        </p:tgtEl>
+                                        <p:attrNameLst>
+                                          <p:attrName>style.visibility</p:attrName>
+                                        </p:attrNameLst>
+                                      </p:cBhvr>
+                                      <p:to>
+                                        <p:strVal val="visible"/>
+                                      </p:to>
+                                    </p:set>
+                                    <p:animEffect transition="in" filter="randombar(horizontal)">
+                                      <p:cBhvr>
+                                        <p:cTn id="126" dur="500"/>
+                                        <p:tgtEl>
+                                          <p:spTgt spid="30"/>
+                                        </p:tgtEl>
+                                      </p:cBhvr>
+                                    </p:animEffect>
+                                  </p:childTnLst>
+                                </p:cTn>
+                              </p:par>
+                              <p:par>
+                                <p:cTn id="127" presetID="14" presetClass="entr" presetSubtype="10" fill="hold" nodeType="withEffect">
+                                  <p:stCondLst>
+                                    <p:cond delay="0"/>
+                                  </p:stCondLst>
+                                  <p:childTnLst>
+                                    <p:set>
+                                      <p:cBhvr>
+                                        <p:cTn id="128" dur="1" fill="hold">
+                                          <p:stCondLst>
+                                            <p:cond delay="0"/>
+                                          </p:stCondLst>
+                                        </p:cTn>
+                                        <p:tgtEl>
+                                          <p:spTgt spid="38"/>
+                                        </p:tgtEl>
+                                        <p:attrNameLst>
+                                          <p:attrName>style.visibility</p:attrName>
+                                        </p:attrNameLst>
+                                      </p:cBhvr>
+                                      <p:to>
+                                        <p:strVal val="visible"/>
+                                      </p:to>
+                                    </p:set>
+                                    <p:animEffect transition="in" filter="randombar(horizontal)">
+                                      <p:cBhvr>
+                                        <p:cTn id="129" dur="500"/>
+                                        <p:tgtEl>
+                                          <p:spTgt spid="38"/>
+                                        </p:tgtEl>
+                                      </p:cBhvr>
+                                    </p:animEffect>
+                                  </p:childTnLst>
+                                </p:cTn>
+                              </p:par>
+                              <p:par>
+                                <p:cTn id="130" presetID="14" presetClass="entr" presetSubtype="10" fill="hold" nodeType="withEffect">
+                                  <p:stCondLst>
+                                    <p:cond delay="0"/>
+                                  </p:stCondLst>
+                                  <p:childTnLst>
+                                    <p:set>
+                                      <p:cBhvr>
+                                        <p:cTn id="131" dur="1" fill="hold">
+                                          <p:stCondLst>
+                                            <p:cond delay="0"/>
+                                          </p:stCondLst>
+                                        </p:cTn>
+                                        <p:tgtEl>
+                                          <p:spTgt spid="8"/>
+                                        </p:tgtEl>
+                                        <p:attrNameLst>
+                                          <p:attrName>style.visibility</p:attrName>
+                                        </p:attrNameLst>
+                                      </p:cBhvr>
+                                      <p:to>
+                                        <p:strVal val="visible"/>
+                                      </p:to>
+                                    </p:set>
+                                    <p:animEffect transition="in" filter="randombar(horizontal)">
+                                      <p:cBhvr>
+                                        <p:cTn id="132" dur="500"/>
+                                        <p:tgtEl>
+                                          <p:spTgt spid="8"/>
+                                        </p:tgtEl>
+                                      </p:cBhvr>
+                                    </p:animEffect>
+                                  </p:childTnLst>
+                                </p:cTn>
+                              </p:par>
+                            </p:childTnLst>
+                          </p:cTn>
+                        </p:par>
+                      </p:childTnLst>
+                    </p:cTn>
+                  </p:par>
+                </p:childTnLst>
+              </p:cTn>
+              <p:prevCondLst>
+                <p:cond evt="onPrev" delay="0">
+                  <p:tgtEl>
+                    <p:sldTgt/>
+                  </p:tgtEl>
+                </p:cond>
+              </p:prevCondLst>
+              <p:nextCondLst>
+                <p:cond evt="onNext" delay="0">
+                  <p:tgtEl>
+                    <p:sldTgt/>
+                  </p:tgtEl>
+                </p:cond>
+              </p:nextCondLst>
+            </p:seq>
+          </p:childTnLst>
+        </p:cTn>
       </p:par>
     </p:tnLst>
+    <p:bldLst>
+      <p:bldP spid="21" grpId="0"/>
+      <p:bldP spid="22" grpId="0"/>
+      <p:bldP spid="23" grpId="0"/>
+      <p:bldP spid="25" grpId="0"/>
+      <p:bldP spid="26" grpId="0"/>
+      <p:bldP spid="27" grpId="0"/>
+      <p:bldP spid="28" grpId="0"/>
+      <p:bldP spid="29" grpId="0"/>
+      <p:bldP spid="30" grpId="0"/>
+    </p:bldLst>
   </p:timing>
 </p:sld>
 </file>
 
-<file path=ppt/slides/slide14.xml><?xml version="1.0" encoding="utf-8"?>
+<file path=ppt/slides/slide13.xml><?xml version="1.0" encoding="utf-8"?>
 <p:sld xmlns:a="http://schemas.openxmlformats.org/drawingml/2006/main" xmlns:r="http://schemas.openxmlformats.org/officeDocument/2006/relationships" xmlns:p="http://schemas.openxmlformats.org/presentationml/2006/main">
   <p:cSld>
     <p:spTree>
@@ -23169,8 +25192,8 @@
         </p:blipFill>
         <p:spPr>
           <a:xfrm>
-            <a:off x="1850264" y="2209800"/>
-            <a:ext cx="2438400" cy="2438400"/>
+            <a:off x="2236630" y="5357674"/>
+            <a:ext cx="1240665" cy="1240665"/>
           </a:xfrm>
           <a:prstGeom prst="rect">
             <a:avLst/>
@@ -23199,14 +25222,210 @@
         </p:blipFill>
         <p:spPr>
           <a:xfrm>
-            <a:off x="6433177" y="2211000"/>
-            <a:ext cx="2909813" cy="2437200"/>
+            <a:off x="9055209" y="5356339"/>
+            <a:ext cx="1482844" cy="1242000"/>
           </a:xfrm>
           <a:prstGeom prst="rect">
             <a:avLst/>
           </a:prstGeom>
         </p:spPr>
       </p:pic>
+      <p:pic>
+        <p:nvPicPr>
+          <p:cNvPr id="3" name="Picture 2"/>
+          <p:cNvPicPr>
+            <a:picLocks noChangeAspect="1"/>
+          </p:cNvPicPr>
+          <p:nvPr/>
+        </p:nvPicPr>
+        <p:blipFill>
+          <a:blip r:embed="rId4">
+            <a:extLst>
+              <a:ext uri="{28A0092B-C50C-407E-A947-70E740481C1C}">
+                <a14:useLocalDpi xmlns:a14="http://schemas.microsoft.com/office/drawing/2010/main" val="0"/>
+              </a:ext>
+            </a:extLst>
+          </a:blip>
+          <a:stretch>
+            <a:fillRect/>
+          </a:stretch>
+        </p:blipFill>
+        <p:spPr>
+          <a:xfrm>
+            <a:off x="73651" y="1912064"/>
+            <a:ext cx="2880171" cy="1908000"/>
+          </a:xfrm>
+          <a:prstGeom prst="rect">
+            <a:avLst/>
+          </a:prstGeom>
+        </p:spPr>
+      </p:pic>
+      <p:pic>
+        <p:nvPicPr>
+          <p:cNvPr id="4" name="Picture 3"/>
+          <p:cNvPicPr>
+            <a:picLocks noChangeAspect="1"/>
+          </p:cNvPicPr>
+          <p:nvPr/>
+        </p:nvPicPr>
+        <p:blipFill>
+          <a:blip r:embed="rId5" cstate="print">
+            <a:extLst>
+              <a:ext uri="{28A0092B-C50C-407E-A947-70E740481C1C}">
+                <a14:useLocalDpi xmlns:a14="http://schemas.microsoft.com/office/drawing/2010/main" val="0"/>
+              </a:ext>
+            </a:extLst>
+          </a:blip>
+          <a:stretch>
+            <a:fillRect/>
+          </a:stretch>
+        </p:blipFill>
+        <p:spPr>
+          <a:xfrm>
+            <a:off x="3299876" y="1912064"/>
+            <a:ext cx="3411363" cy="1908000"/>
+          </a:xfrm>
+          <a:prstGeom prst="rect">
+            <a:avLst/>
+          </a:prstGeom>
+        </p:spPr>
+      </p:pic>
+      <p:pic>
+        <p:nvPicPr>
+          <p:cNvPr id="7" name="Picture 6"/>
+          <p:cNvPicPr>
+            <a:picLocks noChangeAspect="1"/>
+          </p:cNvPicPr>
+          <p:nvPr/>
+        </p:nvPicPr>
+        <p:blipFill>
+          <a:blip r:embed="rId6" cstate="print">
+            <a:extLst>
+              <a:ext uri="{28A0092B-C50C-407E-A947-70E740481C1C}">
+                <a14:useLocalDpi xmlns:a14="http://schemas.microsoft.com/office/drawing/2010/main" val="0"/>
+              </a:ext>
+            </a:extLst>
+          </a:blip>
+          <a:stretch>
+            <a:fillRect/>
+          </a:stretch>
+        </p:blipFill>
+        <p:spPr>
+          <a:xfrm>
+            <a:off x="8337126" y="1894280"/>
+            <a:ext cx="2919010" cy="1907560"/>
+          </a:xfrm>
+          <a:prstGeom prst="rect">
+            <a:avLst/>
+          </a:prstGeom>
+        </p:spPr>
+      </p:pic>
+      <p:cxnSp>
+        <p:nvCxnSpPr>
+          <p:cNvPr id="9" name="Straight Arrow Connector 8"/>
+          <p:cNvCxnSpPr>
+            <a:stCxn id="3" idx="2"/>
+          </p:cNvCxnSpPr>
+          <p:nvPr/>
+        </p:nvCxnSpPr>
+        <p:spPr>
+          <a:xfrm>
+            <a:off x="1513737" y="3820064"/>
+            <a:ext cx="868855" cy="1536275"/>
+          </a:xfrm>
+          <a:prstGeom prst="straightConnector1">
+            <a:avLst/>
+          </a:prstGeom>
+          <a:ln w="38100">
+            <a:tailEnd type="arrow"/>
+          </a:ln>
+        </p:spPr>
+        <p:style>
+          <a:lnRef idx="1">
+            <a:schemeClr val="accent1"/>
+          </a:lnRef>
+          <a:fillRef idx="0">
+            <a:schemeClr val="accent1"/>
+          </a:fillRef>
+          <a:effectRef idx="0">
+            <a:schemeClr val="accent1"/>
+          </a:effectRef>
+          <a:fontRef idx="minor">
+            <a:schemeClr val="tx1"/>
+          </a:fontRef>
+        </p:style>
+      </p:cxnSp>
+      <p:cxnSp>
+        <p:nvCxnSpPr>
+          <p:cNvPr id="11" name="Straight Arrow Connector 10"/>
+          <p:cNvCxnSpPr>
+            <a:stCxn id="4" idx="2"/>
+          </p:cNvCxnSpPr>
+          <p:nvPr/>
+        </p:nvCxnSpPr>
+        <p:spPr>
+          <a:xfrm flipH="1">
+            <a:off x="3477295" y="3820064"/>
+            <a:ext cx="1528263" cy="1537610"/>
+          </a:xfrm>
+          <a:prstGeom prst="straightConnector1">
+            <a:avLst/>
+          </a:prstGeom>
+          <a:ln w="38100">
+            <a:tailEnd type="arrow"/>
+          </a:ln>
+        </p:spPr>
+        <p:style>
+          <a:lnRef idx="1">
+            <a:schemeClr val="accent1"/>
+          </a:lnRef>
+          <a:fillRef idx="0">
+            <a:schemeClr val="accent1"/>
+          </a:fillRef>
+          <a:effectRef idx="0">
+            <a:schemeClr val="accent1"/>
+          </a:effectRef>
+          <a:fontRef idx="minor">
+            <a:schemeClr val="tx1"/>
+          </a:fontRef>
+        </p:style>
+      </p:cxnSp>
+      <p:cxnSp>
+        <p:nvCxnSpPr>
+          <p:cNvPr id="13" name="Straight Arrow Connector 12"/>
+          <p:cNvCxnSpPr>
+            <a:stCxn id="7" idx="2"/>
+            <a:endCxn id="6" idx="0"/>
+          </p:cNvCxnSpPr>
+          <p:nvPr/>
+        </p:nvCxnSpPr>
+        <p:spPr>
+          <a:xfrm>
+            <a:off x="9796631" y="3801840"/>
+            <a:ext cx="0" cy="1554499"/>
+          </a:xfrm>
+          <a:prstGeom prst="straightConnector1">
+            <a:avLst/>
+          </a:prstGeom>
+          <a:ln w="38100">
+            <a:tailEnd type="arrow"/>
+          </a:ln>
+        </p:spPr>
+        <p:style>
+          <a:lnRef idx="1">
+            <a:schemeClr val="accent1"/>
+          </a:lnRef>
+          <a:fillRef idx="0">
+            <a:schemeClr val="accent1"/>
+          </a:fillRef>
+          <a:effectRef idx="0">
+            <a:schemeClr val="accent1"/>
+          </a:effectRef>
+          <a:fontRef idx="minor">
+            <a:schemeClr val="tx1"/>
+          </a:fontRef>
+        </p:style>
+      </p:cxnSp>
     </p:spTree>
     <p:extLst>
       <p:ext uri="{BB962C8B-B14F-4D97-AF65-F5344CB8AC3E}">
@@ -23254,6 +25473,146 @@
                                           </p:stCondLst>
                                         </p:cTn>
                                         <p:tgtEl>
+                                          <p:spTgt spid="3"/>
+                                        </p:tgtEl>
+                                        <p:attrNameLst>
+                                          <p:attrName>style.visibility</p:attrName>
+                                        </p:attrNameLst>
+                                      </p:cBhvr>
+                                      <p:to>
+                                        <p:strVal val="visible"/>
+                                      </p:to>
+                                    </p:set>
+                                    <p:animEffect transition="in" filter="randombar(horizontal)">
+                                      <p:cBhvr>
+                                        <p:cTn id="7" dur="500"/>
+                                        <p:tgtEl>
+                                          <p:spTgt spid="3"/>
+                                        </p:tgtEl>
+                                      </p:cBhvr>
+                                    </p:animEffect>
+                                  </p:childTnLst>
+                                </p:cTn>
+                              </p:par>
+                              <p:par>
+                                <p:cTn id="8" presetID="14" presetClass="entr" presetSubtype="10" fill="hold" nodeType="withEffect">
+                                  <p:stCondLst>
+                                    <p:cond delay="0"/>
+                                  </p:stCondLst>
+                                  <p:childTnLst>
+                                    <p:set>
+                                      <p:cBhvr>
+                                        <p:cTn id="9" dur="1" fill="hold">
+                                          <p:stCondLst>
+                                            <p:cond delay="0"/>
+                                          </p:stCondLst>
+                                        </p:cTn>
+                                        <p:tgtEl>
+                                          <p:spTgt spid="4"/>
+                                        </p:tgtEl>
+                                        <p:attrNameLst>
+                                          <p:attrName>style.visibility</p:attrName>
+                                        </p:attrNameLst>
+                                      </p:cBhvr>
+                                      <p:to>
+                                        <p:strVal val="visible"/>
+                                      </p:to>
+                                    </p:set>
+                                    <p:animEffect transition="in" filter="randombar(horizontal)">
+                                      <p:cBhvr>
+                                        <p:cTn id="10" dur="500"/>
+                                        <p:tgtEl>
+                                          <p:spTgt spid="4"/>
+                                        </p:tgtEl>
+                                      </p:cBhvr>
+                                    </p:animEffect>
+                                  </p:childTnLst>
+                                </p:cTn>
+                              </p:par>
+                              <p:par>
+                                <p:cTn id="11" presetID="14" presetClass="entr" presetSubtype="10" fill="hold" nodeType="withEffect">
+                                  <p:stCondLst>
+                                    <p:cond delay="0"/>
+                                  </p:stCondLst>
+                                  <p:childTnLst>
+                                    <p:set>
+                                      <p:cBhvr>
+                                        <p:cTn id="12" dur="1" fill="hold">
+                                          <p:stCondLst>
+                                            <p:cond delay="0"/>
+                                          </p:stCondLst>
+                                        </p:cTn>
+                                        <p:tgtEl>
+                                          <p:spTgt spid="9"/>
+                                        </p:tgtEl>
+                                        <p:attrNameLst>
+                                          <p:attrName>style.visibility</p:attrName>
+                                        </p:attrNameLst>
+                                      </p:cBhvr>
+                                      <p:to>
+                                        <p:strVal val="visible"/>
+                                      </p:to>
+                                    </p:set>
+                                    <p:animEffect transition="in" filter="randombar(horizontal)">
+                                      <p:cBhvr>
+                                        <p:cTn id="13" dur="500"/>
+                                        <p:tgtEl>
+                                          <p:spTgt spid="9"/>
+                                        </p:tgtEl>
+                                      </p:cBhvr>
+                                    </p:animEffect>
+                                  </p:childTnLst>
+                                </p:cTn>
+                              </p:par>
+                              <p:par>
+                                <p:cTn id="14" presetID="14" presetClass="entr" presetSubtype="10" fill="hold" nodeType="withEffect">
+                                  <p:stCondLst>
+                                    <p:cond delay="0"/>
+                                  </p:stCondLst>
+                                  <p:childTnLst>
+                                    <p:set>
+                                      <p:cBhvr>
+                                        <p:cTn id="15" dur="1" fill="hold">
+                                          <p:stCondLst>
+                                            <p:cond delay="0"/>
+                                          </p:stCondLst>
+                                        </p:cTn>
+                                        <p:tgtEl>
+                                          <p:spTgt spid="11"/>
+                                        </p:tgtEl>
+                                        <p:attrNameLst>
+                                          <p:attrName>style.visibility</p:attrName>
+                                        </p:attrNameLst>
+                                      </p:cBhvr>
+                                      <p:to>
+                                        <p:strVal val="visible"/>
+                                      </p:to>
+                                    </p:set>
+                                    <p:animEffect transition="in" filter="randombar(horizontal)">
+                                      <p:cBhvr>
+                                        <p:cTn id="16" dur="500"/>
+                                        <p:tgtEl>
+                                          <p:spTgt spid="11"/>
+                                        </p:tgtEl>
+                                      </p:cBhvr>
+                                    </p:animEffect>
+                                  </p:childTnLst>
+                                </p:cTn>
+                              </p:par>
+                              <p:par>
+                                <p:cTn id="17" presetID="14" presetClass="entr" presetSubtype="10" fill="hold" nodeType="withEffect">
+                                  <p:stCondLst>
+                                    <p:cond delay="0"/>
+                                  </p:stCondLst>
+                                  <p:childTnLst>
+                                    <p:set>
+                                      <p:cBhvr>
+                                        <p:cTn id="18" dur="1" fill="hold">
+                                          <p:stCondLst>
+                                            <p:cond delay="0"/>
+                                          </p:stCondLst>
+                                        </p:cTn>
+                                        <p:tgtEl>
                                           <p:spTgt spid="5"/>
                                         </p:tgtEl>
                                         <p:attrNameLst>
@@ -23266,7 +25625,7 @@
                                     </p:set>
                                     <p:animEffect transition="in" filter="randombar(horizontal)">
                                       <p:cBhvr>
-                                        <p:cTn id="7" dur="500"/>
+                                        <p:cTn id="19" dur="500"/>
                                         <p:tgtEl>
                                           <p:spTgt spid="5"/>
                                         </p:tgtEl>
@@ -23282,26 +25641,96 @@
                     </p:cTn>
                   </p:par>
                   <p:par>
-                    <p:cTn id="8" fill="hold">
+                    <p:cTn id="20" fill="hold">
                       <p:stCondLst>
                         <p:cond delay="indefinite"/>
                       </p:stCondLst>
                       <p:childTnLst>
                         <p:par>
-                          <p:cTn id="9" fill="hold">
+                          <p:cTn id="21" fill="hold">
                             <p:stCondLst>
                               <p:cond delay="0"/>
                             </p:stCondLst>
                             <p:childTnLst>
                               <p:par>
-                                <p:cTn id="10" presetID="14" presetClass="entr" presetSubtype="10" fill="hold" nodeType="clickEffect">
+                                <p:cTn id="22" presetID="14" presetClass="entr" presetSubtype="10" fill="hold" nodeType="clickEffect">
                                   <p:stCondLst>
                                     <p:cond delay="0"/>
                                   </p:stCondLst>
                                   <p:childTnLst>
                                     <p:set>
                                       <p:cBhvr>
-                                        <p:cTn id="11" dur="1" fill="hold">
+                                        <p:cTn id="23" dur="1" fill="hold">
+                                          <p:stCondLst>
+                                            <p:cond delay="0"/>
+                                          </p:stCondLst>
+                                        </p:cTn>
+                                        <p:tgtEl>
+                                          <p:spTgt spid="7"/>
+                                        </p:tgtEl>
+                                        <p:attrNameLst>
+                                          <p:attrName>style.visibility</p:attrName>
+                                        </p:attrNameLst>
+                                      </p:cBhvr>
+                                      <p:to>
+                                        <p:strVal val="visible"/>
+                                      </p:to>
+                                    </p:set>
+                                    <p:animEffect transition="in" filter="randombar(horizontal)">
+                                      <p:cBhvr>
+                                        <p:cTn id="24" dur="500"/>
+                                        <p:tgtEl>
+                                          <p:spTgt spid="7"/>
+                                        </p:tgtEl>
+                                      </p:cBhvr>
+                                    </p:animEffect>
+                                  </p:childTnLst>
+                                </p:cTn>
+                              </p:par>
+                              <p:par>
+                                <p:cTn id="25" presetID="14" presetClass="entr" presetSubtype="10" fill="hold" nodeType="withEffect">
+                                  <p:stCondLst>
+                                    <p:cond delay="0"/>
+                                  </p:stCondLst>
+                                  <p:childTnLst>
+                                    <p:set>
+                                      <p:cBhvr>
+                                        <p:cTn id="26" dur="1" fill="hold">
+                                          <p:stCondLst>
+                                            <p:cond delay="0"/>
+                                          </p:stCondLst>
+                                        </p:cTn>
+                                        <p:tgtEl>
+                                          <p:spTgt spid="13"/>
+                                        </p:tgtEl>
+                                        <p:attrNameLst>
+                                          <p:attrName>style.visibility</p:attrName>
+                                        </p:attrNameLst>
+                                      </p:cBhvr>
+                                      <p:to>
+                                        <p:strVal val="visible"/>
+                                      </p:to>
+                                    </p:set>
+                                    <p:animEffect transition="in" filter="randombar(horizontal)">
+                                      <p:cBhvr>
+                                        <p:cTn id="27" dur="500"/>
+                                        <p:tgtEl>
+                                          <p:spTgt spid="13"/>
+                                        </p:tgtEl>
+                                      </p:cBhvr>
+                                    </p:animEffect>
+                                  </p:childTnLst>
+                                </p:cTn>
+                              </p:par>
+                              <p:par>
+                                <p:cTn id="28" presetID="14" presetClass="entr" presetSubtype="10" fill="hold" nodeType="withEffect">
+                                  <p:stCondLst>
+                                    <p:cond delay="0"/>
+                                  </p:stCondLst>
+                                  <p:childTnLst>
+                                    <p:set>
+                                      <p:cBhvr>
+                                        <p:cTn id="29" dur="1" fill="hold">
                                           <p:stCondLst>
                                             <p:cond delay="0"/>
                                           </p:stCondLst>
@@ -23319,7 +25748,7 @@
                                     </p:set>
                                     <p:animEffect transition="in" filter="randombar(horizontal)">
                                       <p:cBhvr>
-                                        <p:cTn id="12" dur="500"/>
+                                        <p:cTn id="30" dur="500"/>
                                         <p:tgtEl>
                                           <p:spTgt spid="6"/>
                                         </p:tgtEl>
@@ -23359,7 +25788,7 @@
 </p:sld>
 </file>
 
-<file path=ppt/slides/slide15.xml><?xml version="1.0" encoding="utf-8"?>
+<file path=ppt/slides/slide14.xml><?xml version="1.0" encoding="utf-8"?>
 <p:sld xmlns:a="http://schemas.openxmlformats.org/drawingml/2006/main" xmlns:r="http://schemas.openxmlformats.org/officeDocument/2006/relationships" xmlns:p="http://schemas.openxmlformats.org/presentationml/2006/main">
   <p:cSld>
     <p:spTree>
@@ -24074,7 +26503,7 @@
 </p:sld>
 </file>
 
-<file path=ppt/slides/slide16.xml><?xml version="1.0" encoding="utf-8"?>
+<file path=ppt/slides/slide15.xml><?xml version="1.0" encoding="utf-8"?>
 <p:sld xmlns:a="http://schemas.openxmlformats.org/drawingml/2006/main" xmlns:r="http://schemas.openxmlformats.org/officeDocument/2006/relationships" xmlns:p="http://schemas.openxmlformats.org/presentationml/2006/main">
   <p:cSld>
     <p:spTree>
@@ -24133,14 +26562,12 @@
               <a:rPr lang="en-US" dirty="0" smtClean="0"/>
               <a:t>Duplicate</a:t>
             </a:r>
-            <a:endParaRPr lang="en-US" dirty="0" smtClean="0"/>
           </a:p>
           <a:p>
             <a:r>
               <a:rPr lang="en-US" dirty="0" smtClean="0"/>
               <a:t>Error</a:t>
             </a:r>
-            <a:endParaRPr lang="en-US" dirty="0" smtClean="0"/>
           </a:p>
           <a:p>
             <a:r>
@@ -24154,14 +26581,38 @@
           <a:p>
             <a:r>
               <a:rPr lang="en-US" dirty="0" smtClean="0"/>
-              <a:t>Merge: make two or more names refer to one product.</a:t>
+              <a:t>Merge (</a:t>
+            </a:r>
+            <a:r>
+              <a:rPr lang="en-US" dirty="0" err="1" smtClean="0"/>
+              <a:t>gộp</a:t>
+            </a:r>
+            <a:r>
+              <a:rPr lang="en-US" dirty="0" smtClean="0"/>
+              <a:t>): </a:t>
+            </a:r>
+            <a:r>
+              <a:rPr lang="en-US" dirty="0" smtClean="0"/>
+              <a:t>make two or more names refer to one product.</a:t>
             </a:r>
             <a:endParaRPr lang="en-US" dirty="0"/>
           </a:p>
           <a:p>
             <a:r>
               <a:rPr lang="en-US" dirty="0" smtClean="0"/>
-              <a:t>Split: different names mean different products.</a:t>
+              <a:t>Split (</a:t>
+            </a:r>
+            <a:r>
+              <a:rPr lang="en-US" dirty="0" err="1" smtClean="0"/>
+              <a:t>tách</a:t>
+            </a:r>
+            <a:r>
+              <a:rPr lang="en-US" smtClean="0"/>
+              <a:t>): </a:t>
+            </a:r>
+            <a:r>
+              <a:rPr lang="en-US" dirty="0" smtClean="0"/>
+              <a:t>different names mean different products.</a:t>
             </a:r>
             <a:endParaRPr lang="en-US" dirty="0"/>
           </a:p>
@@ -24207,6 +26658,18 @@
   <p:clrMapOvr>
     <a:masterClrMapping/>
   </p:clrMapOvr>
+  <mc:AlternateContent xmlns:mc="http://schemas.openxmlformats.org/markup-compatibility/2006" xmlns:p14="http://schemas.microsoft.com/office/powerpoint/2010/main">
+    <mc:Choice Requires="p14">
+      <p:transition spd="slow" p14:dur="2500">
+        <p:checker/>
+      </p:transition>
+    </mc:Choice>
+    <mc:Fallback xmlns="">
+      <p:transition spd="slow">
+        <p:checker/>
+      </p:transition>
+    </mc:Fallback>
+  </mc:AlternateContent>
   <p:timing>
     <p:tnLst>
       <p:par>
@@ -24217,7 +26680,7 @@
 </p:sld>
 </file>
 
-<file path=ppt/slides/slide17.xml><?xml version="1.0" encoding="utf-8"?>
+<file path=ppt/slides/slide16.xml><?xml version="1.0" encoding="utf-8"?>
 <p:sld xmlns:a="http://schemas.openxmlformats.org/drawingml/2006/main" xmlns:r="http://schemas.openxmlformats.org/officeDocument/2006/relationships" xmlns:p="http://schemas.openxmlformats.org/presentationml/2006/main">
   <p:cSld>
     <p:spTree>
@@ -27844,7 +30307,7 @@
 </p:sld>
 </file>
 
-<file path=ppt/slides/slide18.xml><?xml version="1.0" encoding="utf-8"?>
+<file path=ppt/slides/slide17.xml><?xml version="1.0" encoding="utf-8"?>
 <p:sld xmlns:a="http://schemas.openxmlformats.org/drawingml/2006/main" xmlns:r="http://schemas.openxmlformats.org/officeDocument/2006/relationships" xmlns:p="http://schemas.openxmlformats.org/presentationml/2006/main">
   <p:cSld>
     <p:spTree>
@@ -27952,7 +30415,7 @@
 </p:sld>
 </file>
 
-<file path=ppt/slides/slide19.xml><?xml version="1.0" encoding="utf-8"?>
+<file path=ppt/slides/slide18.xml><?xml version="1.0" encoding="utf-8"?>
 <p:sld xmlns:a="http://schemas.openxmlformats.org/drawingml/2006/main" xmlns:r="http://schemas.openxmlformats.org/officeDocument/2006/relationships" xmlns:p="http://schemas.openxmlformats.org/presentationml/2006/main">
   <p:cSld>
     <p:spTree>
@@ -28043,6 +30506,109 @@
       </p:transition>
     </mc:Fallback>
   </mc:AlternateContent>
+  <p:timing>
+    <p:tnLst>
+      <p:par>
+        <p:cTn id="1" dur="indefinite" restart="never" nodeType="tmRoot"/>
+      </p:par>
+    </p:tnLst>
+  </p:timing>
+</p:sld>
+</file>
+
+<file path=ppt/slides/slide19.xml><?xml version="1.0" encoding="utf-8"?>
+<p:sld xmlns:a="http://schemas.openxmlformats.org/drawingml/2006/main" xmlns:r="http://schemas.openxmlformats.org/officeDocument/2006/relationships" xmlns:p="http://schemas.openxmlformats.org/presentationml/2006/main">
+  <p:cSld>
+    <p:spTree>
+      <p:nvGrpSpPr>
+        <p:cNvPr id="1" name=""/>
+        <p:cNvGrpSpPr/>
+        <p:nvPr/>
+      </p:nvGrpSpPr>
+      <p:grpSpPr>
+        <a:xfrm>
+          <a:off x="0" y="0"/>
+          <a:ext cx="0" cy="0"/>
+          <a:chOff x="0" y="0"/>
+          <a:chExt cx="0" cy="0"/>
+        </a:xfrm>
+      </p:grpSpPr>
+      <p:sp>
+        <p:nvSpPr>
+          <p:cNvPr id="2" name="Title 1"/>
+          <p:cNvSpPr>
+            <a:spLocks noGrp="1"/>
+          </p:cNvSpPr>
+          <p:nvPr>
+            <p:ph type="title"/>
+          </p:nvPr>
+        </p:nvSpPr>
+        <p:spPr/>
+        <p:txBody>
+          <a:bodyPr/>
+          <a:lstStyle/>
+          <a:p>
+            <a:r>
+              <a:rPr lang="en-US" dirty="0" smtClean="0"/>
+              <a:t>Excel Flow</a:t>
+            </a:r>
+            <a:endParaRPr lang="en-US" dirty="0"/>
+          </a:p>
+        </p:txBody>
+      </p:sp>
+      <p:sp>
+        <p:nvSpPr>
+          <p:cNvPr id="3" name="Content Placeholder 2"/>
+          <p:cNvSpPr>
+            <a:spLocks noGrp="1"/>
+          </p:cNvSpPr>
+          <p:nvPr>
+            <p:ph idx="1"/>
+          </p:nvPr>
+        </p:nvSpPr>
+        <p:spPr/>
+        <p:txBody>
+          <a:bodyPr/>
+          <a:lstStyle/>
+          <a:p>
+            <a:r>
+              <a:rPr lang="en-US" dirty="0"/>
+              <a:t>Step 1: Import Excel.</a:t>
+            </a:r>
+          </a:p>
+          <a:p>
+            <a:r>
+              <a:rPr lang="en-US" dirty="0"/>
+              <a:t>Step 2: Process error products &amp; duplicate products.</a:t>
+            </a:r>
+          </a:p>
+          <a:p>
+            <a:r>
+              <a:rPr lang="en-US" dirty="0"/>
+              <a:t>Step 3: Save correct products to database.</a:t>
+            </a:r>
+          </a:p>
+          <a:p>
+            <a:r>
+              <a:rPr lang="en-US" dirty="0"/>
+              <a:t>Step 4: Process duplicate products with database.</a:t>
+            </a:r>
+          </a:p>
+        </p:txBody>
+      </p:sp>
+    </p:spTree>
+    <p:extLst>
+      <p:ext uri="{BB962C8B-B14F-4D97-AF65-F5344CB8AC3E}">
+        <p14:creationId xmlns:p14="http://schemas.microsoft.com/office/powerpoint/2010/main" val="2909632907"/>
+      </p:ext>
+    </p:extLst>
+  </p:cSld>
+  <p:clrMapOvr>
+    <a:masterClrMapping/>
+  </p:clrMapOvr>
+  <p:transition spd="slow">
+    <p:push dir="u"/>
+  </p:transition>
   <p:timing>
     <p:tnLst>
       <p:par>
@@ -28151,107 +30717,6 @@
 </file>
 
 <file path=ppt/slides/slide20.xml><?xml version="1.0" encoding="utf-8"?>
-<p:sld xmlns:a="http://schemas.openxmlformats.org/drawingml/2006/main" xmlns:r="http://schemas.openxmlformats.org/officeDocument/2006/relationships" xmlns:p="http://schemas.openxmlformats.org/presentationml/2006/main">
-  <p:cSld>
-    <p:spTree>
-      <p:nvGrpSpPr>
-        <p:cNvPr id="1" name=""/>
-        <p:cNvGrpSpPr/>
-        <p:nvPr/>
-      </p:nvGrpSpPr>
-      <p:grpSpPr>
-        <a:xfrm>
-          <a:off x="0" y="0"/>
-          <a:ext cx="0" cy="0"/>
-          <a:chOff x="0" y="0"/>
-          <a:chExt cx="0" cy="0"/>
-        </a:xfrm>
-      </p:grpSpPr>
-      <p:sp>
-        <p:nvSpPr>
-          <p:cNvPr id="2" name="Title 1"/>
-          <p:cNvSpPr>
-            <a:spLocks noGrp="1"/>
-          </p:cNvSpPr>
-          <p:nvPr>
-            <p:ph type="title"/>
-          </p:nvPr>
-        </p:nvSpPr>
-        <p:spPr/>
-        <p:txBody>
-          <a:bodyPr/>
-          <a:lstStyle/>
-          <a:p>
-            <a:r>
-              <a:rPr lang="en-US" dirty="0" smtClean="0"/>
-              <a:t>Excel Flow</a:t>
-            </a:r>
-            <a:endParaRPr lang="en-US" dirty="0"/>
-          </a:p>
-        </p:txBody>
-      </p:sp>
-      <p:sp>
-        <p:nvSpPr>
-          <p:cNvPr id="3" name="Content Placeholder 2"/>
-          <p:cNvSpPr>
-            <a:spLocks noGrp="1"/>
-          </p:cNvSpPr>
-          <p:nvPr>
-            <p:ph idx="1"/>
-          </p:nvPr>
-        </p:nvSpPr>
-        <p:spPr/>
-        <p:txBody>
-          <a:bodyPr/>
-          <a:lstStyle/>
-          <a:p>
-            <a:r>
-              <a:rPr lang="en-US" dirty="0"/>
-              <a:t>Step 1: Import Excel.</a:t>
-            </a:r>
-          </a:p>
-          <a:p>
-            <a:r>
-              <a:rPr lang="en-US" dirty="0"/>
-              <a:t>Step 2: Process error products &amp; duplicate products.</a:t>
-            </a:r>
-          </a:p>
-          <a:p>
-            <a:r>
-              <a:rPr lang="en-US" dirty="0"/>
-              <a:t>Step 3: Save correct products to database.</a:t>
-            </a:r>
-          </a:p>
-          <a:p>
-            <a:r>
-              <a:rPr lang="en-US" dirty="0"/>
-              <a:t>Step 4: Process duplicate products with database.</a:t>
-            </a:r>
-            <a:endParaRPr lang="en-US" dirty="0"/>
-          </a:p>
-        </p:txBody>
-      </p:sp>
-    </p:spTree>
-    <p:extLst>
-      <p:ext uri="{BB962C8B-B14F-4D97-AF65-F5344CB8AC3E}">
-        <p14:creationId xmlns:p14="http://schemas.microsoft.com/office/powerpoint/2010/main" val="2909632907"/>
-      </p:ext>
-    </p:extLst>
-  </p:cSld>
-  <p:clrMapOvr>
-    <a:masterClrMapping/>
-  </p:clrMapOvr>
-  <p:timing>
-    <p:tnLst>
-      <p:par>
-        <p:cTn id="1" dur="indefinite" restart="never" nodeType="tmRoot"/>
-      </p:par>
-    </p:tnLst>
-  </p:timing>
-</p:sld>
-</file>
-
-<file path=ppt/slides/slide21.xml><?xml version="1.0" encoding="utf-8"?>
 <p:sld xmlns:a="http://schemas.openxmlformats.org/drawingml/2006/main" xmlns:r="http://schemas.openxmlformats.org/officeDocument/2006/relationships" xmlns:p="http://schemas.openxmlformats.org/presentationml/2006/main">
   <p:cSld>
     <p:spTree>
@@ -28492,7 +30957,7 @@
 </p:sld>
 </file>
 
-<file path=ppt/slides/slide22.xml><?xml version="1.0" encoding="utf-8"?>
+<file path=ppt/slides/slide21.xml><?xml version="1.0" encoding="utf-8"?>
 <p:sld xmlns:a="http://schemas.openxmlformats.org/drawingml/2006/main" xmlns:r="http://schemas.openxmlformats.org/officeDocument/2006/relationships" xmlns:p="http://schemas.openxmlformats.org/presentationml/2006/main">
   <p:cSld>
     <p:spTree>
@@ -31568,7 +34033,7 @@
 </p:sld>
 </file>
 
-<file path=ppt/slides/slide23.xml><?xml version="1.0" encoding="utf-8"?>
+<file path=ppt/slides/slide22.xml><?xml version="1.0" encoding="utf-8"?>
 <p:sld xmlns:a="http://schemas.openxmlformats.org/drawingml/2006/main" xmlns:r="http://schemas.openxmlformats.org/officeDocument/2006/relationships" xmlns:p="http://schemas.openxmlformats.org/presentationml/2006/main">
   <p:cSld>
     <p:spTree>
@@ -31911,7 +34376,7 @@
 </p:sld>
 </file>
 
-<file path=ppt/slides/slide24.xml><?xml version="1.0" encoding="utf-8"?>
+<file path=ppt/slides/slide23.xml><?xml version="1.0" encoding="utf-8"?>
 <p:sld xmlns:a="http://schemas.openxmlformats.org/drawingml/2006/main" xmlns:r="http://schemas.openxmlformats.org/officeDocument/2006/relationships" xmlns:p="http://schemas.openxmlformats.org/presentationml/2006/main">
   <p:cSld>
     <p:spTree>
@@ -32237,7 +34702,7 @@
 </p:sld>
 </file>
 
-<file path=ppt/slides/slide25.xml><?xml version="1.0" encoding="utf-8"?>
+<file path=ppt/slides/slide24.xml><?xml version="1.0" encoding="utf-8"?>
 <p:sld xmlns:a="http://schemas.openxmlformats.org/drawingml/2006/main" xmlns:r="http://schemas.openxmlformats.org/officeDocument/2006/relationships" xmlns:p="http://schemas.openxmlformats.org/presentationml/2006/main">
   <p:cSld>
     <p:spTree>
@@ -33512,75 +35977,292 @@
           <a:p>
             <a:r>
               <a:rPr lang="en-US" dirty="0" smtClean="0"/>
-              <a:t>Story</a:t>
+              <a:t>Demonstration Story</a:t>
             </a:r>
-            <a:endParaRPr lang="en-US" dirty="0"/>
+            <a:endParaRPr lang="en-GB" dirty="0"/>
           </a:p>
         </p:txBody>
       </p:sp>
-      <p:sp>
-        <p:nvSpPr>
-          <p:cNvPr id="3" name="Content Placeholder 2"/>
-          <p:cNvSpPr>
-            <a:spLocks noGrp="1"/>
-          </p:cNvSpPr>
-          <p:nvPr>
-            <p:ph idx="1"/>
-          </p:nvPr>
-        </p:nvSpPr>
-        <p:spPr/>
-        <p:txBody>
-          <a:bodyPr/>
-          <a:lstStyle/>
-          <a:p>
-            <a:r>
-              <a:rPr lang="en-US" dirty="0" smtClean="0"/>
-              <a:t>A woman wants to buy some food for her dinner.</a:t>
-            </a:r>
-          </a:p>
-          <a:p>
-            <a:r>
-              <a:rPr lang="en-US" dirty="0" smtClean="0"/>
-              <a:t>She doesn’t know the price, so she goes to Smart Buy website to check it.</a:t>
-            </a:r>
-          </a:p>
-          <a:p>
-            <a:r>
-              <a:rPr lang="en-US" dirty="0" smtClean="0"/>
-              <a:t>She adds some products to her cart, and view the total estimated price.</a:t>
-            </a:r>
-          </a:p>
-          <a:p>
-            <a:r>
-              <a:rPr lang="en-US" dirty="0" smtClean="0"/>
-              <a:t>She draws a route from her company to her house.</a:t>
-            </a:r>
-          </a:p>
-          <a:p>
-            <a:r>
-              <a:rPr lang="en-US" dirty="0" smtClean="0"/>
-              <a:t>Then, she asks the system how she should buy her products.</a:t>
-            </a:r>
-          </a:p>
-          <a:p>
-            <a:r>
-              <a:rPr lang="en-US" dirty="0" smtClean="0"/>
-              <a:t>The system shows the suggestion to her.</a:t>
-            </a:r>
-            <a:endParaRPr lang="en-US" dirty="0"/>
-          </a:p>
-        </p:txBody>
-      </p:sp>
+      <p:pic>
+        <p:nvPicPr>
+          <p:cNvPr id="4" name="Picture 3"/>
+          <p:cNvPicPr>
+            <a:picLocks noChangeAspect="1"/>
+          </p:cNvPicPr>
+          <p:nvPr/>
+        </p:nvPicPr>
+        <p:blipFill>
+          <a:blip r:embed="rId2" cstate="print">
+            <a:extLst>
+              <a:ext uri="{28A0092B-C50C-407E-A947-70E740481C1C}">
+                <a14:useLocalDpi xmlns:a14="http://schemas.microsoft.com/office/drawing/2010/main" val="0"/>
+              </a:ext>
+            </a:extLst>
+          </a:blip>
+          <a:stretch>
+            <a:fillRect/>
+          </a:stretch>
+        </p:blipFill>
+        <p:spPr>
+          <a:xfrm>
+            <a:off x="352469" y="1945559"/>
+            <a:ext cx="1545167" cy="1627200"/>
+          </a:xfrm>
+          <a:prstGeom prst="rect">
+            <a:avLst/>
+          </a:prstGeom>
+        </p:spPr>
+      </p:pic>
+      <p:pic>
+        <p:nvPicPr>
+          <p:cNvPr id="5" name="Picture 4"/>
+          <p:cNvPicPr>
+            <a:picLocks noChangeAspect="1"/>
+          </p:cNvPicPr>
+          <p:nvPr/>
+        </p:nvPicPr>
+        <p:blipFill>
+          <a:blip r:embed="rId3">
+            <a:extLst>
+              <a:ext uri="{28A0092B-C50C-407E-A947-70E740481C1C}">
+                <a14:useLocalDpi xmlns:a14="http://schemas.microsoft.com/office/drawing/2010/main" val="0"/>
+              </a:ext>
+            </a:extLst>
+          </a:blip>
+          <a:stretch>
+            <a:fillRect/>
+          </a:stretch>
+        </p:blipFill>
+        <p:spPr>
+          <a:xfrm>
+            <a:off x="4573634" y="1945559"/>
+            <a:ext cx="1627200" cy="1627200"/>
+          </a:xfrm>
+          <a:prstGeom prst="rect">
+            <a:avLst/>
+          </a:prstGeom>
+        </p:spPr>
+      </p:pic>
+      <p:pic>
+        <p:nvPicPr>
+          <p:cNvPr id="6" name="Picture 5"/>
+          <p:cNvPicPr>
+            <a:picLocks noChangeAspect="1"/>
+          </p:cNvPicPr>
+          <p:nvPr/>
+        </p:nvPicPr>
+        <p:blipFill>
+          <a:blip r:embed="rId4" cstate="print">
+            <a:extLst>
+              <a:ext uri="{28A0092B-C50C-407E-A947-70E740481C1C}">
+                <a14:useLocalDpi xmlns:a14="http://schemas.microsoft.com/office/drawing/2010/main" val="0"/>
+              </a:ext>
+            </a:extLst>
+          </a:blip>
+          <a:stretch>
+            <a:fillRect/>
+          </a:stretch>
+        </p:blipFill>
+        <p:spPr>
+          <a:xfrm>
+            <a:off x="2939272" y="2028809"/>
+            <a:ext cx="641053" cy="641053"/>
+          </a:xfrm>
+          <a:prstGeom prst="rect">
+            <a:avLst/>
+          </a:prstGeom>
+        </p:spPr>
+      </p:pic>
+      <p:cxnSp>
+        <p:nvCxnSpPr>
+          <p:cNvPr id="8" name="Straight Arrow Connector 7"/>
+          <p:cNvCxnSpPr>
+            <a:stCxn id="4" idx="3"/>
+            <a:endCxn id="5" idx="1"/>
+          </p:cNvCxnSpPr>
+          <p:nvPr/>
+        </p:nvCxnSpPr>
+        <p:spPr>
+          <a:xfrm>
+            <a:off x="1897636" y="2759159"/>
+            <a:ext cx="2675998" cy="0"/>
+          </a:xfrm>
+          <a:prstGeom prst="straightConnector1">
+            <a:avLst/>
+          </a:prstGeom>
+          <a:ln w="38100">
+            <a:tailEnd type="arrow"/>
+          </a:ln>
+        </p:spPr>
+        <p:style>
+          <a:lnRef idx="1">
+            <a:schemeClr val="accent1"/>
+          </a:lnRef>
+          <a:fillRef idx="0">
+            <a:schemeClr val="accent1"/>
+          </a:fillRef>
+          <a:effectRef idx="0">
+            <a:schemeClr val="accent1"/>
+          </a:effectRef>
+          <a:fontRef idx="minor">
+            <a:schemeClr val="tx1"/>
+          </a:fontRef>
+        </p:style>
+      </p:cxnSp>
+      <p:pic>
+        <p:nvPicPr>
+          <p:cNvPr id="9" name="Picture 8"/>
+          <p:cNvPicPr>
+            <a:picLocks noChangeAspect="1"/>
+          </p:cNvPicPr>
+          <p:nvPr/>
+        </p:nvPicPr>
+        <p:blipFill>
+          <a:blip r:embed="rId5">
+            <a:extLst>
+              <a:ext uri="{28A0092B-C50C-407E-A947-70E740481C1C}">
+                <a14:useLocalDpi xmlns:a14="http://schemas.microsoft.com/office/drawing/2010/main" val="0"/>
+              </a:ext>
+            </a:extLst>
+          </a:blip>
+          <a:stretch>
+            <a:fillRect/>
+          </a:stretch>
+        </p:blipFill>
+        <p:spPr>
+          <a:xfrm>
+            <a:off x="8100811" y="1945559"/>
+            <a:ext cx="1627200" cy="1627200"/>
+          </a:xfrm>
+          <a:prstGeom prst="rect">
+            <a:avLst/>
+          </a:prstGeom>
+        </p:spPr>
+      </p:pic>
+      <p:pic>
+        <p:nvPicPr>
+          <p:cNvPr id="10" name="Picture 9"/>
+          <p:cNvPicPr>
+            <a:picLocks noChangeAspect="1"/>
+          </p:cNvPicPr>
+          <p:nvPr/>
+        </p:nvPicPr>
+        <p:blipFill>
+          <a:blip r:embed="rId6">
+            <a:extLst>
+              <a:ext uri="{28A0092B-C50C-407E-A947-70E740481C1C}">
+                <a14:useLocalDpi xmlns:a14="http://schemas.microsoft.com/office/drawing/2010/main" val="0"/>
+              </a:ext>
+            </a:extLst>
+          </a:blip>
+          <a:stretch>
+            <a:fillRect/>
+          </a:stretch>
+        </p:blipFill>
+        <p:spPr>
+          <a:xfrm>
+            <a:off x="8100811" y="4901652"/>
+            <a:ext cx="1627200" cy="1627200"/>
+          </a:xfrm>
+          <a:prstGeom prst="rect">
+            <a:avLst/>
+          </a:prstGeom>
+        </p:spPr>
+      </p:pic>
+      <p:cxnSp>
+        <p:nvCxnSpPr>
+          <p:cNvPr id="12" name="Straight Arrow Connector 11"/>
+          <p:cNvCxnSpPr>
+            <a:stCxn id="5" idx="3"/>
+            <a:endCxn id="9" idx="1"/>
+          </p:cNvCxnSpPr>
+          <p:nvPr/>
+        </p:nvCxnSpPr>
+        <p:spPr>
+          <a:xfrm>
+            <a:off x="6200834" y="2759159"/>
+            <a:ext cx="1899977" cy="0"/>
+          </a:xfrm>
+          <a:prstGeom prst="straightConnector1">
+            <a:avLst/>
+          </a:prstGeom>
+          <a:ln w="38100">
+            <a:tailEnd type="arrow"/>
+          </a:ln>
+        </p:spPr>
+        <p:style>
+          <a:lnRef idx="1">
+            <a:schemeClr val="accent1"/>
+          </a:lnRef>
+          <a:fillRef idx="0">
+            <a:schemeClr val="accent1"/>
+          </a:fillRef>
+          <a:effectRef idx="0">
+            <a:schemeClr val="accent1"/>
+          </a:effectRef>
+          <a:fontRef idx="minor">
+            <a:schemeClr val="tx1"/>
+          </a:fontRef>
+        </p:style>
+      </p:cxnSp>
+      <p:cxnSp>
+        <p:nvCxnSpPr>
+          <p:cNvPr id="14" name="Straight Arrow Connector 13"/>
+          <p:cNvCxnSpPr>
+            <a:stCxn id="9" idx="2"/>
+            <a:endCxn id="10" idx="0"/>
+          </p:cNvCxnSpPr>
+          <p:nvPr/>
+        </p:nvCxnSpPr>
+        <p:spPr>
+          <a:xfrm>
+            <a:off x="8914411" y="3572759"/>
+            <a:ext cx="0" cy="1328893"/>
+          </a:xfrm>
+          <a:prstGeom prst="straightConnector1">
+            <a:avLst/>
+          </a:prstGeom>
+          <a:ln w="38100">
+            <a:tailEnd type="arrow"/>
+          </a:ln>
+        </p:spPr>
+        <p:style>
+          <a:lnRef idx="1">
+            <a:schemeClr val="accent1"/>
+          </a:lnRef>
+          <a:fillRef idx="0">
+            <a:schemeClr val="accent1"/>
+          </a:fillRef>
+          <a:effectRef idx="0">
+            <a:schemeClr val="accent1"/>
+          </a:effectRef>
+          <a:fontRef idx="minor">
+            <a:schemeClr val="tx1"/>
+          </a:fontRef>
+        </p:style>
+      </p:cxnSp>
     </p:spTree>
     <p:extLst>
       <p:ext uri="{BB962C8B-B14F-4D97-AF65-F5344CB8AC3E}">
-        <p14:creationId xmlns:p14="http://schemas.microsoft.com/office/powerpoint/2010/main" val="1722407363"/>
+        <p14:creationId xmlns:p14="http://schemas.microsoft.com/office/powerpoint/2010/main" val="1836446923"/>
       </p:ext>
     </p:extLst>
   </p:cSld>
   <p:clrMapOvr>
     <a:masterClrMapping/>
   </p:clrMapOvr>
+  <mc:AlternateContent xmlns:mc="http://schemas.openxmlformats.org/markup-compatibility/2006" xmlns:p14="http://schemas.microsoft.com/office/powerpoint/2010/main">
+    <mc:Choice Requires="p14">
+      <p:transition spd="slow" p14:dur="1600">
+        <p:blinds dir="vert"/>
+      </p:transition>
+    </mc:Choice>
+    <mc:Fallback xmlns="">
+      <p:transition spd="slow">
+        <p:blinds dir="vert"/>
+      </p:transition>
+    </mc:Fallback>
+  </mc:AlternateContent>
   <p:timing>
     <p:tnLst>
       <p:par>
@@ -33648,13 +36330,19 @@
           <a:p>
             <a:r>
               <a:rPr lang="en-US" dirty="0" smtClean="0"/>
-              <a:t>User/Member</a:t>
+              <a:t>1 guest.</a:t>
             </a:r>
           </a:p>
           <a:p>
             <a:r>
               <a:rPr lang="en-US" dirty="0" smtClean="0"/>
-              <a:t>Staff</a:t>
+              <a:t>1 member.</a:t>
+            </a:r>
+          </a:p>
+          <a:p>
+            <a:r>
+              <a:rPr lang="en-US" dirty="0" smtClean="0"/>
+              <a:t>1 staff.</a:t>
             </a:r>
             <a:endParaRPr lang="en-US" dirty="0"/>
           </a:p>

--- a/ smart-buy/Slides/Smart Buy.pptx
+++ b/ smart-buy/Slides/Smart Buy.pptx
@@ -12,23 +12,24 @@
     <p:sldId id="271" r:id="rId6"/>
     <p:sldId id="272" r:id="rId7"/>
     <p:sldId id="269" r:id="rId8"/>
-    <p:sldId id="284" r:id="rId9"/>
-    <p:sldId id="274" r:id="rId10"/>
-    <p:sldId id="265" r:id="rId11"/>
-    <p:sldId id="266" r:id="rId12"/>
-    <p:sldId id="275" r:id="rId13"/>
-    <p:sldId id="276" r:id="rId14"/>
-    <p:sldId id="267" r:id="rId15"/>
-    <p:sldId id="278" r:id="rId16"/>
-    <p:sldId id="277" r:id="rId17"/>
-    <p:sldId id="282" r:id="rId18"/>
-    <p:sldId id="283" r:id="rId19"/>
-    <p:sldId id="281" r:id="rId20"/>
-    <p:sldId id="279" r:id="rId21"/>
-    <p:sldId id="261" r:id="rId22"/>
-    <p:sldId id="268" r:id="rId23"/>
-    <p:sldId id="270" r:id="rId24"/>
-    <p:sldId id="264" r:id="rId25"/>
+    <p:sldId id="285" r:id="rId9"/>
+    <p:sldId id="284" r:id="rId10"/>
+    <p:sldId id="274" r:id="rId11"/>
+    <p:sldId id="265" r:id="rId12"/>
+    <p:sldId id="266" r:id="rId13"/>
+    <p:sldId id="275" r:id="rId14"/>
+    <p:sldId id="276" r:id="rId15"/>
+    <p:sldId id="267" r:id="rId16"/>
+    <p:sldId id="278" r:id="rId17"/>
+    <p:sldId id="277" r:id="rId18"/>
+    <p:sldId id="282" r:id="rId19"/>
+    <p:sldId id="283" r:id="rId20"/>
+    <p:sldId id="281" r:id="rId21"/>
+    <p:sldId id="279" r:id="rId22"/>
+    <p:sldId id="261" r:id="rId23"/>
+    <p:sldId id="268" r:id="rId24"/>
+    <p:sldId id="270" r:id="rId25"/>
+    <p:sldId id="264" r:id="rId26"/>
   </p:sldIdLst>
   <p:sldSz cx="12192000" cy="6858000"/>
   <p:notesSz cx="6858000" cy="9144000"/>
@@ -129,7 +130,7 @@
   </p:defaultTextStyle>
   <p:extLst>
     <p:ext uri="{EFAFB233-063F-42B5-8137-9DF3F51BA10A}">
-      <p15:sldGuideLst xmlns="" xmlns:p15="http://schemas.microsoft.com/office/powerpoint/2012/main"/>
+      <p15:sldGuideLst xmlns:p15="http://schemas.microsoft.com/office/powerpoint/2012/main" xmlns=""/>
     </p:ext>
   </p:extLst>
 </p:presentation>
@@ -2385,6 +2386,753 @@
 </file>
 
 <file path=ppt/diagrams/colors4.xml><?xml version="1.0" encoding="utf-8"?>
+<dgm:colorsDef xmlns:dgm="http://schemas.openxmlformats.org/drawingml/2006/diagram" xmlns:a="http://schemas.openxmlformats.org/drawingml/2006/main" uniqueId="urn:microsoft.com/office/officeart/2005/8/colors/accent1_2">
+  <dgm:title val=""/>
+  <dgm:desc val=""/>
+  <dgm:catLst>
+    <dgm:cat type="accent1" pri="11200"/>
+  </dgm:catLst>
+  <dgm:styleLbl name="node0">
+    <dgm:fillClrLst meth="repeat">
+      <a:schemeClr val="accent1"/>
+    </dgm:fillClrLst>
+    <dgm:linClrLst meth="repeat">
+      <a:schemeClr val="lt1"/>
+    </dgm:linClrLst>
+    <dgm:effectClrLst/>
+    <dgm:txLinClrLst/>
+    <dgm:txFillClrLst/>
+    <dgm:txEffectClrLst/>
+  </dgm:styleLbl>
+  <dgm:styleLbl name="alignNode1">
+    <dgm:fillClrLst meth="repeat">
+      <a:schemeClr val="accent1"/>
+    </dgm:fillClrLst>
+    <dgm:linClrLst meth="repeat">
+      <a:schemeClr val="accent1"/>
+    </dgm:linClrLst>
+    <dgm:effectClrLst/>
+    <dgm:txLinClrLst/>
+    <dgm:txFillClrLst/>
+    <dgm:txEffectClrLst/>
+  </dgm:styleLbl>
+  <dgm:styleLbl name="node1">
+    <dgm:fillClrLst meth="repeat">
+      <a:schemeClr val="accent1"/>
+    </dgm:fillClrLst>
+    <dgm:linClrLst meth="repeat">
+      <a:schemeClr val="lt1"/>
+    </dgm:linClrLst>
+    <dgm:effectClrLst/>
+    <dgm:txLinClrLst/>
+    <dgm:txFillClrLst/>
+    <dgm:txEffectClrLst/>
+  </dgm:styleLbl>
+  <dgm:styleLbl name="lnNode1">
+    <dgm:fillClrLst meth="repeat">
+      <a:schemeClr val="accent1"/>
+    </dgm:fillClrLst>
+    <dgm:linClrLst meth="repeat">
+      <a:schemeClr val="lt1"/>
+    </dgm:linClrLst>
+    <dgm:effectClrLst/>
+    <dgm:txLinClrLst/>
+    <dgm:txFillClrLst/>
+    <dgm:txEffectClrLst/>
+  </dgm:styleLbl>
+  <dgm:styleLbl name="vennNode1">
+    <dgm:fillClrLst meth="repeat">
+      <a:schemeClr val="accent1">
+        <a:alpha val="50000"/>
+      </a:schemeClr>
+    </dgm:fillClrLst>
+    <dgm:linClrLst meth="repeat">
+      <a:schemeClr val="lt1"/>
+    </dgm:linClrLst>
+    <dgm:effectClrLst/>
+    <dgm:txLinClrLst/>
+    <dgm:txFillClrLst/>
+    <dgm:txEffectClrLst/>
+  </dgm:styleLbl>
+  <dgm:styleLbl name="node2">
+    <dgm:fillClrLst meth="repeat">
+      <a:schemeClr val="accent1"/>
+    </dgm:fillClrLst>
+    <dgm:linClrLst meth="repeat">
+      <a:schemeClr val="lt1"/>
+    </dgm:linClrLst>
+    <dgm:effectClrLst/>
+    <dgm:txLinClrLst/>
+    <dgm:txFillClrLst/>
+    <dgm:txEffectClrLst/>
+  </dgm:styleLbl>
+  <dgm:styleLbl name="node3">
+    <dgm:fillClrLst meth="repeat">
+      <a:schemeClr val="accent1"/>
+    </dgm:fillClrLst>
+    <dgm:linClrLst meth="repeat">
+      <a:schemeClr val="lt1"/>
+    </dgm:linClrLst>
+    <dgm:effectClrLst/>
+    <dgm:txLinClrLst/>
+    <dgm:txFillClrLst/>
+    <dgm:txEffectClrLst/>
+  </dgm:styleLbl>
+  <dgm:styleLbl name="node4">
+    <dgm:fillClrLst meth="repeat">
+      <a:schemeClr val="accent1"/>
+    </dgm:fillClrLst>
+    <dgm:linClrLst meth="repeat">
+      <a:schemeClr val="lt1"/>
+    </dgm:linClrLst>
+    <dgm:effectClrLst/>
+    <dgm:txLinClrLst/>
+    <dgm:txFillClrLst/>
+    <dgm:txEffectClrLst/>
+  </dgm:styleLbl>
+  <dgm:styleLbl name="fgImgPlace1">
+    <dgm:fillClrLst meth="repeat">
+      <a:schemeClr val="accent1">
+        <a:tint val="50000"/>
+      </a:schemeClr>
+    </dgm:fillClrLst>
+    <dgm:linClrLst meth="repeat">
+      <a:schemeClr val="lt1"/>
+    </dgm:linClrLst>
+    <dgm:effectClrLst/>
+    <dgm:txLinClrLst/>
+    <dgm:txFillClrLst meth="repeat">
+      <a:schemeClr val="lt1"/>
+    </dgm:txFillClrLst>
+    <dgm:txEffectClrLst/>
+  </dgm:styleLbl>
+  <dgm:styleLbl name="alignImgPlace1">
+    <dgm:fillClrLst meth="repeat">
+      <a:schemeClr val="accent1">
+        <a:tint val="50000"/>
+      </a:schemeClr>
+    </dgm:fillClrLst>
+    <dgm:linClrLst meth="repeat">
+      <a:schemeClr val="lt1"/>
+    </dgm:linClrLst>
+    <dgm:effectClrLst/>
+    <dgm:txLinClrLst/>
+    <dgm:txFillClrLst meth="repeat">
+      <a:schemeClr val="lt1"/>
+    </dgm:txFillClrLst>
+    <dgm:txEffectClrLst/>
+  </dgm:styleLbl>
+  <dgm:styleLbl name="bgImgPlace1">
+    <dgm:fillClrLst meth="repeat">
+      <a:schemeClr val="accent1">
+        <a:tint val="50000"/>
+      </a:schemeClr>
+    </dgm:fillClrLst>
+    <dgm:linClrLst meth="repeat">
+      <a:schemeClr val="lt1"/>
+    </dgm:linClrLst>
+    <dgm:effectClrLst/>
+    <dgm:txLinClrLst/>
+    <dgm:txFillClrLst meth="repeat">
+      <a:schemeClr val="lt1"/>
+    </dgm:txFillClrLst>
+    <dgm:txEffectClrLst/>
+  </dgm:styleLbl>
+  <dgm:styleLbl name="sibTrans2D1">
+    <dgm:fillClrLst meth="repeat">
+      <a:schemeClr val="accent1">
+        <a:tint val="60000"/>
+      </a:schemeClr>
+    </dgm:fillClrLst>
+    <dgm:linClrLst meth="repeat">
+      <a:schemeClr val="accent1">
+        <a:tint val="60000"/>
+      </a:schemeClr>
+    </dgm:linClrLst>
+    <dgm:effectClrLst/>
+    <dgm:txLinClrLst/>
+    <dgm:txFillClrLst/>
+    <dgm:txEffectClrLst/>
+  </dgm:styleLbl>
+  <dgm:styleLbl name="fgSibTrans2D1">
+    <dgm:fillClrLst meth="repeat">
+      <a:schemeClr val="accent1">
+        <a:tint val="60000"/>
+      </a:schemeClr>
+    </dgm:fillClrLst>
+    <dgm:linClrLst meth="repeat">
+      <a:schemeClr val="accent1">
+        <a:tint val="60000"/>
+      </a:schemeClr>
+    </dgm:linClrLst>
+    <dgm:effectClrLst/>
+    <dgm:txLinClrLst/>
+    <dgm:txFillClrLst/>
+    <dgm:txEffectClrLst/>
+  </dgm:styleLbl>
+  <dgm:styleLbl name="bgSibTrans2D1">
+    <dgm:fillClrLst meth="repeat">
+      <a:schemeClr val="accent1">
+        <a:tint val="60000"/>
+      </a:schemeClr>
+    </dgm:fillClrLst>
+    <dgm:linClrLst meth="repeat">
+      <a:schemeClr val="accent1">
+        <a:tint val="60000"/>
+      </a:schemeClr>
+    </dgm:linClrLst>
+    <dgm:effectClrLst/>
+    <dgm:txLinClrLst/>
+    <dgm:txFillClrLst/>
+    <dgm:txEffectClrLst/>
+  </dgm:styleLbl>
+  <dgm:styleLbl name="sibTrans1D1">
+    <dgm:fillClrLst meth="repeat">
+      <a:schemeClr val="accent1"/>
+    </dgm:fillClrLst>
+    <dgm:linClrLst meth="repeat">
+      <a:schemeClr val="accent1"/>
+    </dgm:linClrLst>
+    <dgm:effectClrLst/>
+    <dgm:txLinClrLst/>
+    <dgm:txFillClrLst meth="repeat">
+      <a:schemeClr val="tx1"/>
+    </dgm:txFillClrLst>
+    <dgm:txEffectClrLst/>
+  </dgm:styleLbl>
+  <dgm:styleLbl name="callout">
+    <dgm:fillClrLst meth="repeat">
+      <a:schemeClr val="accent1"/>
+    </dgm:fillClrLst>
+    <dgm:linClrLst meth="repeat">
+      <a:schemeClr val="accent1">
+        <a:tint val="50000"/>
+      </a:schemeClr>
+    </dgm:linClrLst>
+    <dgm:effectClrLst/>
+    <dgm:txLinClrLst/>
+    <dgm:txFillClrLst meth="repeat">
+      <a:schemeClr val="tx1"/>
+    </dgm:txFillClrLst>
+    <dgm:txEffectClrLst/>
+  </dgm:styleLbl>
+  <dgm:styleLbl name="asst0">
+    <dgm:fillClrLst meth="repeat">
+      <a:schemeClr val="accent1"/>
+    </dgm:fillClrLst>
+    <dgm:linClrLst meth="repeat">
+      <a:schemeClr val="lt1"/>
+    </dgm:linClrLst>
+    <dgm:effectClrLst/>
+    <dgm:txLinClrLst/>
+    <dgm:txFillClrLst/>
+    <dgm:txEffectClrLst/>
+  </dgm:styleLbl>
+  <dgm:styleLbl name="asst1">
+    <dgm:fillClrLst meth="repeat">
+      <a:schemeClr val="accent1"/>
+    </dgm:fillClrLst>
+    <dgm:linClrLst meth="repeat">
+      <a:schemeClr val="lt1"/>
+    </dgm:linClrLst>
+    <dgm:effectClrLst/>
+    <dgm:txLinClrLst/>
+    <dgm:txFillClrLst/>
+    <dgm:txEffectClrLst/>
+  </dgm:styleLbl>
+  <dgm:styleLbl name="asst2">
+    <dgm:fillClrLst meth="repeat">
+      <a:schemeClr val="accent1"/>
+    </dgm:fillClrLst>
+    <dgm:linClrLst meth="repeat">
+      <a:schemeClr val="lt1"/>
+    </dgm:linClrLst>
+    <dgm:effectClrLst/>
+    <dgm:txLinClrLst/>
+    <dgm:txFillClrLst/>
+    <dgm:txEffectClrLst/>
+  </dgm:styleLbl>
+  <dgm:styleLbl name="asst3">
+    <dgm:fillClrLst meth="repeat">
+      <a:schemeClr val="accent1"/>
+    </dgm:fillClrLst>
+    <dgm:linClrLst meth="repeat">
+      <a:schemeClr val="lt1"/>
+    </dgm:linClrLst>
+    <dgm:effectClrLst/>
+    <dgm:txLinClrLst/>
+    <dgm:txFillClrLst/>
+    <dgm:txEffectClrLst/>
+  </dgm:styleLbl>
+  <dgm:styleLbl name="asst4">
+    <dgm:fillClrLst meth="repeat">
+      <a:schemeClr val="accent1"/>
+    </dgm:fillClrLst>
+    <dgm:linClrLst meth="repeat">
+      <a:schemeClr val="lt1"/>
+    </dgm:linClrLst>
+    <dgm:effectClrLst/>
+    <dgm:txLinClrLst/>
+    <dgm:txFillClrLst/>
+    <dgm:txEffectClrLst/>
+  </dgm:styleLbl>
+  <dgm:styleLbl name="parChTrans2D1">
+    <dgm:fillClrLst meth="repeat">
+      <a:schemeClr val="accent1">
+        <a:tint val="60000"/>
+      </a:schemeClr>
+    </dgm:fillClrLst>
+    <dgm:linClrLst meth="repeat">
+      <a:schemeClr val="accent1">
+        <a:tint val="60000"/>
+      </a:schemeClr>
+    </dgm:linClrLst>
+    <dgm:effectClrLst/>
+    <dgm:txLinClrLst/>
+    <dgm:txFillClrLst meth="repeat">
+      <a:schemeClr val="lt1"/>
+    </dgm:txFillClrLst>
+    <dgm:txEffectClrLst/>
+  </dgm:styleLbl>
+  <dgm:styleLbl name="parChTrans2D2">
+    <dgm:fillClrLst meth="repeat">
+      <a:schemeClr val="accent1"/>
+    </dgm:fillClrLst>
+    <dgm:linClrLst meth="repeat">
+      <a:schemeClr val="accent1"/>
+    </dgm:linClrLst>
+    <dgm:effectClrLst/>
+    <dgm:txLinClrLst/>
+    <dgm:txFillClrLst meth="repeat">
+      <a:schemeClr val="lt1"/>
+    </dgm:txFillClrLst>
+    <dgm:txEffectClrLst/>
+  </dgm:styleLbl>
+  <dgm:styleLbl name="parChTrans2D3">
+    <dgm:fillClrLst meth="repeat">
+      <a:schemeClr val="accent1"/>
+    </dgm:fillClrLst>
+    <dgm:linClrLst meth="repeat">
+      <a:schemeClr val="accent1"/>
+    </dgm:linClrLst>
+    <dgm:effectClrLst/>
+    <dgm:txLinClrLst/>
+    <dgm:txFillClrLst meth="repeat">
+      <a:schemeClr val="lt1"/>
+    </dgm:txFillClrLst>
+    <dgm:txEffectClrLst/>
+  </dgm:styleLbl>
+  <dgm:styleLbl name="parChTrans2D4">
+    <dgm:fillClrLst meth="repeat">
+      <a:schemeClr val="accent1"/>
+    </dgm:fillClrLst>
+    <dgm:linClrLst meth="repeat">
+      <a:schemeClr val="accent1"/>
+    </dgm:linClrLst>
+    <dgm:effectClrLst/>
+    <dgm:txLinClrLst/>
+    <dgm:txFillClrLst meth="repeat">
+      <a:schemeClr val="lt1"/>
+    </dgm:txFillClrLst>
+    <dgm:txEffectClrLst/>
+  </dgm:styleLbl>
+  <dgm:styleLbl name="parChTrans1D1">
+    <dgm:fillClrLst meth="repeat">
+      <a:schemeClr val="accent1"/>
+    </dgm:fillClrLst>
+    <dgm:linClrLst meth="repeat">
+      <a:schemeClr val="accent1">
+        <a:shade val="60000"/>
+      </a:schemeClr>
+    </dgm:linClrLst>
+    <dgm:effectClrLst/>
+    <dgm:txLinClrLst/>
+    <dgm:txFillClrLst meth="repeat">
+      <a:schemeClr val="tx1"/>
+    </dgm:txFillClrLst>
+    <dgm:txEffectClrLst/>
+  </dgm:styleLbl>
+  <dgm:styleLbl name="parChTrans1D2">
+    <dgm:fillClrLst meth="repeat">
+      <a:schemeClr val="accent1"/>
+    </dgm:fillClrLst>
+    <dgm:linClrLst meth="repeat">
+      <a:schemeClr val="accent1">
+        <a:shade val="60000"/>
+      </a:schemeClr>
+    </dgm:linClrLst>
+    <dgm:effectClrLst/>
+    <dgm:txLinClrLst/>
+    <dgm:txFillClrLst meth="repeat">
+      <a:schemeClr val="tx1"/>
+    </dgm:txFillClrLst>
+    <dgm:txEffectClrLst/>
+  </dgm:styleLbl>
+  <dgm:styleLbl name="parChTrans1D3">
+    <dgm:fillClrLst meth="repeat">
+      <a:schemeClr val="accent1"/>
+    </dgm:fillClrLst>
+    <dgm:linClrLst meth="repeat">
+      <a:schemeClr val="accent1">
+        <a:shade val="80000"/>
+      </a:schemeClr>
+    </dgm:linClrLst>
+    <dgm:effectClrLst/>
+    <dgm:txLinClrLst/>
+    <dgm:txFillClrLst meth="repeat">
+      <a:schemeClr val="tx1"/>
+    </dgm:txFillClrLst>
+    <dgm:txEffectClrLst/>
+  </dgm:styleLbl>
+  <dgm:styleLbl name="parChTrans1D4">
+    <dgm:fillClrLst meth="repeat">
+      <a:schemeClr val="accent1"/>
+    </dgm:fillClrLst>
+    <dgm:linClrLst meth="repeat">
+      <a:schemeClr val="accent1">
+        <a:shade val="80000"/>
+      </a:schemeClr>
+    </dgm:linClrLst>
+    <dgm:effectClrLst/>
+    <dgm:txLinClrLst/>
+    <dgm:txFillClrLst meth="repeat">
+      <a:schemeClr val="tx1"/>
+    </dgm:txFillClrLst>
+    <dgm:txEffectClrLst/>
+  </dgm:styleLbl>
+  <dgm:styleLbl name="fgAcc1">
+    <dgm:fillClrLst meth="repeat">
+      <a:schemeClr val="lt1">
+        <a:alpha val="90000"/>
+      </a:schemeClr>
+    </dgm:fillClrLst>
+    <dgm:linClrLst meth="repeat">
+      <a:schemeClr val="accent1"/>
+    </dgm:linClrLst>
+    <dgm:effectClrLst/>
+    <dgm:txLinClrLst/>
+    <dgm:txFillClrLst meth="repeat">
+      <a:schemeClr val="dk1"/>
+    </dgm:txFillClrLst>
+    <dgm:txEffectClrLst/>
+  </dgm:styleLbl>
+  <dgm:styleLbl name="conFgAcc1">
+    <dgm:fillClrLst meth="repeat">
+      <a:schemeClr val="lt1">
+        <a:alpha val="90000"/>
+      </a:schemeClr>
+    </dgm:fillClrLst>
+    <dgm:linClrLst meth="repeat">
+      <a:schemeClr val="accent1"/>
+    </dgm:linClrLst>
+    <dgm:effectClrLst/>
+    <dgm:txLinClrLst/>
+    <dgm:txFillClrLst meth="repeat">
+      <a:schemeClr val="dk1"/>
+    </dgm:txFillClrLst>
+    <dgm:txEffectClrLst/>
+  </dgm:styleLbl>
+  <dgm:styleLbl name="alignAcc1">
+    <dgm:fillClrLst meth="repeat">
+      <a:schemeClr val="lt1">
+        <a:alpha val="90000"/>
+      </a:schemeClr>
+    </dgm:fillClrLst>
+    <dgm:linClrLst meth="repeat">
+      <a:schemeClr val="accent1"/>
+    </dgm:linClrLst>
+    <dgm:effectClrLst/>
+    <dgm:txLinClrLst/>
+    <dgm:txFillClrLst meth="repeat">
+      <a:schemeClr val="dk1"/>
+    </dgm:txFillClrLst>
+    <dgm:txEffectClrLst/>
+  </dgm:styleLbl>
+  <dgm:styleLbl name="trAlignAcc1">
+    <dgm:fillClrLst meth="repeat">
+      <a:schemeClr val="lt1">
+        <a:alpha val="40000"/>
+      </a:schemeClr>
+    </dgm:fillClrLst>
+    <dgm:linClrLst meth="repeat">
+      <a:schemeClr val="accent1"/>
+    </dgm:linClrLst>
+    <dgm:effectClrLst/>
+    <dgm:txLinClrLst/>
+    <dgm:txFillClrLst meth="repeat">
+      <a:schemeClr val="dk1"/>
+    </dgm:txFillClrLst>
+    <dgm:txEffectClrLst/>
+  </dgm:styleLbl>
+  <dgm:styleLbl name="bgAcc1">
+    <dgm:fillClrLst meth="repeat">
+      <a:schemeClr val="lt1">
+        <a:alpha val="90000"/>
+      </a:schemeClr>
+    </dgm:fillClrLst>
+    <dgm:linClrLst meth="repeat">
+      <a:schemeClr val="accent1"/>
+    </dgm:linClrLst>
+    <dgm:effectClrLst/>
+    <dgm:txLinClrLst/>
+    <dgm:txFillClrLst meth="repeat">
+      <a:schemeClr val="dk1"/>
+    </dgm:txFillClrLst>
+    <dgm:txEffectClrLst/>
+  </dgm:styleLbl>
+  <dgm:styleLbl name="solidFgAcc1">
+    <dgm:fillClrLst meth="repeat">
+      <a:schemeClr val="lt1"/>
+    </dgm:fillClrLst>
+    <dgm:linClrLst meth="repeat">
+      <a:schemeClr val="accent1"/>
+    </dgm:linClrLst>
+    <dgm:effectClrLst/>
+    <dgm:txLinClrLst/>
+    <dgm:txFillClrLst meth="repeat">
+      <a:schemeClr val="dk1"/>
+    </dgm:txFillClrLst>
+    <dgm:txEffectClrLst/>
+  </dgm:styleLbl>
+  <dgm:styleLbl name="solidAlignAcc1">
+    <dgm:fillClrLst meth="repeat">
+      <a:schemeClr val="lt1"/>
+    </dgm:fillClrLst>
+    <dgm:linClrLst meth="repeat">
+      <a:schemeClr val="accent1"/>
+    </dgm:linClrLst>
+    <dgm:effectClrLst/>
+    <dgm:txLinClrLst/>
+    <dgm:txFillClrLst meth="repeat">
+      <a:schemeClr val="dk1"/>
+    </dgm:txFillClrLst>
+    <dgm:txEffectClrLst/>
+  </dgm:styleLbl>
+  <dgm:styleLbl name="solidBgAcc1">
+    <dgm:fillClrLst meth="repeat">
+      <a:schemeClr val="lt1"/>
+    </dgm:fillClrLst>
+    <dgm:linClrLst meth="repeat">
+      <a:schemeClr val="accent1"/>
+    </dgm:linClrLst>
+    <dgm:effectClrLst/>
+    <dgm:txLinClrLst/>
+    <dgm:txFillClrLst meth="repeat">
+      <a:schemeClr val="dk1"/>
+    </dgm:txFillClrLst>
+    <dgm:txEffectClrLst/>
+  </dgm:styleLbl>
+  <dgm:styleLbl name="fgAccFollowNode1">
+    <dgm:fillClrLst meth="repeat">
+      <a:schemeClr val="accent1">
+        <a:alpha val="90000"/>
+        <a:tint val="40000"/>
+      </a:schemeClr>
+    </dgm:fillClrLst>
+    <dgm:linClrLst meth="repeat">
+      <a:schemeClr val="accent1">
+        <a:alpha val="90000"/>
+        <a:tint val="40000"/>
+      </a:schemeClr>
+    </dgm:linClrLst>
+    <dgm:effectClrLst/>
+    <dgm:txLinClrLst/>
+    <dgm:txFillClrLst meth="repeat">
+      <a:schemeClr val="dk1"/>
+    </dgm:txFillClrLst>
+    <dgm:txEffectClrLst/>
+  </dgm:styleLbl>
+  <dgm:styleLbl name="alignAccFollowNode1">
+    <dgm:fillClrLst meth="repeat">
+      <a:schemeClr val="accent1">
+        <a:alpha val="90000"/>
+        <a:tint val="40000"/>
+      </a:schemeClr>
+    </dgm:fillClrLst>
+    <dgm:linClrLst meth="repeat">
+      <a:schemeClr val="accent1">
+        <a:alpha val="90000"/>
+        <a:tint val="40000"/>
+      </a:schemeClr>
+    </dgm:linClrLst>
+    <dgm:effectClrLst/>
+    <dgm:txLinClrLst/>
+    <dgm:txFillClrLst meth="repeat">
+      <a:schemeClr val="dk1"/>
+    </dgm:txFillClrLst>
+    <dgm:txEffectClrLst/>
+  </dgm:styleLbl>
+  <dgm:styleLbl name="bgAccFollowNode1">
+    <dgm:fillClrLst meth="repeat">
+      <a:schemeClr val="accent1">
+        <a:alpha val="90000"/>
+        <a:tint val="40000"/>
+      </a:schemeClr>
+    </dgm:fillClrLst>
+    <dgm:linClrLst meth="repeat">
+      <a:schemeClr val="accent1">
+        <a:alpha val="90000"/>
+        <a:tint val="40000"/>
+      </a:schemeClr>
+    </dgm:linClrLst>
+    <dgm:effectClrLst/>
+    <dgm:txLinClrLst/>
+    <dgm:txFillClrLst meth="repeat">
+      <a:schemeClr val="dk1"/>
+    </dgm:txFillClrLst>
+    <dgm:txEffectClrLst/>
+  </dgm:styleLbl>
+  <dgm:styleLbl name="fgAcc0">
+    <dgm:fillClrLst meth="repeat">
+      <a:schemeClr val="lt1">
+        <a:alpha val="90000"/>
+      </a:schemeClr>
+    </dgm:fillClrLst>
+    <dgm:linClrLst meth="repeat">
+      <a:schemeClr val="accent1"/>
+    </dgm:linClrLst>
+    <dgm:effectClrLst/>
+    <dgm:txLinClrLst/>
+    <dgm:txFillClrLst meth="repeat">
+      <a:schemeClr val="dk1"/>
+    </dgm:txFillClrLst>
+    <dgm:txEffectClrLst/>
+  </dgm:styleLbl>
+  <dgm:styleLbl name="fgAcc2">
+    <dgm:fillClrLst meth="repeat">
+      <a:schemeClr val="lt1">
+        <a:alpha val="90000"/>
+      </a:schemeClr>
+    </dgm:fillClrLst>
+    <dgm:linClrLst meth="repeat">
+      <a:schemeClr val="accent1"/>
+    </dgm:linClrLst>
+    <dgm:effectClrLst/>
+    <dgm:txLinClrLst/>
+    <dgm:txFillClrLst meth="repeat">
+      <a:schemeClr val="dk1"/>
+    </dgm:txFillClrLst>
+    <dgm:txEffectClrLst/>
+  </dgm:styleLbl>
+  <dgm:styleLbl name="fgAcc3">
+    <dgm:fillClrLst meth="repeat">
+      <a:schemeClr val="lt1">
+        <a:alpha val="90000"/>
+      </a:schemeClr>
+    </dgm:fillClrLst>
+    <dgm:linClrLst meth="repeat">
+      <a:schemeClr val="accent1"/>
+    </dgm:linClrLst>
+    <dgm:effectClrLst/>
+    <dgm:txLinClrLst/>
+    <dgm:txFillClrLst meth="repeat">
+      <a:schemeClr val="dk1"/>
+    </dgm:txFillClrLst>
+    <dgm:txEffectClrLst/>
+  </dgm:styleLbl>
+  <dgm:styleLbl name="fgAcc4">
+    <dgm:fillClrLst meth="repeat">
+      <a:schemeClr val="lt1">
+        <a:alpha val="90000"/>
+      </a:schemeClr>
+    </dgm:fillClrLst>
+    <dgm:linClrLst meth="repeat">
+      <a:schemeClr val="accent1"/>
+    </dgm:linClrLst>
+    <dgm:effectClrLst/>
+    <dgm:txLinClrLst/>
+    <dgm:txFillClrLst meth="repeat">
+      <a:schemeClr val="dk1"/>
+    </dgm:txFillClrLst>
+    <dgm:txEffectClrLst/>
+  </dgm:styleLbl>
+  <dgm:styleLbl name="bgShp">
+    <dgm:fillClrLst meth="repeat">
+      <a:schemeClr val="accent1">
+        <a:tint val="40000"/>
+      </a:schemeClr>
+    </dgm:fillClrLst>
+    <dgm:linClrLst meth="repeat">
+      <a:schemeClr val="accent1"/>
+    </dgm:linClrLst>
+    <dgm:effectClrLst/>
+    <dgm:txLinClrLst/>
+    <dgm:txFillClrLst meth="repeat">
+      <a:schemeClr val="dk1"/>
+    </dgm:txFillClrLst>
+    <dgm:txEffectClrLst/>
+  </dgm:styleLbl>
+  <dgm:styleLbl name="dkBgShp">
+    <dgm:fillClrLst meth="repeat">
+      <a:schemeClr val="accent1">
+        <a:shade val="80000"/>
+      </a:schemeClr>
+    </dgm:fillClrLst>
+    <dgm:linClrLst meth="repeat">
+      <a:schemeClr val="accent1"/>
+    </dgm:linClrLst>
+    <dgm:effectClrLst/>
+    <dgm:txLinClrLst/>
+    <dgm:txFillClrLst meth="repeat">
+      <a:schemeClr val="lt1"/>
+    </dgm:txFillClrLst>
+    <dgm:txEffectClrLst/>
+  </dgm:styleLbl>
+  <dgm:styleLbl name="trBgShp">
+    <dgm:fillClrLst meth="repeat">
+      <a:schemeClr val="accent1">
+        <a:tint val="50000"/>
+        <a:alpha val="40000"/>
+      </a:schemeClr>
+    </dgm:fillClrLst>
+    <dgm:linClrLst meth="repeat">
+      <a:schemeClr val="accent1"/>
+    </dgm:linClrLst>
+    <dgm:effectClrLst/>
+    <dgm:txLinClrLst/>
+    <dgm:txFillClrLst meth="repeat">
+      <a:schemeClr val="lt1"/>
+    </dgm:txFillClrLst>
+    <dgm:txEffectClrLst/>
+  </dgm:styleLbl>
+  <dgm:styleLbl name="fgShp">
+    <dgm:fillClrLst meth="repeat">
+      <a:schemeClr val="accent1">
+        <a:tint val="60000"/>
+      </a:schemeClr>
+    </dgm:fillClrLst>
+    <dgm:linClrLst meth="repeat">
+      <a:schemeClr val="lt1"/>
+    </dgm:linClrLst>
+    <dgm:effectClrLst/>
+    <dgm:txLinClrLst/>
+    <dgm:txFillClrLst meth="repeat">
+      <a:schemeClr val="dk1"/>
+    </dgm:txFillClrLst>
+    <dgm:txEffectClrLst/>
+  </dgm:styleLbl>
+  <dgm:styleLbl name="revTx">
+    <dgm:fillClrLst meth="repeat">
+      <a:schemeClr val="lt1">
+        <a:alpha val="0"/>
+      </a:schemeClr>
+    </dgm:fillClrLst>
+    <dgm:linClrLst meth="repeat">
+      <a:schemeClr val="dk1">
+        <a:alpha val="0"/>
+      </a:schemeClr>
+    </dgm:linClrLst>
+    <dgm:effectClrLst/>
+    <dgm:txLinClrLst/>
+    <dgm:txFillClrLst meth="repeat">
+      <a:schemeClr val="tx1"/>
+    </dgm:txFillClrLst>
+    <dgm:txEffectClrLst/>
+  </dgm:styleLbl>
+</dgm:colorsDef>
+</file>
+
+<file path=ppt/diagrams/colors5.xml><?xml version="1.0" encoding="utf-8"?>
 <dgm:colorsDef xmlns:dgm="http://schemas.openxmlformats.org/drawingml/2006/diagram" xmlns:a="http://schemas.openxmlformats.org/drawingml/2006/main" uniqueId="urn:microsoft.com/office/officeart/2005/8/colors/colorful1">
   <dgm:title val=""/>
   <dgm:desc val=""/>
@@ -3303,7 +4051,7 @@
 </dgm:colorsDef>
 </file>
 
-<file path=ppt/diagrams/colors5.xml><?xml version="1.0" encoding="utf-8"?>
+<file path=ppt/diagrams/colors6.xml><?xml version="1.0" encoding="utf-8"?>
 <dgm:colorsDef xmlns:dgm="http://schemas.openxmlformats.org/drawingml/2006/diagram" xmlns:a="http://schemas.openxmlformats.org/drawingml/2006/main" uniqueId="urn:microsoft.com/office/officeart/2005/8/colors/accent1_2">
   <dgm:title val=""/>
   <dgm:desc val=""/>
@@ -5497,6 +6245,585 @@
 <file path=ppt/diagrams/data4.xml><?xml version="1.0" encoding="utf-8"?>
 <dgm:dataModel xmlns:dgm="http://schemas.openxmlformats.org/drawingml/2006/diagram" xmlns:a="http://schemas.openxmlformats.org/drawingml/2006/main">
   <dgm:ptLst>
+    <dgm:pt modelId="{494D11BF-2D98-4173-BACD-F1000D645904}" type="doc">
+      <dgm:prSet loTypeId="urn:microsoft.com/office/officeart/2005/8/layout/pList1" loCatId="picture" qsTypeId="urn:microsoft.com/office/officeart/2005/8/quickstyle/3d3" qsCatId="3D" csTypeId="urn:microsoft.com/office/officeart/2005/8/colors/accent1_2" csCatId="accent1" phldr="1"/>
+      <dgm:spPr/>
+      <dgm:t>
+        <a:bodyPr/>
+        <a:lstStyle/>
+        <a:p>
+          <a:endParaRPr lang="en-GB"/>
+        </a:p>
+      </dgm:t>
+    </dgm:pt>
+    <dgm:pt modelId="{04AD746E-8E68-4392-9A62-A2FC85A9D0C5}">
+      <dgm:prSet phldrT="[Text]"/>
+      <dgm:spPr/>
+      <dgm:t>
+        <a:bodyPr/>
+        <a:lstStyle/>
+        <a:p>
+          <a:r>
+            <a:rPr lang="en-US" dirty="0" smtClean="0"/>
+            <a:t>Search</a:t>
+          </a:r>
+          <a:endParaRPr lang="en-GB" dirty="0"/>
+        </a:p>
+      </dgm:t>
+    </dgm:pt>
+    <dgm:pt modelId="{3D401397-142B-44CA-A59F-E3F0D189A84B}" type="parTrans" cxnId="{37B5463D-FF7A-46CC-95C1-C10C0C81A0E1}">
+      <dgm:prSet/>
+      <dgm:spPr/>
+      <dgm:t>
+        <a:bodyPr/>
+        <a:lstStyle/>
+        <a:p>
+          <a:endParaRPr lang="en-GB"/>
+        </a:p>
+      </dgm:t>
+    </dgm:pt>
+    <dgm:pt modelId="{6D5C9105-0581-4715-9FD1-70D5A8D11C9C}" type="sibTrans" cxnId="{37B5463D-FF7A-46CC-95C1-C10C0C81A0E1}">
+      <dgm:prSet/>
+      <dgm:spPr/>
+      <dgm:t>
+        <a:bodyPr/>
+        <a:lstStyle/>
+        <a:p>
+          <a:endParaRPr lang="en-GB"/>
+        </a:p>
+      </dgm:t>
+    </dgm:pt>
+    <dgm:pt modelId="{B16AD185-1391-4E39-9BAF-A732DB967608}">
+      <dgm:prSet phldrT="[Text]"/>
+      <dgm:spPr/>
+      <dgm:t>
+        <a:bodyPr/>
+        <a:lstStyle/>
+        <a:p>
+          <a:r>
+            <a:rPr lang="en-US" dirty="0" smtClean="0"/>
+            <a:t>Propose price</a:t>
+          </a:r>
+          <a:endParaRPr lang="en-GB" dirty="0"/>
+        </a:p>
+      </dgm:t>
+    </dgm:pt>
+    <dgm:pt modelId="{D535AE7F-4A1D-4F50-AA42-BCA16F25D400}" type="parTrans" cxnId="{071CD12D-3139-42AC-B5F3-1BC8C6AE8D91}">
+      <dgm:prSet/>
+      <dgm:spPr/>
+      <dgm:t>
+        <a:bodyPr/>
+        <a:lstStyle/>
+        <a:p>
+          <a:endParaRPr lang="en-GB"/>
+        </a:p>
+      </dgm:t>
+    </dgm:pt>
+    <dgm:pt modelId="{B7CBB414-2922-46D6-B611-97803FA2EA87}" type="sibTrans" cxnId="{071CD12D-3139-42AC-B5F3-1BC8C6AE8D91}">
+      <dgm:prSet/>
+      <dgm:spPr/>
+      <dgm:t>
+        <a:bodyPr/>
+        <a:lstStyle/>
+        <a:p>
+          <a:endParaRPr lang="en-GB"/>
+        </a:p>
+      </dgm:t>
+    </dgm:pt>
+    <dgm:pt modelId="{C8464284-228C-4A68-B873-0718032E1E61}">
+      <dgm:prSet phldrT="[Text]"/>
+      <dgm:spPr/>
+      <dgm:t>
+        <a:bodyPr/>
+        <a:lstStyle/>
+        <a:p>
+          <a:r>
+            <a:rPr lang="en-US" dirty="0" smtClean="0"/>
+            <a:t>Manage cart</a:t>
+          </a:r>
+          <a:endParaRPr lang="en-GB" dirty="0"/>
+        </a:p>
+      </dgm:t>
+    </dgm:pt>
+    <dgm:pt modelId="{AEAC7AAB-36D0-4D36-A21B-0E3C889E47D9}" type="parTrans" cxnId="{F2E58148-8F68-4995-B72E-F508C2F6AFEE}">
+      <dgm:prSet/>
+      <dgm:spPr/>
+      <dgm:t>
+        <a:bodyPr/>
+        <a:lstStyle/>
+        <a:p>
+          <a:endParaRPr lang="en-GB"/>
+        </a:p>
+      </dgm:t>
+    </dgm:pt>
+    <dgm:pt modelId="{74753ABF-0F1C-41F7-A0EA-534D9E890088}" type="sibTrans" cxnId="{F2E58148-8F68-4995-B72E-F508C2F6AFEE}">
+      <dgm:prSet/>
+      <dgm:spPr/>
+      <dgm:t>
+        <a:bodyPr/>
+        <a:lstStyle/>
+        <a:p>
+          <a:endParaRPr lang="en-GB"/>
+        </a:p>
+      </dgm:t>
+    </dgm:pt>
+    <dgm:pt modelId="{EB8E2426-CD8C-4827-8D73-43780F26B096}">
+      <dgm:prSet phldrT="[Text]"/>
+      <dgm:spPr/>
+      <dgm:t>
+        <a:bodyPr/>
+        <a:lstStyle/>
+        <a:p>
+          <a:r>
+            <a:rPr lang="en-US" dirty="0" smtClean="0"/>
+            <a:t>Suggestion</a:t>
+          </a:r>
+          <a:endParaRPr lang="en-GB" dirty="0"/>
+        </a:p>
+      </dgm:t>
+    </dgm:pt>
+    <dgm:pt modelId="{3BA39F35-25FE-4772-8E4B-7C8C6FC50D1B}" type="parTrans" cxnId="{4A0DA291-346E-4BBA-9E92-D7DACA693400}">
+      <dgm:prSet/>
+      <dgm:spPr/>
+      <dgm:t>
+        <a:bodyPr/>
+        <a:lstStyle/>
+        <a:p>
+          <a:endParaRPr lang="en-GB"/>
+        </a:p>
+      </dgm:t>
+    </dgm:pt>
+    <dgm:pt modelId="{066302B2-E89D-448F-B700-E2FFB34D15C9}" type="sibTrans" cxnId="{4A0DA291-346E-4BBA-9E92-D7DACA693400}">
+      <dgm:prSet/>
+      <dgm:spPr/>
+      <dgm:t>
+        <a:bodyPr/>
+        <a:lstStyle/>
+        <a:p>
+          <a:endParaRPr lang="en-GB"/>
+        </a:p>
+      </dgm:t>
+    </dgm:pt>
+    <dgm:pt modelId="{0332B7DE-AD17-4C1F-8900-FB918E76237C}">
+      <dgm:prSet phldrT="[Text]"/>
+      <dgm:spPr/>
+      <dgm:t>
+        <a:bodyPr/>
+        <a:lstStyle/>
+        <a:p>
+          <a:r>
+            <a:rPr lang="en-US" dirty="0" smtClean="0"/>
+            <a:t>Import Excel</a:t>
+          </a:r>
+          <a:endParaRPr lang="en-GB" dirty="0"/>
+        </a:p>
+      </dgm:t>
+    </dgm:pt>
+    <dgm:pt modelId="{EF332AF7-8197-4800-BF05-75E1990B01F8}" type="parTrans" cxnId="{CE913807-4BBA-485A-B7C2-EB1E69388204}">
+      <dgm:prSet/>
+      <dgm:spPr/>
+      <dgm:t>
+        <a:bodyPr/>
+        <a:lstStyle/>
+        <a:p>
+          <a:endParaRPr lang="en-GB"/>
+        </a:p>
+      </dgm:t>
+    </dgm:pt>
+    <dgm:pt modelId="{12F4197F-58D0-4E5A-BE66-7777118A1034}" type="sibTrans" cxnId="{CE913807-4BBA-485A-B7C2-EB1E69388204}">
+      <dgm:prSet/>
+      <dgm:spPr/>
+      <dgm:t>
+        <a:bodyPr/>
+        <a:lstStyle/>
+        <a:p>
+          <a:endParaRPr lang="en-GB"/>
+        </a:p>
+      </dgm:t>
+    </dgm:pt>
+    <dgm:pt modelId="{64806512-A352-4211-9C17-EDDF656FF7A5}">
+      <dgm:prSet phldrT="[Text]"/>
+      <dgm:spPr/>
+      <dgm:t>
+        <a:bodyPr/>
+        <a:lstStyle/>
+        <a:p>
+          <a:r>
+            <a:rPr lang="en-US" dirty="0" smtClean="0"/>
+            <a:t>Get data from web</a:t>
+          </a:r>
+          <a:endParaRPr lang="en-GB" dirty="0"/>
+        </a:p>
+      </dgm:t>
+    </dgm:pt>
+    <dgm:pt modelId="{01803FF9-4ECB-4116-AAAC-03CF9A47335F}" type="parTrans" cxnId="{63142466-3B28-47B0-9550-58E3E99F06C8}">
+      <dgm:prSet/>
+      <dgm:spPr/>
+      <dgm:t>
+        <a:bodyPr/>
+        <a:lstStyle/>
+        <a:p>
+          <a:endParaRPr lang="en-GB"/>
+        </a:p>
+      </dgm:t>
+    </dgm:pt>
+    <dgm:pt modelId="{A0A1B041-A31A-4702-95A8-C00F0C40F985}" type="sibTrans" cxnId="{63142466-3B28-47B0-9550-58E3E99F06C8}">
+      <dgm:prSet/>
+      <dgm:spPr/>
+      <dgm:t>
+        <a:bodyPr/>
+        <a:lstStyle/>
+        <a:p>
+          <a:endParaRPr lang="en-GB"/>
+        </a:p>
+      </dgm:t>
+    </dgm:pt>
+    <dgm:pt modelId="{718C467A-847A-4B70-BBBD-A1F0C172C58F}">
+      <dgm:prSet phldrT="[Text]"/>
+      <dgm:spPr/>
+      <dgm:t>
+        <a:bodyPr/>
+        <a:lstStyle/>
+        <a:p>
+          <a:r>
+            <a:rPr lang="en-US" dirty="0" smtClean="0"/>
+            <a:t>Mobile device</a:t>
+          </a:r>
+          <a:endParaRPr lang="en-GB" dirty="0"/>
+        </a:p>
+      </dgm:t>
+    </dgm:pt>
+    <dgm:pt modelId="{F9006E65-1DF8-485B-BE60-10465CF9C0C6}" type="parTrans" cxnId="{E223BD1D-FA1D-45EB-B029-78AFFC0C3491}">
+      <dgm:prSet/>
+      <dgm:spPr/>
+      <dgm:t>
+        <a:bodyPr/>
+        <a:lstStyle/>
+        <a:p>
+          <a:endParaRPr lang="en-GB"/>
+        </a:p>
+      </dgm:t>
+    </dgm:pt>
+    <dgm:pt modelId="{29D0DBE8-8877-4EE0-8982-49B95F362E57}" type="sibTrans" cxnId="{E223BD1D-FA1D-45EB-B029-78AFFC0C3491}">
+      <dgm:prSet/>
+      <dgm:spPr/>
+      <dgm:t>
+        <a:bodyPr/>
+        <a:lstStyle/>
+        <a:p>
+          <a:endParaRPr lang="en-GB"/>
+        </a:p>
+      </dgm:t>
+    </dgm:pt>
+    <dgm:pt modelId="{E9CC8302-00BD-4FDD-BBB3-EFB1ABC4C93C}" type="pres">
+      <dgm:prSet presAssocID="{494D11BF-2D98-4173-BACD-F1000D645904}" presName="Name0" presStyleCnt="0">
+        <dgm:presLayoutVars>
+          <dgm:dir/>
+          <dgm:resizeHandles val="exact"/>
+        </dgm:presLayoutVars>
+      </dgm:prSet>
+      <dgm:spPr/>
+    </dgm:pt>
+    <dgm:pt modelId="{8BB36275-E7F0-4A62-8059-5368D93228A2}" type="pres">
+      <dgm:prSet presAssocID="{04AD746E-8E68-4392-9A62-A2FC85A9D0C5}" presName="compNode" presStyleCnt="0"/>
+      <dgm:spPr/>
+    </dgm:pt>
+    <dgm:pt modelId="{38D94112-4B62-4450-BAB0-6C010E898920}" type="pres">
+      <dgm:prSet presAssocID="{04AD746E-8E68-4392-9A62-A2FC85A9D0C5}" presName="pictRect" presStyleLbl="node1" presStyleIdx="0" presStyleCnt="7"/>
+      <dgm:spPr>
+        <a:blipFill dpi="0" rotWithShape="1">
+          <a:blip xmlns:r="http://schemas.openxmlformats.org/officeDocument/2006/relationships" r:embed="rId1" cstate="print">
+            <a:extLst>
+              <a:ext uri="{28A0092B-C50C-407E-A947-70E740481C1C}">
+                <a14:useLocalDpi xmlns:a14="http://schemas.microsoft.com/office/drawing/2010/main" val="0"/>
+              </a:ext>
+            </a:extLst>
+          </a:blip>
+          <a:srcRect/>
+          <a:stretch>
+            <a:fillRect l="15550" r="15550"/>
+          </a:stretch>
+        </a:blipFill>
+      </dgm:spPr>
+    </dgm:pt>
+    <dgm:pt modelId="{50032E18-2E0A-4D65-A348-2C9C3E9B8328}" type="pres">
+      <dgm:prSet presAssocID="{04AD746E-8E68-4392-9A62-A2FC85A9D0C5}" presName="textRect" presStyleLbl="revTx" presStyleIdx="0" presStyleCnt="7">
+        <dgm:presLayoutVars>
+          <dgm:bulletEnabled val="1"/>
+        </dgm:presLayoutVars>
+      </dgm:prSet>
+      <dgm:spPr/>
+    </dgm:pt>
+    <dgm:pt modelId="{FC755826-ECAD-4F40-B435-FEBA5291562C}" type="pres">
+      <dgm:prSet presAssocID="{6D5C9105-0581-4715-9FD1-70D5A8D11C9C}" presName="sibTrans" presStyleLbl="sibTrans2D1" presStyleIdx="0" presStyleCnt="0"/>
+      <dgm:spPr/>
+    </dgm:pt>
+    <dgm:pt modelId="{742F499D-E874-47BF-B42F-0CE2A0FAE01D}" type="pres">
+      <dgm:prSet presAssocID="{B16AD185-1391-4E39-9BAF-A732DB967608}" presName="compNode" presStyleCnt="0"/>
+      <dgm:spPr/>
+    </dgm:pt>
+    <dgm:pt modelId="{DB4DFF25-2111-49EB-BC56-4ACC6D2E3C4A}" type="pres">
+      <dgm:prSet presAssocID="{B16AD185-1391-4E39-9BAF-A732DB967608}" presName="pictRect" presStyleLbl="node1" presStyleIdx="1" presStyleCnt="7"/>
+      <dgm:spPr>
+        <a:blipFill dpi="0" rotWithShape="1">
+          <a:blip xmlns:r="http://schemas.openxmlformats.org/officeDocument/2006/relationships" r:embed="rId2">
+            <a:extLst>
+              <a:ext uri="{28A0092B-C50C-407E-A947-70E740481C1C}">
+                <a14:useLocalDpi xmlns:a14="http://schemas.microsoft.com/office/drawing/2010/main" val="0"/>
+              </a:ext>
+            </a:extLst>
+          </a:blip>
+          <a:srcRect/>
+          <a:stretch>
+            <a:fillRect l="15550" r="15550"/>
+          </a:stretch>
+        </a:blipFill>
+      </dgm:spPr>
+    </dgm:pt>
+    <dgm:pt modelId="{E88444CE-513E-46DB-98BB-1DE2BC38E1BB}" type="pres">
+      <dgm:prSet presAssocID="{B16AD185-1391-4E39-9BAF-A732DB967608}" presName="textRect" presStyleLbl="revTx" presStyleIdx="1" presStyleCnt="7">
+        <dgm:presLayoutVars>
+          <dgm:bulletEnabled val="1"/>
+        </dgm:presLayoutVars>
+      </dgm:prSet>
+      <dgm:spPr/>
+    </dgm:pt>
+    <dgm:pt modelId="{B757D4AA-FA2C-4215-8650-9A3D2455F1DC}" type="pres">
+      <dgm:prSet presAssocID="{B7CBB414-2922-46D6-B611-97803FA2EA87}" presName="sibTrans" presStyleLbl="sibTrans2D1" presStyleIdx="0" presStyleCnt="0"/>
+      <dgm:spPr/>
+    </dgm:pt>
+    <dgm:pt modelId="{5F1E0AA5-3E18-4D8E-9B0A-B3CCC142EC1C}" type="pres">
+      <dgm:prSet presAssocID="{C8464284-228C-4A68-B873-0718032E1E61}" presName="compNode" presStyleCnt="0"/>
+      <dgm:spPr/>
+    </dgm:pt>
+    <dgm:pt modelId="{36FAAB07-1BD4-42B4-8036-62B0F623ED4C}" type="pres">
+      <dgm:prSet presAssocID="{C8464284-228C-4A68-B873-0718032E1E61}" presName="pictRect" presStyleLbl="node1" presStyleIdx="2" presStyleCnt="7"/>
+      <dgm:spPr>
+        <a:blipFill dpi="0" rotWithShape="1">
+          <a:blip xmlns:r="http://schemas.openxmlformats.org/officeDocument/2006/relationships" r:embed="rId3">
+            <a:extLst>
+              <a:ext uri="{28A0092B-C50C-407E-A947-70E740481C1C}">
+                <a14:useLocalDpi xmlns:a14="http://schemas.microsoft.com/office/drawing/2010/main" val="0"/>
+              </a:ext>
+            </a:extLst>
+          </a:blip>
+          <a:srcRect/>
+          <a:stretch>
+            <a:fillRect l="15550" r="15550"/>
+          </a:stretch>
+        </a:blipFill>
+      </dgm:spPr>
+    </dgm:pt>
+    <dgm:pt modelId="{AB026361-32AF-4200-8E3C-B6BC87A0F3C1}" type="pres">
+      <dgm:prSet presAssocID="{C8464284-228C-4A68-B873-0718032E1E61}" presName="textRect" presStyleLbl="revTx" presStyleIdx="2" presStyleCnt="7">
+        <dgm:presLayoutVars>
+          <dgm:bulletEnabled val="1"/>
+        </dgm:presLayoutVars>
+      </dgm:prSet>
+      <dgm:spPr/>
+    </dgm:pt>
+    <dgm:pt modelId="{94E030C4-E9DF-4330-8488-9C7EEDE89341}" type="pres">
+      <dgm:prSet presAssocID="{74753ABF-0F1C-41F7-A0EA-534D9E890088}" presName="sibTrans" presStyleLbl="sibTrans2D1" presStyleIdx="0" presStyleCnt="0"/>
+      <dgm:spPr/>
+    </dgm:pt>
+    <dgm:pt modelId="{A20DB61A-BD55-4719-AB15-EA00437C7B9E}" type="pres">
+      <dgm:prSet presAssocID="{EB8E2426-CD8C-4827-8D73-43780F26B096}" presName="compNode" presStyleCnt="0"/>
+      <dgm:spPr/>
+    </dgm:pt>
+    <dgm:pt modelId="{D32F9B4B-9249-48AA-963E-5BA76F4128CB}" type="pres">
+      <dgm:prSet presAssocID="{EB8E2426-CD8C-4827-8D73-43780F26B096}" presName="pictRect" presStyleLbl="node1" presStyleIdx="3" presStyleCnt="7"/>
+      <dgm:spPr>
+        <a:blipFill dpi="0" rotWithShape="1">
+          <a:blip xmlns:r="http://schemas.openxmlformats.org/officeDocument/2006/relationships" r:embed="rId4">
+            <a:extLst>
+              <a:ext uri="{28A0092B-C50C-407E-A947-70E740481C1C}">
+                <a14:useLocalDpi xmlns:a14="http://schemas.microsoft.com/office/drawing/2010/main" val="0"/>
+              </a:ext>
+            </a:extLst>
+          </a:blip>
+          <a:srcRect/>
+          <a:stretch>
+            <a:fillRect l="15550" r="15550"/>
+          </a:stretch>
+        </a:blipFill>
+      </dgm:spPr>
+    </dgm:pt>
+    <dgm:pt modelId="{53025DAB-3932-4FE1-BFF4-ED1A6BFC410C}" type="pres">
+      <dgm:prSet presAssocID="{EB8E2426-CD8C-4827-8D73-43780F26B096}" presName="textRect" presStyleLbl="revTx" presStyleIdx="3" presStyleCnt="7">
+        <dgm:presLayoutVars>
+          <dgm:bulletEnabled val="1"/>
+        </dgm:presLayoutVars>
+      </dgm:prSet>
+      <dgm:spPr/>
+    </dgm:pt>
+    <dgm:pt modelId="{AAE60E92-E0BF-4B91-B81B-08D59E85473C}" type="pres">
+      <dgm:prSet presAssocID="{066302B2-E89D-448F-B700-E2FFB34D15C9}" presName="sibTrans" presStyleLbl="sibTrans2D1" presStyleIdx="0" presStyleCnt="0"/>
+      <dgm:spPr/>
+    </dgm:pt>
+    <dgm:pt modelId="{9E92DAB2-612C-446B-B2AF-22AEB9B1AF59}" type="pres">
+      <dgm:prSet presAssocID="{0332B7DE-AD17-4C1F-8900-FB918E76237C}" presName="compNode" presStyleCnt="0"/>
+      <dgm:spPr/>
+    </dgm:pt>
+    <dgm:pt modelId="{42108F33-182C-4014-975C-104417C9CEFC}" type="pres">
+      <dgm:prSet presAssocID="{0332B7DE-AD17-4C1F-8900-FB918E76237C}" presName="pictRect" presStyleLbl="node1" presStyleIdx="4" presStyleCnt="7"/>
+      <dgm:spPr>
+        <a:blipFill dpi="0" rotWithShape="1">
+          <a:blip xmlns:r="http://schemas.openxmlformats.org/officeDocument/2006/relationships" r:embed="rId5">
+            <a:extLst>
+              <a:ext uri="{28A0092B-C50C-407E-A947-70E740481C1C}">
+                <a14:useLocalDpi xmlns:a14="http://schemas.microsoft.com/office/drawing/2010/main" val="0"/>
+              </a:ext>
+            </a:extLst>
+          </a:blip>
+          <a:srcRect/>
+          <a:stretch>
+            <a:fillRect l="15550" r="15550"/>
+          </a:stretch>
+        </a:blipFill>
+      </dgm:spPr>
+    </dgm:pt>
+    <dgm:pt modelId="{8ABD6398-AAB5-46D3-9A57-5E4F4E5ECD95}" type="pres">
+      <dgm:prSet presAssocID="{0332B7DE-AD17-4C1F-8900-FB918E76237C}" presName="textRect" presStyleLbl="revTx" presStyleIdx="4" presStyleCnt="7">
+        <dgm:presLayoutVars>
+          <dgm:bulletEnabled val="1"/>
+        </dgm:presLayoutVars>
+      </dgm:prSet>
+      <dgm:spPr/>
+    </dgm:pt>
+    <dgm:pt modelId="{41EB32D3-93EB-4FAE-B4A4-4D1F97FDDD3C}" type="pres">
+      <dgm:prSet presAssocID="{12F4197F-58D0-4E5A-BE66-7777118A1034}" presName="sibTrans" presStyleLbl="sibTrans2D1" presStyleIdx="0" presStyleCnt="0"/>
+      <dgm:spPr/>
+    </dgm:pt>
+    <dgm:pt modelId="{5B9D3B1C-667F-4852-B43C-13576FDA0E27}" type="pres">
+      <dgm:prSet presAssocID="{64806512-A352-4211-9C17-EDDF656FF7A5}" presName="compNode" presStyleCnt="0"/>
+      <dgm:spPr/>
+    </dgm:pt>
+    <dgm:pt modelId="{ACFFC79F-FF22-4C66-8CFB-521103AF6147}" type="pres">
+      <dgm:prSet presAssocID="{64806512-A352-4211-9C17-EDDF656FF7A5}" presName="pictRect" presStyleLbl="node1" presStyleIdx="5" presStyleCnt="7"/>
+      <dgm:spPr>
+        <a:blipFill dpi="0" rotWithShape="1">
+          <a:blip xmlns:r="http://schemas.openxmlformats.org/officeDocument/2006/relationships" r:embed="rId6">
+            <a:extLst>
+              <a:ext uri="{28A0092B-C50C-407E-A947-70E740481C1C}">
+                <a14:useLocalDpi xmlns:a14="http://schemas.microsoft.com/office/drawing/2010/main" val="0"/>
+              </a:ext>
+            </a:extLst>
+          </a:blip>
+          <a:srcRect/>
+          <a:stretch>
+            <a:fillRect l="8870" r="8870"/>
+          </a:stretch>
+        </a:blipFill>
+      </dgm:spPr>
+    </dgm:pt>
+    <dgm:pt modelId="{204C423E-AF9B-4804-A15C-59E7B5F55A52}" type="pres">
+      <dgm:prSet presAssocID="{64806512-A352-4211-9C17-EDDF656FF7A5}" presName="textRect" presStyleLbl="revTx" presStyleIdx="5" presStyleCnt="7">
+        <dgm:presLayoutVars>
+          <dgm:bulletEnabled val="1"/>
+        </dgm:presLayoutVars>
+      </dgm:prSet>
+      <dgm:spPr/>
+    </dgm:pt>
+    <dgm:pt modelId="{BE11028A-865E-4681-AC0B-7E4B8FB4A1B8}" type="pres">
+      <dgm:prSet presAssocID="{A0A1B041-A31A-4702-95A8-C00F0C40F985}" presName="sibTrans" presStyleLbl="sibTrans2D1" presStyleIdx="0" presStyleCnt="0"/>
+      <dgm:spPr/>
+    </dgm:pt>
+    <dgm:pt modelId="{70F74CA5-9F6A-4B7A-9221-F4AD7AAC9A13}" type="pres">
+      <dgm:prSet presAssocID="{718C467A-847A-4B70-BBBD-A1F0C172C58F}" presName="compNode" presStyleCnt="0"/>
+      <dgm:spPr/>
+    </dgm:pt>
+    <dgm:pt modelId="{B77A94D5-558B-4298-8C2F-665637DEF3C5}" type="pres">
+      <dgm:prSet presAssocID="{718C467A-847A-4B70-BBBD-A1F0C172C58F}" presName="pictRect" presStyleLbl="node1" presStyleIdx="6" presStyleCnt="7"/>
+      <dgm:spPr>
+        <a:blipFill dpi="0" rotWithShape="1">
+          <a:blip xmlns:r="http://schemas.openxmlformats.org/officeDocument/2006/relationships" r:embed="rId7" cstate="print">
+            <a:extLst>
+              <a:ext uri="{28A0092B-C50C-407E-A947-70E740481C1C}">
+                <a14:useLocalDpi xmlns:a14="http://schemas.microsoft.com/office/drawing/2010/main" val="0"/>
+              </a:ext>
+            </a:extLst>
+          </a:blip>
+          <a:srcRect/>
+          <a:stretch>
+            <a:fillRect l="32447" r="32447"/>
+          </a:stretch>
+        </a:blipFill>
+      </dgm:spPr>
+    </dgm:pt>
+    <dgm:pt modelId="{0DA19ACC-408E-4451-802F-CB6DD2B511B0}" type="pres">
+      <dgm:prSet presAssocID="{718C467A-847A-4B70-BBBD-A1F0C172C58F}" presName="textRect" presStyleLbl="revTx" presStyleIdx="6" presStyleCnt="7">
+        <dgm:presLayoutVars>
+          <dgm:bulletEnabled val="1"/>
+        </dgm:presLayoutVars>
+      </dgm:prSet>
+      <dgm:spPr/>
+    </dgm:pt>
+  </dgm:ptLst>
+  <dgm:cxnLst>
+    <dgm:cxn modelId="{0BDC4A93-B191-46EC-A0EC-F47F5A48FA21}" type="presOf" srcId="{64806512-A352-4211-9C17-EDDF656FF7A5}" destId="{204C423E-AF9B-4804-A15C-59E7B5F55A52}" srcOrd="0" destOrd="0" presId="urn:microsoft.com/office/officeart/2005/8/layout/pList1"/>
+    <dgm:cxn modelId="{2A656936-E8A9-44DC-ABE5-BB65A056BE9A}" type="presOf" srcId="{74753ABF-0F1C-41F7-A0EA-534D9E890088}" destId="{94E030C4-E9DF-4330-8488-9C7EEDE89341}" srcOrd="0" destOrd="0" presId="urn:microsoft.com/office/officeart/2005/8/layout/pList1"/>
+    <dgm:cxn modelId="{4A0DA291-346E-4BBA-9E92-D7DACA693400}" srcId="{494D11BF-2D98-4173-BACD-F1000D645904}" destId="{EB8E2426-CD8C-4827-8D73-43780F26B096}" srcOrd="3" destOrd="0" parTransId="{3BA39F35-25FE-4772-8E4B-7C8C6FC50D1B}" sibTransId="{066302B2-E89D-448F-B700-E2FFB34D15C9}"/>
+    <dgm:cxn modelId="{E97ED836-356E-45D7-A546-6EB56C3ED980}" type="presOf" srcId="{12F4197F-58D0-4E5A-BE66-7777118A1034}" destId="{41EB32D3-93EB-4FAE-B4A4-4D1F97FDDD3C}" srcOrd="0" destOrd="0" presId="urn:microsoft.com/office/officeart/2005/8/layout/pList1"/>
+    <dgm:cxn modelId="{CD780E8F-5993-4258-9D5D-5956908994A9}" type="presOf" srcId="{6D5C9105-0581-4715-9FD1-70D5A8D11C9C}" destId="{FC755826-ECAD-4F40-B435-FEBA5291562C}" srcOrd="0" destOrd="0" presId="urn:microsoft.com/office/officeart/2005/8/layout/pList1"/>
+    <dgm:cxn modelId="{BA226C45-C6BE-41DA-9C44-82DBA9116E65}" type="presOf" srcId="{04AD746E-8E68-4392-9A62-A2FC85A9D0C5}" destId="{50032E18-2E0A-4D65-A348-2C9C3E9B8328}" srcOrd="0" destOrd="0" presId="urn:microsoft.com/office/officeart/2005/8/layout/pList1"/>
+    <dgm:cxn modelId="{81805140-D1F7-4DF9-BE95-8DA0FF2C032A}" type="presOf" srcId="{C8464284-228C-4A68-B873-0718032E1E61}" destId="{AB026361-32AF-4200-8E3C-B6BC87A0F3C1}" srcOrd="0" destOrd="0" presId="urn:microsoft.com/office/officeart/2005/8/layout/pList1"/>
+    <dgm:cxn modelId="{7EFFC151-2658-4DB7-8FF9-F47B5E736884}" type="presOf" srcId="{494D11BF-2D98-4173-BACD-F1000D645904}" destId="{E9CC8302-00BD-4FDD-BBB3-EFB1ABC4C93C}" srcOrd="0" destOrd="0" presId="urn:microsoft.com/office/officeart/2005/8/layout/pList1"/>
+    <dgm:cxn modelId="{A32F6CC9-30B9-4B75-8BDA-FB6074D7F164}" type="presOf" srcId="{0332B7DE-AD17-4C1F-8900-FB918E76237C}" destId="{8ABD6398-AAB5-46D3-9A57-5E4F4E5ECD95}" srcOrd="0" destOrd="0" presId="urn:microsoft.com/office/officeart/2005/8/layout/pList1"/>
+    <dgm:cxn modelId="{F2E58148-8F68-4995-B72E-F508C2F6AFEE}" srcId="{494D11BF-2D98-4173-BACD-F1000D645904}" destId="{C8464284-228C-4A68-B873-0718032E1E61}" srcOrd="2" destOrd="0" parTransId="{AEAC7AAB-36D0-4D36-A21B-0E3C889E47D9}" sibTransId="{74753ABF-0F1C-41F7-A0EA-534D9E890088}"/>
+    <dgm:cxn modelId="{75050424-AE12-42D4-8C18-7285D86182DE}" type="presOf" srcId="{066302B2-E89D-448F-B700-E2FFB34D15C9}" destId="{AAE60E92-E0BF-4B91-B81B-08D59E85473C}" srcOrd="0" destOrd="0" presId="urn:microsoft.com/office/officeart/2005/8/layout/pList1"/>
+    <dgm:cxn modelId="{071CD12D-3139-42AC-B5F3-1BC8C6AE8D91}" srcId="{494D11BF-2D98-4173-BACD-F1000D645904}" destId="{B16AD185-1391-4E39-9BAF-A732DB967608}" srcOrd="1" destOrd="0" parTransId="{D535AE7F-4A1D-4F50-AA42-BCA16F25D400}" sibTransId="{B7CBB414-2922-46D6-B611-97803FA2EA87}"/>
+    <dgm:cxn modelId="{006EA64E-3EA3-41A8-A4BA-9353FB5642DE}" type="presOf" srcId="{A0A1B041-A31A-4702-95A8-C00F0C40F985}" destId="{BE11028A-865E-4681-AC0B-7E4B8FB4A1B8}" srcOrd="0" destOrd="0" presId="urn:microsoft.com/office/officeart/2005/8/layout/pList1"/>
+    <dgm:cxn modelId="{E0CB8CEB-7D95-40FB-B914-64883D0D5F16}" type="presOf" srcId="{B7CBB414-2922-46D6-B611-97803FA2EA87}" destId="{B757D4AA-FA2C-4215-8650-9A3D2455F1DC}" srcOrd="0" destOrd="0" presId="urn:microsoft.com/office/officeart/2005/8/layout/pList1"/>
+    <dgm:cxn modelId="{F74CB5C8-A46E-4202-B1FC-2D3FE3617354}" type="presOf" srcId="{718C467A-847A-4B70-BBBD-A1F0C172C58F}" destId="{0DA19ACC-408E-4451-802F-CB6DD2B511B0}" srcOrd="0" destOrd="0" presId="urn:microsoft.com/office/officeart/2005/8/layout/pList1"/>
+    <dgm:cxn modelId="{CE913807-4BBA-485A-B7C2-EB1E69388204}" srcId="{494D11BF-2D98-4173-BACD-F1000D645904}" destId="{0332B7DE-AD17-4C1F-8900-FB918E76237C}" srcOrd="4" destOrd="0" parTransId="{EF332AF7-8197-4800-BF05-75E1990B01F8}" sibTransId="{12F4197F-58D0-4E5A-BE66-7777118A1034}"/>
+    <dgm:cxn modelId="{E223BD1D-FA1D-45EB-B029-78AFFC0C3491}" srcId="{494D11BF-2D98-4173-BACD-F1000D645904}" destId="{718C467A-847A-4B70-BBBD-A1F0C172C58F}" srcOrd="6" destOrd="0" parTransId="{F9006E65-1DF8-485B-BE60-10465CF9C0C6}" sibTransId="{29D0DBE8-8877-4EE0-8982-49B95F362E57}"/>
+    <dgm:cxn modelId="{3D819EF1-B2FF-4419-B0A4-3B9C4232AD29}" type="presOf" srcId="{EB8E2426-CD8C-4827-8D73-43780F26B096}" destId="{53025DAB-3932-4FE1-BFF4-ED1A6BFC410C}" srcOrd="0" destOrd="0" presId="urn:microsoft.com/office/officeart/2005/8/layout/pList1"/>
+    <dgm:cxn modelId="{63142466-3B28-47B0-9550-58E3E99F06C8}" srcId="{494D11BF-2D98-4173-BACD-F1000D645904}" destId="{64806512-A352-4211-9C17-EDDF656FF7A5}" srcOrd="5" destOrd="0" parTransId="{01803FF9-4ECB-4116-AAAC-03CF9A47335F}" sibTransId="{A0A1B041-A31A-4702-95A8-C00F0C40F985}"/>
+    <dgm:cxn modelId="{152E35CE-3A3D-4628-9CBC-60A9DD5BD441}" type="presOf" srcId="{B16AD185-1391-4E39-9BAF-A732DB967608}" destId="{E88444CE-513E-46DB-98BB-1DE2BC38E1BB}" srcOrd="0" destOrd="0" presId="urn:microsoft.com/office/officeart/2005/8/layout/pList1"/>
+    <dgm:cxn modelId="{37B5463D-FF7A-46CC-95C1-C10C0C81A0E1}" srcId="{494D11BF-2D98-4173-BACD-F1000D645904}" destId="{04AD746E-8E68-4392-9A62-A2FC85A9D0C5}" srcOrd="0" destOrd="0" parTransId="{3D401397-142B-44CA-A59F-E3F0D189A84B}" sibTransId="{6D5C9105-0581-4715-9FD1-70D5A8D11C9C}"/>
+    <dgm:cxn modelId="{FE8F37A5-FC89-4DF7-9A58-959CB524D55A}" type="presParOf" srcId="{E9CC8302-00BD-4FDD-BBB3-EFB1ABC4C93C}" destId="{8BB36275-E7F0-4A62-8059-5368D93228A2}" srcOrd="0" destOrd="0" presId="urn:microsoft.com/office/officeart/2005/8/layout/pList1"/>
+    <dgm:cxn modelId="{8CC7CFDC-7793-453D-A7D6-2FF95879A396}" type="presParOf" srcId="{8BB36275-E7F0-4A62-8059-5368D93228A2}" destId="{38D94112-4B62-4450-BAB0-6C010E898920}" srcOrd="0" destOrd="0" presId="urn:microsoft.com/office/officeart/2005/8/layout/pList1"/>
+    <dgm:cxn modelId="{B2861A31-C2D7-454C-8750-4FF372BEB8F5}" type="presParOf" srcId="{8BB36275-E7F0-4A62-8059-5368D93228A2}" destId="{50032E18-2E0A-4D65-A348-2C9C3E9B8328}" srcOrd="1" destOrd="0" presId="urn:microsoft.com/office/officeart/2005/8/layout/pList1"/>
+    <dgm:cxn modelId="{74FE6E24-AC65-4578-9EA6-184B53B8F66F}" type="presParOf" srcId="{E9CC8302-00BD-4FDD-BBB3-EFB1ABC4C93C}" destId="{FC755826-ECAD-4F40-B435-FEBA5291562C}" srcOrd="1" destOrd="0" presId="urn:microsoft.com/office/officeart/2005/8/layout/pList1"/>
+    <dgm:cxn modelId="{9AD9F990-3D6A-4FF8-9626-95D2485A9719}" type="presParOf" srcId="{E9CC8302-00BD-4FDD-BBB3-EFB1ABC4C93C}" destId="{742F499D-E874-47BF-B42F-0CE2A0FAE01D}" srcOrd="2" destOrd="0" presId="urn:microsoft.com/office/officeart/2005/8/layout/pList1"/>
+    <dgm:cxn modelId="{2F2A4740-DAC5-461A-BBCA-49D985F7C3EC}" type="presParOf" srcId="{742F499D-E874-47BF-B42F-0CE2A0FAE01D}" destId="{DB4DFF25-2111-49EB-BC56-4ACC6D2E3C4A}" srcOrd="0" destOrd="0" presId="urn:microsoft.com/office/officeart/2005/8/layout/pList1"/>
+    <dgm:cxn modelId="{3BAD074E-7E00-4F42-A8F4-091CC1844D85}" type="presParOf" srcId="{742F499D-E874-47BF-B42F-0CE2A0FAE01D}" destId="{E88444CE-513E-46DB-98BB-1DE2BC38E1BB}" srcOrd="1" destOrd="0" presId="urn:microsoft.com/office/officeart/2005/8/layout/pList1"/>
+    <dgm:cxn modelId="{CDC193E7-40A0-4414-9A30-6A44D1105145}" type="presParOf" srcId="{E9CC8302-00BD-4FDD-BBB3-EFB1ABC4C93C}" destId="{B757D4AA-FA2C-4215-8650-9A3D2455F1DC}" srcOrd="3" destOrd="0" presId="urn:microsoft.com/office/officeart/2005/8/layout/pList1"/>
+    <dgm:cxn modelId="{919DFDC6-DD7F-4A6B-83C9-C7B46E175A7C}" type="presParOf" srcId="{E9CC8302-00BD-4FDD-BBB3-EFB1ABC4C93C}" destId="{5F1E0AA5-3E18-4D8E-9B0A-B3CCC142EC1C}" srcOrd="4" destOrd="0" presId="urn:microsoft.com/office/officeart/2005/8/layout/pList1"/>
+    <dgm:cxn modelId="{15A152C1-C7D2-45E7-8CC2-6967063CDAF2}" type="presParOf" srcId="{5F1E0AA5-3E18-4D8E-9B0A-B3CCC142EC1C}" destId="{36FAAB07-1BD4-42B4-8036-62B0F623ED4C}" srcOrd="0" destOrd="0" presId="urn:microsoft.com/office/officeart/2005/8/layout/pList1"/>
+    <dgm:cxn modelId="{D3338431-A9B8-40F3-B9CE-B4DBE94E3D3E}" type="presParOf" srcId="{5F1E0AA5-3E18-4D8E-9B0A-B3CCC142EC1C}" destId="{AB026361-32AF-4200-8E3C-B6BC87A0F3C1}" srcOrd="1" destOrd="0" presId="urn:microsoft.com/office/officeart/2005/8/layout/pList1"/>
+    <dgm:cxn modelId="{C707F68B-0248-46C0-B96F-29EFF2CBC287}" type="presParOf" srcId="{E9CC8302-00BD-4FDD-BBB3-EFB1ABC4C93C}" destId="{94E030C4-E9DF-4330-8488-9C7EEDE89341}" srcOrd="5" destOrd="0" presId="urn:microsoft.com/office/officeart/2005/8/layout/pList1"/>
+    <dgm:cxn modelId="{25967BAA-3BA6-4B5E-B19F-0F4D672C0328}" type="presParOf" srcId="{E9CC8302-00BD-4FDD-BBB3-EFB1ABC4C93C}" destId="{A20DB61A-BD55-4719-AB15-EA00437C7B9E}" srcOrd="6" destOrd="0" presId="urn:microsoft.com/office/officeart/2005/8/layout/pList1"/>
+    <dgm:cxn modelId="{89EFAC8C-9F29-429C-AD23-292B8523676B}" type="presParOf" srcId="{A20DB61A-BD55-4719-AB15-EA00437C7B9E}" destId="{D32F9B4B-9249-48AA-963E-5BA76F4128CB}" srcOrd="0" destOrd="0" presId="urn:microsoft.com/office/officeart/2005/8/layout/pList1"/>
+    <dgm:cxn modelId="{88C1A776-BCAB-4C75-B6E9-70A2EF04BDF6}" type="presParOf" srcId="{A20DB61A-BD55-4719-AB15-EA00437C7B9E}" destId="{53025DAB-3932-4FE1-BFF4-ED1A6BFC410C}" srcOrd="1" destOrd="0" presId="urn:microsoft.com/office/officeart/2005/8/layout/pList1"/>
+    <dgm:cxn modelId="{6BDBABA1-F29E-4CF3-889F-EB8CFE50638E}" type="presParOf" srcId="{E9CC8302-00BD-4FDD-BBB3-EFB1ABC4C93C}" destId="{AAE60E92-E0BF-4B91-B81B-08D59E85473C}" srcOrd="7" destOrd="0" presId="urn:microsoft.com/office/officeart/2005/8/layout/pList1"/>
+    <dgm:cxn modelId="{C7BEBFA7-E766-4C97-AEB7-D6B78107138A}" type="presParOf" srcId="{E9CC8302-00BD-4FDD-BBB3-EFB1ABC4C93C}" destId="{9E92DAB2-612C-446B-B2AF-22AEB9B1AF59}" srcOrd="8" destOrd="0" presId="urn:microsoft.com/office/officeart/2005/8/layout/pList1"/>
+    <dgm:cxn modelId="{D650EB73-7DCA-4435-A733-6FF11CDA3A2F}" type="presParOf" srcId="{9E92DAB2-612C-446B-B2AF-22AEB9B1AF59}" destId="{42108F33-182C-4014-975C-104417C9CEFC}" srcOrd="0" destOrd="0" presId="urn:microsoft.com/office/officeart/2005/8/layout/pList1"/>
+    <dgm:cxn modelId="{67EFA73A-96BD-4DB7-AA88-06FC47E3EF39}" type="presParOf" srcId="{9E92DAB2-612C-446B-B2AF-22AEB9B1AF59}" destId="{8ABD6398-AAB5-46D3-9A57-5E4F4E5ECD95}" srcOrd="1" destOrd="0" presId="urn:microsoft.com/office/officeart/2005/8/layout/pList1"/>
+    <dgm:cxn modelId="{F2A85B57-F663-4809-AEA5-040B285DB4FF}" type="presParOf" srcId="{E9CC8302-00BD-4FDD-BBB3-EFB1ABC4C93C}" destId="{41EB32D3-93EB-4FAE-B4A4-4D1F97FDDD3C}" srcOrd="9" destOrd="0" presId="urn:microsoft.com/office/officeart/2005/8/layout/pList1"/>
+    <dgm:cxn modelId="{C23C35E4-F5AF-482F-8DF9-27B3AFB4B879}" type="presParOf" srcId="{E9CC8302-00BD-4FDD-BBB3-EFB1ABC4C93C}" destId="{5B9D3B1C-667F-4852-B43C-13576FDA0E27}" srcOrd="10" destOrd="0" presId="urn:microsoft.com/office/officeart/2005/8/layout/pList1"/>
+    <dgm:cxn modelId="{4B08A32E-30FC-4011-ADED-9ECE64EEE495}" type="presParOf" srcId="{5B9D3B1C-667F-4852-B43C-13576FDA0E27}" destId="{ACFFC79F-FF22-4C66-8CFB-521103AF6147}" srcOrd="0" destOrd="0" presId="urn:microsoft.com/office/officeart/2005/8/layout/pList1"/>
+    <dgm:cxn modelId="{90EC0771-839F-4CC0-8E64-549ED2204D38}" type="presParOf" srcId="{5B9D3B1C-667F-4852-B43C-13576FDA0E27}" destId="{204C423E-AF9B-4804-A15C-59E7B5F55A52}" srcOrd="1" destOrd="0" presId="urn:microsoft.com/office/officeart/2005/8/layout/pList1"/>
+    <dgm:cxn modelId="{5E97DD76-E85C-417B-8EA8-18C54F19AEC2}" type="presParOf" srcId="{E9CC8302-00BD-4FDD-BBB3-EFB1ABC4C93C}" destId="{BE11028A-865E-4681-AC0B-7E4B8FB4A1B8}" srcOrd="11" destOrd="0" presId="urn:microsoft.com/office/officeart/2005/8/layout/pList1"/>
+    <dgm:cxn modelId="{F3D1520F-F271-42D4-9749-1B1DA5A619EF}" type="presParOf" srcId="{E9CC8302-00BD-4FDD-BBB3-EFB1ABC4C93C}" destId="{70F74CA5-9F6A-4B7A-9221-F4AD7AAC9A13}" srcOrd="12" destOrd="0" presId="urn:microsoft.com/office/officeart/2005/8/layout/pList1"/>
+    <dgm:cxn modelId="{D8F5D863-DA55-4586-9D2F-3BAC31665992}" type="presParOf" srcId="{70F74CA5-9F6A-4B7A-9221-F4AD7AAC9A13}" destId="{B77A94D5-558B-4298-8C2F-665637DEF3C5}" srcOrd="0" destOrd="0" presId="urn:microsoft.com/office/officeart/2005/8/layout/pList1"/>
+    <dgm:cxn modelId="{2847C024-9193-4955-B44B-5C72421079C9}" type="presParOf" srcId="{70F74CA5-9F6A-4B7A-9221-F4AD7AAC9A13}" destId="{0DA19ACC-408E-4451-802F-CB6DD2B511B0}" srcOrd="1" destOrd="0" presId="urn:microsoft.com/office/officeart/2005/8/layout/pList1"/>
+  </dgm:cxnLst>
+  <dgm:bg>
+    <a:noFill/>
+  </dgm:bg>
+  <dgm:whole/>
+  <dgm:extLst>
+    <a:ext uri="http://schemas.microsoft.com/office/drawing/2008/diagram">
+      <dsp:dataModelExt xmlns:dsp="http://schemas.microsoft.com/office/drawing/2008/diagram" relId="rId6" minVer="http://schemas.openxmlformats.org/drawingml/2006/diagram"/>
+    </a:ext>
+  </dgm:extLst>
+</dgm:dataModel>
+</file>
+
+<file path=ppt/diagrams/data5.xml><?xml version="1.0" encoding="utf-8"?>
+<dgm:dataModel xmlns:dgm="http://schemas.openxmlformats.org/drawingml/2006/diagram" xmlns:a="http://schemas.openxmlformats.org/drawingml/2006/main">
+  <dgm:ptLst>
     <dgm:pt modelId="{A5559982-EF86-4446-9C9B-F105F0D65D18}" type="doc">
       <dgm:prSet loTypeId="urn:microsoft.com/office/officeart/2009/3/layout/PlusandMinus" loCatId="relationship" qsTypeId="urn:microsoft.com/office/officeart/2005/8/quickstyle/3d1" qsCatId="3D" csTypeId="urn:microsoft.com/office/officeart/2005/8/colors/colorful1" csCatId="colorful" phldr="0"/>
       <dgm:spPr/>
@@ -5635,7 +6962,7 @@
 </dgm:dataModel>
 </file>
 
-<file path=ppt/diagrams/data5.xml><?xml version="1.0" encoding="utf-8"?>
+<file path=ppt/diagrams/data6.xml><?xml version="1.0" encoding="utf-8"?>
 <dgm:dataModel xmlns:dgm="http://schemas.openxmlformats.org/drawingml/2006/diagram" xmlns:a="http://schemas.openxmlformats.org/drawingml/2006/main">
   <dgm:ptLst>
     <dgm:pt modelId="{C17E4926-EB14-4698-8E7C-9926FDAFB796}" type="doc">
@@ -7911,11 +9238,954 @@
       <dsp:cNvGrpSpPr/>
     </dsp:nvGrpSpPr>
     <dsp:grpSpPr/>
+    <dsp:sp modelId="{38D94112-4B62-4450-BAB0-6C010E898920}">
+      <dsp:nvSpPr>
+        <dsp:cNvPr id="0" name=""/>
+        <dsp:cNvSpPr/>
+      </dsp:nvSpPr>
+      <dsp:spPr>
+        <a:xfrm>
+          <a:off x="380955" y="2319"/>
+          <a:ext cx="2076152" cy="1430469"/>
+        </a:xfrm>
+        <a:prstGeom prst="roundRect">
+          <a:avLst/>
+        </a:prstGeom>
+        <a:blipFill dpi="0" rotWithShape="1">
+          <a:blip xmlns:r="http://schemas.openxmlformats.org/officeDocument/2006/relationships" r:embed="rId1" cstate="print">
+            <a:extLst>
+              <a:ext uri="{28A0092B-C50C-407E-A947-70E740481C1C}">
+                <a14:useLocalDpi xmlns:a14="http://schemas.microsoft.com/office/drawing/2010/main" val="0"/>
+              </a:ext>
+            </a:extLst>
+          </a:blip>
+          <a:srcRect/>
+          <a:stretch>
+            <a:fillRect l="15550" r="15550"/>
+          </a:stretch>
+        </a:blipFill>
+        <a:ln>
+          <a:noFill/>
+        </a:ln>
+        <a:effectLst>
+          <a:outerShdw blurRad="38100" dist="25400" dir="5400000" rotWithShape="0">
+            <a:srgbClr val="000000">
+              <a:alpha val="35000"/>
+            </a:srgbClr>
+          </a:outerShdw>
+        </a:effectLst>
+        <a:scene3d>
+          <a:camera prst="orthographicFront">
+            <a:rot lat="0" lon="0" rev="0"/>
+          </a:camera>
+          <a:lightRig rig="contrasting" dir="t">
+            <a:rot lat="0" lon="0" rev="1200000"/>
+          </a:lightRig>
+        </a:scene3d>
+        <a:sp3d contourW="19050" prstMaterial="metal">
+          <a:bevelT w="88900" h="203200"/>
+          <a:bevelB w="165100" h="254000"/>
+        </a:sp3d>
+      </dsp:spPr>
+      <dsp:style>
+        <a:lnRef idx="0">
+          <a:scrgbClr r="0" g="0" b="0"/>
+        </a:lnRef>
+        <a:fillRef idx="1">
+          <a:scrgbClr r="0" g="0" b="0"/>
+        </a:fillRef>
+        <a:effectRef idx="2">
+          <a:scrgbClr r="0" g="0" b="0"/>
+        </a:effectRef>
+        <a:fontRef idx="minor">
+          <a:schemeClr val="lt1"/>
+        </a:fontRef>
+      </dsp:style>
+    </dsp:sp>
+    <dsp:sp modelId="{50032E18-2E0A-4D65-A348-2C9C3E9B8328}">
+      <dsp:nvSpPr>
+        <dsp:cNvPr id="0" name=""/>
+        <dsp:cNvSpPr/>
+      </dsp:nvSpPr>
+      <dsp:spPr>
+        <a:xfrm>
+          <a:off x="380955" y="1432789"/>
+          <a:ext cx="2076152" cy="770252"/>
+        </a:xfrm>
+        <a:prstGeom prst="rect">
+          <a:avLst/>
+        </a:prstGeom>
+        <a:noFill/>
+        <a:ln w="12700" cap="rnd" cmpd="sng" algn="ctr">
+          <a:solidFill>
+            <a:schemeClr val="dk1">
+              <a:alpha val="0"/>
+              <a:hueOff val="0"/>
+              <a:satOff val="0"/>
+              <a:lumOff val="0"/>
+              <a:alphaOff val="0"/>
+            </a:schemeClr>
+          </a:solidFill>
+          <a:prstDash val="solid"/>
+        </a:ln>
+        <a:effectLst/>
+      </dsp:spPr>
+      <dsp:style>
+        <a:lnRef idx="1">
+          <a:scrgbClr r="0" g="0" b="0"/>
+        </a:lnRef>
+        <a:fillRef idx="0">
+          <a:scrgbClr r="0" g="0" b="0"/>
+        </a:fillRef>
+        <a:effectRef idx="0">
+          <a:scrgbClr r="0" g="0" b="0"/>
+        </a:effectRef>
+        <a:fontRef idx="minor"/>
+      </dsp:style>
+      <dsp:txBody>
+        <a:bodyPr spcFirstLastPara="0" vert="horz" wrap="square" lIns="156464" tIns="156464" rIns="156464" bIns="0" numCol="1" spcCol="1270" anchor="t" anchorCtr="0">
+          <a:noAutofit/>
+        </a:bodyPr>
+        <a:lstStyle/>
+        <a:p>
+          <a:pPr lvl="0" algn="ctr" defTabSz="977900">
+            <a:lnSpc>
+              <a:spcPct val="90000"/>
+            </a:lnSpc>
+            <a:spcBef>
+              <a:spcPct val="0"/>
+            </a:spcBef>
+            <a:spcAft>
+              <a:spcPct val="35000"/>
+            </a:spcAft>
+          </a:pPr>
+          <a:r>
+            <a:rPr lang="en-US" sz="2200" kern="1200" dirty="0" smtClean="0"/>
+            <a:t>Search</a:t>
+          </a:r>
+          <a:endParaRPr lang="en-GB" sz="2200" kern="1200" dirty="0"/>
+        </a:p>
+      </dsp:txBody>
+      <dsp:txXfrm>
+        <a:off x="380955" y="1432789"/>
+        <a:ext cx="2076152" cy="770252"/>
+      </dsp:txXfrm>
+    </dsp:sp>
+    <dsp:sp modelId="{DB4DFF25-2111-49EB-BC56-4ACC6D2E3C4A}">
+      <dsp:nvSpPr>
+        <dsp:cNvPr id="0" name=""/>
+        <dsp:cNvSpPr/>
+      </dsp:nvSpPr>
+      <dsp:spPr>
+        <a:xfrm>
+          <a:off x="2664810" y="2319"/>
+          <a:ext cx="2076152" cy="1430469"/>
+        </a:xfrm>
+        <a:prstGeom prst="roundRect">
+          <a:avLst/>
+        </a:prstGeom>
+        <a:blipFill dpi="0" rotWithShape="1">
+          <a:blip xmlns:r="http://schemas.openxmlformats.org/officeDocument/2006/relationships" r:embed="rId2">
+            <a:extLst>
+              <a:ext uri="{28A0092B-C50C-407E-A947-70E740481C1C}">
+                <a14:useLocalDpi xmlns:a14="http://schemas.microsoft.com/office/drawing/2010/main" val="0"/>
+              </a:ext>
+            </a:extLst>
+          </a:blip>
+          <a:srcRect/>
+          <a:stretch>
+            <a:fillRect l="15550" r="15550"/>
+          </a:stretch>
+        </a:blipFill>
+        <a:ln>
+          <a:noFill/>
+        </a:ln>
+        <a:effectLst>
+          <a:outerShdw blurRad="38100" dist="25400" dir="5400000" rotWithShape="0">
+            <a:srgbClr val="000000">
+              <a:alpha val="35000"/>
+            </a:srgbClr>
+          </a:outerShdw>
+        </a:effectLst>
+        <a:scene3d>
+          <a:camera prst="orthographicFront">
+            <a:rot lat="0" lon="0" rev="0"/>
+          </a:camera>
+          <a:lightRig rig="contrasting" dir="t">
+            <a:rot lat="0" lon="0" rev="1200000"/>
+          </a:lightRig>
+        </a:scene3d>
+        <a:sp3d contourW="19050" prstMaterial="metal">
+          <a:bevelT w="88900" h="203200"/>
+          <a:bevelB w="165100" h="254000"/>
+        </a:sp3d>
+      </dsp:spPr>
+      <dsp:style>
+        <a:lnRef idx="0">
+          <a:scrgbClr r="0" g="0" b="0"/>
+        </a:lnRef>
+        <a:fillRef idx="1">
+          <a:scrgbClr r="0" g="0" b="0"/>
+        </a:fillRef>
+        <a:effectRef idx="2">
+          <a:scrgbClr r="0" g="0" b="0"/>
+        </a:effectRef>
+        <a:fontRef idx="minor">
+          <a:schemeClr val="lt1"/>
+        </a:fontRef>
+      </dsp:style>
+    </dsp:sp>
+    <dsp:sp modelId="{E88444CE-513E-46DB-98BB-1DE2BC38E1BB}">
+      <dsp:nvSpPr>
+        <dsp:cNvPr id="0" name=""/>
+        <dsp:cNvSpPr/>
+      </dsp:nvSpPr>
+      <dsp:spPr>
+        <a:xfrm>
+          <a:off x="2664810" y="1432789"/>
+          <a:ext cx="2076152" cy="770252"/>
+        </a:xfrm>
+        <a:prstGeom prst="rect">
+          <a:avLst/>
+        </a:prstGeom>
+        <a:noFill/>
+        <a:ln w="12700" cap="rnd" cmpd="sng" algn="ctr">
+          <a:solidFill>
+            <a:schemeClr val="dk1">
+              <a:alpha val="0"/>
+              <a:hueOff val="0"/>
+              <a:satOff val="0"/>
+              <a:lumOff val="0"/>
+              <a:alphaOff val="0"/>
+            </a:schemeClr>
+          </a:solidFill>
+          <a:prstDash val="solid"/>
+        </a:ln>
+        <a:effectLst/>
+      </dsp:spPr>
+      <dsp:style>
+        <a:lnRef idx="1">
+          <a:scrgbClr r="0" g="0" b="0"/>
+        </a:lnRef>
+        <a:fillRef idx="0">
+          <a:scrgbClr r="0" g="0" b="0"/>
+        </a:fillRef>
+        <a:effectRef idx="0">
+          <a:scrgbClr r="0" g="0" b="0"/>
+        </a:effectRef>
+        <a:fontRef idx="minor"/>
+      </dsp:style>
+      <dsp:txBody>
+        <a:bodyPr spcFirstLastPara="0" vert="horz" wrap="square" lIns="156464" tIns="156464" rIns="156464" bIns="0" numCol="1" spcCol="1270" anchor="t" anchorCtr="0">
+          <a:noAutofit/>
+        </a:bodyPr>
+        <a:lstStyle/>
+        <a:p>
+          <a:pPr lvl="0" algn="ctr" defTabSz="977900">
+            <a:lnSpc>
+              <a:spcPct val="90000"/>
+            </a:lnSpc>
+            <a:spcBef>
+              <a:spcPct val="0"/>
+            </a:spcBef>
+            <a:spcAft>
+              <a:spcPct val="35000"/>
+            </a:spcAft>
+          </a:pPr>
+          <a:r>
+            <a:rPr lang="en-US" sz="2200" kern="1200" dirty="0" smtClean="0"/>
+            <a:t>Propose price</a:t>
+          </a:r>
+          <a:endParaRPr lang="en-GB" sz="2200" kern="1200" dirty="0"/>
+        </a:p>
+      </dsp:txBody>
+      <dsp:txXfrm>
+        <a:off x="2664810" y="1432789"/>
+        <a:ext cx="2076152" cy="770252"/>
+      </dsp:txXfrm>
+    </dsp:sp>
+    <dsp:sp modelId="{36FAAB07-1BD4-42B4-8036-62B0F623ED4C}">
+      <dsp:nvSpPr>
+        <dsp:cNvPr id="0" name=""/>
+        <dsp:cNvSpPr/>
+      </dsp:nvSpPr>
+      <dsp:spPr>
+        <a:xfrm>
+          <a:off x="4948666" y="2319"/>
+          <a:ext cx="2076152" cy="1430469"/>
+        </a:xfrm>
+        <a:prstGeom prst="roundRect">
+          <a:avLst/>
+        </a:prstGeom>
+        <a:blipFill dpi="0" rotWithShape="1">
+          <a:blip xmlns:r="http://schemas.openxmlformats.org/officeDocument/2006/relationships" r:embed="rId3">
+            <a:extLst>
+              <a:ext uri="{28A0092B-C50C-407E-A947-70E740481C1C}">
+                <a14:useLocalDpi xmlns:a14="http://schemas.microsoft.com/office/drawing/2010/main" val="0"/>
+              </a:ext>
+            </a:extLst>
+          </a:blip>
+          <a:srcRect/>
+          <a:stretch>
+            <a:fillRect l="15550" r="15550"/>
+          </a:stretch>
+        </a:blipFill>
+        <a:ln>
+          <a:noFill/>
+        </a:ln>
+        <a:effectLst>
+          <a:outerShdw blurRad="38100" dist="25400" dir="5400000" rotWithShape="0">
+            <a:srgbClr val="000000">
+              <a:alpha val="35000"/>
+            </a:srgbClr>
+          </a:outerShdw>
+        </a:effectLst>
+        <a:scene3d>
+          <a:camera prst="orthographicFront">
+            <a:rot lat="0" lon="0" rev="0"/>
+          </a:camera>
+          <a:lightRig rig="contrasting" dir="t">
+            <a:rot lat="0" lon="0" rev="1200000"/>
+          </a:lightRig>
+        </a:scene3d>
+        <a:sp3d contourW="19050" prstMaterial="metal">
+          <a:bevelT w="88900" h="203200"/>
+          <a:bevelB w="165100" h="254000"/>
+        </a:sp3d>
+      </dsp:spPr>
+      <dsp:style>
+        <a:lnRef idx="0">
+          <a:scrgbClr r="0" g="0" b="0"/>
+        </a:lnRef>
+        <a:fillRef idx="1">
+          <a:scrgbClr r="0" g="0" b="0"/>
+        </a:fillRef>
+        <a:effectRef idx="2">
+          <a:scrgbClr r="0" g="0" b="0"/>
+        </a:effectRef>
+        <a:fontRef idx="minor">
+          <a:schemeClr val="lt1"/>
+        </a:fontRef>
+      </dsp:style>
+    </dsp:sp>
+    <dsp:sp modelId="{AB026361-32AF-4200-8E3C-B6BC87A0F3C1}">
+      <dsp:nvSpPr>
+        <dsp:cNvPr id="0" name=""/>
+        <dsp:cNvSpPr/>
+      </dsp:nvSpPr>
+      <dsp:spPr>
+        <a:xfrm>
+          <a:off x="4948666" y="1432789"/>
+          <a:ext cx="2076152" cy="770252"/>
+        </a:xfrm>
+        <a:prstGeom prst="rect">
+          <a:avLst/>
+        </a:prstGeom>
+        <a:noFill/>
+        <a:ln w="12700" cap="rnd" cmpd="sng" algn="ctr">
+          <a:solidFill>
+            <a:schemeClr val="dk1">
+              <a:alpha val="0"/>
+              <a:hueOff val="0"/>
+              <a:satOff val="0"/>
+              <a:lumOff val="0"/>
+              <a:alphaOff val="0"/>
+            </a:schemeClr>
+          </a:solidFill>
+          <a:prstDash val="solid"/>
+        </a:ln>
+        <a:effectLst/>
+      </dsp:spPr>
+      <dsp:style>
+        <a:lnRef idx="1">
+          <a:scrgbClr r="0" g="0" b="0"/>
+        </a:lnRef>
+        <a:fillRef idx="0">
+          <a:scrgbClr r="0" g="0" b="0"/>
+        </a:fillRef>
+        <a:effectRef idx="0">
+          <a:scrgbClr r="0" g="0" b="0"/>
+        </a:effectRef>
+        <a:fontRef idx="minor"/>
+      </dsp:style>
+      <dsp:txBody>
+        <a:bodyPr spcFirstLastPara="0" vert="horz" wrap="square" lIns="156464" tIns="156464" rIns="156464" bIns="0" numCol="1" spcCol="1270" anchor="t" anchorCtr="0">
+          <a:noAutofit/>
+        </a:bodyPr>
+        <a:lstStyle/>
+        <a:p>
+          <a:pPr lvl="0" algn="ctr" defTabSz="977900">
+            <a:lnSpc>
+              <a:spcPct val="90000"/>
+            </a:lnSpc>
+            <a:spcBef>
+              <a:spcPct val="0"/>
+            </a:spcBef>
+            <a:spcAft>
+              <a:spcPct val="35000"/>
+            </a:spcAft>
+          </a:pPr>
+          <a:r>
+            <a:rPr lang="en-US" sz="2200" kern="1200" dirty="0" smtClean="0"/>
+            <a:t>Manage cart</a:t>
+          </a:r>
+          <a:endParaRPr lang="en-GB" sz="2200" kern="1200" dirty="0"/>
+        </a:p>
+      </dsp:txBody>
+      <dsp:txXfrm>
+        <a:off x="4948666" y="1432789"/>
+        <a:ext cx="2076152" cy="770252"/>
+      </dsp:txXfrm>
+    </dsp:sp>
+    <dsp:sp modelId="{D32F9B4B-9249-48AA-963E-5BA76F4128CB}">
+      <dsp:nvSpPr>
+        <dsp:cNvPr id="0" name=""/>
+        <dsp:cNvSpPr/>
+      </dsp:nvSpPr>
+      <dsp:spPr>
+        <a:xfrm>
+          <a:off x="7232521" y="2319"/>
+          <a:ext cx="2076152" cy="1430469"/>
+        </a:xfrm>
+        <a:prstGeom prst="roundRect">
+          <a:avLst/>
+        </a:prstGeom>
+        <a:blipFill dpi="0" rotWithShape="1">
+          <a:blip xmlns:r="http://schemas.openxmlformats.org/officeDocument/2006/relationships" r:embed="rId4">
+            <a:extLst>
+              <a:ext uri="{28A0092B-C50C-407E-A947-70E740481C1C}">
+                <a14:useLocalDpi xmlns:a14="http://schemas.microsoft.com/office/drawing/2010/main" val="0"/>
+              </a:ext>
+            </a:extLst>
+          </a:blip>
+          <a:srcRect/>
+          <a:stretch>
+            <a:fillRect l="15550" r="15550"/>
+          </a:stretch>
+        </a:blipFill>
+        <a:ln>
+          <a:noFill/>
+        </a:ln>
+        <a:effectLst>
+          <a:outerShdw blurRad="38100" dist="25400" dir="5400000" rotWithShape="0">
+            <a:srgbClr val="000000">
+              <a:alpha val="35000"/>
+            </a:srgbClr>
+          </a:outerShdw>
+        </a:effectLst>
+        <a:scene3d>
+          <a:camera prst="orthographicFront">
+            <a:rot lat="0" lon="0" rev="0"/>
+          </a:camera>
+          <a:lightRig rig="contrasting" dir="t">
+            <a:rot lat="0" lon="0" rev="1200000"/>
+          </a:lightRig>
+        </a:scene3d>
+        <a:sp3d contourW="19050" prstMaterial="metal">
+          <a:bevelT w="88900" h="203200"/>
+          <a:bevelB w="165100" h="254000"/>
+        </a:sp3d>
+      </dsp:spPr>
+      <dsp:style>
+        <a:lnRef idx="0">
+          <a:scrgbClr r="0" g="0" b="0"/>
+        </a:lnRef>
+        <a:fillRef idx="1">
+          <a:scrgbClr r="0" g="0" b="0"/>
+        </a:fillRef>
+        <a:effectRef idx="2">
+          <a:scrgbClr r="0" g="0" b="0"/>
+        </a:effectRef>
+        <a:fontRef idx="minor">
+          <a:schemeClr val="lt1"/>
+        </a:fontRef>
+      </dsp:style>
+    </dsp:sp>
+    <dsp:sp modelId="{53025DAB-3932-4FE1-BFF4-ED1A6BFC410C}">
+      <dsp:nvSpPr>
+        <dsp:cNvPr id="0" name=""/>
+        <dsp:cNvSpPr/>
+      </dsp:nvSpPr>
+      <dsp:spPr>
+        <a:xfrm>
+          <a:off x="7232521" y="1432789"/>
+          <a:ext cx="2076152" cy="770252"/>
+        </a:xfrm>
+        <a:prstGeom prst="rect">
+          <a:avLst/>
+        </a:prstGeom>
+        <a:noFill/>
+        <a:ln w="12700" cap="rnd" cmpd="sng" algn="ctr">
+          <a:solidFill>
+            <a:schemeClr val="dk1">
+              <a:alpha val="0"/>
+              <a:hueOff val="0"/>
+              <a:satOff val="0"/>
+              <a:lumOff val="0"/>
+              <a:alphaOff val="0"/>
+            </a:schemeClr>
+          </a:solidFill>
+          <a:prstDash val="solid"/>
+        </a:ln>
+        <a:effectLst/>
+      </dsp:spPr>
+      <dsp:style>
+        <a:lnRef idx="1">
+          <a:scrgbClr r="0" g="0" b="0"/>
+        </a:lnRef>
+        <a:fillRef idx="0">
+          <a:scrgbClr r="0" g="0" b="0"/>
+        </a:fillRef>
+        <a:effectRef idx="0">
+          <a:scrgbClr r="0" g="0" b="0"/>
+        </a:effectRef>
+        <a:fontRef idx="minor"/>
+      </dsp:style>
+      <dsp:txBody>
+        <a:bodyPr spcFirstLastPara="0" vert="horz" wrap="square" lIns="156464" tIns="156464" rIns="156464" bIns="0" numCol="1" spcCol="1270" anchor="t" anchorCtr="0">
+          <a:noAutofit/>
+        </a:bodyPr>
+        <a:lstStyle/>
+        <a:p>
+          <a:pPr lvl="0" algn="ctr" defTabSz="977900">
+            <a:lnSpc>
+              <a:spcPct val="90000"/>
+            </a:lnSpc>
+            <a:spcBef>
+              <a:spcPct val="0"/>
+            </a:spcBef>
+            <a:spcAft>
+              <a:spcPct val="35000"/>
+            </a:spcAft>
+          </a:pPr>
+          <a:r>
+            <a:rPr lang="en-US" sz="2200" kern="1200" dirty="0" smtClean="0"/>
+            <a:t>Suggestion</a:t>
+          </a:r>
+          <a:endParaRPr lang="en-GB" sz="2200" kern="1200" dirty="0"/>
+        </a:p>
+      </dsp:txBody>
+      <dsp:txXfrm>
+        <a:off x="7232521" y="1432789"/>
+        <a:ext cx="2076152" cy="770252"/>
+      </dsp:txXfrm>
+    </dsp:sp>
+    <dsp:sp modelId="{42108F33-182C-4014-975C-104417C9CEFC}">
+      <dsp:nvSpPr>
+        <dsp:cNvPr id="0" name=""/>
+        <dsp:cNvSpPr/>
+      </dsp:nvSpPr>
+      <dsp:spPr>
+        <a:xfrm>
+          <a:off x="1522883" y="2410657"/>
+          <a:ext cx="2076152" cy="1430469"/>
+        </a:xfrm>
+        <a:prstGeom prst="roundRect">
+          <a:avLst/>
+        </a:prstGeom>
+        <a:blipFill dpi="0" rotWithShape="1">
+          <a:blip xmlns:r="http://schemas.openxmlformats.org/officeDocument/2006/relationships" r:embed="rId5">
+            <a:extLst>
+              <a:ext uri="{28A0092B-C50C-407E-A947-70E740481C1C}">
+                <a14:useLocalDpi xmlns:a14="http://schemas.microsoft.com/office/drawing/2010/main" val="0"/>
+              </a:ext>
+            </a:extLst>
+          </a:blip>
+          <a:srcRect/>
+          <a:stretch>
+            <a:fillRect l="15550" r="15550"/>
+          </a:stretch>
+        </a:blipFill>
+        <a:ln>
+          <a:noFill/>
+        </a:ln>
+        <a:effectLst>
+          <a:outerShdw blurRad="38100" dist="25400" dir="5400000" rotWithShape="0">
+            <a:srgbClr val="000000">
+              <a:alpha val="35000"/>
+            </a:srgbClr>
+          </a:outerShdw>
+        </a:effectLst>
+        <a:scene3d>
+          <a:camera prst="orthographicFront">
+            <a:rot lat="0" lon="0" rev="0"/>
+          </a:camera>
+          <a:lightRig rig="contrasting" dir="t">
+            <a:rot lat="0" lon="0" rev="1200000"/>
+          </a:lightRig>
+        </a:scene3d>
+        <a:sp3d contourW="19050" prstMaterial="metal">
+          <a:bevelT w="88900" h="203200"/>
+          <a:bevelB w="165100" h="254000"/>
+        </a:sp3d>
+      </dsp:spPr>
+      <dsp:style>
+        <a:lnRef idx="0">
+          <a:scrgbClr r="0" g="0" b="0"/>
+        </a:lnRef>
+        <a:fillRef idx="1">
+          <a:scrgbClr r="0" g="0" b="0"/>
+        </a:fillRef>
+        <a:effectRef idx="2">
+          <a:scrgbClr r="0" g="0" b="0"/>
+        </a:effectRef>
+        <a:fontRef idx="minor">
+          <a:schemeClr val="lt1"/>
+        </a:fontRef>
+      </dsp:style>
+    </dsp:sp>
+    <dsp:sp modelId="{8ABD6398-AAB5-46D3-9A57-5E4F4E5ECD95}">
+      <dsp:nvSpPr>
+        <dsp:cNvPr id="0" name=""/>
+        <dsp:cNvSpPr/>
+      </dsp:nvSpPr>
+      <dsp:spPr>
+        <a:xfrm>
+          <a:off x="1522883" y="3841126"/>
+          <a:ext cx="2076152" cy="770252"/>
+        </a:xfrm>
+        <a:prstGeom prst="rect">
+          <a:avLst/>
+        </a:prstGeom>
+        <a:noFill/>
+        <a:ln w="12700" cap="rnd" cmpd="sng" algn="ctr">
+          <a:solidFill>
+            <a:schemeClr val="dk1">
+              <a:alpha val="0"/>
+              <a:hueOff val="0"/>
+              <a:satOff val="0"/>
+              <a:lumOff val="0"/>
+              <a:alphaOff val="0"/>
+            </a:schemeClr>
+          </a:solidFill>
+          <a:prstDash val="solid"/>
+        </a:ln>
+        <a:effectLst/>
+      </dsp:spPr>
+      <dsp:style>
+        <a:lnRef idx="1">
+          <a:scrgbClr r="0" g="0" b="0"/>
+        </a:lnRef>
+        <a:fillRef idx="0">
+          <a:scrgbClr r="0" g="0" b="0"/>
+        </a:fillRef>
+        <a:effectRef idx="0">
+          <a:scrgbClr r="0" g="0" b="0"/>
+        </a:effectRef>
+        <a:fontRef idx="minor"/>
+      </dsp:style>
+      <dsp:txBody>
+        <a:bodyPr spcFirstLastPara="0" vert="horz" wrap="square" lIns="156464" tIns="156464" rIns="156464" bIns="0" numCol="1" spcCol="1270" anchor="t" anchorCtr="0">
+          <a:noAutofit/>
+        </a:bodyPr>
+        <a:lstStyle/>
+        <a:p>
+          <a:pPr lvl="0" algn="ctr" defTabSz="977900">
+            <a:lnSpc>
+              <a:spcPct val="90000"/>
+            </a:lnSpc>
+            <a:spcBef>
+              <a:spcPct val="0"/>
+            </a:spcBef>
+            <a:spcAft>
+              <a:spcPct val="35000"/>
+            </a:spcAft>
+          </a:pPr>
+          <a:r>
+            <a:rPr lang="en-US" sz="2200" kern="1200" dirty="0" smtClean="0"/>
+            <a:t>Import Excel</a:t>
+          </a:r>
+          <a:endParaRPr lang="en-GB" sz="2200" kern="1200" dirty="0"/>
+        </a:p>
+      </dsp:txBody>
+      <dsp:txXfrm>
+        <a:off x="1522883" y="3841126"/>
+        <a:ext cx="2076152" cy="770252"/>
+      </dsp:txXfrm>
+    </dsp:sp>
+    <dsp:sp modelId="{ACFFC79F-FF22-4C66-8CFB-521103AF6147}">
+      <dsp:nvSpPr>
+        <dsp:cNvPr id="0" name=""/>
+        <dsp:cNvSpPr/>
+      </dsp:nvSpPr>
+      <dsp:spPr>
+        <a:xfrm>
+          <a:off x="3806738" y="2410657"/>
+          <a:ext cx="2076152" cy="1430469"/>
+        </a:xfrm>
+        <a:prstGeom prst="roundRect">
+          <a:avLst/>
+        </a:prstGeom>
+        <a:blipFill dpi="0" rotWithShape="1">
+          <a:blip xmlns:r="http://schemas.openxmlformats.org/officeDocument/2006/relationships" r:embed="rId6">
+            <a:extLst>
+              <a:ext uri="{28A0092B-C50C-407E-A947-70E740481C1C}">
+                <a14:useLocalDpi xmlns:a14="http://schemas.microsoft.com/office/drawing/2010/main" val="0"/>
+              </a:ext>
+            </a:extLst>
+          </a:blip>
+          <a:srcRect/>
+          <a:stretch>
+            <a:fillRect l="8870" r="8870"/>
+          </a:stretch>
+        </a:blipFill>
+        <a:ln>
+          <a:noFill/>
+        </a:ln>
+        <a:effectLst>
+          <a:outerShdw blurRad="38100" dist="25400" dir="5400000" rotWithShape="0">
+            <a:srgbClr val="000000">
+              <a:alpha val="35000"/>
+            </a:srgbClr>
+          </a:outerShdw>
+        </a:effectLst>
+        <a:scene3d>
+          <a:camera prst="orthographicFront">
+            <a:rot lat="0" lon="0" rev="0"/>
+          </a:camera>
+          <a:lightRig rig="contrasting" dir="t">
+            <a:rot lat="0" lon="0" rev="1200000"/>
+          </a:lightRig>
+        </a:scene3d>
+        <a:sp3d contourW="19050" prstMaterial="metal">
+          <a:bevelT w="88900" h="203200"/>
+          <a:bevelB w="165100" h="254000"/>
+        </a:sp3d>
+      </dsp:spPr>
+      <dsp:style>
+        <a:lnRef idx="0">
+          <a:scrgbClr r="0" g="0" b="0"/>
+        </a:lnRef>
+        <a:fillRef idx="1">
+          <a:scrgbClr r="0" g="0" b="0"/>
+        </a:fillRef>
+        <a:effectRef idx="2">
+          <a:scrgbClr r="0" g="0" b="0"/>
+        </a:effectRef>
+        <a:fontRef idx="minor">
+          <a:schemeClr val="lt1"/>
+        </a:fontRef>
+      </dsp:style>
+    </dsp:sp>
+    <dsp:sp modelId="{204C423E-AF9B-4804-A15C-59E7B5F55A52}">
+      <dsp:nvSpPr>
+        <dsp:cNvPr id="0" name=""/>
+        <dsp:cNvSpPr/>
+      </dsp:nvSpPr>
+      <dsp:spPr>
+        <a:xfrm>
+          <a:off x="3806738" y="3841126"/>
+          <a:ext cx="2076152" cy="770252"/>
+        </a:xfrm>
+        <a:prstGeom prst="rect">
+          <a:avLst/>
+        </a:prstGeom>
+        <a:noFill/>
+        <a:ln w="12700" cap="rnd" cmpd="sng" algn="ctr">
+          <a:solidFill>
+            <a:schemeClr val="dk1">
+              <a:alpha val="0"/>
+              <a:hueOff val="0"/>
+              <a:satOff val="0"/>
+              <a:lumOff val="0"/>
+              <a:alphaOff val="0"/>
+            </a:schemeClr>
+          </a:solidFill>
+          <a:prstDash val="solid"/>
+        </a:ln>
+        <a:effectLst/>
+      </dsp:spPr>
+      <dsp:style>
+        <a:lnRef idx="1">
+          <a:scrgbClr r="0" g="0" b="0"/>
+        </a:lnRef>
+        <a:fillRef idx="0">
+          <a:scrgbClr r="0" g="0" b="0"/>
+        </a:fillRef>
+        <a:effectRef idx="0">
+          <a:scrgbClr r="0" g="0" b="0"/>
+        </a:effectRef>
+        <a:fontRef idx="minor"/>
+      </dsp:style>
+      <dsp:txBody>
+        <a:bodyPr spcFirstLastPara="0" vert="horz" wrap="square" lIns="156464" tIns="156464" rIns="156464" bIns="0" numCol="1" spcCol="1270" anchor="t" anchorCtr="0">
+          <a:noAutofit/>
+        </a:bodyPr>
+        <a:lstStyle/>
+        <a:p>
+          <a:pPr lvl="0" algn="ctr" defTabSz="977900">
+            <a:lnSpc>
+              <a:spcPct val="90000"/>
+            </a:lnSpc>
+            <a:spcBef>
+              <a:spcPct val="0"/>
+            </a:spcBef>
+            <a:spcAft>
+              <a:spcPct val="35000"/>
+            </a:spcAft>
+          </a:pPr>
+          <a:r>
+            <a:rPr lang="en-US" sz="2200" kern="1200" dirty="0" smtClean="0"/>
+            <a:t>Get data from web</a:t>
+          </a:r>
+          <a:endParaRPr lang="en-GB" sz="2200" kern="1200" dirty="0"/>
+        </a:p>
+      </dsp:txBody>
+      <dsp:txXfrm>
+        <a:off x="3806738" y="3841126"/>
+        <a:ext cx="2076152" cy="770252"/>
+      </dsp:txXfrm>
+    </dsp:sp>
+    <dsp:sp modelId="{B77A94D5-558B-4298-8C2F-665637DEF3C5}">
+      <dsp:nvSpPr>
+        <dsp:cNvPr id="0" name=""/>
+        <dsp:cNvSpPr/>
+      </dsp:nvSpPr>
+      <dsp:spPr>
+        <a:xfrm>
+          <a:off x="6090593" y="2410657"/>
+          <a:ext cx="2076152" cy="1430469"/>
+        </a:xfrm>
+        <a:prstGeom prst="roundRect">
+          <a:avLst/>
+        </a:prstGeom>
+        <a:blipFill dpi="0" rotWithShape="1">
+          <a:blip xmlns:r="http://schemas.openxmlformats.org/officeDocument/2006/relationships" r:embed="rId7" cstate="print">
+            <a:extLst>
+              <a:ext uri="{28A0092B-C50C-407E-A947-70E740481C1C}">
+                <a14:useLocalDpi xmlns:a14="http://schemas.microsoft.com/office/drawing/2010/main" val="0"/>
+              </a:ext>
+            </a:extLst>
+          </a:blip>
+          <a:srcRect/>
+          <a:stretch>
+            <a:fillRect l="32447" r="32447"/>
+          </a:stretch>
+        </a:blipFill>
+        <a:ln>
+          <a:noFill/>
+        </a:ln>
+        <a:effectLst>
+          <a:outerShdw blurRad="38100" dist="25400" dir="5400000" rotWithShape="0">
+            <a:srgbClr val="000000">
+              <a:alpha val="35000"/>
+            </a:srgbClr>
+          </a:outerShdw>
+        </a:effectLst>
+        <a:scene3d>
+          <a:camera prst="orthographicFront">
+            <a:rot lat="0" lon="0" rev="0"/>
+          </a:camera>
+          <a:lightRig rig="contrasting" dir="t">
+            <a:rot lat="0" lon="0" rev="1200000"/>
+          </a:lightRig>
+        </a:scene3d>
+        <a:sp3d contourW="19050" prstMaterial="metal">
+          <a:bevelT w="88900" h="203200"/>
+          <a:bevelB w="165100" h="254000"/>
+        </a:sp3d>
+      </dsp:spPr>
+      <dsp:style>
+        <a:lnRef idx="0">
+          <a:scrgbClr r="0" g="0" b="0"/>
+        </a:lnRef>
+        <a:fillRef idx="1">
+          <a:scrgbClr r="0" g="0" b="0"/>
+        </a:fillRef>
+        <a:effectRef idx="2">
+          <a:scrgbClr r="0" g="0" b="0"/>
+        </a:effectRef>
+        <a:fontRef idx="minor">
+          <a:schemeClr val="lt1"/>
+        </a:fontRef>
+      </dsp:style>
+    </dsp:sp>
+    <dsp:sp modelId="{0DA19ACC-408E-4451-802F-CB6DD2B511B0}">
+      <dsp:nvSpPr>
+        <dsp:cNvPr id="0" name=""/>
+        <dsp:cNvSpPr/>
+      </dsp:nvSpPr>
+      <dsp:spPr>
+        <a:xfrm>
+          <a:off x="6090593" y="3841126"/>
+          <a:ext cx="2076152" cy="770252"/>
+        </a:xfrm>
+        <a:prstGeom prst="rect">
+          <a:avLst/>
+        </a:prstGeom>
+        <a:noFill/>
+        <a:ln w="12700" cap="rnd" cmpd="sng" algn="ctr">
+          <a:solidFill>
+            <a:schemeClr val="dk1">
+              <a:alpha val="0"/>
+              <a:hueOff val="0"/>
+              <a:satOff val="0"/>
+              <a:lumOff val="0"/>
+              <a:alphaOff val="0"/>
+            </a:schemeClr>
+          </a:solidFill>
+          <a:prstDash val="solid"/>
+        </a:ln>
+        <a:effectLst/>
+      </dsp:spPr>
+      <dsp:style>
+        <a:lnRef idx="1">
+          <a:scrgbClr r="0" g="0" b="0"/>
+        </a:lnRef>
+        <a:fillRef idx="0">
+          <a:scrgbClr r="0" g="0" b="0"/>
+        </a:fillRef>
+        <a:effectRef idx="0">
+          <a:scrgbClr r="0" g="0" b="0"/>
+        </a:effectRef>
+        <a:fontRef idx="minor"/>
+      </dsp:style>
+      <dsp:txBody>
+        <a:bodyPr spcFirstLastPara="0" vert="horz" wrap="square" lIns="156464" tIns="156464" rIns="156464" bIns="0" numCol="1" spcCol="1270" anchor="t" anchorCtr="0">
+          <a:noAutofit/>
+        </a:bodyPr>
+        <a:lstStyle/>
+        <a:p>
+          <a:pPr lvl="0" algn="ctr" defTabSz="977900">
+            <a:lnSpc>
+              <a:spcPct val="90000"/>
+            </a:lnSpc>
+            <a:spcBef>
+              <a:spcPct val="0"/>
+            </a:spcBef>
+            <a:spcAft>
+              <a:spcPct val="35000"/>
+            </a:spcAft>
+          </a:pPr>
+          <a:r>
+            <a:rPr lang="en-US" sz="2200" kern="1200" dirty="0" smtClean="0"/>
+            <a:t>Mobile device</a:t>
+          </a:r>
+          <a:endParaRPr lang="en-GB" sz="2200" kern="1200" dirty="0"/>
+        </a:p>
+      </dsp:txBody>
+      <dsp:txXfrm>
+        <a:off x="6090593" y="3841126"/>
+        <a:ext cx="2076152" cy="770252"/>
+      </dsp:txXfrm>
+    </dsp:sp>
   </dsp:spTree>
 </dsp:drawing>
 </file>
 
 <file path=ppt/diagrams/drawing5.xml><?xml version="1.0" encoding="utf-8"?>
+<dsp:drawing xmlns:dgm="http://schemas.openxmlformats.org/drawingml/2006/diagram" xmlns:dsp="http://schemas.microsoft.com/office/drawing/2008/diagram" xmlns:a="http://schemas.openxmlformats.org/drawingml/2006/main">
+  <dsp:spTree>
+    <dsp:nvGrpSpPr>
+      <dsp:cNvPr id="0" name=""/>
+      <dsp:cNvGrpSpPr/>
+    </dsp:nvGrpSpPr>
+    <dsp:grpSpPr/>
+  </dsp:spTree>
+</dsp:drawing>
+</file>
+
+<file path=ppt/diagrams/drawing6.xml><?xml version="1.0" encoding="utf-8"?>
 <dsp:drawing xmlns:dgm="http://schemas.openxmlformats.org/drawingml/2006/diagram" xmlns:dsp="http://schemas.microsoft.com/office/drawing/2008/diagram" xmlns:a="http://schemas.openxmlformats.org/drawingml/2006/main">
   <dsp:spTree>
     <dsp:nvGrpSpPr>
@@ -9671,6 +11941,167 @@
 </file>
 
 <file path=ppt/diagrams/layout4.xml><?xml version="1.0" encoding="utf-8"?>
+<dgm:layoutDef xmlns:dgm="http://schemas.openxmlformats.org/drawingml/2006/diagram" xmlns:a="http://schemas.openxmlformats.org/drawingml/2006/main" uniqueId="urn:microsoft.com/office/officeart/2005/8/layout/pList1">
+  <dgm:title val=""/>
+  <dgm:desc val=""/>
+  <dgm:catLst>
+    <dgm:cat type="list" pri="2000"/>
+    <dgm:cat type="picture" pri="2500"/>
+    <dgm:cat type="pictureconvert" pri="2500"/>
+  </dgm:catLst>
+  <dgm:sampData>
+    <dgm:dataModel>
+      <dgm:ptLst>
+        <dgm:pt modelId="0" type="doc"/>
+        <dgm:pt modelId="1">
+          <dgm:prSet phldr="1"/>
+        </dgm:pt>
+        <dgm:pt modelId="2">
+          <dgm:prSet phldr="1"/>
+        </dgm:pt>
+        <dgm:pt modelId="3">
+          <dgm:prSet phldr="1"/>
+        </dgm:pt>
+        <dgm:pt modelId="4">
+          <dgm:prSet phldr="1"/>
+        </dgm:pt>
+      </dgm:ptLst>
+      <dgm:cxnLst>
+        <dgm:cxn modelId="7" srcId="0" destId="1" srcOrd="0" destOrd="0"/>
+        <dgm:cxn modelId="8" srcId="0" destId="2" srcOrd="1" destOrd="0"/>
+        <dgm:cxn modelId="9" srcId="0" destId="3" srcOrd="2" destOrd="0"/>
+        <dgm:cxn modelId="10" srcId="0" destId="4" srcOrd="3" destOrd="0"/>
+      </dgm:cxnLst>
+      <dgm:bg/>
+      <dgm:whole/>
+    </dgm:dataModel>
+  </dgm:sampData>
+  <dgm:styleData>
+    <dgm:dataModel>
+      <dgm:ptLst>
+        <dgm:pt modelId="0" type="doc"/>
+        <dgm:pt modelId="1"/>
+        <dgm:pt modelId="2"/>
+      </dgm:ptLst>
+      <dgm:cxnLst>
+        <dgm:cxn modelId="3" srcId="0" destId="1" srcOrd="0" destOrd="0"/>
+        <dgm:cxn modelId="4" srcId="0" destId="2" srcOrd="1" destOrd="0"/>
+      </dgm:cxnLst>
+      <dgm:bg/>
+      <dgm:whole/>
+    </dgm:dataModel>
+  </dgm:styleData>
+  <dgm:clrData useDef="1">
+    <dgm:dataModel>
+      <dgm:ptLst/>
+      <dgm:bg/>
+      <dgm:whole/>
+    </dgm:dataModel>
+  </dgm:clrData>
+  <dgm:layoutNode name="Name0">
+    <dgm:varLst>
+      <dgm:dir/>
+      <dgm:resizeHandles val="exact"/>
+    </dgm:varLst>
+    <dgm:choose name="Name1">
+      <dgm:if name="Name2" axis="self" func="var" arg="dir" op="equ" val="norm">
+        <dgm:alg type="snake">
+          <dgm:param type="grDir" val="tL"/>
+          <dgm:param type="flowDir" val="row"/>
+          <dgm:param type="contDir" val="sameDir"/>
+          <dgm:param type="off" val="ctr"/>
+          <dgm:param type="vertAlign" val="mid"/>
+          <dgm:param type="horzAlign" val="ctr"/>
+        </dgm:alg>
+      </dgm:if>
+      <dgm:else name="Name3">
+        <dgm:alg type="snake">
+          <dgm:param type="grDir" val="tR"/>
+          <dgm:param type="flowDir" val="row"/>
+          <dgm:param type="contDir" val="sameDir"/>
+          <dgm:param type="off" val="ctr"/>
+          <dgm:param type="vertAlign" val="mid"/>
+          <dgm:param type="horzAlign" val="ctr"/>
+        </dgm:alg>
+      </dgm:else>
+    </dgm:choose>
+    <dgm:shape xmlns:r="http://schemas.openxmlformats.org/officeDocument/2006/relationships" r:blip="">
+      <dgm:adjLst/>
+    </dgm:shape>
+    <dgm:presOf/>
+    <dgm:constrLst>
+      <dgm:constr type="w" for="ch" forName="compNode" refType="w"/>
+      <dgm:constr type="w" for="ch" ptType="sibTrans" refType="w" refFor="ch" refForName="compNode" op="equ" fact="0.1"/>
+      <dgm:constr type="sp" refType="w" refFor="ch" refForName="compNode" op="equ" fact="0.1"/>
+      <dgm:constr type="primFontSz" for="des" ptType="node" op="equ" val="65"/>
+    </dgm:constrLst>
+    <dgm:ruleLst/>
+    <dgm:forEach name="Name4" axis="ch" ptType="node">
+      <dgm:layoutNode name="compNode">
+        <dgm:alg type="composite">
+          <dgm:param type="ar" val="0.943"/>
+        </dgm:alg>
+        <dgm:shape xmlns:r="http://schemas.openxmlformats.org/officeDocument/2006/relationships" r:blip="">
+          <dgm:adjLst/>
+        </dgm:shape>
+        <dgm:presOf axis="self"/>
+        <dgm:constrLst>
+          <dgm:constr type="h" refType="w" fact="1.06"/>
+          <dgm:constr type="h" for="ch" forName="pictRect" refType="h" fact="0.65"/>
+          <dgm:constr type="w" for="ch" forName="pictRect" refType="w"/>
+          <dgm:constr type="l" for="ch" forName="pictRect"/>
+          <dgm:constr type="t" for="ch" forName="pictRect"/>
+          <dgm:constr type="w" for="ch" forName="textRect" refType="w"/>
+          <dgm:constr type="h" for="ch" forName="textRect" refType="h" fact="0.35"/>
+          <dgm:constr type="l" for="ch" forName="textRect"/>
+          <dgm:constr type="t" for="ch" forName="textRect" refType="b" refFor="ch" refForName="pictRect"/>
+        </dgm:constrLst>
+        <dgm:ruleLst/>
+        <dgm:layoutNode name="pictRect">
+          <dgm:alg type="sp"/>
+          <dgm:shape xmlns:r="http://schemas.openxmlformats.org/officeDocument/2006/relationships" type="roundRect" r:blip="" blipPhldr="1">
+            <dgm:adjLst/>
+          </dgm:shape>
+          <dgm:presOf/>
+          <dgm:constrLst/>
+          <dgm:ruleLst/>
+        </dgm:layoutNode>
+        <dgm:layoutNode name="textRect" styleLbl="revTx">
+          <dgm:varLst>
+            <dgm:bulletEnabled val="1"/>
+          </dgm:varLst>
+          <dgm:alg type="tx">
+            <dgm:param type="txAnchorVert" val="t"/>
+          </dgm:alg>
+          <dgm:shape xmlns:r="http://schemas.openxmlformats.org/officeDocument/2006/relationships" type="rect" r:blip="">
+            <dgm:adjLst/>
+          </dgm:shape>
+          <dgm:presOf axis="desOrSelf" ptType="node"/>
+          <dgm:constrLst>
+            <dgm:constr type="bMarg"/>
+          </dgm:constrLst>
+          <dgm:ruleLst>
+            <dgm:rule type="primFontSz" val="5" fact="NaN" max="NaN"/>
+          </dgm:ruleLst>
+        </dgm:layoutNode>
+      </dgm:layoutNode>
+      <dgm:forEach name="Name5" axis="followSib" ptType="sibTrans" cnt="1">
+        <dgm:layoutNode name="sibTrans">
+          <dgm:alg type="sp"/>
+          <dgm:shape xmlns:r="http://schemas.openxmlformats.org/officeDocument/2006/relationships" type="rect" r:blip="" hideGeom="1">
+            <dgm:adjLst/>
+          </dgm:shape>
+          <dgm:presOf axis="self"/>
+          <dgm:constrLst/>
+          <dgm:ruleLst/>
+        </dgm:layoutNode>
+      </dgm:forEach>
+    </dgm:forEach>
+  </dgm:layoutNode>
+</dgm:layoutDef>
+</file>
+
+<file path=ppt/diagrams/layout5.xml><?xml version="1.0" encoding="utf-8"?>
 <dgm:layoutDef xmlns:dgm="http://schemas.openxmlformats.org/drawingml/2006/diagram" xmlns:a="http://schemas.openxmlformats.org/drawingml/2006/main" uniqueId="urn:microsoft.com/office/officeart/2009/3/layout/PlusandMinus">
   <dgm:title val=""/>
   <dgm:desc val=""/>
@@ -9890,7 +12321,7 @@
 </dgm:layoutDef>
 </file>
 
-<file path=ppt/diagrams/layout5.xml><?xml version="1.0" encoding="utf-8"?>
+<file path=ppt/diagrams/layout6.xml><?xml version="1.0" encoding="utf-8"?>
 <dgm:layoutDef xmlns:dgm="http://schemas.openxmlformats.org/drawingml/2006/diagram" xmlns:a="http://schemas.openxmlformats.org/drawingml/2006/main" uniqueId="urn:microsoft.com/office/officeart/2005/8/layout/pList1">
   <dgm:title val=""/>
   <dgm:desc val=""/>
@@ -13154,6 +15585,1336 @@
 </file>
 
 <file path=ppt/diagrams/quickStyle4.xml><?xml version="1.0" encoding="utf-8"?>
+<dgm:styleDef xmlns:dgm="http://schemas.openxmlformats.org/drawingml/2006/diagram" xmlns:a="http://schemas.openxmlformats.org/drawingml/2006/main" uniqueId="urn:microsoft.com/office/officeart/2005/8/quickstyle/3d3">
+  <dgm:title val=""/>
+  <dgm:desc val=""/>
+  <dgm:catLst>
+    <dgm:cat type="3D" pri="11300"/>
+  </dgm:catLst>
+  <dgm:scene3d>
+    <a:camera prst="orthographicFront"/>
+    <a:lightRig rig="threePt" dir="t"/>
+  </dgm:scene3d>
+  <dgm:styleLbl name="node0">
+    <dgm:scene3d>
+      <a:camera prst="orthographicFront">
+        <a:rot lat="0" lon="0" rev="0"/>
+      </a:camera>
+      <a:lightRig rig="contrasting" dir="t">
+        <a:rot lat="0" lon="0" rev="1200000"/>
+      </a:lightRig>
+    </dgm:scene3d>
+    <dgm:sp3d contourW="19050" prstMaterial="metal">
+      <a:bevelT w="88900" h="203200"/>
+      <a:bevelB w="165100" h="254000"/>
+    </dgm:sp3d>
+    <dgm:txPr/>
+    <dgm:style>
+      <a:lnRef idx="0">
+        <a:scrgbClr r="0" g="0" b="0"/>
+      </a:lnRef>
+      <a:fillRef idx="1">
+        <a:scrgbClr r="0" g="0" b="0"/>
+      </a:fillRef>
+      <a:effectRef idx="1">
+        <a:scrgbClr r="0" g="0" b="0"/>
+      </a:effectRef>
+      <a:fontRef idx="minor">
+        <a:schemeClr val="lt1"/>
+      </a:fontRef>
+    </dgm:style>
+  </dgm:styleLbl>
+  <dgm:styleLbl name="lnNode1">
+    <dgm:scene3d>
+      <a:camera prst="orthographicFront">
+        <a:rot lat="0" lon="0" rev="0"/>
+      </a:camera>
+      <a:lightRig rig="contrasting" dir="t">
+        <a:rot lat="0" lon="0" rev="1200000"/>
+      </a:lightRig>
+    </dgm:scene3d>
+    <dgm:sp3d contourW="19050" prstMaterial="metal">
+      <a:bevelT w="88900" h="203200"/>
+      <a:bevelB w="165100" h="254000"/>
+    </dgm:sp3d>
+    <dgm:txPr/>
+    <dgm:style>
+      <a:lnRef idx="0">
+        <a:scrgbClr r="0" g="0" b="0"/>
+      </a:lnRef>
+      <a:fillRef idx="1">
+        <a:scrgbClr r="0" g="0" b="0"/>
+      </a:fillRef>
+      <a:effectRef idx="1">
+        <a:scrgbClr r="0" g="0" b="0"/>
+      </a:effectRef>
+      <a:fontRef idx="minor">
+        <a:schemeClr val="lt1"/>
+      </a:fontRef>
+    </dgm:style>
+  </dgm:styleLbl>
+  <dgm:styleLbl name="vennNode1">
+    <dgm:scene3d>
+      <a:camera prst="orthographicFront">
+        <a:rot lat="0" lon="0" rev="0"/>
+      </a:camera>
+      <a:lightRig rig="contrasting" dir="t">
+        <a:rot lat="0" lon="0" rev="1200000"/>
+      </a:lightRig>
+    </dgm:scene3d>
+    <dgm:sp3d contourW="12700" prstMaterial="clear">
+      <a:bevelT w="177800" h="254000"/>
+      <a:bevelB w="152400"/>
+    </dgm:sp3d>
+    <dgm:txPr/>
+    <dgm:style>
+      <a:lnRef idx="0">
+        <a:scrgbClr r="0" g="0" b="0"/>
+      </a:lnRef>
+      <a:fillRef idx="1">
+        <a:scrgbClr r="0" g="0" b="0"/>
+      </a:fillRef>
+      <a:effectRef idx="0">
+        <a:scrgbClr r="0" g="0" b="0"/>
+      </a:effectRef>
+      <a:fontRef idx="minor">
+        <a:schemeClr val="tx1"/>
+      </a:fontRef>
+    </dgm:style>
+  </dgm:styleLbl>
+  <dgm:styleLbl name="alignNode1">
+    <dgm:scene3d>
+      <a:camera prst="orthographicFront">
+        <a:rot lat="0" lon="0" rev="0"/>
+      </a:camera>
+      <a:lightRig rig="contrasting" dir="t">
+        <a:rot lat="0" lon="0" rev="1200000"/>
+      </a:lightRig>
+    </dgm:scene3d>
+    <dgm:sp3d contourW="19050" prstMaterial="metal">
+      <a:bevelT w="88900" h="203200"/>
+      <a:bevelB w="165100" h="254000"/>
+    </dgm:sp3d>
+    <dgm:txPr/>
+    <dgm:style>
+      <a:lnRef idx="0">
+        <a:scrgbClr r="0" g="0" b="0"/>
+      </a:lnRef>
+      <a:fillRef idx="1">
+        <a:scrgbClr r="0" g="0" b="0"/>
+      </a:fillRef>
+      <a:effectRef idx="2">
+        <a:scrgbClr r="0" g="0" b="0"/>
+      </a:effectRef>
+      <a:fontRef idx="minor">
+        <a:schemeClr val="lt1"/>
+      </a:fontRef>
+    </dgm:style>
+  </dgm:styleLbl>
+  <dgm:styleLbl name="node1">
+    <dgm:scene3d>
+      <a:camera prst="orthographicFront">
+        <a:rot lat="0" lon="0" rev="0"/>
+      </a:camera>
+      <a:lightRig rig="contrasting" dir="t">
+        <a:rot lat="0" lon="0" rev="1200000"/>
+      </a:lightRig>
+    </dgm:scene3d>
+    <dgm:sp3d contourW="19050" prstMaterial="metal">
+      <a:bevelT w="88900" h="203200"/>
+      <a:bevelB w="165100" h="254000"/>
+    </dgm:sp3d>
+    <dgm:txPr/>
+    <dgm:style>
+      <a:lnRef idx="0">
+        <a:scrgbClr r="0" g="0" b="0"/>
+      </a:lnRef>
+      <a:fillRef idx="1">
+        <a:scrgbClr r="0" g="0" b="0"/>
+      </a:fillRef>
+      <a:effectRef idx="2">
+        <a:scrgbClr r="0" g="0" b="0"/>
+      </a:effectRef>
+      <a:fontRef idx="minor">
+        <a:schemeClr val="lt1"/>
+      </a:fontRef>
+    </dgm:style>
+  </dgm:styleLbl>
+  <dgm:styleLbl name="node2">
+    <dgm:scene3d>
+      <a:camera prst="orthographicFront">
+        <a:rot lat="0" lon="0" rev="0"/>
+      </a:camera>
+      <a:lightRig rig="contrasting" dir="t">
+        <a:rot lat="0" lon="0" rev="1200000"/>
+      </a:lightRig>
+    </dgm:scene3d>
+    <dgm:sp3d contourW="19050" prstMaterial="metal">
+      <a:bevelT w="88900" h="203200"/>
+      <a:bevelB w="165100" h="254000"/>
+    </dgm:sp3d>
+    <dgm:txPr/>
+    <dgm:style>
+      <a:lnRef idx="0">
+        <a:scrgbClr r="0" g="0" b="0"/>
+      </a:lnRef>
+      <a:fillRef idx="1">
+        <a:scrgbClr r="0" g="0" b="0"/>
+      </a:fillRef>
+      <a:effectRef idx="1">
+        <a:scrgbClr r="0" g="0" b="0"/>
+      </a:effectRef>
+      <a:fontRef idx="minor">
+        <a:schemeClr val="lt1"/>
+      </a:fontRef>
+    </dgm:style>
+  </dgm:styleLbl>
+  <dgm:styleLbl name="node3">
+    <dgm:scene3d>
+      <a:camera prst="orthographicFront">
+        <a:rot lat="0" lon="0" rev="0"/>
+      </a:camera>
+      <a:lightRig rig="contrasting" dir="t">
+        <a:rot lat="0" lon="0" rev="1200000"/>
+      </a:lightRig>
+    </dgm:scene3d>
+    <dgm:sp3d contourW="19050" prstMaterial="metal">
+      <a:bevelT w="88900" h="203200"/>
+      <a:bevelB w="165100" h="254000"/>
+    </dgm:sp3d>
+    <dgm:txPr/>
+    <dgm:style>
+      <a:lnRef idx="0">
+        <a:scrgbClr r="0" g="0" b="0"/>
+      </a:lnRef>
+      <a:fillRef idx="1">
+        <a:scrgbClr r="0" g="0" b="0"/>
+      </a:fillRef>
+      <a:effectRef idx="1">
+        <a:scrgbClr r="0" g="0" b="0"/>
+      </a:effectRef>
+      <a:fontRef idx="minor">
+        <a:schemeClr val="lt1"/>
+      </a:fontRef>
+    </dgm:style>
+  </dgm:styleLbl>
+  <dgm:styleLbl name="node4">
+    <dgm:scene3d>
+      <a:camera prst="orthographicFront">
+        <a:rot lat="0" lon="0" rev="0"/>
+      </a:camera>
+      <a:lightRig rig="contrasting" dir="t">
+        <a:rot lat="0" lon="0" rev="1200000"/>
+      </a:lightRig>
+    </dgm:scene3d>
+    <dgm:sp3d contourW="19050" prstMaterial="metal">
+      <a:bevelT w="88900" h="203200"/>
+      <a:bevelB w="165100" h="254000"/>
+    </dgm:sp3d>
+    <dgm:txPr/>
+    <dgm:style>
+      <a:lnRef idx="0">
+        <a:scrgbClr r="0" g="0" b="0"/>
+      </a:lnRef>
+      <a:fillRef idx="1">
+        <a:scrgbClr r="0" g="0" b="0"/>
+      </a:fillRef>
+      <a:effectRef idx="1">
+        <a:scrgbClr r="0" g="0" b="0"/>
+      </a:effectRef>
+      <a:fontRef idx="minor">
+        <a:schemeClr val="lt1"/>
+      </a:fontRef>
+    </dgm:style>
+  </dgm:styleLbl>
+  <dgm:styleLbl name="fgImgPlace1">
+    <dgm:scene3d>
+      <a:camera prst="orthographicFront">
+        <a:rot lat="0" lon="0" rev="0"/>
+      </a:camera>
+      <a:lightRig rig="contrasting" dir="t">
+        <a:rot lat="0" lon="0" rev="1200000"/>
+      </a:lightRig>
+    </dgm:scene3d>
+    <dgm:sp3d z="300000" contourW="19050" prstMaterial="metal">
+      <a:bevelT w="88900" h="203200"/>
+      <a:bevelB w="165100" h="254000"/>
+    </dgm:sp3d>
+    <dgm:txPr/>
+    <dgm:style>
+      <a:lnRef idx="0">
+        <a:scrgbClr r="0" g="0" b="0"/>
+      </a:lnRef>
+      <a:fillRef idx="1">
+        <a:scrgbClr r="0" g="0" b="0"/>
+      </a:fillRef>
+      <a:effectRef idx="1">
+        <a:scrgbClr r="0" g="0" b="0"/>
+      </a:effectRef>
+      <a:fontRef idx="minor"/>
+    </dgm:style>
+  </dgm:styleLbl>
+  <dgm:styleLbl name="alignImgPlace1">
+    <dgm:scene3d>
+      <a:camera prst="orthographicFront">
+        <a:rot lat="0" lon="0" rev="0"/>
+      </a:camera>
+      <a:lightRig rig="contrasting" dir="t">
+        <a:rot lat="0" lon="0" rev="1200000"/>
+      </a:lightRig>
+    </dgm:scene3d>
+    <dgm:sp3d contourW="12700" prstMaterial="flat">
+      <a:bevelT w="177800" h="254000"/>
+      <a:bevelB w="152400"/>
+    </dgm:sp3d>
+    <dgm:txPr/>
+    <dgm:style>
+      <a:lnRef idx="0">
+        <a:scrgbClr r="0" g="0" b="0"/>
+      </a:lnRef>
+      <a:fillRef idx="1">
+        <a:scrgbClr r="0" g="0" b="0"/>
+      </a:fillRef>
+      <a:effectRef idx="1">
+        <a:scrgbClr r="0" g="0" b="0"/>
+      </a:effectRef>
+      <a:fontRef idx="minor"/>
+    </dgm:style>
+  </dgm:styleLbl>
+  <dgm:styleLbl name="bgImgPlace1">
+    <dgm:scene3d>
+      <a:camera prst="orthographicFront">
+        <a:rot lat="0" lon="0" rev="0"/>
+      </a:camera>
+      <a:lightRig rig="contrasting" dir="t">
+        <a:rot lat="0" lon="0" rev="1200000"/>
+      </a:lightRig>
+    </dgm:scene3d>
+    <dgm:sp3d z="-300000" contourW="19050" prstMaterial="metal">
+      <a:bevelT w="88900" h="203200"/>
+      <a:bevelB w="165100" h="254000"/>
+    </dgm:sp3d>
+    <dgm:txPr/>
+    <dgm:style>
+      <a:lnRef idx="0">
+        <a:scrgbClr r="0" g="0" b="0"/>
+      </a:lnRef>
+      <a:fillRef idx="1">
+        <a:scrgbClr r="0" g="0" b="0"/>
+      </a:fillRef>
+      <a:effectRef idx="1">
+        <a:scrgbClr r="0" g="0" b="0"/>
+      </a:effectRef>
+      <a:fontRef idx="minor"/>
+    </dgm:style>
+  </dgm:styleLbl>
+  <dgm:styleLbl name="sibTrans2D1">
+    <dgm:scene3d>
+      <a:camera prst="orthographicFront">
+        <a:rot lat="0" lon="0" rev="0"/>
+      </a:camera>
+      <a:lightRig rig="contrasting" dir="t">
+        <a:rot lat="0" lon="0" rev="1200000"/>
+      </a:lightRig>
+    </dgm:scene3d>
+    <dgm:sp3d z="-182000" contourW="19050" prstMaterial="metal">
+      <a:bevelT w="88900" h="203200"/>
+      <a:bevelB w="165100" h="254000"/>
+    </dgm:sp3d>
+    <dgm:txPr/>
+    <dgm:style>
+      <a:lnRef idx="0">
+        <a:scrgbClr r="0" g="0" b="0"/>
+      </a:lnRef>
+      <a:fillRef idx="1">
+        <a:scrgbClr r="0" g="0" b="0"/>
+      </a:fillRef>
+      <a:effectRef idx="0">
+        <a:scrgbClr r="0" g="0" b="0"/>
+      </a:effectRef>
+      <a:fontRef idx="minor">
+        <a:schemeClr val="lt1"/>
+      </a:fontRef>
+    </dgm:style>
+  </dgm:styleLbl>
+  <dgm:styleLbl name="fgSibTrans2D1">
+    <dgm:scene3d>
+      <a:camera prst="orthographicFront">
+        <a:rot lat="0" lon="0" rev="0"/>
+      </a:camera>
+      <a:lightRig rig="contrasting" dir="t">
+        <a:rot lat="0" lon="0" rev="1200000"/>
+      </a:lightRig>
+    </dgm:scene3d>
+    <dgm:sp3d z="300000" contourW="19050" prstMaterial="metal">
+      <a:bevelT w="88900" h="203200"/>
+      <a:bevelB w="165100" h="254000"/>
+    </dgm:sp3d>
+    <dgm:txPr/>
+    <dgm:style>
+      <a:lnRef idx="0">
+        <a:scrgbClr r="0" g="0" b="0"/>
+      </a:lnRef>
+      <a:fillRef idx="1">
+        <a:scrgbClr r="0" g="0" b="0"/>
+      </a:fillRef>
+      <a:effectRef idx="0">
+        <a:scrgbClr r="0" g="0" b="0"/>
+      </a:effectRef>
+      <a:fontRef idx="minor"/>
+    </dgm:style>
+  </dgm:styleLbl>
+  <dgm:styleLbl name="bgSibTrans2D1">
+    <dgm:scene3d>
+      <a:camera prst="orthographicFront">
+        <a:rot lat="0" lon="0" rev="0"/>
+      </a:camera>
+      <a:lightRig rig="contrasting" dir="t">
+        <a:rot lat="0" lon="0" rev="1200000"/>
+      </a:lightRig>
+    </dgm:scene3d>
+    <dgm:sp3d z="-300000" contourW="19050" prstMaterial="metal">
+      <a:bevelT w="88900" h="203200"/>
+      <a:bevelB w="165100" h="254000"/>
+    </dgm:sp3d>
+    <dgm:txPr/>
+    <dgm:style>
+      <a:lnRef idx="0">
+        <a:scrgbClr r="0" g="0" b="0"/>
+      </a:lnRef>
+      <a:fillRef idx="1">
+        <a:scrgbClr r="0" g="0" b="0"/>
+      </a:fillRef>
+      <a:effectRef idx="0">
+        <a:scrgbClr r="0" g="0" b="0"/>
+      </a:effectRef>
+      <a:fontRef idx="minor"/>
+    </dgm:style>
+  </dgm:styleLbl>
+  <dgm:styleLbl name="sibTrans1D1">
+    <dgm:scene3d>
+      <a:camera prst="orthographicFront">
+        <a:rot lat="0" lon="0" rev="0"/>
+      </a:camera>
+      <a:lightRig rig="contrasting" dir="t">
+        <a:rot lat="0" lon="0" rev="1200000"/>
+      </a:lightRig>
+    </dgm:scene3d>
+    <dgm:sp3d z="-110000"/>
+    <dgm:txPr/>
+    <dgm:style>
+      <a:lnRef idx="1">
+        <a:scrgbClr r="0" g="0" b="0"/>
+      </a:lnRef>
+      <a:fillRef idx="0">
+        <a:scrgbClr r="0" g="0" b="0"/>
+      </a:fillRef>
+      <a:effectRef idx="0">
+        <a:scrgbClr r="0" g="0" b="0"/>
+      </a:effectRef>
+      <a:fontRef idx="minor"/>
+    </dgm:style>
+  </dgm:styleLbl>
+  <dgm:styleLbl name="callout">
+    <dgm:scene3d>
+      <a:camera prst="orthographicFront">
+        <a:rot lat="0" lon="0" rev="0"/>
+      </a:camera>
+      <a:lightRig rig="contrasting" dir="t">
+        <a:rot lat="0" lon="0" rev="1200000"/>
+      </a:lightRig>
+    </dgm:scene3d>
+    <dgm:sp3d z="10000"/>
+    <dgm:txPr/>
+    <dgm:style>
+      <a:lnRef idx="2">
+        <a:scrgbClr r="0" g="0" b="0"/>
+      </a:lnRef>
+      <a:fillRef idx="1">
+        <a:scrgbClr r="0" g="0" b="0"/>
+      </a:fillRef>
+      <a:effectRef idx="0">
+        <a:scrgbClr r="0" g="0" b="0"/>
+      </a:effectRef>
+      <a:fontRef idx="minor"/>
+    </dgm:style>
+  </dgm:styleLbl>
+  <dgm:styleLbl name="asst0">
+    <dgm:scene3d>
+      <a:camera prst="orthographicFront">
+        <a:rot lat="0" lon="0" rev="0"/>
+      </a:camera>
+      <a:lightRig rig="contrasting" dir="t">
+        <a:rot lat="0" lon="0" rev="1200000"/>
+      </a:lightRig>
+    </dgm:scene3d>
+    <dgm:sp3d contourW="19050" prstMaterial="metal">
+      <a:bevelT w="88900" h="203200"/>
+      <a:bevelB w="165100" h="254000"/>
+    </dgm:sp3d>
+    <dgm:txPr/>
+    <dgm:style>
+      <a:lnRef idx="0">
+        <a:scrgbClr r="0" g="0" b="0"/>
+      </a:lnRef>
+      <a:fillRef idx="1">
+        <a:scrgbClr r="0" g="0" b="0"/>
+      </a:fillRef>
+      <a:effectRef idx="1">
+        <a:scrgbClr r="0" g="0" b="0"/>
+      </a:effectRef>
+      <a:fontRef idx="minor">
+        <a:schemeClr val="lt1"/>
+      </a:fontRef>
+    </dgm:style>
+  </dgm:styleLbl>
+  <dgm:styleLbl name="asst1">
+    <dgm:scene3d>
+      <a:camera prst="orthographicFront">
+        <a:rot lat="0" lon="0" rev="0"/>
+      </a:camera>
+      <a:lightRig rig="contrasting" dir="t">
+        <a:rot lat="0" lon="0" rev="1200000"/>
+      </a:lightRig>
+    </dgm:scene3d>
+    <dgm:sp3d contourW="19050" prstMaterial="metal">
+      <a:bevelT w="88900" h="203200"/>
+      <a:bevelB w="165100" h="254000"/>
+    </dgm:sp3d>
+    <dgm:txPr/>
+    <dgm:style>
+      <a:lnRef idx="0">
+        <a:scrgbClr r="0" g="0" b="0"/>
+      </a:lnRef>
+      <a:fillRef idx="1">
+        <a:scrgbClr r="0" g="0" b="0"/>
+      </a:fillRef>
+      <a:effectRef idx="1">
+        <a:scrgbClr r="0" g="0" b="0"/>
+      </a:effectRef>
+      <a:fontRef idx="minor">
+        <a:schemeClr val="lt1"/>
+      </a:fontRef>
+    </dgm:style>
+  </dgm:styleLbl>
+  <dgm:styleLbl name="asst2">
+    <dgm:scene3d>
+      <a:camera prst="orthographicFront">
+        <a:rot lat="0" lon="0" rev="0"/>
+      </a:camera>
+      <a:lightRig rig="contrasting" dir="t">
+        <a:rot lat="0" lon="0" rev="1200000"/>
+      </a:lightRig>
+    </dgm:scene3d>
+    <dgm:sp3d contourW="19050" prstMaterial="metal">
+      <a:bevelT w="88900" h="203200"/>
+      <a:bevelB w="165100" h="254000"/>
+    </dgm:sp3d>
+    <dgm:txPr/>
+    <dgm:style>
+      <a:lnRef idx="0">
+        <a:scrgbClr r="0" g="0" b="0"/>
+      </a:lnRef>
+      <a:fillRef idx="1">
+        <a:scrgbClr r="0" g="0" b="0"/>
+      </a:fillRef>
+      <a:effectRef idx="1">
+        <a:scrgbClr r="0" g="0" b="0"/>
+      </a:effectRef>
+      <a:fontRef idx="minor">
+        <a:schemeClr val="lt1"/>
+      </a:fontRef>
+    </dgm:style>
+  </dgm:styleLbl>
+  <dgm:styleLbl name="asst3">
+    <dgm:scene3d>
+      <a:camera prst="orthographicFront">
+        <a:rot lat="0" lon="0" rev="0"/>
+      </a:camera>
+      <a:lightRig rig="contrasting" dir="t">
+        <a:rot lat="0" lon="0" rev="1200000"/>
+      </a:lightRig>
+    </dgm:scene3d>
+    <dgm:sp3d contourW="19050" prstMaterial="metal">
+      <a:bevelT w="88900" h="203200"/>
+      <a:bevelB w="165100" h="254000"/>
+    </dgm:sp3d>
+    <dgm:txPr/>
+    <dgm:style>
+      <a:lnRef idx="0">
+        <a:scrgbClr r="0" g="0" b="0"/>
+      </a:lnRef>
+      <a:fillRef idx="1">
+        <a:scrgbClr r="0" g="0" b="0"/>
+      </a:fillRef>
+      <a:effectRef idx="1">
+        <a:scrgbClr r="0" g="0" b="0"/>
+      </a:effectRef>
+      <a:fontRef idx="minor">
+        <a:schemeClr val="lt1"/>
+      </a:fontRef>
+    </dgm:style>
+  </dgm:styleLbl>
+  <dgm:styleLbl name="asst4">
+    <dgm:scene3d>
+      <a:camera prst="orthographicFront"/>
+      <a:lightRig rig="threePt" dir="t"/>
+    </dgm:scene3d>
+    <dgm:sp3d contourW="19050" prstMaterial="metal">
+      <a:bevelT w="88900" h="203200"/>
+      <a:bevelB w="165100" h="254000"/>
+    </dgm:sp3d>
+    <dgm:txPr/>
+    <dgm:style>
+      <a:lnRef idx="0">
+        <a:scrgbClr r="0" g="0" b="0"/>
+      </a:lnRef>
+      <a:fillRef idx="1">
+        <a:scrgbClr r="0" g="0" b="0"/>
+      </a:fillRef>
+      <a:effectRef idx="1">
+        <a:scrgbClr r="0" g="0" b="0"/>
+      </a:effectRef>
+      <a:fontRef idx="minor">
+        <a:schemeClr val="lt1"/>
+      </a:fontRef>
+    </dgm:style>
+  </dgm:styleLbl>
+  <dgm:styleLbl name="parChTrans2D1">
+    <dgm:scene3d>
+      <a:camera prst="orthographicFront">
+        <a:rot lat="0" lon="0" rev="0"/>
+      </a:camera>
+      <a:lightRig rig="contrasting" dir="t">
+        <a:rot lat="0" lon="0" rev="1200000"/>
+      </a:lightRig>
+    </dgm:scene3d>
+    <dgm:sp3d contourW="19050" prstMaterial="metal">
+      <a:bevelT w="88900" h="203200"/>
+      <a:bevelB w="165100" h="254000"/>
+    </dgm:sp3d>
+    <dgm:txPr/>
+    <dgm:style>
+      <a:lnRef idx="0">
+        <a:scrgbClr r="0" g="0" b="0"/>
+      </a:lnRef>
+      <a:fillRef idx="1">
+        <a:scrgbClr r="0" g="0" b="0"/>
+      </a:fillRef>
+      <a:effectRef idx="0">
+        <a:scrgbClr r="0" g="0" b="0"/>
+      </a:effectRef>
+      <a:fontRef idx="minor"/>
+    </dgm:style>
+  </dgm:styleLbl>
+  <dgm:styleLbl name="parChTrans2D2">
+    <dgm:scene3d>
+      <a:camera prst="orthographicFront">
+        <a:rot lat="0" lon="0" rev="0"/>
+      </a:camera>
+      <a:lightRig rig="contrasting" dir="t">
+        <a:rot lat="0" lon="0" rev="1200000"/>
+      </a:lightRig>
+    </dgm:scene3d>
+    <dgm:sp3d contourW="19050" prstMaterial="metal">
+      <a:bevelT w="88900" h="203200"/>
+      <a:bevelB w="165100" h="254000"/>
+    </dgm:sp3d>
+    <dgm:txPr/>
+    <dgm:style>
+      <a:lnRef idx="0">
+        <a:scrgbClr r="0" g="0" b="0"/>
+      </a:lnRef>
+      <a:fillRef idx="1">
+        <a:scrgbClr r="0" g="0" b="0"/>
+      </a:fillRef>
+      <a:effectRef idx="0">
+        <a:scrgbClr r="0" g="0" b="0"/>
+      </a:effectRef>
+      <a:fontRef idx="minor"/>
+    </dgm:style>
+  </dgm:styleLbl>
+  <dgm:styleLbl name="parChTrans2D3">
+    <dgm:scene3d>
+      <a:camera prst="orthographicFront">
+        <a:rot lat="0" lon="0" rev="0"/>
+      </a:camera>
+      <a:lightRig rig="contrasting" dir="t">
+        <a:rot lat="0" lon="0" rev="1200000"/>
+      </a:lightRig>
+    </dgm:scene3d>
+    <dgm:sp3d contourW="19050" prstMaterial="metal">
+      <a:bevelT w="88900" h="203200"/>
+      <a:bevelB w="165100" h="254000"/>
+    </dgm:sp3d>
+    <dgm:txPr/>
+    <dgm:style>
+      <a:lnRef idx="0">
+        <a:scrgbClr r="0" g="0" b="0"/>
+      </a:lnRef>
+      <a:fillRef idx="1">
+        <a:scrgbClr r="0" g="0" b="0"/>
+      </a:fillRef>
+      <a:effectRef idx="0">
+        <a:scrgbClr r="0" g="0" b="0"/>
+      </a:effectRef>
+      <a:fontRef idx="minor"/>
+    </dgm:style>
+  </dgm:styleLbl>
+  <dgm:styleLbl name="parChTrans2D4">
+    <dgm:scene3d>
+      <a:camera prst="orthographicFront">
+        <a:rot lat="0" lon="0" rev="0"/>
+      </a:camera>
+      <a:lightRig rig="contrasting" dir="t">
+        <a:rot lat="0" lon="0" rev="1200000"/>
+      </a:lightRig>
+    </dgm:scene3d>
+    <dgm:sp3d contourW="19050" prstMaterial="metal">
+      <a:bevelT w="88900" h="203200"/>
+      <a:bevelB w="165100" h="254000"/>
+    </dgm:sp3d>
+    <dgm:txPr/>
+    <dgm:style>
+      <a:lnRef idx="0">
+        <a:scrgbClr r="0" g="0" b="0"/>
+      </a:lnRef>
+      <a:fillRef idx="1">
+        <a:scrgbClr r="0" g="0" b="0"/>
+      </a:fillRef>
+      <a:effectRef idx="0">
+        <a:scrgbClr r="0" g="0" b="0"/>
+      </a:effectRef>
+      <a:fontRef idx="minor"/>
+    </dgm:style>
+  </dgm:styleLbl>
+  <dgm:styleLbl name="parChTrans1D1">
+    <dgm:scene3d>
+      <a:camera prst="orthographicFront">
+        <a:rot lat="0" lon="0" rev="0"/>
+      </a:camera>
+      <a:lightRig rig="contrasting" dir="t">
+        <a:rot lat="0" lon="0" rev="1200000"/>
+      </a:lightRig>
+    </dgm:scene3d>
+    <dgm:sp3d z="-110000"/>
+    <dgm:txPr/>
+    <dgm:style>
+      <a:lnRef idx="2">
+        <a:scrgbClr r="0" g="0" b="0"/>
+      </a:lnRef>
+      <a:fillRef idx="0">
+        <a:scrgbClr r="0" g="0" b="0"/>
+      </a:fillRef>
+      <a:effectRef idx="0">
+        <a:scrgbClr r="0" g="0" b="0"/>
+      </a:effectRef>
+      <a:fontRef idx="minor"/>
+    </dgm:style>
+  </dgm:styleLbl>
+  <dgm:styleLbl name="parChTrans1D2">
+    <dgm:scene3d>
+      <a:camera prst="orthographicFront">
+        <a:rot lat="0" lon="0" rev="0"/>
+      </a:camera>
+      <a:lightRig rig="contrasting" dir="t">
+        <a:rot lat="0" lon="0" rev="1200000"/>
+      </a:lightRig>
+    </dgm:scene3d>
+    <dgm:sp3d z="-110000"/>
+    <dgm:txPr/>
+    <dgm:style>
+      <a:lnRef idx="2">
+        <a:scrgbClr r="0" g="0" b="0"/>
+      </a:lnRef>
+      <a:fillRef idx="0">
+        <a:scrgbClr r="0" g="0" b="0"/>
+      </a:fillRef>
+      <a:effectRef idx="0">
+        <a:scrgbClr r="0" g="0" b="0"/>
+      </a:effectRef>
+      <a:fontRef idx="minor"/>
+    </dgm:style>
+  </dgm:styleLbl>
+  <dgm:styleLbl name="parChTrans1D3">
+    <dgm:scene3d>
+      <a:camera prst="orthographicFront">
+        <a:rot lat="0" lon="0" rev="0"/>
+      </a:camera>
+      <a:lightRig rig="contrasting" dir="t">
+        <a:rot lat="0" lon="0" rev="1200000"/>
+      </a:lightRig>
+    </dgm:scene3d>
+    <dgm:sp3d z="-110000"/>
+    <dgm:txPr/>
+    <dgm:style>
+      <a:lnRef idx="2">
+        <a:scrgbClr r="0" g="0" b="0"/>
+      </a:lnRef>
+      <a:fillRef idx="0">
+        <a:scrgbClr r="0" g="0" b="0"/>
+      </a:fillRef>
+      <a:effectRef idx="0">
+        <a:scrgbClr r="0" g="0" b="0"/>
+      </a:effectRef>
+      <a:fontRef idx="minor"/>
+    </dgm:style>
+  </dgm:styleLbl>
+  <dgm:styleLbl name="parChTrans1D4">
+    <dgm:scene3d>
+      <a:camera prst="orthographicFront">
+        <a:rot lat="0" lon="0" rev="0"/>
+      </a:camera>
+      <a:lightRig rig="contrasting" dir="t">
+        <a:rot lat="0" lon="0" rev="1200000"/>
+      </a:lightRig>
+    </dgm:scene3d>
+    <dgm:sp3d z="-110000"/>
+    <dgm:txPr/>
+    <dgm:style>
+      <a:lnRef idx="2">
+        <a:scrgbClr r="0" g="0" b="0"/>
+      </a:lnRef>
+      <a:fillRef idx="0">
+        <a:scrgbClr r="0" g="0" b="0"/>
+      </a:fillRef>
+      <a:effectRef idx="0">
+        <a:scrgbClr r="0" g="0" b="0"/>
+      </a:effectRef>
+      <a:fontRef idx="minor"/>
+    </dgm:style>
+  </dgm:styleLbl>
+  <dgm:styleLbl name="fgAcc1">
+    <dgm:scene3d>
+      <a:camera prst="orthographicFront">
+        <a:rot lat="0" lon="0" rev="0"/>
+      </a:camera>
+      <a:lightRig rig="contrasting" dir="t">
+        <a:rot lat="0" lon="0" rev="1200000"/>
+      </a:lightRig>
+    </dgm:scene3d>
+    <dgm:sp3d z="300000" contourW="19050" prstMaterial="metal">
+      <a:bevelT w="88900" h="203200"/>
+      <a:bevelB w="165100" h="254000"/>
+    </dgm:sp3d>
+    <dgm:txPr/>
+    <dgm:style>
+      <a:lnRef idx="0">
+        <a:scrgbClr r="0" g="0" b="0"/>
+      </a:lnRef>
+      <a:fillRef idx="1">
+        <a:scrgbClr r="0" g="0" b="0"/>
+      </a:fillRef>
+      <a:effectRef idx="0">
+        <a:scrgbClr r="0" g="0" b="0"/>
+      </a:effectRef>
+      <a:fontRef idx="minor"/>
+    </dgm:style>
+  </dgm:styleLbl>
+  <dgm:styleLbl name="conFgAcc1">
+    <dgm:scene3d>
+      <a:camera prst="orthographicFront">
+        <a:rot lat="0" lon="0" rev="0"/>
+      </a:camera>
+      <a:lightRig rig="contrasting" dir="t">
+        <a:rot lat="0" lon="0" rev="1200000"/>
+      </a:lightRig>
+    </dgm:scene3d>
+    <dgm:sp3d z="300000" contourW="19050" prstMaterial="metal">
+      <a:bevelT w="88900" h="203200"/>
+      <a:bevelB w="165100" h="254000"/>
+    </dgm:sp3d>
+    <dgm:txPr/>
+    <dgm:style>
+      <a:lnRef idx="0">
+        <a:scrgbClr r="0" g="0" b="0"/>
+      </a:lnRef>
+      <a:fillRef idx="1">
+        <a:scrgbClr r="0" g="0" b="0"/>
+      </a:fillRef>
+      <a:effectRef idx="0">
+        <a:scrgbClr r="0" g="0" b="0"/>
+      </a:effectRef>
+      <a:fontRef idx="minor"/>
+    </dgm:style>
+  </dgm:styleLbl>
+  <dgm:styleLbl name="alignAcc1">
+    <dgm:scene3d>
+      <a:camera prst="orthographicFront">
+        <a:rot lat="0" lon="0" rev="0"/>
+      </a:camera>
+      <a:lightRig rig="contrasting" dir="t">
+        <a:rot lat="0" lon="0" rev="1200000"/>
+      </a:lightRig>
+    </dgm:scene3d>
+    <dgm:sp3d contourW="19050" prstMaterial="metal">
+      <a:bevelT w="88900" h="203200"/>
+      <a:bevelB w="165100" h="254000"/>
+    </dgm:sp3d>
+    <dgm:txPr/>
+    <dgm:style>
+      <a:lnRef idx="0">
+        <a:scrgbClr r="0" g="0" b="0"/>
+      </a:lnRef>
+      <a:fillRef idx="1">
+        <a:scrgbClr r="0" g="0" b="0"/>
+      </a:fillRef>
+      <a:effectRef idx="0">
+        <a:scrgbClr r="0" g="0" b="0"/>
+      </a:effectRef>
+      <a:fontRef idx="minor"/>
+    </dgm:style>
+  </dgm:styleLbl>
+  <dgm:styleLbl name="trAlignAcc1">
+    <dgm:scene3d>
+      <a:camera prst="orthographicFront">
+        <a:rot lat="0" lon="0" rev="0"/>
+      </a:camera>
+      <a:lightRig rig="contrasting" dir="t">
+        <a:rot lat="0" lon="0" rev="1200000"/>
+      </a:lightRig>
+    </dgm:scene3d>
+    <dgm:sp3d contourW="19050" prstMaterial="metal">
+      <a:bevelT w="88900" h="203200"/>
+      <a:bevelB w="165100" h="254000"/>
+    </dgm:sp3d>
+    <dgm:txPr/>
+    <dgm:style>
+      <a:lnRef idx="0">
+        <a:scrgbClr r="0" g="0" b="0"/>
+      </a:lnRef>
+      <a:fillRef idx="1">
+        <a:scrgbClr r="0" g="0" b="0"/>
+      </a:fillRef>
+      <a:effectRef idx="1">
+        <a:scrgbClr r="0" g="0" b="0"/>
+      </a:effectRef>
+      <a:fontRef idx="minor"/>
+    </dgm:style>
+  </dgm:styleLbl>
+  <dgm:styleLbl name="bgAcc1">
+    <dgm:scene3d>
+      <a:camera prst="orthographicFront">
+        <a:rot lat="0" lon="0" rev="0"/>
+      </a:camera>
+      <a:lightRig rig="contrasting" dir="t">
+        <a:rot lat="0" lon="0" rev="1200000"/>
+      </a:lightRig>
+    </dgm:scene3d>
+    <dgm:sp3d z="-300000" contourW="19050" prstMaterial="metal">
+      <a:bevelT w="88900" h="203200"/>
+      <a:bevelB w="165100" h="254000"/>
+    </dgm:sp3d>
+    <dgm:txPr/>
+    <dgm:style>
+      <a:lnRef idx="0">
+        <a:scrgbClr r="0" g="0" b="0"/>
+      </a:lnRef>
+      <a:fillRef idx="1">
+        <a:scrgbClr r="0" g="0" b="0"/>
+      </a:fillRef>
+      <a:effectRef idx="0">
+        <a:scrgbClr r="0" g="0" b="0"/>
+      </a:effectRef>
+      <a:fontRef idx="minor"/>
+    </dgm:style>
+  </dgm:styleLbl>
+  <dgm:styleLbl name="solidFgAcc1">
+    <dgm:scene3d>
+      <a:camera prst="orthographicFront">
+        <a:rot lat="0" lon="0" rev="0"/>
+      </a:camera>
+      <a:lightRig rig="contrasting" dir="t">
+        <a:rot lat="0" lon="0" rev="1200000"/>
+      </a:lightRig>
+    </dgm:scene3d>
+    <dgm:sp3d z="300000" contourW="12700" prstMaterial="flat">
+      <a:bevelT w="177800" h="254000"/>
+      <a:bevelB w="152400"/>
+    </dgm:sp3d>
+    <dgm:txPr/>
+    <dgm:style>
+      <a:lnRef idx="0">
+        <a:scrgbClr r="0" g="0" b="0"/>
+      </a:lnRef>
+      <a:fillRef idx="1">
+        <a:scrgbClr r="0" g="0" b="0"/>
+      </a:fillRef>
+      <a:effectRef idx="0">
+        <a:scrgbClr r="0" g="0" b="0"/>
+      </a:effectRef>
+      <a:fontRef idx="minor"/>
+    </dgm:style>
+  </dgm:styleLbl>
+  <dgm:styleLbl name="solidAlignAcc1">
+    <dgm:scene3d>
+      <a:camera prst="orthographicFront">
+        <a:rot lat="0" lon="0" rev="0"/>
+      </a:camera>
+      <a:lightRig rig="contrasting" dir="t">
+        <a:rot lat="0" lon="0" rev="1200000"/>
+      </a:lightRig>
+    </dgm:scene3d>
+    <dgm:sp3d contourW="19050" prstMaterial="metal">
+      <a:bevelT w="88900" h="203200"/>
+      <a:bevelB w="165100" h="254000"/>
+    </dgm:sp3d>
+    <dgm:txPr/>
+    <dgm:style>
+      <a:lnRef idx="0">
+        <a:scrgbClr r="0" g="0" b="0"/>
+      </a:lnRef>
+      <a:fillRef idx="1">
+        <a:scrgbClr r="0" g="0" b="0"/>
+      </a:fillRef>
+      <a:effectRef idx="0">
+        <a:scrgbClr r="0" g="0" b="0"/>
+      </a:effectRef>
+      <a:fontRef idx="minor"/>
+    </dgm:style>
+  </dgm:styleLbl>
+  <dgm:styleLbl name="solidBgAcc1">
+    <dgm:scene3d>
+      <a:camera prst="orthographicFront">
+        <a:rot lat="0" lon="0" rev="0"/>
+      </a:camera>
+      <a:lightRig rig="contrasting" dir="t">
+        <a:rot lat="0" lon="0" rev="1200000"/>
+      </a:lightRig>
+    </dgm:scene3d>
+    <dgm:sp3d z="-300000" contourW="19050" prstMaterial="metal">
+      <a:bevelT w="88900" h="203200"/>
+      <a:bevelB w="165100" h="254000"/>
+    </dgm:sp3d>
+    <dgm:txPr/>
+    <dgm:style>
+      <a:lnRef idx="0">
+        <a:scrgbClr r="0" g="0" b="0"/>
+      </a:lnRef>
+      <a:fillRef idx="1">
+        <a:scrgbClr r="0" g="0" b="0"/>
+      </a:fillRef>
+      <a:effectRef idx="0">
+        <a:scrgbClr r="0" g="0" b="0"/>
+      </a:effectRef>
+      <a:fontRef idx="minor"/>
+    </dgm:style>
+  </dgm:styleLbl>
+  <dgm:styleLbl name="fgAccFollowNode1">
+    <dgm:scene3d>
+      <a:camera prst="orthographicFront">
+        <a:rot lat="0" lon="0" rev="0"/>
+      </a:camera>
+      <a:lightRig rig="contrasting" dir="t">
+        <a:rot lat="0" lon="0" rev="1200000"/>
+      </a:lightRig>
+    </dgm:scene3d>
+    <dgm:sp3d z="300000" contourW="19050" prstMaterial="metal">
+      <a:bevelT w="88900" h="203200"/>
+      <a:bevelB w="165100" h="254000"/>
+    </dgm:sp3d>
+    <dgm:txPr/>
+    <dgm:style>
+      <a:lnRef idx="0">
+        <a:scrgbClr r="0" g="0" b="0"/>
+      </a:lnRef>
+      <a:fillRef idx="1">
+        <a:scrgbClr r="0" g="0" b="0"/>
+      </a:fillRef>
+      <a:effectRef idx="0">
+        <a:scrgbClr r="0" g="0" b="0"/>
+      </a:effectRef>
+      <a:fontRef idx="minor"/>
+    </dgm:style>
+  </dgm:styleLbl>
+  <dgm:styleLbl name="alignAccFollowNode1">
+    <dgm:scene3d>
+      <a:camera prst="orthographicFront">
+        <a:rot lat="0" lon="0" rev="0"/>
+      </a:camera>
+      <a:lightRig rig="contrasting" dir="t">
+        <a:rot lat="0" lon="0" rev="1200000"/>
+      </a:lightRig>
+    </dgm:scene3d>
+    <dgm:sp3d contourW="19050" prstMaterial="metal">
+      <a:bevelT w="88900" h="203200"/>
+      <a:bevelB w="165100" h="254000"/>
+    </dgm:sp3d>
+    <dgm:txPr/>
+    <dgm:style>
+      <a:lnRef idx="0">
+        <a:scrgbClr r="0" g="0" b="0"/>
+      </a:lnRef>
+      <a:fillRef idx="1">
+        <a:scrgbClr r="0" g="0" b="0"/>
+      </a:fillRef>
+      <a:effectRef idx="0">
+        <a:scrgbClr r="0" g="0" b="0"/>
+      </a:effectRef>
+      <a:fontRef idx="minor"/>
+    </dgm:style>
+  </dgm:styleLbl>
+  <dgm:styleLbl name="bgAccFollowNode1">
+    <dgm:scene3d>
+      <a:camera prst="orthographicFront">
+        <a:rot lat="0" lon="0" rev="0"/>
+      </a:camera>
+      <a:lightRig rig="contrasting" dir="t">
+        <a:rot lat="0" lon="0" rev="1200000"/>
+      </a:lightRig>
+    </dgm:scene3d>
+    <dgm:sp3d z="-300000" contourW="19050" prstMaterial="metal">
+      <a:bevelT w="88900" h="203200"/>
+      <a:bevelB w="165100" h="254000"/>
+    </dgm:sp3d>
+    <dgm:txPr/>
+    <dgm:style>
+      <a:lnRef idx="0">
+        <a:scrgbClr r="0" g="0" b="0"/>
+      </a:lnRef>
+      <a:fillRef idx="1">
+        <a:scrgbClr r="0" g="0" b="0"/>
+      </a:fillRef>
+      <a:effectRef idx="0">
+        <a:scrgbClr r="0" g="0" b="0"/>
+      </a:effectRef>
+      <a:fontRef idx="minor"/>
+    </dgm:style>
+  </dgm:styleLbl>
+  <dgm:styleLbl name="fgAcc0">
+    <dgm:scene3d>
+      <a:camera prst="orthographicFront">
+        <a:rot lat="0" lon="0" rev="0"/>
+      </a:camera>
+      <a:lightRig rig="contrasting" dir="t">
+        <a:rot lat="0" lon="0" rev="1200000"/>
+      </a:lightRig>
+    </dgm:scene3d>
+    <dgm:sp3d z="300000" contourW="19050" prstMaterial="metal">
+      <a:bevelT w="88900" h="203200"/>
+      <a:bevelB w="165100" h="254000"/>
+    </dgm:sp3d>
+    <dgm:txPr/>
+    <dgm:style>
+      <a:lnRef idx="0">
+        <a:scrgbClr r="0" g="0" b="0"/>
+      </a:lnRef>
+      <a:fillRef idx="1">
+        <a:scrgbClr r="0" g="0" b="0"/>
+      </a:fillRef>
+      <a:effectRef idx="0">
+        <a:scrgbClr r="0" g="0" b="0"/>
+      </a:effectRef>
+      <a:fontRef idx="minor"/>
+    </dgm:style>
+  </dgm:styleLbl>
+  <dgm:styleLbl name="fgAcc2">
+    <dgm:scene3d>
+      <a:camera prst="orthographicFront">
+        <a:rot lat="0" lon="0" rev="0"/>
+      </a:camera>
+      <a:lightRig rig="contrasting" dir="t">
+        <a:rot lat="0" lon="0" rev="1200000"/>
+      </a:lightRig>
+    </dgm:scene3d>
+    <dgm:sp3d z="300000" contourW="19050" prstMaterial="metal">
+      <a:bevelT w="88900" h="203200"/>
+      <a:bevelB w="165100" h="254000"/>
+    </dgm:sp3d>
+    <dgm:txPr/>
+    <dgm:style>
+      <a:lnRef idx="0">
+        <a:scrgbClr r="0" g="0" b="0"/>
+      </a:lnRef>
+      <a:fillRef idx="1">
+        <a:scrgbClr r="0" g="0" b="0"/>
+      </a:fillRef>
+      <a:effectRef idx="0">
+        <a:scrgbClr r="0" g="0" b="0"/>
+      </a:effectRef>
+      <a:fontRef idx="minor"/>
+    </dgm:style>
+  </dgm:styleLbl>
+  <dgm:styleLbl name="fgAcc3">
+    <dgm:scene3d>
+      <a:camera prst="orthographicFront">
+        <a:rot lat="0" lon="0" rev="0"/>
+      </a:camera>
+      <a:lightRig rig="contrasting" dir="t">
+        <a:rot lat="0" lon="0" rev="1200000"/>
+      </a:lightRig>
+    </dgm:scene3d>
+    <dgm:sp3d z="300000" contourW="19050" prstMaterial="metal">
+      <a:bevelT w="88900" h="203200"/>
+      <a:bevelB w="165100" h="254000"/>
+    </dgm:sp3d>
+    <dgm:txPr/>
+    <dgm:style>
+      <a:lnRef idx="0">
+        <a:scrgbClr r="0" g="0" b="0"/>
+      </a:lnRef>
+      <a:fillRef idx="1">
+        <a:scrgbClr r="0" g="0" b="0"/>
+      </a:fillRef>
+      <a:effectRef idx="0">
+        <a:scrgbClr r="0" g="0" b="0"/>
+      </a:effectRef>
+      <a:fontRef idx="minor"/>
+    </dgm:style>
+  </dgm:styleLbl>
+  <dgm:styleLbl name="fgAcc4">
+    <dgm:scene3d>
+      <a:camera prst="orthographicFront">
+        <a:rot lat="0" lon="0" rev="0"/>
+      </a:camera>
+      <a:lightRig rig="contrasting" dir="t">
+        <a:rot lat="0" lon="0" rev="1200000"/>
+      </a:lightRig>
+    </dgm:scene3d>
+    <dgm:sp3d z="300000" contourW="19050" prstMaterial="metal">
+      <a:bevelT w="88900" h="203200"/>
+      <a:bevelB w="165100" h="254000"/>
+    </dgm:sp3d>
+    <dgm:txPr/>
+    <dgm:style>
+      <a:lnRef idx="0">
+        <a:scrgbClr r="0" g="0" b="0"/>
+      </a:lnRef>
+      <a:fillRef idx="1">
+        <a:scrgbClr r="0" g="0" b="0"/>
+      </a:fillRef>
+      <a:effectRef idx="0">
+        <a:scrgbClr r="0" g="0" b="0"/>
+      </a:effectRef>
+      <a:fontRef idx="minor"/>
+    </dgm:style>
+  </dgm:styleLbl>
+  <dgm:styleLbl name="bgShp">
+    <dgm:scene3d>
+      <a:camera prst="orthographicFront">
+        <a:rot lat="0" lon="0" rev="0"/>
+      </a:camera>
+      <a:lightRig rig="contrasting" dir="t">
+        <a:rot lat="0" lon="0" rev="1200000"/>
+      </a:lightRig>
+    </dgm:scene3d>
+    <dgm:sp3d z="-300000" prstMaterial="plastic"/>
+    <dgm:txPr/>
+    <dgm:style>
+      <a:lnRef idx="1">
+        <a:scrgbClr r="0" g="0" b="0"/>
+      </a:lnRef>
+      <a:fillRef idx="1">
+        <a:scrgbClr r="0" g="0" b="0"/>
+      </a:fillRef>
+      <a:effectRef idx="0">
+        <a:scrgbClr r="0" g="0" b="0"/>
+      </a:effectRef>
+      <a:fontRef idx="minor"/>
+    </dgm:style>
+  </dgm:styleLbl>
+  <dgm:styleLbl name="dkBgShp">
+    <dgm:scene3d>
+      <a:camera prst="orthographicFront">
+        <a:rot lat="0" lon="0" rev="0"/>
+      </a:camera>
+      <a:lightRig rig="contrasting" dir="t">
+        <a:rot lat="0" lon="0" rev="1200000"/>
+      </a:lightRig>
+    </dgm:scene3d>
+    <dgm:sp3d contourW="12700" prstMaterial="flat">
+      <a:bevelT w="100800" h="154000"/>
+      <a:bevelB w="152400"/>
+    </dgm:sp3d>
+    <dgm:txPr/>
+    <dgm:style>
+      <a:lnRef idx="0">
+        <a:scrgbClr r="0" g="0" b="0"/>
+      </a:lnRef>
+      <a:fillRef idx="1">
+        <a:scrgbClr r="0" g="0" b="0"/>
+      </a:fillRef>
+      <a:effectRef idx="0">
+        <a:scrgbClr r="0" g="0" b="0"/>
+      </a:effectRef>
+      <a:fontRef idx="minor"/>
+    </dgm:style>
+  </dgm:styleLbl>
+  <dgm:styleLbl name="trBgShp">
+    <dgm:scene3d>
+      <a:camera prst="orthographicFront">
+        <a:rot lat="0" lon="0" rev="0"/>
+      </a:camera>
+      <a:lightRig rig="contrasting" dir="t">
+        <a:rot lat="0" lon="0" rev="1200000"/>
+      </a:lightRig>
+    </dgm:scene3d>
+    <dgm:sp3d z="-152400" prstMaterial="matte"/>
+    <dgm:txPr/>
+    <dgm:style>
+      <a:lnRef idx="1">
+        <a:scrgbClr r="0" g="0" b="0"/>
+      </a:lnRef>
+      <a:fillRef idx="1">
+        <a:scrgbClr r="0" g="0" b="0"/>
+      </a:fillRef>
+      <a:effectRef idx="0">
+        <a:scrgbClr r="0" g="0" b="0"/>
+      </a:effectRef>
+      <a:fontRef idx="minor"/>
+    </dgm:style>
+  </dgm:styleLbl>
+  <dgm:styleLbl name="fgShp">
+    <dgm:scene3d>
+      <a:camera prst="orthographicFront">
+        <a:rot lat="0" lon="0" rev="0"/>
+      </a:camera>
+      <a:lightRig rig="contrasting" dir="t">
+        <a:rot lat="0" lon="0" rev="1200000"/>
+      </a:lightRig>
+    </dgm:scene3d>
+    <dgm:sp3d z="300000" contourW="19050" prstMaterial="metal">
+      <a:bevelT w="88900" h="203200"/>
+      <a:bevelB w="165100" h="254000"/>
+    </dgm:sp3d>
+    <dgm:txPr/>
+    <dgm:style>
+      <a:lnRef idx="0">
+        <a:scrgbClr r="0" g="0" b="0"/>
+      </a:lnRef>
+      <a:fillRef idx="1">
+        <a:scrgbClr r="0" g="0" b="0"/>
+      </a:fillRef>
+      <a:effectRef idx="0">
+        <a:scrgbClr r="0" g="0" b="0"/>
+      </a:effectRef>
+      <a:fontRef idx="minor"/>
+    </dgm:style>
+  </dgm:styleLbl>
+  <dgm:styleLbl name="revTx">
+    <dgm:scene3d>
+      <a:camera prst="orthographicFront"/>
+      <a:lightRig rig="threePt" dir="t"/>
+    </dgm:scene3d>
+    <dgm:sp3d/>
+    <dgm:txPr/>
+    <dgm:style>
+      <a:lnRef idx="1">
+        <a:scrgbClr r="0" g="0" b="0"/>
+      </a:lnRef>
+      <a:fillRef idx="0">
+        <a:scrgbClr r="0" g="0" b="0"/>
+      </a:fillRef>
+      <a:effectRef idx="0">
+        <a:scrgbClr r="0" g="0" b="0"/>
+      </a:effectRef>
+      <a:fontRef idx="minor"/>
+    </dgm:style>
+  </dgm:styleLbl>
+</dgm:styleDef>
+</file>
+
+<file path=ppt/diagrams/quickStyle5.xml><?xml version="1.0" encoding="utf-8"?>
 <dgm:styleDef xmlns:dgm="http://schemas.openxmlformats.org/drawingml/2006/diagram" xmlns:a="http://schemas.openxmlformats.org/drawingml/2006/main" uniqueId="urn:microsoft.com/office/officeart/2005/8/quickstyle/3d1">
   <dgm:title val=""/>
   <dgm:desc val=""/>
@@ -14270,7 +18031,7 @@
 </dgm:styleDef>
 </file>
 
-<file path=ppt/diagrams/quickStyle5.xml><?xml version="1.0" encoding="utf-8"?>
+<file path=ppt/diagrams/quickStyle6.xml><?xml version="1.0" encoding="utf-8"?>
 <dgm:styleDef xmlns:dgm="http://schemas.openxmlformats.org/drawingml/2006/diagram" xmlns:a="http://schemas.openxmlformats.org/drawingml/2006/main" uniqueId="urn:microsoft.com/office/officeart/2005/8/quickstyle/simple1">
   <dgm:title val=""/>
   <dgm:desc val=""/>
@@ -21167,6 +24928,101 @@
           <a:p>
             <a:r>
               <a:rPr lang="en-US" dirty="0" smtClean="0"/>
+              <a:t>Story Board</a:t>
+            </a:r>
+            <a:endParaRPr lang="en-US" dirty="0"/>
+          </a:p>
+        </p:txBody>
+      </p:sp>
+      <p:sp>
+        <p:nvSpPr>
+          <p:cNvPr id="3" name="Content Placeholder 2"/>
+          <p:cNvSpPr>
+            <a:spLocks noGrp="1"/>
+          </p:cNvSpPr>
+          <p:nvPr>
+            <p:ph idx="1"/>
+          </p:nvPr>
+        </p:nvSpPr>
+        <p:spPr/>
+        <p:txBody>
+          <a:bodyPr/>
+          <a:lstStyle/>
+          <a:p>
+            <a:r>
+              <a:rPr lang="en-US" dirty="0" smtClean="0"/>
+              <a:t>1 guest.</a:t>
+            </a:r>
+          </a:p>
+          <a:p>
+            <a:r>
+              <a:rPr lang="en-US" dirty="0" smtClean="0"/>
+              <a:t>1 member.</a:t>
+            </a:r>
+          </a:p>
+          <a:p>
+            <a:r>
+              <a:rPr lang="en-US" dirty="0" smtClean="0"/>
+              <a:t>1 staff.</a:t>
+            </a:r>
+            <a:endParaRPr lang="en-US" dirty="0"/>
+          </a:p>
+        </p:txBody>
+      </p:sp>
+    </p:spTree>
+    <p:extLst>
+      <p:ext uri="{BB962C8B-B14F-4D97-AF65-F5344CB8AC3E}">
+        <p14:creationId xmlns:p14="http://schemas.microsoft.com/office/powerpoint/2010/main" val="476762444"/>
+      </p:ext>
+    </p:extLst>
+  </p:cSld>
+  <p:clrMapOvr>
+    <a:masterClrMapping/>
+  </p:clrMapOvr>
+  <p:timing>
+    <p:tnLst>
+      <p:par>
+        <p:cTn id="1" dur="indefinite" restart="never" nodeType="tmRoot"/>
+      </p:par>
+    </p:tnLst>
+  </p:timing>
+</p:sld>
+</file>
+
+<file path=ppt/slides/slide11.xml><?xml version="1.0" encoding="utf-8"?>
+<p:sld xmlns:a="http://schemas.openxmlformats.org/drawingml/2006/main" xmlns:r="http://schemas.openxmlformats.org/officeDocument/2006/relationships" xmlns:p="http://schemas.openxmlformats.org/presentationml/2006/main">
+  <p:cSld>
+    <p:spTree>
+      <p:nvGrpSpPr>
+        <p:cNvPr id="1" name=""/>
+        <p:cNvGrpSpPr/>
+        <p:nvPr/>
+      </p:nvGrpSpPr>
+      <p:grpSpPr>
+        <a:xfrm>
+          <a:off x="0" y="0"/>
+          <a:ext cx="0" cy="0"/>
+          <a:chOff x="0" y="0"/>
+          <a:chExt cx="0" cy="0"/>
+        </a:xfrm>
+      </p:grpSpPr>
+      <p:sp>
+        <p:nvSpPr>
+          <p:cNvPr id="2" name="Title 1"/>
+          <p:cNvSpPr>
+            <a:spLocks noGrp="1"/>
+          </p:cNvSpPr>
+          <p:nvPr>
+            <p:ph type="title"/>
+          </p:nvPr>
+        </p:nvSpPr>
+        <p:spPr/>
+        <p:txBody>
+          <a:bodyPr/>
+          <a:lstStyle/>
+          <a:p>
+            <a:r>
+              <a:rPr lang="en-US" dirty="0" smtClean="0"/>
               <a:t>Demo Scenario - Guest</a:t>
             </a:r>
             <a:endParaRPr lang="en-US" dirty="0"/>
@@ -21853,7 +25709,7 @@
 </p:sld>
 </file>
 
-<file path=ppt/slides/slide11.xml><?xml version="1.0" encoding="utf-8"?>
+<file path=ppt/slides/slide12.xml><?xml version="1.0" encoding="utf-8"?>
 <p:sld xmlns:a="http://schemas.openxmlformats.org/drawingml/2006/main" xmlns:r="http://schemas.openxmlformats.org/officeDocument/2006/relationships" xmlns:p="http://schemas.openxmlformats.org/presentationml/2006/main">
   <p:cSld>
     <p:spTree>
@@ -22362,7 +26218,7 @@
 </p:sld>
 </file>
 
-<file path=ppt/slides/slide12.xml><?xml version="1.0" encoding="utf-8"?>
+<file path=ppt/slides/slide13.xml><?xml version="1.0" encoding="utf-8"?>
 <p:sld xmlns:a="http://schemas.openxmlformats.org/drawingml/2006/main" xmlns:r="http://schemas.openxmlformats.org/officeDocument/2006/relationships" xmlns:p="http://schemas.openxmlformats.org/presentationml/2006/main">
   <p:cSld>
     <p:spTree>
@@ -25130,7 +28986,7 @@
 </p:sld>
 </file>
 
-<file path=ppt/slides/slide13.xml><?xml version="1.0" encoding="utf-8"?>
+<file path=ppt/slides/slide14.xml><?xml version="1.0" encoding="utf-8"?>
 <p:sld xmlns:a="http://schemas.openxmlformats.org/drawingml/2006/main" xmlns:r="http://schemas.openxmlformats.org/officeDocument/2006/relationships" xmlns:p="http://schemas.openxmlformats.org/presentationml/2006/main">
   <p:cSld>
     <p:spTree>
@@ -25788,7 +29644,7 @@
 </p:sld>
 </file>
 
-<file path=ppt/slides/slide14.xml><?xml version="1.0" encoding="utf-8"?>
+<file path=ppt/slides/slide15.xml><?xml version="1.0" encoding="utf-8"?>
 <p:sld xmlns:a="http://schemas.openxmlformats.org/drawingml/2006/main" xmlns:r="http://schemas.openxmlformats.org/officeDocument/2006/relationships" xmlns:p="http://schemas.openxmlformats.org/presentationml/2006/main">
   <p:cSld>
     <p:spTree>
@@ -26503,7 +30359,7 @@
 </p:sld>
 </file>
 
-<file path=ppt/slides/slide15.xml><?xml version="1.0" encoding="utf-8"?>
+<file path=ppt/slides/slide16.xml><?xml version="1.0" encoding="utf-8"?>
 <p:sld xmlns:a="http://schemas.openxmlformats.org/drawingml/2006/main" xmlns:r="http://schemas.openxmlformats.org/officeDocument/2006/relationships" xmlns:p="http://schemas.openxmlformats.org/presentationml/2006/main">
   <p:cSld>
     <p:spTree>
@@ -26589,11 +30445,7 @@
             </a:r>
             <a:r>
               <a:rPr lang="en-US" dirty="0" smtClean="0"/>
-              <a:t>): </a:t>
-            </a:r>
-            <a:r>
-              <a:rPr lang="en-US" dirty="0" smtClean="0"/>
-              <a:t>make two or more names refer to one product.</a:t>
+              <a:t>): make two or more names refer to one product.</a:t>
             </a:r>
             <a:endParaRPr lang="en-US" dirty="0"/>
           </a:p>
@@ -26680,7 +30532,7 @@
 </p:sld>
 </file>
 
-<file path=ppt/slides/slide16.xml><?xml version="1.0" encoding="utf-8"?>
+<file path=ppt/slides/slide17.xml><?xml version="1.0" encoding="utf-8"?>
 <p:sld xmlns:a="http://schemas.openxmlformats.org/drawingml/2006/main" xmlns:r="http://schemas.openxmlformats.org/officeDocument/2006/relationships" xmlns:p="http://schemas.openxmlformats.org/presentationml/2006/main">
   <p:cSld>
     <p:spTree>
@@ -30307,7 +34159,7 @@
 </p:sld>
 </file>
 
-<file path=ppt/slides/slide17.xml><?xml version="1.0" encoding="utf-8"?>
+<file path=ppt/slides/slide18.xml><?xml version="1.0" encoding="utf-8"?>
 <p:sld xmlns:a="http://schemas.openxmlformats.org/drawingml/2006/main" xmlns:r="http://schemas.openxmlformats.org/officeDocument/2006/relationships" xmlns:p="http://schemas.openxmlformats.org/presentationml/2006/main">
   <p:cSld>
     <p:spTree>
@@ -30415,7 +34267,7 @@
 </p:sld>
 </file>
 
-<file path=ppt/slides/slide18.xml><?xml version="1.0" encoding="utf-8"?>
+<file path=ppt/slides/slide19.xml><?xml version="1.0" encoding="utf-8"?>
 <p:sld xmlns:a="http://schemas.openxmlformats.org/drawingml/2006/main" xmlns:r="http://schemas.openxmlformats.org/officeDocument/2006/relationships" xmlns:p="http://schemas.openxmlformats.org/presentationml/2006/main">
   <p:cSld>
     <p:spTree>
@@ -30506,109 +34358,6 @@
       </p:transition>
     </mc:Fallback>
   </mc:AlternateContent>
-  <p:timing>
-    <p:tnLst>
-      <p:par>
-        <p:cTn id="1" dur="indefinite" restart="never" nodeType="tmRoot"/>
-      </p:par>
-    </p:tnLst>
-  </p:timing>
-</p:sld>
-</file>
-
-<file path=ppt/slides/slide19.xml><?xml version="1.0" encoding="utf-8"?>
-<p:sld xmlns:a="http://schemas.openxmlformats.org/drawingml/2006/main" xmlns:r="http://schemas.openxmlformats.org/officeDocument/2006/relationships" xmlns:p="http://schemas.openxmlformats.org/presentationml/2006/main">
-  <p:cSld>
-    <p:spTree>
-      <p:nvGrpSpPr>
-        <p:cNvPr id="1" name=""/>
-        <p:cNvGrpSpPr/>
-        <p:nvPr/>
-      </p:nvGrpSpPr>
-      <p:grpSpPr>
-        <a:xfrm>
-          <a:off x="0" y="0"/>
-          <a:ext cx="0" cy="0"/>
-          <a:chOff x="0" y="0"/>
-          <a:chExt cx="0" cy="0"/>
-        </a:xfrm>
-      </p:grpSpPr>
-      <p:sp>
-        <p:nvSpPr>
-          <p:cNvPr id="2" name="Title 1"/>
-          <p:cNvSpPr>
-            <a:spLocks noGrp="1"/>
-          </p:cNvSpPr>
-          <p:nvPr>
-            <p:ph type="title"/>
-          </p:nvPr>
-        </p:nvSpPr>
-        <p:spPr/>
-        <p:txBody>
-          <a:bodyPr/>
-          <a:lstStyle/>
-          <a:p>
-            <a:r>
-              <a:rPr lang="en-US" dirty="0" smtClean="0"/>
-              <a:t>Excel Flow</a:t>
-            </a:r>
-            <a:endParaRPr lang="en-US" dirty="0"/>
-          </a:p>
-        </p:txBody>
-      </p:sp>
-      <p:sp>
-        <p:nvSpPr>
-          <p:cNvPr id="3" name="Content Placeholder 2"/>
-          <p:cNvSpPr>
-            <a:spLocks noGrp="1"/>
-          </p:cNvSpPr>
-          <p:nvPr>
-            <p:ph idx="1"/>
-          </p:nvPr>
-        </p:nvSpPr>
-        <p:spPr/>
-        <p:txBody>
-          <a:bodyPr/>
-          <a:lstStyle/>
-          <a:p>
-            <a:r>
-              <a:rPr lang="en-US" dirty="0"/>
-              <a:t>Step 1: Import Excel.</a:t>
-            </a:r>
-          </a:p>
-          <a:p>
-            <a:r>
-              <a:rPr lang="en-US" dirty="0"/>
-              <a:t>Step 2: Process error products &amp; duplicate products.</a:t>
-            </a:r>
-          </a:p>
-          <a:p>
-            <a:r>
-              <a:rPr lang="en-US" dirty="0"/>
-              <a:t>Step 3: Save correct products to database.</a:t>
-            </a:r>
-          </a:p>
-          <a:p>
-            <a:r>
-              <a:rPr lang="en-US" dirty="0"/>
-              <a:t>Step 4: Process duplicate products with database.</a:t>
-            </a:r>
-          </a:p>
-        </p:txBody>
-      </p:sp>
-    </p:spTree>
-    <p:extLst>
-      <p:ext uri="{BB962C8B-B14F-4D97-AF65-F5344CB8AC3E}">
-        <p14:creationId xmlns:p14="http://schemas.microsoft.com/office/powerpoint/2010/main" val="2909632907"/>
-      </p:ext>
-    </p:extLst>
-  </p:cSld>
-  <p:clrMapOvr>
-    <a:masterClrMapping/>
-  </p:clrMapOvr>
-  <p:transition spd="slow">
-    <p:push dir="u"/>
-  </p:transition>
   <p:timing>
     <p:tnLst>
       <p:par>
@@ -30717,6 +34466,109 @@
 </file>
 
 <file path=ppt/slides/slide20.xml><?xml version="1.0" encoding="utf-8"?>
+<p:sld xmlns:a="http://schemas.openxmlformats.org/drawingml/2006/main" xmlns:r="http://schemas.openxmlformats.org/officeDocument/2006/relationships" xmlns:p="http://schemas.openxmlformats.org/presentationml/2006/main">
+  <p:cSld>
+    <p:spTree>
+      <p:nvGrpSpPr>
+        <p:cNvPr id="1" name=""/>
+        <p:cNvGrpSpPr/>
+        <p:nvPr/>
+      </p:nvGrpSpPr>
+      <p:grpSpPr>
+        <a:xfrm>
+          <a:off x="0" y="0"/>
+          <a:ext cx="0" cy="0"/>
+          <a:chOff x="0" y="0"/>
+          <a:chExt cx="0" cy="0"/>
+        </a:xfrm>
+      </p:grpSpPr>
+      <p:sp>
+        <p:nvSpPr>
+          <p:cNvPr id="2" name="Title 1"/>
+          <p:cNvSpPr>
+            <a:spLocks noGrp="1"/>
+          </p:cNvSpPr>
+          <p:nvPr>
+            <p:ph type="title"/>
+          </p:nvPr>
+        </p:nvSpPr>
+        <p:spPr/>
+        <p:txBody>
+          <a:bodyPr/>
+          <a:lstStyle/>
+          <a:p>
+            <a:r>
+              <a:rPr lang="en-US" dirty="0" smtClean="0"/>
+              <a:t>Excel Flow</a:t>
+            </a:r>
+            <a:endParaRPr lang="en-US" dirty="0"/>
+          </a:p>
+        </p:txBody>
+      </p:sp>
+      <p:sp>
+        <p:nvSpPr>
+          <p:cNvPr id="3" name="Content Placeholder 2"/>
+          <p:cNvSpPr>
+            <a:spLocks noGrp="1"/>
+          </p:cNvSpPr>
+          <p:nvPr>
+            <p:ph idx="1"/>
+          </p:nvPr>
+        </p:nvSpPr>
+        <p:spPr/>
+        <p:txBody>
+          <a:bodyPr/>
+          <a:lstStyle/>
+          <a:p>
+            <a:r>
+              <a:rPr lang="en-US" dirty="0"/>
+              <a:t>Step 1: Import Excel.</a:t>
+            </a:r>
+          </a:p>
+          <a:p>
+            <a:r>
+              <a:rPr lang="en-US" dirty="0"/>
+              <a:t>Step 2: Process error products &amp; duplicate products.</a:t>
+            </a:r>
+          </a:p>
+          <a:p>
+            <a:r>
+              <a:rPr lang="en-US" dirty="0"/>
+              <a:t>Step 3: Save correct products to database.</a:t>
+            </a:r>
+          </a:p>
+          <a:p>
+            <a:r>
+              <a:rPr lang="en-US" dirty="0"/>
+              <a:t>Step 4: Process duplicate products with database.</a:t>
+            </a:r>
+          </a:p>
+        </p:txBody>
+      </p:sp>
+    </p:spTree>
+    <p:extLst>
+      <p:ext uri="{BB962C8B-B14F-4D97-AF65-F5344CB8AC3E}">
+        <p14:creationId xmlns:p14="http://schemas.microsoft.com/office/powerpoint/2010/main" val="2909632907"/>
+      </p:ext>
+    </p:extLst>
+  </p:cSld>
+  <p:clrMapOvr>
+    <a:masterClrMapping/>
+  </p:clrMapOvr>
+  <p:transition spd="slow">
+    <p:push dir="u"/>
+  </p:transition>
+  <p:timing>
+    <p:tnLst>
+      <p:par>
+        <p:cTn id="1" dur="indefinite" restart="never" nodeType="tmRoot"/>
+      </p:par>
+    </p:tnLst>
+  </p:timing>
+</p:sld>
+</file>
+
+<file path=ppt/slides/slide21.xml><?xml version="1.0" encoding="utf-8"?>
 <p:sld xmlns:a="http://schemas.openxmlformats.org/drawingml/2006/main" xmlns:r="http://schemas.openxmlformats.org/officeDocument/2006/relationships" xmlns:p="http://schemas.openxmlformats.org/presentationml/2006/main">
   <p:cSld>
     <p:spTree>
@@ -30957,7 +34809,7 @@
 </p:sld>
 </file>
 
-<file path=ppt/slides/slide21.xml><?xml version="1.0" encoding="utf-8"?>
+<file path=ppt/slides/slide22.xml><?xml version="1.0" encoding="utf-8"?>
 <p:sld xmlns:a="http://schemas.openxmlformats.org/drawingml/2006/main" xmlns:r="http://schemas.openxmlformats.org/officeDocument/2006/relationships" xmlns:p="http://schemas.openxmlformats.org/presentationml/2006/main">
   <p:cSld>
     <p:spTree>
@@ -34033,7 +37885,7 @@
 </p:sld>
 </file>
 
-<file path=ppt/slides/slide22.xml><?xml version="1.0" encoding="utf-8"?>
+<file path=ppt/slides/slide23.xml><?xml version="1.0" encoding="utf-8"?>
 <p:sld xmlns:a="http://schemas.openxmlformats.org/drawingml/2006/main" xmlns:r="http://schemas.openxmlformats.org/officeDocument/2006/relationships" xmlns:p="http://schemas.openxmlformats.org/presentationml/2006/main">
   <p:cSld>
     <p:spTree>
@@ -34376,7 +38228,7 @@
 </p:sld>
 </file>
 
-<file path=ppt/slides/slide23.xml><?xml version="1.0" encoding="utf-8"?>
+<file path=ppt/slides/slide24.xml><?xml version="1.0" encoding="utf-8"?>
 <p:sld xmlns:a="http://schemas.openxmlformats.org/drawingml/2006/main" xmlns:r="http://schemas.openxmlformats.org/officeDocument/2006/relationships" xmlns:p="http://schemas.openxmlformats.org/presentationml/2006/main">
   <p:cSld>
     <p:spTree>
@@ -34702,7 +38554,7 @@
 </p:sld>
 </file>
 
-<file path=ppt/slides/slide24.xml><?xml version="1.0" encoding="utf-8"?>
+<file path=ppt/slides/slide25.xml><?xml version="1.0" encoding="utf-8"?>
 <p:sld xmlns:a="http://schemas.openxmlformats.org/drawingml/2006/main" xmlns:r="http://schemas.openxmlformats.org/officeDocument/2006/relationships" xmlns:p="http://schemas.openxmlformats.org/presentationml/2006/main">
   <p:cSld>
     <p:spTree>
@@ -35977,6 +39829,103 @@
           <a:p>
             <a:r>
               <a:rPr lang="en-US" dirty="0" smtClean="0"/>
+              <a:t>Features</a:t>
+            </a:r>
+            <a:endParaRPr lang="en-GB" dirty="0"/>
+          </a:p>
+        </p:txBody>
+      </p:sp>
+      <p:graphicFrame>
+        <p:nvGraphicFramePr>
+          <p:cNvPr id="4" name="Content Placeholder 3"/>
+          <p:cNvGraphicFramePr>
+            <a:graphicFrameLocks noGrp="1"/>
+          </p:cNvGraphicFramePr>
+          <p:nvPr>
+            <p:ph idx="1"/>
+            <p:extLst>
+              <p:ext uri="{D42A27DB-BD31-4B8C-83A1-F6EECF244321}">
+                <p14:modId xmlns:p14="http://schemas.microsoft.com/office/powerpoint/2010/main" val="1674446968"/>
+              </p:ext>
+            </p:extLst>
+          </p:nvPr>
+        </p:nvGraphicFramePr>
+        <p:xfrm>
+          <a:off x="458922" y="1787101"/>
+          <a:ext cx="9689630" cy="4613699"/>
+        </p:xfrm>
+        <a:graphic>
+          <a:graphicData uri="http://schemas.openxmlformats.org/drawingml/2006/diagram">
+            <dgm:relIds xmlns:dgm="http://schemas.openxmlformats.org/drawingml/2006/diagram" xmlns:r="http://schemas.openxmlformats.org/officeDocument/2006/relationships" r:dm="rId2" r:lo="rId3" r:qs="rId4" r:cs="rId5"/>
+          </a:graphicData>
+        </a:graphic>
+      </p:graphicFrame>
+    </p:spTree>
+    <p:extLst>
+      <p:ext uri="{BB962C8B-B14F-4D97-AF65-F5344CB8AC3E}">
+        <p14:creationId xmlns:p14="http://schemas.microsoft.com/office/powerpoint/2010/main" val="2669957109"/>
+      </p:ext>
+    </p:extLst>
+  </p:cSld>
+  <p:clrMapOvr>
+    <a:masterClrMapping/>
+  </p:clrMapOvr>
+  <mc:AlternateContent xmlns:mc="http://schemas.openxmlformats.org/markup-compatibility/2006">
+    <mc:Choice xmlns:p14="http://schemas.microsoft.com/office/powerpoint/2010/main" Requires="p14">
+      <p:transition spd="slow" p14:dur="1500">
+        <p:split orient="vert"/>
+      </p:transition>
+    </mc:Choice>
+    <mc:Fallback>
+      <p:transition spd="slow">
+        <p:split orient="vert"/>
+      </p:transition>
+    </mc:Fallback>
+  </mc:AlternateContent>
+  <p:timing>
+    <p:tnLst>
+      <p:par>
+        <p:cTn id="1" dur="indefinite" restart="never" nodeType="tmRoot"/>
+      </p:par>
+    </p:tnLst>
+  </p:timing>
+</p:sld>
+</file>
+
+<file path=ppt/slides/slide9.xml><?xml version="1.0" encoding="utf-8"?>
+<p:sld xmlns:a="http://schemas.openxmlformats.org/drawingml/2006/main" xmlns:r="http://schemas.openxmlformats.org/officeDocument/2006/relationships" xmlns:p="http://schemas.openxmlformats.org/presentationml/2006/main">
+  <p:cSld>
+    <p:spTree>
+      <p:nvGrpSpPr>
+        <p:cNvPr id="1" name=""/>
+        <p:cNvGrpSpPr/>
+        <p:nvPr/>
+      </p:nvGrpSpPr>
+      <p:grpSpPr>
+        <a:xfrm>
+          <a:off x="0" y="0"/>
+          <a:ext cx="0" cy="0"/>
+          <a:chOff x="0" y="0"/>
+          <a:chExt cx="0" cy="0"/>
+        </a:xfrm>
+      </p:grpSpPr>
+      <p:sp>
+        <p:nvSpPr>
+          <p:cNvPr id="2" name="Title 1"/>
+          <p:cNvSpPr>
+            <a:spLocks noGrp="1"/>
+          </p:cNvSpPr>
+          <p:nvPr>
+            <p:ph type="title"/>
+          </p:nvPr>
+        </p:nvSpPr>
+        <p:spPr/>
+        <p:txBody>
+          <a:bodyPr/>
+          <a:lstStyle/>
+          <a:p>
+            <a:r>
+              <a:rPr lang="en-US" dirty="0" smtClean="0"/>
               <a:t>Demonstration Story</a:t>
             </a:r>
             <a:endParaRPr lang="en-GB" dirty="0"/>
@@ -36273,101 +40222,6 @@
 </p:sld>
 </file>
 
-<file path=ppt/slides/slide9.xml><?xml version="1.0" encoding="utf-8"?>
-<p:sld xmlns:a="http://schemas.openxmlformats.org/drawingml/2006/main" xmlns:r="http://schemas.openxmlformats.org/officeDocument/2006/relationships" xmlns:p="http://schemas.openxmlformats.org/presentationml/2006/main">
-  <p:cSld>
-    <p:spTree>
-      <p:nvGrpSpPr>
-        <p:cNvPr id="1" name=""/>
-        <p:cNvGrpSpPr/>
-        <p:nvPr/>
-      </p:nvGrpSpPr>
-      <p:grpSpPr>
-        <a:xfrm>
-          <a:off x="0" y="0"/>
-          <a:ext cx="0" cy="0"/>
-          <a:chOff x="0" y="0"/>
-          <a:chExt cx="0" cy="0"/>
-        </a:xfrm>
-      </p:grpSpPr>
-      <p:sp>
-        <p:nvSpPr>
-          <p:cNvPr id="2" name="Title 1"/>
-          <p:cNvSpPr>
-            <a:spLocks noGrp="1"/>
-          </p:cNvSpPr>
-          <p:nvPr>
-            <p:ph type="title"/>
-          </p:nvPr>
-        </p:nvSpPr>
-        <p:spPr/>
-        <p:txBody>
-          <a:bodyPr/>
-          <a:lstStyle/>
-          <a:p>
-            <a:r>
-              <a:rPr lang="en-US" dirty="0" smtClean="0"/>
-              <a:t>Story Board</a:t>
-            </a:r>
-            <a:endParaRPr lang="en-US" dirty="0"/>
-          </a:p>
-        </p:txBody>
-      </p:sp>
-      <p:sp>
-        <p:nvSpPr>
-          <p:cNvPr id="3" name="Content Placeholder 2"/>
-          <p:cNvSpPr>
-            <a:spLocks noGrp="1"/>
-          </p:cNvSpPr>
-          <p:nvPr>
-            <p:ph idx="1"/>
-          </p:nvPr>
-        </p:nvSpPr>
-        <p:spPr/>
-        <p:txBody>
-          <a:bodyPr/>
-          <a:lstStyle/>
-          <a:p>
-            <a:r>
-              <a:rPr lang="en-US" dirty="0" smtClean="0"/>
-              <a:t>1 guest.</a:t>
-            </a:r>
-          </a:p>
-          <a:p>
-            <a:r>
-              <a:rPr lang="en-US" dirty="0" smtClean="0"/>
-              <a:t>1 member.</a:t>
-            </a:r>
-          </a:p>
-          <a:p>
-            <a:r>
-              <a:rPr lang="en-US" dirty="0" smtClean="0"/>
-              <a:t>1 staff.</a:t>
-            </a:r>
-            <a:endParaRPr lang="en-US" dirty="0"/>
-          </a:p>
-        </p:txBody>
-      </p:sp>
-    </p:spTree>
-    <p:extLst>
-      <p:ext uri="{BB962C8B-B14F-4D97-AF65-F5344CB8AC3E}">
-        <p14:creationId xmlns:p14="http://schemas.microsoft.com/office/powerpoint/2010/main" val="476762444"/>
-      </p:ext>
-    </p:extLst>
-  </p:cSld>
-  <p:clrMapOvr>
-    <a:masterClrMapping/>
-  </p:clrMapOvr>
-  <p:timing>
-    <p:tnLst>
-      <p:par>
-        <p:cTn id="1" dur="indefinite" restart="never" nodeType="tmRoot"/>
-      </p:par>
-    </p:tnLst>
-  </p:timing>
-</p:sld>
-</file>
-
 <file path=ppt/theme/theme1.xml><?xml version="1.0" encoding="utf-8"?>
 <a:theme xmlns:a="http://schemas.openxmlformats.org/drawingml/2006/main" name="Facet">
   <a:themeElements>
@@ -36619,7 +40473,7 @@
   <a:extraClrSchemeLst/>
   <a:extLst>
     <a:ext uri="{05A4C25C-085E-4340-85A3-A5531E510DB2}">
-      <thm15:themeFamily xmlns="" xmlns:thm15="http://schemas.microsoft.com/office/thememl/2012/main" name="Facet" id="{C0C680CD-088A-49FC-A102-D699147F32B2}" vid="{CFBC31BA-B70F-4F30-BCAA-4F3011E16C4D}"/>
+      <thm15:themeFamily xmlns:thm15="http://schemas.microsoft.com/office/thememl/2012/main" xmlns="" name="Facet" id="{C0C680CD-088A-49FC-A102-D699147F32B2}" vid="{CFBC31BA-B70F-4F30-BCAA-4F3011E16C4D}"/>
     </a:ext>
   </a:extLst>
 </a:theme>

--- a/ smart-buy/Slides/Smart Buy.pptx
+++ b/ smart-buy/Slides/Smart Buy.pptx
@@ -6558,12 +6558,12 @@
       <dgm:prSet presAssocID="{6D5C9105-0581-4715-9FD1-70D5A8D11C9C}" presName="sibTrans" presStyleLbl="sibTrans2D1" presStyleIdx="0" presStyleCnt="0"/>
       <dgm:spPr/>
     </dgm:pt>
-    <dgm:pt modelId="{742F499D-E874-47BF-B42F-0CE2A0FAE01D}" type="pres">
-      <dgm:prSet presAssocID="{B16AD185-1391-4E39-9BAF-A732DB967608}" presName="compNode" presStyleCnt="0"/>
+    <dgm:pt modelId="{5F1E0AA5-3E18-4D8E-9B0A-B3CCC142EC1C}" type="pres">
+      <dgm:prSet presAssocID="{C8464284-228C-4A68-B873-0718032E1E61}" presName="compNode" presStyleCnt="0"/>
       <dgm:spPr/>
     </dgm:pt>
-    <dgm:pt modelId="{DB4DFF25-2111-49EB-BC56-4ACC6D2E3C4A}" type="pres">
-      <dgm:prSet presAssocID="{B16AD185-1391-4E39-9BAF-A732DB967608}" presName="pictRect" presStyleLbl="node1" presStyleIdx="1" presStyleCnt="7"/>
+    <dgm:pt modelId="{36FAAB07-1BD4-42B4-8036-62B0F623ED4C}" type="pres">
+      <dgm:prSet presAssocID="{C8464284-228C-4A68-B873-0718032E1E61}" presName="pictRect" presStyleLbl="node1" presStyleIdx="1" presStyleCnt="7"/>
       <dgm:spPr>
         <a:blipFill dpi="0" rotWithShape="1">
           <a:blip xmlns:r="http://schemas.openxmlformats.org/officeDocument/2006/relationships" r:embed="rId2">
@@ -6580,24 +6580,31 @@
         </a:blipFill>
       </dgm:spPr>
     </dgm:pt>
-    <dgm:pt modelId="{E88444CE-513E-46DB-98BB-1DE2BC38E1BB}" type="pres">
-      <dgm:prSet presAssocID="{B16AD185-1391-4E39-9BAF-A732DB967608}" presName="textRect" presStyleLbl="revTx" presStyleIdx="1" presStyleCnt="7">
+    <dgm:pt modelId="{AB026361-32AF-4200-8E3C-B6BC87A0F3C1}" type="pres">
+      <dgm:prSet presAssocID="{C8464284-228C-4A68-B873-0718032E1E61}" presName="textRect" presStyleLbl="revTx" presStyleIdx="1" presStyleCnt="7">
         <dgm:presLayoutVars>
           <dgm:bulletEnabled val="1"/>
         </dgm:presLayoutVars>
       </dgm:prSet>
       <dgm:spPr/>
+      <dgm:t>
+        <a:bodyPr/>
+        <a:lstStyle/>
+        <a:p>
+          <a:endParaRPr lang="en-GB"/>
+        </a:p>
+      </dgm:t>
     </dgm:pt>
-    <dgm:pt modelId="{B757D4AA-FA2C-4215-8650-9A3D2455F1DC}" type="pres">
-      <dgm:prSet presAssocID="{B7CBB414-2922-46D6-B611-97803FA2EA87}" presName="sibTrans" presStyleLbl="sibTrans2D1" presStyleIdx="0" presStyleCnt="0"/>
+    <dgm:pt modelId="{94E030C4-E9DF-4330-8488-9C7EEDE89341}" type="pres">
+      <dgm:prSet presAssocID="{74753ABF-0F1C-41F7-A0EA-534D9E890088}" presName="sibTrans" presStyleLbl="sibTrans2D1" presStyleIdx="0" presStyleCnt="0"/>
       <dgm:spPr/>
     </dgm:pt>
-    <dgm:pt modelId="{5F1E0AA5-3E18-4D8E-9B0A-B3CCC142EC1C}" type="pres">
-      <dgm:prSet presAssocID="{C8464284-228C-4A68-B873-0718032E1E61}" presName="compNode" presStyleCnt="0"/>
+    <dgm:pt modelId="{742F499D-E874-47BF-B42F-0CE2A0FAE01D}" type="pres">
+      <dgm:prSet presAssocID="{B16AD185-1391-4E39-9BAF-A732DB967608}" presName="compNode" presStyleCnt="0"/>
       <dgm:spPr/>
     </dgm:pt>
-    <dgm:pt modelId="{36FAAB07-1BD4-42B4-8036-62B0F623ED4C}" type="pres">
-      <dgm:prSet presAssocID="{C8464284-228C-4A68-B873-0718032E1E61}" presName="pictRect" presStyleLbl="node1" presStyleIdx="2" presStyleCnt="7"/>
+    <dgm:pt modelId="{DB4DFF25-2111-49EB-BC56-4ACC6D2E3C4A}" type="pres">
+      <dgm:prSet presAssocID="{B16AD185-1391-4E39-9BAF-A732DB967608}" presName="pictRect" presStyleLbl="node1" presStyleIdx="2" presStyleCnt="7"/>
       <dgm:spPr>
         <a:blipFill dpi="0" rotWithShape="1">
           <a:blip xmlns:r="http://schemas.openxmlformats.org/officeDocument/2006/relationships" r:embed="rId3">
@@ -6614,16 +6621,16 @@
         </a:blipFill>
       </dgm:spPr>
     </dgm:pt>
-    <dgm:pt modelId="{AB026361-32AF-4200-8E3C-B6BC87A0F3C1}" type="pres">
-      <dgm:prSet presAssocID="{C8464284-228C-4A68-B873-0718032E1E61}" presName="textRect" presStyleLbl="revTx" presStyleIdx="2" presStyleCnt="7">
+    <dgm:pt modelId="{E88444CE-513E-46DB-98BB-1DE2BC38E1BB}" type="pres">
+      <dgm:prSet presAssocID="{B16AD185-1391-4E39-9BAF-A732DB967608}" presName="textRect" presStyleLbl="revTx" presStyleIdx="2" presStyleCnt="7">
         <dgm:presLayoutVars>
           <dgm:bulletEnabled val="1"/>
         </dgm:presLayoutVars>
       </dgm:prSet>
       <dgm:spPr/>
     </dgm:pt>
-    <dgm:pt modelId="{94E030C4-E9DF-4330-8488-9C7EEDE89341}" type="pres">
-      <dgm:prSet presAssocID="{74753ABF-0F1C-41F7-A0EA-534D9E890088}" presName="sibTrans" presStyleLbl="sibTrans2D1" presStyleIdx="0" presStyleCnt="0"/>
+    <dgm:pt modelId="{B757D4AA-FA2C-4215-8650-9A3D2455F1DC}" type="pres">
+      <dgm:prSet presAssocID="{B7CBB414-2922-46D6-B611-97803FA2EA87}" presName="sibTrans" presStyleLbl="sibTrans2D1" presStyleIdx="0" presStyleCnt="0"/>
       <dgm:spPr/>
     </dgm:pt>
     <dgm:pt modelId="{A20DB61A-BD55-4719-AB15-EA00437C7B9E}" type="pres">
@@ -6760,54 +6767,54 @@
     </dgm:pt>
   </dgm:ptLst>
   <dgm:cxnLst>
-    <dgm:cxn modelId="{0BDC4A93-B191-46EC-A0EC-F47F5A48FA21}" type="presOf" srcId="{64806512-A352-4211-9C17-EDDF656FF7A5}" destId="{204C423E-AF9B-4804-A15C-59E7B5F55A52}" srcOrd="0" destOrd="0" presId="urn:microsoft.com/office/officeart/2005/8/layout/pList1"/>
-    <dgm:cxn modelId="{2A656936-E8A9-44DC-ABE5-BB65A056BE9A}" type="presOf" srcId="{74753ABF-0F1C-41F7-A0EA-534D9E890088}" destId="{94E030C4-E9DF-4330-8488-9C7EEDE89341}" srcOrd="0" destOrd="0" presId="urn:microsoft.com/office/officeart/2005/8/layout/pList1"/>
+    <dgm:cxn modelId="{D7D482A6-0AD6-47AD-AD49-9609CD25448F}" type="presOf" srcId="{066302B2-E89D-448F-B700-E2FFB34D15C9}" destId="{AAE60E92-E0BF-4B91-B81B-08D59E85473C}" srcOrd="0" destOrd="0" presId="urn:microsoft.com/office/officeart/2005/8/layout/pList1"/>
     <dgm:cxn modelId="{4A0DA291-346E-4BBA-9E92-D7DACA693400}" srcId="{494D11BF-2D98-4173-BACD-F1000D645904}" destId="{EB8E2426-CD8C-4827-8D73-43780F26B096}" srcOrd="3" destOrd="0" parTransId="{3BA39F35-25FE-4772-8E4B-7C8C6FC50D1B}" sibTransId="{066302B2-E89D-448F-B700-E2FFB34D15C9}"/>
-    <dgm:cxn modelId="{E97ED836-356E-45D7-A546-6EB56C3ED980}" type="presOf" srcId="{12F4197F-58D0-4E5A-BE66-7777118A1034}" destId="{41EB32D3-93EB-4FAE-B4A4-4D1F97FDDD3C}" srcOrd="0" destOrd="0" presId="urn:microsoft.com/office/officeart/2005/8/layout/pList1"/>
-    <dgm:cxn modelId="{CD780E8F-5993-4258-9D5D-5956908994A9}" type="presOf" srcId="{6D5C9105-0581-4715-9FD1-70D5A8D11C9C}" destId="{FC755826-ECAD-4F40-B435-FEBA5291562C}" srcOrd="0" destOrd="0" presId="urn:microsoft.com/office/officeart/2005/8/layout/pList1"/>
-    <dgm:cxn modelId="{BA226C45-C6BE-41DA-9C44-82DBA9116E65}" type="presOf" srcId="{04AD746E-8E68-4392-9A62-A2FC85A9D0C5}" destId="{50032E18-2E0A-4D65-A348-2C9C3E9B8328}" srcOrd="0" destOrd="0" presId="urn:microsoft.com/office/officeart/2005/8/layout/pList1"/>
-    <dgm:cxn modelId="{81805140-D1F7-4DF9-BE95-8DA0FF2C032A}" type="presOf" srcId="{C8464284-228C-4A68-B873-0718032E1E61}" destId="{AB026361-32AF-4200-8E3C-B6BC87A0F3C1}" srcOrd="0" destOrd="0" presId="urn:microsoft.com/office/officeart/2005/8/layout/pList1"/>
+    <dgm:cxn modelId="{FFCDF3A6-D6FA-4C1B-B20B-973D1EAACA29}" type="presOf" srcId="{A0A1B041-A31A-4702-95A8-C00F0C40F985}" destId="{BE11028A-865E-4681-AC0B-7E4B8FB4A1B8}" srcOrd="0" destOrd="0" presId="urn:microsoft.com/office/officeart/2005/8/layout/pList1"/>
+    <dgm:cxn modelId="{0871311F-EA6F-4272-AF36-84AF6F2BC480}" type="presOf" srcId="{64806512-A352-4211-9C17-EDDF656FF7A5}" destId="{204C423E-AF9B-4804-A15C-59E7B5F55A52}" srcOrd="0" destOrd="0" presId="urn:microsoft.com/office/officeart/2005/8/layout/pList1"/>
+    <dgm:cxn modelId="{6FE81CF4-4AB9-4714-BBF4-D95442B08E8D}" type="presOf" srcId="{12F4197F-58D0-4E5A-BE66-7777118A1034}" destId="{41EB32D3-93EB-4FAE-B4A4-4D1F97FDDD3C}" srcOrd="0" destOrd="0" presId="urn:microsoft.com/office/officeart/2005/8/layout/pList1"/>
+    <dgm:cxn modelId="{431BAA9A-9184-4390-A08F-AFD73478B539}" type="presOf" srcId="{C8464284-228C-4A68-B873-0718032E1E61}" destId="{AB026361-32AF-4200-8E3C-B6BC87A0F3C1}" srcOrd="0" destOrd="0" presId="urn:microsoft.com/office/officeart/2005/8/layout/pList1"/>
+    <dgm:cxn modelId="{88E2C42E-64CB-40EF-90EE-21A483904836}" type="presOf" srcId="{04AD746E-8E68-4392-9A62-A2FC85A9D0C5}" destId="{50032E18-2E0A-4D65-A348-2C9C3E9B8328}" srcOrd="0" destOrd="0" presId="urn:microsoft.com/office/officeart/2005/8/layout/pList1"/>
     <dgm:cxn modelId="{7EFFC151-2658-4DB7-8FF9-F47B5E736884}" type="presOf" srcId="{494D11BF-2D98-4173-BACD-F1000D645904}" destId="{E9CC8302-00BD-4FDD-BBB3-EFB1ABC4C93C}" srcOrd="0" destOrd="0" presId="urn:microsoft.com/office/officeart/2005/8/layout/pList1"/>
-    <dgm:cxn modelId="{A32F6CC9-30B9-4B75-8BDA-FB6074D7F164}" type="presOf" srcId="{0332B7DE-AD17-4C1F-8900-FB918E76237C}" destId="{8ABD6398-AAB5-46D3-9A57-5E4F4E5ECD95}" srcOrd="0" destOrd="0" presId="urn:microsoft.com/office/officeart/2005/8/layout/pList1"/>
-    <dgm:cxn modelId="{F2E58148-8F68-4995-B72E-F508C2F6AFEE}" srcId="{494D11BF-2D98-4173-BACD-F1000D645904}" destId="{C8464284-228C-4A68-B873-0718032E1E61}" srcOrd="2" destOrd="0" parTransId="{AEAC7AAB-36D0-4D36-A21B-0E3C889E47D9}" sibTransId="{74753ABF-0F1C-41F7-A0EA-534D9E890088}"/>
-    <dgm:cxn modelId="{75050424-AE12-42D4-8C18-7285D86182DE}" type="presOf" srcId="{066302B2-E89D-448F-B700-E2FFB34D15C9}" destId="{AAE60E92-E0BF-4B91-B81B-08D59E85473C}" srcOrd="0" destOrd="0" presId="urn:microsoft.com/office/officeart/2005/8/layout/pList1"/>
-    <dgm:cxn modelId="{071CD12D-3139-42AC-B5F3-1BC8C6AE8D91}" srcId="{494D11BF-2D98-4173-BACD-F1000D645904}" destId="{B16AD185-1391-4E39-9BAF-A732DB967608}" srcOrd="1" destOrd="0" parTransId="{D535AE7F-4A1D-4F50-AA42-BCA16F25D400}" sibTransId="{B7CBB414-2922-46D6-B611-97803FA2EA87}"/>
-    <dgm:cxn modelId="{006EA64E-3EA3-41A8-A4BA-9353FB5642DE}" type="presOf" srcId="{A0A1B041-A31A-4702-95A8-C00F0C40F985}" destId="{BE11028A-865E-4681-AC0B-7E4B8FB4A1B8}" srcOrd="0" destOrd="0" presId="urn:microsoft.com/office/officeart/2005/8/layout/pList1"/>
-    <dgm:cxn modelId="{E0CB8CEB-7D95-40FB-B914-64883D0D5F16}" type="presOf" srcId="{B7CBB414-2922-46D6-B611-97803FA2EA87}" destId="{B757D4AA-FA2C-4215-8650-9A3D2455F1DC}" srcOrd="0" destOrd="0" presId="urn:microsoft.com/office/officeart/2005/8/layout/pList1"/>
-    <dgm:cxn modelId="{F74CB5C8-A46E-4202-B1FC-2D3FE3617354}" type="presOf" srcId="{718C467A-847A-4B70-BBBD-A1F0C172C58F}" destId="{0DA19ACC-408E-4451-802F-CB6DD2B511B0}" srcOrd="0" destOrd="0" presId="urn:microsoft.com/office/officeart/2005/8/layout/pList1"/>
+    <dgm:cxn modelId="{D0DB5294-E2C2-46D0-B6E5-D31698DA543A}" type="presOf" srcId="{B16AD185-1391-4E39-9BAF-A732DB967608}" destId="{E88444CE-513E-46DB-98BB-1DE2BC38E1BB}" srcOrd="0" destOrd="0" presId="urn:microsoft.com/office/officeart/2005/8/layout/pList1"/>
+    <dgm:cxn modelId="{F2E58148-8F68-4995-B72E-F508C2F6AFEE}" srcId="{494D11BF-2D98-4173-BACD-F1000D645904}" destId="{C8464284-228C-4A68-B873-0718032E1E61}" srcOrd="1" destOrd="0" parTransId="{AEAC7AAB-36D0-4D36-A21B-0E3C889E47D9}" sibTransId="{74753ABF-0F1C-41F7-A0EA-534D9E890088}"/>
+    <dgm:cxn modelId="{7FE2B189-33E7-47E5-AF5B-0EC613D2DD66}" type="presOf" srcId="{EB8E2426-CD8C-4827-8D73-43780F26B096}" destId="{53025DAB-3932-4FE1-BFF4-ED1A6BFC410C}" srcOrd="0" destOrd="0" presId="urn:microsoft.com/office/officeart/2005/8/layout/pList1"/>
+    <dgm:cxn modelId="{071CD12D-3139-42AC-B5F3-1BC8C6AE8D91}" srcId="{494D11BF-2D98-4173-BACD-F1000D645904}" destId="{B16AD185-1391-4E39-9BAF-A732DB967608}" srcOrd="2" destOrd="0" parTransId="{D535AE7F-4A1D-4F50-AA42-BCA16F25D400}" sibTransId="{B7CBB414-2922-46D6-B611-97803FA2EA87}"/>
     <dgm:cxn modelId="{CE913807-4BBA-485A-B7C2-EB1E69388204}" srcId="{494D11BF-2D98-4173-BACD-F1000D645904}" destId="{0332B7DE-AD17-4C1F-8900-FB918E76237C}" srcOrd="4" destOrd="0" parTransId="{EF332AF7-8197-4800-BF05-75E1990B01F8}" sibTransId="{12F4197F-58D0-4E5A-BE66-7777118A1034}"/>
+    <dgm:cxn modelId="{52963955-CA2E-45DC-AA4A-F5A1A6D3D688}" type="presOf" srcId="{B7CBB414-2922-46D6-B611-97803FA2EA87}" destId="{B757D4AA-FA2C-4215-8650-9A3D2455F1DC}" srcOrd="0" destOrd="0" presId="urn:microsoft.com/office/officeart/2005/8/layout/pList1"/>
     <dgm:cxn modelId="{E223BD1D-FA1D-45EB-B029-78AFFC0C3491}" srcId="{494D11BF-2D98-4173-BACD-F1000D645904}" destId="{718C467A-847A-4B70-BBBD-A1F0C172C58F}" srcOrd="6" destOrd="0" parTransId="{F9006E65-1DF8-485B-BE60-10465CF9C0C6}" sibTransId="{29D0DBE8-8877-4EE0-8982-49B95F362E57}"/>
-    <dgm:cxn modelId="{3D819EF1-B2FF-4419-B0A4-3B9C4232AD29}" type="presOf" srcId="{EB8E2426-CD8C-4827-8D73-43780F26B096}" destId="{53025DAB-3932-4FE1-BFF4-ED1A6BFC410C}" srcOrd="0" destOrd="0" presId="urn:microsoft.com/office/officeart/2005/8/layout/pList1"/>
     <dgm:cxn modelId="{63142466-3B28-47B0-9550-58E3E99F06C8}" srcId="{494D11BF-2D98-4173-BACD-F1000D645904}" destId="{64806512-A352-4211-9C17-EDDF656FF7A5}" srcOrd="5" destOrd="0" parTransId="{01803FF9-4ECB-4116-AAAC-03CF9A47335F}" sibTransId="{A0A1B041-A31A-4702-95A8-C00F0C40F985}"/>
-    <dgm:cxn modelId="{152E35CE-3A3D-4628-9CBC-60A9DD5BD441}" type="presOf" srcId="{B16AD185-1391-4E39-9BAF-A732DB967608}" destId="{E88444CE-513E-46DB-98BB-1DE2BC38E1BB}" srcOrd="0" destOrd="0" presId="urn:microsoft.com/office/officeart/2005/8/layout/pList1"/>
+    <dgm:cxn modelId="{4D41024E-1518-4D71-9A5D-29911EC6D938}" type="presOf" srcId="{6D5C9105-0581-4715-9FD1-70D5A8D11C9C}" destId="{FC755826-ECAD-4F40-B435-FEBA5291562C}" srcOrd="0" destOrd="0" presId="urn:microsoft.com/office/officeart/2005/8/layout/pList1"/>
+    <dgm:cxn modelId="{34E39598-4D25-4ACF-A6BC-C6F7D8644B7A}" type="presOf" srcId="{0332B7DE-AD17-4C1F-8900-FB918E76237C}" destId="{8ABD6398-AAB5-46D3-9A57-5E4F4E5ECD95}" srcOrd="0" destOrd="0" presId="urn:microsoft.com/office/officeart/2005/8/layout/pList1"/>
+    <dgm:cxn modelId="{96C49CB6-0293-412B-BF54-309486598BE6}" type="presOf" srcId="{718C467A-847A-4B70-BBBD-A1F0C172C58F}" destId="{0DA19ACC-408E-4451-802F-CB6DD2B511B0}" srcOrd="0" destOrd="0" presId="urn:microsoft.com/office/officeart/2005/8/layout/pList1"/>
     <dgm:cxn modelId="{37B5463D-FF7A-46CC-95C1-C10C0C81A0E1}" srcId="{494D11BF-2D98-4173-BACD-F1000D645904}" destId="{04AD746E-8E68-4392-9A62-A2FC85A9D0C5}" srcOrd="0" destOrd="0" parTransId="{3D401397-142B-44CA-A59F-E3F0D189A84B}" sibTransId="{6D5C9105-0581-4715-9FD1-70D5A8D11C9C}"/>
-    <dgm:cxn modelId="{FE8F37A5-FC89-4DF7-9A58-959CB524D55A}" type="presParOf" srcId="{E9CC8302-00BD-4FDD-BBB3-EFB1ABC4C93C}" destId="{8BB36275-E7F0-4A62-8059-5368D93228A2}" srcOrd="0" destOrd="0" presId="urn:microsoft.com/office/officeart/2005/8/layout/pList1"/>
-    <dgm:cxn modelId="{8CC7CFDC-7793-453D-A7D6-2FF95879A396}" type="presParOf" srcId="{8BB36275-E7F0-4A62-8059-5368D93228A2}" destId="{38D94112-4B62-4450-BAB0-6C010E898920}" srcOrd="0" destOrd="0" presId="urn:microsoft.com/office/officeart/2005/8/layout/pList1"/>
-    <dgm:cxn modelId="{B2861A31-C2D7-454C-8750-4FF372BEB8F5}" type="presParOf" srcId="{8BB36275-E7F0-4A62-8059-5368D93228A2}" destId="{50032E18-2E0A-4D65-A348-2C9C3E9B8328}" srcOrd="1" destOrd="0" presId="urn:microsoft.com/office/officeart/2005/8/layout/pList1"/>
-    <dgm:cxn modelId="{74FE6E24-AC65-4578-9EA6-184B53B8F66F}" type="presParOf" srcId="{E9CC8302-00BD-4FDD-BBB3-EFB1ABC4C93C}" destId="{FC755826-ECAD-4F40-B435-FEBA5291562C}" srcOrd="1" destOrd="0" presId="urn:microsoft.com/office/officeart/2005/8/layout/pList1"/>
-    <dgm:cxn modelId="{9AD9F990-3D6A-4FF8-9626-95D2485A9719}" type="presParOf" srcId="{E9CC8302-00BD-4FDD-BBB3-EFB1ABC4C93C}" destId="{742F499D-E874-47BF-B42F-0CE2A0FAE01D}" srcOrd="2" destOrd="0" presId="urn:microsoft.com/office/officeart/2005/8/layout/pList1"/>
-    <dgm:cxn modelId="{2F2A4740-DAC5-461A-BBCA-49D985F7C3EC}" type="presParOf" srcId="{742F499D-E874-47BF-B42F-0CE2A0FAE01D}" destId="{DB4DFF25-2111-49EB-BC56-4ACC6D2E3C4A}" srcOrd="0" destOrd="0" presId="urn:microsoft.com/office/officeart/2005/8/layout/pList1"/>
-    <dgm:cxn modelId="{3BAD074E-7E00-4F42-A8F4-091CC1844D85}" type="presParOf" srcId="{742F499D-E874-47BF-B42F-0CE2A0FAE01D}" destId="{E88444CE-513E-46DB-98BB-1DE2BC38E1BB}" srcOrd="1" destOrd="0" presId="urn:microsoft.com/office/officeart/2005/8/layout/pList1"/>
-    <dgm:cxn modelId="{CDC193E7-40A0-4414-9A30-6A44D1105145}" type="presParOf" srcId="{E9CC8302-00BD-4FDD-BBB3-EFB1ABC4C93C}" destId="{B757D4AA-FA2C-4215-8650-9A3D2455F1DC}" srcOrd="3" destOrd="0" presId="urn:microsoft.com/office/officeart/2005/8/layout/pList1"/>
-    <dgm:cxn modelId="{919DFDC6-DD7F-4A6B-83C9-C7B46E175A7C}" type="presParOf" srcId="{E9CC8302-00BD-4FDD-BBB3-EFB1ABC4C93C}" destId="{5F1E0AA5-3E18-4D8E-9B0A-B3CCC142EC1C}" srcOrd="4" destOrd="0" presId="urn:microsoft.com/office/officeart/2005/8/layout/pList1"/>
-    <dgm:cxn modelId="{15A152C1-C7D2-45E7-8CC2-6967063CDAF2}" type="presParOf" srcId="{5F1E0AA5-3E18-4D8E-9B0A-B3CCC142EC1C}" destId="{36FAAB07-1BD4-42B4-8036-62B0F623ED4C}" srcOrd="0" destOrd="0" presId="urn:microsoft.com/office/officeart/2005/8/layout/pList1"/>
-    <dgm:cxn modelId="{D3338431-A9B8-40F3-B9CE-B4DBE94E3D3E}" type="presParOf" srcId="{5F1E0AA5-3E18-4D8E-9B0A-B3CCC142EC1C}" destId="{AB026361-32AF-4200-8E3C-B6BC87A0F3C1}" srcOrd="1" destOrd="0" presId="urn:microsoft.com/office/officeart/2005/8/layout/pList1"/>
-    <dgm:cxn modelId="{C707F68B-0248-46C0-B96F-29EFF2CBC287}" type="presParOf" srcId="{E9CC8302-00BD-4FDD-BBB3-EFB1ABC4C93C}" destId="{94E030C4-E9DF-4330-8488-9C7EEDE89341}" srcOrd="5" destOrd="0" presId="urn:microsoft.com/office/officeart/2005/8/layout/pList1"/>
-    <dgm:cxn modelId="{25967BAA-3BA6-4B5E-B19F-0F4D672C0328}" type="presParOf" srcId="{E9CC8302-00BD-4FDD-BBB3-EFB1ABC4C93C}" destId="{A20DB61A-BD55-4719-AB15-EA00437C7B9E}" srcOrd="6" destOrd="0" presId="urn:microsoft.com/office/officeart/2005/8/layout/pList1"/>
-    <dgm:cxn modelId="{89EFAC8C-9F29-429C-AD23-292B8523676B}" type="presParOf" srcId="{A20DB61A-BD55-4719-AB15-EA00437C7B9E}" destId="{D32F9B4B-9249-48AA-963E-5BA76F4128CB}" srcOrd="0" destOrd="0" presId="urn:microsoft.com/office/officeart/2005/8/layout/pList1"/>
-    <dgm:cxn modelId="{88C1A776-BCAB-4C75-B6E9-70A2EF04BDF6}" type="presParOf" srcId="{A20DB61A-BD55-4719-AB15-EA00437C7B9E}" destId="{53025DAB-3932-4FE1-BFF4-ED1A6BFC410C}" srcOrd="1" destOrd="0" presId="urn:microsoft.com/office/officeart/2005/8/layout/pList1"/>
-    <dgm:cxn modelId="{6BDBABA1-F29E-4CF3-889F-EB8CFE50638E}" type="presParOf" srcId="{E9CC8302-00BD-4FDD-BBB3-EFB1ABC4C93C}" destId="{AAE60E92-E0BF-4B91-B81B-08D59E85473C}" srcOrd="7" destOrd="0" presId="urn:microsoft.com/office/officeart/2005/8/layout/pList1"/>
-    <dgm:cxn modelId="{C7BEBFA7-E766-4C97-AEB7-D6B78107138A}" type="presParOf" srcId="{E9CC8302-00BD-4FDD-BBB3-EFB1ABC4C93C}" destId="{9E92DAB2-612C-446B-B2AF-22AEB9B1AF59}" srcOrd="8" destOrd="0" presId="urn:microsoft.com/office/officeart/2005/8/layout/pList1"/>
-    <dgm:cxn modelId="{D650EB73-7DCA-4435-A733-6FF11CDA3A2F}" type="presParOf" srcId="{9E92DAB2-612C-446B-B2AF-22AEB9B1AF59}" destId="{42108F33-182C-4014-975C-104417C9CEFC}" srcOrd="0" destOrd="0" presId="urn:microsoft.com/office/officeart/2005/8/layout/pList1"/>
-    <dgm:cxn modelId="{67EFA73A-96BD-4DB7-AA88-06FC47E3EF39}" type="presParOf" srcId="{9E92DAB2-612C-446B-B2AF-22AEB9B1AF59}" destId="{8ABD6398-AAB5-46D3-9A57-5E4F4E5ECD95}" srcOrd="1" destOrd="0" presId="urn:microsoft.com/office/officeart/2005/8/layout/pList1"/>
-    <dgm:cxn modelId="{F2A85B57-F663-4809-AEA5-040B285DB4FF}" type="presParOf" srcId="{E9CC8302-00BD-4FDD-BBB3-EFB1ABC4C93C}" destId="{41EB32D3-93EB-4FAE-B4A4-4D1F97FDDD3C}" srcOrd="9" destOrd="0" presId="urn:microsoft.com/office/officeart/2005/8/layout/pList1"/>
-    <dgm:cxn modelId="{C23C35E4-F5AF-482F-8DF9-27B3AFB4B879}" type="presParOf" srcId="{E9CC8302-00BD-4FDD-BBB3-EFB1ABC4C93C}" destId="{5B9D3B1C-667F-4852-B43C-13576FDA0E27}" srcOrd="10" destOrd="0" presId="urn:microsoft.com/office/officeart/2005/8/layout/pList1"/>
-    <dgm:cxn modelId="{4B08A32E-30FC-4011-ADED-9ECE64EEE495}" type="presParOf" srcId="{5B9D3B1C-667F-4852-B43C-13576FDA0E27}" destId="{ACFFC79F-FF22-4C66-8CFB-521103AF6147}" srcOrd="0" destOrd="0" presId="urn:microsoft.com/office/officeart/2005/8/layout/pList1"/>
-    <dgm:cxn modelId="{90EC0771-839F-4CC0-8E64-549ED2204D38}" type="presParOf" srcId="{5B9D3B1C-667F-4852-B43C-13576FDA0E27}" destId="{204C423E-AF9B-4804-A15C-59E7B5F55A52}" srcOrd="1" destOrd="0" presId="urn:microsoft.com/office/officeart/2005/8/layout/pList1"/>
-    <dgm:cxn modelId="{5E97DD76-E85C-417B-8EA8-18C54F19AEC2}" type="presParOf" srcId="{E9CC8302-00BD-4FDD-BBB3-EFB1ABC4C93C}" destId="{BE11028A-865E-4681-AC0B-7E4B8FB4A1B8}" srcOrd="11" destOrd="0" presId="urn:microsoft.com/office/officeart/2005/8/layout/pList1"/>
-    <dgm:cxn modelId="{F3D1520F-F271-42D4-9749-1B1DA5A619EF}" type="presParOf" srcId="{E9CC8302-00BD-4FDD-BBB3-EFB1ABC4C93C}" destId="{70F74CA5-9F6A-4B7A-9221-F4AD7AAC9A13}" srcOrd="12" destOrd="0" presId="urn:microsoft.com/office/officeart/2005/8/layout/pList1"/>
-    <dgm:cxn modelId="{D8F5D863-DA55-4586-9D2F-3BAC31665992}" type="presParOf" srcId="{70F74CA5-9F6A-4B7A-9221-F4AD7AAC9A13}" destId="{B77A94D5-558B-4298-8C2F-665637DEF3C5}" srcOrd="0" destOrd="0" presId="urn:microsoft.com/office/officeart/2005/8/layout/pList1"/>
-    <dgm:cxn modelId="{2847C024-9193-4955-B44B-5C72421079C9}" type="presParOf" srcId="{70F74CA5-9F6A-4B7A-9221-F4AD7AAC9A13}" destId="{0DA19ACC-408E-4451-802F-CB6DD2B511B0}" srcOrd="1" destOrd="0" presId="urn:microsoft.com/office/officeart/2005/8/layout/pList1"/>
+    <dgm:cxn modelId="{6FFE058C-6F06-4D6E-A530-6B759E4EBE91}" type="presOf" srcId="{74753ABF-0F1C-41F7-A0EA-534D9E890088}" destId="{94E030C4-E9DF-4330-8488-9C7EEDE89341}" srcOrd="0" destOrd="0" presId="urn:microsoft.com/office/officeart/2005/8/layout/pList1"/>
+    <dgm:cxn modelId="{35634FC5-6D57-489A-AFB5-8CDD93BA0FED}" type="presParOf" srcId="{E9CC8302-00BD-4FDD-BBB3-EFB1ABC4C93C}" destId="{8BB36275-E7F0-4A62-8059-5368D93228A2}" srcOrd="0" destOrd="0" presId="urn:microsoft.com/office/officeart/2005/8/layout/pList1"/>
+    <dgm:cxn modelId="{2B3A1D58-D049-4440-9EA6-156A3F04677E}" type="presParOf" srcId="{8BB36275-E7F0-4A62-8059-5368D93228A2}" destId="{38D94112-4B62-4450-BAB0-6C010E898920}" srcOrd="0" destOrd="0" presId="urn:microsoft.com/office/officeart/2005/8/layout/pList1"/>
+    <dgm:cxn modelId="{1C737C64-8B07-4151-AAE1-D719503F8D75}" type="presParOf" srcId="{8BB36275-E7F0-4A62-8059-5368D93228A2}" destId="{50032E18-2E0A-4D65-A348-2C9C3E9B8328}" srcOrd="1" destOrd="0" presId="urn:microsoft.com/office/officeart/2005/8/layout/pList1"/>
+    <dgm:cxn modelId="{93FD2CD1-BF36-4407-9F20-F6EB16BD3F47}" type="presParOf" srcId="{E9CC8302-00BD-4FDD-BBB3-EFB1ABC4C93C}" destId="{FC755826-ECAD-4F40-B435-FEBA5291562C}" srcOrd="1" destOrd="0" presId="urn:microsoft.com/office/officeart/2005/8/layout/pList1"/>
+    <dgm:cxn modelId="{FE0FBEEC-0C2E-47C3-8E8F-FA92665F6D48}" type="presParOf" srcId="{E9CC8302-00BD-4FDD-BBB3-EFB1ABC4C93C}" destId="{5F1E0AA5-3E18-4D8E-9B0A-B3CCC142EC1C}" srcOrd="2" destOrd="0" presId="urn:microsoft.com/office/officeart/2005/8/layout/pList1"/>
+    <dgm:cxn modelId="{C3A2206A-0E21-4DD1-ACA8-FCDDFC3A8CBF}" type="presParOf" srcId="{5F1E0AA5-3E18-4D8E-9B0A-B3CCC142EC1C}" destId="{36FAAB07-1BD4-42B4-8036-62B0F623ED4C}" srcOrd="0" destOrd="0" presId="urn:microsoft.com/office/officeart/2005/8/layout/pList1"/>
+    <dgm:cxn modelId="{FA190FA2-047D-40E8-8ED0-A57F8B9C65C1}" type="presParOf" srcId="{5F1E0AA5-3E18-4D8E-9B0A-B3CCC142EC1C}" destId="{AB026361-32AF-4200-8E3C-B6BC87A0F3C1}" srcOrd="1" destOrd="0" presId="urn:microsoft.com/office/officeart/2005/8/layout/pList1"/>
+    <dgm:cxn modelId="{16B8CC5B-9991-43CD-A5C9-F0AB41E7A937}" type="presParOf" srcId="{E9CC8302-00BD-4FDD-BBB3-EFB1ABC4C93C}" destId="{94E030C4-E9DF-4330-8488-9C7EEDE89341}" srcOrd="3" destOrd="0" presId="urn:microsoft.com/office/officeart/2005/8/layout/pList1"/>
+    <dgm:cxn modelId="{3B6313B8-083D-47FC-9522-FAF3B866C36E}" type="presParOf" srcId="{E9CC8302-00BD-4FDD-BBB3-EFB1ABC4C93C}" destId="{742F499D-E874-47BF-B42F-0CE2A0FAE01D}" srcOrd="4" destOrd="0" presId="urn:microsoft.com/office/officeart/2005/8/layout/pList1"/>
+    <dgm:cxn modelId="{B8C75543-CDA6-41B8-8842-62B295E7E96D}" type="presParOf" srcId="{742F499D-E874-47BF-B42F-0CE2A0FAE01D}" destId="{DB4DFF25-2111-49EB-BC56-4ACC6D2E3C4A}" srcOrd="0" destOrd="0" presId="urn:microsoft.com/office/officeart/2005/8/layout/pList1"/>
+    <dgm:cxn modelId="{B84C8818-8CFF-4D85-BF41-C78FD5A0CCB5}" type="presParOf" srcId="{742F499D-E874-47BF-B42F-0CE2A0FAE01D}" destId="{E88444CE-513E-46DB-98BB-1DE2BC38E1BB}" srcOrd="1" destOrd="0" presId="urn:microsoft.com/office/officeart/2005/8/layout/pList1"/>
+    <dgm:cxn modelId="{00516899-DB96-45EF-96E3-5435098A6F09}" type="presParOf" srcId="{E9CC8302-00BD-4FDD-BBB3-EFB1ABC4C93C}" destId="{B757D4AA-FA2C-4215-8650-9A3D2455F1DC}" srcOrd="5" destOrd="0" presId="urn:microsoft.com/office/officeart/2005/8/layout/pList1"/>
+    <dgm:cxn modelId="{61F606B8-7809-43E0-B869-AD6FD470E375}" type="presParOf" srcId="{E9CC8302-00BD-4FDD-BBB3-EFB1ABC4C93C}" destId="{A20DB61A-BD55-4719-AB15-EA00437C7B9E}" srcOrd="6" destOrd="0" presId="urn:microsoft.com/office/officeart/2005/8/layout/pList1"/>
+    <dgm:cxn modelId="{ECDEBF85-2923-4307-8336-2F3CEA628FF0}" type="presParOf" srcId="{A20DB61A-BD55-4719-AB15-EA00437C7B9E}" destId="{D32F9B4B-9249-48AA-963E-5BA76F4128CB}" srcOrd="0" destOrd="0" presId="urn:microsoft.com/office/officeart/2005/8/layout/pList1"/>
+    <dgm:cxn modelId="{105C151D-B6AA-4DE3-B8E0-3645B677191A}" type="presParOf" srcId="{A20DB61A-BD55-4719-AB15-EA00437C7B9E}" destId="{53025DAB-3932-4FE1-BFF4-ED1A6BFC410C}" srcOrd="1" destOrd="0" presId="urn:microsoft.com/office/officeart/2005/8/layout/pList1"/>
+    <dgm:cxn modelId="{3A733CE9-BA92-42F6-AB42-03FF97120CE2}" type="presParOf" srcId="{E9CC8302-00BD-4FDD-BBB3-EFB1ABC4C93C}" destId="{AAE60E92-E0BF-4B91-B81B-08D59E85473C}" srcOrd="7" destOrd="0" presId="urn:microsoft.com/office/officeart/2005/8/layout/pList1"/>
+    <dgm:cxn modelId="{B4ACA7F4-6DC6-4FA5-A78C-61AC5F24A343}" type="presParOf" srcId="{E9CC8302-00BD-4FDD-BBB3-EFB1ABC4C93C}" destId="{9E92DAB2-612C-446B-B2AF-22AEB9B1AF59}" srcOrd="8" destOrd="0" presId="urn:microsoft.com/office/officeart/2005/8/layout/pList1"/>
+    <dgm:cxn modelId="{30744E57-21F3-45F1-B79B-EDFD387B3786}" type="presParOf" srcId="{9E92DAB2-612C-446B-B2AF-22AEB9B1AF59}" destId="{42108F33-182C-4014-975C-104417C9CEFC}" srcOrd="0" destOrd="0" presId="urn:microsoft.com/office/officeart/2005/8/layout/pList1"/>
+    <dgm:cxn modelId="{542A8AB6-A1BD-416F-9F01-BB6ECADDBA72}" type="presParOf" srcId="{9E92DAB2-612C-446B-B2AF-22AEB9B1AF59}" destId="{8ABD6398-AAB5-46D3-9A57-5E4F4E5ECD95}" srcOrd="1" destOrd="0" presId="urn:microsoft.com/office/officeart/2005/8/layout/pList1"/>
+    <dgm:cxn modelId="{D32A2C97-1266-4689-BFEA-14627FF157A7}" type="presParOf" srcId="{E9CC8302-00BD-4FDD-BBB3-EFB1ABC4C93C}" destId="{41EB32D3-93EB-4FAE-B4A4-4D1F97FDDD3C}" srcOrd="9" destOrd="0" presId="urn:microsoft.com/office/officeart/2005/8/layout/pList1"/>
+    <dgm:cxn modelId="{7A88A78A-CDDD-457D-A066-93F779E73E10}" type="presParOf" srcId="{E9CC8302-00BD-4FDD-BBB3-EFB1ABC4C93C}" destId="{5B9D3B1C-667F-4852-B43C-13576FDA0E27}" srcOrd="10" destOrd="0" presId="urn:microsoft.com/office/officeart/2005/8/layout/pList1"/>
+    <dgm:cxn modelId="{68312345-14FD-48BA-908C-80D5F9738E14}" type="presParOf" srcId="{5B9D3B1C-667F-4852-B43C-13576FDA0E27}" destId="{ACFFC79F-FF22-4C66-8CFB-521103AF6147}" srcOrd="0" destOrd="0" presId="urn:microsoft.com/office/officeart/2005/8/layout/pList1"/>
+    <dgm:cxn modelId="{5EF1EB34-C3DF-48E7-9E2D-6C96497AE6AF}" type="presParOf" srcId="{5B9D3B1C-667F-4852-B43C-13576FDA0E27}" destId="{204C423E-AF9B-4804-A15C-59E7B5F55A52}" srcOrd="1" destOrd="0" presId="urn:microsoft.com/office/officeart/2005/8/layout/pList1"/>
+    <dgm:cxn modelId="{B4A21206-8F0A-49A0-A372-B5B56040DB3D}" type="presParOf" srcId="{E9CC8302-00BD-4FDD-BBB3-EFB1ABC4C93C}" destId="{BE11028A-865E-4681-AC0B-7E4B8FB4A1B8}" srcOrd="11" destOrd="0" presId="urn:microsoft.com/office/officeart/2005/8/layout/pList1"/>
+    <dgm:cxn modelId="{4415FB1E-C2F6-4F9F-93F1-5DCD2176766B}" type="presParOf" srcId="{E9CC8302-00BD-4FDD-BBB3-EFB1ABC4C93C}" destId="{70F74CA5-9F6A-4B7A-9221-F4AD7AAC9A13}" srcOrd="12" destOrd="0" presId="urn:microsoft.com/office/officeart/2005/8/layout/pList1"/>
+    <dgm:cxn modelId="{3531F737-BAF8-4D3E-8499-B0E0FCDC325F}" type="presParOf" srcId="{70F74CA5-9F6A-4B7A-9221-F4AD7AAC9A13}" destId="{B77A94D5-558B-4298-8C2F-665637DEF3C5}" srcOrd="0" destOrd="0" presId="urn:microsoft.com/office/officeart/2005/8/layout/pList1"/>
+    <dgm:cxn modelId="{04107070-E693-4605-BE02-822C12A35077}" type="presParOf" srcId="{70F74CA5-9F6A-4B7A-9221-F4AD7AAC9A13}" destId="{0DA19ACC-408E-4451-802F-CB6DD2B511B0}" srcOrd="1" destOrd="0" presId="urn:microsoft.com/office/officeart/2005/8/layout/pList1"/>
   </dgm:cxnLst>
   <dgm:bg>
     <a:noFill/>
@@ -9371,7 +9378,7 @@
         <a:ext cx="2076152" cy="770252"/>
       </dsp:txXfrm>
     </dsp:sp>
-    <dsp:sp modelId="{DB4DFF25-2111-49EB-BC56-4ACC6D2E3C4A}">
+    <dsp:sp modelId="{36FAAB07-1BD4-42B4-8036-62B0F623ED4C}">
       <dsp:nvSpPr>
         <dsp:cNvPr id="0" name=""/>
         <dsp:cNvSpPr/>
@@ -9435,7 +9442,7 @@
         </a:fontRef>
       </dsp:style>
     </dsp:sp>
-    <dsp:sp modelId="{E88444CE-513E-46DB-98BB-1DE2BC38E1BB}">
+    <dsp:sp modelId="{AB026361-32AF-4200-8E3C-B6BC87A0F3C1}">
       <dsp:nvSpPr>
         <dsp:cNvPr id="0" name=""/>
         <dsp:cNvSpPr/>
@@ -9494,7 +9501,7 @@
           </a:pPr>
           <a:r>
             <a:rPr lang="en-US" sz="2200" kern="1200" dirty="0" smtClean="0"/>
-            <a:t>Propose price</a:t>
+            <a:t>Manage cart</a:t>
           </a:r>
           <a:endParaRPr lang="en-GB" sz="2200" kern="1200" dirty="0"/>
         </a:p>
@@ -9504,7 +9511,7 @@
         <a:ext cx="2076152" cy="770252"/>
       </dsp:txXfrm>
     </dsp:sp>
-    <dsp:sp modelId="{36FAAB07-1BD4-42B4-8036-62B0F623ED4C}">
+    <dsp:sp modelId="{DB4DFF25-2111-49EB-BC56-4ACC6D2E3C4A}">
       <dsp:nvSpPr>
         <dsp:cNvPr id="0" name=""/>
         <dsp:cNvSpPr/>
@@ -9568,7 +9575,7 @@
         </a:fontRef>
       </dsp:style>
     </dsp:sp>
-    <dsp:sp modelId="{AB026361-32AF-4200-8E3C-B6BC87A0F3C1}">
+    <dsp:sp modelId="{E88444CE-513E-46DB-98BB-1DE2BC38E1BB}">
       <dsp:nvSpPr>
         <dsp:cNvPr id="0" name=""/>
         <dsp:cNvSpPr/>
@@ -9627,7 +9634,7 @@
           </a:pPr>
           <a:r>
             <a:rPr lang="en-US" sz="2200" kern="1200" dirty="0" smtClean="0"/>
-            <a:t>Manage cart</a:t>
+            <a:t>Propose price</a:t>
           </a:r>
           <a:endParaRPr lang="en-GB" sz="2200" kern="1200" dirty="0"/>
         </a:p>
@@ -10181,6 +10188,373 @@
       <dsp:cNvGrpSpPr/>
     </dsp:nvGrpSpPr>
     <dsp:grpSpPr/>
+    <dsp:sp modelId="{4CA5A5D1-C9BD-4849-9955-724AA57140BA}">
+      <dsp:nvSpPr>
+        <dsp:cNvPr id="0" name=""/>
+        <dsp:cNvSpPr/>
+      </dsp:nvSpPr>
+      <dsp:spPr>
+        <a:xfrm>
+          <a:off x="1238990" y="1315937"/>
+          <a:ext cx="10607040" cy="5481653"/>
+        </a:xfrm>
+        <a:prstGeom prst="rect">
+          <a:avLst/>
+        </a:prstGeom>
+        <a:gradFill rotWithShape="0">
+          <a:gsLst>
+            <a:gs pos="0">
+              <a:schemeClr val="accent1">
+                <a:tint val="50000"/>
+                <a:hueOff val="0"/>
+                <a:satOff val="0"/>
+                <a:lumOff val="0"/>
+                <a:alphaOff val="0"/>
+                <a:tint val="96000"/>
+                <a:lumMod val="100000"/>
+              </a:schemeClr>
+            </a:gs>
+            <a:gs pos="78000">
+              <a:schemeClr val="accent1">
+                <a:tint val="50000"/>
+                <a:hueOff val="0"/>
+                <a:satOff val="0"/>
+                <a:lumOff val="0"/>
+                <a:alphaOff val="0"/>
+                <a:shade val="94000"/>
+                <a:lumMod val="94000"/>
+              </a:schemeClr>
+            </a:gs>
+          </a:gsLst>
+          <a:lin ang="5400000" scaled="0"/>
+        </a:gradFill>
+        <a:ln>
+          <a:noFill/>
+        </a:ln>
+        <a:effectLst>
+          <a:outerShdw blurRad="38100" dist="25400" dir="5400000" rotWithShape="0">
+            <a:srgbClr val="000000">
+              <a:alpha val="35000"/>
+            </a:srgbClr>
+          </a:outerShdw>
+        </a:effectLst>
+        <a:scene3d>
+          <a:camera prst="orthographicFront"/>
+          <a:lightRig rig="flat" dir="t"/>
+        </a:scene3d>
+        <a:sp3d z="-190500" prstMaterial="plastic">
+          <a:bevelT w="88900" h="88900"/>
+          <a:bevelB w="88900" h="31750" prst="angle"/>
+        </a:sp3d>
+      </dsp:spPr>
+      <dsp:style>
+        <a:lnRef idx="0">
+          <a:scrgbClr r="0" g="0" b="0"/>
+        </a:lnRef>
+        <a:fillRef idx="3">
+          <a:scrgbClr r="0" g="0" b="0"/>
+        </a:fillRef>
+        <a:effectRef idx="2">
+          <a:scrgbClr r="0" g="0" b="0"/>
+        </a:effectRef>
+        <a:fontRef idx="minor"/>
+      </dsp:style>
+    </dsp:sp>
+    <dsp:sp modelId="{8B05FC8A-D04E-413B-A043-2F428997AC55}">
+      <dsp:nvSpPr>
+        <dsp:cNvPr id="0" name=""/>
+        <dsp:cNvSpPr/>
+      </dsp:nvSpPr>
+      <dsp:spPr>
+        <a:xfrm>
+          <a:off x="1414272" y="1877758"/>
+          <a:ext cx="4925568" cy="4689487"/>
+        </a:xfrm>
+        <a:prstGeom prst="rect">
+          <a:avLst/>
+        </a:prstGeom>
+        <a:noFill/>
+        <a:ln>
+          <a:noFill/>
+        </a:ln>
+        <a:effectLst/>
+      </dsp:spPr>
+      <dsp:style>
+        <a:lnRef idx="0">
+          <a:scrgbClr r="0" g="0" b="0"/>
+        </a:lnRef>
+        <a:fillRef idx="0">
+          <a:scrgbClr r="0" g="0" b="0"/>
+        </a:fillRef>
+        <a:effectRef idx="0">
+          <a:scrgbClr r="0" g="0" b="0"/>
+        </a:effectRef>
+        <a:fontRef idx="minor"/>
+      </dsp:style>
+      <dsp:txBody>
+        <a:bodyPr spcFirstLastPara="0" vert="horz" wrap="square" lIns="123825" tIns="123825" rIns="123825" bIns="123825" numCol="1" spcCol="1270" anchor="t" anchorCtr="0">
+          <a:noAutofit/>
+        </a:bodyPr>
+        <a:lstStyle/>
+        <a:p>
+          <a:pPr lvl="0" algn="l" defTabSz="2889250">
+            <a:lnSpc>
+              <a:spcPct val="90000"/>
+            </a:lnSpc>
+            <a:spcBef>
+              <a:spcPct val="0"/>
+            </a:spcBef>
+            <a:spcAft>
+              <a:spcPct val="35000"/>
+            </a:spcAft>
+          </a:pPr>
+          <a:endParaRPr lang="en-US" sz="6500" kern="1200" dirty="0"/>
+        </a:p>
+      </dsp:txBody>
+      <dsp:txXfrm>
+        <a:off x="1414272" y="1877758"/>
+        <a:ext cx="4925568" cy="4689487"/>
+      </dsp:txXfrm>
+    </dsp:sp>
+    <dsp:sp modelId="{A6855993-FE5C-4C98-9F4C-4567B096CD98}">
+      <dsp:nvSpPr>
+        <dsp:cNvPr id="0" name=""/>
+        <dsp:cNvSpPr/>
+      </dsp:nvSpPr>
+      <dsp:spPr>
+        <a:xfrm>
+          <a:off x="6449568" y="1877758"/>
+          <a:ext cx="4925568" cy="4689487"/>
+        </a:xfrm>
+        <a:prstGeom prst="rect">
+          <a:avLst/>
+        </a:prstGeom>
+        <a:noFill/>
+        <a:ln>
+          <a:noFill/>
+        </a:ln>
+        <a:effectLst/>
+      </dsp:spPr>
+      <dsp:style>
+        <a:lnRef idx="0">
+          <a:scrgbClr r="0" g="0" b="0"/>
+        </a:lnRef>
+        <a:fillRef idx="0">
+          <a:scrgbClr r="0" g="0" b="0"/>
+        </a:fillRef>
+        <a:effectRef idx="0">
+          <a:scrgbClr r="0" g="0" b="0"/>
+        </a:effectRef>
+        <a:fontRef idx="minor"/>
+      </dsp:style>
+    </dsp:sp>
+    <dsp:sp modelId="{156BB2D8-860E-4A76-8557-1869C21A1740}">
+      <dsp:nvSpPr>
+        <dsp:cNvPr id="0" name=""/>
+        <dsp:cNvSpPr/>
+      </dsp:nvSpPr>
+      <dsp:spPr>
+        <a:xfrm>
+          <a:off x="0" y="139673"/>
+          <a:ext cx="2072640" cy="2072640"/>
+        </a:xfrm>
+        <a:prstGeom prst="plus">
+          <a:avLst>
+            <a:gd name="adj" fmla="val 32810"/>
+          </a:avLst>
+        </a:prstGeom>
+        <a:gradFill rotWithShape="0">
+          <a:gsLst>
+            <a:gs pos="0">
+              <a:schemeClr val="accent2">
+                <a:hueOff val="0"/>
+                <a:satOff val="0"/>
+                <a:lumOff val="0"/>
+                <a:alphaOff val="0"/>
+                <a:tint val="96000"/>
+                <a:lumMod val="100000"/>
+              </a:schemeClr>
+            </a:gs>
+            <a:gs pos="78000">
+              <a:schemeClr val="accent2">
+                <a:hueOff val="0"/>
+                <a:satOff val="0"/>
+                <a:lumOff val="0"/>
+                <a:alphaOff val="0"/>
+                <a:shade val="94000"/>
+                <a:lumMod val="94000"/>
+              </a:schemeClr>
+            </a:gs>
+          </a:gsLst>
+          <a:lin ang="5400000" scaled="0"/>
+        </a:gradFill>
+        <a:ln w="12700" cap="rnd" cmpd="sng" algn="ctr">
+          <a:solidFill>
+            <a:schemeClr val="accent2">
+              <a:hueOff val="0"/>
+              <a:satOff val="0"/>
+              <a:lumOff val="0"/>
+              <a:alphaOff val="0"/>
+            </a:schemeClr>
+          </a:solidFill>
+          <a:prstDash val="solid"/>
+        </a:ln>
+        <a:effectLst>
+          <a:outerShdw blurRad="38100" dist="25400" dir="5400000" rotWithShape="0">
+            <a:srgbClr val="000000">
+              <a:alpha val="35000"/>
+            </a:srgbClr>
+          </a:outerShdw>
+        </a:effectLst>
+        <a:scene3d>
+          <a:camera prst="orthographicFront"/>
+          <a:lightRig rig="flat" dir="t"/>
+        </a:scene3d>
+        <a:sp3d prstMaterial="plastic">
+          <a:bevelT w="120900" h="88900"/>
+          <a:bevelB w="88900" h="31750" prst="angle"/>
+        </a:sp3d>
+      </dsp:spPr>
+      <dsp:style>
+        <a:lnRef idx="1">
+          <a:scrgbClr r="0" g="0" b="0"/>
+        </a:lnRef>
+        <a:fillRef idx="3">
+          <a:scrgbClr r="0" g="0" b="0"/>
+        </a:fillRef>
+        <a:effectRef idx="2">
+          <a:scrgbClr r="0" g="0" b="0"/>
+        </a:effectRef>
+        <a:fontRef idx="minor">
+          <a:schemeClr val="lt1"/>
+        </a:fontRef>
+      </dsp:style>
+    </dsp:sp>
+    <dsp:sp modelId="{1D9745D4-6AB3-43C8-B419-2C51AFB59607}">
+      <dsp:nvSpPr>
+        <dsp:cNvPr id="0" name=""/>
+        <dsp:cNvSpPr/>
+      </dsp:nvSpPr>
+      <dsp:spPr>
+        <a:xfrm>
+          <a:off x="10241280" y="885044"/>
+          <a:ext cx="1950720" cy="668494"/>
+        </a:xfrm>
+        <a:prstGeom prst="rect">
+          <a:avLst/>
+        </a:prstGeom>
+        <a:gradFill rotWithShape="0">
+          <a:gsLst>
+            <a:gs pos="0">
+              <a:schemeClr val="accent3">
+                <a:hueOff val="0"/>
+                <a:satOff val="0"/>
+                <a:lumOff val="0"/>
+                <a:alphaOff val="0"/>
+                <a:tint val="96000"/>
+                <a:lumMod val="100000"/>
+              </a:schemeClr>
+            </a:gs>
+            <a:gs pos="78000">
+              <a:schemeClr val="accent3">
+                <a:hueOff val="0"/>
+                <a:satOff val="0"/>
+                <a:lumOff val="0"/>
+                <a:alphaOff val="0"/>
+                <a:shade val="94000"/>
+                <a:lumMod val="94000"/>
+              </a:schemeClr>
+            </a:gs>
+          </a:gsLst>
+          <a:lin ang="5400000" scaled="0"/>
+        </a:gradFill>
+        <a:ln w="12700" cap="rnd" cmpd="sng" algn="ctr">
+          <a:solidFill>
+            <a:schemeClr val="accent3">
+              <a:hueOff val="0"/>
+              <a:satOff val="0"/>
+              <a:lumOff val="0"/>
+              <a:alphaOff val="0"/>
+            </a:schemeClr>
+          </a:solidFill>
+          <a:prstDash val="solid"/>
+        </a:ln>
+        <a:effectLst>
+          <a:outerShdw blurRad="38100" dist="25400" dir="5400000" rotWithShape="0">
+            <a:srgbClr val="000000">
+              <a:alpha val="35000"/>
+            </a:srgbClr>
+          </a:outerShdw>
+        </a:effectLst>
+        <a:scene3d>
+          <a:camera prst="orthographicFront"/>
+          <a:lightRig rig="flat" dir="t"/>
+        </a:scene3d>
+        <a:sp3d prstMaterial="plastic">
+          <a:bevelT w="120900" h="88900"/>
+          <a:bevelB w="88900" h="31750" prst="angle"/>
+        </a:sp3d>
+      </dsp:spPr>
+      <dsp:style>
+        <a:lnRef idx="1">
+          <a:scrgbClr r="0" g="0" b="0"/>
+        </a:lnRef>
+        <a:fillRef idx="3">
+          <a:scrgbClr r="0" g="0" b="0"/>
+        </a:fillRef>
+        <a:effectRef idx="2">
+          <a:scrgbClr r="0" g="0" b="0"/>
+        </a:effectRef>
+        <a:fontRef idx="minor">
+          <a:schemeClr val="lt1"/>
+        </a:fontRef>
+      </dsp:style>
+    </dsp:sp>
+    <dsp:sp modelId="{CAC7DF6A-D519-4E69-B7A3-7DA48CA238B9}">
+      <dsp:nvSpPr>
+        <dsp:cNvPr id="0" name=""/>
+        <dsp:cNvSpPr/>
+      </dsp:nvSpPr>
+      <dsp:spPr>
+        <a:xfrm>
+          <a:off x="6400800" y="1887786"/>
+          <a:ext cx="1219" cy="4478912"/>
+        </a:xfrm>
+        <a:prstGeom prst="line">
+          <a:avLst/>
+        </a:prstGeom>
+        <a:noFill/>
+        <a:ln w="19050" cap="rnd" cmpd="sng" algn="ctr">
+          <a:solidFill>
+            <a:schemeClr val="accent1">
+              <a:hueOff val="0"/>
+              <a:satOff val="0"/>
+              <a:lumOff val="0"/>
+              <a:alphaOff val="0"/>
+            </a:schemeClr>
+          </a:solidFill>
+          <a:prstDash val="solid"/>
+        </a:ln>
+        <a:effectLst/>
+        <a:scene3d>
+          <a:camera prst="orthographicFront"/>
+          <a:lightRig rig="flat" dir="t"/>
+        </a:scene3d>
+        <a:sp3d prstMaterial="matte"/>
+      </dsp:spPr>
+      <dsp:style>
+        <a:lnRef idx="2">
+          <a:scrgbClr r="0" g="0" b="0"/>
+        </a:lnRef>
+        <a:fillRef idx="0">
+          <a:scrgbClr r="0" g="0" b="0"/>
+        </a:fillRef>
+        <a:effectRef idx="0">
+          <a:scrgbClr r="0" g="0" b="0"/>
+        </a:effectRef>
+        <a:fontRef idx="minor"/>
+      </dsp:style>
+    </dsp:sp>
   </dsp:spTree>
 </dsp:drawing>
 </file>
@@ -10193,6 +10567,226 @@
       <dsp:cNvGrpSpPr/>
     </dsp:nvGrpSpPr>
     <dsp:grpSpPr/>
+    <dsp:sp modelId="{3F152DA9-3FDF-4873-A49F-8049C0B4BEF7}">
+      <dsp:nvSpPr>
+        <dsp:cNvPr id="0" name=""/>
+        <dsp:cNvSpPr/>
+      </dsp:nvSpPr>
+      <dsp:spPr>
+        <a:xfrm>
+          <a:off x="456537" y="1654"/>
+          <a:ext cx="3658611" cy="2520783"/>
+        </a:xfrm>
+        <a:prstGeom prst="roundRect">
+          <a:avLst/>
+        </a:prstGeom>
+        <a:blipFill>
+          <a:blip xmlns:r="http://schemas.openxmlformats.org/officeDocument/2006/relationships" r:embed="rId1">
+            <a:extLst>
+              <a:ext uri="{28A0092B-C50C-407E-A947-70E740481C1C}">
+                <a14:useLocalDpi xmlns:a14="http://schemas.microsoft.com/office/drawing/2010/main" val="0"/>
+              </a:ext>
+            </a:extLst>
+          </a:blip>
+          <a:srcRect/>
+          <a:stretch>
+            <a:fillRect t="-23000" b="-23000"/>
+          </a:stretch>
+        </a:blipFill>
+        <a:ln w="19050" cap="rnd" cmpd="sng" algn="ctr">
+          <a:solidFill>
+            <a:schemeClr val="lt1">
+              <a:hueOff val="0"/>
+              <a:satOff val="0"/>
+              <a:lumOff val="0"/>
+              <a:alphaOff val="0"/>
+            </a:schemeClr>
+          </a:solidFill>
+          <a:prstDash val="solid"/>
+        </a:ln>
+        <a:effectLst/>
+      </dsp:spPr>
+      <dsp:style>
+        <a:lnRef idx="2">
+          <a:scrgbClr r="0" g="0" b="0"/>
+        </a:lnRef>
+        <a:fillRef idx="1">
+          <a:scrgbClr r="0" g="0" b="0"/>
+        </a:fillRef>
+        <a:effectRef idx="0">
+          <a:scrgbClr r="0" g="0" b="0"/>
+        </a:effectRef>
+        <a:fontRef idx="minor">
+          <a:schemeClr val="lt1"/>
+        </a:fontRef>
+      </dsp:style>
+    </dsp:sp>
+    <dsp:sp modelId="{3243D8B0-218F-4FC3-9EBC-CE3A4657CDCE}">
+      <dsp:nvSpPr>
+        <dsp:cNvPr id="0" name=""/>
+        <dsp:cNvSpPr/>
+      </dsp:nvSpPr>
+      <dsp:spPr>
+        <a:xfrm>
+          <a:off x="456537" y="2522437"/>
+          <a:ext cx="3658611" cy="1357344"/>
+        </a:xfrm>
+        <a:prstGeom prst="rect">
+          <a:avLst/>
+        </a:prstGeom>
+        <a:noFill/>
+        <a:ln>
+          <a:noFill/>
+        </a:ln>
+        <a:effectLst/>
+      </dsp:spPr>
+      <dsp:style>
+        <a:lnRef idx="0">
+          <a:scrgbClr r="0" g="0" b="0"/>
+        </a:lnRef>
+        <a:fillRef idx="0">
+          <a:scrgbClr r="0" g="0" b="0"/>
+        </a:fillRef>
+        <a:effectRef idx="0">
+          <a:scrgbClr r="0" g="0" b="0"/>
+        </a:effectRef>
+        <a:fontRef idx="minor"/>
+      </dsp:style>
+      <dsp:txBody>
+        <a:bodyPr spcFirstLastPara="0" vert="horz" wrap="square" lIns="462280" tIns="462280" rIns="462280" bIns="0" numCol="1" spcCol="1270" anchor="t" anchorCtr="0">
+          <a:noAutofit/>
+        </a:bodyPr>
+        <a:lstStyle/>
+        <a:p>
+          <a:pPr lvl="0" algn="ctr" defTabSz="2889250">
+            <a:lnSpc>
+              <a:spcPct val="90000"/>
+            </a:lnSpc>
+            <a:spcBef>
+              <a:spcPct val="0"/>
+            </a:spcBef>
+            <a:spcAft>
+              <a:spcPct val="35000"/>
+            </a:spcAft>
+          </a:pPr>
+          <a:endParaRPr lang="en-GB" sz="6500" kern="1200" dirty="0"/>
+        </a:p>
+      </dsp:txBody>
+      <dsp:txXfrm>
+        <a:off x="456537" y="2522437"/>
+        <a:ext cx="3658611" cy="1357344"/>
+      </dsp:txXfrm>
+    </dsp:sp>
+    <dsp:sp modelId="{85A45D3A-EBA4-4FC5-8EF5-EBCCFCE559F3}">
+      <dsp:nvSpPr>
+        <dsp:cNvPr id="0" name=""/>
+        <dsp:cNvSpPr/>
+      </dsp:nvSpPr>
+      <dsp:spPr>
+        <a:xfrm>
+          <a:off x="4481163" y="1654"/>
+          <a:ext cx="3658611" cy="2520783"/>
+        </a:xfrm>
+        <a:prstGeom prst="roundRect">
+          <a:avLst/>
+        </a:prstGeom>
+        <a:blipFill>
+          <a:blip xmlns:r="http://schemas.openxmlformats.org/officeDocument/2006/relationships" r:embed="rId2">
+            <a:extLst>
+              <a:ext uri="{28A0092B-C50C-407E-A947-70E740481C1C}">
+                <a14:useLocalDpi xmlns:a14="http://schemas.microsoft.com/office/drawing/2010/main" val="0"/>
+              </a:ext>
+            </a:extLst>
+          </a:blip>
+          <a:srcRect/>
+          <a:stretch>
+            <a:fillRect t="-24000" b="-24000"/>
+          </a:stretch>
+        </a:blipFill>
+        <a:ln w="19050" cap="rnd" cmpd="sng" algn="ctr">
+          <a:solidFill>
+            <a:schemeClr val="lt1">
+              <a:hueOff val="0"/>
+              <a:satOff val="0"/>
+              <a:lumOff val="0"/>
+              <a:alphaOff val="0"/>
+            </a:schemeClr>
+          </a:solidFill>
+          <a:prstDash val="solid"/>
+        </a:ln>
+        <a:effectLst/>
+      </dsp:spPr>
+      <dsp:style>
+        <a:lnRef idx="2">
+          <a:scrgbClr r="0" g="0" b="0"/>
+        </a:lnRef>
+        <a:fillRef idx="1">
+          <a:scrgbClr r="0" g="0" b="0"/>
+        </a:fillRef>
+        <a:effectRef idx="0">
+          <a:scrgbClr r="0" g="0" b="0"/>
+        </a:effectRef>
+        <a:fontRef idx="minor">
+          <a:schemeClr val="lt1"/>
+        </a:fontRef>
+      </dsp:style>
+    </dsp:sp>
+    <dsp:sp modelId="{F76790B2-0C34-4DDC-AC4C-558B90BE42D0}">
+      <dsp:nvSpPr>
+        <dsp:cNvPr id="0" name=""/>
+        <dsp:cNvSpPr/>
+      </dsp:nvSpPr>
+      <dsp:spPr>
+        <a:xfrm>
+          <a:off x="4481163" y="2522437"/>
+          <a:ext cx="3658611" cy="1357344"/>
+        </a:xfrm>
+        <a:prstGeom prst="rect">
+          <a:avLst/>
+        </a:prstGeom>
+        <a:noFill/>
+        <a:ln>
+          <a:noFill/>
+        </a:ln>
+        <a:effectLst/>
+      </dsp:spPr>
+      <dsp:style>
+        <a:lnRef idx="0">
+          <a:scrgbClr r="0" g="0" b="0"/>
+        </a:lnRef>
+        <a:fillRef idx="0">
+          <a:scrgbClr r="0" g="0" b="0"/>
+        </a:fillRef>
+        <a:effectRef idx="0">
+          <a:scrgbClr r="0" g="0" b="0"/>
+        </a:effectRef>
+        <a:fontRef idx="minor"/>
+      </dsp:style>
+      <dsp:txBody>
+        <a:bodyPr spcFirstLastPara="0" vert="horz" wrap="square" lIns="462280" tIns="462280" rIns="462280" bIns="0" numCol="1" spcCol="1270" anchor="t" anchorCtr="0">
+          <a:noAutofit/>
+        </a:bodyPr>
+        <a:lstStyle/>
+        <a:p>
+          <a:pPr lvl="0" algn="ctr" defTabSz="2889250">
+            <a:lnSpc>
+              <a:spcPct val="90000"/>
+            </a:lnSpc>
+            <a:spcBef>
+              <a:spcPct val="0"/>
+            </a:spcBef>
+            <a:spcAft>
+              <a:spcPct val="35000"/>
+            </a:spcAft>
+          </a:pPr>
+          <a:endParaRPr lang="en-GB" sz="6500" kern="1200" dirty="0"/>
+        </a:p>
+      </dsp:txBody>
+      <dsp:txXfrm>
+        <a:off x="4481163" y="2522437"/>
+        <a:ext cx="3658611" cy="1357344"/>
+      </dsp:txXfrm>
+    </dsp:sp>
   </dsp:spTree>
 </dsp:drawing>
 </file>
@@ -39845,7 +40439,7 @@
             <p:ph idx="1"/>
             <p:extLst>
               <p:ext uri="{D42A27DB-BD31-4B8C-83A1-F6EECF244321}">
-                <p14:modId xmlns:p14="http://schemas.microsoft.com/office/powerpoint/2010/main" val="1674446968"/>
+                <p14:modId xmlns:p14="http://schemas.microsoft.com/office/powerpoint/2010/main" val="1990236922"/>
               </p:ext>
             </p:extLst>
           </p:nvPr>
@@ -39984,7 +40578,7 @@
         </p:blipFill>
         <p:spPr>
           <a:xfrm>
-            <a:off x="4573634" y="1945559"/>
+            <a:off x="3760034" y="1945559"/>
             <a:ext cx="1627200" cy="1627200"/>
           </a:xfrm>
           <a:prstGeom prst="rect">
@@ -40014,8 +40608,8 @@
         </p:blipFill>
         <p:spPr>
           <a:xfrm>
-            <a:off x="2939272" y="2028809"/>
-            <a:ext cx="641053" cy="641053"/>
+            <a:off x="3760034" y="4901652"/>
+            <a:ext cx="1627200" cy="1627200"/>
           </a:xfrm>
           <a:prstGeom prst="rect">
             <a:avLst/>
@@ -40034,7 +40628,7 @@
         <p:spPr>
           <a:xfrm>
             <a:off x="1897636" y="2759159"/>
-            <a:ext cx="2675998" cy="0"/>
+            <a:ext cx="1862398" cy="0"/>
           </a:xfrm>
           <a:prstGeom prst="straightConnector1">
             <a:avLst/>
@@ -40080,7 +40674,7 @@
         </p:blipFill>
         <p:spPr>
           <a:xfrm>
-            <a:off x="8100811" y="1945559"/>
+            <a:off x="7300090" y="4901652"/>
             <a:ext cx="1627200" cy="1627200"/>
           </a:xfrm>
           <a:prstGeom prst="rect">
@@ -40110,7 +40704,7 @@
         </p:blipFill>
         <p:spPr>
           <a:xfrm>
-            <a:off x="8100811" y="4901652"/>
+            <a:off x="7300090" y="1945559"/>
             <a:ext cx="1627200" cy="1627200"/>
           </a:xfrm>
           <a:prstGeom prst="rect">
@@ -40120,17 +40714,17 @@
       </p:pic>
       <p:cxnSp>
         <p:nvCxnSpPr>
-          <p:cNvPr id="12" name="Straight Arrow Connector 11"/>
+          <p:cNvPr id="16" name="Straight Arrow Connector 15"/>
           <p:cNvCxnSpPr>
-            <a:stCxn id="5" idx="3"/>
-            <a:endCxn id="9" idx="1"/>
+            <a:stCxn id="5" idx="2"/>
+            <a:endCxn id="6" idx="0"/>
           </p:cNvCxnSpPr>
           <p:nvPr/>
         </p:nvCxnSpPr>
         <p:spPr>
           <a:xfrm>
-            <a:off x="6200834" y="2759159"/>
-            <a:ext cx="1899977" cy="0"/>
+            <a:off x="4573634" y="3572759"/>
+            <a:ext cx="0" cy="1328893"/>
           </a:xfrm>
           <a:prstGeom prst="straightConnector1">
             <a:avLst/>
@@ -40156,16 +40750,52 @@
       </p:cxnSp>
       <p:cxnSp>
         <p:nvCxnSpPr>
-          <p:cNvPr id="14" name="Straight Arrow Connector 13"/>
+          <p:cNvPr id="18" name="Straight Arrow Connector 17"/>
           <p:cNvCxnSpPr>
-            <a:stCxn id="9" idx="2"/>
-            <a:endCxn id="10" idx="0"/>
+            <a:stCxn id="6" idx="3"/>
+            <a:endCxn id="9" idx="1"/>
           </p:cNvCxnSpPr>
           <p:nvPr/>
         </p:nvCxnSpPr>
         <p:spPr>
           <a:xfrm>
-            <a:off x="8914411" y="3572759"/>
+            <a:off x="5387234" y="5715252"/>
+            <a:ext cx="1912856" cy="0"/>
+          </a:xfrm>
+          <a:prstGeom prst="straightConnector1">
+            <a:avLst/>
+          </a:prstGeom>
+          <a:ln w="38100">
+            <a:tailEnd type="arrow"/>
+          </a:ln>
+        </p:spPr>
+        <p:style>
+          <a:lnRef idx="1">
+            <a:schemeClr val="accent1"/>
+          </a:lnRef>
+          <a:fillRef idx="0">
+            <a:schemeClr val="accent1"/>
+          </a:fillRef>
+          <a:effectRef idx="0">
+            <a:schemeClr val="accent1"/>
+          </a:effectRef>
+          <a:fontRef idx="minor">
+            <a:schemeClr val="tx1"/>
+          </a:fontRef>
+        </p:style>
+      </p:cxnSp>
+      <p:cxnSp>
+        <p:nvCxnSpPr>
+          <p:cNvPr id="20" name="Straight Arrow Connector 19"/>
+          <p:cNvCxnSpPr>
+            <a:stCxn id="9" idx="0"/>
+            <a:endCxn id="10" idx="2"/>
+          </p:cNvCxnSpPr>
+          <p:nvPr/>
+        </p:nvCxnSpPr>
+        <p:spPr>
+          <a:xfrm flipV="1">
+            <a:off x="8113690" y="3572759"/>
             <a:ext cx="0" cy="1328893"/>
           </a:xfrm>
           <a:prstGeom prst="straightConnector1">
@@ -40215,7 +40845,435 @@
   <p:timing>
     <p:tnLst>
       <p:par>
-        <p:cTn id="1" dur="indefinite" restart="never" nodeType="tmRoot"/>
+        <p:cTn id="1" dur="indefinite" restart="never" nodeType="tmRoot">
+          <p:childTnLst>
+            <p:seq concurrent="1" nextAc="seek">
+              <p:cTn id="2" dur="indefinite" nodeType="mainSeq">
+                <p:childTnLst>
+                  <p:par>
+                    <p:cTn id="3" fill="hold">
+                      <p:stCondLst>
+                        <p:cond delay="indefinite"/>
+                      </p:stCondLst>
+                      <p:childTnLst>
+                        <p:par>
+                          <p:cTn id="4" fill="hold">
+                            <p:stCondLst>
+                              <p:cond delay="0"/>
+                            </p:stCondLst>
+                            <p:childTnLst>
+                              <p:par>
+                                <p:cTn id="5" presetID="14" presetClass="entr" presetSubtype="10" fill="hold" nodeType="clickEffect">
+                                  <p:stCondLst>
+                                    <p:cond delay="0"/>
+                                  </p:stCondLst>
+                                  <p:childTnLst>
+                                    <p:set>
+                                      <p:cBhvr>
+                                        <p:cTn id="6" dur="1" fill="hold">
+                                          <p:stCondLst>
+                                            <p:cond delay="0"/>
+                                          </p:stCondLst>
+                                        </p:cTn>
+                                        <p:tgtEl>
+                                          <p:spTgt spid="4"/>
+                                        </p:tgtEl>
+                                        <p:attrNameLst>
+                                          <p:attrName>style.visibility</p:attrName>
+                                        </p:attrNameLst>
+                                      </p:cBhvr>
+                                      <p:to>
+                                        <p:strVal val="visible"/>
+                                      </p:to>
+                                    </p:set>
+                                    <p:animEffect transition="in" filter="randombar(horizontal)">
+                                      <p:cBhvr>
+                                        <p:cTn id="7" dur="500"/>
+                                        <p:tgtEl>
+                                          <p:spTgt spid="4"/>
+                                        </p:tgtEl>
+                                      </p:cBhvr>
+                                    </p:animEffect>
+                                  </p:childTnLst>
+                                </p:cTn>
+                              </p:par>
+                            </p:childTnLst>
+                          </p:cTn>
+                        </p:par>
+                      </p:childTnLst>
+                    </p:cTn>
+                  </p:par>
+                  <p:par>
+                    <p:cTn id="8" fill="hold">
+                      <p:stCondLst>
+                        <p:cond delay="indefinite"/>
+                      </p:stCondLst>
+                      <p:childTnLst>
+                        <p:par>
+                          <p:cTn id="9" fill="hold">
+                            <p:stCondLst>
+                              <p:cond delay="0"/>
+                            </p:stCondLst>
+                            <p:childTnLst>
+                              <p:par>
+                                <p:cTn id="10" presetID="14" presetClass="entr" presetSubtype="10" fill="hold" nodeType="clickEffect">
+                                  <p:stCondLst>
+                                    <p:cond delay="0"/>
+                                  </p:stCondLst>
+                                  <p:childTnLst>
+                                    <p:set>
+                                      <p:cBhvr>
+                                        <p:cTn id="11" dur="1" fill="hold">
+                                          <p:stCondLst>
+                                            <p:cond delay="0"/>
+                                          </p:stCondLst>
+                                        </p:cTn>
+                                        <p:tgtEl>
+                                          <p:spTgt spid="8"/>
+                                        </p:tgtEl>
+                                        <p:attrNameLst>
+                                          <p:attrName>style.visibility</p:attrName>
+                                        </p:attrNameLst>
+                                      </p:cBhvr>
+                                      <p:to>
+                                        <p:strVal val="visible"/>
+                                      </p:to>
+                                    </p:set>
+                                    <p:animEffect transition="in" filter="randombar(horizontal)">
+                                      <p:cBhvr>
+                                        <p:cTn id="12" dur="500"/>
+                                        <p:tgtEl>
+                                          <p:spTgt spid="8"/>
+                                        </p:tgtEl>
+                                      </p:cBhvr>
+                                    </p:animEffect>
+                                  </p:childTnLst>
+                                </p:cTn>
+                              </p:par>
+                              <p:par>
+                                <p:cTn id="13" presetID="14" presetClass="entr" presetSubtype="10" fill="hold" nodeType="withEffect">
+                                  <p:stCondLst>
+                                    <p:cond delay="0"/>
+                                  </p:stCondLst>
+                                  <p:childTnLst>
+                                    <p:set>
+                                      <p:cBhvr>
+                                        <p:cTn id="14" dur="1" fill="hold">
+                                          <p:stCondLst>
+                                            <p:cond delay="0"/>
+                                          </p:stCondLst>
+                                        </p:cTn>
+                                        <p:tgtEl>
+                                          <p:spTgt spid="5"/>
+                                        </p:tgtEl>
+                                        <p:attrNameLst>
+                                          <p:attrName>style.visibility</p:attrName>
+                                        </p:attrNameLst>
+                                      </p:cBhvr>
+                                      <p:to>
+                                        <p:strVal val="visible"/>
+                                      </p:to>
+                                    </p:set>
+                                    <p:animEffect transition="in" filter="randombar(horizontal)">
+                                      <p:cBhvr>
+                                        <p:cTn id="15" dur="500"/>
+                                        <p:tgtEl>
+                                          <p:spTgt spid="5"/>
+                                        </p:tgtEl>
+                                      </p:cBhvr>
+                                    </p:animEffect>
+                                  </p:childTnLst>
+                                </p:cTn>
+                              </p:par>
+                            </p:childTnLst>
+                          </p:cTn>
+                        </p:par>
+                      </p:childTnLst>
+                    </p:cTn>
+                  </p:par>
+                  <p:par>
+                    <p:cTn id="16" fill="hold">
+                      <p:stCondLst>
+                        <p:cond delay="indefinite"/>
+                      </p:stCondLst>
+                      <p:childTnLst>
+                        <p:par>
+                          <p:cTn id="17" fill="hold">
+                            <p:stCondLst>
+                              <p:cond delay="0"/>
+                            </p:stCondLst>
+                            <p:childTnLst>
+                              <p:par>
+                                <p:cTn id="18" presetID="14" presetClass="entr" presetSubtype="10" fill="hold" nodeType="clickEffect">
+                                  <p:stCondLst>
+                                    <p:cond delay="0"/>
+                                  </p:stCondLst>
+                                  <p:childTnLst>
+                                    <p:set>
+                                      <p:cBhvr>
+                                        <p:cTn id="19" dur="1" fill="hold">
+                                          <p:stCondLst>
+                                            <p:cond delay="0"/>
+                                          </p:stCondLst>
+                                        </p:cTn>
+                                        <p:tgtEl>
+                                          <p:spTgt spid="16"/>
+                                        </p:tgtEl>
+                                        <p:attrNameLst>
+                                          <p:attrName>style.visibility</p:attrName>
+                                        </p:attrNameLst>
+                                      </p:cBhvr>
+                                      <p:to>
+                                        <p:strVal val="visible"/>
+                                      </p:to>
+                                    </p:set>
+                                    <p:animEffect transition="in" filter="randombar(horizontal)">
+                                      <p:cBhvr>
+                                        <p:cTn id="20" dur="500"/>
+                                        <p:tgtEl>
+                                          <p:spTgt spid="16"/>
+                                        </p:tgtEl>
+                                      </p:cBhvr>
+                                    </p:animEffect>
+                                  </p:childTnLst>
+                                </p:cTn>
+                              </p:par>
+                              <p:par>
+                                <p:cTn id="21" presetID="14" presetClass="entr" presetSubtype="10" fill="hold" nodeType="withEffect">
+                                  <p:stCondLst>
+                                    <p:cond delay="0"/>
+                                  </p:stCondLst>
+                                  <p:childTnLst>
+                                    <p:set>
+                                      <p:cBhvr>
+                                        <p:cTn id="22" dur="1" fill="hold">
+                                          <p:stCondLst>
+                                            <p:cond delay="0"/>
+                                          </p:stCondLst>
+                                        </p:cTn>
+                                        <p:tgtEl>
+                                          <p:spTgt spid="6"/>
+                                        </p:tgtEl>
+                                        <p:attrNameLst>
+                                          <p:attrName>style.visibility</p:attrName>
+                                        </p:attrNameLst>
+                                      </p:cBhvr>
+                                      <p:to>
+                                        <p:strVal val="visible"/>
+                                      </p:to>
+                                    </p:set>
+                                    <p:animEffect transition="in" filter="randombar(horizontal)">
+                                      <p:cBhvr>
+                                        <p:cTn id="23" dur="500"/>
+                                        <p:tgtEl>
+                                          <p:spTgt spid="6"/>
+                                        </p:tgtEl>
+                                      </p:cBhvr>
+                                    </p:animEffect>
+                                  </p:childTnLst>
+                                </p:cTn>
+                              </p:par>
+                            </p:childTnLst>
+                          </p:cTn>
+                        </p:par>
+                      </p:childTnLst>
+                    </p:cTn>
+                  </p:par>
+                  <p:par>
+                    <p:cTn id="24" fill="hold">
+                      <p:stCondLst>
+                        <p:cond delay="indefinite"/>
+                      </p:stCondLst>
+                      <p:childTnLst>
+                        <p:par>
+                          <p:cTn id="25" fill="hold">
+                            <p:stCondLst>
+                              <p:cond delay="0"/>
+                            </p:stCondLst>
+                            <p:childTnLst>
+                              <p:par>
+                                <p:cTn id="26" presetID="14" presetClass="entr" presetSubtype="10" fill="hold" nodeType="clickEffect">
+                                  <p:stCondLst>
+                                    <p:cond delay="0"/>
+                                  </p:stCondLst>
+                                  <p:childTnLst>
+                                    <p:set>
+                                      <p:cBhvr>
+                                        <p:cTn id="27" dur="1" fill="hold">
+                                          <p:stCondLst>
+                                            <p:cond delay="0"/>
+                                          </p:stCondLst>
+                                        </p:cTn>
+                                        <p:tgtEl>
+                                          <p:spTgt spid="18"/>
+                                        </p:tgtEl>
+                                        <p:attrNameLst>
+                                          <p:attrName>style.visibility</p:attrName>
+                                        </p:attrNameLst>
+                                      </p:cBhvr>
+                                      <p:to>
+                                        <p:strVal val="visible"/>
+                                      </p:to>
+                                    </p:set>
+                                    <p:animEffect transition="in" filter="randombar(horizontal)">
+                                      <p:cBhvr>
+                                        <p:cTn id="28" dur="500"/>
+                                        <p:tgtEl>
+                                          <p:spTgt spid="18"/>
+                                        </p:tgtEl>
+                                      </p:cBhvr>
+                                    </p:animEffect>
+                                  </p:childTnLst>
+                                </p:cTn>
+                              </p:par>
+                              <p:par>
+                                <p:cTn id="29" presetID="14" presetClass="entr" presetSubtype="10" fill="hold" nodeType="withEffect">
+                                  <p:stCondLst>
+                                    <p:cond delay="0"/>
+                                  </p:stCondLst>
+                                  <p:childTnLst>
+                                    <p:set>
+                                      <p:cBhvr>
+                                        <p:cTn id="30" dur="1" fill="hold">
+                                          <p:stCondLst>
+                                            <p:cond delay="0"/>
+                                          </p:stCondLst>
+                                        </p:cTn>
+                                        <p:tgtEl>
+                                          <p:spTgt spid="9"/>
+                                        </p:tgtEl>
+                                        <p:attrNameLst>
+                                          <p:attrName>style.visibility</p:attrName>
+                                        </p:attrNameLst>
+                                      </p:cBhvr>
+                                      <p:to>
+                                        <p:strVal val="visible"/>
+                                      </p:to>
+                                    </p:set>
+                                    <p:animEffect transition="in" filter="randombar(horizontal)">
+                                      <p:cBhvr>
+                                        <p:cTn id="31" dur="500"/>
+                                        <p:tgtEl>
+                                          <p:spTgt spid="9"/>
+                                        </p:tgtEl>
+                                      </p:cBhvr>
+                                    </p:animEffect>
+                                  </p:childTnLst>
+                                </p:cTn>
+                              </p:par>
+                            </p:childTnLst>
+                          </p:cTn>
+                        </p:par>
+                      </p:childTnLst>
+                    </p:cTn>
+                  </p:par>
+                  <p:par>
+                    <p:cTn id="32" fill="hold">
+                      <p:stCondLst>
+                        <p:cond delay="indefinite"/>
+                      </p:stCondLst>
+                      <p:childTnLst>
+                        <p:par>
+                          <p:cTn id="33" fill="hold">
+                            <p:stCondLst>
+                              <p:cond delay="0"/>
+                            </p:stCondLst>
+                            <p:childTnLst>
+                              <p:par>
+                                <p:cTn id="34" presetID="14" presetClass="entr" presetSubtype="10" fill="hold" nodeType="clickEffect">
+                                  <p:stCondLst>
+                                    <p:cond delay="0"/>
+                                  </p:stCondLst>
+                                  <p:childTnLst>
+                                    <p:set>
+                                      <p:cBhvr>
+                                        <p:cTn id="35" dur="1" fill="hold">
+                                          <p:stCondLst>
+                                            <p:cond delay="0"/>
+                                          </p:stCondLst>
+                                        </p:cTn>
+                                        <p:tgtEl>
+                                          <p:spTgt spid="20"/>
+                                        </p:tgtEl>
+                                        <p:attrNameLst>
+                                          <p:attrName>style.visibility</p:attrName>
+                                        </p:attrNameLst>
+                                      </p:cBhvr>
+                                      <p:to>
+                                        <p:strVal val="visible"/>
+                                      </p:to>
+                                    </p:set>
+                                    <p:animEffect transition="in" filter="randombar(horizontal)">
+                                      <p:cBhvr>
+                                        <p:cTn id="36" dur="500"/>
+                                        <p:tgtEl>
+                                          <p:spTgt spid="20"/>
+                                        </p:tgtEl>
+                                      </p:cBhvr>
+                                    </p:animEffect>
+                                  </p:childTnLst>
+                                </p:cTn>
+                              </p:par>
+                              <p:par>
+                                <p:cTn id="37" presetID="14" presetClass="entr" presetSubtype="10" fill="hold" nodeType="withEffect">
+                                  <p:stCondLst>
+                                    <p:cond delay="0"/>
+                                  </p:stCondLst>
+                                  <p:childTnLst>
+                                    <p:set>
+                                      <p:cBhvr>
+                                        <p:cTn id="38" dur="1" fill="hold">
+                                          <p:stCondLst>
+                                            <p:cond delay="0"/>
+                                          </p:stCondLst>
+                                        </p:cTn>
+                                        <p:tgtEl>
+                                          <p:spTgt spid="10"/>
+                                        </p:tgtEl>
+                                        <p:attrNameLst>
+                                          <p:attrName>style.visibility</p:attrName>
+                                        </p:attrNameLst>
+                                      </p:cBhvr>
+                                      <p:to>
+                                        <p:strVal val="visible"/>
+                                      </p:to>
+                                    </p:set>
+                                    <p:animEffect transition="in" filter="randombar(horizontal)">
+                                      <p:cBhvr>
+                                        <p:cTn id="39" dur="500"/>
+                                        <p:tgtEl>
+                                          <p:spTgt spid="10"/>
+                                        </p:tgtEl>
+                                      </p:cBhvr>
+                                    </p:animEffect>
+                                  </p:childTnLst>
+                                </p:cTn>
+                              </p:par>
+                            </p:childTnLst>
+                          </p:cTn>
+                        </p:par>
+                      </p:childTnLst>
+                    </p:cTn>
+                  </p:par>
+                </p:childTnLst>
+              </p:cTn>
+              <p:prevCondLst>
+                <p:cond evt="onPrev" delay="0">
+                  <p:tgtEl>
+                    <p:sldTgt/>
+                  </p:tgtEl>
+                </p:cond>
+              </p:prevCondLst>
+              <p:nextCondLst>
+                <p:cond evt="onNext" delay="0">
+                  <p:tgtEl>
+                    <p:sldTgt/>
+                  </p:tgtEl>
+                </p:cond>
+              </p:nextCondLst>
+            </p:seq>
+          </p:childTnLst>
+        </p:cTn>
       </p:par>
     </p:tnLst>
   </p:timing>

--- a/ smart-buy/Slides/Smart Buy.pptx
+++ b/ smart-buy/Slides/Smart Buy.pptx
@@ -9,27 +9,30 @@
     <p:sldId id="257" r:id="rId3"/>
     <p:sldId id="258" r:id="rId4"/>
     <p:sldId id="259" r:id="rId5"/>
-    <p:sldId id="271" r:id="rId6"/>
-    <p:sldId id="272" r:id="rId7"/>
-    <p:sldId id="269" r:id="rId8"/>
-    <p:sldId id="285" r:id="rId9"/>
-    <p:sldId id="284" r:id="rId10"/>
-    <p:sldId id="274" r:id="rId11"/>
-    <p:sldId id="265" r:id="rId12"/>
-    <p:sldId id="266" r:id="rId13"/>
-    <p:sldId id="275" r:id="rId14"/>
-    <p:sldId id="276" r:id="rId15"/>
-    <p:sldId id="267" r:id="rId16"/>
-    <p:sldId id="278" r:id="rId17"/>
-    <p:sldId id="277" r:id="rId18"/>
-    <p:sldId id="282" r:id="rId19"/>
-    <p:sldId id="283" r:id="rId20"/>
-    <p:sldId id="281" r:id="rId21"/>
-    <p:sldId id="279" r:id="rId22"/>
-    <p:sldId id="261" r:id="rId23"/>
-    <p:sldId id="268" r:id="rId24"/>
-    <p:sldId id="270" r:id="rId25"/>
-    <p:sldId id="264" r:id="rId26"/>
+    <p:sldId id="286" r:id="rId6"/>
+    <p:sldId id="287" r:id="rId7"/>
+    <p:sldId id="288" r:id="rId8"/>
+    <p:sldId id="289" r:id="rId9"/>
+    <p:sldId id="272" r:id="rId10"/>
+    <p:sldId id="269" r:id="rId11"/>
+    <p:sldId id="285" r:id="rId12"/>
+    <p:sldId id="284" r:id="rId13"/>
+    <p:sldId id="274" r:id="rId14"/>
+    <p:sldId id="265" r:id="rId15"/>
+    <p:sldId id="266" r:id="rId16"/>
+    <p:sldId id="275" r:id="rId17"/>
+    <p:sldId id="276" r:id="rId18"/>
+    <p:sldId id="267" r:id="rId19"/>
+    <p:sldId id="278" r:id="rId20"/>
+    <p:sldId id="277" r:id="rId21"/>
+    <p:sldId id="282" r:id="rId22"/>
+    <p:sldId id="283" r:id="rId23"/>
+    <p:sldId id="281" r:id="rId24"/>
+    <p:sldId id="279" r:id="rId25"/>
+    <p:sldId id="261" r:id="rId26"/>
+    <p:sldId id="268" r:id="rId27"/>
+    <p:sldId id="270" r:id="rId28"/>
+    <p:sldId id="264" r:id="rId29"/>
   </p:sldIdLst>
   <p:sldSz cx="12192000" cy="6858000"/>
   <p:notesSz cx="6858000" cy="9144000"/>
@@ -25522,6 +25525,1227 @@
           <a:p>
             <a:r>
               <a:rPr lang="en-US" dirty="0" smtClean="0"/>
+              <a:t>Our Solution</a:t>
+            </a:r>
+            <a:endParaRPr lang="en-GB" dirty="0"/>
+          </a:p>
+        </p:txBody>
+      </p:sp>
+      <p:pic>
+        <p:nvPicPr>
+          <p:cNvPr id="8" name="Content Placeholder 7"/>
+          <p:cNvPicPr>
+            <a:picLocks noGrp="1" noChangeAspect="1"/>
+          </p:cNvPicPr>
+          <p:nvPr>
+            <p:ph idx="1"/>
+          </p:nvPr>
+        </p:nvPicPr>
+        <p:blipFill>
+          <a:blip r:embed="rId2">
+            <a:extLst>
+              <a:ext uri="{28A0092B-C50C-407E-A947-70E740481C1C}">
+                <a14:useLocalDpi xmlns:a14="http://schemas.microsoft.com/office/drawing/2010/main" val="0"/>
+              </a:ext>
+            </a:extLst>
+          </a:blip>
+          <a:stretch>
+            <a:fillRect/>
+          </a:stretch>
+        </p:blipFill>
+        <p:spPr>
+          <a:xfrm>
+            <a:off x="829487" y="2354594"/>
+            <a:ext cx="1627200" cy="1627200"/>
+          </a:xfrm>
+        </p:spPr>
+      </p:pic>
+      <p:pic>
+        <p:nvPicPr>
+          <p:cNvPr id="9" name="Picture 8"/>
+          <p:cNvPicPr>
+            <a:picLocks noChangeAspect="1"/>
+          </p:cNvPicPr>
+          <p:nvPr/>
+        </p:nvPicPr>
+        <p:blipFill>
+          <a:blip r:embed="rId3" cstate="print">
+            <a:extLst>
+              <a:ext uri="{28A0092B-C50C-407E-A947-70E740481C1C}">
+                <a14:useLocalDpi xmlns:a14="http://schemas.microsoft.com/office/drawing/2010/main" val="0"/>
+              </a:ext>
+            </a:extLst>
+          </a:blip>
+          <a:stretch>
+            <a:fillRect/>
+          </a:stretch>
+        </p:blipFill>
+        <p:spPr>
+          <a:xfrm>
+            <a:off x="5104326" y="2354594"/>
+            <a:ext cx="1446895" cy="1627200"/>
+          </a:xfrm>
+          <a:prstGeom prst="rect">
+            <a:avLst/>
+          </a:prstGeom>
+        </p:spPr>
+      </p:pic>
+      <p:pic>
+        <p:nvPicPr>
+          <p:cNvPr id="10" name="Picture 9"/>
+          <p:cNvPicPr>
+            <a:picLocks noChangeAspect="1"/>
+          </p:cNvPicPr>
+          <p:nvPr/>
+        </p:nvPicPr>
+        <p:blipFill>
+          <a:blip r:embed="rId4">
+            <a:extLst>
+              <a:ext uri="{28A0092B-C50C-407E-A947-70E740481C1C}">
+                <a14:useLocalDpi xmlns:a14="http://schemas.microsoft.com/office/drawing/2010/main" val="0"/>
+              </a:ext>
+            </a:extLst>
+          </a:blip>
+          <a:stretch>
+            <a:fillRect/>
+          </a:stretch>
+        </p:blipFill>
+        <p:spPr>
+          <a:xfrm>
+            <a:off x="9062905" y="2406101"/>
+            <a:ext cx="1627200" cy="1627200"/>
+          </a:xfrm>
+          <a:prstGeom prst="rect">
+            <a:avLst/>
+          </a:prstGeom>
+        </p:spPr>
+      </p:pic>
+      <p:sp>
+        <p:nvSpPr>
+          <p:cNvPr id="11" name="Right Arrow 10"/>
+          <p:cNvSpPr/>
+          <p:nvPr/>
+        </p:nvSpPr>
+        <p:spPr>
+          <a:xfrm>
+            <a:off x="2588654" y="2665927"/>
+            <a:ext cx="2511380" cy="1171977"/>
+          </a:xfrm>
+          <a:prstGeom prst="rightArrow">
+            <a:avLst/>
+          </a:prstGeom>
+        </p:spPr>
+        <p:style>
+          <a:lnRef idx="2">
+            <a:schemeClr val="accent1">
+              <a:shade val="50000"/>
+            </a:schemeClr>
+          </a:lnRef>
+          <a:fillRef idx="1">
+            <a:schemeClr val="accent1"/>
+          </a:fillRef>
+          <a:effectRef idx="0">
+            <a:schemeClr val="accent1"/>
+          </a:effectRef>
+          <a:fontRef idx="minor">
+            <a:schemeClr val="lt1"/>
+          </a:fontRef>
+        </p:style>
+        <p:txBody>
+          <a:bodyPr rtlCol="0" anchor="ctr"/>
+          <a:lstStyle/>
+          <a:p>
+            <a:pPr algn="ctr"/>
+            <a:r>
+              <a:rPr lang="en-US" dirty="0" smtClean="0"/>
+              <a:t>Track</a:t>
+            </a:r>
+            <a:endParaRPr lang="en-GB" dirty="0"/>
+          </a:p>
+        </p:txBody>
+      </p:sp>
+      <p:sp>
+        <p:nvSpPr>
+          <p:cNvPr id="12" name="Right Arrow 11"/>
+          <p:cNvSpPr/>
+          <p:nvPr/>
+        </p:nvSpPr>
+        <p:spPr>
+          <a:xfrm>
+            <a:off x="6550105" y="2664304"/>
+            <a:ext cx="2512800" cy="1173600"/>
+          </a:xfrm>
+          <a:prstGeom prst="rightArrow">
+            <a:avLst/>
+          </a:prstGeom>
+        </p:spPr>
+        <p:style>
+          <a:lnRef idx="2">
+            <a:schemeClr val="accent1">
+              <a:shade val="50000"/>
+            </a:schemeClr>
+          </a:lnRef>
+          <a:fillRef idx="1">
+            <a:schemeClr val="accent1"/>
+          </a:fillRef>
+          <a:effectRef idx="0">
+            <a:schemeClr val="accent1"/>
+          </a:effectRef>
+          <a:fontRef idx="minor">
+            <a:schemeClr val="lt1"/>
+          </a:fontRef>
+        </p:style>
+        <p:txBody>
+          <a:bodyPr rtlCol="0" anchor="ctr"/>
+          <a:lstStyle/>
+          <a:p>
+            <a:pPr algn="ctr"/>
+            <a:r>
+              <a:rPr lang="en-US" dirty="0" smtClean="0"/>
+              <a:t>Give</a:t>
+            </a:r>
+            <a:endParaRPr lang="en-GB" dirty="0"/>
+          </a:p>
+        </p:txBody>
+      </p:sp>
+      <p:sp>
+        <p:nvSpPr>
+          <p:cNvPr id="13" name="TextBox 12"/>
+          <p:cNvSpPr txBox="1"/>
+          <p:nvPr/>
+        </p:nvSpPr>
+        <p:spPr>
+          <a:xfrm>
+            <a:off x="1068945" y="4108359"/>
+            <a:ext cx="912429" cy="369332"/>
+          </a:xfrm>
+          <a:prstGeom prst="rect">
+            <a:avLst/>
+          </a:prstGeom>
+          <a:noFill/>
+        </p:spPr>
+        <p:txBody>
+          <a:bodyPr wrap="none" rtlCol="0">
+            <a:spAutoFit/>
+          </a:bodyPr>
+          <a:lstStyle/>
+          <a:p>
+            <a:r>
+              <a:rPr lang="en-US" dirty="0" smtClean="0"/>
+              <a:t>System</a:t>
+            </a:r>
+            <a:endParaRPr lang="en-GB" dirty="0"/>
+          </a:p>
+        </p:txBody>
+      </p:sp>
+      <p:sp>
+        <p:nvSpPr>
+          <p:cNvPr id="14" name="TextBox 13"/>
+          <p:cNvSpPr txBox="1"/>
+          <p:nvPr/>
+        </p:nvSpPr>
+        <p:spPr>
+          <a:xfrm>
+            <a:off x="5478767" y="4108359"/>
+            <a:ext cx="698012" cy="369332"/>
+          </a:xfrm>
+          <a:prstGeom prst="rect">
+            <a:avLst/>
+          </a:prstGeom>
+          <a:noFill/>
+        </p:spPr>
+        <p:txBody>
+          <a:bodyPr wrap="none" rtlCol="0">
+            <a:spAutoFit/>
+          </a:bodyPr>
+          <a:lstStyle/>
+          <a:p>
+            <a:r>
+              <a:rPr lang="en-US" dirty="0" smtClean="0"/>
+              <a:t>Price</a:t>
+            </a:r>
+            <a:endParaRPr lang="en-GB" dirty="0"/>
+          </a:p>
+        </p:txBody>
+      </p:sp>
+      <p:sp>
+        <p:nvSpPr>
+          <p:cNvPr id="15" name="TextBox 14"/>
+          <p:cNvSpPr txBox="1"/>
+          <p:nvPr/>
+        </p:nvSpPr>
+        <p:spPr>
+          <a:xfrm>
+            <a:off x="9236746" y="4108359"/>
+            <a:ext cx="1279517" cy="369332"/>
+          </a:xfrm>
+          <a:prstGeom prst="rect">
+            <a:avLst/>
+          </a:prstGeom>
+          <a:noFill/>
+        </p:spPr>
+        <p:txBody>
+          <a:bodyPr wrap="none" rtlCol="0">
+            <a:spAutoFit/>
+          </a:bodyPr>
+          <a:lstStyle/>
+          <a:p>
+            <a:r>
+              <a:rPr lang="en-US" dirty="0" smtClean="0"/>
+              <a:t>Suggestion</a:t>
+            </a:r>
+            <a:endParaRPr lang="en-GB" dirty="0"/>
+          </a:p>
+        </p:txBody>
+      </p:sp>
+    </p:spTree>
+    <p:extLst>
+      <p:ext uri="{BB962C8B-B14F-4D97-AF65-F5344CB8AC3E}">
+        <p14:creationId xmlns:p14="http://schemas.microsoft.com/office/powerpoint/2010/main" val="3140107869"/>
+      </p:ext>
+    </p:extLst>
+  </p:cSld>
+  <p:clrMapOvr>
+    <a:masterClrMapping/>
+  </p:clrMapOvr>
+  <p:transition spd="slow">
+    <p:wipe dir="r"/>
+  </p:transition>
+  <p:timing>
+    <p:tnLst>
+      <p:par>
+        <p:cTn id="1" dur="indefinite" restart="never" nodeType="tmRoot"/>
+      </p:par>
+    </p:tnLst>
+  </p:timing>
+</p:sld>
+</file>
+
+<file path=ppt/slides/slide11.xml><?xml version="1.0" encoding="utf-8"?>
+<p:sld xmlns:a="http://schemas.openxmlformats.org/drawingml/2006/main" xmlns:r="http://schemas.openxmlformats.org/officeDocument/2006/relationships" xmlns:p="http://schemas.openxmlformats.org/presentationml/2006/main">
+  <p:cSld>
+    <p:spTree>
+      <p:nvGrpSpPr>
+        <p:cNvPr id="1" name=""/>
+        <p:cNvGrpSpPr/>
+        <p:nvPr/>
+      </p:nvGrpSpPr>
+      <p:grpSpPr>
+        <a:xfrm>
+          <a:off x="0" y="0"/>
+          <a:ext cx="0" cy="0"/>
+          <a:chOff x="0" y="0"/>
+          <a:chExt cx="0" cy="0"/>
+        </a:xfrm>
+      </p:grpSpPr>
+      <p:sp>
+        <p:nvSpPr>
+          <p:cNvPr id="2" name="Title 1"/>
+          <p:cNvSpPr>
+            <a:spLocks noGrp="1"/>
+          </p:cNvSpPr>
+          <p:nvPr>
+            <p:ph type="title"/>
+          </p:nvPr>
+        </p:nvSpPr>
+        <p:spPr/>
+        <p:txBody>
+          <a:bodyPr/>
+          <a:lstStyle/>
+          <a:p>
+            <a:r>
+              <a:rPr lang="en-US" dirty="0" smtClean="0"/>
+              <a:t>Features</a:t>
+            </a:r>
+            <a:endParaRPr lang="en-GB" dirty="0"/>
+          </a:p>
+        </p:txBody>
+      </p:sp>
+      <p:graphicFrame>
+        <p:nvGraphicFramePr>
+          <p:cNvPr id="4" name="Content Placeholder 3"/>
+          <p:cNvGraphicFramePr>
+            <a:graphicFrameLocks noGrp="1"/>
+          </p:cNvGraphicFramePr>
+          <p:nvPr>
+            <p:ph idx="1"/>
+            <p:extLst>
+              <p:ext uri="{D42A27DB-BD31-4B8C-83A1-F6EECF244321}">
+                <p14:modId xmlns:p14="http://schemas.microsoft.com/office/powerpoint/2010/main" val="1990236922"/>
+              </p:ext>
+            </p:extLst>
+          </p:nvPr>
+        </p:nvGraphicFramePr>
+        <p:xfrm>
+          <a:off x="458922" y="1787101"/>
+          <a:ext cx="9689630" cy="4613699"/>
+        </p:xfrm>
+        <a:graphic>
+          <a:graphicData uri="http://schemas.openxmlformats.org/drawingml/2006/diagram">
+            <dgm:relIds xmlns:dgm="http://schemas.openxmlformats.org/drawingml/2006/diagram" xmlns:r="http://schemas.openxmlformats.org/officeDocument/2006/relationships" r:dm="rId2" r:lo="rId3" r:qs="rId4" r:cs="rId5"/>
+          </a:graphicData>
+        </a:graphic>
+      </p:graphicFrame>
+    </p:spTree>
+    <p:extLst>
+      <p:ext uri="{BB962C8B-B14F-4D97-AF65-F5344CB8AC3E}">
+        <p14:creationId xmlns:p14="http://schemas.microsoft.com/office/powerpoint/2010/main" val="2669957109"/>
+      </p:ext>
+    </p:extLst>
+  </p:cSld>
+  <p:clrMapOvr>
+    <a:masterClrMapping/>
+  </p:clrMapOvr>
+  <mc:AlternateContent xmlns:mc="http://schemas.openxmlformats.org/markup-compatibility/2006">
+    <mc:Choice xmlns:p14="http://schemas.microsoft.com/office/powerpoint/2010/main" Requires="p14">
+      <p:transition spd="slow" p14:dur="1500">
+        <p:split orient="vert"/>
+      </p:transition>
+    </mc:Choice>
+    <mc:Fallback>
+      <p:transition spd="slow">
+        <p:split orient="vert"/>
+      </p:transition>
+    </mc:Fallback>
+  </mc:AlternateContent>
+  <p:timing>
+    <p:tnLst>
+      <p:par>
+        <p:cTn id="1" dur="indefinite" restart="never" nodeType="tmRoot"/>
+      </p:par>
+    </p:tnLst>
+  </p:timing>
+</p:sld>
+</file>
+
+<file path=ppt/slides/slide12.xml><?xml version="1.0" encoding="utf-8"?>
+<p:sld xmlns:a="http://schemas.openxmlformats.org/drawingml/2006/main" xmlns:r="http://schemas.openxmlformats.org/officeDocument/2006/relationships" xmlns:p="http://schemas.openxmlformats.org/presentationml/2006/main">
+  <p:cSld>
+    <p:spTree>
+      <p:nvGrpSpPr>
+        <p:cNvPr id="1" name=""/>
+        <p:cNvGrpSpPr/>
+        <p:nvPr/>
+      </p:nvGrpSpPr>
+      <p:grpSpPr>
+        <a:xfrm>
+          <a:off x="0" y="0"/>
+          <a:ext cx="0" cy="0"/>
+          <a:chOff x="0" y="0"/>
+          <a:chExt cx="0" cy="0"/>
+        </a:xfrm>
+      </p:grpSpPr>
+      <p:sp>
+        <p:nvSpPr>
+          <p:cNvPr id="2" name="Title 1"/>
+          <p:cNvSpPr>
+            <a:spLocks noGrp="1"/>
+          </p:cNvSpPr>
+          <p:nvPr>
+            <p:ph type="title"/>
+          </p:nvPr>
+        </p:nvSpPr>
+        <p:spPr/>
+        <p:txBody>
+          <a:bodyPr/>
+          <a:lstStyle/>
+          <a:p>
+            <a:r>
+              <a:rPr lang="en-US" dirty="0" smtClean="0"/>
+              <a:t>Demonstration Story</a:t>
+            </a:r>
+            <a:endParaRPr lang="en-GB" dirty="0"/>
+          </a:p>
+        </p:txBody>
+      </p:sp>
+      <p:pic>
+        <p:nvPicPr>
+          <p:cNvPr id="4" name="Picture 3"/>
+          <p:cNvPicPr>
+            <a:picLocks noChangeAspect="1"/>
+          </p:cNvPicPr>
+          <p:nvPr/>
+        </p:nvPicPr>
+        <p:blipFill>
+          <a:blip r:embed="rId2" cstate="print">
+            <a:extLst>
+              <a:ext uri="{28A0092B-C50C-407E-A947-70E740481C1C}">
+                <a14:useLocalDpi xmlns:a14="http://schemas.microsoft.com/office/drawing/2010/main" val="0"/>
+              </a:ext>
+            </a:extLst>
+          </a:blip>
+          <a:stretch>
+            <a:fillRect/>
+          </a:stretch>
+        </p:blipFill>
+        <p:spPr>
+          <a:xfrm>
+            <a:off x="352469" y="1945559"/>
+            <a:ext cx="1545167" cy="1627200"/>
+          </a:xfrm>
+          <a:prstGeom prst="rect">
+            <a:avLst/>
+          </a:prstGeom>
+        </p:spPr>
+      </p:pic>
+      <p:pic>
+        <p:nvPicPr>
+          <p:cNvPr id="5" name="Picture 4"/>
+          <p:cNvPicPr>
+            <a:picLocks noChangeAspect="1"/>
+          </p:cNvPicPr>
+          <p:nvPr/>
+        </p:nvPicPr>
+        <p:blipFill>
+          <a:blip r:embed="rId3">
+            <a:extLst>
+              <a:ext uri="{28A0092B-C50C-407E-A947-70E740481C1C}">
+                <a14:useLocalDpi xmlns:a14="http://schemas.microsoft.com/office/drawing/2010/main" val="0"/>
+              </a:ext>
+            </a:extLst>
+          </a:blip>
+          <a:stretch>
+            <a:fillRect/>
+          </a:stretch>
+        </p:blipFill>
+        <p:spPr>
+          <a:xfrm>
+            <a:off x="3760034" y="1945559"/>
+            <a:ext cx="1627200" cy="1627200"/>
+          </a:xfrm>
+          <a:prstGeom prst="rect">
+            <a:avLst/>
+          </a:prstGeom>
+        </p:spPr>
+      </p:pic>
+      <p:pic>
+        <p:nvPicPr>
+          <p:cNvPr id="6" name="Picture 5"/>
+          <p:cNvPicPr>
+            <a:picLocks noChangeAspect="1"/>
+          </p:cNvPicPr>
+          <p:nvPr/>
+        </p:nvPicPr>
+        <p:blipFill>
+          <a:blip r:embed="rId4" cstate="print">
+            <a:extLst>
+              <a:ext uri="{28A0092B-C50C-407E-A947-70E740481C1C}">
+                <a14:useLocalDpi xmlns:a14="http://schemas.microsoft.com/office/drawing/2010/main" val="0"/>
+              </a:ext>
+            </a:extLst>
+          </a:blip>
+          <a:stretch>
+            <a:fillRect/>
+          </a:stretch>
+        </p:blipFill>
+        <p:spPr>
+          <a:xfrm>
+            <a:off x="3760034" y="4901652"/>
+            <a:ext cx="1627200" cy="1627200"/>
+          </a:xfrm>
+          <a:prstGeom prst="rect">
+            <a:avLst/>
+          </a:prstGeom>
+        </p:spPr>
+      </p:pic>
+      <p:cxnSp>
+        <p:nvCxnSpPr>
+          <p:cNvPr id="8" name="Straight Arrow Connector 7"/>
+          <p:cNvCxnSpPr>
+            <a:stCxn id="4" idx="3"/>
+            <a:endCxn id="5" idx="1"/>
+          </p:cNvCxnSpPr>
+          <p:nvPr/>
+        </p:nvCxnSpPr>
+        <p:spPr>
+          <a:xfrm>
+            <a:off x="1897636" y="2759159"/>
+            <a:ext cx="1862398" cy="0"/>
+          </a:xfrm>
+          <a:prstGeom prst="straightConnector1">
+            <a:avLst/>
+          </a:prstGeom>
+          <a:ln w="38100">
+            <a:tailEnd type="arrow"/>
+          </a:ln>
+        </p:spPr>
+        <p:style>
+          <a:lnRef idx="1">
+            <a:schemeClr val="accent1"/>
+          </a:lnRef>
+          <a:fillRef idx="0">
+            <a:schemeClr val="accent1"/>
+          </a:fillRef>
+          <a:effectRef idx="0">
+            <a:schemeClr val="accent1"/>
+          </a:effectRef>
+          <a:fontRef idx="minor">
+            <a:schemeClr val="tx1"/>
+          </a:fontRef>
+        </p:style>
+      </p:cxnSp>
+      <p:pic>
+        <p:nvPicPr>
+          <p:cNvPr id="9" name="Picture 8"/>
+          <p:cNvPicPr>
+            <a:picLocks noChangeAspect="1"/>
+          </p:cNvPicPr>
+          <p:nvPr/>
+        </p:nvPicPr>
+        <p:blipFill>
+          <a:blip r:embed="rId5">
+            <a:extLst>
+              <a:ext uri="{28A0092B-C50C-407E-A947-70E740481C1C}">
+                <a14:useLocalDpi xmlns:a14="http://schemas.microsoft.com/office/drawing/2010/main" val="0"/>
+              </a:ext>
+            </a:extLst>
+          </a:blip>
+          <a:stretch>
+            <a:fillRect/>
+          </a:stretch>
+        </p:blipFill>
+        <p:spPr>
+          <a:xfrm>
+            <a:off x="7300090" y="4901652"/>
+            <a:ext cx="1627200" cy="1627200"/>
+          </a:xfrm>
+          <a:prstGeom prst="rect">
+            <a:avLst/>
+          </a:prstGeom>
+        </p:spPr>
+      </p:pic>
+      <p:pic>
+        <p:nvPicPr>
+          <p:cNvPr id="10" name="Picture 9"/>
+          <p:cNvPicPr>
+            <a:picLocks noChangeAspect="1"/>
+          </p:cNvPicPr>
+          <p:nvPr/>
+        </p:nvPicPr>
+        <p:blipFill>
+          <a:blip r:embed="rId6">
+            <a:extLst>
+              <a:ext uri="{28A0092B-C50C-407E-A947-70E740481C1C}">
+                <a14:useLocalDpi xmlns:a14="http://schemas.microsoft.com/office/drawing/2010/main" val="0"/>
+              </a:ext>
+            </a:extLst>
+          </a:blip>
+          <a:stretch>
+            <a:fillRect/>
+          </a:stretch>
+        </p:blipFill>
+        <p:spPr>
+          <a:xfrm>
+            <a:off x="7300090" y="1945559"/>
+            <a:ext cx="1627200" cy="1627200"/>
+          </a:xfrm>
+          <a:prstGeom prst="rect">
+            <a:avLst/>
+          </a:prstGeom>
+        </p:spPr>
+      </p:pic>
+      <p:cxnSp>
+        <p:nvCxnSpPr>
+          <p:cNvPr id="16" name="Straight Arrow Connector 15"/>
+          <p:cNvCxnSpPr>
+            <a:stCxn id="5" idx="2"/>
+            <a:endCxn id="6" idx="0"/>
+          </p:cNvCxnSpPr>
+          <p:nvPr/>
+        </p:nvCxnSpPr>
+        <p:spPr>
+          <a:xfrm>
+            <a:off x="4573634" y="3572759"/>
+            <a:ext cx="0" cy="1328893"/>
+          </a:xfrm>
+          <a:prstGeom prst="straightConnector1">
+            <a:avLst/>
+          </a:prstGeom>
+          <a:ln w="38100">
+            <a:tailEnd type="arrow"/>
+          </a:ln>
+        </p:spPr>
+        <p:style>
+          <a:lnRef idx="1">
+            <a:schemeClr val="accent1"/>
+          </a:lnRef>
+          <a:fillRef idx="0">
+            <a:schemeClr val="accent1"/>
+          </a:fillRef>
+          <a:effectRef idx="0">
+            <a:schemeClr val="accent1"/>
+          </a:effectRef>
+          <a:fontRef idx="minor">
+            <a:schemeClr val="tx1"/>
+          </a:fontRef>
+        </p:style>
+      </p:cxnSp>
+      <p:cxnSp>
+        <p:nvCxnSpPr>
+          <p:cNvPr id="18" name="Straight Arrow Connector 17"/>
+          <p:cNvCxnSpPr>
+            <a:stCxn id="6" idx="3"/>
+            <a:endCxn id="9" idx="1"/>
+          </p:cNvCxnSpPr>
+          <p:nvPr/>
+        </p:nvCxnSpPr>
+        <p:spPr>
+          <a:xfrm>
+            <a:off x="5387234" y="5715252"/>
+            <a:ext cx="1912856" cy="0"/>
+          </a:xfrm>
+          <a:prstGeom prst="straightConnector1">
+            <a:avLst/>
+          </a:prstGeom>
+          <a:ln w="38100">
+            <a:tailEnd type="arrow"/>
+          </a:ln>
+        </p:spPr>
+        <p:style>
+          <a:lnRef idx="1">
+            <a:schemeClr val="accent1"/>
+          </a:lnRef>
+          <a:fillRef idx="0">
+            <a:schemeClr val="accent1"/>
+          </a:fillRef>
+          <a:effectRef idx="0">
+            <a:schemeClr val="accent1"/>
+          </a:effectRef>
+          <a:fontRef idx="minor">
+            <a:schemeClr val="tx1"/>
+          </a:fontRef>
+        </p:style>
+      </p:cxnSp>
+      <p:cxnSp>
+        <p:nvCxnSpPr>
+          <p:cNvPr id="20" name="Straight Arrow Connector 19"/>
+          <p:cNvCxnSpPr>
+            <a:stCxn id="9" idx="0"/>
+            <a:endCxn id="10" idx="2"/>
+          </p:cNvCxnSpPr>
+          <p:nvPr/>
+        </p:nvCxnSpPr>
+        <p:spPr>
+          <a:xfrm flipV="1">
+            <a:off x="8113690" y="3572759"/>
+            <a:ext cx="0" cy="1328893"/>
+          </a:xfrm>
+          <a:prstGeom prst="straightConnector1">
+            <a:avLst/>
+          </a:prstGeom>
+          <a:ln w="38100">
+            <a:tailEnd type="arrow"/>
+          </a:ln>
+        </p:spPr>
+        <p:style>
+          <a:lnRef idx="1">
+            <a:schemeClr val="accent1"/>
+          </a:lnRef>
+          <a:fillRef idx="0">
+            <a:schemeClr val="accent1"/>
+          </a:fillRef>
+          <a:effectRef idx="0">
+            <a:schemeClr val="accent1"/>
+          </a:effectRef>
+          <a:fontRef idx="minor">
+            <a:schemeClr val="tx1"/>
+          </a:fontRef>
+        </p:style>
+      </p:cxnSp>
+    </p:spTree>
+    <p:extLst>
+      <p:ext uri="{BB962C8B-B14F-4D97-AF65-F5344CB8AC3E}">
+        <p14:creationId xmlns:p14="http://schemas.microsoft.com/office/powerpoint/2010/main" val="1836446923"/>
+      </p:ext>
+    </p:extLst>
+  </p:cSld>
+  <p:clrMapOvr>
+    <a:masterClrMapping/>
+  </p:clrMapOvr>
+  <mc:AlternateContent xmlns:mc="http://schemas.openxmlformats.org/markup-compatibility/2006" xmlns:p14="http://schemas.microsoft.com/office/powerpoint/2010/main">
+    <mc:Choice Requires="p14">
+      <p:transition spd="slow" p14:dur="1600">
+        <p:blinds dir="vert"/>
+      </p:transition>
+    </mc:Choice>
+    <mc:Fallback xmlns="">
+      <p:transition spd="slow">
+        <p:blinds dir="vert"/>
+      </p:transition>
+    </mc:Fallback>
+  </mc:AlternateContent>
+  <p:timing>
+    <p:tnLst>
+      <p:par>
+        <p:cTn id="1" dur="indefinite" restart="never" nodeType="tmRoot">
+          <p:childTnLst>
+            <p:seq concurrent="1" nextAc="seek">
+              <p:cTn id="2" dur="indefinite" nodeType="mainSeq">
+                <p:childTnLst>
+                  <p:par>
+                    <p:cTn id="3" fill="hold">
+                      <p:stCondLst>
+                        <p:cond delay="indefinite"/>
+                      </p:stCondLst>
+                      <p:childTnLst>
+                        <p:par>
+                          <p:cTn id="4" fill="hold">
+                            <p:stCondLst>
+                              <p:cond delay="0"/>
+                            </p:stCondLst>
+                            <p:childTnLst>
+                              <p:par>
+                                <p:cTn id="5" presetID="14" presetClass="entr" presetSubtype="10" fill="hold" nodeType="clickEffect">
+                                  <p:stCondLst>
+                                    <p:cond delay="0"/>
+                                  </p:stCondLst>
+                                  <p:childTnLst>
+                                    <p:set>
+                                      <p:cBhvr>
+                                        <p:cTn id="6" dur="1" fill="hold">
+                                          <p:stCondLst>
+                                            <p:cond delay="0"/>
+                                          </p:stCondLst>
+                                        </p:cTn>
+                                        <p:tgtEl>
+                                          <p:spTgt spid="4"/>
+                                        </p:tgtEl>
+                                        <p:attrNameLst>
+                                          <p:attrName>style.visibility</p:attrName>
+                                        </p:attrNameLst>
+                                      </p:cBhvr>
+                                      <p:to>
+                                        <p:strVal val="visible"/>
+                                      </p:to>
+                                    </p:set>
+                                    <p:animEffect transition="in" filter="randombar(horizontal)">
+                                      <p:cBhvr>
+                                        <p:cTn id="7" dur="500"/>
+                                        <p:tgtEl>
+                                          <p:spTgt spid="4"/>
+                                        </p:tgtEl>
+                                      </p:cBhvr>
+                                    </p:animEffect>
+                                  </p:childTnLst>
+                                </p:cTn>
+                              </p:par>
+                            </p:childTnLst>
+                          </p:cTn>
+                        </p:par>
+                      </p:childTnLst>
+                    </p:cTn>
+                  </p:par>
+                  <p:par>
+                    <p:cTn id="8" fill="hold">
+                      <p:stCondLst>
+                        <p:cond delay="indefinite"/>
+                      </p:stCondLst>
+                      <p:childTnLst>
+                        <p:par>
+                          <p:cTn id="9" fill="hold">
+                            <p:stCondLst>
+                              <p:cond delay="0"/>
+                            </p:stCondLst>
+                            <p:childTnLst>
+                              <p:par>
+                                <p:cTn id="10" presetID="14" presetClass="entr" presetSubtype="10" fill="hold" nodeType="clickEffect">
+                                  <p:stCondLst>
+                                    <p:cond delay="0"/>
+                                  </p:stCondLst>
+                                  <p:childTnLst>
+                                    <p:set>
+                                      <p:cBhvr>
+                                        <p:cTn id="11" dur="1" fill="hold">
+                                          <p:stCondLst>
+                                            <p:cond delay="0"/>
+                                          </p:stCondLst>
+                                        </p:cTn>
+                                        <p:tgtEl>
+                                          <p:spTgt spid="8"/>
+                                        </p:tgtEl>
+                                        <p:attrNameLst>
+                                          <p:attrName>style.visibility</p:attrName>
+                                        </p:attrNameLst>
+                                      </p:cBhvr>
+                                      <p:to>
+                                        <p:strVal val="visible"/>
+                                      </p:to>
+                                    </p:set>
+                                    <p:animEffect transition="in" filter="randombar(horizontal)">
+                                      <p:cBhvr>
+                                        <p:cTn id="12" dur="500"/>
+                                        <p:tgtEl>
+                                          <p:spTgt spid="8"/>
+                                        </p:tgtEl>
+                                      </p:cBhvr>
+                                    </p:animEffect>
+                                  </p:childTnLst>
+                                </p:cTn>
+                              </p:par>
+                              <p:par>
+                                <p:cTn id="13" presetID="14" presetClass="entr" presetSubtype="10" fill="hold" nodeType="withEffect">
+                                  <p:stCondLst>
+                                    <p:cond delay="0"/>
+                                  </p:stCondLst>
+                                  <p:childTnLst>
+                                    <p:set>
+                                      <p:cBhvr>
+                                        <p:cTn id="14" dur="1" fill="hold">
+                                          <p:stCondLst>
+                                            <p:cond delay="0"/>
+                                          </p:stCondLst>
+                                        </p:cTn>
+                                        <p:tgtEl>
+                                          <p:spTgt spid="5"/>
+                                        </p:tgtEl>
+                                        <p:attrNameLst>
+                                          <p:attrName>style.visibility</p:attrName>
+                                        </p:attrNameLst>
+                                      </p:cBhvr>
+                                      <p:to>
+                                        <p:strVal val="visible"/>
+                                      </p:to>
+                                    </p:set>
+                                    <p:animEffect transition="in" filter="randombar(horizontal)">
+                                      <p:cBhvr>
+                                        <p:cTn id="15" dur="500"/>
+                                        <p:tgtEl>
+                                          <p:spTgt spid="5"/>
+                                        </p:tgtEl>
+                                      </p:cBhvr>
+                                    </p:animEffect>
+                                  </p:childTnLst>
+                                </p:cTn>
+                              </p:par>
+                            </p:childTnLst>
+                          </p:cTn>
+                        </p:par>
+                      </p:childTnLst>
+                    </p:cTn>
+                  </p:par>
+                  <p:par>
+                    <p:cTn id="16" fill="hold">
+                      <p:stCondLst>
+                        <p:cond delay="indefinite"/>
+                      </p:stCondLst>
+                      <p:childTnLst>
+                        <p:par>
+                          <p:cTn id="17" fill="hold">
+                            <p:stCondLst>
+                              <p:cond delay="0"/>
+                            </p:stCondLst>
+                            <p:childTnLst>
+                              <p:par>
+                                <p:cTn id="18" presetID="14" presetClass="entr" presetSubtype="10" fill="hold" nodeType="clickEffect">
+                                  <p:stCondLst>
+                                    <p:cond delay="0"/>
+                                  </p:stCondLst>
+                                  <p:childTnLst>
+                                    <p:set>
+                                      <p:cBhvr>
+                                        <p:cTn id="19" dur="1" fill="hold">
+                                          <p:stCondLst>
+                                            <p:cond delay="0"/>
+                                          </p:stCondLst>
+                                        </p:cTn>
+                                        <p:tgtEl>
+                                          <p:spTgt spid="16"/>
+                                        </p:tgtEl>
+                                        <p:attrNameLst>
+                                          <p:attrName>style.visibility</p:attrName>
+                                        </p:attrNameLst>
+                                      </p:cBhvr>
+                                      <p:to>
+                                        <p:strVal val="visible"/>
+                                      </p:to>
+                                    </p:set>
+                                    <p:animEffect transition="in" filter="randombar(horizontal)">
+                                      <p:cBhvr>
+                                        <p:cTn id="20" dur="500"/>
+                                        <p:tgtEl>
+                                          <p:spTgt spid="16"/>
+                                        </p:tgtEl>
+                                      </p:cBhvr>
+                                    </p:animEffect>
+                                  </p:childTnLst>
+                                </p:cTn>
+                              </p:par>
+                              <p:par>
+                                <p:cTn id="21" presetID="14" presetClass="entr" presetSubtype="10" fill="hold" nodeType="withEffect">
+                                  <p:stCondLst>
+                                    <p:cond delay="0"/>
+                                  </p:stCondLst>
+                                  <p:childTnLst>
+                                    <p:set>
+                                      <p:cBhvr>
+                                        <p:cTn id="22" dur="1" fill="hold">
+                                          <p:stCondLst>
+                                            <p:cond delay="0"/>
+                                          </p:stCondLst>
+                                        </p:cTn>
+                                        <p:tgtEl>
+                                          <p:spTgt spid="6"/>
+                                        </p:tgtEl>
+                                        <p:attrNameLst>
+                                          <p:attrName>style.visibility</p:attrName>
+                                        </p:attrNameLst>
+                                      </p:cBhvr>
+                                      <p:to>
+                                        <p:strVal val="visible"/>
+                                      </p:to>
+                                    </p:set>
+                                    <p:animEffect transition="in" filter="randombar(horizontal)">
+                                      <p:cBhvr>
+                                        <p:cTn id="23" dur="500"/>
+                                        <p:tgtEl>
+                                          <p:spTgt spid="6"/>
+                                        </p:tgtEl>
+                                      </p:cBhvr>
+                                    </p:animEffect>
+                                  </p:childTnLst>
+                                </p:cTn>
+                              </p:par>
+                            </p:childTnLst>
+                          </p:cTn>
+                        </p:par>
+                      </p:childTnLst>
+                    </p:cTn>
+                  </p:par>
+                  <p:par>
+                    <p:cTn id="24" fill="hold">
+                      <p:stCondLst>
+                        <p:cond delay="indefinite"/>
+                      </p:stCondLst>
+                      <p:childTnLst>
+                        <p:par>
+                          <p:cTn id="25" fill="hold">
+                            <p:stCondLst>
+                              <p:cond delay="0"/>
+                            </p:stCondLst>
+                            <p:childTnLst>
+                              <p:par>
+                                <p:cTn id="26" presetID="14" presetClass="entr" presetSubtype="10" fill="hold" nodeType="clickEffect">
+                                  <p:stCondLst>
+                                    <p:cond delay="0"/>
+                                  </p:stCondLst>
+                                  <p:childTnLst>
+                                    <p:set>
+                                      <p:cBhvr>
+                                        <p:cTn id="27" dur="1" fill="hold">
+                                          <p:stCondLst>
+                                            <p:cond delay="0"/>
+                                          </p:stCondLst>
+                                        </p:cTn>
+                                        <p:tgtEl>
+                                          <p:spTgt spid="18"/>
+                                        </p:tgtEl>
+                                        <p:attrNameLst>
+                                          <p:attrName>style.visibility</p:attrName>
+                                        </p:attrNameLst>
+                                      </p:cBhvr>
+                                      <p:to>
+                                        <p:strVal val="visible"/>
+                                      </p:to>
+                                    </p:set>
+                                    <p:animEffect transition="in" filter="randombar(horizontal)">
+                                      <p:cBhvr>
+                                        <p:cTn id="28" dur="500"/>
+                                        <p:tgtEl>
+                                          <p:spTgt spid="18"/>
+                                        </p:tgtEl>
+                                      </p:cBhvr>
+                                    </p:animEffect>
+                                  </p:childTnLst>
+                                </p:cTn>
+                              </p:par>
+                              <p:par>
+                                <p:cTn id="29" presetID="14" presetClass="entr" presetSubtype="10" fill="hold" nodeType="withEffect">
+                                  <p:stCondLst>
+                                    <p:cond delay="0"/>
+                                  </p:stCondLst>
+                                  <p:childTnLst>
+                                    <p:set>
+                                      <p:cBhvr>
+                                        <p:cTn id="30" dur="1" fill="hold">
+                                          <p:stCondLst>
+                                            <p:cond delay="0"/>
+                                          </p:stCondLst>
+                                        </p:cTn>
+                                        <p:tgtEl>
+                                          <p:spTgt spid="9"/>
+                                        </p:tgtEl>
+                                        <p:attrNameLst>
+                                          <p:attrName>style.visibility</p:attrName>
+                                        </p:attrNameLst>
+                                      </p:cBhvr>
+                                      <p:to>
+                                        <p:strVal val="visible"/>
+                                      </p:to>
+                                    </p:set>
+                                    <p:animEffect transition="in" filter="randombar(horizontal)">
+                                      <p:cBhvr>
+                                        <p:cTn id="31" dur="500"/>
+                                        <p:tgtEl>
+                                          <p:spTgt spid="9"/>
+                                        </p:tgtEl>
+                                      </p:cBhvr>
+                                    </p:animEffect>
+                                  </p:childTnLst>
+                                </p:cTn>
+                              </p:par>
+                            </p:childTnLst>
+                          </p:cTn>
+                        </p:par>
+                      </p:childTnLst>
+                    </p:cTn>
+                  </p:par>
+                  <p:par>
+                    <p:cTn id="32" fill="hold">
+                      <p:stCondLst>
+                        <p:cond delay="indefinite"/>
+                      </p:stCondLst>
+                      <p:childTnLst>
+                        <p:par>
+                          <p:cTn id="33" fill="hold">
+                            <p:stCondLst>
+                              <p:cond delay="0"/>
+                            </p:stCondLst>
+                            <p:childTnLst>
+                              <p:par>
+                                <p:cTn id="34" presetID="14" presetClass="entr" presetSubtype="10" fill="hold" nodeType="clickEffect">
+                                  <p:stCondLst>
+                                    <p:cond delay="0"/>
+                                  </p:stCondLst>
+                                  <p:childTnLst>
+                                    <p:set>
+                                      <p:cBhvr>
+                                        <p:cTn id="35" dur="1" fill="hold">
+                                          <p:stCondLst>
+                                            <p:cond delay="0"/>
+                                          </p:stCondLst>
+                                        </p:cTn>
+                                        <p:tgtEl>
+                                          <p:spTgt spid="20"/>
+                                        </p:tgtEl>
+                                        <p:attrNameLst>
+                                          <p:attrName>style.visibility</p:attrName>
+                                        </p:attrNameLst>
+                                      </p:cBhvr>
+                                      <p:to>
+                                        <p:strVal val="visible"/>
+                                      </p:to>
+                                    </p:set>
+                                    <p:animEffect transition="in" filter="randombar(horizontal)">
+                                      <p:cBhvr>
+                                        <p:cTn id="36" dur="500"/>
+                                        <p:tgtEl>
+                                          <p:spTgt spid="20"/>
+                                        </p:tgtEl>
+                                      </p:cBhvr>
+                                    </p:animEffect>
+                                  </p:childTnLst>
+                                </p:cTn>
+                              </p:par>
+                              <p:par>
+                                <p:cTn id="37" presetID="14" presetClass="entr" presetSubtype="10" fill="hold" nodeType="withEffect">
+                                  <p:stCondLst>
+                                    <p:cond delay="0"/>
+                                  </p:stCondLst>
+                                  <p:childTnLst>
+                                    <p:set>
+                                      <p:cBhvr>
+                                        <p:cTn id="38" dur="1" fill="hold">
+                                          <p:stCondLst>
+                                            <p:cond delay="0"/>
+                                          </p:stCondLst>
+                                        </p:cTn>
+                                        <p:tgtEl>
+                                          <p:spTgt spid="10"/>
+                                        </p:tgtEl>
+                                        <p:attrNameLst>
+                                          <p:attrName>style.visibility</p:attrName>
+                                        </p:attrNameLst>
+                                      </p:cBhvr>
+                                      <p:to>
+                                        <p:strVal val="visible"/>
+                                      </p:to>
+                                    </p:set>
+                                    <p:animEffect transition="in" filter="randombar(horizontal)">
+                                      <p:cBhvr>
+                                        <p:cTn id="39" dur="500"/>
+                                        <p:tgtEl>
+                                          <p:spTgt spid="10"/>
+                                        </p:tgtEl>
+                                      </p:cBhvr>
+                                    </p:animEffect>
+                                  </p:childTnLst>
+                                </p:cTn>
+                              </p:par>
+                            </p:childTnLst>
+                          </p:cTn>
+                        </p:par>
+                      </p:childTnLst>
+                    </p:cTn>
+                  </p:par>
+                </p:childTnLst>
+              </p:cTn>
+              <p:prevCondLst>
+                <p:cond evt="onPrev" delay="0">
+                  <p:tgtEl>
+                    <p:sldTgt/>
+                  </p:tgtEl>
+                </p:cond>
+              </p:prevCondLst>
+              <p:nextCondLst>
+                <p:cond evt="onNext" delay="0">
+                  <p:tgtEl>
+                    <p:sldTgt/>
+                  </p:tgtEl>
+                </p:cond>
+              </p:nextCondLst>
+            </p:seq>
+          </p:childTnLst>
+        </p:cTn>
+      </p:par>
+    </p:tnLst>
+  </p:timing>
+</p:sld>
+</file>
+
+<file path=ppt/slides/slide13.xml><?xml version="1.0" encoding="utf-8"?>
+<p:sld xmlns:a="http://schemas.openxmlformats.org/drawingml/2006/main" xmlns:r="http://schemas.openxmlformats.org/officeDocument/2006/relationships" xmlns:p="http://schemas.openxmlformats.org/presentationml/2006/main">
+  <p:cSld>
+    <p:spTree>
+      <p:nvGrpSpPr>
+        <p:cNvPr id="1" name=""/>
+        <p:cNvGrpSpPr/>
+        <p:nvPr/>
+      </p:nvGrpSpPr>
+      <p:grpSpPr>
+        <a:xfrm>
+          <a:off x="0" y="0"/>
+          <a:ext cx="0" cy="0"/>
+          <a:chOff x="0" y="0"/>
+          <a:chExt cx="0" cy="0"/>
+        </a:xfrm>
+      </p:grpSpPr>
+      <p:sp>
+        <p:nvSpPr>
+          <p:cNvPr id="2" name="Title 1"/>
+          <p:cNvSpPr>
+            <a:spLocks noGrp="1"/>
+          </p:cNvSpPr>
+          <p:nvPr>
+            <p:ph type="title"/>
+          </p:nvPr>
+        </p:nvSpPr>
+        <p:spPr/>
+        <p:txBody>
+          <a:bodyPr/>
+          <a:lstStyle/>
+          <a:p>
+            <a:r>
+              <a:rPr lang="en-US" dirty="0" smtClean="0"/>
               <a:t>Story Board</a:t>
             </a:r>
             <a:endParaRPr lang="en-US" dirty="0"/>
@@ -25583,7 +26807,7 @@
 </p:sld>
 </file>
 
-<file path=ppt/slides/slide11.xml><?xml version="1.0" encoding="utf-8"?>
+<file path=ppt/slides/slide14.xml><?xml version="1.0" encoding="utf-8"?>
 <p:sld xmlns:a="http://schemas.openxmlformats.org/drawingml/2006/main" xmlns:r="http://schemas.openxmlformats.org/officeDocument/2006/relationships" xmlns:p="http://schemas.openxmlformats.org/presentationml/2006/main">
   <p:cSld>
     <p:spTree>
@@ -26303,7 +27527,7 @@
 </p:sld>
 </file>
 
-<file path=ppt/slides/slide12.xml><?xml version="1.0" encoding="utf-8"?>
+<file path=ppt/slides/slide15.xml><?xml version="1.0" encoding="utf-8"?>
 <p:sld xmlns:a="http://schemas.openxmlformats.org/drawingml/2006/main" xmlns:r="http://schemas.openxmlformats.org/officeDocument/2006/relationships" xmlns:p="http://schemas.openxmlformats.org/presentationml/2006/main">
   <p:cSld>
     <p:spTree>
@@ -26812,7 +28036,7 @@
 </p:sld>
 </file>
 
-<file path=ppt/slides/slide13.xml><?xml version="1.0" encoding="utf-8"?>
+<file path=ppt/slides/slide16.xml><?xml version="1.0" encoding="utf-8"?>
 <p:sld xmlns:a="http://schemas.openxmlformats.org/drawingml/2006/main" xmlns:r="http://schemas.openxmlformats.org/officeDocument/2006/relationships" xmlns:p="http://schemas.openxmlformats.org/presentationml/2006/main">
   <p:cSld>
     <p:spTree>
@@ -29580,7 +30804,7 @@
 </p:sld>
 </file>
 
-<file path=ppt/slides/slide14.xml><?xml version="1.0" encoding="utf-8"?>
+<file path=ppt/slides/slide17.xml><?xml version="1.0" encoding="utf-8"?>
 <p:sld xmlns:a="http://schemas.openxmlformats.org/drawingml/2006/main" xmlns:r="http://schemas.openxmlformats.org/officeDocument/2006/relationships" xmlns:p="http://schemas.openxmlformats.org/presentationml/2006/main">
   <p:cSld>
     <p:spTree>
@@ -30238,7 +31462,7 @@
 </p:sld>
 </file>
 
-<file path=ppt/slides/slide15.xml><?xml version="1.0" encoding="utf-8"?>
+<file path=ppt/slides/slide18.xml><?xml version="1.0" encoding="utf-8"?>
 <p:sld xmlns:a="http://schemas.openxmlformats.org/drawingml/2006/main" xmlns:r="http://schemas.openxmlformats.org/officeDocument/2006/relationships" xmlns:p="http://schemas.openxmlformats.org/presentationml/2006/main">
   <p:cSld>
     <p:spTree>
@@ -30953,7 +32177,7 @@
 </p:sld>
 </file>
 
-<file path=ppt/slides/slide16.xml><?xml version="1.0" encoding="utf-8"?>
+<file path=ppt/slides/slide19.xml><?xml version="1.0" encoding="utf-8"?>
 <p:sld xmlns:a="http://schemas.openxmlformats.org/drawingml/2006/main" xmlns:r="http://schemas.openxmlformats.org/officeDocument/2006/relationships" xmlns:p="http://schemas.openxmlformats.org/presentationml/2006/main">
   <p:cSld>
     <p:spTree>
@@ -31126,7 +32350,104 @@
 </p:sld>
 </file>
 
-<file path=ppt/slides/slide17.xml><?xml version="1.0" encoding="utf-8"?>
+<file path=ppt/slides/slide2.xml><?xml version="1.0" encoding="utf-8"?>
+<p:sld xmlns:a="http://schemas.openxmlformats.org/drawingml/2006/main" xmlns:r="http://schemas.openxmlformats.org/officeDocument/2006/relationships" xmlns:p="http://schemas.openxmlformats.org/presentationml/2006/main">
+  <p:cSld>
+    <p:spTree>
+      <p:nvGrpSpPr>
+        <p:cNvPr id="1" name=""/>
+        <p:cNvGrpSpPr/>
+        <p:nvPr/>
+      </p:nvGrpSpPr>
+      <p:grpSpPr>
+        <a:xfrm>
+          <a:off x="0" y="0"/>
+          <a:ext cx="0" cy="0"/>
+          <a:chOff x="0" y="0"/>
+          <a:chExt cx="0" cy="0"/>
+        </a:xfrm>
+      </p:grpSpPr>
+      <p:sp>
+        <p:nvSpPr>
+          <p:cNvPr id="2" name="Title 1"/>
+          <p:cNvSpPr>
+            <a:spLocks noGrp="1"/>
+          </p:cNvSpPr>
+          <p:nvPr>
+            <p:ph type="title"/>
+          </p:nvPr>
+        </p:nvSpPr>
+        <p:spPr/>
+        <p:txBody>
+          <a:bodyPr/>
+          <a:lstStyle/>
+          <a:p>
+            <a:r>
+              <a:rPr lang="en-US" dirty="0" smtClean="0"/>
+              <a:t>Team member</a:t>
+            </a:r>
+            <a:endParaRPr lang="en-US" dirty="0"/>
+          </a:p>
+        </p:txBody>
+      </p:sp>
+      <p:graphicFrame>
+        <p:nvGraphicFramePr>
+          <p:cNvPr id="4" name="Content Placeholder 3"/>
+          <p:cNvGraphicFramePr>
+            <a:graphicFrameLocks noGrp="1"/>
+          </p:cNvGraphicFramePr>
+          <p:nvPr>
+            <p:ph idx="1"/>
+            <p:extLst>
+              <p:ext uri="{D42A27DB-BD31-4B8C-83A1-F6EECF244321}">
+                <p14:modId xmlns:p14="http://schemas.microsoft.com/office/powerpoint/2010/main" val="2509856044"/>
+              </p:ext>
+            </p:extLst>
+          </p:nvPr>
+        </p:nvGraphicFramePr>
+        <p:xfrm>
+          <a:off x="677863" y="2160588"/>
+          <a:ext cx="8596312" cy="3881437"/>
+        </p:xfrm>
+        <a:graphic>
+          <a:graphicData uri="http://schemas.openxmlformats.org/drawingml/2006/diagram">
+            <dgm:relIds xmlns:dgm="http://schemas.openxmlformats.org/drawingml/2006/diagram" xmlns:r="http://schemas.openxmlformats.org/officeDocument/2006/relationships" r:dm="rId2" r:lo="rId3" r:qs="rId4" r:cs="rId5"/>
+          </a:graphicData>
+        </a:graphic>
+      </p:graphicFrame>
+    </p:spTree>
+    <p:extLst>
+      <p:ext uri="{BB962C8B-B14F-4D97-AF65-F5344CB8AC3E}">
+        <p14:creationId xmlns:p14="http://schemas.microsoft.com/office/powerpoint/2010/main" val="2871386238"/>
+      </p:ext>
+    </p:extLst>
+  </p:cSld>
+  <p:clrMapOvr>
+    <a:masterClrMapping/>
+  </p:clrMapOvr>
+  <mc:AlternateContent xmlns:mc="http://schemas.openxmlformats.org/markup-compatibility/2006" xmlns:p14="http://schemas.microsoft.com/office/powerpoint/2010/main">
+    <mc:Choice Requires="p14">
+      <p:transition spd="med" p14:dur="700">
+        <p:fade/>
+      </p:transition>
+    </mc:Choice>
+    <mc:Fallback xmlns="">
+      <p:transition spd="med">
+        <p:fade/>
+      </p:transition>
+    </mc:Fallback>
+  </mc:AlternateContent>
+  <p:timing>
+    <p:tnLst>
+      <p:par>
+        <p:cTn id="1" dur="indefinite" restart="never" nodeType="tmRoot"/>
+      </p:par>
+    </p:tnLst>
+  </p:timing>
+</p:sld>
+</file>
+
+<file path=ppt/slides/slide20.xml><?xml version="1.0" encoding="utf-8"?>
 <p:sld xmlns:a="http://schemas.openxmlformats.org/drawingml/2006/main" xmlns:r="http://schemas.openxmlformats.org/officeDocument/2006/relationships" xmlns:p="http://schemas.openxmlformats.org/presentationml/2006/main">
   <p:cSld>
     <p:spTree>
@@ -34753,7 +36074,7 @@
 </p:sld>
 </file>
 
-<file path=ppt/slides/slide18.xml><?xml version="1.0" encoding="utf-8"?>
+<file path=ppt/slides/slide21.xml><?xml version="1.0" encoding="utf-8"?>
 <p:sld xmlns:a="http://schemas.openxmlformats.org/drawingml/2006/main" xmlns:r="http://schemas.openxmlformats.org/officeDocument/2006/relationships" xmlns:p="http://schemas.openxmlformats.org/presentationml/2006/main">
   <p:cSld>
     <p:spTree>
@@ -34861,7 +36182,7 @@
 </p:sld>
 </file>
 
-<file path=ppt/slides/slide19.xml><?xml version="1.0" encoding="utf-8"?>
+<file path=ppt/slides/slide22.xml><?xml version="1.0" encoding="utf-8"?>
 <p:sld xmlns:a="http://schemas.openxmlformats.org/drawingml/2006/main" xmlns:r="http://schemas.openxmlformats.org/officeDocument/2006/relationships" xmlns:p="http://schemas.openxmlformats.org/presentationml/2006/main">
   <p:cSld>
     <p:spTree>
@@ -34962,104 +36283,7 @@
 </p:sld>
 </file>
 
-<file path=ppt/slides/slide2.xml><?xml version="1.0" encoding="utf-8"?>
-<p:sld xmlns:a="http://schemas.openxmlformats.org/drawingml/2006/main" xmlns:r="http://schemas.openxmlformats.org/officeDocument/2006/relationships" xmlns:p="http://schemas.openxmlformats.org/presentationml/2006/main">
-  <p:cSld>
-    <p:spTree>
-      <p:nvGrpSpPr>
-        <p:cNvPr id="1" name=""/>
-        <p:cNvGrpSpPr/>
-        <p:nvPr/>
-      </p:nvGrpSpPr>
-      <p:grpSpPr>
-        <a:xfrm>
-          <a:off x="0" y="0"/>
-          <a:ext cx="0" cy="0"/>
-          <a:chOff x="0" y="0"/>
-          <a:chExt cx="0" cy="0"/>
-        </a:xfrm>
-      </p:grpSpPr>
-      <p:sp>
-        <p:nvSpPr>
-          <p:cNvPr id="2" name="Title 1"/>
-          <p:cNvSpPr>
-            <a:spLocks noGrp="1"/>
-          </p:cNvSpPr>
-          <p:nvPr>
-            <p:ph type="title"/>
-          </p:nvPr>
-        </p:nvSpPr>
-        <p:spPr/>
-        <p:txBody>
-          <a:bodyPr/>
-          <a:lstStyle/>
-          <a:p>
-            <a:r>
-              <a:rPr lang="en-US" dirty="0" smtClean="0"/>
-              <a:t>Team member</a:t>
-            </a:r>
-            <a:endParaRPr lang="en-US" dirty="0"/>
-          </a:p>
-        </p:txBody>
-      </p:sp>
-      <p:graphicFrame>
-        <p:nvGraphicFramePr>
-          <p:cNvPr id="4" name="Content Placeholder 3"/>
-          <p:cNvGraphicFramePr>
-            <a:graphicFrameLocks noGrp="1"/>
-          </p:cNvGraphicFramePr>
-          <p:nvPr>
-            <p:ph idx="1"/>
-            <p:extLst>
-              <p:ext uri="{D42A27DB-BD31-4B8C-83A1-F6EECF244321}">
-                <p14:modId xmlns:p14="http://schemas.microsoft.com/office/powerpoint/2010/main" val="2509856044"/>
-              </p:ext>
-            </p:extLst>
-          </p:nvPr>
-        </p:nvGraphicFramePr>
-        <p:xfrm>
-          <a:off x="677863" y="2160588"/>
-          <a:ext cx="8596312" cy="3881437"/>
-        </p:xfrm>
-        <a:graphic>
-          <a:graphicData uri="http://schemas.openxmlformats.org/drawingml/2006/diagram">
-            <dgm:relIds xmlns:dgm="http://schemas.openxmlformats.org/drawingml/2006/diagram" xmlns:r="http://schemas.openxmlformats.org/officeDocument/2006/relationships" r:dm="rId2" r:lo="rId3" r:qs="rId4" r:cs="rId5"/>
-          </a:graphicData>
-        </a:graphic>
-      </p:graphicFrame>
-    </p:spTree>
-    <p:extLst>
-      <p:ext uri="{BB962C8B-B14F-4D97-AF65-F5344CB8AC3E}">
-        <p14:creationId xmlns:p14="http://schemas.microsoft.com/office/powerpoint/2010/main" val="2871386238"/>
-      </p:ext>
-    </p:extLst>
-  </p:cSld>
-  <p:clrMapOvr>
-    <a:masterClrMapping/>
-  </p:clrMapOvr>
-  <mc:AlternateContent xmlns:mc="http://schemas.openxmlformats.org/markup-compatibility/2006" xmlns:p14="http://schemas.microsoft.com/office/powerpoint/2010/main">
-    <mc:Choice Requires="p14">
-      <p:transition spd="med" p14:dur="700">
-        <p:fade/>
-      </p:transition>
-    </mc:Choice>
-    <mc:Fallback xmlns="">
-      <p:transition spd="med">
-        <p:fade/>
-      </p:transition>
-    </mc:Fallback>
-  </mc:AlternateContent>
-  <p:timing>
-    <p:tnLst>
-      <p:par>
-        <p:cTn id="1" dur="indefinite" restart="never" nodeType="tmRoot"/>
-      </p:par>
-    </p:tnLst>
-  </p:timing>
-</p:sld>
-</file>
-
-<file path=ppt/slides/slide20.xml><?xml version="1.0" encoding="utf-8"?>
+<file path=ppt/slides/slide23.xml><?xml version="1.0" encoding="utf-8"?>
 <p:sld xmlns:a="http://schemas.openxmlformats.org/drawingml/2006/main" xmlns:r="http://schemas.openxmlformats.org/officeDocument/2006/relationships" xmlns:p="http://schemas.openxmlformats.org/presentationml/2006/main">
   <p:cSld>
     <p:spTree>
@@ -35162,7 +36386,7 @@
 </p:sld>
 </file>
 
-<file path=ppt/slides/slide21.xml><?xml version="1.0" encoding="utf-8"?>
+<file path=ppt/slides/slide24.xml><?xml version="1.0" encoding="utf-8"?>
 <p:sld xmlns:a="http://schemas.openxmlformats.org/drawingml/2006/main" xmlns:r="http://schemas.openxmlformats.org/officeDocument/2006/relationships" xmlns:p="http://schemas.openxmlformats.org/presentationml/2006/main">
   <p:cSld>
     <p:spTree>
@@ -35403,7 +36627,7 @@
 </p:sld>
 </file>
 
-<file path=ppt/slides/slide22.xml><?xml version="1.0" encoding="utf-8"?>
+<file path=ppt/slides/slide25.xml><?xml version="1.0" encoding="utf-8"?>
 <p:sld xmlns:a="http://schemas.openxmlformats.org/drawingml/2006/main" xmlns:r="http://schemas.openxmlformats.org/officeDocument/2006/relationships" xmlns:p="http://schemas.openxmlformats.org/presentationml/2006/main">
   <p:cSld>
     <p:spTree>
@@ -38479,7 +39703,7 @@
 </p:sld>
 </file>
 
-<file path=ppt/slides/slide23.xml><?xml version="1.0" encoding="utf-8"?>
+<file path=ppt/slides/slide26.xml><?xml version="1.0" encoding="utf-8"?>
 <p:sld xmlns:a="http://schemas.openxmlformats.org/drawingml/2006/main" xmlns:r="http://schemas.openxmlformats.org/officeDocument/2006/relationships" xmlns:p="http://schemas.openxmlformats.org/presentationml/2006/main">
   <p:cSld>
     <p:spTree>
@@ -38822,7 +40046,7 @@
 </p:sld>
 </file>
 
-<file path=ppt/slides/slide24.xml><?xml version="1.0" encoding="utf-8"?>
+<file path=ppt/slides/slide27.xml><?xml version="1.0" encoding="utf-8"?>
 <p:sld xmlns:a="http://schemas.openxmlformats.org/drawingml/2006/main" xmlns:r="http://schemas.openxmlformats.org/officeDocument/2006/relationships" xmlns:p="http://schemas.openxmlformats.org/presentationml/2006/main">
   <p:cSld>
     <p:spTree>
@@ -39148,7 +40372,7 @@
 </p:sld>
 </file>
 
-<file path=ppt/slides/slide25.xml><?xml version="1.0" encoding="utf-8"?>
+<file path=ppt/slides/slide28.xml><?xml version="1.0" encoding="utf-8"?>
 <p:sld xmlns:a="http://schemas.openxmlformats.org/drawingml/2006/main" xmlns:r="http://schemas.openxmlformats.org/officeDocument/2006/relationships" xmlns:p="http://schemas.openxmlformats.org/presentationml/2006/main">
   <p:cSld>
     <p:spTree>
@@ -39479,19 +40703,22 @@
           <a:lstStyle/>
           <a:p>
             <a:r>
-              <a:rPr lang="en-US" dirty="0"/>
+              <a:rPr lang="en-US" dirty="0" smtClean="0"/>
               <a:t>Scenario Problem</a:t>
             </a:r>
+            <a:endParaRPr lang="en-GB" dirty="0"/>
           </a:p>
         </p:txBody>
       </p:sp>
       <p:pic>
         <p:nvPicPr>
-          <p:cNvPr id="10" name="Picture 9"/>
+          <p:cNvPr id="4" name="Content Placeholder 3"/>
           <p:cNvPicPr>
-            <a:picLocks noChangeAspect="1"/>
+            <a:picLocks noGrp="1" noChangeAspect="1"/>
           </p:cNvPicPr>
-          <p:nvPr/>
+          <p:nvPr>
+            <p:ph idx="1"/>
+          </p:nvPr>
         </p:nvPicPr>
         <p:blipFill>
           <a:blip r:embed="rId2">
@@ -39507,24 +40734,86 @@
         </p:blipFill>
         <p:spPr>
           <a:xfrm>
-            <a:off x="1846174" y="1395064"/>
-            <a:ext cx="7812982" cy="5105748"/>
+            <a:off x="2122179" y="1542402"/>
+            <a:ext cx="7434478" cy="4858398"/>
           </a:xfrm>
-          <a:prstGeom prst="rect">
-            <a:avLst/>
-          </a:prstGeom>
         </p:spPr>
       </p:pic>
+    </p:spTree>
+    <p:extLst>
+      <p:ext uri="{BB962C8B-B14F-4D97-AF65-F5344CB8AC3E}">
+        <p14:creationId xmlns:p14="http://schemas.microsoft.com/office/powerpoint/2010/main" val="2296090287"/>
+      </p:ext>
+    </p:extLst>
+  </p:cSld>
+  <p:clrMapOvr>
+    <a:masterClrMapping/>
+  </p:clrMapOvr>
+  <p:transition spd="slow">
+    <p:push dir="u"/>
+  </p:transition>
+  <p:timing>
+    <p:tnLst>
+      <p:par>
+        <p:cTn id="1" dur="indefinite" restart="never" nodeType="tmRoot"/>
+      </p:par>
+    </p:tnLst>
+  </p:timing>
+</p:sld>
+</file>
+
+<file path=ppt/slides/slide6.xml><?xml version="1.0" encoding="utf-8"?>
+<p:sld xmlns:a="http://schemas.openxmlformats.org/drawingml/2006/main" xmlns:r="http://schemas.openxmlformats.org/officeDocument/2006/relationships" xmlns:p="http://schemas.openxmlformats.org/presentationml/2006/main">
+  <p:cSld>
+    <p:spTree>
+      <p:nvGrpSpPr>
+        <p:cNvPr id="1" name=""/>
+        <p:cNvGrpSpPr/>
+        <p:nvPr/>
+      </p:nvGrpSpPr>
+      <p:grpSpPr>
+        <a:xfrm>
+          <a:off x="0" y="0"/>
+          <a:ext cx="0" cy="0"/>
+          <a:chOff x="0" y="0"/>
+          <a:chExt cx="0" cy="0"/>
+        </a:xfrm>
+      </p:grpSpPr>
+      <p:sp>
+        <p:nvSpPr>
+          <p:cNvPr id="2" name="Title 1"/>
+          <p:cNvSpPr>
+            <a:spLocks noGrp="1"/>
+          </p:cNvSpPr>
+          <p:nvPr>
+            <p:ph type="title"/>
+          </p:nvPr>
+        </p:nvSpPr>
+        <p:spPr/>
+        <p:txBody>
+          <a:bodyPr/>
+          <a:lstStyle/>
+          <a:p>
+            <a:r>
+              <a:rPr lang="en-US" dirty="0"/>
+              <a:t>Scenario Problem</a:t>
+            </a:r>
+            <a:endParaRPr lang="en-GB" dirty="0"/>
+          </a:p>
+        </p:txBody>
+      </p:sp>
       <p:pic>
         <p:nvPicPr>
-          <p:cNvPr id="11" name="Picture 10"/>
+          <p:cNvPr id="4" name="Content Placeholder 3"/>
           <p:cNvPicPr>
-            <a:picLocks noChangeAspect="1"/>
+            <a:picLocks noGrp="1" noChangeAspect="1"/>
           </p:cNvPicPr>
-          <p:nvPr/>
+          <p:nvPr>
+            <p:ph idx="1"/>
+          </p:nvPr>
         </p:nvPicPr>
         <p:blipFill>
-          <a:blip r:embed="rId3">
+          <a:blip r:embed="rId2" cstate="print">
             <a:extLst>
               <a:ext uri="{28A0092B-C50C-407E-A947-70E740481C1C}">
                 <a14:useLocalDpi xmlns:a14="http://schemas.microsoft.com/office/drawing/2010/main" val="0"/>
@@ -39537,24 +40826,95 @@
         </p:blipFill>
         <p:spPr>
           <a:xfrm>
-            <a:off x="3627149" y="1395064"/>
-            <a:ext cx="4308922" cy="5105748"/>
+            <a:off x="3286662" y="1413614"/>
+            <a:ext cx="4466419" cy="5292371"/>
           </a:xfrm>
-          <a:prstGeom prst="rect">
-            <a:avLst/>
-          </a:prstGeom>
         </p:spPr>
       </p:pic>
+    </p:spTree>
+    <p:extLst>
+      <p:ext uri="{BB962C8B-B14F-4D97-AF65-F5344CB8AC3E}">
+        <p14:creationId xmlns:p14="http://schemas.microsoft.com/office/powerpoint/2010/main" val="2213442353"/>
+      </p:ext>
+    </p:extLst>
+  </p:cSld>
+  <p:clrMapOvr>
+    <a:masterClrMapping/>
+  </p:clrMapOvr>
+  <mc:AlternateContent xmlns:mc="http://schemas.openxmlformats.org/markup-compatibility/2006">
+    <mc:Choice xmlns:p14="http://schemas.microsoft.com/office/powerpoint/2010/main" Requires="p14">
+      <p:transition spd="slow" p14:dur="800">
+        <p:circle/>
+      </p:transition>
+    </mc:Choice>
+    <mc:Fallback>
+      <p:transition spd="slow">
+        <p:circle/>
+      </p:transition>
+    </mc:Fallback>
+  </mc:AlternateContent>
+  <p:timing>
+    <p:tnLst>
+      <p:par>
+        <p:cTn id="1" dur="indefinite" restart="never" nodeType="tmRoot"/>
+      </p:par>
+    </p:tnLst>
+  </p:timing>
+</p:sld>
+</file>
+
+<file path=ppt/slides/slide7.xml><?xml version="1.0" encoding="utf-8"?>
+<p:sld xmlns:a="http://schemas.openxmlformats.org/drawingml/2006/main" xmlns:r="http://schemas.openxmlformats.org/officeDocument/2006/relationships" xmlns:p="http://schemas.openxmlformats.org/presentationml/2006/main">
+  <p:cSld>
+    <p:spTree>
+      <p:nvGrpSpPr>
+        <p:cNvPr id="1" name=""/>
+        <p:cNvGrpSpPr/>
+        <p:nvPr/>
+      </p:nvGrpSpPr>
+      <p:grpSpPr>
+        <a:xfrm>
+          <a:off x="0" y="0"/>
+          <a:ext cx="0" cy="0"/>
+          <a:chOff x="0" y="0"/>
+          <a:chExt cx="0" cy="0"/>
+        </a:xfrm>
+      </p:grpSpPr>
+      <p:sp>
+        <p:nvSpPr>
+          <p:cNvPr id="2" name="Title 1"/>
+          <p:cNvSpPr>
+            <a:spLocks noGrp="1"/>
+          </p:cNvSpPr>
+          <p:nvPr>
+            <p:ph type="title"/>
+          </p:nvPr>
+        </p:nvSpPr>
+        <p:spPr/>
+        <p:txBody>
+          <a:bodyPr/>
+          <a:lstStyle/>
+          <a:p>
+            <a:r>
+              <a:rPr lang="en-US" dirty="0"/>
+              <a:t>Scenario Problem</a:t>
+            </a:r>
+            <a:endParaRPr lang="en-GB" dirty="0"/>
+          </a:p>
+        </p:txBody>
+      </p:sp>
       <p:pic>
         <p:nvPicPr>
-          <p:cNvPr id="12" name="Picture 11"/>
+          <p:cNvPr id="4" name="Content Placeholder 3"/>
           <p:cNvPicPr>
-            <a:picLocks noChangeAspect="1"/>
+            <a:picLocks noGrp="1" noChangeAspect="1"/>
           </p:cNvPicPr>
-          <p:nvPr/>
+          <p:nvPr>
+            <p:ph idx="1"/>
+          </p:nvPr>
         </p:nvPicPr>
         <p:blipFill>
-          <a:blip r:embed="rId4">
+          <a:blip r:embed="rId2">
             <a:extLst>
               <a:ext uri="{28A0092B-C50C-407E-A947-70E740481C1C}">
                 <a14:useLocalDpi xmlns:a14="http://schemas.microsoft.com/office/drawing/2010/main" val="0"/>
@@ -39567,24 +40927,95 @@
         </p:blipFill>
         <p:spPr>
           <a:xfrm>
-            <a:off x="1846175" y="2130954"/>
-            <a:ext cx="7812982" cy="4369858"/>
+            <a:off x="1171307" y="1387856"/>
+            <a:ext cx="8874213" cy="4963414"/>
           </a:xfrm>
-          <a:prstGeom prst="rect">
-            <a:avLst/>
-          </a:prstGeom>
         </p:spPr>
       </p:pic>
+    </p:spTree>
+    <p:extLst>
+      <p:ext uri="{BB962C8B-B14F-4D97-AF65-F5344CB8AC3E}">
+        <p14:creationId xmlns:p14="http://schemas.microsoft.com/office/powerpoint/2010/main" val="971804611"/>
+      </p:ext>
+    </p:extLst>
+  </p:cSld>
+  <p:clrMapOvr>
+    <a:masterClrMapping/>
+  </p:clrMapOvr>
+  <mc:AlternateContent xmlns:mc="http://schemas.openxmlformats.org/markup-compatibility/2006">
+    <mc:Choice xmlns:p14="http://schemas.microsoft.com/office/powerpoint/2010/main" Requires="p14">
+      <p:transition spd="slow" p14:dur="1500">
+        <p:split orient="vert"/>
+      </p:transition>
+    </mc:Choice>
+    <mc:Fallback>
+      <p:transition spd="slow">
+        <p:split orient="vert"/>
+      </p:transition>
+    </mc:Fallback>
+  </mc:AlternateContent>
+  <p:timing>
+    <p:tnLst>
+      <p:par>
+        <p:cTn id="1" dur="indefinite" restart="never" nodeType="tmRoot"/>
+      </p:par>
+    </p:tnLst>
+  </p:timing>
+</p:sld>
+</file>
+
+<file path=ppt/slides/slide8.xml><?xml version="1.0" encoding="utf-8"?>
+<p:sld xmlns:a="http://schemas.openxmlformats.org/drawingml/2006/main" xmlns:r="http://schemas.openxmlformats.org/officeDocument/2006/relationships" xmlns:p="http://schemas.openxmlformats.org/presentationml/2006/main">
+  <p:cSld>
+    <p:spTree>
+      <p:nvGrpSpPr>
+        <p:cNvPr id="1" name=""/>
+        <p:cNvGrpSpPr/>
+        <p:nvPr/>
+      </p:nvGrpSpPr>
+      <p:grpSpPr>
+        <a:xfrm>
+          <a:off x="0" y="0"/>
+          <a:ext cx="0" cy="0"/>
+          <a:chOff x="0" y="0"/>
+          <a:chExt cx="0" cy="0"/>
+        </a:xfrm>
+      </p:grpSpPr>
+      <p:sp>
+        <p:nvSpPr>
+          <p:cNvPr id="2" name="Title 1"/>
+          <p:cNvSpPr>
+            <a:spLocks noGrp="1"/>
+          </p:cNvSpPr>
+          <p:nvPr>
+            <p:ph type="title"/>
+          </p:nvPr>
+        </p:nvSpPr>
+        <p:spPr/>
+        <p:txBody>
+          <a:bodyPr/>
+          <a:lstStyle/>
+          <a:p>
+            <a:r>
+              <a:rPr lang="en-US" dirty="0"/>
+              <a:t>Scenario Problem</a:t>
+            </a:r>
+            <a:endParaRPr lang="en-GB" dirty="0"/>
+          </a:p>
+        </p:txBody>
+      </p:sp>
       <p:pic>
         <p:nvPicPr>
-          <p:cNvPr id="13" name="Picture 12"/>
+          <p:cNvPr id="4" name="Content Placeholder 3"/>
           <p:cNvPicPr>
-            <a:picLocks noChangeAspect="1"/>
+            <a:picLocks noGrp="1" noChangeAspect="1"/>
           </p:cNvPicPr>
-          <p:nvPr/>
+          <p:nvPr>
+            <p:ph idx="1"/>
+          </p:nvPr>
         </p:nvPicPr>
         <p:blipFill>
-          <a:blip r:embed="rId5">
+          <a:blip r:embed="rId2">
             <a:extLst>
               <a:ext uri="{28A0092B-C50C-407E-A947-70E740481C1C}">
                 <a14:useLocalDpi xmlns:a14="http://schemas.microsoft.com/office/drawing/2010/main" val="0"/>
@@ -39597,375 +41028,35 @@
         </p:blipFill>
         <p:spPr>
           <a:xfrm>
-            <a:off x="1846175" y="1395063"/>
-            <a:ext cx="7812982" cy="5175793"/>
+            <a:off x="1544181" y="1284822"/>
+            <a:ext cx="8024822" cy="5316129"/>
           </a:xfrm>
-          <a:prstGeom prst="rect">
-            <a:avLst/>
-          </a:prstGeom>
         </p:spPr>
       </p:pic>
     </p:spTree>
     <p:extLst>
       <p:ext uri="{BB962C8B-B14F-4D97-AF65-F5344CB8AC3E}">
-        <p14:creationId xmlns:p14="http://schemas.microsoft.com/office/powerpoint/2010/main" val="1752163039"/>
+        <p14:creationId xmlns:p14="http://schemas.microsoft.com/office/powerpoint/2010/main" val="4069591792"/>
       </p:ext>
     </p:extLst>
   </p:cSld>
   <p:clrMapOvr>
     <a:masterClrMapping/>
   </p:clrMapOvr>
+  <p:transition spd="slow">
+    <p:wipe/>
+  </p:transition>
   <p:timing>
     <p:tnLst>
       <p:par>
-        <p:cTn id="1" dur="indefinite" restart="never" nodeType="tmRoot">
-          <p:childTnLst>
-            <p:seq concurrent="1" nextAc="seek">
-              <p:cTn id="2" dur="indefinite" nodeType="mainSeq">
-                <p:childTnLst>
-                  <p:par>
-                    <p:cTn id="3" fill="hold">
-                      <p:stCondLst>
-                        <p:cond delay="indefinite"/>
-                      </p:stCondLst>
-                      <p:childTnLst>
-                        <p:par>
-                          <p:cTn id="4" fill="hold">
-                            <p:stCondLst>
-                              <p:cond delay="0"/>
-                            </p:stCondLst>
-                            <p:childTnLst>
-                              <p:par>
-                                <p:cTn id="5" presetID="14" presetClass="entr" presetSubtype="10" fill="hold" nodeType="clickEffect">
-                                  <p:stCondLst>
-                                    <p:cond delay="0"/>
-                                  </p:stCondLst>
-                                  <p:childTnLst>
-                                    <p:set>
-                                      <p:cBhvr>
-                                        <p:cTn id="6" dur="1" fill="hold">
-                                          <p:stCondLst>
-                                            <p:cond delay="0"/>
-                                          </p:stCondLst>
-                                        </p:cTn>
-                                        <p:tgtEl>
-                                          <p:spTgt spid="10"/>
-                                        </p:tgtEl>
-                                        <p:attrNameLst>
-                                          <p:attrName>style.visibility</p:attrName>
-                                        </p:attrNameLst>
-                                      </p:cBhvr>
-                                      <p:to>
-                                        <p:strVal val="visible"/>
-                                      </p:to>
-                                    </p:set>
-                                    <p:animEffect transition="in" filter="randombar(horizontal)">
-                                      <p:cBhvr>
-                                        <p:cTn id="7" dur="500"/>
-                                        <p:tgtEl>
-                                          <p:spTgt spid="10"/>
-                                        </p:tgtEl>
-                                      </p:cBhvr>
-                                    </p:animEffect>
-                                  </p:childTnLst>
-                                </p:cTn>
-                              </p:par>
-                            </p:childTnLst>
-                          </p:cTn>
-                        </p:par>
-                      </p:childTnLst>
-                    </p:cTn>
-                  </p:par>
-                  <p:par>
-                    <p:cTn id="8" fill="hold">
-                      <p:stCondLst>
-                        <p:cond delay="indefinite"/>
-                      </p:stCondLst>
-                      <p:childTnLst>
-                        <p:par>
-                          <p:cTn id="9" fill="hold">
-                            <p:stCondLst>
-                              <p:cond delay="0"/>
-                            </p:stCondLst>
-                            <p:childTnLst>
-                              <p:par>
-                                <p:cTn id="10" presetID="14" presetClass="entr" presetSubtype="10" fill="hold" nodeType="clickEffect">
-                                  <p:stCondLst>
-                                    <p:cond delay="0"/>
-                                  </p:stCondLst>
-                                  <p:childTnLst>
-                                    <p:set>
-                                      <p:cBhvr>
-                                        <p:cTn id="11" dur="1" fill="hold">
-                                          <p:stCondLst>
-                                            <p:cond delay="0"/>
-                                          </p:stCondLst>
-                                        </p:cTn>
-                                        <p:tgtEl>
-                                          <p:spTgt spid="11"/>
-                                        </p:tgtEl>
-                                        <p:attrNameLst>
-                                          <p:attrName>style.visibility</p:attrName>
-                                        </p:attrNameLst>
-                                      </p:cBhvr>
-                                      <p:to>
-                                        <p:strVal val="visible"/>
-                                      </p:to>
-                                    </p:set>
-                                    <p:animEffect transition="in" filter="randombar(horizontal)">
-                                      <p:cBhvr>
-                                        <p:cTn id="12" dur="500"/>
-                                        <p:tgtEl>
-                                          <p:spTgt spid="11"/>
-                                        </p:tgtEl>
-                                      </p:cBhvr>
-                                    </p:animEffect>
-                                  </p:childTnLst>
-                                </p:cTn>
-                              </p:par>
-                              <p:par>
-                                <p:cTn id="13" presetID="14" presetClass="exit" presetSubtype="10" fill="hold" nodeType="withEffect">
-                                  <p:stCondLst>
-                                    <p:cond delay="0"/>
-                                  </p:stCondLst>
-                                  <p:childTnLst>
-                                    <p:animEffect transition="out" filter="randombar(horizontal)">
-                                      <p:cBhvr>
-                                        <p:cTn id="14" dur="500"/>
-                                        <p:tgtEl>
-                                          <p:spTgt spid="10"/>
-                                        </p:tgtEl>
-                                      </p:cBhvr>
-                                    </p:animEffect>
-                                    <p:set>
-                                      <p:cBhvr>
-                                        <p:cTn id="15" dur="1" fill="hold">
-                                          <p:stCondLst>
-                                            <p:cond delay="499"/>
-                                          </p:stCondLst>
-                                        </p:cTn>
-                                        <p:tgtEl>
-                                          <p:spTgt spid="10"/>
-                                        </p:tgtEl>
-                                        <p:attrNameLst>
-                                          <p:attrName>style.visibility</p:attrName>
-                                        </p:attrNameLst>
-                                      </p:cBhvr>
-                                      <p:to>
-                                        <p:strVal val="hidden"/>
-                                      </p:to>
-                                    </p:set>
-                                  </p:childTnLst>
-                                </p:cTn>
-                              </p:par>
-                            </p:childTnLst>
-                          </p:cTn>
-                        </p:par>
-                      </p:childTnLst>
-                    </p:cTn>
-                  </p:par>
-                  <p:par>
-                    <p:cTn id="16" fill="hold">
-                      <p:stCondLst>
-                        <p:cond delay="indefinite"/>
-                      </p:stCondLst>
-                      <p:childTnLst>
-                        <p:par>
-                          <p:cTn id="17" fill="hold">
-                            <p:stCondLst>
-                              <p:cond delay="0"/>
-                            </p:stCondLst>
-                            <p:childTnLst>
-                              <p:par>
-                                <p:cTn id="18" presetID="14" presetClass="entr" presetSubtype="10" fill="hold" nodeType="clickEffect">
-                                  <p:stCondLst>
-                                    <p:cond delay="0"/>
-                                  </p:stCondLst>
-                                  <p:childTnLst>
-                                    <p:set>
-                                      <p:cBhvr>
-                                        <p:cTn id="19" dur="1" fill="hold">
-                                          <p:stCondLst>
-                                            <p:cond delay="0"/>
-                                          </p:stCondLst>
-                                        </p:cTn>
-                                        <p:tgtEl>
-                                          <p:spTgt spid="12"/>
-                                        </p:tgtEl>
-                                        <p:attrNameLst>
-                                          <p:attrName>style.visibility</p:attrName>
-                                        </p:attrNameLst>
-                                      </p:cBhvr>
-                                      <p:to>
-                                        <p:strVal val="visible"/>
-                                      </p:to>
-                                    </p:set>
-                                    <p:animEffect transition="in" filter="randombar(horizontal)">
-                                      <p:cBhvr>
-                                        <p:cTn id="20" dur="500"/>
-                                        <p:tgtEl>
-                                          <p:spTgt spid="12"/>
-                                        </p:tgtEl>
-                                      </p:cBhvr>
-                                    </p:animEffect>
-                                  </p:childTnLst>
-                                </p:cTn>
-                              </p:par>
-                              <p:par>
-                                <p:cTn id="21" presetID="14" presetClass="exit" presetSubtype="10" fill="hold" nodeType="withEffect">
-                                  <p:stCondLst>
-                                    <p:cond delay="0"/>
-                                  </p:stCondLst>
-                                  <p:childTnLst>
-                                    <p:animEffect transition="out" filter="randombar(horizontal)">
-                                      <p:cBhvr>
-                                        <p:cTn id="22" dur="500"/>
-                                        <p:tgtEl>
-                                          <p:spTgt spid="11"/>
-                                        </p:tgtEl>
-                                      </p:cBhvr>
-                                    </p:animEffect>
-                                    <p:set>
-                                      <p:cBhvr>
-                                        <p:cTn id="23" dur="1" fill="hold">
-                                          <p:stCondLst>
-                                            <p:cond delay="499"/>
-                                          </p:stCondLst>
-                                        </p:cTn>
-                                        <p:tgtEl>
-                                          <p:spTgt spid="11"/>
-                                        </p:tgtEl>
-                                        <p:attrNameLst>
-                                          <p:attrName>style.visibility</p:attrName>
-                                        </p:attrNameLst>
-                                      </p:cBhvr>
-                                      <p:to>
-                                        <p:strVal val="hidden"/>
-                                      </p:to>
-                                    </p:set>
-                                  </p:childTnLst>
-                                </p:cTn>
-                              </p:par>
-                            </p:childTnLst>
-                          </p:cTn>
-                        </p:par>
-                      </p:childTnLst>
-                    </p:cTn>
-                  </p:par>
-                  <p:par>
-                    <p:cTn id="24" fill="hold">
-                      <p:stCondLst>
-                        <p:cond delay="indefinite"/>
-                      </p:stCondLst>
-                      <p:childTnLst>
-                        <p:par>
-                          <p:cTn id="25" fill="hold">
-                            <p:stCondLst>
-                              <p:cond delay="0"/>
-                            </p:stCondLst>
-                            <p:childTnLst>
-                              <p:par>
-                                <p:cTn id="26" presetID="14" presetClass="entr" presetSubtype="10" fill="hold" nodeType="clickEffect">
-                                  <p:stCondLst>
-                                    <p:cond delay="0"/>
-                                  </p:stCondLst>
-                                  <p:childTnLst>
-                                    <p:set>
-                                      <p:cBhvr>
-                                        <p:cTn id="27" dur="1" fill="hold">
-                                          <p:stCondLst>
-                                            <p:cond delay="0"/>
-                                          </p:stCondLst>
-                                        </p:cTn>
-                                        <p:tgtEl>
-                                          <p:spTgt spid="13"/>
-                                        </p:tgtEl>
-                                        <p:attrNameLst>
-                                          <p:attrName>style.visibility</p:attrName>
-                                        </p:attrNameLst>
-                                      </p:cBhvr>
-                                      <p:to>
-                                        <p:strVal val="visible"/>
-                                      </p:to>
-                                    </p:set>
-                                    <p:animEffect transition="in" filter="randombar(horizontal)">
-                                      <p:cBhvr>
-                                        <p:cTn id="28" dur="500"/>
-                                        <p:tgtEl>
-                                          <p:spTgt spid="13"/>
-                                        </p:tgtEl>
-                                      </p:cBhvr>
-                                    </p:animEffect>
-                                  </p:childTnLst>
-                                </p:cTn>
-                              </p:par>
-                              <p:par>
-                                <p:cTn id="29" presetID="14" presetClass="exit" presetSubtype="10" fill="hold" nodeType="withEffect">
-                                  <p:stCondLst>
-                                    <p:cond delay="0"/>
-                                  </p:stCondLst>
-                                  <p:childTnLst>
-                                    <p:animEffect transition="out" filter="randombar(horizontal)">
-                                      <p:cBhvr>
-                                        <p:cTn id="30" dur="500"/>
-                                        <p:tgtEl>
-                                          <p:spTgt spid="12"/>
-                                        </p:tgtEl>
-                                      </p:cBhvr>
-                                    </p:animEffect>
-                                    <p:set>
-                                      <p:cBhvr>
-                                        <p:cTn id="31" dur="1" fill="hold">
-                                          <p:stCondLst>
-                                            <p:cond delay="499"/>
-                                          </p:stCondLst>
-                                        </p:cTn>
-                                        <p:tgtEl>
-                                          <p:spTgt spid="12"/>
-                                        </p:tgtEl>
-                                        <p:attrNameLst>
-                                          <p:attrName>style.visibility</p:attrName>
-                                        </p:attrNameLst>
-                                      </p:cBhvr>
-                                      <p:to>
-                                        <p:strVal val="hidden"/>
-                                      </p:to>
-                                    </p:set>
-                                  </p:childTnLst>
-                                </p:cTn>
-                              </p:par>
-                            </p:childTnLst>
-                          </p:cTn>
-                        </p:par>
-                      </p:childTnLst>
-                    </p:cTn>
-                  </p:par>
-                </p:childTnLst>
-              </p:cTn>
-              <p:prevCondLst>
-                <p:cond evt="onPrev" delay="0">
-                  <p:tgtEl>
-                    <p:sldTgt/>
-                  </p:tgtEl>
-                </p:cond>
-              </p:prevCondLst>
-              <p:nextCondLst>
-                <p:cond evt="onNext" delay="0">
-                  <p:tgtEl>
-                    <p:sldTgt/>
-                  </p:tgtEl>
-                </p:cond>
-              </p:nextCondLst>
-            </p:seq>
-          </p:childTnLst>
-        </p:cTn>
+        <p:cTn id="1" dur="indefinite" restart="never" nodeType="tmRoot"/>
       </p:par>
     </p:tnLst>
   </p:timing>
 </p:sld>
 </file>
 
-<file path=ppt/slides/slide6.xml><?xml version="1.0" encoding="utf-8"?>
+<file path=ppt/slides/slide9.xml><?xml version="1.0" encoding="utf-8"?>
 <p:sld xmlns:a="http://schemas.openxmlformats.org/drawingml/2006/main" xmlns:r="http://schemas.openxmlformats.org/officeDocument/2006/relationships" xmlns:p="http://schemas.openxmlformats.org/presentationml/2006/main">
   <p:cSld>
     <p:spTree>
@@ -40053,1227 +41144,6 @@
     <p:tnLst>
       <p:par>
         <p:cTn id="1" dur="indefinite" restart="never" nodeType="tmRoot"/>
-      </p:par>
-    </p:tnLst>
-  </p:timing>
-</p:sld>
-</file>
-
-<file path=ppt/slides/slide7.xml><?xml version="1.0" encoding="utf-8"?>
-<p:sld xmlns:a="http://schemas.openxmlformats.org/drawingml/2006/main" xmlns:r="http://schemas.openxmlformats.org/officeDocument/2006/relationships" xmlns:p="http://schemas.openxmlformats.org/presentationml/2006/main">
-  <p:cSld>
-    <p:spTree>
-      <p:nvGrpSpPr>
-        <p:cNvPr id="1" name=""/>
-        <p:cNvGrpSpPr/>
-        <p:nvPr/>
-      </p:nvGrpSpPr>
-      <p:grpSpPr>
-        <a:xfrm>
-          <a:off x="0" y="0"/>
-          <a:ext cx="0" cy="0"/>
-          <a:chOff x="0" y="0"/>
-          <a:chExt cx="0" cy="0"/>
-        </a:xfrm>
-      </p:grpSpPr>
-      <p:sp>
-        <p:nvSpPr>
-          <p:cNvPr id="2" name="Title 1"/>
-          <p:cNvSpPr>
-            <a:spLocks noGrp="1"/>
-          </p:cNvSpPr>
-          <p:nvPr>
-            <p:ph type="title"/>
-          </p:nvPr>
-        </p:nvSpPr>
-        <p:spPr/>
-        <p:txBody>
-          <a:bodyPr/>
-          <a:lstStyle/>
-          <a:p>
-            <a:r>
-              <a:rPr lang="en-US" dirty="0" smtClean="0"/>
-              <a:t>Our Solution</a:t>
-            </a:r>
-            <a:endParaRPr lang="en-GB" dirty="0"/>
-          </a:p>
-        </p:txBody>
-      </p:sp>
-      <p:pic>
-        <p:nvPicPr>
-          <p:cNvPr id="8" name="Content Placeholder 7"/>
-          <p:cNvPicPr>
-            <a:picLocks noGrp="1" noChangeAspect="1"/>
-          </p:cNvPicPr>
-          <p:nvPr>
-            <p:ph idx="1"/>
-          </p:nvPr>
-        </p:nvPicPr>
-        <p:blipFill>
-          <a:blip r:embed="rId2">
-            <a:extLst>
-              <a:ext uri="{28A0092B-C50C-407E-A947-70E740481C1C}">
-                <a14:useLocalDpi xmlns:a14="http://schemas.microsoft.com/office/drawing/2010/main" val="0"/>
-              </a:ext>
-            </a:extLst>
-          </a:blip>
-          <a:stretch>
-            <a:fillRect/>
-          </a:stretch>
-        </p:blipFill>
-        <p:spPr>
-          <a:xfrm>
-            <a:off x="829487" y="2354594"/>
-            <a:ext cx="1627200" cy="1627200"/>
-          </a:xfrm>
-        </p:spPr>
-      </p:pic>
-      <p:pic>
-        <p:nvPicPr>
-          <p:cNvPr id="9" name="Picture 8"/>
-          <p:cNvPicPr>
-            <a:picLocks noChangeAspect="1"/>
-          </p:cNvPicPr>
-          <p:nvPr/>
-        </p:nvPicPr>
-        <p:blipFill>
-          <a:blip r:embed="rId3" cstate="print">
-            <a:extLst>
-              <a:ext uri="{28A0092B-C50C-407E-A947-70E740481C1C}">
-                <a14:useLocalDpi xmlns:a14="http://schemas.microsoft.com/office/drawing/2010/main" val="0"/>
-              </a:ext>
-            </a:extLst>
-          </a:blip>
-          <a:stretch>
-            <a:fillRect/>
-          </a:stretch>
-        </p:blipFill>
-        <p:spPr>
-          <a:xfrm>
-            <a:off x="5104326" y="2354594"/>
-            <a:ext cx="1446895" cy="1627200"/>
-          </a:xfrm>
-          <a:prstGeom prst="rect">
-            <a:avLst/>
-          </a:prstGeom>
-        </p:spPr>
-      </p:pic>
-      <p:pic>
-        <p:nvPicPr>
-          <p:cNvPr id="10" name="Picture 9"/>
-          <p:cNvPicPr>
-            <a:picLocks noChangeAspect="1"/>
-          </p:cNvPicPr>
-          <p:nvPr/>
-        </p:nvPicPr>
-        <p:blipFill>
-          <a:blip r:embed="rId4">
-            <a:extLst>
-              <a:ext uri="{28A0092B-C50C-407E-A947-70E740481C1C}">
-                <a14:useLocalDpi xmlns:a14="http://schemas.microsoft.com/office/drawing/2010/main" val="0"/>
-              </a:ext>
-            </a:extLst>
-          </a:blip>
-          <a:stretch>
-            <a:fillRect/>
-          </a:stretch>
-        </p:blipFill>
-        <p:spPr>
-          <a:xfrm>
-            <a:off x="9062905" y="2406101"/>
-            <a:ext cx="1627200" cy="1627200"/>
-          </a:xfrm>
-          <a:prstGeom prst="rect">
-            <a:avLst/>
-          </a:prstGeom>
-        </p:spPr>
-      </p:pic>
-      <p:sp>
-        <p:nvSpPr>
-          <p:cNvPr id="11" name="Right Arrow 10"/>
-          <p:cNvSpPr/>
-          <p:nvPr/>
-        </p:nvSpPr>
-        <p:spPr>
-          <a:xfrm>
-            <a:off x="2588654" y="2665927"/>
-            <a:ext cx="2511380" cy="1171977"/>
-          </a:xfrm>
-          <a:prstGeom prst="rightArrow">
-            <a:avLst/>
-          </a:prstGeom>
-        </p:spPr>
-        <p:style>
-          <a:lnRef idx="2">
-            <a:schemeClr val="accent1">
-              <a:shade val="50000"/>
-            </a:schemeClr>
-          </a:lnRef>
-          <a:fillRef idx="1">
-            <a:schemeClr val="accent1"/>
-          </a:fillRef>
-          <a:effectRef idx="0">
-            <a:schemeClr val="accent1"/>
-          </a:effectRef>
-          <a:fontRef idx="minor">
-            <a:schemeClr val="lt1"/>
-          </a:fontRef>
-        </p:style>
-        <p:txBody>
-          <a:bodyPr rtlCol="0" anchor="ctr"/>
-          <a:lstStyle/>
-          <a:p>
-            <a:pPr algn="ctr"/>
-            <a:r>
-              <a:rPr lang="en-US" dirty="0" smtClean="0"/>
-              <a:t>Track</a:t>
-            </a:r>
-            <a:endParaRPr lang="en-GB" dirty="0"/>
-          </a:p>
-        </p:txBody>
-      </p:sp>
-      <p:sp>
-        <p:nvSpPr>
-          <p:cNvPr id="12" name="Right Arrow 11"/>
-          <p:cNvSpPr/>
-          <p:nvPr/>
-        </p:nvSpPr>
-        <p:spPr>
-          <a:xfrm>
-            <a:off x="6550105" y="2664304"/>
-            <a:ext cx="2512800" cy="1173600"/>
-          </a:xfrm>
-          <a:prstGeom prst="rightArrow">
-            <a:avLst/>
-          </a:prstGeom>
-        </p:spPr>
-        <p:style>
-          <a:lnRef idx="2">
-            <a:schemeClr val="accent1">
-              <a:shade val="50000"/>
-            </a:schemeClr>
-          </a:lnRef>
-          <a:fillRef idx="1">
-            <a:schemeClr val="accent1"/>
-          </a:fillRef>
-          <a:effectRef idx="0">
-            <a:schemeClr val="accent1"/>
-          </a:effectRef>
-          <a:fontRef idx="minor">
-            <a:schemeClr val="lt1"/>
-          </a:fontRef>
-        </p:style>
-        <p:txBody>
-          <a:bodyPr rtlCol="0" anchor="ctr"/>
-          <a:lstStyle/>
-          <a:p>
-            <a:pPr algn="ctr"/>
-            <a:r>
-              <a:rPr lang="en-US" dirty="0" smtClean="0"/>
-              <a:t>Give</a:t>
-            </a:r>
-            <a:endParaRPr lang="en-GB" dirty="0"/>
-          </a:p>
-        </p:txBody>
-      </p:sp>
-      <p:sp>
-        <p:nvSpPr>
-          <p:cNvPr id="13" name="TextBox 12"/>
-          <p:cNvSpPr txBox="1"/>
-          <p:nvPr/>
-        </p:nvSpPr>
-        <p:spPr>
-          <a:xfrm>
-            <a:off x="1068945" y="4108359"/>
-            <a:ext cx="912429" cy="369332"/>
-          </a:xfrm>
-          <a:prstGeom prst="rect">
-            <a:avLst/>
-          </a:prstGeom>
-          <a:noFill/>
-        </p:spPr>
-        <p:txBody>
-          <a:bodyPr wrap="none" rtlCol="0">
-            <a:spAutoFit/>
-          </a:bodyPr>
-          <a:lstStyle/>
-          <a:p>
-            <a:r>
-              <a:rPr lang="en-US" dirty="0" smtClean="0"/>
-              <a:t>System</a:t>
-            </a:r>
-            <a:endParaRPr lang="en-GB" dirty="0"/>
-          </a:p>
-        </p:txBody>
-      </p:sp>
-      <p:sp>
-        <p:nvSpPr>
-          <p:cNvPr id="14" name="TextBox 13"/>
-          <p:cNvSpPr txBox="1"/>
-          <p:nvPr/>
-        </p:nvSpPr>
-        <p:spPr>
-          <a:xfrm>
-            <a:off x="5478767" y="4108359"/>
-            <a:ext cx="698012" cy="369332"/>
-          </a:xfrm>
-          <a:prstGeom prst="rect">
-            <a:avLst/>
-          </a:prstGeom>
-          <a:noFill/>
-        </p:spPr>
-        <p:txBody>
-          <a:bodyPr wrap="none" rtlCol="0">
-            <a:spAutoFit/>
-          </a:bodyPr>
-          <a:lstStyle/>
-          <a:p>
-            <a:r>
-              <a:rPr lang="en-US" dirty="0" smtClean="0"/>
-              <a:t>Price</a:t>
-            </a:r>
-            <a:endParaRPr lang="en-GB" dirty="0"/>
-          </a:p>
-        </p:txBody>
-      </p:sp>
-      <p:sp>
-        <p:nvSpPr>
-          <p:cNvPr id="15" name="TextBox 14"/>
-          <p:cNvSpPr txBox="1"/>
-          <p:nvPr/>
-        </p:nvSpPr>
-        <p:spPr>
-          <a:xfrm>
-            <a:off x="9236746" y="4108359"/>
-            <a:ext cx="1279517" cy="369332"/>
-          </a:xfrm>
-          <a:prstGeom prst="rect">
-            <a:avLst/>
-          </a:prstGeom>
-          <a:noFill/>
-        </p:spPr>
-        <p:txBody>
-          <a:bodyPr wrap="none" rtlCol="0">
-            <a:spAutoFit/>
-          </a:bodyPr>
-          <a:lstStyle/>
-          <a:p>
-            <a:r>
-              <a:rPr lang="en-US" dirty="0" smtClean="0"/>
-              <a:t>Suggestion</a:t>
-            </a:r>
-            <a:endParaRPr lang="en-GB" dirty="0"/>
-          </a:p>
-        </p:txBody>
-      </p:sp>
-    </p:spTree>
-    <p:extLst>
-      <p:ext uri="{BB962C8B-B14F-4D97-AF65-F5344CB8AC3E}">
-        <p14:creationId xmlns:p14="http://schemas.microsoft.com/office/powerpoint/2010/main" val="3140107869"/>
-      </p:ext>
-    </p:extLst>
-  </p:cSld>
-  <p:clrMapOvr>
-    <a:masterClrMapping/>
-  </p:clrMapOvr>
-  <p:transition spd="slow">
-    <p:wipe dir="r"/>
-  </p:transition>
-  <p:timing>
-    <p:tnLst>
-      <p:par>
-        <p:cTn id="1" dur="indefinite" restart="never" nodeType="tmRoot"/>
-      </p:par>
-    </p:tnLst>
-  </p:timing>
-</p:sld>
-</file>
-
-<file path=ppt/slides/slide8.xml><?xml version="1.0" encoding="utf-8"?>
-<p:sld xmlns:a="http://schemas.openxmlformats.org/drawingml/2006/main" xmlns:r="http://schemas.openxmlformats.org/officeDocument/2006/relationships" xmlns:p="http://schemas.openxmlformats.org/presentationml/2006/main">
-  <p:cSld>
-    <p:spTree>
-      <p:nvGrpSpPr>
-        <p:cNvPr id="1" name=""/>
-        <p:cNvGrpSpPr/>
-        <p:nvPr/>
-      </p:nvGrpSpPr>
-      <p:grpSpPr>
-        <a:xfrm>
-          <a:off x="0" y="0"/>
-          <a:ext cx="0" cy="0"/>
-          <a:chOff x="0" y="0"/>
-          <a:chExt cx="0" cy="0"/>
-        </a:xfrm>
-      </p:grpSpPr>
-      <p:sp>
-        <p:nvSpPr>
-          <p:cNvPr id="2" name="Title 1"/>
-          <p:cNvSpPr>
-            <a:spLocks noGrp="1"/>
-          </p:cNvSpPr>
-          <p:nvPr>
-            <p:ph type="title"/>
-          </p:nvPr>
-        </p:nvSpPr>
-        <p:spPr/>
-        <p:txBody>
-          <a:bodyPr/>
-          <a:lstStyle/>
-          <a:p>
-            <a:r>
-              <a:rPr lang="en-US" dirty="0" smtClean="0"/>
-              <a:t>Features</a:t>
-            </a:r>
-            <a:endParaRPr lang="en-GB" dirty="0"/>
-          </a:p>
-        </p:txBody>
-      </p:sp>
-      <p:graphicFrame>
-        <p:nvGraphicFramePr>
-          <p:cNvPr id="4" name="Content Placeholder 3"/>
-          <p:cNvGraphicFramePr>
-            <a:graphicFrameLocks noGrp="1"/>
-          </p:cNvGraphicFramePr>
-          <p:nvPr>
-            <p:ph idx="1"/>
-            <p:extLst>
-              <p:ext uri="{D42A27DB-BD31-4B8C-83A1-F6EECF244321}">
-                <p14:modId xmlns:p14="http://schemas.microsoft.com/office/powerpoint/2010/main" val="1990236922"/>
-              </p:ext>
-            </p:extLst>
-          </p:nvPr>
-        </p:nvGraphicFramePr>
-        <p:xfrm>
-          <a:off x="458922" y="1787101"/>
-          <a:ext cx="9689630" cy="4613699"/>
-        </p:xfrm>
-        <a:graphic>
-          <a:graphicData uri="http://schemas.openxmlformats.org/drawingml/2006/diagram">
-            <dgm:relIds xmlns:dgm="http://schemas.openxmlformats.org/drawingml/2006/diagram" xmlns:r="http://schemas.openxmlformats.org/officeDocument/2006/relationships" r:dm="rId2" r:lo="rId3" r:qs="rId4" r:cs="rId5"/>
-          </a:graphicData>
-        </a:graphic>
-      </p:graphicFrame>
-    </p:spTree>
-    <p:extLst>
-      <p:ext uri="{BB962C8B-B14F-4D97-AF65-F5344CB8AC3E}">
-        <p14:creationId xmlns:p14="http://schemas.microsoft.com/office/powerpoint/2010/main" val="2669957109"/>
-      </p:ext>
-    </p:extLst>
-  </p:cSld>
-  <p:clrMapOvr>
-    <a:masterClrMapping/>
-  </p:clrMapOvr>
-  <mc:AlternateContent xmlns:mc="http://schemas.openxmlformats.org/markup-compatibility/2006">
-    <mc:Choice xmlns:p14="http://schemas.microsoft.com/office/powerpoint/2010/main" Requires="p14">
-      <p:transition spd="slow" p14:dur="1500">
-        <p:split orient="vert"/>
-      </p:transition>
-    </mc:Choice>
-    <mc:Fallback>
-      <p:transition spd="slow">
-        <p:split orient="vert"/>
-      </p:transition>
-    </mc:Fallback>
-  </mc:AlternateContent>
-  <p:timing>
-    <p:tnLst>
-      <p:par>
-        <p:cTn id="1" dur="indefinite" restart="never" nodeType="tmRoot"/>
-      </p:par>
-    </p:tnLst>
-  </p:timing>
-</p:sld>
-</file>
-
-<file path=ppt/slides/slide9.xml><?xml version="1.0" encoding="utf-8"?>
-<p:sld xmlns:a="http://schemas.openxmlformats.org/drawingml/2006/main" xmlns:r="http://schemas.openxmlformats.org/officeDocument/2006/relationships" xmlns:p="http://schemas.openxmlformats.org/presentationml/2006/main">
-  <p:cSld>
-    <p:spTree>
-      <p:nvGrpSpPr>
-        <p:cNvPr id="1" name=""/>
-        <p:cNvGrpSpPr/>
-        <p:nvPr/>
-      </p:nvGrpSpPr>
-      <p:grpSpPr>
-        <a:xfrm>
-          <a:off x="0" y="0"/>
-          <a:ext cx="0" cy="0"/>
-          <a:chOff x="0" y="0"/>
-          <a:chExt cx="0" cy="0"/>
-        </a:xfrm>
-      </p:grpSpPr>
-      <p:sp>
-        <p:nvSpPr>
-          <p:cNvPr id="2" name="Title 1"/>
-          <p:cNvSpPr>
-            <a:spLocks noGrp="1"/>
-          </p:cNvSpPr>
-          <p:nvPr>
-            <p:ph type="title"/>
-          </p:nvPr>
-        </p:nvSpPr>
-        <p:spPr/>
-        <p:txBody>
-          <a:bodyPr/>
-          <a:lstStyle/>
-          <a:p>
-            <a:r>
-              <a:rPr lang="en-US" dirty="0" smtClean="0"/>
-              <a:t>Demonstration Story</a:t>
-            </a:r>
-            <a:endParaRPr lang="en-GB" dirty="0"/>
-          </a:p>
-        </p:txBody>
-      </p:sp>
-      <p:pic>
-        <p:nvPicPr>
-          <p:cNvPr id="4" name="Picture 3"/>
-          <p:cNvPicPr>
-            <a:picLocks noChangeAspect="1"/>
-          </p:cNvPicPr>
-          <p:nvPr/>
-        </p:nvPicPr>
-        <p:blipFill>
-          <a:blip r:embed="rId2" cstate="print">
-            <a:extLst>
-              <a:ext uri="{28A0092B-C50C-407E-A947-70E740481C1C}">
-                <a14:useLocalDpi xmlns:a14="http://schemas.microsoft.com/office/drawing/2010/main" val="0"/>
-              </a:ext>
-            </a:extLst>
-          </a:blip>
-          <a:stretch>
-            <a:fillRect/>
-          </a:stretch>
-        </p:blipFill>
-        <p:spPr>
-          <a:xfrm>
-            <a:off x="352469" y="1945559"/>
-            <a:ext cx="1545167" cy="1627200"/>
-          </a:xfrm>
-          <a:prstGeom prst="rect">
-            <a:avLst/>
-          </a:prstGeom>
-        </p:spPr>
-      </p:pic>
-      <p:pic>
-        <p:nvPicPr>
-          <p:cNvPr id="5" name="Picture 4"/>
-          <p:cNvPicPr>
-            <a:picLocks noChangeAspect="1"/>
-          </p:cNvPicPr>
-          <p:nvPr/>
-        </p:nvPicPr>
-        <p:blipFill>
-          <a:blip r:embed="rId3">
-            <a:extLst>
-              <a:ext uri="{28A0092B-C50C-407E-A947-70E740481C1C}">
-                <a14:useLocalDpi xmlns:a14="http://schemas.microsoft.com/office/drawing/2010/main" val="0"/>
-              </a:ext>
-            </a:extLst>
-          </a:blip>
-          <a:stretch>
-            <a:fillRect/>
-          </a:stretch>
-        </p:blipFill>
-        <p:spPr>
-          <a:xfrm>
-            <a:off x="3760034" y="1945559"/>
-            <a:ext cx="1627200" cy="1627200"/>
-          </a:xfrm>
-          <a:prstGeom prst="rect">
-            <a:avLst/>
-          </a:prstGeom>
-        </p:spPr>
-      </p:pic>
-      <p:pic>
-        <p:nvPicPr>
-          <p:cNvPr id="6" name="Picture 5"/>
-          <p:cNvPicPr>
-            <a:picLocks noChangeAspect="1"/>
-          </p:cNvPicPr>
-          <p:nvPr/>
-        </p:nvPicPr>
-        <p:blipFill>
-          <a:blip r:embed="rId4" cstate="print">
-            <a:extLst>
-              <a:ext uri="{28A0092B-C50C-407E-A947-70E740481C1C}">
-                <a14:useLocalDpi xmlns:a14="http://schemas.microsoft.com/office/drawing/2010/main" val="0"/>
-              </a:ext>
-            </a:extLst>
-          </a:blip>
-          <a:stretch>
-            <a:fillRect/>
-          </a:stretch>
-        </p:blipFill>
-        <p:spPr>
-          <a:xfrm>
-            <a:off x="3760034" y="4901652"/>
-            <a:ext cx="1627200" cy="1627200"/>
-          </a:xfrm>
-          <a:prstGeom prst="rect">
-            <a:avLst/>
-          </a:prstGeom>
-        </p:spPr>
-      </p:pic>
-      <p:cxnSp>
-        <p:nvCxnSpPr>
-          <p:cNvPr id="8" name="Straight Arrow Connector 7"/>
-          <p:cNvCxnSpPr>
-            <a:stCxn id="4" idx="3"/>
-            <a:endCxn id="5" idx="1"/>
-          </p:cNvCxnSpPr>
-          <p:nvPr/>
-        </p:nvCxnSpPr>
-        <p:spPr>
-          <a:xfrm>
-            <a:off x="1897636" y="2759159"/>
-            <a:ext cx="1862398" cy="0"/>
-          </a:xfrm>
-          <a:prstGeom prst="straightConnector1">
-            <a:avLst/>
-          </a:prstGeom>
-          <a:ln w="38100">
-            <a:tailEnd type="arrow"/>
-          </a:ln>
-        </p:spPr>
-        <p:style>
-          <a:lnRef idx="1">
-            <a:schemeClr val="accent1"/>
-          </a:lnRef>
-          <a:fillRef idx="0">
-            <a:schemeClr val="accent1"/>
-          </a:fillRef>
-          <a:effectRef idx="0">
-            <a:schemeClr val="accent1"/>
-          </a:effectRef>
-          <a:fontRef idx="minor">
-            <a:schemeClr val="tx1"/>
-          </a:fontRef>
-        </p:style>
-      </p:cxnSp>
-      <p:pic>
-        <p:nvPicPr>
-          <p:cNvPr id="9" name="Picture 8"/>
-          <p:cNvPicPr>
-            <a:picLocks noChangeAspect="1"/>
-          </p:cNvPicPr>
-          <p:nvPr/>
-        </p:nvPicPr>
-        <p:blipFill>
-          <a:blip r:embed="rId5">
-            <a:extLst>
-              <a:ext uri="{28A0092B-C50C-407E-A947-70E740481C1C}">
-                <a14:useLocalDpi xmlns:a14="http://schemas.microsoft.com/office/drawing/2010/main" val="0"/>
-              </a:ext>
-            </a:extLst>
-          </a:blip>
-          <a:stretch>
-            <a:fillRect/>
-          </a:stretch>
-        </p:blipFill>
-        <p:spPr>
-          <a:xfrm>
-            <a:off x="7300090" y="4901652"/>
-            <a:ext cx="1627200" cy="1627200"/>
-          </a:xfrm>
-          <a:prstGeom prst="rect">
-            <a:avLst/>
-          </a:prstGeom>
-        </p:spPr>
-      </p:pic>
-      <p:pic>
-        <p:nvPicPr>
-          <p:cNvPr id="10" name="Picture 9"/>
-          <p:cNvPicPr>
-            <a:picLocks noChangeAspect="1"/>
-          </p:cNvPicPr>
-          <p:nvPr/>
-        </p:nvPicPr>
-        <p:blipFill>
-          <a:blip r:embed="rId6">
-            <a:extLst>
-              <a:ext uri="{28A0092B-C50C-407E-A947-70E740481C1C}">
-                <a14:useLocalDpi xmlns:a14="http://schemas.microsoft.com/office/drawing/2010/main" val="0"/>
-              </a:ext>
-            </a:extLst>
-          </a:blip>
-          <a:stretch>
-            <a:fillRect/>
-          </a:stretch>
-        </p:blipFill>
-        <p:spPr>
-          <a:xfrm>
-            <a:off x="7300090" y="1945559"/>
-            <a:ext cx="1627200" cy="1627200"/>
-          </a:xfrm>
-          <a:prstGeom prst="rect">
-            <a:avLst/>
-          </a:prstGeom>
-        </p:spPr>
-      </p:pic>
-      <p:cxnSp>
-        <p:nvCxnSpPr>
-          <p:cNvPr id="16" name="Straight Arrow Connector 15"/>
-          <p:cNvCxnSpPr>
-            <a:stCxn id="5" idx="2"/>
-            <a:endCxn id="6" idx="0"/>
-          </p:cNvCxnSpPr>
-          <p:nvPr/>
-        </p:nvCxnSpPr>
-        <p:spPr>
-          <a:xfrm>
-            <a:off x="4573634" y="3572759"/>
-            <a:ext cx="0" cy="1328893"/>
-          </a:xfrm>
-          <a:prstGeom prst="straightConnector1">
-            <a:avLst/>
-          </a:prstGeom>
-          <a:ln w="38100">
-            <a:tailEnd type="arrow"/>
-          </a:ln>
-        </p:spPr>
-        <p:style>
-          <a:lnRef idx="1">
-            <a:schemeClr val="accent1"/>
-          </a:lnRef>
-          <a:fillRef idx="0">
-            <a:schemeClr val="accent1"/>
-          </a:fillRef>
-          <a:effectRef idx="0">
-            <a:schemeClr val="accent1"/>
-          </a:effectRef>
-          <a:fontRef idx="minor">
-            <a:schemeClr val="tx1"/>
-          </a:fontRef>
-        </p:style>
-      </p:cxnSp>
-      <p:cxnSp>
-        <p:nvCxnSpPr>
-          <p:cNvPr id="18" name="Straight Arrow Connector 17"/>
-          <p:cNvCxnSpPr>
-            <a:stCxn id="6" idx="3"/>
-            <a:endCxn id="9" idx="1"/>
-          </p:cNvCxnSpPr>
-          <p:nvPr/>
-        </p:nvCxnSpPr>
-        <p:spPr>
-          <a:xfrm>
-            <a:off x="5387234" y="5715252"/>
-            <a:ext cx="1912856" cy="0"/>
-          </a:xfrm>
-          <a:prstGeom prst="straightConnector1">
-            <a:avLst/>
-          </a:prstGeom>
-          <a:ln w="38100">
-            <a:tailEnd type="arrow"/>
-          </a:ln>
-        </p:spPr>
-        <p:style>
-          <a:lnRef idx="1">
-            <a:schemeClr val="accent1"/>
-          </a:lnRef>
-          <a:fillRef idx="0">
-            <a:schemeClr val="accent1"/>
-          </a:fillRef>
-          <a:effectRef idx="0">
-            <a:schemeClr val="accent1"/>
-          </a:effectRef>
-          <a:fontRef idx="minor">
-            <a:schemeClr val="tx1"/>
-          </a:fontRef>
-        </p:style>
-      </p:cxnSp>
-      <p:cxnSp>
-        <p:nvCxnSpPr>
-          <p:cNvPr id="20" name="Straight Arrow Connector 19"/>
-          <p:cNvCxnSpPr>
-            <a:stCxn id="9" idx="0"/>
-            <a:endCxn id="10" idx="2"/>
-          </p:cNvCxnSpPr>
-          <p:nvPr/>
-        </p:nvCxnSpPr>
-        <p:spPr>
-          <a:xfrm flipV="1">
-            <a:off x="8113690" y="3572759"/>
-            <a:ext cx="0" cy="1328893"/>
-          </a:xfrm>
-          <a:prstGeom prst="straightConnector1">
-            <a:avLst/>
-          </a:prstGeom>
-          <a:ln w="38100">
-            <a:tailEnd type="arrow"/>
-          </a:ln>
-        </p:spPr>
-        <p:style>
-          <a:lnRef idx="1">
-            <a:schemeClr val="accent1"/>
-          </a:lnRef>
-          <a:fillRef idx="0">
-            <a:schemeClr val="accent1"/>
-          </a:fillRef>
-          <a:effectRef idx="0">
-            <a:schemeClr val="accent1"/>
-          </a:effectRef>
-          <a:fontRef idx="minor">
-            <a:schemeClr val="tx1"/>
-          </a:fontRef>
-        </p:style>
-      </p:cxnSp>
-    </p:spTree>
-    <p:extLst>
-      <p:ext uri="{BB962C8B-B14F-4D97-AF65-F5344CB8AC3E}">
-        <p14:creationId xmlns:p14="http://schemas.microsoft.com/office/powerpoint/2010/main" val="1836446923"/>
-      </p:ext>
-    </p:extLst>
-  </p:cSld>
-  <p:clrMapOvr>
-    <a:masterClrMapping/>
-  </p:clrMapOvr>
-  <mc:AlternateContent xmlns:mc="http://schemas.openxmlformats.org/markup-compatibility/2006" xmlns:p14="http://schemas.microsoft.com/office/powerpoint/2010/main">
-    <mc:Choice Requires="p14">
-      <p:transition spd="slow" p14:dur="1600">
-        <p:blinds dir="vert"/>
-      </p:transition>
-    </mc:Choice>
-    <mc:Fallback xmlns="">
-      <p:transition spd="slow">
-        <p:blinds dir="vert"/>
-      </p:transition>
-    </mc:Fallback>
-  </mc:AlternateContent>
-  <p:timing>
-    <p:tnLst>
-      <p:par>
-        <p:cTn id="1" dur="indefinite" restart="never" nodeType="tmRoot">
-          <p:childTnLst>
-            <p:seq concurrent="1" nextAc="seek">
-              <p:cTn id="2" dur="indefinite" nodeType="mainSeq">
-                <p:childTnLst>
-                  <p:par>
-                    <p:cTn id="3" fill="hold">
-                      <p:stCondLst>
-                        <p:cond delay="indefinite"/>
-                      </p:stCondLst>
-                      <p:childTnLst>
-                        <p:par>
-                          <p:cTn id="4" fill="hold">
-                            <p:stCondLst>
-                              <p:cond delay="0"/>
-                            </p:stCondLst>
-                            <p:childTnLst>
-                              <p:par>
-                                <p:cTn id="5" presetID="14" presetClass="entr" presetSubtype="10" fill="hold" nodeType="clickEffect">
-                                  <p:stCondLst>
-                                    <p:cond delay="0"/>
-                                  </p:stCondLst>
-                                  <p:childTnLst>
-                                    <p:set>
-                                      <p:cBhvr>
-                                        <p:cTn id="6" dur="1" fill="hold">
-                                          <p:stCondLst>
-                                            <p:cond delay="0"/>
-                                          </p:stCondLst>
-                                        </p:cTn>
-                                        <p:tgtEl>
-                                          <p:spTgt spid="4"/>
-                                        </p:tgtEl>
-                                        <p:attrNameLst>
-                                          <p:attrName>style.visibility</p:attrName>
-                                        </p:attrNameLst>
-                                      </p:cBhvr>
-                                      <p:to>
-                                        <p:strVal val="visible"/>
-                                      </p:to>
-                                    </p:set>
-                                    <p:animEffect transition="in" filter="randombar(horizontal)">
-                                      <p:cBhvr>
-                                        <p:cTn id="7" dur="500"/>
-                                        <p:tgtEl>
-                                          <p:spTgt spid="4"/>
-                                        </p:tgtEl>
-                                      </p:cBhvr>
-                                    </p:animEffect>
-                                  </p:childTnLst>
-                                </p:cTn>
-                              </p:par>
-                            </p:childTnLst>
-                          </p:cTn>
-                        </p:par>
-                      </p:childTnLst>
-                    </p:cTn>
-                  </p:par>
-                  <p:par>
-                    <p:cTn id="8" fill="hold">
-                      <p:stCondLst>
-                        <p:cond delay="indefinite"/>
-                      </p:stCondLst>
-                      <p:childTnLst>
-                        <p:par>
-                          <p:cTn id="9" fill="hold">
-                            <p:stCondLst>
-                              <p:cond delay="0"/>
-                            </p:stCondLst>
-                            <p:childTnLst>
-                              <p:par>
-                                <p:cTn id="10" presetID="14" presetClass="entr" presetSubtype="10" fill="hold" nodeType="clickEffect">
-                                  <p:stCondLst>
-                                    <p:cond delay="0"/>
-                                  </p:stCondLst>
-                                  <p:childTnLst>
-                                    <p:set>
-                                      <p:cBhvr>
-                                        <p:cTn id="11" dur="1" fill="hold">
-                                          <p:stCondLst>
-                                            <p:cond delay="0"/>
-                                          </p:stCondLst>
-                                        </p:cTn>
-                                        <p:tgtEl>
-                                          <p:spTgt spid="8"/>
-                                        </p:tgtEl>
-                                        <p:attrNameLst>
-                                          <p:attrName>style.visibility</p:attrName>
-                                        </p:attrNameLst>
-                                      </p:cBhvr>
-                                      <p:to>
-                                        <p:strVal val="visible"/>
-                                      </p:to>
-                                    </p:set>
-                                    <p:animEffect transition="in" filter="randombar(horizontal)">
-                                      <p:cBhvr>
-                                        <p:cTn id="12" dur="500"/>
-                                        <p:tgtEl>
-                                          <p:spTgt spid="8"/>
-                                        </p:tgtEl>
-                                      </p:cBhvr>
-                                    </p:animEffect>
-                                  </p:childTnLst>
-                                </p:cTn>
-                              </p:par>
-                              <p:par>
-                                <p:cTn id="13" presetID="14" presetClass="entr" presetSubtype="10" fill="hold" nodeType="withEffect">
-                                  <p:stCondLst>
-                                    <p:cond delay="0"/>
-                                  </p:stCondLst>
-                                  <p:childTnLst>
-                                    <p:set>
-                                      <p:cBhvr>
-                                        <p:cTn id="14" dur="1" fill="hold">
-                                          <p:stCondLst>
-                                            <p:cond delay="0"/>
-                                          </p:stCondLst>
-                                        </p:cTn>
-                                        <p:tgtEl>
-                                          <p:spTgt spid="5"/>
-                                        </p:tgtEl>
-                                        <p:attrNameLst>
-                                          <p:attrName>style.visibility</p:attrName>
-                                        </p:attrNameLst>
-                                      </p:cBhvr>
-                                      <p:to>
-                                        <p:strVal val="visible"/>
-                                      </p:to>
-                                    </p:set>
-                                    <p:animEffect transition="in" filter="randombar(horizontal)">
-                                      <p:cBhvr>
-                                        <p:cTn id="15" dur="500"/>
-                                        <p:tgtEl>
-                                          <p:spTgt spid="5"/>
-                                        </p:tgtEl>
-                                      </p:cBhvr>
-                                    </p:animEffect>
-                                  </p:childTnLst>
-                                </p:cTn>
-                              </p:par>
-                            </p:childTnLst>
-                          </p:cTn>
-                        </p:par>
-                      </p:childTnLst>
-                    </p:cTn>
-                  </p:par>
-                  <p:par>
-                    <p:cTn id="16" fill="hold">
-                      <p:stCondLst>
-                        <p:cond delay="indefinite"/>
-                      </p:stCondLst>
-                      <p:childTnLst>
-                        <p:par>
-                          <p:cTn id="17" fill="hold">
-                            <p:stCondLst>
-                              <p:cond delay="0"/>
-                            </p:stCondLst>
-                            <p:childTnLst>
-                              <p:par>
-                                <p:cTn id="18" presetID="14" presetClass="entr" presetSubtype="10" fill="hold" nodeType="clickEffect">
-                                  <p:stCondLst>
-                                    <p:cond delay="0"/>
-                                  </p:stCondLst>
-                                  <p:childTnLst>
-                                    <p:set>
-                                      <p:cBhvr>
-                                        <p:cTn id="19" dur="1" fill="hold">
-                                          <p:stCondLst>
-                                            <p:cond delay="0"/>
-                                          </p:stCondLst>
-                                        </p:cTn>
-                                        <p:tgtEl>
-                                          <p:spTgt spid="16"/>
-                                        </p:tgtEl>
-                                        <p:attrNameLst>
-                                          <p:attrName>style.visibility</p:attrName>
-                                        </p:attrNameLst>
-                                      </p:cBhvr>
-                                      <p:to>
-                                        <p:strVal val="visible"/>
-                                      </p:to>
-                                    </p:set>
-                                    <p:animEffect transition="in" filter="randombar(horizontal)">
-                                      <p:cBhvr>
-                                        <p:cTn id="20" dur="500"/>
-                                        <p:tgtEl>
-                                          <p:spTgt spid="16"/>
-                                        </p:tgtEl>
-                                      </p:cBhvr>
-                                    </p:animEffect>
-                                  </p:childTnLst>
-                                </p:cTn>
-                              </p:par>
-                              <p:par>
-                                <p:cTn id="21" presetID="14" presetClass="entr" presetSubtype="10" fill="hold" nodeType="withEffect">
-                                  <p:stCondLst>
-                                    <p:cond delay="0"/>
-                                  </p:stCondLst>
-                                  <p:childTnLst>
-                                    <p:set>
-                                      <p:cBhvr>
-                                        <p:cTn id="22" dur="1" fill="hold">
-                                          <p:stCondLst>
-                                            <p:cond delay="0"/>
-                                          </p:stCondLst>
-                                        </p:cTn>
-                                        <p:tgtEl>
-                                          <p:spTgt spid="6"/>
-                                        </p:tgtEl>
-                                        <p:attrNameLst>
-                                          <p:attrName>style.visibility</p:attrName>
-                                        </p:attrNameLst>
-                                      </p:cBhvr>
-                                      <p:to>
-                                        <p:strVal val="visible"/>
-                                      </p:to>
-                                    </p:set>
-                                    <p:animEffect transition="in" filter="randombar(horizontal)">
-                                      <p:cBhvr>
-                                        <p:cTn id="23" dur="500"/>
-                                        <p:tgtEl>
-                                          <p:spTgt spid="6"/>
-                                        </p:tgtEl>
-                                      </p:cBhvr>
-                                    </p:animEffect>
-                                  </p:childTnLst>
-                                </p:cTn>
-                              </p:par>
-                            </p:childTnLst>
-                          </p:cTn>
-                        </p:par>
-                      </p:childTnLst>
-                    </p:cTn>
-                  </p:par>
-                  <p:par>
-                    <p:cTn id="24" fill="hold">
-                      <p:stCondLst>
-                        <p:cond delay="indefinite"/>
-                      </p:stCondLst>
-                      <p:childTnLst>
-                        <p:par>
-                          <p:cTn id="25" fill="hold">
-                            <p:stCondLst>
-                              <p:cond delay="0"/>
-                            </p:stCondLst>
-                            <p:childTnLst>
-                              <p:par>
-                                <p:cTn id="26" presetID="14" presetClass="entr" presetSubtype="10" fill="hold" nodeType="clickEffect">
-                                  <p:stCondLst>
-                                    <p:cond delay="0"/>
-                                  </p:stCondLst>
-                                  <p:childTnLst>
-                                    <p:set>
-                                      <p:cBhvr>
-                                        <p:cTn id="27" dur="1" fill="hold">
-                                          <p:stCondLst>
-                                            <p:cond delay="0"/>
-                                          </p:stCondLst>
-                                        </p:cTn>
-                                        <p:tgtEl>
-                                          <p:spTgt spid="18"/>
-                                        </p:tgtEl>
-                                        <p:attrNameLst>
-                                          <p:attrName>style.visibility</p:attrName>
-                                        </p:attrNameLst>
-                                      </p:cBhvr>
-                                      <p:to>
-                                        <p:strVal val="visible"/>
-                                      </p:to>
-                                    </p:set>
-                                    <p:animEffect transition="in" filter="randombar(horizontal)">
-                                      <p:cBhvr>
-                                        <p:cTn id="28" dur="500"/>
-                                        <p:tgtEl>
-                                          <p:spTgt spid="18"/>
-                                        </p:tgtEl>
-                                      </p:cBhvr>
-                                    </p:animEffect>
-                                  </p:childTnLst>
-                                </p:cTn>
-                              </p:par>
-                              <p:par>
-                                <p:cTn id="29" presetID="14" presetClass="entr" presetSubtype="10" fill="hold" nodeType="withEffect">
-                                  <p:stCondLst>
-                                    <p:cond delay="0"/>
-                                  </p:stCondLst>
-                                  <p:childTnLst>
-                                    <p:set>
-                                      <p:cBhvr>
-                                        <p:cTn id="30" dur="1" fill="hold">
-                                          <p:stCondLst>
-                                            <p:cond delay="0"/>
-                                          </p:stCondLst>
-                                        </p:cTn>
-                                        <p:tgtEl>
-                                          <p:spTgt spid="9"/>
-                                        </p:tgtEl>
-                                        <p:attrNameLst>
-                                          <p:attrName>style.visibility</p:attrName>
-                                        </p:attrNameLst>
-                                      </p:cBhvr>
-                                      <p:to>
-                                        <p:strVal val="visible"/>
-                                      </p:to>
-                                    </p:set>
-                                    <p:animEffect transition="in" filter="randombar(horizontal)">
-                                      <p:cBhvr>
-                                        <p:cTn id="31" dur="500"/>
-                                        <p:tgtEl>
-                                          <p:spTgt spid="9"/>
-                                        </p:tgtEl>
-                                      </p:cBhvr>
-                                    </p:animEffect>
-                                  </p:childTnLst>
-                                </p:cTn>
-                              </p:par>
-                            </p:childTnLst>
-                          </p:cTn>
-                        </p:par>
-                      </p:childTnLst>
-                    </p:cTn>
-                  </p:par>
-                  <p:par>
-                    <p:cTn id="32" fill="hold">
-                      <p:stCondLst>
-                        <p:cond delay="indefinite"/>
-                      </p:stCondLst>
-                      <p:childTnLst>
-                        <p:par>
-                          <p:cTn id="33" fill="hold">
-                            <p:stCondLst>
-                              <p:cond delay="0"/>
-                            </p:stCondLst>
-                            <p:childTnLst>
-                              <p:par>
-                                <p:cTn id="34" presetID="14" presetClass="entr" presetSubtype="10" fill="hold" nodeType="clickEffect">
-                                  <p:stCondLst>
-                                    <p:cond delay="0"/>
-                                  </p:stCondLst>
-                                  <p:childTnLst>
-                                    <p:set>
-                                      <p:cBhvr>
-                                        <p:cTn id="35" dur="1" fill="hold">
-                                          <p:stCondLst>
-                                            <p:cond delay="0"/>
-                                          </p:stCondLst>
-                                        </p:cTn>
-                                        <p:tgtEl>
-                                          <p:spTgt spid="20"/>
-                                        </p:tgtEl>
-                                        <p:attrNameLst>
-                                          <p:attrName>style.visibility</p:attrName>
-                                        </p:attrNameLst>
-                                      </p:cBhvr>
-                                      <p:to>
-                                        <p:strVal val="visible"/>
-                                      </p:to>
-                                    </p:set>
-                                    <p:animEffect transition="in" filter="randombar(horizontal)">
-                                      <p:cBhvr>
-                                        <p:cTn id="36" dur="500"/>
-                                        <p:tgtEl>
-                                          <p:spTgt spid="20"/>
-                                        </p:tgtEl>
-                                      </p:cBhvr>
-                                    </p:animEffect>
-                                  </p:childTnLst>
-                                </p:cTn>
-                              </p:par>
-                              <p:par>
-                                <p:cTn id="37" presetID="14" presetClass="entr" presetSubtype="10" fill="hold" nodeType="withEffect">
-                                  <p:stCondLst>
-                                    <p:cond delay="0"/>
-                                  </p:stCondLst>
-                                  <p:childTnLst>
-                                    <p:set>
-                                      <p:cBhvr>
-                                        <p:cTn id="38" dur="1" fill="hold">
-                                          <p:stCondLst>
-                                            <p:cond delay="0"/>
-                                          </p:stCondLst>
-                                        </p:cTn>
-                                        <p:tgtEl>
-                                          <p:spTgt spid="10"/>
-                                        </p:tgtEl>
-                                        <p:attrNameLst>
-                                          <p:attrName>style.visibility</p:attrName>
-                                        </p:attrNameLst>
-                                      </p:cBhvr>
-                                      <p:to>
-                                        <p:strVal val="visible"/>
-                                      </p:to>
-                                    </p:set>
-                                    <p:animEffect transition="in" filter="randombar(horizontal)">
-                                      <p:cBhvr>
-                                        <p:cTn id="39" dur="500"/>
-                                        <p:tgtEl>
-                                          <p:spTgt spid="10"/>
-                                        </p:tgtEl>
-                                      </p:cBhvr>
-                                    </p:animEffect>
-                                  </p:childTnLst>
-                                </p:cTn>
-                              </p:par>
-                            </p:childTnLst>
-                          </p:cTn>
-                        </p:par>
-                      </p:childTnLst>
-                    </p:cTn>
-                  </p:par>
-                </p:childTnLst>
-              </p:cTn>
-              <p:prevCondLst>
-                <p:cond evt="onPrev" delay="0">
-                  <p:tgtEl>
-                    <p:sldTgt/>
-                  </p:tgtEl>
-                </p:cond>
-              </p:prevCondLst>
-              <p:nextCondLst>
-                <p:cond evt="onNext" delay="0">
-                  <p:tgtEl>
-                    <p:sldTgt/>
-                  </p:tgtEl>
-                </p:cond>
-              </p:nextCondLst>
-            </p:seq>
-          </p:childTnLst>
-        </p:cTn>
       </p:par>
     </p:tnLst>
   </p:timing>

--- a/ smart-buy/Slides/Smart Buy.pptx
+++ b/ smart-buy/Slides/Smart Buy.pptx
@@ -9,30 +9,31 @@
     <p:sldId id="257" r:id="rId3"/>
     <p:sldId id="258" r:id="rId4"/>
     <p:sldId id="259" r:id="rId5"/>
-    <p:sldId id="286" r:id="rId6"/>
-    <p:sldId id="287" r:id="rId7"/>
-    <p:sldId id="288" r:id="rId8"/>
-    <p:sldId id="289" r:id="rId9"/>
-    <p:sldId id="272" r:id="rId10"/>
-    <p:sldId id="269" r:id="rId11"/>
-    <p:sldId id="285" r:id="rId12"/>
-    <p:sldId id="284" r:id="rId13"/>
-    <p:sldId id="274" r:id="rId14"/>
-    <p:sldId id="265" r:id="rId15"/>
-    <p:sldId id="266" r:id="rId16"/>
-    <p:sldId id="275" r:id="rId17"/>
-    <p:sldId id="276" r:id="rId18"/>
-    <p:sldId id="267" r:id="rId19"/>
-    <p:sldId id="278" r:id="rId20"/>
-    <p:sldId id="277" r:id="rId21"/>
-    <p:sldId id="282" r:id="rId22"/>
-    <p:sldId id="283" r:id="rId23"/>
-    <p:sldId id="281" r:id="rId24"/>
-    <p:sldId id="279" r:id="rId25"/>
-    <p:sldId id="261" r:id="rId26"/>
-    <p:sldId id="268" r:id="rId27"/>
-    <p:sldId id="270" r:id="rId28"/>
-    <p:sldId id="264" r:id="rId29"/>
+    <p:sldId id="290" r:id="rId6"/>
+    <p:sldId id="286" r:id="rId7"/>
+    <p:sldId id="287" r:id="rId8"/>
+    <p:sldId id="288" r:id="rId9"/>
+    <p:sldId id="289" r:id="rId10"/>
+    <p:sldId id="272" r:id="rId11"/>
+    <p:sldId id="269" r:id="rId12"/>
+    <p:sldId id="285" r:id="rId13"/>
+    <p:sldId id="284" r:id="rId14"/>
+    <p:sldId id="274" r:id="rId15"/>
+    <p:sldId id="265" r:id="rId16"/>
+    <p:sldId id="266" r:id="rId17"/>
+    <p:sldId id="275" r:id="rId18"/>
+    <p:sldId id="276" r:id="rId19"/>
+    <p:sldId id="267" r:id="rId20"/>
+    <p:sldId id="278" r:id="rId21"/>
+    <p:sldId id="277" r:id="rId22"/>
+    <p:sldId id="282" r:id="rId23"/>
+    <p:sldId id="283" r:id="rId24"/>
+    <p:sldId id="281" r:id="rId25"/>
+    <p:sldId id="279" r:id="rId26"/>
+    <p:sldId id="261" r:id="rId27"/>
+    <p:sldId id="268" r:id="rId28"/>
+    <p:sldId id="270" r:id="rId29"/>
+    <p:sldId id="264" r:id="rId30"/>
   </p:sldIdLst>
   <p:sldSz cx="12192000" cy="6858000"/>
   <p:notesSz cx="6858000" cy="9144000"/>
@@ -133,7 +134,7 @@
   </p:defaultTextStyle>
   <p:extLst>
     <p:ext uri="{EFAFB233-063F-42B5-8137-9DF3F51BA10A}">
-      <p15:sldGuideLst xmlns:p15="http://schemas.microsoft.com/office/powerpoint/2012/main" xmlns=""/>
+      <p15:sldGuideLst xmlns="" xmlns:p15="http://schemas.microsoft.com/office/powerpoint/2012/main"/>
     </p:ext>
   </p:extLst>
 </p:presentation>
@@ -5703,6 +5704,43 @@
         </a:p>
       </dgm:t>
     </dgm:pt>
+    <dgm:pt modelId="{E751E393-2383-4A1C-89F2-6AA939222364}">
+      <dgm:prSet phldrT="[Text]"/>
+      <dgm:spPr/>
+      <dgm:t>
+        <a:bodyPr/>
+        <a:lstStyle/>
+        <a:p>
+          <a:r>
+            <a:rPr lang="en-US" dirty="0" smtClean="0"/>
+            <a:t>Future Plans</a:t>
+          </a:r>
+          <a:endParaRPr lang="en-US" dirty="0"/>
+        </a:p>
+      </dgm:t>
+    </dgm:pt>
+    <dgm:pt modelId="{3A7C2082-1FA6-40FE-BFC0-B7153B313957}" type="parTrans" cxnId="{1A550A03-9C63-43D5-9FBB-0C9C0069DDA9}">
+      <dgm:prSet/>
+      <dgm:spPr/>
+      <dgm:t>
+        <a:bodyPr/>
+        <a:lstStyle/>
+        <a:p>
+          <a:endParaRPr lang="en-GB"/>
+        </a:p>
+      </dgm:t>
+    </dgm:pt>
+    <dgm:pt modelId="{318DF19E-8CD1-44B6-AB30-7ED9F6D6B8E5}" type="sibTrans" cxnId="{1A550A03-9C63-43D5-9FBB-0C9C0069DDA9}">
+      <dgm:prSet/>
+      <dgm:spPr/>
+      <dgm:t>
+        <a:bodyPr/>
+        <a:lstStyle/>
+        <a:p>
+          <a:endParaRPr lang="en-GB"/>
+        </a:p>
+      </dgm:t>
+    </dgm:pt>
     <dgm:pt modelId="{27D16682-F23F-437E-9A78-D9DC7CC56EE2}" type="pres">
       <dgm:prSet presAssocID="{0726B740-0C05-4144-A1F9-A024323F8AD9}" presName="Name0" presStyleCnt="0">
         <dgm:presLayoutVars>
@@ -5729,7 +5767,7 @@
       <dgm:spPr/>
     </dgm:pt>
     <dgm:pt modelId="{025D23C1-F512-4782-8FF3-FC878BBA6912}" type="pres">
-      <dgm:prSet presAssocID="{0726B740-0C05-4144-A1F9-A024323F8AD9}" presName="srcNode" presStyleLbl="node1" presStyleIdx="0" presStyleCnt="5"/>
+      <dgm:prSet presAssocID="{0726B740-0C05-4144-A1F9-A024323F8AD9}" presName="srcNode" presStyleLbl="node1" presStyleIdx="0" presStyleCnt="6"/>
       <dgm:spPr/>
     </dgm:pt>
     <dgm:pt modelId="{C910D5EA-8AFD-434E-8158-334518A10346}" type="pres">
@@ -5744,15 +5782,15 @@
       </dgm:t>
     </dgm:pt>
     <dgm:pt modelId="{A3923CCC-6B13-4791-B4DA-AA919213E84E}" type="pres">
-      <dgm:prSet presAssocID="{0726B740-0C05-4144-A1F9-A024323F8AD9}" presName="extraNode" presStyleLbl="node1" presStyleIdx="0" presStyleCnt="5"/>
+      <dgm:prSet presAssocID="{0726B740-0C05-4144-A1F9-A024323F8AD9}" presName="extraNode" presStyleLbl="node1" presStyleIdx="0" presStyleCnt="6"/>
       <dgm:spPr/>
     </dgm:pt>
     <dgm:pt modelId="{5078ED92-3BE6-4B69-9081-C538FE19CCCD}" type="pres">
-      <dgm:prSet presAssocID="{0726B740-0C05-4144-A1F9-A024323F8AD9}" presName="dstNode" presStyleLbl="node1" presStyleIdx="0" presStyleCnt="5"/>
+      <dgm:prSet presAssocID="{0726B740-0C05-4144-A1F9-A024323F8AD9}" presName="dstNode" presStyleLbl="node1" presStyleIdx="0" presStyleCnt="6"/>
       <dgm:spPr/>
     </dgm:pt>
     <dgm:pt modelId="{B7992BCE-B142-45A5-B992-B9BFD54A33DC}" type="pres">
-      <dgm:prSet presAssocID="{C9322D86-849A-43F8-A924-659EE4EEEE76}" presName="text_1" presStyleLbl="node1" presStyleIdx="0" presStyleCnt="5">
+      <dgm:prSet presAssocID="{C9322D86-849A-43F8-A924-659EE4EEEE76}" presName="text_1" presStyleLbl="node1" presStyleIdx="0" presStyleCnt="6">
         <dgm:presLayoutVars>
           <dgm:bulletEnabled val="1"/>
         </dgm:presLayoutVars>
@@ -5771,11 +5809,11 @@
       <dgm:spPr/>
     </dgm:pt>
     <dgm:pt modelId="{C9E57088-7F31-4051-BBDF-42D864EC9EBE}" type="pres">
-      <dgm:prSet presAssocID="{C9322D86-849A-43F8-A924-659EE4EEEE76}" presName="accentRepeatNode" presStyleLbl="solidFgAcc1" presStyleIdx="0" presStyleCnt="5"/>
+      <dgm:prSet presAssocID="{C9322D86-849A-43F8-A924-659EE4EEEE76}" presName="accentRepeatNode" presStyleLbl="solidFgAcc1" presStyleIdx="0" presStyleCnt="6"/>
       <dgm:spPr/>
     </dgm:pt>
     <dgm:pt modelId="{DBEA5A4D-DC1C-462E-A97D-F8D8F0DBA4EA}" type="pres">
-      <dgm:prSet presAssocID="{04FC1A18-3AEE-44E8-BCC4-2B4BC160C080}" presName="text_2" presStyleLbl="node1" presStyleIdx="1" presStyleCnt="5">
+      <dgm:prSet presAssocID="{04FC1A18-3AEE-44E8-BCC4-2B4BC160C080}" presName="text_2" presStyleLbl="node1" presStyleIdx="1" presStyleCnt="6">
         <dgm:presLayoutVars>
           <dgm:bulletEnabled val="1"/>
         </dgm:presLayoutVars>
@@ -5794,11 +5832,11 @@
       <dgm:spPr/>
     </dgm:pt>
     <dgm:pt modelId="{3F9611C8-2EA6-4382-A181-A07FAC782B2A}" type="pres">
-      <dgm:prSet presAssocID="{04FC1A18-3AEE-44E8-BCC4-2B4BC160C080}" presName="accentRepeatNode" presStyleLbl="solidFgAcc1" presStyleIdx="1" presStyleCnt="5"/>
+      <dgm:prSet presAssocID="{04FC1A18-3AEE-44E8-BCC4-2B4BC160C080}" presName="accentRepeatNode" presStyleLbl="solidFgAcc1" presStyleIdx="1" presStyleCnt="6"/>
       <dgm:spPr/>
     </dgm:pt>
     <dgm:pt modelId="{DEAD63F9-F31B-4458-82AD-896585277AE5}" type="pres">
-      <dgm:prSet presAssocID="{9709027D-CEAD-4074-8E4C-DAA78C29F27B}" presName="text_3" presStyleLbl="node1" presStyleIdx="2" presStyleCnt="5">
+      <dgm:prSet presAssocID="{9709027D-CEAD-4074-8E4C-DAA78C29F27B}" presName="text_3" presStyleLbl="node1" presStyleIdx="2" presStyleCnt="6">
         <dgm:presLayoutVars>
           <dgm:bulletEnabled val="1"/>
         </dgm:presLayoutVars>
@@ -5817,11 +5855,11 @@
       <dgm:spPr/>
     </dgm:pt>
     <dgm:pt modelId="{010430AD-B9EC-40B7-8F4B-70207320A234}" type="pres">
-      <dgm:prSet presAssocID="{9709027D-CEAD-4074-8E4C-DAA78C29F27B}" presName="accentRepeatNode" presStyleLbl="solidFgAcc1" presStyleIdx="2" presStyleCnt="5"/>
+      <dgm:prSet presAssocID="{9709027D-CEAD-4074-8E4C-DAA78C29F27B}" presName="accentRepeatNode" presStyleLbl="solidFgAcc1" presStyleIdx="2" presStyleCnt="6"/>
       <dgm:spPr/>
     </dgm:pt>
     <dgm:pt modelId="{0535E955-B7AE-48FC-969B-539B2C245666}" type="pres">
-      <dgm:prSet presAssocID="{C688FB5B-A7AF-4BCC-8D4C-A9E4D96C3895}" presName="text_4" presStyleLbl="node1" presStyleIdx="3" presStyleCnt="5">
+      <dgm:prSet presAssocID="{C688FB5B-A7AF-4BCC-8D4C-A9E4D96C3895}" presName="text_4" presStyleLbl="node1" presStyleIdx="3" presStyleCnt="6">
         <dgm:presLayoutVars>
           <dgm:bulletEnabled val="1"/>
         </dgm:presLayoutVars>
@@ -5840,11 +5878,11 @@
       <dgm:spPr/>
     </dgm:pt>
     <dgm:pt modelId="{6FD9C734-BB88-4BF5-89B2-11AEF22AF11D}" type="pres">
-      <dgm:prSet presAssocID="{C688FB5B-A7AF-4BCC-8D4C-A9E4D96C3895}" presName="accentRepeatNode" presStyleLbl="solidFgAcc1" presStyleIdx="3" presStyleCnt="5"/>
+      <dgm:prSet presAssocID="{C688FB5B-A7AF-4BCC-8D4C-A9E4D96C3895}" presName="accentRepeatNode" presStyleLbl="solidFgAcc1" presStyleIdx="3" presStyleCnt="6"/>
       <dgm:spPr/>
     </dgm:pt>
-    <dgm:pt modelId="{E9709BFB-88A2-4485-9D95-0765E9A3CD62}" type="pres">
-      <dgm:prSet presAssocID="{08BB5156-7DFC-406D-BE87-DAA466E9EA90}" presName="text_5" presStyleLbl="node1" presStyleIdx="4" presStyleCnt="5">
+    <dgm:pt modelId="{5E7565C0-5287-4E4D-8626-67E866958165}" type="pres">
+      <dgm:prSet presAssocID="{E751E393-2383-4A1C-89F2-6AA939222364}" presName="text_5" presStyleLbl="node1" presStyleIdx="4" presStyleCnt="6">
         <dgm:presLayoutVars>
           <dgm:bulletEnabled val="1"/>
         </dgm:presLayoutVars>
@@ -5858,23 +5896,48 @@
         </a:p>
       </dgm:t>
     </dgm:pt>
-    <dgm:pt modelId="{C5C8F4FF-90AE-47E3-B194-8E683DDA60FD}" type="pres">
-      <dgm:prSet presAssocID="{08BB5156-7DFC-406D-BE87-DAA466E9EA90}" presName="accent_5" presStyleCnt="0"/>
+    <dgm:pt modelId="{5048A7EA-3B0A-41BD-B450-059A9D55DE2D}" type="pres">
+      <dgm:prSet presAssocID="{E751E393-2383-4A1C-89F2-6AA939222364}" presName="accent_5" presStyleCnt="0"/>
+      <dgm:spPr/>
+    </dgm:pt>
+    <dgm:pt modelId="{EDBC188B-E862-403F-B5EF-6CB003C2307F}" type="pres">
+      <dgm:prSet presAssocID="{E751E393-2383-4A1C-89F2-6AA939222364}" presName="accentRepeatNode" presStyleLbl="solidFgAcc1" presStyleIdx="4" presStyleCnt="6"/>
+      <dgm:spPr/>
+    </dgm:pt>
+    <dgm:pt modelId="{FAB83880-1EBC-461E-8EE0-4812DFE2F361}" type="pres">
+      <dgm:prSet presAssocID="{08BB5156-7DFC-406D-BE87-DAA466E9EA90}" presName="text_6" presStyleLbl="node1" presStyleIdx="5" presStyleCnt="6">
+        <dgm:presLayoutVars>
+          <dgm:bulletEnabled val="1"/>
+        </dgm:presLayoutVars>
+      </dgm:prSet>
+      <dgm:spPr/>
+      <dgm:t>
+        <a:bodyPr/>
+        <a:lstStyle/>
+        <a:p>
+          <a:endParaRPr lang="en-GB"/>
+        </a:p>
+      </dgm:t>
+    </dgm:pt>
+    <dgm:pt modelId="{47340997-60FA-4BEF-B986-8FC60DCB8E1D}" type="pres">
+      <dgm:prSet presAssocID="{08BB5156-7DFC-406D-BE87-DAA466E9EA90}" presName="accent_6" presStyleCnt="0"/>
       <dgm:spPr/>
     </dgm:pt>
     <dgm:pt modelId="{8123A840-A704-4828-A5B4-AE7CA5C16305}" type="pres">
-      <dgm:prSet presAssocID="{08BB5156-7DFC-406D-BE87-DAA466E9EA90}" presName="accentRepeatNode" presStyleLbl="solidFgAcc1" presStyleIdx="4" presStyleCnt="5"/>
+      <dgm:prSet presAssocID="{08BB5156-7DFC-406D-BE87-DAA466E9EA90}" presName="accentRepeatNode" presStyleLbl="solidFgAcc1" presStyleIdx="5" presStyleCnt="6"/>
       <dgm:spPr/>
     </dgm:pt>
   </dgm:ptLst>
   <dgm:cxnLst>
     <dgm:cxn modelId="{8B6B14A6-EF09-4D49-A654-E93B16E84174}" srcId="{0726B740-0C05-4144-A1F9-A024323F8AD9}" destId="{9709027D-CEAD-4074-8E4C-DAA78C29F27B}" srcOrd="2" destOrd="0" parTransId="{DA6FC23B-1C2A-4855-9B4A-D77F67AFF34E}" sibTransId="{56D0518A-2BBA-42FA-A137-5903288DD71E}"/>
+    <dgm:cxn modelId="{9C6913E1-561C-4DAB-9A74-0F30B9A40FFD}" type="presOf" srcId="{E751E393-2383-4A1C-89F2-6AA939222364}" destId="{5E7565C0-5287-4E4D-8626-67E866958165}" srcOrd="0" destOrd="0" presId="urn:microsoft.com/office/officeart/2008/layout/VerticalCurvedList"/>
     <dgm:cxn modelId="{64EFF959-5827-439D-9E23-7904CAB78ED5}" type="presOf" srcId="{DDC5A756-A533-4C94-8F13-6F2792E2EB3B}" destId="{C910D5EA-8AFD-434E-8158-334518A10346}" srcOrd="0" destOrd="0" presId="urn:microsoft.com/office/officeart/2008/layout/VerticalCurvedList"/>
-    <dgm:cxn modelId="{36302DAA-2C61-4279-85EA-409BA0D8CC3B}" type="presOf" srcId="{08BB5156-7DFC-406D-BE87-DAA466E9EA90}" destId="{E9709BFB-88A2-4485-9D95-0765E9A3CD62}" srcOrd="0" destOrd="0" presId="urn:microsoft.com/office/officeart/2008/layout/VerticalCurvedList"/>
     <dgm:cxn modelId="{FF05ECE2-0747-4750-A151-01227CB417D4}" type="presOf" srcId="{0726B740-0C05-4144-A1F9-A024323F8AD9}" destId="{27D16682-F23F-437E-9A78-D9DC7CC56EE2}" srcOrd="0" destOrd="0" presId="urn:microsoft.com/office/officeart/2008/layout/VerticalCurvedList"/>
+    <dgm:cxn modelId="{3633B0FE-93CE-4F3B-8BF4-4A35EA3C9EC0}" type="presOf" srcId="{08BB5156-7DFC-406D-BE87-DAA466E9EA90}" destId="{FAB83880-1EBC-461E-8EE0-4812DFE2F361}" srcOrd="0" destOrd="0" presId="urn:microsoft.com/office/officeart/2008/layout/VerticalCurvedList"/>
     <dgm:cxn modelId="{02B4397B-DAF4-4CBA-BFD1-9266DDF91675}" srcId="{0726B740-0C05-4144-A1F9-A024323F8AD9}" destId="{04FC1A18-3AEE-44E8-BCC4-2B4BC160C080}" srcOrd="1" destOrd="0" parTransId="{42E0AA0A-B335-43E3-A760-771CEC460B0F}" sibTransId="{25DFE742-6352-4155-B5C6-EB3022833B15}"/>
+    <dgm:cxn modelId="{1A550A03-9C63-43D5-9FBB-0C9C0069DDA9}" srcId="{0726B740-0C05-4144-A1F9-A024323F8AD9}" destId="{E751E393-2383-4A1C-89F2-6AA939222364}" srcOrd="4" destOrd="0" parTransId="{3A7C2082-1FA6-40FE-BFC0-B7153B313957}" sibTransId="{318DF19E-8CD1-44B6-AB30-7ED9F6D6B8E5}"/>
     <dgm:cxn modelId="{7F632904-77C9-4AAD-A76F-5A9ADF82F737}" type="presOf" srcId="{C9322D86-849A-43F8-A924-659EE4EEEE76}" destId="{B7992BCE-B142-45A5-B992-B9BFD54A33DC}" srcOrd="0" destOrd="0" presId="urn:microsoft.com/office/officeart/2008/layout/VerticalCurvedList"/>
-    <dgm:cxn modelId="{F3E18DF1-B4A9-4E6C-BE23-83BC46951CF4}" srcId="{0726B740-0C05-4144-A1F9-A024323F8AD9}" destId="{08BB5156-7DFC-406D-BE87-DAA466E9EA90}" srcOrd="4" destOrd="0" parTransId="{C97567AF-5550-40AE-8109-AA400E8992F4}" sibTransId="{55D8473F-8B86-4010-9BCD-2FC8ED8484E1}"/>
+    <dgm:cxn modelId="{F3E18DF1-B4A9-4E6C-BE23-83BC46951CF4}" srcId="{0726B740-0C05-4144-A1F9-A024323F8AD9}" destId="{08BB5156-7DFC-406D-BE87-DAA466E9EA90}" srcOrd="5" destOrd="0" parTransId="{C97567AF-5550-40AE-8109-AA400E8992F4}" sibTransId="{55D8473F-8B86-4010-9BCD-2FC8ED8484E1}"/>
     <dgm:cxn modelId="{E899BC97-C505-4911-8660-318EB326F4CC}" type="presOf" srcId="{9709027D-CEAD-4074-8E4C-DAA78C29F27B}" destId="{DEAD63F9-F31B-4458-82AD-896585277AE5}" srcOrd="0" destOrd="0" presId="urn:microsoft.com/office/officeart/2008/layout/VerticalCurvedList"/>
     <dgm:cxn modelId="{218DE165-3FF0-433B-AE40-0EE7452A8508}" srcId="{0726B740-0C05-4144-A1F9-A024323F8AD9}" destId="{C9322D86-849A-43F8-A924-659EE4EEEE76}" srcOrd="0" destOrd="0" parTransId="{3BDA33E3-1DE7-457D-8FC2-93CD2A2DFB63}" sibTransId="{DDC5A756-A533-4C94-8F13-6F2792E2EB3B}"/>
     <dgm:cxn modelId="{9E1F21FE-5BB0-440F-BF86-C847D08DC8DE}" type="presOf" srcId="{C688FB5B-A7AF-4BCC-8D4C-A9E4D96C3895}" destId="{0535E955-B7AE-48FC-969B-539B2C245666}" srcOrd="0" destOrd="0" presId="urn:microsoft.com/office/officeart/2008/layout/VerticalCurvedList"/>
@@ -5898,9 +5961,12 @@
     <dgm:cxn modelId="{E305E936-8A4A-45CB-8751-0398EAC715D6}" type="presParOf" srcId="{061EB04F-DF25-4365-86FB-8BA1E55379A0}" destId="{0535E955-B7AE-48FC-969B-539B2C245666}" srcOrd="7" destOrd="0" presId="urn:microsoft.com/office/officeart/2008/layout/VerticalCurvedList"/>
     <dgm:cxn modelId="{3756F966-3AE9-470E-AC8F-632086708524}" type="presParOf" srcId="{061EB04F-DF25-4365-86FB-8BA1E55379A0}" destId="{376B905E-4578-4778-B00A-E196608BB85E}" srcOrd="8" destOrd="0" presId="urn:microsoft.com/office/officeart/2008/layout/VerticalCurvedList"/>
     <dgm:cxn modelId="{E37AB2D1-88D7-45C8-ADDF-C2240B8F0C08}" type="presParOf" srcId="{376B905E-4578-4778-B00A-E196608BB85E}" destId="{6FD9C734-BB88-4BF5-89B2-11AEF22AF11D}" srcOrd="0" destOrd="0" presId="urn:microsoft.com/office/officeart/2008/layout/VerticalCurvedList"/>
-    <dgm:cxn modelId="{183871D4-31A9-4AA5-B2B1-6B28EA97983B}" type="presParOf" srcId="{061EB04F-DF25-4365-86FB-8BA1E55379A0}" destId="{E9709BFB-88A2-4485-9D95-0765E9A3CD62}" srcOrd="9" destOrd="0" presId="urn:microsoft.com/office/officeart/2008/layout/VerticalCurvedList"/>
-    <dgm:cxn modelId="{B96CC348-93A9-45F2-A6E8-09D2C2C743E1}" type="presParOf" srcId="{061EB04F-DF25-4365-86FB-8BA1E55379A0}" destId="{C5C8F4FF-90AE-47E3-B194-8E683DDA60FD}" srcOrd="10" destOrd="0" presId="urn:microsoft.com/office/officeart/2008/layout/VerticalCurvedList"/>
-    <dgm:cxn modelId="{165B18E6-6BB5-4472-8EFF-9151768D4F9B}" type="presParOf" srcId="{C5C8F4FF-90AE-47E3-B194-8E683DDA60FD}" destId="{8123A840-A704-4828-A5B4-AE7CA5C16305}" srcOrd="0" destOrd="0" presId="urn:microsoft.com/office/officeart/2008/layout/VerticalCurvedList"/>
+    <dgm:cxn modelId="{3F02FDF5-E24B-4D86-8AA7-67EC57B98F5F}" type="presParOf" srcId="{061EB04F-DF25-4365-86FB-8BA1E55379A0}" destId="{5E7565C0-5287-4E4D-8626-67E866958165}" srcOrd="9" destOrd="0" presId="urn:microsoft.com/office/officeart/2008/layout/VerticalCurvedList"/>
+    <dgm:cxn modelId="{1EF18123-933C-4886-81CE-E63523625699}" type="presParOf" srcId="{061EB04F-DF25-4365-86FB-8BA1E55379A0}" destId="{5048A7EA-3B0A-41BD-B450-059A9D55DE2D}" srcOrd="10" destOrd="0" presId="urn:microsoft.com/office/officeart/2008/layout/VerticalCurvedList"/>
+    <dgm:cxn modelId="{86435C44-403A-4BA0-BB46-CC8BC68A75F3}" type="presParOf" srcId="{5048A7EA-3B0A-41BD-B450-059A9D55DE2D}" destId="{EDBC188B-E862-403F-B5EF-6CB003C2307F}" srcOrd="0" destOrd="0" presId="urn:microsoft.com/office/officeart/2008/layout/VerticalCurvedList"/>
+    <dgm:cxn modelId="{BEB58A89-652B-424E-AA7E-6DCC28629214}" type="presParOf" srcId="{061EB04F-DF25-4365-86FB-8BA1E55379A0}" destId="{FAB83880-1EBC-461E-8EE0-4812DFE2F361}" srcOrd="11" destOrd="0" presId="urn:microsoft.com/office/officeart/2008/layout/VerticalCurvedList"/>
+    <dgm:cxn modelId="{990F1192-3DD6-4C03-93DE-042049A96CA7}" type="presParOf" srcId="{061EB04F-DF25-4365-86FB-8BA1E55379A0}" destId="{47340997-60FA-4BEF-B986-8FC60DCB8E1D}" srcOrd="12" destOrd="0" presId="urn:microsoft.com/office/officeart/2008/layout/VerticalCurvedList"/>
+    <dgm:cxn modelId="{62F6C022-1103-4B8A-96DC-42DF5C7F851F}" type="presParOf" srcId="{47340997-60FA-4BEF-B986-8FC60DCB8E1D}" destId="{8123A840-A704-4828-A5B4-AE7CA5C16305}" srcOrd="0" destOrd="0" presId="urn:microsoft.com/office/officeart/2008/layout/VerticalCurvedList"/>
   </dgm:cxnLst>
   <dgm:bg/>
   <dgm:whole/>
@@ -6526,6 +6592,13 @@
         </dgm:presLayoutVars>
       </dgm:prSet>
       <dgm:spPr/>
+      <dgm:t>
+        <a:bodyPr/>
+        <a:lstStyle/>
+        <a:p>
+          <a:endParaRPr lang="en-GB"/>
+        </a:p>
+      </dgm:t>
     </dgm:pt>
     <dgm:pt modelId="{8BB36275-E7F0-4A62-8059-5368D93228A2}" type="pres">
       <dgm:prSet presAssocID="{04AD746E-8E68-4392-9A62-A2FC85A9D0C5}" presName="compNode" presStyleCnt="0"/>
@@ -6556,10 +6629,24 @@
         </dgm:presLayoutVars>
       </dgm:prSet>
       <dgm:spPr/>
+      <dgm:t>
+        <a:bodyPr/>
+        <a:lstStyle/>
+        <a:p>
+          <a:endParaRPr lang="en-GB"/>
+        </a:p>
+      </dgm:t>
     </dgm:pt>
     <dgm:pt modelId="{FC755826-ECAD-4F40-B435-FEBA5291562C}" type="pres">
       <dgm:prSet presAssocID="{6D5C9105-0581-4715-9FD1-70D5A8D11C9C}" presName="sibTrans" presStyleLbl="sibTrans2D1" presStyleIdx="0" presStyleCnt="0"/>
       <dgm:spPr/>
+      <dgm:t>
+        <a:bodyPr/>
+        <a:lstStyle/>
+        <a:p>
+          <a:endParaRPr lang="en-GB"/>
+        </a:p>
+      </dgm:t>
     </dgm:pt>
     <dgm:pt modelId="{5F1E0AA5-3E18-4D8E-9B0A-B3CCC142EC1C}" type="pres">
       <dgm:prSet presAssocID="{C8464284-228C-4A68-B873-0718032E1E61}" presName="compNode" presStyleCnt="0"/>
@@ -6601,6 +6688,13 @@
     <dgm:pt modelId="{94E030C4-E9DF-4330-8488-9C7EEDE89341}" type="pres">
       <dgm:prSet presAssocID="{74753ABF-0F1C-41F7-A0EA-534D9E890088}" presName="sibTrans" presStyleLbl="sibTrans2D1" presStyleIdx="0" presStyleCnt="0"/>
       <dgm:spPr/>
+      <dgm:t>
+        <a:bodyPr/>
+        <a:lstStyle/>
+        <a:p>
+          <a:endParaRPr lang="en-GB"/>
+        </a:p>
+      </dgm:t>
     </dgm:pt>
     <dgm:pt modelId="{742F499D-E874-47BF-B42F-0CE2A0FAE01D}" type="pres">
       <dgm:prSet presAssocID="{B16AD185-1391-4E39-9BAF-A732DB967608}" presName="compNode" presStyleCnt="0"/>
@@ -6631,10 +6725,24 @@
         </dgm:presLayoutVars>
       </dgm:prSet>
       <dgm:spPr/>
+      <dgm:t>
+        <a:bodyPr/>
+        <a:lstStyle/>
+        <a:p>
+          <a:endParaRPr lang="en-GB"/>
+        </a:p>
+      </dgm:t>
     </dgm:pt>
     <dgm:pt modelId="{B757D4AA-FA2C-4215-8650-9A3D2455F1DC}" type="pres">
       <dgm:prSet presAssocID="{B7CBB414-2922-46D6-B611-97803FA2EA87}" presName="sibTrans" presStyleLbl="sibTrans2D1" presStyleIdx="0" presStyleCnt="0"/>
       <dgm:spPr/>
+      <dgm:t>
+        <a:bodyPr/>
+        <a:lstStyle/>
+        <a:p>
+          <a:endParaRPr lang="en-GB"/>
+        </a:p>
+      </dgm:t>
     </dgm:pt>
     <dgm:pt modelId="{A20DB61A-BD55-4719-AB15-EA00437C7B9E}" type="pres">
       <dgm:prSet presAssocID="{EB8E2426-CD8C-4827-8D73-43780F26B096}" presName="compNode" presStyleCnt="0"/>
@@ -6665,10 +6773,24 @@
         </dgm:presLayoutVars>
       </dgm:prSet>
       <dgm:spPr/>
+      <dgm:t>
+        <a:bodyPr/>
+        <a:lstStyle/>
+        <a:p>
+          <a:endParaRPr lang="en-GB"/>
+        </a:p>
+      </dgm:t>
     </dgm:pt>
     <dgm:pt modelId="{AAE60E92-E0BF-4B91-B81B-08D59E85473C}" type="pres">
       <dgm:prSet presAssocID="{066302B2-E89D-448F-B700-E2FFB34D15C9}" presName="sibTrans" presStyleLbl="sibTrans2D1" presStyleIdx="0" presStyleCnt="0"/>
       <dgm:spPr/>
+      <dgm:t>
+        <a:bodyPr/>
+        <a:lstStyle/>
+        <a:p>
+          <a:endParaRPr lang="en-GB"/>
+        </a:p>
+      </dgm:t>
     </dgm:pt>
     <dgm:pt modelId="{9E92DAB2-612C-446B-B2AF-22AEB9B1AF59}" type="pres">
       <dgm:prSet presAssocID="{0332B7DE-AD17-4C1F-8900-FB918E76237C}" presName="compNode" presStyleCnt="0"/>
@@ -6699,10 +6821,24 @@
         </dgm:presLayoutVars>
       </dgm:prSet>
       <dgm:spPr/>
+      <dgm:t>
+        <a:bodyPr/>
+        <a:lstStyle/>
+        <a:p>
+          <a:endParaRPr lang="en-GB"/>
+        </a:p>
+      </dgm:t>
     </dgm:pt>
     <dgm:pt modelId="{41EB32D3-93EB-4FAE-B4A4-4D1F97FDDD3C}" type="pres">
       <dgm:prSet presAssocID="{12F4197F-58D0-4E5A-BE66-7777118A1034}" presName="sibTrans" presStyleLbl="sibTrans2D1" presStyleIdx="0" presStyleCnt="0"/>
       <dgm:spPr/>
+      <dgm:t>
+        <a:bodyPr/>
+        <a:lstStyle/>
+        <a:p>
+          <a:endParaRPr lang="en-GB"/>
+        </a:p>
+      </dgm:t>
     </dgm:pt>
     <dgm:pt modelId="{5B9D3B1C-667F-4852-B43C-13576FDA0E27}" type="pres">
       <dgm:prSet presAssocID="{64806512-A352-4211-9C17-EDDF656FF7A5}" presName="compNode" presStyleCnt="0"/>
@@ -6733,10 +6869,24 @@
         </dgm:presLayoutVars>
       </dgm:prSet>
       <dgm:spPr/>
+      <dgm:t>
+        <a:bodyPr/>
+        <a:lstStyle/>
+        <a:p>
+          <a:endParaRPr lang="en-GB"/>
+        </a:p>
+      </dgm:t>
     </dgm:pt>
     <dgm:pt modelId="{BE11028A-865E-4681-AC0B-7E4B8FB4A1B8}" type="pres">
       <dgm:prSet presAssocID="{A0A1B041-A31A-4702-95A8-C00F0C40F985}" presName="sibTrans" presStyleLbl="sibTrans2D1" presStyleIdx="0" presStyleCnt="0"/>
       <dgm:spPr/>
+      <dgm:t>
+        <a:bodyPr/>
+        <a:lstStyle/>
+        <a:p>
+          <a:endParaRPr lang="en-GB"/>
+        </a:p>
+      </dgm:t>
     </dgm:pt>
     <dgm:pt modelId="{70F74CA5-9F6A-4B7A-9221-F4AD7AAC9A13}" type="pres">
       <dgm:prSet presAssocID="{718C467A-847A-4B70-BBBD-A1F0C172C58F}" presName="compNode" presStyleCnt="0"/>
@@ -6759,6 +6909,13 @@
           </a:stretch>
         </a:blipFill>
       </dgm:spPr>
+      <dgm:t>
+        <a:bodyPr/>
+        <a:lstStyle/>
+        <a:p>
+          <a:endParaRPr lang="en-GB"/>
+        </a:p>
+      </dgm:t>
     </dgm:pt>
     <dgm:pt modelId="{0DA19ACC-408E-4451-802F-CB6DD2B511B0}" type="pres">
       <dgm:prSet presAssocID="{718C467A-847A-4B70-BBBD-A1F0C172C58F}" presName="textRect" presStyleLbl="revTx" presStyleIdx="6" presStyleCnt="7">
@@ -6767,30 +6924,37 @@
         </dgm:presLayoutVars>
       </dgm:prSet>
       <dgm:spPr/>
+      <dgm:t>
+        <a:bodyPr/>
+        <a:lstStyle/>
+        <a:p>
+          <a:endParaRPr lang="en-GB"/>
+        </a:p>
+      </dgm:t>
     </dgm:pt>
   </dgm:ptLst>
   <dgm:cxnLst>
+    <dgm:cxn modelId="{88E2C42E-64CB-40EF-90EE-21A483904836}" type="presOf" srcId="{04AD746E-8E68-4392-9A62-A2FC85A9D0C5}" destId="{50032E18-2E0A-4D65-A348-2C9C3E9B8328}" srcOrd="0" destOrd="0" presId="urn:microsoft.com/office/officeart/2005/8/layout/pList1"/>
+    <dgm:cxn modelId="{431BAA9A-9184-4390-A08F-AFD73478B539}" type="presOf" srcId="{C8464284-228C-4A68-B873-0718032E1E61}" destId="{AB026361-32AF-4200-8E3C-B6BC87A0F3C1}" srcOrd="0" destOrd="0" presId="urn:microsoft.com/office/officeart/2005/8/layout/pList1"/>
+    <dgm:cxn modelId="{52963955-CA2E-45DC-AA4A-F5A1A6D3D688}" type="presOf" srcId="{B7CBB414-2922-46D6-B611-97803FA2EA87}" destId="{B757D4AA-FA2C-4215-8650-9A3D2455F1DC}" srcOrd="0" destOrd="0" presId="urn:microsoft.com/office/officeart/2005/8/layout/pList1"/>
+    <dgm:cxn modelId="{071CD12D-3139-42AC-B5F3-1BC8C6AE8D91}" srcId="{494D11BF-2D98-4173-BACD-F1000D645904}" destId="{B16AD185-1391-4E39-9BAF-A732DB967608}" srcOrd="2" destOrd="0" parTransId="{D535AE7F-4A1D-4F50-AA42-BCA16F25D400}" sibTransId="{B7CBB414-2922-46D6-B611-97803FA2EA87}"/>
+    <dgm:cxn modelId="{4A0DA291-346E-4BBA-9E92-D7DACA693400}" srcId="{494D11BF-2D98-4173-BACD-F1000D645904}" destId="{EB8E2426-CD8C-4827-8D73-43780F26B096}" srcOrd="3" destOrd="0" parTransId="{3BA39F35-25FE-4772-8E4B-7C8C6FC50D1B}" sibTransId="{066302B2-E89D-448F-B700-E2FFB34D15C9}"/>
+    <dgm:cxn modelId="{6FFE058C-6F06-4D6E-A530-6B759E4EBE91}" type="presOf" srcId="{74753ABF-0F1C-41F7-A0EA-534D9E890088}" destId="{94E030C4-E9DF-4330-8488-9C7EEDE89341}" srcOrd="0" destOrd="0" presId="urn:microsoft.com/office/officeart/2005/8/layout/pList1"/>
+    <dgm:cxn modelId="{7FE2B189-33E7-47E5-AF5B-0EC613D2DD66}" type="presOf" srcId="{EB8E2426-CD8C-4827-8D73-43780F26B096}" destId="{53025DAB-3932-4FE1-BFF4-ED1A6BFC410C}" srcOrd="0" destOrd="0" presId="urn:microsoft.com/office/officeart/2005/8/layout/pList1"/>
+    <dgm:cxn modelId="{CE913807-4BBA-485A-B7C2-EB1E69388204}" srcId="{494D11BF-2D98-4173-BACD-F1000D645904}" destId="{0332B7DE-AD17-4C1F-8900-FB918E76237C}" srcOrd="4" destOrd="0" parTransId="{EF332AF7-8197-4800-BF05-75E1990B01F8}" sibTransId="{12F4197F-58D0-4E5A-BE66-7777118A1034}"/>
+    <dgm:cxn modelId="{0871311F-EA6F-4272-AF36-84AF6F2BC480}" type="presOf" srcId="{64806512-A352-4211-9C17-EDDF656FF7A5}" destId="{204C423E-AF9B-4804-A15C-59E7B5F55A52}" srcOrd="0" destOrd="0" presId="urn:microsoft.com/office/officeart/2005/8/layout/pList1"/>
+    <dgm:cxn modelId="{34E39598-4D25-4ACF-A6BC-C6F7D8644B7A}" type="presOf" srcId="{0332B7DE-AD17-4C1F-8900-FB918E76237C}" destId="{8ABD6398-AAB5-46D3-9A57-5E4F4E5ECD95}" srcOrd="0" destOrd="0" presId="urn:microsoft.com/office/officeart/2005/8/layout/pList1"/>
+    <dgm:cxn modelId="{FFCDF3A6-D6FA-4C1B-B20B-973D1EAACA29}" type="presOf" srcId="{A0A1B041-A31A-4702-95A8-C00F0C40F985}" destId="{BE11028A-865E-4681-AC0B-7E4B8FB4A1B8}" srcOrd="0" destOrd="0" presId="urn:microsoft.com/office/officeart/2005/8/layout/pList1"/>
+    <dgm:cxn modelId="{F2E58148-8F68-4995-B72E-F508C2F6AFEE}" srcId="{494D11BF-2D98-4173-BACD-F1000D645904}" destId="{C8464284-228C-4A68-B873-0718032E1E61}" srcOrd="1" destOrd="0" parTransId="{AEAC7AAB-36D0-4D36-A21B-0E3C889E47D9}" sibTransId="{74753ABF-0F1C-41F7-A0EA-534D9E890088}"/>
     <dgm:cxn modelId="{D7D482A6-0AD6-47AD-AD49-9609CD25448F}" type="presOf" srcId="{066302B2-E89D-448F-B700-E2FFB34D15C9}" destId="{AAE60E92-E0BF-4B91-B81B-08D59E85473C}" srcOrd="0" destOrd="0" presId="urn:microsoft.com/office/officeart/2005/8/layout/pList1"/>
-    <dgm:cxn modelId="{4A0DA291-346E-4BBA-9E92-D7DACA693400}" srcId="{494D11BF-2D98-4173-BACD-F1000D645904}" destId="{EB8E2426-CD8C-4827-8D73-43780F26B096}" srcOrd="3" destOrd="0" parTransId="{3BA39F35-25FE-4772-8E4B-7C8C6FC50D1B}" sibTransId="{066302B2-E89D-448F-B700-E2FFB34D15C9}"/>
-    <dgm:cxn modelId="{FFCDF3A6-D6FA-4C1B-B20B-973D1EAACA29}" type="presOf" srcId="{A0A1B041-A31A-4702-95A8-C00F0C40F985}" destId="{BE11028A-865E-4681-AC0B-7E4B8FB4A1B8}" srcOrd="0" destOrd="0" presId="urn:microsoft.com/office/officeart/2005/8/layout/pList1"/>
-    <dgm:cxn modelId="{0871311F-EA6F-4272-AF36-84AF6F2BC480}" type="presOf" srcId="{64806512-A352-4211-9C17-EDDF656FF7A5}" destId="{204C423E-AF9B-4804-A15C-59E7B5F55A52}" srcOrd="0" destOrd="0" presId="urn:microsoft.com/office/officeart/2005/8/layout/pList1"/>
+    <dgm:cxn modelId="{7EFFC151-2658-4DB7-8FF9-F47B5E736884}" type="presOf" srcId="{494D11BF-2D98-4173-BACD-F1000D645904}" destId="{E9CC8302-00BD-4FDD-BBB3-EFB1ABC4C93C}" srcOrd="0" destOrd="0" presId="urn:microsoft.com/office/officeart/2005/8/layout/pList1"/>
+    <dgm:cxn modelId="{37B5463D-FF7A-46CC-95C1-C10C0C81A0E1}" srcId="{494D11BF-2D98-4173-BACD-F1000D645904}" destId="{04AD746E-8E68-4392-9A62-A2FC85A9D0C5}" srcOrd="0" destOrd="0" parTransId="{3D401397-142B-44CA-A59F-E3F0D189A84B}" sibTransId="{6D5C9105-0581-4715-9FD1-70D5A8D11C9C}"/>
+    <dgm:cxn modelId="{96C49CB6-0293-412B-BF54-309486598BE6}" type="presOf" srcId="{718C467A-847A-4B70-BBBD-A1F0C172C58F}" destId="{0DA19ACC-408E-4451-802F-CB6DD2B511B0}" srcOrd="0" destOrd="0" presId="urn:microsoft.com/office/officeart/2005/8/layout/pList1"/>
     <dgm:cxn modelId="{6FE81CF4-4AB9-4714-BBF4-D95442B08E8D}" type="presOf" srcId="{12F4197F-58D0-4E5A-BE66-7777118A1034}" destId="{41EB32D3-93EB-4FAE-B4A4-4D1F97FDDD3C}" srcOrd="0" destOrd="0" presId="urn:microsoft.com/office/officeart/2005/8/layout/pList1"/>
-    <dgm:cxn modelId="{431BAA9A-9184-4390-A08F-AFD73478B539}" type="presOf" srcId="{C8464284-228C-4A68-B873-0718032E1E61}" destId="{AB026361-32AF-4200-8E3C-B6BC87A0F3C1}" srcOrd="0" destOrd="0" presId="urn:microsoft.com/office/officeart/2005/8/layout/pList1"/>
-    <dgm:cxn modelId="{88E2C42E-64CB-40EF-90EE-21A483904836}" type="presOf" srcId="{04AD746E-8E68-4392-9A62-A2FC85A9D0C5}" destId="{50032E18-2E0A-4D65-A348-2C9C3E9B8328}" srcOrd="0" destOrd="0" presId="urn:microsoft.com/office/officeart/2005/8/layout/pList1"/>
-    <dgm:cxn modelId="{7EFFC151-2658-4DB7-8FF9-F47B5E736884}" type="presOf" srcId="{494D11BF-2D98-4173-BACD-F1000D645904}" destId="{E9CC8302-00BD-4FDD-BBB3-EFB1ABC4C93C}" srcOrd="0" destOrd="0" presId="urn:microsoft.com/office/officeart/2005/8/layout/pList1"/>
     <dgm:cxn modelId="{D0DB5294-E2C2-46D0-B6E5-D31698DA543A}" type="presOf" srcId="{B16AD185-1391-4E39-9BAF-A732DB967608}" destId="{E88444CE-513E-46DB-98BB-1DE2BC38E1BB}" srcOrd="0" destOrd="0" presId="urn:microsoft.com/office/officeart/2005/8/layout/pList1"/>
-    <dgm:cxn modelId="{F2E58148-8F68-4995-B72E-F508C2F6AFEE}" srcId="{494D11BF-2D98-4173-BACD-F1000D645904}" destId="{C8464284-228C-4A68-B873-0718032E1E61}" srcOrd="1" destOrd="0" parTransId="{AEAC7AAB-36D0-4D36-A21B-0E3C889E47D9}" sibTransId="{74753ABF-0F1C-41F7-A0EA-534D9E890088}"/>
-    <dgm:cxn modelId="{7FE2B189-33E7-47E5-AF5B-0EC613D2DD66}" type="presOf" srcId="{EB8E2426-CD8C-4827-8D73-43780F26B096}" destId="{53025DAB-3932-4FE1-BFF4-ED1A6BFC410C}" srcOrd="0" destOrd="0" presId="urn:microsoft.com/office/officeart/2005/8/layout/pList1"/>
-    <dgm:cxn modelId="{071CD12D-3139-42AC-B5F3-1BC8C6AE8D91}" srcId="{494D11BF-2D98-4173-BACD-F1000D645904}" destId="{B16AD185-1391-4E39-9BAF-A732DB967608}" srcOrd="2" destOrd="0" parTransId="{D535AE7F-4A1D-4F50-AA42-BCA16F25D400}" sibTransId="{B7CBB414-2922-46D6-B611-97803FA2EA87}"/>
-    <dgm:cxn modelId="{CE913807-4BBA-485A-B7C2-EB1E69388204}" srcId="{494D11BF-2D98-4173-BACD-F1000D645904}" destId="{0332B7DE-AD17-4C1F-8900-FB918E76237C}" srcOrd="4" destOrd="0" parTransId="{EF332AF7-8197-4800-BF05-75E1990B01F8}" sibTransId="{12F4197F-58D0-4E5A-BE66-7777118A1034}"/>
-    <dgm:cxn modelId="{52963955-CA2E-45DC-AA4A-F5A1A6D3D688}" type="presOf" srcId="{B7CBB414-2922-46D6-B611-97803FA2EA87}" destId="{B757D4AA-FA2C-4215-8650-9A3D2455F1DC}" srcOrd="0" destOrd="0" presId="urn:microsoft.com/office/officeart/2005/8/layout/pList1"/>
-    <dgm:cxn modelId="{E223BD1D-FA1D-45EB-B029-78AFFC0C3491}" srcId="{494D11BF-2D98-4173-BACD-F1000D645904}" destId="{718C467A-847A-4B70-BBBD-A1F0C172C58F}" srcOrd="6" destOrd="0" parTransId="{F9006E65-1DF8-485B-BE60-10465CF9C0C6}" sibTransId="{29D0DBE8-8877-4EE0-8982-49B95F362E57}"/>
     <dgm:cxn modelId="{63142466-3B28-47B0-9550-58E3E99F06C8}" srcId="{494D11BF-2D98-4173-BACD-F1000D645904}" destId="{64806512-A352-4211-9C17-EDDF656FF7A5}" srcOrd="5" destOrd="0" parTransId="{01803FF9-4ECB-4116-AAAC-03CF9A47335F}" sibTransId="{A0A1B041-A31A-4702-95A8-C00F0C40F985}"/>
     <dgm:cxn modelId="{4D41024E-1518-4D71-9A5D-29911EC6D938}" type="presOf" srcId="{6D5C9105-0581-4715-9FD1-70D5A8D11C9C}" destId="{FC755826-ECAD-4F40-B435-FEBA5291562C}" srcOrd="0" destOrd="0" presId="urn:microsoft.com/office/officeart/2005/8/layout/pList1"/>
-    <dgm:cxn modelId="{34E39598-4D25-4ACF-A6BC-C6F7D8644B7A}" type="presOf" srcId="{0332B7DE-AD17-4C1F-8900-FB918E76237C}" destId="{8ABD6398-AAB5-46D3-9A57-5E4F4E5ECD95}" srcOrd="0" destOrd="0" presId="urn:microsoft.com/office/officeart/2005/8/layout/pList1"/>
-    <dgm:cxn modelId="{96C49CB6-0293-412B-BF54-309486598BE6}" type="presOf" srcId="{718C467A-847A-4B70-BBBD-A1F0C172C58F}" destId="{0DA19ACC-408E-4451-802F-CB6DD2B511B0}" srcOrd="0" destOrd="0" presId="urn:microsoft.com/office/officeart/2005/8/layout/pList1"/>
-    <dgm:cxn modelId="{37B5463D-FF7A-46CC-95C1-C10C0C81A0E1}" srcId="{494D11BF-2D98-4173-BACD-F1000D645904}" destId="{04AD746E-8E68-4392-9A62-A2FC85A9D0C5}" srcOrd="0" destOrd="0" parTransId="{3D401397-142B-44CA-A59F-E3F0D189A84B}" sibTransId="{6D5C9105-0581-4715-9FD1-70D5A8D11C9C}"/>
-    <dgm:cxn modelId="{6FFE058C-6F06-4D6E-A530-6B759E4EBE91}" type="presOf" srcId="{74753ABF-0F1C-41F7-A0EA-534D9E890088}" destId="{94E030C4-E9DF-4330-8488-9C7EEDE89341}" srcOrd="0" destOrd="0" presId="urn:microsoft.com/office/officeart/2005/8/layout/pList1"/>
+    <dgm:cxn modelId="{E223BD1D-FA1D-45EB-B029-78AFFC0C3491}" srcId="{494D11BF-2D98-4173-BACD-F1000D645904}" destId="{718C467A-847A-4B70-BBBD-A1F0C172C58F}" srcOrd="6" destOrd="0" parTransId="{F9006E65-1DF8-485B-BE60-10465CF9C0C6}" sibTransId="{29D0DBE8-8877-4EE0-8982-49B95F362E57}"/>
     <dgm:cxn modelId="{35634FC5-6D57-489A-AFB5-8CDD93BA0FED}" type="presParOf" srcId="{E9CC8302-00BD-4FDD-BBB3-EFB1ABC4C93C}" destId="{8BB36275-E7F0-4A62-8059-5368D93228A2}" srcOrd="0" destOrd="0" presId="urn:microsoft.com/office/officeart/2005/8/layout/pList1"/>
     <dgm:cxn modelId="{2B3A1D58-D049-4440-9EA6-156A3F04677E}" type="presParOf" srcId="{8BB36275-E7F0-4A62-8059-5368D93228A2}" destId="{38D94112-4B62-4450-BAB0-6C010E898920}" srcOrd="0" destOrd="0" presId="urn:microsoft.com/office/officeart/2005/8/layout/pList1"/>
     <dgm:cxn modelId="{1C737C64-8B07-4151-AAE1-D719503F8D75}" type="presParOf" srcId="{8BB36275-E7F0-4A62-8059-5368D93228A2}" destId="{50032E18-2E0A-4D65-A348-2C9C3E9B8328}" srcOrd="1" destOrd="0" presId="urn:microsoft.com/office/officeart/2005/8/layout/pList1"/>
@@ -8074,8 +8238,8 @@
       </dsp:nvSpPr>
       <dsp:spPr>
         <a:xfrm>
-          <a:off x="367668" y="242512"/>
-          <a:ext cx="8176340" cy="485334"/>
+          <a:off x="313716" y="204396"/>
+          <a:ext cx="8230292" cy="408637"/>
         </a:xfrm>
         <a:prstGeom prst="rect">
           <a:avLst/>
@@ -8116,12 +8280,12 @@
         </a:fontRef>
       </dsp:style>
       <dsp:txBody>
-        <a:bodyPr spcFirstLastPara="0" vert="horz" wrap="square" lIns="385235" tIns="66040" rIns="66040" bIns="66040" numCol="1" spcCol="1270" anchor="ctr" anchorCtr="0">
+        <a:bodyPr spcFirstLastPara="0" vert="horz" wrap="square" lIns="324356" tIns="55880" rIns="55880" bIns="55880" numCol="1" spcCol="1270" anchor="ctr" anchorCtr="0">
           <a:noAutofit/>
         </a:bodyPr>
         <a:lstStyle/>
         <a:p>
-          <a:pPr lvl="0" algn="l" defTabSz="1155700">
+          <a:pPr lvl="0" algn="l" defTabSz="977900">
             <a:lnSpc>
               <a:spcPct val="90000"/>
             </a:lnSpc>
@@ -8133,15 +8297,15 @@
             </a:spcAft>
           </a:pPr>
           <a:r>
-            <a:rPr lang="en-US" sz="2600" kern="1200" dirty="0" smtClean="0"/>
+            <a:rPr lang="en-US" sz="2200" kern="1200" dirty="0" smtClean="0"/>
             <a:t>Scenario problem</a:t>
           </a:r>
-          <a:endParaRPr lang="en-US" sz="2600" kern="1200" dirty="0"/>
+          <a:endParaRPr lang="en-US" sz="2200" kern="1200" dirty="0"/>
         </a:p>
       </dsp:txBody>
       <dsp:txXfrm>
-        <a:off x="367668" y="242512"/>
-        <a:ext cx="8176340" cy="485334"/>
+        <a:off x="313716" y="204396"/>
+        <a:ext cx="8230292" cy="408637"/>
       </dsp:txXfrm>
     </dsp:sp>
     <dsp:sp modelId="{C9E57088-7F31-4051-BBDF-42D864EC9EBE}">
@@ -8151,8 +8315,8 @@
       </dsp:nvSpPr>
       <dsp:spPr>
         <a:xfrm>
-          <a:off x="64334" y="181845"/>
-          <a:ext cx="606668" cy="606668"/>
+          <a:off x="58317" y="153316"/>
+          <a:ext cx="510797" cy="510797"/>
         </a:xfrm>
         <a:prstGeom prst="ellipse">
           <a:avLst/>
@@ -8198,8 +8362,8 @@
       </dsp:nvSpPr>
       <dsp:spPr>
         <a:xfrm>
-          <a:off x="715445" y="970281"/>
-          <a:ext cx="7828563" cy="485334"/>
+          <a:off x="649848" y="817275"/>
+          <a:ext cx="7894160" cy="408637"/>
         </a:xfrm>
         <a:prstGeom prst="rect">
           <a:avLst/>
@@ -8240,12 +8404,12 @@
         </a:fontRef>
       </dsp:style>
       <dsp:txBody>
-        <a:bodyPr spcFirstLastPara="0" vert="horz" wrap="square" lIns="385235" tIns="66040" rIns="66040" bIns="66040" numCol="1" spcCol="1270" anchor="ctr" anchorCtr="0">
+        <a:bodyPr spcFirstLastPara="0" vert="horz" wrap="square" lIns="324356" tIns="55880" rIns="55880" bIns="55880" numCol="1" spcCol="1270" anchor="ctr" anchorCtr="0">
           <a:noAutofit/>
         </a:bodyPr>
         <a:lstStyle/>
         <a:p>
-          <a:pPr lvl="0" algn="l" defTabSz="1155700">
+          <a:pPr lvl="0" algn="l" defTabSz="977900">
             <a:lnSpc>
               <a:spcPct val="90000"/>
             </a:lnSpc>
@@ -8257,15 +8421,15 @@
             </a:spcAft>
           </a:pPr>
           <a:r>
-            <a:rPr lang="en-US" sz="2600" kern="1200" dirty="0" smtClean="0"/>
+            <a:rPr lang="en-US" sz="2200" kern="1200" dirty="0" smtClean="0"/>
             <a:t>Our solution</a:t>
           </a:r>
-          <a:endParaRPr lang="en-US" sz="2600" kern="1200" dirty="0"/>
+          <a:endParaRPr lang="en-US" sz="2200" kern="1200" dirty="0"/>
         </a:p>
       </dsp:txBody>
       <dsp:txXfrm>
-        <a:off x="715445" y="970281"/>
-        <a:ext cx="7828563" cy="485334"/>
+        <a:off x="649848" y="817275"/>
+        <a:ext cx="7894160" cy="408637"/>
       </dsp:txXfrm>
     </dsp:sp>
     <dsp:sp modelId="{3F9611C8-2EA6-4382-A181-A07FAC782B2A}">
@@ -8275,8 +8439,8 @@
       </dsp:nvSpPr>
       <dsp:spPr>
         <a:xfrm>
-          <a:off x="412110" y="909614"/>
-          <a:ext cx="606668" cy="606668"/>
+          <a:off x="394450" y="766195"/>
+          <a:ext cx="510797" cy="510797"/>
         </a:xfrm>
         <a:prstGeom prst="ellipse">
           <a:avLst/>
@@ -8322,8 +8486,8 @@
       </dsp:nvSpPr>
       <dsp:spPr>
         <a:xfrm>
-          <a:off x="822184" y="1698051"/>
-          <a:ext cx="7721824" cy="485334"/>
+          <a:off x="803553" y="1430154"/>
+          <a:ext cx="7740455" cy="408637"/>
         </a:xfrm>
         <a:prstGeom prst="rect">
           <a:avLst/>
@@ -8364,12 +8528,12 @@
         </a:fontRef>
       </dsp:style>
       <dsp:txBody>
-        <a:bodyPr spcFirstLastPara="0" vert="horz" wrap="square" lIns="385235" tIns="66040" rIns="66040" bIns="66040" numCol="1" spcCol="1270" anchor="ctr" anchorCtr="0">
+        <a:bodyPr spcFirstLastPara="0" vert="horz" wrap="square" lIns="324356" tIns="55880" rIns="55880" bIns="55880" numCol="1" spcCol="1270" anchor="ctr" anchorCtr="0">
           <a:noAutofit/>
         </a:bodyPr>
         <a:lstStyle/>
         <a:p>
-          <a:pPr lvl="0" algn="l" defTabSz="1155700">
+          <a:pPr lvl="0" algn="l" defTabSz="977900">
             <a:lnSpc>
               <a:spcPct val="90000"/>
             </a:lnSpc>
@@ -8381,15 +8545,15 @@
             </a:spcAft>
           </a:pPr>
           <a:r>
-            <a:rPr lang="en-US" sz="2600" kern="1200" dirty="0" smtClean="0"/>
+            <a:rPr lang="en-US" sz="2200" kern="1200" dirty="0" smtClean="0"/>
             <a:t>Demonstration</a:t>
           </a:r>
-          <a:endParaRPr lang="en-US" sz="2600" kern="1200" dirty="0"/>
+          <a:endParaRPr lang="en-US" sz="2200" kern="1200" dirty="0"/>
         </a:p>
       </dsp:txBody>
       <dsp:txXfrm>
-        <a:off x="822184" y="1698051"/>
-        <a:ext cx="7721824" cy="485334"/>
+        <a:off x="803553" y="1430154"/>
+        <a:ext cx="7740455" cy="408637"/>
       </dsp:txXfrm>
     </dsp:sp>
     <dsp:sp modelId="{010430AD-B9EC-40B7-8F4B-70207320A234}">
@@ -8399,8 +8563,8 @@
       </dsp:nvSpPr>
       <dsp:spPr>
         <a:xfrm>
-          <a:off x="518850" y="1637384"/>
-          <a:ext cx="606668" cy="606668"/>
+          <a:off x="548155" y="1379074"/>
+          <a:ext cx="510797" cy="510797"/>
         </a:xfrm>
         <a:prstGeom prst="ellipse">
           <a:avLst/>
@@ -8446,8 +8610,8 @@
       </dsp:nvSpPr>
       <dsp:spPr>
         <a:xfrm>
-          <a:off x="715445" y="2425820"/>
-          <a:ext cx="7828563" cy="485334"/>
+          <a:off x="803553" y="2042645"/>
+          <a:ext cx="7740455" cy="408637"/>
         </a:xfrm>
         <a:prstGeom prst="rect">
           <a:avLst/>
@@ -8488,12 +8652,12 @@
         </a:fontRef>
       </dsp:style>
       <dsp:txBody>
-        <a:bodyPr spcFirstLastPara="0" vert="horz" wrap="square" lIns="385235" tIns="66040" rIns="66040" bIns="66040" numCol="1" spcCol="1270" anchor="ctr" anchorCtr="0">
+        <a:bodyPr spcFirstLastPara="0" vert="horz" wrap="square" lIns="324356" tIns="55880" rIns="55880" bIns="55880" numCol="1" spcCol="1270" anchor="ctr" anchorCtr="0">
           <a:noAutofit/>
         </a:bodyPr>
         <a:lstStyle/>
         <a:p>
-          <a:pPr lvl="0" algn="l" defTabSz="1155700">
+          <a:pPr lvl="0" algn="l" defTabSz="977900">
             <a:lnSpc>
               <a:spcPct val="90000"/>
             </a:lnSpc>
@@ -8505,15 +8669,15 @@
             </a:spcAft>
           </a:pPr>
           <a:r>
-            <a:rPr lang="en-US" sz="2600" kern="1200" dirty="0" smtClean="0"/>
+            <a:rPr lang="en-US" sz="2200" kern="1200" dirty="0" smtClean="0"/>
             <a:t>Advantages and disadvantages of current solution</a:t>
           </a:r>
-          <a:endParaRPr lang="en-US" sz="2600" kern="1200" dirty="0"/>
+          <a:endParaRPr lang="en-US" sz="2200" kern="1200" dirty="0"/>
         </a:p>
       </dsp:txBody>
       <dsp:txXfrm>
-        <a:off x="715445" y="2425820"/>
-        <a:ext cx="7828563" cy="485334"/>
+        <a:off x="803553" y="2042645"/>
+        <a:ext cx="7740455" cy="408637"/>
       </dsp:txXfrm>
     </dsp:sp>
     <dsp:sp modelId="{6FD9C734-BB88-4BF5-89B2-11AEF22AF11D}">
@@ -8523,8 +8687,8 @@
       </dsp:nvSpPr>
       <dsp:spPr>
         <a:xfrm>
-          <a:off x="412110" y="2365153"/>
-          <a:ext cx="606668" cy="606668"/>
+          <a:off x="548155" y="1991565"/>
+          <a:ext cx="510797" cy="510797"/>
         </a:xfrm>
         <a:prstGeom prst="ellipse">
           <a:avLst/>
@@ -8563,15 +8727,15 @@
         <a:fontRef idx="minor"/>
       </dsp:style>
     </dsp:sp>
-    <dsp:sp modelId="{E9709BFB-88A2-4485-9D95-0765E9A3CD62}">
+    <dsp:sp modelId="{5E7565C0-5287-4E4D-8626-67E866958165}">
       <dsp:nvSpPr>
         <dsp:cNvPr id="0" name=""/>
         <dsp:cNvSpPr/>
       </dsp:nvSpPr>
       <dsp:spPr>
         <a:xfrm>
-          <a:off x="367668" y="3153589"/>
-          <a:ext cx="8176340" cy="485334"/>
+          <a:off x="649848" y="2655523"/>
+          <a:ext cx="7894160" cy="408637"/>
         </a:xfrm>
         <a:prstGeom prst="rect">
           <a:avLst/>
@@ -8612,12 +8776,12 @@
         </a:fontRef>
       </dsp:style>
       <dsp:txBody>
-        <a:bodyPr spcFirstLastPara="0" vert="horz" wrap="square" lIns="385235" tIns="66040" rIns="66040" bIns="66040" numCol="1" spcCol="1270" anchor="ctr" anchorCtr="0">
+        <a:bodyPr spcFirstLastPara="0" vert="horz" wrap="square" lIns="324356" tIns="55880" rIns="55880" bIns="55880" numCol="1" spcCol="1270" anchor="ctr" anchorCtr="0">
           <a:noAutofit/>
         </a:bodyPr>
         <a:lstStyle/>
         <a:p>
-          <a:pPr lvl="0" algn="l" defTabSz="1155700">
+          <a:pPr lvl="0" algn="l" defTabSz="977900">
             <a:lnSpc>
               <a:spcPct val="90000"/>
             </a:lnSpc>
@@ -8629,15 +8793,139 @@
             </a:spcAft>
           </a:pPr>
           <a:r>
-            <a:rPr lang="en-US" sz="2600" kern="1200" dirty="0" smtClean="0"/>
-            <a:t>Questions and answers</a:t>
+            <a:rPr lang="en-US" sz="2200" kern="1200" dirty="0" smtClean="0"/>
+            <a:t>Future Plans</a:t>
           </a:r>
-          <a:endParaRPr lang="en-US" sz="2600" kern="1200" dirty="0"/>
+          <a:endParaRPr lang="en-US" sz="2200" kern="1200" dirty="0"/>
         </a:p>
       </dsp:txBody>
       <dsp:txXfrm>
-        <a:off x="367668" y="3153589"/>
-        <a:ext cx="8176340" cy="485334"/>
+        <a:off x="649848" y="2655523"/>
+        <a:ext cx="7894160" cy="408637"/>
+      </dsp:txXfrm>
+    </dsp:sp>
+    <dsp:sp modelId="{EDBC188B-E862-403F-B5EF-6CB003C2307F}">
+      <dsp:nvSpPr>
+        <dsp:cNvPr id="0" name=""/>
+        <dsp:cNvSpPr/>
+      </dsp:nvSpPr>
+      <dsp:spPr>
+        <a:xfrm>
+          <a:off x="394450" y="2604444"/>
+          <a:ext cx="510797" cy="510797"/>
+        </a:xfrm>
+        <a:prstGeom prst="ellipse">
+          <a:avLst/>
+        </a:prstGeom>
+        <a:solidFill>
+          <a:schemeClr val="lt1">
+            <a:hueOff val="0"/>
+            <a:satOff val="0"/>
+            <a:lumOff val="0"/>
+            <a:alphaOff val="0"/>
+          </a:schemeClr>
+        </a:solidFill>
+        <a:ln w="19050" cap="rnd" cmpd="sng" algn="ctr">
+          <a:solidFill>
+            <a:schemeClr val="accent1">
+              <a:hueOff val="0"/>
+              <a:satOff val="0"/>
+              <a:lumOff val="0"/>
+              <a:alphaOff val="0"/>
+            </a:schemeClr>
+          </a:solidFill>
+          <a:prstDash val="solid"/>
+        </a:ln>
+        <a:effectLst/>
+      </dsp:spPr>
+      <dsp:style>
+        <a:lnRef idx="2">
+          <a:scrgbClr r="0" g="0" b="0"/>
+        </a:lnRef>
+        <a:fillRef idx="1">
+          <a:scrgbClr r="0" g="0" b="0"/>
+        </a:fillRef>
+        <a:effectRef idx="0">
+          <a:scrgbClr r="0" g="0" b="0"/>
+        </a:effectRef>
+        <a:fontRef idx="minor"/>
+      </dsp:style>
+    </dsp:sp>
+    <dsp:sp modelId="{FAB83880-1EBC-461E-8EE0-4812DFE2F361}">
+      <dsp:nvSpPr>
+        <dsp:cNvPr id="0" name=""/>
+        <dsp:cNvSpPr/>
+      </dsp:nvSpPr>
+      <dsp:spPr>
+        <a:xfrm>
+          <a:off x="313716" y="3268402"/>
+          <a:ext cx="8230292" cy="408637"/>
+        </a:xfrm>
+        <a:prstGeom prst="rect">
+          <a:avLst/>
+        </a:prstGeom>
+        <a:solidFill>
+          <a:schemeClr val="accent1">
+            <a:hueOff val="0"/>
+            <a:satOff val="0"/>
+            <a:lumOff val="0"/>
+            <a:alphaOff val="0"/>
+          </a:schemeClr>
+        </a:solidFill>
+        <a:ln w="19050" cap="rnd" cmpd="sng" algn="ctr">
+          <a:solidFill>
+            <a:schemeClr val="lt1">
+              <a:hueOff val="0"/>
+              <a:satOff val="0"/>
+              <a:lumOff val="0"/>
+              <a:alphaOff val="0"/>
+            </a:schemeClr>
+          </a:solidFill>
+          <a:prstDash val="solid"/>
+        </a:ln>
+        <a:effectLst/>
+      </dsp:spPr>
+      <dsp:style>
+        <a:lnRef idx="2">
+          <a:scrgbClr r="0" g="0" b="0"/>
+        </a:lnRef>
+        <a:fillRef idx="1">
+          <a:scrgbClr r="0" g="0" b="0"/>
+        </a:fillRef>
+        <a:effectRef idx="0">
+          <a:scrgbClr r="0" g="0" b="0"/>
+        </a:effectRef>
+        <a:fontRef idx="minor">
+          <a:schemeClr val="lt1"/>
+        </a:fontRef>
+      </dsp:style>
+      <dsp:txBody>
+        <a:bodyPr spcFirstLastPara="0" vert="horz" wrap="square" lIns="324356" tIns="55880" rIns="55880" bIns="55880" numCol="1" spcCol="1270" anchor="ctr" anchorCtr="0">
+          <a:noAutofit/>
+        </a:bodyPr>
+        <a:lstStyle/>
+        <a:p>
+          <a:pPr lvl="0" algn="l" defTabSz="977900">
+            <a:lnSpc>
+              <a:spcPct val="90000"/>
+            </a:lnSpc>
+            <a:spcBef>
+              <a:spcPct val="0"/>
+            </a:spcBef>
+            <a:spcAft>
+              <a:spcPct val="35000"/>
+            </a:spcAft>
+          </a:pPr>
+          <a:r>
+            <a:rPr lang="en-US" sz="2200" kern="1200" dirty="0" smtClean="0"/>
+            <a:t>Questions and answers</a:t>
+          </a:r>
+          <a:endParaRPr lang="en-US" sz="2200" kern="1200" dirty="0"/>
+        </a:p>
+      </dsp:txBody>
+      <dsp:txXfrm>
+        <a:off x="313716" y="3268402"/>
+        <a:ext cx="8230292" cy="408637"/>
       </dsp:txXfrm>
     </dsp:sp>
     <dsp:sp modelId="{8123A840-A704-4828-A5B4-AE7CA5C16305}">
@@ -8647,8 +8935,8 @@
       </dsp:nvSpPr>
       <dsp:spPr>
         <a:xfrm>
-          <a:off x="64334" y="3092923"/>
-          <a:ext cx="606668" cy="606668"/>
+          <a:off x="58317" y="3217323"/>
+          <a:ext cx="510797" cy="510797"/>
         </a:xfrm>
         <a:prstGeom prst="ellipse">
           <a:avLst/>
@@ -20384,7 +20672,7 @@
           <a:p>
             <a:fld id="{03828354-E0C5-4131-9B49-1997E3EE3A7D}" type="datetimeFigureOut">
               <a:rPr lang="en-US" smtClean="0"/>
-              <a:t>4/18/2014</a:t>
+              <a:t>4/21/2014</a:t>
             </a:fld>
             <a:endParaRPr lang="en-US"/>
           </a:p>
@@ -20635,7 +20923,7 @@
           <a:p>
             <a:fld id="{03828354-E0C5-4131-9B49-1997E3EE3A7D}" type="datetimeFigureOut">
               <a:rPr lang="en-US" smtClean="0"/>
-              <a:t>4/18/2014</a:t>
+              <a:t>4/21/2014</a:t>
             </a:fld>
             <a:endParaRPr lang="en-US"/>
           </a:p>
@@ -20949,7 +21237,7 @@
           <a:p>
             <a:fld id="{03828354-E0C5-4131-9B49-1997E3EE3A7D}" type="datetimeFigureOut">
               <a:rPr lang="en-US" smtClean="0"/>
-              <a:t>4/18/2014</a:t>
+              <a:t>4/21/2014</a:t>
             </a:fld>
             <a:endParaRPr lang="en-US"/>
           </a:p>
@@ -21290,7 +21578,7 @@
           <a:p>
             <a:fld id="{03828354-E0C5-4131-9B49-1997E3EE3A7D}" type="datetimeFigureOut">
               <a:rPr lang="en-US" smtClean="0"/>
-              <a:t>4/18/2014</a:t>
+              <a:t>4/21/2014</a:t>
             </a:fld>
             <a:endParaRPr lang="en-US"/>
           </a:p>
@@ -21604,7 +21892,7 @@
           <a:p>
             <a:fld id="{03828354-E0C5-4131-9B49-1997E3EE3A7D}" type="datetimeFigureOut">
               <a:rPr lang="en-US" smtClean="0"/>
-              <a:t>4/18/2014</a:t>
+              <a:t>4/21/2014</a:t>
             </a:fld>
             <a:endParaRPr lang="en-US"/>
           </a:p>
@@ -21997,7 +22285,7 @@
           <a:p>
             <a:fld id="{03828354-E0C5-4131-9B49-1997E3EE3A7D}" type="datetimeFigureOut">
               <a:rPr lang="en-US" smtClean="0"/>
-              <a:t>4/18/2014</a:t>
+              <a:t>4/21/2014</a:t>
             </a:fld>
             <a:endParaRPr lang="en-US"/>
           </a:p>
@@ -22167,7 +22455,7 @@
           <a:p>
             <a:fld id="{03828354-E0C5-4131-9B49-1997E3EE3A7D}" type="datetimeFigureOut">
               <a:rPr lang="en-US" smtClean="0"/>
-              <a:t>4/18/2014</a:t>
+              <a:t>4/21/2014</a:t>
             </a:fld>
             <a:endParaRPr lang="en-US"/>
           </a:p>
@@ -22347,7 +22635,7 @@
           <a:p>
             <a:fld id="{03828354-E0C5-4131-9B49-1997E3EE3A7D}" type="datetimeFigureOut">
               <a:rPr lang="en-US" smtClean="0"/>
-              <a:t>4/18/2014</a:t>
+              <a:t>4/21/2014</a:t>
             </a:fld>
             <a:endParaRPr lang="en-US"/>
           </a:p>
@@ -22557,7 +22845,7 @@
           <a:p>
             <a:fld id="{03828354-E0C5-4131-9B49-1997E3EE3A7D}" type="datetimeFigureOut">
               <a:rPr lang="en-US" smtClean="0"/>
-              <a:t>4/18/2014</a:t>
+              <a:t>4/21/2014</a:t>
             </a:fld>
             <a:endParaRPr lang="en-US"/>
           </a:p>
@@ -22804,7 +23092,7 @@
           <a:p>
             <a:fld id="{03828354-E0C5-4131-9B49-1997E3EE3A7D}" type="datetimeFigureOut">
               <a:rPr lang="en-US" smtClean="0"/>
-              <a:t>4/18/2014</a:t>
+              <a:t>4/21/2014</a:t>
             </a:fld>
             <a:endParaRPr lang="en-US"/>
           </a:p>
@@ -23036,7 +23324,7 @@
           <a:p>
             <a:fld id="{03828354-E0C5-4131-9B49-1997E3EE3A7D}" type="datetimeFigureOut">
               <a:rPr lang="en-US" smtClean="0"/>
-              <a:t>4/18/2014</a:t>
+              <a:t>4/21/2014</a:t>
             </a:fld>
             <a:endParaRPr lang="en-US"/>
           </a:p>
@@ -23410,7 +23698,7 @@
           <a:p>
             <a:fld id="{03828354-E0C5-4131-9B49-1997E3EE3A7D}" type="datetimeFigureOut">
               <a:rPr lang="en-US" smtClean="0"/>
-              <a:t>4/18/2014</a:t>
+              <a:t>4/21/2014</a:t>
             </a:fld>
             <a:endParaRPr lang="en-US"/>
           </a:p>
@@ -23533,7 +23821,7 @@
           <a:p>
             <a:fld id="{03828354-E0C5-4131-9B49-1997E3EE3A7D}" type="datetimeFigureOut">
               <a:rPr lang="en-US" smtClean="0"/>
-              <a:t>4/18/2014</a:t>
+              <a:t>4/21/2014</a:t>
             </a:fld>
             <a:endParaRPr lang="en-US"/>
           </a:p>
@@ -23628,7 +23916,7 @@
           <a:p>
             <a:fld id="{03828354-E0C5-4131-9B49-1997E3EE3A7D}" type="datetimeFigureOut">
               <a:rPr lang="en-US" smtClean="0"/>
-              <a:t>4/18/2014</a:t>
+              <a:t>4/21/2014</a:t>
             </a:fld>
             <a:endParaRPr lang="en-US"/>
           </a:p>
@@ -23883,7 +24171,7 @@
           <a:p>
             <a:fld id="{03828354-E0C5-4131-9B49-1997E3EE3A7D}" type="datetimeFigureOut">
               <a:rPr lang="en-US" smtClean="0"/>
-              <a:t>4/18/2014</a:t>
+              <a:t>4/21/2014</a:t>
             </a:fld>
             <a:endParaRPr lang="en-US"/>
           </a:p>
@@ -24146,7 +24434,7 @@
           <a:p>
             <a:fld id="{03828354-E0C5-4131-9B49-1997E3EE3A7D}" type="datetimeFigureOut">
               <a:rPr lang="en-US" smtClean="0"/>
-              <a:t>4/18/2014</a:t>
+              <a:t>4/21/2014</a:t>
             </a:fld>
             <a:endParaRPr lang="en-US"/>
           </a:p>
@@ -24889,7 +25177,7 @@
           <a:p>
             <a:fld id="{03828354-E0C5-4131-9B49-1997E3EE3A7D}" type="datetimeFigureOut">
               <a:rPr lang="en-US" smtClean="0"/>
-              <a:t>4/18/2014</a:t>
+              <a:t>4/21/2014</a:t>
             </a:fld>
             <a:endParaRPr lang="en-US"/>
           </a:p>
@@ -25525,6 +25813,100 @@
           <a:p>
             <a:r>
               <a:rPr lang="en-US" dirty="0" smtClean="0"/>
+              <a:t>Our Ideas</a:t>
+            </a:r>
+            <a:endParaRPr lang="en-US" dirty="0"/>
+          </a:p>
+        </p:txBody>
+      </p:sp>
+      <p:graphicFrame>
+        <p:nvGraphicFramePr>
+          <p:cNvPr id="7" name="Diagram 6"/>
+          <p:cNvGraphicFramePr/>
+          <p:nvPr>
+            <p:extLst>
+              <p:ext uri="{D42A27DB-BD31-4B8C-83A1-F6EECF244321}">
+                <p14:modId xmlns:p14="http://schemas.microsoft.com/office/powerpoint/2010/main" val="1811161045"/>
+              </p:ext>
+            </p:extLst>
+          </p:nvPr>
+        </p:nvGraphicFramePr>
+        <p:xfrm>
+          <a:off x="2032000" y="719666"/>
+          <a:ext cx="8128000" cy="5418667"/>
+        </p:xfrm>
+        <a:graphic>
+          <a:graphicData uri="http://schemas.openxmlformats.org/drawingml/2006/diagram">
+            <dgm:relIds xmlns:dgm="http://schemas.openxmlformats.org/drawingml/2006/diagram" xmlns:r="http://schemas.openxmlformats.org/officeDocument/2006/relationships" r:dm="rId2" r:lo="rId3" r:qs="rId4" r:cs="rId5"/>
+          </a:graphicData>
+        </a:graphic>
+      </p:graphicFrame>
+    </p:spTree>
+    <p:extLst>
+      <p:ext uri="{BB962C8B-B14F-4D97-AF65-F5344CB8AC3E}">
+        <p14:creationId xmlns:p14="http://schemas.microsoft.com/office/powerpoint/2010/main" val="3746098645"/>
+      </p:ext>
+    </p:extLst>
+  </p:cSld>
+  <p:clrMapOvr>
+    <a:masterClrMapping/>
+  </p:clrMapOvr>
+  <mc:AlternateContent xmlns:mc="http://schemas.openxmlformats.org/markup-compatibility/2006" xmlns:p14="http://schemas.microsoft.com/office/powerpoint/2010/main">
+    <mc:Choice Requires="p14">
+      <p:transition spd="slow" p14:dur="3900">
+        <p14:glitter pattern="hexagon"/>
+      </p:transition>
+    </mc:Choice>
+    <mc:Fallback xmlns="">
+      <p:transition spd="slow">
+        <p:fade/>
+      </p:transition>
+    </mc:Fallback>
+  </mc:AlternateContent>
+  <p:timing>
+    <p:tnLst>
+      <p:par>
+        <p:cTn id="1" dur="indefinite" restart="never" nodeType="tmRoot"/>
+      </p:par>
+    </p:tnLst>
+  </p:timing>
+</p:sld>
+</file>
+
+<file path=ppt/slides/slide11.xml><?xml version="1.0" encoding="utf-8"?>
+<p:sld xmlns:a="http://schemas.openxmlformats.org/drawingml/2006/main" xmlns:r="http://schemas.openxmlformats.org/officeDocument/2006/relationships" xmlns:p="http://schemas.openxmlformats.org/presentationml/2006/main">
+  <p:cSld>
+    <p:spTree>
+      <p:nvGrpSpPr>
+        <p:cNvPr id="1" name=""/>
+        <p:cNvGrpSpPr/>
+        <p:nvPr/>
+      </p:nvGrpSpPr>
+      <p:grpSpPr>
+        <a:xfrm>
+          <a:off x="0" y="0"/>
+          <a:ext cx="0" cy="0"/>
+          <a:chOff x="0" y="0"/>
+          <a:chExt cx="0" cy="0"/>
+        </a:xfrm>
+      </p:grpSpPr>
+      <p:sp>
+        <p:nvSpPr>
+          <p:cNvPr id="2" name="Title 1"/>
+          <p:cNvSpPr>
+            <a:spLocks noGrp="1"/>
+          </p:cNvSpPr>
+          <p:nvPr>
+            <p:ph type="title"/>
+          </p:nvPr>
+        </p:nvSpPr>
+        <p:spPr/>
+        <p:txBody>
+          <a:bodyPr/>
+          <a:lstStyle/>
+          <a:p>
+            <a:r>
+              <a:rPr lang="en-US" dirty="0" smtClean="0"/>
               <a:t>Our Solution</a:t>
             </a:r>
             <a:endParaRPr lang="en-GB" dirty="0"/>
@@ -25821,7 +26203,7 @@
 </p:sld>
 </file>
 
-<file path=ppt/slides/slide11.xml><?xml version="1.0" encoding="utf-8"?>
+<file path=ppt/slides/slide12.xml><?xml version="1.0" encoding="utf-8"?>
 <p:sld xmlns:a="http://schemas.openxmlformats.org/drawingml/2006/main" xmlns:r="http://schemas.openxmlformats.org/officeDocument/2006/relationships" xmlns:p="http://schemas.openxmlformats.org/presentationml/2006/main">
   <p:cSld>
     <p:spTree>
@@ -25896,13 +26278,13 @@
   <p:clrMapOvr>
     <a:masterClrMapping/>
   </p:clrMapOvr>
-  <mc:AlternateContent xmlns:mc="http://schemas.openxmlformats.org/markup-compatibility/2006">
-    <mc:Choice xmlns:p14="http://schemas.microsoft.com/office/powerpoint/2010/main" Requires="p14">
+  <mc:AlternateContent xmlns:mc="http://schemas.openxmlformats.org/markup-compatibility/2006" xmlns:p14="http://schemas.microsoft.com/office/powerpoint/2010/main">
+    <mc:Choice Requires="p14">
       <p:transition spd="slow" p14:dur="1500">
         <p:split orient="vert"/>
       </p:transition>
     </mc:Choice>
-    <mc:Fallback>
+    <mc:Fallback xmlns="">
       <p:transition spd="slow">
         <p:split orient="vert"/>
       </p:transition>
@@ -25918,7 +26300,7 @@
 </p:sld>
 </file>
 
-<file path=ppt/slides/slide12.xml><?xml version="1.0" encoding="utf-8"?>
+<file path=ppt/slides/slide13.xml><?xml version="1.0" encoding="utf-8"?>
 <p:sld xmlns:a="http://schemas.openxmlformats.org/drawingml/2006/main" xmlns:r="http://schemas.openxmlformats.org/officeDocument/2006/relationships" xmlns:p="http://schemas.openxmlformats.org/presentationml/2006/main">
   <p:cSld>
     <p:spTree>
@@ -26712,7 +27094,7 @@
 </p:sld>
 </file>
 
-<file path=ppt/slides/slide13.xml><?xml version="1.0" encoding="utf-8"?>
+<file path=ppt/slides/slide14.xml><?xml version="1.0" encoding="utf-8"?>
 <p:sld xmlns:a="http://schemas.openxmlformats.org/drawingml/2006/main" xmlns:r="http://schemas.openxmlformats.org/officeDocument/2006/relationships" xmlns:p="http://schemas.openxmlformats.org/presentationml/2006/main">
   <p:cSld>
     <p:spTree>
@@ -26752,38 +27134,183 @@
           </a:p>
         </p:txBody>
       </p:sp>
+      <p:pic>
+        <p:nvPicPr>
+          <p:cNvPr id="5" name="Picture 4"/>
+          <p:cNvPicPr>
+            <a:picLocks noChangeAspect="1"/>
+          </p:cNvPicPr>
+          <p:nvPr/>
+        </p:nvPicPr>
+        <p:blipFill>
+          <a:blip r:embed="rId2">
+            <a:extLst>
+              <a:ext uri="{28A0092B-C50C-407E-A947-70E740481C1C}">
+                <a14:useLocalDpi xmlns:a14="http://schemas.microsoft.com/office/drawing/2010/main" val="0"/>
+              </a:ext>
+            </a:extLst>
+          </a:blip>
+          <a:stretch>
+            <a:fillRect/>
+          </a:stretch>
+        </p:blipFill>
+        <p:spPr>
+          <a:xfrm>
+            <a:off x="1828000" y="2616200"/>
+            <a:ext cx="1625600" cy="1625600"/>
+          </a:xfrm>
+          <a:prstGeom prst="rect">
+            <a:avLst/>
+          </a:prstGeom>
+        </p:spPr>
+      </p:pic>
+      <p:pic>
+        <p:nvPicPr>
+          <p:cNvPr id="6" name="Picture 5"/>
+          <p:cNvPicPr>
+            <a:picLocks noChangeAspect="1"/>
+          </p:cNvPicPr>
+          <p:nvPr/>
+        </p:nvPicPr>
+        <p:blipFill>
+          <a:blip r:embed="rId3" cstate="print">
+            <a:extLst>
+              <a:ext uri="{28A0092B-C50C-407E-A947-70E740481C1C}">
+                <a14:useLocalDpi xmlns:a14="http://schemas.microsoft.com/office/drawing/2010/main" val="0"/>
+              </a:ext>
+            </a:extLst>
+          </a:blip>
+          <a:stretch>
+            <a:fillRect/>
+          </a:stretch>
+        </p:blipFill>
+        <p:spPr>
+          <a:xfrm>
+            <a:off x="5281600" y="2615400"/>
+            <a:ext cx="1627200" cy="1627200"/>
+          </a:xfrm>
+          <a:prstGeom prst="rect">
+            <a:avLst/>
+          </a:prstGeom>
+        </p:spPr>
+      </p:pic>
+      <p:pic>
+        <p:nvPicPr>
+          <p:cNvPr id="7" name="Picture 6"/>
+          <p:cNvPicPr>
+            <a:picLocks noChangeAspect="1"/>
+          </p:cNvPicPr>
+          <p:nvPr/>
+        </p:nvPicPr>
+        <p:blipFill>
+          <a:blip r:embed="rId4">
+            <a:extLst>
+              <a:ext uri="{28A0092B-C50C-407E-A947-70E740481C1C}">
+                <a14:useLocalDpi xmlns:a14="http://schemas.microsoft.com/office/drawing/2010/main" val="0"/>
+              </a:ext>
+            </a:extLst>
+          </a:blip>
+          <a:stretch>
+            <a:fillRect/>
+          </a:stretch>
+        </p:blipFill>
+        <p:spPr>
+          <a:xfrm>
+            <a:off x="8736800" y="2615400"/>
+            <a:ext cx="1627200" cy="1627200"/>
+          </a:xfrm>
+          <a:prstGeom prst="rect">
+            <a:avLst/>
+          </a:prstGeom>
+        </p:spPr>
+      </p:pic>
       <p:sp>
         <p:nvSpPr>
-          <p:cNvPr id="3" name="Content Placeholder 2"/>
-          <p:cNvSpPr>
-            <a:spLocks noGrp="1"/>
-          </p:cNvSpPr>
-          <p:nvPr>
-            <p:ph idx="1"/>
-          </p:nvPr>
+          <p:cNvPr id="8" name="TextBox 7"/>
+          <p:cNvSpPr txBox="1"/>
+          <p:nvPr/>
         </p:nvSpPr>
-        <p:spPr/>
+        <p:spPr>
+          <a:xfrm>
+            <a:off x="2251911" y="4425971"/>
+            <a:ext cx="777777" cy="369332"/>
+          </a:xfrm>
+          <a:prstGeom prst="rect">
+            <a:avLst/>
+          </a:prstGeom>
+          <a:noFill/>
+        </p:spPr>
         <p:txBody>
-          <a:bodyPr/>
+          <a:bodyPr wrap="none" rtlCol="0">
+            <a:spAutoFit/>
+          </a:bodyPr>
           <a:lstStyle/>
           <a:p>
             <a:r>
               <a:rPr lang="en-US" dirty="0" smtClean="0"/>
-              <a:t>1 guest.</a:t>
+              <a:t>Guest</a:t>
             </a:r>
+            <a:endParaRPr lang="en-GB" dirty="0"/>
           </a:p>
+        </p:txBody>
+      </p:sp>
+      <p:sp>
+        <p:nvSpPr>
+          <p:cNvPr id="9" name="TextBox 8"/>
+          <p:cNvSpPr txBox="1"/>
+          <p:nvPr/>
+        </p:nvSpPr>
+        <p:spPr>
+          <a:xfrm>
+            <a:off x="5589292" y="4425971"/>
+            <a:ext cx="1011815" cy="369332"/>
+          </a:xfrm>
+          <a:prstGeom prst="rect">
+            <a:avLst/>
+          </a:prstGeom>
+          <a:noFill/>
+        </p:spPr>
+        <p:txBody>
+          <a:bodyPr wrap="none" rtlCol="0">
+            <a:spAutoFit/>
+          </a:bodyPr>
+          <a:lstStyle/>
           <a:p>
             <a:r>
               <a:rPr lang="en-US" dirty="0" smtClean="0"/>
-              <a:t>1 member.</a:t>
+              <a:t>Member</a:t>
             </a:r>
+            <a:endParaRPr lang="en-GB" dirty="0"/>
           </a:p>
+        </p:txBody>
+      </p:sp>
+      <p:sp>
+        <p:nvSpPr>
+          <p:cNvPr id="10" name="TextBox 9"/>
+          <p:cNvSpPr txBox="1"/>
+          <p:nvPr/>
+        </p:nvSpPr>
+        <p:spPr>
+          <a:xfrm>
+            <a:off x="9211204" y="4425971"/>
+            <a:ext cx="678391" cy="369332"/>
+          </a:xfrm>
+          <a:prstGeom prst="rect">
+            <a:avLst/>
+          </a:prstGeom>
+          <a:noFill/>
+        </p:spPr>
+        <p:txBody>
+          <a:bodyPr wrap="none" rtlCol="0">
+            <a:spAutoFit/>
+          </a:bodyPr>
+          <a:lstStyle/>
           <a:p>
             <a:r>
               <a:rPr lang="en-US" dirty="0" smtClean="0"/>
-              <a:t>1 staff.</a:t>
+              <a:t>Staff</a:t>
             </a:r>
-            <a:endParaRPr lang="en-US" dirty="0"/>
+            <a:endParaRPr lang="en-GB" dirty="0"/>
           </a:p>
         </p:txBody>
       </p:sp>
@@ -26797,6 +27324,9 @@
   <p:clrMapOvr>
     <a:masterClrMapping/>
   </p:clrMapOvr>
+  <p:transition spd="slow">
+    <p:push dir="u"/>
+  </p:transition>
   <p:timing>
     <p:tnLst>
       <p:par>
@@ -26807,7 +27337,7 @@
 </p:sld>
 </file>
 
-<file path=ppt/slides/slide14.xml><?xml version="1.0" encoding="utf-8"?>
+<file path=ppt/slides/slide15.xml><?xml version="1.0" encoding="utf-8"?>
 <p:sld xmlns:a="http://schemas.openxmlformats.org/drawingml/2006/main" xmlns:r="http://schemas.openxmlformats.org/officeDocument/2006/relationships" xmlns:p="http://schemas.openxmlformats.org/presentationml/2006/main">
   <p:cSld>
     <p:spTree>
@@ -27527,7 +28057,7 @@
 </p:sld>
 </file>
 
-<file path=ppt/slides/slide15.xml><?xml version="1.0" encoding="utf-8"?>
+<file path=ppt/slides/slide16.xml><?xml version="1.0" encoding="utf-8"?>
 <p:sld xmlns:a="http://schemas.openxmlformats.org/drawingml/2006/main" xmlns:r="http://schemas.openxmlformats.org/officeDocument/2006/relationships" xmlns:p="http://schemas.openxmlformats.org/presentationml/2006/main">
   <p:cSld>
     <p:spTree>
@@ -28036,7 +28566,7 @@
 </p:sld>
 </file>
 
-<file path=ppt/slides/slide16.xml><?xml version="1.0" encoding="utf-8"?>
+<file path=ppt/slides/slide17.xml><?xml version="1.0" encoding="utf-8"?>
 <p:sld xmlns:a="http://schemas.openxmlformats.org/drawingml/2006/main" xmlns:r="http://schemas.openxmlformats.org/officeDocument/2006/relationships" xmlns:p="http://schemas.openxmlformats.org/presentationml/2006/main">
   <p:cSld>
     <p:spTree>
@@ -30804,7 +31334,7 @@
 </p:sld>
 </file>
 
-<file path=ppt/slides/slide17.xml><?xml version="1.0" encoding="utf-8"?>
+<file path=ppt/slides/slide18.xml><?xml version="1.0" encoding="utf-8"?>
 <p:sld xmlns:a="http://schemas.openxmlformats.org/drawingml/2006/main" xmlns:r="http://schemas.openxmlformats.org/officeDocument/2006/relationships" xmlns:p="http://schemas.openxmlformats.org/presentationml/2006/main">
   <p:cSld>
     <p:spTree>
@@ -31462,7 +31992,7 @@
 </p:sld>
 </file>
 
-<file path=ppt/slides/slide18.xml><?xml version="1.0" encoding="utf-8"?>
+<file path=ppt/slides/slide19.xml><?xml version="1.0" encoding="utf-8"?>
 <p:sld xmlns:a="http://schemas.openxmlformats.org/drawingml/2006/main" xmlns:r="http://schemas.openxmlformats.org/officeDocument/2006/relationships" xmlns:p="http://schemas.openxmlformats.org/presentationml/2006/main">
   <p:cSld>
     <p:spTree>
@@ -32177,7 +32707,104 @@
 </p:sld>
 </file>
 
-<file path=ppt/slides/slide19.xml><?xml version="1.0" encoding="utf-8"?>
+<file path=ppt/slides/slide2.xml><?xml version="1.0" encoding="utf-8"?>
+<p:sld xmlns:a="http://schemas.openxmlformats.org/drawingml/2006/main" xmlns:r="http://schemas.openxmlformats.org/officeDocument/2006/relationships" xmlns:p="http://schemas.openxmlformats.org/presentationml/2006/main">
+  <p:cSld>
+    <p:spTree>
+      <p:nvGrpSpPr>
+        <p:cNvPr id="1" name=""/>
+        <p:cNvGrpSpPr/>
+        <p:nvPr/>
+      </p:nvGrpSpPr>
+      <p:grpSpPr>
+        <a:xfrm>
+          <a:off x="0" y="0"/>
+          <a:ext cx="0" cy="0"/>
+          <a:chOff x="0" y="0"/>
+          <a:chExt cx="0" cy="0"/>
+        </a:xfrm>
+      </p:grpSpPr>
+      <p:sp>
+        <p:nvSpPr>
+          <p:cNvPr id="2" name="Title 1"/>
+          <p:cNvSpPr>
+            <a:spLocks noGrp="1"/>
+          </p:cNvSpPr>
+          <p:nvPr>
+            <p:ph type="title"/>
+          </p:nvPr>
+        </p:nvSpPr>
+        <p:spPr/>
+        <p:txBody>
+          <a:bodyPr/>
+          <a:lstStyle/>
+          <a:p>
+            <a:r>
+              <a:rPr lang="en-US" dirty="0" smtClean="0"/>
+              <a:t>Team member</a:t>
+            </a:r>
+            <a:endParaRPr lang="en-US" dirty="0"/>
+          </a:p>
+        </p:txBody>
+      </p:sp>
+      <p:graphicFrame>
+        <p:nvGraphicFramePr>
+          <p:cNvPr id="4" name="Content Placeholder 3"/>
+          <p:cNvGraphicFramePr>
+            <a:graphicFrameLocks noGrp="1"/>
+          </p:cNvGraphicFramePr>
+          <p:nvPr>
+            <p:ph idx="1"/>
+            <p:extLst>
+              <p:ext uri="{D42A27DB-BD31-4B8C-83A1-F6EECF244321}">
+                <p14:modId xmlns:p14="http://schemas.microsoft.com/office/powerpoint/2010/main" val="2509856044"/>
+              </p:ext>
+            </p:extLst>
+          </p:nvPr>
+        </p:nvGraphicFramePr>
+        <p:xfrm>
+          <a:off x="677863" y="2160588"/>
+          <a:ext cx="8596312" cy="3881437"/>
+        </p:xfrm>
+        <a:graphic>
+          <a:graphicData uri="http://schemas.openxmlformats.org/drawingml/2006/diagram">
+            <dgm:relIds xmlns:dgm="http://schemas.openxmlformats.org/drawingml/2006/diagram" xmlns:r="http://schemas.openxmlformats.org/officeDocument/2006/relationships" r:dm="rId2" r:lo="rId3" r:qs="rId4" r:cs="rId5"/>
+          </a:graphicData>
+        </a:graphic>
+      </p:graphicFrame>
+    </p:spTree>
+    <p:extLst>
+      <p:ext uri="{BB962C8B-B14F-4D97-AF65-F5344CB8AC3E}">
+        <p14:creationId xmlns:p14="http://schemas.microsoft.com/office/powerpoint/2010/main" val="2871386238"/>
+      </p:ext>
+    </p:extLst>
+  </p:cSld>
+  <p:clrMapOvr>
+    <a:masterClrMapping/>
+  </p:clrMapOvr>
+  <mc:AlternateContent xmlns:mc="http://schemas.openxmlformats.org/markup-compatibility/2006" xmlns:p14="http://schemas.microsoft.com/office/powerpoint/2010/main">
+    <mc:Choice Requires="p14">
+      <p:transition spd="med" p14:dur="700">
+        <p:fade/>
+      </p:transition>
+    </mc:Choice>
+    <mc:Fallback xmlns="">
+      <p:transition spd="med">
+        <p:fade/>
+      </p:transition>
+    </mc:Fallback>
+  </mc:AlternateContent>
+  <p:timing>
+    <p:tnLst>
+      <p:par>
+        <p:cTn id="1" dur="indefinite" restart="never" nodeType="tmRoot"/>
+      </p:par>
+    </p:tnLst>
+  </p:timing>
+</p:sld>
+</file>
+
+<file path=ppt/slides/slide20.xml><?xml version="1.0" encoding="utf-8"?>
 <p:sld xmlns:a="http://schemas.openxmlformats.org/drawingml/2006/main" xmlns:r="http://schemas.openxmlformats.org/officeDocument/2006/relationships" xmlns:p="http://schemas.openxmlformats.org/presentationml/2006/main">
   <p:cSld>
     <p:spTree>
@@ -32290,7 +32917,7 @@
       </p:sp>
       <p:pic>
         <p:nvPicPr>
-          <p:cNvPr id="4" name="Picture 3"/>
+          <p:cNvPr id="5" name="Picture 4"/>
           <p:cNvPicPr>
             <a:picLocks noChangeAspect="1"/>
           </p:cNvPicPr>
@@ -32310,8 +32937,8 @@
         </p:blipFill>
         <p:spPr>
           <a:xfrm>
-            <a:off x="2209934" y="1832485"/>
-            <a:ext cx="7334250" cy="1666875"/>
+            <a:off x="2189006" y="1275008"/>
+            <a:ext cx="6494383" cy="2398757"/>
           </a:xfrm>
           <a:prstGeom prst="rect">
             <a:avLst/>
@@ -32350,104 +32977,7 @@
 </p:sld>
 </file>
 
-<file path=ppt/slides/slide2.xml><?xml version="1.0" encoding="utf-8"?>
-<p:sld xmlns:a="http://schemas.openxmlformats.org/drawingml/2006/main" xmlns:r="http://schemas.openxmlformats.org/officeDocument/2006/relationships" xmlns:p="http://schemas.openxmlformats.org/presentationml/2006/main">
-  <p:cSld>
-    <p:spTree>
-      <p:nvGrpSpPr>
-        <p:cNvPr id="1" name=""/>
-        <p:cNvGrpSpPr/>
-        <p:nvPr/>
-      </p:nvGrpSpPr>
-      <p:grpSpPr>
-        <a:xfrm>
-          <a:off x="0" y="0"/>
-          <a:ext cx="0" cy="0"/>
-          <a:chOff x="0" y="0"/>
-          <a:chExt cx="0" cy="0"/>
-        </a:xfrm>
-      </p:grpSpPr>
-      <p:sp>
-        <p:nvSpPr>
-          <p:cNvPr id="2" name="Title 1"/>
-          <p:cNvSpPr>
-            <a:spLocks noGrp="1"/>
-          </p:cNvSpPr>
-          <p:nvPr>
-            <p:ph type="title"/>
-          </p:nvPr>
-        </p:nvSpPr>
-        <p:spPr/>
-        <p:txBody>
-          <a:bodyPr/>
-          <a:lstStyle/>
-          <a:p>
-            <a:r>
-              <a:rPr lang="en-US" dirty="0" smtClean="0"/>
-              <a:t>Team member</a:t>
-            </a:r>
-            <a:endParaRPr lang="en-US" dirty="0"/>
-          </a:p>
-        </p:txBody>
-      </p:sp>
-      <p:graphicFrame>
-        <p:nvGraphicFramePr>
-          <p:cNvPr id="4" name="Content Placeholder 3"/>
-          <p:cNvGraphicFramePr>
-            <a:graphicFrameLocks noGrp="1"/>
-          </p:cNvGraphicFramePr>
-          <p:nvPr>
-            <p:ph idx="1"/>
-            <p:extLst>
-              <p:ext uri="{D42A27DB-BD31-4B8C-83A1-F6EECF244321}">
-                <p14:modId xmlns:p14="http://schemas.microsoft.com/office/powerpoint/2010/main" val="2509856044"/>
-              </p:ext>
-            </p:extLst>
-          </p:nvPr>
-        </p:nvGraphicFramePr>
-        <p:xfrm>
-          <a:off x="677863" y="2160588"/>
-          <a:ext cx="8596312" cy="3881437"/>
-        </p:xfrm>
-        <a:graphic>
-          <a:graphicData uri="http://schemas.openxmlformats.org/drawingml/2006/diagram">
-            <dgm:relIds xmlns:dgm="http://schemas.openxmlformats.org/drawingml/2006/diagram" xmlns:r="http://schemas.openxmlformats.org/officeDocument/2006/relationships" r:dm="rId2" r:lo="rId3" r:qs="rId4" r:cs="rId5"/>
-          </a:graphicData>
-        </a:graphic>
-      </p:graphicFrame>
-    </p:spTree>
-    <p:extLst>
-      <p:ext uri="{BB962C8B-B14F-4D97-AF65-F5344CB8AC3E}">
-        <p14:creationId xmlns:p14="http://schemas.microsoft.com/office/powerpoint/2010/main" val="2871386238"/>
-      </p:ext>
-    </p:extLst>
-  </p:cSld>
-  <p:clrMapOvr>
-    <a:masterClrMapping/>
-  </p:clrMapOvr>
-  <mc:AlternateContent xmlns:mc="http://schemas.openxmlformats.org/markup-compatibility/2006" xmlns:p14="http://schemas.microsoft.com/office/powerpoint/2010/main">
-    <mc:Choice Requires="p14">
-      <p:transition spd="med" p14:dur="700">
-        <p:fade/>
-      </p:transition>
-    </mc:Choice>
-    <mc:Fallback xmlns="">
-      <p:transition spd="med">
-        <p:fade/>
-      </p:transition>
-    </mc:Fallback>
-  </mc:AlternateContent>
-  <p:timing>
-    <p:tnLst>
-      <p:par>
-        <p:cTn id="1" dur="indefinite" restart="never" nodeType="tmRoot"/>
-      </p:par>
-    </p:tnLst>
-  </p:timing>
-</p:sld>
-</file>
-
-<file path=ppt/slides/slide20.xml><?xml version="1.0" encoding="utf-8"?>
+<file path=ppt/slides/slide21.xml><?xml version="1.0" encoding="utf-8"?>
 <p:sld xmlns:a="http://schemas.openxmlformats.org/drawingml/2006/main" xmlns:r="http://schemas.openxmlformats.org/officeDocument/2006/relationships" xmlns:p="http://schemas.openxmlformats.org/presentationml/2006/main">
   <p:cSld>
     <p:spTree>
@@ -36074,7 +36604,7 @@
 </p:sld>
 </file>
 
-<file path=ppt/slides/slide21.xml><?xml version="1.0" encoding="utf-8"?>
+<file path=ppt/slides/slide22.xml><?xml version="1.0" encoding="utf-8"?>
 <p:sld xmlns:a="http://schemas.openxmlformats.org/drawingml/2006/main" xmlns:r="http://schemas.openxmlformats.org/officeDocument/2006/relationships" xmlns:p="http://schemas.openxmlformats.org/presentationml/2006/main">
   <p:cSld>
     <p:spTree>
@@ -36182,7 +36712,7 @@
 </p:sld>
 </file>
 
-<file path=ppt/slides/slide22.xml><?xml version="1.0" encoding="utf-8"?>
+<file path=ppt/slides/slide23.xml><?xml version="1.0" encoding="utf-8"?>
 <p:sld xmlns:a="http://schemas.openxmlformats.org/drawingml/2006/main" xmlns:r="http://schemas.openxmlformats.org/officeDocument/2006/relationships" xmlns:p="http://schemas.openxmlformats.org/presentationml/2006/main">
   <p:cSld>
     <p:spTree>
@@ -36224,7 +36754,7 @@
       </p:sp>
       <p:pic>
         <p:nvPicPr>
-          <p:cNvPr id="4" name="Content Placeholder 3"/>
+          <p:cNvPr id="5" name="Content Placeholder 4"/>
           <p:cNvPicPr>
             <a:picLocks noGrp="1" noChangeAspect="1"/>
           </p:cNvPicPr>
@@ -36246,8 +36776,8 @@
         </p:blipFill>
         <p:spPr>
           <a:xfrm>
-            <a:off x="1179132" y="1426492"/>
-            <a:ext cx="6895921" cy="5174648"/>
+            <a:off x="2325353" y="1400734"/>
+            <a:ext cx="6800570" cy="5103097"/>
           </a:xfrm>
         </p:spPr>
       </p:pic>
@@ -36283,7 +36813,7 @@
 </p:sld>
 </file>
 
-<file path=ppt/slides/slide23.xml><?xml version="1.0" encoding="utf-8"?>
+<file path=ppt/slides/slide24.xml><?xml version="1.0" encoding="utf-8"?>
 <p:sld xmlns:a="http://schemas.openxmlformats.org/drawingml/2006/main" xmlns:r="http://schemas.openxmlformats.org/officeDocument/2006/relationships" xmlns:p="http://schemas.openxmlformats.org/presentationml/2006/main">
   <p:cSld>
     <p:spTree>
@@ -36317,7 +36847,11 @@
           <a:p>
             <a:r>
               <a:rPr lang="en-US" dirty="0" smtClean="0"/>
-              <a:t>Excel Flow</a:t>
+              <a:t>Import Excel </a:t>
+            </a:r>
+            <a:r>
+              <a:rPr lang="en-US" dirty="0" smtClean="0"/>
+              <a:t>Flow</a:t>
             </a:r>
             <a:endParaRPr lang="en-US" dirty="0"/>
           </a:p>
@@ -36386,7 +36920,7 @@
 </p:sld>
 </file>
 
-<file path=ppt/slides/slide24.xml><?xml version="1.0" encoding="utf-8"?>
+<file path=ppt/slides/slide25.xml><?xml version="1.0" encoding="utf-8"?>
 <p:sld xmlns:a="http://schemas.openxmlformats.org/drawingml/2006/main" xmlns:r="http://schemas.openxmlformats.org/officeDocument/2006/relationships" xmlns:p="http://schemas.openxmlformats.org/presentationml/2006/main">
   <p:cSld>
     <p:spTree>
@@ -36627,7 +37161,7 @@
 </p:sld>
 </file>
 
-<file path=ppt/slides/slide25.xml><?xml version="1.0" encoding="utf-8"?>
+<file path=ppt/slides/slide26.xml><?xml version="1.0" encoding="utf-8"?>
 <p:sld xmlns:a="http://schemas.openxmlformats.org/drawingml/2006/main" xmlns:r="http://schemas.openxmlformats.org/officeDocument/2006/relationships" xmlns:p="http://schemas.openxmlformats.org/presentationml/2006/main">
   <p:cSld>
     <p:spTree>
@@ -39703,7 +40237,7 @@
 </p:sld>
 </file>
 
-<file path=ppt/slides/slide26.xml><?xml version="1.0" encoding="utf-8"?>
+<file path=ppt/slides/slide27.xml><?xml version="1.0" encoding="utf-8"?>
 <p:sld xmlns:a="http://schemas.openxmlformats.org/drawingml/2006/main" xmlns:r="http://schemas.openxmlformats.org/officeDocument/2006/relationships" xmlns:p="http://schemas.openxmlformats.org/presentationml/2006/main">
   <p:cSld>
     <p:spTree>
@@ -40046,7 +40580,7 @@
 </p:sld>
 </file>
 
-<file path=ppt/slides/slide27.xml><?xml version="1.0" encoding="utf-8"?>
+<file path=ppt/slides/slide28.xml><?xml version="1.0" encoding="utf-8"?>
 <p:sld xmlns:a="http://schemas.openxmlformats.org/drawingml/2006/main" xmlns:r="http://schemas.openxmlformats.org/officeDocument/2006/relationships" xmlns:p="http://schemas.openxmlformats.org/presentationml/2006/main">
   <p:cSld>
     <p:spTree>
@@ -40080,7 +40614,11 @@
           <a:p>
             <a:r>
               <a:rPr lang="en-US" dirty="0" smtClean="0"/>
-              <a:t>Future Plan</a:t>
+              <a:t>Future </a:t>
+            </a:r>
+            <a:r>
+              <a:rPr lang="en-US" dirty="0" smtClean="0"/>
+              <a:t>Plans</a:t>
             </a:r>
             <a:endParaRPr lang="en-GB" dirty="0"/>
           </a:p>
@@ -40372,7 +40910,7 @@
 </p:sld>
 </file>
 
-<file path=ppt/slides/slide28.xml><?xml version="1.0" encoding="utf-8"?>
+<file path=ppt/slides/slide29.xml><?xml version="1.0" encoding="utf-8"?>
 <p:sld xmlns:a="http://schemas.openxmlformats.org/drawingml/2006/main" xmlns:r="http://schemas.openxmlformats.org/officeDocument/2006/relationships" xmlns:p="http://schemas.openxmlformats.org/presentationml/2006/main">
   <p:cSld>
     <p:spTree>
@@ -40525,7 +41063,7 @@
             <p:ph idx="1"/>
             <p:extLst>
               <p:ext uri="{D42A27DB-BD31-4B8C-83A1-F6EECF244321}">
-                <p14:modId xmlns:p14="http://schemas.microsoft.com/office/powerpoint/2010/main" val="2306067675"/>
+                <p14:modId xmlns:p14="http://schemas.microsoft.com/office/powerpoint/2010/main" val="295533669"/>
               </p:ext>
             </p:extLst>
           </p:nvPr>
@@ -40712,6 +41250,255 @@
       </p:sp>
       <p:pic>
         <p:nvPicPr>
+          <p:cNvPr id="4" name="Picture 3"/>
+          <p:cNvPicPr>
+            <a:picLocks noChangeAspect="1"/>
+          </p:cNvPicPr>
+          <p:nvPr/>
+        </p:nvPicPr>
+        <p:blipFill>
+          <a:blip r:embed="rId2">
+            <a:extLst>
+              <a:ext uri="{28A0092B-C50C-407E-A947-70E740481C1C}">
+                <a14:useLocalDpi xmlns:a14="http://schemas.microsoft.com/office/drawing/2010/main" val="0"/>
+              </a:ext>
+            </a:extLst>
+          </a:blip>
+          <a:stretch>
+            <a:fillRect/>
+          </a:stretch>
+        </p:blipFill>
+        <p:spPr>
+          <a:xfrm>
+            <a:off x="1165000" y="1975296"/>
+            <a:ext cx="3932319" cy="2673977"/>
+          </a:xfrm>
+          <a:prstGeom prst="rect">
+            <a:avLst/>
+          </a:prstGeom>
+        </p:spPr>
+      </p:pic>
+      <p:pic>
+        <p:nvPicPr>
+          <p:cNvPr id="5" name="Picture 4"/>
+          <p:cNvPicPr>
+            <a:picLocks noChangeAspect="1"/>
+          </p:cNvPicPr>
+          <p:nvPr/>
+        </p:nvPicPr>
+        <p:blipFill>
+          <a:blip r:embed="rId3">
+            <a:extLst>
+              <a:ext uri="{28A0092B-C50C-407E-A947-70E740481C1C}">
+                <a14:useLocalDpi xmlns:a14="http://schemas.microsoft.com/office/drawing/2010/main" val="0"/>
+              </a:ext>
+            </a:extLst>
+          </a:blip>
+          <a:stretch>
+            <a:fillRect/>
+          </a:stretch>
+        </p:blipFill>
+        <p:spPr>
+          <a:xfrm>
+            <a:off x="6607931" y="1975296"/>
+            <a:ext cx="2972000" cy="2674800"/>
+          </a:xfrm>
+          <a:prstGeom prst="rect">
+            <a:avLst/>
+          </a:prstGeom>
+        </p:spPr>
+      </p:pic>
+    </p:spTree>
+    <p:extLst>
+      <p:ext uri="{BB962C8B-B14F-4D97-AF65-F5344CB8AC3E}">
+        <p14:creationId xmlns:p14="http://schemas.microsoft.com/office/powerpoint/2010/main" val="3694275182"/>
+      </p:ext>
+    </p:extLst>
+  </p:cSld>
+  <p:clrMapOvr>
+    <a:masterClrMapping/>
+  </p:clrMapOvr>
+  <p:timing>
+    <p:tnLst>
+      <p:par>
+        <p:cTn id="1" dur="indefinite" restart="never" nodeType="tmRoot">
+          <p:childTnLst>
+            <p:seq concurrent="1" nextAc="seek">
+              <p:cTn id="2" dur="indefinite" nodeType="mainSeq">
+                <p:childTnLst>
+                  <p:par>
+                    <p:cTn id="3" fill="hold">
+                      <p:stCondLst>
+                        <p:cond delay="indefinite"/>
+                      </p:stCondLst>
+                      <p:childTnLst>
+                        <p:par>
+                          <p:cTn id="4" fill="hold">
+                            <p:stCondLst>
+                              <p:cond delay="0"/>
+                            </p:stCondLst>
+                            <p:childTnLst>
+                              <p:par>
+                                <p:cTn id="5" presetID="14" presetClass="entr" presetSubtype="10" fill="hold" nodeType="clickEffect">
+                                  <p:stCondLst>
+                                    <p:cond delay="0"/>
+                                  </p:stCondLst>
+                                  <p:childTnLst>
+                                    <p:set>
+                                      <p:cBhvr>
+                                        <p:cTn id="6" dur="1" fill="hold">
+                                          <p:stCondLst>
+                                            <p:cond delay="0"/>
+                                          </p:stCondLst>
+                                        </p:cTn>
+                                        <p:tgtEl>
+                                          <p:spTgt spid="4"/>
+                                        </p:tgtEl>
+                                        <p:attrNameLst>
+                                          <p:attrName>style.visibility</p:attrName>
+                                        </p:attrNameLst>
+                                      </p:cBhvr>
+                                      <p:to>
+                                        <p:strVal val="visible"/>
+                                      </p:to>
+                                    </p:set>
+                                    <p:animEffect transition="in" filter="randombar(horizontal)">
+                                      <p:cBhvr>
+                                        <p:cTn id="7" dur="500"/>
+                                        <p:tgtEl>
+                                          <p:spTgt spid="4"/>
+                                        </p:tgtEl>
+                                      </p:cBhvr>
+                                    </p:animEffect>
+                                  </p:childTnLst>
+                                </p:cTn>
+                              </p:par>
+                            </p:childTnLst>
+                          </p:cTn>
+                        </p:par>
+                      </p:childTnLst>
+                    </p:cTn>
+                  </p:par>
+                  <p:par>
+                    <p:cTn id="8" fill="hold">
+                      <p:stCondLst>
+                        <p:cond delay="indefinite"/>
+                      </p:stCondLst>
+                      <p:childTnLst>
+                        <p:par>
+                          <p:cTn id="9" fill="hold">
+                            <p:stCondLst>
+                              <p:cond delay="0"/>
+                            </p:stCondLst>
+                            <p:childTnLst>
+                              <p:par>
+                                <p:cTn id="10" presetID="14" presetClass="entr" presetSubtype="10" fill="hold" nodeType="clickEffect">
+                                  <p:stCondLst>
+                                    <p:cond delay="0"/>
+                                  </p:stCondLst>
+                                  <p:childTnLst>
+                                    <p:set>
+                                      <p:cBhvr>
+                                        <p:cTn id="11" dur="1" fill="hold">
+                                          <p:stCondLst>
+                                            <p:cond delay="0"/>
+                                          </p:stCondLst>
+                                        </p:cTn>
+                                        <p:tgtEl>
+                                          <p:spTgt spid="5"/>
+                                        </p:tgtEl>
+                                        <p:attrNameLst>
+                                          <p:attrName>style.visibility</p:attrName>
+                                        </p:attrNameLst>
+                                      </p:cBhvr>
+                                      <p:to>
+                                        <p:strVal val="visible"/>
+                                      </p:to>
+                                    </p:set>
+                                    <p:animEffect transition="in" filter="randombar(horizontal)">
+                                      <p:cBhvr>
+                                        <p:cTn id="12" dur="500"/>
+                                        <p:tgtEl>
+                                          <p:spTgt spid="5"/>
+                                        </p:tgtEl>
+                                      </p:cBhvr>
+                                    </p:animEffect>
+                                  </p:childTnLst>
+                                </p:cTn>
+                              </p:par>
+                            </p:childTnLst>
+                          </p:cTn>
+                        </p:par>
+                      </p:childTnLst>
+                    </p:cTn>
+                  </p:par>
+                </p:childTnLst>
+              </p:cTn>
+              <p:prevCondLst>
+                <p:cond evt="onPrev" delay="0">
+                  <p:tgtEl>
+                    <p:sldTgt/>
+                  </p:tgtEl>
+                </p:cond>
+              </p:prevCondLst>
+              <p:nextCondLst>
+                <p:cond evt="onNext" delay="0">
+                  <p:tgtEl>
+                    <p:sldTgt/>
+                  </p:tgtEl>
+                </p:cond>
+              </p:nextCondLst>
+            </p:seq>
+          </p:childTnLst>
+        </p:cTn>
+      </p:par>
+    </p:tnLst>
+  </p:timing>
+</p:sld>
+</file>
+
+<file path=ppt/slides/slide6.xml><?xml version="1.0" encoding="utf-8"?>
+<p:sld xmlns:a="http://schemas.openxmlformats.org/drawingml/2006/main" xmlns:r="http://schemas.openxmlformats.org/officeDocument/2006/relationships" xmlns:p="http://schemas.openxmlformats.org/presentationml/2006/main">
+  <p:cSld>
+    <p:spTree>
+      <p:nvGrpSpPr>
+        <p:cNvPr id="1" name=""/>
+        <p:cNvGrpSpPr/>
+        <p:nvPr/>
+      </p:nvGrpSpPr>
+      <p:grpSpPr>
+        <a:xfrm>
+          <a:off x="0" y="0"/>
+          <a:ext cx="0" cy="0"/>
+          <a:chOff x="0" y="0"/>
+          <a:chExt cx="0" cy="0"/>
+        </a:xfrm>
+      </p:grpSpPr>
+      <p:sp>
+        <p:nvSpPr>
+          <p:cNvPr id="2" name="Title 1"/>
+          <p:cNvSpPr>
+            <a:spLocks noGrp="1"/>
+          </p:cNvSpPr>
+          <p:nvPr>
+            <p:ph type="title"/>
+          </p:nvPr>
+        </p:nvSpPr>
+        <p:spPr/>
+        <p:txBody>
+          <a:bodyPr/>
+          <a:lstStyle/>
+          <a:p>
+            <a:r>
+              <a:rPr lang="en-US" dirty="0" smtClean="0"/>
+              <a:t>Scenario Problem</a:t>
+            </a:r>
+            <a:endParaRPr lang="en-GB" dirty="0"/>
+          </a:p>
+        </p:txBody>
+      </p:sp>
+      <p:pic>
+        <p:nvPicPr>
           <p:cNvPr id="4" name="Content Placeholder 3"/>
           <p:cNvPicPr>
             <a:picLocks noGrp="1" noChangeAspect="1"/>
@@ -40762,7 +41549,7 @@
 </p:sld>
 </file>
 
-<file path=ppt/slides/slide6.xml><?xml version="1.0" encoding="utf-8"?>
+<file path=ppt/slides/slide7.xml><?xml version="1.0" encoding="utf-8"?>
 <p:sld xmlns:a="http://schemas.openxmlformats.org/drawingml/2006/main" xmlns:r="http://schemas.openxmlformats.org/officeDocument/2006/relationships" xmlns:p="http://schemas.openxmlformats.org/presentationml/2006/main">
   <p:cSld>
     <p:spTree>
@@ -40841,13 +41628,13 @@
   <p:clrMapOvr>
     <a:masterClrMapping/>
   </p:clrMapOvr>
-  <mc:AlternateContent xmlns:mc="http://schemas.openxmlformats.org/markup-compatibility/2006">
-    <mc:Choice xmlns:p14="http://schemas.microsoft.com/office/powerpoint/2010/main" Requires="p14">
+  <mc:AlternateContent xmlns:mc="http://schemas.openxmlformats.org/markup-compatibility/2006" xmlns:p14="http://schemas.microsoft.com/office/powerpoint/2010/main">
+    <mc:Choice Requires="p14">
       <p:transition spd="slow" p14:dur="800">
         <p:circle/>
       </p:transition>
     </mc:Choice>
-    <mc:Fallback>
+    <mc:Fallback xmlns="">
       <p:transition spd="slow">
         <p:circle/>
       </p:transition>
@@ -40863,7 +41650,7 @@
 </p:sld>
 </file>
 
-<file path=ppt/slides/slide7.xml><?xml version="1.0" encoding="utf-8"?>
+<file path=ppt/slides/slide8.xml><?xml version="1.0" encoding="utf-8"?>
 <p:sld xmlns:a="http://schemas.openxmlformats.org/drawingml/2006/main" xmlns:r="http://schemas.openxmlformats.org/officeDocument/2006/relationships" xmlns:p="http://schemas.openxmlformats.org/presentationml/2006/main">
   <p:cSld>
     <p:spTree>
@@ -40942,13 +41729,13 @@
   <p:clrMapOvr>
     <a:masterClrMapping/>
   </p:clrMapOvr>
-  <mc:AlternateContent xmlns:mc="http://schemas.openxmlformats.org/markup-compatibility/2006">
-    <mc:Choice xmlns:p14="http://schemas.microsoft.com/office/powerpoint/2010/main" Requires="p14">
+  <mc:AlternateContent xmlns:mc="http://schemas.openxmlformats.org/markup-compatibility/2006" xmlns:p14="http://schemas.microsoft.com/office/powerpoint/2010/main">
+    <mc:Choice Requires="p14">
       <p:transition spd="slow" p14:dur="1500">
         <p:split orient="vert"/>
       </p:transition>
     </mc:Choice>
-    <mc:Fallback>
+    <mc:Fallback xmlns="">
       <p:transition spd="slow">
         <p:split orient="vert"/>
       </p:transition>
@@ -40964,7 +41751,7 @@
 </p:sld>
 </file>
 
-<file path=ppt/slides/slide8.xml><?xml version="1.0" encoding="utf-8"?>
+<file path=ppt/slides/slide9.xml><?xml version="1.0" encoding="utf-8"?>
 <p:sld xmlns:a="http://schemas.openxmlformats.org/drawingml/2006/main" xmlns:r="http://schemas.openxmlformats.org/officeDocument/2006/relationships" xmlns:p="http://schemas.openxmlformats.org/presentationml/2006/main">
   <p:cSld>
     <p:spTree>
@@ -41046,100 +41833,6 @@
   <p:transition spd="slow">
     <p:wipe/>
   </p:transition>
-  <p:timing>
-    <p:tnLst>
-      <p:par>
-        <p:cTn id="1" dur="indefinite" restart="never" nodeType="tmRoot"/>
-      </p:par>
-    </p:tnLst>
-  </p:timing>
-</p:sld>
-</file>
-
-<file path=ppt/slides/slide9.xml><?xml version="1.0" encoding="utf-8"?>
-<p:sld xmlns:a="http://schemas.openxmlformats.org/drawingml/2006/main" xmlns:r="http://schemas.openxmlformats.org/officeDocument/2006/relationships" xmlns:p="http://schemas.openxmlformats.org/presentationml/2006/main">
-  <p:cSld>
-    <p:spTree>
-      <p:nvGrpSpPr>
-        <p:cNvPr id="1" name=""/>
-        <p:cNvGrpSpPr/>
-        <p:nvPr/>
-      </p:nvGrpSpPr>
-      <p:grpSpPr>
-        <a:xfrm>
-          <a:off x="0" y="0"/>
-          <a:ext cx="0" cy="0"/>
-          <a:chOff x="0" y="0"/>
-          <a:chExt cx="0" cy="0"/>
-        </a:xfrm>
-      </p:grpSpPr>
-      <p:sp>
-        <p:nvSpPr>
-          <p:cNvPr id="2" name="Title 1"/>
-          <p:cNvSpPr>
-            <a:spLocks noGrp="1"/>
-          </p:cNvSpPr>
-          <p:nvPr>
-            <p:ph type="title"/>
-          </p:nvPr>
-        </p:nvSpPr>
-        <p:spPr/>
-        <p:txBody>
-          <a:bodyPr/>
-          <a:lstStyle/>
-          <a:p>
-            <a:r>
-              <a:rPr lang="en-US" dirty="0" smtClean="0"/>
-              <a:t>Our Ideas</a:t>
-            </a:r>
-            <a:endParaRPr lang="en-US" dirty="0"/>
-          </a:p>
-        </p:txBody>
-      </p:sp>
-      <p:graphicFrame>
-        <p:nvGraphicFramePr>
-          <p:cNvPr id="7" name="Diagram 6"/>
-          <p:cNvGraphicFramePr/>
-          <p:nvPr>
-            <p:extLst>
-              <p:ext uri="{D42A27DB-BD31-4B8C-83A1-F6EECF244321}">
-                <p14:modId xmlns:p14="http://schemas.microsoft.com/office/powerpoint/2010/main" val="1811161045"/>
-              </p:ext>
-            </p:extLst>
-          </p:nvPr>
-        </p:nvGraphicFramePr>
-        <p:xfrm>
-          <a:off x="2032000" y="719666"/>
-          <a:ext cx="8128000" cy="5418667"/>
-        </p:xfrm>
-        <a:graphic>
-          <a:graphicData uri="http://schemas.openxmlformats.org/drawingml/2006/diagram">
-            <dgm:relIds xmlns:dgm="http://schemas.openxmlformats.org/drawingml/2006/diagram" xmlns:r="http://schemas.openxmlformats.org/officeDocument/2006/relationships" r:dm="rId2" r:lo="rId3" r:qs="rId4" r:cs="rId5"/>
-          </a:graphicData>
-        </a:graphic>
-      </p:graphicFrame>
-    </p:spTree>
-    <p:extLst>
-      <p:ext uri="{BB962C8B-B14F-4D97-AF65-F5344CB8AC3E}">
-        <p14:creationId xmlns:p14="http://schemas.microsoft.com/office/powerpoint/2010/main" val="3746098645"/>
-      </p:ext>
-    </p:extLst>
-  </p:cSld>
-  <p:clrMapOvr>
-    <a:masterClrMapping/>
-  </p:clrMapOvr>
-  <mc:AlternateContent xmlns:mc="http://schemas.openxmlformats.org/markup-compatibility/2006" xmlns:p14="http://schemas.microsoft.com/office/powerpoint/2010/main">
-    <mc:Choice Requires="p14">
-      <p:transition spd="slow" p14:dur="3900">
-        <p14:glitter pattern="hexagon"/>
-      </p:transition>
-    </mc:Choice>
-    <mc:Fallback xmlns="">
-      <p:transition spd="slow">
-        <p:fade/>
-      </p:transition>
-    </mc:Fallback>
-  </mc:AlternateContent>
   <p:timing>
     <p:tnLst>
       <p:par>
@@ -41401,7 +42094,7 @@
   <a:extraClrSchemeLst/>
   <a:extLst>
     <a:ext uri="{05A4C25C-085E-4340-85A3-A5531E510DB2}">
-      <thm15:themeFamily xmlns:thm15="http://schemas.microsoft.com/office/thememl/2012/main" xmlns="" name="Facet" id="{C0C680CD-088A-49FC-A102-D699147F32B2}" vid="{CFBC31BA-B70F-4F30-BCAA-4F3011E16C4D}"/>
+      <thm15:themeFamily xmlns="" xmlns:thm15="http://schemas.microsoft.com/office/thememl/2012/main" name="Facet" id="{C0C680CD-088A-49FC-A102-D699147F32B2}" vid="{CFBC31BA-B70F-4F30-BCAA-4F3011E16C4D}"/>
     </a:ext>
   </a:extLst>
 </a:theme>

--- a/ smart-buy/Slides/Smart Buy.pptx
+++ b/ smart-buy/Slides/Smart Buy.pptx
@@ -6408,7 +6408,7 @@
         <a:p>
           <a:r>
             <a:rPr lang="en-US" dirty="0" smtClean="0"/>
-            <a:t>Manage cart</a:t>
+            <a:t>Estimate total price</a:t>
           </a:r>
           <a:endParaRPr lang="en-GB" dirty="0"/>
         </a:p>
@@ -6655,7 +6655,7 @@
     <dgm:pt modelId="{36FAAB07-1BD4-42B4-8036-62B0F623ED4C}" type="pres">
       <dgm:prSet presAssocID="{C8464284-228C-4A68-B873-0718032E1E61}" presName="pictRect" presStyleLbl="node1" presStyleIdx="1" presStyleCnt="7"/>
       <dgm:spPr>
-        <a:blipFill dpi="0" rotWithShape="1">
+        <a:blipFill>
           <a:blip xmlns:r="http://schemas.openxmlformats.org/officeDocument/2006/relationships" r:embed="rId2">
             <a:extLst>
               <a:ext uri="{28A0092B-C50C-407E-A947-70E740481C1C}">
@@ -6665,10 +6665,17 @@
           </a:blip>
           <a:srcRect/>
           <a:stretch>
-            <a:fillRect l="15550" r="15550"/>
+            <a:fillRect t="-23000" b="-23000"/>
           </a:stretch>
         </a:blipFill>
       </dgm:spPr>
+      <dgm:t>
+        <a:bodyPr/>
+        <a:lstStyle/>
+        <a:p>
+          <a:endParaRPr lang="en-GB"/>
+        </a:p>
+      </dgm:t>
     </dgm:pt>
     <dgm:pt modelId="{AB026361-32AF-4200-8E3C-B6BC87A0F3C1}" type="pres">
       <dgm:prSet presAssocID="{C8464284-228C-4A68-B873-0718032E1E61}" presName="textRect" presStyleLbl="revTx" presStyleIdx="1" presStyleCnt="7">
@@ -7239,20 +7246,20 @@
     <dgm:pt modelId="{3F152DA9-3FDF-4873-A49F-8049C0B4BEF7}" type="pres">
       <dgm:prSet presAssocID="{A15BA59D-14C6-4BA8-81C9-8CF4D9AABFDF}" presName="pictRect" presStyleLbl="node1" presStyleIdx="0" presStyleCnt="2"/>
       <dgm:spPr>
-        <a:blipFill>
-          <a:blip xmlns:r="http://schemas.openxmlformats.org/officeDocument/2006/relationships" r:embed="rId1">
-            <a:extLst>
-              <a:ext uri="{28A0092B-C50C-407E-A947-70E740481C1C}">
-                <a14:useLocalDpi xmlns:a14="http://schemas.microsoft.com/office/drawing/2010/main" val="0"/>
-              </a:ext>
-            </a:extLst>
-          </a:blip>
-          <a:srcRect/>
+        <a:blipFill rotWithShape="1">
+          <a:blip xmlns:r="http://schemas.openxmlformats.org/officeDocument/2006/relationships" r:embed="rId1"/>
           <a:stretch>
-            <a:fillRect t="-23000" b="-23000"/>
+            <a:fillRect/>
           </a:stretch>
         </a:blipFill>
       </dgm:spPr>
+      <dgm:t>
+        <a:bodyPr/>
+        <a:lstStyle/>
+        <a:p>
+          <a:endParaRPr lang="en-GB"/>
+        </a:p>
+      </dgm:t>
     </dgm:pt>
     <dgm:pt modelId="{3243D8B0-218F-4FC3-9EBC-CE3A4657CDCE}" type="pres">
       <dgm:prSet presAssocID="{A15BA59D-14C6-4BA8-81C9-8CF4D9AABFDF}" presName="textRect" presStyleLbl="revTx" presStyleIdx="0" presStyleCnt="2">
@@ -7285,9 +7292,24 @@
       <dgm:spPr/>
     </dgm:pt>
     <dgm:pt modelId="{85A45D3A-EBA4-4FC5-8EF5-EBCCFCE559F3}" type="pres">
-      <dgm:prSet presAssocID="{B1CB2D87-EA0C-46F2-9244-AE6A967A6F84}" presName="pictRect" presStyleLbl="node1" presStyleIdx="1" presStyleCnt="2"/>
+      <dgm:prSet presAssocID="{B1CB2D87-EA0C-46F2-9244-AE6A967A6F84}" presName="pictRect" presStyleLbl="node1" presStyleIdx="1" presStyleCnt="2">
+        <dgm:style>
+          <a:lnRef idx="2">
+            <a:schemeClr val="dk1"/>
+          </a:lnRef>
+          <a:fillRef idx="1">
+            <a:schemeClr val="lt1"/>
+          </a:fillRef>
+          <a:effectRef idx="0">
+            <a:schemeClr val="dk1"/>
+          </a:effectRef>
+          <a:fontRef idx="minor">
+            <a:schemeClr val="dk1"/>
+          </a:fontRef>
+        </dgm:style>
+      </dgm:prSet>
       <dgm:spPr>
-        <a:blipFill>
+        <a:blipFill dpi="0" rotWithShape="1">
           <a:blip xmlns:r="http://schemas.openxmlformats.org/officeDocument/2006/relationships" r:embed="rId2">
             <a:extLst>
               <a:ext uri="{28A0092B-C50C-407E-A947-70E740481C1C}">
@@ -7297,10 +7319,17 @@
           </a:blip>
           <a:srcRect/>
           <a:stretch>
-            <a:fillRect t="-24000" b="-24000"/>
+            <a:fillRect l="16017" r="16017"/>
           </a:stretch>
         </a:blipFill>
       </dgm:spPr>
+      <dgm:t>
+        <a:bodyPr/>
+        <a:lstStyle/>
+        <a:p>
+          <a:endParaRPr lang="en-GB"/>
+        </a:p>
+      </dgm:t>
     </dgm:pt>
     <dgm:pt modelId="{F76790B2-0C34-4DDC-AC4C-558B90BE42D0}" type="pres">
       <dgm:prSet presAssocID="{B1CB2D87-EA0C-46F2-9244-AE6A967A6F84}" presName="textRect" presStyleLbl="revTx" presStyleIdx="1" presStyleCnt="2">
@@ -9682,7 +9711,7 @@
         <a:prstGeom prst="roundRect">
           <a:avLst/>
         </a:prstGeom>
-        <a:blipFill dpi="0" rotWithShape="1">
+        <a:blipFill>
           <a:blip xmlns:r="http://schemas.openxmlformats.org/officeDocument/2006/relationships" r:embed="rId2">
             <a:extLst>
               <a:ext uri="{28A0092B-C50C-407E-A947-70E740481C1C}">
@@ -9692,7 +9721,7 @@
           </a:blip>
           <a:srcRect/>
           <a:stretch>
-            <a:fillRect l="15550" r="15550"/>
+            <a:fillRect t="-23000" b="-23000"/>
           </a:stretch>
         </a:blipFill>
         <a:ln>
@@ -9792,7 +9821,7 @@
           </a:pPr>
           <a:r>
             <a:rPr lang="en-US" sz="2200" kern="1200" dirty="0" smtClean="0"/>
-            <a:t>Manage cart</a:t>
+            <a:t>Estimate total price</a:t>
           </a:r>
           <a:endParaRPr lang="en-GB" sz="2200" kern="1200" dirty="0"/>
         </a:p>
@@ -10871,17 +10900,10 @@
         <a:prstGeom prst="roundRect">
           <a:avLst/>
         </a:prstGeom>
-        <a:blipFill>
-          <a:blip xmlns:r="http://schemas.openxmlformats.org/officeDocument/2006/relationships" r:embed="rId1">
-            <a:extLst>
-              <a:ext uri="{28A0092B-C50C-407E-A947-70E740481C1C}">
-                <a14:useLocalDpi xmlns:a14="http://schemas.microsoft.com/office/drawing/2010/main" val="0"/>
-              </a:ext>
-            </a:extLst>
-          </a:blip>
-          <a:srcRect/>
+        <a:blipFill rotWithShape="1">
+          <a:blip xmlns:r="http://schemas.openxmlformats.org/officeDocument/2006/relationships" r:embed="rId1"/>
           <a:stretch>
-            <a:fillRect t="-23000" b="-23000"/>
+            <a:fillRect/>
           </a:stretch>
         </a:blipFill>
         <a:ln w="19050" cap="rnd" cmpd="sng" algn="ctr">
@@ -10981,7 +11003,7 @@
         <a:prstGeom prst="roundRect">
           <a:avLst/>
         </a:prstGeom>
-        <a:blipFill>
+        <a:blipFill dpi="0" rotWithShape="1">
           <a:blip xmlns:r="http://schemas.openxmlformats.org/officeDocument/2006/relationships" r:embed="rId2">
             <a:extLst>
               <a:ext uri="{28A0092B-C50C-407E-A947-70E740481C1C}">
@@ -10991,17 +11013,12 @@
           </a:blip>
           <a:srcRect/>
           <a:stretch>
-            <a:fillRect t="-24000" b="-24000"/>
+            <a:fillRect l="16017" r="16017"/>
           </a:stretch>
         </a:blipFill>
         <a:ln w="19050" cap="rnd" cmpd="sng" algn="ctr">
           <a:solidFill>
-            <a:schemeClr val="lt1">
-              <a:hueOff val="0"/>
-              <a:satOff val="0"/>
-              <a:lumOff val="0"/>
-              <a:alphaOff val="0"/>
-            </a:schemeClr>
+            <a:schemeClr val="dk1"/>
           </a:solidFill>
           <a:prstDash val="solid"/>
         </a:ln>
@@ -11009,16 +11026,16 @@
       </dsp:spPr>
       <dsp:style>
         <a:lnRef idx="2">
-          <a:scrgbClr r="0" g="0" b="0"/>
+          <a:schemeClr val="dk1"/>
         </a:lnRef>
         <a:fillRef idx="1">
-          <a:scrgbClr r="0" g="0" b="0"/>
+          <a:schemeClr val="lt1"/>
         </a:fillRef>
         <a:effectRef idx="0">
-          <a:scrgbClr r="0" g="0" b="0"/>
+          <a:schemeClr val="dk1"/>
         </a:effectRef>
         <a:fontRef idx="minor">
-          <a:schemeClr val="lt1"/>
+          <a:schemeClr val="dk1"/>
         </a:fontRef>
       </dsp:style>
     </dsp:sp>
@@ -20672,7 +20689,7 @@
           <a:p>
             <a:fld id="{03828354-E0C5-4131-9B49-1997E3EE3A7D}" type="datetimeFigureOut">
               <a:rPr lang="en-US" smtClean="0"/>
-              <a:t>4/21/2014</a:t>
+              <a:t>4/29/2014</a:t>
             </a:fld>
             <a:endParaRPr lang="en-US"/>
           </a:p>
@@ -20923,7 +20940,7 @@
           <a:p>
             <a:fld id="{03828354-E0C5-4131-9B49-1997E3EE3A7D}" type="datetimeFigureOut">
               <a:rPr lang="en-US" smtClean="0"/>
-              <a:t>4/21/2014</a:t>
+              <a:t>4/29/2014</a:t>
             </a:fld>
             <a:endParaRPr lang="en-US"/>
           </a:p>
@@ -21237,7 +21254,7 @@
           <a:p>
             <a:fld id="{03828354-E0C5-4131-9B49-1997E3EE3A7D}" type="datetimeFigureOut">
               <a:rPr lang="en-US" smtClean="0"/>
-              <a:t>4/21/2014</a:t>
+              <a:t>4/29/2014</a:t>
             </a:fld>
             <a:endParaRPr lang="en-US"/>
           </a:p>
@@ -21578,7 +21595,7 @@
           <a:p>
             <a:fld id="{03828354-E0C5-4131-9B49-1997E3EE3A7D}" type="datetimeFigureOut">
               <a:rPr lang="en-US" smtClean="0"/>
-              <a:t>4/21/2014</a:t>
+              <a:t>4/29/2014</a:t>
             </a:fld>
             <a:endParaRPr lang="en-US"/>
           </a:p>
@@ -21892,7 +21909,7 @@
           <a:p>
             <a:fld id="{03828354-E0C5-4131-9B49-1997E3EE3A7D}" type="datetimeFigureOut">
               <a:rPr lang="en-US" smtClean="0"/>
-              <a:t>4/21/2014</a:t>
+              <a:t>4/29/2014</a:t>
             </a:fld>
             <a:endParaRPr lang="en-US"/>
           </a:p>
@@ -22285,7 +22302,7 @@
           <a:p>
             <a:fld id="{03828354-E0C5-4131-9B49-1997E3EE3A7D}" type="datetimeFigureOut">
               <a:rPr lang="en-US" smtClean="0"/>
-              <a:t>4/21/2014</a:t>
+              <a:t>4/29/2014</a:t>
             </a:fld>
             <a:endParaRPr lang="en-US"/>
           </a:p>
@@ -22455,7 +22472,7 @@
           <a:p>
             <a:fld id="{03828354-E0C5-4131-9B49-1997E3EE3A7D}" type="datetimeFigureOut">
               <a:rPr lang="en-US" smtClean="0"/>
-              <a:t>4/21/2014</a:t>
+              <a:t>4/29/2014</a:t>
             </a:fld>
             <a:endParaRPr lang="en-US"/>
           </a:p>
@@ -22635,7 +22652,7 @@
           <a:p>
             <a:fld id="{03828354-E0C5-4131-9B49-1997E3EE3A7D}" type="datetimeFigureOut">
               <a:rPr lang="en-US" smtClean="0"/>
-              <a:t>4/21/2014</a:t>
+              <a:t>4/29/2014</a:t>
             </a:fld>
             <a:endParaRPr lang="en-US"/>
           </a:p>
@@ -22845,7 +22862,7 @@
           <a:p>
             <a:fld id="{03828354-E0C5-4131-9B49-1997E3EE3A7D}" type="datetimeFigureOut">
               <a:rPr lang="en-US" smtClean="0"/>
-              <a:t>4/21/2014</a:t>
+              <a:t>4/29/2014</a:t>
             </a:fld>
             <a:endParaRPr lang="en-US"/>
           </a:p>
@@ -23092,7 +23109,7 @@
           <a:p>
             <a:fld id="{03828354-E0C5-4131-9B49-1997E3EE3A7D}" type="datetimeFigureOut">
               <a:rPr lang="en-US" smtClean="0"/>
-              <a:t>4/21/2014</a:t>
+              <a:t>4/29/2014</a:t>
             </a:fld>
             <a:endParaRPr lang="en-US"/>
           </a:p>
@@ -23324,7 +23341,7 @@
           <a:p>
             <a:fld id="{03828354-E0C5-4131-9B49-1997E3EE3A7D}" type="datetimeFigureOut">
               <a:rPr lang="en-US" smtClean="0"/>
-              <a:t>4/21/2014</a:t>
+              <a:t>4/29/2014</a:t>
             </a:fld>
             <a:endParaRPr lang="en-US"/>
           </a:p>
@@ -23698,7 +23715,7 @@
           <a:p>
             <a:fld id="{03828354-E0C5-4131-9B49-1997E3EE3A7D}" type="datetimeFigureOut">
               <a:rPr lang="en-US" smtClean="0"/>
-              <a:t>4/21/2014</a:t>
+              <a:t>4/29/2014</a:t>
             </a:fld>
             <a:endParaRPr lang="en-US"/>
           </a:p>
@@ -23821,7 +23838,7 @@
           <a:p>
             <a:fld id="{03828354-E0C5-4131-9B49-1997E3EE3A7D}" type="datetimeFigureOut">
               <a:rPr lang="en-US" smtClean="0"/>
-              <a:t>4/21/2014</a:t>
+              <a:t>4/29/2014</a:t>
             </a:fld>
             <a:endParaRPr lang="en-US"/>
           </a:p>
@@ -23916,7 +23933,7 @@
           <a:p>
             <a:fld id="{03828354-E0C5-4131-9B49-1997E3EE3A7D}" type="datetimeFigureOut">
               <a:rPr lang="en-US" smtClean="0"/>
-              <a:t>4/21/2014</a:t>
+              <a:t>4/29/2014</a:t>
             </a:fld>
             <a:endParaRPr lang="en-US"/>
           </a:p>
@@ -24171,7 +24188,7 @@
           <a:p>
             <a:fld id="{03828354-E0C5-4131-9B49-1997E3EE3A7D}" type="datetimeFigureOut">
               <a:rPr lang="en-US" smtClean="0"/>
-              <a:t>4/21/2014</a:t>
+              <a:t>4/29/2014</a:t>
             </a:fld>
             <a:endParaRPr lang="en-US"/>
           </a:p>
@@ -24434,7 +24451,7 @@
           <a:p>
             <a:fld id="{03828354-E0C5-4131-9B49-1997E3EE3A7D}" type="datetimeFigureOut">
               <a:rPr lang="en-US" smtClean="0"/>
-              <a:t>4/21/2014</a:t>
+              <a:t>4/29/2014</a:t>
             </a:fld>
             <a:endParaRPr lang="en-US"/>
           </a:p>
@@ -25177,7 +25194,7 @@
           <a:p>
             <a:fld id="{03828354-E0C5-4131-9B49-1997E3EE3A7D}" type="datetimeFigureOut">
               <a:rPr lang="en-US" smtClean="0"/>
-              <a:t>4/21/2014</a:t>
+              <a:t>4/29/2014</a:t>
             </a:fld>
             <a:endParaRPr lang="en-US"/>
           </a:p>
@@ -26253,7 +26270,7 @@
             <p:ph idx="1"/>
             <p:extLst>
               <p:ext uri="{D42A27DB-BD31-4B8C-83A1-F6EECF244321}">
-                <p14:modId xmlns:p14="http://schemas.microsoft.com/office/powerpoint/2010/main" val="1990236922"/>
+                <p14:modId xmlns:p14="http://schemas.microsoft.com/office/powerpoint/2010/main" val="1845994561"/>
               </p:ext>
             </p:extLst>
           </p:nvPr>
@@ -31376,7 +31393,7 @@
       </p:sp>
       <p:pic>
         <p:nvPicPr>
-          <p:cNvPr id="5" name="Picture 4"/>
+          <p:cNvPr id="6" name="Picture 5"/>
           <p:cNvPicPr>
             <a:picLocks noChangeAspect="1"/>
           </p:cNvPicPr>
@@ -31396,8 +31413,8 @@
         </p:blipFill>
         <p:spPr>
           <a:xfrm>
-            <a:off x="2236630" y="5357674"/>
-            <a:ext cx="1240665" cy="1240665"/>
+            <a:off x="8696167" y="4777130"/>
+            <a:ext cx="2200927" cy="1843452"/>
           </a:xfrm>
           <a:prstGeom prst="rect">
             <a:avLst/>
@@ -31406,7 +31423,7 @@
       </p:pic>
       <p:pic>
         <p:nvPicPr>
-          <p:cNvPr id="6" name="Picture 5"/>
+          <p:cNvPr id="3" name="Picture 2"/>
           <p:cNvPicPr>
             <a:picLocks noChangeAspect="1"/>
           </p:cNvPicPr>
@@ -31426,8 +31443,8 @@
         </p:blipFill>
         <p:spPr>
           <a:xfrm>
-            <a:off x="9055209" y="5356339"/>
-            <a:ext cx="1482844" cy="1242000"/>
+            <a:off x="73651" y="1512815"/>
+            <a:ext cx="2880171" cy="1908000"/>
           </a:xfrm>
           <a:prstGeom prst="rect">
             <a:avLst/>
@@ -31436,14 +31453,14 @@
       </p:pic>
       <p:pic>
         <p:nvPicPr>
-          <p:cNvPr id="3" name="Picture 2"/>
+          <p:cNvPr id="4" name="Picture 3"/>
           <p:cNvPicPr>
             <a:picLocks noChangeAspect="1"/>
           </p:cNvPicPr>
           <p:nvPr/>
         </p:nvPicPr>
         <p:blipFill>
-          <a:blip r:embed="rId4">
+          <a:blip r:embed="rId4" cstate="print">
             <a:extLst>
               <a:ext uri="{28A0092B-C50C-407E-A947-70E740481C1C}">
                 <a14:useLocalDpi xmlns:a14="http://schemas.microsoft.com/office/drawing/2010/main" val="0"/>
@@ -31456,8 +31473,8 @@
         </p:blipFill>
         <p:spPr>
           <a:xfrm>
-            <a:off x="73651" y="1912064"/>
-            <a:ext cx="2880171" cy="1908000"/>
+            <a:off x="3299876" y="1512815"/>
+            <a:ext cx="3411363" cy="1908000"/>
           </a:xfrm>
           <a:prstGeom prst="rect">
             <a:avLst/>
@@ -31466,7 +31483,7 @@
       </p:pic>
       <p:pic>
         <p:nvPicPr>
-          <p:cNvPr id="4" name="Picture 3"/>
+          <p:cNvPr id="7" name="Picture 6"/>
           <p:cNvPicPr>
             <a:picLocks noChangeAspect="1"/>
           </p:cNvPicPr>
@@ -31486,24 +31503,67 @@
         </p:blipFill>
         <p:spPr>
           <a:xfrm>
-            <a:off x="3299876" y="1912064"/>
-            <a:ext cx="3411363" cy="1908000"/>
+            <a:off x="8337126" y="1495031"/>
+            <a:ext cx="2919010" cy="1907560"/>
           </a:xfrm>
           <a:prstGeom prst="rect">
             <a:avLst/>
           </a:prstGeom>
         </p:spPr>
       </p:pic>
+      <p:cxnSp>
+        <p:nvCxnSpPr>
+          <p:cNvPr id="13" name="Straight Arrow Connector 12"/>
+          <p:cNvCxnSpPr>
+            <a:stCxn id="7" idx="2"/>
+            <a:endCxn id="6" idx="0"/>
+          </p:cNvCxnSpPr>
+          <p:nvPr/>
+        </p:nvCxnSpPr>
+        <p:spPr>
+          <a:xfrm>
+            <a:off x="9796631" y="3402591"/>
+            <a:ext cx="0" cy="1374539"/>
+          </a:xfrm>
+          <a:prstGeom prst="straightConnector1">
+            <a:avLst/>
+          </a:prstGeom>
+          <a:ln w="38100">
+            <a:tailEnd type="arrow"/>
+          </a:ln>
+        </p:spPr>
+        <p:style>
+          <a:lnRef idx="1">
+            <a:schemeClr val="accent1"/>
+          </a:lnRef>
+          <a:fillRef idx="0">
+            <a:schemeClr val="accent1"/>
+          </a:fillRef>
+          <a:effectRef idx="0">
+            <a:schemeClr val="accent1"/>
+          </a:effectRef>
+          <a:fontRef idx="minor">
+            <a:schemeClr val="tx1"/>
+          </a:fontRef>
+        </p:style>
+      </p:cxnSp>
       <p:pic>
         <p:nvPicPr>
-          <p:cNvPr id="7" name="Picture 6"/>
+          <p:cNvPr id="8" name="Picture 7"/>
           <p:cNvPicPr>
             <a:picLocks noChangeAspect="1"/>
           </p:cNvPicPr>
           <p:nvPr/>
         </p:nvPicPr>
         <p:blipFill>
-          <a:blip r:embed="rId6" cstate="print">
+          <a:blip r:embed="rId6">
+            <a:duotone>
+              <a:prstClr val="black"/>
+              <a:schemeClr val="accent1">
+                <a:tint val="45000"/>
+                <a:satMod val="400000"/>
+              </a:schemeClr>
+            </a:duotone>
             <a:extLst>
               <a:ext uri="{28A0092B-C50C-407E-A947-70E740481C1C}">
                 <a14:useLocalDpi xmlns:a14="http://schemas.microsoft.com/office/drawing/2010/main" val="0"/>
@@ -31516,8 +31576,8 @@
         </p:blipFill>
         <p:spPr>
           <a:xfrm>
-            <a:off x="8337126" y="1894280"/>
-            <a:ext cx="2919010" cy="1907560"/>
+            <a:off x="1513736" y="4802542"/>
+            <a:ext cx="3625738" cy="1792629"/>
           </a:xfrm>
           <a:prstGeom prst="rect">
             <a:avLst/>
@@ -31526,7 +31586,7 @@
       </p:pic>
       <p:cxnSp>
         <p:nvCxnSpPr>
-          <p:cNvPr id="9" name="Straight Arrow Connector 8"/>
+          <p:cNvPr id="12" name="Straight Arrow Connector 11"/>
           <p:cNvCxnSpPr>
             <a:stCxn id="3" idx="2"/>
           </p:cNvCxnSpPr>
@@ -31534,8 +31594,8 @@
         </p:nvCxnSpPr>
         <p:spPr>
           <a:xfrm>
-            <a:off x="1513737" y="3820064"/>
-            <a:ext cx="868855" cy="1536275"/>
+            <a:off x="1513737" y="3420815"/>
+            <a:ext cx="740066" cy="1381727"/>
           </a:xfrm>
           <a:prstGeom prst="straightConnector1">
             <a:avLst/>
@@ -31561,7 +31621,7 @@
       </p:cxnSp>
       <p:cxnSp>
         <p:nvCxnSpPr>
-          <p:cNvPr id="11" name="Straight Arrow Connector 10"/>
+          <p:cNvPr id="15" name="Straight Arrow Connector 14"/>
           <p:cNvCxnSpPr>
             <a:stCxn id="4" idx="2"/>
           </p:cNvCxnSpPr>
@@ -31569,44 +31629,8 @@
         </p:nvCxnSpPr>
         <p:spPr>
           <a:xfrm flipH="1">
-            <a:off x="3477295" y="3820064"/>
-            <a:ext cx="1528263" cy="1537610"/>
-          </a:xfrm>
-          <a:prstGeom prst="straightConnector1">
-            <a:avLst/>
-          </a:prstGeom>
-          <a:ln w="38100">
-            <a:tailEnd type="arrow"/>
-          </a:ln>
-        </p:spPr>
-        <p:style>
-          <a:lnRef idx="1">
-            <a:schemeClr val="accent1"/>
-          </a:lnRef>
-          <a:fillRef idx="0">
-            <a:schemeClr val="accent1"/>
-          </a:fillRef>
-          <a:effectRef idx="0">
-            <a:schemeClr val="accent1"/>
-          </a:effectRef>
-          <a:fontRef idx="minor">
-            <a:schemeClr val="tx1"/>
-          </a:fontRef>
-        </p:style>
-      </p:cxnSp>
-      <p:cxnSp>
-        <p:nvCxnSpPr>
-          <p:cNvPr id="13" name="Straight Arrow Connector 12"/>
-          <p:cNvCxnSpPr>
-            <a:stCxn id="7" idx="2"/>
-            <a:endCxn id="6" idx="0"/>
-          </p:cNvCxnSpPr>
-          <p:nvPr/>
-        </p:nvCxnSpPr>
-        <p:spPr>
-          <a:xfrm>
-            <a:off x="9796631" y="3801840"/>
-            <a:ext cx="0" cy="1554499"/>
+            <a:off x="3554569" y="3420815"/>
+            <a:ext cx="1450989" cy="1381727"/>
           </a:xfrm>
           <a:prstGeom prst="straightConnector1">
             <a:avLst/>
@@ -31747,7 +31771,7 @@
                                           </p:stCondLst>
                                         </p:cTn>
                                         <p:tgtEl>
-                                          <p:spTgt spid="9"/>
+                                          <p:spTgt spid="12"/>
                                         </p:tgtEl>
                                         <p:attrNameLst>
                                           <p:attrName>style.visibility</p:attrName>
@@ -31761,7 +31785,7 @@
                                       <p:cBhvr>
                                         <p:cTn id="13" dur="500"/>
                                         <p:tgtEl>
-                                          <p:spTgt spid="9"/>
+                                          <p:spTgt spid="12"/>
                                         </p:tgtEl>
                                       </p:cBhvr>
                                     </p:animEffect>
@@ -31782,7 +31806,7 @@
                                           </p:stCondLst>
                                         </p:cTn>
                                         <p:tgtEl>
-                                          <p:spTgt spid="11"/>
+                                          <p:spTgt spid="15"/>
                                         </p:tgtEl>
                                         <p:attrNameLst>
                                           <p:attrName>style.visibility</p:attrName>
@@ -31796,7 +31820,7 @@
                                       <p:cBhvr>
                                         <p:cTn id="16" dur="500"/>
                                         <p:tgtEl>
-                                          <p:spTgt spid="11"/>
+                                          <p:spTgt spid="15"/>
                                         </p:tgtEl>
                                       </p:cBhvr>
                                     </p:animEffect>
@@ -31817,7 +31841,7 @@
                                           </p:stCondLst>
                                         </p:cTn>
                                         <p:tgtEl>
-                                          <p:spTgt spid="5"/>
+                                          <p:spTgt spid="8"/>
                                         </p:tgtEl>
                                         <p:attrNameLst>
                                           <p:attrName>style.visibility</p:attrName>
@@ -31831,7 +31855,7 @@
                                       <p:cBhvr>
                                         <p:cTn id="19" dur="500"/>
                                         <p:tgtEl>
-                                          <p:spTgt spid="5"/>
+                                          <p:spTgt spid="8"/>
                                         </p:tgtEl>
                                       </p:cBhvr>
                                     </p:animEffect>
@@ -36653,7 +36677,7 @@
       </p:sp>
       <p:pic>
         <p:nvPicPr>
-          <p:cNvPr id="4" name="Content Placeholder 3"/>
+          <p:cNvPr id="5" name="Content Placeholder 4"/>
           <p:cNvPicPr>
             <a:picLocks noGrp="1" noChangeAspect="1"/>
           </p:cNvPicPr>
@@ -36675,8 +36699,8 @@
         </p:blipFill>
         <p:spPr>
           <a:xfrm>
-            <a:off x="524746" y="885580"/>
-            <a:ext cx="8233758" cy="5862949"/>
+            <a:off x="1114297" y="1233309"/>
+            <a:ext cx="8081217" cy="5229818"/>
           </a:xfrm>
         </p:spPr>
       </p:pic>
@@ -36847,11 +36871,7 @@
           <a:p>
             <a:r>
               <a:rPr lang="en-US" dirty="0" smtClean="0"/>
-              <a:t>Import Excel </a:t>
-            </a:r>
-            <a:r>
-              <a:rPr lang="en-US" dirty="0" smtClean="0"/>
-              <a:t>Flow</a:t>
+              <a:t>Import Excel Flow</a:t>
             </a:r>
             <a:endParaRPr lang="en-US" dirty="0"/>
           </a:p>
@@ -40614,11 +40634,7 @@
           <a:p>
             <a:r>
               <a:rPr lang="en-US" dirty="0" smtClean="0"/>
-              <a:t>Future </a:t>
-            </a:r>
-            <a:r>
-              <a:rPr lang="en-US" dirty="0" smtClean="0"/>
-              <a:t>Plans</a:t>
+              <a:t>Future Plans</a:t>
             </a:r>
             <a:endParaRPr lang="en-GB" dirty="0"/>
           </a:p>
@@ -40634,7 +40650,7 @@
             <p:ph idx="1"/>
             <p:extLst>
               <p:ext uri="{D42A27DB-BD31-4B8C-83A1-F6EECF244321}">
-                <p14:modId xmlns:p14="http://schemas.microsoft.com/office/powerpoint/2010/main" val="153801580"/>
+                <p14:modId xmlns:p14="http://schemas.microsoft.com/office/powerpoint/2010/main" val="3240397238"/>
               </p:ext>
             </p:extLst>
           </p:nvPr>
